--- a/Cassandra Ver1.pptx
+++ b/Cassandra Ver1.pptx
@@ -5,7 +5,7 @@
     <p:sldMasterId id="2147483720" r:id="rId1"/>
   </p:sldMasterIdLst>
   <p:notesMasterIdLst>
-    <p:notesMasterId r:id="rId22"/>
+    <p:notesMasterId r:id="rId24"/>
   </p:notesMasterIdLst>
   <p:sldIdLst>
     <p:sldId id="256" r:id="rId2"/>
@@ -25,9 +25,11 @@
     <p:sldId id="1429" r:id="rId16"/>
     <p:sldId id="1430" r:id="rId17"/>
     <p:sldId id="1431" r:id="rId18"/>
-    <p:sldId id="1424" r:id="rId19"/>
-    <p:sldId id="1421" r:id="rId20"/>
-    <p:sldId id="350" r:id="rId21"/>
+    <p:sldId id="1432" r:id="rId19"/>
+    <p:sldId id="1433" r:id="rId20"/>
+    <p:sldId id="1424" r:id="rId21"/>
+    <p:sldId id="1421" r:id="rId22"/>
+    <p:sldId id="350" r:id="rId23"/>
   </p:sldIdLst>
   <p:sldSz cx="12192000" cy="6858000"/>
   <p:notesSz cx="6858000" cy="9144000"/>
@@ -5298,7 +5300,7 @@
         </p:nvSpPr>
         <p:spPr>
           <a:xfrm>
-            <a:off x="523153" y="484883"/>
+            <a:off x="335360" y="332656"/>
             <a:ext cx="6093724" cy="2154436"/>
           </a:xfrm>
           <a:prstGeom prst="rect">
@@ -5903,6 +5905,23 @@
                 <a:latin typeface="Source Code Pro" panose="020B0509030403020204" pitchFamily="49" charset="0"/>
                 <a:ea typeface="Source Code Pro" panose="020B0509030403020204" pitchFamily="49" charset="0"/>
               </a:rPr>
+              <a:t>( yyyy-mm-dd )</a:t>
+            </a:r>
+            <a:r>
+              <a:rPr lang="en-US" spc="-1" dirty="0">
+                <a:solidFill>
+                  <a:srgbClr val="2B8208"/>
+                </a:solidFill>
+                <a:latin typeface="Source Code Pro" panose="020B0509030403020204" pitchFamily="49" charset="0"/>
+                <a:ea typeface="Source Code Pro" panose="020B0509030403020204" pitchFamily="49" charset="0"/>
+              </a:rPr>
+              <a:t> </a:t>
+            </a:r>
+            <a:r>
+              <a:rPr lang="en-US" spc="-1" dirty="0">
+                <a:latin typeface="Source Code Pro" panose="020B0509030403020204" pitchFamily="49" charset="0"/>
+                <a:ea typeface="Source Code Pro" panose="020B0509030403020204" pitchFamily="49" charset="0"/>
+              </a:rPr>
               <a:t>|</a:t>
             </a:r>
             <a:r>
@@ -5913,7 +5932,14 @@
                 <a:latin typeface="Source Code Pro" panose="020B0509030403020204" pitchFamily="49" charset="0"/>
                 <a:ea typeface="Source Code Pro" panose="020B0509030403020204" pitchFamily="49" charset="0"/>
               </a:rPr>
-              <a:t> TIME</a:t>
+              <a:t> TIME </a:t>
+            </a:r>
+            <a:r>
+              <a:rPr lang="en-US" spc="-1" dirty="0">
+                <a:latin typeface="Source Code Pro" panose="020B0509030403020204" pitchFamily="49" charset="0"/>
+                <a:ea typeface="Source Code Pro" panose="020B0509030403020204" pitchFamily="49" charset="0"/>
+              </a:rPr>
+              <a:t>( HH : MM : SS )</a:t>
             </a:r>
           </a:p>
           <a:p>
@@ -5934,12 +5960,16 @@
                 <a:latin typeface="Source Code Pro" panose="020B0509030403020204" pitchFamily="49" charset="0"/>
                 <a:ea typeface="Source Code Pro" panose="020B0509030403020204" pitchFamily="49" charset="0"/>
               </a:rPr>
-              <a:t>               BOOLEAN</a:t>
+              <a:t>               BOOLEAN </a:t>
+            </a:r>
+            <a:r>
+              <a:rPr lang="en-US" spc="-1" dirty="0">
+                <a:latin typeface="Source Code Pro" panose="020B0509030403020204" pitchFamily="49" charset="0"/>
+                <a:ea typeface="Source Code Pro" panose="020B0509030403020204" pitchFamily="49" charset="0"/>
+              </a:rPr>
+              <a:t>( True | False )</a:t>
             </a:r>
             <a:endParaRPr lang="en-IN" spc="-1" dirty="0">
-              <a:solidFill>
-                <a:srgbClr val="2B8208"/>
-              </a:solidFill>
               <a:latin typeface="Source Code Pro" panose="020B0509030403020204" pitchFamily="49" charset="0"/>
               <a:ea typeface="Source Code Pro" panose="020B0509030403020204" pitchFamily="49" charset="0"/>
             </a:endParaRPr>
@@ -6046,6 +6076,192 @@
               </a:solidFill>
               <a:latin typeface="Source Code Pro" panose="020B0509030403020204" pitchFamily="49" charset="0"/>
               <a:ea typeface="Source Code Pro" panose="020B0509030403020204" pitchFamily="49" charset="0"/>
+            </a:endParaRPr>
+          </a:p>
+        </p:txBody>
+      </p:sp>
+      <p:sp>
+        <p:nvSpPr>
+          <p:cNvPr id="7" name="Rectangle 6">
+            <a:extLst>
+              <a:ext uri="{FF2B5EF4-FFF2-40B4-BE49-F238E27FC236}">
+                <a16:creationId xmlns:a16="http://schemas.microsoft.com/office/drawing/2014/main" id="{E3196A35-F394-4034-B69C-6398E987F28F}"/>
+              </a:ext>
+            </a:extLst>
+          </p:cNvPr>
+          <p:cNvSpPr/>
+          <p:nvPr/>
+        </p:nvSpPr>
+        <p:spPr>
+          <a:xfrm>
+            <a:off x="262558" y="4782051"/>
+            <a:ext cx="11305256" cy="1938992"/>
+          </a:xfrm>
+          <a:prstGeom prst="rect">
+            <a:avLst/>
+          </a:prstGeom>
+        </p:spPr>
+        <p:txBody>
+          <a:bodyPr wrap="square">
+            <a:spAutoFit/>
+          </a:bodyPr>
+          <a:lstStyle/>
+          <a:p>
+            <a:r>
+              <a:rPr lang="en-IN" sz="2200" dirty="0">
+                <a:solidFill>
+                  <a:srgbClr val="FF0000"/>
+                </a:solidFill>
+                <a:latin typeface="Arial" panose="020B0604020202020204" pitchFamily="34" charset="0"/>
+                <a:cs typeface="Arial" panose="020B0604020202020204" pitchFamily="34" charset="0"/>
+              </a:rPr>
+              <a:t>Remember:</a:t>
+            </a:r>
+          </a:p>
+          <a:p>
+            <a:endParaRPr lang="en-IN" sz="800" dirty="0">
+              <a:solidFill>
+                <a:schemeClr val="tx1">
+                  <a:lumMod val="95000"/>
+                  <a:lumOff val="5000"/>
+                </a:schemeClr>
+              </a:solidFill>
+              <a:latin typeface="Palatino Linotype" panose="02040502050505030304" pitchFamily="18" charset="0"/>
+              <a:cs typeface="Arial" panose="020B0604020202020204" pitchFamily="34" charset="0"/>
+            </a:endParaRPr>
+          </a:p>
+          <a:p>
+            <a:pPr marL="285750" indent="-285750">
+              <a:buFont typeface="Arial" panose="020B0604020202020204" pitchFamily="34" charset="0"/>
+              <a:buChar char="•"/>
+            </a:pPr>
+            <a:r>
+              <a:rPr lang="en-US" dirty="0">
+                <a:solidFill>
+                  <a:schemeClr val="tx1">
+                    <a:lumMod val="95000"/>
+                    <a:lumOff val="5000"/>
+                  </a:schemeClr>
+                </a:solidFill>
+                <a:latin typeface="Palatino Linotype" panose="02040502050505030304" pitchFamily="18" charset="0"/>
+                <a:cs typeface="Arial" panose="020B0604020202020204" pitchFamily="34" charset="0"/>
+              </a:rPr>
+              <a:t>Data Type TEXT and VARCHAR are synonym's/alias for each other.</a:t>
+            </a:r>
+          </a:p>
+          <a:p>
+            <a:pPr marL="285750" indent="-285750">
+              <a:buFont typeface="Arial" panose="020B0604020202020204" pitchFamily="34" charset="0"/>
+              <a:buChar char="•"/>
+            </a:pPr>
+            <a:endParaRPr lang="en-US" sz="600" dirty="0">
+              <a:solidFill>
+                <a:schemeClr val="tx1">
+                  <a:lumMod val="95000"/>
+                  <a:lumOff val="5000"/>
+                </a:schemeClr>
+              </a:solidFill>
+              <a:latin typeface="Palatino Linotype" panose="02040502050505030304" pitchFamily="18" charset="0"/>
+              <a:cs typeface="Arial" panose="020B0604020202020204" pitchFamily="34" charset="0"/>
+            </a:endParaRPr>
+          </a:p>
+          <a:p>
+            <a:pPr marL="285750" indent="-285750">
+              <a:buFont typeface="Arial" panose="020B0604020202020204" pitchFamily="34" charset="0"/>
+              <a:buChar char="•"/>
+            </a:pPr>
+            <a:r>
+              <a:rPr lang="en-US" dirty="0">
+                <a:solidFill>
+                  <a:schemeClr val="tx1">
+                    <a:lumMod val="95000"/>
+                    <a:lumOff val="5000"/>
+                  </a:schemeClr>
+                </a:solidFill>
+                <a:latin typeface="Palatino Linotype" panose="02040502050505030304" pitchFamily="18" charset="0"/>
+                <a:cs typeface="Arial" panose="020B0604020202020204" pitchFamily="34" charset="0"/>
+              </a:rPr>
+              <a:t>TODO</a:t>
+            </a:r>
+          </a:p>
+          <a:p>
+            <a:pPr marL="285750" indent="-285750">
+              <a:buFont typeface="Arial" panose="020B0604020202020204" pitchFamily="34" charset="0"/>
+              <a:buChar char="•"/>
+            </a:pPr>
+            <a:endParaRPr lang="en-US" sz="600" dirty="0">
+              <a:solidFill>
+                <a:schemeClr val="tx1">
+                  <a:lumMod val="95000"/>
+                  <a:lumOff val="5000"/>
+                </a:schemeClr>
+              </a:solidFill>
+              <a:latin typeface="Palatino Linotype" panose="02040502050505030304" pitchFamily="18" charset="0"/>
+              <a:cs typeface="Arial" panose="020B0604020202020204" pitchFamily="34" charset="0"/>
+            </a:endParaRPr>
+          </a:p>
+          <a:p>
+            <a:pPr marL="285750" indent="-285750">
+              <a:buFont typeface="Arial" panose="020B0604020202020204" pitchFamily="34" charset="0"/>
+              <a:buChar char="•"/>
+            </a:pPr>
+            <a:r>
+              <a:rPr lang="en-US" dirty="0">
+                <a:solidFill>
+                  <a:schemeClr val="tx1">
+                    <a:lumMod val="95000"/>
+                    <a:lumOff val="5000"/>
+                  </a:schemeClr>
+                </a:solidFill>
+                <a:latin typeface="Palatino Linotype" panose="02040502050505030304" pitchFamily="18" charset="0"/>
+                <a:cs typeface="Arial" panose="020B0604020202020204" pitchFamily="34" charset="0"/>
+              </a:rPr>
+              <a:t>TODO</a:t>
+            </a:r>
+          </a:p>
+          <a:p>
+            <a:pPr marL="285750" indent="-285750">
+              <a:buFont typeface="Arial" panose="020B0604020202020204" pitchFamily="34" charset="0"/>
+              <a:buChar char="•"/>
+            </a:pPr>
+            <a:endParaRPr lang="en-US" sz="600" dirty="0">
+              <a:solidFill>
+                <a:schemeClr val="tx1">
+                  <a:lumMod val="95000"/>
+                  <a:lumOff val="5000"/>
+                </a:schemeClr>
+              </a:solidFill>
+              <a:latin typeface="Palatino Linotype" panose="02040502050505030304" pitchFamily="18" charset="0"/>
+              <a:cs typeface="Arial" panose="020B0604020202020204" pitchFamily="34" charset="0"/>
+            </a:endParaRPr>
+          </a:p>
+          <a:p>
+            <a:pPr marL="285750" indent="-285750">
+              <a:buFont typeface="Arial" panose="020B0604020202020204" pitchFamily="34" charset="0"/>
+              <a:buChar char="•"/>
+            </a:pPr>
+            <a:r>
+              <a:rPr lang="en-US" dirty="0">
+                <a:solidFill>
+                  <a:schemeClr val="tx1">
+                    <a:lumMod val="95000"/>
+                    <a:lumOff val="5000"/>
+                  </a:schemeClr>
+                </a:solidFill>
+                <a:latin typeface="Palatino Linotype" panose="02040502050505030304" pitchFamily="18" charset="0"/>
+                <a:cs typeface="Arial" panose="020B0604020202020204" pitchFamily="34" charset="0"/>
+              </a:rPr>
+              <a:t>TODO</a:t>
+            </a:r>
+            <a:endParaRPr lang="en-IN" dirty="0">
+              <a:solidFill>
+                <a:schemeClr val="tx1">
+                  <a:lumMod val="95000"/>
+                  <a:lumOff val="5000"/>
+                </a:schemeClr>
+              </a:solidFill>
+              <a:latin typeface="Liberation Mono"/>
+              <a:cs typeface="Arial" panose="020B0604020202020204" pitchFamily="34" charset="0"/>
             </a:endParaRPr>
           </a:p>
         </p:txBody>
@@ -7747,7 +7963,7 @@
         <p:spPr>
           <a:xfrm>
             <a:off x="246600" y="2030040"/>
-            <a:ext cx="11687400" cy="367878"/>
+            <a:ext cx="11687400" cy="644877"/>
           </a:xfrm>
           <a:prstGeom prst="rect">
             <a:avLst/>
@@ -7803,13 +8019,44 @@
             </a:r>
             <a:r>
               <a:rPr lang="en-US" spc="-1" dirty="0">
+                <a:latin typeface="Source Code Pro" panose="020B0509030403020204" pitchFamily="49" charset="0"/>
+                <a:ea typeface="Source Code Pro" panose="020B0509030403020204" pitchFamily="49" charset="0"/>
+              </a:rPr>
+              <a:t>{</a:t>
+            </a:r>
+            <a:r>
+              <a:rPr lang="en-US" spc="-1" dirty="0">
                 <a:solidFill>
                   <a:srgbClr val="2B8208"/>
                 </a:solidFill>
                 <a:latin typeface="Source Code Pro" panose="020B0509030403020204" pitchFamily="49" charset="0"/>
                 <a:ea typeface="Source Code Pro" panose="020B0509030403020204" pitchFamily="49" charset="0"/>
               </a:rPr>
-              <a:t>TABLE</a:t>
+              <a:t> TABLE </a:t>
+            </a:r>
+            <a:r>
+              <a:rPr lang="en-US" spc="-1" dirty="0">
+                <a:latin typeface="Source Code Pro" panose="020B0509030403020204" pitchFamily="49" charset="0"/>
+                <a:ea typeface="Source Code Pro" panose="020B0509030403020204" pitchFamily="49" charset="0"/>
+              </a:rPr>
+              <a:t>|</a:t>
+            </a:r>
+            <a:r>
+              <a:rPr lang="en-US" spc="-1" dirty="0">
+                <a:solidFill>
+                  <a:srgbClr val="2B8208"/>
+                </a:solidFill>
+                <a:latin typeface="Source Code Pro" panose="020B0509030403020204" pitchFamily="49" charset="0"/>
+                <a:ea typeface="Source Code Pro" panose="020B0509030403020204" pitchFamily="49" charset="0"/>
+              </a:rPr>
+              <a:t> COLUMNFAMILY </a:t>
+            </a:r>
+            <a:r>
+              <a:rPr lang="en-US" spc="-1" dirty="0">
+                <a:latin typeface="Source Code Pro" panose="020B0509030403020204" pitchFamily="49" charset="0"/>
+                <a:ea typeface="Source Code Pro" panose="020B0509030403020204" pitchFamily="49" charset="0"/>
+              </a:rPr>
+              <a:t>}</a:t>
             </a:r>
             <a:r>
               <a:rPr lang="en-US" b="0" i="0" dirty="0">
@@ -7957,7 +8204,7 @@
                 <a:latin typeface="Consolas"/>
                 <a:ea typeface="SimSun"/>
               </a:rPr>
-              <a:t> drop table emp;</a:t>
+              <a:t> drop table db1.emp;</a:t>
             </a:r>
           </a:p>
           <a:p>
@@ -7991,22 +8238,33 @@
                 <a:latin typeface="Consolas"/>
                 <a:ea typeface="SimSun"/>
               </a:rPr>
-              <a:t>cqlsh:db1&gt;</a:t>
+              <a:t>cqlsh:db1&gt; </a:t>
             </a:r>
             <a:r>
               <a:rPr lang="en-IN" sz="1800" b="0" strike="noStrike" spc="-1" dirty="0">
                 <a:latin typeface="Consolas"/>
                 <a:ea typeface="SimSun"/>
               </a:rPr>
-              <a:t> drop table db1.emp;</a:t>
-            </a:r>
-            <a:r>
-              <a:rPr lang="en-IN" spc="-1" dirty="0">
+              <a:t>drop </a:t>
+            </a:r>
+            <a:r>
+              <a:rPr lang="en-US" spc="-1" dirty="0">
+                <a:latin typeface="Source Code Pro" panose="020B0509030403020204" pitchFamily="49" charset="0"/>
+                <a:ea typeface="Source Code Pro" panose="020B0509030403020204" pitchFamily="49" charset="0"/>
+              </a:rPr>
+              <a:t>columnfamily</a:t>
+            </a:r>
+            <a:r>
+              <a:rPr lang="en-IN" sz="1800" b="0" strike="noStrike" spc="-1" dirty="0">
                 <a:latin typeface="Consolas"/>
                 <a:ea typeface="SimSun"/>
               </a:rPr>
-              <a:t> </a:t>
-            </a:r>
+              <a:t> db1.emp;</a:t>
+            </a:r>
+            <a:endParaRPr lang="en-IN" spc="-1" dirty="0">
+              <a:latin typeface="Consolas"/>
+              <a:ea typeface="SimSun"/>
+            </a:endParaRPr>
           </a:p>
         </p:txBody>
       </p:sp>
@@ -8083,6 +8341,768 @@
               </a:lnSpc>
             </a:pPr>
             <a:r>
+              <a:rPr lang="en-IN" sz="5400" i="1" spc="-1" dirty="0">
+                <a:solidFill>
+                  <a:srgbClr val="F7C120"/>
+                </a:solidFill>
+                <a:latin typeface="Century"/>
+                <a:ea typeface="DejaVu Sans"/>
+              </a:rPr>
+              <a:t>truncate</a:t>
+            </a:r>
+            <a:r>
+              <a:rPr lang="en-IN" sz="5400" b="0" i="1" strike="noStrike" spc="-1" dirty="0">
+                <a:solidFill>
+                  <a:srgbClr val="F7C120"/>
+                </a:solidFill>
+                <a:latin typeface="Century"/>
+                <a:ea typeface="DejaVu Sans"/>
+              </a:rPr>
+              <a:t> table</a:t>
+            </a:r>
+            <a:endParaRPr lang="en-IN" sz="5400" b="0" strike="noStrike" spc="-1" dirty="0">
+              <a:latin typeface="Arial"/>
+            </a:endParaRPr>
+          </a:p>
+        </p:txBody>
+      </p:sp>
+      <p:sp>
+        <p:nvSpPr>
+          <p:cNvPr id="110" name="CustomShape 2"/>
+          <p:cNvSpPr/>
+          <p:nvPr/>
+        </p:nvSpPr>
+        <p:spPr>
+          <a:xfrm>
+            <a:off x="522360" y="3531600"/>
+            <a:ext cx="11052360" cy="367878"/>
+          </a:xfrm>
+          <a:prstGeom prst="rect">
+            <a:avLst/>
+          </a:prstGeom>
+          <a:noFill/>
+          <a:ln>
+            <a:noFill/>
+          </a:ln>
+        </p:spPr>
+        <p:style>
+          <a:lnRef idx="0">
+            <a:scrgbClr r="0" g="0" b="0"/>
+          </a:lnRef>
+          <a:fillRef idx="0">
+            <a:scrgbClr r="0" g="0" b="0"/>
+          </a:fillRef>
+          <a:effectRef idx="0">
+            <a:scrgbClr r="0" g="0" b="0"/>
+          </a:effectRef>
+          <a:fontRef idx="minor"/>
+        </p:style>
+        <p:txBody>
+          <a:bodyPr lIns="90000" tIns="45000" rIns="90000" bIns="45000">
+            <a:spAutoFit/>
+          </a:bodyPr>
+          <a:lstStyle/>
+          <a:p>
+            <a:pPr algn="just">
+              <a:lnSpc>
+                <a:spcPct val="100000"/>
+              </a:lnSpc>
+            </a:pPr>
+            <a:r>
+              <a:rPr lang="en-US" sz="1800" b="0" strike="noStrike" spc="-1" dirty="0">
+                <a:solidFill>
+                  <a:srgbClr val="BB0643"/>
+                </a:solidFill>
+                <a:latin typeface="Segoe UI"/>
+                <a:ea typeface="DejaVu Sans"/>
+              </a:rPr>
+              <a:t>TODO</a:t>
+            </a:r>
+            <a:endParaRPr lang="en-IN" spc="-1" dirty="0">
+              <a:solidFill>
+                <a:srgbClr val="BB0643"/>
+              </a:solidFill>
+              <a:latin typeface="Segoe UI"/>
+            </a:endParaRPr>
+          </a:p>
+        </p:txBody>
+      </p:sp>
+    </p:spTree>
+    <p:extLst>
+      <p:ext uri="{BB962C8B-B14F-4D97-AF65-F5344CB8AC3E}">
+        <p14:creationId xmlns:p14="http://schemas.microsoft.com/office/powerpoint/2010/main" val="3553681802"/>
+      </p:ext>
+    </p:extLst>
+  </p:cSld>
+  <p:clrMapOvr>
+    <a:masterClrMapping/>
+  </p:clrMapOvr>
+</p:sld>
+</file>
+
+<file path=ppt/slides/slide19.xml><?xml version="1.0" encoding="utf-8"?>
+<p:sld xmlns:a="http://schemas.openxmlformats.org/drawingml/2006/main" xmlns:r="http://schemas.openxmlformats.org/officeDocument/2006/relationships" xmlns:p="http://schemas.openxmlformats.org/presentationml/2006/main">
+  <p:cSld>
+    <p:spTree>
+      <p:nvGrpSpPr>
+        <p:cNvPr id="1" name=""/>
+        <p:cNvGrpSpPr/>
+        <p:nvPr/>
+      </p:nvGrpSpPr>
+      <p:grpSpPr>
+        <a:xfrm>
+          <a:off x="0" y="0"/>
+          <a:ext cx="0" cy="0"/>
+          <a:chOff x="0" y="0"/>
+          <a:chExt cx="0" cy="0"/>
+        </a:xfrm>
+      </p:grpSpPr>
+      <p:sp>
+        <p:nvSpPr>
+          <p:cNvPr id="111" name="CustomShape 1"/>
+          <p:cNvSpPr/>
+          <p:nvPr/>
+        </p:nvSpPr>
+        <p:spPr>
+          <a:xfrm>
+            <a:off x="246600" y="762120"/>
+            <a:ext cx="11687400" cy="367878"/>
+          </a:xfrm>
+          <a:prstGeom prst="rect">
+            <a:avLst/>
+          </a:prstGeom>
+          <a:noFill/>
+          <a:ln>
+            <a:noFill/>
+          </a:ln>
+        </p:spPr>
+        <p:style>
+          <a:lnRef idx="0">
+            <a:scrgbClr r="0" g="0" b="0"/>
+          </a:lnRef>
+          <a:fillRef idx="0">
+            <a:scrgbClr r="0" g="0" b="0"/>
+          </a:fillRef>
+          <a:effectRef idx="0">
+            <a:scrgbClr r="0" g="0" b="0"/>
+          </a:effectRef>
+          <a:fontRef idx="minor"/>
+        </p:style>
+        <p:txBody>
+          <a:bodyPr lIns="90000" tIns="45000" rIns="90000" bIns="45000">
+            <a:spAutoFit/>
+          </a:bodyPr>
+          <a:lstStyle/>
+          <a:p>
+            <a:pPr algn="just"/>
+            <a:r>
+              <a:rPr lang="en-US" spc="-1" dirty="0">
+                <a:latin typeface="Arial"/>
+              </a:rPr>
+              <a:t>Truncating a table permanently removes all existing data from the table, but without removing the table itself.</a:t>
+            </a:r>
+          </a:p>
+        </p:txBody>
+      </p:sp>
+      <p:sp>
+        <p:nvSpPr>
+          <p:cNvPr id="114" name="CustomShape 4"/>
+          <p:cNvSpPr/>
+          <p:nvPr/>
+        </p:nvSpPr>
+        <p:spPr>
+          <a:xfrm>
+            <a:off x="246600" y="0"/>
+            <a:ext cx="11687400" cy="706432"/>
+          </a:xfrm>
+          <a:prstGeom prst="rect">
+            <a:avLst/>
+          </a:prstGeom>
+          <a:solidFill>
+            <a:srgbClr val="C00000"/>
+          </a:solidFill>
+          <a:ln>
+            <a:noFill/>
+          </a:ln>
+        </p:spPr>
+        <p:style>
+          <a:lnRef idx="0">
+            <a:scrgbClr r="0" g="0" b="0"/>
+          </a:lnRef>
+          <a:fillRef idx="0">
+            <a:scrgbClr r="0" g="0" b="0"/>
+          </a:fillRef>
+          <a:effectRef idx="0">
+            <a:scrgbClr r="0" g="0" b="0"/>
+          </a:effectRef>
+          <a:fontRef idx="minor"/>
+        </p:style>
+        <p:txBody>
+          <a:bodyPr lIns="90000" tIns="45000" rIns="90000" bIns="45000">
+            <a:spAutoFit/>
+          </a:bodyPr>
+          <a:lstStyle/>
+          <a:p>
+            <a:pPr algn="ctr">
+              <a:lnSpc>
+                <a:spcPct val="100000"/>
+              </a:lnSpc>
+            </a:pPr>
+            <a:r>
+              <a:rPr lang="en-IN" sz="4000" spc="-1" dirty="0">
+                <a:solidFill>
+                  <a:srgbClr val="F7C120"/>
+                </a:solidFill>
+                <a:latin typeface="Open Sans"/>
+                <a:ea typeface="DejaVu Sans"/>
+              </a:rPr>
+              <a:t>truncate</a:t>
+            </a:r>
+            <a:r>
+              <a:rPr lang="en-IN" sz="4000" b="0" strike="noStrike" spc="-1" dirty="0">
+                <a:solidFill>
+                  <a:srgbClr val="F7C120"/>
+                </a:solidFill>
+                <a:latin typeface="Open Sans"/>
+                <a:ea typeface="DejaVu Sans"/>
+              </a:rPr>
+              <a:t> table</a:t>
+            </a:r>
+            <a:endParaRPr lang="en-IN" sz="4000" b="0" strike="noStrike" spc="-1" dirty="0">
+              <a:latin typeface="Arial"/>
+            </a:endParaRPr>
+          </a:p>
+        </p:txBody>
+      </p:sp>
+      <p:sp>
+        <p:nvSpPr>
+          <p:cNvPr id="115" name="Line 5"/>
+          <p:cNvSpPr/>
+          <p:nvPr/>
+        </p:nvSpPr>
+        <p:spPr>
+          <a:xfrm>
+            <a:off x="0" y="1536120"/>
+            <a:ext cx="12191760" cy="0"/>
+          </a:xfrm>
+          <a:prstGeom prst="line">
+            <a:avLst/>
+          </a:prstGeom>
+          <a:ln w="12600">
+            <a:solidFill>
+              <a:srgbClr val="6E78A0"/>
+            </a:solidFill>
+            <a:prstDash val="dash"/>
+            <a:round/>
+          </a:ln>
+        </p:spPr>
+        <p:style>
+          <a:lnRef idx="1">
+            <a:schemeClr val="accent1"/>
+          </a:lnRef>
+          <a:fillRef idx="0">
+            <a:schemeClr val="accent1"/>
+          </a:fillRef>
+          <a:effectRef idx="0">
+            <a:schemeClr val="accent1"/>
+          </a:effectRef>
+          <a:fontRef idx="minor"/>
+        </p:style>
+      </p:sp>
+      <p:sp>
+        <p:nvSpPr>
+          <p:cNvPr id="116" name="CustomShape 6"/>
+          <p:cNvSpPr/>
+          <p:nvPr/>
+        </p:nvSpPr>
+        <p:spPr>
+          <a:xfrm>
+            <a:off x="246600" y="2030040"/>
+            <a:ext cx="11687400" cy="367878"/>
+          </a:xfrm>
+          <a:prstGeom prst="rect">
+            <a:avLst/>
+          </a:prstGeom>
+          <a:noFill/>
+          <a:ln>
+            <a:noFill/>
+          </a:ln>
+        </p:spPr>
+        <p:style>
+          <a:lnRef idx="0">
+            <a:scrgbClr r="0" g="0" b="0"/>
+          </a:lnRef>
+          <a:fillRef idx="0">
+            <a:scrgbClr r="0" g="0" b="0"/>
+          </a:fillRef>
+          <a:effectRef idx="0">
+            <a:scrgbClr r="0" g="0" b="0"/>
+          </a:effectRef>
+          <a:fontRef idx="minor"/>
+        </p:style>
+        <p:txBody>
+          <a:bodyPr lIns="90000" tIns="45000" rIns="90000" bIns="45000">
+            <a:spAutoFit/>
+          </a:bodyPr>
+          <a:lstStyle/>
+          <a:p>
+            <a:r>
+              <a:rPr lang="en-US" b="0" i="0" dirty="0">
+                <a:effectLst/>
+                <a:latin typeface="Roboto Mono"/>
+              </a:rPr>
+              <a:t>truncate_statement::= </a:t>
+            </a:r>
+            <a:r>
+              <a:rPr lang="en-US" spc="-1" dirty="0">
+                <a:solidFill>
+                  <a:srgbClr val="2B8208"/>
+                </a:solidFill>
+                <a:latin typeface="Source Code Pro" panose="020B0509030403020204" pitchFamily="49" charset="0"/>
+                <a:ea typeface="Source Code Pro" panose="020B0509030403020204" pitchFamily="49" charset="0"/>
+              </a:rPr>
+              <a:t>TRUNCATE</a:t>
+            </a:r>
+            <a:r>
+              <a:rPr lang="en-US" b="0" i="0" dirty="0">
+                <a:effectLst/>
+                <a:latin typeface="Roboto Mono"/>
+              </a:rPr>
+              <a:t> </a:t>
+            </a:r>
+            <a:r>
+              <a:rPr lang="en-US" spc="-1" dirty="0">
+                <a:latin typeface="Source Code Pro" panose="020B0509030403020204" pitchFamily="49" charset="0"/>
+                <a:ea typeface="Source Code Pro" panose="020B0509030403020204" pitchFamily="49" charset="0"/>
+              </a:rPr>
+              <a:t>{</a:t>
+            </a:r>
+            <a:r>
+              <a:rPr lang="en-US" spc="-1" dirty="0">
+                <a:solidFill>
+                  <a:srgbClr val="2B8208"/>
+                </a:solidFill>
+                <a:latin typeface="Source Code Pro" panose="020B0509030403020204" pitchFamily="49" charset="0"/>
+                <a:ea typeface="Source Code Pro" panose="020B0509030403020204" pitchFamily="49" charset="0"/>
+              </a:rPr>
+              <a:t> TABLE </a:t>
+            </a:r>
+            <a:r>
+              <a:rPr lang="en-US" spc="-1" dirty="0">
+                <a:latin typeface="Source Code Pro" panose="020B0509030403020204" pitchFamily="49" charset="0"/>
+                <a:ea typeface="Source Code Pro" panose="020B0509030403020204" pitchFamily="49" charset="0"/>
+              </a:rPr>
+              <a:t>|</a:t>
+            </a:r>
+            <a:r>
+              <a:rPr lang="en-US" spc="-1" dirty="0">
+                <a:solidFill>
+                  <a:srgbClr val="2B8208"/>
+                </a:solidFill>
+                <a:latin typeface="Source Code Pro" panose="020B0509030403020204" pitchFamily="49" charset="0"/>
+                <a:ea typeface="Source Code Pro" panose="020B0509030403020204" pitchFamily="49" charset="0"/>
+              </a:rPr>
+              <a:t> COLUMNFAMILY </a:t>
+            </a:r>
+            <a:r>
+              <a:rPr lang="en-US" spc="-1" dirty="0">
+                <a:latin typeface="Source Code Pro" panose="020B0509030403020204" pitchFamily="49" charset="0"/>
+                <a:ea typeface="Source Code Pro" panose="020B0509030403020204" pitchFamily="49" charset="0"/>
+              </a:rPr>
+              <a:t>}</a:t>
+            </a:r>
+            <a:r>
+              <a:rPr lang="en-US" b="0" i="0" dirty="0">
+                <a:effectLst/>
+                <a:latin typeface="Roboto Mono"/>
+              </a:rPr>
+              <a:t> </a:t>
+            </a:r>
+            <a:r>
+              <a:rPr lang="en-US" spc="-1" dirty="0">
+                <a:latin typeface="Source Code Pro" panose="020B0509030403020204" pitchFamily="49" charset="0"/>
+                <a:ea typeface="Source Code Pro" panose="020B0509030403020204" pitchFamily="49" charset="0"/>
+              </a:rPr>
+              <a:t>[</a:t>
+            </a:r>
+            <a:r>
+              <a:rPr lang="en-US" i="1" spc="-1" dirty="0">
+                <a:latin typeface="Source Code Pro" panose="020B0509030403020204" pitchFamily="49" charset="0"/>
+                <a:ea typeface="Source Code Pro" panose="020B0509030403020204" pitchFamily="49" charset="0"/>
+              </a:rPr>
+              <a:t>keyspace_name</a:t>
+            </a:r>
+            <a:r>
+              <a:rPr lang="en-US" spc="-1" dirty="0">
+                <a:latin typeface="Source Code Pro" panose="020B0509030403020204" pitchFamily="49" charset="0"/>
+                <a:ea typeface="Source Code Pro" panose="020B0509030403020204" pitchFamily="49" charset="0"/>
+              </a:rPr>
+              <a:t>.]</a:t>
+            </a:r>
+            <a:r>
+              <a:rPr lang="en-US" i="1" spc="-1" dirty="0">
+                <a:latin typeface="Source Code Pro" panose="020B0509030403020204" pitchFamily="49" charset="0"/>
+                <a:ea typeface="Source Code Pro" panose="020B0509030403020204" pitchFamily="49" charset="0"/>
+              </a:rPr>
+              <a:t>table_name</a:t>
+            </a:r>
+            <a:endParaRPr lang="en-IN" i="1" spc="-1" dirty="0">
+              <a:latin typeface="Source Code Pro" panose="020B0509030403020204" pitchFamily="49" charset="0"/>
+              <a:ea typeface="Source Code Pro" panose="020B0509030403020204" pitchFamily="49" charset="0"/>
+            </a:endParaRPr>
+          </a:p>
+        </p:txBody>
+      </p:sp>
+      <p:sp>
+        <p:nvSpPr>
+          <p:cNvPr id="7" name="CustomShape 2">
+            <a:extLst>
+              <a:ext uri="{FF2B5EF4-FFF2-40B4-BE49-F238E27FC236}">
+                <a16:creationId xmlns:a16="http://schemas.microsoft.com/office/drawing/2014/main" id="{ACCD4961-017A-4E61-85C4-2430DD7DDAA2}"/>
+              </a:ext>
+            </a:extLst>
+          </p:cNvPr>
+          <p:cNvSpPr/>
+          <p:nvPr/>
+        </p:nvSpPr>
+        <p:spPr>
+          <a:xfrm>
+            <a:off x="246600" y="3205138"/>
+            <a:ext cx="11687400" cy="767987"/>
+          </a:xfrm>
+          <a:prstGeom prst="rect">
+            <a:avLst/>
+          </a:prstGeom>
+          <a:noFill/>
+          <a:ln>
+            <a:noFill/>
+          </a:ln>
+        </p:spPr>
+        <p:style>
+          <a:lnRef idx="0">
+            <a:scrgbClr r="0" g="0" b="0"/>
+          </a:lnRef>
+          <a:fillRef idx="0">
+            <a:scrgbClr r="0" g="0" b="0"/>
+          </a:fillRef>
+          <a:effectRef idx="0">
+            <a:scrgbClr r="0" g="0" b="0"/>
+          </a:effectRef>
+          <a:fontRef idx="minor"/>
+        </p:style>
+        <p:txBody>
+          <a:bodyPr wrap="square" lIns="90000" tIns="45000" rIns="90000" bIns="45000">
+            <a:spAutoFit/>
+          </a:bodyPr>
+          <a:lstStyle/>
+          <a:p>
+            <a:pPr marL="309510" indent="-285750">
+              <a:buClr>
+                <a:srgbClr val="808080"/>
+              </a:buClr>
+              <a:buFont typeface="Arial" panose="020B0604020202020204" pitchFamily="34" charset="0"/>
+              <a:buChar char="•"/>
+            </a:pPr>
+            <a:r>
+              <a:rPr lang="en-IN" sz="1800" b="0" strike="noStrike" spc="-1" dirty="0">
+                <a:solidFill>
+                  <a:schemeClr val="bg1">
+                    <a:lumMod val="50000"/>
+                  </a:schemeClr>
+                </a:solidFill>
+                <a:latin typeface="Consolas"/>
+                <a:ea typeface="SimSun"/>
+              </a:rPr>
+              <a:t>cqlsh:db1&gt; </a:t>
+            </a:r>
+            <a:r>
+              <a:rPr lang="en-IN" sz="1800" b="0" strike="noStrike" spc="-1" dirty="0">
+                <a:latin typeface="Consolas"/>
+                <a:ea typeface="SimSun"/>
+              </a:rPr>
+              <a:t>truncate table db1.emp;</a:t>
+            </a:r>
+          </a:p>
+          <a:p>
+            <a:pPr marL="309510" indent="-285750">
+              <a:buClr>
+                <a:srgbClr val="808080"/>
+              </a:buClr>
+              <a:buFont typeface="Arial" panose="020B0604020202020204" pitchFamily="34" charset="0"/>
+              <a:buChar char="•"/>
+            </a:pPr>
+            <a:endParaRPr lang="en-IN" sz="800" spc="-1" dirty="0">
+              <a:latin typeface="Consolas"/>
+              <a:ea typeface="SimSun"/>
+            </a:endParaRPr>
+          </a:p>
+          <a:p>
+            <a:pPr marL="309510" indent="-285750">
+              <a:buClr>
+                <a:srgbClr val="808080"/>
+              </a:buClr>
+              <a:buFont typeface="Arial" panose="020B0604020202020204" pitchFamily="34" charset="0"/>
+              <a:buChar char="•"/>
+            </a:pPr>
+            <a:r>
+              <a:rPr lang="en-IN" sz="1800" b="0" strike="noStrike" spc="-1" dirty="0">
+                <a:solidFill>
+                  <a:schemeClr val="bg1">
+                    <a:lumMod val="50000"/>
+                  </a:schemeClr>
+                </a:solidFill>
+                <a:latin typeface="Consolas"/>
+                <a:ea typeface="SimSun"/>
+              </a:rPr>
+              <a:t>cqlsh:db1&gt;</a:t>
+            </a:r>
+            <a:r>
+              <a:rPr lang="en-IN" sz="1800" b="0" strike="noStrike" spc="-1" dirty="0">
+                <a:latin typeface="Consolas"/>
+                <a:ea typeface="SimSun"/>
+              </a:rPr>
+              <a:t> truncate </a:t>
+            </a:r>
+            <a:r>
+              <a:rPr lang="en-US" spc="-1" dirty="0">
+                <a:latin typeface="Source Code Pro" panose="020B0509030403020204" pitchFamily="49" charset="0"/>
+                <a:ea typeface="Source Code Pro" panose="020B0509030403020204" pitchFamily="49" charset="0"/>
+              </a:rPr>
+              <a:t>columnfamily</a:t>
+            </a:r>
+            <a:r>
+              <a:rPr lang="en-IN" sz="1800" b="0" strike="noStrike" spc="-1" dirty="0">
+                <a:latin typeface="Consolas"/>
+                <a:ea typeface="SimSun"/>
+              </a:rPr>
+              <a:t> db1.emp;</a:t>
+            </a:r>
+            <a:r>
+              <a:rPr lang="en-IN" spc="-1" dirty="0">
+                <a:latin typeface="Consolas"/>
+                <a:ea typeface="SimSun"/>
+              </a:rPr>
+              <a:t> </a:t>
+            </a:r>
+          </a:p>
+        </p:txBody>
+      </p:sp>
+    </p:spTree>
+    <p:extLst>
+      <p:ext uri="{BB962C8B-B14F-4D97-AF65-F5344CB8AC3E}">
+        <p14:creationId xmlns:p14="http://schemas.microsoft.com/office/powerpoint/2010/main" val="2722645413"/>
+      </p:ext>
+    </p:extLst>
+  </p:cSld>
+  <p:clrMapOvr>
+    <a:masterClrMapping/>
+  </p:clrMapOvr>
+</p:sld>
+</file>
+
+<file path=ppt/slides/slide2.xml><?xml version="1.0" encoding="utf-8"?>
+<p:sld xmlns:a="http://schemas.openxmlformats.org/drawingml/2006/main" xmlns:r="http://schemas.openxmlformats.org/officeDocument/2006/relationships" xmlns:p="http://schemas.openxmlformats.org/presentationml/2006/main">
+  <p:cSld>
+    <p:spTree>
+      <p:nvGrpSpPr>
+        <p:cNvPr id="1" name=""/>
+        <p:cNvGrpSpPr/>
+        <p:nvPr/>
+      </p:nvGrpSpPr>
+      <p:grpSpPr>
+        <a:xfrm>
+          <a:off x="0" y="0"/>
+          <a:ext cx="0" cy="0"/>
+          <a:chOff x="0" y="0"/>
+          <a:chExt cx="0" cy="0"/>
+        </a:xfrm>
+      </p:grpSpPr>
+      <p:sp>
+        <p:nvSpPr>
+          <p:cNvPr id="96" name="CustomShape 1"/>
+          <p:cNvSpPr/>
+          <p:nvPr/>
+        </p:nvSpPr>
+        <p:spPr>
+          <a:xfrm>
+            <a:off x="1676520" y="2362320"/>
+            <a:ext cx="8815320" cy="921876"/>
+          </a:xfrm>
+          <a:prstGeom prst="rect">
+            <a:avLst/>
+          </a:prstGeom>
+          <a:noFill/>
+          <a:ln>
+            <a:noFill/>
+          </a:ln>
+        </p:spPr>
+        <p:style>
+          <a:lnRef idx="0">
+            <a:scrgbClr r="0" g="0" b="0"/>
+          </a:lnRef>
+          <a:fillRef idx="0">
+            <a:scrgbClr r="0" g="0" b="0"/>
+          </a:fillRef>
+          <a:effectRef idx="0">
+            <a:scrgbClr r="0" g="0" b="0"/>
+          </a:effectRef>
+          <a:fontRef idx="minor"/>
+        </p:style>
+        <p:txBody>
+          <a:bodyPr lIns="90000" tIns="45000" rIns="90000" bIns="45000">
+            <a:spAutoFit/>
+          </a:bodyPr>
+          <a:lstStyle/>
+          <a:p>
+            <a:pPr algn="ctr"/>
+            <a:r>
+              <a:rPr lang="en-IN" sz="5400" i="1" spc="-1" dirty="0">
+                <a:solidFill>
+                  <a:srgbClr val="F7C120"/>
+                </a:solidFill>
+                <a:latin typeface="Century"/>
+              </a:rPr>
+              <a:t>what is cassandra</a:t>
+            </a:r>
+            <a:endParaRPr lang="en-IN" sz="5400" b="0" strike="noStrike" spc="-1" dirty="0">
+              <a:latin typeface="Arial"/>
+            </a:endParaRPr>
+          </a:p>
+        </p:txBody>
+      </p:sp>
+      <p:sp>
+        <p:nvSpPr>
+          <p:cNvPr id="97" name="CustomShape 2"/>
+          <p:cNvSpPr/>
+          <p:nvPr/>
+        </p:nvSpPr>
+        <p:spPr>
+          <a:xfrm>
+            <a:off x="522360" y="3531600"/>
+            <a:ext cx="11124360" cy="921876"/>
+          </a:xfrm>
+          <a:prstGeom prst="rect">
+            <a:avLst/>
+          </a:prstGeom>
+          <a:noFill/>
+          <a:ln>
+            <a:noFill/>
+          </a:ln>
+        </p:spPr>
+        <p:style>
+          <a:lnRef idx="0">
+            <a:scrgbClr r="0" g="0" b="0"/>
+          </a:lnRef>
+          <a:fillRef idx="0">
+            <a:scrgbClr r="0" g="0" b="0"/>
+          </a:fillRef>
+          <a:effectRef idx="0">
+            <a:scrgbClr r="0" g="0" b="0"/>
+          </a:effectRef>
+          <a:fontRef idx="minor"/>
+        </p:style>
+        <p:txBody>
+          <a:bodyPr wrap="square" lIns="90000" tIns="45000" rIns="90000" bIns="45000">
+            <a:spAutoFit/>
+          </a:bodyPr>
+          <a:lstStyle/>
+          <a:p>
+            <a:pPr algn="just">
+              <a:lnSpc>
+                <a:spcPct val="100000"/>
+              </a:lnSpc>
+            </a:pPr>
+            <a:r>
+              <a:rPr lang="en-US" spc="-1" dirty="0">
+                <a:solidFill>
+                  <a:srgbClr val="BB0643"/>
+                </a:solidFill>
+                <a:latin typeface="Segoe UI"/>
+              </a:rPr>
+              <a:t>Apache Cassandra is highly scalable, high performance, distributed NoSQL database. Cassandra is designed to handle huge amount of data across many servers, providing high availability without a single point of failure.</a:t>
+            </a:r>
+            <a:endParaRPr lang="en-IN" spc="-1" dirty="0">
+              <a:solidFill>
+                <a:srgbClr val="BB0643"/>
+              </a:solidFill>
+              <a:latin typeface="Segoe UI"/>
+            </a:endParaRPr>
+          </a:p>
+        </p:txBody>
+      </p:sp>
+    </p:spTree>
+    <p:extLst>
+      <p:ext uri="{BB962C8B-B14F-4D97-AF65-F5344CB8AC3E}">
+        <p14:creationId xmlns:p14="http://schemas.microsoft.com/office/powerpoint/2010/main" val="3164761023"/>
+      </p:ext>
+    </p:extLst>
+  </p:cSld>
+  <p:clrMapOvr>
+    <a:masterClrMapping/>
+  </p:clrMapOvr>
+</p:sld>
+</file>
+
+<file path=ppt/slides/slide20.xml><?xml version="1.0" encoding="utf-8"?>
+<p:sld xmlns:a="http://schemas.openxmlformats.org/drawingml/2006/main" xmlns:r="http://schemas.openxmlformats.org/officeDocument/2006/relationships" xmlns:p="http://schemas.openxmlformats.org/presentationml/2006/main">
+  <p:cSld>
+    <p:spTree>
+      <p:nvGrpSpPr>
+        <p:cNvPr id="1" name=""/>
+        <p:cNvGrpSpPr/>
+        <p:nvPr/>
+      </p:nvGrpSpPr>
+      <p:grpSpPr>
+        <a:xfrm>
+          <a:off x="0" y="0"/>
+          <a:ext cx="0" cy="0"/>
+          <a:chOff x="0" y="0"/>
+          <a:chExt cx="0" cy="0"/>
+        </a:xfrm>
+      </p:grpSpPr>
+      <p:sp>
+        <p:nvSpPr>
+          <p:cNvPr id="109" name="CustomShape 1"/>
+          <p:cNvSpPr/>
+          <p:nvPr/>
+        </p:nvSpPr>
+        <p:spPr>
+          <a:xfrm>
+            <a:off x="1676520" y="2362320"/>
+            <a:ext cx="8815320" cy="921876"/>
+          </a:xfrm>
+          <a:prstGeom prst="rect">
+            <a:avLst/>
+          </a:prstGeom>
+          <a:noFill/>
+          <a:ln>
+            <a:noFill/>
+          </a:ln>
+        </p:spPr>
+        <p:style>
+          <a:lnRef idx="0">
+            <a:scrgbClr r="0" g="0" b="0"/>
+          </a:lnRef>
+          <a:fillRef idx="0">
+            <a:scrgbClr r="0" g="0" b="0"/>
+          </a:fillRef>
+          <a:effectRef idx="0">
+            <a:scrgbClr r="0" g="0" b="0"/>
+          </a:effectRef>
+          <a:fontRef idx="minor"/>
+        </p:style>
+        <p:txBody>
+          <a:bodyPr lIns="90000" tIns="45000" rIns="90000" bIns="45000">
+            <a:spAutoFit/>
+          </a:bodyPr>
+          <a:lstStyle/>
+          <a:p>
+            <a:pPr algn="ctr">
+              <a:lnSpc>
+                <a:spcPct val="100000"/>
+              </a:lnSpc>
+            </a:pPr>
+            <a:r>
               <a:rPr lang="en-IN" sz="5400" b="0" i="1" strike="noStrike" spc="-1" dirty="0">
                 <a:solidFill>
                   <a:srgbClr val="F7C120"/>
@@ -8172,7 +9192,7 @@
 </p:sld>
 </file>
 
-<file path=ppt/slides/slide19.xml><?xml version="1.0" encoding="utf-8"?>
+<file path=ppt/slides/slide21.xml><?xml version="1.0" encoding="utf-8"?>
 <p:sld xmlns:a="http://schemas.openxmlformats.org/drawingml/2006/main" xmlns:r="http://schemas.openxmlformats.org/officeDocument/2006/relationships" xmlns:p="http://schemas.openxmlformats.org/presentationml/2006/main">
   <p:cSld>
     <p:spTree>
@@ -8950,150 +9970,7 @@
 </p:sld>
 </file>
 
-<file path=ppt/slides/slide2.xml><?xml version="1.0" encoding="utf-8"?>
-<p:sld xmlns:a="http://schemas.openxmlformats.org/drawingml/2006/main" xmlns:r="http://schemas.openxmlformats.org/officeDocument/2006/relationships" xmlns:p="http://schemas.openxmlformats.org/presentationml/2006/main">
-  <p:cSld>
-    <p:spTree>
-      <p:nvGrpSpPr>
-        <p:cNvPr id="1" name=""/>
-        <p:cNvGrpSpPr/>
-        <p:nvPr/>
-      </p:nvGrpSpPr>
-      <p:grpSpPr>
-        <a:xfrm>
-          <a:off x="0" y="0"/>
-          <a:ext cx="0" cy="0"/>
-          <a:chOff x="0" y="0"/>
-          <a:chExt cx="0" cy="0"/>
-        </a:xfrm>
-      </p:grpSpPr>
-      <p:sp>
-        <p:nvSpPr>
-          <p:cNvPr id="96" name="CustomShape 1"/>
-          <p:cNvSpPr/>
-          <p:nvPr/>
-        </p:nvSpPr>
-        <p:spPr>
-          <a:xfrm>
-            <a:off x="1676520" y="2362320"/>
-            <a:ext cx="8815320" cy="921876"/>
-          </a:xfrm>
-          <a:prstGeom prst="rect">
-            <a:avLst/>
-          </a:prstGeom>
-          <a:noFill/>
-          <a:ln>
-            <a:noFill/>
-          </a:ln>
-        </p:spPr>
-        <p:style>
-          <a:lnRef idx="0">
-            <a:scrgbClr r="0" g="0" b="0"/>
-          </a:lnRef>
-          <a:fillRef idx="0">
-            <a:scrgbClr r="0" g="0" b="0"/>
-          </a:fillRef>
-          <a:effectRef idx="0">
-            <a:scrgbClr r="0" g="0" b="0"/>
-          </a:effectRef>
-          <a:fontRef idx="minor"/>
-        </p:style>
-        <p:txBody>
-          <a:bodyPr lIns="90000" tIns="45000" rIns="90000" bIns="45000">
-            <a:spAutoFit/>
-          </a:bodyPr>
-          <a:lstStyle/>
-          <a:p>
-            <a:pPr algn="ctr"/>
-            <a:r>
-              <a:rPr lang="en-IN" sz="5400" i="1" spc="-1" dirty="0">
-                <a:solidFill>
-                  <a:srgbClr val="F7C120"/>
-                </a:solidFill>
-                <a:latin typeface="Century"/>
-              </a:rPr>
-              <a:t>what is cassandra</a:t>
-            </a:r>
-            <a:endParaRPr lang="en-IN" sz="5400" b="0" strike="noStrike" spc="-1" dirty="0">
-              <a:latin typeface="Arial"/>
-            </a:endParaRPr>
-          </a:p>
-        </p:txBody>
-      </p:sp>
-      <p:sp>
-        <p:nvSpPr>
-          <p:cNvPr id="97" name="CustomShape 2"/>
-          <p:cNvSpPr/>
-          <p:nvPr/>
-        </p:nvSpPr>
-        <p:spPr>
-          <a:xfrm>
-            <a:off x="522360" y="3531600"/>
-            <a:ext cx="11124360" cy="921876"/>
-          </a:xfrm>
-          <a:prstGeom prst="rect">
-            <a:avLst/>
-          </a:prstGeom>
-          <a:noFill/>
-          <a:ln>
-            <a:noFill/>
-          </a:ln>
-        </p:spPr>
-        <p:style>
-          <a:lnRef idx="0">
-            <a:scrgbClr r="0" g="0" b="0"/>
-          </a:lnRef>
-          <a:fillRef idx="0">
-            <a:scrgbClr r="0" g="0" b="0"/>
-          </a:fillRef>
-          <a:effectRef idx="0">
-            <a:scrgbClr r="0" g="0" b="0"/>
-          </a:effectRef>
-          <a:fontRef idx="minor"/>
-        </p:style>
-        <p:txBody>
-          <a:bodyPr wrap="square" lIns="90000" tIns="45000" rIns="90000" bIns="45000">
-            <a:spAutoFit/>
-          </a:bodyPr>
-          <a:lstStyle/>
-          <a:p>
-            <a:pPr algn="just">
-              <a:lnSpc>
-                <a:spcPct val="100000"/>
-              </a:lnSpc>
-            </a:pPr>
-            <a:r>
-              <a:rPr lang="en-US" spc="-1" dirty="0">
-                <a:solidFill>
-                  <a:srgbClr val="BB0643"/>
-                </a:solidFill>
-                <a:latin typeface="Segoe UI"/>
-              </a:rPr>
-              <a:t>Apache Cassandra is highly scalable, high performance, distributed NoSQL database. Cassandra is designed to handle huge amount of data across many servers, providing high availability without a single point of failure.</a:t>
-            </a:r>
-            <a:endParaRPr lang="en-IN" spc="-1" dirty="0">
-              <a:solidFill>
-                <a:srgbClr val="BB0643"/>
-              </a:solidFill>
-              <a:latin typeface="Segoe UI"/>
-            </a:endParaRPr>
-          </a:p>
-        </p:txBody>
-      </p:sp>
-    </p:spTree>
-    <p:extLst>
-      <p:ext uri="{BB962C8B-B14F-4D97-AF65-F5344CB8AC3E}">
-        <p14:creationId xmlns:p14="http://schemas.microsoft.com/office/powerpoint/2010/main" val="3164761023"/>
-      </p:ext>
-    </p:extLst>
-  </p:cSld>
-  <p:clrMapOvr>
-    <a:masterClrMapping/>
-  </p:clrMapOvr>
-</p:sld>
-</file>
-
-<file path=ppt/slides/slide20.xml><?xml version="1.0" encoding="utf-8"?>
+<file path=ppt/slides/slide22.xml><?xml version="1.0" encoding="utf-8"?>
 <p:sld xmlns:a="http://schemas.openxmlformats.org/drawingml/2006/main" xmlns:r="http://schemas.openxmlformats.org/officeDocument/2006/relationships" xmlns:p="http://schemas.openxmlformats.org/presentationml/2006/main">
   <p:cSld>
     <p:spTree>
@@ -9740,6 +10617,35 @@
               </a:rPr>
               <a:t>cqlsh&gt; </a:t>
             </a:r>
+            <a:r>
+              <a:rPr lang="en-IN" sz="1800" b="0" strike="noStrike" spc="-1" dirty="0">
+                <a:latin typeface="Consolas"/>
+                <a:ea typeface="SimSun"/>
+              </a:rPr>
+              <a:t>clear </a:t>
+            </a:r>
+            <a:r>
+              <a:rPr lang="en-IN" sz="1800" b="0" strike="noStrike" spc="-1" dirty="0">
+                <a:solidFill>
+                  <a:srgbClr val="39AE0A"/>
+                </a:solidFill>
+                <a:latin typeface="Consolas"/>
+                <a:ea typeface="SimSun"/>
+              </a:rPr>
+              <a:t>//Clear screen</a:t>
+            </a:r>
+            <a:r>
+              <a:rPr lang="en-IN" sz="1800" b="0" strike="noStrike" spc="-1" dirty="0">
+                <a:solidFill>
+                  <a:schemeClr val="bg1">
+                    <a:lumMod val="50000"/>
+                  </a:schemeClr>
+                </a:solidFill>
+                <a:latin typeface="Consolas"/>
+                <a:ea typeface="SimSun"/>
+              </a:rPr>
+              <a:t> </a:t>
+            </a:r>
             <a:endParaRPr lang="en-IN" dirty="0"/>
           </a:p>
         </p:txBody>
@@ -10306,10 +11212,15 @@
                 <a:latin typeface="Source Code Pro" panose="020B0509030403020204" pitchFamily="49" charset="0"/>
                 <a:ea typeface="Source Code Pro" panose="020B0509030403020204" pitchFamily="49" charset="0"/>
               </a:rPr>
-              <a:t>CREATE  KEYSPACE [IF NOT EXISTS] keyspace_name </a:t>
-            </a:r>
-          </a:p>
-          <a:p>
+              <a:t>CREATE  KEYSPACE </a:t>
+            </a:r>
+            <a:r>
+              <a:rPr lang="en-US" spc="-1" dirty="0">
+                <a:latin typeface="Source Code Pro" panose="020B0509030403020204" pitchFamily="49" charset="0"/>
+                <a:ea typeface="Source Code Pro" panose="020B0509030403020204" pitchFamily="49" charset="0"/>
+              </a:rPr>
+              <a:t>[</a:t>
+            </a:r>
             <a:r>
               <a:rPr lang="en-US" spc="-1" dirty="0">
                 <a:solidFill>
@@ -10318,10 +11229,15 @@
                 <a:latin typeface="Source Code Pro" panose="020B0509030403020204" pitchFamily="49" charset="0"/>
                 <a:ea typeface="Source Code Pro" panose="020B0509030403020204" pitchFamily="49" charset="0"/>
               </a:rPr>
-              <a:t>   WITH REPLICATION = { </a:t>
-            </a:r>
-          </a:p>
-          <a:p>
+              <a:t>IF NOT EXISTS</a:t>
+            </a:r>
+            <a:r>
+              <a:rPr lang="en-US" spc="-1" dirty="0">
+                <a:latin typeface="Source Code Pro" panose="020B0509030403020204" pitchFamily="49" charset="0"/>
+                <a:ea typeface="Source Code Pro" panose="020B0509030403020204" pitchFamily="49" charset="0"/>
+              </a:rPr>
+              <a:t>]</a:t>
+            </a:r>
             <a:r>
               <a:rPr lang="en-US" spc="-1" dirty="0">
                 <a:solidFill>
@@ -10330,12 +11246,115 @@
                 <a:latin typeface="Source Code Pro" panose="020B0509030403020204" pitchFamily="49" charset="0"/>
                 <a:ea typeface="Source Code Pro" panose="020B0509030403020204" pitchFamily="49" charset="0"/>
               </a:rPr>
-              <a:t>      'class' : 'SimpleStrategy', 'replication_factor' : N }</a:t>
+              <a:t> </a:t>
+            </a:r>
+            <a:r>
+              <a:rPr lang="en-US" i="1" spc="-1" dirty="0">
+                <a:latin typeface="Source Code Pro" panose="020B0509030403020204" pitchFamily="49" charset="0"/>
+                <a:ea typeface="Source Code Pro" panose="020B0509030403020204" pitchFamily="49" charset="0"/>
+              </a:rPr>
+              <a:t>keyspace_name </a:t>
+            </a:r>
+          </a:p>
+          <a:p>
+            <a:r>
+              <a:rPr lang="en-US" spc="-1" dirty="0">
+                <a:solidFill>
+                  <a:srgbClr val="2B8208"/>
+                </a:solidFill>
+                <a:latin typeface="Source Code Pro" panose="020B0509030403020204" pitchFamily="49" charset="0"/>
+                <a:ea typeface="Source Code Pro" panose="020B0509030403020204" pitchFamily="49" charset="0"/>
+              </a:rPr>
+              <a:t>   WITH REPLICATION </a:t>
+            </a:r>
+            <a:r>
+              <a:rPr lang="en-US" spc="-1" dirty="0">
+                <a:latin typeface="Source Code Pro" panose="020B0509030403020204" pitchFamily="49" charset="0"/>
+                <a:ea typeface="Source Code Pro" panose="020B0509030403020204" pitchFamily="49" charset="0"/>
+              </a:rPr>
+              <a:t>= {</a:t>
+            </a:r>
+            <a:r>
+              <a:rPr lang="en-US" spc="-1" dirty="0">
+                <a:solidFill>
+                  <a:srgbClr val="2B8208"/>
+                </a:solidFill>
+                <a:latin typeface="Source Code Pro" panose="020B0509030403020204" pitchFamily="49" charset="0"/>
+                <a:ea typeface="Source Code Pro" panose="020B0509030403020204" pitchFamily="49" charset="0"/>
+              </a:rPr>
+              <a:t> </a:t>
+            </a:r>
+          </a:p>
+          <a:p>
+            <a:r>
+              <a:rPr lang="en-US" spc="-1" dirty="0">
+                <a:solidFill>
+                  <a:srgbClr val="2B8208"/>
+                </a:solidFill>
+                <a:latin typeface="Source Code Pro" panose="020B0509030403020204" pitchFamily="49" charset="0"/>
+                <a:ea typeface="Source Code Pro" panose="020B0509030403020204" pitchFamily="49" charset="0"/>
+              </a:rPr>
+              <a:t>      'class' </a:t>
+            </a:r>
+            <a:r>
+              <a:rPr lang="en-US" spc="-1" dirty="0">
+                <a:latin typeface="Source Code Pro" panose="020B0509030403020204" pitchFamily="49" charset="0"/>
+                <a:ea typeface="Source Code Pro" panose="020B0509030403020204" pitchFamily="49" charset="0"/>
+              </a:rPr>
+              <a:t>:</a:t>
+            </a:r>
+            <a:r>
+              <a:rPr lang="en-US" spc="-1" dirty="0">
+                <a:solidFill>
+                  <a:srgbClr val="2B8208"/>
+                </a:solidFill>
+                <a:latin typeface="Source Code Pro" panose="020B0509030403020204" pitchFamily="49" charset="0"/>
+                <a:ea typeface="Source Code Pro" panose="020B0509030403020204" pitchFamily="49" charset="0"/>
+              </a:rPr>
+              <a:t> 'SimpleStrategy'</a:t>
+            </a:r>
+            <a:r>
+              <a:rPr lang="en-US" spc="-1" dirty="0">
+                <a:latin typeface="Source Code Pro" panose="020B0509030403020204" pitchFamily="49" charset="0"/>
+                <a:ea typeface="Source Code Pro" panose="020B0509030403020204" pitchFamily="49" charset="0"/>
+              </a:rPr>
+              <a:t>,</a:t>
+            </a:r>
+            <a:r>
+              <a:rPr lang="en-US" spc="-1" dirty="0">
+                <a:solidFill>
+                  <a:srgbClr val="2B8208"/>
+                </a:solidFill>
+                <a:latin typeface="Source Code Pro" panose="020B0509030403020204" pitchFamily="49" charset="0"/>
+                <a:ea typeface="Source Code Pro" panose="020B0509030403020204" pitchFamily="49" charset="0"/>
+              </a:rPr>
+              <a:t> 'replication_factor' </a:t>
+            </a:r>
+            <a:r>
+              <a:rPr lang="en-US" spc="-1" dirty="0">
+                <a:latin typeface="Source Code Pro" panose="020B0509030403020204" pitchFamily="49" charset="0"/>
+                <a:ea typeface="Source Code Pro" panose="020B0509030403020204" pitchFamily="49" charset="0"/>
+              </a:rPr>
+              <a:t>:</a:t>
+            </a:r>
+            <a:r>
+              <a:rPr lang="en-US" spc="-1" dirty="0">
+                <a:solidFill>
+                  <a:srgbClr val="2B8208"/>
+                </a:solidFill>
+                <a:latin typeface="Source Code Pro" panose="020B0509030403020204" pitchFamily="49" charset="0"/>
+                <a:ea typeface="Source Code Pro" panose="020B0509030403020204" pitchFamily="49" charset="0"/>
+              </a:rPr>
+              <a:t> N </a:t>
+            </a:r>
+            <a:r>
+              <a:rPr lang="en-US" spc="-1" dirty="0">
+                <a:latin typeface="Source Code Pro" panose="020B0509030403020204" pitchFamily="49" charset="0"/>
+                <a:ea typeface="Source Code Pro" panose="020B0509030403020204" pitchFamily="49" charset="0"/>
+              </a:rPr>
+              <a:t>}</a:t>
             </a:r>
             <a:endParaRPr lang="en-IN" spc="-1" dirty="0">
-              <a:solidFill>
-                <a:srgbClr val="2B8208"/>
-              </a:solidFill>
               <a:latin typeface="Source Code Pro" panose="020B0509030403020204" pitchFamily="49" charset="0"/>
               <a:ea typeface="Source Code Pro" panose="020B0509030403020204" pitchFamily="49" charset="0"/>
             </a:endParaRPr>
@@ -10730,12 +11749,67 @@
                 <a:latin typeface="Source Code Pro" panose="020B0509030403020204" pitchFamily="49" charset="0"/>
                 <a:ea typeface="Source Code Pro" panose="020B0509030403020204" pitchFamily="49" charset="0"/>
               </a:rPr>
-              <a:t>DESCRIBE KEYSPACES | KEYSPACE &lt; keyspace_name &gt;</a:t>
+              <a:t>DESCRIBE KEYSPACES </a:t>
+            </a:r>
+            <a:r>
+              <a:rPr lang="en-US" spc="-1" dirty="0">
+                <a:latin typeface="Source Code Pro" panose="020B0509030403020204" pitchFamily="49" charset="0"/>
+                <a:ea typeface="Source Code Pro" panose="020B0509030403020204" pitchFamily="49" charset="0"/>
+              </a:rPr>
+              <a:t>|</a:t>
+            </a:r>
+            <a:r>
+              <a:rPr lang="en-US" spc="-1" dirty="0">
+                <a:solidFill>
+                  <a:srgbClr val="2B8208"/>
+                </a:solidFill>
+                <a:latin typeface="Source Code Pro" panose="020B0509030403020204" pitchFamily="49" charset="0"/>
+                <a:ea typeface="Source Code Pro" panose="020B0509030403020204" pitchFamily="49" charset="0"/>
+              </a:rPr>
+              <a:t> KEYSPACE </a:t>
+            </a:r>
+            <a:r>
+              <a:rPr lang="en-US" spc="-1" dirty="0">
+                <a:latin typeface="Source Code Pro" panose="020B0509030403020204" pitchFamily="49" charset="0"/>
+                <a:ea typeface="Source Code Pro" panose="020B0509030403020204" pitchFamily="49" charset="0"/>
+              </a:rPr>
+              <a:t>&lt;</a:t>
+            </a:r>
+            <a:r>
+              <a:rPr lang="en-US" spc="-1" dirty="0">
+                <a:solidFill>
+                  <a:srgbClr val="2B8208"/>
+                </a:solidFill>
+                <a:latin typeface="Source Code Pro" panose="020B0509030403020204" pitchFamily="49" charset="0"/>
+                <a:ea typeface="Source Code Pro" panose="020B0509030403020204" pitchFamily="49" charset="0"/>
+              </a:rPr>
+              <a:t> </a:t>
+            </a:r>
+            <a:r>
+              <a:rPr lang="en-US" i="1" spc="-1" dirty="0">
+                <a:latin typeface="Source Code Pro" panose="020B0509030403020204" pitchFamily="49" charset="0"/>
+                <a:ea typeface="Source Code Pro" panose="020B0509030403020204" pitchFamily="49" charset="0"/>
+              </a:rPr>
+              <a:t>keyspace_name</a:t>
+            </a:r>
+            <a:r>
+              <a:rPr lang="en-US" spc="-1" dirty="0">
+                <a:solidFill>
+                  <a:srgbClr val="2B8208"/>
+                </a:solidFill>
+                <a:latin typeface="Source Code Pro" panose="020B0509030403020204" pitchFamily="49" charset="0"/>
+                <a:ea typeface="Source Code Pro" panose="020B0509030403020204" pitchFamily="49" charset="0"/>
+              </a:rPr>
+              <a:t> </a:t>
+            </a:r>
+            <a:r>
+              <a:rPr lang="en-US" spc="-1" dirty="0">
+                <a:latin typeface="Source Code Pro" panose="020B0509030403020204" pitchFamily="49" charset="0"/>
+                <a:ea typeface="Source Code Pro" panose="020B0509030403020204" pitchFamily="49" charset="0"/>
+              </a:rPr>
+              <a:t>&gt;</a:t>
             </a:r>
             <a:endParaRPr lang="en-IN" sz="400" spc="-1" dirty="0">
-              <a:solidFill>
-                <a:srgbClr val="2B8208"/>
-              </a:solidFill>
               <a:latin typeface="Source Code Pro" panose="020B0509030403020204" pitchFamily="49" charset="0"/>
               <a:ea typeface="Source Code Pro" panose="020B0509030403020204" pitchFamily="49" charset="0"/>
             </a:endParaRPr>
@@ -11032,12 +12106,16 @@
                 <a:latin typeface="Source Code Pro" panose="020B0509030403020204" pitchFamily="49" charset="0"/>
                 <a:ea typeface="Source Code Pro" panose="020B0509030403020204" pitchFamily="49" charset="0"/>
               </a:rPr>
-              <a:t>USE keyspace_name</a:t>
-            </a:r>
-            <a:endParaRPr lang="en-IN" sz="400" spc="-1" dirty="0">
-              <a:solidFill>
-                <a:srgbClr val="2B8208"/>
-              </a:solidFill>
+              <a:t>USE </a:t>
+            </a:r>
+            <a:r>
+              <a:rPr lang="en-US" i="1" spc="-1" dirty="0">
+                <a:latin typeface="Source Code Pro" panose="020B0509030403020204" pitchFamily="49" charset="0"/>
+                <a:ea typeface="Source Code Pro" panose="020B0509030403020204" pitchFamily="49" charset="0"/>
+              </a:rPr>
+              <a:t>keyspace_name</a:t>
+            </a:r>
+            <a:endParaRPr lang="en-IN" sz="400" i="1" spc="-1" dirty="0">
               <a:latin typeface="Source Code Pro" panose="020B0509030403020204" pitchFamily="49" charset="0"/>
               <a:ea typeface="Source Code Pro" panose="020B0509030403020204" pitchFamily="49" charset="0"/>
             </a:endParaRPr>

--- a/Cassandra Ver1.pptx
+++ b/Cassandra Ver1.pptx
@@ -5,7 +5,7 @@
     <p:sldMasterId id="2147483720" r:id="rId1"/>
   </p:sldMasterIdLst>
   <p:notesMasterIdLst>
-    <p:notesMasterId r:id="rId24"/>
+    <p:notesMasterId r:id="rId28"/>
   </p:notesMasterIdLst>
   <p:sldIdLst>
     <p:sldId id="256" r:id="rId2"/>
@@ -23,13 +23,17 @@
     <p:sldId id="1423" r:id="rId14"/>
     <p:sldId id="1426" r:id="rId15"/>
     <p:sldId id="1429" r:id="rId16"/>
-    <p:sldId id="1430" r:id="rId17"/>
-    <p:sldId id="1431" r:id="rId18"/>
-    <p:sldId id="1432" r:id="rId19"/>
-    <p:sldId id="1433" r:id="rId20"/>
-    <p:sldId id="1424" r:id="rId21"/>
-    <p:sldId id="1421" r:id="rId22"/>
-    <p:sldId id="350" r:id="rId23"/>
+    <p:sldId id="1434" r:id="rId17"/>
+    <p:sldId id="1435" r:id="rId18"/>
+    <p:sldId id="1436" r:id="rId19"/>
+    <p:sldId id="1437" r:id="rId20"/>
+    <p:sldId id="1430" r:id="rId21"/>
+    <p:sldId id="1431" r:id="rId22"/>
+    <p:sldId id="1432" r:id="rId23"/>
+    <p:sldId id="1433" r:id="rId24"/>
+    <p:sldId id="1424" r:id="rId25"/>
+    <p:sldId id="1421" r:id="rId26"/>
+    <p:sldId id="350" r:id="rId27"/>
   </p:sldIdLst>
   <p:sldSz cx="12192000" cy="6858000"/>
   <p:notesSz cx="6858000" cy="9144000"/>
@@ -6650,7 +6654,7 @@
         <p:spPr>
           <a:xfrm>
             <a:off x="246600" y="2030040"/>
-            <a:ext cx="11687400" cy="4461306"/>
+            <a:ext cx="11687400" cy="4184307"/>
           </a:xfrm>
           <a:prstGeom prst="rect">
             <a:avLst/>
@@ -6942,7 +6946,7 @@
             </a:r>
           </a:p>
           <a:p>
-            <a:endParaRPr lang="en-US" spc="-1" dirty="0">
+            <a:endParaRPr lang="en-US" sz="1000" spc="-1" dirty="0">
               <a:latin typeface="Source Code Pro" panose="020B0509030403020204" pitchFamily="49" charset="0"/>
               <a:ea typeface="Source Code Pro" panose="020B0509030403020204" pitchFamily="49" charset="0"/>
             </a:endParaRPr>
@@ -7440,7 +7444,7 @@
         <p:spPr>
           <a:xfrm>
             <a:off x="246600" y="762120"/>
-            <a:ext cx="11687400" cy="367878"/>
+            <a:ext cx="11687400" cy="337100"/>
           </a:xfrm>
           <a:prstGeom prst="rect">
             <a:avLst/>
@@ -7470,10 +7474,13 @@
           <a:p>
             <a:pPr algn="just"/>
             <a:r>
-              <a:rPr lang="en-US" spc="-1" dirty="0">
+              <a:rPr lang="en-US" sz="1600" spc="-1" dirty="0">
+                <a:solidFill>
+                  <a:srgbClr val="FF0000"/>
+                </a:solidFill>
                 <a:latin typeface="Arial"/>
               </a:rPr>
-              <a:t>TODO</a:t>
+              <a:t>e.g.</a:t>
             </a:r>
           </a:p>
         </p:txBody>
@@ -7492,8 +7499,8 @@
         </p:nvSpPr>
         <p:spPr>
           <a:xfrm>
-            <a:off x="246600" y="1340768"/>
-            <a:ext cx="11687400" cy="367878"/>
+            <a:off x="246600" y="1268760"/>
+            <a:ext cx="11687400" cy="644877"/>
           </a:xfrm>
           <a:prstGeom prst="rect">
             <a:avLst/>
@@ -7535,13 +7542,204 @@
                     <a:lumMod val="50000"/>
                   </a:schemeClr>
                 </a:solidFill>
-                <a:latin typeface="Consolas"/>
+                <a:latin typeface="Consolas" panose="020B0609020204030204" pitchFamily="49" charset="0"/>
                 <a:ea typeface="SimSun"/>
               </a:rPr>
-              <a:t>cqlsh:db1&gt;</a:t>
+              <a:t>cqlsh:db1&gt; </a:t>
+            </a:r>
+            <a:r>
+              <a:rPr lang="en-US" sz="1800" b="0" strike="noStrike" spc="-1" dirty="0">
+                <a:latin typeface="Consolas" panose="020B0609020204030204" pitchFamily="49" charset="0"/>
+                <a:ea typeface="SimSun"/>
+              </a:rPr>
+              <a:t>create columnfamily emp</a:t>
+            </a:r>
+            <a:r>
+              <a:rPr lang="en-US" sz="1800" b="0" strike="noStrike" spc="-1" dirty="0">
+                <a:solidFill>
+                  <a:schemeClr val="bg1">
+                    <a:lumMod val="50000"/>
+                  </a:schemeClr>
+                </a:solidFill>
+                <a:latin typeface="Consolas" panose="020B0609020204030204" pitchFamily="49" charset="0"/>
+                <a:ea typeface="SimSun"/>
+              </a:rPr>
+              <a:t>(</a:t>
+            </a:r>
+            <a:r>
+              <a:rPr lang="en-US" sz="1800" b="0" strike="noStrike" spc="-1" dirty="0">
+                <a:latin typeface="Consolas" panose="020B0609020204030204" pitchFamily="49" charset="0"/>
+                <a:ea typeface="SimSun"/>
+              </a:rPr>
+              <a:t> empno </a:t>
+            </a:r>
+            <a:r>
+              <a:rPr lang="en-US" dirty="0">
+                <a:solidFill>
+                  <a:srgbClr val="834689"/>
+                </a:solidFill>
+                <a:latin typeface="Consolas" panose="020B0609020204030204" pitchFamily="49" charset="0"/>
+                <a:cs typeface="Arial" panose="020B0604020202020204" pitchFamily="34" charset="0"/>
+              </a:rPr>
+              <a:t>int</a:t>
+            </a:r>
+            <a:r>
+              <a:rPr lang="en-US" sz="1800" b="0" strike="noStrike" spc="-1" dirty="0">
+                <a:latin typeface="Consolas" panose="020B0609020204030204" pitchFamily="49" charset="0"/>
+                <a:ea typeface="SimSun"/>
+              </a:rPr>
+              <a:t> </a:t>
+            </a:r>
+            <a:r>
+              <a:rPr lang="en-US" dirty="0">
+                <a:solidFill>
+                  <a:srgbClr val="C00000"/>
+                </a:solidFill>
+                <a:latin typeface="Consolas" panose="020B0609020204030204" pitchFamily="49" charset="0"/>
+                <a:cs typeface="Arial" panose="020B0604020202020204" pitchFamily="34" charset="0"/>
+              </a:rPr>
+              <a:t>primary</a:t>
+            </a:r>
+            <a:r>
+              <a:rPr lang="en-US" sz="1800" b="0" strike="noStrike" spc="-1" dirty="0">
+                <a:latin typeface="Consolas" panose="020B0609020204030204" pitchFamily="49" charset="0"/>
+                <a:ea typeface="SimSun"/>
+              </a:rPr>
+              <a:t> </a:t>
+            </a:r>
+            <a:r>
+              <a:rPr lang="en-US" dirty="0">
+                <a:solidFill>
+                  <a:srgbClr val="C00000"/>
+                </a:solidFill>
+                <a:latin typeface="Consolas" panose="020B0609020204030204" pitchFamily="49" charset="0"/>
+                <a:cs typeface="Arial" panose="020B0604020202020204" pitchFamily="34" charset="0"/>
+              </a:rPr>
+              <a:t>key</a:t>
+            </a:r>
+            <a:r>
+              <a:rPr lang="en-US" sz="1800" b="0" strike="noStrike" spc="-1" dirty="0">
+                <a:latin typeface="Consolas" panose="020B0609020204030204" pitchFamily="49" charset="0"/>
+                <a:ea typeface="SimSun"/>
+              </a:rPr>
+              <a:t>, ename </a:t>
+            </a:r>
+            <a:r>
+              <a:rPr lang="en-US" dirty="0">
+                <a:solidFill>
+                  <a:srgbClr val="834689"/>
+                </a:solidFill>
+                <a:latin typeface="Consolas" panose="020B0609020204030204" pitchFamily="49" charset="0"/>
+                <a:cs typeface="Arial" panose="020B0604020202020204" pitchFamily="34" charset="0"/>
+              </a:rPr>
+              <a:t>varchar</a:t>
+            </a:r>
+            <a:r>
+              <a:rPr lang="en-US" sz="1800" b="0" strike="noStrike" spc="-1" dirty="0">
+                <a:latin typeface="Consolas" panose="020B0609020204030204" pitchFamily="49" charset="0"/>
+                <a:ea typeface="SimSun"/>
+              </a:rPr>
+              <a:t>, job </a:t>
+            </a:r>
+            <a:r>
+              <a:rPr lang="en-US" dirty="0">
+                <a:solidFill>
+                  <a:srgbClr val="834689"/>
+                </a:solidFill>
+                <a:latin typeface="Consolas" panose="020B0609020204030204" pitchFamily="49" charset="0"/>
+                <a:cs typeface="Arial" panose="020B0604020202020204" pitchFamily="34" charset="0"/>
+              </a:rPr>
+              <a:t>text</a:t>
+            </a:r>
+            <a:r>
+              <a:rPr lang="en-US" sz="1800" b="0" strike="noStrike" spc="-1" dirty="0">
+                <a:latin typeface="Consolas" panose="020B0609020204030204" pitchFamily="49" charset="0"/>
+                <a:ea typeface="SimSun"/>
+              </a:rPr>
+              <a:t>, hiredate </a:t>
+            </a:r>
+            <a:r>
+              <a:rPr lang="en-US" dirty="0">
+                <a:solidFill>
+                  <a:srgbClr val="834689"/>
+                </a:solidFill>
+                <a:latin typeface="Consolas" panose="020B0609020204030204" pitchFamily="49" charset="0"/>
+                <a:cs typeface="Arial" panose="020B0604020202020204" pitchFamily="34" charset="0"/>
+              </a:rPr>
+              <a:t>date</a:t>
+            </a:r>
+            <a:r>
+              <a:rPr lang="en-US" sz="1800" b="0" strike="noStrike" spc="-1" dirty="0">
+                <a:latin typeface="Consolas" panose="020B0609020204030204" pitchFamily="49" charset="0"/>
+                <a:ea typeface="SimSun"/>
+              </a:rPr>
+              <a:t>, salary </a:t>
+            </a:r>
+            <a:r>
+              <a:rPr lang="en-US" dirty="0">
+                <a:solidFill>
+                  <a:srgbClr val="834689"/>
+                </a:solidFill>
+                <a:latin typeface="Consolas" panose="020B0609020204030204" pitchFamily="49" charset="0"/>
+                <a:cs typeface="Arial" panose="020B0604020202020204" pitchFamily="34" charset="0"/>
+              </a:rPr>
+              <a:t>int</a:t>
+            </a:r>
+            <a:r>
+              <a:rPr lang="en-US" sz="1800" b="0" strike="noStrike" spc="-1" dirty="0">
+                <a:latin typeface="Consolas" panose="020B0609020204030204" pitchFamily="49" charset="0"/>
+                <a:ea typeface="SimSun"/>
+              </a:rPr>
+              <a:t>, comm </a:t>
+            </a:r>
+            <a:r>
+              <a:rPr lang="en-US" dirty="0">
+                <a:solidFill>
+                  <a:srgbClr val="834689"/>
+                </a:solidFill>
+                <a:latin typeface="Consolas" panose="020B0609020204030204" pitchFamily="49" charset="0"/>
+                <a:cs typeface="Arial" panose="020B0604020202020204" pitchFamily="34" charset="0"/>
+              </a:rPr>
+              <a:t>float</a:t>
+            </a:r>
+            <a:r>
+              <a:rPr lang="en-US" sz="1800" b="0" strike="noStrike" spc="-1" dirty="0">
+                <a:latin typeface="Consolas" panose="020B0609020204030204" pitchFamily="49" charset="0"/>
+                <a:ea typeface="SimSun"/>
+              </a:rPr>
+              <a:t>, isActive </a:t>
+            </a:r>
+            <a:r>
+              <a:rPr lang="en-US" dirty="0">
+                <a:solidFill>
+                  <a:srgbClr val="834689"/>
+                </a:solidFill>
+                <a:latin typeface="Consolas" panose="020B0609020204030204" pitchFamily="49" charset="0"/>
+                <a:cs typeface="Arial" panose="020B0604020202020204" pitchFamily="34" charset="0"/>
+              </a:rPr>
+              <a:t>boolean </a:t>
+            </a:r>
+            <a:r>
+              <a:rPr lang="en-US" sz="1800" b="0" strike="noStrike" spc="-1" dirty="0">
+                <a:solidFill>
+                  <a:schemeClr val="bg1">
+                    <a:lumMod val="50000"/>
+                  </a:schemeClr>
+                </a:solidFill>
+                <a:latin typeface="Consolas" panose="020B0609020204030204" pitchFamily="49" charset="0"/>
+                <a:ea typeface="SimSun"/>
+              </a:rPr>
+              <a:t>)</a:t>
+            </a:r>
+            <a:r>
+              <a:rPr lang="en-US" sz="1800" b="0" strike="noStrike" spc="-1" dirty="0">
+                <a:latin typeface="Consolas" panose="020B0609020204030204" pitchFamily="49" charset="0"/>
+                <a:ea typeface="SimSun"/>
+              </a:rPr>
+              <a:t>;</a:t>
             </a:r>
             <a:endParaRPr lang="en-IN" spc="-1" dirty="0">
-              <a:latin typeface="Consolas"/>
+              <a:latin typeface="Consolas" panose="020B0609020204030204" pitchFamily="49" charset="0"/>
               <a:ea typeface="SimSun"/>
             </a:endParaRPr>
           </a:p>
@@ -7693,17 +7891,7 @@
                 <a:latin typeface="Century"/>
                 <a:ea typeface="DejaVu Sans"/>
               </a:rPr>
-              <a:t>drop</a:t>
-            </a:r>
-            <a:r>
-              <a:rPr lang="en-IN" sz="5400" b="0" i="1" strike="noStrike" spc="-1" dirty="0">
-                <a:solidFill>
-                  <a:srgbClr val="F7C120"/>
-                </a:solidFill>
-                <a:latin typeface="Century"/>
-                <a:ea typeface="DejaVu Sans"/>
-              </a:rPr>
-              <a:t> table</a:t>
+              <a:t>insert, update and delete</a:t>
             </a:r>
             <a:endParaRPr lang="en-IN" sz="5400" b="0" strike="noStrike" spc="-1" dirty="0">
               <a:latin typeface="Arial"/>
@@ -7775,7 +7963,7 @@
     </p:spTree>
     <p:extLst>
       <p:ext uri="{BB962C8B-B14F-4D97-AF65-F5344CB8AC3E}">
-        <p14:creationId xmlns:p14="http://schemas.microsoft.com/office/powerpoint/2010/main" val="3621743096"/>
+        <p14:creationId xmlns:p14="http://schemas.microsoft.com/office/powerpoint/2010/main" val="3044798771"/>
       </p:ext>
     </p:extLst>
   </p:cSld>
@@ -7844,7 +8032,7 @@
               <a:rPr lang="en-US" spc="-1" dirty="0">
                 <a:latin typeface="Arial"/>
               </a:rPr>
-              <a:t>TODO</a:t>
+              <a:t>TODO.</a:t>
             </a:r>
           </a:p>
         </p:txBody>
@@ -7901,17 +8089,7 @@
                 <a:latin typeface="Open Sans"/>
                 <a:ea typeface="DejaVu Sans"/>
               </a:rPr>
-              <a:t>drop</a:t>
-            </a:r>
-            <a:r>
-              <a:rPr lang="en-IN" sz="4000" b="0" strike="noStrike" spc="-1" dirty="0">
-                <a:solidFill>
-                  <a:srgbClr val="F7C120"/>
-                </a:solidFill>
-                <a:latin typeface="Open Sans"/>
-                <a:ea typeface="DejaVu Sans"/>
-              </a:rPr>
-              <a:t> table</a:t>
+              <a:t>insert data</a:t>
             </a:r>
             <a:endParaRPr lang="en-IN" sz="4000" b="0" strike="noStrike" spc="-1" dirty="0">
               <a:latin typeface="Arial"/>
@@ -7956,14 +8134,20 @@
       </p:sp>
       <p:sp>
         <p:nvSpPr>
-          <p:cNvPr id="116" name="CustomShape 6"/>
+          <p:cNvPr id="10" name="CustomShape 6">
+            <a:extLst>
+              <a:ext uri="{FF2B5EF4-FFF2-40B4-BE49-F238E27FC236}">
+                <a16:creationId xmlns:a16="http://schemas.microsoft.com/office/drawing/2014/main" id="{281252E6-176D-4663-B5DF-99173D04CB27}"/>
+              </a:ext>
+            </a:extLst>
+          </p:cNvPr>
           <p:cNvSpPr/>
           <p:nvPr/>
         </p:nvSpPr>
         <p:spPr>
           <a:xfrm>
             <a:off x="246600" y="2030040"/>
-            <a:ext cx="11687400" cy="644877"/>
+            <a:ext cx="11687400" cy="2553091"/>
           </a:xfrm>
           <a:prstGeom prst="rect">
             <a:avLst/>
@@ -7992,12 +8176,11 @@
           <a:lstStyle/>
           <a:p>
             <a:r>
-              <a:rPr lang="en-US" b="0" i="0" dirty="0">
-                <a:effectLst/>
-                <a:latin typeface="Source Code Pro" panose="020B0509030403020204" pitchFamily="49" charset="0"/>
-                <a:ea typeface="Source Code Pro" panose="020B0509030403020204" pitchFamily="49" charset="0"/>
-              </a:rPr>
-              <a:t>drop_table_statement::= </a:t>
+              <a:rPr lang="en-US" spc="-1" dirty="0">
+                <a:latin typeface="Source Code Pro" panose="020B0509030403020204" pitchFamily="49" charset="0"/>
+                <a:ea typeface="Source Code Pro" panose="020B0509030403020204" pitchFamily="49" charset="0"/>
+              </a:rPr>
+              <a:t>insert_statement::= </a:t>
             </a:r>
             <a:r>
               <a:rPr lang="en-US" spc="-1" dirty="0">
@@ -8007,11 +8190,10 @@
                 <a:latin typeface="Source Code Pro" panose="020B0509030403020204" pitchFamily="49" charset="0"/>
                 <a:ea typeface="Source Code Pro" panose="020B0509030403020204" pitchFamily="49" charset="0"/>
               </a:rPr>
-              <a:t>DROP</a:t>
-            </a:r>
-            <a:r>
-              <a:rPr lang="en-US" b="0" i="0" dirty="0">
-                <a:effectLst/>
+              <a:t>INSERT</a:t>
+            </a:r>
+            <a:r>
+              <a:rPr lang="en-US" spc="-1" dirty="0">
                 <a:latin typeface="Source Code Pro" panose="020B0509030403020204" pitchFamily="49" charset="0"/>
                 <a:ea typeface="Source Code Pro" panose="020B0509030403020204" pitchFamily="49" charset="0"/>
               </a:rPr>
@@ -8019,27 +8201,77 @@
             </a:r>
             <a:r>
               <a:rPr lang="en-US" spc="-1" dirty="0">
-                <a:latin typeface="Source Code Pro" panose="020B0509030403020204" pitchFamily="49" charset="0"/>
-                <a:ea typeface="Source Code Pro" panose="020B0509030403020204" pitchFamily="49" charset="0"/>
-              </a:rPr>
-              <a:t>{</a:t>
-            </a:r>
-            <a:r>
-              <a:rPr lang="en-US" spc="-1" dirty="0">
                 <a:solidFill>
                   <a:srgbClr val="2B8208"/>
                 </a:solidFill>
                 <a:latin typeface="Source Code Pro" panose="020B0509030403020204" pitchFamily="49" charset="0"/>
                 <a:ea typeface="Source Code Pro" panose="020B0509030403020204" pitchFamily="49" charset="0"/>
               </a:rPr>
-              <a:t> TABLE </a:t>
-            </a:r>
-            <a:r>
-              <a:rPr lang="en-US" spc="-1" dirty="0">
-                <a:latin typeface="Source Code Pro" panose="020B0509030403020204" pitchFamily="49" charset="0"/>
-                <a:ea typeface="Source Code Pro" panose="020B0509030403020204" pitchFamily="49" charset="0"/>
-              </a:rPr>
-              <a:t>|</a:t>
+              <a:t>INTO</a:t>
+            </a:r>
+            <a:r>
+              <a:rPr lang="en-US" spc="-1" dirty="0">
+                <a:latin typeface="Source Code Pro" panose="020B0509030403020204" pitchFamily="49" charset="0"/>
+                <a:ea typeface="Source Code Pro" panose="020B0509030403020204" pitchFamily="49" charset="0"/>
+              </a:rPr>
+              <a:t> </a:t>
+            </a:r>
+            <a:r>
+              <a:rPr lang="en-US" i="1" spc="-1" dirty="0">
+                <a:latin typeface="Source Code Pro" panose="020B0509030403020204" pitchFamily="49" charset="0"/>
+                <a:ea typeface="Source Code Pro" panose="020B0509030403020204" pitchFamily="49" charset="0"/>
+              </a:rPr>
+              <a:t>table_name </a:t>
+            </a:r>
+            <a:r>
+              <a:rPr lang="en-US" spc="-1" dirty="0">
+                <a:latin typeface="Source Code Pro" panose="020B0509030403020204" pitchFamily="49" charset="0"/>
+                <a:ea typeface="Source Code Pro" panose="020B0509030403020204" pitchFamily="49" charset="0"/>
+              </a:rPr>
+              <a:t>( </a:t>
+            </a:r>
+            <a:r>
+              <a:rPr lang="en-US" spc="-1" dirty="0">
+                <a:solidFill>
+                  <a:srgbClr val="0070C0"/>
+                </a:solidFill>
+                <a:latin typeface="Source Code Pro" panose="020B0509030403020204" pitchFamily="49" charset="0"/>
+                <a:ea typeface="Source Code Pro" panose="020B0509030403020204" pitchFamily="49" charset="0"/>
+              </a:rPr>
+              <a:t>names_values </a:t>
+            </a:r>
+            <a:r>
+              <a:rPr lang="en-US" spc="-1" dirty="0">
+                <a:latin typeface="Source Code Pro" panose="020B0509030403020204" pitchFamily="49" charset="0"/>
+                <a:ea typeface="Source Code Pro" panose="020B0509030403020204" pitchFamily="49" charset="0"/>
+              </a:rPr>
+              <a:t>| </a:t>
+            </a:r>
+            <a:r>
+              <a:rPr lang="en-US" spc="-1" dirty="0">
+                <a:solidFill>
+                  <a:srgbClr val="7E007E"/>
+                </a:solidFill>
+                <a:latin typeface="Source Code Pro" panose="020B0509030403020204" pitchFamily="49" charset="0"/>
+                <a:ea typeface="Source Code Pro" panose="020B0509030403020204" pitchFamily="49" charset="0"/>
+              </a:rPr>
+              <a:t>json_clause</a:t>
+            </a:r>
+            <a:r>
+              <a:rPr lang="en-US" spc="-1" dirty="0">
+                <a:latin typeface="Source Code Pro" panose="020B0509030403020204" pitchFamily="49" charset="0"/>
+                <a:ea typeface="Source Code Pro" panose="020B0509030403020204" pitchFamily="49" charset="0"/>
+              </a:rPr>
+              <a:t> )</a:t>
+            </a:r>
+          </a:p>
+          <a:p>
+            <a:r>
+              <a:rPr lang="en-US" spc="-1" dirty="0">
+                <a:latin typeface="Source Code Pro" panose="020B0509030403020204" pitchFamily="49" charset="0"/>
+                <a:ea typeface="Source Code Pro" panose="020B0509030403020204" pitchFamily="49" charset="0"/>
+              </a:rPr>
+              <a:t>	[ </a:t>
             </a:r>
             <a:r>
               <a:rPr lang="en-US" spc="-1" dirty="0">
@@ -8049,22 +8281,14 @@
                 <a:latin typeface="Source Code Pro" panose="020B0509030403020204" pitchFamily="49" charset="0"/>
                 <a:ea typeface="Source Code Pro" panose="020B0509030403020204" pitchFamily="49" charset="0"/>
               </a:rPr>
-              <a:t> COLUMNFAMILY </a:t>
-            </a:r>
-            <a:r>
-              <a:rPr lang="en-US" spc="-1" dirty="0">
-                <a:latin typeface="Source Code Pro" panose="020B0509030403020204" pitchFamily="49" charset="0"/>
-                <a:ea typeface="Source Code Pro" panose="020B0509030403020204" pitchFamily="49" charset="0"/>
-              </a:rPr>
-              <a:t>}</a:t>
-            </a:r>
-            <a:r>
-              <a:rPr lang="en-US" b="0" i="0" dirty="0">
-                <a:effectLst/>
-                <a:latin typeface="Source Code Pro" panose="020B0509030403020204" pitchFamily="49" charset="0"/>
-                <a:ea typeface="Source Code Pro" panose="020B0509030403020204" pitchFamily="49" charset="0"/>
-              </a:rPr>
-              <a:t> [ </a:t>
+              <a:t>IF</a:t>
+            </a:r>
+            <a:r>
+              <a:rPr lang="en-US" spc="-1" dirty="0">
+                <a:latin typeface="Source Code Pro" panose="020B0509030403020204" pitchFamily="49" charset="0"/>
+                <a:ea typeface="Source Code Pro" panose="020B0509030403020204" pitchFamily="49" charset="0"/>
+              </a:rPr>
+              <a:t> </a:t>
             </a:r>
             <a:r>
               <a:rPr lang="en-US" spc="-1" dirty="0">
@@ -8074,11 +8298,10 @@
                 <a:latin typeface="Source Code Pro" panose="020B0509030403020204" pitchFamily="49" charset="0"/>
                 <a:ea typeface="Source Code Pro" panose="020B0509030403020204" pitchFamily="49" charset="0"/>
               </a:rPr>
-              <a:t>IF</a:t>
-            </a:r>
-            <a:r>
-              <a:rPr lang="en-US" b="0" i="0" dirty="0">
-                <a:effectLst/>
+              <a:t>NOT</a:t>
+            </a:r>
+            <a:r>
+              <a:rPr lang="en-US" spc="-1" dirty="0">
                 <a:latin typeface="Source Code Pro" panose="020B0509030403020204" pitchFamily="49" charset="0"/>
                 <a:ea typeface="Source Code Pro" panose="020B0509030403020204" pitchFamily="49" charset="0"/>
               </a:rPr>
@@ -8095,175 +8318,187 @@
               <a:t>EXISTS</a:t>
             </a:r>
             <a:r>
-              <a:rPr lang="en-US" b="0" i="0" dirty="0">
-                <a:effectLst/>
-                <a:latin typeface="Source Code Pro" panose="020B0509030403020204" pitchFamily="49" charset="0"/>
-                <a:ea typeface="Source Code Pro" panose="020B0509030403020204" pitchFamily="49" charset="0"/>
-              </a:rPr>
-              <a:t> ] </a:t>
-            </a:r>
-            <a:r>
-              <a:rPr lang="en-US" spc="-1" dirty="0">
-                <a:latin typeface="Source Code Pro" panose="020B0509030403020204" pitchFamily="49" charset="0"/>
-                <a:ea typeface="Source Code Pro" panose="020B0509030403020204" pitchFamily="49" charset="0"/>
-              </a:rPr>
-              <a:t>[</a:t>
-            </a:r>
-            <a:r>
-              <a:rPr lang="en-US" i="1" spc="-1" dirty="0">
-                <a:latin typeface="Source Code Pro" panose="020B0509030403020204" pitchFamily="49" charset="0"/>
-                <a:ea typeface="Source Code Pro" panose="020B0509030403020204" pitchFamily="49" charset="0"/>
-              </a:rPr>
-              <a:t>keyspace_name</a:t>
-            </a:r>
-            <a:r>
-              <a:rPr lang="en-US" spc="-1" dirty="0">
-                <a:latin typeface="Source Code Pro" panose="020B0509030403020204" pitchFamily="49" charset="0"/>
-                <a:ea typeface="Source Code Pro" panose="020B0509030403020204" pitchFamily="49" charset="0"/>
-              </a:rPr>
-              <a:t>.]</a:t>
-            </a:r>
-            <a:r>
-              <a:rPr lang="en-US" i="1" spc="-1" dirty="0">
-                <a:latin typeface="Source Code Pro" panose="020B0509030403020204" pitchFamily="49" charset="0"/>
-                <a:ea typeface="Source Code Pro" panose="020B0509030403020204" pitchFamily="49" charset="0"/>
-              </a:rPr>
-              <a:t>table_name</a:t>
-            </a:r>
-            <a:endParaRPr lang="en-IN" i="1" spc="-1" dirty="0">
+              <a:rPr lang="en-US" spc="-1" dirty="0">
+                <a:latin typeface="Source Code Pro" panose="020B0509030403020204" pitchFamily="49" charset="0"/>
+                <a:ea typeface="Source Code Pro" panose="020B0509030403020204" pitchFamily="49" charset="0"/>
+              </a:rPr>
+              <a:t> ]</a:t>
+            </a:r>
+          </a:p>
+          <a:p>
+            <a:r>
+              <a:rPr lang="en-US" spc="-1" dirty="0">
+                <a:latin typeface="Source Code Pro" panose="020B0509030403020204" pitchFamily="49" charset="0"/>
+                <a:ea typeface="Source Code Pro" panose="020B0509030403020204" pitchFamily="49" charset="0"/>
+              </a:rPr>
+              <a:t>	[ </a:t>
+            </a:r>
+            <a:r>
+              <a:rPr lang="en-US" spc="-1" dirty="0">
+                <a:solidFill>
+                  <a:srgbClr val="2B8208"/>
+                </a:solidFill>
+                <a:latin typeface="Source Code Pro" panose="020B0509030403020204" pitchFamily="49" charset="0"/>
+                <a:ea typeface="Source Code Pro" panose="020B0509030403020204" pitchFamily="49" charset="0"/>
+              </a:rPr>
+              <a:t>USING</a:t>
+            </a:r>
+            <a:r>
+              <a:rPr lang="en-US" spc="-1" dirty="0">
+                <a:latin typeface="Source Code Pro" panose="020B0509030403020204" pitchFamily="49" charset="0"/>
+                <a:ea typeface="Source Code Pro" panose="020B0509030403020204" pitchFamily="49" charset="0"/>
+              </a:rPr>
+              <a:t> </a:t>
+            </a:r>
+            <a:r>
+              <a:rPr lang="en-US" spc="-1" dirty="0">
+                <a:solidFill>
+                  <a:srgbClr val="C00000"/>
+                </a:solidFill>
+                <a:latin typeface="Source Code Pro" panose="020B0509030403020204" pitchFamily="49" charset="0"/>
+                <a:ea typeface="Source Code Pro" panose="020B0509030403020204" pitchFamily="49" charset="0"/>
+              </a:rPr>
+              <a:t>update_parameter</a:t>
+            </a:r>
+            <a:r>
+              <a:rPr lang="en-US" spc="-1" dirty="0">
+                <a:latin typeface="Source Code Pro" panose="020B0509030403020204" pitchFamily="49" charset="0"/>
+                <a:ea typeface="Source Code Pro" panose="020B0509030403020204" pitchFamily="49" charset="0"/>
+              </a:rPr>
+              <a:t> ( </a:t>
+            </a:r>
+            <a:r>
+              <a:rPr lang="en-US" spc="-1" dirty="0">
+                <a:solidFill>
+                  <a:schemeClr val="accent5">
+                    <a:lumMod val="75000"/>
+                  </a:schemeClr>
+                </a:solidFill>
+                <a:latin typeface="Source Code Pro" panose="020B0509030403020204" pitchFamily="49" charset="0"/>
+                <a:ea typeface="Source Code Pro" panose="020B0509030403020204" pitchFamily="49" charset="0"/>
+              </a:rPr>
+              <a:t>AND</a:t>
+            </a:r>
+            <a:r>
+              <a:rPr lang="en-US" spc="-1" dirty="0">
+                <a:latin typeface="Source Code Pro" panose="020B0509030403020204" pitchFamily="49" charset="0"/>
+                <a:ea typeface="Source Code Pro" panose="020B0509030403020204" pitchFamily="49" charset="0"/>
+              </a:rPr>
+              <a:t> update_parameter )* ]</a:t>
+            </a:r>
+          </a:p>
+          <a:p>
+            <a:endParaRPr lang="en-US" sz="1000" spc="-1" dirty="0">
               <a:latin typeface="Source Code Pro" panose="020B0509030403020204" pitchFamily="49" charset="0"/>
               <a:ea typeface="Source Code Pro" panose="020B0509030403020204" pitchFamily="49" charset="0"/>
             </a:endParaRPr>
           </a:p>
-        </p:txBody>
-      </p:sp>
-      <p:sp>
-        <p:nvSpPr>
-          <p:cNvPr id="7" name="CustomShape 2">
-            <a:extLst>
-              <a:ext uri="{FF2B5EF4-FFF2-40B4-BE49-F238E27FC236}">
-                <a16:creationId xmlns:a16="http://schemas.microsoft.com/office/drawing/2014/main" id="{ACCD4961-017A-4E61-85C4-2430DD7DDAA2}"/>
-              </a:ext>
-            </a:extLst>
-          </p:cNvPr>
-          <p:cNvSpPr/>
-          <p:nvPr/>
-        </p:nvSpPr>
-        <p:spPr>
-          <a:xfrm>
-            <a:off x="246600" y="3205138"/>
-            <a:ext cx="11687400" cy="767987"/>
-          </a:xfrm>
-          <a:prstGeom prst="rect">
-            <a:avLst/>
-          </a:prstGeom>
-          <a:noFill/>
-          <a:ln>
-            <a:noFill/>
-          </a:ln>
-        </p:spPr>
-        <p:style>
-          <a:lnRef idx="0">
-            <a:scrgbClr r="0" g="0" b="0"/>
-          </a:lnRef>
-          <a:fillRef idx="0">
-            <a:scrgbClr r="0" g="0" b="0"/>
-          </a:fillRef>
-          <a:effectRef idx="0">
-            <a:scrgbClr r="0" g="0" b="0"/>
-          </a:effectRef>
-          <a:fontRef idx="minor"/>
-        </p:style>
-        <p:txBody>
-          <a:bodyPr wrap="square" lIns="90000" tIns="45000" rIns="90000" bIns="45000">
-            <a:spAutoFit/>
-          </a:bodyPr>
-          <a:lstStyle/>
-          <a:p>
-            <a:pPr marL="309510" indent="-285750">
-              <a:buClr>
-                <a:srgbClr val="808080"/>
-              </a:buClr>
-              <a:buFont typeface="Arial" panose="020B0604020202020204" pitchFamily="34" charset="0"/>
-              <a:buChar char="•"/>
-            </a:pPr>
-            <a:r>
-              <a:rPr lang="en-IN" sz="1800" b="0" strike="noStrike" spc="-1" dirty="0">
-                <a:solidFill>
-                  <a:schemeClr val="bg1">
-                    <a:lumMod val="50000"/>
-                  </a:schemeClr>
-                </a:solidFill>
-                <a:latin typeface="Consolas"/>
-                <a:ea typeface="SimSun"/>
-              </a:rPr>
-              <a:t>cqlsh:db1&gt;</a:t>
-            </a:r>
-            <a:r>
-              <a:rPr lang="en-IN" sz="1800" b="0" strike="noStrike" spc="-1" dirty="0">
-                <a:latin typeface="Consolas"/>
-                <a:ea typeface="SimSun"/>
-              </a:rPr>
-              <a:t> drop table db1.emp;</a:t>
-            </a:r>
-          </a:p>
-          <a:p>
-            <a:pPr marL="309510" indent="-285750">
-              <a:buClr>
-                <a:srgbClr val="808080"/>
-              </a:buClr>
-              <a:buFont typeface="Arial" panose="020B0604020202020204" pitchFamily="34" charset="0"/>
-              <a:buChar char="•"/>
-            </a:pPr>
-            <a:endParaRPr lang="en-IN" sz="800" spc="-1" dirty="0">
-              <a:latin typeface="Consolas"/>
-              <a:ea typeface="SimSun"/>
+          <a:p>
+            <a:r>
+              <a:rPr lang="en-US" spc="-1" dirty="0">
+                <a:solidFill>
+                  <a:srgbClr val="0070C0"/>
+                </a:solidFill>
+                <a:latin typeface="Source Code Pro" panose="020B0509030403020204" pitchFamily="49" charset="0"/>
+                <a:ea typeface="Source Code Pro" panose="020B0509030403020204" pitchFamily="49" charset="0"/>
+              </a:rPr>
+              <a:t>names_values::= </a:t>
+            </a:r>
+            <a:r>
+              <a:rPr lang="en-US" spc="-1" dirty="0">
+                <a:solidFill>
+                  <a:srgbClr val="FD8603"/>
+                </a:solidFill>
+                <a:latin typeface="Source Code Pro" panose="020B0509030403020204" pitchFamily="49" charset="0"/>
+                <a:ea typeface="Source Code Pro" panose="020B0509030403020204" pitchFamily="49" charset="0"/>
+              </a:rPr>
+              <a:t>names</a:t>
+            </a:r>
+            <a:r>
+              <a:rPr lang="en-US" spc="-1" dirty="0">
+                <a:latin typeface="Source Code Pro" panose="020B0509030403020204" pitchFamily="49" charset="0"/>
+                <a:ea typeface="Source Code Pro" panose="020B0509030403020204" pitchFamily="49" charset="0"/>
+              </a:rPr>
+              <a:t> VALUES tuple_literal</a:t>
+            </a:r>
+          </a:p>
+          <a:p>
+            <a:endParaRPr lang="en-US" sz="800" spc="-1" dirty="0">
+              <a:latin typeface="Source Code Pro" panose="020B0509030403020204" pitchFamily="49" charset="0"/>
+              <a:ea typeface="Source Code Pro" panose="020B0509030403020204" pitchFamily="49" charset="0"/>
             </a:endParaRPr>
           </a:p>
           <a:p>
-            <a:pPr marL="309510" indent="-285750">
-              <a:buClr>
-                <a:srgbClr val="808080"/>
-              </a:buClr>
-              <a:buFont typeface="Arial" panose="020B0604020202020204" pitchFamily="34" charset="0"/>
-              <a:buChar char="•"/>
-            </a:pPr>
-            <a:r>
-              <a:rPr lang="en-IN" sz="1800" b="0" strike="noStrike" spc="-1" dirty="0">
-                <a:solidFill>
-                  <a:schemeClr val="bg1">
-                    <a:lumMod val="50000"/>
-                  </a:schemeClr>
-                </a:solidFill>
-                <a:latin typeface="Consolas"/>
-                <a:ea typeface="SimSun"/>
-              </a:rPr>
-              <a:t>cqlsh:db1&gt; </a:t>
-            </a:r>
-            <a:r>
-              <a:rPr lang="en-IN" sz="1800" b="0" strike="noStrike" spc="-1" dirty="0">
-                <a:latin typeface="Consolas"/>
-                <a:ea typeface="SimSun"/>
-              </a:rPr>
-              <a:t>drop </a:t>
-            </a:r>
-            <a:r>
-              <a:rPr lang="en-US" spc="-1" dirty="0">
-                <a:latin typeface="Source Code Pro" panose="020B0509030403020204" pitchFamily="49" charset="0"/>
-                <a:ea typeface="Source Code Pro" panose="020B0509030403020204" pitchFamily="49" charset="0"/>
-              </a:rPr>
-              <a:t>columnfamily</a:t>
-            </a:r>
-            <a:r>
-              <a:rPr lang="en-IN" sz="1800" b="0" strike="noStrike" spc="-1" dirty="0">
-                <a:latin typeface="Consolas"/>
-                <a:ea typeface="SimSun"/>
-              </a:rPr>
-              <a:t> db1.emp;</a:t>
+            <a:r>
+              <a:rPr lang="en-US" spc="-1" dirty="0">
+                <a:solidFill>
+                  <a:srgbClr val="7E007E"/>
+                </a:solidFill>
+                <a:latin typeface="Source Code Pro" panose="020B0509030403020204" pitchFamily="49" charset="0"/>
+                <a:ea typeface="Source Code Pro" panose="020B0509030403020204" pitchFamily="49" charset="0"/>
+              </a:rPr>
+              <a:t>json_clause::= </a:t>
+            </a:r>
+            <a:r>
+              <a:rPr lang="en-US" spc="-1" dirty="0">
+                <a:latin typeface="Source Code Pro" panose="020B0509030403020204" pitchFamily="49" charset="0"/>
+                <a:ea typeface="Source Code Pro" panose="020B0509030403020204" pitchFamily="49" charset="0"/>
+              </a:rPr>
+              <a:t>JSON string [ DEFAULT ( NULL | UNSET ) ]</a:t>
+            </a:r>
+          </a:p>
+          <a:p>
+            <a:endParaRPr lang="en-US" sz="800" spc="-1" dirty="0">
+              <a:latin typeface="Source Code Pro" panose="020B0509030403020204" pitchFamily="49" charset="0"/>
+              <a:ea typeface="Source Code Pro" panose="020B0509030403020204" pitchFamily="49" charset="0"/>
+            </a:endParaRPr>
+          </a:p>
+          <a:p>
+            <a:r>
+              <a:rPr lang="en-US" spc="-1" dirty="0">
+                <a:solidFill>
+                  <a:srgbClr val="FD8603"/>
+                </a:solidFill>
+                <a:latin typeface="Source Code Pro" panose="020B0509030403020204" pitchFamily="49" charset="0"/>
+                <a:ea typeface="Source Code Pro" panose="020B0509030403020204" pitchFamily="49" charset="0"/>
+              </a:rPr>
+              <a:t>names::= </a:t>
+            </a:r>
+            <a:r>
+              <a:rPr lang="en-US" spc="-1" dirty="0">
+                <a:latin typeface="Source Code Pro" panose="020B0509030403020204" pitchFamily="49" charset="0"/>
+                <a:ea typeface="Source Code Pro" panose="020B0509030403020204" pitchFamily="49" charset="0"/>
+              </a:rPr>
+              <a:t>'(' column_name ( ',' column_name )* ‘)’</a:t>
+            </a:r>
+          </a:p>
+          <a:p>
+            <a:endParaRPr lang="en-US" sz="800" spc="-1" dirty="0">
+              <a:latin typeface="Source Code Pro" panose="020B0509030403020204" pitchFamily="49" charset="0"/>
+              <a:ea typeface="Source Code Pro" panose="020B0509030403020204" pitchFamily="49" charset="0"/>
+            </a:endParaRPr>
+          </a:p>
+          <a:p>
+            <a:r>
+              <a:rPr lang="en-IN" b="0" i="0" dirty="0">
+                <a:solidFill>
+                  <a:srgbClr val="C00000"/>
+                </a:solidFill>
+                <a:effectLst/>
+                <a:latin typeface="Roboto Mono"/>
+              </a:rPr>
+              <a:t>update_parameter ::= </a:t>
+            </a:r>
+            <a:r>
+              <a:rPr lang="en-IN" b="0" i="0" dirty="0">
+                <a:effectLst/>
+                <a:latin typeface="Roboto Mono"/>
+              </a:rPr>
+              <a:t>( TIMESTAMP | TTL )</a:t>
             </a:r>
             <a:endParaRPr lang="en-IN" spc="-1" dirty="0">
-              <a:latin typeface="Consolas"/>
-              <a:ea typeface="SimSun"/>
+              <a:latin typeface="Source Code Pro" panose="020B0509030403020204" pitchFamily="49" charset="0"/>
+              <a:ea typeface="Source Code Pro" panose="020B0509030403020204" pitchFamily="49" charset="0"/>
             </a:endParaRPr>
           </a:p>
         </p:txBody>
@@ -8271,7 +8506,7 @@
     </p:spTree>
     <p:extLst>
       <p:ext uri="{BB962C8B-B14F-4D97-AF65-F5344CB8AC3E}">
-        <p14:creationId xmlns:p14="http://schemas.microsoft.com/office/powerpoint/2010/main" val="3364275549"/>
+        <p14:creationId xmlns:p14="http://schemas.microsoft.com/office/powerpoint/2010/main" val="4035372386"/>
       </p:ext>
     </p:extLst>
   </p:cSld>
@@ -8300,14 +8535,14 @@
       </p:grpSpPr>
       <p:sp>
         <p:nvSpPr>
-          <p:cNvPr id="109" name="CustomShape 1"/>
+          <p:cNvPr id="111" name="CustomShape 1"/>
           <p:cNvSpPr/>
           <p:nvPr/>
         </p:nvSpPr>
         <p:spPr>
           <a:xfrm>
-            <a:off x="1676520" y="2362320"/>
-            <a:ext cx="8815320" cy="921876"/>
+            <a:off x="246600" y="762120"/>
+            <a:ext cx="11687400" cy="367878"/>
           </a:xfrm>
           <a:prstGeom prst="rect">
             <a:avLst/>
@@ -8335,32 +8570,71 @@
           </a:bodyPr>
           <a:lstStyle/>
           <a:p>
+            <a:pPr algn="just"/>
+            <a:r>
+              <a:rPr lang="en-US" spc="-1" dirty="0">
+                <a:latin typeface="Arial"/>
+              </a:rPr>
+              <a:t>TODO</a:t>
+            </a:r>
+          </a:p>
+        </p:txBody>
+      </p:sp>
+      <p:sp>
+        <p:nvSpPr>
+          <p:cNvPr id="114" name="CustomShape 4"/>
+          <p:cNvSpPr/>
+          <p:nvPr/>
+        </p:nvSpPr>
+        <p:spPr>
+          <a:xfrm>
+            <a:off x="246600" y="0"/>
+            <a:ext cx="11687400" cy="706432"/>
+          </a:xfrm>
+          <a:prstGeom prst="rect">
+            <a:avLst/>
+          </a:prstGeom>
+          <a:solidFill>
+            <a:srgbClr val="C00000"/>
+          </a:solidFill>
+          <a:ln>
+            <a:noFill/>
+          </a:ln>
+        </p:spPr>
+        <p:style>
+          <a:lnRef idx="0">
+            <a:scrgbClr r="0" g="0" b="0"/>
+          </a:lnRef>
+          <a:fillRef idx="0">
+            <a:scrgbClr r="0" g="0" b="0"/>
+          </a:fillRef>
+          <a:effectRef idx="0">
+            <a:scrgbClr r="0" g="0" b="0"/>
+          </a:effectRef>
+          <a:fontRef idx="minor"/>
+        </p:style>
+        <p:txBody>
+          <a:bodyPr lIns="90000" tIns="45000" rIns="90000" bIns="45000">
+            <a:spAutoFit/>
+          </a:bodyPr>
+          <a:lstStyle/>
+          <a:p>
             <a:pPr algn="ctr">
               <a:lnSpc>
                 <a:spcPct val="100000"/>
               </a:lnSpc>
             </a:pPr>
             <a:r>
-              <a:rPr lang="en-IN" sz="5400" i="1" spc="-1" dirty="0">
+              <a:rPr lang="en-IN" sz="4000" spc="-1" dirty="0">
                 <a:solidFill>
                   <a:srgbClr val="F7C120"/>
                 </a:solidFill>
-                <a:latin typeface="Century"/>
+                <a:latin typeface="Open Sans"/>
                 <a:ea typeface="DejaVu Sans"/>
               </a:rPr>
-              <a:t>truncate</a:t>
-            </a:r>
-            <a:r>
-              <a:rPr lang="en-IN" sz="5400" b="0" i="1" strike="noStrike" spc="-1" dirty="0">
-                <a:solidFill>
-                  <a:srgbClr val="F7C120"/>
-                </a:solidFill>
-                <a:latin typeface="Century"/>
-                <a:ea typeface="DejaVu Sans"/>
-              </a:rPr>
-              <a:t> table</a:t>
-            </a:r>
-            <a:endParaRPr lang="en-IN" sz="5400" b="0" strike="noStrike" spc="-1" dirty="0">
+              <a:t>update data</a:t>
+            </a:r>
+            <a:endParaRPr lang="en-IN" sz="4000" b="0" strike="noStrike" spc="-1" dirty="0">
               <a:latin typeface="Arial"/>
             </a:endParaRPr>
           </a:p>
@@ -8368,14 +8642,55 @@
       </p:sp>
       <p:sp>
         <p:nvSpPr>
-          <p:cNvPr id="110" name="CustomShape 2"/>
+          <p:cNvPr id="115" name="Line 5"/>
           <p:cNvSpPr/>
           <p:nvPr/>
         </p:nvSpPr>
         <p:spPr>
           <a:xfrm>
-            <a:off x="522360" y="3531600"/>
-            <a:ext cx="11052360" cy="367878"/>
+            <a:off x="0" y="1536120"/>
+            <a:ext cx="12191760" cy="0"/>
+          </a:xfrm>
+          <a:prstGeom prst="line">
+            <a:avLst/>
+          </a:prstGeom>
+          <a:ln w="12600">
+            <a:solidFill>
+              <a:srgbClr val="6E78A0"/>
+            </a:solidFill>
+            <a:prstDash val="dash"/>
+            <a:round/>
+          </a:ln>
+        </p:spPr>
+        <p:style>
+          <a:lnRef idx="1">
+            <a:schemeClr val="accent1"/>
+          </a:lnRef>
+          <a:fillRef idx="0">
+            <a:schemeClr val="accent1"/>
+          </a:fillRef>
+          <a:effectRef idx="0">
+            <a:schemeClr val="accent1"/>
+          </a:effectRef>
+          <a:fontRef idx="minor"/>
+        </p:style>
+      </p:sp>
+      <p:sp>
+        <p:nvSpPr>
+          <p:cNvPr id="10" name="CustomShape 6">
+            <a:extLst>
+              <a:ext uri="{FF2B5EF4-FFF2-40B4-BE49-F238E27FC236}">
+                <a16:creationId xmlns:a16="http://schemas.microsoft.com/office/drawing/2014/main" id="{D4558032-AAFD-4B35-81C8-1CCCADB686EE}"/>
+              </a:ext>
+            </a:extLst>
+          </p:cNvPr>
+          <p:cNvSpPr/>
+          <p:nvPr/>
+        </p:nvSpPr>
+        <p:spPr>
+          <a:xfrm>
+            <a:off x="246600" y="2030040"/>
+            <a:ext cx="11687400" cy="367878"/>
           </a:xfrm>
           <a:prstGeom prst="rect">
             <a:avLst/>
@@ -8403,26 +8718,77 @@
           </a:bodyPr>
           <a:lstStyle/>
           <a:p>
-            <a:pPr algn="just">
-              <a:lnSpc>
-                <a:spcPct val="100000"/>
-              </a:lnSpc>
-            </a:pPr>
-            <a:r>
-              <a:rPr lang="en-US" sz="1800" b="0" strike="noStrike" spc="-1" dirty="0">
-                <a:solidFill>
-                  <a:srgbClr val="BB0643"/>
-                </a:solidFill>
-                <a:latin typeface="Segoe UI"/>
-                <a:ea typeface="DejaVu Sans"/>
-              </a:rPr>
-              <a:t>TODO</a:t>
-            </a:r>
-            <a:endParaRPr lang="en-IN" spc="-1" dirty="0">
-              <a:solidFill>
-                <a:srgbClr val="BB0643"/>
-              </a:solidFill>
-              <a:latin typeface="Segoe UI"/>
+            <a:r>
+              <a:rPr lang="en-US" spc="-1" dirty="0">
+                <a:solidFill>
+                  <a:srgbClr val="2B8208"/>
+                </a:solidFill>
+                <a:latin typeface="Source Code Pro" panose="020B0509030403020204" pitchFamily="49" charset="0"/>
+                <a:ea typeface="Source Code Pro" panose="020B0509030403020204" pitchFamily="49" charset="0"/>
+              </a:rPr>
+              <a:t>DESCRIBE KEYSPACES </a:t>
+            </a:r>
+            <a:r>
+              <a:rPr lang="en-US" spc="-1" dirty="0">
+                <a:latin typeface="Source Code Pro" panose="020B0509030403020204" pitchFamily="49" charset="0"/>
+                <a:ea typeface="Source Code Pro" panose="020B0509030403020204" pitchFamily="49" charset="0"/>
+              </a:rPr>
+              <a:t>|</a:t>
+            </a:r>
+            <a:r>
+              <a:rPr lang="en-US" spc="-1" dirty="0">
+                <a:solidFill>
+                  <a:srgbClr val="2B8208"/>
+                </a:solidFill>
+                <a:latin typeface="Source Code Pro" panose="020B0509030403020204" pitchFamily="49" charset="0"/>
+                <a:ea typeface="Source Code Pro" panose="020B0509030403020204" pitchFamily="49" charset="0"/>
+              </a:rPr>
+              <a:t> KEYSPACE </a:t>
+            </a:r>
+            <a:r>
+              <a:rPr lang="en-US" spc="-1" dirty="0">
+                <a:latin typeface="Source Code Pro" panose="020B0509030403020204" pitchFamily="49" charset="0"/>
+                <a:ea typeface="Source Code Pro" panose="020B0509030403020204" pitchFamily="49" charset="0"/>
+              </a:rPr>
+              <a:t>&lt;</a:t>
+            </a:r>
+            <a:r>
+              <a:rPr lang="en-US" spc="-1" dirty="0">
+                <a:solidFill>
+                  <a:srgbClr val="2B8208"/>
+                </a:solidFill>
+                <a:latin typeface="Source Code Pro" panose="020B0509030403020204" pitchFamily="49" charset="0"/>
+                <a:ea typeface="Source Code Pro" panose="020B0509030403020204" pitchFamily="49" charset="0"/>
+              </a:rPr>
+              <a:t> </a:t>
+            </a:r>
+            <a:r>
+              <a:rPr lang="en-US" i="1" spc="-1" dirty="0">
+                <a:latin typeface="Source Code Pro" panose="020B0509030403020204" pitchFamily="49" charset="0"/>
+                <a:ea typeface="Source Code Pro" panose="020B0509030403020204" pitchFamily="49" charset="0"/>
+              </a:rPr>
+              <a:t>keyspace_name</a:t>
+            </a:r>
+            <a:r>
+              <a:rPr lang="en-US" spc="-1" dirty="0">
+                <a:solidFill>
+                  <a:srgbClr val="2B8208"/>
+                </a:solidFill>
+                <a:latin typeface="Source Code Pro" panose="020B0509030403020204" pitchFamily="49" charset="0"/>
+                <a:ea typeface="Source Code Pro" panose="020B0509030403020204" pitchFamily="49" charset="0"/>
+              </a:rPr>
+              <a:t> </a:t>
+            </a:r>
+            <a:r>
+              <a:rPr lang="en-US" spc="-1" dirty="0">
+                <a:latin typeface="Source Code Pro" panose="020B0509030403020204" pitchFamily="49" charset="0"/>
+                <a:ea typeface="Source Code Pro" panose="020B0509030403020204" pitchFamily="49" charset="0"/>
+              </a:rPr>
+              <a:t>&gt;</a:t>
+            </a:r>
+            <a:endParaRPr lang="en-IN" sz="400" spc="-1" dirty="0">
+              <a:latin typeface="Source Code Pro" panose="020B0509030403020204" pitchFamily="49" charset="0"/>
+              <a:ea typeface="Source Code Pro" panose="020B0509030403020204" pitchFamily="49" charset="0"/>
             </a:endParaRPr>
           </a:p>
         </p:txBody>
@@ -8430,7 +8796,7 @@
     </p:spTree>
     <p:extLst>
       <p:ext uri="{BB962C8B-B14F-4D97-AF65-F5344CB8AC3E}">
-        <p14:creationId xmlns:p14="http://schemas.microsoft.com/office/powerpoint/2010/main" val="3553681802"/>
+        <p14:creationId xmlns:p14="http://schemas.microsoft.com/office/powerpoint/2010/main" val="2360017183"/>
       </p:ext>
     </p:extLst>
   </p:cSld>
@@ -8499,7 +8865,7 @@
               <a:rPr lang="en-US" spc="-1" dirty="0">
                 <a:latin typeface="Arial"/>
               </a:rPr>
-              <a:t>Truncating a table permanently removes all existing data from the table, but without removing the table itself.</a:t>
+              <a:t>TODO</a:t>
             </a:r>
           </a:p>
         </p:txBody>
@@ -8556,17 +8922,7 @@
                 <a:latin typeface="Open Sans"/>
                 <a:ea typeface="DejaVu Sans"/>
               </a:rPr>
-              <a:t>truncate</a:t>
-            </a:r>
-            <a:r>
-              <a:rPr lang="en-IN" sz="4000" b="0" strike="noStrike" spc="-1" dirty="0">
-                <a:solidFill>
-                  <a:srgbClr val="F7C120"/>
-                </a:solidFill>
-                <a:latin typeface="Open Sans"/>
-                <a:ea typeface="DejaVu Sans"/>
-              </a:rPr>
-              <a:t> table</a:t>
+              <a:t>delete data</a:t>
             </a:r>
             <a:endParaRPr lang="en-IN" sz="4000" b="0" strike="noStrike" spc="-1" dirty="0">
               <a:latin typeface="Arial"/>
@@ -8611,7 +8967,13 @@
       </p:sp>
       <p:sp>
         <p:nvSpPr>
-          <p:cNvPr id="116" name="CustomShape 6"/>
+          <p:cNvPr id="10" name="CustomShape 6">
+            <a:extLst>
+              <a:ext uri="{FF2B5EF4-FFF2-40B4-BE49-F238E27FC236}">
+                <a16:creationId xmlns:a16="http://schemas.microsoft.com/office/drawing/2014/main" id="{3F3ADA2F-5904-426C-A7AA-EF7218A0D350}"/>
+              </a:ext>
+            </a:extLst>
+          </p:cNvPr>
           <p:cNvSpPr/>
           <p:nvPr/>
         </p:nvSpPr>
@@ -8647,13 +9009,6 @@
           <a:lstStyle/>
           <a:p>
             <a:r>
-              <a:rPr lang="en-US" b="0" i="0" dirty="0">
-                <a:effectLst/>
-                <a:latin typeface="Roboto Mono"/>
-              </a:rPr>
-              <a:t>truncate_statement::= </a:t>
-            </a:r>
-            <a:r>
               <a:rPr lang="en-US" spc="-1" dirty="0">
                 <a:solidFill>
                   <a:srgbClr val="2B8208"/>
@@ -8661,21 +9016,48 @@
                 <a:latin typeface="Source Code Pro" panose="020B0509030403020204" pitchFamily="49" charset="0"/>
                 <a:ea typeface="Source Code Pro" panose="020B0509030403020204" pitchFamily="49" charset="0"/>
               </a:rPr>
-              <a:t>TRUNCATE</a:t>
-            </a:r>
-            <a:r>
-              <a:rPr lang="en-US" b="0" i="0" dirty="0">
-                <a:effectLst/>
-                <a:latin typeface="Roboto Mono"/>
+              <a:t>DESCRIBE KEYSPACES </a:t>
+            </a:r>
+            <a:r>
+              <a:rPr lang="en-US" spc="-1" dirty="0">
+                <a:latin typeface="Source Code Pro" panose="020B0509030403020204" pitchFamily="49" charset="0"/>
+                <a:ea typeface="Source Code Pro" panose="020B0509030403020204" pitchFamily="49" charset="0"/>
+              </a:rPr>
+              <a:t>|</a:t>
+            </a:r>
+            <a:r>
+              <a:rPr lang="en-US" spc="-1" dirty="0">
+                <a:solidFill>
+                  <a:srgbClr val="2B8208"/>
+                </a:solidFill>
+                <a:latin typeface="Source Code Pro" panose="020B0509030403020204" pitchFamily="49" charset="0"/>
+                <a:ea typeface="Source Code Pro" panose="020B0509030403020204" pitchFamily="49" charset="0"/>
+              </a:rPr>
+              <a:t> KEYSPACE </a:t>
+            </a:r>
+            <a:r>
+              <a:rPr lang="en-US" spc="-1" dirty="0">
+                <a:latin typeface="Source Code Pro" panose="020B0509030403020204" pitchFamily="49" charset="0"/>
+                <a:ea typeface="Source Code Pro" panose="020B0509030403020204" pitchFamily="49" charset="0"/>
+              </a:rPr>
+              <a:t>&lt;</a:t>
+            </a:r>
+            <a:r>
+              <a:rPr lang="en-US" spc="-1" dirty="0">
+                <a:solidFill>
+                  <a:srgbClr val="2B8208"/>
+                </a:solidFill>
+                <a:latin typeface="Source Code Pro" panose="020B0509030403020204" pitchFamily="49" charset="0"/>
+                <a:ea typeface="Source Code Pro" panose="020B0509030403020204" pitchFamily="49" charset="0"/>
               </a:rPr>
               <a:t> </a:t>
             </a:r>
             <a:r>
-              <a:rPr lang="en-US" spc="-1" dirty="0">
-                <a:latin typeface="Source Code Pro" panose="020B0509030403020204" pitchFamily="49" charset="0"/>
-                <a:ea typeface="Source Code Pro" panose="020B0509030403020204" pitchFamily="49" charset="0"/>
-              </a:rPr>
-              <a:t>{</a:t>
+              <a:rPr lang="en-US" i="1" spc="-1" dirty="0">
+                <a:latin typeface="Source Code Pro" panose="020B0509030403020204" pitchFamily="49" charset="0"/>
+                <a:ea typeface="Source Code Pro" panose="020B0509030403020204" pitchFamily="49" charset="0"/>
+              </a:rPr>
+              <a:t>keyspace_name</a:t>
             </a:r>
             <a:r>
               <a:rPr lang="en-US" spc="-1" dirty="0">
@@ -8685,37 +9067,6 @@
                 <a:latin typeface="Source Code Pro" panose="020B0509030403020204" pitchFamily="49" charset="0"/>
                 <a:ea typeface="Source Code Pro" panose="020B0509030403020204" pitchFamily="49" charset="0"/>
               </a:rPr>
-              <a:t> TABLE </a:t>
-            </a:r>
-            <a:r>
-              <a:rPr lang="en-US" spc="-1" dirty="0">
-                <a:latin typeface="Source Code Pro" panose="020B0509030403020204" pitchFamily="49" charset="0"/>
-                <a:ea typeface="Source Code Pro" panose="020B0509030403020204" pitchFamily="49" charset="0"/>
-              </a:rPr>
-              <a:t>|</a:t>
-            </a:r>
-            <a:r>
-              <a:rPr lang="en-US" spc="-1" dirty="0">
-                <a:solidFill>
-                  <a:srgbClr val="2B8208"/>
-                </a:solidFill>
-                <a:latin typeface="Source Code Pro" panose="020B0509030403020204" pitchFamily="49" charset="0"/>
-                <a:ea typeface="Source Code Pro" panose="020B0509030403020204" pitchFamily="49" charset="0"/>
-              </a:rPr>
-              <a:t> COLUMNFAMILY </a:t>
-            </a:r>
-            <a:r>
-              <a:rPr lang="en-US" spc="-1" dirty="0">
-                <a:latin typeface="Source Code Pro" panose="020B0509030403020204" pitchFamily="49" charset="0"/>
-                <a:ea typeface="Source Code Pro" panose="020B0509030403020204" pitchFamily="49" charset="0"/>
-              </a:rPr>
-              <a:t>}</a:t>
-            </a:r>
-            <a:r>
-              <a:rPr lang="en-US" b="0" i="0" dirty="0">
-                <a:effectLst/>
-                <a:latin typeface="Roboto Mono"/>
-              </a:rPr>
               <a:t> </a:t>
             </a:r>
             <a:r>
@@ -8723,174 +9074,19 @@
                 <a:latin typeface="Source Code Pro" panose="020B0509030403020204" pitchFamily="49" charset="0"/>
                 <a:ea typeface="Source Code Pro" panose="020B0509030403020204" pitchFamily="49" charset="0"/>
               </a:rPr>
-              <a:t>[</a:t>
-            </a:r>
-            <a:r>
-              <a:rPr lang="en-US" i="1" spc="-1" dirty="0">
-                <a:latin typeface="Source Code Pro" panose="020B0509030403020204" pitchFamily="49" charset="0"/>
-                <a:ea typeface="Source Code Pro" panose="020B0509030403020204" pitchFamily="49" charset="0"/>
-              </a:rPr>
-              <a:t>keyspace_name</a:t>
-            </a:r>
-            <a:r>
-              <a:rPr lang="en-US" spc="-1" dirty="0">
-                <a:latin typeface="Source Code Pro" panose="020B0509030403020204" pitchFamily="49" charset="0"/>
-                <a:ea typeface="Source Code Pro" panose="020B0509030403020204" pitchFamily="49" charset="0"/>
-              </a:rPr>
-              <a:t>.]</a:t>
-            </a:r>
-            <a:r>
-              <a:rPr lang="en-US" i="1" spc="-1" dirty="0">
-                <a:latin typeface="Source Code Pro" panose="020B0509030403020204" pitchFamily="49" charset="0"/>
-                <a:ea typeface="Source Code Pro" panose="020B0509030403020204" pitchFamily="49" charset="0"/>
-              </a:rPr>
-              <a:t>table_name</a:t>
-            </a:r>
-            <a:endParaRPr lang="en-IN" i="1" spc="-1" dirty="0">
+              <a:t>&gt;</a:t>
+            </a:r>
+            <a:endParaRPr lang="en-IN" sz="400" spc="-1" dirty="0">
               <a:latin typeface="Source Code Pro" panose="020B0509030403020204" pitchFamily="49" charset="0"/>
               <a:ea typeface="Source Code Pro" panose="020B0509030403020204" pitchFamily="49" charset="0"/>
             </a:endParaRPr>
           </a:p>
         </p:txBody>
       </p:sp>
-      <p:sp>
-        <p:nvSpPr>
-          <p:cNvPr id="7" name="CustomShape 2">
-            <a:extLst>
-              <a:ext uri="{FF2B5EF4-FFF2-40B4-BE49-F238E27FC236}">
-                <a16:creationId xmlns:a16="http://schemas.microsoft.com/office/drawing/2014/main" id="{ACCD4961-017A-4E61-85C4-2430DD7DDAA2}"/>
-              </a:ext>
-            </a:extLst>
-          </p:cNvPr>
-          <p:cNvSpPr/>
-          <p:nvPr/>
-        </p:nvSpPr>
-        <p:spPr>
-          <a:xfrm>
-            <a:off x="246600" y="3205138"/>
-            <a:ext cx="11687400" cy="767987"/>
-          </a:xfrm>
-          <a:prstGeom prst="rect">
-            <a:avLst/>
-          </a:prstGeom>
-          <a:noFill/>
-          <a:ln>
-            <a:noFill/>
-          </a:ln>
-        </p:spPr>
-        <p:style>
-          <a:lnRef idx="0">
-            <a:scrgbClr r="0" g="0" b="0"/>
-          </a:lnRef>
-          <a:fillRef idx="0">
-            <a:scrgbClr r="0" g="0" b="0"/>
-          </a:fillRef>
-          <a:effectRef idx="0">
-            <a:scrgbClr r="0" g="0" b="0"/>
-          </a:effectRef>
-          <a:fontRef idx="minor"/>
-        </p:style>
-        <p:txBody>
-          <a:bodyPr wrap="square" lIns="90000" tIns="45000" rIns="90000" bIns="45000">
-            <a:spAutoFit/>
-          </a:bodyPr>
-          <a:lstStyle/>
-          <a:p>
-            <a:pPr marL="309510" indent="-285750">
-              <a:buClr>
-                <a:srgbClr val="808080"/>
-              </a:buClr>
-              <a:buFont typeface="Arial" panose="020B0604020202020204" pitchFamily="34" charset="0"/>
-              <a:buChar char="•"/>
-            </a:pPr>
-            <a:r>
-              <a:rPr lang="en-IN" sz="1800" b="0" strike="noStrike" spc="-1" dirty="0">
-                <a:solidFill>
-                  <a:schemeClr val="bg1">
-                    <a:lumMod val="50000"/>
-                  </a:schemeClr>
-                </a:solidFill>
-                <a:latin typeface="Consolas"/>
-                <a:ea typeface="SimSun"/>
-              </a:rPr>
-              <a:t>cqlsh:db1&gt; </a:t>
-            </a:r>
-            <a:r>
-              <a:rPr lang="en-IN" sz="1800" b="0" strike="noStrike" spc="-1" dirty="0">
-                <a:latin typeface="Consolas"/>
-                <a:ea typeface="SimSun"/>
-              </a:rPr>
-              <a:t>truncate table db1.emp;</a:t>
-            </a:r>
-          </a:p>
-          <a:p>
-            <a:pPr marL="309510" indent="-285750">
-              <a:buClr>
-                <a:srgbClr val="808080"/>
-              </a:buClr>
-              <a:buFont typeface="Arial" panose="020B0604020202020204" pitchFamily="34" charset="0"/>
-              <a:buChar char="•"/>
-            </a:pPr>
-            <a:endParaRPr lang="en-IN" sz="800" spc="-1" dirty="0">
-              <a:latin typeface="Consolas"/>
-              <a:ea typeface="SimSun"/>
-            </a:endParaRPr>
-          </a:p>
-          <a:p>
-            <a:pPr marL="309510" indent="-285750">
-              <a:buClr>
-                <a:srgbClr val="808080"/>
-              </a:buClr>
-              <a:buFont typeface="Arial" panose="020B0604020202020204" pitchFamily="34" charset="0"/>
-              <a:buChar char="•"/>
-            </a:pPr>
-            <a:r>
-              <a:rPr lang="en-IN" sz="1800" b="0" strike="noStrike" spc="-1" dirty="0">
-                <a:solidFill>
-                  <a:schemeClr val="bg1">
-                    <a:lumMod val="50000"/>
-                  </a:schemeClr>
-                </a:solidFill>
-                <a:latin typeface="Consolas"/>
-                <a:ea typeface="SimSun"/>
-              </a:rPr>
-              <a:t>cqlsh:db1&gt;</a:t>
-            </a:r>
-            <a:r>
-              <a:rPr lang="en-IN" sz="1800" b="0" strike="noStrike" spc="-1" dirty="0">
-                <a:latin typeface="Consolas"/>
-                <a:ea typeface="SimSun"/>
-              </a:rPr>
-              <a:t> truncate </a:t>
-            </a:r>
-            <a:r>
-              <a:rPr lang="en-US" spc="-1" dirty="0">
-                <a:latin typeface="Source Code Pro" panose="020B0509030403020204" pitchFamily="49" charset="0"/>
-                <a:ea typeface="Source Code Pro" panose="020B0509030403020204" pitchFamily="49" charset="0"/>
-              </a:rPr>
-              <a:t>columnfamily</a:t>
-            </a:r>
-            <a:r>
-              <a:rPr lang="en-IN" sz="1800" b="0" strike="noStrike" spc="-1" dirty="0">
-                <a:latin typeface="Consolas"/>
-                <a:ea typeface="SimSun"/>
-              </a:rPr>
-              <a:t> db1.emp;</a:t>
-            </a:r>
-            <a:r>
-              <a:rPr lang="en-IN" spc="-1" dirty="0">
-                <a:latin typeface="Consolas"/>
-                <a:ea typeface="SimSun"/>
-              </a:rPr>
-              <a:t> </a:t>
-            </a:r>
-          </a:p>
-        </p:txBody>
-      </p:sp>
     </p:spTree>
     <p:extLst>
       <p:ext uri="{BB962C8B-B14F-4D97-AF65-F5344CB8AC3E}">
-        <p14:creationId xmlns:p14="http://schemas.microsoft.com/office/powerpoint/2010/main" val="2722645413"/>
+        <p14:creationId xmlns:p14="http://schemas.microsoft.com/office/powerpoint/2010/main" val="1932277347"/>
       </p:ext>
     </p:extLst>
   </p:cSld>
@@ -9103,6 +9299,1280 @@
               </a:lnSpc>
             </a:pPr>
             <a:r>
+              <a:rPr lang="en-IN" sz="5400" i="1" spc="-1" dirty="0">
+                <a:solidFill>
+                  <a:srgbClr val="F7C120"/>
+                </a:solidFill>
+                <a:latin typeface="Century"/>
+                <a:ea typeface="DejaVu Sans"/>
+              </a:rPr>
+              <a:t>drop</a:t>
+            </a:r>
+            <a:r>
+              <a:rPr lang="en-IN" sz="5400" b="0" i="1" strike="noStrike" spc="-1" dirty="0">
+                <a:solidFill>
+                  <a:srgbClr val="F7C120"/>
+                </a:solidFill>
+                <a:latin typeface="Century"/>
+                <a:ea typeface="DejaVu Sans"/>
+              </a:rPr>
+              <a:t> table</a:t>
+            </a:r>
+            <a:endParaRPr lang="en-IN" sz="5400" b="0" strike="noStrike" spc="-1" dirty="0">
+              <a:latin typeface="Arial"/>
+            </a:endParaRPr>
+          </a:p>
+        </p:txBody>
+      </p:sp>
+      <p:sp>
+        <p:nvSpPr>
+          <p:cNvPr id="110" name="CustomShape 2"/>
+          <p:cNvSpPr/>
+          <p:nvPr/>
+        </p:nvSpPr>
+        <p:spPr>
+          <a:xfrm>
+            <a:off x="522360" y="3531600"/>
+            <a:ext cx="11052360" cy="367878"/>
+          </a:xfrm>
+          <a:prstGeom prst="rect">
+            <a:avLst/>
+          </a:prstGeom>
+          <a:noFill/>
+          <a:ln>
+            <a:noFill/>
+          </a:ln>
+        </p:spPr>
+        <p:style>
+          <a:lnRef idx="0">
+            <a:scrgbClr r="0" g="0" b="0"/>
+          </a:lnRef>
+          <a:fillRef idx="0">
+            <a:scrgbClr r="0" g="0" b="0"/>
+          </a:fillRef>
+          <a:effectRef idx="0">
+            <a:scrgbClr r="0" g="0" b="0"/>
+          </a:effectRef>
+          <a:fontRef idx="minor"/>
+        </p:style>
+        <p:txBody>
+          <a:bodyPr lIns="90000" tIns="45000" rIns="90000" bIns="45000">
+            <a:spAutoFit/>
+          </a:bodyPr>
+          <a:lstStyle/>
+          <a:p>
+            <a:pPr algn="just">
+              <a:lnSpc>
+                <a:spcPct val="100000"/>
+              </a:lnSpc>
+            </a:pPr>
+            <a:r>
+              <a:rPr lang="en-US" sz="1800" b="0" strike="noStrike" spc="-1" dirty="0">
+                <a:solidFill>
+                  <a:srgbClr val="BB0643"/>
+                </a:solidFill>
+                <a:latin typeface="Segoe UI"/>
+                <a:ea typeface="DejaVu Sans"/>
+              </a:rPr>
+              <a:t>TODO</a:t>
+            </a:r>
+            <a:endParaRPr lang="en-IN" spc="-1" dirty="0">
+              <a:solidFill>
+                <a:srgbClr val="BB0643"/>
+              </a:solidFill>
+              <a:latin typeface="Segoe UI"/>
+            </a:endParaRPr>
+          </a:p>
+        </p:txBody>
+      </p:sp>
+    </p:spTree>
+    <p:extLst>
+      <p:ext uri="{BB962C8B-B14F-4D97-AF65-F5344CB8AC3E}">
+        <p14:creationId xmlns:p14="http://schemas.microsoft.com/office/powerpoint/2010/main" val="3621743096"/>
+      </p:ext>
+    </p:extLst>
+  </p:cSld>
+  <p:clrMapOvr>
+    <a:masterClrMapping/>
+  </p:clrMapOvr>
+</p:sld>
+</file>
+
+<file path=ppt/slides/slide21.xml><?xml version="1.0" encoding="utf-8"?>
+<p:sld xmlns:a="http://schemas.openxmlformats.org/drawingml/2006/main" xmlns:r="http://schemas.openxmlformats.org/officeDocument/2006/relationships" xmlns:p="http://schemas.openxmlformats.org/presentationml/2006/main">
+  <p:cSld>
+    <p:spTree>
+      <p:nvGrpSpPr>
+        <p:cNvPr id="1" name=""/>
+        <p:cNvGrpSpPr/>
+        <p:nvPr/>
+      </p:nvGrpSpPr>
+      <p:grpSpPr>
+        <a:xfrm>
+          <a:off x="0" y="0"/>
+          <a:ext cx="0" cy="0"/>
+          <a:chOff x="0" y="0"/>
+          <a:chExt cx="0" cy="0"/>
+        </a:xfrm>
+      </p:grpSpPr>
+      <p:sp>
+        <p:nvSpPr>
+          <p:cNvPr id="111" name="CustomShape 1"/>
+          <p:cNvSpPr/>
+          <p:nvPr/>
+        </p:nvSpPr>
+        <p:spPr>
+          <a:xfrm>
+            <a:off x="246600" y="762120"/>
+            <a:ext cx="11687400" cy="367878"/>
+          </a:xfrm>
+          <a:prstGeom prst="rect">
+            <a:avLst/>
+          </a:prstGeom>
+          <a:noFill/>
+          <a:ln>
+            <a:noFill/>
+          </a:ln>
+        </p:spPr>
+        <p:style>
+          <a:lnRef idx="0">
+            <a:scrgbClr r="0" g="0" b="0"/>
+          </a:lnRef>
+          <a:fillRef idx="0">
+            <a:scrgbClr r="0" g="0" b="0"/>
+          </a:fillRef>
+          <a:effectRef idx="0">
+            <a:scrgbClr r="0" g="0" b="0"/>
+          </a:effectRef>
+          <a:fontRef idx="minor"/>
+        </p:style>
+        <p:txBody>
+          <a:bodyPr lIns="90000" tIns="45000" rIns="90000" bIns="45000">
+            <a:spAutoFit/>
+          </a:bodyPr>
+          <a:lstStyle/>
+          <a:p>
+            <a:pPr algn="just"/>
+            <a:r>
+              <a:rPr lang="en-US" spc="-1" dirty="0">
+                <a:latin typeface="Arial"/>
+              </a:rPr>
+              <a:t>TODO</a:t>
+            </a:r>
+          </a:p>
+        </p:txBody>
+      </p:sp>
+      <p:sp>
+        <p:nvSpPr>
+          <p:cNvPr id="114" name="CustomShape 4"/>
+          <p:cNvSpPr/>
+          <p:nvPr/>
+        </p:nvSpPr>
+        <p:spPr>
+          <a:xfrm>
+            <a:off x="246600" y="0"/>
+            <a:ext cx="11687400" cy="706432"/>
+          </a:xfrm>
+          <a:prstGeom prst="rect">
+            <a:avLst/>
+          </a:prstGeom>
+          <a:solidFill>
+            <a:srgbClr val="C00000"/>
+          </a:solidFill>
+          <a:ln>
+            <a:noFill/>
+          </a:ln>
+        </p:spPr>
+        <p:style>
+          <a:lnRef idx="0">
+            <a:scrgbClr r="0" g="0" b="0"/>
+          </a:lnRef>
+          <a:fillRef idx="0">
+            <a:scrgbClr r="0" g="0" b="0"/>
+          </a:fillRef>
+          <a:effectRef idx="0">
+            <a:scrgbClr r="0" g="0" b="0"/>
+          </a:effectRef>
+          <a:fontRef idx="minor"/>
+        </p:style>
+        <p:txBody>
+          <a:bodyPr lIns="90000" tIns="45000" rIns="90000" bIns="45000">
+            <a:spAutoFit/>
+          </a:bodyPr>
+          <a:lstStyle/>
+          <a:p>
+            <a:pPr algn="ctr">
+              <a:lnSpc>
+                <a:spcPct val="100000"/>
+              </a:lnSpc>
+            </a:pPr>
+            <a:r>
+              <a:rPr lang="en-IN" sz="4000" spc="-1" dirty="0">
+                <a:solidFill>
+                  <a:srgbClr val="F7C120"/>
+                </a:solidFill>
+                <a:latin typeface="Open Sans"/>
+                <a:ea typeface="DejaVu Sans"/>
+              </a:rPr>
+              <a:t>drop</a:t>
+            </a:r>
+            <a:r>
+              <a:rPr lang="en-IN" sz="4000" b="0" strike="noStrike" spc="-1" dirty="0">
+                <a:solidFill>
+                  <a:srgbClr val="F7C120"/>
+                </a:solidFill>
+                <a:latin typeface="Open Sans"/>
+                <a:ea typeface="DejaVu Sans"/>
+              </a:rPr>
+              <a:t> table</a:t>
+            </a:r>
+            <a:endParaRPr lang="en-IN" sz="4000" b="0" strike="noStrike" spc="-1" dirty="0">
+              <a:latin typeface="Arial"/>
+            </a:endParaRPr>
+          </a:p>
+        </p:txBody>
+      </p:sp>
+      <p:sp>
+        <p:nvSpPr>
+          <p:cNvPr id="115" name="Line 5"/>
+          <p:cNvSpPr/>
+          <p:nvPr/>
+        </p:nvSpPr>
+        <p:spPr>
+          <a:xfrm>
+            <a:off x="0" y="1536120"/>
+            <a:ext cx="12191760" cy="0"/>
+          </a:xfrm>
+          <a:prstGeom prst="line">
+            <a:avLst/>
+          </a:prstGeom>
+          <a:ln w="12600">
+            <a:solidFill>
+              <a:srgbClr val="6E78A0"/>
+            </a:solidFill>
+            <a:prstDash val="dash"/>
+            <a:round/>
+          </a:ln>
+        </p:spPr>
+        <p:style>
+          <a:lnRef idx="1">
+            <a:schemeClr val="accent1"/>
+          </a:lnRef>
+          <a:fillRef idx="0">
+            <a:schemeClr val="accent1"/>
+          </a:fillRef>
+          <a:effectRef idx="0">
+            <a:schemeClr val="accent1"/>
+          </a:effectRef>
+          <a:fontRef idx="minor"/>
+        </p:style>
+      </p:sp>
+      <p:sp>
+        <p:nvSpPr>
+          <p:cNvPr id="116" name="CustomShape 6"/>
+          <p:cNvSpPr/>
+          <p:nvPr/>
+        </p:nvSpPr>
+        <p:spPr>
+          <a:xfrm>
+            <a:off x="246600" y="2030040"/>
+            <a:ext cx="11687400" cy="644877"/>
+          </a:xfrm>
+          <a:prstGeom prst="rect">
+            <a:avLst/>
+          </a:prstGeom>
+          <a:noFill/>
+          <a:ln>
+            <a:noFill/>
+          </a:ln>
+        </p:spPr>
+        <p:style>
+          <a:lnRef idx="0">
+            <a:scrgbClr r="0" g="0" b="0"/>
+          </a:lnRef>
+          <a:fillRef idx="0">
+            <a:scrgbClr r="0" g="0" b="0"/>
+          </a:fillRef>
+          <a:effectRef idx="0">
+            <a:scrgbClr r="0" g="0" b="0"/>
+          </a:effectRef>
+          <a:fontRef idx="minor"/>
+        </p:style>
+        <p:txBody>
+          <a:bodyPr lIns="90000" tIns="45000" rIns="90000" bIns="45000">
+            <a:spAutoFit/>
+          </a:bodyPr>
+          <a:lstStyle/>
+          <a:p>
+            <a:r>
+              <a:rPr lang="en-US" b="0" i="0" dirty="0">
+                <a:effectLst/>
+                <a:latin typeface="Source Code Pro" panose="020B0509030403020204" pitchFamily="49" charset="0"/>
+                <a:ea typeface="Source Code Pro" panose="020B0509030403020204" pitchFamily="49" charset="0"/>
+              </a:rPr>
+              <a:t>drop_table_statement::= </a:t>
+            </a:r>
+            <a:r>
+              <a:rPr lang="en-US" spc="-1" dirty="0">
+                <a:solidFill>
+                  <a:srgbClr val="2B8208"/>
+                </a:solidFill>
+                <a:latin typeface="Source Code Pro" panose="020B0509030403020204" pitchFamily="49" charset="0"/>
+                <a:ea typeface="Source Code Pro" panose="020B0509030403020204" pitchFamily="49" charset="0"/>
+              </a:rPr>
+              <a:t>DROP</a:t>
+            </a:r>
+            <a:r>
+              <a:rPr lang="en-US" b="0" i="0" dirty="0">
+                <a:effectLst/>
+                <a:latin typeface="Source Code Pro" panose="020B0509030403020204" pitchFamily="49" charset="0"/>
+                <a:ea typeface="Source Code Pro" panose="020B0509030403020204" pitchFamily="49" charset="0"/>
+              </a:rPr>
+              <a:t> </a:t>
+            </a:r>
+            <a:r>
+              <a:rPr lang="en-US" spc="-1" dirty="0">
+                <a:latin typeface="Source Code Pro" panose="020B0509030403020204" pitchFamily="49" charset="0"/>
+                <a:ea typeface="Source Code Pro" panose="020B0509030403020204" pitchFamily="49" charset="0"/>
+              </a:rPr>
+              <a:t>{</a:t>
+            </a:r>
+            <a:r>
+              <a:rPr lang="en-US" spc="-1" dirty="0">
+                <a:solidFill>
+                  <a:srgbClr val="2B8208"/>
+                </a:solidFill>
+                <a:latin typeface="Source Code Pro" panose="020B0509030403020204" pitchFamily="49" charset="0"/>
+                <a:ea typeface="Source Code Pro" panose="020B0509030403020204" pitchFamily="49" charset="0"/>
+              </a:rPr>
+              <a:t> TABLE </a:t>
+            </a:r>
+            <a:r>
+              <a:rPr lang="en-US" spc="-1" dirty="0">
+                <a:latin typeface="Source Code Pro" panose="020B0509030403020204" pitchFamily="49" charset="0"/>
+                <a:ea typeface="Source Code Pro" panose="020B0509030403020204" pitchFamily="49" charset="0"/>
+              </a:rPr>
+              <a:t>|</a:t>
+            </a:r>
+            <a:r>
+              <a:rPr lang="en-US" spc="-1" dirty="0">
+                <a:solidFill>
+                  <a:srgbClr val="2B8208"/>
+                </a:solidFill>
+                <a:latin typeface="Source Code Pro" panose="020B0509030403020204" pitchFamily="49" charset="0"/>
+                <a:ea typeface="Source Code Pro" panose="020B0509030403020204" pitchFamily="49" charset="0"/>
+              </a:rPr>
+              <a:t> COLUMNFAMILY </a:t>
+            </a:r>
+            <a:r>
+              <a:rPr lang="en-US" spc="-1" dirty="0">
+                <a:latin typeface="Source Code Pro" panose="020B0509030403020204" pitchFamily="49" charset="0"/>
+                <a:ea typeface="Source Code Pro" panose="020B0509030403020204" pitchFamily="49" charset="0"/>
+              </a:rPr>
+              <a:t>}</a:t>
+            </a:r>
+            <a:r>
+              <a:rPr lang="en-US" b="0" i="0" dirty="0">
+                <a:effectLst/>
+                <a:latin typeface="Source Code Pro" panose="020B0509030403020204" pitchFamily="49" charset="0"/>
+                <a:ea typeface="Source Code Pro" panose="020B0509030403020204" pitchFamily="49" charset="0"/>
+              </a:rPr>
+              <a:t> [ </a:t>
+            </a:r>
+            <a:r>
+              <a:rPr lang="en-US" spc="-1" dirty="0">
+                <a:solidFill>
+                  <a:srgbClr val="2B8208"/>
+                </a:solidFill>
+                <a:latin typeface="Source Code Pro" panose="020B0509030403020204" pitchFamily="49" charset="0"/>
+                <a:ea typeface="Source Code Pro" panose="020B0509030403020204" pitchFamily="49" charset="0"/>
+              </a:rPr>
+              <a:t>IF</a:t>
+            </a:r>
+            <a:r>
+              <a:rPr lang="en-US" b="0" i="0" dirty="0">
+                <a:effectLst/>
+                <a:latin typeface="Source Code Pro" panose="020B0509030403020204" pitchFamily="49" charset="0"/>
+                <a:ea typeface="Source Code Pro" panose="020B0509030403020204" pitchFamily="49" charset="0"/>
+              </a:rPr>
+              <a:t> </a:t>
+            </a:r>
+            <a:r>
+              <a:rPr lang="en-US" spc="-1" dirty="0">
+                <a:solidFill>
+                  <a:srgbClr val="2B8208"/>
+                </a:solidFill>
+                <a:latin typeface="Source Code Pro" panose="020B0509030403020204" pitchFamily="49" charset="0"/>
+                <a:ea typeface="Source Code Pro" panose="020B0509030403020204" pitchFamily="49" charset="0"/>
+              </a:rPr>
+              <a:t>EXISTS</a:t>
+            </a:r>
+            <a:r>
+              <a:rPr lang="en-US" b="0" i="0" dirty="0">
+                <a:effectLst/>
+                <a:latin typeface="Source Code Pro" panose="020B0509030403020204" pitchFamily="49" charset="0"/>
+                <a:ea typeface="Source Code Pro" panose="020B0509030403020204" pitchFamily="49" charset="0"/>
+              </a:rPr>
+              <a:t> ] </a:t>
+            </a:r>
+            <a:r>
+              <a:rPr lang="en-US" spc="-1" dirty="0">
+                <a:latin typeface="Source Code Pro" panose="020B0509030403020204" pitchFamily="49" charset="0"/>
+                <a:ea typeface="Source Code Pro" panose="020B0509030403020204" pitchFamily="49" charset="0"/>
+              </a:rPr>
+              <a:t>[</a:t>
+            </a:r>
+            <a:r>
+              <a:rPr lang="en-US" i="1" spc="-1" dirty="0">
+                <a:latin typeface="Source Code Pro" panose="020B0509030403020204" pitchFamily="49" charset="0"/>
+                <a:ea typeface="Source Code Pro" panose="020B0509030403020204" pitchFamily="49" charset="0"/>
+              </a:rPr>
+              <a:t>keyspace_name</a:t>
+            </a:r>
+            <a:r>
+              <a:rPr lang="en-US" spc="-1" dirty="0">
+                <a:latin typeface="Source Code Pro" panose="020B0509030403020204" pitchFamily="49" charset="0"/>
+                <a:ea typeface="Source Code Pro" panose="020B0509030403020204" pitchFamily="49" charset="0"/>
+              </a:rPr>
+              <a:t>.]</a:t>
+            </a:r>
+            <a:r>
+              <a:rPr lang="en-US" i="1" spc="-1" dirty="0">
+                <a:latin typeface="Source Code Pro" panose="020B0509030403020204" pitchFamily="49" charset="0"/>
+                <a:ea typeface="Source Code Pro" panose="020B0509030403020204" pitchFamily="49" charset="0"/>
+              </a:rPr>
+              <a:t>table_name</a:t>
+            </a:r>
+            <a:endParaRPr lang="en-IN" i="1" spc="-1" dirty="0">
+              <a:latin typeface="Source Code Pro" panose="020B0509030403020204" pitchFamily="49" charset="0"/>
+              <a:ea typeface="Source Code Pro" panose="020B0509030403020204" pitchFamily="49" charset="0"/>
+            </a:endParaRPr>
+          </a:p>
+        </p:txBody>
+      </p:sp>
+      <p:sp>
+        <p:nvSpPr>
+          <p:cNvPr id="7" name="CustomShape 2">
+            <a:extLst>
+              <a:ext uri="{FF2B5EF4-FFF2-40B4-BE49-F238E27FC236}">
+                <a16:creationId xmlns:a16="http://schemas.microsoft.com/office/drawing/2014/main" id="{ACCD4961-017A-4E61-85C4-2430DD7DDAA2}"/>
+              </a:ext>
+            </a:extLst>
+          </p:cNvPr>
+          <p:cNvSpPr/>
+          <p:nvPr/>
+        </p:nvSpPr>
+        <p:spPr>
+          <a:xfrm>
+            <a:off x="246600" y="3205138"/>
+            <a:ext cx="11687400" cy="767987"/>
+          </a:xfrm>
+          <a:prstGeom prst="rect">
+            <a:avLst/>
+          </a:prstGeom>
+          <a:noFill/>
+          <a:ln>
+            <a:noFill/>
+          </a:ln>
+        </p:spPr>
+        <p:style>
+          <a:lnRef idx="0">
+            <a:scrgbClr r="0" g="0" b="0"/>
+          </a:lnRef>
+          <a:fillRef idx="0">
+            <a:scrgbClr r="0" g="0" b="0"/>
+          </a:fillRef>
+          <a:effectRef idx="0">
+            <a:scrgbClr r="0" g="0" b="0"/>
+          </a:effectRef>
+          <a:fontRef idx="minor"/>
+        </p:style>
+        <p:txBody>
+          <a:bodyPr wrap="square" lIns="90000" tIns="45000" rIns="90000" bIns="45000">
+            <a:spAutoFit/>
+          </a:bodyPr>
+          <a:lstStyle/>
+          <a:p>
+            <a:pPr marL="309510" indent="-285750">
+              <a:buClr>
+                <a:srgbClr val="808080"/>
+              </a:buClr>
+              <a:buFont typeface="Arial" panose="020B0604020202020204" pitchFamily="34" charset="0"/>
+              <a:buChar char="•"/>
+            </a:pPr>
+            <a:r>
+              <a:rPr lang="en-IN" sz="1800" b="0" strike="noStrike" spc="-1" dirty="0">
+                <a:solidFill>
+                  <a:schemeClr val="bg1">
+                    <a:lumMod val="50000"/>
+                  </a:schemeClr>
+                </a:solidFill>
+                <a:latin typeface="Consolas"/>
+                <a:ea typeface="SimSun"/>
+              </a:rPr>
+              <a:t>cqlsh:db1&gt;</a:t>
+            </a:r>
+            <a:r>
+              <a:rPr lang="en-IN" sz="1800" b="0" strike="noStrike" spc="-1" dirty="0">
+                <a:latin typeface="Consolas"/>
+                <a:ea typeface="SimSun"/>
+              </a:rPr>
+              <a:t> drop table db1.emp;</a:t>
+            </a:r>
+          </a:p>
+          <a:p>
+            <a:pPr marL="309510" indent="-285750">
+              <a:buClr>
+                <a:srgbClr val="808080"/>
+              </a:buClr>
+              <a:buFont typeface="Arial" panose="020B0604020202020204" pitchFamily="34" charset="0"/>
+              <a:buChar char="•"/>
+            </a:pPr>
+            <a:endParaRPr lang="en-IN" sz="800" spc="-1" dirty="0">
+              <a:latin typeface="Consolas"/>
+              <a:ea typeface="SimSun"/>
+            </a:endParaRPr>
+          </a:p>
+          <a:p>
+            <a:pPr marL="309510" indent="-285750">
+              <a:buClr>
+                <a:srgbClr val="808080"/>
+              </a:buClr>
+              <a:buFont typeface="Arial" panose="020B0604020202020204" pitchFamily="34" charset="0"/>
+              <a:buChar char="•"/>
+            </a:pPr>
+            <a:r>
+              <a:rPr lang="en-IN" sz="1800" b="0" strike="noStrike" spc="-1" dirty="0">
+                <a:solidFill>
+                  <a:schemeClr val="bg1">
+                    <a:lumMod val="50000"/>
+                  </a:schemeClr>
+                </a:solidFill>
+                <a:latin typeface="Consolas"/>
+                <a:ea typeface="SimSun"/>
+              </a:rPr>
+              <a:t>cqlsh:db1&gt; </a:t>
+            </a:r>
+            <a:r>
+              <a:rPr lang="en-IN" sz="1800" b="0" strike="noStrike" spc="-1" dirty="0">
+                <a:latin typeface="Consolas"/>
+                <a:ea typeface="SimSun"/>
+              </a:rPr>
+              <a:t>drop </a:t>
+            </a:r>
+            <a:r>
+              <a:rPr lang="en-US" spc="-1" dirty="0">
+                <a:latin typeface="Source Code Pro" panose="020B0509030403020204" pitchFamily="49" charset="0"/>
+                <a:ea typeface="Source Code Pro" panose="020B0509030403020204" pitchFamily="49" charset="0"/>
+              </a:rPr>
+              <a:t>columnfamily</a:t>
+            </a:r>
+            <a:r>
+              <a:rPr lang="en-IN" sz="1800" b="0" strike="noStrike" spc="-1" dirty="0">
+                <a:latin typeface="Consolas"/>
+                <a:ea typeface="SimSun"/>
+              </a:rPr>
+              <a:t> db1.emp;</a:t>
+            </a:r>
+            <a:endParaRPr lang="en-IN" spc="-1" dirty="0">
+              <a:latin typeface="Consolas"/>
+              <a:ea typeface="SimSun"/>
+            </a:endParaRPr>
+          </a:p>
+        </p:txBody>
+      </p:sp>
+    </p:spTree>
+    <p:extLst>
+      <p:ext uri="{BB962C8B-B14F-4D97-AF65-F5344CB8AC3E}">
+        <p14:creationId xmlns:p14="http://schemas.microsoft.com/office/powerpoint/2010/main" val="3364275549"/>
+      </p:ext>
+    </p:extLst>
+  </p:cSld>
+  <p:clrMapOvr>
+    <a:masterClrMapping/>
+  </p:clrMapOvr>
+</p:sld>
+</file>
+
+<file path=ppt/slides/slide22.xml><?xml version="1.0" encoding="utf-8"?>
+<p:sld xmlns:a="http://schemas.openxmlformats.org/drawingml/2006/main" xmlns:r="http://schemas.openxmlformats.org/officeDocument/2006/relationships" xmlns:p="http://schemas.openxmlformats.org/presentationml/2006/main">
+  <p:cSld>
+    <p:spTree>
+      <p:nvGrpSpPr>
+        <p:cNvPr id="1" name=""/>
+        <p:cNvGrpSpPr/>
+        <p:nvPr/>
+      </p:nvGrpSpPr>
+      <p:grpSpPr>
+        <a:xfrm>
+          <a:off x="0" y="0"/>
+          <a:ext cx="0" cy="0"/>
+          <a:chOff x="0" y="0"/>
+          <a:chExt cx="0" cy="0"/>
+        </a:xfrm>
+      </p:grpSpPr>
+      <p:sp>
+        <p:nvSpPr>
+          <p:cNvPr id="109" name="CustomShape 1"/>
+          <p:cNvSpPr/>
+          <p:nvPr/>
+        </p:nvSpPr>
+        <p:spPr>
+          <a:xfrm>
+            <a:off x="1676520" y="2362320"/>
+            <a:ext cx="8815320" cy="921876"/>
+          </a:xfrm>
+          <a:prstGeom prst="rect">
+            <a:avLst/>
+          </a:prstGeom>
+          <a:noFill/>
+          <a:ln>
+            <a:noFill/>
+          </a:ln>
+        </p:spPr>
+        <p:style>
+          <a:lnRef idx="0">
+            <a:scrgbClr r="0" g="0" b="0"/>
+          </a:lnRef>
+          <a:fillRef idx="0">
+            <a:scrgbClr r="0" g="0" b="0"/>
+          </a:fillRef>
+          <a:effectRef idx="0">
+            <a:scrgbClr r="0" g="0" b="0"/>
+          </a:effectRef>
+          <a:fontRef idx="minor"/>
+        </p:style>
+        <p:txBody>
+          <a:bodyPr lIns="90000" tIns="45000" rIns="90000" bIns="45000">
+            <a:spAutoFit/>
+          </a:bodyPr>
+          <a:lstStyle/>
+          <a:p>
+            <a:pPr algn="ctr">
+              <a:lnSpc>
+                <a:spcPct val="100000"/>
+              </a:lnSpc>
+            </a:pPr>
+            <a:r>
+              <a:rPr lang="en-IN" sz="5400" i="1" spc="-1" dirty="0">
+                <a:solidFill>
+                  <a:srgbClr val="F7C120"/>
+                </a:solidFill>
+                <a:latin typeface="Century"/>
+                <a:ea typeface="DejaVu Sans"/>
+              </a:rPr>
+              <a:t>truncate</a:t>
+            </a:r>
+            <a:r>
+              <a:rPr lang="en-IN" sz="5400" b="0" i="1" strike="noStrike" spc="-1" dirty="0">
+                <a:solidFill>
+                  <a:srgbClr val="F7C120"/>
+                </a:solidFill>
+                <a:latin typeface="Century"/>
+                <a:ea typeface="DejaVu Sans"/>
+              </a:rPr>
+              <a:t> table</a:t>
+            </a:r>
+            <a:endParaRPr lang="en-IN" sz="5400" b="0" strike="noStrike" spc="-1" dirty="0">
+              <a:latin typeface="Arial"/>
+            </a:endParaRPr>
+          </a:p>
+        </p:txBody>
+      </p:sp>
+      <p:sp>
+        <p:nvSpPr>
+          <p:cNvPr id="110" name="CustomShape 2"/>
+          <p:cNvSpPr/>
+          <p:nvPr/>
+        </p:nvSpPr>
+        <p:spPr>
+          <a:xfrm>
+            <a:off x="522360" y="3531600"/>
+            <a:ext cx="11052360" cy="367878"/>
+          </a:xfrm>
+          <a:prstGeom prst="rect">
+            <a:avLst/>
+          </a:prstGeom>
+          <a:noFill/>
+          <a:ln>
+            <a:noFill/>
+          </a:ln>
+        </p:spPr>
+        <p:style>
+          <a:lnRef idx="0">
+            <a:scrgbClr r="0" g="0" b="0"/>
+          </a:lnRef>
+          <a:fillRef idx="0">
+            <a:scrgbClr r="0" g="0" b="0"/>
+          </a:fillRef>
+          <a:effectRef idx="0">
+            <a:scrgbClr r="0" g="0" b="0"/>
+          </a:effectRef>
+          <a:fontRef idx="minor"/>
+        </p:style>
+        <p:txBody>
+          <a:bodyPr lIns="90000" tIns="45000" rIns="90000" bIns="45000">
+            <a:spAutoFit/>
+          </a:bodyPr>
+          <a:lstStyle/>
+          <a:p>
+            <a:pPr algn="just">
+              <a:lnSpc>
+                <a:spcPct val="100000"/>
+              </a:lnSpc>
+            </a:pPr>
+            <a:r>
+              <a:rPr lang="en-US" sz="1800" b="0" strike="noStrike" spc="-1" dirty="0">
+                <a:solidFill>
+                  <a:srgbClr val="BB0643"/>
+                </a:solidFill>
+                <a:latin typeface="Segoe UI"/>
+                <a:ea typeface="DejaVu Sans"/>
+              </a:rPr>
+              <a:t>TODO</a:t>
+            </a:r>
+            <a:endParaRPr lang="en-IN" spc="-1" dirty="0">
+              <a:solidFill>
+                <a:srgbClr val="BB0643"/>
+              </a:solidFill>
+              <a:latin typeface="Segoe UI"/>
+            </a:endParaRPr>
+          </a:p>
+        </p:txBody>
+      </p:sp>
+    </p:spTree>
+    <p:extLst>
+      <p:ext uri="{BB962C8B-B14F-4D97-AF65-F5344CB8AC3E}">
+        <p14:creationId xmlns:p14="http://schemas.microsoft.com/office/powerpoint/2010/main" val="3553681802"/>
+      </p:ext>
+    </p:extLst>
+  </p:cSld>
+  <p:clrMapOvr>
+    <a:masterClrMapping/>
+  </p:clrMapOvr>
+</p:sld>
+</file>
+
+<file path=ppt/slides/slide23.xml><?xml version="1.0" encoding="utf-8"?>
+<p:sld xmlns:a="http://schemas.openxmlformats.org/drawingml/2006/main" xmlns:r="http://schemas.openxmlformats.org/officeDocument/2006/relationships" xmlns:p="http://schemas.openxmlformats.org/presentationml/2006/main">
+  <p:cSld>
+    <p:spTree>
+      <p:nvGrpSpPr>
+        <p:cNvPr id="1" name=""/>
+        <p:cNvGrpSpPr/>
+        <p:nvPr/>
+      </p:nvGrpSpPr>
+      <p:grpSpPr>
+        <a:xfrm>
+          <a:off x="0" y="0"/>
+          <a:ext cx="0" cy="0"/>
+          <a:chOff x="0" y="0"/>
+          <a:chExt cx="0" cy="0"/>
+        </a:xfrm>
+      </p:grpSpPr>
+      <p:sp>
+        <p:nvSpPr>
+          <p:cNvPr id="111" name="CustomShape 1"/>
+          <p:cNvSpPr/>
+          <p:nvPr/>
+        </p:nvSpPr>
+        <p:spPr>
+          <a:xfrm>
+            <a:off x="246600" y="762120"/>
+            <a:ext cx="11687400" cy="367878"/>
+          </a:xfrm>
+          <a:prstGeom prst="rect">
+            <a:avLst/>
+          </a:prstGeom>
+          <a:noFill/>
+          <a:ln>
+            <a:noFill/>
+          </a:ln>
+        </p:spPr>
+        <p:style>
+          <a:lnRef idx="0">
+            <a:scrgbClr r="0" g="0" b="0"/>
+          </a:lnRef>
+          <a:fillRef idx="0">
+            <a:scrgbClr r="0" g="0" b="0"/>
+          </a:fillRef>
+          <a:effectRef idx="0">
+            <a:scrgbClr r="0" g="0" b="0"/>
+          </a:effectRef>
+          <a:fontRef idx="minor"/>
+        </p:style>
+        <p:txBody>
+          <a:bodyPr lIns="90000" tIns="45000" rIns="90000" bIns="45000">
+            <a:spAutoFit/>
+          </a:bodyPr>
+          <a:lstStyle/>
+          <a:p>
+            <a:pPr algn="just"/>
+            <a:r>
+              <a:rPr lang="en-US" spc="-1" dirty="0">
+                <a:latin typeface="Arial"/>
+              </a:rPr>
+              <a:t>Truncating a table permanently removes all existing data from the table, but without removing the table itself.</a:t>
+            </a:r>
+          </a:p>
+        </p:txBody>
+      </p:sp>
+      <p:sp>
+        <p:nvSpPr>
+          <p:cNvPr id="114" name="CustomShape 4"/>
+          <p:cNvSpPr/>
+          <p:nvPr/>
+        </p:nvSpPr>
+        <p:spPr>
+          <a:xfrm>
+            <a:off x="246600" y="0"/>
+            <a:ext cx="11687400" cy="706432"/>
+          </a:xfrm>
+          <a:prstGeom prst="rect">
+            <a:avLst/>
+          </a:prstGeom>
+          <a:solidFill>
+            <a:srgbClr val="C00000"/>
+          </a:solidFill>
+          <a:ln>
+            <a:noFill/>
+          </a:ln>
+        </p:spPr>
+        <p:style>
+          <a:lnRef idx="0">
+            <a:scrgbClr r="0" g="0" b="0"/>
+          </a:lnRef>
+          <a:fillRef idx="0">
+            <a:scrgbClr r="0" g="0" b="0"/>
+          </a:fillRef>
+          <a:effectRef idx="0">
+            <a:scrgbClr r="0" g="0" b="0"/>
+          </a:effectRef>
+          <a:fontRef idx="minor"/>
+        </p:style>
+        <p:txBody>
+          <a:bodyPr lIns="90000" tIns="45000" rIns="90000" bIns="45000">
+            <a:spAutoFit/>
+          </a:bodyPr>
+          <a:lstStyle/>
+          <a:p>
+            <a:pPr algn="ctr">
+              <a:lnSpc>
+                <a:spcPct val="100000"/>
+              </a:lnSpc>
+            </a:pPr>
+            <a:r>
+              <a:rPr lang="en-IN" sz="4000" spc="-1" dirty="0">
+                <a:solidFill>
+                  <a:srgbClr val="F7C120"/>
+                </a:solidFill>
+                <a:latin typeface="Open Sans"/>
+                <a:ea typeface="DejaVu Sans"/>
+              </a:rPr>
+              <a:t>truncate</a:t>
+            </a:r>
+            <a:r>
+              <a:rPr lang="en-IN" sz="4000" b="0" strike="noStrike" spc="-1" dirty="0">
+                <a:solidFill>
+                  <a:srgbClr val="F7C120"/>
+                </a:solidFill>
+                <a:latin typeface="Open Sans"/>
+                <a:ea typeface="DejaVu Sans"/>
+              </a:rPr>
+              <a:t> table</a:t>
+            </a:r>
+            <a:endParaRPr lang="en-IN" sz="4000" b="0" strike="noStrike" spc="-1" dirty="0">
+              <a:latin typeface="Arial"/>
+            </a:endParaRPr>
+          </a:p>
+        </p:txBody>
+      </p:sp>
+      <p:sp>
+        <p:nvSpPr>
+          <p:cNvPr id="115" name="Line 5"/>
+          <p:cNvSpPr/>
+          <p:nvPr/>
+        </p:nvSpPr>
+        <p:spPr>
+          <a:xfrm>
+            <a:off x="0" y="1536120"/>
+            <a:ext cx="12191760" cy="0"/>
+          </a:xfrm>
+          <a:prstGeom prst="line">
+            <a:avLst/>
+          </a:prstGeom>
+          <a:ln w="12600">
+            <a:solidFill>
+              <a:srgbClr val="6E78A0"/>
+            </a:solidFill>
+            <a:prstDash val="dash"/>
+            <a:round/>
+          </a:ln>
+        </p:spPr>
+        <p:style>
+          <a:lnRef idx="1">
+            <a:schemeClr val="accent1"/>
+          </a:lnRef>
+          <a:fillRef idx="0">
+            <a:schemeClr val="accent1"/>
+          </a:fillRef>
+          <a:effectRef idx="0">
+            <a:schemeClr val="accent1"/>
+          </a:effectRef>
+          <a:fontRef idx="minor"/>
+        </p:style>
+      </p:sp>
+      <p:sp>
+        <p:nvSpPr>
+          <p:cNvPr id="116" name="CustomShape 6"/>
+          <p:cNvSpPr/>
+          <p:nvPr/>
+        </p:nvSpPr>
+        <p:spPr>
+          <a:xfrm>
+            <a:off x="246600" y="2030040"/>
+            <a:ext cx="11687400" cy="367878"/>
+          </a:xfrm>
+          <a:prstGeom prst="rect">
+            <a:avLst/>
+          </a:prstGeom>
+          <a:noFill/>
+          <a:ln>
+            <a:noFill/>
+          </a:ln>
+        </p:spPr>
+        <p:style>
+          <a:lnRef idx="0">
+            <a:scrgbClr r="0" g="0" b="0"/>
+          </a:lnRef>
+          <a:fillRef idx="0">
+            <a:scrgbClr r="0" g="0" b="0"/>
+          </a:fillRef>
+          <a:effectRef idx="0">
+            <a:scrgbClr r="0" g="0" b="0"/>
+          </a:effectRef>
+          <a:fontRef idx="minor"/>
+        </p:style>
+        <p:txBody>
+          <a:bodyPr lIns="90000" tIns="45000" rIns="90000" bIns="45000">
+            <a:spAutoFit/>
+          </a:bodyPr>
+          <a:lstStyle/>
+          <a:p>
+            <a:r>
+              <a:rPr lang="en-US" b="0" i="0" dirty="0">
+                <a:effectLst/>
+                <a:latin typeface="Roboto Mono"/>
+              </a:rPr>
+              <a:t>truncate_statement::= </a:t>
+            </a:r>
+            <a:r>
+              <a:rPr lang="en-US" spc="-1" dirty="0">
+                <a:solidFill>
+                  <a:srgbClr val="2B8208"/>
+                </a:solidFill>
+                <a:latin typeface="Source Code Pro" panose="020B0509030403020204" pitchFamily="49" charset="0"/>
+                <a:ea typeface="Source Code Pro" panose="020B0509030403020204" pitchFamily="49" charset="0"/>
+              </a:rPr>
+              <a:t>TRUNCATE</a:t>
+            </a:r>
+            <a:r>
+              <a:rPr lang="en-US" b="0" i="0" dirty="0">
+                <a:effectLst/>
+                <a:latin typeface="Roboto Mono"/>
+              </a:rPr>
+              <a:t> </a:t>
+            </a:r>
+            <a:r>
+              <a:rPr lang="en-US" spc="-1" dirty="0">
+                <a:latin typeface="Source Code Pro" panose="020B0509030403020204" pitchFamily="49" charset="0"/>
+                <a:ea typeface="Source Code Pro" panose="020B0509030403020204" pitchFamily="49" charset="0"/>
+              </a:rPr>
+              <a:t>{</a:t>
+            </a:r>
+            <a:r>
+              <a:rPr lang="en-US" spc="-1" dirty="0">
+                <a:solidFill>
+                  <a:srgbClr val="2B8208"/>
+                </a:solidFill>
+                <a:latin typeface="Source Code Pro" panose="020B0509030403020204" pitchFamily="49" charset="0"/>
+                <a:ea typeface="Source Code Pro" panose="020B0509030403020204" pitchFamily="49" charset="0"/>
+              </a:rPr>
+              <a:t> TABLE </a:t>
+            </a:r>
+            <a:r>
+              <a:rPr lang="en-US" spc="-1" dirty="0">
+                <a:latin typeface="Source Code Pro" panose="020B0509030403020204" pitchFamily="49" charset="0"/>
+                <a:ea typeface="Source Code Pro" panose="020B0509030403020204" pitchFamily="49" charset="0"/>
+              </a:rPr>
+              <a:t>|</a:t>
+            </a:r>
+            <a:r>
+              <a:rPr lang="en-US" spc="-1" dirty="0">
+                <a:solidFill>
+                  <a:srgbClr val="2B8208"/>
+                </a:solidFill>
+                <a:latin typeface="Source Code Pro" panose="020B0509030403020204" pitchFamily="49" charset="0"/>
+                <a:ea typeface="Source Code Pro" panose="020B0509030403020204" pitchFamily="49" charset="0"/>
+              </a:rPr>
+              <a:t> COLUMNFAMILY </a:t>
+            </a:r>
+            <a:r>
+              <a:rPr lang="en-US" spc="-1" dirty="0">
+                <a:latin typeface="Source Code Pro" panose="020B0509030403020204" pitchFamily="49" charset="0"/>
+                <a:ea typeface="Source Code Pro" panose="020B0509030403020204" pitchFamily="49" charset="0"/>
+              </a:rPr>
+              <a:t>}</a:t>
+            </a:r>
+            <a:r>
+              <a:rPr lang="en-US" b="0" i="0" dirty="0">
+                <a:effectLst/>
+                <a:latin typeface="Roboto Mono"/>
+              </a:rPr>
+              <a:t> </a:t>
+            </a:r>
+            <a:r>
+              <a:rPr lang="en-US" spc="-1" dirty="0">
+                <a:latin typeface="Source Code Pro" panose="020B0509030403020204" pitchFamily="49" charset="0"/>
+                <a:ea typeface="Source Code Pro" panose="020B0509030403020204" pitchFamily="49" charset="0"/>
+              </a:rPr>
+              <a:t>[</a:t>
+            </a:r>
+            <a:r>
+              <a:rPr lang="en-US" i="1" spc="-1" dirty="0">
+                <a:latin typeface="Source Code Pro" panose="020B0509030403020204" pitchFamily="49" charset="0"/>
+                <a:ea typeface="Source Code Pro" panose="020B0509030403020204" pitchFamily="49" charset="0"/>
+              </a:rPr>
+              <a:t>keyspace_name</a:t>
+            </a:r>
+            <a:r>
+              <a:rPr lang="en-US" spc="-1" dirty="0">
+                <a:latin typeface="Source Code Pro" panose="020B0509030403020204" pitchFamily="49" charset="0"/>
+                <a:ea typeface="Source Code Pro" panose="020B0509030403020204" pitchFamily="49" charset="0"/>
+              </a:rPr>
+              <a:t>.]</a:t>
+            </a:r>
+            <a:r>
+              <a:rPr lang="en-US" i="1" spc="-1" dirty="0">
+                <a:latin typeface="Source Code Pro" panose="020B0509030403020204" pitchFamily="49" charset="0"/>
+                <a:ea typeface="Source Code Pro" panose="020B0509030403020204" pitchFamily="49" charset="0"/>
+              </a:rPr>
+              <a:t>table_name</a:t>
+            </a:r>
+            <a:endParaRPr lang="en-IN" i="1" spc="-1" dirty="0">
+              <a:latin typeface="Source Code Pro" panose="020B0509030403020204" pitchFamily="49" charset="0"/>
+              <a:ea typeface="Source Code Pro" panose="020B0509030403020204" pitchFamily="49" charset="0"/>
+            </a:endParaRPr>
+          </a:p>
+        </p:txBody>
+      </p:sp>
+      <p:sp>
+        <p:nvSpPr>
+          <p:cNvPr id="7" name="CustomShape 2">
+            <a:extLst>
+              <a:ext uri="{FF2B5EF4-FFF2-40B4-BE49-F238E27FC236}">
+                <a16:creationId xmlns:a16="http://schemas.microsoft.com/office/drawing/2014/main" id="{ACCD4961-017A-4E61-85C4-2430DD7DDAA2}"/>
+              </a:ext>
+            </a:extLst>
+          </p:cNvPr>
+          <p:cNvSpPr/>
+          <p:nvPr/>
+        </p:nvSpPr>
+        <p:spPr>
+          <a:xfrm>
+            <a:off x="246600" y="3205138"/>
+            <a:ext cx="11687400" cy="767987"/>
+          </a:xfrm>
+          <a:prstGeom prst="rect">
+            <a:avLst/>
+          </a:prstGeom>
+          <a:noFill/>
+          <a:ln>
+            <a:noFill/>
+          </a:ln>
+        </p:spPr>
+        <p:style>
+          <a:lnRef idx="0">
+            <a:scrgbClr r="0" g="0" b="0"/>
+          </a:lnRef>
+          <a:fillRef idx="0">
+            <a:scrgbClr r="0" g="0" b="0"/>
+          </a:fillRef>
+          <a:effectRef idx="0">
+            <a:scrgbClr r="0" g="0" b="0"/>
+          </a:effectRef>
+          <a:fontRef idx="minor"/>
+        </p:style>
+        <p:txBody>
+          <a:bodyPr wrap="square" lIns="90000" tIns="45000" rIns="90000" bIns="45000">
+            <a:spAutoFit/>
+          </a:bodyPr>
+          <a:lstStyle/>
+          <a:p>
+            <a:pPr marL="309510" indent="-285750">
+              <a:buClr>
+                <a:srgbClr val="808080"/>
+              </a:buClr>
+              <a:buFont typeface="Arial" panose="020B0604020202020204" pitchFamily="34" charset="0"/>
+              <a:buChar char="•"/>
+            </a:pPr>
+            <a:r>
+              <a:rPr lang="en-IN" sz="1800" b="0" strike="noStrike" spc="-1" dirty="0">
+                <a:solidFill>
+                  <a:schemeClr val="bg1">
+                    <a:lumMod val="50000"/>
+                  </a:schemeClr>
+                </a:solidFill>
+                <a:latin typeface="Consolas"/>
+                <a:ea typeface="SimSun"/>
+              </a:rPr>
+              <a:t>cqlsh:db1&gt; </a:t>
+            </a:r>
+            <a:r>
+              <a:rPr lang="en-IN" sz="1800" b="0" strike="noStrike" spc="-1" dirty="0">
+                <a:latin typeface="Consolas"/>
+                <a:ea typeface="SimSun"/>
+              </a:rPr>
+              <a:t>truncate table db1.emp;</a:t>
+            </a:r>
+          </a:p>
+          <a:p>
+            <a:pPr marL="309510" indent="-285750">
+              <a:buClr>
+                <a:srgbClr val="808080"/>
+              </a:buClr>
+              <a:buFont typeface="Arial" panose="020B0604020202020204" pitchFamily="34" charset="0"/>
+              <a:buChar char="•"/>
+            </a:pPr>
+            <a:endParaRPr lang="en-IN" sz="800" spc="-1" dirty="0">
+              <a:latin typeface="Consolas"/>
+              <a:ea typeface="SimSun"/>
+            </a:endParaRPr>
+          </a:p>
+          <a:p>
+            <a:pPr marL="309510" indent="-285750">
+              <a:buClr>
+                <a:srgbClr val="808080"/>
+              </a:buClr>
+              <a:buFont typeface="Arial" panose="020B0604020202020204" pitchFamily="34" charset="0"/>
+              <a:buChar char="•"/>
+            </a:pPr>
+            <a:r>
+              <a:rPr lang="en-IN" sz="1800" b="0" strike="noStrike" spc="-1" dirty="0">
+                <a:solidFill>
+                  <a:schemeClr val="bg1">
+                    <a:lumMod val="50000"/>
+                  </a:schemeClr>
+                </a:solidFill>
+                <a:latin typeface="Consolas"/>
+                <a:ea typeface="SimSun"/>
+              </a:rPr>
+              <a:t>cqlsh:db1&gt;</a:t>
+            </a:r>
+            <a:r>
+              <a:rPr lang="en-IN" sz="1800" b="0" strike="noStrike" spc="-1" dirty="0">
+                <a:latin typeface="Consolas"/>
+                <a:ea typeface="SimSun"/>
+              </a:rPr>
+              <a:t> truncate </a:t>
+            </a:r>
+            <a:r>
+              <a:rPr lang="en-US" spc="-1" dirty="0">
+                <a:latin typeface="Source Code Pro" panose="020B0509030403020204" pitchFamily="49" charset="0"/>
+                <a:ea typeface="Source Code Pro" panose="020B0509030403020204" pitchFamily="49" charset="0"/>
+              </a:rPr>
+              <a:t>columnfamily</a:t>
+            </a:r>
+            <a:r>
+              <a:rPr lang="en-IN" sz="1800" b="0" strike="noStrike" spc="-1" dirty="0">
+                <a:latin typeface="Consolas"/>
+                <a:ea typeface="SimSun"/>
+              </a:rPr>
+              <a:t> db1.emp;</a:t>
+            </a:r>
+            <a:r>
+              <a:rPr lang="en-IN" spc="-1" dirty="0">
+                <a:latin typeface="Consolas"/>
+                <a:ea typeface="SimSun"/>
+              </a:rPr>
+              <a:t> </a:t>
+            </a:r>
+          </a:p>
+        </p:txBody>
+      </p:sp>
+    </p:spTree>
+    <p:extLst>
+      <p:ext uri="{BB962C8B-B14F-4D97-AF65-F5344CB8AC3E}">
+        <p14:creationId xmlns:p14="http://schemas.microsoft.com/office/powerpoint/2010/main" val="2722645413"/>
+      </p:ext>
+    </p:extLst>
+  </p:cSld>
+  <p:clrMapOvr>
+    <a:masterClrMapping/>
+  </p:clrMapOvr>
+</p:sld>
+</file>
+
+<file path=ppt/slides/slide24.xml><?xml version="1.0" encoding="utf-8"?>
+<p:sld xmlns:a="http://schemas.openxmlformats.org/drawingml/2006/main" xmlns:r="http://schemas.openxmlformats.org/officeDocument/2006/relationships" xmlns:p="http://schemas.openxmlformats.org/presentationml/2006/main">
+  <p:cSld>
+    <p:spTree>
+      <p:nvGrpSpPr>
+        <p:cNvPr id="1" name=""/>
+        <p:cNvGrpSpPr/>
+        <p:nvPr/>
+      </p:nvGrpSpPr>
+      <p:grpSpPr>
+        <a:xfrm>
+          <a:off x="0" y="0"/>
+          <a:ext cx="0" cy="0"/>
+          <a:chOff x="0" y="0"/>
+          <a:chExt cx="0" cy="0"/>
+        </a:xfrm>
+      </p:grpSpPr>
+      <p:sp>
+        <p:nvSpPr>
+          <p:cNvPr id="109" name="CustomShape 1"/>
+          <p:cNvSpPr/>
+          <p:nvPr/>
+        </p:nvSpPr>
+        <p:spPr>
+          <a:xfrm>
+            <a:off x="1676520" y="2362320"/>
+            <a:ext cx="8815320" cy="921876"/>
+          </a:xfrm>
+          <a:prstGeom prst="rect">
+            <a:avLst/>
+          </a:prstGeom>
+          <a:noFill/>
+          <a:ln>
+            <a:noFill/>
+          </a:ln>
+        </p:spPr>
+        <p:style>
+          <a:lnRef idx="0">
+            <a:scrgbClr r="0" g="0" b="0"/>
+          </a:lnRef>
+          <a:fillRef idx="0">
+            <a:scrgbClr r="0" g="0" b="0"/>
+          </a:fillRef>
+          <a:effectRef idx="0">
+            <a:scrgbClr r="0" g="0" b="0"/>
+          </a:effectRef>
+          <a:fontRef idx="minor"/>
+        </p:style>
+        <p:txBody>
+          <a:bodyPr lIns="90000" tIns="45000" rIns="90000" bIns="45000">
+            <a:spAutoFit/>
+          </a:bodyPr>
+          <a:lstStyle/>
+          <a:p>
+            <a:pPr algn="ctr">
+              <a:lnSpc>
+                <a:spcPct val="100000"/>
+              </a:lnSpc>
+            </a:pPr>
+            <a:r>
               <a:rPr lang="en-IN" sz="5400" b="0" i="1" strike="noStrike" spc="-1" dirty="0">
                 <a:solidFill>
                   <a:srgbClr val="F7C120"/>
@@ -9192,7 +10662,7 @@
 </p:sld>
 </file>
 
-<file path=ppt/slides/slide21.xml><?xml version="1.0" encoding="utf-8"?>
+<file path=ppt/slides/slide25.xml><?xml version="1.0" encoding="utf-8"?>
 <p:sld xmlns:a="http://schemas.openxmlformats.org/drawingml/2006/main" xmlns:r="http://schemas.openxmlformats.org/officeDocument/2006/relationships" xmlns:p="http://schemas.openxmlformats.org/presentationml/2006/main">
   <p:cSld>
     <p:spTree>
@@ -9970,7 +11440,7 @@
 </p:sld>
 </file>
 
-<file path=ppt/slides/slide22.xml><?xml version="1.0" encoding="utf-8"?>
+<file path=ppt/slides/slide26.xml><?xml version="1.0" encoding="utf-8"?>
 <p:sld xmlns:a="http://schemas.openxmlformats.org/drawingml/2006/main" xmlns:r="http://schemas.openxmlformats.org/officeDocument/2006/relationships" xmlns:p="http://schemas.openxmlformats.org/presentationml/2006/main">
   <p:cSld>
     <p:spTree>

--- a/Cassandra Ver1.pptx
+++ b/Cassandra Ver1.pptx
@@ -5,7 +5,7 @@
     <p:sldMasterId id="2147483720" r:id="rId1"/>
   </p:sldMasterIdLst>
   <p:notesMasterIdLst>
-    <p:notesMasterId r:id="rId28"/>
+    <p:notesMasterId r:id="rId30"/>
   </p:notesMasterIdLst>
   <p:sldIdLst>
     <p:sldId id="256" r:id="rId2"/>
@@ -25,15 +25,17 @@
     <p:sldId id="1429" r:id="rId16"/>
     <p:sldId id="1434" r:id="rId17"/>
     <p:sldId id="1435" r:id="rId18"/>
-    <p:sldId id="1436" r:id="rId19"/>
-    <p:sldId id="1437" r:id="rId20"/>
-    <p:sldId id="1430" r:id="rId21"/>
-    <p:sldId id="1431" r:id="rId22"/>
-    <p:sldId id="1432" r:id="rId23"/>
-    <p:sldId id="1433" r:id="rId24"/>
-    <p:sldId id="1424" r:id="rId25"/>
-    <p:sldId id="1421" r:id="rId26"/>
-    <p:sldId id="350" r:id="rId27"/>
+    <p:sldId id="1438" r:id="rId19"/>
+    <p:sldId id="1439" r:id="rId20"/>
+    <p:sldId id="1436" r:id="rId21"/>
+    <p:sldId id="1437" r:id="rId22"/>
+    <p:sldId id="1430" r:id="rId23"/>
+    <p:sldId id="1431" r:id="rId24"/>
+    <p:sldId id="1432" r:id="rId25"/>
+    <p:sldId id="1433" r:id="rId26"/>
+    <p:sldId id="1424" r:id="rId27"/>
+    <p:sldId id="1421" r:id="rId28"/>
+    <p:sldId id="350" r:id="rId29"/>
   </p:sldIdLst>
   <p:sldSz cx="12192000" cy="6858000"/>
   <p:notesSz cx="6858000" cy="9144000"/>
@@ -7437,56 +7439,6 @@
       </p:grpSpPr>
       <p:sp>
         <p:nvSpPr>
-          <p:cNvPr id="111" name="CustomShape 1"/>
-          <p:cNvSpPr/>
-          <p:nvPr/>
-        </p:nvSpPr>
-        <p:spPr>
-          <a:xfrm>
-            <a:off x="246600" y="762120"/>
-            <a:ext cx="11687400" cy="337100"/>
-          </a:xfrm>
-          <a:prstGeom prst="rect">
-            <a:avLst/>
-          </a:prstGeom>
-          <a:noFill/>
-          <a:ln>
-            <a:noFill/>
-          </a:ln>
-        </p:spPr>
-        <p:style>
-          <a:lnRef idx="0">
-            <a:scrgbClr r="0" g="0" b="0"/>
-          </a:lnRef>
-          <a:fillRef idx="0">
-            <a:scrgbClr r="0" g="0" b="0"/>
-          </a:fillRef>
-          <a:effectRef idx="0">
-            <a:scrgbClr r="0" g="0" b="0"/>
-          </a:effectRef>
-          <a:fontRef idx="minor"/>
-        </p:style>
-        <p:txBody>
-          <a:bodyPr lIns="90000" tIns="45000" rIns="90000" bIns="45000">
-            <a:spAutoFit/>
-          </a:bodyPr>
-          <a:lstStyle/>
-          <a:p>
-            <a:pPr algn="just"/>
-            <a:r>
-              <a:rPr lang="en-US" sz="1600" spc="-1" dirty="0">
-                <a:solidFill>
-                  <a:srgbClr val="FF0000"/>
-                </a:solidFill>
-                <a:latin typeface="Arial"/>
-              </a:rPr>
-              <a:t>e.g.</a:t>
-            </a:r>
-          </a:p>
-        </p:txBody>
-      </p:sp>
-      <p:sp>
-        <p:nvSpPr>
           <p:cNvPr id="6" name="CustomShape 2">
             <a:extLst>
               <a:ext uri="{FF2B5EF4-FFF2-40B4-BE49-F238E27FC236}">
@@ -7499,7 +7451,7 @@
         </p:nvSpPr>
         <p:spPr>
           <a:xfrm>
-            <a:off x="246600" y="1268760"/>
+            <a:off x="246600" y="1776011"/>
             <a:ext cx="11687400" cy="644877"/>
           </a:xfrm>
           <a:prstGeom prst="rect">
@@ -7552,7 +7504,7 @@
                 <a:latin typeface="Consolas" panose="020B0609020204030204" pitchFamily="49" charset="0"/>
                 <a:ea typeface="SimSun"/>
               </a:rPr>
-              <a:t>create columnfamily emp</a:t>
+              <a:t>CREATE COLUMNFAMILY emp</a:t>
             </a:r>
             <a:r>
               <a:rPr lang="en-US" sz="1800" b="0" strike="noStrike" spc="-1" dirty="0">
@@ -7810,6 +7762,100 @@
             </a:endParaRPr>
           </a:p>
         </p:txBody>
+      </p:sp>
+      <p:sp>
+        <p:nvSpPr>
+          <p:cNvPr id="9" name="CustomShape 1">
+            <a:extLst>
+              <a:ext uri="{FF2B5EF4-FFF2-40B4-BE49-F238E27FC236}">
+                <a16:creationId xmlns:a16="http://schemas.microsoft.com/office/drawing/2014/main" id="{BDFD7540-71E5-4580-B408-0238083AF10D}"/>
+              </a:ext>
+            </a:extLst>
+          </p:cNvPr>
+          <p:cNvSpPr/>
+          <p:nvPr/>
+        </p:nvSpPr>
+        <p:spPr>
+          <a:xfrm>
+            <a:off x="246600" y="762120"/>
+            <a:ext cx="11687400" cy="367878"/>
+          </a:xfrm>
+          <a:prstGeom prst="rect">
+            <a:avLst/>
+          </a:prstGeom>
+          <a:noFill/>
+          <a:ln>
+            <a:noFill/>
+          </a:ln>
+        </p:spPr>
+        <p:style>
+          <a:lnRef idx="0">
+            <a:scrgbClr r="0" g="0" b="0"/>
+          </a:lnRef>
+          <a:fillRef idx="0">
+            <a:scrgbClr r="0" g="0" b="0"/>
+          </a:fillRef>
+          <a:effectRef idx="0">
+            <a:scrgbClr r="0" g="0" b="0"/>
+          </a:effectRef>
+          <a:fontRef idx="minor"/>
+        </p:style>
+        <p:txBody>
+          <a:bodyPr lIns="90000" tIns="45000" rIns="90000" bIns="45000">
+            <a:spAutoFit/>
+          </a:bodyPr>
+          <a:lstStyle/>
+          <a:p>
+            <a:pPr algn="just"/>
+            <a:r>
+              <a:rPr lang="en-US" spc="-1" dirty="0">
+                <a:latin typeface="Arial"/>
+              </a:rPr>
+              <a:t>TODO.</a:t>
+            </a:r>
+          </a:p>
+        </p:txBody>
+      </p:sp>
+      <p:sp>
+        <p:nvSpPr>
+          <p:cNvPr id="10" name="Line 5">
+            <a:extLst>
+              <a:ext uri="{FF2B5EF4-FFF2-40B4-BE49-F238E27FC236}">
+                <a16:creationId xmlns:a16="http://schemas.microsoft.com/office/drawing/2014/main" id="{9195D559-2BA8-4321-B3CF-CB7E0100E287}"/>
+              </a:ext>
+            </a:extLst>
+          </p:cNvPr>
+          <p:cNvSpPr/>
+          <p:nvPr/>
+        </p:nvSpPr>
+        <p:spPr>
+          <a:xfrm>
+            <a:off x="0" y="1536120"/>
+            <a:ext cx="12191760" cy="0"/>
+          </a:xfrm>
+          <a:prstGeom prst="line">
+            <a:avLst/>
+          </a:prstGeom>
+          <a:ln w="12600">
+            <a:solidFill>
+              <a:srgbClr val="6E78A0"/>
+            </a:solidFill>
+            <a:prstDash val="dash"/>
+            <a:round/>
+          </a:ln>
+        </p:spPr>
+        <p:style>
+          <a:lnRef idx="1">
+            <a:schemeClr val="accent1"/>
+          </a:lnRef>
+          <a:fillRef idx="0">
+            <a:schemeClr val="accent1"/>
+          </a:fillRef>
+          <a:effectRef idx="0">
+            <a:schemeClr val="accent1"/>
+          </a:effectRef>
+          <a:fontRef idx="minor"/>
+        </p:style>
       </p:sp>
     </p:spTree>
     <p:extLst>
@@ -8575,7 +8621,7 @@
               <a:rPr lang="en-US" spc="-1" dirty="0">
                 <a:latin typeface="Arial"/>
               </a:rPr>
-              <a:t>TODO</a:t>
+              <a:t>TODO.</a:t>
             </a:r>
           </a:p>
         </p:txBody>
@@ -8632,7 +8678,7 @@
                 <a:latin typeface="Open Sans"/>
                 <a:ea typeface="DejaVu Sans"/>
               </a:rPr>
-              <a:t>update data</a:t>
+              <a:t>insert data</a:t>
             </a:r>
             <a:endParaRPr lang="en-IN" sz="4000" b="0" strike="noStrike" spc="-1" dirty="0">
               <a:latin typeface="Arial"/>
@@ -8677,126 +8723,268 @@
       </p:sp>
       <p:sp>
         <p:nvSpPr>
-          <p:cNvPr id="10" name="CustomShape 6">
+          <p:cNvPr id="7" name="TextBox 6">
             <a:extLst>
               <a:ext uri="{FF2B5EF4-FFF2-40B4-BE49-F238E27FC236}">
-                <a16:creationId xmlns:a16="http://schemas.microsoft.com/office/drawing/2014/main" id="{D4558032-AAFD-4B35-81C8-1CCCADB686EE}"/>
+                <a16:creationId xmlns:a16="http://schemas.microsoft.com/office/drawing/2014/main" id="{2D5EBEC2-F93A-405A-A8A0-67C4A22ADC15}"/>
               </a:ext>
             </a:extLst>
           </p:cNvPr>
-          <p:cNvSpPr/>
+          <p:cNvSpPr txBox="1"/>
           <p:nvPr/>
         </p:nvSpPr>
         <p:spPr>
           <a:xfrm>
-            <a:off x="246600" y="2030040"/>
-            <a:ext cx="11687400" cy="367878"/>
+            <a:off x="246600" y="2030400"/>
+            <a:ext cx="11687400" cy="1323439"/>
           </a:xfrm>
           <a:prstGeom prst="rect">
             <a:avLst/>
           </a:prstGeom>
           <a:noFill/>
-          <a:ln>
-            <a:noFill/>
-          </a:ln>
-        </p:spPr>
-        <p:style>
-          <a:lnRef idx="0">
-            <a:scrgbClr r="0" g="0" b="0"/>
-          </a:lnRef>
-          <a:fillRef idx="0">
-            <a:scrgbClr r="0" g="0" b="0"/>
-          </a:fillRef>
-          <a:effectRef idx="0">
-            <a:scrgbClr r="0" g="0" b="0"/>
-          </a:effectRef>
-          <a:fontRef idx="minor"/>
-        </p:style>
-        <p:txBody>
-          <a:bodyPr lIns="90000" tIns="45000" rIns="90000" bIns="45000">
+        </p:spPr>
+        <p:txBody>
+          <a:bodyPr wrap="square">
             <a:spAutoFit/>
           </a:bodyPr>
           <a:lstStyle/>
           <a:p>
-            <a:r>
-              <a:rPr lang="en-US" spc="-1" dirty="0">
-                <a:solidFill>
-                  <a:srgbClr val="2B8208"/>
-                </a:solidFill>
-                <a:latin typeface="Source Code Pro" panose="020B0509030403020204" pitchFamily="49" charset="0"/>
-                <a:ea typeface="Source Code Pro" panose="020B0509030403020204" pitchFamily="49" charset="0"/>
-              </a:rPr>
-              <a:t>DESCRIBE KEYSPACES </a:t>
-            </a:r>
-            <a:r>
-              <a:rPr lang="en-US" spc="-1" dirty="0">
-                <a:latin typeface="Source Code Pro" panose="020B0509030403020204" pitchFamily="49" charset="0"/>
-                <a:ea typeface="Source Code Pro" panose="020B0509030403020204" pitchFamily="49" charset="0"/>
-              </a:rPr>
-              <a:t>|</a:t>
-            </a:r>
-            <a:r>
-              <a:rPr lang="en-US" spc="-1" dirty="0">
-                <a:solidFill>
-                  <a:srgbClr val="2B8208"/>
-                </a:solidFill>
-                <a:latin typeface="Source Code Pro" panose="020B0509030403020204" pitchFamily="49" charset="0"/>
-                <a:ea typeface="Source Code Pro" panose="020B0509030403020204" pitchFamily="49" charset="0"/>
-              </a:rPr>
-              <a:t> KEYSPACE </a:t>
-            </a:r>
-            <a:r>
-              <a:rPr lang="en-US" spc="-1" dirty="0">
-                <a:latin typeface="Source Code Pro" panose="020B0509030403020204" pitchFamily="49" charset="0"/>
-                <a:ea typeface="Source Code Pro" panose="020B0509030403020204" pitchFamily="49" charset="0"/>
-              </a:rPr>
-              <a:t>&lt;</a:t>
-            </a:r>
-            <a:r>
-              <a:rPr lang="en-US" spc="-1" dirty="0">
-                <a:solidFill>
-                  <a:srgbClr val="2B8208"/>
-                </a:solidFill>
-                <a:latin typeface="Source Code Pro" panose="020B0509030403020204" pitchFamily="49" charset="0"/>
-                <a:ea typeface="Source Code Pro" panose="020B0509030403020204" pitchFamily="49" charset="0"/>
+            <a:pPr marL="285750" indent="-285750">
+              <a:buFont typeface="Arial" panose="020B0604020202020204" pitchFamily="34" charset="0"/>
+              <a:buChar char="•"/>
+            </a:pPr>
+            <a:r>
+              <a:rPr lang="en-IN" sz="1800" b="0" strike="noStrike" spc="-1" dirty="0">
+                <a:solidFill>
+                  <a:schemeClr val="bg1">
+                    <a:lumMod val="50000"/>
+                  </a:schemeClr>
+                </a:solidFill>
+                <a:latin typeface="Consolas" panose="020B0609020204030204" pitchFamily="49" charset="0"/>
+                <a:ea typeface="SimSun"/>
+              </a:rPr>
+              <a:t>cqlsh:db1&gt; </a:t>
+            </a:r>
+            <a:r>
+              <a:rPr lang="en-IN" dirty="0">
+                <a:solidFill>
+                  <a:srgbClr val="0070C0"/>
+                </a:solidFill>
+                <a:latin typeface="Consolas" panose="020B0609020204030204" pitchFamily="49" charset="0"/>
+              </a:rPr>
+              <a:t>INSERT</a:t>
+            </a:r>
+            <a:r>
+              <a:rPr lang="en-IN" dirty="0">
+                <a:latin typeface="Consolas" panose="020B0609020204030204" pitchFamily="49" charset="0"/>
               </a:rPr>
               <a:t> </a:t>
             </a:r>
             <a:r>
-              <a:rPr lang="en-US" i="1" spc="-1" dirty="0">
-                <a:latin typeface="Source Code Pro" panose="020B0509030403020204" pitchFamily="49" charset="0"/>
-                <a:ea typeface="Source Code Pro" panose="020B0509030403020204" pitchFamily="49" charset="0"/>
-              </a:rPr>
-              <a:t>keyspace_name</a:t>
-            </a:r>
-            <a:r>
-              <a:rPr lang="en-US" spc="-1" dirty="0">
-                <a:solidFill>
-                  <a:srgbClr val="2B8208"/>
-                </a:solidFill>
-                <a:latin typeface="Source Code Pro" panose="020B0509030403020204" pitchFamily="49" charset="0"/>
-                <a:ea typeface="Source Code Pro" panose="020B0509030403020204" pitchFamily="49" charset="0"/>
+              <a:rPr lang="en-IN" dirty="0">
+                <a:solidFill>
+                  <a:srgbClr val="0070C0"/>
+                </a:solidFill>
+                <a:latin typeface="Consolas" panose="020B0609020204030204" pitchFamily="49" charset="0"/>
+              </a:rPr>
+              <a:t>INTO</a:t>
+            </a:r>
+            <a:r>
+              <a:rPr lang="en-IN" dirty="0">
+                <a:latin typeface="Consolas" panose="020B0609020204030204" pitchFamily="49" charset="0"/>
+              </a:rPr>
+              <a:t> emp</a:t>
+            </a:r>
+            <a:r>
+              <a:rPr lang="en-IN" dirty="0">
+                <a:solidFill>
+                  <a:schemeClr val="bg1">
+                    <a:lumMod val="50000"/>
+                  </a:schemeClr>
+                </a:solidFill>
+                <a:latin typeface="Consolas" panose="020B0609020204030204" pitchFamily="49" charset="0"/>
+              </a:rPr>
+              <a:t>(</a:t>
+            </a:r>
+            <a:r>
+              <a:rPr lang="en-IN" dirty="0">
+                <a:latin typeface="Consolas" panose="020B0609020204030204" pitchFamily="49" charset="0"/>
+              </a:rPr>
+              <a:t>empno, ename, job, hiredate, salary, comm, isactive</a:t>
+            </a:r>
+            <a:r>
+              <a:rPr lang="en-IN" dirty="0">
+                <a:solidFill>
+                  <a:schemeClr val="bg1">
+                    <a:lumMod val="50000"/>
+                  </a:schemeClr>
+                </a:solidFill>
+                <a:latin typeface="Consolas" panose="020B0609020204030204" pitchFamily="49" charset="0"/>
+              </a:rPr>
+              <a:t>)</a:t>
+            </a:r>
+            <a:r>
+              <a:rPr lang="en-IN" dirty="0">
+                <a:latin typeface="Consolas" panose="020B0609020204030204" pitchFamily="49" charset="0"/>
               </a:rPr>
               <a:t> </a:t>
             </a:r>
             <a:r>
-              <a:rPr lang="en-US" spc="-1" dirty="0">
-                <a:latin typeface="Source Code Pro" panose="020B0509030403020204" pitchFamily="49" charset="0"/>
-                <a:ea typeface="Source Code Pro" panose="020B0509030403020204" pitchFamily="49" charset="0"/>
-              </a:rPr>
-              <a:t>&gt;</a:t>
-            </a:r>
-            <a:endParaRPr lang="en-IN" sz="400" spc="-1" dirty="0">
-              <a:latin typeface="Source Code Pro" panose="020B0509030403020204" pitchFamily="49" charset="0"/>
-              <a:ea typeface="Source Code Pro" panose="020B0509030403020204" pitchFamily="49" charset="0"/>
+              <a:rPr lang="en-IN" dirty="0">
+                <a:solidFill>
+                  <a:srgbClr val="0070C0"/>
+                </a:solidFill>
+                <a:latin typeface="Consolas" panose="020B0609020204030204" pitchFamily="49" charset="0"/>
+              </a:rPr>
+              <a:t>VALUES</a:t>
+            </a:r>
+            <a:r>
+              <a:rPr lang="en-IN" dirty="0">
+                <a:solidFill>
+                  <a:schemeClr val="bg1">
+                    <a:lumMod val="50000"/>
+                  </a:schemeClr>
+                </a:solidFill>
+                <a:latin typeface="Consolas" panose="020B0609020204030204" pitchFamily="49" charset="0"/>
+              </a:rPr>
+              <a:t>(</a:t>
+            </a:r>
+            <a:r>
+              <a:rPr lang="en-IN" dirty="0">
+                <a:latin typeface="Consolas" panose="020B0609020204030204" pitchFamily="49" charset="0"/>
+              </a:rPr>
+              <a:t>1, 'saleel', 'manager', '2022-04-25', 42000, 4500.67, true</a:t>
+            </a:r>
+            <a:r>
+              <a:rPr lang="en-IN" dirty="0">
+                <a:solidFill>
+                  <a:schemeClr val="bg1">
+                    <a:lumMod val="50000"/>
+                  </a:schemeClr>
+                </a:solidFill>
+                <a:latin typeface="Consolas" panose="020B0609020204030204" pitchFamily="49" charset="0"/>
+              </a:rPr>
+              <a:t>)</a:t>
+            </a:r>
+            <a:r>
+              <a:rPr lang="en-IN" dirty="0">
+                <a:latin typeface="Consolas" panose="020B0609020204030204" pitchFamily="49" charset="0"/>
+              </a:rPr>
+              <a:t>;</a:t>
+            </a:r>
+          </a:p>
+          <a:p>
+            <a:pPr marL="285750" indent="-285750">
+              <a:buFont typeface="Arial" panose="020B0604020202020204" pitchFamily="34" charset="0"/>
+              <a:buChar char="•"/>
+            </a:pPr>
+            <a:endParaRPr lang="en-IN" sz="800" dirty="0">
+              <a:latin typeface="Consolas" panose="020B0609020204030204" pitchFamily="49" charset="0"/>
             </a:endParaRPr>
+          </a:p>
+          <a:p>
+            <a:pPr marL="285750" indent="-285750">
+              <a:buFont typeface="Arial" panose="020B0604020202020204" pitchFamily="34" charset="0"/>
+              <a:buChar char="•"/>
+            </a:pPr>
+            <a:r>
+              <a:rPr lang="en-IN" spc="-1" dirty="0">
+                <a:solidFill>
+                  <a:schemeClr val="bg1">
+                    <a:lumMod val="50000"/>
+                  </a:schemeClr>
+                </a:solidFill>
+                <a:latin typeface="Consolas" panose="020B0609020204030204" pitchFamily="49" charset="0"/>
+                <a:ea typeface="SimSun"/>
+              </a:rPr>
+              <a:t>cqlsh:db1&gt; </a:t>
+            </a:r>
+            <a:r>
+              <a:rPr lang="en-IN" dirty="0">
+                <a:solidFill>
+                  <a:srgbClr val="0070C0"/>
+                </a:solidFill>
+                <a:latin typeface="Consolas" panose="020B0609020204030204" pitchFamily="49" charset="0"/>
+              </a:rPr>
+              <a:t>INSERT</a:t>
+            </a:r>
+            <a:r>
+              <a:rPr lang="en-IN" dirty="0">
+                <a:latin typeface="Consolas" panose="020B0609020204030204" pitchFamily="49" charset="0"/>
+              </a:rPr>
+              <a:t> </a:t>
+            </a:r>
+            <a:r>
+              <a:rPr lang="en-IN" dirty="0">
+                <a:solidFill>
+                  <a:srgbClr val="0070C0"/>
+                </a:solidFill>
+                <a:latin typeface="Consolas" panose="020B0609020204030204" pitchFamily="49" charset="0"/>
+              </a:rPr>
+              <a:t>INTO</a:t>
+            </a:r>
+            <a:r>
+              <a:rPr lang="en-IN" dirty="0">
+                <a:latin typeface="Consolas" panose="020B0609020204030204" pitchFamily="49" charset="0"/>
+              </a:rPr>
+              <a:t> emp</a:t>
+            </a:r>
+            <a:r>
+              <a:rPr lang="en-IN" dirty="0">
+                <a:solidFill>
+                  <a:schemeClr val="bg1">
+                    <a:lumMod val="50000"/>
+                  </a:schemeClr>
+                </a:solidFill>
+                <a:latin typeface="Consolas" panose="020B0609020204030204" pitchFamily="49" charset="0"/>
+              </a:rPr>
+              <a:t>(</a:t>
+            </a:r>
+            <a:r>
+              <a:rPr lang="en-IN" dirty="0">
+                <a:latin typeface="Consolas" panose="020B0609020204030204" pitchFamily="49" charset="0"/>
+              </a:rPr>
+              <a:t>empno, ename, job, salary, isactive) </a:t>
+            </a:r>
+            <a:r>
+              <a:rPr lang="en-IN" dirty="0">
+                <a:solidFill>
+                  <a:srgbClr val="0070C0"/>
+                </a:solidFill>
+                <a:latin typeface="Consolas" panose="020B0609020204030204" pitchFamily="49" charset="0"/>
+              </a:rPr>
+              <a:t>VALUES</a:t>
+            </a:r>
+            <a:r>
+              <a:rPr lang="en-IN" dirty="0">
+                <a:latin typeface="Consolas" panose="020B0609020204030204" pitchFamily="49" charset="0"/>
+              </a:rPr>
+              <a:t>(2, 'sharmin', 'manager', 47000, true</a:t>
+            </a:r>
+            <a:r>
+              <a:rPr lang="en-IN" dirty="0">
+                <a:solidFill>
+                  <a:schemeClr val="bg1">
+                    <a:lumMod val="50000"/>
+                  </a:schemeClr>
+                </a:solidFill>
+                <a:latin typeface="Consolas" panose="020B0609020204030204" pitchFamily="49" charset="0"/>
+              </a:rPr>
+              <a:t>)</a:t>
+            </a:r>
+            <a:r>
+              <a:rPr lang="en-IN" dirty="0">
+                <a:latin typeface="Consolas" panose="020B0609020204030204" pitchFamily="49" charset="0"/>
+              </a:rPr>
+              <a:t>;</a:t>
+            </a:r>
           </a:p>
         </p:txBody>
       </p:sp>
     </p:spTree>
     <p:extLst>
       <p:ext uri="{BB962C8B-B14F-4D97-AF65-F5344CB8AC3E}">
-        <p14:creationId xmlns:p14="http://schemas.microsoft.com/office/powerpoint/2010/main" val="2360017183"/>
+        <p14:creationId xmlns:p14="http://schemas.microsoft.com/office/powerpoint/2010/main" val="1818697742"/>
       </p:ext>
     </p:extLst>
   </p:cSld>
@@ -8865,7 +9053,7 @@
               <a:rPr lang="en-US" spc="-1" dirty="0">
                 <a:latin typeface="Arial"/>
               </a:rPr>
-              <a:t>TODO</a:t>
+              <a:t>TODO.</a:t>
             </a:r>
           </a:p>
         </p:txBody>
@@ -8922,7 +9110,7 @@
                 <a:latin typeface="Open Sans"/>
                 <a:ea typeface="DejaVu Sans"/>
               </a:rPr>
-              <a:t>delete data</a:t>
+              <a:t>insert data using TTL</a:t>
             </a:r>
             <a:endParaRPr lang="en-IN" sz="4000" b="0" strike="noStrike" spc="-1" dirty="0">
               <a:latin typeface="Arial"/>
@@ -8967,126 +9155,149 @@
       </p:sp>
       <p:sp>
         <p:nvSpPr>
-          <p:cNvPr id="10" name="CustomShape 6">
+          <p:cNvPr id="7" name="TextBox 6">
             <a:extLst>
               <a:ext uri="{FF2B5EF4-FFF2-40B4-BE49-F238E27FC236}">
-                <a16:creationId xmlns:a16="http://schemas.microsoft.com/office/drawing/2014/main" id="{3F3ADA2F-5904-426C-A7AA-EF7218A0D350}"/>
+                <a16:creationId xmlns:a16="http://schemas.microsoft.com/office/drawing/2014/main" id="{2D5EBEC2-F93A-405A-A8A0-67C4A22ADC15}"/>
               </a:ext>
             </a:extLst>
           </p:cNvPr>
-          <p:cNvSpPr/>
+          <p:cNvSpPr txBox="1"/>
           <p:nvPr/>
         </p:nvSpPr>
         <p:spPr>
           <a:xfrm>
-            <a:off x="246600" y="2030040"/>
-            <a:ext cx="11687400" cy="367878"/>
+            <a:off x="246600" y="2030400"/>
+            <a:ext cx="11687400" cy="646331"/>
           </a:xfrm>
           <a:prstGeom prst="rect">
             <a:avLst/>
           </a:prstGeom>
           <a:noFill/>
-          <a:ln>
-            <a:noFill/>
-          </a:ln>
-        </p:spPr>
-        <p:style>
-          <a:lnRef idx="0">
-            <a:scrgbClr r="0" g="0" b="0"/>
-          </a:lnRef>
-          <a:fillRef idx="0">
-            <a:scrgbClr r="0" g="0" b="0"/>
-          </a:fillRef>
-          <a:effectRef idx="0">
-            <a:scrgbClr r="0" g="0" b="0"/>
-          </a:effectRef>
-          <a:fontRef idx="minor"/>
-        </p:style>
-        <p:txBody>
-          <a:bodyPr lIns="90000" tIns="45000" rIns="90000" bIns="45000">
+        </p:spPr>
+        <p:txBody>
+          <a:bodyPr wrap="square">
             <a:spAutoFit/>
           </a:bodyPr>
           <a:lstStyle/>
           <a:p>
-            <a:r>
-              <a:rPr lang="en-US" spc="-1" dirty="0">
-                <a:solidFill>
-                  <a:srgbClr val="2B8208"/>
-                </a:solidFill>
-                <a:latin typeface="Source Code Pro" panose="020B0509030403020204" pitchFamily="49" charset="0"/>
-                <a:ea typeface="Source Code Pro" panose="020B0509030403020204" pitchFamily="49" charset="0"/>
-              </a:rPr>
-              <a:t>DESCRIBE KEYSPACES </a:t>
-            </a:r>
-            <a:r>
-              <a:rPr lang="en-US" spc="-1" dirty="0">
-                <a:latin typeface="Source Code Pro" panose="020B0509030403020204" pitchFamily="49" charset="0"/>
-                <a:ea typeface="Source Code Pro" panose="020B0509030403020204" pitchFamily="49" charset="0"/>
-              </a:rPr>
-              <a:t>|</a:t>
-            </a:r>
-            <a:r>
-              <a:rPr lang="en-US" spc="-1" dirty="0">
-                <a:solidFill>
-                  <a:srgbClr val="2B8208"/>
-                </a:solidFill>
-                <a:latin typeface="Source Code Pro" panose="020B0509030403020204" pitchFamily="49" charset="0"/>
-                <a:ea typeface="Source Code Pro" panose="020B0509030403020204" pitchFamily="49" charset="0"/>
-              </a:rPr>
-              <a:t> KEYSPACE </a:t>
-            </a:r>
-            <a:r>
-              <a:rPr lang="en-US" spc="-1" dirty="0">
-                <a:latin typeface="Source Code Pro" panose="020B0509030403020204" pitchFamily="49" charset="0"/>
-                <a:ea typeface="Source Code Pro" panose="020B0509030403020204" pitchFamily="49" charset="0"/>
-              </a:rPr>
-              <a:t>&lt;</a:t>
-            </a:r>
-            <a:r>
-              <a:rPr lang="en-US" spc="-1" dirty="0">
-                <a:solidFill>
-                  <a:srgbClr val="2B8208"/>
-                </a:solidFill>
-                <a:latin typeface="Source Code Pro" panose="020B0509030403020204" pitchFamily="49" charset="0"/>
-                <a:ea typeface="Source Code Pro" panose="020B0509030403020204" pitchFamily="49" charset="0"/>
+            <a:pPr marL="285750" indent="-285750">
+              <a:buFont typeface="Arial" panose="020B0604020202020204" pitchFamily="34" charset="0"/>
+              <a:buChar char="•"/>
+            </a:pPr>
+            <a:r>
+              <a:rPr lang="en-IN" spc="-1" dirty="0">
+                <a:solidFill>
+                  <a:schemeClr val="bg1">
+                    <a:lumMod val="50000"/>
+                  </a:schemeClr>
+                </a:solidFill>
+                <a:latin typeface="Consolas" panose="020B0609020204030204" pitchFamily="49" charset="0"/>
+                <a:ea typeface="SimSun"/>
+              </a:rPr>
+              <a:t>cqlsh:db1&gt; </a:t>
+            </a:r>
+            <a:r>
+              <a:rPr lang="en-IN" dirty="0">
+                <a:solidFill>
+                  <a:srgbClr val="0070C0"/>
+                </a:solidFill>
+                <a:latin typeface="Consolas" panose="020B0609020204030204" pitchFamily="49" charset="0"/>
+              </a:rPr>
+              <a:t>INSERT</a:t>
+            </a:r>
+            <a:r>
+              <a:rPr lang="en-IN" dirty="0">
+                <a:latin typeface="Consolas" panose="020B0609020204030204" pitchFamily="49" charset="0"/>
               </a:rPr>
               <a:t> </a:t>
             </a:r>
             <a:r>
-              <a:rPr lang="en-US" i="1" spc="-1" dirty="0">
-                <a:latin typeface="Source Code Pro" panose="020B0509030403020204" pitchFamily="49" charset="0"/>
-                <a:ea typeface="Source Code Pro" panose="020B0509030403020204" pitchFamily="49" charset="0"/>
-              </a:rPr>
-              <a:t>keyspace_name</a:t>
-            </a:r>
-            <a:r>
-              <a:rPr lang="en-US" spc="-1" dirty="0">
-                <a:solidFill>
-                  <a:srgbClr val="2B8208"/>
-                </a:solidFill>
-                <a:latin typeface="Source Code Pro" panose="020B0509030403020204" pitchFamily="49" charset="0"/>
-                <a:ea typeface="Source Code Pro" panose="020B0509030403020204" pitchFamily="49" charset="0"/>
+              <a:rPr lang="en-IN" dirty="0">
+                <a:solidFill>
+                  <a:srgbClr val="0070C0"/>
+                </a:solidFill>
+                <a:latin typeface="Consolas" panose="020B0609020204030204" pitchFamily="49" charset="0"/>
+              </a:rPr>
+              <a:t>INTO</a:t>
+            </a:r>
+            <a:r>
+              <a:rPr lang="en-IN" dirty="0">
+                <a:latin typeface="Consolas" panose="020B0609020204030204" pitchFamily="49" charset="0"/>
+              </a:rPr>
+              <a:t> emp</a:t>
+            </a:r>
+            <a:r>
+              <a:rPr lang="en-IN" dirty="0">
+                <a:solidFill>
+                  <a:schemeClr val="bg1">
+                    <a:lumMod val="50000"/>
+                  </a:schemeClr>
+                </a:solidFill>
+                <a:latin typeface="Consolas" panose="020B0609020204030204" pitchFamily="49" charset="0"/>
+              </a:rPr>
+              <a:t>(</a:t>
+            </a:r>
+            <a:r>
+              <a:rPr lang="en-IN" dirty="0">
+                <a:latin typeface="Consolas" panose="020B0609020204030204" pitchFamily="49" charset="0"/>
+              </a:rPr>
+              <a:t>empno, ename, job, hiredate, salary, comm, isactive) </a:t>
+            </a:r>
+            <a:r>
+              <a:rPr lang="en-IN" dirty="0">
+                <a:solidFill>
+                  <a:srgbClr val="0070C0"/>
+                </a:solidFill>
+                <a:latin typeface="Consolas" panose="020B0609020204030204" pitchFamily="49" charset="0"/>
+              </a:rPr>
+              <a:t>VALUES</a:t>
+            </a:r>
+            <a:r>
+              <a:rPr lang="en-IN" dirty="0">
+                <a:latin typeface="Consolas" panose="020B0609020204030204" pitchFamily="49" charset="0"/>
+              </a:rPr>
+              <a:t>(3, 'ruhan’, 'salesman', '2022-04-27', 41000, 500.43, false</a:t>
+            </a:r>
+            <a:r>
+              <a:rPr lang="en-IN" dirty="0">
+                <a:solidFill>
+                  <a:schemeClr val="bg1">
+                    <a:lumMod val="50000"/>
+                  </a:schemeClr>
+                </a:solidFill>
+                <a:latin typeface="Consolas" panose="020B0609020204030204" pitchFamily="49" charset="0"/>
+              </a:rPr>
+              <a:t>)</a:t>
+            </a:r>
+            <a:r>
+              <a:rPr lang="en-IN" dirty="0">
+                <a:latin typeface="Consolas" panose="020B0609020204030204" pitchFamily="49" charset="0"/>
               </a:rPr>
               <a:t> </a:t>
             </a:r>
             <a:r>
-              <a:rPr lang="en-US" spc="-1" dirty="0">
-                <a:latin typeface="Source Code Pro" panose="020B0509030403020204" pitchFamily="49" charset="0"/>
-                <a:ea typeface="Source Code Pro" panose="020B0509030403020204" pitchFamily="49" charset="0"/>
-              </a:rPr>
-              <a:t>&gt;</a:t>
-            </a:r>
-            <a:endParaRPr lang="en-IN" sz="400" spc="-1" dirty="0">
-              <a:latin typeface="Source Code Pro" panose="020B0509030403020204" pitchFamily="49" charset="0"/>
-              <a:ea typeface="Source Code Pro" panose="020B0509030403020204" pitchFamily="49" charset="0"/>
-            </a:endParaRPr>
+              <a:rPr lang="en-IN" dirty="0">
+                <a:solidFill>
+                  <a:srgbClr val="C00000"/>
+                </a:solidFill>
+                <a:latin typeface="Consolas" panose="020B0609020204030204" pitchFamily="49" charset="0"/>
+              </a:rPr>
+              <a:t>USING TTL 50</a:t>
+            </a:r>
+            <a:r>
+              <a:rPr lang="en-IN" dirty="0">
+                <a:latin typeface="Consolas" panose="020B0609020204030204" pitchFamily="49" charset="0"/>
+              </a:rPr>
+              <a:t>;</a:t>
+            </a:r>
           </a:p>
         </p:txBody>
       </p:sp>
     </p:spTree>
     <p:extLst>
       <p:ext uri="{BB962C8B-B14F-4D97-AF65-F5344CB8AC3E}">
-        <p14:creationId xmlns:p14="http://schemas.microsoft.com/office/powerpoint/2010/main" val="1932277347"/>
+        <p14:creationId xmlns:p14="http://schemas.microsoft.com/office/powerpoint/2010/main" val="2463782446"/>
       </p:ext>
     </p:extLst>
   </p:cSld>
@@ -9258,14 +9469,14 @@
       </p:grpSpPr>
       <p:sp>
         <p:nvSpPr>
-          <p:cNvPr id="109" name="CustomShape 1"/>
+          <p:cNvPr id="111" name="CustomShape 1"/>
           <p:cNvSpPr/>
           <p:nvPr/>
         </p:nvSpPr>
         <p:spPr>
           <a:xfrm>
-            <a:off x="1676520" y="2362320"/>
-            <a:ext cx="8815320" cy="921876"/>
+            <a:off x="246600" y="762120"/>
+            <a:ext cx="11687400" cy="367878"/>
           </a:xfrm>
           <a:prstGeom prst="rect">
             <a:avLst/>
@@ -9293,32 +9504,71 @@
           </a:bodyPr>
           <a:lstStyle/>
           <a:p>
+            <a:pPr algn="just"/>
+            <a:r>
+              <a:rPr lang="en-US" spc="-1" dirty="0">
+                <a:latin typeface="Arial"/>
+              </a:rPr>
+              <a:t>TODO</a:t>
+            </a:r>
+          </a:p>
+        </p:txBody>
+      </p:sp>
+      <p:sp>
+        <p:nvSpPr>
+          <p:cNvPr id="114" name="CustomShape 4"/>
+          <p:cNvSpPr/>
+          <p:nvPr/>
+        </p:nvSpPr>
+        <p:spPr>
+          <a:xfrm>
+            <a:off x="246600" y="0"/>
+            <a:ext cx="11687400" cy="706432"/>
+          </a:xfrm>
+          <a:prstGeom prst="rect">
+            <a:avLst/>
+          </a:prstGeom>
+          <a:solidFill>
+            <a:srgbClr val="C00000"/>
+          </a:solidFill>
+          <a:ln>
+            <a:noFill/>
+          </a:ln>
+        </p:spPr>
+        <p:style>
+          <a:lnRef idx="0">
+            <a:scrgbClr r="0" g="0" b="0"/>
+          </a:lnRef>
+          <a:fillRef idx="0">
+            <a:scrgbClr r="0" g="0" b="0"/>
+          </a:fillRef>
+          <a:effectRef idx="0">
+            <a:scrgbClr r="0" g="0" b="0"/>
+          </a:effectRef>
+          <a:fontRef idx="minor"/>
+        </p:style>
+        <p:txBody>
+          <a:bodyPr lIns="90000" tIns="45000" rIns="90000" bIns="45000">
+            <a:spAutoFit/>
+          </a:bodyPr>
+          <a:lstStyle/>
+          <a:p>
             <a:pPr algn="ctr">
               <a:lnSpc>
                 <a:spcPct val="100000"/>
               </a:lnSpc>
             </a:pPr>
             <a:r>
-              <a:rPr lang="en-IN" sz="5400" i="1" spc="-1" dirty="0">
+              <a:rPr lang="en-IN" sz="4000" spc="-1" dirty="0">
                 <a:solidFill>
                   <a:srgbClr val="F7C120"/>
                 </a:solidFill>
-                <a:latin typeface="Century"/>
+                <a:latin typeface="Open Sans"/>
                 <a:ea typeface="DejaVu Sans"/>
               </a:rPr>
-              <a:t>drop</a:t>
-            </a:r>
-            <a:r>
-              <a:rPr lang="en-IN" sz="5400" b="0" i="1" strike="noStrike" spc="-1" dirty="0">
-                <a:solidFill>
-                  <a:srgbClr val="F7C120"/>
-                </a:solidFill>
-                <a:latin typeface="Century"/>
-                <a:ea typeface="DejaVu Sans"/>
-              </a:rPr>
-              <a:t> table</a:t>
-            </a:r>
-            <a:endParaRPr lang="en-IN" sz="5400" b="0" strike="noStrike" spc="-1" dirty="0">
+              <a:t>update data</a:t>
+            </a:r>
+            <a:endParaRPr lang="en-IN" sz="4000" b="0" strike="noStrike" spc="-1" dirty="0">
               <a:latin typeface="Arial"/>
             </a:endParaRPr>
           </a:p>
@@ -9326,14 +9576,55 @@
       </p:sp>
       <p:sp>
         <p:nvSpPr>
-          <p:cNvPr id="110" name="CustomShape 2"/>
+          <p:cNvPr id="115" name="Line 5"/>
           <p:cNvSpPr/>
           <p:nvPr/>
         </p:nvSpPr>
         <p:spPr>
           <a:xfrm>
-            <a:off x="522360" y="3531600"/>
-            <a:ext cx="11052360" cy="367878"/>
+            <a:off x="0" y="1536120"/>
+            <a:ext cx="12191760" cy="0"/>
+          </a:xfrm>
+          <a:prstGeom prst="line">
+            <a:avLst/>
+          </a:prstGeom>
+          <a:ln w="12600">
+            <a:solidFill>
+              <a:srgbClr val="6E78A0"/>
+            </a:solidFill>
+            <a:prstDash val="dash"/>
+            <a:round/>
+          </a:ln>
+        </p:spPr>
+        <p:style>
+          <a:lnRef idx="1">
+            <a:schemeClr val="accent1"/>
+          </a:lnRef>
+          <a:fillRef idx="0">
+            <a:schemeClr val="accent1"/>
+          </a:fillRef>
+          <a:effectRef idx="0">
+            <a:schemeClr val="accent1"/>
+          </a:effectRef>
+          <a:fontRef idx="minor"/>
+        </p:style>
+      </p:sp>
+      <p:sp>
+        <p:nvSpPr>
+          <p:cNvPr id="10" name="CustomShape 6">
+            <a:extLst>
+              <a:ext uri="{FF2B5EF4-FFF2-40B4-BE49-F238E27FC236}">
+                <a16:creationId xmlns:a16="http://schemas.microsoft.com/office/drawing/2014/main" id="{D4558032-AAFD-4B35-81C8-1CCCADB686EE}"/>
+              </a:ext>
+            </a:extLst>
+          </p:cNvPr>
+          <p:cNvSpPr/>
+          <p:nvPr/>
+        </p:nvSpPr>
+        <p:spPr>
+          <a:xfrm>
+            <a:off x="246600" y="2030040"/>
+            <a:ext cx="11687400" cy="367878"/>
           </a:xfrm>
           <a:prstGeom prst="rect">
             <a:avLst/>
@@ -9361,26 +9652,77 @@
           </a:bodyPr>
           <a:lstStyle/>
           <a:p>
-            <a:pPr algn="just">
-              <a:lnSpc>
-                <a:spcPct val="100000"/>
-              </a:lnSpc>
-            </a:pPr>
-            <a:r>
-              <a:rPr lang="en-US" sz="1800" b="0" strike="noStrike" spc="-1" dirty="0">
-                <a:solidFill>
-                  <a:srgbClr val="BB0643"/>
-                </a:solidFill>
-                <a:latin typeface="Segoe UI"/>
-                <a:ea typeface="DejaVu Sans"/>
-              </a:rPr>
-              <a:t>TODO</a:t>
-            </a:r>
-            <a:endParaRPr lang="en-IN" spc="-1" dirty="0">
-              <a:solidFill>
-                <a:srgbClr val="BB0643"/>
-              </a:solidFill>
-              <a:latin typeface="Segoe UI"/>
+            <a:r>
+              <a:rPr lang="en-US" spc="-1" dirty="0">
+                <a:solidFill>
+                  <a:srgbClr val="2B8208"/>
+                </a:solidFill>
+                <a:latin typeface="Source Code Pro" panose="020B0509030403020204" pitchFamily="49" charset="0"/>
+                <a:ea typeface="Source Code Pro" panose="020B0509030403020204" pitchFamily="49" charset="0"/>
+              </a:rPr>
+              <a:t>DESCRIBE KEYSPACES </a:t>
+            </a:r>
+            <a:r>
+              <a:rPr lang="en-US" spc="-1" dirty="0">
+                <a:latin typeface="Source Code Pro" panose="020B0509030403020204" pitchFamily="49" charset="0"/>
+                <a:ea typeface="Source Code Pro" panose="020B0509030403020204" pitchFamily="49" charset="0"/>
+              </a:rPr>
+              <a:t>|</a:t>
+            </a:r>
+            <a:r>
+              <a:rPr lang="en-US" spc="-1" dirty="0">
+                <a:solidFill>
+                  <a:srgbClr val="2B8208"/>
+                </a:solidFill>
+                <a:latin typeface="Source Code Pro" panose="020B0509030403020204" pitchFamily="49" charset="0"/>
+                <a:ea typeface="Source Code Pro" panose="020B0509030403020204" pitchFamily="49" charset="0"/>
+              </a:rPr>
+              <a:t> KEYSPACE </a:t>
+            </a:r>
+            <a:r>
+              <a:rPr lang="en-US" spc="-1" dirty="0">
+                <a:latin typeface="Source Code Pro" panose="020B0509030403020204" pitchFamily="49" charset="0"/>
+                <a:ea typeface="Source Code Pro" panose="020B0509030403020204" pitchFamily="49" charset="0"/>
+              </a:rPr>
+              <a:t>&lt;</a:t>
+            </a:r>
+            <a:r>
+              <a:rPr lang="en-US" spc="-1" dirty="0">
+                <a:solidFill>
+                  <a:srgbClr val="2B8208"/>
+                </a:solidFill>
+                <a:latin typeface="Source Code Pro" panose="020B0509030403020204" pitchFamily="49" charset="0"/>
+                <a:ea typeface="Source Code Pro" panose="020B0509030403020204" pitchFamily="49" charset="0"/>
+              </a:rPr>
+              <a:t> </a:t>
+            </a:r>
+            <a:r>
+              <a:rPr lang="en-US" i="1" spc="-1" dirty="0">
+                <a:latin typeface="Source Code Pro" panose="020B0509030403020204" pitchFamily="49" charset="0"/>
+                <a:ea typeface="Source Code Pro" panose="020B0509030403020204" pitchFamily="49" charset="0"/>
+              </a:rPr>
+              <a:t>keyspace_name</a:t>
+            </a:r>
+            <a:r>
+              <a:rPr lang="en-US" spc="-1" dirty="0">
+                <a:solidFill>
+                  <a:srgbClr val="2B8208"/>
+                </a:solidFill>
+                <a:latin typeface="Source Code Pro" panose="020B0509030403020204" pitchFamily="49" charset="0"/>
+                <a:ea typeface="Source Code Pro" panose="020B0509030403020204" pitchFamily="49" charset="0"/>
+              </a:rPr>
+              <a:t> </a:t>
+            </a:r>
+            <a:r>
+              <a:rPr lang="en-US" spc="-1" dirty="0">
+                <a:latin typeface="Source Code Pro" panose="020B0509030403020204" pitchFamily="49" charset="0"/>
+                <a:ea typeface="Source Code Pro" panose="020B0509030403020204" pitchFamily="49" charset="0"/>
+              </a:rPr>
+              <a:t>&gt;</a:t>
+            </a:r>
+            <a:endParaRPr lang="en-IN" sz="400" spc="-1" dirty="0">
+              <a:latin typeface="Source Code Pro" panose="020B0509030403020204" pitchFamily="49" charset="0"/>
+              <a:ea typeface="Source Code Pro" panose="020B0509030403020204" pitchFamily="49" charset="0"/>
             </a:endParaRPr>
           </a:p>
         </p:txBody>
@@ -9388,7 +9730,7 @@
     </p:spTree>
     <p:extLst>
       <p:ext uri="{BB962C8B-B14F-4D97-AF65-F5344CB8AC3E}">
-        <p14:creationId xmlns:p14="http://schemas.microsoft.com/office/powerpoint/2010/main" val="3621743096"/>
+        <p14:creationId xmlns:p14="http://schemas.microsoft.com/office/powerpoint/2010/main" val="2360017183"/>
       </p:ext>
     </p:extLst>
   </p:cSld>
@@ -9514,17 +9856,7 @@
                 <a:latin typeface="Open Sans"/>
                 <a:ea typeface="DejaVu Sans"/>
               </a:rPr>
-              <a:t>drop</a:t>
-            </a:r>
-            <a:r>
-              <a:rPr lang="en-IN" sz="4000" b="0" strike="noStrike" spc="-1" dirty="0">
-                <a:solidFill>
-                  <a:srgbClr val="F7C120"/>
-                </a:solidFill>
-                <a:latin typeface="Open Sans"/>
-                <a:ea typeface="DejaVu Sans"/>
-              </a:rPr>
-              <a:t> table</a:t>
+              <a:t>delete data</a:t>
             </a:r>
             <a:endParaRPr lang="en-IN" sz="4000" b="0" strike="noStrike" spc="-1" dirty="0">
               <a:latin typeface="Arial"/>
@@ -9569,14 +9901,20 @@
       </p:sp>
       <p:sp>
         <p:nvSpPr>
-          <p:cNvPr id="116" name="CustomShape 6"/>
+          <p:cNvPr id="10" name="CustomShape 6">
+            <a:extLst>
+              <a:ext uri="{FF2B5EF4-FFF2-40B4-BE49-F238E27FC236}">
+                <a16:creationId xmlns:a16="http://schemas.microsoft.com/office/drawing/2014/main" id="{3F3ADA2F-5904-426C-A7AA-EF7218A0D350}"/>
+              </a:ext>
+            </a:extLst>
+          </p:cNvPr>
           <p:cNvSpPr/>
           <p:nvPr/>
         </p:nvSpPr>
         <p:spPr>
           <a:xfrm>
             <a:off x="246600" y="2030040"/>
-            <a:ext cx="11687400" cy="644877"/>
+            <a:ext cx="11687400" cy="367878"/>
           </a:xfrm>
           <a:prstGeom prst="rect">
             <a:avLst/>
@@ -9605,14 +9943,6 @@
           <a:lstStyle/>
           <a:p>
             <a:r>
-              <a:rPr lang="en-US" b="0" i="0" dirty="0">
-                <a:effectLst/>
-                <a:latin typeface="Source Code Pro" panose="020B0509030403020204" pitchFamily="49" charset="0"/>
-                <a:ea typeface="Source Code Pro" panose="020B0509030403020204" pitchFamily="49" charset="0"/>
-              </a:rPr>
-              <a:t>drop_table_statement::= </a:t>
-            </a:r>
-            <a:r>
               <a:rPr lang="en-US" spc="-1" dirty="0">
                 <a:solidFill>
                   <a:srgbClr val="2B8208"/>
@@ -9620,22 +9950,48 @@
                 <a:latin typeface="Source Code Pro" panose="020B0509030403020204" pitchFamily="49" charset="0"/>
                 <a:ea typeface="Source Code Pro" panose="020B0509030403020204" pitchFamily="49" charset="0"/>
               </a:rPr>
-              <a:t>DROP</a:t>
-            </a:r>
-            <a:r>
-              <a:rPr lang="en-US" b="0" i="0" dirty="0">
-                <a:effectLst/>
+              <a:t>DESCRIBE KEYSPACES </a:t>
+            </a:r>
+            <a:r>
+              <a:rPr lang="en-US" spc="-1" dirty="0">
+                <a:latin typeface="Source Code Pro" panose="020B0509030403020204" pitchFamily="49" charset="0"/>
+                <a:ea typeface="Source Code Pro" panose="020B0509030403020204" pitchFamily="49" charset="0"/>
+              </a:rPr>
+              <a:t>|</a:t>
+            </a:r>
+            <a:r>
+              <a:rPr lang="en-US" spc="-1" dirty="0">
+                <a:solidFill>
+                  <a:srgbClr val="2B8208"/>
+                </a:solidFill>
+                <a:latin typeface="Source Code Pro" panose="020B0509030403020204" pitchFamily="49" charset="0"/>
+                <a:ea typeface="Source Code Pro" panose="020B0509030403020204" pitchFamily="49" charset="0"/>
+              </a:rPr>
+              <a:t> KEYSPACE </a:t>
+            </a:r>
+            <a:r>
+              <a:rPr lang="en-US" spc="-1" dirty="0">
+                <a:latin typeface="Source Code Pro" panose="020B0509030403020204" pitchFamily="49" charset="0"/>
+                <a:ea typeface="Source Code Pro" panose="020B0509030403020204" pitchFamily="49" charset="0"/>
+              </a:rPr>
+              <a:t>&lt;</a:t>
+            </a:r>
+            <a:r>
+              <a:rPr lang="en-US" spc="-1" dirty="0">
+                <a:solidFill>
+                  <a:srgbClr val="2B8208"/>
+                </a:solidFill>
                 <a:latin typeface="Source Code Pro" panose="020B0509030403020204" pitchFamily="49" charset="0"/>
                 <a:ea typeface="Source Code Pro" panose="020B0509030403020204" pitchFamily="49" charset="0"/>
               </a:rPr>
               <a:t> </a:t>
             </a:r>
             <a:r>
-              <a:rPr lang="en-US" spc="-1" dirty="0">
-                <a:latin typeface="Source Code Pro" panose="020B0509030403020204" pitchFamily="49" charset="0"/>
-                <a:ea typeface="Source Code Pro" panose="020B0509030403020204" pitchFamily="49" charset="0"/>
-              </a:rPr>
-              <a:t>{</a:t>
+              <a:rPr lang="en-US" i="1" spc="-1" dirty="0">
+                <a:latin typeface="Source Code Pro" panose="020B0509030403020204" pitchFamily="49" charset="0"/>
+                <a:ea typeface="Source Code Pro" panose="020B0509030403020204" pitchFamily="49" charset="0"/>
+              </a:rPr>
+              <a:t>keyspace_name</a:t>
             </a:r>
             <a:r>
               <a:rPr lang="en-US" spc="-1" dirty="0">
@@ -9645,246 +10001,26 @@
                 <a:latin typeface="Source Code Pro" panose="020B0509030403020204" pitchFamily="49" charset="0"/>
                 <a:ea typeface="Source Code Pro" panose="020B0509030403020204" pitchFamily="49" charset="0"/>
               </a:rPr>
-              <a:t> TABLE </a:t>
-            </a:r>
-            <a:r>
-              <a:rPr lang="en-US" spc="-1" dirty="0">
-                <a:latin typeface="Source Code Pro" panose="020B0509030403020204" pitchFamily="49" charset="0"/>
-                <a:ea typeface="Source Code Pro" panose="020B0509030403020204" pitchFamily="49" charset="0"/>
-              </a:rPr>
-              <a:t>|</a:t>
-            </a:r>
-            <a:r>
-              <a:rPr lang="en-US" spc="-1" dirty="0">
-                <a:solidFill>
-                  <a:srgbClr val="2B8208"/>
-                </a:solidFill>
-                <a:latin typeface="Source Code Pro" panose="020B0509030403020204" pitchFamily="49" charset="0"/>
-                <a:ea typeface="Source Code Pro" panose="020B0509030403020204" pitchFamily="49" charset="0"/>
-              </a:rPr>
-              <a:t> COLUMNFAMILY </a:t>
-            </a:r>
-            <a:r>
-              <a:rPr lang="en-US" spc="-1" dirty="0">
-                <a:latin typeface="Source Code Pro" panose="020B0509030403020204" pitchFamily="49" charset="0"/>
-                <a:ea typeface="Source Code Pro" panose="020B0509030403020204" pitchFamily="49" charset="0"/>
-              </a:rPr>
-              <a:t>}</a:t>
-            </a:r>
-            <a:r>
-              <a:rPr lang="en-US" b="0" i="0" dirty="0">
-                <a:effectLst/>
-                <a:latin typeface="Source Code Pro" panose="020B0509030403020204" pitchFamily="49" charset="0"/>
-                <a:ea typeface="Source Code Pro" panose="020B0509030403020204" pitchFamily="49" charset="0"/>
-              </a:rPr>
-              <a:t> [ </a:t>
-            </a:r>
-            <a:r>
-              <a:rPr lang="en-US" spc="-1" dirty="0">
-                <a:solidFill>
-                  <a:srgbClr val="2B8208"/>
-                </a:solidFill>
-                <a:latin typeface="Source Code Pro" panose="020B0509030403020204" pitchFamily="49" charset="0"/>
-                <a:ea typeface="Source Code Pro" panose="020B0509030403020204" pitchFamily="49" charset="0"/>
-              </a:rPr>
-              <a:t>IF</a:t>
-            </a:r>
-            <a:r>
-              <a:rPr lang="en-US" b="0" i="0" dirty="0">
-                <a:effectLst/>
-                <a:latin typeface="Source Code Pro" panose="020B0509030403020204" pitchFamily="49" charset="0"/>
-                <a:ea typeface="Source Code Pro" panose="020B0509030403020204" pitchFamily="49" charset="0"/>
-              </a:rPr>
               <a:t> </a:t>
             </a:r>
             <a:r>
               <a:rPr lang="en-US" spc="-1" dirty="0">
-                <a:solidFill>
-                  <a:srgbClr val="2B8208"/>
-                </a:solidFill>
-                <a:latin typeface="Source Code Pro" panose="020B0509030403020204" pitchFamily="49" charset="0"/>
-                <a:ea typeface="Source Code Pro" panose="020B0509030403020204" pitchFamily="49" charset="0"/>
-              </a:rPr>
-              <a:t>EXISTS</a:t>
-            </a:r>
-            <a:r>
-              <a:rPr lang="en-US" b="0" i="0" dirty="0">
-                <a:effectLst/>
-                <a:latin typeface="Source Code Pro" panose="020B0509030403020204" pitchFamily="49" charset="0"/>
-                <a:ea typeface="Source Code Pro" panose="020B0509030403020204" pitchFamily="49" charset="0"/>
-              </a:rPr>
-              <a:t> ] </a:t>
-            </a:r>
-            <a:r>
-              <a:rPr lang="en-US" spc="-1" dirty="0">
-                <a:latin typeface="Source Code Pro" panose="020B0509030403020204" pitchFamily="49" charset="0"/>
-                <a:ea typeface="Source Code Pro" panose="020B0509030403020204" pitchFamily="49" charset="0"/>
-              </a:rPr>
-              <a:t>[</a:t>
-            </a:r>
-            <a:r>
-              <a:rPr lang="en-US" i="1" spc="-1" dirty="0">
-                <a:latin typeface="Source Code Pro" panose="020B0509030403020204" pitchFamily="49" charset="0"/>
-                <a:ea typeface="Source Code Pro" panose="020B0509030403020204" pitchFamily="49" charset="0"/>
-              </a:rPr>
-              <a:t>keyspace_name</a:t>
-            </a:r>
-            <a:r>
-              <a:rPr lang="en-US" spc="-1" dirty="0">
-                <a:latin typeface="Source Code Pro" panose="020B0509030403020204" pitchFamily="49" charset="0"/>
-                <a:ea typeface="Source Code Pro" panose="020B0509030403020204" pitchFamily="49" charset="0"/>
-              </a:rPr>
-              <a:t>.]</a:t>
-            </a:r>
-            <a:r>
-              <a:rPr lang="en-US" i="1" spc="-1" dirty="0">
-                <a:latin typeface="Source Code Pro" panose="020B0509030403020204" pitchFamily="49" charset="0"/>
-                <a:ea typeface="Source Code Pro" panose="020B0509030403020204" pitchFamily="49" charset="0"/>
-              </a:rPr>
-              <a:t>table_name</a:t>
-            </a:r>
-            <a:endParaRPr lang="en-IN" i="1" spc="-1" dirty="0">
+                <a:latin typeface="Source Code Pro" panose="020B0509030403020204" pitchFamily="49" charset="0"/>
+                <a:ea typeface="Source Code Pro" panose="020B0509030403020204" pitchFamily="49" charset="0"/>
+              </a:rPr>
+              <a:t>&gt;</a:t>
+            </a:r>
+            <a:endParaRPr lang="en-IN" sz="400" spc="-1" dirty="0">
               <a:latin typeface="Source Code Pro" panose="020B0509030403020204" pitchFamily="49" charset="0"/>
               <a:ea typeface="Source Code Pro" panose="020B0509030403020204" pitchFamily="49" charset="0"/>
             </a:endParaRPr>
           </a:p>
         </p:txBody>
       </p:sp>
-      <p:sp>
-        <p:nvSpPr>
-          <p:cNvPr id="7" name="CustomShape 2">
-            <a:extLst>
-              <a:ext uri="{FF2B5EF4-FFF2-40B4-BE49-F238E27FC236}">
-                <a16:creationId xmlns:a16="http://schemas.microsoft.com/office/drawing/2014/main" id="{ACCD4961-017A-4E61-85C4-2430DD7DDAA2}"/>
-              </a:ext>
-            </a:extLst>
-          </p:cNvPr>
-          <p:cNvSpPr/>
-          <p:nvPr/>
-        </p:nvSpPr>
-        <p:spPr>
-          <a:xfrm>
-            <a:off x="246600" y="3205138"/>
-            <a:ext cx="11687400" cy="767987"/>
-          </a:xfrm>
-          <a:prstGeom prst="rect">
-            <a:avLst/>
-          </a:prstGeom>
-          <a:noFill/>
-          <a:ln>
-            <a:noFill/>
-          </a:ln>
-        </p:spPr>
-        <p:style>
-          <a:lnRef idx="0">
-            <a:scrgbClr r="0" g="0" b="0"/>
-          </a:lnRef>
-          <a:fillRef idx="0">
-            <a:scrgbClr r="0" g="0" b="0"/>
-          </a:fillRef>
-          <a:effectRef idx="0">
-            <a:scrgbClr r="0" g="0" b="0"/>
-          </a:effectRef>
-          <a:fontRef idx="minor"/>
-        </p:style>
-        <p:txBody>
-          <a:bodyPr wrap="square" lIns="90000" tIns="45000" rIns="90000" bIns="45000">
-            <a:spAutoFit/>
-          </a:bodyPr>
-          <a:lstStyle/>
-          <a:p>
-            <a:pPr marL="309510" indent="-285750">
-              <a:buClr>
-                <a:srgbClr val="808080"/>
-              </a:buClr>
-              <a:buFont typeface="Arial" panose="020B0604020202020204" pitchFamily="34" charset="0"/>
-              <a:buChar char="•"/>
-            </a:pPr>
-            <a:r>
-              <a:rPr lang="en-IN" sz="1800" b="0" strike="noStrike" spc="-1" dirty="0">
-                <a:solidFill>
-                  <a:schemeClr val="bg1">
-                    <a:lumMod val="50000"/>
-                  </a:schemeClr>
-                </a:solidFill>
-                <a:latin typeface="Consolas"/>
-                <a:ea typeface="SimSun"/>
-              </a:rPr>
-              <a:t>cqlsh:db1&gt;</a:t>
-            </a:r>
-            <a:r>
-              <a:rPr lang="en-IN" sz="1800" b="0" strike="noStrike" spc="-1" dirty="0">
-                <a:latin typeface="Consolas"/>
-                <a:ea typeface="SimSun"/>
-              </a:rPr>
-              <a:t> drop table db1.emp;</a:t>
-            </a:r>
-          </a:p>
-          <a:p>
-            <a:pPr marL="309510" indent="-285750">
-              <a:buClr>
-                <a:srgbClr val="808080"/>
-              </a:buClr>
-              <a:buFont typeface="Arial" panose="020B0604020202020204" pitchFamily="34" charset="0"/>
-              <a:buChar char="•"/>
-            </a:pPr>
-            <a:endParaRPr lang="en-IN" sz="800" spc="-1" dirty="0">
-              <a:latin typeface="Consolas"/>
-              <a:ea typeface="SimSun"/>
-            </a:endParaRPr>
-          </a:p>
-          <a:p>
-            <a:pPr marL="309510" indent="-285750">
-              <a:buClr>
-                <a:srgbClr val="808080"/>
-              </a:buClr>
-              <a:buFont typeface="Arial" panose="020B0604020202020204" pitchFamily="34" charset="0"/>
-              <a:buChar char="•"/>
-            </a:pPr>
-            <a:r>
-              <a:rPr lang="en-IN" sz="1800" b="0" strike="noStrike" spc="-1" dirty="0">
-                <a:solidFill>
-                  <a:schemeClr val="bg1">
-                    <a:lumMod val="50000"/>
-                  </a:schemeClr>
-                </a:solidFill>
-                <a:latin typeface="Consolas"/>
-                <a:ea typeface="SimSun"/>
-              </a:rPr>
-              <a:t>cqlsh:db1&gt; </a:t>
-            </a:r>
-            <a:r>
-              <a:rPr lang="en-IN" sz="1800" b="0" strike="noStrike" spc="-1" dirty="0">
-                <a:latin typeface="Consolas"/>
-                <a:ea typeface="SimSun"/>
-              </a:rPr>
-              <a:t>drop </a:t>
-            </a:r>
-            <a:r>
-              <a:rPr lang="en-US" spc="-1" dirty="0">
-                <a:latin typeface="Source Code Pro" panose="020B0509030403020204" pitchFamily="49" charset="0"/>
-                <a:ea typeface="Source Code Pro" panose="020B0509030403020204" pitchFamily="49" charset="0"/>
-              </a:rPr>
-              <a:t>columnfamily</a:t>
-            </a:r>
-            <a:r>
-              <a:rPr lang="en-IN" sz="1800" b="0" strike="noStrike" spc="-1" dirty="0">
-                <a:latin typeface="Consolas"/>
-                <a:ea typeface="SimSun"/>
-              </a:rPr>
-              <a:t> db1.emp;</a:t>
-            </a:r>
-            <a:endParaRPr lang="en-IN" spc="-1" dirty="0">
-              <a:latin typeface="Consolas"/>
-              <a:ea typeface="SimSun"/>
-            </a:endParaRPr>
-          </a:p>
-        </p:txBody>
-      </p:sp>
     </p:spTree>
     <p:extLst>
       <p:ext uri="{BB962C8B-B14F-4D97-AF65-F5344CB8AC3E}">
-        <p14:creationId xmlns:p14="http://schemas.microsoft.com/office/powerpoint/2010/main" val="3364275549"/>
+        <p14:creationId xmlns:p14="http://schemas.microsoft.com/office/powerpoint/2010/main" val="1932277347"/>
       </p:ext>
     </p:extLst>
   </p:cSld>
@@ -9961,7 +10097,7 @@
                 <a:latin typeface="Century"/>
                 <a:ea typeface="DejaVu Sans"/>
               </a:rPr>
-              <a:t>truncate</a:t>
+              <a:t>drop</a:t>
             </a:r>
             <a:r>
               <a:rPr lang="en-IN" sz="5400" b="0" i="1" strike="noStrike" spc="-1" dirty="0">
@@ -10043,7 +10179,7 @@
     </p:spTree>
     <p:extLst>
       <p:ext uri="{BB962C8B-B14F-4D97-AF65-F5344CB8AC3E}">
-        <p14:creationId xmlns:p14="http://schemas.microsoft.com/office/powerpoint/2010/main" val="3553681802"/>
+        <p14:creationId xmlns:p14="http://schemas.microsoft.com/office/powerpoint/2010/main" val="3621743096"/>
       </p:ext>
     </p:extLst>
   </p:cSld>
@@ -10112,7 +10248,7 @@
               <a:rPr lang="en-US" spc="-1" dirty="0">
                 <a:latin typeface="Arial"/>
               </a:rPr>
-              <a:t>Truncating a table permanently removes all existing data from the table, but without removing the table itself.</a:t>
+              <a:t>TODO</a:t>
             </a:r>
           </a:p>
         </p:txBody>
@@ -10169,7 +10305,7 @@
                 <a:latin typeface="Open Sans"/>
                 <a:ea typeface="DejaVu Sans"/>
               </a:rPr>
-              <a:t>truncate</a:t>
+              <a:t>drop</a:t>
             </a:r>
             <a:r>
               <a:rPr lang="en-IN" sz="4000" b="0" strike="noStrike" spc="-1" dirty="0">
@@ -10231,7 +10367,7 @@
         <p:spPr>
           <a:xfrm>
             <a:off x="246600" y="2030040"/>
-            <a:ext cx="11687400" cy="367878"/>
+            <a:ext cx="11687400" cy="644877"/>
           </a:xfrm>
           <a:prstGeom prst="rect">
             <a:avLst/>
@@ -10262,9 +10398,10 @@
             <a:r>
               <a:rPr lang="en-US" b="0" i="0" dirty="0">
                 <a:effectLst/>
-                <a:latin typeface="Roboto Mono"/>
-              </a:rPr>
-              <a:t>truncate_statement::= </a:t>
+                <a:latin typeface="Source Code Pro" panose="020B0509030403020204" pitchFamily="49" charset="0"/>
+                <a:ea typeface="Source Code Pro" panose="020B0509030403020204" pitchFamily="49" charset="0"/>
+              </a:rPr>
+              <a:t>drop_table_statement::= </a:t>
             </a:r>
             <a:r>
               <a:rPr lang="en-US" spc="-1" dirty="0">
@@ -10274,12 +10411,13 @@
                 <a:latin typeface="Source Code Pro" panose="020B0509030403020204" pitchFamily="49" charset="0"/>
                 <a:ea typeface="Source Code Pro" panose="020B0509030403020204" pitchFamily="49" charset="0"/>
               </a:rPr>
-              <a:t>TRUNCATE</a:t>
+              <a:t>DROP</a:t>
             </a:r>
             <a:r>
               <a:rPr lang="en-US" b="0" i="0" dirty="0">
                 <a:effectLst/>
-                <a:latin typeface="Roboto Mono"/>
+                <a:latin typeface="Source Code Pro" panose="020B0509030403020204" pitchFamily="49" charset="0"/>
+                <a:ea typeface="Source Code Pro" panose="020B0509030403020204" pitchFamily="49" charset="0"/>
               </a:rPr>
               <a:t> </a:t>
             </a:r>
@@ -10327,9 +10465,46 @@
             <a:r>
               <a:rPr lang="en-US" b="0" i="0" dirty="0">
                 <a:effectLst/>
-                <a:latin typeface="Roboto Mono"/>
+                <a:latin typeface="Source Code Pro" panose="020B0509030403020204" pitchFamily="49" charset="0"/>
+                <a:ea typeface="Source Code Pro" panose="020B0509030403020204" pitchFamily="49" charset="0"/>
+              </a:rPr>
+              <a:t> [ </a:t>
+            </a:r>
+            <a:r>
+              <a:rPr lang="en-US" spc="-1" dirty="0">
+                <a:solidFill>
+                  <a:srgbClr val="2B8208"/>
+                </a:solidFill>
+                <a:latin typeface="Source Code Pro" panose="020B0509030403020204" pitchFamily="49" charset="0"/>
+                <a:ea typeface="Source Code Pro" panose="020B0509030403020204" pitchFamily="49" charset="0"/>
+              </a:rPr>
+              <a:t>IF</a:t>
+            </a:r>
+            <a:r>
+              <a:rPr lang="en-US" b="0" i="0" dirty="0">
+                <a:effectLst/>
+                <a:latin typeface="Source Code Pro" panose="020B0509030403020204" pitchFamily="49" charset="0"/>
+                <a:ea typeface="Source Code Pro" panose="020B0509030403020204" pitchFamily="49" charset="0"/>
               </a:rPr>
               <a:t> </a:t>
+            </a:r>
+            <a:r>
+              <a:rPr lang="en-US" spc="-1" dirty="0">
+                <a:solidFill>
+                  <a:srgbClr val="2B8208"/>
+                </a:solidFill>
+                <a:latin typeface="Source Code Pro" panose="020B0509030403020204" pitchFamily="49" charset="0"/>
+                <a:ea typeface="Source Code Pro" panose="020B0509030403020204" pitchFamily="49" charset="0"/>
+              </a:rPr>
+              <a:t>EXISTS</a:t>
+            </a:r>
+            <a:r>
+              <a:rPr lang="en-US" b="0" i="0" dirty="0">
+                <a:effectLst/>
+                <a:latin typeface="Source Code Pro" panose="020B0509030403020204" pitchFamily="49" charset="0"/>
+                <a:ea typeface="Source Code Pro" panose="020B0509030403020204" pitchFamily="49" charset="0"/>
+              </a:rPr>
+              <a:t> ] </a:t>
             </a:r>
             <a:r>
               <a:rPr lang="en-US" spc="-1" dirty="0">
@@ -10426,14 +10601,14 @@
                 <a:latin typeface="Consolas"/>
                 <a:ea typeface="SimSun"/>
               </a:rPr>
-              <a:t>cqlsh:db1&gt; </a:t>
+              <a:t>cqlsh:db1&gt;</a:t>
             </a:r>
             <a:r>
               <a:rPr lang="en-IN" sz="1800" b="0" strike="noStrike" spc="-1" dirty="0">
                 <a:latin typeface="Consolas"/>
                 <a:ea typeface="SimSun"/>
               </a:rPr>
-              <a:t>truncate table db1.emp;</a:t>
+              <a:t> drop table db1.emp;</a:t>
             </a:r>
           </a:p>
           <a:p>
@@ -10467,14 +10642,14 @@
                 <a:latin typeface="Consolas"/>
                 <a:ea typeface="SimSun"/>
               </a:rPr>
-              <a:t>cqlsh:db1&gt;</a:t>
+              <a:t>cqlsh:db1&gt; </a:t>
             </a:r>
             <a:r>
               <a:rPr lang="en-IN" sz="1800" b="0" strike="noStrike" spc="-1" dirty="0">
                 <a:latin typeface="Consolas"/>
                 <a:ea typeface="SimSun"/>
               </a:rPr>
-              <a:t> truncate </a:t>
+              <a:t>drop </a:t>
             </a:r>
             <a:r>
               <a:rPr lang="en-US" spc="-1" dirty="0">
@@ -10490,20 +10665,17 @@
               </a:rPr>
               <a:t> db1.emp;</a:t>
             </a:r>
-            <a:r>
-              <a:rPr lang="en-IN" spc="-1" dirty="0">
-                <a:latin typeface="Consolas"/>
-                <a:ea typeface="SimSun"/>
-              </a:rPr>
-              <a:t> </a:t>
-            </a:r>
+            <a:endParaRPr lang="en-IN" spc="-1" dirty="0">
+              <a:latin typeface="Consolas"/>
+              <a:ea typeface="SimSun"/>
+            </a:endParaRPr>
           </a:p>
         </p:txBody>
       </p:sp>
     </p:spTree>
     <p:extLst>
       <p:ext uri="{BB962C8B-B14F-4D97-AF65-F5344CB8AC3E}">
-        <p14:creationId xmlns:p14="http://schemas.microsoft.com/office/powerpoint/2010/main" val="2722645413"/>
+        <p14:creationId xmlns:p14="http://schemas.microsoft.com/office/powerpoint/2010/main" val="3364275549"/>
       </p:ext>
     </p:extLst>
   </p:cSld>
@@ -10573,6 +10745,625 @@
               </a:lnSpc>
             </a:pPr>
             <a:r>
+              <a:rPr lang="en-IN" sz="5400" i="1" spc="-1" dirty="0">
+                <a:solidFill>
+                  <a:srgbClr val="F7C120"/>
+                </a:solidFill>
+                <a:latin typeface="Century"/>
+                <a:ea typeface="DejaVu Sans"/>
+              </a:rPr>
+              <a:t>truncate</a:t>
+            </a:r>
+            <a:r>
+              <a:rPr lang="en-IN" sz="5400" b="0" i="1" strike="noStrike" spc="-1" dirty="0">
+                <a:solidFill>
+                  <a:srgbClr val="F7C120"/>
+                </a:solidFill>
+                <a:latin typeface="Century"/>
+                <a:ea typeface="DejaVu Sans"/>
+              </a:rPr>
+              <a:t> table</a:t>
+            </a:r>
+            <a:endParaRPr lang="en-IN" sz="5400" b="0" strike="noStrike" spc="-1" dirty="0">
+              <a:latin typeface="Arial"/>
+            </a:endParaRPr>
+          </a:p>
+        </p:txBody>
+      </p:sp>
+      <p:sp>
+        <p:nvSpPr>
+          <p:cNvPr id="110" name="CustomShape 2"/>
+          <p:cNvSpPr/>
+          <p:nvPr/>
+        </p:nvSpPr>
+        <p:spPr>
+          <a:xfrm>
+            <a:off x="522360" y="3531600"/>
+            <a:ext cx="11052360" cy="367878"/>
+          </a:xfrm>
+          <a:prstGeom prst="rect">
+            <a:avLst/>
+          </a:prstGeom>
+          <a:noFill/>
+          <a:ln>
+            <a:noFill/>
+          </a:ln>
+        </p:spPr>
+        <p:style>
+          <a:lnRef idx="0">
+            <a:scrgbClr r="0" g="0" b="0"/>
+          </a:lnRef>
+          <a:fillRef idx="0">
+            <a:scrgbClr r="0" g="0" b="0"/>
+          </a:fillRef>
+          <a:effectRef idx="0">
+            <a:scrgbClr r="0" g="0" b="0"/>
+          </a:effectRef>
+          <a:fontRef idx="minor"/>
+        </p:style>
+        <p:txBody>
+          <a:bodyPr lIns="90000" tIns="45000" rIns="90000" bIns="45000">
+            <a:spAutoFit/>
+          </a:bodyPr>
+          <a:lstStyle/>
+          <a:p>
+            <a:pPr algn="just">
+              <a:lnSpc>
+                <a:spcPct val="100000"/>
+              </a:lnSpc>
+            </a:pPr>
+            <a:r>
+              <a:rPr lang="en-US" sz="1800" b="0" strike="noStrike" spc="-1" dirty="0">
+                <a:solidFill>
+                  <a:srgbClr val="BB0643"/>
+                </a:solidFill>
+                <a:latin typeface="Segoe UI"/>
+                <a:ea typeface="DejaVu Sans"/>
+              </a:rPr>
+              <a:t>TODO</a:t>
+            </a:r>
+            <a:endParaRPr lang="en-IN" spc="-1" dirty="0">
+              <a:solidFill>
+                <a:srgbClr val="BB0643"/>
+              </a:solidFill>
+              <a:latin typeface="Segoe UI"/>
+            </a:endParaRPr>
+          </a:p>
+        </p:txBody>
+      </p:sp>
+    </p:spTree>
+    <p:extLst>
+      <p:ext uri="{BB962C8B-B14F-4D97-AF65-F5344CB8AC3E}">
+        <p14:creationId xmlns:p14="http://schemas.microsoft.com/office/powerpoint/2010/main" val="3553681802"/>
+      </p:ext>
+    </p:extLst>
+  </p:cSld>
+  <p:clrMapOvr>
+    <a:masterClrMapping/>
+  </p:clrMapOvr>
+</p:sld>
+</file>
+
+<file path=ppt/slides/slide25.xml><?xml version="1.0" encoding="utf-8"?>
+<p:sld xmlns:a="http://schemas.openxmlformats.org/drawingml/2006/main" xmlns:r="http://schemas.openxmlformats.org/officeDocument/2006/relationships" xmlns:p="http://schemas.openxmlformats.org/presentationml/2006/main">
+  <p:cSld>
+    <p:spTree>
+      <p:nvGrpSpPr>
+        <p:cNvPr id="1" name=""/>
+        <p:cNvGrpSpPr/>
+        <p:nvPr/>
+      </p:nvGrpSpPr>
+      <p:grpSpPr>
+        <a:xfrm>
+          <a:off x="0" y="0"/>
+          <a:ext cx="0" cy="0"/>
+          <a:chOff x="0" y="0"/>
+          <a:chExt cx="0" cy="0"/>
+        </a:xfrm>
+      </p:grpSpPr>
+      <p:sp>
+        <p:nvSpPr>
+          <p:cNvPr id="111" name="CustomShape 1"/>
+          <p:cNvSpPr/>
+          <p:nvPr/>
+        </p:nvSpPr>
+        <p:spPr>
+          <a:xfrm>
+            <a:off x="246600" y="762120"/>
+            <a:ext cx="11687400" cy="367878"/>
+          </a:xfrm>
+          <a:prstGeom prst="rect">
+            <a:avLst/>
+          </a:prstGeom>
+          <a:noFill/>
+          <a:ln>
+            <a:noFill/>
+          </a:ln>
+        </p:spPr>
+        <p:style>
+          <a:lnRef idx="0">
+            <a:scrgbClr r="0" g="0" b="0"/>
+          </a:lnRef>
+          <a:fillRef idx="0">
+            <a:scrgbClr r="0" g="0" b="0"/>
+          </a:fillRef>
+          <a:effectRef idx="0">
+            <a:scrgbClr r="0" g="0" b="0"/>
+          </a:effectRef>
+          <a:fontRef idx="minor"/>
+        </p:style>
+        <p:txBody>
+          <a:bodyPr lIns="90000" tIns="45000" rIns="90000" bIns="45000">
+            <a:spAutoFit/>
+          </a:bodyPr>
+          <a:lstStyle/>
+          <a:p>
+            <a:pPr algn="just"/>
+            <a:r>
+              <a:rPr lang="en-US" spc="-1" dirty="0">
+                <a:latin typeface="Arial"/>
+              </a:rPr>
+              <a:t>Truncating a table permanently removes all existing data from the table, but without removing the table itself.</a:t>
+            </a:r>
+          </a:p>
+        </p:txBody>
+      </p:sp>
+      <p:sp>
+        <p:nvSpPr>
+          <p:cNvPr id="114" name="CustomShape 4"/>
+          <p:cNvSpPr/>
+          <p:nvPr/>
+        </p:nvSpPr>
+        <p:spPr>
+          <a:xfrm>
+            <a:off x="246600" y="0"/>
+            <a:ext cx="11687400" cy="706432"/>
+          </a:xfrm>
+          <a:prstGeom prst="rect">
+            <a:avLst/>
+          </a:prstGeom>
+          <a:solidFill>
+            <a:srgbClr val="C00000"/>
+          </a:solidFill>
+          <a:ln>
+            <a:noFill/>
+          </a:ln>
+        </p:spPr>
+        <p:style>
+          <a:lnRef idx="0">
+            <a:scrgbClr r="0" g="0" b="0"/>
+          </a:lnRef>
+          <a:fillRef idx="0">
+            <a:scrgbClr r="0" g="0" b="0"/>
+          </a:fillRef>
+          <a:effectRef idx="0">
+            <a:scrgbClr r="0" g="0" b="0"/>
+          </a:effectRef>
+          <a:fontRef idx="minor"/>
+        </p:style>
+        <p:txBody>
+          <a:bodyPr lIns="90000" tIns="45000" rIns="90000" bIns="45000">
+            <a:spAutoFit/>
+          </a:bodyPr>
+          <a:lstStyle/>
+          <a:p>
+            <a:pPr algn="ctr">
+              <a:lnSpc>
+                <a:spcPct val="100000"/>
+              </a:lnSpc>
+            </a:pPr>
+            <a:r>
+              <a:rPr lang="en-IN" sz="4000" spc="-1" dirty="0">
+                <a:solidFill>
+                  <a:srgbClr val="F7C120"/>
+                </a:solidFill>
+                <a:latin typeface="Open Sans"/>
+                <a:ea typeface="DejaVu Sans"/>
+              </a:rPr>
+              <a:t>truncate</a:t>
+            </a:r>
+            <a:r>
+              <a:rPr lang="en-IN" sz="4000" b="0" strike="noStrike" spc="-1" dirty="0">
+                <a:solidFill>
+                  <a:srgbClr val="F7C120"/>
+                </a:solidFill>
+                <a:latin typeface="Open Sans"/>
+                <a:ea typeface="DejaVu Sans"/>
+              </a:rPr>
+              <a:t> table</a:t>
+            </a:r>
+            <a:endParaRPr lang="en-IN" sz="4000" b="0" strike="noStrike" spc="-1" dirty="0">
+              <a:latin typeface="Arial"/>
+            </a:endParaRPr>
+          </a:p>
+        </p:txBody>
+      </p:sp>
+      <p:sp>
+        <p:nvSpPr>
+          <p:cNvPr id="115" name="Line 5"/>
+          <p:cNvSpPr/>
+          <p:nvPr/>
+        </p:nvSpPr>
+        <p:spPr>
+          <a:xfrm>
+            <a:off x="0" y="1536120"/>
+            <a:ext cx="12191760" cy="0"/>
+          </a:xfrm>
+          <a:prstGeom prst="line">
+            <a:avLst/>
+          </a:prstGeom>
+          <a:ln w="12600">
+            <a:solidFill>
+              <a:srgbClr val="6E78A0"/>
+            </a:solidFill>
+            <a:prstDash val="dash"/>
+            <a:round/>
+          </a:ln>
+        </p:spPr>
+        <p:style>
+          <a:lnRef idx="1">
+            <a:schemeClr val="accent1"/>
+          </a:lnRef>
+          <a:fillRef idx="0">
+            <a:schemeClr val="accent1"/>
+          </a:fillRef>
+          <a:effectRef idx="0">
+            <a:schemeClr val="accent1"/>
+          </a:effectRef>
+          <a:fontRef idx="minor"/>
+        </p:style>
+      </p:sp>
+      <p:sp>
+        <p:nvSpPr>
+          <p:cNvPr id="116" name="CustomShape 6"/>
+          <p:cNvSpPr/>
+          <p:nvPr/>
+        </p:nvSpPr>
+        <p:spPr>
+          <a:xfrm>
+            <a:off x="246600" y="2030040"/>
+            <a:ext cx="11687400" cy="367878"/>
+          </a:xfrm>
+          <a:prstGeom prst="rect">
+            <a:avLst/>
+          </a:prstGeom>
+          <a:noFill/>
+          <a:ln>
+            <a:noFill/>
+          </a:ln>
+        </p:spPr>
+        <p:style>
+          <a:lnRef idx="0">
+            <a:scrgbClr r="0" g="0" b="0"/>
+          </a:lnRef>
+          <a:fillRef idx="0">
+            <a:scrgbClr r="0" g="0" b="0"/>
+          </a:fillRef>
+          <a:effectRef idx="0">
+            <a:scrgbClr r="0" g="0" b="0"/>
+          </a:effectRef>
+          <a:fontRef idx="minor"/>
+        </p:style>
+        <p:txBody>
+          <a:bodyPr lIns="90000" tIns="45000" rIns="90000" bIns="45000">
+            <a:spAutoFit/>
+          </a:bodyPr>
+          <a:lstStyle/>
+          <a:p>
+            <a:r>
+              <a:rPr lang="en-US" b="0" i="0" dirty="0">
+                <a:effectLst/>
+                <a:latin typeface="Roboto Mono"/>
+              </a:rPr>
+              <a:t>truncate_statement::= </a:t>
+            </a:r>
+            <a:r>
+              <a:rPr lang="en-US" spc="-1" dirty="0">
+                <a:solidFill>
+                  <a:srgbClr val="2B8208"/>
+                </a:solidFill>
+                <a:latin typeface="Source Code Pro" panose="020B0509030403020204" pitchFamily="49" charset="0"/>
+                <a:ea typeface="Source Code Pro" panose="020B0509030403020204" pitchFamily="49" charset="0"/>
+              </a:rPr>
+              <a:t>TRUNCATE</a:t>
+            </a:r>
+            <a:r>
+              <a:rPr lang="en-US" b="0" i="0" dirty="0">
+                <a:effectLst/>
+                <a:latin typeface="Roboto Mono"/>
+              </a:rPr>
+              <a:t> </a:t>
+            </a:r>
+            <a:r>
+              <a:rPr lang="en-US" spc="-1" dirty="0">
+                <a:latin typeface="Source Code Pro" panose="020B0509030403020204" pitchFamily="49" charset="0"/>
+                <a:ea typeface="Source Code Pro" panose="020B0509030403020204" pitchFamily="49" charset="0"/>
+              </a:rPr>
+              <a:t>{</a:t>
+            </a:r>
+            <a:r>
+              <a:rPr lang="en-US" spc="-1" dirty="0">
+                <a:solidFill>
+                  <a:srgbClr val="2B8208"/>
+                </a:solidFill>
+                <a:latin typeface="Source Code Pro" panose="020B0509030403020204" pitchFamily="49" charset="0"/>
+                <a:ea typeface="Source Code Pro" panose="020B0509030403020204" pitchFamily="49" charset="0"/>
+              </a:rPr>
+              <a:t> TABLE </a:t>
+            </a:r>
+            <a:r>
+              <a:rPr lang="en-US" spc="-1" dirty="0">
+                <a:latin typeface="Source Code Pro" panose="020B0509030403020204" pitchFamily="49" charset="0"/>
+                <a:ea typeface="Source Code Pro" panose="020B0509030403020204" pitchFamily="49" charset="0"/>
+              </a:rPr>
+              <a:t>|</a:t>
+            </a:r>
+            <a:r>
+              <a:rPr lang="en-US" spc="-1" dirty="0">
+                <a:solidFill>
+                  <a:srgbClr val="2B8208"/>
+                </a:solidFill>
+                <a:latin typeface="Source Code Pro" panose="020B0509030403020204" pitchFamily="49" charset="0"/>
+                <a:ea typeface="Source Code Pro" panose="020B0509030403020204" pitchFamily="49" charset="0"/>
+              </a:rPr>
+              <a:t> COLUMNFAMILY </a:t>
+            </a:r>
+            <a:r>
+              <a:rPr lang="en-US" spc="-1" dirty="0">
+                <a:latin typeface="Source Code Pro" panose="020B0509030403020204" pitchFamily="49" charset="0"/>
+                <a:ea typeface="Source Code Pro" panose="020B0509030403020204" pitchFamily="49" charset="0"/>
+              </a:rPr>
+              <a:t>}</a:t>
+            </a:r>
+            <a:r>
+              <a:rPr lang="en-US" b="0" i="0" dirty="0">
+                <a:effectLst/>
+                <a:latin typeface="Roboto Mono"/>
+              </a:rPr>
+              <a:t> </a:t>
+            </a:r>
+            <a:r>
+              <a:rPr lang="en-US" spc="-1" dirty="0">
+                <a:latin typeface="Source Code Pro" panose="020B0509030403020204" pitchFamily="49" charset="0"/>
+                <a:ea typeface="Source Code Pro" panose="020B0509030403020204" pitchFamily="49" charset="0"/>
+              </a:rPr>
+              <a:t>[</a:t>
+            </a:r>
+            <a:r>
+              <a:rPr lang="en-US" i="1" spc="-1" dirty="0">
+                <a:latin typeface="Source Code Pro" panose="020B0509030403020204" pitchFamily="49" charset="0"/>
+                <a:ea typeface="Source Code Pro" panose="020B0509030403020204" pitchFamily="49" charset="0"/>
+              </a:rPr>
+              <a:t>keyspace_name</a:t>
+            </a:r>
+            <a:r>
+              <a:rPr lang="en-US" spc="-1" dirty="0">
+                <a:latin typeface="Source Code Pro" panose="020B0509030403020204" pitchFamily="49" charset="0"/>
+                <a:ea typeface="Source Code Pro" panose="020B0509030403020204" pitchFamily="49" charset="0"/>
+              </a:rPr>
+              <a:t>.]</a:t>
+            </a:r>
+            <a:r>
+              <a:rPr lang="en-US" i="1" spc="-1" dirty="0">
+                <a:latin typeface="Source Code Pro" panose="020B0509030403020204" pitchFamily="49" charset="0"/>
+                <a:ea typeface="Source Code Pro" panose="020B0509030403020204" pitchFamily="49" charset="0"/>
+              </a:rPr>
+              <a:t>table_name</a:t>
+            </a:r>
+            <a:endParaRPr lang="en-IN" i="1" spc="-1" dirty="0">
+              <a:latin typeface="Source Code Pro" panose="020B0509030403020204" pitchFamily="49" charset="0"/>
+              <a:ea typeface="Source Code Pro" panose="020B0509030403020204" pitchFamily="49" charset="0"/>
+            </a:endParaRPr>
+          </a:p>
+        </p:txBody>
+      </p:sp>
+      <p:sp>
+        <p:nvSpPr>
+          <p:cNvPr id="7" name="CustomShape 2">
+            <a:extLst>
+              <a:ext uri="{FF2B5EF4-FFF2-40B4-BE49-F238E27FC236}">
+                <a16:creationId xmlns:a16="http://schemas.microsoft.com/office/drawing/2014/main" id="{ACCD4961-017A-4E61-85C4-2430DD7DDAA2}"/>
+              </a:ext>
+            </a:extLst>
+          </p:cNvPr>
+          <p:cNvSpPr/>
+          <p:nvPr/>
+        </p:nvSpPr>
+        <p:spPr>
+          <a:xfrm>
+            <a:off x="246600" y="3205138"/>
+            <a:ext cx="11687400" cy="767987"/>
+          </a:xfrm>
+          <a:prstGeom prst="rect">
+            <a:avLst/>
+          </a:prstGeom>
+          <a:noFill/>
+          <a:ln>
+            <a:noFill/>
+          </a:ln>
+        </p:spPr>
+        <p:style>
+          <a:lnRef idx="0">
+            <a:scrgbClr r="0" g="0" b="0"/>
+          </a:lnRef>
+          <a:fillRef idx="0">
+            <a:scrgbClr r="0" g="0" b="0"/>
+          </a:fillRef>
+          <a:effectRef idx="0">
+            <a:scrgbClr r="0" g="0" b="0"/>
+          </a:effectRef>
+          <a:fontRef idx="minor"/>
+        </p:style>
+        <p:txBody>
+          <a:bodyPr wrap="square" lIns="90000" tIns="45000" rIns="90000" bIns="45000">
+            <a:spAutoFit/>
+          </a:bodyPr>
+          <a:lstStyle/>
+          <a:p>
+            <a:pPr marL="309510" indent="-285750">
+              <a:buClr>
+                <a:srgbClr val="808080"/>
+              </a:buClr>
+              <a:buFont typeface="Arial" panose="020B0604020202020204" pitchFamily="34" charset="0"/>
+              <a:buChar char="•"/>
+            </a:pPr>
+            <a:r>
+              <a:rPr lang="en-IN" sz="1800" b="0" strike="noStrike" spc="-1" dirty="0">
+                <a:solidFill>
+                  <a:schemeClr val="bg1">
+                    <a:lumMod val="50000"/>
+                  </a:schemeClr>
+                </a:solidFill>
+                <a:latin typeface="Consolas"/>
+                <a:ea typeface="SimSun"/>
+              </a:rPr>
+              <a:t>cqlsh:db1&gt; </a:t>
+            </a:r>
+            <a:r>
+              <a:rPr lang="en-IN" sz="1800" b="0" strike="noStrike" spc="-1" dirty="0">
+                <a:latin typeface="Consolas"/>
+                <a:ea typeface="SimSun"/>
+              </a:rPr>
+              <a:t>truncate table db1.emp;</a:t>
+            </a:r>
+          </a:p>
+          <a:p>
+            <a:pPr marL="309510" indent="-285750">
+              <a:buClr>
+                <a:srgbClr val="808080"/>
+              </a:buClr>
+              <a:buFont typeface="Arial" panose="020B0604020202020204" pitchFamily="34" charset="0"/>
+              <a:buChar char="•"/>
+            </a:pPr>
+            <a:endParaRPr lang="en-IN" sz="800" spc="-1" dirty="0">
+              <a:latin typeface="Consolas"/>
+              <a:ea typeface="SimSun"/>
+            </a:endParaRPr>
+          </a:p>
+          <a:p>
+            <a:pPr marL="309510" indent="-285750">
+              <a:buClr>
+                <a:srgbClr val="808080"/>
+              </a:buClr>
+              <a:buFont typeface="Arial" panose="020B0604020202020204" pitchFamily="34" charset="0"/>
+              <a:buChar char="•"/>
+            </a:pPr>
+            <a:r>
+              <a:rPr lang="en-IN" sz="1800" b="0" strike="noStrike" spc="-1" dirty="0">
+                <a:solidFill>
+                  <a:schemeClr val="bg1">
+                    <a:lumMod val="50000"/>
+                  </a:schemeClr>
+                </a:solidFill>
+                <a:latin typeface="Consolas"/>
+                <a:ea typeface="SimSun"/>
+              </a:rPr>
+              <a:t>cqlsh:db1&gt;</a:t>
+            </a:r>
+            <a:r>
+              <a:rPr lang="en-IN" sz="1800" b="0" strike="noStrike" spc="-1" dirty="0">
+                <a:latin typeface="Consolas"/>
+                <a:ea typeface="SimSun"/>
+              </a:rPr>
+              <a:t> truncate </a:t>
+            </a:r>
+            <a:r>
+              <a:rPr lang="en-US" spc="-1" dirty="0">
+                <a:latin typeface="Source Code Pro" panose="020B0509030403020204" pitchFamily="49" charset="0"/>
+                <a:ea typeface="Source Code Pro" panose="020B0509030403020204" pitchFamily="49" charset="0"/>
+              </a:rPr>
+              <a:t>columnfamily</a:t>
+            </a:r>
+            <a:r>
+              <a:rPr lang="en-IN" sz="1800" b="0" strike="noStrike" spc="-1" dirty="0">
+                <a:latin typeface="Consolas"/>
+                <a:ea typeface="SimSun"/>
+              </a:rPr>
+              <a:t> db1.emp;</a:t>
+            </a:r>
+            <a:r>
+              <a:rPr lang="en-IN" spc="-1" dirty="0">
+                <a:latin typeface="Consolas"/>
+                <a:ea typeface="SimSun"/>
+              </a:rPr>
+              <a:t> </a:t>
+            </a:r>
+          </a:p>
+        </p:txBody>
+      </p:sp>
+    </p:spTree>
+    <p:extLst>
+      <p:ext uri="{BB962C8B-B14F-4D97-AF65-F5344CB8AC3E}">
+        <p14:creationId xmlns:p14="http://schemas.microsoft.com/office/powerpoint/2010/main" val="2722645413"/>
+      </p:ext>
+    </p:extLst>
+  </p:cSld>
+  <p:clrMapOvr>
+    <a:masterClrMapping/>
+  </p:clrMapOvr>
+</p:sld>
+</file>
+
+<file path=ppt/slides/slide26.xml><?xml version="1.0" encoding="utf-8"?>
+<p:sld xmlns:a="http://schemas.openxmlformats.org/drawingml/2006/main" xmlns:r="http://schemas.openxmlformats.org/officeDocument/2006/relationships" xmlns:p="http://schemas.openxmlformats.org/presentationml/2006/main">
+  <p:cSld>
+    <p:spTree>
+      <p:nvGrpSpPr>
+        <p:cNvPr id="1" name=""/>
+        <p:cNvGrpSpPr/>
+        <p:nvPr/>
+      </p:nvGrpSpPr>
+      <p:grpSpPr>
+        <a:xfrm>
+          <a:off x="0" y="0"/>
+          <a:ext cx="0" cy="0"/>
+          <a:chOff x="0" y="0"/>
+          <a:chExt cx="0" cy="0"/>
+        </a:xfrm>
+      </p:grpSpPr>
+      <p:sp>
+        <p:nvSpPr>
+          <p:cNvPr id="109" name="CustomShape 1"/>
+          <p:cNvSpPr/>
+          <p:nvPr/>
+        </p:nvSpPr>
+        <p:spPr>
+          <a:xfrm>
+            <a:off x="1676520" y="2362320"/>
+            <a:ext cx="8815320" cy="921876"/>
+          </a:xfrm>
+          <a:prstGeom prst="rect">
+            <a:avLst/>
+          </a:prstGeom>
+          <a:noFill/>
+          <a:ln>
+            <a:noFill/>
+          </a:ln>
+        </p:spPr>
+        <p:style>
+          <a:lnRef idx="0">
+            <a:scrgbClr r="0" g="0" b="0"/>
+          </a:lnRef>
+          <a:fillRef idx="0">
+            <a:scrgbClr r="0" g="0" b="0"/>
+          </a:fillRef>
+          <a:effectRef idx="0">
+            <a:scrgbClr r="0" g="0" b="0"/>
+          </a:effectRef>
+          <a:fontRef idx="minor"/>
+        </p:style>
+        <p:txBody>
+          <a:bodyPr lIns="90000" tIns="45000" rIns="90000" bIns="45000">
+            <a:spAutoFit/>
+          </a:bodyPr>
+          <a:lstStyle/>
+          <a:p>
+            <a:pPr algn="ctr">
+              <a:lnSpc>
+                <a:spcPct val="100000"/>
+              </a:lnSpc>
+            </a:pPr>
+            <a:r>
               <a:rPr lang="en-IN" sz="5400" b="0" i="1" strike="noStrike" spc="-1" dirty="0">
                 <a:solidFill>
                   <a:srgbClr val="F7C120"/>
@@ -10662,7 +11453,7 @@
 </p:sld>
 </file>
 
-<file path=ppt/slides/slide25.xml><?xml version="1.0" encoding="utf-8"?>
+<file path=ppt/slides/slide27.xml><?xml version="1.0" encoding="utf-8"?>
 <p:sld xmlns:a="http://schemas.openxmlformats.org/drawingml/2006/main" xmlns:r="http://schemas.openxmlformats.org/officeDocument/2006/relationships" xmlns:p="http://schemas.openxmlformats.org/presentationml/2006/main">
   <p:cSld>
     <p:spTree>
@@ -11440,7 +12231,7 @@
 </p:sld>
 </file>
 
-<file path=ppt/slides/slide26.xml><?xml version="1.0" encoding="utf-8"?>
+<file path=ppt/slides/slide28.xml><?xml version="1.0" encoding="utf-8"?>
 <p:sld xmlns:a="http://schemas.openxmlformats.org/drawingml/2006/main" xmlns:r="http://schemas.openxmlformats.org/officeDocument/2006/relationships" xmlns:p="http://schemas.openxmlformats.org/presentationml/2006/main">
   <p:cSld>
     <p:spTree>

--- a/Cassandra Ver1.pptx
+++ b/Cassandra Ver1.pptx
@@ -5,7 +5,7 @@
     <p:sldMasterId id="2147483720" r:id="rId1"/>
   </p:sldMasterIdLst>
   <p:notesMasterIdLst>
-    <p:notesMasterId r:id="rId30"/>
+    <p:notesMasterId r:id="rId32"/>
   </p:notesMasterIdLst>
   <p:sldIdLst>
     <p:sldId id="256" r:id="rId2"/>
@@ -26,16 +26,18 @@
     <p:sldId id="1434" r:id="rId17"/>
     <p:sldId id="1435" r:id="rId18"/>
     <p:sldId id="1438" r:id="rId19"/>
-    <p:sldId id="1439" r:id="rId20"/>
-    <p:sldId id="1436" r:id="rId21"/>
-    <p:sldId id="1437" r:id="rId22"/>
-    <p:sldId id="1430" r:id="rId23"/>
-    <p:sldId id="1431" r:id="rId24"/>
-    <p:sldId id="1432" r:id="rId25"/>
-    <p:sldId id="1433" r:id="rId26"/>
-    <p:sldId id="1424" r:id="rId27"/>
-    <p:sldId id="1421" r:id="rId28"/>
-    <p:sldId id="350" r:id="rId29"/>
+    <p:sldId id="1441" r:id="rId20"/>
+    <p:sldId id="1439" r:id="rId21"/>
+    <p:sldId id="1440" r:id="rId22"/>
+    <p:sldId id="1436" r:id="rId23"/>
+    <p:sldId id="1437" r:id="rId24"/>
+    <p:sldId id="1430" r:id="rId25"/>
+    <p:sldId id="1431" r:id="rId26"/>
+    <p:sldId id="1432" r:id="rId27"/>
+    <p:sldId id="1433" r:id="rId28"/>
+    <p:sldId id="1424" r:id="rId29"/>
+    <p:sldId id="1421" r:id="rId30"/>
+    <p:sldId id="350" r:id="rId31"/>
   </p:sldIdLst>
   <p:sldSz cx="12192000" cy="6858000"/>
   <p:notesSz cx="6858000" cy="9144000"/>
@@ -8193,7 +8195,7 @@
         <p:spPr>
           <a:xfrm>
             <a:off x="246600" y="2030040"/>
-            <a:ext cx="11687400" cy="2553091"/>
+            <a:ext cx="11687400" cy="2830090"/>
           </a:xfrm>
           <a:prstGeom prst="rect">
             <a:avLst/>
@@ -8260,7 +8262,21 @@
                 <a:latin typeface="Source Code Pro" panose="020B0509030403020204" pitchFamily="49" charset="0"/>
                 <a:ea typeface="Source Code Pro" panose="020B0509030403020204" pitchFamily="49" charset="0"/>
               </a:rPr>
-              <a:t> </a:t>
+              <a:t> [</a:t>
+            </a:r>
+            <a:r>
+              <a:rPr lang="en-US" i="1" spc="-1" dirty="0">
+                <a:latin typeface="Source Code Pro" panose="020B0509030403020204" pitchFamily="49" charset="0"/>
+                <a:ea typeface="Source Code Pro" panose="020B0509030403020204" pitchFamily="49" charset="0"/>
+              </a:rPr>
+              <a:t>keyspace_name</a:t>
+            </a:r>
+            <a:r>
+              <a:rPr lang="en-US" spc="-1" dirty="0">
+                <a:latin typeface="Source Code Pro" panose="020B0509030403020204" pitchFamily="49" charset="0"/>
+                <a:ea typeface="Source Code Pro" panose="020B0509030403020204" pitchFamily="49" charset="0"/>
+              </a:rPr>
+              <a:t>.] </a:t>
             </a:r>
             <a:r>
               <a:rPr lang="en-US" i="1" spc="-1" dirty="0">
@@ -8588,7 +8604,7 @@
         <p:spPr>
           <a:xfrm>
             <a:off x="246600" y="762120"/>
-            <a:ext cx="11687400" cy="367878"/>
+            <a:ext cx="11687400" cy="644877"/>
           </a:xfrm>
           <a:prstGeom prst="rect">
             <a:avLst/>
@@ -8621,7 +8637,22 @@
               <a:rPr lang="en-US" spc="-1" dirty="0">
                 <a:latin typeface="Arial"/>
               </a:rPr>
-              <a:t>TODO.</a:t>
+              <a:t>You can insert complex string constants using </a:t>
+            </a:r>
+            <a:r>
+              <a:rPr lang="en-US" spc="-1" dirty="0">
+                <a:solidFill>
+                  <a:srgbClr val="0070C0"/>
+                </a:solidFill>
+                <a:latin typeface="Arial"/>
+              </a:rPr>
+              <a:t>double dollar signs </a:t>
+            </a:r>
+            <a:r>
+              <a:rPr lang="en-US" spc="-1" dirty="0">
+                <a:latin typeface="Arial"/>
+              </a:rPr>
+              <a:t>to enclose a string with quotes, backslashes, or other characters that would normally need to be escaped..</a:t>
             </a:r>
           </a:p>
         </p:txBody>
@@ -8678,7 +8709,7 @@
                 <a:latin typeface="Open Sans"/>
                 <a:ea typeface="DejaVu Sans"/>
               </a:rPr>
-              <a:t>insert data</a:t>
+              <a:t>insert data using VALUES &amp; JSON</a:t>
             </a:r>
             <a:endParaRPr lang="en-IN" sz="4000" b="0" strike="noStrike" spc="-1" dirty="0">
               <a:latin typeface="Arial"/>
@@ -8735,8 +8766,8 @@
         </p:nvSpPr>
         <p:spPr>
           <a:xfrm>
-            <a:off x="246600" y="2030400"/>
-            <a:ext cx="11687400" cy="1323439"/>
+            <a:off x="246600" y="2220540"/>
+            <a:ext cx="11687400" cy="2000548"/>
           </a:xfrm>
           <a:prstGeom prst="rect">
             <a:avLst/>
@@ -8804,13 +8835,13 @@
                 </a:solidFill>
                 <a:latin typeface="Consolas" panose="020B0609020204030204" pitchFamily="49" charset="0"/>
               </a:rPr>
-              <a:t>(</a:t>
+              <a:t>( </a:t>
             </a:r>
             <a:r>
               <a:rPr lang="en-IN" dirty="0">
                 <a:latin typeface="Consolas" panose="020B0609020204030204" pitchFamily="49" charset="0"/>
               </a:rPr>
-              <a:t>empno, ename, job, hiredate, salary, comm, isactive</a:t>
+              <a:t>empno, ename, job, hiredate, salary, comm, isactive </a:t>
             </a:r>
             <a:r>
               <a:rPr lang="en-IN" dirty="0">
@@ -8832,7 +8863,7 @@
             <a:r>
               <a:rPr lang="en-IN" dirty="0">
                 <a:solidFill>
-                  <a:srgbClr val="0070C0"/>
+                  <a:srgbClr val="F63122"/>
                 </a:solidFill>
                 <a:latin typeface="Consolas" panose="020B0609020204030204" pitchFamily="49" charset="0"/>
               </a:rPr>
@@ -8847,13 +8878,13 @@
                 </a:solidFill>
                 <a:latin typeface="Consolas" panose="020B0609020204030204" pitchFamily="49" charset="0"/>
               </a:rPr>
-              <a:t>(</a:t>
+              <a:t>( </a:t>
             </a:r>
             <a:r>
               <a:rPr lang="en-IN" dirty="0">
                 <a:latin typeface="Consolas" panose="020B0609020204030204" pitchFamily="49" charset="0"/>
               </a:rPr>
-              <a:t>1, 'saleel', 'manager', '2022-04-25', 42000, 4500.67, true</a:t>
+              <a:t>1, 'saleel', 'manager', '2022-04-25', 42000, 4500.67, true </a:t>
             </a:r>
             <a:r>
               <a:rPr lang="en-IN" dirty="0">
@@ -8938,28 +8969,22 @@
                 </a:solidFill>
                 <a:latin typeface="Consolas" panose="020B0609020204030204" pitchFamily="49" charset="0"/>
               </a:rPr>
-              <a:t>(</a:t>
+              <a:t>( </a:t>
             </a:r>
             <a:r>
               <a:rPr lang="en-IN" dirty="0">
                 <a:latin typeface="Consolas" panose="020B0609020204030204" pitchFamily="49" charset="0"/>
               </a:rPr>
-              <a:t>empno, ename, job, salary, isactive) </a:t>
+              <a:t>empno, ename, job, salary, isactive ) </a:t>
             </a:r>
             <a:r>
               <a:rPr lang="en-IN" dirty="0">
                 <a:solidFill>
-                  <a:srgbClr val="0070C0"/>
+                  <a:srgbClr val="F63122"/>
                 </a:solidFill>
                 <a:latin typeface="Consolas" panose="020B0609020204030204" pitchFamily="49" charset="0"/>
               </a:rPr>
               <a:t>VALUES</a:t>
-            </a:r>
-            <a:r>
-              <a:rPr lang="en-IN" dirty="0">
-                <a:latin typeface="Consolas" panose="020B0609020204030204" pitchFamily="49" charset="0"/>
-              </a:rPr>
-              <a:t>(2, 'sharmin', 'manager', 47000, true</a:t>
             </a:r>
             <a:r>
               <a:rPr lang="en-IN" dirty="0">
@@ -8970,14 +8995,411 @@
                 </a:solidFill>
                 <a:latin typeface="Consolas" panose="020B0609020204030204" pitchFamily="49" charset="0"/>
               </a:rPr>
-              <a:t>)</a:t>
+              <a:t>( </a:t>
             </a:r>
             <a:r>
               <a:rPr lang="en-IN" dirty="0">
                 <a:latin typeface="Consolas" panose="020B0609020204030204" pitchFamily="49" charset="0"/>
               </a:rPr>
+              <a:t>2, 'sharmin', 'manager', 47000, true </a:t>
+            </a:r>
+            <a:r>
+              <a:rPr lang="en-IN" dirty="0">
+                <a:solidFill>
+                  <a:schemeClr val="bg1">
+                    <a:lumMod val="50000"/>
+                  </a:schemeClr>
+                </a:solidFill>
+                <a:latin typeface="Consolas" panose="020B0609020204030204" pitchFamily="49" charset="0"/>
+              </a:rPr>
+              <a:t>)</a:t>
+            </a:r>
+            <a:r>
+              <a:rPr lang="en-IN" dirty="0">
+                <a:latin typeface="Consolas" panose="020B0609020204030204" pitchFamily="49" charset="0"/>
+              </a:rPr>
               <a:t>;</a:t>
             </a:r>
+          </a:p>
+          <a:p>
+            <a:pPr marL="285750" indent="-285750">
+              <a:buFont typeface="Arial" panose="020B0604020202020204" pitchFamily="34" charset="0"/>
+              <a:buChar char="•"/>
+            </a:pPr>
+            <a:endParaRPr lang="en-IN" sz="800" dirty="0">
+              <a:latin typeface="Consolas" panose="020B0609020204030204" pitchFamily="49" charset="0"/>
+            </a:endParaRPr>
+          </a:p>
+          <a:p>
+            <a:pPr marL="285750" indent="-285750">
+              <a:buFont typeface="Arial" panose="020B0604020202020204" pitchFamily="34" charset="0"/>
+              <a:buChar char="•"/>
+            </a:pPr>
+            <a:r>
+              <a:rPr lang="en-US" spc="-1" dirty="0">
+                <a:solidFill>
+                  <a:schemeClr val="bg1">
+                    <a:lumMod val="50000"/>
+                  </a:schemeClr>
+                </a:solidFill>
+                <a:latin typeface="Consolas" panose="020B0609020204030204" pitchFamily="49" charset="0"/>
+                <a:ea typeface="SimSun"/>
+              </a:rPr>
+              <a:t>cqlsh:db1&gt; </a:t>
+            </a:r>
+            <a:r>
+              <a:rPr lang="en-US" dirty="0">
+                <a:solidFill>
+                  <a:srgbClr val="0070C0"/>
+                </a:solidFill>
+                <a:latin typeface="Consolas" panose="020B0609020204030204" pitchFamily="49" charset="0"/>
+              </a:rPr>
+              <a:t>INSERT</a:t>
+            </a:r>
+            <a:r>
+              <a:rPr lang="en-US" dirty="0">
+                <a:latin typeface="Consolas" panose="020B0609020204030204" pitchFamily="49" charset="0"/>
+              </a:rPr>
+              <a:t> </a:t>
+            </a:r>
+            <a:r>
+              <a:rPr lang="en-US" dirty="0">
+                <a:solidFill>
+                  <a:srgbClr val="0070C0"/>
+                </a:solidFill>
+                <a:latin typeface="Consolas" panose="020B0609020204030204" pitchFamily="49" charset="0"/>
+              </a:rPr>
+              <a:t>INTO</a:t>
+            </a:r>
+            <a:r>
+              <a:rPr lang="en-US" dirty="0">
+                <a:latin typeface="Consolas" panose="020B0609020204030204" pitchFamily="49" charset="0"/>
+              </a:rPr>
+              <a:t> emp</a:t>
+            </a:r>
+            <a:r>
+              <a:rPr lang="en-US" dirty="0">
+                <a:solidFill>
+                  <a:schemeClr val="bg1">
+                    <a:lumMod val="50000"/>
+                  </a:schemeClr>
+                </a:solidFill>
+                <a:latin typeface="Consolas" panose="020B0609020204030204" pitchFamily="49" charset="0"/>
+              </a:rPr>
+              <a:t>( </a:t>
+            </a:r>
+            <a:r>
+              <a:rPr lang="en-US" dirty="0">
+                <a:latin typeface="Consolas" panose="020B0609020204030204" pitchFamily="49" charset="0"/>
+              </a:rPr>
+              <a:t>empno, ename, job, hiredate, salary, comm, isactive </a:t>
+            </a:r>
+            <a:r>
+              <a:rPr lang="en-US" dirty="0">
+                <a:solidFill>
+                  <a:schemeClr val="bg1">
+                    <a:lumMod val="50000"/>
+                  </a:schemeClr>
+                </a:solidFill>
+                <a:latin typeface="Consolas" panose="020B0609020204030204" pitchFamily="49" charset="0"/>
+              </a:rPr>
+              <a:t>)</a:t>
+            </a:r>
+            <a:r>
+              <a:rPr lang="en-US" dirty="0">
+                <a:latin typeface="Consolas" panose="020B0609020204030204" pitchFamily="49" charset="0"/>
+              </a:rPr>
+              <a:t> </a:t>
+            </a:r>
+            <a:r>
+              <a:rPr lang="en-US" dirty="0">
+                <a:solidFill>
+                  <a:srgbClr val="F63122"/>
+                </a:solidFill>
+                <a:latin typeface="Consolas" panose="020B0609020204030204" pitchFamily="49" charset="0"/>
+              </a:rPr>
+              <a:t>VALUES</a:t>
+            </a:r>
+            <a:r>
+              <a:rPr lang="en-US" dirty="0">
+                <a:solidFill>
+                  <a:schemeClr val="bg1">
+                    <a:lumMod val="50000"/>
+                  </a:schemeClr>
+                </a:solidFill>
+                <a:latin typeface="Consolas" panose="020B0609020204030204" pitchFamily="49" charset="0"/>
+              </a:rPr>
+              <a:t>( </a:t>
+            </a:r>
+            <a:r>
+              <a:rPr lang="en-US" dirty="0">
+                <a:latin typeface="Consolas" panose="020B0609020204030204" pitchFamily="49" charset="0"/>
+              </a:rPr>
+              <a:t>3, 'ruhan', </a:t>
+            </a:r>
+            <a:r>
+              <a:rPr lang="en-US" dirty="0">
+                <a:solidFill>
+                  <a:srgbClr val="C00000"/>
+                </a:solidFill>
+                <a:latin typeface="Consolas" panose="020B0609020204030204" pitchFamily="49" charset="0"/>
+              </a:rPr>
+              <a:t>$$manager's$$</a:t>
+            </a:r>
+            <a:r>
+              <a:rPr lang="en-US" dirty="0">
+                <a:latin typeface="Consolas" panose="020B0609020204030204" pitchFamily="49" charset="0"/>
+              </a:rPr>
+              <a:t>, '2022-03-30', 34000, 0.673, true </a:t>
+            </a:r>
+            <a:r>
+              <a:rPr lang="en-US" dirty="0">
+                <a:solidFill>
+                  <a:schemeClr val="bg1">
+                    <a:lumMod val="50000"/>
+                  </a:schemeClr>
+                </a:solidFill>
+                <a:latin typeface="Consolas" panose="020B0609020204030204" pitchFamily="49" charset="0"/>
+              </a:rPr>
+              <a:t>)</a:t>
+            </a:r>
+            <a:r>
+              <a:rPr lang="en-US" dirty="0">
+                <a:latin typeface="Consolas" panose="020B0609020204030204" pitchFamily="49" charset="0"/>
+              </a:rPr>
+              <a:t>;</a:t>
+            </a:r>
+            <a:endParaRPr lang="en-IN" dirty="0">
+              <a:latin typeface="Consolas" panose="020B0609020204030204" pitchFamily="49" charset="0"/>
+            </a:endParaRPr>
+          </a:p>
+        </p:txBody>
+      </p:sp>
+      <p:sp>
+        <p:nvSpPr>
+          <p:cNvPr id="6" name="TextBox 5">
+            <a:extLst>
+              <a:ext uri="{FF2B5EF4-FFF2-40B4-BE49-F238E27FC236}">
+                <a16:creationId xmlns:a16="http://schemas.microsoft.com/office/drawing/2014/main" id="{51993A81-124E-4C31-857F-05F86CB3992F}"/>
+              </a:ext>
+            </a:extLst>
+          </p:cNvPr>
+          <p:cNvSpPr txBox="1"/>
+          <p:nvPr/>
+        </p:nvSpPr>
+        <p:spPr>
+          <a:xfrm>
+            <a:off x="246600" y="5374957"/>
+            <a:ext cx="11687400" cy="646331"/>
+          </a:xfrm>
+          <a:prstGeom prst="rect">
+            <a:avLst/>
+          </a:prstGeom>
+          <a:noFill/>
+        </p:spPr>
+        <p:txBody>
+          <a:bodyPr wrap="square">
+            <a:spAutoFit/>
+          </a:bodyPr>
+          <a:lstStyle/>
+          <a:p>
+            <a:pPr marL="285750" indent="-285750">
+              <a:buFont typeface="Arial" panose="020B0604020202020204" pitchFamily="34" charset="0"/>
+              <a:buChar char="•"/>
+            </a:pPr>
+            <a:r>
+              <a:rPr lang="en-IN" sz="1800" b="0" strike="noStrike" spc="-1" dirty="0">
+                <a:solidFill>
+                  <a:schemeClr val="bg1">
+                    <a:lumMod val="50000"/>
+                  </a:schemeClr>
+                </a:solidFill>
+                <a:latin typeface="Consolas" panose="020B0609020204030204" pitchFamily="49" charset="0"/>
+                <a:ea typeface="SimSun"/>
+              </a:rPr>
+              <a:t>cqlsh:db1&gt; </a:t>
+            </a:r>
+            <a:r>
+              <a:rPr lang="en-US" dirty="0">
+                <a:solidFill>
+                  <a:srgbClr val="0070C0"/>
+                </a:solidFill>
+                <a:latin typeface="Consolas" panose="020B0609020204030204" pitchFamily="49" charset="0"/>
+              </a:rPr>
+              <a:t>INSERT</a:t>
+            </a:r>
+            <a:r>
+              <a:rPr lang="en-US" dirty="0">
+                <a:latin typeface="Consolas" panose="020B0609020204030204" pitchFamily="49" charset="0"/>
+              </a:rPr>
+              <a:t> </a:t>
+            </a:r>
+            <a:r>
+              <a:rPr lang="en-US" dirty="0">
+                <a:solidFill>
+                  <a:srgbClr val="0070C0"/>
+                </a:solidFill>
+                <a:latin typeface="Consolas" panose="020B0609020204030204" pitchFamily="49" charset="0"/>
+              </a:rPr>
+              <a:t>INTO</a:t>
+            </a:r>
+            <a:r>
+              <a:rPr lang="en-US" dirty="0">
+                <a:latin typeface="Consolas" panose="020B0609020204030204" pitchFamily="49" charset="0"/>
+              </a:rPr>
+              <a:t> emp </a:t>
+            </a:r>
+            <a:r>
+              <a:rPr lang="en-US" dirty="0">
+                <a:solidFill>
+                  <a:srgbClr val="F63122"/>
+                </a:solidFill>
+                <a:latin typeface="Consolas" panose="020B0609020204030204" pitchFamily="49" charset="0"/>
+              </a:rPr>
+              <a:t>JSON</a:t>
+            </a:r>
+            <a:r>
+              <a:rPr lang="en-US" dirty="0">
+                <a:latin typeface="Consolas" panose="020B0609020204030204" pitchFamily="49" charset="0"/>
+              </a:rPr>
+              <a:t> '</a:t>
+            </a:r>
+            <a:r>
+              <a:rPr lang="en-US" dirty="0">
+                <a:solidFill>
+                  <a:schemeClr val="bg1">
+                    <a:lumMod val="50000"/>
+                  </a:schemeClr>
+                </a:solidFill>
+                <a:latin typeface="Consolas" panose="020B0609020204030204" pitchFamily="49" charset="0"/>
+              </a:rPr>
+              <a:t>{ </a:t>
+            </a:r>
+            <a:r>
+              <a:rPr lang="en-US" dirty="0">
+                <a:latin typeface="Consolas" panose="020B0609020204030204" pitchFamily="49" charset="0"/>
+              </a:rPr>
+              <a:t>"empno": 3,"ename": "ruhan", "job": "salesman", "salary": 12000, "comm": 7.789, "hiredate": "2022-01-01", "isactive": true </a:t>
+            </a:r>
+            <a:r>
+              <a:rPr lang="en-US" dirty="0">
+                <a:solidFill>
+                  <a:schemeClr val="bg1">
+                    <a:lumMod val="50000"/>
+                  </a:schemeClr>
+                </a:solidFill>
+                <a:latin typeface="Consolas" panose="020B0609020204030204" pitchFamily="49" charset="0"/>
+              </a:rPr>
+              <a:t>}</a:t>
+            </a:r>
+            <a:r>
+              <a:rPr lang="en-US" dirty="0">
+                <a:latin typeface="Consolas" panose="020B0609020204030204" pitchFamily="49" charset="0"/>
+              </a:rPr>
+              <a:t>';</a:t>
+            </a:r>
+            <a:endParaRPr lang="en-IN" dirty="0">
+              <a:latin typeface="Consolas" panose="020B0609020204030204" pitchFamily="49" charset="0"/>
+            </a:endParaRPr>
+          </a:p>
+        </p:txBody>
+      </p:sp>
+      <p:sp>
+        <p:nvSpPr>
+          <p:cNvPr id="8" name="TextBox 7">
+            <a:extLst>
+              <a:ext uri="{FF2B5EF4-FFF2-40B4-BE49-F238E27FC236}">
+                <a16:creationId xmlns:a16="http://schemas.microsoft.com/office/drawing/2014/main" id="{A2B7BB36-D483-4588-94C5-EE8691713A89}"/>
+              </a:ext>
+            </a:extLst>
+          </p:cNvPr>
+          <p:cNvSpPr txBox="1"/>
+          <p:nvPr/>
+        </p:nvSpPr>
+        <p:spPr>
+          <a:xfrm>
+            <a:off x="246600" y="4797152"/>
+            <a:ext cx="11687400" cy="461665"/>
+          </a:xfrm>
+          <a:prstGeom prst="rect">
+            <a:avLst/>
+          </a:prstGeom>
+          <a:noFill/>
+        </p:spPr>
+        <p:txBody>
+          <a:bodyPr wrap="square">
+            <a:spAutoFit/>
+          </a:bodyPr>
+          <a:lstStyle>
+            <a:defPPr>
+              <a:defRPr lang="en-US"/>
+            </a:defPPr>
+            <a:lvl1pPr>
+              <a:defRPr sz="2200">
+                <a:solidFill>
+                  <a:schemeClr val="accent3">
+                    <a:lumMod val="50000"/>
+                  </a:schemeClr>
+                </a:solidFill>
+                <a:latin typeface="Consolas" panose="020B0609020204030204" pitchFamily="49" charset="0"/>
+              </a:defRPr>
+            </a:lvl1pPr>
+          </a:lstStyle>
+          <a:p>
+            <a:r>
+              <a:rPr lang="en-US" dirty="0"/>
+              <a:t>JSON</a:t>
+            </a:r>
+            <a:endParaRPr lang="en-IN" dirty="0"/>
+          </a:p>
+        </p:txBody>
+      </p:sp>
+      <p:sp>
+        <p:nvSpPr>
+          <p:cNvPr id="9" name="TextBox 8">
+            <a:extLst>
+              <a:ext uri="{FF2B5EF4-FFF2-40B4-BE49-F238E27FC236}">
+                <a16:creationId xmlns:a16="http://schemas.microsoft.com/office/drawing/2014/main" id="{6DFDA5EB-E6E8-4B8C-9165-B5C92A4AEB96}"/>
+              </a:ext>
+            </a:extLst>
+          </p:cNvPr>
+          <p:cNvSpPr txBox="1"/>
+          <p:nvPr/>
+        </p:nvSpPr>
+        <p:spPr>
+          <a:xfrm>
+            <a:off x="246600" y="1671191"/>
+            <a:ext cx="11687400" cy="430887"/>
+          </a:xfrm>
+          <a:prstGeom prst="rect">
+            <a:avLst/>
+          </a:prstGeom>
+          <a:noFill/>
+        </p:spPr>
+        <p:txBody>
+          <a:bodyPr wrap="square">
+            <a:spAutoFit/>
+          </a:bodyPr>
+          <a:lstStyle/>
+          <a:p>
+            <a:r>
+              <a:rPr lang="en-US" sz="2200" dirty="0">
+                <a:solidFill>
+                  <a:schemeClr val="accent3">
+                    <a:lumMod val="50000"/>
+                  </a:schemeClr>
+                </a:solidFill>
+                <a:latin typeface="Consolas" panose="020B0609020204030204" pitchFamily="49" charset="0"/>
+              </a:rPr>
+              <a:t>VALUES</a:t>
+            </a:r>
+            <a:endParaRPr lang="en-IN" sz="2200" dirty="0">
+              <a:solidFill>
+                <a:schemeClr val="accent3">
+                  <a:lumMod val="50000"/>
+                </a:schemeClr>
+              </a:solidFill>
+            </a:endParaRPr>
           </a:p>
         </p:txBody>
       </p:sp>
@@ -9110,7 +9532,7 @@
                 <a:latin typeface="Open Sans"/>
                 <a:ea typeface="DejaVu Sans"/>
               </a:rPr>
-              <a:t>insert data using TTL</a:t>
+              <a:t>insert data using JSON</a:t>
             </a:r>
             <a:endParaRPr lang="en-IN" sz="4000" b="0" strike="noStrike" spc="-1" dirty="0">
               <a:latin typeface="Arial"/>
@@ -9153,151 +9575,10 @@
           <a:fontRef idx="minor"/>
         </p:style>
       </p:sp>
-      <p:sp>
-        <p:nvSpPr>
-          <p:cNvPr id="7" name="TextBox 6">
-            <a:extLst>
-              <a:ext uri="{FF2B5EF4-FFF2-40B4-BE49-F238E27FC236}">
-                <a16:creationId xmlns:a16="http://schemas.microsoft.com/office/drawing/2014/main" id="{2D5EBEC2-F93A-405A-A8A0-67C4A22ADC15}"/>
-              </a:ext>
-            </a:extLst>
-          </p:cNvPr>
-          <p:cNvSpPr txBox="1"/>
-          <p:nvPr/>
-        </p:nvSpPr>
-        <p:spPr>
-          <a:xfrm>
-            <a:off x="246600" y="2030400"/>
-            <a:ext cx="11687400" cy="646331"/>
-          </a:xfrm>
-          <a:prstGeom prst="rect">
-            <a:avLst/>
-          </a:prstGeom>
-          <a:noFill/>
-        </p:spPr>
-        <p:txBody>
-          <a:bodyPr wrap="square">
-            <a:spAutoFit/>
-          </a:bodyPr>
-          <a:lstStyle/>
-          <a:p>
-            <a:pPr marL="285750" indent="-285750">
-              <a:buFont typeface="Arial" panose="020B0604020202020204" pitchFamily="34" charset="0"/>
-              <a:buChar char="•"/>
-            </a:pPr>
-            <a:r>
-              <a:rPr lang="en-IN" spc="-1" dirty="0">
-                <a:solidFill>
-                  <a:schemeClr val="bg1">
-                    <a:lumMod val="50000"/>
-                  </a:schemeClr>
-                </a:solidFill>
-                <a:latin typeface="Consolas" panose="020B0609020204030204" pitchFamily="49" charset="0"/>
-                <a:ea typeface="SimSun"/>
-              </a:rPr>
-              <a:t>cqlsh:db1&gt; </a:t>
-            </a:r>
-            <a:r>
-              <a:rPr lang="en-IN" dirty="0">
-                <a:solidFill>
-                  <a:srgbClr val="0070C0"/>
-                </a:solidFill>
-                <a:latin typeface="Consolas" panose="020B0609020204030204" pitchFamily="49" charset="0"/>
-              </a:rPr>
-              <a:t>INSERT</a:t>
-            </a:r>
-            <a:r>
-              <a:rPr lang="en-IN" dirty="0">
-                <a:latin typeface="Consolas" panose="020B0609020204030204" pitchFamily="49" charset="0"/>
-              </a:rPr>
-              <a:t> </a:t>
-            </a:r>
-            <a:r>
-              <a:rPr lang="en-IN" dirty="0">
-                <a:solidFill>
-                  <a:srgbClr val="0070C0"/>
-                </a:solidFill>
-                <a:latin typeface="Consolas" panose="020B0609020204030204" pitchFamily="49" charset="0"/>
-              </a:rPr>
-              <a:t>INTO</a:t>
-            </a:r>
-            <a:r>
-              <a:rPr lang="en-IN" dirty="0">
-                <a:latin typeface="Consolas" panose="020B0609020204030204" pitchFamily="49" charset="0"/>
-              </a:rPr>
-              <a:t> emp</a:t>
-            </a:r>
-            <a:r>
-              <a:rPr lang="en-IN" dirty="0">
-                <a:solidFill>
-                  <a:schemeClr val="bg1">
-                    <a:lumMod val="50000"/>
-                  </a:schemeClr>
-                </a:solidFill>
-                <a:latin typeface="Consolas" panose="020B0609020204030204" pitchFamily="49" charset="0"/>
-              </a:rPr>
-              <a:t>(</a:t>
-            </a:r>
-            <a:r>
-              <a:rPr lang="en-IN" dirty="0">
-                <a:latin typeface="Consolas" panose="020B0609020204030204" pitchFamily="49" charset="0"/>
-              </a:rPr>
-              <a:t>empno, ename, job, hiredate, salary, comm, isactive) </a:t>
-            </a:r>
-            <a:r>
-              <a:rPr lang="en-IN" dirty="0">
-                <a:solidFill>
-                  <a:srgbClr val="0070C0"/>
-                </a:solidFill>
-                <a:latin typeface="Consolas" panose="020B0609020204030204" pitchFamily="49" charset="0"/>
-              </a:rPr>
-              <a:t>VALUES</a:t>
-            </a:r>
-            <a:r>
-              <a:rPr lang="en-IN" dirty="0">
-                <a:latin typeface="Consolas" panose="020B0609020204030204" pitchFamily="49" charset="0"/>
-              </a:rPr>
-              <a:t>(3, 'ruhan’, 'salesman', '2022-04-27', 41000, 500.43, false</a:t>
-            </a:r>
-            <a:r>
-              <a:rPr lang="en-IN" dirty="0">
-                <a:solidFill>
-                  <a:schemeClr val="bg1">
-                    <a:lumMod val="50000"/>
-                  </a:schemeClr>
-                </a:solidFill>
-                <a:latin typeface="Consolas" panose="020B0609020204030204" pitchFamily="49" charset="0"/>
-              </a:rPr>
-              <a:t>)</a:t>
-            </a:r>
-            <a:r>
-              <a:rPr lang="en-IN" dirty="0">
-                <a:latin typeface="Consolas" panose="020B0609020204030204" pitchFamily="49" charset="0"/>
-              </a:rPr>
-              <a:t> </a:t>
-            </a:r>
-            <a:r>
-              <a:rPr lang="en-IN" dirty="0">
-                <a:solidFill>
-                  <a:srgbClr val="C00000"/>
-                </a:solidFill>
-                <a:latin typeface="Consolas" panose="020B0609020204030204" pitchFamily="49" charset="0"/>
-              </a:rPr>
-              <a:t>USING TTL 50</a:t>
-            </a:r>
-            <a:r>
-              <a:rPr lang="en-IN" dirty="0">
-                <a:latin typeface="Consolas" panose="020B0609020204030204" pitchFamily="49" charset="0"/>
-              </a:rPr>
-              <a:t>;</a:t>
-            </a:r>
-          </a:p>
-        </p:txBody>
-      </p:sp>
     </p:spTree>
     <p:extLst>
       <p:ext uri="{BB962C8B-B14F-4D97-AF65-F5344CB8AC3E}">
-        <p14:creationId xmlns:p14="http://schemas.microsoft.com/office/powerpoint/2010/main" val="2463782446"/>
+        <p14:creationId xmlns:p14="http://schemas.microsoft.com/office/powerpoint/2010/main" val="3019744686"/>
       </p:ext>
     </p:extLst>
   </p:cSld>
@@ -9476,7 +9757,7 @@
         <p:spPr>
           <a:xfrm>
             <a:off x="246600" y="762120"/>
-            <a:ext cx="11687400" cy="367878"/>
+            <a:ext cx="11687400" cy="644877"/>
           </a:xfrm>
           <a:prstGeom prst="rect">
             <a:avLst/>
@@ -9509,7 +9790,7 @@
               <a:rPr lang="en-US" spc="-1" dirty="0">
                 <a:latin typeface="Arial"/>
               </a:rPr>
-              <a:t>TODO</a:t>
+              <a:t>TTL: specifies an optional Time To Live (in seconds) for the inserted values. If set, the inserted values are automatically removed from the database after the specified time..</a:t>
             </a:r>
           </a:p>
         </p:txBody>
@@ -9566,7 +9847,7 @@
                 <a:latin typeface="Open Sans"/>
                 <a:ea typeface="DejaVu Sans"/>
               </a:rPr>
-              <a:t>update data</a:t>
+              <a:t>insert data using TTL</a:t>
             </a:r>
             <a:endParaRPr lang="en-IN" sz="4000" b="0" strike="noStrike" spc="-1" dirty="0">
               <a:latin typeface="Arial"/>
@@ -9611,118 +9892,290 @@
       </p:sp>
       <p:sp>
         <p:nvSpPr>
-          <p:cNvPr id="10" name="CustomShape 6">
+          <p:cNvPr id="7" name="TextBox 6">
             <a:extLst>
               <a:ext uri="{FF2B5EF4-FFF2-40B4-BE49-F238E27FC236}">
-                <a16:creationId xmlns:a16="http://schemas.microsoft.com/office/drawing/2014/main" id="{D4558032-AAFD-4B35-81C8-1CCCADB686EE}"/>
+                <a16:creationId xmlns:a16="http://schemas.microsoft.com/office/drawing/2014/main" id="{2D5EBEC2-F93A-405A-A8A0-67C4A22ADC15}"/>
               </a:ext>
             </a:extLst>
           </p:cNvPr>
-          <p:cNvSpPr/>
+          <p:cNvSpPr txBox="1"/>
           <p:nvPr/>
         </p:nvSpPr>
         <p:spPr>
           <a:xfrm>
-            <a:off x="246600" y="2030040"/>
-            <a:ext cx="11687400" cy="367878"/>
+            <a:off x="246600" y="2030400"/>
+            <a:ext cx="11687400" cy="1323439"/>
           </a:xfrm>
           <a:prstGeom prst="rect">
             <a:avLst/>
           </a:prstGeom>
           <a:noFill/>
-          <a:ln>
-            <a:noFill/>
-          </a:ln>
-        </p:spPr>
-        <p:style>
-          <a:lnRef idx="0">
-            <a:scrgbClr r="0" g="0" b="0"/>
-          </a:lnRef>
-          <a:fillRef idx="0">
-            <a:scrgbClr r="0" g="0" b="0"/>
-          </a:fillRef>
-          <a:effectRef idx="0">
-            <a:scrgbClr r="0" g="0" b="0"/>
-          </a:effectRef>
-          <a:fontRef idx="minor"/>
-        </p:style>
-        <p:txBody>
-          <a:bodyPr lIns="90000" tIns="45000" rIns="90000" bIns="45000">
+        </p:spPr>
+        <p:txBody>
+          <a:bodyPr wrap="square">
             <a:spAutoFit/>
           </a:bodyPr>
           <a:lstStyle/>
           <a:p>
-            <a:r>
-              <a:rPr lang="en-US" spc="-1" dirty="0">
-                <a:solidFill>
-                  <a:srgbClr val="2B8208"/>
-                </a:solidFill>
-                <a:latin typeface="Source Code Pro" panose="020B0509030403020204" pitchFamily="49" charset="0"/>
-                <a:ea typeface="Source Code Pro" panose="020B0509030403020204" pitchFamily="49" charset="0"/>
-              </a:rPr>
-              <a:t>DESCRIBE KEYSPACES </a:t>
-            </a:r>
-            <a:r>
-              <a:rPr lang="en-US" spc="-1" dirty="0">
-                <a:latin typeface="Source Code Pro" panose="020B0509030403020204" pitchFamily="49" charset="0"/>
-                <a:ea typeface="Source Code Pro" panose="020B0509030403020204" pitchFamily="49" charset="0"/>
-              </a:rPr>
-              <a:t>|</a:t>
-            </a:r>
-            <a:r>
-              <a:rPr lang="en-US" spc="-1" dirty="0">
-                <a:solidFill>
-                  <a:srgbClr val="2B8208"/>
-                </a:solidFill>
-                <a:latin typeface="Source Code Pro" panose="020B0509030403020204" pitchFamily="49" charset="0"/>
-                <a:ea typeface="Source Code Pro" panose="020B0509030403020204" pitchFamily="49" charset="0"/>
-              </a:rPr>
-              <a:t> KEYSPACE </a:t>
-            </a:r>
-            <a:r>
-              <a:rPr lang="en-US" spc="-1" dirty="0">
-                <a:latin typeface="Source Code Pro" panose="020B0509030403020204" pitchFamily="49" charset="0"/>
-                <a:ea typeface="Source Code Pro" panose="020B0509030403020204" pitchFamily="49" charset="0"/>
-              </a:rPr>
-              <a:t>&lt;</a:t>
-            </a:r>
-            <a:r>
-              <a:rPr lang="en-US" spc="-1" dirty="0">
-                <a:solidFill>
-                  <a:srgbClr val="2B8208"/>
-                </a:solidFill>
-                <a:latin typeface="Source Code Pro" panose="020B0509030403020204" pitchFamily="49" charset="0"/>
-                <a:ea typeface="Source Code Pro" panose="020B0509030403020204" pitchFamily="49" charset="0"/>
+            <a:pPr marL="285750" indent="-285750">
+              <a:buFont typeface="Arial" panose="020B0604020202020204" pitchFamily="34" charset="0"/>
+              <a:buChar char="•"/>
+            </a:pPr>
+            <a:r>
+              <a:rPr lang="en-IN" spc="-1" dirty="0">
+                <a:solidFill>
+                  <a:schemeClr val="bg1">
+                    <a:lumMod val="50000"/>
+                  </a:schemeClr>
+                </a:solidFill>
+                <a:latin typeface="Consolas" panose="020B0609020204030204" pitchFamily="49" charset="0"/>
+                <a:ea typeface="SimSun"/>
+              </a:rPr>
+              <a:t>cqlsh:db1&gt; </a:t>
+            </a:r>
+            <a:r>
+              <a:rPr lang="en-IN" dirty="0">
+                <a:solidFill>
+                  <a:srgbClr val="0070C0"/>
+                </a:solidFill>
+                <a:latin typeface="Consolas" panose="020B0609020204030204" pitchFamily="49" charset="0"/>
+              </a:rPr>
+              <a:t>INSERT</a:t>
+            </a:r>
+            <a:r>
+              <a:rPr lang="en-IN" dirty="0">
+                <a:latin typeface="Consolas" panose="020B0609020204030204" pitchFamily="49" charset="0"/>
               </a:rPr>
               <a:t> </a:t>
             </a:r>
             <a:r>
-              <a:rPr lang="en-US" i="1" spc="-1" dirty="0">
-                <a:latin typeface="Source Code Pro" panose="020B0509030403020204" pitchFamily="49" charset="0"/>
-                <a:ea typeface="Source Code Pro" panose="020B0509030403020204" pitchFamily="49" charset="0"/>
-              </a:rPr>
-              <a:t>keyspace_name</a:t>
-            </a:r>
-            <a:r>
-              <a:rPr lang="en-US" spc="-1" dirty="0">
-                <a:solidFill>
-                  <a:srgbClr val="2B8208"/>
-                </a:solidFill>
-                <a:latin typeface="Source Code Pro" panose="020B0509030403020204" pitchFamily="49" charset="0"/>
-                <a:ea typeface="Source Code Pro" panose="020B0509030403020204" pitchFamily="49" charset="0"/>
+              <a:rPr lang="en-IN" dirty="0">
+                <a:solidFill>
+                  <a:srgbClr val="0070C0"/>
+                </a:solidFill>
+                <a:latin typeface="Consolas" panose="020B0609020204030204" pitchFamily="49" charset="0"/>
+              </a:rPr>
+              <a:t>INTO</a:t>
+            </a:r>
+            <a:r>
+              <a:rPr lang="en-IN" dirty="0">
+                <a:latin typeface="Consolas" panose="020B0609020204030204" pitchFamily="49" charset="0"/>
+              </a:rPr>
+              <a:t> emp</a:t>
+            </a:r>
+            <a:r>
+              <a:rPr lang="en-IN" dirty="0">
+                <a:solidFill>
+                  <a:schemeClr val="bg1">
+                    <a:lumMod val="50000"/>
+                  </a:schemeClr>
+                </a:solidFill>
+                <a:latin typeface="Consolas" panose="020B0609020204030204" pitchFamily="49" charset="0"/>
+              </a:rPr>
+              <a:t>(</a:t>
+            </a:r>
+            <a:r>
+              <a:rPr lang="en-IN" dirty="0">
+                <a:latin typeface="Consolas" panose="020B0609020204030204" pitchFamily="49" charset="0"/>
+              </a:rPr>
+              <a:t>empno, ename, job, hiredate, salary, comm, isactive</a:t>
+            </a:r>
+            <a:r>
+              <a:rPr lang="en-IN" dirty="0">
+                <a:solidFill>
+                  <a:schemeClr val="bg1">
+                    <a:lumMod val="50000"/>
+                  </a:schemeClr>
+                </a:solidFill>
+                <a:latin typeface="Consolas" panose="020B0609020204030204" pitchFamily="49" charset="0"/>
+              </a:rPr>
+              <a:t>)</a:t>
+            </a:r>
+            <a:r>
+              <a:rPr lang="en-IN" dirty="0">
+                <a:latin typeface="Consolas" panose="020B0609020204030204" pitchFamily="49" charset="0"/>
               </a:rPr>
               <a:t> </a:t>
             </a:r>
             <a:r>
-              <a:rPr lang="en-US" spc="-1" dirty="0">
-                <a:latin typeface="Source Code Pro" panose="020B0509030403020204" pitchFamily="49" charset="0"/>
-                <a:ea typeface="Source Code Pro" panose="020B0509030403020204" pitchFamily="49" charset="0"/>
-              </a:rPr>
-              <a:t>&gt;</a:t>
-            </a:r>
-            <a:endParaRPr lang="en-IN" sz="400" spc="-1" dirty="0">
-              <a:latin typeface="Source Code Pro" panose="020B0509030403020204" pitchFamily="49" charset="0"/>
-              <a:ea typeface="Source Code Pro" panose="020B0509030403020204" pitchFamily="49" charset="0"/>
+              <a:rPr lang="en-IN" dirty="0">
+                <a:solidFill>
+                  <a:srgbClr val="0070C0"/>
+                </a:solidFill>
+                <a:latin typeface="Consolas" panose="020B0609020204030204" pitchFamily="49" charset="0"/>
+              </a:rPr>
+              <a:t>VALUES</a:t>
+            </a:r>
+            <a:r>
+              <a:rPr lang="en-IN" dirty="0">
+                <a:solidFill>
+                  <a:schemeClr val="bg1">
+                    <a:lumMod val="50000"/>
+                  </a:schemeClr>
+                </a:solidFill>
+                <a:latin typeface="Consolas" panose="020B0609020204030204" pitchFamily="49" charset="0"/>
+              </a:rPr>
+              <a:t>(</a:t>
+            </a:r>
+            <a:r>
+              <a:rPr lang="en-IN" dirty="0">
+                <a:latin typeface="Consolas" panose="020B0609020204030204" pitchFamily="49" charset="0"/>
+              </a:rPr>
+              <a:t>3, 'ruhan’, 'salesman', '2022-04-27', 41000, 500.43, false</a:t>
+            </a:r>
+            <a:r>
+              <a:rPr lang="en-IN" dirty="0">
+                <a:solidFill>
+                  <a:schemeClr val="bg1">
+                    <a:lumMod val="50000"/>
+                  </a:schemeClr>
+                </a:solidFill>
+                <a:latin typeface="Consolas" panose="020B0609020204030204" pitchFamily="49" charset="0"/>
+              </a:rPr>
+              <a:t>)</a:t>
+            </a:r>
+            <a:r>
+              <a:rPr lang="en-IN" dirty="0">
+                <a:latin typeface="Consolas" panose="020B0609020204030204" pitchFamily="49" charset="0"/>
+              </a:rPr>
+              <a:t> </a:t>
+            </a:r>
+            <a:r>
+              <a:rPr lang="en-IN" dirty="0">
+                <a:solidFill>
+                  <a:srgbClr val="C00000"/>
+                </a:solidFill>
+                <a:latin typeface="Consolas" panose="020B0609020204030204" pitchFamily="49" charset="0"/>
+              </a:rPr>
+              <a:t>USING TTL 50</a:t>
+            </a:r>
+            <a:r>
+              <a:rPr lang="en-IN" dirty="0">
+                <a:latin typeface="Consolas" panose="020B0609020204030204" pitchFamily="49" charset="0"/>
+              </a:rPr>
+              <a:t>;</a:t>
+            </a:r>
+          </a:p>
+          <a:p>
+            <a:pPr marL="285750" indent="-285750">
+              <a:buFont typeface="Arial" panose="020B0604020202020204" pitchFamily="34" charset="0"/>
+              <a:buChar char="•"/>
+            </a:pPr>
+            <a:endParaRPr lang="en-IN" sz="800" dirty="0">
+              <a:latin typeface="Consolas" panose="020B0609020204030204" pitchFamily="49" charset="0"/>
+            </a:endParaRPr>
+          </a:p>
+          <a:p>
+            <a:pPr marL="285750" indent="-285750">
+              <a:buFont typeface="Arial" panose="020B0604020202020204" pitchFamily="34" charset="0"/>
+              <a:buChar char="•"/>
+            </a:pPr>
+            <a:r>
+              <a:rPr lang="en-IN" spc="-1" dirty="0">
+                <a:solidFill>
+                  <a:schemeClr val="bg1">
+                    <a:lumMod val="50000"/>
+                  </a:schemeClr>
+                </a:solidFill>
+                <a:latin typeface="Consolas" panose="020B0609020204030204" pitchFamily="49" charset="0"/>
+                <a:ea typeface="SimSun"/>
+              </a:rPr>
+              <a:t>cqlsh:db1&gt; </a:t>
+            </a:r>
+            <a:r>
+              <a:rPr lang="en-IN" sz="1800" b="0" strike="noStrike" spc="-1" dirty="0">
+                <a:solidFill>
+                  <a:schemeClr val="bg1">
+                    <a:lumMod val="50000"/>
+                  </a:schemeClr>
+                </a:solidFill>
+                <a:latin typeface="Consolas" panose="020B0609020204030204" pitchFamily="49" charset="0"/>
+                <a:ea typeface="SimSun"/>
+              </a:rPr>
+              <a:t>&gt; </a:t>
+            </a:r>
+            <a:r>
+              <a:rPr lang="en-US" dirty="0">
+                <a:solidFill>
+                  <a:srgbClr val="0070C0"/>
+                </a:solidFill>
+                <a:latin typeface="Consolas" panose="020B0609020204030204" pitchFamily="49" charset="0"/>
+              </a:rPr>
+              <a:t>INSERT</a:t>
+            </a:r>
+            <a:r>
+              <a:rPr lang="en-US" dirty="0">
+                <a:latin typeface="Consolas" panose="020B0609020204030204" pitchFamily="49" charset="0"/>
+              </a:rPr>
+              <a:t> </a:t>
+            </a:r>
+            <a:r>
+              <a:rPr lang="en-US" dirty="0">
+                <a:solidFill>
+                  <a:srgbClr val="0070C0"/>
+                </a:solidFill>
+                <a:latin typeface="Consolas" panose="020B0609020204030204" pitchFamily="49" charset="0"/>
+              </a:rPr>
+              <a:t>INTO</a:t>
+            </a:r>
+            <a:r>
+              <a:rPr lang="en-US" dirty="0">
+                <a:latin typeface="Consolas" panose="020B0609020204030204" pitchFamily="49" charset="0"/>
+              </a:rPr>
+              <a:t> emp </a:t>
+            </a:r>
+            <a:r>
+              <a:rPr lang="en-US" dirty="0">
+                <a:solidFill>
+                  <a:srgbClr val="0070C0"/>
+                </a:solidFill>
+                <a:latin typeface="Consolas" panose="020B0609020204030204" pitchFamily="49" charset="0"/>
+              </a:rPr>
+              <a:t>JSON</a:t>
+            </a:r>
+            <a:r>
+              <a:rPr lang="en-US" dirty="0">
+                <a:latin typeface="Consolas" panose="020B0609020204030204" pitchFamily="49" charset="0"/>
+              </a:rPr>
+              <a:t> '</a:t>
+            </a:r>
+            <a:r>
+              <a:rPr lang="en-US" dirty="0">
+                <a:solidFill>
+                  <a:schemeClr val="bg1">
+                    <a:lumMod val="50000"/>
+                  </a:schemeClr>
+                </a:solidFill>
+                <a:latin typeface="Consolas" panose="020B0609020204030204" pitchFamily="49" charset="0"/>
+              </a:rPr>
+              <a:t>{</a:t>
+            </a:r>
+            <a:r>
+              <a:rPr lang="en-US" dirty="0">
+                <a:latin typeface="Consolas" panose="020B0609020204030204" pitchFamily="49" charset="0"/>
+              </a:rPr>
+              <a:t>"empno": 3,"ename": "ruhan", "job": "salesman", "salary": 12000, "comm": 7.789, "hiredate": "2022-01-01", "isactive": true </a:t>
+            </a:r>
+            <a:r>
+              <a:rPr lang="en-US" dirty="0">
+                <a:solidFill>
+                  <a:schemeClr val="bg1">
+                    <a:lumMod val="50000"/>
+                  </a:schemeClr>
+                </a:solidFill>
+                <a:latin typeface="Consolas" panose="020B0609020204030204" pitchFamily="49" charset="0"/>
+              </a:rPr>
+              <a:t>}</a:t>
+            </a:r>
+            <a:r>
+              <a:rPr lang="en-US" dirty="0">
+                <a:latin typeface="Consolas" panose="020B0609020204030204" pitchFamily="49" charset="0"/>
+              </a:rPr>
+              <a:t>';</a:t>
+            </a:r>
+            <a:endParaRPr lang="en-IN" dirty="0">
+              <a:latin typeface="Consolas" panose="020B0609020204030204" pitchFamily="49" charset="0"/>
             </a:endParaRPr>
           </a:p>
         </p:txBody>
@@ -9730,7 +10183,7 @@
     </p:spTree>
     <p:extLst>
       <p:ext uri="{BB962C8B-B14F-4D97-AF65-F5344CB8AC3E}">
-        <p14:creationId xmlns:p14="http://schemas.microsoft.com/office/powerpoint/2010/main" val="2360017183"/>
+        <p14:creationId xmlns:p14="http://schemas.microsoft.com/office/powerpoint/2010/main" val="2463782446"/>
       </p:ext>
     </p:extLst>
   </p:cSld>
@@ -9766,7 +10219,7 @@
         <p:spPr>
           <a:xfrm>
             <a:off x="246600" y="762120"/>
-            <a:ext cx="11687400" cy="367878"/>
+            <a:ext cx="11687400" cy="644877"/>
           </a:xfrm>
           <a:prstGeom prst="rect">
             <a:avLst/>
@@ -9799,7 +10252,7 @@
               <a:rPr lang="en-US" spc="-1" dirty="0">
                 <a:latin typeface="Arial"/>
               </a:rPr>
-              <a:t>TODO</a:t>
+              <a:t>TTL: specifies an optional Time To Live (in seconds) for the inserted values. If set, the inserted values are automatically removed from the database after the specified time..</a:t>
             </a:r>
           </a:p>
         </p:txBody>
@@ -9856,7 +10309,7 @@
                 <a:latin typeface="Open Sans"/>
                 <a:ea typeface="DejaVu Sans"/>
               </a:rPr>
-              <a:t>delete data</a:t>
+              <a:t>insert data using TTL</a:t>
             </a:r>
             <a:endParaRPr lang="en-IN" sz="4000" b="0" strike="noStrike" spc="-1" dirty="0">
               <a:latin typeface="Arial"/>
@@ -9901,126 +10354,149 @@
       </p:sp>
       <p:sp>
         <p:nvSpPr>
-          <p:cNvPr id="10" name="CustomShape 6">
+          <p:cNvPr id="7" name="TextBox 6">
             <a:extLst>
               <a:ext uri="{FF2B5EF4-FFF2-40B4-BE49-F238E27FC236}">
-                <a16:creationId xmlns:a16="http://schemas.microsoft.com/office/drawing/2014/main" id="{3F3ADA2F-5904-426C-A7AA-EF7218A0D350}"/>
+                <a16:creationId xmlns:a16="http://schemas.microsoft.com/office/drawing/2014/main" id="{2D5EBEC2-F93A-405A-A8A0-67C4A22ADC15}"/>
               </a:ext>
             </a:extLst>
           </p:cNvPr>
-          <p:cNvSpPr/>
+          <p:cNvSpPr txBox="1"/>
           <p:nvPr/>
         </p:nvSpPr>
         <p:spPr>
           <a:xfrm>
-            <a:off x="246600" y="2030040"/>
-            <a:ext cx="11687400" cy="367878"/>
+            <a:off x="246600" y="2030400"/>
+            <a:ext cx="11687400" cy="646331"/>
           </a:xfrm>
           <a:prstGeom prst="rect">
             <a:avLst/>
           </a:prstGeom>
           <a:noFill/>
-          <a:ln>
-            <a:noFill/>
-          </a:ln>
-        </p:spPr>
-        <p:style>
-          <a:lnRef idx="0">
-            <a:scrgbClr r="0" g="0" b="0"/>
-          </a:lnRef>
-          <a:fillRef idx="0">
-            <a:scrgbClr r="0" g="0" b="0"/>
-          </a:fillRef>
-          <a:effectRef idx="0">
-            <a:scrgbClr r="0" g="0" b="0"/>
-          </a:effectRef>
-          <a:fontRef idx="minor"/>
-        </p:style>
-        <p:txBody>
-          <a:bodyPr lIns="90000" tIns="45000" rIns="90000" bIns="45000">
+        </p:spPr>
+        <p:txBody>
+          <a:bodyPr wrap="square">
             <a:spAutoFit/>
           </a:bodyPr>
           <a:lstStyle/>
           <a:p>
-            <a:r>
-              <a:rPr lang="en-US" spc="-1" dirty="0">
-                <a:solidFill>
-                  <a:srgbClr val="2B8208"/>
-                </a:solidFill>
-                <a:latin typeface="Source Code Pro" panose="020B0509030403020204" pitchFamily="49" charset="0"/>
-                <a:ea typeface="Source Code Pro" panose="020B0509030403020204" pitchFamily="49" charset="0"/>
-              </a:rPr>
-              <a:t>DESCRIBE KEYSPACES </a:t>
-            </a:r>
-            <a:r>
-              <a:rPr lang="en-US" spc="-1" dirty="0">
-                <a:latin typeface="Source Code Pro" panose="020B0509030403020204" pitchFamily="49" charset="0"/>
-                <a:ea typeface="Source Code Pro" panose="020B0509030403020204" pitchFamily="49" charset="0"/>
-              </a:rPr>
-              <a:t>|</a:t>
-            </a:r>
-            <a:r>
-              <a:rPr lang="en-US" spc="-1" dirty="0">
-                <a:solidFill>
-                  <a:srgbClr val="2B8208"/>
-                </a:solidFill>
-                <a:latin typeface="Source Code Pro" panose="020B0509030403020204" pitchFamily="49" charset="0"/>
-                <a:ea typeface="Source Code Pro" panose="020B0509030403020204" pitchFamily="49" charset="0"/>
-              </a:rPr>
-              <a:t> KEYSPACE </a:t>
-            </a:r>
-            <a:r>
-              <a:rPr lang="en-US" spc="-1" dirty="0">
-                <a:latin typeface="Source Code Pro" panose="020B0509030403020204" pitchFamily="49" charset="0"/>
-                <a:ea typeface="Source Code Pro" panose="020B0509030403020204" pitchFamily="49" charset="0"/>
-              </a:rPr>
-              <a:t>&lt;</a:t>
-            </a:r>
-            <a:r>
-              <a:rPr lang="en-US" spc="-1" dirty="0">
-                <a:solidFill>
-                  <a:srgbClr val="2B8208"/>
-                </a:solidFill>
-                <a:latin typeface="Source Code Pro" panose="020B0509030403020204" pitchFamily="49" charset="0"/>
-                <a:ea typeface="Source Code Pro" panose="020B0509030403020204" pitchFamily="49" charset="0"/>
+            <a:pPr marL="285750" indent="-285750">
+              <a:buFont typeface="Arial" panose="020B0604020202020204" pitchFamily="34" charset="0"/>
+              <a:buChar char="•"/>
+            </a:pPr>
+            <a:r>
+              <a:rPr lang="en-IN" spc="-1" dirty="0">
+                <a:solidFill>
+                  <a:schemeClr val="bg1">
+                    <a:lumMod val="50000"/>
+                  </a:schemeClr>
+                </a:solidFill>
+                <a:latin typeface="Consolas" panose="020B0609020204030204" pitchFamily="49" charset="0"/>
+                <a:ea typeface="SimSun"/>
+              </a:rPr>
+              <a:t>cqlsh:db1&gt; </a:t>
+            </a:r>
+            <a:r>
+              <a:rPr lang="en-IN" dirty="0">
+                <a:solidFill>
+                  <a:srgbClr val="0070C0"/>
+                </a:solidFill>
+                <a:latin typeface="Consolas" panose="020B0609020204030204" pitchFamily="49" charset="0"/>
+              </a:rPr>
+              <a:t>INSERT</a:t>
+            </a:r>
+            <a:r>
+              <a:rPr lang="en-IN" dirty="0">
+                <a:latin typeface="Consolas" panose="020B0609020204030204" pitchFamily="49" charset="0"/>
               </a:rPr>
               <a:t> </a:t>
             </a:r>
             <a:r>
-              <a:rPr lang="en-US" i="1" spc="-1" dirty="0">
-                <a:latin typeface="Source Code Pro" panose="020B0509030403020204" pitchFamily="49" charset="0"/>
-                <a:ea typeface="Source Code Pro" panose="020B0509030403020204" pitchFamily="49" charset="0"/>
-              </a:rPr>
-              <a:t>keyspace_name</a:t>
-            </a:r>
-            <a:r>
-              <a:rPr lang="en-US" spc="-1" dirty="0">
-                <a:solidFill>
-                  <a:srgbClr val="2B8208"/>
-                </a:solidFill>
-                <a:latin typeface="Source Code Pro" panose="020B0509030403020204" pitchFamily="49" charset="0"/>
-                <a:ea typeface="Source Code Pro" panose="020B0509030403020204" pitchFamily="49" charset="0"/>
+              <a:rPr lang="en-IN" dirty="0">
+                <a:solidFill>
+                  <a:srgbClr val="0070C0"/>
+                </a:solidFill>
+                <a:latin typeface="Consolas" panose="020B0609020204030204" pitchFamily="49" charset="0"/>
+              </a:rPr>
+              <a:t>INTO</a:t>
+            </a:r>
+            <a:r>
+              <a:rPr lang="en-IN" dirty="0">
+                <a:latin typeface="Consolas" panose="020B0609020204030204" pitchFamily="49" charset="0"/>
+              </a:rPr>
+              <a:t> emp</a:t>
+            </a:r>
+            <a:r>
+              <a:rPr lang="en-IN" dirty="0">
+                <a:solidFill>
+                  <a:schemeClr val="bg1">
+                    <a:lumMod val="50000"/>
+                  </a:schemeClr>
+                </a:solidFill>
+                <a:latin typeface="Consolas" panose="020B0609020204030204" pitchFamily="49" charset="0"/>
+              </a:rPr>
+              <a:t>(</a:t>
+            </a:r>
+            <a:r>
+              <a:rPr lang="en-IN" dirty="0">
+                <a:latin typeface="Consolas" panose="020B0609020204030204" pitchFamily="49" charset="0"/>
+              </a:rPr>
+              <a:t>empno, ename, job, hiredate, salary, comm, isactive) </a:t>
+            </a:r>
+            <a:r>
+              <a:rPr lang="en-IN" dirty="0">
+                <a:solidFill>
+                  <a:srgbClr val="0070C0"/>
+                </a:solidFill>
+                <a:latin typeface="Consolas" panose="020B0609020204030204" pitchFamily="49" charset="0"/>
+              </a:rPr>
+              <a:t>VALUES</a:t>
+            </a:r>
+            <a:r>
+              <a:rPr lang="en-IN" dirty="0">
+                <a:latin typeface="Consolas" panose="020B0609020204030204" pitchFamily="49" charset="0"/>
+              </a:rPr>
+              <a:t>(3, 'ruhan’, 'salesman', '2022-04-27', 41000, 500.43, false</a:t>
+            </a:r>
+            <a:r>
+              <a:rPr lang="en-IN" dirty="0">
+                <a:solidFill>
+                  <a:schemeClr val="bg1">
+                    <a:lumMod val="50000"/>
+                  </a:schemeClr>
+                </a:solidFill>
+                <a:latin typeface="Consolas" panose="020B0609020204030204" pitchFamily="49" charset="0"/>
+              </a:rPr>
+              <a:t>)</a:t>
+            </a:r>
+            <a:r>
+              <a:rPr lang="en-IN" dirty="0">
+                <a:latin typeface="Consolas" panose="020B0609020204030204" pitchFamily="49" charset="0"/>
               </a:rPr>
               <a:t> </a:t>
             </a:r>
             <a:r>
-              <a:rPr lang="en-US" spc="-1" dirty="0">
-                <a:latin typeface="Source Code Pro" panose="020B0509030403020204" pitchFamily="49" charset="0"/>
-                <a:ea typeface="Source Code Pro" panose="020B0509030403020204" pitchFamily="49" charset="0"/>
-              </a:rPr>
-              <a:t>&gt;</a:t>
-            </a:r>
-            <a:endParaRPr lang="en-IN" sz="400" spc="-1" dirty="0">
-              <a:latin typeface="Source Code Pro" panose="020B0509030403020204" pitchFamily="49" charset="0"/>
-              <a:ea typeface="Source Code Pro" panose="020B0509030403020204" pitchFamily="49" charset="0"/>
-            </a:endParaRPr>
+              <a:rPr lang="en-IN" dirty="0">
+                <a:solidFill>
+                  <a:srgbClr val="C00000"/>
+                </a:solidFill>
+                <a:latin typeface="Consolas" panose="020B0609020204030204" pitchFamily="49" charset="0"/>
+              </a:rPr>
+              <a:t>USING TTL 50</a:t>
+            </a:r>
+            <a:r>
+              <a:rPr lang="en-IN" dirty="0">
+                <a:latin typeface="Consolas" panose="020B0609020204030204" pitchFamily="49" charset="0"/>
+              </a:rPr>
+              <a:t>;</a:t>
+            </a:r>
           </a:p>
         </p:txBody>
       </p:sp>
     </p:spTree>
     <p:extLst>
       <p:ext uri="{BB962C8B-B14F-4D97-AF65-F5344CB8AC3E}">
-        <p14:creationId xmlns:p14="http://schemas.microsoft.com/office/powerpoint/2010/main" val="1932277347"/>
+        <p14:creationId xmlns:p14="http://schemas.microsoft.com/office/powerpoint/2010/main" val="547641096"/>
       </p:ext>
     </p:extLst>
   </p:cSld>
@@ -10049,14 +10525,14 @@
       </p:grpSpPr>
       <p:sp>
         <p:nvSpPr>
-          <p:cNvPr id="109" name="CustomShape 1"/>
+          <p:cNvPr id="111" name="CustomShape 1"/>
           <p:cNvSpPr/>
           <p:nvPr/>
         </p:nvSpPr>
         <p:spPr>
           <a:xfrm>
-            <a:off x="1676520" y="2362320"/>
-            <a:ext cx="8815320" cy="921876"/>
+            <a:off x="246600" y="762120"/>
+            <a:ext cx="11687400" cy="367878"/>
           </a:xfrm>
           <a:prstGeom prst="rect">
             <a:avLst/>
@@ -10084,32 +10560,71 @@
           </a:bodyPr>
           <a:lstStyle/>
           <a:p>
+            <a:pPr algn="just"/>
+            <a:r>
+              <a:rPr lang="en-US" spc="-1" dirty="0">
+                <a:latin typeface="Arial"/>
+              </a:rPr>
+              <a:t>TODO</a:t>
+            </a:r>
+          </a:p>
+        </p:txBody>
+      </p:sp>
+      <p:sp>
+        <p:nvSpPr>
+          <p:cNvPr id="114" name="CustomShape 4"/>
+          <p:cNvSpPr/>
+          <p:nvPr/>
+        </p:nvSpPr>
+        <p:spPr>
+          <a:xfrm>
+            <a:off x="246600" y="0"/>
+            <a:ext cx="11687400" cy="706432"/>
+          </a:xfrm>
+          <a:prstGeom prst="rect">
+            <a:avLst/>
+          </a:prstGeom>
+          <a:solidFill>
+            <a:srgbClr val="C00000"/>
+          </a:solidFill>
+          <a:ln>
+            <a:noFill/>
+          </a:ln>
+        </p:spPr>
+        <p:style>
+          <a:lnRef idx="0">
+            <a:scrgbClr r="0" g="0" b="0"/>
+          </a:lnRef>
+          <a:fillRef idx="0">
+            <a:scrgbClr r="0" g="0" b="0"/>
+          </a:fillRef>
+          <a:effectRef idx="0">
+            <a:scrgbClr r="0" g="0" b="0"/>
+          </a:effectRef>
+          <a:fontRef idx="minor"/>
+        </p:style>
+        <p:txBody>
+          <a:bodyPr lIns="90000" tIns="45000" rIns="90000" bIns="45000">
+            <a:spAutoFit/>
+          </a:bodyPr>
+          <a:lstStyle/>
+          <a:p>
             <a:pPr algn="ctr">
               <a:lnSpc>
                 <a:spcPct val="100000"/>
               </a:lnSpc>
             </a:pPr>
             <a:r>
-              <a:rPr lang="en-IN" sz="5400" i="1" spc="-1" dirty="0">
+              <a:rPr lang="en-IN" sz="4000" spc="-1" dirty="0">
                 <a:solidFill>
                   <a:srgbClr val="F7C120"/>
                 </a:solidFill>
-                <a:latin typeface="Century"/>
+                <a:latin typeface="Open Sans"/>
                 <a:ea typeface="DejaVu Sans"/>
               </a:rPr>
-              <a:t>drop</a:t>
-            </a:r>
-            <a:r>
-              <a:rPr lang="en-IN" sz="5400" b="0" i="1" strike="noStrike" spc="-1" dirty="0">
-                <a:solidFill>
-                  <a:srgbClr val="F7C120"/>
-                </a:solidFill>
-                <a:latin typeface="Century"/>
-                <a:ea typeface="DejaVu Sans"/>
-              </a:rPr>
-              <a:t> table</a:t>
-            </a:r>
-            <a:endParaRPr lang="en-IN" sz="5400" b="0" strike="noStrike" spc="-1" dirty="0">
+              <a:t>update data</a:t>
+            </a:r>
+            <a:endParaRPr lang="en-IN" sz="4000" b="0" strike="noStrike" spc="-1" dirty="0">
               <a:latin typeface="Arial"/>
             </a:endParaRPr>
           </a:p>
@@ -10117,14 +10632,55 @@
       </p:sp>
       <p:sp>
         <p:nvSpPr>
-          <p:cNvPr id="110" name="CustomShape 2"/>
+          <p:cNvPr id="115" name="Line 5"/>
           <p:cNvSpPr/>
           <p:nvPr/>
         </p:nvSpPr>
         <p:spPr>
           <a:xfrm>
-            <a:off x="522360" y="3531600"/>
-            <a:ext cx="11052360" cy="367878"/>
+            <a:off x="0" y="1536120"/>
+            <a:ext cx="12191760" cy="0"/>
+          </a:xfrm>
+          <a:prstGeom prst="line">
+            <a:avLst/>
+          </a:prstGeom>
+          <a:ln w="12600">
+            <a:solidFill>
+              <a:srgbClr val="6E78A0"/>
+            </a:solidFill>
+            <a:prstDash val="dash"/>
+            <a:round/>
+          </a:ln>
+        </p:spPr>
+        <p:style>
+          <a:lnRef idx="1">
+            <a:schemeClr val="accent1"/>
+          </a:lnRef>
+          <a:fillRef idx="0">
+            <a:schemeClr val="accent1"/>
+          </a:fillRef>
+          <a:effectRef idx="0">
+            <a:schemeClr val="accent1"/>
+          </a:effectRef>
+          <a:fontRef idx="minor"/>
+        </p:style>
+      </p:sp>
+      <p:sp>
+        <p:nvSpPr>
+          <p:cNvPr id="10" name="CustomShape 6">
+            <a:extLst>
+              <a:ext uri="{FF2B5EF4-FFF2-40B4-BE49-F238E27FC236}">
+                <a16:creationId xmlns:a16="http://schemas.microsoft.com/office/drawing/2014/main" id="{D4558032-AAFD-4B35-81C8-1CCCADB686EE}"/>
+              </a:ext>
+            </a:extLst>
+          </p:cNvPr>
+          <p:cNvSpPr/>
+          <p:nvPr/>
+        </p:nvSpPr>
+        <p:spPr>
+          <a:xfrm>
+            <a:off x="246600" y="2030040"/>
+            <a:ext cx="11687400" cy="367878"/>
           </a:xfrm>
           <a:prstGeom prst="rect">
             <a:avLst/>
@@ -10152,26 +10708,77 @@
           </a:bodyPr>
           <a:lstStyle/>
           <a:p>
-            <a:pPr algn="just">
-              <a:lnSpc>
-                <a:spcPct val="100000"/>
-              </a:lnSpc>
-            </a:pPr>
-            <a:r>
-              <a:rPr lang="en-US" sz="1800" b="0" strike="noStrike" spc="-1" dirty="0">
-                <a:solidFill>
-                  <a:srgbClr val="BB0643"/>
-                </a:solidFill>
-                <a:latin typeface="Segoe UI"/>
-                <a:ea typeface="DejaVu Sans"/>
-              </a:rPr>
-              <a:t>TODO</a:t>
-            </a:r>
-            <a:endParaRPr lang="en-IN" spc="-1" dirty="0">
-              <a:solidFill>
-                <a:srgbClr val="BB0643"/>
-              </a:solidFill>
-              <a:latin typeface="Segoe UI"/>
+            <a:r>
+              <a:rPr lang="en-US" spc="-1" dirty="0">
+                <a:solidFill>
+                  <a:srgbClr val="2B8208"/>
+                </a:solidFill>
+                <a:latin typeface="Source Code Pro" panose="020B0509030403020204" pitchFamily="49" charset="0"/>
+                <a:ea typeface="Source Code Pro" panose="020B0509030403020204" pitchFamily="49" charset="0"/>
+              </a:rPr>
+              <a:t>DESCRIBE KEYSPACES </a:t>
+            </a:r>
+            <a:r>
+              <a:rPr lang="en-US" spc="-1" dirty="0">
+                <a:latin typeface="Source Code Pro" panose="020B0509030403020204" pitchFamily="49" charset="0"/>
+                <a:ea typeface="Source Code Pro" panose="020B0509030403020204" pitchFamily="49" charset="0"/>
+              </a:rPr>
+              <a:t>|</a:t>
+            </a:r>
+            <a:r>
+              <a:rPr lang="en-US" spc="-1" dirty="0">
+                <a:solidFill>
+                  <a:srgbClr val="2B8208"/>
+                </a:solidFill>
+                <a:latin typeface="Source Code Pro" panose="020B0509030403020204" pitchFamily="49" charset="0"/>
+                <a:ea typeface="Source Code Pro" panose="020B0509030403020204" pitchFamily="49" charset="0"/>
+              </a:rPr>
+              <a:t> KEYSPACE </a:t>
+            </a:r>
+            <a:r>
+              <a:rPr lang="en-US" spc="-1" dirty="0">
+                <a:latin typeface="Source Code Pro" panose="020B0509030403020204" pitchFamily="49" charset="0"/>
+                <a:ea typeface="Source Code Pro" panose="020B0509030403020204" pitchFamily="49" charset="0"/>
+              </a:rPr>
+              <a:t>&lt;</a:t>
+            </a:r>
+            <a:r>
+              <a:rPr lang="en-US" spc="-1" dirty="0">
+                <a:solidFill>
+                  <a:srgbClr val="2B8208"/>
+                </a:solidFill>
+                <a:latin typeface="Source Code Pro" panose="020B0509030403020204" pitchFamily="49" charset="0"/>
+                <a:ea typeface="Source Code Pro" panose="020B0509030403020204" pitchFamily="49" charset="0"/>
+              </a:rPr>
+              <a:t> </a:t>
+            </a:r>
+            <a:r>
+              <a:rPr lang="en-US" i="1" spc="-1" dirty="0">
+                <a:latin typeface="Source Code Pro" panose="020B0509030403020204" pitchFamily="49" charset="0"/>
+                <a:ea typeface="Source Code Pro" panose="020B0509030403020204" pitchFamily="49" charset="0"/>
+              </a:rPr>
+              <a:t>keyspace_name</a:t>
+            </a:r>
+            <a:r>
+              <a:rPr lang="en-US" spc="-1" dirty="0">
+                <a:solidFill>
+                  <a:srgbClr val="2B8208"/>
+                </a:solidFill>
+                <a:latin typeface="Source Code Pro" panose="020B0509030403020204" pitchFamily="49" charset="0"/>
+                <a:ea typeface="Source Code Pro" panose="020B0509030403020204" pitchFamily="49" charset="0"/>
+              </a:rPr>
+              <a:t> </a:t>
+            </a:r>
+            <a:r>
+              <a:rPr lang="en-US" spc="-1" dirty="0">
+                <a:latin typeface="Source Code Pro" panose="020B0509030403020204" pitchFamily="49" charset="0"/>
+                <a:ea typeface="Source Code Pro" panose="020B0509030403020204" pitchFamily="49" charset="0"/>
+              </a:rPr>
+              <a:t>&gt;</a:t>
+            </a:r>
+            <a:endParaRPr lang="en-IN" sz="400" spc="-1" dirty="0">
+              <a:latin typeface="Source Code Pro" panose="020B0509030403020204" pitchFamily="49" charset="0"/>
+              <a:ea typeface="Source Code Pro" panose="020B0509030403020204" pitchFamily="49" charset="0"/>
             </a:endParaRPr>
           </a:p>
         </p:txBody>
@@ -10179,7 +10786,7 @@
     </p:spTree>
     <p:extLst>
       <p:ext uri="{BB962C8B-B14F-4D97-AF65-F5344CB8AC3E}">
-        <p14:creationId xmlns:p14="http://schemas.microsoft.com/office/powerpoint/2010/main" val="3621743096"/>
+        <p14:creationId xmlns:p14="http://schemas.microsoft.com/office/powerpoint/2010/main" val="2360017183"/>
       </p:ext>
     </p:extLst>
   </p:cSld>
@@ -10305,17 +10912,7 @@
                 <a:latin typeface="Open Sans"/>
                 <a:ea typeface="DejaVu Sans"/>
               </a:rPr>
-              <a:t>drop</a:t>
-            </a:r>
-            <a:r>
-              <a:rPr lang="en-IN" sz="4000" b="0" strike="noStrike" spc="-1" dirty="0">
-                <a:solidFill>
-                  <a:srgbClr val="F7C120"/>
-                </a:solidFill>
-                <a:latin typeface="Open Sans"/>
-                <a:ea typeface="DejaVu Sans"/>
-              </a:rPr>
-              <a:t> table</a:t>
+              <a:t>delete data</a:t>
             </a:r>
             <a:endParaRPr lang="en-IN" sz="4000" b="0" strike="noStrike" spc="-1" dirty="0">
               <a:latin typeface="Arial"/>
@@ -10360,14 +10957,20 @@
       </p:sp>
       <p:sp>
         <p:nvSpPr>
-          <p:cNvPr id="116" name="CustomShape 6"/>
+          <p:cNvPr id="10" name="CustomShape 6">
+            <a:extLst>
+              <a:ext uri="{FF2B5EF4-FFF2-40B4-BE49-F238E27FC236}">
+                <a16:creationId xmlns:a16="http://schemas.microsoft.com/office/drawing/2014/main" id="{3F3ADA2F-5904-426C-A7AA-EF7218A0D350}"/>
+              </a:ext>
+            </a:extLst>
+          </p:cNvPr>
           <p:cNvSpPr/>
           <p:nvPr/>
         </p:nvSpPr>
         <p:spPr>
           <a:xfrm>
             <a:off x="246600" y="2030040"/>
-            <a:ext cx="11687400" cy="644877"/>
+            <a:ext cx="11687400" cy="367878"/>
           </a:xfrm>
           <a:prstGeom prst="rect">
             <a:avLst/>
@@ -10396,14 +10999,6 @@
           <a:lstStyle/>
           <a:p>
             <a:r>
-              <a:rPr lang="en-US" b="0" i="0" dirty="0">
-                <a:effectLst/>
-                <a:latin typeface="Source Code Pro" panose="020B0509030403020204" pitchFamily="49" charset="0"/>
-                <a:ea typeface="Source Code Pro" panose="020B0509030403020204" pitchFamily="49" charset="0"/>
-              </a:rPr>
-              <a:t>drop_table_statement::= </a:t>
-            </a:r>
-            <a:r>
               <a:rPr lang="en-US" spc="-1" dirty="0">
                 <a:solidFill>
                   <a:srgbClr val="2B8208"/>
@@ -10411,22 +11006,48 @@
                 <a:latin typeface="Source Code Pro" panose="020B0509030403020204" pitchFamily="49" charset="0"/>
                 <a:ea typeface="Source Code Pro" panose="020B0509030403020204" pitchFamily="49" charset="0"/>
               </a:rPr>
-              <a:t>DROP</a:t>
-            </a:r>
-            <a:r>
-              <a:rPr lang="en-US" b="0" i="0" dirty="0">
-                <a:effectLst/>
+              <a:t>DESCRIBE KEYSPACES </a:t>
+            </a:r>
+            <a:r>
+              <a:rPr lang="en-US" spc="-1" dirty="0">
+                <a:latin typeface="Source Code Pro" panose="020B0509030403020204" pitchFamily="49" charset="0"/>
+                <a:ea typeface="Source Code Pro" panose="020B0509030403020204" pitchFamily="49" charset="0"/>
+              </a:rPr>
+              <a:t>|</a:t>
+            </a:r>
+            <a:r>
+              <a:rPr lang="en-US" spc="-1" dirty="0">
+                <a:solidFill>
+                  <a:srgbClr val="2B8208"/>
+                </a:solidFill>
+                <a:latin typeface="Source Code Pro" panose="020B0509030403020204" pitchFamily="49" charset="0"/>
+                <a:ea typeface="Source Code Pro" panose="020B0509030403020204" pitchFamily="49" charset="0"/>
+              </a:rPr>
+              <a:t> KEYSPACE </a:t>
+            </a:r>
+            <a:r>
+              <a:rPr lang="en-US" spc="-1" dirty="0">
+                <a:latin typeface="Source Code Pro" panose="020B0509030403020204" pitchFamily="49" charset="0"/>
+                <a:ea typeface="Source Code Pro" panose="020B0509030403020204" pitchFamily="49" charset="0"/>
+              </a:rPr>
+              <a:t>&lt;</a:t>
+            </a:r>
+            <a:r>
+              <a:rPr lang="en-US" spc="-1" dirty="0">
+                <a:solidFill>
+                  <a:srgbClr val="2B8208"/>
+                </a:solidFill>
                 <a:latin typeface="Source Code Pro" panose="020B0509030403020204" pitchFamily="49" charset="0"/>
                 <a:ea typeface="Source Code Pro" panose="020B0509030403020204" pitchFamily="49" charset="0"/>
               </a:rPr>
               <a:t> </a:t>
             </a:r>
             <a:r>
-              <a:rPr lang="en-US" spc="-1" dirty="0">
-                <a:latin typeface="Source Code Pro" panose="020B0509030403020204" pitchFamily="49" charset="0"/>
-                <a:ea typeface="Source Code Pro" panose="020B0509030403020204" pitchFamily="49" charset="0"/>
-              </a:rPr>
-              <a:t>{</a:t>
+              <a:rPr lang="en-US" i="1" spc="-1" dirty="0">
+                <a:latin typeface="Source Code Pro" panose="020B0509030403020204" pitchFamily="49" charset="0"/>
+                <a:ea typeface="Source Code Pro" panose="020B0509030403020204" pitchFamily="49" charset="0"/>
+              </a:rPr>
+              <a:t>keyspace_name</a:t>
             </a:r>
             <a:r>
               <a:rPr lang="en-US" spc="-1" dirty="0">
@@ -10436,246 +11057,26 @@
                 <a:latin typeface="Source Code Pro" panose="020B0509030403020204" pitchFamily="49" charset="0"/>
                 <a:ea typeface="Source Code Pro" panose="020B0509030403020204" pitchFamily="49" charset="0"/>
               </a:rPr>
-              <a:t> TABLE </a:t>
-            </a:r>
-            <a:r>
-              <a:rPr lang="en-US" spc="-1" dirty="0">
-                <a:latin typeface="Source Code Pro" panose="020B0509030403020204" pitchFamily="49" charset="0"/>
-                <a:ea typeface="Source Code Pro" panose="020B0509030403020204" pitchFamily="49" charset="0"/>
-              </a:rPr>
-              <a:t>|</a:t>
-            </a:r>
-            <a:r>
-              <a:rPr lang="en-US" spc="-1" dirty="0">
-                <a:solidFill>
-                  <a:srgbClr val="2B8208"/>
-                </a:solidFill>
-                <a:latin typeface="Source Code Pro" panose="020B0509030403020204" pitchFamily="49" charset="0"/>
-                <a:ea typeface="Source Code Pro" panose="020B0509030403020204" pitchFamily="49" charset="0"/>
-              </a:rPr>
-              <a:t> COLUMNFAMILY </a:t>
-            </a:r>
-            <a:r>
-              <a:rPr lang="en-US" spc="-1" dirty="0">
-                <a:latin typeface="Source Code Pro" panose="020B0509030403020204" pitchFamily="49" charset="0"/>
-                <a:ea typeface="Source Code Pro" panose="020B0509030403020204" pitchFamily="49" charset="0"/>
-              </a:rPr>
-              <a:t>}</a:t>
-            </a:r>
-            <a:r>
-              <a:rPr lang="en-US" b="0" i="0" dirty="0">
-                <a:effectLst/>
-                <a:latin typeface="Source Code Pro" panose="020B0509030403020204" pitchFamily="49" charset="0"/>
-                <a:ea typeface="Source Code Pro" panose="020B0509030403020204" pitchFamily="49" charset="0"/>
-              </a:rPr>
-              <a:t> [ </a:t>
-            </a:r>
-            <a:r>
-              <a:rPr lang="en-US" spc="-1" dirty="0">
-                <a:solidFill>
-                  <a:srgbClr val="2B8208"/>
-                </a:solidFill>
-                <a:latin typeface="Source Code Pro" panose="020B0509030403020204" pitchFamily="49" charset="0"/>
-                <a:ea typeface="Source Code Pro" panose="020B0509030403020204" pitchFamily="49" charset="0"/>
-              </a:rPr>
-              <a:t>IF</a:t>
-            </a:r>
-            <a:r>
-              <a:rPr lang="en-US" b="0" i="0" dirty="0">
-                <a:effectLst/>
-                <a:latin typeface="Source Code Pro" panose="020B0509030403020204" pitchFamily="49" charset="0"/>
-                <a:ea typeface="Source Code Pro" panose="020B0509030403020204" pitchFamily="49" charset="0"/>
-              </a:rPr>
               <a:t> </a:t>
             </a:r>
             <a:r>
               <a:rPr lang="en-US" spc="-1" dirty="0">
-                <a:solidFill>
-                  <a:srgbClr val="2B8208"/>
-                </a:solidFill>
-                <a:latin typeface="Source Code Pro" panose="020B0509030403020204" pitchFamily="49" charset="0"/>
-                <a:ea typeface="Source Code Pro" panose="020B0509030403020204" pitchFamily="49" charset="0"/>
-              </a:rPr>
-              <a:t>EXISTS</a:t>
-            </a:r>
-            <a:r>
-              <a:rPr lang="en-US" b="0" i="0" dirty="0">
-                <a:effectLst/>
-                <a:latin typeface="Source Code Pro" panose="020B0509030403020204" pitchFamily="49" charset="0"/>
-                <a:ea typeface="Source Code Pro" panose="020B0509030403020204" pitchFamily="49" charset="0"/>
-              </a:rPr>
-              <a:t> ] </a:t>
-            </a:r>
-            <a:r>
-              <a:rPr lang="en-US" spc="-1" dirty="0">
-                <a:latin typeface="Source Code Pro" panose="020B0509030403020204" pitchFamily="49" charset="0"/>
-                <a:ea typeface="Source Code Pro" panose="020B0509030403020204" pitchFamily="49" charset="0"/>
-              </a:rPr>
-              <a:t>[</a:t>
-            </a:r>
-            <a:r>
-              <a:rPr lang="en-US" i="1" spc="-1" dirty="0">
-                <a:latin typeface="Source Code Pro" panose="020B0509030403020204" pitchFamily="49" charset="0"/>
-                <a:ea typeface="Source Code Pro" panose="020B0509030403020204" pitchFamily="49" charset="0"/>
-              </a:rPr>
-              <a:t>keyspace_name</a:t>
-            </a:r>
-            <a:r>
-              <a:rPr lang="en-US" spc="-1" dirty="0">
-                <a:latin typeface="Source Code Pro" panose="020B0509030403020204" pitchFamily="49" charset="0"/>
-                <a:ea typeface="Source Code Pro" panose="020B0509030403020204" pitchFamily="49" charset="0"/>
-              </a:rPr>
-              <a:t>.]</a:t>
-            </a:r>
-            <a:r>
-              <a:rPr lang="en-US" i="1" spc="-1" dirty="0">
-                <a:latin typeface="Source Code Pro" panose="020B0509030403020204" pitchFamily="49" charset="0"/>
-                <a:ea typeface="Source Code Pro" panose="020B0509030403020204" pitchFamily="49" charset="0"/>
-              </a:rPr>
-              <a:t>table_name</a:t>
-            </a:r>
-            <a:endParaRPr lang="en-IN" i="1" spc="-1" dirty="0">
+                <a:latin typeface="Source Code Pro" panose="020B0509030403020204" pitchFamily="49" charset="0"/>
+                <a:ea typeface="Source Code Pro" panose="020B0509030403020204" pitchFamily="49" charset="0"/>
+              </a:rPr>
+              <a:t>&gt;</a:t>
+            </a:r>
+            <a:endParaRPr lang="en-IN" sz="400" spc="-1" dirty="0">
               <a:latin typeface="Source Code Pro" panose="020B0509030403020204" pitchFamily="49" charset="0"/>
               <a:ea typeface="Source Code Pro" panose="020B0509030403020204" pitchFamily="49" charset="0"/>
             </a:endParaRPr>
           </a:p>
         </p:txBody>
       </p:sp>
-      <p:sp>
-        <p:nvSpPr>
-          <p:cNvPr id="7" name="CustomShape 2">
-            <a:extLst>
-              <a:ext uri="{FF2B5EF4-FFF2-40B4-BE49-F238E27FC236}">
-                <a16:creationId xmlns:a16="http://schemas.microsoft.com/office/drawing/2014/main" id="{ACCD4961-017A-4E61-85C4-2430DD7DDAA2}"/>
-              </a:ext>
-            </a:extLst>
-          </p:cNvPr>
-          <p:cNvSpPr/>
-          <p:nvPr/>
-        </p:nvSpPr>
-        <p:spPr>
-          <a:xfrm>
-            <a:off x="246600" y="3205138"/>
-            <a:ext cx="11687400" cy="767987"/>
-          </a:xfrm>
-          <a:prstGeom prst="rect">
-            <a:avLst/>
-          </a:prstGeom>
-          <a:noFill/>
-          <a:ln>
-            <a:noFill/>
-          </a:ln>
-        </p:spPr>
-        <p:style>
-          <a:lnRef idx="0">
-            <a:scrgbClr r="0" g="0" b="0"/>
-          </a:lnRef>
-          <a:fillRef idx="0">
-            <a:scrgbClr r="0" g="0" b="0"/>
-          </a:fillRef>
-          <a:effectRef idx="0">
-            <a:scrgbClr r="0" g="0" b="0"/>
-          </a:effectRef>
-          <a:fontRef idx="minor"/>
-        </p:style>
-        <p:txBody>
-          <a:bodyPr wrap="square" lIns="90000" tIns="45000" rIns="90000" bIns="45000">
-            <a:spAutoFit/>
-          </a:bodyPr>
-          <a:lstStyle/>
-          <a:p>
-            <a:pPr marL="309510" indent="-285750">
-              <a:buClr>
-                <a:srgbClr val="808080"/>
-              </a:buClr>
-              <a:buFont typeface="Arial" panose="020B0604020202020204" pitchFamily="34" charset="0"/>
-              <a:buChar char="•"/>
-            </a:pPr>
-            <a:r>
-              <a:rPr lang="en-IN" sz="1800" b="0" strike="noStrike" spc="-1" dirty="0">
-                <a:solidFill>
-                  <a:schemeClr val="bg1">
-                    <a:lumMod val="50000"/>
-                  </a:schemeClr>
-                </a:solidFill>
-                <a:latin typeface="Consolas"/>
-                <a:ea typeface="SimSun"/>
-              </a:rPr>
-              <a:t>cqlsh:db1&gt;</a:t>
-            </a:r>
-            <a:r>
-              <a:rPr lang="en-IN" sz="1800" b="0" strike="noStrike" spc="-1" dirty="0">
-                <a:latin typeface="Consolas"/>
-                <a:ea typeface="SimSun"/>
-              </a:rPr>
-              <a:t> drop table db1.emp;</a:t>
-            </a:r>
-          </a:p>
-          <a:p>
-            <a:pPr marL="309510" indent="-285750">
-              <a:buClr>
-                <a:srgbClr val="808080"/>
-              </a:buClr>
-              <a:buFont typeface="Arial" panose="020B0604020202020204" pitchFamily="34" charset="0"/>
-              <a:buChar char="•"/>
-            </a:pPr>
-            <a:endParaRPr lang="en-IN" sz="800" spc="-1" dirty="0">
-              <a:latin typeface="Consolas"/>
-              <a:ea typeface="SimSun"/>
-            </a:endParaRPr>
-          </a:p>
-          <a:p>
-            <a:pPr marL="309510" indent="-285750">
-              <a:buClr>
-                <a:srgbClr val="808080"/>
-              </a:buClr>
-              <a:buFont typeface="Arial" panose="020B0604020202020204" pitchFamily="34" charset="0"/>
-              <a:buChar char="•"/>
-            </a:pPr>
-            <a:r>
-              <a:rPr lang="en-IN" sz="1800" b="0" strike="noStrike" spc="-1" dirty="0">
-                <a:solidFill>
-                  <a:schemeClr val="bg1">
-                    <a:lumMod val="50000"/>
-                  </a:schemeClr>
-                </a:solidFill>
-                <a:latin typeface="Consolas"/>
-                <a:ea typeface="SimSun"/>
-              </a:rPr>
-              <a:t>cqlsh:db1&gt; </a:t>
-            </a:r>
-            <a:r>
-              <a:rPr lang="en-IN" sz="1800" b="0" strike="noStrike" spc="-1" dirty="0">
-                <a:latin typeface="Consolas"/>
-                <a:ea typeface="SimSun"/>
-              </a:rPr>
-              <a:t>drop </a:t>
-            </a:r>
-            <a:r>
-              <a:rPr lang="en-US" spc="-1" dirty="0">
-                <a:latin typeface="Source Code Pro" panose="020B0509030403020204" pitchFamily="49" charset="0"/>
-                <a:ea typeface="Source Code Pro" panose="020B0509030403020204" pitchFamily="49" charset="0"/>
-              </a:rPr>
-              <a:t>columnfamily</a:t>
-            </a:r>
-            <a:r>
-              <a:rPr lang="en-IN" sz="1800" b="0" strike="noStrike" spc="-1" dirty="0">
-                <a:latin typeface="Consolas"/>
-                <a:ea typeface="SimSun"/>
-              </a:rPr>
-              <a:t> db1.emp;</a:t>
-            </a:r>
-            <a:endParaRPr lang="en-IN" spc="-1" dirty="0">
-              <a:latin typeface="Consolas"/>
-              <a:ea typeface="SimSun"/>
-            </a:endParaRPr>
-          </a:p>
-        </p:txBody>
-      </p:sp>
     </p:spTree>
     <p:extLst>
       <p:ext uri="{BB962C8B-B14F-4D97-AF65-F5344CB8AC3E}">
-        <p14:creationId xmlns:p14="http://schemas.microsoft.com/office/powerpoint/2010/main" val="3364275549"/>
+        <p14:creationId xmlns:p14="http://schemas.microsoft.com/office/powerpoint/2010/main" val="1932277347"/>
       </p:ext>
     </p:extLst>
   </p:cSld>
@@ -10752,7 +11153,7 @@
                 <a:latin typeface="Century"/>
                 <a:ea typeface="DejaVu Sans"/>
               </a:rPr>
-              <a:t>truncate</a:t>
+              <a:t>drop</a:t>
             </a:r>
             <a:r>
               <a:rPr lang="en-IN" sz="5400" b="0" i="1" strike="noStrike" spc="-1" dirty="0">
@@ -10834,7 +11235,7 @@
     </p:spTree>
     <p:extLst>
       <p:ext uri="{BB962C8B-B14F-4D97-AF65-F5344CB8AC3E}">
-        <p14:creationId xmlns:p14="http://schemas.microsoft.com/office/powerpoint/2010/main" val="3553681802"/>
+        <p14:creationId xmlns:p14="http://schemas.microsoft.com/office/powerpoint/2010/main" val="3621743096"/>
       </p:ext>
     </p:extLst>
   </p:cSld>
@@ -10903,7 +11304,7 @@
               <a:rPr lang="en-US" spc="-1" dirty="0">
                 <a:latin typeface="Arial"/>
               </a:rPr>
-              <a:t>Truncating a table permanently removes all existing data from the table, but without removing the table itself.</a:t>
+              <a:t>TODO</a:t>
             </a:r>
           </a:p>
         </p:txBody>
@@ -10960,7 +11361,7 @@
                 <a:latin typeface="Open Sans"/>
                 <a:ea typeface="DejaVu Sans"/>
               </a:rPr>
-              <a:t>truncate</a:t>
+              <a:t>drop</a:t>
             </a:r>
             <a:r>
               <a:rPr lang="en-IN" sz="4000" b="0" strike="noStrike" spc="-1" dirty="0">
@@ -11022,7 +11423,7 @@
         <p:spPr>
           <a:xfrm>
             <a:off x="246600" y="2030040"/>
-            <a:ext cx="11687400" cy="367878"/>
+            <a:ext cx="11687400" cy="644877"/>
           </a:xfrm>
           <a:prstGeom prst="rect">
             <a:avLst/>
@@ -11053,9 +11454,10 @@
             <a:r>
               <a:rPr lang="en-US" b="0" i="0" dirty="0">
                 <a:effectLst/>
-                <a:latin typeface="Roboto Mono"/>
-              </a:rPr>
-              <a:t>truncate_statement::= </a:t>
+                <a:latin typeface="Source Code Pro" panose="020B0509030403020204" pitchFamily="49" charset="0"/>
+                <a:ea typeface="Source Code Pro" panose="020B0509030403020204" pitchFamily="49" charset="0"/>
+              </a:rPr>
+              <a:t>drop_table_statement::= </a:t>
             </a:r>
             <a:r>
               <a:rPr lang="en-US" spc="-1" dirty="0">
@@ -11065,12 +11467,13 @@
                 <a:latin typeface="Source Code Pro" panose="020B0509030403020204" pitchFamily="49" charset="0"/>
                 <a:ea typeface="Source Code Pro" panose="020B0509030403020204" pitchFamily="49" charset="0"/>
               </a:rPr>
-              <a:t>TRUNCATE</a:t>
+              <a:t>DROP</a:t>
             </a:r>
             <a:r>
               <a:rPr lang="en-US" b="0" i="0" dirty="0">
                 <a:effectLst/>
-                <a:latin typeface="Roboto Mono"/>
+                <a:latin typeface="Source Code Pro" panose="020B0509030403020204" pitchFamily="49" charset="0"/>
+                <a:ea typeface="Source Code Pro" panose="020B0509030403020204" pitchFamily="49" charset="0"/>
               </a:rPr>
               <a:t> </a:t>
             </a:r>
@@ -11118,9 +11521,46 @@
             <a:r>
               <a:rPr lang="en-US" b="0" i="0" dirty="0">
                 <a:effectLst/>
-                <a:latin typeface="Roboto Mono"/>
+                <a:latin typeface="Source Code Pro" panose="020B0509030403020204" pitchFamily="49" charset="0"/>
+                <a:ea typeface="Source Code Pro" panose="020B0509030403020204" pitchFamily="49" charset="0"/>
+              </a:rPr>
+              <a:t> [ </a:t>
+            </a:r>
+            <a:r>
+              <a:rPr lang="en-US" spc="-1" dirty="0">
+                <a:solidFill>
+                  <a:srgbClr val="2B8208"/>
+                </a:solidFill>
+                <a:latin typeface="Source Code Pro" panose="020B0509030403020204" pitchFamily="49" charset="0"/>
+                <a:ea typeface="Source Code Pro" panose="020B0509030403020204" pitchFamily="49" charset="0"/>
+              </a:rPr>
+              <a:t>IF</a:t>
+            </a:r>
+            <a:r>
+              <a:rPr lang="en-US" b="0" i="0" dirty="0">
+                <a:effectLst/>
+                <a:latin typeface="Source Code Pro" panose="020B0509030403020204" pitchFamily="49" charset="0"/>
+                <a:ea typeface="Source Code Pro" panose="020B0509030403020204" pitchFamily="49" charset="0"/>
               </a:rPr>
               <a:t> </a:t>
+            </a:r>
+            <a:r>
+              <a:rPr lang="en-US" spc="-1" dirty="0">
+                <a:solidFill>
+                  <a:srgbClr val="2B8208"/>
+                </a:solidFill>
+                <a:latin typeface="Source Code Pro" panose="020B0509030403020204" pitchFamily="49" charset="0"/>
+                <a:ea typeface="Source Code Pro" panose="020B0509030403020204" pitchFamily="49" charset="0"/>
+              </a:rPr>
+              <a:t>EXISTS</a:t>
+            </a:r>
+            <a:r>
+              <a:rPr lang="en-US" b="0" i="0" dirty="0">
+                <a:effectLst/>
+                <a:latin typeface="Source Code Pro" panose="020B0509030403020204" pitchFamily="49" charset="0"/>
+                <a:ea typeface="Source Code Pro" panose="020B0509030403020204" pitchFamily="49" charset="0"/>
+              </a:rPr>
+              <a:t> ] </a:t>
             </a:r>
             <a:r>
               <a:rPr lang="en-US" spc="-1" dirty="0">
@@ -11217,14 +11657,14 @@
                 <a:latin typeface="Consolas"/>
                 <a:ea typeface="SimSun"/>
               </a:rPr>
-              <a:t>cqlsh:db1&gt; </a:t>
+              <a:t>cqlsh:db1&gt;</a:t>
             </a:r>
             <a:r>
               <a:rPr lang="en-IN" sz="1800" b="0" strike="noStrike" spc="-1" dirty="0">
                 <a:latin typeface="Consolas"/>
                 <a:ea typeface="SimSun"/>
               </a:rPr>
-              <a:t>truncate table db1.emp;</a:t>
+              <a:t> drop table db1.emp;</a:t>
             </a:r>
           </a:p>
           <a:p>
@@ -11258,14 +11698,14 @@
                 <a:latin typeface="Consolas"/>
                 <a:ea typeface="SimSun"/>
               </a:rPr>
-              <a:t>cqlsh:db1&gt;</a:t>
+              <a:t>cqlsh:db1&gt; </a:t>
             </a:r>
             <a:r>
               <a:rPr lang="en-IN" sz="1800" b="0" strike="noStrike" spc="-1" dirty="0">
                 <a:latin typeface="Consolas"/>
                 <a:ea typeface="SimSun"/>
               </a:rPr>
-              <a:t> truncate </a:t>
+              <a:t>drop </a:t>
             </a:r>
             <a:r>
               <a:rPr lang="en-US" spc="-1" dirty="0">
@@ -11281,20 +11721,17 @@
               </a:rPr>
               <a:t> db1.emp;</a:t>
             </a:r>
-            <a:r>
-              <a:rPr lang="en-IN" spc="-1" dirty="0">
-                <a:latin typeface="Consolas"/>
-                <a:ea typeface="SimSun"/>
-              </a:rPr>
-              <a:t> </a:t>
-            </a:r>
+            <a:endParaRPr lang="en-IN" spc="-1" dirty="0">
+              <a:latin typeface="Consolas"/>
+              <a:ea typeface="SimSun"/>
+            </a:endParaRPr>
           </a:p>
         </p:txBody>
       </p:sp>
     </p:spTree>
     <p:extLst>
       <p:ext uri="{BB962C8B-B14F-4D97-AF65-F5344CB8AC3E}">
-        <p14:creationId xmlns:p14="http://schemas.microsoft.com/office/powerpoint/2010/main" val="2722645413"/>
+        <p14:creationId xmlns:p14="http://schemas.microsoft.com/office/powerpoint/2010/main" val="3364275549"/>
       </p:ext>
     </p:extLst>
   </p:cSld>
@@ -11364,6 +11801,625 @@
               </a:lnSpc>
             </a:pPr>
             <a:r>
+              <a:rPr lang="en-IN" sz="5400" i="1" spc="-1" dirty="0">
+                <a:solidFill>
+                  <a:srgbClr val="F7C120"/>
+                </a:solidFill>
+                <a:latin typeface="Century"/>
+                <a:ea typeface="DejaVu Sans"/>
+              </a:rPr>
+              <a:t>truncate</a:t>
+            </a:r>
+            <a:r>
+              <a:rPr lang="en-IN" sz="5400" b="0" i="1" strike="noStrike" spc="-1" dirty="0">
+                <a:solidFill>
+                  <a:srgbClr val="F7C120"/>
+                </a:solidFill>
+                <a:latin typeface="Century"/>
+                <a:ea typeface="DejaVu Sans"/>
+              </a:rPr>
+              <a:t> table</a:t>
+            </a:r>
+            <a:endParaRPr lang="en-IN" sz="5400" b="0" strike="noStrike" spc="-1" dirty="0">
+              <a:latin typeface="Arial"/>
+            </a:endParaRPr>
+          </a:p>
+        </p:txBody>
+      </p:sp>
+      <p:sp>
+        <p:nvSpPr>
+          <p:cNvPr id="110" name="CustomShape 2"/>
+          <p:cNvSpPr/>
+          <p:nvPr/>
+        </p:nvSpPr>
+        <p:spPr>
+          <a:xfrm>
+            <a:off x="522360" y="3531600"/>
+            <a:ext cx="11052360" cy="367878"/>
+          </a:xfrm>
+          <a:prstGeom prst="rect">
+            <a:avLst/>
+          </a:prstGeom>
+          <a:noFill/>
+          <a:ln>
+            <a:noFill/>
+          </a:ln>
+        </p:spPr>
+        <p:style>
+          <a:lnRef idx="0">
+            <a:scrgbClr r="0" g="0" b="0"/>
+          </a:lnRef>
+          <a:fillRef idx="0">
+            <a:scrgbClr r="0" g="0" b="0"/>
+          </a:fillRef>
+          <a:effectRef idx="0">
+            <a:scrgbClr r="0" g="0" b="0"/>
+          </a:effectRef>
+          <a:fontRef idx="minor"/>
+        </p:style>
+        <p:txBody>
+          <a:bodyPr lIns="90000" tIns="45000" rIns="90000" bIns="45000">
+            <a:spAutoFit/>
+          </a:bodyPr>
+          <a:lstStyle/>
+          <a:p>
+            <a:pPr algn="just">
+              <a:lnSpc>
+                <a:spcPct val="100000"/>
+              </a:lnSpc>
+            </a:pPr>
+            <a:r>
+              <a:rPr lang="en-US" sz="1800" b="0" strike="noStrike" spc="-1" dirty="0">
+                <a:solidFill>
+                  <a:srgbClr val="BB0643"/>
+                </a:solidFill>
+                <a:latin typeface="Segoe UI"/>
+                <a:ea typeface="DejaVu Sans"/>
+              </a:rPr>
+              <a:t>TODO</a:t>
+            </a:r>
+            <a:endParaRPr lang="en-IN" spc="-1" dirty="0">
+              <a:solidFill>
+                <a:srgbClr val="BB0643"/>
+              </a:solidFill>
+              <a:latin typeface="Segoe UI"/>
+            </a:endParaRPr>
+          </a:p>
+        </p:txBody>
+      </p:sp>
+    </p:spTree>
+    <p:extLst>
+      <p:ext uri="{BB962C8B-B14F-4D97-AF65-F5344CB8AC3E}">
+        <p14:creationId xmlns:p14="http://schemas.microsoft.com/office/powerpoint/2010/main" val="3553681802"/>
+      </p:ext>
+    </p:extLst>
+  </p:cSld>
+  <p:clrMapOvr>
+    <a:masterClrMapping/>
+  </p:clrMapOvr>
+</p:sld>
+</file>
+
+<file path=ppt/slides/slide27.xml><?xml version="1.0" encoding="utf-8"?>
+<p:sld xmlns:a="http://schemas.openxmlformats.org/drawingml/2006/main" xmlns:r="http://schemas.openxmlformats.org/officeDocument/2006/relationships" xmlns:p="http://schemas.openxmlformats.org/presentationml/2006/main">
+  <p:cSld>
+    <p:spTree>
+      <p:nvGrpSpPr>
+        <p:cNvPr id="1" name=""/>
+        <p:cNvGrpSpPr/>
+        <p:nvPr/>
+      </p:nvGrpSpPr>
+      <p:grpSpPr>
+        <a:xfrm>
+          <a:off x="0" y="0"/>
+          <a:ext cx="0" cy="0"/>
+          <a:chOff x="0" y="0"/>
+          <a:chExt cx="0" cy="0"/>
+        </a:xfrm>
+      </p:grpSpPr>
+      <p:sp>
+        <p:nvSpPr>
+          <p:cNvPr id="111" name="CustomShape 1"/>
+          <p:cNvSpPr/>
+          <p:nvPr/>
+        </p:nvSpPr>
+        <p:spPr>
+          <a:xfrm>
+            <a:off x="246600" y="762120"/>
+            <a:ext cx="11687400" cy="367878"/>
+          </a:xfrm>
+          <a:prstGeom prst="rect">
+            <a:avLst/>
+          </a:prstGeom>
+          <a:noFill/>
+          <a:ln>
+            <a:noFill/>
+          </a:ln>
+        </p:spPr>
+        <p:style>
+          <a:lnRef idx="0">
+            <a:scrgbClr r="0" g="0" b="0"/>
+          </a:lnRef>
+          <a:fillRef idx="0">
+            <a:scrgbClr r="0" g="0" b="0"/>
+          </a:fillRef>
+          <a:effectRef idx="0">
+            <a:scrgbClr r="0" g="0" b="0"/>
+          </a:effectRef>
+          <a:fontRef idx="minor"/>
+        </p:style>
+        <p:txBody>
+          <a:bodyPr lIns="90000" tIns="45000" rIns="90000" bIns="45000">
+            <a:spAutoFit/>
+          </a:bodyPr>
+          <a:lstStyle/>
+          <a:p>
+            <a:pPr algn="just"/>
+            <a:r>
+              <a:rPr lang="en-US" spc="-1" dirty="0">
+                <a:latin typeface="Arial"/>
+              </a:rPr>
+              <a:t>Truncating a table permanently removes all existing data from the table, but without removing the table itself.</a:t>
+            </a:r>
+          </a:p>
+        </p:txBody>
+      </p:sp>
+      <p:sp>
+        <p:nvSpPr>
+          <p:cNvPr id="114" name="CustomShape 4"/>
+          <p:cNvSpPr/>
+          <p:nvPr/>
+        </p:nvSpPr>
+        <p:spPr>
+          <a:xfrm>
+            <a:off x="246600" y="0"/>
+            <a:ext cx="11687400" cy="706432"/>
+          </a:xfrm>
+          <a:prstGeom prst="rect">
+            <a:avLst/>
+          </a:prstGeom>
+          <a:solidFill>
+            <a:srgbClr val="C00000"/>
+          </a:solidFill>
+          <a:ln>
+            <a:noFill/>
+          </a:ln>
+        </p:spPr>
+        <p:style>
+          <a:lnRef idx="0">
+            <a:scrgbClr r="0" g="0" b="0"/>
+          </a:lnRef>
+          <a:fillRef idx="0">
+            <a:scrgbClr r="0" g="0" b="0"/>
+          </a:fillRef>
+          <a:effectRef idx="0">
+            <a:scrgbClr r="0" g="0" b="0"/>
+          </a:effectRef>
+          <a:fontRef idx="minor"/>
+        </p:style>
+        <p:txBody>
+          <a:bodyPr lIns="90000" tIns="45000" rIns="90000" bIns="45000">
+            <a:spAutoFit/>
+          </a:bodyPr>
+          <a:lstStyle/>
+          <a:p>
+            <a:pPr algn="ctr">
+              <a:lnSpc>
+                <a:spcPct val="100000"/>
+              </a:lnSpc>
+            </a:pPr>
+            <a:r>
+              <a:rPr lang="en-IN" sz="4000" spc="-1" dirty="0">
+                <a:solidFill>
+                  <a:srgbClr val="F7C120"/>
+                </a:solidFill>
+                <a:latin typeface="Open Sans"/>
+                <a:ea typeface="DejaVu Sans"/>
+              </a:rPr>
+              <a:t>truncate</a:t>
+            </a:r>
+            <a:r>
+              <a:rPr lang="en-IN" sz="4000" b="0" strike="noStrike" spc="-1" dirty="0">
+                <a:solidFill>
+                  <a:srgbClr val="F7C120"/>
+                </a:solidFill>
+                <a:latin typeface="Open Sans"/>
+                <a:ea typeface="DejaVu Sans"/>
+              </a:rPr>
+              <a:t> table</a:t>
+            </a:r>
+            <a:endParaRPr lang="en-IN" sz="4000" b="0" strike="noStrike" spc="-1" dirty="0">
+              <a:latin typeface="Arial"/>
+            </a:endParaRPr>
+          </a:p>
+        </p:txBody>
+      </p:sp>
+      <p:sp>
+        <p:nvSpPr>
+          <p:cNvPr id="115" name="Line 5"/>
+          <p:cNvSpPr/>
+          <p:nvPr/>
+        </p:nvSpPr>
+        <p:spPr>
+          <a:xfrm>
+            <a:off x="0" y="1536120"/>
+            <a:ext cx="12191760" cy="0"/>
+          </a:xfrm>
+          <a:prstGeom prst="line">
+            <a:avLst/>
+          </a:prstGeom>
+          <a:ln w="12600">
+            <a:solidFill>
+              <a:srgbClr val="6E78A0"/>
+            </a:solidFill>
+            <a:prstDash val="dash"/>
+            <a:round/>
+          </a:ln>
+        </p:spPr>
+        <p:style>
+          <a:lnRef idx="1">
+            <a:schemeClr val="accent1"/>
+          </a:lnRef>
+          <a:fillRef idx="0">
+            <a:schemeClr val="accent1"/>
+          </a:fillRef>
+          <a:effectRef idx="0">
+            <a:schemeClr val="accent1"/>
+          </a:effectRef>
+          <a:fontRef idx="minor"/>
+        </p:style>
+      </p:sp>
+      <p:sp>
+        <p:nvSpPr>
+          <p:cNvPr id="116" name="CustomShape 6"/>
+          <p:cNvSpPr/>
+          <p:nvPr/>
+        </p:nvSpPr>
+        <p:spPr>
+          <a:xfrm>
+            <a:off x="246600" y="2030040"/>
+            <a:ext cx="11687400" cy="367878"/>
+          </a:xfrm>
+          <a:prstGeom prst="rect">
+            <a:avLst/>
+          </a:prstGeom>
+          <a:noFill/>
+          <a:ln>
+            <a:noFill/>
+          </a:ln>
+        </p:spPr>
+        <p:style>
+          <a:lnRef idx="0">
+            <a:scrgbClr r="0" g="0" b="0"/>
+          </a:lnRef>
+          <a:fillRef idx="0">
+            <a:scrgbClr r="0" g="0" b="0"/>
+          </a:fillRef>
+          <a:effectRef idx="0">
+            <a:scrgbClr r="0" g="0" b="0"/>
+          </a:effectRef>
+          <a:fontRef idx="minor"/>
+        </p:style>
+        <p:txBody>
+          <a:bodyPr lIns="90000" tIns="45000" rIns="90000" bIns="45000">
+            <a:spAutoFit/>
+          </a:bodyPr>
+          <a:lstStyle/>
+          <a:p>
+            <a:r>
+              <a:rPr lang="en-US" b="0" i="0" dirty="0">
+                <a:effectLst/>
+                <a:latin typeface="Roboto Mono"/>
+              </a:rPr>
+              <a:t>truncate_statement::= </a:t>
+            </a:r>
+            <a:r>
+              <a:rPr lang="en-US" spc="-1" dirty="0">
+                <a:solidFill>
+                  <a:srgbClr val="2B8208"/>
+                </a:solidFill>
+                <a:latin typeface="Source Code Pro" panose="020B0509030403020204" pitchFamily="49" charset="0"/>
+                <a:ea typeface="Source Code Pro" panose="020B0509030403020204" pitchFamily="49" charset="0"/>
+              </a:rPr>
+              <a:t>TRUNCATE</a:t>
+            </a:r>
+            <a:r>
+              <a:rPr lang="en-US" b="0" i="0" dirty="0">
+                <a:effectLst/>
+                <a:latin typeface="Roboto Mono"/>
+              </a:rPr>
+              <a:t> </a:t>
+            </a:r>
+            <a:r>
+              <a:rPr lang="en-US" spc="-1" dirty="0">
+                <a:latin typeface="Source Code Pro" panose="020B0509030403020204" pitchFamily="49" charset="0"/>
+                <a:ea typeface="Source Code Pro" panose="020B0509030403020204" pitchFamily="49" charset="0"/>
+              </a:rPr>
+              <a:t>{</a:t>
+            </a:r>
+            <a:r>
+              <a:rPr lang="en-US" spc="-1" dirty="0">
+                <a:solidFill>
+                  <a:srgbClr val="2B8208"/>
+                </a:solidFill>
+                <a:latin typeface="Source Code Pro" panose="020B0509030403020204" pitchFamily="49" charset="0"/>
+                <a:ea typeface="Source Code Pro" panose="020B0509030403020204" pitchFamily="49" charset="0"/>
+              </a:rPr>
+              <a:t> TABLE </a:t>
+            </a:r>
+            <a:r>
+              <a:rPr lang="en-US" spc="-1" dirty="0">
+                <a:latin typeface="Source Code Pro" panose="020B0509030403020204" pitchFamily="49" charset="0"/>
+                <a:ea typeface="Source Code Pro" panose="020B0509030403020204" pitchFamily="49" charset="0"/>
+              </a:rPr>
+              <a:t>|</a:t>
+            </a:r>
+            <a:r>
+              <a:rPr lang="en-US" spc="-1" dirty="0">
+                <a:solidFill>
+                  <a:srgbClr val="2B8208"/>
+                </a:solidFill>
+                <a:latin typeface="Source Code Pro" panose="020B0509030403020204" pitchFamily="49" charset="0"/>
+                <a:ea typeface="Source Code Pro" panose="020B0509030403020204" pitchFamily="49" charset="0"/>
+              </a:rPr>
+              <a:t> COLUMNFAMILY </a:t>
+            </a:r>
+            <a:r>
+              <a:rPr lang="en-US" spc="-1" dirty="0">
+                <a:latin typeface="Source Code Pro" panose="020B0509030403020204" pitchFamily="49" charset="0"/>
+                <a:ea typeface="Source Code Pro" panose="020B0509030403020204" pitchFamily="49" charset="0"/>
+              </a:rPr>
+              <a:t>}</a:t>
+            </a:r>
+            <a:r>
+              <a:rPr lang="en-US" b="0" i="0" dirty="0">
+                <a:effectLst/>
+                <a:latin typeface="Roboto Mono"/>
+              </a:rPr>
+              <a:t> </a:t>
+            </a:r>
+            <a:r>
+              <a:rPr lang="en-US" spc="-1" dirty="0">
+                <a:latin typeface="Source Code Pro" panose="020B0509030403020204" pitchFamily="49" charset="0"/>
+                <a:ea typeface="Source Code Pro" panose="020B0509030403020204" pitchFamily="49" charset="0"/>
+              </a:rPr>
+              <a:t>[</a:t>
+            </a:r>
+            <a:r>
+              <a:rPr lang="en-US" i="1" spc="-1" dirty="0">
+                <a:latin typeface="Source Code Pro" panose="020B0509030403020204" pitchFamily="49" charset="0"/>
+                <a:ea typeface="Source Code Pro" panose="020B0509030403020204" pitchFamily="49" charset="0"/>
+              </a:rPr>
+              <a:t>keyspace_name</a:t>
+            </a:r>
+            <a:r>
+              <a:rPr lang="en-US" spc="-1" dirty="0">
+                <a:latin typeface="Source Code Pro" panose="020B0509030403020204" pitchFamily="49" charset="0"/>
+                <a:ea typeface="Source Code Pro" panose="020B0509030403020204" pitchFamily="49" charset="0"/>
+              </a:rPr>
+              <a:t>.]</a:t>
+            </a:r>
+            <a:r>
+              <a:rPr lang="en-US" i="1" spc="-1" dirty="0">
+                <a:latin typeface="Source Code Pro" panose="020B0509030403020204" pitchFamily="49" charset="0"/>
+                <a:ea typeface="Source Code Pro" panose="020B0509030403020204" pitchFamily="49" charset="0"/>
+              </a:rPr>
+              <a:t>table_name</a:t>
+            </a:r>
+            <a:endParaRPr lang="en-IN" i="1" spc="-1" dirty="0">
+              <a:latin typeface="Source Code Pro" panose="020B0509030403020204" pitchFamily="49" charset="0"/>
+              <a:ea typeface="Source Code Pro" panose="020B0509030403020204" pitchFamily="49" charset="0"/>
+            </a:endParaRPr>
+          </a:p>
+        </p:txBody>
+      </p:sp>
+      <p:sp>
+        <p:nvSpPr>
+          <p:cNvPr id="7" name="CustomShape 2">
+            <a:extLst>
+              <a:ext uri="{FF2B5EF4-FFF2-40B4-BE49-F238E27FC236}">
+                <a16:creationId xmlns:a16="http://schemas.microsoft.com/office/drawing/2014/main" id="{ACCD4961-017A-4E61-85C4-2430DD7DDAA2}"/>
+              </a:ext>
+            </a:extLst>
+          </p:cNvPr>
+          <p:cNvSpPr/>
+          <p:nvPr/>
+        </p:nvSpPr>
+        <p:spPr>
+          <a:xfrm>
+            <a:off x="246600" y="3205138"/>
+            <a:ext cx="11687400" cy="767987"/>
+          </a:xfrm>
+          <a:prstGeom prst="rect">
+            <a:avLst/>
+          </a:prstGeom>
+          <a:noFill/>
+          <a:ln>
+            <a:noFill/>
+          </a:ln>
+        </p:spPr>
+        <p:style>
+          <a:lnRef idx="0">
+            <a:scrgbClr r="0" g="0" b="0"/>
+          </a:lnRef>
+          <a:fillRef idx="0">
+            <a:scrgbClr r="0" g="0" b="0"/>
+          </a:fillRef>
+          <a:effectRef idx="0">
+            <a:scrgbClr r="0" g="0" b="0"/>
+          </a:effectRef>
+          <a:fontRef idx="minor"/>
+        </p:style>
+        <p:txBody>
+          <a:bodyPr wrap="square" lIns="90000" tIns="45000" rIns="90000" bIns="45000">
+            <a:spAutoFit/>
+          </a:bodyPr>
+          <a:lstStyle/>
+          <a:p>
+            <a:pPr marL="309510" indent="-285750">
+              <a:buClr>
+                <a:srgbClr val="808080"/>
+              </a:buClr>
+              <a:buFont typeface="Arial" panose="020B0604020202020204" pitchFamily="34" charset="0"/>
+              <a:buChar char="•"/>
+            </a:pPr>
+            <a:r>
+              <a:rPr lang="en-IN" sz="1800" b="0" strike="noStrike" spc="-1" dirty="0">
+                <a:solidFill>
+                  <a:schemeClr val="bg1">
+                    <a:lumMod val="50000"/>
+                  </a:schemeClr>
+                </a:solidFill>
+                <a:latin typeface="Consolas"/>
+                <a:ea typeface="SimSun"/>
+              </a:rPr>
+              <a:t>cqlsh:db1&gt; </a:t>
+            </a:r>
+            <a:r>
+              <a:rPr lang="en-IN" sz="1800" b="0" strike="noStrike" spc="-1" dirty="0">
+                <a:latin typeface="Consolas"/>
+                <a:ea typeface="SimSun"/>
+              </a:rPr>
+              <a:t>truncate table db1.emp;</a:t>
+            </a:r>
+          </a:p>
+          <a:p>
+            <a:pPr marL="309510" indent="-285750">
+              <a:buClr>
+                <a:srgbClr val="808080"/>
+              </a:buClr>
+              <a:buFont typeface="Arial" panose="020B0604020202020204" pitchFamily="34" charset="0"/>
+              <a:buChar char="•"/>
+            </a:pPr>
+            <a:endParaRPr lang="en-IN" sz="800" spc="-1" dirty="0">
+              <a:latin typeface="Consolas"/>
+              <a:ea typeface="SimSun"/>
+            </a:endParaRPr>
+          </a:p>
+          <a:p>
+            <a:pPr marL="309510" indent="-285750">
+              <a:buClr>
+                <a:srgbClr val="808080"/>
+              </a:buClr>
+              <a:buFont typeface="Arial" panose="020B0604020202020204" pitchFamily="34" charset="0"/>
+              <a:buChar char="•"/>
+            </a:pPr>
+            <a:r>
+              <a:rPr lang="en-IN" sz="1800" b="0" strike="noStrike" spc="-1" dirty="0">
+                <a:solidFill>
+                  <a:schemeClr val="bg1">
+                    <a:lumMod val="50000"/>
+                  </a:schemeClr>
+                </a:solidFill>
+                <a:latin typeface="Consolas"/>
+                <a:ea typeface="SimSun"/>
+              </a:rPr>
+              <a:t>cqlsh:db1&gt;</a:t>
+            </a:r>
+            <a:r>
+              <a:rPr lang="en-IN" sz="1800" b="0" strike="noStrike" spc="-1" dirty="0">
+                <a:latin typeface="Consolas"/>
+                <a:ea typeface="SimSun"/>
+              </a:rPr>
+              <a:t> truncate </a:t>
+            </a:r>
+            <a:r>
+              <a:rPr lang="en-US" spc="-1" dirty="0">
+                <a:latin typeface="Source Code Pro" panose="020B0509030403020204" pitchFamily="49" charset="0"/>
+                <a:ea typeface="Source Code Pro" panose="020B0509030403020204" pitchFamily="49" charset="0"/>
+              </a:rPr>
+              <a:t>columnfamily</a:t>
+            </a:r>
+            <a:r>
+              <a:rPr lang="en-IN" sz="1800" b="0" strike="noStrike" spc="-1" dirty="0">
+                <a:latin typeface="Consolas"/>
+                <a:ea typeface="SimSun"/>
+              </a:rPr>
+              <a:t> db1.emp;</a:t>
+            </a:r>
+            <a:r>
+              <a:rPr lang="en-IN" spc="-1" dirty="0">
+                <a:latin typeface="Consolas"/>
+                <a:ea typeface="SimSun"/>
+              </a:rPr>
+              <a:t> </a:t>
+            </a:r>
+          </a:p>
+        </p:txBody>
+      </p:sp>
+    </p:spTree>
+    <p:extLst>
+      <p:ext uri="{BB962C8B-B14F-4D97-AF65-F5344CB8AC3E}">
+        <p14:creationId xmlns:p14="http://schemas.microsoft.com/office/powerpoint/2010/main" val="2722645413"/>
+      </p:ext>
+    </p:extLst>
+  </p:cSld>
+  <p:clrMapOvr>
+    <a:masterClrMapping/>
+  </p:clrMapOvr>
+</p:sld>
+</file>
+
+<file path=ppt/slides/slide28.xml><?xml version="1.0" encoding="utf-8"?>
+<p:sld xmlns:a="http://schemas.openxmlformats.org/drawingml/2006/main" xmlns:r="http://schemas.openxmlformats.org/officeDocument/2006/relationships" xmlns:p="http://schemas.openxmlformats.org/presentationml/2006/main">
+  <p:cSld>
+    <p:spTree>
+      <p:nvGrpSpPr>
+        <p:cNvPr id="1" name=""/>
+        <p:cNvGrpSpPr/>
+        <p:nvPr/>
+      </p:nvGrpSpPr>
+      <p:grpSpPr>
+        <a:xfrm>
+          <a:off x="0" y="0"/>
+          <a:ext cx="0" cy="0"/>
+          <a:chOff x="0" y="0"/>
+          <a:chExt cx="0" cy="0"/>
+        </a:xfrm>
+      </p:grpSpPr>
+      <p:sp>
+        <p:nvSpPr>
+          <p:cNvPr id="109" name="CustomShape 1"/>
+          <p:cNvSpPr/>
+          <p:nvPr/>
+        </p:nvSpPr>
+        <p:spPr>
+          <a:xfrm>
+            <a:off x="1676520" y="2362320"/>
+            <a:ext cx="8815320" cy="921876"/>
+          </a:xfrm>
+          <a:prstGeom prst="rect">
+            <a:avLst/>
+          </a:prstGeom>
+          <a:noFill/>
+          <a:ln>
+            <a:noFill/>
+          </a:ln>
+        </p:spPr>
+        <p:style>
+          <a:lnRef idx="0">
+            <a:scrgbClr r="0" g="0" b="0"/>
+          </a:lnRef>
+          <a:fillRef idx="0">
+            <a:scrgbClr r="0" g="0" b="0"/>
+          </a:fillRef>
+          <a:effectRef idx="0">
+            <a:scrgbClr r="0" g="0" b="0"/>
+          </a:effectRef>
+          <a:fontRef idx="minor"/>
+        </p:style>
+        <p:txBody>
+          <a:bodyPr lIns="90000" tIns="45000" rIns="90000" bIns="45000">
+            <a:spAutoFit/>
+          </a:bodyPr>
+          <a:lstStyle/>
+          <a:p>
+            <a:pPr algn="ctr">
+              <a:lnSpc>
+                <a:spcPct val="100000"/>
+              </a:lnSpc>
+            </a:pPr>
+            <a:r>
               <a:rPr lang="en-IN" sz="5400" b="0" i="1" strike="noStrike" spc="-1" dirty="0">
                 <a:solidFill>
                   <a:srgbClr val="F7C120"/>
@@ -11453,7 +12509,7 @@
 </p:sld>
 </file>
 
-<file path=ppt/slides/slide27.xml><?xml version="1.0" encoding="utf-8"?>
+<file path=ppt/slides/slide29.xml><?xml version="1.0" encoding="utf-8"?>
 <p:sld xmlns:a="http://schemas.openxmlformats.org/drawingml/2006/main" xmlns:r="http://schemas.openxmlformats.org/officeDocument/2006/relationships" xmlns:p="http://schemas.openxmlformats.org/presentationml/2006/main">
   <p:cSld>
     <p:spTree>
@@ -12231,152 +13287,6 @@
 </p:sld>
 </file>
 
-<file path=ppt/slides/slide28.xml><?xml version="1.0" encoding="utf-8"?>
-<p:sld xmlns:a="http://schemas.openxmlformats.org/drawingml/2006/main" xmlns:r="http://schemas.openxmlformats.org/officeDocument/2006/relationships" xmlns:p="http://schemas.openxmlformats.org/presentationml/2006/main">
-  <p:cSld>
-    <p:spTree>
-      <p:nvGrpSpPr>
-        <p:cNvPr id="1" name=""/>
-        <p:cNvGrpSpPr/>
-        <p:nvPr/>
-      </p:nvGrpSpPr>
-      <p:grpSpPr>
-        <a:xfrm>
-          <a:off x="0" y="0"/>
-          <a:ext cx="0" cy="0"/>
-          <a:chOff x="0" y="0"/>
-          <a:chExt cx="0" cy="0"/>
-        </a:xfrm>
-      </p:grpSpPr>
-      <p:sp>
-        <p:nvSpPr>
-          <p:cNvPr id="462" name="CustomShape 1"/>
-          <p:cNvSpPr/>
-          <p:nvPr/>
-        </p:nvSpPr>
-        <p:spPr>
-          <a:xfrm>
-            <a:off x="1365840" y="188640"/>
-            <a:ext cx="9659160" cy="2192400"/>
-          </a:xfrm>
-          <a:prstGeom prst="rect">
-            <a:avLst/>
-          </a:prstGeom>
-          <a:noFill/>
-          <a:ln>
-            <a:noFill/>
-          </a:ln>
-        </p:spPr>
-        <p:style>
-          <a:lnRef idx="0">
-            <a:scrgbClr r="0" g="0" b="0"/>
-          </a:lnRef>
-          <a:fillRef idx="0">
-            <a:scrgbClr r="0" g="0" b="0"/>
-          </a:fillRef>
-          <a:effectRef idx="0">
-            <a:scrgbClr r="0" g="0" b="0"/>
-          </a:effectRef>
-          <a:fontRef idx="minor"/>
-        </p:style>
-        <p:txBody>
-          <a:bodyPr lIns="90000" tIns="45000" rIns="90000" bIns="45000">
-            <a:spAutoFit/>
-          </a:bodyPr>
-          <a:lstStyle/>
-          <a:p>
-            <a:pPr algn="ctr">
-              <a:lnSpc>
-                <a:spcPct val="100000"/>
-              </a:lnSpc>
-            </a:pPr>
-            <a:r>
-              <a:rPr lang="en-IN" sz="4000" b="0" strike="noStrike" spc="-1">
-                <a:solidFill>
-                  <a:srgbClr val="FF5733"/>
-                </a:solidFill>
-                <a:latin typeface="Segoe Print"/>
-                <a:ea typeface="DejaVu Sans"/>
-              </a:rPr>
-              <a:t>“</a:t>
-            </a:r>
-            <a:r>
-              <a:rPr lang="en-US" sz="4000" b="0" strike="noStrike" spc="-1">
-                <a:solidFill>
-                  <a:srgbClr val="FF5733"/>
-                </a:solidFill>
-                <a:latin typeface="Segoe Print"/>
-                <a:ea typeface="DejaVu Sans"/>
-              </a:rPr>
-              <a:t>Accept your past without regret, handle our present with confidence and face your future without fear.</a:t>
-            </a:r>
-            <a:r>
-              <a:rPr lang="en-IN" sz="4000" b="0" strike="noStrike" spc="-1">
-                <a:solidFill>
-                  <a:srgbClr val="FF5733"/>
-                </a:solidFill>
-                <a:latin typeface="Segoe Print"/>
-                <a:ea typeface="DejaVu Sans"/>
-              </a:rPr>
-              <a:t>”</a:t>
-            </a:r>
-            <a:endParaRPr lang="en-IN" sz="4000" b="0" strike="noStrike" spc="-1">
-              <a:latin typeface="Arial"/>
-            </a:endParaRPr>
-          </a:p>
-          <a:p>
-            <a:pPr algn="r">
-              <a:lnSpc>
-                <a:spcPct val="100000"/>
-              </a:lnSpc>
-            </a:pPr>
-            <a:r>
-              <a:rPr lang="en-IN" sz="1800" b="0" strike="noStrike" spc="-1">
-                <a:solidFill>
-                  <a:srgbClr val="111111"/>
-                </a:solidFill>
-                <a:latin typeface="-apple-system"/>
-                <a:ea typeface="DejaVu Sans"/>
-              </a:rPr>
-              <a:t>~ Dr. APJ. Abdul Kalam</a:t>
-            </a:r>
-            <a:endParaRPr lang="en-IN" sz="1800" b="0" strike="noStrike" spc="-1">
-              <a:latin typeface="Arial"/>
-            </a:endParaRPr>
-          </a:p>
-        </p:txBody>
-      </p:sp>
-      <p:pic>
-        <p:nvPicPr>
-          <p:cNvPr id="463" name="Picture 2" descr="http://www.bvctch.vn/vnt_upload/weblink/thks.jpg"/>
-          <p:cNvPicPr/>
-          <p:nvPr/>
-        </p:nvPicPr>
-        <p:blipFill>
-          <a:blip r:embed="rId2"/>
-          <a:stretch/>
-        </p:blipFill>
-        <p:spPr>
-          <a:xfrm>
-            <a:off x="4404600" y="2036160"/>
-            <a:ext cx="3102840" cy="4639680"/>
-          </a:xfrm>
-          <a:prstGeom prst="rect">
-            <a:avLst/>
-          </a:prstGeom>
-          <a:ln>
-            <a:noFill/>
-          </a:ln>
-        </p:spPr>
-      </p:pic>
-    </p:spTree>
-  </p:cSld>
-  <p:clrMapOvr>
-    <a:masterClrMapping/>
-  </p:clrMapOvr>
-</p:sld>
-</file>
-
 <file path=ppt/slides/slide3.xml><?xml version="1.0" encoding="utf-8"?>
 <p:sld xmlns:a="http://schemas.openxmlformats.org/drawingml/2006/main" xmlns:r="http://schemas.openxmlformats.org/officeDocument/2006/relationships" xmlns:p="http://schemas.openxmlformats.org/presentationml/2006/main">
   <p:cSld>
@@ -12514,6 +13424,152 @@
           </a:p>
         </p:txBody>
       </p:sp>
+    </p:spTree>
+  </p:cSld>
+  <p:clrMapOvr>
+    <a:masterClrMapping/>
+  </p:clrMapOvr>
+</p:sld>
+</file>
+
+<file path=ppt/slides/slide30.xml><?xml version="1.0" encoding="utf-8"?>
+<p:sld xmlns:a="http://schemas.openxmlformats.org/drawingml/2006/main" xmlns:r="http://schemas.openxmlformats.org/officeDocument/2006/relationships" xmlns:p="http://schemas.openxmlformats.org/presentationml/2006/main">
+  <p:cSld>
+    <p:spTree>
+      <p:nvGrpSpPr>
+        <p:cNvPr id="1" name=""/>
+        <p:cNvGrpSpPr/>
+        <p:nvPr/>
+      </p:nvGrpSpPr>
+      <p:grpSpPr>
+        <a:xfrm>
+          <a:off x="0" y="0"/>
+          <a:ext cx="0" cy="0"/>
+          <a:chOff x="0" y="0"/>
+          <a:chExt cx="0" cy="0"/>
+        </a:xfrm>
+      </p:grpSpPr>
+      <p:sp>
+        <p:nvSpPr>
+          <p:cNvPr id="462" name="CustomShape 1"/>
+          <p:cNvSpPr/>
+          <p:nvPr/>
+        </p:nvSpPr>
+        <p:spPr>
+          <a:xfrm>
+            <a:off x="1365840" y="188640"/>
+            <a:ext cx="9659160" cy="2192400"/>
+          </a:xfrm>
+          <a:prstGeom prst="rect">
+            <a:avLst/>
+          </a:prstGeom>
+          <a:noFill/>
+          <a:ln>
+            <a:noFill/>
+          </a:ln>
+        </p:spPr>
+        <p:style>
+          <a:lnRef idx="0">
+            <a:scrgbClr r="0" g="0" b="0"/>
+          </a:lnRef>
+          <a:fillRef idx="0">
+            <a:scrgbClr r="0" g="0" b="0"/>
+          </a:fillRef>
+          <a:effectRef idx="0">
+            <a:scrgbClr r="0" g="0" b="0"/>
+          </a:effectRef>
+          <a:fontRef idx="minor"/>
+        </p:style>
+        <p:txBody>
+          <a:bodyPr lIns="90000" tIns="45000" rIns="90000" bIns="45000">
+            <a:spAutoFit/>
+          </a:bodyPr>
+          <a:lstStyle/>
+          <a:p>
+            <a:pPr algn="ctr">
+              <a:lnSpc>
+                <a:spcPct val="100000"/>
+              </a:lnSpc>
+            </a:pPr>
+            <a:r>
+              <a:rPr lang="en-IN" sz="4000" b="0" strike="noStrike" spc="-1">
+                <a:solidFill>
+                  <a:srgbClr val="FF5733"/>
+                </a:solidFill>
+                <a:latin typeface="Segoe Print"/>
+                <a:ea typeface="DejaVu Sans"/>
+              </a:rPr>
+              <a:t>“</a:t>
+            </a:r>
+            <a:r>
+              <a:rPr lang="en-US" sz="4000" b="0" strike="noStrike" spc="-1">
+                <a:solidFill>
+                  <a:srgbClr val="FF5733"/>
+                </a:solidFill>
+                <a:latin typeface="Segoe Print"/>
+                <a:ea typeface="DejaVu Sans"/>
+              </a:rPr>
+              <a:t>Accept your past without regret, handle our present with confidence and face your future without fear.</a:t>
+            </a:r>
+            <a:r>
+              <a:rPr lang="en-IN" sz="4000" b="0" strike="noStrike" spc="-1">
+                <a:solidFill>
+                  <a:srgbClr val="FF5733"/>
+                </a:solidFill>
+                <a:latin typeface="Segoe Print"/>
+                <a:ea typeface="DejaVu Sans"/>
+              </a:rPr>
+              <a:t>”</a:t>
+            </a:r>
+            <a:endParaRPr lang="en-IN" sz="4000" b="0" strike="noStrike" spc="-1">
+              <a:latin typeface="Arial"/>
+            </a:endParaRPr>
+          </a:p>
+          <a:p>
+            <a:pPr algn="r">
+              <a:lnSpc>
+                <a:spcPct val="100000"/>
+              </a:lnSpc>
+            </a:pPr>
+            <a:r>
+              <a:rPr lang="en-IN" sz="1800" b="0" strike="noStrike" spc="-1">
+                <a:solidFill>
+                  <a:srgbClr val="111111"/>
+                </a:solidFill>
+                <a:latin typeface="-apple-system"/>
+                <a:ea typeface="DejaVu Sans"/>
+              </a:rPr>
+              <a:t>~ Dr. APJ. Abdul Kalam</a:t>
+            </a:r>
+            <a:endParaRPr lang="en-IN" sz="1800" b="0" strike="noStrike" spc="-1">
+              <a:latin typeface="Arial"/>
+            </a:endParaRPr>
+          </a:p>
+        </p:txBody>
+      </p:sp>
+      <p:pic>
+        <p:nvPicPr>
+          <p:cNvPr id="463" name="Picture 2" descr="http://www.bvctch.vn/vnt_upload/weblink/thks.jpg"/>
+          <p:cNvPicPr/>
+          <p:nvPr/>
+        </p:nvPicPr>
+        <p:blipFill>
+          <a:blip r:embed="rId2"/>
+          <a:stretch/>
+        </p:blipFill>
+        <p:spPr>
+          <a:xfrm>
+            <a:off x="4404600" y="2036160"/>
+            <a:ext cx="3102840" cy="4639680"/>
+          </a:xfrm>
+          <a:prstGeom prst="rect">
+            <a:avLst/>
+          </a:prstGeom>
+          <a:ln>
+            <a:noFill/>
+          </a:ln>
+        </p:spPr>
+      </p:pic>
     </p:spTree>
   </p:cSld>
   <p:clrMapOvr>

--- a/Cassandra Ver1.pptx
+++ b/Cassandra Ver1.pptx
@@ -5,7 +5,7 @@
     <p:sldMasterId id="2147483720" r:id="rId1"/>
   </p:sldMasterIdLst>
   <p:notesMasterIdLst>
-    <p:notesMasterId r:id="rId37"/>
+    <p:notesMasterId r:id="rId40"/>
   </p:notesMasterIdLst>
   <p:sldIdLst>
     <p:sldId id="256" r:id="rId2"/>
@@ -40,9 +40,12 @@
     <p:sldId id="1432" r:id="rId31"/>
     <p:sldId id="1433" r:id="rId32"/>
     <p:sldId id="1442" r:id="rId33"/>
-    <p:sldId id="1424" r:id="rId34"/>
-    <p:sldId id="1421" r:id="rId35"/>
-    <p:sldId id="350" r:id="rId36"/>
+    <p:sldId id="1447" r:id="rId34"/>
+    <p:sldId id="1448" r:id="rId35"/>
+    <p:sldId id="1449" r:id="rId36"/>
+    <p:sldId id="1424" r:id="rId37"/>
+    <p:sldId id="1421" r:id="rId38"/>
+    <p:sldId id="350" r:id="rId39"/>
   </p:sldIdLst>
   <p:sldSz cx="12192000" cy="6858000"/>
   <p:notesSz cx="6858000" cy="9144000"/>
@@ -14669,6 +14672,925 @@
       </p:grpSpPr>
       <p:sp>
         <p:nvSpPr>
+          <p:cNvPr id="111" name="CustomShape 1"/>
+          <p:cNvSpPr/>
+          <p:nvPr/>
+        </p:nvSpPr>
+        <p:spPr>
+          <a:xfrm>
+            <a:off x="246600" y="762120"/>
+            <a:ext cx="11687400" cy="644877"/>
+          </a:xfrm>
+          <a:prstGeom prst="rect">
+            <a:avLst/>
+          </a:prstGeom>
+          <a:noFill/>
+          <a:ln>
+            <a:noFill/>
+          </a:ln>
+        </p:spPr>
+        <p:style>
+          <a:lnRef idx="0">
+            <a:scrgbClr r="0" g="0" b="0"/>
+          </a:lnRef>
+          <a:fillRef idx="0">
+            <a:scrgbClr r="0" g="0" b="0"/>
+          </a:fillRef>
+          <a:effectRef idx="0">
+            <a:scrgbClr r="0" g="0" b="0"/>
+          </a:effectRef>
+          <a:fontRef idx="minor"/>
+        </p:style>
+        <p:txBody>
+          <a:bodyPr lIns="90000" tIns="45000" rIns="90000" bIns="45000">
+            <a:spAutoFit/>
+          </a:bodyPr>
+          <a:lstStyle/>
+          <a:p>
+            <a:pPr algn="just"/>
+            <a:r>
+              <a:rPr lang="en-US" spc="-1" dirty="0">
+                <a:latin typeface="Arial"/>
+              </a:rPr>
+              <a:t>Begins capturing command output and appending it to a specified file. Output will not be shown at the console while it is captured.</a:t>
+            </a:r>
+          </a:p>
+        </p:txBody>
+      </p:sp>
+      <p:sp>
+        <p:nvSpPr>
+          <p:cNvPr id="114" name="CustomShape 4"/>
+          <p:cNvSpPr/>
+          <p:nvPr/>
+        </p:nvSpPr>
+        <p:spPr>
+          <a:xfrm>
+            <a:off x="246600" y="0"/>
+            <a:ext cx="11687400" cy="706432"/>
+          </a:xfrm>
+          <a:prstGeom prst="rect">
+            <a:avLst/>
+          </a:prstGeom>
+          <a:solidFill>
+            <a:srgbClr val="C00000"/>
+          </a:solidFill>
+          <a:ln>
+            <a:noFill/>
+          </a:ln>
+        </p:spPr>
+        <p:style>
+          <a:lnRef idx="0">
+            <a:scrgbClr r="0" g="0" b="0"/>
+          </a:lnRef>
+          <a:fillRef idx="0">
+            <a:scrgbClr r="0" g="0" b="0"/>
+          </a:fillRef>
+          <a:effectRef idx="0">
+            <a:scrgbClr r="0" g="0" b="0"/>
+          </a:effectRef>
+          <a:fontRef idx="minor"/>
+        </p:style>
+        <p:txBody>
+          <a:bodyPr lIns="90000" tIns="45000" rIns="90000" bIns="45000">
+            <a:spAutoFit/>
+          </a:bodyPr>
+          <a:lstStyle/>
+          <a:p>
+            <a:pPr algn="ctr">
+              <a:lnSpc>
+                <a:spcPct val="100000"/>
+              </a:lnSpc>
+            </a:pPr>
+            <a:r>
+              <a:rPr lang="en-IN" sz="4000" spc="-1" dirty="0">
+                <a:solidFill>
+                  <a:srgbClr val="F7C120"/>
+                </a:solidFill>
+                <a:latin typeface="Open Sans"/>
+                <a:ea typeface="DejaVu Sans"/>
+              </a:rPr>
+              <a:t>capture output in file</a:t>
+            </a:r>
+            <a:endParaRPr lang="en-IN" sz="4000" b="0" strike="noStrike" spc="-1" dirty="0">
+              <a:latin typeface="Arial"/>
+            </a:endParaRPr>
+          </a:p>
+        </p:txBody>
+      </p:sp>
+      <p:sp>
+        <p:nvSpPr>
+          <p:cNvPr id="115" name="Line 5"/>
+          <p:cNvSpPr/>
+          <p:nvPr/>
+        </p:nvSpPr>
+        <p:spPr>
+          <a:xfrm>
+            <a:off x="0" y="1536120"/>
+            <a:ext cx="12191760" cy="0"/>
+          </a:xfrm>
+          <a:prstGeom prst="line">
+            <a:avLst/>
+          </a:prstGeom>
+          <a:ln w="12600">
+            <a:solidFill>
+              <a:srgbClr val="6E78A0"/>
+            </a:solidFill>
+            <a:prstDash val="dash"/>
+            <a:round/>
+          </a:ln>
+        </p:spPr>
+        <p:style>
+          <a:lnRef idx="1">
+            <a:schemeClr val="accent1"/>
+          </a:lnRef>
+          <a:fillRef idx="0">
+            <a:schemeClr val="accent1"/>
+          </a:fillRef>
+          <a:effectRef idx="0">
+            <a:schemeClr val="accent1"/>
+          </a:effectRef>
+          <a:fontRef idx="minor"/>
+        </p:style>
+      </p:sp>
+      <p:sp>
+        <p:nvSpPr>
+          <p:cNvPr id="10" name="CustomShape 6">
+            <a:extLst>
+              <a:ext uri="{FF2B5EF4-FFF2-40B4-BE49-F238E27FC236}">
+                <a16:creationId xmlns:a16="http://schemas.microsoft.com/office/drawing/2014/main" id="{3F3ADA2F-5904-426C-A7AA-EF7218A0D350}"/>
+              </a:ext>
+            </a:extLst>
+          </p:cNvPr>
+          <p:cNvSpPr/>
+          <p:nvPr/>
+        </p:nvSpPr>
+        <p:spPr>
+          <a:xfrm>
+            <a:off x="246600" y="2030040"/>
+            <a:ext cx="11687400" cy="644877"/>
+          </a:xfrm>
+          <a:prstGeom prst="rect">
+            <a:avLst/>
+          </a:prstGeom>
+          <a:noFill/>
+          <a:ln>
+            <a:noFill/>
+          </a:ln>
+        </p:spPr>
+        <p:style>
+          <a:lnRef idx="0">
+            <a:scrgbClr r="0" g="0" b="0"/>
+          </a:lnRef>
+          <a:fillRef idx="0">
+            <a:scrgbClr r="0" g="0" b="0"/>
+          </a:fillRef>
+          <a:effectRef idx="0">
+            <a:scrgbClr r="0" g="0" b="0"/>
+          </a:effectRef>
+          <a:fontRef idx="minor"/>
+        </p:style>
+        <p:txBody>
+          <a:bodyPr lIns="90000" tIns="45000" rIns="90000" bIns="45000">
+            <a:spAutoFit/>
+          </a:bodyPr>
+          <a:lstStyle/>
+          <a:p>
+            <a:r>
+              <a:rPr lang="en-US" spc="-1" dirty="0">
+                <a:solidFill>
+                  <a:srgbClr val="2B8208"/>
+                </a:solidFill>
+                <a:latin typeface="Source Code Pro" panose="020B0509030403020204" pitchFamily="49" charset="0"/>
+                <a:ea typeface="Source Code Pro" panose="020B0509030403020204" pitchFamily="49" charset="0"/>
+              </a:rPr>
+              <a:t>CAPTURE </a:t>
+            </a:r>
+            <a:r>
+              <a:rPr lang="en-US" spc="-1" dirty="0">
+                <a:latin typeface="Source Code Pro" panose="020B0509030403020204" pitchFamily="49" charset="0"/>
+                <a:ea typeface="Source Code Pro" panose="020B0509030403020204" pitchFamily="49" charset="0"/>
+              </a:rPr>
+              <a:t>'</a:t>
+            </a:r>
+            <a:r>
+              <a:rPr lang="en-US" i="1" spc="-1" dirty="0">
+                <a:latin typeface="Source Code Pro" panose="020B0509030403020204" pitchFamily="49" charset="0"/>
+                <a:ea typeface="Source Code Pro" panose="020B0509030403020204" pitchFamily="49" charset="0"/>
+              </a:rPr>
+              <a:t>&lt; path\file_name.ext &gt;</a:t>
+            </a:r>
+            <a:r>
+              <a:rPr lang="en-US" spc="-1" dirty="0">
+                <a:latin typeface="Source Code Pro" panose="020B0509030403020204" pitchFamily="49" charset="0"/>
+                <a:ea typeface="Source Code Pro" panose="020B0509030403020204" pitchFamily="49" charset="0"/>
+              </a:rPr>
+              <a:t>';</a:t>
+            </a:r>
+          </a:p>
+          <a:p>
+            <a:r>
+              <a:rPr lang="en-US" spc="-1" dirty="0">
+                <a:solidFill>
+                  <a:srgbClr val="2B8208"/>
+                </a:solidFill>
+                <a:latin typeface="Source Code Pro" panose="020B0509030403020204" pitchFamily="49" charset="0"/>
+                <a:ea typeface="Source Code Pro" panose="020B0509030403020204" pitchFamily="49" charset="0"/>
+              </a:rPr>
+              <a:t>CAPTURE </a:t>
+            </a:r>
+            <a:r>
+              <a:rPr lang="en-US" spc="-1" dirty="0">
+                <a:latin typeface="Source Code Pro" panose="020B0509030403020204" pitchFamily="49" charset="0"/>
+                <a:ea typeface="Source Code Pro" panose="020B0509030403020204" pitchFamily="49" charset="0"/>
+              </a:rPr>
+              <a:t>OFF;</a:t>
+            </a:r>
+          </a:p>
+        </p:txBody>
+      </p:sp>
+      <p:sp>
+        <p:nvSpPr>
+          <p:cNvPr id="6" name="CustomShape 2">
+            <a:extLst>
+              <a:ext uri="{FF2B5EF4-FFF2-40B4-BE49-F238E27FC236}">
+                <a16:creationId xmlns:a16="http://schemas.microsoft.com/office/drawing/2014/main" id="{BF11E79E-05F9-4992-A8E4-D9B02FA73CAA}"/>
+              </a:ext>
+            </a:extLst>
+          </p:cNvPr>
+          <p:cNvSpPr/>
+          <p:nvPr/>
+        </p:nvSpPr>
+        <p:spPr>
+          <a:xfrm>
+            <a:off x="246600" y="3205138"/>
+            <a:ext cx="11687400" cy="767987"/>
+          </a:xfrm>
+          <a:prstGeom prst="rect">
+            <a:avLst/>
+          </a:prstGeom>
+          <a:noFill/>
+          <a:ln>
+            <a:noFill/>
+          </a:ln>
+        </p:spPr>
+        <p:style>
+          <a:lnRef idx="0">
+            <a:scrgbClr r="0" g="0" b="0"/>
+          </a:lnRef>
+          <a:fillRef idx="0">
+            <a:scrgbClr r="0" g="0" b="0"/>
+          </a:fillRef>
+          <a:effectRef idx="0">
+            <a:scrgbClr r="0" g="0" b="0"/>
+          </a:effectRef>
+          <a:fontRef idx="minor"/>
+        </p:style>
+        <p:txBody>
+          <a:bodyPr wrap="square" lIns="90000" tIns="45000" rIns="90000" bIns="45000">
+            <a:spAutoFit/>
+          </a:bodyPr>
+          <a:lstStyle/>
+          <a:p>
+            <a:pPr marL="309510" indent="-285750">
+              <a:buClr>
+                <a:srgbClr val="808080"/>
+              </a:buClr>
+              <a:buFont typeface="Arial" panose="020B0604020202020204" pitchFamily="34" charset="0"/>
+              <a:buChar char="•"/>
+            </a:pPr>
+            <a:r>
+              <a:rPr lang="en-IN" sz="1800" b="0" strike="noStrike" spc="-1" dirty="0">
+                <a:solidFill>
+                  <a:schemeClr val="bg1">
+                    <a:lumMod val="50000"/>
+                  </a:schemeClr>
+                </a:solidFill>
+                <a:latin typeface="Consolas" panose="020B0609020204030204" pitchFamily="49" charset="0"/>
+                <a:ea typeface="SimSun"/>
+              </a:rPr>
+              <a:t>cqlsh:db1&gt; </a:t>
+            </a:r>
+            <a:r>
+              <a:rPr lang="en-IN" sz="1800" b="0" strike="noStrike" spc="-1" dirty="0">
+                <a:latin typeface="Consolas" panose="020B0609020204030204" pitchFamily="49" charset="0"/>
+                <a:ea typeface="SimSun"/>
+              </a:rPr>
+              <a:t>capture </a:t>
+            </a:r>
+            <a:r>
+              <a:rPr lang="en-US" spc="-1" dirty="0">
+                <a:latin typeface="Consolas" panose="020B0609020204030204" pitchFamily="49" charset="0"/>
+                <a:ea typeface="Source Code Pro" panose="020B0509030403020204" pitchFamily="49" charset="0"/>
+              </a:rPr>
+              <a:t>'d:\test.txt';</a:t>
+            </a:r>
+            <a:endParaRPr lang="en-IN" sz="1800" b="0" strike="noStrike" spc="-1" dirty="0">
+              <a:latin typeface="Consolas" panose="020B0609020204030204" pitchFamily="49" charset="0"/>
+              <a:ea typeface="SimSun"/>
+            </a:endParaRPr>
+          </a:p>
+          <a:p>
+            <a:pPr marL="309510" indent="-285750">
+              <a:buClr>
+                <a:srgbClr val="808080"/>
+              </a:buClr>
+              <a:buFont typeface="Arial" panose="020B0604020202020204" pitchFamily="34" charset="0"/>
+              <a:buChar char="•"/>
+            </a:pPr>
+            <a:endParaRPr lang="en-IN" sz="800" spc="-1" dirty="0">
+              <a:latin typeface="Consolas" panose="020B0609020204030204" pitchFamily="49" charset="0"/>
+              <a:ea typeface="SimSun"/>
+            </a:endParaRPr>
+          </a:p>
+          <a:p>
+            <a:pPr marL="309510" indent="-285750">
+              <a:buClr>
+                <a:srgbClr val="808080"/>
+              </a:buClr>
+              <a:buFont typeface="Arial" panose="020B0604020202020204" pitchFamily="34" charset="0"/>
+              <a:buChar char="•"/>
+            </a:pPr>
+            <a:r>
+              <a:rPr lang="en-IN" sz="1800" b="0" strike="noStrike" spc="-1" dirty="0">
+                <a:solidFill>
+                  <a:schemeClr val="bg1">
+                    <a:lumMod val="50000"/>
+                  </a:schemeClr>
+                </a:solidFill>
+                <a:latin typeface="Consolas" panose="020B0609020204030204" pitchFamily="49" charset="0"/>
+                <a:ea typeface="SimSun"/>
+              </a:rPr>
+              <a:t>cqlsh:db1&gt;</a:t>
+            </a:r>
+            <a:r>
+              <a:rPr lang="en-IN" sz="1800" b="0" strike="noStrike" spc="-1" dirty="0">
+                <a:latin typeface="Consolas" panose="020B0609020204030204" pitchFamily="49" charset="0"/>
+                <a:ea typeface="SimSun"/>
+              </a:rPr>
+              <a:t> capture off;</a:t>
+            </a:r>
+            <a:r>
+              <a:rPr lang="en-IN" spc="-1" dirty="0">
+                <a:latin typeface="Consolas" panose="020B0609020204030204" pitchFamily="49" charset="0"/>
+                <a:ea typeface="SimSun"/>
+              </a:rPr>
+              <a:t> </a:t>
+            </a:r>
+          </a:p>
+        </p:txBody>
+      </p:sp>
+    </p:spTree>
+    <p:extLst>
+      <p:ext uri="{BB962C8B-B14F-4D97-AF65-F5344CB8AC3E}">
+        <p14:creationId xmlns:p14="http://schemas.microsoft.com/office/powerpoint/2010/main" val="2462804949"/>
+      </p:ext>
+    </p:extLst>
+  </p:cSld>
+  <p:clrMapOvr>
+    <a:masterClrMapping/>
+  </p:clrMapOvr>
+</p:sld>
+</file>
+
+<file path=ppt/slides/slide34.xml><?xml version="1.0" encoding="utf-8"?>
+<p:sld xmlns:a="http://schemas.openxmlformats.org/drawingml/2006/main" xmlns:r="http://schemas.openxmlformats.org/officeDocument/2006/relationships" xmlns:p="http://schemas.openxmlformats.org/presentationml/2006/main">
+  <p:cSld>
+    <p:spTree>
+      <p:nvGrpSpPr>
+        <p:cNvPr id="1" name=""/>
+        <p:cNvGrpSpPr/>
+        <p:nvPr/>
+      </p:nvGrpSpPr>
+      <p:grpSpPr>
+        <a:xfrm>
+          <a:off x="0" y="0"/>
+          <a:ext cx="0" cy="0"/>
+          <a:chOff x="0" y="0"/>
+          <a:chExt cx="0" cy="0"/>
+        </a:xfrm>
+      </p:grpSpPr>
+      <p:sp>
+        <p:nvSpPr>
+          <p:cNvPr id="109" name="CustomShape 1"/>
+          <p:cNvSpPr/>
+          <p:nvPr/>
+        </p:nvSpPr>
+        <p:spPr>
+          <a:xfrm>
+            <a:off x="1676520" y="2362320"/>
+            <a:ext cx="8815320" cy="1752872"/>
+          </a:xfrm>
+          <a:prstGeom prst="rect">
+            <a:avLst/>
+          </a:prstGeom>
+          <a:noFill/>
+          <a:ln>
+            <a:noFill/>
+          </a:ln>
+        </p:spPr>
+        <p:style>
+          <a:lnRef idx="0">
+            <a:scrgbClr r="0" g="0" b="0"/>
+          </a:lnRef>
+          <a:fillRef idx="0">
+            <a:scrgbClr r="0" g="0" b="0"/>
+          </a:fillRef>
+          <a:effectRef idx="0">
+            <a:scrgbClr r="0" g="0" b="0"/>
+          </a:effectRef>
+          <a:fontRef idx="minor"/>
+        </p:style>
+        <p:txBody>
+          <a:bodyPr lIns="90000" tIns="45000" rIns="90000" bIns="45000">
+            <a:spAutoFit/>
+          </a:bodyPr>
+          <a:lstStyle/>
+          <a:p>
+            <a:pPr algn="ctr">
+              <a:lnSpc>
+                <a:spcPct val="100000"/>
+              </a:lnSpc>
+            </a:pPr>
+            <a:r>
+              <a:rPr lang="en-IN" sz="5400" i="1" spc="-1" dirty="0">
+                <a:solidFill>
+                  <a:srgbClr val="F7C120"/>
+                </a:solidFill>
+                <a:latin typeface="Century"/>
+                <a:ea typeface="DejaVu Sans"/>
+              </a:rPr>
+              <a:t>copy to / copy from </a:t>
+            </a:r>
+          </a:p>
+          <a:p>
+            <a:pPr algn="ctr">
+              <a:lnSpc>
+                <a:spcPct val="100000"/>
+              </a:lnSpc>
+            </a:pPr>
+            <a:r>
+              <a:rPr lang="en-IN" sz="5400" i="1" spc="-1" dirty="0">
+                <a:solidFill>
+                  <a:srgbClr val="F7C120"/>
+                </a:solidFill>
+                <a:latin typeface="Century"/>
+                <a:ea typeface="DejaVu Sans"/>
+              </a:rPr>
+              <a:t>CSV files</a:t>
+            </a:r>
+            <a:endParaRPr lang="en-IN" sz="5400" b="0" strike="noStrike" spc="-1" dirty="0">
+              <a:latin typeface="Arial"/>
+            </a:endParaRPr>
+          </a:p>
+        </p:txBody>
+      </p:sp>
+      <p:sp>
+        <p:nvSpPr>
+          <p:cNvPr id="110" name="CustomShape 2"/>
+          <p:cNvSpPr/>
+          <p:nvPr/>
+        </p:nvSpPr>
+        <p:spPr>
+          <a:xfrm>
+            <a:off x="522360" y="4213250"/>
+            <a:ext cx="11052360" cy="367878"/>
+          </a:xfrm>
+          <a:prstGeom prst="rect">
+            <a:avLst/>
+          </a:prstGeom>
+          <a:noFill/>
+          <a:ln>
+            <a:noFill/>
+          </a:ln>
+        </p:spPr>
+        <p:style>
+          <a:lnRef idx="0">
+            <a:scrgbClr r="0" g="0" b="0"/>
+          </a:lnRef>
+          <a:fillRef idx="0">
+            <a:scrgbClr r="0" g="0" b="0"/>
+          </a:fillRef>
+          <a:effectRef idx="0">
+            <a:scrgbClr r="0" g="0" b="0"/>
+          </a:effectRef>
+          <a:fontRef idx="minor"/>
+        </p:style>
+        <p:txBody>
+          <a:bodyPr lIns="90000" tIns="45000" rIns="90000" bIns="45000">
+            <a:spAutoFit/>
+          </a:bodyPr>
+          <a:lstStyle/>
+          <a:p>
+            <a:pPr algn="just">
+              <a:lnSpc>
+                <a:spcPct val="100000"/>
+              </a:lnSpc>
+            </a:pPr>
+            <a:r>
+              <a:rPr lang="en-US" sz="1800" b="0" strike="noStrike" spc="-1" dirty="0">
+                <a:solidFill>
+                  <a:srgbClr val="BB0643"/>
+                </a:solidFill>
+                <a:latin typeface="Segoe UI"/>
+                <a:ea typeface="DejaVu Sans"/>
+              </a:rPr>
+              <a:t>TODO</a:t>
+            </a:r>
+            <a:endParaRPr lang="en-IN" spc="-1" dirty="0">
+              <a:solidFill>
+                <a:srgbClr val="BB0643"/>
+              </a:solidFill>
+              <a:latin typeface="Segoe UI"/>
+            </a:endParaRPr>
+          </a:p>
+        </p:txBody>
+      </p:sp>
+    </p:spTree>
+    <p:extLst>
+      <p:ext uri="{BB962C8B-B14F-4D97-AF65-F5344CB8AC3E}">
+        <p14:creationId xmlns:p14="http://schemas.microsoft.com/office/powerpoint/2010/main" val="685140861"/>
+      </p:ext>
+    </p:extLst>
+  </p:cSld>
+  <p:clrMapOvr>
+    <a:masterClrMapping/>
+  </p:clrMapOvr>
+</p:sld>
+</file>
+
+<file path=ppt/slides/slide35.xml><?xml version="1.0" encoding="utf-8"?>
+<p:sld xmlns:a="http://schemas.openxmlformats.org/drawingml/2006/main" xmlns:r="http://schemas.openxmlformats.org/officeDocument/2006/relationships" xmlns:p="http://schemas.openxmlformats.org/presentationml/2006/main">
+  <p:cSld>
+    <p:spTree>
+      <p:nvGrpSpPr>
+        <p:cNvPr id="1" name=""/>
+        <p:cNvGrpSpPr/>
+        <p:nvPr/>
+      </p:nvGrpSpPr>
+      <p:grpSpPr>
+        <a:xfrm>
+          <a:off x="0" y="0"/>
+          <a:ext cx="0" cy="0"/>
+          <a:chOff x="0" y="0"/>
+          <a:chExt cx="0" cy="0"/>
+        </a:xfrm>
+      </p:grpSpPr>
+      <p:sp>
+        <p:nvSpPr>
+          <p:cNvPr id="111" name="CustomShape 1"/>
+          <p:cNvSpPr/>
+          <p:nvPr/>
+        </p:nvSpPr>
+        <p:spPr>
+          <a:xfrm>
+            <a:off x="246600" y="762120"/>
+            <a:ext cx="11687400" cy="367878"/>
+          </a:xfrm>
+          <a:prstGeom prst="rect">
+            <a:avLst/>
+          </a:prstGeom>
+          <a:noFill/>
+          <a:ln>
+            <a:noFill/>
+          </a:ln>
+        </p:spPr>
+        <p:style>
+          <a:lnRef idx="0">
+            <a:scrgbClr r="0" g="0" b="0"/>
+          </a:lnRef>
+          <a:fillRef idx="0">
+            <a:scrgbClr r="0" g="0" b="0"/>
+          </a:fillRef>
+          <a:effectRef idx="0">
+            <a:scrgbClr r="0" g="0" b="0"/>
+          </a:effectRef>
+          <a:fontRef idx="minor"/>
+        </p:style>
+        <p:txBody>
+          <a:bodyPr lIns="90000" tIns="45000" rIns="90000" bIns="45000">
+            <a:spAutoFit/>
+          </a:bodyPr>
+          <a:lstStyle/>
+          <a:p>
+            <a:pPr algn="just"/>
+            <a:r>
+              <a:rPr lang="en-US" spc="-1" dirty="0">
+                <a:latin typeface="Arial"/>
+              </a:rPr>
+              <a:t>TODO</a:t>
+            </a:r>
+          </a:p>
+        </p:txBody>
+      </p:sp>
+      <p:sp>
+        <p:nvSpPr>
+          <p:cNvPr id="114" name="CustomShape 4"/>
+          <p:cNvSpPr/>
+          <p:nvPr/>
+        </p:nvSpPr>
+        <p:spPr>
+          <a:xfrm>
+            <a:off x="246600" y="0"/>
+            <a:ext cx="11687400" cy="706432"/>
+          </a:xfrm>
+          <a:prstGeom prst="rect">
+            <a:avLst/>
+          </a:prstGeom>
+          <a:solidFill>
+            <a:srgbClr val="C00000"/>
+          </a:solidFill>
+          <a:ln>
+            <a:noFill/>
+          </a:ln>
+        </p:spPr>
+        <p:style>
+          <a:lnRef idx="0">
+            <a:scrgbClr r="0" g="0" b="0"/>
+          </a:lnRef>
+          <a:fillRef idx="0">
+            <a:scrgbClr r="0" g="0" b="0"/>
+          </a:fillRef>
+          <a:effectRef idx="0">
+            <a:scrgbClr r="0" g="0" b="0"/>
+          </a:effectRef>
+          <a:fontRef idx="minor"/>
+        </p:style>
+        <p:txBody>
+          <a:bodyPr lIns="90000" tIns="45000" rIns="90000" bIns="45000">
+            <a:spAutoFit/>
+          </a:bodyPr>
+          <a:lstStyle/>
+          <a:p>
+            <a:pPr algn="ctr">
+              <a:lnSpc>
+                <a:spcPct val="100000"/>
+              </a:lnSpc>
+            </a:pPr>
+            <a:r>
+              <a:rPr lang="en-IN" sz="4000" spc="-1" dirty="0">
+                <a:solidFill>
+                  <a:srgbClr val="F7C120"/>
+                </a:solidFill>
+                <a:latin typeface="Open Sans"/>
+                <a:ea typeface="DejaVu Sans"/>
+              </a:rPr>
+              <a:t>copy to and copy from CSV file</a:t>
+            </a:r>
+            <a:endParaRPr lang="en-IN" sz="4000" b="0" strike="noStrike" spc="-1" dirty="0">
+              <a:latin typeface="Arial"/>
+            </a:endParaRPr>
+          </a:p>
+        </p:txBody>
+      </p:sp>
+      <p:sp>
+        <p:nvSpPr>
+          <p:cNvPr id="115" name="Line 5"/>
+          <p:cNvSpPr/>
+          <p:nvPr/>
+        </p:nvSpPr>
+        <p:spPr>
+          <a:xfrm>
+            <a:off x="0" y="1536120"/>
+            <a:ext cx="12191760" cy="0"/>
+          </a:xfrm>
+          <a:prstGeom prst="line">
+            <a:avLst/>
+          </a:prstGeom>
+          <a:ln w="12600">
+            <a:solidFill>
+              <a:srgbClr val="6E78A0"/>
+            </a:solidFill>
+            <a:prstDash val="dash"/>
+            <a:round/>
+          </a:ln>
+        </p:spPr>
+        <p:style>
+          <a:lnRef idx="1">
+            <a:schemeClr val="accent1"/>
+          </a:lnRef>
+          <a:fillRef idx="0">
+            <a:schemeClr val="accent1"/>
+          </a:fillRef>
+          <a:effectRef idx="0">
+            <a:schemeClr val="accent1"/>
+          </a:effectRef>
+          <a:fontRef idx="minor"/>
+        </p:style>
+      </p:sp>
+      <p:sp>
+        <p:nvSpPr>
+          <p:cNvPr id="10" name="CustomShape 6">
+            <a:extLst>
+              <a:ext uri="{FF2B5EF4-FFF2-40B4-BE49-F238E27FC236}">
+                <a16:creationId xmlns:a16="http://schemas.microsoft.com/office/drawing/2014/main" id="{3F3ADA2F-5904-426C-A7AA-EF7218A0D350}"/>
+              </a:ext>
+            </a:extLst>
+          </p:cNvPr>
+          <p:cNvSpPr/>
+          <p:nvPr/>
+        </p:nvSpPr>
+        <p:spPr>
+          <a:xfrm>
+            <a:off x="246600" y="2030040"/>
+            <a:ext cx="11687400" cy="767987"/>
+          </a:xfrm>
+          <a:prstGeom prst="rect">
+            <a:avLst/>
+          </a:prstGeom>
+          <a:noFill/>
+          <a:ln>
+            <a:noFill/>
+          </a:ln>
+        </p:spPr>
+        <p:style>
+          <a:lnRef idx="0">
+            <a:scrgbClr r="0" g="0" b="0"/>
+          </a:lnRef>
+          <a:fillRef idx="0">
+            <a:scrgbClr r="0" g="0" b="0"/>
+          </a:fillRef>
+          <a:effectRef idx="0">
+            <a:scrgbClr r="0" g="0" b="0"/>
+          </a:effectRef>
+          <a:fontRef idx="minor"/>
+        </p:style>
+        <p:txBody>
+          <a:bodyPr lIns="90000" tIns="45000" rIns="90000" bIns="45000">
+            <a:spAutoFit/>
+          </a:bodyPr>
+          <a:lstStyle/>
+          <a:p>
+            <a:r>
+              <a:rPr lang="en-US" spc="-1" dirty="0">
+                <a:solidFill>
+                  <a:srgbClr val="2B8208"/>
+                </a:solidFill>
+                <a:latin typeface="Source Code Pro" panose="020B0509030403020204" pitchFamily="49" charset="0"/>
+                <a:ea typeface="Source Code Pro" panose="020B0509030403020204" pitchFamily="49" charset="0"/>
+              </a:rPr>
+              <a:t>COPY</a:t>
+            </a:r>
+            <a:r>
+              <a:rPr lang="en-US" spc="-1" dirty="0">
+                <a:latin typeface="Source Code Pro" panose="020B0509030403020204" pitchFamily="49" charset="0"/>
+                <a:ea typeface="Source Code Pro" panose="020B0509030403020204" pitchFamily="49" charset="0"/>
+              </a:rPr>
+              <a:t> &lt;table name&gt; [(&lt;column&gt;, ...)] </a:t>
+            </a:r>
+            <a:r>
+              <a:rPr lang="en-US" spc="-1" dirty="0">
+                <a:solidFill>
+                  <a:srgbClr val="2B8208"/>
+                </a:solidFill>
+                <a:latin typeface="Source Code Pro" panose="020B0509030403020204" pitchFamily="49" charset="0"/>
+                <a:ea typeface="Source Code Pro" panose="020B0509030403020204" pitchFamily="49" charset="0"/>
+              </a:rPr>
+              <a:t>TO</a:t>
+            </a:r>
+            <a:r>
+              <a:rPr lang="en-US" spc="-1" dirty="0">
+                <a:latin typeface="Source Code Pro" panose="020B0509030403020204" pitchFamily="49" charset="0"/>
+                <a:ea typeface="Source Code Pro" panose="020B0509030403020204" pitchFamily="49" charset="0"/>
+              </a:rPr>
+              <a:t> &lt;</a:t>
+            </a:r>
+            <a:r>
+              <a:rPr lang="en-US" i="1" spc="-1" dirty="0">
+                <a:latin typeface="Source Code Pro" panose="020B0509030403020204" pitchFamily="49" charset="0"/>
+                <a:ea typeface="Source Code Pro" panose="020B0509030403020204" pitchFamily="49" charset="0"/>
+              </a:rPr>
+              <a:t>path\file_name.ext</a:t>
+            </a:r>
+            <a:r>
+              <a:rPr lang="en-US" spc="-1" dirty="0">
+                <a:latin typeface="Source Code Pro" panose="020B0509030403020204" pitchFamily="49" charset="0"/>
+                <a:ea typeface="Source Code Pro" panose="020B0509030403020204" pitchFamily="49" charset="0"/>
+              </a:rPr>
+              <a:t>&gt;</a:t>
+            </a:r>
+          </a:p>
+          <a:p>
+            <a:endParaRPr lang="en-US" sz="800" spc="-1" dirty="0">
+              <a:latin typeface="Source Code Pro" panose="020B0509030403020204" pitchFamily="49" charset="0"/>
+              <a:ea typeface="Source Code Pro" panose="020B0509030403020204" pitchFamily="49" charset="0"/>
+            </a:endParaRPr>
+          </a:p>
+          <a:p>
+            <a:r>
+              <a:rPr lang="en-US" spc="-1" dirty="0">
+                <a:solidFill>
+                  <a:srgbClr val="2B8208"/>
+                </a:solidFill>
+                <a:latin typeface="Source Code Pro" panose="020B0509030403020204" pitchFamily="49" charset="0"/>
+                <a:ea typeface="Source Code Pro" panose="020B0509030403020204" pitchFamily="49" charset="0"/>
+              </a:rPr>
+              <a:t>COPY</a:t>
+            </a:r>
+            <a:r>
+              <a:rPr lang="en-US" spc="-1" dirty="0">
+                <a:latin typeface="Source Code Pro" panose="020B0509030403020204" pitchFamily="49" charset="0"/>
+                <a:ea typeface="Source Code Pro" panose="020B0509030403020204" pitchFamily="49" charset="0"/>
+              </a:rPr>
+              <a:t> &lt;table name&gt; [(&lt;column&gt;, ...)] </a:t>
+            </a:r>
+            <a:r>
+              <a:rPr lang="en-US" spc="-1" dirty="0">
+                <a:solidFill>
+                  <a:srgbClr val="2B8208"/>
+                </a:solidFill>
+                <a:latin typeface="Source Code Pro" panose="020B0509030403020204" pitchFamily="49" charset="0"/>
+                <a:ea typeface="Source Code Pro" panose="020B0509030403020204" pitchFamily="49" charset="0"/>
+              </a:rPr>
+              <a:t>FROM</a:t>
+            </a:r>
+            <a:r>
+              <a:rPr lang="en-US" spc="-1" dirty="0">
+                <a:latin typeface="Source Code Pro" panose="020B0509030403020204" pitchFamily="49" charset="0"/>
+                <a:ea typeface="Source Code Pro" panose="020B0509030403020204" pitchFamily="49" charset="0"/>
+              </a:rPr>
+              <a:t> &lt;</a:t>
+            </a:r>
+            <a:r>
+              <a:rPr lang="en-US" i="1" spc="-1" dirty="0">
+                <a:latin typeface="Source Code Pro" panose="020B0509030403020204" pitchFamily="49" charset="0"/>
+                <a:ea typeface="Source Code Pro" panose="020B0509030403020204" pitchFamily="49" charset="0"/>
+              </a:rPr>
+              <a:t>path\file_name.ext</a:t>
+            </a:r>
+            <a:r>
+              <a:rPr lang="en-US" spc="-1" dirty="0">
+                <a:latin typeface="Source Code Pro" panose="020B0509030403020204" pitchFamily="49" charset="0"/>
+                <a:ea typeface="Source Code Pro" panose="020B0509030403020204" pitchFamily="49" charset="0"/>
+              </a:rPr>
+              <a:t>&gt; </a:t>
+            </a:r>
+            <a:r>
+              <a:rPr lang="en-US" spc="-1" dirty="0">
+                <a:solidFill>
+                  <a:srgbClr val="2B8208"/>
+                </a:solidFill>
+                <a:latin typeface="Source Code Pro" panose="020B0509030403020204" pitchFamily="49" charset="0"/>
+                <a:ea typeface="Source Code Pro" panose="020B0509030403020204" pitchFamily="49" charset="0"/>
+              </a:rPr>
+              <a:t>WITH</a:t>
+            </a:r>
+            <a:r>
+              <a:rPr lang="en-US" spc="-1" dirty="0">
+                <a:latin typeface="Source Code Pro" panose="020B0509030403020204" pitchFamily="49" charset="0"/>
+                <a:ea typeface="Source Code Pro" panose="020B0509030403020204" pitchFamily="49" charset="0"/>
+              </a:rPr>
+              <a:t> </a:t>
+            </a:r>
+            <a:r>
+              <a:rPr lang="en-IN" b="0" i="0" dirty="0">
+                <a:solidFill>
+                  <a:srgbClr val="C7254E"/>
+                </a:solidFill>
+                <a:effectLst/>
+                <a:latin typeface="Source Code Pro" panose="020B0509030403020204" pitchFamily="49" charset="0"/>
+                <a:ea typeface="Source Code Pro" panose="020B0509030403020204" pitchFamily="49" charset="0"/>
+              </a:rPr>
+              <a:t>HEADER</a:t>
+            </a:r>
+            <a:endParaRPr lang="en-US" spc="-1" dirty="0">
+              <a:latin typeface="Source Code Pro" panose="020B0509030403020204" pitchFamily="49" charset="0"/>
+              <a:ea typeface="Source Code Pro" panose="020B0509030403020204" pitchFamily="49" charset="0"/>
+            </a:endParaRPr>
+          </a:p>
+        </p:txBody>
+      </p:sp>
+    </p:spTree>
+    <p:extLst>
+      <p:ext uri="{BB962C8B-B14F-4D97-AF65-F5344CB8AC3E}">
+        <p14:creationId xmlns:p14="http://schemas.microsoft.com/office/powerpoint/2010/main" val="2274689987"/>
+      </p:ext>
+    </p:extLst>
+  </p:cSld>
+  <p:clrMapOvr>
+    <a:masterClrMapping/>
+  </p:clrMapOvr>
+</p:sld>
+</file>
+
+<file path=ppt/slides/slide36.xml><?xml version="1.0" encoding="utf-8"?>
+<p:sld xmlns:a="http://schemas.openxmlformats.org/drawingml/2006/main" xmlns:r="http://schemas.openxmlformats.org/officeDocument/2006/relationships" xmlns:p="http://schemas.openxmlformats.org/presentationml/2006/main">
+  <p:cSld>
+    <p:spTree>
+      <p:nvGrpSpPr>
+        <p:cNvPr id="1" name=""/>
+        <p:cNvGrpSpPr/>
+        <p:nvPr/>
+      </p:nvGrpSpPr>
+      <p:grpSpPr>
+        <a:xfrm>
+          <a:off x="0" y="0"/>
+          <a:ext cx="0" cy="0"/>
+          <a:chOff x="0" y="0"/>
+          <a:chExt cx="0" cy="0"/>
+        </a:xfrm>
+      </p:grpSpPr>
+      <p:sp>
+        <p:nvSpPr>
           <p:cNvPr id="109" name="CustomShape 1"/>
           <p:cNvSpPr/>
           <p:nvPr/>
@@ -14799,7 +15721,7 @@
 </p:sld>
 </file>
 
-<file path=ppt/slides/slide34.xml><?xml version="1.0" encoding="utf-8"?>
+<file path=ppt/slides/slide37.xml><?xml version="1.0" encoding="utf-8"?>
 <p:sld xmlns:a="http://schemas.openxmlformats.org/drawingml/2006/main" xmlns:r="http://schemas.openxmlformats.org/officeDocument/2006/relationships" xmlns:p="http://schemas.openxmlformats.org/presentationml/2006/main">
   <p:cSld>
     <p:spTree>
@@ -15577,7 +16499,7 @@
 </p:sld>
 </file>
 
-<file path=ppt/slides/slide35.xml><?xml version="1.0" encoding="utf-8"?>
+<file path=ppt/slides/slide38.xml><?xml version="1.0" encoding="utf-8"?>
 <p:sld xmlns:a="http://schemas.openxmlformats.org/drawingml/2006/main" xmlns:r="http://schemas.openxmlformats.org/officeDocument/2006/relationships" xmlns:p="http://schemas.openxmlformats.org/presentationml/2006/main">
   <p:cSld>
     <p:spTree>

--- a/Cassandra Ver1.pptx
+++ b/Cassandra Ver1.pptx
@@ -15392,7 +15392,7 @@
         <p:spPr>
           <a:xfrm>
             <a:off x="246600" y="2030040"/>
-            <a:ext cx="11687400" cy="767987"/>
+            <a:ext cx="11687400" cy="1044986"/>
           </a:xfrm>
           <a:prstGeom prst="rect">
             <a:avLst/>
@@ -15550,12 +15550,87 @@
                 <a:latin typeface="Source Code Pro" panose="020B0509030403020204" pitchFamily="49" charset="0"/>
                 <a:ea typeface="Source Code Pro" panose="020B0509030403020204" pitchFamily="49" charset="0"/>
               </a:rPr>
-              <a:t>HEADER</a:t>
-            </a:r>
-            <a:endParaRPr lang="en-US" spc="-1" dirty="0">
-              <a:latin typeface="Source Code Pro" panose="020B0509030403020204" pitchFamily="49" charset="0"/>
-              <a:ea typeface="Source Code Pro" panose="020B0509030403020204" pitchFamily="49" charset="0"/>
-            </a:endParaRPr>
+              <a:t>HEADER </a:t>
+            </a:r>
+            <a:r>
+              <a:rPr lang="en-IN" b="0" i="0" dirty="0">
+                <a:effectLst/>
+                <a:latin typeface="Source Code Pro" panose="020B0509030403020204" pitchFamily="49" charset="0"/>
+                <a:ea typeface="Source Code Pro" panose="020B0509030403020204" pitchFamily="49" charset="0"/>
+              </a:rPr>
+              <a:t>=</a:t>
+            </a:r>
+            <a:r>
+              <a:rPr lang="en-IN" b="0" i="0" dirty="0">
+                <a:solidFill>
+                  <a:srgbClr val="C7254E"/>
+                </a:solidFill>
+                <a:effectLst/>
+                <a:latin typeface="Source Code Pro" panose="020B0509030403020204" pitchFamily="49" charset="0"/>
+                <a:ea typeface="Source Code Pro" panose="020B0509030403020204" pitchFamily="49" charset="0"/>
+              </a:rPr>
+              <a:t> TRUE </a:t>
+            </a:r>
+            <a:r>
+              <a:rPr lang="en-IN" b="0" i="0" dirty="0">
+                <a:effectLst/>
+                <a:latin typeface="Source Code Pro" panose="020B0509030403020204" pitchFamily="49" charset="0"/>
+                <a:ea typeface="Source Code Pro" panose="020B0509030403020204" pitchFamily="49" charset="0"/>
+              </a:rPr>
+              <a:t>AND</a:t>
+            </a:r>
+            <a:r>
+              <a:rPr lang="en-IN" b="0" i="0" dirty="0">
+                <a:solidFill>
+                  <a:srgbClr val="C7254E"/>
+                </a:solidFill>
+                <a:effectLst/>
+                <a:latin typeface="Source Code Pro" panose="020B0509030403020204" pitchFamily="49" charset="0"/>
+                <a:ea typeface="Source Code Pro" panose="020B0509030403020204" pitchFamily="49" charset="0"/>
+              </a:rPr>
+              <a:t> delimiter </a:t>
+            </a:r>
+            <a:r>
+              <a:rPr lang="en-IN" b="0" i="0" dirty="0">
+                <a:effectLst/>
+                <a:latin typeface="Source Code Pro" panose="020B0509030403020204" pitchFamily="49" charset="0"/>
+                <a:ea typeface="Source Code Pro" panose="020B0509030403020204" pitchFamily="49" charset="0"/>
+              </a:rPr>
+              <a:t>=</a:t>
+            </a:r>
+            <a:r>
+              <a:rPr lang="en-IN" b="0" i="0" dirty="0">
+                <a:solidFill>
+                  <a:srgbClr val="C7254E"/>
+                </a:solidFill>
+                <a:effectLst/>
+                <a:latin typeface="Source Code Pro" panose="020B0509030403020204" pitchFamily="49" charset="0"/>
+                <a:ea typeface="Source Code Pro" panose="020B0509030403020204" pitchFamily="49" charset="0"/>
+              </a:rPr>
+              <a:t> </a:t>
+            </a:r>
+            <a:r>
+              <a:rPr lang="en-US" spc="-1" dirty="0">
+                <a:latin typeface="Source Code Pro" panose="020B0509030403020204" pitchFamily="49" charset="0"/>
+                <a:ea typeface="Source Code Pro" panose="020B0509030403020204" pitchFamily="49" charset="0"/>
+              </a:rPr>
+              <a:t>'</a:t>
+            </a:r>
+            <a:r>
+              <a:rPr lang="en-IN" b="0" i="0" dirty="0">
+                <a:effectLst/>
+                <a:latin typeface="Source Code Pro" panose="020B0509030403020204" pitchFamily="49" charset="0"/>
+                <a:ea typeface="Source Code Pro" panose="020B0509030403020204" pitchFamily="49" charset="0"/>
+              </a:rPr>
+              <a:t>,</a:t>
+            </a:r>
+            <a:r>
+              <a:rPr lang="en-US" spc="-1" dirty="0">
+                <a:latin typeface="Source Code Pro" panose="020B0509030403020204" pitchFamily="49" charset="0"/>
+                <a:ea typeface="Source Code Pro" panose="020B0509030403020204" pitchFamily="49" charset="0"/>
+              </a:rPr>
+              <a:t>'</a:t>
+            </a:r>
           </a:p>
         </p:txBody>
       </p:sp>

--- a/Cassandra Ver1.pptx
+++ b/Cassandra Ver1.pptx
@@ -9000,7 +9000,322 @@
         </p:nvSpPr>
         <p:spPr>
           <a:xfrm>
-            <a:off x="246600" y="4222829"/>
+            <a:off x="246600" y="4005064"/>
+            <a:ext cx="11687400" cy="1323439"/>
+          </a:xfrm>
+          <a:prstGeom prst="rect">
+            <a:avLst/>
+          </a:prstGeom>
+          <a:noFill/>
+        </p:spPr>
+        <p:txBody>
+          <a:bodyPr wrap="square">
+            <a:spAutoFit/>
+          </a:bodyPr>
+          <a:lstStyle/>
+          <a:p>
+            <a:pPr marL="285750" indent="-285750">
+              <a:buFont typeface="Arial" panose="020B0604020202020204" pitchFamily="34" charset="0"/>
+              <a:buChar char="•"/>
+            </a:pPr>
+            <a:r>
+              <a:rPr lang="en-IN" sz="1800" b="0" strike="noStrike" spc="-1" dirty="0">
+                <a:solidFill>
+                  <a:schemeClr val="bg1">
+                    <a:lumMod val="50000"/>
+                  </a:schemeClr>
+                </a:solidFill>
+                <a:latin typeface="Consolas" panose="020B0609020204030204" pitchFamily="49" charset="0"/>
+                <a:ea typeface="SimSun"/>
+              </a:rPr>
+              <a:t>cqlsh:db1&gt; </a:t>
+            </a:r>
+            <a:r>
+              <a:rPr lang="en-IN" dirty="0">
+                <a:solidFill>
+                  <a:srgbClr val="0070C0"/>
+                </a:solidFill>
+                <a:latin typeface="Consolas" panose="020B0609020204030204" pitchFamily="49" charset="0"/>
+              </a:rPr>
+              <a:t>INSERT</a:t>
+            </a:r>
+            <a:r>
+              <a:rPr lang="en-IN" dirty="0">
+                <a:latin typeface="Consolas" panose="020B0609020204030204" pitchFamily="49" charset="0"/>
+              </a:rPr>
+              <a:t> </a:t>
+            </a:r>
+            <a:r>
+              <a:rPr lang="en-IN" dirty="0">
+                <a:solidFill>
+                  <a:srgbClr val="0070C0"/>
+                </a:solidFill>
+                <a:latin typeface="Consolas" panose="020B0609020204030204" pitchFamily="49" charset="0"/>
+              </a:rPr>
+              <a:t>INTO</a:t>
+            </a:r>
+            <a:r>
+              <a:rPr lang="en-IN" dirty="0">
+                <a:latin typeface="Consolas" panose="020B0609020204030204" pitchFamily="49" charset="0"/>
+              </a:rPr>
+              <a:t> location</a:t>
+            </a:r>
+            <a:r>
+              <a:rPr lang="en-IN" dirty="0">
+                <a:solidFill>
+                  <a:schemeClr val="bg1">
+                    <a:lumMod val="50000"/>
+                  </a:schemeClr>
+                </a:solidFill>
+                <a:latin typeface="Consolas" panose="020B0609020204030204" pitchFamily="49" charset="0"/>
+              </a:rPr>
+              <a:t>(</a:t>
+            </a:r>
+            <a:r>
+              <a:rPr lang="en-IN" dirty="0">
+                <a:latin typeface="Consolas" panose="020B0609020204030204" pitchFamily="49" charset="0"/>
+              </a:rPr>
+              <a:t>id, name, location, isActive</a:t>
+            </a:r>
+            <a:r>
+              <a:rPr lang="en-IN" dirty="0">
+                <a:solidFill>
+                  <a:schemeClr val="bg1">
+                    <a:lumMod val="50000"/>
+                  </a:schemeClr>
+                </a:solidFill>
+                <a:latin typeface="Consolas" panose="020B0609020204030204" pitchFamily="49" charset="0"/>
+              </a:rPr>
+              <a:t>)</a:t>
+            </a:r>
+            <a:r>
+              <a:rPr lang="en-IN" dirty="0">
+                <a:latin typeface="Consolas" panose="020B0609020204030204" pitchFamily="49" charset="0"/>
+              </a:rPr>
+              <a:t> </a:t>
+            </a:r>
+            <a:r>
+              <a:rPr lang="en-IN" dirty="0">
+                <a:solidFill>
+                  <a:srgbClr val="F63122"/>
+                </a:solidFill>
+                <a:latin typeface="Consolas" panose="020B0609020204030204" pitchFamily="49" charset="0"/>
+              </a:rPr>
+              <a:t>VALUES</a:t>
+            </a:r>
+            <a:r>
+              <a:rPr lang="en-IN" dirty="0">
+                <a:latin typeface="Consolas" panose="020B0609020204030204" pitchFamily="49" charset="0"/>
+              </a:rPr>
+              <a:t>(1, 'pune', </a:t>
+            </a:r>
+            <a:r>
+              <a:rPr lang="en-IN" dirty="0">
+                <a:solidFill>
+                  <a:schemeClr val="bg1">
+                    <a:lumMod val="50000"/>
+                  </a:schemeClr>
+                </a:solidFill>
+                <a:latin typeface="Consolas" panose="020B0609020204030204" pitchFamily="49" charset="0"/>
+              </a:rPr>
+              <a:t>{</a:t>
+            </a:r>
+            <a:r>
+              <a:rPr lang="en-IN" dirty="0">
+                <a:latin typeface="Consolas" panose="020B0609020204030204" pitchFamily="49" charset="0"/>
+              </a:rPr>
+              <a:t> 'latitude’: 18.5204, 'longitude’: 73.8567 </a:t>
+            </a:r>
+            <a:r>
+              <a:rPr lang="en-IN" dirty="0">
+                <a:solidFill>
+                  <a:schemeClr val="bg1">
+                    <a:lumMod val="50000"/>
+                  </a:schemeClr>
+                </a:solidFill>
+                <a:latin typeface="Consolas" panose="020B0609020204030204" pitchFamily="49" charset="0"/>
+              </a:rPr>
+              <a:t>}</a:t>
+            </a:r>
+            <a:r>
+              <a:rPr lang="en-IN" dirty="0">
+                <a:latin typeface="Consolas" panose="020B0609020204030204" pitchFamily="49" charset="0"/>
+              </a:rPr>
+              <a:t>, true </a:t>
+            </a:r>
+            <a:r>
+              <a:rPr lang="en-IN" dirty="0">
+                <a:solidFill>
+                  <a:schemeClr val="bg1">
+                    <a:lumMod val="50000"/>
+                  </a:schemeClr>
+                </a:solidFill>
+                <a:latin typeface="Consolas" panose="020B0609020204030204" pitchFamily="49" charset="0"/>
+              </a:rPr>
+              <a:t>)</a:t>
+            </a:r>
+            <a:r>
+              <a:rPr lang="en-IN" dirty="0">
+                <a:latin typeface="Consolas" panose="020B0609020204030204" pitchFamily="49" charset="0"/>
+              </a:rPr>
+              <a:t>;</a:t>
+            </a:r>
+          </a:p>
+          <a:p>
+            <a:pPr marL="285750" indent="-285750">
+              <a:buFont typeface="Arial" panose="020B0604020202020204" pitchFamily="34" charset="0"/>
+              <a:buChar char="•"/>
+            </a:pPr>
+            <a:endParaRPr lang="en-IN" sz="800" dirty="0">
+              <a:latin typeface="Consolas" panose="020B0609020204030204" pitchFamily="49" charset="0"/>
+            </a:endParaRPr>
+          </a:p>
+          <a:p>
+            <a:pPr marL="285750" indent="-285750">
+              <a:buFont typeface="Arial" panose="020B0604020202020204" pitchFamily="34" charset="0"/>
+              <a:buChar char="•"/>
+            </a:pPr>
+            <a:r>
+              <a:rPr lang="en-IN" sz="1800" b="0" strike="noStrike" spc="-1" dirty="0">
+                <a:solidFill>
+                  <a:schemeClr val="bg1">
+                    <a:lumMod val="50000"/>
+                  </a:schemeClr>
+                </a:solidFill>
+                <a:latin typeface="Consolas" panose="020B0609020204030204" pitchFamily="49" charset="0"/>
+                <a:ea typeface="SimSun"/>
+              </a:rPr>
+              <a:t>cqlsh:db1&gt; </a:t>
+            </a:r>
+            <a:r>
+              <a:rPr lang="en-IN" dirty="0">
+                <a:solidFill>
+                  <a:srgbClr val="0070C0"/>
+                </a:solidFill>
+                <a:latin typeface="Consolas" panose="020B0609020204030204" pitchFamily="49" charset="0"/>
+              </a:rPr>
+              <a:t>INSERT</a:t>
+            </a:r>
+            <a:r>
+              <a:rPr lang="en-IN" dirty="0">
+                <a:latin typeface="Consolas" panose="020B0609020204030204" pitchFamily="49" charset="0"/>
+              </a:rPr>
+              <a:t> </a:t>
+            </a:r>
+            <a:r>
+              <a:rPr lang="en-IN" dirty="0">
+                <a:solidFill>
+                  <a:srgbClr val="0070C0"/>
+                </a:solidFill>
+                <a:latin typeface="Consolas" panose="020B0609020204030204" pitchFamily="49" charset="0"/>
+              </a:rPr>
+              <a:t>INTO</a:t>
+            </a:r>
+            <a:r>
+              <a:rPr lang="en-IN" dirty="0">
+                <a:latin typeface="Consolas" panose="020B0609020204030204" pitchFamily="49" charset="0"/>
+              </a:rPr>
+              <a:t> location </a:t>
+            </a:r>
+            <a:r>
+              <a:rPr lang="en-IN" dirty="0">
+                <a:solidFill>
+                  <a:srgbClr val="F63122"/>
+                </a:solidFill>
+                <a:latin typeface="Consolas" panose="020B0609020204030204" pitchFamily="49" charset="0"/>
+              </a:rPr>
+              <a:t>JSON</a:t>
+            </a:r>
+            <a:r>
+              <a:rPr lang="en-IN" dirty="0">
+                <a:latin typeface="Consolas" panose="020B0609020204030204" pitchFamily="49" charset="0"/>
+              </a:rPr>
+              <a:t> '</a:t>
+            </a:r>
+            <a:r>
+              <a:rPr lang="en-IN" dirty="0">
+                <a:solidFill>
+                  <a:schemeClr val="bg1">
+                    <a:lumMod val="50000"/>
+                  </a:schemeClr>
+                </a:solidFill>
+                <a:latin typeface="Consolas" panose="020B0609020204030204" pitchFamily="49" charset="0"/>
+              </a:rPr>
+              <a:t>{</a:t>
+            </a:r>
+            <a:r>
+              <a:rPr lang="en-IN" dirty="0">
+                <a:latin typeface="Consolas" panose="020B0609020204030204" pitchFamily="49" charset="0"/>
+              </a:rPr>
+              <a:t> "id":2, "name": "baroda", "location": </a:t>
+            </a:r>
+            <a:r>
+              <a:rPr lang="en-IN" dirty="0">
+                <a:solidFill>
+                  <a:schemeClr val="bg1">
+                    <a:lumMod val="50000"/>
+                  </a:schemeClr>
+                </a:solidFill>
+                <a:latin typeface="Consolas" panose="020B0609020204030204" pitchFamily="49" charset="0"/>
+              </a:rPr>
+              <a:t>{</a:t>
+            </a:r>
+            <a:r>
+              <a:rPr lang="en-IN" dirty="0">
+                <a:latin typeface="Consolas" panose="020B0609020204030204" pitchFamily="49" charset="0"/>
+              </a:rPr>
+              <a:t> "latitude": 22.3072 , "longitude": 73.1812  </a:t>
+            </a:r>
+            <a:r>
+              <a:rPr lang="en-IN" dirty="0">
+                <a:solidFill>
+                  <a:schemeClr val="bg1">
+                    <a:lumMod val="50000"/>
+                  </a:schemeClr>
+                </a:solidFill>
+                <a:latin typeface="Consolas" panose="020B0609020204030204" pitchFamily="49" charset="0"/>
+              </a:rPr>
+              <a:t>} }</a:t>
+            </a:r>
+            <a:r>
+              <a:rPr lang="en-IN" dirty="0">
+                <a:latin typeface="Consolas" panose="020B0609020204030204" pitchFamily="49" charset="0"/>
+              </a:rPr>
+              <a:t>' </a:t>
+            </a:r>
+            <a:r>
+              <a:rPr lang="en-US" dirty="0">
+                <a:solidFill>
+                  <a:srgbClr val="C00000"/>
+                </a:solidFill>
+                <a:latin typeface="Consolas" panose="020B0609020204030204" pitchFamily="49" charset="0"/>
+              </a:rPr>
+              <a:t>USING TTL 50</a:t>
+            </a:r>
+            <a:r>
+              <a:rPr lang="en-IN" dirty="0">
+                <a:latin typeface="Consolas" panose="020B0609020204030204" pitchFamily="49" charset="0"/>
+              </a:rPr>
+              <a:t>;</a:t>
+            </a:r>
+          </a:p>
+        </p:txBody>
+      </p:sp>
+      <p:sp>
+        <p:nvSpPr>
+          <p:cNvPr id="12" name="TextBox 11">
+            <a:extLst>
+              <a:ext uri="{FF2B5EF4-FFF2-40B4-BE49-F238E27FC236}">
+                <a16:creationId xmlns:a16="http://schemas.microsoft.com/office/drawing/2014/main" id="{7B91EAE7-9732-4D99-86B9-AB602405262B}"/>
+              </a:ext>
+            </a:extLst>
+          </p:cNvPr>
+          <p:cNvSpPr txBox="1"/>
+          <p:nvPr/>
+        </p:nvSpPr>
+        <p:spPr>
+          <a:xfrm>
+            <a:off x="246600" y="5951021"/>
             <a:ext cx="11687400" cy="646331"/>
           </a:xfrm>
           <a:prstGeom prst="rect">
@@ -9037,105 +9352,43 @@
                 </a:solidFill>
                 <a:latin typeface="Consolas" panose="020B0609020204030204" pitchFamily="49" charset="0"/>
               </a:rPr>
-              <a:t>INSERT</a:t>
+              <a:t>SELECT</a:t>
             </a:r>
             <a:r>
               <a:rPr lang="en-IN" dirty="0">
                 <a:latin typeface="Consolas" panose="020B0609020204030204" pitchFamily="49" charset="0"/>
               </a:rPr>
-              <a:t> </a:t>
+              <a:t> name, </a:t>
             </a:r>
             <a:r>
               <a:rPr lang="en-IN" dirty="0">
                 <a:solidFill>
-                  <a:srgbClr val="0070C0"/>
-                </a:solidFill>
-                <a:latin typeface="Consolas" panose="020B0609020204030204" pitchFamily="49" charset="0"/>
-              </a:rPr>
-              <a:t>INTO</a:t>
+                  <a:srgbClr val="C00000"/>
+                </a:solidFill>
+                <a:latin typeface="Consolas" panose="020B0609020204030204" pitchFamily="49" charset="0"/>
+              </a:rPr>
+              <a:t>location['latitude']</a:t>
             </a:r>
             <a:r>
               <a:rPr lang="en-IN" dirty="0">
                 <a:latin typeface="Consolas" panose="020B0609020204030204" pitchFamily="49" charset="0"/>
               </a:rPr>
-              <a:t> location(id, name, location, isActive) </a:t>
+              <a:t> as latitude, </a:t>
             </a:r>
             <a:r>
               <a:rPr lang="en-IN" dirty="0">
                 <a:solidFill>
-                  <a:srgbClr val="0070C0"/>
-                </a:solidFill>
-                <a:latin typeface="Consolas" panose="020B0609020204030204" pitchFamily="49" charset="0"/>
-              </a:rPr>
-              <a:t>VALUES</a:t>
+                  <a:srgbClr val="C00000"/>
+                </a:solidFill>
+                <a:latin typeface="Consolas" panose="020B0609020204030204" pitchFamily="49" charset="0"/>
+              </a:rPr>
+              <a:t>location['longitude'] </a:t>
             </a:r>
             <a:r>
               <a:rPr lang="en-IN" dirty="0">
                 <a:latin typeface="Consolas" panose="020B0609020204030204" pitchFamily="49" charset="0"/>
               </a:rPr>
-              <a:t>(1, 'pune’, { 'latitude’: 18.5204, 'longitude’: 73.8567 }, true );</a:t>
-            </a:r>
-          </a:p>
-        </p:txBody>
-      </p:sp>
-      <p:sp>
-        <p:nvSpPr>
-          <p:cNvPr id="12" name="TextBox 11">
-            <a:extLst>
-              <a:ext uri="{FF2B5EF4-FFF2-40B4-BE49-F238E27FC236}">
-                <a16:creationId xmlns:a16="http://schemas.microsoft.com/office/drawing/2014/main" id="{7B91EAE7-9732-4D99-86B9-AB602405262B}"/>
-              </a:ext>
-            </a:extLst>
-          </p:cNvPr>
-          <p:cNvSpPr txBox="1"/>
-          <p:nvPr/>
-        </p:nvSpPr>
-        <p:spPr>
-          <a:xfrm>
-            <a:off x="246600" y="5268361"/>
-            <a:ext cx="11687400" cy="646331"/>
-          </a:xfrm>
-          <a:prstGeom prst="rect">
-            <a:avLst/>
-          </a:prstGeom>
-          <a:noFill/>
-        </p:spPr>
-        <p:txBody>
-          <a:bodyPr wrap="square">
-            <a:spAutoFit/>
-          </a:bodyPr>
-          <a:lstStyle/>
-          <a:p>
-            <a:pPr marL="285750" indent="-285750">
-              <a:buFont typeface="Arial" panose="020B0604020202020204" pitchFamily="34" charset="0"/>
-              <a:buChar char="•"/>
-            </a:pPr>
-            <a:r>
-              <a:rPr lang="en-IN" sz="1800" b="0" strike="noStrike" spc="-1" dirty="0">
-                <a:solidFill>
-                  <a:schemeClr val="bg1">
-                    <a:lumMod val="50000"/>
-                  </a:schemeClr>
-                </a:solidFill>
-                <a:latin typeface="Consolas" panose="020B0609020204030204" pitchFamily="49" charset="0"/>
-                <a:ea typeface="SimSun"/>
-              </a:rPr>
-              <a:t>cqlsh:db1&gt; </a:t>
-            </a:r>
-            <a:r>
-              <a:rPr lang="en-IN" dirty="0">
-                <a:solidFill>
-                  <a:srgbClr val="0070C0"/>
-                </a:solidFill>
-                <a:latin typeface="Consolas" panose="020B0609020204030204" pitchFamily="49" charset="0"/>
-              </a:rPr>
-              <a:t>SELECT</a:t>
-            </a:r>
-            <a:r>
-              <a:rPr lang="en-IN" dirty="0">
-                <a:latin typeface="Consolas" panose="020B0609020204030204" pitchFamily="49" charset="0"/>
-              </a:rPr>
-              <a:t> name, location['latitude'] as latitude, location['longitude'] as  longitude </a:t>
+              <a:t>as  longitude </a:t>
             </a:r>
             <a:r>
               <a:rPr lang="en-IN" dirty="0">
@@ -9436,6 +9689,527 @@
           </a:p>
         </p:txBody>
       </p:sp>
+      <p:sp>
+        <p:nvSpPr>
+          <p:cNvPr id="6" name="CustomShape 2">
+            <a:extLst>
+              <a:ext uri="{FF2B5EF4-FFF2-40B4-BE49-F238E27FC236}">
+                <a16:creationId xmlns:a16="http://schemas.microsoft.com/office/drawing/2014/main" id="{588A32FF-0189-47AF-B8D3-4EBD04B30B57}"/>
+              </a:ext>
+            </a:extLst>
+          </p:cNvPr>
+          <p:cNvSpPr/>
+          <p:nvPr/>
+        </p:nvSpPr>
+        <p:spPr>
+          <a:xfrm>
+            <a:off x="246600" y="3000147"/>
+            <a:ext cx="11687400" cy="644877"/>
+          </a:xfrm>
+          <a:prstGeom prst="rect">
+            <a:avLst/>
+          </a:prstGeom>
+          <a:noFill/>
+          <a:ln>
+            <a:noFill/>
+          </a:ln>
+        </p:spPr>
+        <p:style>
+          <a:lnRef idx="0">
+            <a:scrgbClr r="0" g="0" b="0"/>
+          </a:lnRef>
+          <a:fillRef idx="0">
+            <a:scrgbClr r="0" g="0" b="0"/>
+          </a:fillRef>
+          <a:effectRef idx="0">
+            <a:scrgbClr r="0" g="0" b="0"/>
+          </a:effectRef>
+          <a:fontRef idx="minor"/>
+        </p:style>
+        <p:txBody>
+          <a:bodyPr wrap="square" lIns="90000" tIns="45000" rIns="90000" bIns="45000">
+            <a:spAutoFit/>
+          </a:bodyPr>
+          <a:lstStyle/>
+          <a:p>
+            <a:pPr marL="309510" indent="-285750">
+              <a:buClr>
+                <a:srgbClr val="808080"/>
+              </a:buClr>
+              <a:buFont typeface="Arial" panose="020B0604020202020204" pitchFamily="34" charset="0"/>
+              <a:buChar char="•"/>
+            </a:pPr>
+            <a:r>
+              <a:rPr lang="en-IN" sz="1800" b="0" strike="noStrike" spc="-1" dirty="0">
+                <a:solidFill>
+                  <a:schemeClr val="bg1">
+                    <a:lumMod val="50000"/>
+                  </a:schemeClr>
+                </a:solidFill>
+                <a:latin typeface="Consolas" panose="020B0609020204030204" pitchFamily="49" charset="0"/>
+                <a:ea typeface="SimSun"/>
+              </a:rPr>
+              <a:t>cqlsh:db1&gt; </a:t>
+            </a:r>
+            <a:r>
+              <a:rPr lang="en-US" sz="1800" b="0" strike="noStrike" spc="-1" dirty="0">
+                <a:latin typeface="Consolas" panose="020B0609020204030204" pitchFamily="49" charset="0"/>
+                <a:ea typeface="SimSun"/>
+              </a:rPr>
+              <a:t>CREATE COLUMNFAMILY books</a:t>
+            </a:r>
+            <a:r>
+              <a:rPr lang="en-US" sz="1800" b="0" strike="noStrike" spc="-1" dirty="0">
+                <a:solidFill>
+                  <a:schemeClr val="bg1">
+                    <a:lumMod val="50000"/>
+                  </a:schemeClr>
+                </a:solidFill>
+                <a:latin typeface="Consolas" panose="020B0609020204030204" pitchFamily="49" charset="0"/>
+                <a:ea typeface="SimSun"/>
+              </a:rPr>
+              <a:t>(</a:t>
+            </a:r>
+            <a:r>
+              <a:rPr lang="en-US" sz="1800" b="0" strike="noStrike" spc="-1" dirty="0">
+                <a:latin typeface="Consolas" panose="020B0609020204030204" pitchFamily="49" charset="0"/>
+                <a:ea typeface="SimSun"/>
+              </a:rPr>
+              <a:t> id </a:t>
+            </a:r>
+            <a:r>
+              <a:rPr lang="en-US" dirty="0">
+                <a:solidFill>
+                  <a:srgbClr val="834689"/>
+                </a:solidFill>
+                <a:latin typeface="Consolas" panose="020B0609020204030204" pitchFamily="49" charset="0"/>
+                <a:cs typeface="Arial" panose="020B0604020202020204" pitchFamily="34" charset="0"/>
+              </a:rPr>
+              <a:t>int</a:t>
+            </a:r>
+            <a:r>
+              <a:rPr lang="en-US" sz="1800" b="0" strike="noStrike" spc="-1" dirty="0">
+                <a:latin typeface="Consolas" panose="020B0609020204030204" pitchFamily="49" charset="0"/>
+                <a:ea typeface="SimSun"/>
+              </a:rPr>
+              <a:t>, title </a:t>
+            </a:r>
+            <a:r>
+              <a:rPr lang="en-US" dirty="0">
+                <a:solidFill>
+                  <a:srgbClr val="834689"/>
+                </a:solidFill>
+                <a:latin typeface="Consolas" panose="020B0609020204030204" pitchFamily="49" charset="0"/>
+                <a:cs typeface="Arial" panose="020B0604020202020204" pitchFamily="34" charset="0"/>
+              </a:rPr>
+              <a:t>varchar</a:t>
+            </a:r>
+            <a:r>
+              <a:rPr lang="en-US" sz="1800" b="0" strike="noStrike" spc="-1" dirty="0">
+                <a:latin typeface="Consolas" panose="020B0609020204030204" pitchFamily="49" charset="0"/>
+                <a:ea typeface="SimSun"/>
+              </a:rPr>
+              <a:t>, author </a:t>
+            </a:r>
+            <a:r>
+              <a:rPr lang="en-US" dirty="0">
+                <a:solidFill>
+                  <a:srgbClr val="834689"/>
+                </a:solidFill>
+                <a:latin typeface="Consolas" panose="020B0609020204030204" pitchFamily="49" charset="0"/>
+                <a:cs typeface="Arial" panose="020B0604020202020204" pitchFamily="34" charset="0"/>
+              </a:rPr>
+              <a:t>set </a:t>
+            </a:r>
+            <a:r>
+              <a:rPr lang="en-US" sz="1800" b="0" strike="noStrike" spc="-1" dirty="0">
+                <a:latin typeface="Consolas" panose="020B0609020204030204" pitchFamily="49" charset="0"/>
+                <a:ea typeface="SimSun"/>
+              </a:rPr>
+              <a:t>&lt;</a:t>
+            </a:r>
+            <a:r>
+              <a:rPr lang="en-US" dirty="0">
+                <a:solidFill>
+                  <a:srgbClr val="834689"/>
+                </a:solidFill>
+                <a:latin typeface="Consolas" panose="020B0609020204030204" pitchFamily="49" charset="0"/>
+                <a:cs typeface="Arial" panose="020B0604020202020204" pitchFamily="34" charset="0"/>
+              </a:rPr>
+              <a:t>text</a:t>
+            </a:r>
+            <a:r>
+              <a:rPr lang="en-US" sz="1800" b="0" strike="noStrike" spc="-1" dirty="0">
+                <a:latin typeface="Consolas" panose="020B0609020204030204" pitchFamily="49" charset="0"/>
+                <a:ea typeface="SimSun"/>
+              </a:rPr>
+              <a:t>&gt;</a:t>
+            </a:r>
+            <a:r>
+              <a:rPr lang="en-US" dirty="0">
+                <a:solidFill>
+                  <a:srgbClr val="834689"/>
+                </a:solidFill>
+                <a:latin typeface="Consolas" panose="020B0609020204030204" pitchFamily="49" charset="0"/>
+                <a:cs typeface="Arial" panose="020B0604020202020204" pitchFamily="34" charset="0"/>
+              </a:rPr>
+              <a:t>, </a:t>
+            </a:r>
+            <a:r>
+              <a:rPr lang="en-US" dirty="0">
+                <a:solidFill>
+                  <a:srgbClr val="C00000"/>
+                </a:solidFill>
+                <a:latin typeface="Consolas" panose="020B0609020204030204" pitchFamily="49" charset="0"/>
+                <a:cs typeface="Arial" panose="020B0604020202020204" pitchFamily="34" charset="0"/>
+              </a:rPr>
+              <a:t>primary</a:t>
+            </a:r>
+            <a:r>
+              <a:rPr lang="en-US" sz="1800" b="0" strike="noStrike" spc="-1" dirty="0">
+                <a:latin typeface="Consolas" panose="020B0609020204030204" pitchFamily="49" charset="0"/>
+                <a:ea typeface="SimSun"/>
+              </a:rPr>
+              <a:t> </a:t>
+            </a:r>
+            <a:r>
+              <a:rPr lang="en-US" dirty="0">
+                <a:solidFill>
+                  <a:srgbClr val="C00000"/>
+                </a:solidFill>
+                <a:latin typeface="Consolas" panose="020B0609020204030204" pitchFamily="49" charset="0"/>
+                <a:cs typeface="Arial" panose="020B0604020202020204" pitchFamily="34" charset="0"/>
+              </a:rPr>
+              <a:t>key</a:t>
+            </a:r>
+            <a:r>
+              <a:rPr lang="en-US" dirty="0">
+                <a:solidFill>
+                  <a:schemeClr val="bg1">
+                    <a:lumMod val="50000"/>
+                  </a:schemeClr>
+                </a:solidFill>
+                <a:latin typeface="Consolas" panose="020B0609020204030204" pitchFamily="49" charset="0"/>
+                <a:cs typeface="Arial" panose="020B0604020202020204" pitchFamily="34" charset="0"/>
+              </a:rPr>
+              <a:t>(</a:t>
+            </a:r>
+            <a:r>
+              <a:rPr lang="en-US" sz="1800" b="0" strike="noStrike" spc="-1" dirty="0">
+                <a:latin typeface="Consolas" panose="020B0609020204030204" pitchFamily="49" charset="0"/>
+                <a:ea typeface="SimSun"/>
+              </a:rPr>
+              <a:t>id</a:t>
+            </a:r>
+            <a:r>
+              <a:rPr lang="en-US" dirty="0">
+                <a:solidFill>
+                  <a:schemeClr val="bg1">
+                    <a:lumMod val="50000"/>
+                  </a:schemeClr>
+                </a:solidFill>
+                <a:latin typeface="Consolas" panose="020B0609020204030204" pitchFamily="49" charset="0"/>
+                <a:cs typeface="Arial" panose="020B0604020202020204" pitchFamily="34" charset="0"/>
+              </a:rPr>
+              <a:t>)</a:t>
+            </a:r>
+            <a:r>
+              <a:rPr lang="en-US" dirty="0">
+                <a:solidFill>
+                  <a:srgbClr val="834689"/>
+                </a:solidFill>
+                <a:latin typeface="Consolas" panose="020B0609020204030204" pitchFamily="49" charset="0"/>
+                <a:cs typeface="Arial" panose="020B0604020202020204" pitchFamily="34" charset="0"/>
+              </a:rPr>
+              <a:t> </a:t>
+            </a:r>
+            <a:r>
+              <a:rPr lang="en-US" sz="1800" b="0" strike="noStrike" spc="-1" dirty="0">
+                <a:solidFill>
+                  <a:schemeClr val="bg1">
+                    <a:lumMod val="50000"/>
+                  </a:schemeClr>
+                </a:solidFill>
+                <a:latin typeface="Consolas" panose="020B0609020204030204" pitchFamily="49" charset="0"/>
+                <a:ea typeface="SimSun"/>
+              </a:rPr>
+              <a:t>)</a:t>
+            </a:r>
+            <a:r>
+              <a:rPr lang="en-US" sz="1800" b="0" strike="noStrike" spc="-1" dirty="0">
+                <a:latin typeface="Consolas" panose="020B0609020204030204" pitchFamily="49" charset="0"/>
+                <a:ea typeface="SimSun"/>
+              </a:rPr>
+              <a:t>;</a:t>
+            </a:r>
+            <a:endParaRPr lang="en-IN" spc="-1" dirty="0">
+              <a:latin typeface="Consolas" panose="020B0609020204030204" pitchFamily="49" charset="0"/>
+              <a:ea typeface="SimSun"/>
+            </a:endParaRPr>
+          </a:p>
+        </p:txBody>
+      </p:sp>
+      <p:sp>
+        <p:nvSpPr>
+          <p:cNvPr id="11" name="TextBox 10">
+            <a:extLst>
+              <a:ext uri="{FF2B5EF4-FFF2-40B4-BE49-F238E27FC236}">
+                <a16:creationId xmlns:a16="http://schemas.microsoft.com/office/drawing/2014/main" id="{5A9B9927-ECBD-4A74-AD92-8DC81C709E42}"/>
+              </a:ext>
+            </a:extLst>
+          </p:cNvPr>
+          <p:cNvSpPr txBox="1"/>
+          <p:nvPr/>
+        </p:nvSpPr>
+        <p:spPr>
+          <a:xfrm>
+            <a:off x="246600" y="4005064"/>
+            <a:ext cx="11687400" cy="1323439"/>
+          </a:xfrm>
+          <a:prstGeom prst="rect">
+            <a:avLst/>
+          </a:prstGeom>
+          <a:noFill/>
+        </p:spPr>
+        <p:txBody>
+          <a:bodyPr wrap="square">
+            <a:spAutoFit/>
+          </a:bodyPr>
+          <a:lstStyle/>
+          <a:p>
+            <a:pPr marL="285750" indent="-285750">
+              <a:buFont typeface="Arial" panose="020B0604020202020204" pitchFamily="34" charset="0"/>
+              <a:buChar char="•"/>
+            </a:pPr>
+            <a:r>
+              <a:rPr lang="en-IN" sz="1800" b="0" strike="noStrike" spc="-1" dirty="0">
+                <a:solidFill>
+                  <a:schemeClr val="bg1">
+                    <a:lumMod val="50000"/>
+                  </a:schemeClr>
+                </a:solidFill>
+                <a:latin typeface="Consolas" panose="020B0609020204030204" pitchFamily="49" charset="0"/>
+                <a:ea typeface="SimSun"/>
+              </a:rPr>
+              <a:t>cqlsh:db1&gt; </a:t>
+            </a:r>
+            <a:r>
+              <a:rPr lang="en-US" dirty="0">
+                <a:solidFill>
+                  <a:srgbClr val="0070C0"/>
+                </a:solidFill>
+                <a:latin typeface="Consolas" panose="020B0609020204030204" pitchFamily="49" charset="0"/>
+              </a:rPr>
+              <a:t>INSERT</a:t>
+            </a:r>
+            <a:r>
+              <a:rPr lang="en-US" dirty="0">
+                <a:latin typeface="Consolas" panose="020B0609020204030204" pitchFamily="49" charset="0"/>
+              </a:rPr>
+              <a:t> </a:t>
+            </a:r>
+            <a:r>
+              <a:rPr lang="en-US" dirty="0">
+                <a:solidFill>
+                  <a:srgbClr val="0070C0"/>
+                </a:solidFill>
+                <a:latin typeface="Consolas" panose="020B0609020204030204" pitchFamily="49" charset="0"/>
+              </a:rPr>
+              <a:t>INTO</a:t>
+            </a:r>
+            <a:r>
+              <a:rPr lang="en-US" dirty="0">
+                <a:latin typeface="Consolas" panose="020B0609020204030204" pitchFamily="49" charset="0"/>
+              </a:rPr>
+              <a:t> books</a:t>
+            </a:r>
+            <a:r>
+              <a:rPr lang="en-US" dirty="0">
+                <a:solidFill>
+                  <a:schemeClr val="bg1">
+                    <a:lumMod val="50000"/>
+                  </a:schemeClr>
+                </a:solidFill>
+                <a:latin typeface="Consolas" panose="020B0609020204030204" pitchFamily="49" charset="0"/>
+              </a:rPr>
+              <a:t>(</a:t>
+            </a:r>
+            <a:r>
+              <a:rPr lang="en-US" dirty="0">
+                <a:latin typeface="Consolas" panose="020B0609020204030204" pitchFamily="49" charset="0"/>
+              </a:rPr>
+              <a:t>id, title, author</a:t>
+            </a:r>
+            <a:r>
+              <a:rPr lang="en-US" dirty="0">
+                <a:solidFill>
+                  <a:schemeClr val="bg1">
+                    <a:lumMod val="50000"/>
+                  </a:schemeClr>
+                </a:solidFill>
+                <a:latin typeface="Consolas" panose="020B0609020204030204" pitchFamily="49" charset="0"/>
+              </a:rPr>
+              <a:t>)</a:t>
+            </a:r>
+            <a:r>
+              <a:rPr lang="en-US" dirty="0">
+                <a:latin typeface="Consolas" panose="020B0609020204030204" pitchFamily="49" charset="0"/>
+              </a:rPr>
+              <a:t> </a:t>
+            </a:r>
+            <a:r>
+              <a:rPr lang="en-US" dirty="0">
+                <a:solidFill>
+                  <a:srgbClr val="F63122"/>
+                </a:solidFill>
+                <a:latin typeface="Consolas" panose="020B0609020204030204" pitchFamily="49" charset="0"/>
+              </a:rPr>
+              <a:t>VALUES</a:t>
+            </a:r>
+            <a:r>
+              <a:rPr lang="en-US" dirty="0">
+                <a:solidFill>
+                  <a:schemeClr val="bg1">
+                    <a:lumMod val="50000"/>
+                  </a:schemeClr>
+                </a:solidFill>
+                <a:latin typeface="Consolas" panose="020B0609020204030204" pitchFamily="49" charset="0"/>
+              </a:rPr>
+              <a:t>(</a:t>
+            </a:r>
+            <a:r>
+              <a:rPr lang="en-US" dirty="0">
+                <a:latin typeface="Consolas" panose="020B0609020204030204" pitchFamily="49" charset="0"/>
+              </a:rPr>
+              <a:t>1, 'redis',</a:t>
+            </a:r>
+            <a:r>
+              <a:rPr lang="en-US" dirty="0">
+                <a:solidFill>
+                  <a:schemeClr val="bg1">
+                    <a:lumMod val="50000"/>
+                  </a:schemeClr>
+                </a:solidFill>
+                <a:latin typeface="Consolas" panose="020B0609020204030204" pitchFamily="49" charset="0"/>
+              </a:rPr>
+              <a:t>{</a:t>
+            </a:r>
+            <a:r>
+              <a:rPr lang="en-US" dirty="0">
+                <a:latin typeface="Consolas" panose="020B0609020204030204" pitchFamily="49" charset="0"/>
+              </a:rPr>
+              <a:t> 'smith', 'martin', 'james' </a:t>
+            </a:r>
+            <a:r>
+              <a:rPr lang="en-US" dirty="0">
+                <a:solidFill>
+                  <a:schemeClr val="bg1">
+                    <a:lumMod val="50000"/>
+                  </a:schemeClr>
+                </a:solidFill>
+                <a:latin typeface="Consolas" panose="020B0609020204030204" pitchFamily="49" charset="0"/>
+              </a:rPr>
+              <a:t>})</a:t>
+            </a:r>
+            <a:r>
+              <a:rPr lang="en-US" dirty="0">
+                <a:latin typeface="Consolas" panose="020B0609020204030204" pitchFamily="49" charset="0"/>
+              </a:rPr>
+              <a:t>;</a:t>
+            </a:r>
+            <a:endParaRPr lang="en-IN" dirty="0">
+              <a:latin typeface="Consolas" panose="020B0609020204030204" pitchFamily="49" charset="0"/>
+            </a:endParaRPr>
+          </a:p>
+          <a:p>
+            <a:pPr marL="285750" indent="-285750">
+              <a:buFont typeface="Arial" panose="020B0604020202020204" pitchFamily="34" charset="0"/>
+              <a:buChar char="•"/>
+            </a:pPr>
+            <a:endParaRPr lang="en-IN" sz="800" dirty="0">
+              <a:latin typeface="Consolas" panose="020B0609020204030204" pitchFamily="49" charset="0"/>
+            </a:endParaRPr>
+          </a:p>
+          <a:p>
+            <a:pPr marL="285750" indent="-285750">
+              <a:buFont typeface="Arial" panose="020B0604020202020204" pitchFamily="34" charset="0"/>
+              <a:buChar char="•"/>
+            </a:pPr>
+            <a:r>
+              <a:rPr lang="en-IN" sz="1800" b="0" strike="noStrike" spc="-1" dirty="0">
+                <a:solidFill>
+                  <a:schemeClr val="bg1">
+                    <a:lumMod val="50000"/>
+                  </a:schemeClr>
+                </a:solidFill>
+                <a:latin typeface="Consolas" panose="020B0609020204030204" pitchFamily="49" charset="0"/>
+                <a:ea typeface="SimSun"/>
+              </a:rPr>
+              <a:t>cqlsh:db1&gt; </a:t>
+            </a:r>
+            <a:r>
+              <a:rPr lang="en-US" dirty="0">
+                <a:solidFill>
+                  <a:srgbClr val="0070C0"/>
+                </a:solidFill>
+                <a:latin typeface="Consolas" panose="020B0609020204030204" pitchFamily="49" charset="0"/>
+              </a:rPr>
+              <a:t>INSERT INTO </a:t>
+            </a:r>
+            <a:r>
+              <a:rPr lang="en-US" dirty="0">
+                <a:latin typeface="Consolas" panose="020B0609020204030204" pitchFamily="49" charset="0"/>
+              </a:rPr>
+              <a:t>books </a:t>
+            </a:r>
+            <a:r>
+              <a:rPr lang="en-US" dirty="0">
+                <a:solidFill>
+                  <a:srgbClr val="F63122"/>
+                </a:solidFill>
+                <a:latin typeface="Consolas" panose="020B0609020204030204" pitchFamily="49" charset="0"/>
+              </a:rPr>
+              <a:t>JSON</a:t>
+            </a:r>
+            <a:r>
+              <a:rPr lang="en-US" dirty="0">
+                <a:latin typeface="Consolas" panose="020B0609020204030204" pitchFamily="49" charset="0"/>
+              </a:rPr>
+              <a:t> '{ "id":2, "title": "neo4j", "author": [ "</a:t>
+            </a:r>
+            <a:r>
+              <a:rPr lang="en-US" dirty="0" err="1">
+                <a:latin typeface="Consolas" panose="020B0609020204030204" pitchFamily="49" charset="0"/>
+              </a:rPr>
+              <a:t>scott</a:t>
+            </a:r>
+            <a:r>
+              <a:rPr lang="en-US" dirty="0">
+                <a:latin typeface="Consolas" panose="020B0609020204030204" pitchFamily="49" charset="0"/>
+              </a:rPr>
+              <a:t>", "rose" ] }' </a:t>
+            </a:r>
+            <a:r>
+              <a:rPr lang="en-US" dirty="0">
+                <a:solidFill>
+                  <a:srgbClr val="C00000"/>
+                </a:solidFill>
+                <a:latin typeface="Consolas" panose="020B0609020204030204" pitchFamily="49" charset="0"/>
+              </a:rPr>
+              <a:t>USING TTL 50</a:t>
+            </a:r>
+            <a:r>
+              <a:rPr lang="en-US" dirty="0">
+                <a:latin typeface="Consolas" panose="020B0609020204030204" pitchFamily="49" charset="0"/>
+              </a:rPr>
+              <a:t>;</a:t>
+            </a:r>
+            <a:endParaRPr lang="en-IN" dirty="0">
+              <a:latin typeface="Consolas" panose="020B0609020204030204" pitchFamily="49" charset="0"/>
+            </a:endParaRPr>
+          </a:p>
+        </p:txBody>
+      </p:sp>
     </p:spTree>
     <p:extLst>
       <p:ext uri="{BB962C8B-B14F-4D97-AF65-F5344CB8AC3E}">
@@ -12162,7 +12936,7 @@
             <a:r>
               <a:rPr lang="en-IN" dirty="0">
                 <a:solidFill>
-                  <a:srgbClr val="0070C0"/>
+                  <a:srgbClr val="F63122"/>
                 </a:solidFill>
                 <a:latin typeface="Consolas" panose="020B0609020204030204" pitchFamily="49" charset="0"/>
               </a:rPr>

--- a/Cassandra Ver1.pptx
+++ b/Cassandra Ver1.pptx
@@ -10207,6 +10207,191 @@
             <a:endParaRPr lang="en-IN" dirty="0">
               <a:latin typeface="Consolas" panose="020B0609020204030204" pitchFamily="49" charset="0"/>
             </a:endParaRPr>
+          </a:p>
+        </p:txBody>
+      </p:sp>
+      <p:sp>
+        <p:nvSpPr>
+          <p:cNvPr id="12" name="TextBox 11">
+            <a:extLst>
+              <a:ext uri="{FF2B5EF4-FFF2-40B4-BE49-F238E27FC236}">
+                <a16:creationId xmlns:a16="http://schemas.microsoft.com/office/drawing/2014/main" id="{2EC6A88A-36AC-4C59-801D-ABF86A511DD5}"/>
+              </a:ext>
+            </a:extLst>
+          </p:cNvPr>
+          <p:cNvSpPr txBox="1"/>
+          <p:nvPr/>
+        </p:nvSpPr>
+        <p:spPr>
+          <a:xfrm>
+            <a:off x="4583832" y="789388"/>
+            <a:ext cx="7350168" cy="461665"/>
+          </a:xfrm>
+          <a:prstGeom prst="rect">
+            <a:avLst/>
+          </a:prstGeom>
+          <a:noFill/>
+        </p:spPr>
+        <p:txBody>
+          <a:bodyPr wrap="square">
+            <a:spAutoFit/>
+          </a:bodyPr>
+          <a:lstStyle/>
+          <a:p>
+            <a:r>
+              <a:rPr lang="en-US" b="0" i="0" dirty="0">
+                <a:solidFill>
+                  <a:srgbClr val="273239"/>
+                </a:solidFill>
+                <a:effectLst/>
+                <a:latin typeface="urw-din"/>
+              </a:rPr>
+              <a:t>We can add an element in set collection data type by using </a:t>
+            </a:r>
+            <a:r>
+              <a:rPr lang="en-US" sz="2400" b="1" i="0" dirty="0">
+                <a:solidFill>
+                  <a:srgbClr val="FF0000"/>
+                </a:solidFill>
+                <a:effectLst/>
+                <a:latin typeface="urw-din"/>
+              </a:rPr>
+              <a:t>(+)</a:t>
+            </a:r>
+            <a:r>
+              <a:rPr lang="en-US" b="0" i="0" dirty="0">
+                <a:solidFill>
+                  <a:srgbClr val="273239"/>
+                </a:solidFill>
+                <a:effectLst/>
+                <a:latin typeface="urw-din"/>
+              </a:rPr>
+              <a:t> operator.</a:t>
+            </a:r>
+            <a:endParaRPr lang="en-IN" dirty="0"/>
+          </a:p>
+        </p:txBody>
+      </p:sp>
+      <p:sp>
+        <p:nvSpPr>
+          <p:cNvPr id="13" name="TextBox 12">
+            <a:extLst>
+              <a:ext uri="{FF2B5EF4-FFF2-40B4-BE49-F238E27FC236}">
+                <a16:creationId xmlns:a16="http://schemas.microsoft.com/office/drawing/2014/main" id="{755F9C8A-DFBA-4BA5-96D8-FF62A90F005E}"/>
+              </a:ext>
+            </a:extLst>
+          </p:cNvPr>
+          <p:cNvSpPr txBox="1"/>
+          <p:nvPr/>
+        </p:nvSpPr>
+        <p:spPr>
+          <a:xfrm>
+            <a:off x="2279576" y="1174928"/>
+            <a:ext cx="8352928" cy="369332"/>
+          </a:xfrm>
+          <a:prstGeom prst="rect">
+            <a:avLst/>
+          </a:prstGeom>
+          <a:noFill/>
+        </p:spPr>
+        <p:txBody>
+          <a:bodyPr wrap="square">
+            <a:spAutoFit/>
+          </a:bodyPr>
+          <a:lstStyle/>
+          <a:p>
+            <a:pPr algn="l"/>
+            <a:r>
+              <a:rPr lang="en-US" b="0" i="0" dirty="0">
+                <a:solidFill>
+                  <a:srgbClr val="1F2438"/>
+                </a:solidFill>
+                <a:effectLst/>
+                <a:latin typeface="Muli"/>
+              </a:rPr>
+              <a:t>Insert data into the </a:t>
+            </a:r>
+            <a:r>
+              <a:rPr lang="en-US" b="0" i="0" dirty="0">
+                <a:solidFill>
+                  <a:srgbClr val="1F2438"/>
+                </a:solidFill>
+                <a:effectLst/>
+                <a:latin typeface="Courier New" panose="02070309020205020404" pitchFamily="49" charset="0"/>
+              </a:rPr>
+              <a:t>set</a:t>
+            </a:r>
+            <a:r>
+              <a:rPr lang="en-US" b="0" i="0" dirty="0">
+                <a:solidFill>
+                  <a:srgbClr val="1F2438"/>
+                </a:solidFill>
+                <a:effectLst/>
+                <a:latin typeface="Muli"/>
+              </a:rPr>
+              <a:t>, enclosing values in curly brackets. Set values must be unique</a:t>
+            </a:r>
+          </a:p>
+        </p:txBody>
+      </p:sp>
+      <p:sp>
+        <p:nvSpPr>
+          <p:cNvPr id="14" name="TextBox 13">
+            <a:extLst>
+              <a:ext uri="{FF2B5EF4-FFF2-40B4-BE49-F238E27FC236}">
+                <a16:creationId xmlns:a16="http://schemas.microsoft.com/office/drawing/2014/main" id="{66EBD99E-3521-4975-BF2A-66BD47436678}"/>
+              </a:ext>
+            </a:extLst>
+          </p:cNvPr>
+          <p:cNvSpPr txBox="1"/>
+          <p:nvPr/>
+        </p:nvSpPr>
+        <p:spPr>
+          <a:xfrm>
+            <a:off x="3503712" y="1658094"/>
+            <a:ext cx="8539634" cy="461665"/>
+          </a:xfrm>
+          <a:prstGeom prst="rect">
+            <a:avLst/>
+          </a:prstGeom>
+          <a:noFill/>
+        </p:spPr>
+        <p:txBody>
+          <a:bodyPr wrap="square">
+            <a:spAutoFit/>
+          </a:bodyPr>
+          <a:lstStyle/>
+          <a:p>
+            <a:r>
+              <a:rPr lang="en-US" b="0" i="0" dirty="0">
+                <a:solidFill>
+                  <a:srgbClr val="1F2438"/>
+                </a:solidFill>
+                <a:effectLst/>
+                <a:latin typeface="Muli"/>
+              </a:rPr>
+              <a:t>Remove an element from a set using the subtraction </a:t>
+            </a:r>
+            <a:r>
+              <a:rPr lang="en-US" sz="2400" b="1" dirty="0">
+                <a:solidFill>
+                  <a:srgbClr val="FF0000"/>
+                </a:solidFill>
+                <a:latin typeface="urw-din"/>
+              </a:rPr>
+              <a:t>(-)</a:t>
+            </a:r>
+            <a:r>
+              <a:rPr lang="en-US" b="0" i="0" dirty="0">
+                <a:solidFill>
+                  <a:srgbClr val="1F2438"/>
+                </a:solidFill>
+                <a:effectLst/>
+                <a:latin typeface="Muli"/>
+              </a:rPr>
+              <a:t> operator.</a:t>
+            </a:r>
+            <a:endParaRPr lang="en-IN" dirty="0"/>
           </a:p>
         </p:txBody>
       </p:sp>

--- a/Cassandra Ver1.pptx
+++ b/Cassandra Ver1.pptx
@@ -13290,7 +13290,7 @@
                 <a:latin typeface="Open Sans"/>
                 <a:ea typeface="DejaVu Sans"/>
               </a:rPr>
-              <a:t>create table with MAP – SELECT /UPDATE </a:t>
+              <a:t>MAP – SELECT / UPDATE </a:t>
             </a:r>
             <a:endParaRPr lang="en-IN" sz="4000" b="0" strike="noStrike" spc="-1" dirty="0">
               <a:latin typeface="Arial"/>
@@ -13627,7 +13627,7 @@
         </p:nvSpPr>
         <p:spPr>
           <a:xfrm>
-            <a:off x="246600" y="4675549"/>
+            <a:off x="246600" y="3717032"/>
             <a:ext cx="11687400" cy="1046440"/>
           </a:xfrm>
           <a:prstGeom prst="rect">
@@ -13788,6 +13788,247 @@
             </a:r>
             <a:endParaRPr lang="en-IN" dirty="0">
               <a:latin typeface="Consolas" panose="020B0609020204030204" pitchFamily="49" charset="0"/>
+            </a:endParaRPr>
+          </a:p>
+        </p:txBody>
+      </p:sp>
+      <p:sp>
+        <p:nvSpPr>
+          <p:cNvPr id="13" name="Rectangle 12">
+            <a:extLst>
+              <a:ext uri="{FF2B5EF4-FFF2-40B4-BE49-F238E27FC236}">
+                <a16:creationId xmlns:a16="http://schemas.microsoft.com/office/drawing/2014/main" id="{C6A0B1FA-B2CF-4BF4-BE8B-EFD1F68E637B}"/>
+              </a:ext>
+            </a:extLst>
+          </p:cNvPr>
+          <p:cNvSpPr/>
+          <p:nvPr/>
+        </p:nvSpPr>
+        <p:spPr>
+          <a:xfrm>
+            <a:off x="262558" y="5048597"/>
+            <a:ext cx="11594082" cy="1692771"/>
+          </a:xfrm>
+          <a:prstGeom prst="rect">
+            <a:avLst/>
+          </a:prstGeom>
+        </p:spPr>
+        <p:txBody>
+          <a:bodyPr wrap="square">
+            <a:spAutoFit/>
+          </a:bodyPr>
+          <a:lstStyle/>
+          <a:p>
+            <a:r>
+              <a:rPr lang="en-IN" sz="2200" dirty="0">
+                <a:solidFill>
+                  <a:srgbClr val="FF0000"/>
+                </a:solidFill>
+                <a:latin typeface="Arial" panose="020B0604020202020204" pitchFamily="34" charset="0"/>
+                <a:cs typeface="Arial" panose="020B0604020202020204" pitchFamily="34" charset="0"/>
+              </a:rPr>
+              <a:t>Remember:</a:t>
+            </a:r>
+          </a:p>
+          <a:p>
+            <a:endParaRPr lang="en-IN" sz="800" dirty="0">
+              <a:solidFill>
+                <a:schemeClr val="tx1">
+                  <a:lumMod val="95000"/>
+                  <a:lumOff val="5000"/>
+                </a:schemeClr>
+              </a:solidFill>
+              <a:latin typeface="Palatino Linotype" panose="02040502050505030304" pitchFamily="18" charset="0"/>
+              <a:cs typeface="Arial" panose="020B0604020202020204" pitchFamily="34" charset="0"/>
+            </a:endParaRPr>
+          </a:p>
+          <a:p>
+            <a:pPr marL="285750" indent="-285750">
+              <a:buFont typeface="Arial" panose="020B0604020202020204" pitchFamily="34" charset="0"/>
+              <a:buChar char="•"/>
+            </a:pPr>
+            <a:r>
+              <a:rPr lang="en-US" dirty="0">
+                <a:solidFill>
+                  <a:schemeClr val="tx1">
+                    <a:lumMod val="95000"/>
+                    <a:lumOff val="5000"/>
+                  </a:schemeClr>
+                </a:solidFill>
+                <a:latin typeface="Palatino Linotype" panose="02040502050505030304" pitchFamily="18" charset="0"/>
+                <a:cs typeface="Arial" panose="020B0604020202020204" pitchFamily="34" charset="0"/>
+              </a:rPr>
+              <a:t>Insert data into the </a:t>
+            </a:r>
+            <a:r>
+              <a:rPr lang="en-US" dirty="0">
+                <a:solidFill>
+                  <a:srgbClr val="FD8603"/>
+                </a:solidFill>
+                <a:latin typeface="Palatino Linotype" panose="02040502050505030304" pitchFamily="18" charset="0"/>
+                <a:cs typeface="Arial" panose="020B0604020202020204" pitchFamily="34" charset="0"/>
+              </a:rPr>
+              <a:t>MAP</a:t>
+            </a:r>
+            <a:r>
+              <a:rPr lang="en-US" dirty="0">
+                <a:solidFill>
+                  <a:schemeClr val="tx1">
+                    <a:lumMod val="95000"/>
+                    <a:lumOff val="5000"/>
+                  </a:schemeClr>
+                </a:solidFill>
+                <a:latin typeface="Palatino Linotype" panose="02040502050505030304" pitchFamily="18" charset="0"/>
+                <a:cs typeface="Arial" panose="020B0604020202020204" pitchFamily="34" charset="0"/>
+              </a:rPr>
+              <a:t>, enclosing values in curly brackets.</a:t>
+            </a:r>
+          </a:p>
+          <a:p>
+            <a:pPr marL="285750" indent="-285750">
+              <a:buFont typeface="Arial" panose="020B0604020202020204" pitchFamily="34" charset="0"/>
+              <a:buChar char="•"/>
+            </a:pPr>
+            <a:endParaRPr lang="en-US" sz="800" dirty="0">
+              <a:solidFill>
+                <a:schemeClr val="tx1">
+                  <a:lumMod val="95000"/>
+                  <a:lumOff val="5000"/>
+                </a:schemeClr>
+              </a:solidFill>
+              <a:latin typeface="Palatino Linotype" panose="02040502050505030304" pitchFamily="18" charset="0"/>
+              <a:cs typeface="Arial" panose="020B0604020202020204" pitchFamily="34" charset="0"/>
+            </a:endParaRPr>
+          </a:p>
+          <a:p>
+            <a:pPr marL="285750" indent="-285750">
+              <a:buFont typeface="Arial" panose="020B0604020202020204" pitchFamily="34" charset="0"/>
+              <a:buChar char="•"/>
+            </a:pPr>
+            <a:r>
+              <a:rPr lang="en-US" b="0" i="0" dirty="0">
+                <a:solidFill>
+                  <a:srgbClr val="273239"/>
+                </a:solidFill>
+                <a:effectLst/>
+                <a:latin typeface="urw-din"/>
+              </a:rPr>
+              <a:t>We can add an element in </a:t>
+            </a:r>
+            <a:r>
+              <a:rPr lang="en-US" b="0" i="0" dirty="0">
+                <a:solidFill>
+                  <a:srgbClr val="FD8603"/>
+                </a:solidFill>
+                <a:effectLst/>
+                <a:latin typeface="urw-din"/>
+              </a:rPr>
+              <a:t>MAP</a:t>
+            </a:r>
+            <a:r>
+              <a:rPr lang="en-US" b="0" i="0" dirty="0">
+                <a:solidFill>
+                  <a:srgbClr val="273239"/>
+                </a:solidFill>
+                <a:effectLst/>
+                <a:latin typeface="urw-din"/>
+              </a:rPr>
+              <a:t> collection data type by using </a:t>
+            </a:r>
+            <a:r>
+              <a:rPr lang="en-US" sz="2400" b="1" i="0" dirty="0">
+                <a:solidFill>
+                  <a:srgbClr val="7E007E"/>
+                </a:solidFill>
+                <a:effectLst/>
+                <a:latin typeface="urw-din"/>
+              </a:rPr>
+              <a:t>(+)</a:t>
+            </a:r>
+            <a:r>
+              <a:rPr lang="en-US" b="0" i="0" dirty="0">
+                <a:solidFill>
+                  <a:srgbClr val="273239"/>
+                </a:solidFill>
+                <a:effectLst/>
+                <a:latin typeface="urw-din"/>
+              </a:rPr>
+              <a:t> operator.</a:t>
+            </a:r>
+            <a:endParaRPr lang="en-US" dirty="0">
+              <a:solidFill>
+                <a:schemeClr val="tx1">
+                  <a:lumMod val="95000"/>
+                  <a:lumOff val="5000"/>
+                </a:schemeClr>
+              </a:solidFill>
+              <a:latin typeface="Palatino Linotype" panose="02040502050505030304" pitchFamily="18" charset="0"/>
+              <a:cs typeface="Arial" panose="020B0604020202020204" pitchFamily="34" charset="0"/>
+            </a:endParaRPr>
+          </a:p>
+          <a:p>
+            <a:pPr marL="285750" indent="-285750">
+              <a:buFont typeface="Arial" panose="020B0604020202020204" pitchFamily="34" charset="0"/>
+              <a:buChar char="•"/>
+            </a:pPr>
+            <a:r>
+              <a:rPr lang="en-US" b="0" i="0" dirty="0">
+                <a:solidFill>
+                  <a:srgbClr val="1F2438"/>
+                </a:solidFill>
+                <a:effectLst/>
+                <a:latin typeface="Muli"/>
+              </a:rPr>
+              <a:t>Remove an element from a </a:t>
+            </a:r>
+            <a:r>
+              <a:rPr lang="en-US" b="0" i="0" dirty="0">
+                <a:solidFill>
+                  <a:srgbClr val="FD8603"/>
+                </a:solidFill>
+                <a:effectLst/>
+                <a:latin typeface="Muli"/>
+              </a:rPr>
+              <a:t>MAP</a:t>
+            </a:r>
+            <a:r>
+              <a:rPr lang="en-US" b="0" i="0" dirty="0">
+                <a:solidFill>
+                  <a:srgbClr val="1F2438"/>
+                </a:solidFill>
+                <a:effectLst/>
+                <a:latin typeface="Muli"/>
+              </a:rPr>
+              <a:t> using the subtraction </a:t>
+            </a:r>
+            <a:r>
+              <a:rPr lang="en-US" sz="2400" b="1" dirty="0">
+                <a:solidFill>
+                  <a:srgbClr val="7E007E"/>
+                </a:solidFill>
+                <a:latin typeface="urw-din"/>
+              </a:rPr>
+              <a:t>(-)</a:t>
+            </a:r>
+            <a:r>
+              <a:rPr lang="en-US" b="0" i="0" dirty="0">
+                <a:solidFill>
+                  <a:srgbClr val="1F2438"/>
+                </a:solidFill>
+                <a:effectLst/>
+                <a:latin typeface="Muli"/>
+              </a:rPr>
+              <a:t> operator.</a:t>
+            </a:r>
+            <a:endParaRPr lang="en-US" dirty="0">
+              <a:solidFill>
+                <a:schemeClr val="tx1">
+                  <a:lumMod val="95000"/>
+                  <a:lumOff val="5000"/>
+                </a:schemeClr>
+              </a:solidFill>
+              <a:latin typeface="Palatino Linotype" panose="02040502050505030304" pitchFamily="18" charset="0"/>
+              <a:cs typeface="Arial" panose="020B0604020202020204" pitchFamily="34" charset="0"/>
             </a:endParaRPr>
           </a:p>
         </p:txBody>
@@ -14682,7 +14923,7 @@
                 <a:latin typeface="Open Sans"/>
                 <a:ea typeface="DejaVu Sans"/>
               </a:rPr>
-              <a:t>create table with SET - UPDATE</a:t>
+              <a:t>SET – UPDATE</a:t>
             </a:r>
             <a:endParaRPr lang="en-IN" sz="4000" b="0" strike="noStrike" spc="-1" dirty="0">
               <a:latin typeface="Arial"/>
@@ -14941,7 +15182,30 @@
                 <a:latin typeface="Palatino Linotype" panose="02040502050505030304" pitchFamily="18" charset="0"/>
                 <a:cs typeface="Arial" panose="020B0604020202020204" pitchFamily="34" charset="0"/>
               </a:rPr>
-              <a:t>Insert data into the set, enclosing values in curly brackets. Set values must be unique.</a:t>
+              <a:t>Insert data into the </a:t>
+            </a:r>
+            <a:r>
+              <a:rPr lang="en-US" dirty="0">
+                <a:solidFill>
+                  <a:srgbClr val="FD8603"/>
+                </a:solidFill>
+                <a:latin typeface="Palatino Linotype" panose="02040502050505030304" pitchFamily="18" charset="0"/>
+                <a:cs typeface="Arial" panose="020B0604020202020204" pitchFamily="34" charset="0"/>
+              </a:rPr>
+              <a:t>SET</a:t>
+            </a:r>
+            <a:r>
+              <a:rPr lang="en-US" dirty="0">
+                <a:solidFill>
+                  <a:schemeClr val="tx1">
+                    <a:lumMod val="95000"/>
+                    <a:lumOff val="5000"/>
+                  </a:schemeClr>
+                </a:solidFill>
+                <a:latin typeface="Palatino Linotype" panose="02040502050505030304" pitchFamily="18" charset="0"/>
+                <a:cs typeface="Arial" panose="020B0604020202020204" pitchFamily="34" charset="0"/>
+              </a:rPr>
+              <a:t>, enclosing values in curly brackets. Set values must be unique.</a:t>
             </a:r>
           </a:p>
           <a:p>
@@ -14973,7 +15237,27 @@
                 <a:effectLst/>
                 <a:latin typeface="urw-din"/>
               </a:rPr>
-              <a:t>We can add an element in set collection data type by using </a:t>
+              <a:t>We can add an element in </a:t>
+            </a:r>
+            <a:r>
+              <a:rPr lang="en-US" b="0" i="0" dirty="0">
+                <a:solidFill>
+                  <a:srgbClr val="FD8603"/>
+                </a:solidFill>
+                <a:effectLst/>
+                <a:latin typeface="urw-din"/>
+              </a:rPr>
+              <a:t>SET</a:t>
+            </a:r>
+            <a:r>
+              <a:rPr lang="en-US" b="0" i="0" dirty="0">
+                <a:solidFill>
+                  <a:srgbClr val="273239"/>
+                </a:solidFill>
+                <a:effectLst/>
+                <a:latin typeface="urw-din"/>
+              </a:rPr>
+              <a:t> collection data type by using </a:t>
             </a:r>
             <a:r>
               <a:rPr lang="en-US" sz="2400" b="1" i="0" dirty="0">
@@ -15019,7 +15303,27 @@
                 <a:effectLst/>
                 <a:latin typeface="Muli"/>
               </a:rPr>
-              <a:t>Remove an element from a set using the subtraction </a:t>
+              <a:t>Remove an element from a </a:t>
+            </a:r>
+            <a:r>
+              <a:rPr lang="en-US" b="0" i="0" dirty="0">
+                <a:solidFill>
+                  <a:srgbClr val="FD8603"/>
+                </a:solidFill>
+                <a:effectLst/>
+                <a:latin typeface="Muli"/>
+              </a:rPr>
+              <a:t>SET</a:t>
+            </a:r>
+            <a:r>
+              <a:rPr lang="en-US" b="0" i="0" dirty="0">
+                <a:solidFill>
+                  <a:srgbClr val="1F2438"/>
+                </a:solidFill>
+                <a:effectLst/>
+                <a:latin typeface="Muli"/>
+              </a:rPr>
+              <a:t> using the subtraction </a:t>
             </a:r>
             <a:r>
               <a:rPr lang="en-US" sz="2400" b="1" dirty="0">
@@ -15559,10 +15863,514 @@
                 <a:latin typeface="Open Sans"/>
                 <a:ea typeface="DejaVu Sans"/>
               </a:rPr>
-              <a:t>create table with LIST</a:t>
+              <a:t>create table with LIST - INSERT</a:t>
             </a:r>
             <a:endParaRPr lang="en-IN" sz="4000" b="0" strike="noStrike" spc="-1" dirty="0">
               <a:latin typeface="Arial"/>
+            </a:endParaRPr>
+          </a:p>
+        </p:txBody>
+      </p:sp>
+      <p:sp>
+        <p:nvSpPr>
+          <p:cNvPr id="6" name="CustomShape 2">
+            <a:extLst>
+              <a:ext uri="{FF2B5EF4-FFF2-40B4-BE49-F238E27FC236}">
+                <a16:creationId xmlns:a16="http://schemas.microsoft.com/office/drawing/2014/main" id="{DA8E5B24-1CBB-4EBC-979B-70A249BA88C3}"/>
+              </a:ext>
+            </a:extLst>
+          </p:cNvPr>
+          <p:cNvSpPr/>
+          <p:nvPr/>
+        </p:nvSpPr>
+        <p:spPr>
+          <a:xfrm>
+            <a:off x="246600" y="2700000"/>
+            <a:ext cx="11687400" cy="644877"/>
+          </a:xfrm>
+          <a:prstGeom prst="rect">
+            <a:avLst/>
+          </a:prstGeom>
+          <a:noFill/>
+          <a:ln>
+            <a:noFill/>
+          </a:ln>
+        </p:spPr>
+        <p:style>
+          <a:lnRef idx="0">
+            <a:scrgbClr r="0" g="0" b="0"/>
+          </a:lnRef>
+          <a:fillRef idx="0">
+            <a:scrgbClr r="0" g="0" b="0"/>
+          </a:fillRef>
+          <a:effectRef idx="0">
+            <a:scrgbClr r="0" g="0" b="0"/>
+          </a:effectRef>
+          <a:fontRef idx="minor"/>
+        </p:style>
+        <p:txBody>
+          <a:bodyPr wrap="square" lIns="90000" tIns="45000" rIns="90000" bIns="45000">
+            <a:spAutoFit/>
+          </a:bodyPr>
+          <a:lstStyle/>
+          <a:p>
+            <a:pPr marL="309510" indent="-285750">
+              <a:buClr>
+                <a:srgbClr val="808080"/>
+              </a:buClr>
+              <a:buFont typeface="Arial" panose="020B0604020202020204" pitchFamily="34" charset="0"/>
+              <a:buChar char="•"/>
+            </a:pPr>
+            <a:r>
+              <a:rPr lang="en-IN" sz="1800" b="0" strike="noStrike" spc="-1" dirty="0">
+                <a:solidFill>
+                  <a:schemeClr val="bg1">
+                    <a:lumMod val="50000"/>
+                  </a:schemeClr>
+                </a:solidFill>
+                <a:latin typeface="Consolas" panose="020B0609020204030204" pitchFamily="49" charset="0"/>
+                <a:ea typeface="SimSun"/>
+              </a:rPr>
+              <a:t>cqlsh:db1&gt; </a:t>
+            </a:r>
+            <a:r>
+              <a:rPr lang="en-US" sz="1800" b="0" strike="noStrike" spc="-1" dirty="0">
+                <a:latin typeface="Consolas" panose="020B0609020204030204" pitchFamily="49" charset="0"/>
+                <a:ea typeface="SimSun"/>
+              </a:rPr>
+              <a:t>CREATE COLUMNFAMILY books</a:t>
+            </a:r>
+            <a:r>
+              <a:rPr lang="en-US" sz="1800" b="0" strike="noStrike" spc="-1" dirty="0">
+                <a:solidFill>
+                  <a:schemeClr val="bg1">
+                    <a:lumMod val="50000"/>
+                  </a:schemeClr>
+                </a:solidFill>
+                <a:latin typeface="Consolas" panose="020B0609020204030204" pitchFamily="49" charset="0"/>
+                <a:ea typeface="SimSun"/>
+              </a:rPr>
+              <a:t>(</a:t>
+            </a:r>
+            <a:r>
+              <a:rPr lang="en-US" sz="1800" b="0" strike="noStrike" spc="-1" dirty="0">
+                <a:latin typeface="Consolas" panose="020B0609020204030204" pitchFamily="49" charset="0"/>
+                <a:ea typeface="SimSun"/>
+              </a:rPr>
+              <a:t> id </a:t>
+            </a:r>
+            <a:r>
+              <a:rPr lang="en-US" dirty="0">
+                <a:solidFill>
+                  <a:srgbClr val="834689"/>
+                </a:solidFill>
+                <a:latin typeface="Consolas" panose="020B0609020204030204" pitchFamily="49" charset="0"/>
+                <a:cs typeface="Arial" panose="020B0604020202020204" pitchFamily="34" charset="0"/>
+              </a:rPr>
+              <a:t>int</a:t>
+            </a:r>
+            <a:r>
+              <a:rPr lang="en-US" sz="1800" b="0" strike="noStrike" spc="-1" dirty="0">
+                <a:latin typeface="Consolas" panose="020B0609020204030204" pitchFamily="49" charset="0"/>
+                <a:ea typeface="SimSun"/>
+              </a:rPr>
+              <a:t>, title </a:t>
+            </a:r>
+            <a:r>
+              <a:rPr lang="en-US" dirty="0">
+                <a:solidFill>
+                  <a:srgbClr val="834689"/>
+                </a:solidFill>
+                <a:latin typeface="Consolas" panose="020B0609020204030204" pitchFamily="49" charset="0"/>
+                <a:cs typeface="Arial" panose="020B0604020202020204" pitchFamily="34" charset="0"/>
+              </a:rPr>
+              <a:t>varchar</a:t>
+            </a:r>
+            <a:r>
+              <a:rPr lang="en-US" sz="1800" b="0" strike="noStrike" spc="-1" dirty="0">
+                <a:latin typeface="Consolas" panose="020B0609020204030204" pitchFamily="49" charset="0"/>
+                <a:ea typeface="SimSun"/>
+              </a:rPr>
+              <a:t>, author </a:t>
+            </a:r>
+            <a:r>
+              <a:rPr lang="en-US" dirty="0">
+                <a:solidFill>
+                  <a:srgbClr val="834689"/>
+                </a:solidFill>
+                <a:latin typeface="Consolas" panose="020B0609020204030204" pitchFamily="49" charset="0"/>
+                <a:cs typeface="Arial" panose="020B0604020202020204" pitchFamily="34" charset="0"/>
+              </a:rPr>
+              <a:t>set </a:t>
+            </a:r>
+            <a:r>
+              <a:rPr lang="en-US" sz="1800" b="0" strike="noStrike" spc="-1" dirty="0">
+                <a:latin typeface="Consolas" panose="020B0609020204030204" pitchFamily="49" charset="0"/>
+                <a:ea typeface="SimSun"/>
+              </a:rPr>
+              <a:t>&lt;</a:t>
+            </a:r>
+            <a:r>
+              <a:rPr lang="en-US" dirty="0">
+                <a:solidFill>
+                  <a:srgbClr val="834689"/>
+                </a:solidFill>
+                <a:latin typeface="Consolas" panose="020B0609020204030204" pitchFamily="49" charset="0"/>
+                <a:cs typeface="Arial" panose="020B0604020202020204" pitchFamily="34" charset="0"/>
+              </a:rPr>
+              <a:t>text</a:t>
+            </a:r>
+            <a:r>
+              <a:rPr lang="en-US" sz="1800" b="0" strike="noStrike" spc="-1" dirty="0">
+                <a:latin typeface="Consolas" panose="020B0609020204030204" pitchFamily="49" charset="0"/>
+                <a:ea typeface="SimSun"/>
+              </a:rPr>
+              <a:t>&gt;</a:t>
+            </a:r>
+            <a:r>
+              <a:rPr lang="en-US" dirty="0">
+                <a:solidFill>
+                  <a:srgbClr val="834689"/>
+                </a:solidFill>
+                <a:latin typeface="Consolas" panose="020B0609020204030204" pitchFamily="49" charset="0"/>
+                <a:cs typeface="Arial" panose="020B0604020202020204" pitchFamily="34" charset="0"/>
+              </a:rPr>
+              <a:t>, </a:t>
+            </a:r>
+            <a:r>
+              <a:rPr lang="en-US" spc="-1" dirty="0">
+                <a:latin typeface="Consolas" panose="020B0609020204030204" pitchFamily="49" charset="0"/>
+                <a:ea typeface="SimSun"/>
+              </a:rPr>
+              <a:t>publisher</a:t>
+            </a:r>
+            <a:r>
+              <a:rPr lang="en-US" dirty="0">
+                <a:solidFill>
+                  <a:srgbClr val="834689"/>
+                </a:solidFill>
+                <a:latin typeface="Consolas" panose="020B0609020204030204" pitchFamily="49" charset="0"/>
+                <a:cs typeface="Arial" panose="020B0604020202020204" pitchFamily="34" charset="0"/>
+              </a:rPr>
+              <a:t> list </a:t>
+            </a:r>
+            <a:r>
+              <a:rPr lang="en-US" spc="-1" dirty="0">
+                <a:latin typeface="Consolas" panose="020B0609020204030204" pitchFamily="49" charset="0"/>
+                <a:ea typeface="SimSun"/>
+              </a:rPr>
+              <a:t>&lt;</a:t>
+            </a:r>
+            <a:r>
+              <a:rPr lang="en-US" dirty="0">
+                <a:solidFill>
+                  <a:srgbClr val="834689"/>
+                </a:solidFill>
+                <a:latin typeface="Consolas" panose="020B0609020204030204" pitchFamily="49" charset="0"/>
+                <a:cs typeface="Arial" panose="020B0604020202020204" pitchFamily="34" charset="0"/>
+              </a:rPr>
+              <a:t>text</a:t>
+            </a:r>
+            <a:r>
+              <a:rPr lang="en-US" spc="-1" dirty="0">
+                <a:latin typeface="Consolas" panose="020B0609020204030204" pitchFamily="49" charset="0"/>
+                <a:ea typeface="SimSun"/>
+              </a:rPr>
+              <a:t>&gt;,</a:t>
+            </a:r>
+            <a:r>
+              <a:rPr lang="en-US" dirty="0">
+                <a:solidFill>
+                  <a:srgbClr val="834689"/>
+                </a:solidFill>
+                <a:latin typeface="Consolas" panose="020B0609020204030204" pitchFamily="49" charset="0"/>
+                <a:cs typeface="Arial" panose="020B0604020202020204" pitchFamily="34" charset="0"/>
+              </a:rPr>
+              <a:t> </a:t>
+            </a:r>
+            <a:r>
+              <a:rPr lang="en-US" dirty="0">
+                <a:solidFill>
+                  <a:srgbClr val="C00000"/>
+                </a:solidFill>
+                <a:latin typeface="Consolas" panose="020B0609020204030204" pitchFamily="49" charset="0"/>
+                <a:cs typeface="Arial" panose="020B0604020202020204" pitchFamily="34" charset="0"/>
+              </a:rPr>
+              <a:t>primary</a:t>
+            </a:r>
+            <a:r>
+              <a:rPr lang="en-US" sz="1800" b="0" strike="noStrike" spc="-1" dirty="0">
+                <a:latin typeface="Consolas" panose="020B0609020204030204" pitchFamily="49" charset="0"/>
+                <a:ea typeface="SimSun"/>
+              </a:rPr>
+              <a:t> </a:t>
+            </a:r>
+            <a:r>
+              <a:rPr lang="en-US" dirty="0">
+                <a:solidFill>
+                  <a:srgbClr val="C00000"/>
+                </a:solidFill>
+                <a:latin typeface="Consolas" panose="020B0609020204030204" pitchFamily="49" charset="0"/>
+                <a:cs typeface="Arial" panose="020B0604020202020204" pitchFamily="34" charset="0"/>
+              </a:rPr>
+              <a:t>key</a:t>
+            </a:r>
+            <a:r>
+              <a:rPr lang="en-US" dirty="0">
+                <a:solidFill>
+                  <a:schemeClr val="bg1">
+                    <a:lumMod val="50000"/>
+                  </a:schemeClr>
+                </a:solidFill>
+                <a:latin typeface="Consolas" panose="020B0609020204030204" pitchFamily="49" charset="0"/>
+                <a:cs typeface="Arial" panose="020B0604020202020204" pitchFamily="34" charset="0"/>
+              </a:rPr>
+              <a:t>(</a:t>
+            </a:r>
+            <a:r>
+              <a:rPr lang="en-US" sz="1800" b="0" strike="noStrike" spc="-1" dirty="0">
+                <a:latin typeface="Consolas" panose="020B0609020204030204" pitchFamily="49" charset="0"/>
+                <a:ea typeface="SimSun"/>
+              </a:rPr>
+              <a:t>id</a:t>
+            </a:r>
+            <a:r>
+              <a:rPr lang="en-US" dirty="0">
+                <a:solidFill>
+                  <a:schemeClr val="bg1">
+                    <a:lumMod val="50000"/>
+                  </a:schemeClr>
+                </a:solidFill>
+                <a:latin typeface="Consolas" panose="020B0609020204030204" pitchFamily="49" charset="0"/>
+                <a:cs typeface="Arial" panose="020B0604020202020204" pitchFamily="34" charset="0"/>
+              </a:rPr>
+              <a:t>)</a:t>
+            </a:r>
+            <a:r>
+              <a:rPr lang="en-US" dirty="0">
+                <a:solidFill>
+                  <a:srgbClr val="834689"/>
+                </a:solidFill>
+                <a:latin typeface="Consolas" panose="020B0609020204030204" pitchFamily="49" charset="0"/>
+                <a:cs typeface="Arial" panose="020B0604020202020204" pitchFamily="34" charset="0"/>
+              </a:rPr>
+              <a:t> </a:t>
+            </a:r>
+            <a:r>
+              <a:rPr lang="en-US" sz="1800" b="0" strike="noStrike" spc="-1" dirty="0">
+                <a:solidFill>
+                  <a:schemeClr val="bg1">
+                    <a:lumMod val="50000"/>
+                  </a:schemeClr>
+                </a:solidFill>
+                <a:latin typeface="Consolas" panose="020B0609020204030204" pitchFamily="49" charset="0"/>
+                <a:ea typeface="SimSun"/>
+              </a:rPr>
+              <a:t>)</a:t>
+            </a:r>
+            <a:r>
+              <a:rPr lang="en-US" sz="1800" b="0" strike="noStrike" spc="-1" dirty="0">
+                <a:latin typeface="Consolas" panose="020B0609020204030204" pitchFamily="49" charset="0"/>
+                <a:ea typeface="SimSun"/>
+              </a:rPr>
+              <a:t>;</a:t>
+            </a:r>
+            <a:endParaRPr lang="en-IN" spc="-1" dirty="0">
+              <a:latin typeface="Consolas" panose="020B0609020204030204" pitchFamily="49" charset="0"/>
+              <a:ea typeface="SimSun"/>
+            </a:endParaRPr>
+          </a:p>
+        </p:txBody>
+      </p:sp>
+      <p:sp>
+        <p:nvSpPr>
+          <p:cNvPr id="13" name="TextBox 12">
+            <a:extLst>
+              <a:ext uri="{FF2B5EF4-FFF2-40B4-BE49-F238E27FC236}">
+                <a16:creationId xmlns:a16="http://schemas.microsoft.com/office/drawing/2014/main" id="{5860A174-40B6-42A4-94CB-9A7B26EBE240}"/>
+              </a:ext>
+            </a:extLst>
+          </p:cNvPr>
+          <p:cNvSpPr txBox="1"/>
+          <p:nvPr/>
+        </p:nvSpPr>
+        <p:spPr>
+          <a:xfrm>
+            <a:off x="246600" y="3906000"/>
+            <a:ext cx="11687400" cy="1323439"/>
+          </a:xfrm>
+          <a:prstGeom prst="rect">
+            <a:avLst/>
+          </a:prstGeom>
+          <a:noFill/>
+        </p:spPr>
+        <p:txBody>
+          <a:bodyPr wrap="square">
+            <a:spAutoFit/>
+          </a:bodyPr>
+          <a:lstStyle/>
+          <a:p>
+            <a:pPr marL="285750" indent="-285750">
+              <a:buFont typeface="Arial" panose="020B0604020202020204" pitchFamily="34" charset="0"/>
+              <a:buChar char="•"/>
+            </a:pPr>
+            <a:r>
+              <a:rPr lang="en-IN" sz="1800" b="0" strike="noStrike" spc="-1" dirty="0">
+                <a:solidFill>
+                  <a:schemeClr val="bg1">
+                    <a:lumMod val="50000"/>
+                  </a:schemeClr>
+                </a:solidFill>
+                <a:latin typeface="Consolas" panose="020B0609020204030204" pitchFamily="49" charset="0"/>
+                <a:ea typeface="SimSun"/>
+              </a:rPr>
+              <a:t>cqlsh:db1&gt; </a:t>
+            </a:r>
+            <a:r>
+              <a:rPr lang="en-IN" dirty="0">
+                <a:solidFill>
+                  <a:srgbClr val="0070C0"/>
+                </a:solidFill>
+                <a:latin typeface="Consolas" panose="020B0609020204030204" pitchFamily="49" charset="0"/>
+              </a:rPr>
+              <a:t>INSERT</a:t>
+            </a:r>
+            <a:r>
+              <a:rPr lang="en-IN" dirty="0">
+                <a:latin typeface="Consolas" panose="020B0609020204030204" pitchFamily="49" charset="0"/>
+              </a:rPr>
+              <a:t> </a:t>
+            </a:r>
+            <a:r>
+              <a:rPr lang="en-IN" dirty="0">
+                <a:solidFill>
+                  <a:srgbClr val="0070C0"/>
+                </a:solidFill>
+                <a:latin typeface="Consolas" panose="020B0609020204030204" pitchFamily="49" charset="0"/>
+              </a:rPr>
+              <a:t>INTO</a:t>
+            </a:r>
+            <a:r>
+              <a:rPr lang="en-IN" dirty="0">
+                <a:latin typeface="Consolas" panose="020B0609020204030204" pitchFamily="49" charset="0"/>
+              </a:rPr>
+              <a:t> books(id, author, publisher, title) </a:t>
+            </a:r>
+            <a:r>
+              <a:rPr lang="en-IN" dirty="0">
+                <a:solidFill>
+                  <a:srgbClr val="F63122"/>
+                </a:solidFill>
+                <a:latin typeface="Consolas" panose="020B0609020204030204" pitchFamily="49" charset="0"/>
+              </a:rPr>
+              <a:t>VALUES</a:t>
+            </a:r>
+            <a:r>
+              <a:rPr lang="en-IN" dirty="0">
+                <a:latin typeface="Consolas" panose="020B0609020204030204" pitchFamily="49" charset="0"/>
+              </a:rPr>
+              <a:t>(1, {'saleel', 'sharmin'}, ['ABC', 'PQR'], 'redis');</a:t>
+            </a:r>
+          </a:p>
+          <a:p>
+            <a:endParaRPr lang="en-IN" sz="800" dirty="0">
+              <a:latin typeface="Consolas" panose="020B0609020204030204" pitchFamily="49" charset="0"/>
+            </a:endParaRPr>
+          </a:p>
+          <a:p>
+            <a:pPr marL="285750" indent="-285750">
+              <a:buFont typeface="Arial" panose="020B0604020202020204" pitchFamily="34" charset="0"/>
+              <a:buChar char="•"/>
+            </a:pPr>
+            <a:r>
+              <a:rPr lang="en-IN" sz="1800" b="0" strike="noStrike" spc="-1" dirty="0">
+                <a:solidFill>
+                  <a:schemeClr val="bg1">
+                    <a:lumMod val="50000"/>
+                  </a:schemeClr>
+                </a:solidFill>
+                <a:latin typeface="Consolas" panose="020B0609020204030204" pitchFamily="49" charset="0"/>
+                <a:ea typeface="SimSun"/>
+              </a:rPr>
+              <a:t>cqlsh:db1&gt; </a:t>
+            </a:r>
+            <a:r>
+              <a:rPr lang="en-US" dirty="0">
+                <a:solidFill>
+                  <a:srgbClr val="0070C0"/>
+                </a:solidFill>
+                <a:latin typeface="Consolas" panose="020B0609020204030204" pitchFamily="49" charset="0"/>
+              </a:rPr>
+              <a:t>INSERT</a:t>
+            </a:r>
+            <a:r>
+              <a:rPr lang="en-US" dirty="0">
+                <a:latin typeface="Consolas" panose="020B0609020204030204" pitchFamily="49" charset="0"/>
+              </a:rPr>
+              <a:t> </a:t>
+            </a:r>
+            <a:r>
+              <a:rPr lang="en-US" dirty="0">
+                <a:solidFill>
+                  <a:srgbClr val="0070C0"/>
+                </a:solidFill>
+                <a:latin typeface="Consolas" panose="020B0609020204030204" pitchFamily="49" charset="0"/>
+              </a:rPr>
+              <a:t>INTO</a:t>
+            </a:r>
+            <a:r>
+              <a:rPr lang="en-US" dirty="0">
+                <a:latin typeface="Consolas" panose="020B0609020204030204" pitchFamily="49" charset="0"/>
+              </a:rPr>
+              <a:t> books </a:t>
+            </a:r>
+            <a:r>
+              <a:rPr lang="en-US" dirty="0">
+                <a:solidFill>
+                  <a:srgbClr val="F63122"/>
+                </a:solidFill>
+                <a:latin typeface="Consolas" panose="020B0609020204030204" pitchFamily="49" charset="0"/>
+              </a:rPr>
+              <a:t>JSON</a:t>
+            </a:r>
+            <a:r>
+              <a:rPr lang="en-US" dirty="0">
+                <a:latin typeface="Consolas" panose="020B0609020204030204" pitchFamily="49" charset="0"/>
+              </a:rPr>
+              <a:t> ‘{ "id":2, "title": "neo4j", "author": ["abc", "</a:t>
+            </a:r>
+            <a:r>
+              <a:rPr lang="en-US" dirty="0" err="1">
+                <a:latin typeface="Consolas" panose="020B0609020204030204" pitchFamily="49" charset="0"/>
+              </a:rPr>
+              <a:t>abcd</a:t>
+            </a:r>
+            <a:r>
+              <a:rPr lang="en-US" dirty="0">
+                <a:latin typeface="Consolas" panose="020B0609020204030204" pitchFamily="49" charset="0"/>
+              </a:rPr>
+              <a:t>"], "publisher": ["xxx", "</a:t>
+            </a:r>
+            <a:r>
+              <a:rPr lang="en-US" dirty="0" err="1">
+                <a:latin typeface="Consolas" panose="020B0609020204030204" pitchFamily="49" charset="0"/>
+              </a:rPr>
+              <a:t>yyy</a:t>
+            </a:r>
+            <a:r>
+              <a:rPr lang="en-US">
+                <a:latin typeface="Consolas" panose="020B0609020204030204" pitchFamily="49" charset="0"/>
+              </a:rPr>
+              <a:t>"] </a:t>
+            </a:r>
+            <a:r>
+              <a:rPr lang="en-US" dirty="0">
+                <a:latin typeface="Consolas" panose="020B0609020204030204" pitchFamily="49" charset="0"/>
+              </a:rPr>
+              <a:t>}';</a:t>
+            </a:r>
+            <a:endParaRPr lang="en-IN" dirty="0">
+              <a:latin typeface="Consolas" panose="020B0609020204030204" pitchFamily="49" charset="0"/>
             </a:endParaRPr>
           </a:p>
         </p:txBody>

--- a/Cassandra Ver1.pptx
+++ b/Cassandra Ver1.pptx
@@ -5,7 +5,7 @@
     <p:sldMasterId id="2147483720" r:id="rId1"/>
   </p:sldMasterIdLst>
   <p:notesMasterIdLst>
-    <p:notesMasterId r:id="rId47"/>
+    <p:notesMasterId r:id="rId48"/>
   </p:notesMasterIdLst>
   <p:sldIdLst>
     <p:sldId id="256" r:id="rId2"/>
@@ -37,22 +37,23 @@
     <p:sldId id="1454" r:id="rId28"/>
     <p:sldId id="1456" r:id="rId29"/>
     <p:sldId id="1455" r:id="rId30"/>
-    <p:sldId id="947" r:id="rId31"/>
-    <p:sldId id="1446" r:id="rId32"/>
-    <p:sldId id="1444" r:id="rId33"/>
-    <p:sldId id="1445" r:id="rId34"/>
-    <p:sldId id="1450" r:id="rId35"/>
-    <p:sldId id="1430" r:id="rId36"/>
-    <p:sldId id="1431" r:id="rId37"/>
-    <p:sldId id="1432" r:id="rId38"/>
-    <p:sldId id="1433" r:id="rId39"/>
-    <p:sldId id="1442" r:id="rId40"/>
-    <p:sldId id="1447" r:id="rId41"/>
-    <p:sldId id="1448" r:id="rId42"/>
-    <p:sldId id="1449" r:id="rId43"/>
-    <p:sldId id="1424" r:id="rId44"/>
-    <p:sldId id="1421" r:id="rId45"/>
-    <p:sldId id="350" r:id="rId46"/>
+    <p:sldId id="1458" r:id="rId31"/>
+    <p:sldId id="947" r:id="rId32"/>
+    <p:sldId id="1446" r:id="rId33"/>
+    <p:sldId id="1444" r:id="rId34"/>
+    <p:sldId id="1445" r:id="rId35"/>
+    <p:sldId id="1450" r:id="rId36"/>
+    <p:sldId id="1430" r:id="rId37"/>
+    <p:sldId id="1431" r:id="rId38"/>
+    <p:sldId id="1432" r:id="rId39"/>
+    <p:sldId id="1433" r:id="rId40"/>
+    <p:sldId id="1442" r:id="rId41"/>
+    <p:sldId id="1447" r:id="rId42"/>
+    <p:sldId id="1448" r:id="rId43"/>
+    <p:sldId id="1449" r:id="rId44"/>
+    <p:sldId id="1424" r:id="rId45"/>
+    <p:sldId id="1421" r:id="rId46"/>
+    <p:sldId id="350" r:id="rId47"/>
   </p:sldIdLst>
   <p:sldSz cx="12192000" cy="6858000"/>
   <p:notesSz cx="6858000" cy="9144000"/>
@@ -13095,113 +13096,6 @@
           </a:p>
         </p:txBody>
       </p:sp>
-      <p:sp>
-        <p:nvSpPr>
-          <p:cNvPr id="12" name="TextBox 11">
-            <a:extLst>
-              <a:ext uri="{FF2B5EF4-FFF2-40B4-BE49-F238E27FC236}">
-                <a16:creationId xmlns:a16="http://schemas.microsoft.com/office/drawing/2014/main" id="{7B91EAE7-9732-4D99-86B9-AB602405262B}"/>
-              </a:ext>
-            </a:extLst>
-          </p:cNvPr>
-          <p:cNvSpPr txBox="1"/>
-          <p:nvPr/>
-        </p:nvSpPr>
-        <p:spPr>
-          <a:xfrm>
-            <a:off x="246600" y="5951021"/>
-            <a:ext cx="11687400" cy="646331"/>
-          </a:xfrm>
-          <a:prstGeom prst="rect">
-            <a:avLst/>
-          </a:prstGeom>
-          <a:noFill/>
-        </p:spPr>
-        <p:txBody>
-          <a:bodyPr wrap="square">
-            <a:spAutoFit/>
-          </a:bodyPr>
-          <a:lstStyle/>
-          <a:p>
-            <a:pPr marL="285750" indent="-285750">
-              <a:buFont typeface="Arial" panose="020B0604020202020204" pitchFamily="34" charset="0"/>
-              <a:buChar char="•"/>
-            </a:pPr>
-            <a:r>
-              <a:rPr lang="en-IN" sz="1800" b="0" strike="noStrike" spc="-1" dirty="0">
-                <a:solidFill>
-                  <a:schemeClr val="bg1">
-                    <a:lumMod val="50000"/>
-                  </a:schemeClr>
-                </a:solidFill>
-                <a:latin typeface="Consolas" panose="020B0609020204030204" pitchFamily="49" charset="0"/>
-                <a:ea typeface="SimSun"/>
-              </a:rPr>
-              <a:t>cqlsh:db1&gt; </a:t>
-            </a:r>
-            <a:r>
-              <a:rPr lang="en-IN" dirty="0">
-                <a:solidFill>
-                  <a:srgbClr val="0070C0"/>
-                </a:solidFill>
-                <a:latin typeface="Consolas" panose="020B0609020204030204" pitchFamily="49" charset="0"/>
-              </a:rPr>
-              <a:t>SELECT</a:t>
-            </a:r>
-            <a:r>
-              <a:rPr lang="en-IN" dirty="0">
-                <a:latin typeface="Consolas" panose="020B0609020204030204" pitchFamily="49" charset="0"/>
-              </a:rPr>
-              <a:t> name, </a:t>
-            </a:r>
-            <a:r>
-              <a:rPr lang="en-IN" dirty="0">
-                <a:solidFill>
-                  <a:srgbClr val="C00000"/>
-                </a:solidFill>
-                <a:latin typeface="Consolas" panose="020B0609020204030204" pitchFamily="49" charset="0"/>
-              </a:rPr>
-              <a:t>location['latitude']</a:t>
-            </a:r>
-            <a:r>
-              <a:rPr lang="en-IN" dirty="0">
-                <a:latin typeface="Consolas" panose="020B0609020204030204" pitchFamily="49" charset="0"/>
-              </a:rPr>
-              <a:t> as latitude, </a:t>
-            </a:r>
-            <a:r>
-              <a:rPr lang="en-IN" dirty="0">
-                <a:solidFill>
-                  <a:srgbClr val="C00000"/>
-                </a:solidFill>
-                <a:latin typeface="Consolas" panose="020B0609020204030204" pitchFamily="49" charset="0"/>
-              </a:rPr>
-              <a:t>location['longitude'] </a:t>
-            </a:r>
-            <a:r>
-              <a:rPr lang="en-IN" dirty="0">
-                <a:latin typeface="Consolas" panose="020B0609020204030204" pitchFamily="49" charset="0"/>
-              </a:rPr>
-              <a:t>as  longitude </a:t>
-            </a:r>
-            <a:r>
-              <a:rPr lang="en-IN" dirty="0">
-                <a:solidFill>
-                  <a:srgbClr val="0070C0"/>
-                </a:solidFill>
-                <a:latin typeface="Consolas" panose="020B0609020204030204" pitchFamily="49" charset="0"/>
-              </a:rPr>
-              <a:t>FROM</a:t>
-            </a:r>
-            <a:r>
-              <a:rPr lang="en-IN" dirty="0">
-                <a:latin typeface="Consolas" panose="020B0609020204030204" pitchFamily="49" charset="0"/>
-              </a:rPr>
-              <a:t> location;</a:t>
-            </a:r>
-          </a:p>
-        </p:txBody>
-      </p:sp>
     </p:spTree>
     <p:extLst>
       <p:ext uri="{BB962C8B-B14F-4D97-AF65-F5344CB8AC3E}">
@@ -13627,7 +13521,7 @@
         </p:nvSpPr>
         <p:spPr>
           <a:xfrm>
-            <a:off x="246600" y="3717032"/>
+            <a:off x="246600" y="3645024"/>
             <a:ext cx="11687400" cy="1046440"/>
           </a:xfrm>
           <a:prstGeom prst="rect">
@@ -13685,7 +13579,23 @@
               <a:rPr lang="en-IN" dirty="0">
                 <a:latin typeface="Consolas" panose="020B0609020204030204" pitchFamily="49" charset="0"/>
               </a:rPr>
-              <a:t> location = location + { 'key1':1001, 'key2':1002 } </a:t>
+              <a:t> location = location </a:t>
+            </a:r>
+            <a:r>
+              <a:rPr lang="en-IN" spc="-1" dirty="0">
+                <a:solidFill>
+                  <a:srgbClr val="7E007E"/>
+                </a:solidFill>
+                <a:latin typeface="Consolas" panose="020B0609020204030204" pitchFamily="49" charset="0"/>
+                <a:ea typeface="SimSun"/>
+              </a:rPr>
+              <a:t>+</a:t>
+            </a:r>
+            <a:r>
+              <a:rPr lang="en-IN" dirty="0">
+                <a:latin typeface="Consolas" panose="020B0609020204030204" pitchFamily="49" charset="0"/>
+              </a:rPr>
+              <a:t> { 'key1':1001, 'key2':1002 } </a:t>
             </a:r>
             <a:r>
               <a:rPr lang="en-IN" dirty="0">
@@ -13757,19 +13667,23 @@
               <a:rPr lang="en-US" dirty="0">
                 <a:latin typeface="Consolas" panose="020B0609020204030204" pitchFamily="49" charset="0"/>
               </a:rPr>
-              <a:t> location = location - { 'key1</a:t>
-            </a:r>
-            <a:r>
-              <a:rPr lang="en-US">
-                <a:latin typeface="Consolas" panose="020B0609020204030204" pitchFamily="49" charset="0"/>
-              </a:rPr>
-              <a:t>', 'key2' </a:t>
+              <a:t> location = location </a:t>
+            </a:r>
+            <a:r>
+              <a:rPr lang="en-US" spc="-1" dirty="0">
+                <a:solidFill>
+                  <a:srgbClr val="7E007E"/>
+                </a:solidFill>
+                <a:latin typeface="Consolas" panose="020B0609020204030204" pitchFamily="49" charset="0"/>
+                <a:ea typeface="SimSun"/>
+              </a:rPr>
+              <a:t>-</a:t>
             </a:r>
             <a:r>
               <a:rPr lang="en-US" dirty="0">
                 <a:latin typeface="Consolas" panose="020B0609020204030204" pitchFamily="49" charset="0"/>
               </a:rPr>
-              <a:t>} </a:t>
+              <a:t> { 'key1', 'key2' } </a:t>
             </a:r>
             <a:r>
               <a:rPr lang="en-US" dirty="0">
@@ -13806,8 +13720,8 @@
         </p:nvSpPr>
         <p:spPr>
           <a:xfrm>
-            <a:off x="262558" y="5048597"/>
-            <a:ext cx="11594082" cy="1692771"/>
+            <a:off x="246600" y="4869160"/>
+            <a:ext cx="11687400" cy="1908215"/>
           </a:xfrm>
           <a:prstGeom prst="rect">
             <a:avLst/>
@@ -13881,7 +13795,29 @@
                 <a:latin typeface="Palatino Linotype" panose="02040502050505030304" pitchFamily="18" charset="0"/>
                 <a:cs typeface="Arial" panose="020B0604020202020204" pitchFamily="34" charset="0"/>
               </a:rPr>
-              <a:t>, enclosing values in curly brackets.</a:t>
+              <a:t>, enclosing values in curly brackets</a:t>
+            </a:r>
+            <a:r>
+              <a:rPr lang="en-US" sz="2400" b="1" dirty="0">
+                <a:solidFill>
+                  <a:srgbClr val="7E007E"/>
+                </a:solidFill>
+                <a:latin typeface="Palatino Linotype" panose="02040502050505030304" pitchFamily="18" charset="0"/>
+              </a:rPr>
+              <a:t> { }</a:t>
+            </a:r>
+            <a:r>
+              <a:rPr lang="en-US" dirty="0">
+                <a:solidFill>
+                  <a:schemeClr val="tx1">
+                    <a:lumMod val="95000"/>
+                    <a:lumOff val="5000"/>
+                  </a:schemeClr>
+                </a:solidFill>
+                <a:latin typeface="Palatino Linotype" panose="02040502050505030304" pitchFamily="18" charset="0"/>
+                <a:cs typeface="Arial" panose="020B0604020202020204" pitchFamily="34" charset="0"/>
+              </a:rPr>
+              <a:t>.</a:t>
             </a:r>
           </a:p>
           <a:p>
@@ -13911,7 +13847,7 @@
                   <a:srgbClr val="273239"/>
                 </a:solidFill>
                 <a:effectLst/>
-                <a:latin typeface="urw-din"/>
+                <a:latin typeface="Palatino Linotype" panose="02040502050505030304" pitchFamily="18" charset="0"/>
               </a:rPr>
               <a:t>We can add an element in </a:t>
             </a:r>
@@ -13921,7 +13857,7 @@
                   <a:srgbClr val="FD8603"/>
                 </a:solidFill>
                 <a:effectLst/>
-                <a:latin typeface="urw-din"/>
+                <a:latin typeface="Palatino Linotype" panose="02040502050505030304" pitchFamily="18" charset="0"/>
               </a:rPr>
               <a:t>MAP</a:t>
             </a:r>
@@ -13931,7 +13867,7 @@
                   <a:srgbClr val="273239"/>
                 </a:solidFill>
                 <a:effectLst/>
-                <a:latin typeface="urw-din"/>
+                <a:latin typeface="Palatino Linotype" panose="02040502050505030304" pitchFamily="18" charset="0"/>
               </a:rPr>
               <a:t> collection data type by using </a:t>
             </a:r>
@@ -13941,7 +13877,7 @@
                   <a:srgbClr val="7E007E"/>
                 </a:solidFill>
                 <a:effectLst/>
-                <a:latin typeface="urw-din"/>
+                <a:latin typeface="Palatino Linotype" panose="02040502050505030304" pitchFamily="18" charset="0"/>
               </a:rPr>
               <a:t>(+)</a:t>
             </a:r>
@@ -13951,11 +13887,17 @@
                   <a:srgbClr val="273239"/>
                 </a:solidFill>
                 <a:effectLst/>
-                <a:latin typeface="urw-din"/>
+                <a:latin typeface="Palatino Linotype" panose="02040502050505030304" pitchFamily="18" charset="0"/>
               </a:rPr>
               <a:t> operator.</a:t>
             </a:r>
-            <a:endParaRPr lang="en-US" dirty="0">
+          </a:p>
+          <a:p>
+            <a:pPr marL="285750" indent="-285750">
+              <a:buFont typeface="Arial" panose="020B0604020202020204" pitchFamily="34" charset="0"/>
+              <a:buChar char="•"/>
+            </a:pPr>
+            <a:endParaRPr lang="en-US" sz="800" dirty="0">
               <a:solidFill>
                 <a:schemeClr val="tx1">
                   <a:lumMod val="95000"/>
@@ -13977,7 +13919,7 @@
                   <a:srgbClr val="1F2438"/>
                 </a:solidFill>
                 <a:effectLst/>
-                <a:latin typeface="Muli"/>
+                <a:latin typeface="Palatino Linotype" panose="02040502050505030304" pitchFamily="18" charset="0"/>
               </a:rPr>
               <a:t>Remove an element from a </a:t>
             </a:r>
@@ -13987,7 +13929,7 @@
                   <a:srgbClr val="FD8603"/>
                 </a:solidFill>
                 <a:effectLst/>
-                <a:latin typeface="Muli"/>
+                <a:latin typeface="Palatino Linotype" panose="02040502050505030304" pitchFamily="18" charset="0"/>
               </a:rPr>
               <a:t>MAP</a:t>
             </a:r>
@@ -13997,7 +13939,7 @@
                   <a:srgbClr val="1F2438"/>
                 </a:solidFill>
                 <a:effectLst/>
-                <a:latin typeface="Muli"/>
+                <a:latin typeface="Palatino Linotype" panose="02040502050505030304" pitchFamily="18" charset="0"/>
               </a:rPr>
               <a:t> using the subtraction </a:t>
             </a:r>
@@ -14006,7 +13948,7 @@
                 <a:solidFill>
                   <a:srgbClr val="7E007E"/>
                 </a:solidFill>
-                <a:latin typeface="urw-din"/>
+                <a:latin typeface="Palatino Linotype" panose="02040502050505030304" pitchFamily="18" charset="0"/>
               </a:rPr>
               <a:t>(-)</a:t>
             </a:r>
@@ -14016,7 +13958,7 @@
                   <a:srgbClr val="1F2438"/>
                 </a:solidFill>
                 <a:effectLst/>
-                <a:latin typeface="Muli"/>
+                <a:latin typeface="Palatino Linotype" panose="02040502050505030304" pitchFamily="18" charset="0"/>
               </a:rPr>
               <a:t> operator.</a:t>
             </a:r>
@@ -14800,7 +14742,43 @@
               <a:rPr lang="en-US" dirty="0">
                 <a:latin typeface="Consolas" panose="020B0609020204030204" pitchFamily="49" charset="0"/>
               </a:rPr>
-              <a:t> '{ "id":2, "title": "neo4j", "author": [ "</a:t>
+              <a:t> '</a:t>
+            </a:r>
+            <a:r>
+              <a:rPr lang="en-US" spc="-1" dirty="0">
+                <a:solidFill>
+                  <a:schemeClr val="bg1">
+                    <a:lumMod val="50000"/>
+                  </a:schemeClr>
+                </a:solidFill>
+                <a:latin typeface="Consolas" panose="020B0609020204030204" pitchFamily="49" charset="0"/>
+                <a:ea typeface="SimSun"/>
+              </a:rPr>
+              <a:t>{</a:t>
+            </a:r>
+            <a:r>
+              <a:rPr lang="en-US" dirty="0">
+                <a:latin typeface="Consolas" panose="020B0609020204030204" pitchFamily="49" charset="0"/>
+              </a:rPr>
+              <a:t> "id":2, "title": "neo4j", "author": </a:t>
+            </a:r>
+            <a:r>
+              <a:rPr lang="en-US" spc="-1" dirty="0">
+                <a:solidFill>
+                  <a:schemeClr val="bg1">
+                    <a:lumMod val="50000"/>
+                  </a:schemeClr>
+                </a:solidFill>
+                <a:latin typeface="Consolas" panose="020B0609020204030204" pitchFamily="49" charset="0"/>
+                <a:ea typeface="SimSun"/>
+              </a:rPr>
+              <a:t>[</a:t>
+            </a:r>
+            <a:r>
+              <a:rPr lang="en-US" dirty="0">
+                <a:latin typeface="Consolas" panose="020B0609020204030204" pitchFamily="49" charset="0"/>
+              </a:rPr>
+              <a:t> "</a:t>
             </a:r>
             <a:r>
               <a:rPr lang="en-US" dirty="0" err="1">
@@ -14812,7 +14790,43 @@
               <a:rPr lang="en-US" dirty="0">
                 <a:latin typeface="Consolas" panose="020B0609020204030204" pitchFamily="49" charset="0"/>
               </a:rPr>
-              <a:t>", "rose" ] }' </a:t>
+              <a:t>", "rose" </a:t>
+            </a:r>
+            <a:r>
+              <a:rPr lang="en-US" spc="-1" dirty="0">
+                <a:solidFill>
+                  <a:schemeClr val="bg1">
+                    <a:lumMod val="50000"/>
+                  </a:schemeClr>
+                </a:solidFill>
+                <a:latin typeface="Consolas" panose="020B0609020204030204" pitchFamily="49" charset="0"/>
+                <a:ea typeface="SimSun"/>
+              </a:rPr>
+              <a:t>]</a:t>
+            </a:r>
+            <a:r>
+              <a:rPr lang="en-US" dirty="0">
+                <a:latin typeface="Consolas" panose="020B0609020204030204" pitchFamily="49" charset="0"/>
+              </a:rPr>
+              <a:t> </a:t>
+            </a:r>
+            <a:r>
+              <a:rPr lang="en-US" spc="-1" dirty="0">
+                <a:solidFill>
+                  <a:schemeClr val="bg1">
+                    <a:lumMod val="50000"/>
+                  </a:schemeClr>
+                </a:solidFill>
+                <a:latin typeface="Consolas" panose="020B0609020204030204" pitchFamily="49" charset="0"/>
+                <a:ea typeface="SimSun"/>
+              </a:rPr>
+              <a:t>}</a:t>
+            </a:r>
+            <a:r>
+              <a:rPr lang="en-US" dirty="0">
+                <a:latin typeface="Consolas" panose="020B0609020204030204" pitchFamily="49" charset="0"/>
+              </a:rPr>
+              <a:t>' </a:t>
             </a:r>
             <a:r>
               <a:rPr lang="en-US" dirty="0">
@@ -15130,8 +15144,8 @@
         </p:nvSpPr>
         <p:spPr>
           <a:xfrm>
-            <a:off x="262558" y="5048597"/>
-            <a:ext cx="11594082" cy="1692771"/>
+            <a:off x="262558" y="4870800"/>
+            <a:ext cx="11594082" cy="1908215"/>
           </a:xfrm>
           <a:prstGeom prst="rect">
             <a:avLst/>
@@ -15205,7 +15219,29 @@
                 <a:latin typeface="Palatino Linotype" panose="02040502050505030304" pitchFamily="18" charset="0"/>
                 <a:cs typeface="Arial" panose="020B0604020202020204" pitchFamily="34" charset="0"/>
               </a:rPr>
-              <a:t>, enclosing values in curly brackets. Set values must be unique.</a:t>
+              <a:t>, enclosing values in curly brackets </a:t>
+            </a:r>
+            <a:r>
+              <a:rPr lang="en-US" sz="2400" b="1" dirty="0">
+                <a:solidFill>
+                  <a:srgbClr val="7E007E"/>
+                </a:solidFill>
+                <a:latin typeface="Palatino Linotype" panose="02040502050505030304" pitchFamily="18" charset="0"/>
+              </a:rPr>
+              <a:t>{ }</a:t>
+            </a:r>
+            <a:r>
+              <a:rPr lang="en-US" dirty="0">
+                <a:solidFill>
+                  <a:schemeClr val="tx1">
+                    <a:lumMod val="95000"/>
+                    <a:lumOff val="5000"/>
+                  </a:schemeClr>
+                </a:solidFill>
+                <a:latin typeface="Palatino Linotype" panose="02040502050505030304" pitchFamily="18" charset="0"/>
+                <a:cs typeface="Arial" panose="020B0604020202020204" pitchFamily="34" charset="0"/>
+              </a:rPr>
+              <a:t>. Set values must be unique.</a:t>
             </a:r>
           </a:p>
           <a:p>
@@ -15235,7 +15271,7 @@
                   <a:srgbClr val="273239"/>
                 </a:solidFill>
                 <a:effectLst/>
-                <a:latin typeface="urw-din"/>
+                <a:latin typeface="Palatino Linotype" panose="02040502050505030304" pitchFamily="18" charset="0"/>
               </a:rPr>
               <a:t>We can add an element in </a:t>
             </a:r>
@@ -15245,7 +15281,7 @@
                   <a:srgbClr val="FD8603"/>
                 </a:solidFill>
                 <a:effectLst/>
-                <a:latin typeface="urw-din"/>
+                <a:latin typeface="Palatino Linotype" panose="02040502050505030304" pitchFamily="18" charset="0"/>
               </a:rPr>
               <a:t>SET</a:t>
             </a:r>
@@ -15255,7 +15291,7 @@
                   <a:srgbClr val="273239"/>
                 </a:solidFill>
                 <a:effectLst/>
-                <a:latin typeface="urw-din"/>
+                <a:latin typeface="Palatino Linotype" panose="02040502050505030304" pitchFamily="18" charset="0"/>
               </a:rPr>
               <a:t> collection data type by using </a:t>
             </a:r>
@@ -15265,7 +15301,7 @@
                   <a:srgbClr val="7E007E"/>
                 </a:solidFill>
                 <a:effectLst/>
-                <a:latin typeface="urw-din"/>
+                <a:latin typeface="Palatino Linotype" panose="02040502050505030304" pitchFamily="18" charset="0"/>
               </a:rPr>
               <a:t>(+)</a:t>
             </a:r>
@@ -15275,11 +15311,17 @@
                   <a:srgbClr val="273239"/>
                 </a:solidFill>
                 <a:effectLst/>
-                <a:latin typeface="urw-din"/>
+                <a:latin typeface="Palatino Linotype" panose="02040502050505030304" pitchFamily="18" charset="0"/>
               </a:rPr>
               <a:t> operator.</a:t>
             </a:r>
-            <a:endParaRPr lang="en-US" dirty="0">
+          </a:p>
+          <a:p>
+            <a:pPr marL="285750" indent="-285750">
+              <a:buFont typeface="Arial" panose="020B0604020202020204" pitchFamily="34" charset="0"/>
+              <a:buChar char="•"/>
+            </a:pPr>
+            <a:endParaRPr lang="en-US" sz="800" dirty="0">
               <a:solidFill>
                 <a:schemeClr val="tx1">
                   <a:lumMod val="95000"/>
@@ -15301,7 +15343,7 @@
                   <a:srgbClr val="1F2438"/>
                 </a:solidFill>
                 <a:effectLst/>
-                <a:latin typeface="Muli"/>
+                <a:latin typeface="Palatino Linotype" panose="02040502050505030304" pitchFamily="18" charset="0"/>
               </a:rPr>
               <a:t>Remove an element from a </a:t>
             </a:r>
@@ -15311,7 +15353,7 @@
                   <a:srgbClr val="FD8603"/>
                 </a:solidFill>
                 <a:effectLst/>
-                <a:latin typeface="Muli"/>
+                <a:latin typeface="Palatino Linotype" panose="02040502050505030304" pitchFamily="18" charset="0"/>
               </a:rPr>
               <a:t>SET</a:t>
             </a:r>
@@ -15321,7 +15363,7 @@
                   <a:srgbClr val="1F2438"/>
                 </a:solidFill>
                 <a:effectLst/>
-                <a:latin typeface="Muli"/>
+                <a:latin typeface="Palatino Linotype" panose="02040502050505030304" pitchFamily="18" charset="0"/>
               </a:rPr>
               <a:t> using the subtraction </a:t>
             </a:r>
@@ -15330,7 +15372,7 @@
                 <a:solidFill>
                   <a:srgbClr val="7E007E"/>
                 </a:solidFill>
-                <a:latin typeface="urw-din"/>
+                <a:latin typeface="Palatino Linotype" panose="02040502050505030304" pitchFamily="18" charset="0"/>
               </a:rPr>
               <a:t>(-)</a:t>
             </a:r>
@@ -15340,7 +15382,7 @@
                   <a:srgbClr val="1F2438"/>
                 </a:solidFill>
                 <a:effectLst/>
-                <a:latin typeface="Muli"/>
+                <a:latin typeface="Palatino Linotype" panose="02040502050505030304" pitchFamily="18" charset="0"/>
               </a:rPr>
               <a:t> operator.</a:t>
             </a:r>
@@ -15466,7 +15508,45 @@
                 <a:latin typeface="Consolas" panose="020B0609020204030204" pitchFamily="49" charset="0"/>
                 <a:ea typeface="SimSun"/>
               </a:rPr>
-              <a:t> { 'saleel', 'sharmin' } </a:t>
+              <a:t> </a:t>
+            </a:r>
+            <a:r>
+              <a:rPr lang="en-US" spc="-1" dirty="0">
+                <a:solidFill>
+                  <a:schemeClr val="bg1">
+                    <a:lumMod val="50000"/>
+                  </a:schemeClr>
+                </a:solidFill>
+                <a:latin typeface="Consolas" panose="020B0609020204030204" pitchFamily="49" charset="0"/>
+                <a:ea typeface="SimSun"/>
+              </a:rPr>
+              <a:t>{</a:t>
+            </a:r>
+            <a:r>
+              <a:rPr lang="en-US" sz="1800" b="0" strike="noStrike" spc="-1" dirty="0">
+                <a:latin typeface="Consolas" panose="020B0609020204030204" pitchFamily="49" charset="0"/>
+                <a:ea typeface="SimSun"/>
+              </a:rPr>
+              <a:t> 'saleel', 'sharmin' </a:t>
+            </a:r>
+            <a:r>
+              <a:rPr lang="en-US" spc="-1" dirty="0">
+                <a:solidFill>
+                  <a:schemeClr val="bg1">
+                    <a:lumMod val="50000"/>
+                  </a:schemeClr>
+                </a:solidFill>
+                <a:latin typeface="Consolas" panose="020B0609020204030204" pitchFamily="49" charset="0"/>
+                <a:ea typeface="SimSun"/>
+              </a:rPr>
+              <a:t>}</a:t>
+            </a:r>
+            <a:r>
+              <a:rPr lang="en-US" sz="1800" b="0" strike="noStrike" spc="-1" dirty="0">
+                <a:latin typeface="Consolas" panose="020B0609020204030204" pitchFamily="49" charset="0"/>
+                <a:ea typeface="SimSun"/>
+              </a:rPr>
+              <a:t> </a:t>
             </a:r>
             <a:r>
               <a:rPr lang="en-US" dirty="0">
@@ -15551,21 +15631,59 @@
               <a:t> author = author </a:t>
             </a:r>
             <a:r>
+              <a:rPr lang="en-US" spc="-1" dirty="0">
+                <a:solidFill>
+                  <a:srgbClr val="7E007E"/>
+                </a:solidFill>
+                <a:latin typeface="Consolas" panose="020B0609020204030204" pitchFamily="49" charset="0"/>
+                <a:ea typeface="SimSun"/>
+              </a:rPr>
+              <a:t>-</a:t>
+            </a:r>
+            <a:r>
               <a:rPr lang="en-US" sz="1800" b="0" strike="noStrike" spc="-1" dirty="0">
-                <a:solidFill>
-                  <a:srgbClr val="7E007E"/>
-                </a:solidFill>
                 <a:latin typeface="Consolas" panose="020B0609020204030204" pitchFamily="49" charset="0"/>
                 <a:ea typeface="SimSun"/>
               </a:rPr>
-              <a:t>+</a:t>
+              <a:t> </a:t>
+            </a:r>
+            <a:r>
+              <a:rPr lang="en-US" spc="-1" dirty="0">
+                <a:solidFill>
+                  <a:schemeClr val="bg1">
+                    <a:lumMod val="50000"/>
+                  </a:schemeClr>
+                </a:solidFill>
+                <a:latin typeface="Consolas" panose="020B0609020204030204" pitchFamily="49" charset="0"/>
+                <a:ea typeface="SimSun"/>
+              </a:rPr>
+              <a:t>{</a:t>
             </a:r>
             <a:r>
               <a:rPr lang="en-US" sz="1800" b="0" strike="noStrike" spc="-1" dirty="0">
                 <a:latin typeface="Consolas" panose="020B0609020204030204" pitchFamily="49" charset="0"/>
                 <a:ea typeface="SimSun"/>
               </a:rPr>
-              <a:t> { 'saleel', 'sharmin' } </a:t>
+              <a:t> 'saleel', 'sharmin' </a:t>
+            </a:r>
+            <a:r>
+              <a:rPr lang="en-US" spc="-1" dirty="0">
+                <a:solidFill>
+                  <a:schemeClr val="bg1">
+                    <a:lumMod val="50000"/>
+                  </a:schemeClr>
+                </a:solidFill>
+                <a:latin typeface="Consolas" panose="020B0609020204030204" pitchFamily="49" charset="0"/>
+                <a:ea typeface="SimSun"/>
+              </a:rPr>
+              <a:t>}</a:t>
+            </a:r>
+            <a:r>
+              <a:rPr lang="en-US" sz="1800" b="0" strike="noStrike" spc="-1" dirty="0">
+                <a:latin typeface="Consolas" panose="020B0609020204030204" pitchFamily="49" charset="0"/>
+                <a:ea typeface="SimSun"/>
+              </a:rPr>
+              <a:t> </a:t>
             </a:r>
             <a:r>
               <a:rPr lang="en-US" dirty="0">
@@ -16266,10 +16384,76 @@
               <a:t>VALUES</a:t>
             </a:r>
             <a:r>
+              <a:rPr lang="en-IN" spc="-1" dirty="0">
+                <a:solidFill>
+                  <a:schemeClr val="bg1">
+                    <a:lumMod val="50000"/>
+                  </a:schemeClr>
+                </a:solidFill>
+                <a:latin typeface="Consolas" panose="020B0609020204030204" pitchFamily="49" charset="0"/>
+                <a:ea typeface="SimSun"/>
+              </a:rPr>
+              <a:t>(</a:t>
+            </a:r>
+            <a:r>
               <a:rPr lang="en-IN" dirty="0">
                 <a:latin typeface="Consolas" panose="020B0609020204030204" pitchFamily="49" charset="0"/>
               </a:rPr>
-              <a:t>(1, {'saleel', 'sharmin'}, ['ABC', 'PQR'], 'redis');</a:t>
+              <a:t>1, </a:t>
+            </a:r>
+            <a:r>
+              <a:rPr lang="en-IN" spc="-1" dirty="0">
+                <a:solidFill>
+                  <a:schemeClr val="bg1">
+                    <a:lumMod val="50000"/>
+                  </a:schemeClr>
+                </a:solidFill>
+                <a:latin typeface="Consolas" panose="020B0609020204030204" pitchFamily="49" charset="0"/>
+                <a:ea typeface="SimSun"/>
+              </a:rPr>
+              <a:t>{ </a:t>
+            </a:r>
+            <a:r>
+              <a:rPr lang="en-IN" dirty="0">
+                <a:latin typeface="Consolas" panose="020B0609020204030204" pitchFamily="49" charset="0"/>
+              </a:rPr>
+              <a:t>'saleel', 'sharmin' </a:t>
+            </a:r>
+            <a:r>
+              <a:rPr lang="en-IN" spc="-1" dirty="0">
+                <a:solidFill>
+                  <a:schemeClr val="bg1">
+                    <a:lumMod val="50000"/>
+                  </a:schemeClr>
+                </a:solidFill>
+                <a:latin typeface="Consolas" panose="020B0609020204030204" pitchFamily="49" charset="0"/>
+                <a:ea typeface="SimSun"/>
+              </a:rPr>
+              <a:t>}</a:t>
+            </a:r>
+            <a:r>
+              <a:rPr lang="en-IN" dirty="0">
+                <a:latin typeface="Consolas" panose="020B0609020204030204" pitchFamily="49" charset="0"/>
+              </a:rPr>
+              <a:t>, </a:t>
+            </a:r>
+            <a:r>
+              <a:rPr lang="en-IN" spc="-1" dirty="0">
+                <a:solidFill>
+                  <a:schemeClr val="bg1">
+                    <a:lumMod val="50000"/>
+                  </a:schemeClr>
+                </a:solidFill>
+                <a:latin typeface="Consolas" panose="020B0609020204030204" pitchFamily="49" charset="0"/>
+                <a:ea typeface="SimSun"/>
+              </a:rPr>
+              <a:t>[ </a:t>
+            </a:r>
+            <a:r>
+              <a:rPr lang="en-IN" dirty="0">
+                <a:latin typeface="Consolas" panose="020B0609020204030204" pitchFamily="49" charset="0"/>
+              </a:rPr>
+              <a:t>'ABC', 'PQR' ], 'redis');</a:t>
             </a:r>
           </a:p>
           <a:p>
@@ -16337,7 +16521,49 @@
               <a:rPr lang="en-US" dirty="0">
                 <a:latin typeface="Consolas" panose="020B0609020204030204" pitchFamily="49" charset="0"/>
               </a:rPr>
-              <a:t> ‘{ "id":2, "title": "neo4j", "author": ["abc", "</a:t>
+              <a:t> </a:t>
+            </a:r>
+            <a:r>
+              <a:rPr lang="en-IN" dirty="0">
+                <a:latin typeface="Consolas" panose="020B0609020204030204" pitchFamily="49" charset="0"/>
+              </a:rPr>
+              <a:t>'</a:t>
+            </a:r>
+            <a:r>
+              <a:rPr lang="en-US" spc="-1" dirty="0">
+                <a:solidFill>
+                  <a:schemeClr val="bg1">
+                    <a:lumMod val="50000"/>
+                  </a:schemeClr>
+                </a:solidFill>
+                <a:latin typeface="Consolas" panose="020B0609020204030204" pitchFamily="49" charset="0"/>
+                <a:ea typeface="SimSun"/>
+              </a:rPr>
+              <a:t>{</a:t>
+            </a:r>
+            <a:r>
+              <a:rPr lang="en-US" dirty="0">
+                <a:latin typeface="Consolas" panose="020B0609020204030204" pitchFamily="49" charset="0"/>
+              </a:rPr>
+              <a:t> "id":2, "title": "neo4j", "author": </a:t>
+            </a:r>
+            <a:r>
+              <a:rPr lang="en-US" spc="-1" dirty="0">
+                <a:solidFill>
+                  <a:schemeClr val="bg1">
+                    <a:lumMod val="50000"/>
+                  </a:schemeClr>
+                </a:solidFill>
+                <a:latin typeface="Consolas" panose="020B0609020204030204" pitchFamily="49" charset="0"/>
+                <a:ea typeface="SimSun"/>
+              </a:rPr>
+              <a:t>[ </a:t>
+            </a:r>
+            <a:r>
+              <a:rPr lang="en-US" dirty="0">
+                <a:latin typeface="Consolas" panose="020B0609020204030204" pitchFamily="49" charset="0"/>
+              </a:rPr>
+              <a:t>"abc", "</a:t>
             </a:r>
             <a:r>
               <a:rPr lang="en-US" dirty="0" err="1">
@@ -16349,7 +16575,43 @@
               <a:rPr lang="en-US" dirty="0">
                 <a:latin typeface="Consolas" panose="020B0609020204030204" pitchFamily="49" charset="0"/>
               </a:rPr>
-              <a:t>"], "publisher": ["xxx", "</a:t>
+              <a:t>" </a:t>
+            </a:r>
+            <a:r>
+              <a:rPr lang="en-US" spc="-1" dirty="0">
+                <a:solidFill>
+                  <a:schemeClr val="bg1">
+                    <a:lumMod val="50000"/>
+                  </a:schemeClr>
+                </a:solidFill>
+                <a:latin typeface="Consolas" panose="020B0609020204030204" pitchFamily="49" charset="0"/>
+                <a:ea typeface="SimSun"/>
+              </a:rPr>
+              <a:t>]</a:t>
+            </a:r>
+            <a:r>
+              <a:rPr lang="en-US" dirty="0">
+                <a:latin typeface="Consolas" panose="020B0609020204030204" pitchFamily="49" charset="0"/>
+              </a:rPr>
+              <a:t>, "publisher": </a:t>
+            </a:r>
+            <a:r>
+              <a:rPr lang="en-US" spc="-1" dirty="0">
+                <a:solidFill>
+                  <a:schemeClr val="bg1">
+                    <a:lumMod val="50000"/>
+                  </a:schemeClr>
+                </a:solidFill>
+                <a:latin typeface="Consolas" panose="020B0609020204030204" pitchFamily="49" charset="0"/>
+                <a:ea typeface="SimSun"/>
+              </a:rPr>
+              <a:t>[ </a:t>
+            </a:r>
+            <a:r>
+              <a:rPr lang="en-US" dirty="0">
+                <a:latin typeface="Consolas" panose="020B0609020204030204" pitchFamily="49" charset="0"/>
+              </a:rPr>
+              <a:t>"xxx", "</a:t>
             </a:r>
             <a:r>
               <a:rPr lang="en-US" dirty="0" err="1">
@@ -16358,16 +16620,46 @@
               <a:t>yyy</a:t>
             </a:r>
             <a:r>
-              <a:rPr lang="en-US">
-                <a:latin typeface="Consolas" panose="020B0609020204030204" pitchFamily="49" charset="0"/>
-              </a:rPr>
-              <a:t>"] </a:t>
-            </a:r>
-            <a:r>
               <a:rPr lang="en-US" dirty="0">
                 <a:latin typeface="Consolas" panose="020B0609020204030204" pitchFamily="49" charset="0"/>
               </a:rPr>
-              <a:t>}';</a:t>
+              <a:t>" </a:t>
+            </a:r>
+            <a:r>
+              <a:rPr lang="en-US" spc="-1" dirty="0">
+                <a:solidFill>
+                  <a:schemeClr val="bg1">
+                    <a:lumMod val="50000"/>
+                  </a:schemeClr>
+                </a:solidFill>
+                <a:latin typeface="Consolas" panose="020B0609020204030204" pitchFamily="49" charset="0"/>
+                <a:ea typeface="SimSun"/>
+              </a:rPr>
+              <a:t>]</a:t>
+            </a:r>
+            <a:r>
+              <a:rPr lang="en-US" dirty="0">
+                <a:latin typeface="Consolas" panose="020B0609020204030204" pitchFamily="49" charset="0"/>
+              </a:rPr>
+              <a:t> </a:t>
+            </a:r>
+            <a:r>
+              <a:rPr lang="en-US" spc="-1" dirty="0">
+                <a:solidFill>
+                  <a:schemeClr val="bg1">
+                    <a:lumMod val="50000"/>
+                  </a:schemeClr>
+                </a:solidFill>
+                <a:latin typeface="Consolas" panose="020B0609020204030204" pitchFamily="49" charset="0"/>
+                <a:ea typeface="SimSun"/>
+              </a:rPr>
+              <a:t>}</a:t>
+            </a:r>
+            <a:r>
+              <a:rPr lang="en-US" dirty="0">
+                <a:latin typeface="Consolas" panose="020B0609020204030204" pitchFamily="49" charset="0"/>
+              </a:rPr>
+              <a:t>';</a:t>
             </a:r>
             <a:endParaRPr lang="en-IN" dirty="0">
               <a:latin typeface="Consolas" panose="020B0609020204030204" pitchFamily="49" charset="0"/>
@@ -16552,6 +16844,880 @@
       </p:grpSpPr>
       <p:sp>
         <p:nvSpPr>
+          <p:cNvPr id="7" name="CustomShape 4">
+            <a:extLst>
+              <a:ext uri="{FF2B5EF4-FFF2-40B4-BE49-F238E27FC236}">
+                <a16:creationId xmlns:a16="http://schemas.microsoft.com/office/drawing/2014/main" id="{AC1F4ECD-A5A0-4EFE-8E62-53EF8AAE26B8}"/>
+              </a:ext>
+            </a:extLst>
+          </p:cNvPr>
+          <p:cNvSpPr/>
+          <p:nvPr/>
+        </p:nvSpPr>
+        <p:spPr>
+          <a:xfrm>
+            <a:off x="246600" y="0"/>
+            <a:ext cx="11687400" cy="706432"/>
+          </a:xfrm>
+          <a:prstGeom prst="rect">
+            <a:avLst/>
+          </a:prstGeom>
+          <a:solidFill>
+            <a:srgbClr val="C00000"/>
+          </a:solidFill>
+          <a:ln>
+            <a:noFill/>
+          </a:ln>
+        </p:spPr>
+        <p:style>
+          <a:lnRef idx="0">
+            <a:scrgbClr r="0" g="0" b="0"/>
+          </a:lnRef>
+          <a:fillRef idx="0">
+            <a:scrgbClr r="0" g="0" b="0"/>
+          </a:fillRef>
+          <a:effectRef idx="0">
+            <a:scrgbClr r="0" g="0" b="0"/>
+          </a:effectRef>
+          <a:fontRef idx="minor"/>
+        </p:style>
+        <p:txBody>
+          <a:bodyPr lIns="90000" tIns="45000" rIns="90000" bIns="45000">
+            <a:spAutoFit/>
+          </a:bodyPr>
+          <a:lstStyle/>
+          <a:p>
+            <a:pPr algn="ctr">
+              <a:lnSpc>
+                <a:spcPct val="100000"/>
+              </a:lnSpc>
+            </a:pPr>
+            <a:r>
+              <a:rPr lang="en-IN" sz="4000" b="0" strike="noStrike" spc="-1" dirty="0">
+                <a:solidFill>
+                  <a:srgbClr val="F7C120"/>
+                </a:solidFill>
+                <a:latin typeface="Open Sans"/>
+                <a:ea typeface="DejaVu Sans"/>
+              </a:rPr>
+              <a:t>LIST – UPDATE</a:t>
+            </a:r>
+            <a:endParaRPr lang="en-IN" sz="4000" b="0" strike="noStrike" spc="-1" dirty="0">
+              <a:latin typeface="Arial"/>
+            </a:endParaRPr>
+          </a:p>
+        </p:txBody>
+      </p:sp>
+      <p:sp>
+        <p:nvSpPr>
+          <p:cNvPr id="9" name="CustomShape 1">
+            <a:extLst>
+              <a:ext uri="{FF2B5EF4-FFF2-40B4-BE49-F238E27FC236}">
+                <a16:creationId xmlns:a16="http://schemas.microsoft.com/office/drawing/2014/main" id="{BDFD7540-71E5-4580-B408-0238083AF10D}"/>
+              </a:ext>
+            </a:extLst>
+          </p:cNvPr>
+          <p:cNvSpPr/>
+          <p:nvPr/>
+        </p:nvSpPr>
+        <p:spPr>
+          <a:xfrm>
+            <a:off x="246600" y="762120"/>
+            <a:ext cx="11687400" cy="367878"/>
+          </a:xfrm>
+          <a:prstGeom prst="rect">
+            <a:avLst/>
+          </a:prstGeom>
+          <a:noFill/>
+          <a:ln>
+            <a:noFill/>
+          </a:ln>
+        </p:spPr>
+        <p:style>
+          <a:lnRef idx="0">
+            <a:scrgbClr r="0" g="0" b="0"/>
+          </a:lnRef>
+          <a:fillRef idx="0">
+            <a:scrgbClr r="0" g="0" b="0"/>
+          </a:fillRef>
+          <a:effectRef idx="0">
+            <a:scrgbClr r="0" g="0" b="0"/>
+          </a:effectRef>
+          <a:fontRef idx="minor"/>
+        </p:style>
+        <p:txBody>
+          <a:bodyPr lIns="90000" tIns="45000" rIns="90000" bIns="45000">
+            <a:spAutoFit/>
+          </a:bodyPr>
+          <a:lstStyle/>
+          <a:p>
+            <a:pPr algn="just"/>
+            <a:r>
+              <a:rPr lang="en-US" spc="-1" dirty="0">
+                <a:latin typeface="Arial"/>
+              </a:rPr>
+              <a:t>TODO.</a:t>
+            </a:r>
+          </a:p>
+        </p:txBody>
+      </p:sp>
+      <p:sp>
+        <p:nvSpPr>
+          <p:cNvPr id="10" name="Line 5">
+            <a:extLst>
+              <a:ext uri="{FF2B5EF4-FFF2-40B4-BE49-F238E27FC236}">
+                <a16:creationId xmlns:a16="http://schemas.microsoft.com/office/drawing/2014/main" id="{9195D559-2BA8-4321-B3CF-CB7E0100E287}"/>
+              </a:ext>
+            </a:extLst>
+          </p:cNvPr>
+          <p:cNvSpPr/>
+          <p:nvPr/>
+        </p:nvSpPr>
+        <p:spPr>
+          <a:xfrm>
+            <a:off x="0" y="1536120"/>
+            <a:ext cx="12191760" cy="0"/>
+          </a:xfrm>
+          <a:prstGeom prst="line">
+            <a:avLst/>
+          </a:prstGeom>
+          <a:ln w="12600">
+            <a:solidFill>
+              <a:srgbClr val="6E78A0"/>
+            </a:solidFill>
+            <a:prstDash val="dash"/>
+            <a:round/>
+          </a:ln>
+        </p:spPr>
+        <p:style>
+          <a:lnRef idx="1">
+            <a:schemeClr val="accent1"/>
+          </a:lnRef>
+          <a:fillRef idx="0">
+            <a:schemeClr val="accent1"/>
+          </a:fillRef>
+          <a:effectRef idx="0">
+            <a:schemeClr val="accent1"/>
+          </a:effectRef>
+          <a:fontRef idx="minor"/>
+        </p:style>
+      </p:sp>
+      <p:sp>
+        <p:nvSpPr>
+          <p:cNvPr id="16" name="Rectangle 15">
+            <a:extLst>
+              <a:ext uri="{FF2B5EF4-FFF2-40B4-BE49-F238E27FC236}">
+                <a16:creationId xmlns:a16="http://schemas.microsoft.com/office/drawing/2014/main" id="{ABFBEC8F-EFE4-4425-928C-88D32FF7CA86}"/>
+              </a:ext>
+            </a:extLst>
+          </p:cNvPr>
+          <p:cNvSpPr/>
+          <p:nvPr/>
+        </p:nvSpPr>
+        <p:spPr>
+          <a:xfrm>
+            <a:off x="262558" y="4870800"/>
+            <a:ext cx="11594082" cy="1908215"/>
+          </a:xfrm>
+          <a:prstGeom prst="rect">
+            <a:avLst/>
+          </a:prstGeom>
+        </p:spPr>
+        <p:txBody>
+          <a:bodyPr wrap="square">
+            <a:spAutoFit/>
+          </a:bodyPr>
+          <a:lstStyle/>
+          <a:p>
+            <a:r>
+              <a:rPr lang="en-IN" sz="2200" dirty="0">
+                <a:solidFill>
+                  <a:srgbClr val="FF0000"/>
+                </a:solidFill>
+                <a:latin typeface="Arial" panose="020B0604020202020204" pitchFamily="34" charset="0"/>
+                <a:cs typeface="Arial" panose="020B0604020202020204" pitchFamily="34" charset="0"/>
+              </a:rPr>
+              <a:t>Remember:</a:t>
+            </a:r>
+          </a:p>
+          <a:p>
+            <a:endParaRPr lang="en-IN" sz="800" dirty="0">
+              <a:solidFill>
+                <a:schemeClr val="tx1">
+                  <a:lumMod val="95000"/>
+                  <a:lumOff val="5000"/>
+                </a:schemeClr>
+              </a:solidFill>
+              <a:latin typeface="Palatino Linotype" panose="02040502050505030304" pitchFamily="18" charset="0"/>
+              <a:cs typeface="Arial" panose="020B0604020202020204" pitchFamily="34" charset="0"/>
+            </a:endParaRPr>
+          </a:p>
+          <a:p>
+            <a:pPr marL="285750" indent="-285750">
+              <a:buFont typeface="Arial" panose="020B0604020202020204" pitchFamily="34" charset="0"/>
+              <a:buChar char="•"/>
+            </a:pPr>
+            <a:r>
+              <a:rPr lang="en-US" dirty="0">
+                <a:solidFill>
+                  <a:schemeClr val="tx1">
+                    <a:lumMod val="95000"/>
+                    <a:lumOff val="5000"/>
+                  </a:schemeClr>
+                </a:solidFill>
+                <a:latin typeface="Palatino Linotype" panose="02040502050505030304" pitchFamily="18" charset="0"/>
+                <a:cs typeface="Arial" panose="020B0604020202020204" pitchFamily="34" charset="0"/>
+              </a:rPr>
+              <a:t>Insert data into the </a:t>
+            </a:r>
+            <a:r>
+              <a:rPr lang="en-US" dirty="0">
+                <a:solidFill>
+                  <a:srgbClr val="FD8603"/>
+                </a:solidFill>
+                <a:latin typeface="Palatino Linotype" panose="02040502050505030304" pitchFamily="18" charset="0"/>
+                <a:cs typeface="Arial" panose="020B0604020202020204" pitchFamily="34" charset="0"/>
+              </a:rPr>
+              <a:t>LIST</a:t>
+            </a:r>
+            <a:r>
+              <a:rPr lang="en-US" dirty="0">
+                <a:solidFill>
+                  <a:schemeClr val="tx1">
+                    <a:lumMod val="95000"/>
+                    <a:lumOff val="5000"/>
+                  </a:schemeClr>
+                </a:solidFill>
+                <a:latin typeface="Palatino Linotype" panose="02040502050505030304" pitchFamily="18" charset="0"/>
+                <a:cs typeface="Arial" panose="020B0604020202020204" pitchFamily="34" charset="0"/>
+              </a:rPr>
+              <a:t>, enclosing values in square brackets </a:t>
+            </a:r>
+            <a:r>
+              <a:rPr lang="en-US" sz="2400" b="1" dirty="0">
+                <a:solidFill>
+                  <a:srgbClr val="7E007E"/>
+                </a:solidFill>
+                <a:latin typeface="Palatino Linotype" panose="02040502050505030304" pitchFamily="18" charset="0"/>
+              </a:rPr>
+              <a:t>[ ]</a:t>
+            </a:r>
+          </a:p>
+          <a:p>
+            <a:pPr marL="285750" indent="-285750">
+              <a:buFont typeface="Arial" panose="020B0604020202020204" pitchFamily="34" charset="0"/>
+              <a:buChar char="•"/>
+            </a:pPr>
+            <a:endParaRPr lang="en-US" sz="800" dirty="0">
+              <a:solidFill>
+                <a:schemeClr val="tx1">
+                  <a:lumMod val="95000"/>
+                  <a:lumOff val="5000"/>
+                </a:schemeClr>
+              </a:solidFill>
+              <a:latin typeface="Palatino Linotype" panose="02040502050505030304" pitchFamily="18" charset="0"/>
+              <a:cs typeface="Arial" panose="020B0604020202020204" pitchFamily="34" charset="0"/>
+            </a:endParaRPr>
+          </a:p>
+          <a:p>
+            <a:pPr marL="285750" indent="-285750">
+              <a:buFont typeface="Arial" panose="020B0604020202020204" pitchFamily="34" charset="0"/>
+              <a:buChar char="•"/>
+            </a:pPr>
+            <a:r>
+              <a:rPr lang="en-US" b="0" i="0" dirty="0">
+                <a:solidFill>
+                  <a:srgbClr val="273239"/>
+                </a:solidFill>
+                <a:effectLst/>
+                <a:latin typeface="Palatino Linotype" panose="02040502050505030304" pitchFamily="18" charset="0"/>
+              </a:rPr>
+              <a:t>We can add an element in </a:t>
+            </a:r>
+            <a:r>
+              <a:rPr lang="en-US" dirty="0">
+                <a:solidFill>
+                  <a:srgbClr val="FD8603"/>
+                </a:solidFill>
+                <a:latin typeface="Palatino Linotype" panose="02040502050505030304" pitchFamily="18" charset="0"/>
+                <a:cs typeface="Arial" panose="020B0604020202020204" pitchFamily="34" charset="0"/>
+              </a:rPr>
+              <a:t>LIST</a:t>
+            </a:r>
+            <a:r>
+              <a:rPr lang="en-US" b="0" i="0" dirty="0">
+                <a:solidFill>
+                  <a:srgbClr val="273239"/>
+                </a:solidFill>
+                <a:effectLst/>
+                <a:latin typeface="Palatino Linotype" panose="02040502050505030304" pitchFamily="18" charset="0"/>
+              </a:rPr>
+              <a:t> collection data type by using </a:t>
+            </a:r>
+            <a:r>
+              <a:rPr lang="en-US" sz="2400" b="1" i="0" dirty="0">
+                <a:solidFill>
+                  <a:srgbClr val="7E007E"/>
+                </a:solidFill>
+                <a:effectLst/>
+                <a:latin typeface="Palatino Linotype" panose="02040502050505030304" pitchFamily="18" charset="0"/>
+              </a:rPr>
+              <a:t>(+)</a:t>
+            </a:r>
+            <a:r>
+              <a:rPr lang="en-US" b="0" i="0" dirty="0">
+                <a:solidFill>
+                  <a:srgbClr val="273239"/>
+                </a:solidFill>
+                <a:effectLst/>
+                <a:latin typeface="Palatino Linotype" panose="02040502050505030304" pitchFamily="18" charset="0"/>
+              </a:rPr>
+              <a:t> operator.</a:t>
+            </a:r>
+          </a:p>
+          <a:p>
+            <a:pPr marL="285750" indent="-285750">
+              <a:buFont typeface="Arial" panose="020B0604020202020204" pitchFamily="34" charset="0"/>
+              <a:buChar char="•"/>
+            </a:pPr>
+            <a:endParaRPr lang="en-US" sz="800" dirty="0">
+              <a:solidFill>
+                <a:schemeClr val="tx1">
+                  <a:lumMod val="95000"/>
+                  <a:lumOff val="5000"/>
+                </a:schemeClr>
+              </a:solidFill>
+              <a:latin typeface="Palatino Linotype" panose="02040502050505030304" pitchFamily="18" charset="0"/>
+              <a:cs typeface="Arial" panose="020B0604020202020204" pitchFamily="34" charset="0"/>
+            </a:endParaRPr>
+          </a:p>
+          <a:p>
+            <a:pPr marL="285750" indent="-285750">
+              <a:buFont typeface="Arial" panose="020B0604020202020204" pitchFamily="34" charset="0"/>
+              <a:buChar char="•"/>
+            </a:pPr>
+            <a:r>
+              <a:rPr lang="en-US" b="0" i="0" dirty="0">
+                <a:solidFill>
+                  <a:srgbClr val="1F2438"/>
+                </a:solidFill>
+                <a:effectLst/>
+                <a:latin typeface="Palatino Linotype" panose="02040502050505030304" pitchFamily="18" charset="0"/>
+              </a:rPr>
+              <a:t>Remove an element from a </a:t>
+            </a:r>
+            <a:r>
+              <a:rPr lang="en-US" dirty="0">
+                <a:solidFill>
+                  <a:srgbClr val="FD8603"/>
+                </a:solidFill>
+                <a:latin typeface="Palatino Linotype" panose="02040502050505030304" pitchFamily="18" charset="0"/>
+                <a:cs typeface="Arial" panose="020B0604020202020204" pitchFamily="34" charset="0"/>
+              </a:rPr>
+              <a:t>LIST</a:t>
+            </a:r>
+            <a:r>
+              <a:rPr lang="en-US" b="0" i="0" dirty="0">
+                <a:solidFill>
+                  <a:srgbClr val="1F2438"/>
+                </a:solidFill>
+                <a:effectLst/>
+                <a:latin typeface="Palatino Linotype" panose="02040502050505030304" pitchFamily="18" charset="0"/>
+              </a:rPr>
+              <a:t> using the subtraction </a:t>
+            </a:r>
+            <a:r>
+              <a:rPr lang="en-US" sz="2400" b="1" dirty="0">
+                <a:solidFill>
+                  <a:srgbClr val="7E007E"/>
+                </a:solidFill>
+                <a:latin typeface="Palatino Linotype" panose="02040502050505030304" pitchFamily="18" charset="0"/>
+              </a:rPr>
+              <a:t>(-)</a:t>
+            </a:r>
+            <a:r>
+              <a:rPr lang="en-US" b="0" i="0" dirty="0">
+                <a:solidFill>
+                  <a:srgbClr val="1F2438"/>
+                </a:solidFill>
+                <a:effectLst/>
+                <a:latin typeface="Palatino Linotype" panose="02040502050505030304" pitchFamily="18" charset="0"/>
+              </a:rPr>
+              <a:t> operator.</a:t>
+            </a:r>
+            <a:endParaRPr lang="en-US" dirty="0">
+              <a:solidFill>
+                <a:schemeClr val="tx1">
+                  <a:lumMod val="95000"/>
+                  <a:lumOff val="5000"/>
+                </a:schemeClr>
+              </a:solidFill>
+              <a:latin typeface="Palatino Linotype" panose="02040502050505030304" pitchFamily="18" charset="0"/>
+              <a:cs typeface="Arial" panose="020B0604020202020204" pitchFamily="34" charset="0"/>
+            </a:endParaRPr>
+          </a:p>
+        </p:txBody>
+      </p:sp>
+      <p:sp>
+        <p:nvSpPr>
+          <p:cNvPr id="18" name="CustomShape 2">
+            <a:extLst>
+              <a:ext uri="{FF2B5EF4-FFF2-40B4-BE49-F238E27FC236}">
+                <a16:creationId xmlns:a16="http://schemas.microsoft.com/office/drawing/2014/main" id="{643BF468-D44A-4018-A859-FDBE2A875E73}"/>
+              </a:ext>
+            </a:extLst>
+          </p:cNvPr>
+          <p:cNvSpPr/>
+          <p:nvPr/>
+        </p:nvSpPr>
+        <p:spPr>
+          <a:xfrm>
+            <a:off x="246600" y="2700000"/>
+            <a:ext cx="11687400" cy="767987"/>
+          </a:xfrm>
+          <a:prstGeom prst="rect">
+            <a:avLst/>
+          </a:prstGeom>
+          <a:noFill/>
+          <a:ln>
+            <a:noFill/>
+          </a:ln>
+        </p:spPr>
+        <p:style>
+          <a:lnRef idx="0">
+            <a:scrgbClr r="0" g="0" b="0"/>
+          </a:lnRef>
+          <a:fillRef idx="0">
+            <a:scrgbClr r="0" g="0" b="0"/>
+          </a:fillRef>
+          <a:effectRef idx="0">
+            <a:scrgbClr r="0" g="0" b="0"/>
+          </a:effectRef>
+          <a:fontRef idx="minor"/>
+        </p:style>
+        <p:txBody>
+          <a:bodyPr wrap="square" lIns="90000" tIns="45000" rIns="90000" bIns="45000">
+            <a:spAutoFit/>
+          </a:bodyPr>
+          <a:lstStyle/>
+          <a:p>
+            <a:pPr marL="309510" indent="-285750">
+              <a:buClr>
+                <a:srgbClr val="808080"/>
+              </a:buClr>
+              <a:buFont typeface="Arial" panose="020B0604020202020204" pitchFamily="34" charset="0"/>
+              <a:buChar char="•"/>
+            </a:pPr>
+            <a:r>
+              <a:rPr lang="en-IN" sz="1800" b="0" strike="noStrike" spc="-1" dirty="0">
+                <a:solidFill>
+                  <a:schemeClr val="bg1">
+                    <a:lumMod val="50000"/>
+                  </a:schemeClr>
+                </a:solidFill>
+                <a:latin typeface="Consolas" panose="020B0609020204030204" pitchFamily="49" charset="0"/>
+                <a:ea typeface="SimSun"/>
+              </a:rPr>
+              <a:t>cqlsh:db1&gt; </a:t>
+            </a:r>
+            <a:r>
+              <a:rPr lang="en-US" dirty="0">
+                <a:solidFill>
+                  <a:srgbClr val="0070C0"/>
+                </a:solidFill>
+                <a:latin typeface="Consolas" panose="020B0609020204030204" pitchFamily="49" charset="0"/>
+              </a:rPr>
+              <a:t>UPDATE</a:t>
+            </a:r>
+            <a:r>
+              <a:rPr lang="en-US" spc="-1" dirty="0">
+                <a:latin typeface="Consolas" panose="020B0609020204030204" pitchFamily="49" charset="0"/>
+                <a:ea typeface="SimSun"/>
+              </a:rPr>
+              <a:t> books </a:t>
+            </a:r>
+            <a:r>
+              <a:rPr lang="en-US" dirty="0">
+                <a:solidFill>
+                  <a:srgbClr val="0070C0"/>
+                </a:solidFill>
+                <a:latin typeface="Consolas" panose="020B0609020204030204" pitchFamily="49" charset="0"/>
+              </a:rPr>
+              <a:t>SET</a:t>
+            </a:r>
+            <a:r>
+              <a:rPr lang="en-US" spc="-1" dirty="0">
+                <a:latin typeface="Consolas" panose="020B0609020204030204" pitchFamily="49" charset="0"/>
+                <a:ea typeface="SimSun"/>
+              </a:rPr>
+              <a:t> publisher = publisher </a:t>
+            </a:r>
+            <a:r>
+              <a:rPr lang="en-US" spc="-1" dirty="0">
+                <a:solidFill>
+                  <a:srgbClr val="7E007E"/>
+                </a:solidFill>
+                <a:latin typeface="Consolas" panose="020B0609020204030204" pitchFamily="49" charset="0"/>
+                <a:ea typeface="SimSun"/>
+              </a:rPr>
+              <a:t>+</a:t>
+            </a:r>
+            <a:r>
+              <a:rPr lang="en-US" spc="-1" dirty="0">
+                <a:latin typeface="Consolas" panose="020B0609020204030204" pitchFamily="49" charset="0"/>
+                <a:ea typeface="SimSun"/>
+              </a:rPr>
+              <a:t> </a:t>
+            </a:r>
+            <a:r>
+              <a:rPr lang="en-US" spc="-1" dirty="0">
+                <a:solidFill>
+                  <a:schemeClr val="bg1">
+                    <a:lumMod val="50000"/>
+                  </a:schemeClr>
+                </a:solidFill>
+                <a:latin typeface="Consolas" panose="020B0609020204030204" pitchFamily="49" charset="0"/>
+                <a:ea typeface="SimSun"/>
+              </a:rPr>
+              <a:t>[</a:t>
+            </a:r>
+            <a:r>
+              <a:rPr lang="en-US" spc="-1" dirty="0">
+                <a:latin typeface="Consolas" panose="020B0609020204030204" pitchFamily="49" charset="0"/>
+                <a:ea typeface="SimSun"/>
+              </a:rPr>
+              <a:t> '</a:t>
+            </a:r>
+            <a:r>
+              <a:rPr lang="en-US" spc="-1" dirty="0" err="1">
+                <a:latin typeface="Consolas" panose="020B0609020204030204" pitchFamily="49" charset="0"/>
+                <a:ea typeface="SimSun"/>
+              </a:rPr>
+              <a:t>zzz</a:t>
+            </a:r>
+            <a:r>
+              <a:rPr lang="en-US" spc="-1" dirty="0">
+                <a:latin typeface="Consolas" panose="020B0609020204030204" pitchFamily="49" charset="0"/>
+                <a:ea typeface="SimSun"/>
+              </a:rPr>
+              <a:t>' </a:t>
+            </a:r>
+            <a:r>
+              <a:rPr lang="en-US" spc="-1" dirty="0">
+                <a:solidFill>
+                  <a:schemeClr val="bg1">
+                    <a:lumMod val="50000"/>
+                  </a:schemeClr>
+                </a:solidFill>
+                <a:latin typeface="Consolas" panose="020B0609020204030204" pitchFamily="49" charset="0"/>
+                <a:ea typeface="SimSun"/>
+              </a:rPr>
+              <a:t>]</a:t>
+            </a:r>
+            <a:r>
+              <a:rPr lang="en-US" spc="-1" dirty="0">
+                <a:latin typeface="Consolas" panose="020B0609020204030204" pitchFamily="49" charset="0"/>
+                <a:ea typeface="SimSun"/>
+              </a:rPr>
+              <a:t> </a:t>
+            </a:r>
+            <a:r>
+              <a:rPr lang="en-US" dirty="0">
+                <a:solidFill>
+                  <a:srgbClr val="0070C0"/>
+                </a:solidFill>
+                <a:latin typeface="Consolas" panose="020B0609020204030204" pitchFamily="49" charset="0"/>
+              </a:rPr>
+              <a:t>WHERE</a:t>
+            </a:r>
+            <a:r>
+              <a:rPr lang="en-US" spc="-1" dirty="0">
+                <a:latin typeface="Consolas" panose="020B0609020204030204" pitchFamily="49" charset="0"/>
+                <a:ea typeface="SimSun"/>
+              </a:rPr>
+              <a:t> id = 2;</a:t>
+            </a:r>
+          </a:p>
+          <a:p>
+            <a:pPr marL="309510" indent="-285750">
+              <a:buClr>
+                <a:srgbClr val="808080"/>
+              </a:buClr>
+              <a:buFont typeface="Arial" panose="020B0604020202020204" pitchFamily="34" charset="0"/>
+              <a:buChar char="•"/>
+            </a:pPr>
+            <a:endParaRPr lang="en-US" sz="800" spc="-1" dirty="0">
+              <a:latin typeface="Consolas" panose="020B0609020204030204" pitchFamily="49" charset="0"/>
+              <a:ea typeface="SimSun"/>
+            </a:endParaRPr>
+          </a:p>
+          <a:p>
+            <a:pPr marL="309510" indent="-285750">
+              <a:buClr>
+                <a:srgbClr val="808080"/>
+              </a:buClr>
+              <a:buFont typeface="Arial" panose="020B0604020202020204" pitchFamily="34" charset="0"/>
+              <a:buChar char="•"/>
+            </a:pPr>
+            <a:r>
+              <a:rPr lang="en-IN" sz="1800" b="0" strike="noStrike" spc="-1" dirty="0">
+                <a:solidFill>
+                  <a:schemeClr val="bg1">
+                    <a:lumMod val="50000"/>
+                  </a:schemeClr>
+                </a:solidFill>
+                <a:latin typeface="Consolas" panose="020B0609020204030204" pitchFamily="49" charset="0"/>
+                <a:ea typeface="SimSun"/>
+              </a:rPr>
+              <a:t>cqlsh:db1&gt; </a:t>
+            </a:r>
+            <a:r>
+              <a:rPr lang="en-US" dirty="0">
+                <a:solidFill>
+                  <a:srgbClr val="0070C0"/>
+                </a:solidFill>
+                <a:latin typeface="Consolas" panose="020B0609020204030204" pitchFamily="49" charset="0"/>
+              </a:rPr>
+              <a:t>UPDATE</a:t>
+            </a:r>
+            <a:r>
+              <a:rPr lang="en-US" spc="-1" dirty="0">
+                <a:latin typeface="Consolas" panose="020B0609020204030204" pitchFamily="49" charset="0"/>
+                <a:ea typeface="SimSun"/>
+              </a:rPr>
+              <a:t> books </a:t>
+            </a:r>
+            <a:r>
+              <a:rPr lang="en-US" dirty="0">
+                <a:solidFill>
+                  <a:srgbClr val="0070C0"/>
+                </a:solidFill>
+                <a:latin typeface="Consolas" panose="020B0609020204030204" pitchFamily="49" charset="0"/>
+              </a:rPr>
+              <a:t>SET</a:t>
+            </a:r>
+            <a:r>
+              <a:rPr lang="en-US" spc="-1" dirty="0">
+                <a:latin typeface="Consolas" panose="020B0609020204030204" pitchFamily="49" charset="0"/>
+                <a:ea typeface="SimSun"/>
+              </a:rPr>
+              <a:t> publisher = publisher </a:t>
+            </a:r>
+            <a:r>
+              <a:rPr lang="en-US" spc="-1" dirty="0">
+                <a:solidFill>
+                  <a:srgbClr val="7E007E"/>
+                </a:solidFill>
+                <a:latin typeface="Consolas" panose="020B0609020204030204" pitchFamily="49" charset="0"/>
+                <a:ea typeface="SimSun"/>
+              </a:rPr>
+              <a:t>-</a:t>
+            </a:r>
+            <a:r>
+              <a:rPr lang="en-US" spc="-1" dirty="0">
+                <a:latin typeface="Consolas" panose="020B0609020204030204" pitchFamily="49" charset="0"/>
+                <a:ea typeface="SimSun"/>
+              </a:rPr>
+              <a:t> </a:t>
+            </a:r>
+            <a:r>
+              <a:rPr lang="en-US" spc="-1" dirty="0">
+                <a:solidFill>
+                  <a:schemeClr val="bg1">
+                    <a:lumMod val="50000"/>
+                  </a:schemeClr>
+                </a:solidFill>
+                <a:latin typeface="Consolas" panose="020B0609020204030204" pitchFamily="49" charset="0"/>
+                <a:ea typeface="SimSun"/>
+              </a:rPr>
+              <a:t>[</a:t>
+            </a:r>
+            <a:r>
+              <a:rPr lang="en-US" spc="-1" dirty="0">
+                <a:latin typeface="Consolas" panose="020B0609020204030204" pitchFamily="49" charset="0"/>
+                <a:ea typeface="SimSun"/>
+              </a:rPr>
+              <a:t> '</a:t>
+            </a:r>
+            <a:r>
+              <a:rPr lang="en-US" spc="-1" dirty="0" err="1">
+                <a:latin typeface="Consolas" panose="020B0609020204030204" pitchFamily="49" charset="0"/>
+                <a:ea typeface="SimSun"/>
+              </a:rPr>
+              <a:t>zzz</a:t>
+            </a:r>
+            <a:r>
+              <a:rPr lang="en-US" spc="-1">
+                <a:latin typeface="Consolas" panose="020B0609020204030204" pitchFamily="49" charset="0"/>
+                <a:ea typeface="SimSun"/>
+              </a:rPr>
+              <a:t>' </a:t>
+            </a:r>
+            <a:r>
+              <a:rPr lang="en-US" spc="-1" dirty="0">
+                <a:solidFill>
+                  <a:schemeClr val="bg1">
+                    <a:lumMod val="50000"/>
+                  </a:schemeClr>
+                </a:solidFill>
+                <a:latin typeface="Consolas" panose="020B0609020204030204" pitchFamily="49" charset="0"/>
+                <a:ea typeface="SimSun"/>
+              </a:rPr>
+              <a:t>]</a:t>
+            </a:r>
+            <a:r>
+              <a:rPr lang="en-US" spc="-1" dirty="0">
+                <a:latin typeface="Consolas" panose="020B0609020204030204" pitchFamily="49" charset="0"/>
+                <a:ea typeface="SimSun"/>
+              </a:rPr>
+              <a:t> </a:t>
+            </a:r>
+            <a:r>
+              <a:rPr lang="en-US" dirty="0">
+                <a:solidFill>
+                  <a:srgbClr val="0070C0"/>
+                </a:solidFill>
+                <a:latin typeface="Consolas" panose="020B0609020204030204" pitchFamily="49" charset="0"/>
+              </a:rPr>
+              <a:t>WHERE</a:t>
+            </a:r>
+            <a:r>
+              <a:rPr lang="en-US" spc="-1" dirty="0">
+                <a:latin typeface="Consolas" panose="020B0609020204030204" pitchFamily="49" charset="0"/>
+                <a:ea typeface="SimSun"/>
+              </a:rPr>
+              <a:t> id=2;</a:t>
+            </a:r>
+            <a:endParaRPr lang="en-IN" spc="-1" dirty="0">
+              <a:latin typeface="Consolas" panose="020B0609020204030204" pitchFamily="49" charset="0"/>
+              <a:ea typeface="SimSun"/>
+            </a:endParaRPr>
+          </a:p>
+        </p:txBody>
+      </p:sp>
+      <p:sp>
+        <p:nvSpPr>
+          <p:cNvPr id="11" name="CustomShape 6">
+            <a:extLst>
+              <a:ext uri="{FF2B5EF4-FFF2-40B4-BE49-F238E27FC236}">
+                <a16:creationId xmlns:a16="http://schemas.microsoft.com/office/drawing/2014/main" id="{A9AB6D0E-B438-49CD-80E5-C98E8F47E644}"/>
+              </a:ext>
+            </a:extLst>
+          </p:cNvPr>
+          <p:cNvSpPr/>
+          <p:nvPr/>
+        </p:nvSpPr>
+        <p:spPr>
+          <a:xfrm>
+            <a:off x="246600" y="2030040"/>
+            <a:ext cx="11687400" cy="367878"/>
+          </a:xfrm>
+          <a:prstGeom prst="rect">
+            <a:avLst/>
+          </a:prstGeom>
+          <a:noFill/>
+          <a:ln>
+            <a:noFill/>
+          </a:ln>
+        </p:spPr>
+        <p:style>
+          <a:lnRef idx="0">
+            <a:scrgbClr r="0" g="0" b="0"/>
+          </a:lnRef>
+          <a:fillRef idx="0">
+            <a:scrgbClr r="0" g="0" b="0"/>
+          </a:fillRef>
+          <a:effectRef idx="0">
+            <a:scrgbClr r="0" g="0" b="0"/>
+          </a:effectRef>
+          <a:fontRef idx="minor"/>
+        </p:style>
+        <p:txBody>
+          <a:bodyPr lIns="90000" tIns="45000" rIns="90000" bIns="45000">
+            <a:spAutoFit/>
+          </a:bodyPr>
+          <a:lstStyle/>
+          <a:p>
+            <a:r>
+              <a:rPr lang="en-US" spc="-1" dirty="0">
+                <a:latin typeface="Source Code Pro" panose="020B0509030403020204" pitchFamily="49" charset="0"/>
+                <a:ea typeface="Source Code Pro" panose="020B0509030403020204" pitchFamily="49" charset="0"/>
+              </a:rPr>
+              <a:t>collection_type::= </a:t>
+            </a:r>
+            <a:r>
+              <a:rPr lang="en-US" spc="-1" dirty="0">
+                <a:solidFill>
+                  <a:srgbClr val="2B8208"/>
+                </a:solidFill>
+                <a:latin typeface="Source Code Pro" panose="020B0509030403020204" pitchFamily="49" charset="0"/>
+                <a:ea typeface="Source Code Pro" panose="020B0509030403020204" pitchFamily="49" charset="0"/>
+              </a:rPr>
+              <a:t>LIST</a:t>
+            </a:r>
+            <a:r>
+              <a:rPr lang="en-US" spc="-1" dirty="0">
+                <a:latin typeface="Source Code Pro" panose="020B0509030403020204" pitchFamily="49" charset="0"/>
+                <a:ea typeface="Source Code Pro" panose="020B0509030403020204" pitchFamily="49" charset="0"/>
+              </a:rPr>
+              <a:t> &lt; </a:t>
+            </a:r>
+            <a:r>
+              <a:rPr lang="en-US" spc="-1" dirty="0">
+                <a:solidFill>
+                  <a:srgbClr val="FD8603"/>
+                </a:solidFill>
+                <a:latin typeface="Source Code Pro" panose="020B0509030403020204" pitchFamily="49" charset="0"/>
+                <a:ea typeface="Source Code Pro" panose="020B0509030403020204" pitchFamily="49" charset="0"/>
+              </a:rPr>
+              <a:t>cql_type </a:t>
+            </a:r>
+            <a:r>
+              <a:rPr lang="en-US" spc="-1" dirty="0">
+                <a:latin typeface="Source Code Pro" panose="020B0509030403020204" pitchFamily="49" charset="0"/>
+                <a:ea typeface="Source Code Pro" panose="020B0509030403020204" pitchFamily="49" charset="0"/>
+              </a:rPr>
+              <a:t>&gt;</a:t>
+            </a:r>
+            <a:endParaRPr lang="en-IN" sz="400" spc="-1" dirty="0">
+              <a:latin typeface="Source Code Pro" panose="020B0509030403020204" pitchFamily="49" charset="0"/>
+              <a:ea typeface="Source Code Pro" panose="020B0509030403020204" pitchFamily="49" charset="0"/>
+            </a:endParaRPr>
+          </a:p>
+        </p:txBody>
+      </p:sp>
+    </p:spTree>
+    <p:extLst>
+      <p:ext uri="{BB962C8B-B14F-4D97-AF65-F5344CB8AC3E}">
+        <p14:creationId xmlns:p14="http://schemas.microsoft.com/office/powerpoint/2010/main" val="780896998"/>
+      </p:ext>
+    </p:extLst>
+  </p:cSld>
+  <p:clrMapOvr>
+    <a:masterClrMapping/>
+  </p:clrMapOvr>
+</p:sld>
+</file>
+
+<file path=ppt/slides/slide31.xml><?xml version="1.0" encoding="utf-8"?>
+<p:sld xmlns:a="http://schemas.openxmlformats.org/drawingml/2006/main" xmlns:r="http://schemas.openxmlformats.org/officeDocument/2006/relationships" xmlns:p="http://schemas.openxmlformats.org/presentationml/2006/main">
+  <p:cSld>
+    <p:spTree>
+      <p:nvGrpSpPr>
+        <p:cNvPr id="1" name=""/>
+        <p:cNvGrpSpPr/>
+        <p:nvPr/>
+      </p:nvGrpSpPr>
+      <p:grpSpPr>
+        <a:xfrm>
+          <a:off x="0" y="0"/>
+          <a:ext cx="0" cy="0"/>
+          <a:chOff x="0" y="0"/>
+          <a:chExt cx="0" cy="0"/>
+        </a:xfrm>
+      </p:grpSpPr>
+      <p:sp>
+        <p:nvSpPr>
           <p:cNvPr id="2" name="Title 1"/>
           <p:cNvSpPr txBox="1">
             <a:spLocks/>
@@ -16666,7 +17832,7 @@
 </p:sld>
 </file>
 
-<file path=ppt/slides/slide31.xml><?xml version="1.0" encoding="utf-8"?>
+<file path=ppt/slides/slide32.xml><?xml version="1.0" encoding="utf-8"?>
 <p:sld xmlns:a="http://schemas.openxmlformats.org/drawingml/2006/main" xmlns:r="http://schemas.openxmlformats.org/officeDocument/2006/relationships" xmlns:p="http://schemas.openxmlformats.org/presentationml/2006/main">
   <p:cSld>
     <p:spTree>
@@ -17155,7 +18321,7 @@
 </p:sld>
 </file>
 
-<file path=ppt/slides/slide32.xml><?xml version="1.0" encoding="utf-8"?>
+<file path=ppt/slides/slide33.xml><?xml version="1.0" encoding="utf-8"?>
 <p:sld xmlns:a="http://schemas.openxmlformats.org/drawingml/2006/main" xmlns:r="http://schemas.openxmlformats.org/officeDocument/2006/relationships" xmlns:p="http://schemas.openxmlformats.org/presentationml/2006/main">
   <p:cSld>
     <p:spTree>
@@ -17304,7 +18470,7 @@
 </p:sld>
 </file>
 
-<file path=ppt/slides/slide33.xml><?xml version="1.0" encoding="utf-8"?>
+<file path=ppt/slides/slide34.xml><?xml version="1.0" encoding="utf-8"?>
 <p:sld xmlns:a="http://schemas.openxmlformats.org/drawingml/2006/main" xmlns:r="http://schemas.openxmlformats.org/officeDocument/2006/relationships" xmlns:p="http://schemas.openxmlformats.org/presentationml/2006/main">
   <p:cSld>
     <p:spTree>
@@ -18020,7 +19186,7 @@
 </p:sld>
 </file>
 
-<file path=ppt/slides/slide34.xml><?xml version="1.0" encoding="utf-8"?>
+<file path=ppt/slides/slide35.xml><?xml version="1.0" encoding="utf-8"?>
 <p:sld xmlns:a="http://schemas.openxmlformats.org/drawingml/2006/main" xmlns:r="http://schemas.openxmlformats.org/officeDocument/2006/relationships" xmlns:p="http://schemas.openxmlformats.org/presentationml/2006/main">
   <p:cSld>
     <p:spTree>
@@ -18310,7 +19476,7 @@
 </p:sld>
 </file>
 
-<file path=ppt/slides/slide35.xml><?xml version="1.0" encoding="utf-8"?>
+<file path=ppt/slides/slide36.xml><?xml version="1.0" encoding="utf-8"?>
 <p:sld xmlns:a="http://schemas.openxmlformats.org/drawingml/2006/main" xmlns:r="http://schemas.openxmlformats.org/officeDocument/2006/relationships" xmlns:p="http://schemas.openxmlformats.org/presentationml/2006/main">
   <p:cSld>
     <p:spTree>
@@ -18469,7 +19635,7 @@
 </p:sld>
 </file>
 
-<file path=ppt/slides/slide36.xml><?xml version="1.0" encoding="utf-8"?>
+<file path=ppt/slides/slide37.xml><?xml version="1.0" encoding="utf-8"?>
 <p:sld xmlns:a="http://schemas.openxmlformats.org/drawingml/2006/main" xmlns:r="http://schemas.openxmlformats.org/officeDocument/2006/relationships" xmlns:p="http://schemas.openxmlformats.org/presentationml/2006/main">
   <p:cSld>
     <p:spTree>
@@ -18965,7 +20131,7 @@
 </p:sld>
 </file>
 
-<file path=ppt/slides/slide37.xml><?xml version="1.0" encoding="utf-8"?>
+<file path=ppt/slides/slide38.xml><?xml version="1.0" encoding="utf-8"?>
 <p:sld xmlns:a="http://schemas.openxmlformats.org/drawingml/2006/main" xmlns:r="http://schemas.openxmlformats.org/officeDocument/2006/relationships" xmlns:p="http://schemas.openxmlformats.org/presentationml/2006/main">
   <p:cSld>
     <p:spTree>
@@ -19124,7 +20290,7 @@
 </p:sld>
 </file>
 
-<file path=ppt/slides/slide38.xml><?xml version="1.0" encoding="utf-8"?>
+<file path=ppt/slides/slide39.xml><?xml version="1.0" encoding="utf-8"?>
 <p:sld xmlns:a="http://schemas.openxmlformats.org/drawingml/2006/main" xmlns:r="http://schemas.openxmlformats.org/officeDocument/2006/relationships" xmlns:p="http://schemas.openxmlformats.org/presentationml/2006/main">
   <p:cSld>
     <p:spTree>
@@ -19575,155 +20741,6 @@
     <p:extLst>
       <p:ext uri="{BB962C8B-B14F-4D97-AF65-F5344CB8AC3E}">
         <p14:creationId xmlns:p14="http://schemas.microsoft.com/office/powerpoint/2010/main" val="2722645413"/>
-      </p:ext>
-    </p:extLst>
-  </p:cSld>
-  <p:clrMapOvr>
-    <a:masterClrMapping/>
-  </p:clrMapOvr>
-</p:sld>
-</file>
-
-<file path=ppt/slides/slide39.xml><?xml version="1.0" encoding="utf-8"?>
-<p:sld xmlns:a="http://schemas.openxmlformats.org/drawingml/2006/main" xmlns:r="http://schemas.openxmlformats.org/officeDocument/2006/relationships" xmlns:p="http://schemas.openxmlformats.org/presentationml/2006/main">
-  <p:cSld>
-    <p:spTree>
-      <p:nvGrpSpPr>
-        <p:cNvPr id="1" name=""/>
-        <p:cNvGrpSpPr/>
-        <p:nvPr/>
-      </p:nvGrpSpPr>
-      <p:grpSpPr>
-        <a:xfrm>
-          <a:off x="0" y="0"/>
-          <a:ext cx="0" cy="0"/>
-          <a:chOff x="0" y="0"/>
-          <a:chExt cx="0" cy="0"/>
-        </a:xfrm>
-      </p:grpSpPr>
-      <p:sp>
-        <p:nvSpPr>
-          <p:cNvPr id="109" name="CustomShape 1"/>
-          <p:cNvSpPr/>
-          <p:nvPr/>
-        </p:nvSpPr>
-        <p:spPr>
-          <a:xfrm>
-            <a:off x="1676520" y="2362320"/>
-            <a:ext cx="8815320" cy="921876"/>
-          </a:xfrm>
-          <a:prstGeom prst="rect">
-            <a:avLst/>
-          </a:prstGeom>
-          <a:noFill/>
-          <a:ln>
-            <a:noFill/>
-          </a:ln>
-        </p:spPr>
-        <p:style>
-          <a:lnRef idx="0">
-            <a:scrgbClr r="0" g="0" b="0"/>
-          </a:lnRef>
-          <a:fillRef idx="0">
-            <a:scrgbClr r="0" g="0" b="0"/>
-          </a:fillRef>
-          <a:effectRef idx="0">
-            <a:scrgbClr r="0" g="0" b="0"/>
-          </a:effectRef>
-          <a:fontRef idx="minor"/>
-        </p:style>
-        <p:txBody>
-          <a:bodyPr lIns="90000" tIns="45000" rIns="90000" bIns="45000">
-            <a:spAutoFit/>
-          </a:bodyPr>
-          <a:lstStyle/>
-          <a:p>
-            <a:pPr algn="ctr">
-              <a:lnSpc>
-                <a:spcPct val="100000"/>
-              </a:lnSpc>
-            </a:pPr>
-            <a:r>
-              <a:rPr lang="en-IN" sz="5400" i="1" spc="-1" dirty="0">
-                <a:solidFill>
-                  <a:srgbClr val="F7C120"/>
-                </a:solidFill>
-                <a:latin typeface="Century"/>
-                <a:ea typeface="DejaVu Sans"/>
-              </a:rPr>
-              <a:t>capture</a:t>
-            </a:r>
-            <a:endParaRPr lang="en-IN" sz="5400" b="0" strike="noStrike" spc="-1" dirty="0">
-              <a:latin typeface="Arial"/>
-            </a:endParaRPr>
-          </a:p>
-        </p:txBody>
-      </p:sp>
-      <p:sp>
-        <p:nvSpPr>
-          <p:cNvPr id="110" name="CustomShape 2"/>
-          <p:cNvSpPr/>
-          <p:nvPr/>
-        </p:nvSpPr>
-        <p:spPr>
-          <a:xfrm>
-            <a:off x="522360" y="3531600"/>
-            <a:ext cx="11052360" cy="367878"/>
-          </a:xfrm>
-          <a:prstGeom prst="rect">
-            <a:avLst/>
-          </a:prstGeom>
-          <a:noFill/>
-          <a:ln>
-            <a:noFill/>
-          </a:ln>
-        </p:spPr>
-        <p:style>
-          <a:lnRef idx="0">
-            <a:scrgbClr r="0" g="0" b="0"/>
-          </a:lnRef>
-          <a:fillRef idx="0">
-            <a:scrgbClr r="0" g="0" b="0"/>
-          </a:fillRef>
-          <a:effectRef idx="0">
-            <a:scrgbClr r="0" g="0" b="0"/>
-          </a:effectRef>
-          <a:fontRef idx="minor"/>
-        </p:style>
-        <p:txBody>
-          <a:bodyPr lIns="90000" tIns="45000" rIns="90000" bIns="45000">
-            <a:spAutoFit/>
-          </a:bodyPr>
-          <a:lstStyle/>
-          <a:p>
-            <a:pPr algn="just">
-              <a:lnSpc>
-                <a:spcPct val="100000"/>
-              </a:lnSpc>
-            </a:pPr>
-            <a:r>
-              <a:rPr lang="en-US" sz="1800" b="0" strike="noStrike" spc="-1" dirty="0">
-                <a:solidFill>
-                  <a:srgbClr val="BB0643"/>
-                </a:solidFill>
-                <a:latin typeface="Segoe UI"/>
-                <a:ea typeface="DejaVu Sans"/>
-              </a:rPr>
-              <a:t>TODO</a:t>
-            </a:r>
-            <a:endParaRPr lang="en-IN" spc="-1" dirty="0">
-              <a:solidFill>
-                <a:srgbClr val="BB0643"/>
-              </a:solidFill>
-              <a:latin typeface="Segoe UI"/>
-            </a:endParaRPr>
-          </a:p>
-        </p:txBody>
-      </p:sp>
-    </p:spTree>
-    <p:extLst>
-      <p:ext uri="{BB962C8B-B14F-4D97-AF65-F5344CB8AC3E}">
-        <p14:creationId xmlns:p14="http://schemas.microsoft.com/office/powerpoint/2010/main" val="2759636616"/>
       </p:ext>
     </p:extLst>
   </p:cSld>
@@ -20306,6 +21323,155 @@
       </p:grpSpPr>
       <p:sp>
         <p:nvSpPr>
+          <p:cNvPr id="109" name="CustomShape 1"/>
+          <p:cNvSpPr/>
+          <p:nvPr/>
+        </p:nvSpPr>
+        <p:spPr>
+          <a:xfrm>
+            <a:off x="1676520" y="2362320"/>
+            <a:ext cx="8815320" cy="921876"/>
+          </a:xfrm>
+          <a:prstGeom prst="rect">
+            <a:avLst/>
+          </a:prstGeom>
+          <a:noFill/>
+          <a:ln>
+            <a:noFill/>
+          </a:ln>
+        </p:spPr>
+        <p:style>
+          <a:lnRef idx="0">
+            <a:scrgbClr r="0" g="0" b="0"/>
+          </a:lnRef>
+          <a:fillRef idx="0">
+            <a:scrgbClr r="0" g="0" b="0"/>
+          </a:fillRef>
+          <a:effectRef idx="0">
+            <a:scrgbClr r="0" g="0" b="0"/>
+          </a:effectRef>
+          <a:fontRef idx="minor"/>
+        </p:style>
+        <p:txBody>
+          <a:bodyPr lIns="90000" tIns="45000" rIns="90000" bIns="45000">
+            <a:spAutoFit/>
+          </a:bodyPr>
+          <a:lstStyle/>
+          <a:p>
+            <a:pPr algn="ctr">
+              <a:lnSpc>
+                <a:spcPct val="100000"/>
+              </a:lnSpc>
+            </a:pPr>
+            <a:r>
+              <a:rPr lang="en-IN" sz="5400" i="1" spc="-1" dirty="0">
+                <a:solidFill>
+                  <a:srgbClr val="F7C120"/>
+                </a:solidFill>
+                <a:latin typeface="Century"/>
+                <a:ea typeface="DejaVu Sans"/>
+              </a:rPr>
+              <a:t>capture</a:t>
+            </a:r>
+            <a:endParaRPr lang="en-IN" sz="5400" b="0" strike="noStrike" spc="-1" dirty="0">
+              <a:latin typeface="Arial"/>
+            </a:endParaRPr>
+          </a:p>
+        </p:txBody>
+      </p:sp>
+      <p:sp>
+        <p:nvSpPr>
+          <p:cNvPr id="110" name="CustomShape 2"/>
+          <p:cNvSpPr/>
+          <p:nvPr/>
+        </p:nvSpPr>
+        <p:spPr>
+          <a:xfrm>
+            <a:off x="522360" y="3531600"/>
+            <a:ext cx="11052360" cy="367878"/>
+          </a:xfrm>
+          <a:prstGeom prst="rect">
+            <a:avLst/>
+          </a:prstGeom>
+          <a:noFill/>
+          <a:ln>
+            <a:noFill/>
+          </a:ln>
+        </p:spPr>
+        <p:style>
+          <a:lnRef idx="0">
+            <a:scrgbClr r="0" g="0" b="0"/>
+          </a:lnRef>
+          <a:fillRef idx="0">
+            <a:scrgbClr r="0" g="0" b="0"/>
+          </a:fillRef>
+          <a:effectRef idx="0">
+            <a:scrgbClr r="0" g="0" b="0"/>
+          </a:effectRef>
+          <a:fontRef idx="minor"/>
+        </p:style>
+        <p:txBody>
+          <a:bodyPr lIns="90000" tIns="45000" rIns="90000" bIns="45000">
+            <a:spAutoFit/>
+          </a:bodyPr>
+          <a:lstStyle/>
+          <a:p>
+            <a:pPr algn="just">
+              <a:lnSpc>
+                <a:spcPct val="100000"/>
+              </a:lnSpc>
+            </a:pPr>
+            <a:r>
+              <a:rPr lang="en-US" sz="1800" b="0" strike="noStrike" spc="-1" dirty="0">
+                <a:solidFill>
+                  <a:srgbClr val="BB0643"/>
+                </a:solidFill>
+                <a:latin typeface="Segoe UI"/>
+                <a:ea typeface="DejaVu Sans"/>
+              </a:rPr>
+              <a:t>TODO</a:t>
+            </a:r>
+            <a:endParaRPr lang="en-IN" spc="-1" dirty="0">
+              <a:solidFill>
+                <a:srgbClr val="BB0643"/>
+              </a:solidFill>
+              <a:latin typeface="Segoe UI"/>
+            </a:endParaRPr>
+          </a:p>
+        </p:txBody>
+      </p:sp>
+    </p:spTree>
+    <p:extLst>
+      <p:ext uri="{BB962C8B-B14F-4D97-AF65-F5344CB8AC3E}">
+        <p14:creationId xmlns:p14="http://schemas.microsoft.com/office/powerpoint/2010/main" val="2759636616"/>
+      </p:ext>
+    </p:extLst>
+  </p:cSld>
+  <p:clrMapOvr>
+    <a:masterClrMapping/>
+  </p:clrMapOvr>
+</p:sld>
+</file>
+
+<file path=ppt/slides/slide41.xml><?xml version="1.0" encoding="utf-8"?>
+<p:sld xmlns:a="http://schemas.openxmlformats.org/drawingml/2006/main" xmlns:r="http://schemas.openxmlformats.org/officeDocument/2006/relationships" xmlns:p="http://schemas.openxmlformats.org/presentationml/2006/main">
+  <p:cSld>
+    <p:spTree>
+      <p:nvGrpSpPr>
+        <p:cNvPr id="1" name=""/>
+        <p:cNvGrpSpPr/>
+        <p:nvPr/>
+      </p:nvGrpSpPr>
+      <p:grpSpPr>
+        <a:xfrm>
+          <a:off x="0" y="0"/>
+          <a:ext cx="0" cy="0"/>
+          <a:chOff x="0" y="0"/>
+          <a:chExt cx="0" cy="0"/>
+        </a:xfrm>
+      </p:grpSpPr>
+      <p:sp>
+        <p:nvSpPr>
           <p:cNvPr id="111" name="CustomShape 1"/>
           <p:cNvSpPr/>
           <p:nvPr/>
@@ -20686,7 +21852,7 @@
 </p:sld>
 </file>
 
-<file path=ppt/slides/slide41.xml><?xml version="1.0" encoding="utf-8"?>
+<file path=ppt/slides/slide42.xml><?xml version="1.0" encoding="utf-8"?>
 <p:sld xmlns:a="http://schemas.openxmlformats.org/drawingml/2006/main" xmlns:r="http://schemas.openxmlformats.org/officeDocument/2006/relationships" xmlns:p="http://schemas.openxmlformats.org/presentationml/2006/main">
   <p:cSld>
     <p:spTree>
@@ -20852,7 +22018,7 @@
 </p:sld>
 </file>
 
-<file path=ppt/slides/slide42.xml><?xml version="1.0" encoding="utf-8"?>
+<file path=ppt/slides/slide43.xml><?xml version="1.0" encoding="utf-8"?>
 <p:sld xmlns:a="http://schemas.openxmlformats.org/drawingml/2006/main" xmlns:r="http://schemas.openxmlformats.org/officeDocument/2006/relationships" xmlns:p="http://schemas.openxmlformats.org/presentationml/2006/main">
   <p:cSld>
     <p:spTree>
@@ -21281,7 +22447,7 @@
 </p:sld>
 </file>
 
-<file path=ppt/slides/slide43.xml><?xml version="1.0" encoding="utf-8"?>
+<file path=ppt/slides/slide44.xml><?xml version="1.0" encoding="utf-8"?>
 <p:sld xmlns:a="http://schemas.openxmlformats.org/drawingml/2006/main" xmlns:r="http://schemas.openxmlformats.org/officeDocument/2006/relationships" xmlns:p="http://schemas.openxmlformats.org/presentationml/2006/main">
   <p:cSld>
     <p:spTree>
@@ -21430,7 +22596,7 @@
 </p:sld>
 </file>
 
-<file path=ppt/slides/slide44.xml><?xml version="1.0" encoding="utf-8"?>
+<file path=ppt/slides/slide45.xml><?xml version="1.0" encoding="utf-8"?>
 <p:sld xmlns:a="http://schemas.openxmlformats.org/drawingml/2006/main" xmlns:r="http://schemas.openxmlformats.org/officeDocument/2006/relationships" xmlns:p="http://schemas.openxmlformats.org/presentationml/2006/main">
   <p:cSld>
     <p:spTree>
@@ -22208,7 +23374,7 @@
 </p:sld>
 </file>
 
-<file path=ppt/slides/slide45.xml><?xml version="1.0" encoding="utf-8"?>
+<file path=ppt/slides/slide46.xml><?xml version="1.0" encoding="utf-8"?>
 <p:sld xmlns:a="http://schemas.openxmlformats.org/drawingml/2006/main" xmlns:r="http://schemas.openxmlformats.org/officeDocument/2006/relationships" xmlns:p="http://schemas.openxmlformats.org/presentationml/2006/main">
   <p:cSld>
     <p:spTree>

--- a/Cassandra Ver1.pptx
+++ b/Cassandra Ver1.pptx
@@ -23676,7 +23676,7 @@
         <p:spPr>
           <a:xfrm>
             <a:off x="264540" y="1412776"/>
-            <a:ext cx="11675939" cy="2616101"/>
+            <a:ext cx="11675939" cy="2308324"/>
           </a:xfrm>
           <a:prstGeom prst="rect">
             <a:avLst/>
@@ -23703,8 +23703,8 @@
               <a:t>SELECT</a:t>
             </a:r>
             <a:r>
-              <a:rPr lang="en-IN" sz="2200" dirty="0">
-                <a:latin typeface="Palatino Linotype" panose="02040502050505030304" pitchFamily="18" charset="0"/>
+              <a:rPr lang="en-IN" dirty="0">
+                <a:latin typeface="Consolas" panose="020B0609020204030204" pitchFamily="49" charset="0"/>
               </a:rPr>
               <a:t> * </a:t>
             </a:r>
@@ -23718,19 +23718,28 @@
               <a:t>FROM</a:t>
             </a:r>
             <a:r>
-              <a:rPr lang="en-IN" sz="2200" dirty="0">
-                <a:latin typeface="Palatino Linotype" panose="02040502050505030304" pitchFamily="18" charset="0"/>
+              <a:rPr lang="en-IN" dirty="0">
+                <a:latin typeface="Consolas" panose="020B0609020204030204" pitchFamily="49" charset="0"/>
               </a:rPr>
               <a:t> emp; </a:t>
             </a:r>
             <a:r>
-              <a:rPr lang="en-IN" sz="2200" dirty="0">
-                <a:solidFill>
-                  <a:srgbClr val="92D050"/>
-                </a:solidFill>
-                <a:latin typeface="Palatino Linotype" panose="02040502050505030304" pitchFamily="18" charset="0"/>
-              </a:rPr>
-              <a:t>-- End of line comment</a:t>
+              <a:rPr lang="en-IN" b="1" dirty="0">
+                <a:solidFill>
+                  <a:srgbClr val="329909"/>
+                </a:solidFill>
+                <a:latin typeface="Consolas" panose="020B0609020204030204" pitchFamily="49" charset="0"/>
+              </a:rPr>
+              <a:t>--</a:t>
+            </a:r>
+            <a:r>
+              <a:rPr lang="en-IN" dirty="0">
+                <a:solidFill>
+                  <a:srgbClr val="329909"/>
+                </a:solidFill>
+                <a:latin typeface="Consolas" panose="020B0609020204030204" pitchFamily="49" charset="0"/>
+              </a:rPr>
+              <a:t> End of line comment</a:t>
             </a:r>
           </a:p>
           <a:p>
@@ -23738,8 +23747,8 @@
               <a:buFont typeface="Arial" panose="020B0604020202020204" pitchFamily="34" charset="0"/>
               <a:buChar char="•"/>
             </a:pPr>
-            <a:endParaRPr lang="en-IN" sz="800" dirty="0">
-              <a:latin typeface="Palatino Linotype" panose="02040502050505030304" pitchFamily="18" charset="0"/>
+            <a:endParaRPr lang="en-IN" dirty="0">
+              <a:latin typeface="Consolas" panose="020B0609020204030204" pitchFamily="49" charset="0"/>
             </a:endParaRPr>
           </a:p>
           <a:p>
@@ -23747,53 +23756,113 @@
               <a:buFont typeface="Arial" panose="020B0604020202020204" pitchFamily="34" charset="0"/>
               <a:buChar char="•"/>
             </a:pPr>
-            <a:endParaRPr lang="en-IN" sz="800" dirty="0">
-              <a:latin typeface="Palatino Linotype" panose="02040502050505030304" pitchFamily="18" charset="0"/>
-            </a:endParaRPr>
+            <a:r>
+              <a:rPr lang="en-IN" dirty="0">
+                <a:solidFill>
+                  <a:srgbClr val="0070C0"/>
+                </a:solidFill>
+                <a:latin typeface="Consolas" panose="020B0609020204030204" pitchFamily="49" charset="0"/>
+              </a:rPr>
+              <a:t>SELECT</a:t>
+            </a:r>
+            <a:r>
+              <a:rPr lang="en-IN" dirty="0">
+                <a:latin typeface="Consolas" panose="020B0609020204030204" pitchFamily="49" charset="0"/>
+              </a:rPr>
+              <a:t> * </a:t>
+            </a:r>
+            <a:r>
+              <a:rPr lang="en-IN" dirty="0">
+                <a:solidFill>
+                  <a:srgbClr val="0070C0"/>
+                </a:solidFill>
+                <a:latin typeface="Consolas" panose="020B0609020204030204" pitchFamily="49" charset="0"/>
+              </a:rPr>
+              <a:t>FROM</a:t>
+            </a:r>
+            <a:r>
+              <a:rPr lang="en-IN" dirty="0">
+                <a:latin typeface="Consolas" panose="020B0609020204030204" pitchFamily="49" charset="0"/>
+              </a:rPr>
+              <a:t> emp; </a:t>
+            </a:r>
+            <a:r>
+              <a:rPr lang="en-IN" b="1" dirty="0">
+                <a:solidFill>
+                  <a:srgbClr val="329909"/>
+                </a:solidFill>
+                <a:latin typeface="Consolas" panose="020B0609020204030204" pitchFamily="49" charset="0"/>
+              </a:rPr>
+              <a:t>//</a:t>
+            </a:r>
+            <a:r>
+              <a:rPr lang="en-IN" dirty="0">
+                <a:solidFill>
+                  <a:srgbClr val="329909"/>
+                </a:solidFill>
+                <a:latin typeface="Consolas" panose="020B0609020204030204" pitchFamily="49" charset="0"/>
+              </a:rPr>
+              <a:t> End of line comment</a:t>
+            </a:r>
           </a:p>
           <a:p>
             <a:pPr marL="285750" indent="-285750">
               <a:buFont typeface="Arial" panose="020B0604020202020204" pitchFamily="34" charset="0"/>
               <a:buChar char="•"/>
             </a:pPr>
+            <a:endParaRPr lang="en-IN" dirty="0">
+              <a:latin typeface="Consolas" panose="020B0609020204030204" pitchFamily="49" charset="0"/>
+            </a:endParaRPr>
+          </a:p>
+          <a:p>
+            <a:r>
+              <a:rPr lang="en-IN" b="1" dirty="0">
+                <a:solidFill>
+                  <a:srgbClr val="329909"/>
+                </a:solidFill>
+                <a:latin typeface="Consolas" panose="020B0609020204030204" pitchFamily="49" charset="0"/>
+              </a:rPr>
+              <a:t>/*</a:t>
+            </a:r>
             <a:r>
               <a:rPr lang="en-IN" dirty="0">
                 <a:solidFill>
-                  <a:srgbClr val="0070C0"/>
-                </a:solidFill>
-                <a:latin typeface="Consolas" panose="020B0609020204030204" pitchFamily="49" charset="0"/>
-              </a:rPr>
-              <a:t>SELECT</a:t>
-            </a:r>
-            <a:r>
-              <a:rPr lang="en-IN" sz="2200" dirty="0">
-                <a:latin typeface="Palatino Linotype" panose="02040502050505030304" pitchFamily="18" charset="0"/>
-              </a:rPr>
-              <a:t> * </a:t>
-            </a:r>
+                  <a:srgbClr val="329909"/>
+                </a:solidFill>
+                <a:latin typeface="Consolas" panose="020B0609020204030204" pitchFamily="49" charset="0"/>
+              </a:rPr>
+              <a:t> This is the first line of </a:t>
+            </a:r>
+          </a:p>
+          <a:p>
             <a:r>
               <a:rPr lang="en-IN" dirty="0">
                 <a:solidFill>
-                  <a:srgbClr val="0070C0"/>
-                </a:solidFill>
-                <a:latin typeface="Consolas" panose="020B0609020204030204" pitchFamily="49" charset="0"/>
-              </a:rPr>
-              <a:t>FROM</a:t>
-            </a:r>
-            <a:r>
-              <a:rPr lang="en-IN" sz="2200" dirty="0">
-                <a:latin typeface="Palatino Linotype" panose="02040502050505030304" pitchFamily="18" charset="0"/>
-              </a:rPr>
-              <a:t> emp; </a:t>
-            </a:r>
-            <a:r>
-              <a:rPr lang="en-IN" sz="2200" dirty="0">
-                <a:solidFill>
-                  <a:srgbClr val="92D050"/>
-                </a:solidFill>
-                <a:latin typeface="Palatino Linotype" panose="02040502050505030304" pitchFamily="18" charset="0"/>
-              </a:rPr>
-              <a:t>// End of line comment</a:t>
+                  <a:srgbClr val="329909"/>
+                </a:solidFill>
+                <a:latin typeface="Consolas" panose="020B0609020204030204" pitchFamily="49" charset="0"/>
+              </a:rPr>
+              <a:t>   of a comment that spans multiple</a:t>
+            </a:r>
+          </a:p>
+          <a:p>
+            <a:r>
+              <a:rPr lang="en-IN" dirty="0">
+                <a:solidFill>
+                  <a:srgbClr val="329909"/>
+                </a:solidFill>
+                <a:latin typeface="Consolas" panose="020B0609020204030204" pitchFamily="49" charset="0"/>
+              </a:rPr>
+              <a:t>   lines </a:t>
+            </a:r>
+            <a:r>
+              <a:rPr lang="en-IN" b="1" dirty="0">
+                <a:solidFill>
+                  <a:srgbClr val="329909"/>
+                </a:solidFill>
+                <a:latin typeface="Consolas" panose="020B0609020204030204" pitchFamily="49" charset="0"/>
+              </a:rPr>
+              <a:t>*/</a:t>
             </a:r>
           </a:p>
           <a:p>
@@ -23801,57 +23870,6 @@
               <a:buFont typeface="Arial" panose="020B0604020202020204" pitchFamily="34" charset="0"/>
               <a:buChar char="•"/>
             </a:pPr>
-            <a:endParaRPr lang="en-IN" sz="800" dirty="0">
-              <a:latin typeface="Palatino Linotype" panose="02040502050505030304" pitchFamily="18" charset="0"/>
-            </a:endParaRPr>
-          </a:p>
-          <a:p>
-            <a:pPr marL="285750" indent="-285750">
-              <a:buFont typeface="Arial" panose="020B0604020202020204" pitchFamily="34" charset="0"/>
-              <a:buChar char="•"/>
-            </a:pPr>
-            <a:endParaRPr lang="en-IN" sz="800" dirty="0">
-              <a:latin typeface="Palatino Linotype" panose="02040502050505030304" pitchFamily="18" charset="0"/>
-            </a:endParaRPr>
-          </a:p>
-          <a:p>
-            <a:r>
-              <a:rPr lang="en-IN" sz="2200" dirty="0">
-                <a:solidFill>
-                  <a:srgbClr val="92D050"/>
-                </a:solidFill>
-                <a:latin typeface="Palatino Linotype" panose="02040502050505030304" pitchFamily="18" charset="0"/>
-              </a:rPr>
-              <a:t>/* This is the first line of </a:t>
-            </a:r>
-          </a:p>
-          <a:p>
-            <a:r>
-              <a:rPr lang="en-IN" sz="2200" dirty="0">
-                <a:solidFill>
-                  <a:srgbClr val="92D050"/>
-                </a:solidFill>
-                <a:latin typeface="Palatino Linotype" panose="02040502050505030304" pitchFamily="18" charset="0"/>
-              </a:rPr>
-              <a:t>   of a comment that spans multiple</a:t>
-            </a:r>
-          </a:p>
-          <a:p>
-            <a:r>
-              <a:rPr lang="en-IN" sz="2200" dirty="0">
-                <a:solidFill>
-                  <a:srgbClr val="92D050"/>
-                </a:solidFill>
-                <a:latin typeface="Palatino Linotype" panose="02040502050505030304" pitchFamily="18" charset="0"/>
-              </a:rPr>
-              <a:t>  lines */</a:t>
-            </a:r>
-          </a:p>
-          <a:p>
-            <a:pPr marL="285750" indent="-285750">
-              <a:buFont typeface="Arial" panose="020B0604020202020204" pitchFamily="34" charset="0"/>
-              <a:buChar char="•"/>
-            </a:pPr>
             <a:r>
               <a:rPr lang="en-IN" dirty="0">
                 <a:solidFill>
@@ -23862,8 +23880,8 @@
               <a:t>SELECT</a:t>
             </a:r>
             <a:r>
-              <a:rPr lang="en-IN" sz="2200" dirty="0">
-                <a:latin typeface="Palatino Linotype" panose="02040502050505030304" pitchFamily="18" charset="0"/>
+              <a:rPr lang="en-IN" dirty="0">
+                <a:latin typeface="Consolas" panose="020B0609020204030204" pitchFamily="49" charset="0"/>
               </a:rPr>
               <a:t> * </a:t>
             </a:r>
@@ -23877,8 +23895,8 @@
               <a:t>FROM</a:t>
             </a:r>
             <a:r>
-              <a:rPr lang="en-IN" sz="2200" dirty="0">
-                <a:latin typeface="Palatino Linotype" panose="02040502050505030304" pitchFamily="18" charset="0"/>
+              <a:rPr lang="en-IN" dirty="0">
+                <a:latin typeface="Consolas" panose="020B0609020204030204" pitchFamily="49" charset="0"/>
               </a:rPr>
               <a:t> emp;</a:t>
             </a:r>

--- a/Cassandra Ver1.pptx
+++ b/Cassandra Ver1.pptx
@@ -5,7 +5,7 @@
     <p:sldMasterId id="2147483720" r:id="rId1"/>
   </p:sldMasterIdLst>
   <p:notesMasterIdLst>
-    <p:notesMasterId r:id="rId48"/>
+    <p:notesMasterId r:id="rId49"/>
   </p:notesMasterIdLst>
   <p:sldIdLst>
     <p:sldId id="256" r:id="rId2"/>
@@ -29,31 +29,32 @@
     <p:sldId id="1438" r:id="rId20"/>
     <p:sldId id="1443" r:id="rId21"/>
     <p:sldId id="1439" r:id="rId22"/>
-    <p:sldId id="1436" r:id="rId23"/>
-    <p:sldId id="1437" r:id="rId24"/>
-    <p:sldId id="1451" r:id="rId25"/>
-    <p:sldId id="1452" r:id="rId26"/>
-    <p:sldId id="1457" r:id="rId27"/>
-    <p:sldId id="1454" r:id="rId28"/>
-    <p:sldId id="1456" r:id="rId29"/>
-    <p:sldId id="1455" r:id="rId30"/>
-    <p:sldId id="1458" r:id="rId31"/>
-    <p:sldId id="947" r:id="rId32"/>
-    <p:sldId id="1446" r:id="rId33"/>
-    <p:sldId id="1444" r:id="rId34"/>
-    <p:sldId id="1445" r:id="rId35"/>
-    <p:sldId id="1450" r:id="rId36"/>
-    <p:sldId id="1430" r:id="rId37"/>
-    <p:sldId id="1431" r:id="rId38"/>
-    <p:sldId id="1432" r:id="rId39"/>
-    <p:sldId id="1433" r:id="rId40"/>
-    <p:sldId id="1442" r:id="rId41"/>
-    <p:sldId id="1447" r:id="rId42"/>
-    <p:sldId id="1448" r:id="rId43"/>
-    <p:sldId id="1449" r:id="rId44"/>
-    <p:sldId id="1424" r:id="rId45"/>
-    <p:sldId id="1421" r:id="rId46"/>
-    <p:sldId id="350" r:id="rId47"/>
+    <p:sldId id="1459" r:id="rId23"/>
+    <p:sldId id="1436" r:id="rId24"/>
+    <p:sldId id="1437" r:id="rId25"/>
+    <p:sldId id="1451" r:id="rId26"/>
+    <p:sldId id="1452" r:id="rId27"/>
+    <p:sldId id="1457" r:id="rId28"/>
+    <p:sldId id="1454" r:id="rId29"/>
+    <p:sldId id="1456" r:id="rId30"/>
+    <p:sldId id="1455" r:id="rId31"/>
+    <p:sldId id="1458" r:id="rId32"/>
+    <p:sldId id="947" r:id="rId33"/>
+    <p:sldId id="1446" r:id="rId34"/>
+    <p:sldId id="1444" r:id="rId35"/>
+    <p:sldId id="1445" r:id="rId36"/>
+    <p:sldId id="1450" r:id="rId37"/>
+    <p:sldId id="1430" r:id="rId38"/>
+    <p:sldId id="1431" r:id="rId39"/>
+    <p:sldId id="1432" r:id="rId40"/>
+    <p:sldId id="1433" r:id="rId41"/>
+    <p:sldId id="1442" r:id="rId42"/>
+    <p:sldId id="1447" r:id="rId43"/>
+    <p:sldId id="1448" r:id="rId44"/>
+    <p:sldId id="1449" r:id="rId45"/>
+    <p:sldId id="1424" r:id="rId46"/>
+    <p:sldId id="1421" r:id="rId47"/>
+    <p:sldId id="350" r:id="rId48"/>
   </p:sldIdLst>
   <p:sldSz cx="12192000" cy="6858000"/>
   <p:notesSz cx="6858000" cy="9144000"/>
@@ -11052,6 +11053,364 @@
         <p:spPr>
           <a:xfrm>
             <a:off x="246600" y="762120"/>
+            <a:ext cx="11687400" cy="644877"/>
+          </a:xfrm>
+          <a:prstGeom prst="rect">
+            <a:avLst/>
+          </a:prstGeom>
+          <a:noFill/>
+          <a:ln>
+            <a:noFill/>
+          </a:ln>
+        </p:spPr>
+        <p:style>
+          <a:lnRef idx="0">
+            <a:scrgbClr r="0" g="0" b="0"/>
+          </a:lnRef>
+          <a:fillRef idx="0">
+            <a:scrgbClr r="0" g="0" b="0"/>
+          </a:fillRef>
+          <a:effectRef idx="0">
+            <a:scrgbClr r="0" g="0" b="0"/>
+          </a:effectRef>
+          <a:fontRef idx="minor"/>
+        </p:style>
+        <p:txBody>
+          <a:bodyPr lIns="90000" tIns="45000" rIns="90000" bIns="45000">
+            <a:spAutoFit/>
+          </a:bodyPr>
+          <a:lstStyle/>
+          <a:p>
+            <a:pPr algn="just"/>
+            <a:r>
+              <a:rPr lang="en-US" spc="-1" dirty="0">
+                <a:latin typeface="Arial"/>
+              </a:rPr>
+              <a:t>TTL: specifies an optional Time To Live (in seconds) for the inserted values. If set, the inserted values are automatically removed from the database after the specified time..</a:t>
+            </a:r>
+          </a:p>
+        </p:txBody>
+      </p:sp>
+      <p:sp>
+        <p:nvSpPr>
+          <p:cNvPr id="114" name="CustomShape 4"/>
+          <p:cNvSpPr/>
+          <p:nvPr/>
+        </p:nvSpPr>
+        <p:spPr>
+          <a:xfrm>
+            <a:off x="246600" y="0"/>
+            <a:ext cx="11687400" cy="706432"/>
+          </a:xfrm>
+          <a:prstGeom prst="rect">
+            <a:avLst/>
+          </a:prstGeom>
+          <a:solidFill>
+            <a:srgbClr val="C00000"/>
+          </a:solidFill>
+          <a:ln>
+            <a:noFill/>
+          </a:ln>
+        </p:spPr>
+        <p:style>
+          <a:lnRef idx="0">
+            <a:scrgbClr r="0" g="0" b="0"/>
+          </a:lnRef>
+          <a:fillRef idx="0">
+            <a:scrgbClr r="0" g="0" b="0"/>
+          </a:fillRef>
+          <a:effectRef idx="0">
+            <a:scrgbClr r="0" g="0" b="0"/>
+          </a:effectRef>
+          <a:fontRef idx="minor"/>
+        </p:style>
+        <p:txBody>
+          <a:bodyPr lIns="90000" tIns="45000" rIns="90000" bIns="45000">
+            <a:spAutoFit/>
+          </a:bodyPr>
+          <a:lstStyle/>
+          <a:p>
+            <a:pPr algn="ctr">
+              <a:lnSpc>
+                <a:spcPct val="100000"/>
+              </a:lnSpc>
+            </a:pPr>
+            <a:r>
+              <a:rPr lang="en-IN" sz="4000" spc="-1">
+                <a:solidFill>
+                  <a:srgbClr val="F7C120"/>
+                </a:solidFill>
+                <a:latin typeface="Open Sans"/>
+                <a:ea typeface="DejaVu Sans"/>
+              </a:rPr>
+              <a:t>TTL()</a:t>
+            </a:r>
+            <a:endParaRPr lang="en-IN" sz="4000" b="0" strike="noStrike" spc="-1" dirty="0">
+              <a:latin typeface="Arial"/>
+            </a:endParaRPr>
+          </a:p>
+        </p:txBody>
+      </p:sp>
+      <p:sp>
+        <p:nvSpPr>
+          <p:cNvPr id="115" name="Line 5"/>
+          <p:cNvSpPr/>
+          <p:nvPr/>
+        </p:nvSpPr>
+        <p:spPr>
+          <a:xfrm>
+            <a:off x="0" y="1536120"/>
+            <a:ext cx="12191760" cy="0"/>
+          </a:xfrm>
+          <a:prstGeom prst="line">
+            <a:avLst/>
+          </a:prstGeom>
+          <a:ln w="12600">
+            <a:solidFill>
+              <a:srgbClr val="6E78A0"/>
+            </a:solidFill>
+            <a:prstDash val="dash"/>
+            <a:round/>
+          </a:ln>
+        </p:spPr>
+        <p:style>
+          <a:lnRef idx="1">
+            <a:schemeClr val="accent1"/>
+          </a:lnRef>
+          <a:fillRef idx="0">
+            <a:schemeClr val="accent1"/>
+          </a:fillRef>
+          <a:effectRef idx="0">
+            <a:schemeClr val="accent1"/>
+          </a:effectRef>
+          <a:fontRef idx="minor"/>
+        </p:style>
+      </p:sp>
+      <p:sp>
+        <p:nvSpPr>
+          <p:cNvPr id="10" name="Rectangle 9">
+            <a:extLst>
+              <a:ext uri="{FF2B5EF4-FFF2-40B4-BE49-F238E27FC236}">
+                <a16:creationId xmlns:a16="http://schemas.microsoft.com/office/drawing/2014/main" id="{729913FB-1ACE-4519-A75B-29E56B5C2F95}"/>
+              </a:ext>
+            </a:extLst>
+          </p:cNvPr>
+          <p:cNvSpPr/>
+          <p:nvPr/>
+        </p:nvSpPr>
+        <p:spPr>
+          <a:xfrm>
+            <a:off x="262558" y="5766355"/>
+            <a:ext cx="11594082" cy="830997"/>
+          </a:xfrm>
+          <a:prstGeom prst="rect">
+            <a:avLst/>
+          </a:prstGeom>
+        </p:spPr>
+        <p:txBody>
+          <a:bodyPr wrap="square">
+            <a:spAutoFit/>
+          </a:bodyPr>
+          <a:lstStyle/>
+          <a:p>
+            <a:r>
+              <a:rPr lang="en-IN" sz="2200" dirty="0">
+                <a:solidFill>
+                  <a:srgbClr val="FF0000"/>
+                </a:solidFill>
+                <a:latin typeface="Arial" panose="020B0604020202020204" pitchFamily="34" charset="0"/>
+                <a:cs typeface="Arial" panose="020B0604020202020204" pitchFamily="34" charset="0"/>
+              </a:rPr>
+              <a:t>Remember:</a:t>
+            </a:r>
+          </a:p>
+          <a:p>
+            <a:endParaRPr lang="en-IN" sz="800" dirty="0">
+              <a:solidFill>
+                <a:schemeClr val="tx1">
+                  <a:lumMod val="95000"/>
+                  <a:lumOff val="5000"/>
+                </a:schemeClr>
+              </a:solidFill>
+              <a:latin typeface="Palatino Linotype" panose="02040502050505030304" pitchFamily="18" charset="0"/>
+              <a:cs typeface="Arial" panose="020B0604020202020204" pitchFamily="34" charset="0"/>
+            </a:endParaRPr>
+          </a:p>
+          <a:p>
+            <a:pPr marL="285750" indent="-285750">
+              <a:buFont typeface="Arial" panose="020B0604020202020204" pitchFamily="34" charset="0"/>
+              <a:buChar char="•"/>
+            </a:pPr>
+            <a:r>
+              <a:rPr lang="en-IN" dirty="0">
+                <a:solidFill>
+                  <a:schemeClr val="tx1">
+                    <a:lumMod val="95000"/>
+                    <a:lumOff val="5000"/>
+                  </a:schemeClr>
+                </a:solidFill>
+                <a:latin typeface="Palatino Linotype" panose="02040502050505030304" pitchFamily="18" charset="0"/>
+                <a:cs typeface="Arial" panose="020B0604020202020204" pitchFamily="34" charset="0"/>
+              </a:rPr>
+              <a:t>Cannot use selection function ttl on PRIMARY KEY</a:t>
+            </a:r>
+            <a:endParaRPr lang="en-IN" dirty="0">
+              <a:solidFill>
+                <a:schemeClr val="tx1">
+                  <a:lumMod val="95000"/>
+                  <a:lumOff val="5000"/>
+                </a:schemeClr>
+              </a:solidFill>
+              <a:latin typeface="Liberation Mono"/>
+              <a:cs typeface="Arial" panose="020B0604020202020204" pitchFamily="34" charset="0"/>
+            </a:endParaRPr>
+          </a:p>
+        </p:txBody>
+      </p:sp>
+      <p:sp>
+        <p:nvSpPr>
+          <p:cNvPr id="13" name="TextBox 12">
+            <a:extLst>
+              <a:ext uri="{FF2B5EF4-FFF2-40B4-BE49-F238E27FC236}">
+                <a16:creationId xmlns:a16="http://schemas.microsoft.com/office/drawing/2014/main" id="{5268ED1A-55E3-4E2E-B7B5-A7C83D7714B1}"/>
+              </a:ext>
+            </a:extLst>
+          </p:cNvPr>
+          <p:cNvSpPr txBox="1"/>
+          <p:nvPr/>
+        </p:nvSpPr>
+        <p:spPr>
+          <a:xfrm>
+            <a:off x="215542" y="1921676"/>
+            <a:ext cx="11826064" cy="369332"/>
+          </a:xfrm>
+          <a:prstGeom prst="rect">
+            <a:avLst/>
+          </a:prstGeom>
+          <a:noFill/>
+        </p:spPr>
+        <p:txBody>
+          <a:bodyPr wrap="square">
+            <a:spAutoFit/>
+          </a:bodyPr>
+          <a:lstStyle/>
+          <a:p>
+            <a:pPr marL="285750" indent="-285750">
+              <a:buFont typeface="Arial" panose="020B0604020202020204" pitchFamily="34" charset="0"/>
+              <a:buChar char="•"/>
+            </a:pPr>
+            <a:r>
+              <a:rPr lang="en-IN" spc="-1" dirty="0">
+                <a:solidFill>
+                  <a:schemeClr val="bg1">
+                    <a:lumMod val="50000"/>
+                  </a:schemeClr>
+                </a:solidFill>
+                <a:latin typeface="Consolas" panose="020B0609020204030204" pitchFamily="49" charset="0"/>
+                <a:ea typeface="SimSun"/>
+              </a:rPr>
+              <a:t>cqlsh:db1&gt; </a:t>
+            </a:r>
+            <a:r>
+              <a:rPr lang="en-IN" dirty="0">
+                <a:solidFill>
+                  <a:srgbClr val="0070C0"/>
+                </a:solidFill>
+                <a:latin typeface="Consolas" panose="020B0609020204030204" pitchFamily="49" charset="0"/>
+              </a:rPr>
+              <a:t>SELECT</a:t>
+            </a:r>
+            <a:r>
+              <a:rPr lang="en-IN" dirty="0">
+                <a:latin typeface="Consolas" panose="020B0609020204030204" pitchFamily="49" charset="0"/>
+              </a:rPr>
+              <a:t> TTL</a:t>
+            </a:r>
+            <a:r>
+              <a:rPr lang="en-IN" dirty="0">
+                <a:solidFill>
+                  <a:schemeClr val="bg1">
+                    <a:lumMod val="50000"/>
+                  </a:schemeClr>
+                </a:solidFill>
+                <a:latin typeface="Consolas" panose="020B0609020204030204" pitchFamily="49" charset="0"/>
+              </a:rPr>
+              <a:t>(</a:t>
+            </a:r>
+            <a:r>
+              <a:rPr lang="en-IN" dirty="0">
+                <a:latin typeface="Consolas" panose="020B0609020204030204" pitchFamily="49" charset="0"/>
+              </a:rPr>
+              <a:t>dname</a:t>
+            </a:r>
+            <a:r>
+              <a:rPr lang="en-IN" dirty="0">
+                <a:solidFill>
+                  <a:schemeClr val="bg1">
+                    <a:lumMod val="50000"/>
+                  </a:schemeClr>
+                </a:solidFill>
+                <a:latin typeface="Consolas" panose="020B0609020204030204" pitchFamily="49" charset="0"/>
+              </a:rPr>
+              <a:t>)</a:t>
+            </a:r>
+            <a:r>
+              <a:rPr lang="en-IN" dirty="0">
+                <a:solidFill>
+                  <a:srgbClr val="0070C0"/>
+                </a:solidFill>
+                <a:latin typeface="Consolas" panose="020B0609020204030204" pitchFamily="49" charset="0"/>
+              </a:rPr>
+              <a:t> FROM</a:t>
+            </a:r>
+            <a:r>
+              <a:rPr lang="en-IN" dirty="0">
+                <a:latin typeface="Consolas" panose="020B0609020204030204" pitchFamily="49" charset="0"/>
+              </a:rPr>
+              <a:t> dept;</a:t>
+            </a:r>
+          </a:p>
+        </p:txBody>
+      </p:sp>
+    </p:spTree>
+    <p:extLst>
+      <p:ext uri="{BB962C8B-B14F-4D97-AF65-F5344CB8AC3E}">
+        <p14:creationId xmlns:p14="http://schemas.microsoft.com/office/powerpoint/2010/main" val="3983633596"/>
+      </p:ext>
+    </p:extLst>
+  </p:cSld>
+  <p:clrMapOvr>
+    <a:masterClrMapping/>
+  </p:clrMapOvr>
+</p:sld>
+</file>
+
+<file path=ppt/slides/slide23.xml><?xml version="1.0" encoding="utf-8"?>
+<p:sld xmlns:a="http://schemas.openxmlformats.org/drawingml/2006/main" xmlns:r="http://schemas.openxmlformats.org/officeDocument/2006/relationships" xmlns:p="http://schemas.openxmlformats.org/presentationml/2006/main">
+  <p:cSld>
+    <p:spTree>
+      <p:nvGrpSpPr>
+        <p:cNvPr id="1" name=""/>
+        <p:cNvGrpSpPr/>
+        <p:nvPr/>
+      </p:nvGrpSpPr>
+      <p:grpSpPr>
+        <a:xfrm>
+          <a:off x="0" y="0"/>
+          <a:ext cx="0" cy="0"/>
+          <a:chOff x="0" y="0"/>
+          <a:chExt cx="0" cy="0"/>
+        </a:xfrm>
+      </p:grpSpPr>
+      <p:sp>
+        <p:nvSpPr>
+          <p:cNvPr id="111" name="CustomShape 1"/>
+          <p:cNvSpPr/>
+          <p:nvPr/>
+        </p:nvSpPr>
+        <p:spPr>
+          <a:xfrm>
+            <a:off x="246600" y="762120"/>
             <a:ext cx="11687400" cy="367878"/>
           </a:xfrm>
           <a:prstGeom prst="rect">
@@ -11539,7 +11898,7 @@
 </p:sld>
 </file>
 
-<file path=ppt/slides/slide23.xml><?xml version="1.0" encoding="utf-8"?>
+<file path=ppt/slides/slide24.xml><?xml version="1.0" encoding="utf-8"?>
 <p:sld xmlns:a="http://schemas.openxmlformats.org/drawingml/2006/main" xmlns:r="http://schemas.openxmlformats.org/officeDocument/2006/relationships" xmlns:p="http://schemas.openxmlformats.org/presentationml/2006/main">
   <p:cSld>
     <p:spTree>
@@ -11829,7 +12188,7 @@
 </p:sld>
 </file>
 
-<file path=ppt/slides/slide24.xml><?xml version="1.0" encoding="utf-8"?>
+<file path=ppt/slides/slide25.xml><?xml version="1.0" encoding="utf-8"?>
 <p:sld xmlns:a="http://schemas.openxmlformats.org/drawingml/2006/main" xmlns:r="http://schemas.openxmlformats.org/officeDocument/2006/relationships" xmlns:p="http://schemas.openxmlformats.org/presentationml/2006/main">
   <p:cSld>
     <p:spTree>
@@ -12213,7 +12572,7 @@
 </p:sld>
 </file>
 
-<file path=ppt/slides/slide25.xml><?xml version="1.0" encoding="utf-8"?>
+<file path=ppt/slides/slide26.xml><?xml version="1.0" encoding="utf-8"?>
 <p:sld xmlns:a="http://schemas.openxmlformats.org/drawingml/2006/main" xmlns:r="http://schemas.openxmlformats.org/officeDocument/2006/relationships" xmlns:p="http://schemas.openxmlformats.org/presentationml/2006/main">
   <p:cSld>
     <p:spTree>
@@ -13109,7 +13468,7 @@
 </p:sld>
 </file>
 
-<file path=ppt/slides/slide26.xml><?xml version="1.0" encoding="utf-8"?>
+<file path=ppt/slides/slide27.xml><?xml version="1.0" encoding="utf-8"?>
 <p:sld xmlns:a="http://schemas.openxmlformats.org/drawingml/2006/main" xmlns:r="http://schemas.openxmlformats.org/officeDocument/2006/relationships" xmlns:p="http://schemas.openxmlformats.org/presentationml/2006/main">
   <p:cSld>
     <p:spTree>
@@ -13988,7 +14347,7 @@
 </p:sld>
 </file>
 
-<file path=ppt/slides/slide27.xml><?xml version="1.0" encoding="utf-8"?>
+<file path=ppt/slides/slide28.xml><?xml version="1.0" encoding="utf-8"?>
 <p:sld xmlns:a="http://schemas.openxmlformats.org/drawingml/2006/main" xmlns:r="http://schemas.openxmlformats.org/officeDocument/2006/relationships" xmlns:p="http://schemas.openxmlformats.org/presentationml/2006/main">
   <p:cSld>
     <p:spTree>
@@ -14862,7 +15221,7 @@
 </p:sld>
 </file>
 
-<file path=ppt/slides/slide28.xml><?xml version="1.0" encoding="utf-8"?>
+<file path=ppt/slides/slide29.xml><?xml version="1.0" encoding="utf-8"?>
 <p:sld xmlns:a="http://schemas.openxmlformats.org/drawingml/2006/main" xmlns:r="http://schemas.openxmlformats.org/officeDocument/2006/relationships" xmlns:p="http://schemas.openxmlformats.org/presentationml/2006/main">
   <p:cSld>
     <p:spTree>
@@ -15414,7 +15773,7 @@
         <p:spPr>
           <a:xfrm>
             <a:off x="246600" y="2700000"/>
-            <a:ext cx="11687400" cy="767987"/>
+            <a:ext cx="11687400" cy="1168097"/>
           </a:xfrm>
           <a:prstGeom prst="rect">
             <a:avLst/>
@@ -15701,7 +16060,150 @@
               </a:rPr>
               <a:t> id = 1;</a:t>
             </a:r>
+          </a:p>
+          <a:p>
+            <a:pPr marL="309510" indent="-285750">
+              <a:buClr>
+                <a:srgbClr val="808080"/>
+              </a:buClr>
+              <a:buFont typeface="Arial" panose="020B0604020202020204" pitchFamily="34" charset="0"/>
+              <a:buChar char="•"/>
+            </a:pPr>
+            <a:endParaRPr lang="en-US" sz="800" spc="-1" dirty="0">
+              <a:latin typeface="Consolas" panose="020B0609020204030204" pitchFamily="49" charset="0"/>
+              <a:ea typeface="SimSun"/>
+            </a:endParaRPr>
+          </a:p>
+          <a:p>
+            <a:pPr marL="309510" indent="-285750">
+              <a:buClr>
+                <a:srgbClr val="808080"/>
+              </a:buClr>
+              <a:buFont typeface="Arial" panose="020B0604020202020204" pitchFamily="34" charset="0"/>
+              <a:buChar char="•"/>
+            </a:pPr>
+            <a:r>
+              <a:rPr lang="en-IN" sz="1800" b="0" strike="noStrike" spc="-1" dirty="0">
+                <a:solidFill>
+                  <a:schemeClr val="bg1">
+                    <a:lumMod val="50000"/>
+                  </a:schemeClr>
+                </a:solidFill>
+                <a:latin typeface="Consolas" panose="020B0609020204030204" pitchFamily="49" charset="0"/>
+                <a:ea typeface="SimSun"/>
+              </a:rPr>
+              <a:t>cqlsh:db1&gt; </a:t>
+            </a:r>
+            <a:r>
+              <a:rPr lang="en-US" dirty="0">
+                <a:solidFill>
+                  <a:srgbClr val="0070C0"/>
+                </a:solidFill>
+                <a:latin typeface="Consolas" panose="020B0609020204030204" pitchFamily="49" charset="0"/>
+              </a:rPr>
+              <a:t>UPDATE</a:t>
+            </a:r>
+            <a:r>
+              <a:rPr lang="en-US" sz="1800" b="0" strike="noStrike" spc="-1" dirty="0">
+                <a:latin typeface="Consolas" panose="020B0609020204030204" pitchFamily="49" charset="0"/>
+                <a:ea typeface="SimSun"/>
+              </a:rPr>
+              <a:t> books </a:t>
+            </a:r>
+            <a:r>
+              <a:rPr lang="en-US" dirty="0">
+                <a:solidFill>
+                  <a:srgbClr val="0070C0"/>
+                </a:solidFill>
+                <a:latin typeface="Consolas" panose="020B0609020204030204" pitchFamily="49" charset="0"/>
+              </a:rPr>
+              <a:t>SET</a:t>
+            </a:r>
+            <a:r>
+              <a:rPr lang="en-US" sz="1800" b="0" strike="noStrike" spc="-1" dirty="0">
+                <a:latin typeface="Consolas" panose="020B0609020204030204" pitchFamily="49" charset="0"/>
+                <a:ea typeface="SimSun"/>
+              </a:rPr>
+              <a:t> author = </a:t>
+            </a:r>
+            <a:r>
+              <a:rPr lang="en-US" spc="-1" dirty="0">
+                <a:solidFill>
+                  <a:schemeClr val="bg1">
+                    <a:lumMod val="50000"/>
+                  </a:schemeClr>
+                </a:solidFill>
+                <a:latin typeface="Consolas" panose="020B0609020204030204" pitchFamily="49" charset="0"/>
+                <a:ea typeface="SimSun"/>
+              </a:rPr>
+              <a:t>{</a:t>
+            </a:r>
+            <a:r>
+              <a:rPr lang="en-US" sz="1800" b="0" strike="noStrike" spc="-1" dirty="0">
+                <a:latin typeface="Consolas" panose="020B0609020204030204" pitchFamily="49" charset="0"/>
+                <a:ea typeface="SimSun"/>
+              </a:rPr>
+              <a:t>''</a:t>
+            </a:r>
+            <a:r>
+              <a:rPr lang="en-US" spc="-1" dirty="0">
+                <a:solidFill>
+                  <a:schemeClr val="bg1">
+                    <a:lumMod val="50000"/>
+                  </a:schemeClr>
+                </a:solidFill>
+                <a:latin typeface="Consolas" panose="020B0609020204030204" pitchFamily="49" charset="0"/>
+                <a:ea typeface="SimSun"/>
+              </a:rPr>
+              <a:t>}</a:t>
+            </a:r>
+            <a:r>
+              <a:rPr lang="en-US" sz="1800" b="0" strike="noStrike" spc="-1" dirty="0">
+                <a:latin typeface="Consolas" panose="020B0609020204030204" pitchFamily="49" charset="0"/>
+                <a:ea typeface="SimSun"/>
+              </a:rPr>
+              <a:t> </a:t>
+            </a:r>
+            <a:r>
+              <a:rPr lang="en-US" dirty="0">
+                <a:solidFill>
+                  <a:srgbClr val="0070C0"/>
+                </a:solidFill>
+                <a:latin typeface="Consolas" panose="020B0609020204030204" pitchFamily="49" charset="0"/>
+              </a:rPr>
+              <a:t>WHERE</a:t>
+            </a:r>
+            <a:r>
+              <a:rPr lang="en-US" sz="1800" b="0" strike="noStrike" spc="-1" dirty="0">
+                <a:latin typeface="Consolas" panose="020B0609020204030204" pitchFamily="49" charset="0"/>
+                <a:ea typeface="SimSun"/>
+              </a:rPr>
+              <a:t> id = 1; </a:t>
+            </a:r>
+            <a:r>
+              <a:rPr lang="en-US" sz="1800" b="0" strike="noStrike" spc="-1" dirty="0">
+                <a:solidFill>
+                  <a:srgbClr val="329909"/>
+                </a:solidFill>
+                <a:latin typeface="Consolas" panose="020B0609020204030204" pitchFamily="49" charset="0"/>
+                <a:ea typeface="SimSun"/>
+              </a:rPr>
+              <a:t>// </a:t>
+            </a:r>
+            <a:r>
+              <a:rPr lang="en-IN" b="0" i="0" dirty="0">
+                <a:solidFill>
+                  <a:srgbClr val="329909"/>
+                </a:solidFill>
+                <a:effectLst/>
+                <a:latin typeface="Consolas" panose="020B0609020204030204" pitchFamily="49" charset="0"/>
+              </a:rPr>
+              <a:t>remove all elements</a:t>
+            </a:r>
             <a:endParaRPr lang="en-IN" spc="-1" dirty="0">
+              <a:solidFill>
+                <a:srgbClr val="329909"/>
+              </a:solidFill>
               <a:latin typeface="Consolas" panose="020B0609020204030204" pitchFamily="49" charset="0"/>
               <a:ea typeface="SimSun"/>
             </a:endParaRPr>
@@ -15721,7 +16223,152 @@
 </p:sld>
 </file>
 
-<file path=ppt/slides/slide29.xml><?xml version="1.0" encoding="utf-8"?>
+<file path=ppt/slides/slide3.xml><?xml version="1.0" encoding="utf-8"?>
+<p:sld xmlns:a="http://schemas.openxmlformats.org/drawingml/2006/main" xmlns:r="http://schemas.openxmlformats.org/officeDocument/2006/relationships" xmlns:p="http://schemas.openxmlformats.org/presentationml/2006/main">
+  <p:cSld>
+    <p:spTree>
+      <p:nvGrpSpPr>
+        <p:cNvPr id="1" name=""/>
+        <p:cNvGrpSpPr/>
+        <p:nvPr/>
+      </p:nvGrpSpPr>
+      <p:grpSpPr>
+        <a:xfrm>
+          <a:off x="0" y="0"/>
+          <a:ext cx="0" cy="0"/>
+          <a:chOff x="0" y="0"/>
+          <a:chExt cx="0" cy="0"/>
+        </a:xfrm>
+      </p:grpSpPr>
+      <p:sp>
+        <p:nvSpPr>
+          <p:cNvPr id="96" name="CustomShape 1"/>
+          <p:cNvSpPr/>
+          <p:nvPr/>
+        </p:nvSpPr>
+        <p:spPr>
+          <a:xfrm>
+            <a:off x="1676520" y="2362320"/>
+            <a:ext cx="8815320" cy="1752872"/>
+          </a:xfrm>
+          <a:prstGeom prst="rect">
+            <a:avLst/>
+          </a:prstGeom>
+          <a:noFill/>
+          <a:ln>
+            <a:noFill/>
+          </a:ln>
+        </p:spPr>
+        <p:style>
+          <a:lnRef idx="0">
+            <a:scrgbClr r="0" g="0" b="0"/>
+          </a:lnRef>
+          <a:fillRef idx="0">
+            <a:scrgbClr r="0" g="0" b="0"/>
+          </a:fillRef>
+          <a:effectRef idx="0">
+            <a:scrgbClr r="0" g="0" b="0"/>
+          </a:effectRef>
+          <a:fontRef idx="minor"/>
+        </p:style>
+        <p:txBody>
+          <a:bodyPr lIns="90000" tIns="45000" rIns="90000" bIns="45000">
+            <a:spAutoFit/>
+          </a:bodyPr>
+          <a:lstStyle/>
+          <a:p>
+            <a:pPr algn="ctr"/>
+            <a:r>
+              <a:rPr lang="en-IN" sz="5400" i="1" spc="-1" dirty="0">
+                <a:solidFill>
+                  <a:srgbClr val="F7C120"/>
+                </a:solidFill>
+                <a:latin typeface="Century"/>
+              </a:rPr>
+              <a:t>cqlsh</a:t>
+            </a:r>
+          </a:p>
+          <a:p>
+            <a:pPr algn="ctr">
+              <a:lnSpc>
+                <a:spcPct val="100000"/>
+              </a:lnSpc>
+            </a:pPr>
+            <a:endParaRPr lang="en-IN" sz="5400" b="0" strike="noStrike" spc="-1" dirty="0">
+              <a:latin typeface="Arial"/>
+            </a:endParaRPr>
+          </a:p>
+        </p:txBody>
+      </p:sp>
+      <p:sp>
+        <p:nvSpPr>
+          <p:cNvPr id="97" name="CustomShape 2"/>
+          <p:cNvSpPr/>
+          <p:nvPr/>
+        </p:nvSpPr>
+        <p:spPr>
+          <a:xfrm>
+            <a:off x="522360" y="3531600"/>
+            <a:ext cx="11124360" cy="644877"/>
+          </a:xfrm>
+          <a:prstGeom prst="rect">
+            <a:avLst/>
+          </a:prstGeom>
+          <a:noFill/>
+          <a:ln>
+            <a:noFill/>
+          </a:ln>
+        </p:spPr>
+        <p:style>
+          <a:lnRef idx="0">
+            <a:scrgbClr r="0" g="0" b="0"/>
+          </a:lnRef>
+          <a:fillRef idx="0">
+            <a:scrgbClr r="0" g="0" b="0"/>
+          </a:fillRef>
+          <a:effectRef idx="0">
+            <a:scrgbClr r="0" g="0" b="0"/>
+          </a:effectRef>
+          <a:fontRef idx="minor"/>
+        </p:style>
+        <p:txBody>
+          <a:bodyPr lIns="90000" tIns="45000" rIns="90000" bIns="45000">
+            <a:spAutoFit/>
+          </a:bodyPr>
+          <a:lstStyle/>
+          <a:p>
+            <a:pPr algn="just">
+              <a:lnSpc>
+                <a:spcPct val="100000"/>
+              </a:lnSpc>
+            </a:pPr>
+            <a:r>
+              <a:rPr lang="en-US" spc="-1" dirty="0">
+                <a:solidFill>
+                  <a:srgbClr val="BB0643"/>
+                </a:solidFill>
+                <a:latin typeface="Segoe UI"/>
+              </a:rPr>
+              <a:t>Cassandra Query Language Shell (CQLSH) is basically a communication medium between Cassandra and the user.</a:t>
+            </a:r>
+            <a:endParaRPr lang="en-IN" spc="-1" dirty="0">
+              <a:solidFill>
+                <a:srgbClr val="BB0643"/>
+              </a:solidFill>
+              <a:latin typeface="Segoe UI"/>
+            </a:endParaRPr>
+          </a:p>
+        </p:txBody>
+      </p:sp>
+    </p:spTree>
+  </p:cSld>
+  <p:clrMapOvr>
+    <a:masterClrMapping/>
+  </p:clrMapOvr>
+</p:sld>
+</file>
+
+<file path=ppt/slides/slide30.xml><?xml version="1.0" encoding="utf-8"?>
 <p:sld xmlns:a="http://schemas.openxmlformats.org/drawingml/2006/main" xmlns:r="http://schemas.openxmlformats.org/officeDocument/2006/relationships" xmlns:p="http://schemas.openxmlformats.org/presentationml/2006/main">
   <p:cSld>
     <p:spTree>
@@ -16680,152 +17327,7 @@
 </p:sld>
 </file>
 
-<file path=ppt/slides/slide3.xml><?xml version="1.0" encoding="utf-8"?>
-<p:sld xmlns:a="http://schemas.openxmlformats.org/drawingml/2006/main" xmlns:r="http://schemas.openxmlformats.org/officeDocument/2006/relationships" xmlns:p="http://schemas.openxmlformats.org/presentationml/2006/main">
-  <p:cSld>
-    <p:spTree>
-      <p:nvGrpSpPr>
-        <p:cNvPr id="1" name=""/>
-        <p:cNvGrpSpPr/>
-        <p:nvPr/>
-      </p:nvGrpSpPr>
-      <p:grpSpPr>
-        <a:xfrm>
-          <a:off x="0" y="0"/>
-          <a:ext cx="0" cy="0"/>
-          <a:chOff x="0" y="0"/>
-          <a:chExt cx="0" cy="0"/>
-        </a:xfrm>
-      </p:grpSpPr>
-      <p:sp>
-        <p:nvSpPr>
-          <p:cNvPr id="96" name="CustomShape 1"/>
-          <p:cNvSpPr/>
-          <p:nvPr/>
-        </p:nvSpPr>
-        <p:spPr>
-          <a:xfrm>
-            <a:off x="1676520" y="2362320"/>
-            <a:ext cx="8815320" cy="1752872"/>
-          </a:xfrm>
-          <a:prstGeom prst="rect">
-            <a:avLst/>
-          </a:prstGeom>
-          <a:noFill/>
-          <a:ln>
-            <a:noFill/>
-          </a:ln>
-        </p:spPr>
-        <p:style>
-          <a:lnRef idx="0">
-            <a:scrgbClr r="0" g="0" b="0"/>
-          </a:lnRef>
-          <a:fillRef idx="0">
-            <a:scrgbClr r="0" g="0" b="0"/>
-          </a:fillRef>
-          <a:effectRef idx="0">
-            <a:scrgbClr r="0" g="0" b="0"/>
-          </a:effectRef>
-          <a:fontRef idx="minor"/>
-        </p:style>
-        <p:txBody>
-          <a:bodyPr lIns="90000" tIns="45000" rIns="90000" bIns="45000">
-            <a:spAutoFit/>
-          </a:bodyPr>
-          <a:lstStyle/>
-          <a:p>
-            <a:pPr algn="ctr"/>
-            <a:r>
-              <a:rPr lang="en-IN" sz="5400" i="1" spc="-1" dirty="0">
-                <a:solidFill>
-                  <a:srgbClr val="F7C120"/>
-                </a:solidFill>
-                <a:latin typeface="Century"/>
-              </a:rPr>
-              <a:t>cqlsh</a:t>
-            </a:r>
-          </a:p>
-          <a:p>
-            <a:pPr algn="ctr">
-              <a:lnSpc>
-                <a:spcPct val="100000"/>
-              </a:lnSpc>
-            </a:pPr>
-            <a:endParaRPr lang="en-IN" sz="5400" b="0" strike="noStrike" spc="-1" dirty="0">
-              <a:latin typeface="Arial"/>
-            </a:endParaRPr>
-          </a:p>
-        </p:txBody>
-      </p:sp>
-      <p:sp>
-        <p:nvSpPr>
-          <p:cNvPr id="97" name="CustomShape 2"/>
-          <p:cNvSpPr/>
-          <p:nvPr/>
-        </p:nvSpPr>
-        <p:spPr>
-          <a:xfrm>
-            <a:off x="522360" y="3531600"/>
-            <a:ext cx="11124360" cy="644877"/>
-          </a:xfrm>
-          <a:prstGeom prst="rect">
-            <a:avLst/>
-          </a:prstGeom>
-          <a:noFill/>
-          <a:ln>
-            <a:noFill/>
-          </a:ln>
-        </p:spPr>
-        <p:style>
-          <a:lnRef idx="0">
-            <a:scrgbClr r="0" g="0" b="0"/>
-          </a:lnRef>
-          <a:fillRef idx="0">
-            <a:scrgbClr r="0" g="0" b="0"/>
-          </a:fillRef>
-          <a:effectRef idx="0">
-            <a:scrgbClr r="0" g="0" b="0"/>
-          </a:effectRef>
-          <a:fontRef idx="minor"/>
-        </p:style>
-        <p:txBody>
-          <a:bodyPr lIns="90000" tIns="45000" rIns="90000" bIns="45000">
-            <a:spAutoFit/>
-          </a:bodyPr>
-          <a:lstStyle/>
-          <a:p>
-            <a:pPr algn="just">
-              <a:lnSpc>
-                <a:spcPct val="100000"/>
-              </a:lnSpc>
-            </a:pPr>
-            <a:r>
-              <a:rPr lang="en-US" spc="-1" dirty="0">
-                <a:solidFill>
-                  <a:srgbClr val="BB0643"/>
-                </a:solidFill>
-                <a:latin typeface="Segoe UI"/>
-              </a:rPr>
-              <a:t>Cassandra Query Language Shell (CQLSH) is basically a communication medium between Cassandra and the user.</a:t>
-            </a:r>
-            <a:endParaRPr lang="en-IN" spc="-1" dirty="0">
-              <a:solidFill>
-                <a:srgbClr val="BB0643"/>
-              </a:solidFill>
-              <a:latin typeface="Segoe UI"/>
-            </a:endParaRPr>
-          </a:p>
-        </p:txBody>
-      </p:sp>
-    </p:spTree>
-  </p:cSld>
-  <p:clrMapOvr>
-    <a:masterClrMapping/>
-  </p:clrMapOvr>
-</p:sld>
-</file>
-
-<file path=ppt/slides/slide30.xml><?xml version="1.0" encoding="utf-8"?>
+<file path=ppt/slides/slide31.xml><?xml version="1.0" encoding="utf-8"?>
 <p:sld xmlns:a="http://schemas.openxmlformats.org/drawingml/2006/main" xmlns:r="http://schemas.openxmlformats.org/officeDocument/2006/relationships" xmlns:p="http://schemas.openxmlformats.org/presentationml/2006/main">
   <p:cSld>
     <p:spTree>
@@ -17273,7 +17775,7 @@
         <p:spPr>
           <a:xfrm>
             <a:off x="246600" y="2700000"/>
-            <a:ext cx="11687400" cy="767987"/>
+            <a:ext cx="11687400" cy="1168097"/>
           </a:xfrm>
           <a:prstGeom prst="rect">
             <a:avLst/>
@@ -17547,7 +18049,7 @@
               <a:t>zzz</a:t>
             </a:r>
             <a:r>
-              <a:rPr lang="en-US" spc="-1">
+              <a:rPr lang="en-US" spc="-1" dirty="0">
                 <a:latin typeface="Consolas" panose="020B0609020204030204" pitchFamily="49" charset="0"/>
                 <a:ea typeface="SimSun"/>
               </a:rPr>
@@ -17571,6 +18073,104 @@
                 <a:ea typeface="SimSun"/>
               </a:rPr>
               <a:t> </a:t>
+            </a:r>
+            <a:r>
+              <a:rPr lang="en-US" dirty="0">
+                <a:solidFill>
+                  <a:srgbClr val="0070C0"/>
+                </a:solidFill>
+                <a:latin typeface="Consolas" panose="020B0609020204030204" pitchFamily="49" charset="0"/>
+              </a:rPr>
+              <a:t>WHERE</a:t>
+            </a:r>
+            <a:r>
+              <a:rPr lang="en-US" spc="-1" dirty="0">
+                <a:latin typeface="Consolas" panose="020B0609020204030204" pitchFamily="49" charset="0"/>
+                <a:ea typeface="SimSun"/>
+              </a:rPr>
+              <a:t> id=2;</a:t>
+            </a:r>
+          </a:p>
+          <a:p>
+            <a:pPr marL="309510" indent="-285750">
+              <a:buClr>
+                <a:srgbClr val="808080"/>
+              </a:buClr>
+              <a:buFont typeface="Arial" panose="020B0604020202020204" pitchFamily="34" charset="0"/>
+              <a:buChar char="•"/>
+            </a:pPr>
+            <a:endParaRPr lang="en-US" sz="800" spc="-1" dirty="0">
+              <a:latin typeface="Consolas" panose="020B0609020204030204" pitchFamily="49" charset="0"/>
+              <a:ea typeface="SimSun"/>
+            </a:endParaRPr>
+          </a:p>
+          <a:p>
+            <a:pPr marL="309510" indent="-285750">
+              <a:buClr>
+                <a:srgbClr val="808080"/>
+              </a:buClr>
+              <a:buFont typeface="Arial" panose="020B0604020202020204" pitchFamily="34" charset="0"/>
+              <a:buChar char="•"/>
+            </a:pPr>
+            <a:r>
+              <a:rPr lang="en-IN" sz="1800" b="0" strike="noStrike" spc="-1" dirty="0">
+                <a:solidFill>
+                  <a:schemeClr val="bg1">
+                    <a:lumMod val="50000"/>
+                  </a:schemeClr>
+                </a:solidFill>
+                <a:latin typeface="Consolas" panose="020B0609020204030204" pitchFamily="49" charset="0"/>
+                <a:ea typeface="SimSun"/>
+              </a:rPr>
+              <a:t>cqlsh:db1&gt; </a:t>
+            </a:r>
+            <a:r>
+              <a:rPr lang="en-US" dirty="0">
+                <a:solidFill>
+                  <a:srgbClr val="0070C0"/>
+                </a:solidFill>
+                <a:latin typeface="Consolas" panose="020B0609020204030204" pitchFamily="49" charset="0"/>
+              </a:rPr>
+              <a:t>UPDATE</a:t>
+            </a:r>
+            <a:r>
+              <a:rPr lang="en-US" spc="-1" dirty="0">
+                <a:latin typeface="Consolas" panose="020B0609020204030204" pitchFamily="49" charset="0"/>
+                <a:ea typeface="SimSun"/>
+              </a:rPr>
+              <a:t> books </a:t>
+            </a:r>
+            <a:r>
+              <a:rPr lang="en-US" dirty="0">
+                <a:solidFill>
+                  <a:srgbClr val="0070C0"/>
+                </a:solidFill>
+                <a:latin typeface="Consolas" panose="020B0609020204030204" pitchFamily="49" charset="0"/>
+              </a:rPr>
+              <a:t>SET</a:t>
+            </a:r>
+            <a:r>
+              <a:rPr lang="en-US" spc="-1" dirty="0">
+                <a:latin typeface="Consolas" panose="020B0609020204030204" pitchFamily="49" charset="0"/>
+                <a:ea typeface="SimSun"/>
+              </a:rPr>
+              <a:t>  </a:t>
+            </a:r>
+            <a:r>
+              <a:rPr lang="en-US" dirty="0">
+                <a:solidFill>
+                  <a:srgbClr val="C00000"/>
+                </a:solidFill>
+                <a:latin typeface="Consolas" panose="020B0609020204030204" pitchFamily="49" charset="0"/>
+              </a:rPr>
+              <a:t>publisher[0]</a:t>
+            </a:r>
+            <a:r>
+              <a:rPr lang="en-US" spc="-1" dirty="0">
+                <a:latin typeface="Consolas" panose="020B0609020204030204" pitchFamily="49" charset="0"/>
+                <a:ea typeface="SimSun"/>
+              </a:rPr>
+              <a:t> = 'abc' </a:t>
             </a:r>
             <a:r>
               <a:rPr lang="en-US" dirty="0">
@@ -17699,7 +18299,7 @@
 </p:sld>
 </file>
 
-<file path=ppt/slides/slide31.xml><?xml version="1.0" encoding="utf-8"?>
+<file path=ppt/slides/slide32.xml><?xml version="1.0" encoding="utf-8"?>
 <p:sld xmlns:a="http://schemas.openxmlformats.org/drawingml/2006/main" xmlns:r="http://schemas.openxmlformats.org/officeDocument/2006/relationships" xmlns:p="http://schemas.openxmlformats.org/presentationml/2006/main">
   <p:cSld>
     <p:spTree>
@@ -17832,7 +18432,7 @@
 </p:sld>
 </file>
 
-<file path=ppt/slides/slide32.xml><?xml version="1.0" encoding="utf-8"?>
+<file path=ppt/slides/slide33.xml><?xml version="1.0" encoding="utf-8"?>
 <p:sld xmlns:a="http://schemas.openxmlformats.org/drawingml/2006/main" xmlns:r="http://schemas.openxmlformats.org/officeDocument/2006/relationships" xmlns:p="http://schemas.openxmlformats.org/presentationml/2006/main">
   <p:cSld>
     <p:spTree>
@@ -18321,7 +18921,7 @@
 </p:sld>
 </file>
 
-<file path=ppt/slides/slide33.xml><?xml version="1.0" encoding="utf-8"?>
+<file path=ppt/slides/slide34.xml><?xml version="1.0" encoding="utf-8"?>
 <p:sld xmlns:a="http://schemas.openxmlformats.org/drawingml/2006/main" xmlns:r="http://schemas.openxmlformats.org/officeDocument/2006/relationships" xmlns:p="http://schemas.openxmlformats.org/presentationml/2006/main">
   <p:cSld>
     <p:spTree>
@@ -18470,7 +19070,7 @@
 </p:sld>
 </file>
 
-<file path=ppt/slides/slide34.xml><?xml version="1.0" encoding="utf-8"?>
+<file path=ppt/slides/slide35.xml><?xml version="1.0" encoding="utf-8"?>
 <p:sld xmlns:a="http://schemas.openxmlformats.org/drawingml/2006/main" xmlns:r="http://schemas.openxmlformats.org/officeDocument/2006/relationships" xmlns:p="http://schemas.openxmlformats.org/presentationml/2006/main">
   <p:cSld>
     <p:spTree>
@@ -19186,7 +19786,7 @@
 </p:sld>
 </file>
 
-<file path=ppt/slides/slide35.xml><?xml version="1.0" encoding="utf-8"?>
+<file path=ppt/slides/slide36.xml><?xml version="1.0" encoding="utf-8"?>
 <p:sld xmlns:a="http://schemas.openxmlformats.org/drawingml/2006/main" xmlns:r="http://schemas.openxmlformats.org/officeDocument/2006/relationships" xmlns:p="http://schemas.openxmlformats.org/presentationml/2006/main">
   <p:cSld>
     <p:spTree>
@@ -19476,7 +20076,7 @@
 </p:sld>
 </file>
 
-<file path=ppt/slides/slide36.xml><?xml version="1.0" encoding="utf-8"?>
+<file path=ppt/slides/slide37.xml><?xml version="1.0" encoding="utf-8"?>
 <p:sld xmlns:a="http://schemas.openxmlformats.org/drawingml/2006/main" xmlns:r="http://schemas.openxmlformats.org/officeDocument/2006/relationships" xmlns:p="http://schemas.openxmlformats.org/presentationml/2006/main">
   <p:cSld>
     <p:spTree>
@@ -19635,7 +20235,7 @@
 </p:sld>
 </file>
 
-<file path=ppt/slides/slide37.xml><?xml version="1.0" encoding="utf-8"?>
+<file path=ppt/slides/slide38.xml><?xml version="1.0" encoding="utf-8"?>
 <p:sld xmlns:a="http://schemas.openxmlformats.org/drawingml/2006/main" xmlns:r="http://schemas.openxmlformats.org/officeDocument/2006/relationships" xmlns:p="http://schemas.openxmlformats.org/presentationml/2006/main">
   <p:cSld>
     <p:spTree>
@@ -20131,7 +20731,7 @@
 </p:sld>
 </file>
 
-<file path=ppt/slides/slide38.xml><?xml version="1.0" encoding="utf-8"?>
+<file path=ppt/slides/slide39.xml><?xml version="1.0" encoding="utf-8"?>
 <p:sld xmlns:a="http://schemas.openxmlformats.org/drawingml/2006/main" xmlns:r="http://schemas.openxmlformats.org/officeDocument/2006/relationships" xmlns:p="http://schemas.openxmlformats.org/presentationml/2006/main">
   <p:cSld>
     <p:spTree>
@@ -20281,466 +20881,6 @@
     <p:extLst>
       <p:ext uri="{BB962C8B-B14F-4D97-AF65-F5344CB8AC3E}">
         <p14:creationId xmlns:p14="http://schemas.microsoft.com/office/powerpoint/2010/main" val="3553681802"/>
-      </p:ext>
-    </p:extLst>
-  </p:cSld>
-  <p:clrMapOvr>
-    <a:masterClrMapping/>
-  </p:clrMapOvr>
-</p:sld>
-</file>
-
-<file path=ppt/slides/slide39.xml><?xml version="1.0" encoding="utf-8"?>
-<p:sld xmlns:a="http://schemas.openxmlformats.org/drawingml/2006/main" xmlns:r="http://schemas.openxmlformats.org/officeDocument/2006/relationships" xmlns:p="http://schemas.openxmlformats.org/presentationml/2006/main">
-  <p:cSld>
-    <p:spTree>
-      <p:nvGrpSpPr>
-        <p:cNvPr id="1" name=""/>
-        <p:cNvGrpSpPr/>
-        <p:nvPr/>
-      </p:nvGrpSpPr>
-      <p:grpSpPr>
-        <a:xfrm>
-          <a:off x="0" y="0"/>
-          <a:ext cx="0" cy="0"/>
-          <a:chOff x="0" y="0"/>
-          <a:chExt cx="0" cy="0"/>
-        </a:xfrm>
-      </p:grpSpPr>
-      <p:sp>
-        <p:nvSpPr>
-          <p:cNvPr id="111" name="CustomShape 1"/>
-          <p:cNvSpPr/>
-          <p:nvPr/>
-        </p:nvSpPr>
-        <p:spPr>
-          <a:xfrm>
-            <a:off x="246600" y="762120"/>
-            <a:ext cx="11687400" cy="367878"/>
-          </a:xfrm>
-          <a:prstGeom prst="rect">
-            <a:avLst/>
-          </a:prstGeom>
-          <a:noFill/>
-          <a:ln>
-            <a:noFill/>
-          </a:ln>
-        </p:spPr>
-        <p:style>
-          <a:lnRef idx="0">
-            <a:scrgbClr r="0" g="0" b="0"/>
-          </a:lnRef>
-          <a:fillRef idx="0">
-            <a:scrgbClr r="0" g="0" b="0"/>
-          </a:fillRef>
-          <a:effectRef idx="0">
-            <a:scrgbClr r="0" g="0" b="0"/>
-          </a:effectRef>
-          <a:fontRef idx="minor"/>
-        </p:style>
-        <p:txBody>
-          <a:bodyPr lIns="90000" tIns="45000" rIns="90000" bIns="45000">
-            <a:spAutoFit/>
-          </a:bodyPr>
-          <a:lstStyle/>
-          <a:p>
-            <a:pPr algn="just"/>
-            <a:r>
-              <a:rPr lang="en-US" spc="-1" dirty="0">
-                <a:latin typeface="Arial"/>
-              </a:rPr>
-              <a:t>Truncating a table permanently removes all existing data from the table, but without removing the table itself.</a:t>
-            </a:r>
-          </a:p>
-        </p:txBody>
-      </p:sp>
-      <p:sp>
-        <p:nvSpPr>
-          <p:cNvPr id="114" name="CustomShape 4"/>
-          <p:cNvSpPr/>
-          <p:nvPr/>
-        </p:nvSpPr>
-        <p:spPr>
-          <a:xfrm>
-            <a:off x="246600" y="0"/>
-            <a:ext cx="11687400" cy="706432"/>
-          </a:xfrm>
-          <a:prstGeom prst="rect">
-            <a:avLst/>
-          </a:prstGeom>
-          <a:solidFill>
-            <a:srgbClr val="C00000"/>
-          </a:solidFill>
-          <a:ln>
-            <a:noFill/>
-          </a:ln>
-        </p:spPr>
-        <p:style>
-          <a:lnRef idx="0">
-            <a:scrgbClr r="0" g="0" b="0"/>
-          </a:lnRef>
-          <a:fillRef idx="0">
-            <a:scrgbClr r="0" g="0" b="0"/>
-          </a:fillRef>
-          <a:effectRef idx="0">
-            <a:scrgbClr r="0" g="0" b="0"/>
-          </a:effectRef>
-          <a:fontRef idx="minor"/>
-        </p:style>
-        <p:txBody>
-          <a:bodyPr lIns="90000" tIns="45000" rIns="90000" bIns="45000">
-            <a:spAutoFit/>
-          </a:bodyPr>
-          <a:lstStyle/>
-          <a:p>
-            <a:pPr algn="ctr">
-              <a:lnSpc>
-                <a:spcPct val="100000"/>
-              </a:lnSpc>
-            </a:pPr>
-            <a:r>
-              <a:rPr lang="en-IN" sz="4000" spc="-1" dirty="0">
-                <a:solidFill>
-                  <a:srgbClr val="F7C120"/>
-                </a:solidFill>
-                <a:latin typeface="Open Sans"/>
-                <a:ea typeface="DejaVu Sans"/>
-              </a:rPr>
-              <a:t>truncate</a:t>
-            </a:r>
-            <a:r>
-              <a:rPr lang="en-IN" sz="4000" b="0" strike="noStrike" spc="-1" dirty="0">
-                <a:solidFill>
-                  <a:srgbClr val="F7C120"/>
-                </a:solidFill>
-                <a:latin typeface="Open Sans"/>
-                <a:ea typeface="DejaVu Sans"/>
-              </a:rPr>
-              <a:t> table</a:t>
-            </a:r>
-            <a:endParaRPr lang="en-IN" sz="4000" b="0" strike="noStrike" spc="-1" dirty="0">
-              <a:latin typeface="Arial"/>
-            </a:endParaRPr>
-          </a:p>
-        </p:txBody>
-      </p:sp>
-      <p:sp>
-        <p:nvSpPr>
-          <p:cNvPr id="115" name="Line 5"/>
-          <p:cNvSpPr/>
-          <p:nvPr/>
-        </p:nvSpPr>
-        <p:spPr>
-          <a:xfrm>
-            <a:off x="0" y="1536120"/>
-            <a:ext cx="12191760" cy="0"/>
-          </a:xfrm>
-          <a:prstGeom prst="line">
-            <a:avLst/>
-          </a:prstGeom>
-          <a:ln w="12600">
-            <a:solidFill>
-              <a:srgbClr val="6E78A0"/>
-            </a:solidFill>
-            <a:prstDash val="dash"/>
-            <a:round/>
-          </a:ln>
-        </p:spPr>
-        <p:style>
-          <a:lnRef idx="1">
-            <a:schemeClr val="accent1"/>
-          </a:lnRef>
-          <a:fillRef idx="0">
-            <a:schemeClr val="accent1"/>
-          </a:fillRef>
-          <a:effectRef idx="0">
-            <a:schemeClr val="accent1"/>
-          </a:effectRef>
-          <a:fontRef idx="minor"/>
-        </p:style>
-      </p:sp>
-      <p:sp>
-        <p:nvSpPr>
-          <p:cNvPr id="116" name="CustomShape 6"/>
-          <p:cNvSpPr/>
-          <p:nvPr/>
-        </p:nvSpPr>
-        <p:spPr>
-          <a:xfrm>
-            <a:off x="246600" y="2030040"/>
-            <a:ext cx="11687400" cy="367878"/>
-          </a:xfrm>
-          <a:prstGeom prst="rect">
-            <a:avLst/>
-          </a:prstGeom>
-          <a:noFill/>
-          <a:ln>
-            <a:noFill/>
-          </a:ln>
-        </p:spPr>
-        <p:style>
-          <a:lnRef idx="0">
-            <a:scrgbClr r="0" g="0" b="0"/>
-          </a:lnRef>
-          <a:fillRef idx="0">
-            <a:scrgbClr r="0" g="0" b="0"/>
-          </a:fillRef>
-          <a:effectRef idx="0">
-            <a:scrgbClr r="0" g="0" b="0"/>
-          </a:effectRef>
-          <a:fontRef idx="minor"/>
-        </p:style>
-        <p:txBody>
-          <a:bodyPr lIns="90000" tIns="45000" rIns="90000" bIns="45000">
-            <a:spAutoFit/>
-          </a:bodyPr>
-          <a:lstStyle/>
-          <a:p>
-            <a:r>
-              <a:rPr lang="en-US" b="0" i="0" dirty="0">
-                <a:effectLst/>
-                <a:latin typeface="Roboto Mono"/>
-              </a:rPr>
-              <a:t>truncate_statement::= </a:t>
-            </a:r>
-            <a:r>
-              <a:rPr lang="en-US" spc="-1" dirty="0">
-                <a:solidFill>
-                  <a:srgbClr val="2B8208"/>
-                </a:solidFill>
-                <a:latin typeface="Source Code Pro" panose="020B0509030403020204" pitchFamily="49" charset="0"/>
-                <a:ea typeface="Source Code Pro" panose="020B0509030403020204" pitchFamily="49" charset="0"/>
-              </a:rPr>
-              <a:t>TRUNCATE</a:t>
-            </a:r>
-            <a:r>
-              <a:rPr lang="en-US" b="0" i="0" dirty="0">
-                <a:effectLst/>
-                <a:latin typeface="Roboto Mono"/>
-              </a:rPr>
-              <a:t> </a:t>
-            </a:r>
-            <a:r>
-              <a:rPr lang="en-US" spc="-1" dirty="0">
-                <a:latin typeface="Source Code Pro" panose="020B0509030403020204" pitchFamily="49" charset="0"/>
-                <a:ea typeface="Source Code Pro" panose="020B0509030403020204" pitchFamily="49" charset="0"/>
-              </a:rPr>
-              <a:t>{</a:t>
-            </a:r>
-            <a:r>
-              <a:rPr lang="en-US" spc="-1" dirty="0">
-                <a:solidFill>
-                  <a:srgbClr val="2B8208"/>
-                </a:solidFill>
-                <a:latin typeface="Source Code Pro" panose="020B0509030403020204" pitchFamily="49" charset="0"/>
-                <a:ea typeface="Source Code Pro" panose="020B0509030403020204" pitchFamily="49" charset="0"/>
-              </a:rPr>
-              <a:t> TABLE </a:t>
-            </a:r>
-            <a:r>
-              <a:rPr lang="en-US" spc="-1" dirty="0">
-                <a:latin typeface="Source Code Pro" panose="020B0509030403020204" pitchFamily="49" charset="0"/>
-                <a:ea typeface="Source Code Pro" panose="020B0509030403020204" pitchFamily="49" charset="0"/>
-              </a:rPr>
-              <a:t>|</a:t>
-            </a:r>
-            <a:r>
-              <a:rPr lang="en-US" spc="-1" dirty="0">
-                <a:solidFill>
-                  <a:srgbClr val="2B8208"/>
-                </a:solidFill>
-                <a:latin typeface="Source Code Pro" panose="020B0509030403020204" pitchFamily="49" charset="0"/>
-                <a:ea typeface="Source Code Pro" panose="020B0509030403020204" pitchFamily="49" charset="0"/>
-              </a:rPr>
-              <a:t> COLUMNFAMILY </a:t>
-            </a:r>
-            <a:r>
-              <a:rPr lang="en-US" spc="-1" dirty="0">
-                <a:latin typeface="Source Code Pro" panose="020B0509030403020204" pitchFamily="49" charset="0"/>
-                <a:ea typeface="Source Code Pro" panose="020B0509030403020204" pitchFamily="49" charset="0"/>
-              </a:rPr>
-              <a:t>}</a:t>
-            </a:r>
-            <a:r>
-              <a:rPr lang="en-US" b="0" i="0" dirty="0">
-                <a:effectLst/>
-                <a:latin typeface="Roboto Mono"/>
-              </a:rPr>
-              <a:t> </a:t>
-            </a:r>
-            <a:r>
-              <a:rPr lang="en-US" spc="-1" dirty="0">
-                <a:latin typeface="Source Code Pro" panose="020B0509030403020204" pitchFamily="49" charset="0"/>
-                <a:ea typeface="Source Code Pro" panose="020B0509030403020204" pitchFamily="49" charset="0"/>
-              </a:rPr>
-              <a:t>[</a:t>
-            </a:r>
-            <a:r>
-              <a:rPr lang="en-US" i="1" spc="-1" dirty="0">
-                <a:latin typeface="Source Code Pro" panose="020B0509030403020204" pitchFamily="49" charset="0"/>
-                <a:ea typeface="Source Code Pro" panose="020B0509030403020204" pitchFamily="49" charset="0"/>
-              </a:rPr>
-              <a:t>keyspace_name</a:t>
-            </a:r>
-            <a:r>
-              <a:rPr lang="en-US" spc="-1" dirty="0">
-                <a:latin typeface="Source Code Pro" panose="020B0509030403020204" pitchFamily="49" charset="0"/>
-                <a:ea typeface="Source Code Pro" panose="020B0509030403020204" pitchFamily="49" charset="0"/>
-              </a:rPr>
-              <a:t>.]</a:t>
-            </a:r>
-            <a:r>
-              <a:rPr lang="en-US" i="1" spc="-1" dirty="0">
-                <a:latin typeface="Source Code Pro" panose="020B0509030403020204" pitchFamily="49" charset="0"/>
-                <a:ea typeface="Source Code Pro" panose="020B0509030403020204" pitchFamily="49" charset="0"/>
-              </a:rPr>
-              <a:t>table_name</a:t>
-            </a:r>
-            <a:endParaRPr lang="en-IN" i="1" spc="-1" dirty="0">
-              <a:latin typeface="Source Code Pro" panose="020B0509030403020204" pitchFamily="49" charset="0"/>
-              <a:ea typeface="Source Code Pro" panose="020B0509030403020204" pitchFamily="49" charset="0"/>
-            </a:endParaRPr>
-          </a:p>
-        </p:txBody>
-      </p:sp>
-      <p:sp>
-        <p:nvSpPr>
-          <p:cNvPr id="7" name="CustomShape 2">
-            <a:extLst>
-              <a:ext uri="{FF2B5EF4-FFF2-40B4-BE49-F238E27FC236}">
-                <a16:creationId xmlns:a16="http://schemas.microsoft.com/office/drawing/2014/main" id="{ACCD4961-017A-4E61-85C4-2430DD7DDAA2}"/>
-              </a:ext>
-            </a:extLst>
-          </p:cNvPr>
-          <p:cNvSpPr/>
-          <p:nvPr/>
-        </p:nvSpPr>
-        <p:spPr>
-          <a:xfrm>
-            <a:off x="246600" y="3205138"/>
-            <a:ext cx="11687400" cy="767987"/>
-          </a:xfrm>
-          <a:prstGeom prst="rect">
-            <a:avLst/>
-          </a:prstGeom>
-          <a:noFill/>
-          <a:ln>
-            <a:noFill/>
-          </a:ln>
-        </p:spPr>
-        <p:style>
-          <a:lnRef idx="0">
-            <a:scrgbClr r="0" g="0" b="0"/>
-          </a:lnRef>
-          <a:fillRef idx="0">
-            <a:scrgbClr r="0" g="0" b="0"/>
-          </a:fillRef>
-          <a:effectRef idx="0">
-            <a:scrgbClr r="0" g="0" b="0"/>
-          </a:effectRef>
-          <a:fontRef idx="minor"/>
-        </p:style>
-        <p:txBody>
-          <a:bodyPr wrap="square" lIns="90000" tIns="45000" rIns="90000" bIns="45000">
-            <a:spAutoFit/>
-          </a:bodyPr>
-          <a:lstStyle/>
-          <a:p>
-            <a:pPr marL="309510" indent="-285750">
-              <a:buClr>
-                <a:srgbClr val="808080"/>
-              </a:buClr>
-              <a:buFont typeface="Arial" panose="020B0604020202020204" pitchFamily="34" charset="0"/>
-              <a:buChar char="•"/>
-            </a:pPr>
-            <a:r>
-              <a:rPr lang="en-IN" sz="1800" b="0" strike="noStrike" spc="-1" dirty="0">
-                <a:solidFill>
-                  <a:schemeClr val="bg1">
-                    <a:lumMod val="50000"/>
-                  </a:schemeClr>
-                </a:solidFill>
-                <a:latin typeface="Consolas"/>
-                <a:ea typeface="SimSun"/>
-              </a:rPr>
-              <a:t>cqlsh:db1&gt; </a:t>
-            </a:r>
-            <a:r>
-              <a:rPr lang="en-IN" sz="1800" b="0" strike="noStrike" spc="-1" dirty="0">
-                <a:latin typeface="Consolas"/>
-                <a:ea typeface="SimSun"/>
-              </a:rPr>
-              <a:t>truncate table db1.emp;</a:t>
-            </a:r>
-          </a:p>
-          <a:p>
-            <a:pPr marL="309510" indent="-285750">
-              <a:buClr>
-                <a:srgbClr val="808080"/>
-              </a:buClr>
-              <a:buFont typeface="Arial" panose="020B0604020202020204" pitchFamily="34" charset="0"/>
-              <a:buChar char="•"/>
-            </a:pPr>
-            <a:endParaRPr lang="en-IN" sz="800" spc="-1" dirty="0">
-              <a:latin typeface="Consolas"/>
-              <a:ea typeface="SimSun"/>
-            </a:endParaRPr>
-          </a:p>
-          <a:p>
-            <a:pPr marL="309510" indent="-285750">
-              <a:buClr>
-                <a:srgbClr val="808080"/>
-              </a:buClr>
-              <a:buFont typeface="Arial" panose="020B0604020202020204" pitchFamily="34" charset="0"/>
-              <a:buChar char="•"/>
-            </a:pPr>
-            <a:r>
-              <a:rPr lang="en-IN" sz="1800" b="0" strike="noStrike" spc="-1" dirty="0">
-                <a:solidFill>
-                  <a:schemeClr val="bg1">
-                    <a:lumMod val="50000"/>
-                  </a:schemeClr>
-                </a:solidFill>
-                <a:latin typeface="Consolas"/>
-                <a:ea typeface="SimSun"/>
-              </a:rPr>
-              <a:t>cqlsh:db1&gt;</a:t>
-            </a:r>
-            <a:r>
-              <a:rPr lang="en-IN" sz="1800" b="0" strike="noStrike" spc="-1" dirty="0">
-                <a:latin typeface="Consolas"/>
-                <a:ea typeface="SimSun"/>
-              </a:rPr>
-              <a:t> truncate </a:t>
-            </a:r>
-            <a:r>
-              <a:rPr lang="en-US" spc="-1" dirty="0">
-                <a:latin typeface="Source Code Pro" panose="020B0509030403020204" pitchFamily="49" charset="0"/>
-                <a:ea typeface="Source Code Pro" panose="020B0509030403020204" pitchFamily="49" charset="0"/>
-              </a:rPr>
-              <a:t>columnfamily</a:t>
-            </a:r>
-            <a:r>
-              <a:rPr lang="en-IN" sz="1800" b="0" strike="noStrike" spc="-1" dirty="0">
-                <a:latin typeface="Consolas"/>
-                <a:ea typeface="SimSun"/>
-              </a:rPr>
-              <a:t> db1.emp;</a:t>
-            </a:r>
-            <a:r>
-              <a:rPr lang="en-IN" spc="-1" dirty="0">
-                <a:latin typeface="Consolas"/>
-                <a:ea typeface="SimSun"/>
-              </a:rPr>
-              <a:t> </a:t>
-            </a:r>
-          </a:p>
-        </p:txBody>
-      </p:sp>
-    </p:spTree>
-    <p:extLst>
-      <p:ext uri="{BB962C8B-B14F-4D97-AF65-F5344CB8AC3E}">
-        <p14:creationId xmlns:p14="http://schemas.microsoft.com/office/powerpoint/2010/main" val="2722645413"/>
       </p:ext>
     </p:extLst>
   </p:cSld>
@@ -21323,6 +21463,466 @@
       </p:grpSpPr>
       <p:sp>
         <p:nvSpPr>
+          <p:cNvPr id="111" name="CustomShape 1"/>
+          <p:cNvSpPr/>
+          <p:nvPr/>
+        </p:nvSpPr>
+        <p:spPr>
+          <a:xfrm>
+            <a:off x="246600" y="762120"/>
+            <a:ext cx="11687400" cy="367878"/>
+          </a:xfrm>
+          <a:prstGeom prst="rect">
+            <a:avLst/>
+          </a:prstGeom>
+          <a:noFill/>
+          <a:ln>
+            <a:noFill/>
+          </a:ln>
+        </p:spPr>
+        <p:style>
+          <a:lnRef idx="0">
+            <a:scrgbClr r="0" g="0" b="0"/>
+          </a:lnRef>
+          <a:fillRef idx="0">
+            <a:scrgbClr r="0" g="0" b="0"/>
+          </a:fillRef>
+          <a:effectRef idx="0">
+            <a:scrgbClr r="0" g="0" b="0"/>
+          </a:effectRef>
+          <a:fontRef idx="minor"/>
+        </p:style>
+        <p:txBody>
+          <a:bodyPr lIns="90000" tIns="45000" rIns="90000" bIns="45000">
+            <a:spAutoFit/>
+          </a:bodyPr>
+          <a:lstStyle/>
+          <a:p>
+            <a:pPr algn="just"/>
+            <a:r>
+              <a:rPr lang="en-US" spc="-1" dirty="0">
+                <a:latin typeface="Arial"/>
+              </a:rPr>
+              <a:t>Truncating a table permanently removes all existing data from the table, but without removing the table itself.</a:t>
+            </a:r>
+          </a:p>
+        </p:txBody>
+      </p:sp>
+      <p:sp>
+        <p:nvSpPr>
+          <p:cNvPr id="114" name="CustomShape 4"/>
+          <p:cNvSpPr/>
+          <p:nvPr/>
+        </p:nvSpPr>
+        <p:spPr>
+          <a:xfrm>
+            <a:off x="246600" y="0"/>
+            <a:ext cx="11687400" cy="706432"/>
+          </a:xfrm>
+          <a:prstGeom prst="rect">
+            <a:avLst/>
+          </a:prstGeom>
+          <a:solidFill>
+            <a:srgbClr val="C00000"/>
+          </a:solidFill>
+          <a:ln>
+            <a:noFill/>
+          </a:ln>
+        </p:spPr>
+        <p:style>
+          <a:lnRef idx="0">
+            <a:scrgbClr r="0" g="0" b="0"/>
+          </a:lnRef>
+          <a:fillRef idx="0">
+            <a:scrgbClr r="0" g="0" b="0"/>
+          </a:fillRef>
+          <a:effectRef idx="0">
+            <a:scrgbClr r="0" g="0" b="0"/>
+          </a:effectRef>
+          <a:fontRef idx="minor"/>
+        </p:style>
+        <p:txBody>
+          <a:bodyPr lIns="90000" tIns="45000" rIns="90000" bIns="45000">
+            <a:spAutoFit/>
+          </a:bodyPr>
+          <a:lstStyle/>
+          <a:p>
+            <a:pPr algn="ctr">
+              <a:lnSpc>
+                <a:spcPct val="100000"/>
+              </a:lnSpc>
+            </a:pPr>
+            <a:r>
+              <a:rPr lang="en-IN" sz="4000" spc="-1" dirty="0">
+                <a:solidFill>
+                  <a:srgbClr val="F7C120"/>
+                </a:solidFill>
+                <a:latin typeface="Open Sans"/>
+                <a:ea typeface="DejaVu Sans"/>
+              </a:rPr>
+              <a:t>truncate</a:t>
+            </a:r>
+            <a:r>
+              <a:rPr lang="en-IN" sz="4000" b="0" strike="noStrike" spc="-1" dirty="0">
+                <a:solidFill>
+                  <a:srgbClr val="F7C120"/>
+                </a:solidFill>
+                <a:latin typeface="Open Sans"/>
+                <a:ea typeface="DejaVu Sans"/>
+              </a:rPr>
+              <a:t> table</a:t>
+            </a:r>
+            <a:endParaRPr lang="en-IN" sz="4000" b="0" strike="noStrike" spc="-1" dirty="0">
+              <a:latin typeface="Arial"/>
+            </a:endParaRPr>
+          </a:p>
+        </p:txBody>
+      </p:sp>
+      <p:sp>
+        <p:nvSpPr>
+          <p:cNvPr id="115" name="Line 5"/>
+          <p:cNvSpPr/>
+          <p:nvPr/>
+        </p:nvSpPr>
+        <p:spPr>
+          <a:xfrm>
+            <a:off x="0" y="1536120"/>
+            <a:ext cx="12191760" cy="0"/>
+          </a:xfrm>
+          <a:prstGeom prst="line">
+            <a:avLst/>
+          </a:prstGeom>
+          <a:ln w="12600">
+            <a:solidFill>
+              <a:srgbClr val="6E78A0"/>
+            </a:solidFill>
+            <a:prstDash val="dash"/>
+            <a:round/>
+          </a:ln>
+        </p:spPr>
+        <p:style>
+          <a:lnRef idx="1">
+            <a:schemeClr val="accent1"/>
+          </a:lnRef>
+          <a:fillRef idx="0">
+            <a:schemeClr val="accent1"/>
+          </a:fillRef>
+          <a:effectRef idx="0">
+            <a:schemeClr val="accent1"/>
+          </a:effectRef>
+          <a:fontRef idx="minor"/>
+        </p:style>
+      </p:sp>
+      <p:sp>
+        <p:nvSpPr>
+          <p:cNvPr id="116" name="CustomShape 6"/>
+          <p:cNvSpPr/>
+          <p:nvPr/>
+        </p:nvSpPr>
+        <p:spPr>
+          <a:xfrm>
+            <a:off x="246600" y="2030040"/>
+            <a:ext cx="11687400" cy="367878"/>
+          </a:xfrm>
+          <a:prstGeom prst="rect">
+            <a:avLst/>
+          </a:prstGeom>
+          <a:noFill/>
+          <a:ln>
+            <a:noFill/>
+          </a:ln>
+        </p:spPr>
+        <p:style>
+          <a:lnRef idx="0">
+            <a:scrgbClr r="0" g="0" b="0"/>
+          </a:lnRef>
+          <a:fillRef idx="0">
+            <a:scrgbClr r="0" g="0" b="0"/>
+          </a:fillRef>
+          <a:effectRef idx="0">
+            <a:scrgbClr r="0" g="0" b="0"/>
+          </a:effectRef>
+          <a:fontRef idx="minor"/>
+        </p:style>
+        <p:txBody>
+          <a:bodyPr lIns="90000" tIns="45000" rIns="90000" bIns="45000">
+            <a:spAutoFit/>
+          </a:bodyPr>
+          <a:lstStyle/>
+          <a:p>
+            <a:r>
+              <a:rPr lang="en-US" b="0" i="0" dirty="0">
+                <a:effectLst/>
+                <a:latin typeface="Roboto Mono"/>
+              </a:rPr>
+              <a:t>truncate_statement::= </a:t>
+            </a:r>
+            <a:r>
+              <a:rPr lang="en-US" spc="-1" dirty="0">
+                <a:solidFill>
+                  <a:srgbClr val="2B8208"/>
+                </a:solidFill>
+                <a:latin typeface="Source Code Pro" panose="020B0509030403020204" pitchFamily="49" charset="0"/>
+                <a:ea typeface="Source Code Pro" panose="020B0509030403020204" pitchFamily="49" charset="0"/>
+              </a:rPr>
+              <a:t>TRUNCATE</a:t>
+            </a:r>
+            <a:r>
+              <a:rPr lang="en-US" b="0" i="0" dirty="0">
+                <a:effectLst/>
+                <a:latin typeface="Roboto Mono"/>
+              </a:rPr>
+              <a:t> </a:t>
+            </a:r>
+            <a:r>
+              <a:rPr lang="en-US" spc="-1" dirty="0">
+                <a:latin typeface="Source Code Pro" panose="020B0509030403020204" pitchFamily="49" charset="0"/>
+                <a:ea typeface="Source Code Pro" panose="020B0509030403020204" pitchFamily="49" charset="0"/>
+              </a:rPr>
+              <a:t>{</a:t>
+            </a:r>
+            <a:r>
+              <a:rPr lang="en-US" spc="-1" dirty="0">
+                <a:solidFill>
+                  <a:srgbClr val="2B8208"/>
+                </a:solidFill>
+                <a:latin typeface="Source Code Pro" panose="020B0509030403020204" pitchFamily="49" charset="0"/>
+                <a:ea typeface="Source Code Pro" panose="020B0509030403020204" pitchFamily="49" charset="0"/>
+              </a:rPr>
+              <a:t> TABLE </a:t>
+            </a:r>
+            <a:r>
+              <a:rPr lang="en-US" spc="-1" dirty="0">
+                <a:latin typeface="Source Code Pro" panose="020B0509030403020204" pitchFamily="49" charset="0"/>
+                <a:ea typeface="Source Code Pro" panose="020B0509030403020204" pitchFamily="49" charset="0"/>
+              </a:rPr>
+              <a:t>|</a:t>
+            </a:r>
+            <a:r>
+              <a:rPr lang="en-US" spc="-1" dirty="0">
+                <a:solidFill>
+                  <a:srgbClr val="2B8208"/>
+                </a:solidFill>
+                <a:latin typeface="Source Code Pro" panose="020B0509030403020204" pitchFamily="49" charset="0"/>
+                <a:ea typeface="Source Code Pro" panose="020B0509030403020204" pitchFamily="49" charset="0"/>
+              </a:rPr>
+              <a:t> COLUMNFAMILY </a:t>
+            </a:r>
+            <a:r>
+              <a:rPr lang="en-US" spc="-1" dirty="0">
+                <a:latin typeface="Source Code Pro" panose="020B0509030403020204" pitchFamily="49" charset="0"/>
+                <a:ea typeface="Source Code Pro" panose="020B0509030403020204" pitchFamily="49" charset="0"/>
+              </a:rPr>
+              <a:t>}</a:t>
+            </a:r>
+            <a:r>
+              <a:rPr lang="en-US" b="0" i="0" dirty="0">
+                <a:effectLst/>
+                <a:latin typeface="Roboto Mono"/>
+              </a:rPr>
+              <a:t> </a:t>
+            </a:r>
+            <a:r>
+              <a:rPr lang="en-US" spc="-1" dirty="0">
+                <a:latin typeface="Source Code Pro" panose="020B0509030403020204" pitchFamily="49" charset="0"/>
+                <a:ea typeface="Source Code Pro" panose="020B0509030403020204" pitchFamily="49" charset="0"/>
+              </a:rPr>
+              <a:t>[</a:t>
+            </a:r>
+            <a:r>
+              <a:rPr lang="en-US" i="1" spc="-1" dirty="0">
+                <a:latin typeface="Source Code Pro" panose="020B0509030403020204" pitchFamily="49" charset="0"/>
+                <a:ea typeface="Source Code Pro" panose="020B0509030403020204" pitchFamily="49" charset="0"/>
+              </a:rPr>
+              <a:t>keyspace_name</a:t>
+            </a:r>
+            <a:r>
+              <a:rPr lang="en-US" spc="-1" dirty="0">
+                <a:latin typeface="Source Code Pro" panose="020B0509030403020204" pitchFamily="49" charset="0"/>
+                <a:ea typeface="Source Code Pro" panose="020B0509030403020204" pitchFamily="49" charset="0"/>
+              </a:rPr>
+              <a:t>.]</a:t>
+            </a:r>
+            <a:r>
+              <a:rPr lang="en-US" i="1" spc="-1" dirty="0">
+                <a:latin typeface="Source Code Pro" panose="020B0509030403020204" pitchFamily="49" charset="0"/>
+                <a:ea typeface="Source Code Pro" panose="020B0509030403020204" pitchFamily="49" charset="0"/>
+              </a:rPr>
+              <a:t>table_name</a:t>
+            </a:r>
+            <a:endParaRPr lang="en-IN" i="1" spc="-1" dirty="0">
+              <a:latin typeface="Source Code Pro" panose="020B0509030403020204" pitchFamily="49" charset="0"/>
+              <a:ea typeface="Source Code Pro" panose="020B0509030403020204" pitchFamily="49" charset="0"/>
+            </a:endParaRPr>
+          </a:p>
+        </p:txBody>
+      </p:sp>
+      <p:sp>
+        <p:nvSpPr>
+          <p:cNvPr id="7" name="CustomShape 2">
+            <a:extLst>
+              <a:ext uri="{FF2B5EF4-FFF2-40B4-BE49-F238E27FC236}">
+                <a16:creationId xmlns:a16="http://schemas.microsoft.com/office/drawing/2014/main" id="{ACCD4961-017A-4E61-85C4-2430DD7DDAA2}"/>
+              </a:ext>
+            </a:extLst>
+          </p:cNvPr>
+          <p:cNvSpPr/>
+          <p:nvPr/>
+        </p:nvSpPr>
+        <p:spPr>
+          <a:xfrm>
+            <a:off x="246600" y="3205138"/>
+            <a:ext cx="11687400" cy="767987"/>
+          </a:xfrm>
+          <a:prstGeom prst="rect">
+            <a:avLst/>
+          </a:prstGeom>
+          <a:noFill/>
+          <a:ln>
+            <a:noFill/>
+          </a:ln>
+        </p:spPr>
+        <p:style>
+          <a:lnRef idx="0">
+            <a:scrgbClr r="0" g="0" b="0"/>
+          </a:lnRef>
+          <a:fillRef idx="0">
+            <a:scrgbClr r="0" g="0" b="0"/>
+          </a:fillRef>
+          <a:effectRef idx="0">
+            <a:scrgbClr r="0" g="0" b="0"/>
+          </a:effectRef>
+          <a:fontRef idx="minor"/>
+        </p:style>
+        <p:txBody>
+          <a:bodyPr wrap="square" lIns="90000" tIns="45000" rIns="90000" bIns="45000">
+            <a:spAutoFit/>
+          </a:bodyPr>
+          <a:lstStyle/>
+          <a:p>
+            <a:pPr marL="309510" indent="-285750">
+              <a:buClr>
+                <a:srgbClr val="808080"/>
+              </a:buClr>
+              <a:buFont typeface="Arial" panose="020B0604020202020204" pitchFamily="34" charset="0"/>
+              <a:buChar char="•"/>
+            </a:pPr>
+            <a:r>
+              <a:rPr lang="en-IN" sz="1800" b="0" strike="noStrike" spc="-1" dirty="0">
+                <a:solidFill>
+                  <a:schemeClr val="bg1">
+                    <a:lumMod val="50000"/>
+                  </a:schemeClr>
+                </a:solidFill>
+                <a:latin typeface="Consolas"/>
+                <a:ea typeface="SimSun"/>
+              </a:rPr>
+              <a:t>cqlsh:db1&gt; </a:t>
+            </a:r>
+            <a:r>
+              <a:rPr lang="en-IN" sz="1800" b="0" strike="noStrike" spc="-1" dirty="0">
+                <a:latin typeface="Consolas"/>
+                <a:ea typeface="SimSun"/>
+              </a:rPr>
+              <a:t>truncate table db1.emp;</a:t>
+            </a:r>
+          </a:p>
+          <a:p>
+            <a:pPr marL="309510" indent="-285750">
+              <a:buClr>
+                <a:srgbClr val="808080"/>
+              </a:buClr>
+              <a:buFont typeface="Arial" panose="020B0604020202020204" pitchFamily="34" charset="0"/>
+              <a:buChar char="•"/>
+            </a:pPr>
+            <a:endParaRPr lang="en-IN" sz="800" spc="-1" dirty="0">
+              <a:latin typeface="Consolas"/>
+              <a:ea typeface="SimSun"/>
+            </a:endParaRPr>
+          </a:p>
+          <a:p>
+            <a:pPr marL="309510" indent="-285750">
+              <a:buClr>
+                <a:srgbClr val="808080"/>
+              </a:buClr>
+              <a:buFont typeface="Arial" panose="020B0604020202020204" pitchFamily="34" charset="0"/>
+              <a:buChar char="•"/>
+            </a:pPr>
+            <a:r>
+              <a:rPr lang="en-IN" sz="1800" b="0" strike="noStrike" spc="-1" dirty="0">
+                <a:solidFill>
+                  <a:schemeClr val="bg1">
+                    <a:lumMod val="50000"/>
+                  </a:schemeClr>
+                </a:solidFill>
+                <a:latin typeface="Consolas"/>
+                <a:ea typeface="SimSun"/>
+              </a:rPr>
+              <a:t>cqlsh:db1&gt;</a:t>
+            </a:r>
+            <a:r>
+              <a:rPr lang="en-IN" sz="1800" b="0" strike="noStrike" spc="-1" dirty="0">
+                <a:latin typeface="Consolas"/>
+                <a:ea typeface="SimSun"/>
+              </a:rPr>
+              <a:t> truncate </a:t>
+            </a:r>
+            <a:r>
+              <a:rPr lang="en-US" spc="-1" dirty="0">
+                <a:latin typeface="Source Code Pro" panose="020B0509030403020204" pitchFamily="49" charset="0"/>
+                <a:ea typeface="Source Code Pro" panose="020B0509030403020204" pitchFamily="49" charset="0"/>
+              </a:rPr>
+              <a:t>columnfamily</a:t>
+            </a:r>
+            <a:r>
+              <a:rPr lang="en-IN" sz="1800" b="0" strike="noStrike" spc="-1" dirty="0">
+                <a:latin typeface="Consolas"/>
+                <a:ea typeface="SimSun"/>
+              </a:rPr>
+              <a:t> db1.emp;</a:t>
+            </a:r>
+            <a:r>
+              <a:rPr lang="en-IN" spc="-1" dirty="0">
+                <a:latin typeface="Consolas"/>
+                <a:ea typeface="SimSun"/>
+              </a:rPr>
+              <a:t> </a:t>
+            </a:r>
+          </a:p>
+        </p:txBody>
+      </p:sp>
+    </p:spTree>
+    <p:extLst>
+      <p:ext uri="{BB962C8B-B14F-4D97-AF65-F5344CB8AC3E}">
+        <p14:creationId xmlns:p14="http://schemas.microsoft.com/office/powerpoint/2010/main" val="2722645413"/>
+      </p:ext>
+    </p:extLst>
+  </p:cSld>
+  <p:clrMapOvr>
+    <a:masterClrMapping/>
+  </p:clrMapOvr>
+</p:sld>
+</file>
+
+<file path=ppt/slides/slide41.xml><?xml version="1.0" encoding="utf-8"?>
+<p:sld xmlns:a="http://schemas.openxmlformats.org/drawingml/2006/main" xmlns:r="http://schemas.openxmlformats.org/officeDocument/2006/relationships" xmlns:p="http://schemas.openxmlformats.org/presentationml/2006/main">
+  <p:cSld>
+    <p:spTree>
+      <p:nvGrpSpPr>
+        <p:cNvPr id="1" name=""/>
+        <p:cNvGrpSpPr/>
+        <p:nvPr/>
+      </p:nvGrpSpPr>
+      <p:grpSpPr>
+        <a:xfrm>
+          <a:off x="0" y="0"/>
+          <a:ext cx="0" cy="0"/>
+          <a:chOff x="0" y="0"/>
+          <a:chExt cx="0" cy="0"/>
+        </a:xfrm>
+      </p:grpSpPr>
+      <p:sp>
+        <p:nvSpPr>
           <p:cNvPr id="109" name="CustomShape 1"/>
           <p:cNvSpPr/>
           <p:nvPr/>
@@ -21453,7 +22053,7 @@
 </p:sld>
 </file>
 
-<file path=ppt/slides/slide41.xml><?xml version="1.0" encoding="utf-8"?>
+<file path=ppt/slides/slide42.xml><?xml version="1.0" encoding="utf-8"?>
 <p:sld xmlns:a="http://schemas.openxmlformats.org/drawingml/2006/main" xmlns:r="http://schemas.openxmlformats.org/officeDocument/2006/relationships" xmlns:p="http://schemas.openxmlformats.org/presentationml/2006/main">
   <p:cSld>
     <p:spTree>
@@ -21852,7 +22452,7 @@
 </p:sld>
 </file>
 
-<file path=ppt/slides/slide42.xml><?xml version="1.0" encoding="utf-8"?>
+<file path=ppt/slides/slide43.xml><?xml version="1.0" encoding="utf-8"?>
 <p:sld xmlns:a="http://schemas.openxmlformats.org/drawingml/2006/main" xmlns:r="http://schemas.openxmlformats.org/officeDocument/2006/relationships" xmlns:p="http://schemas.openxmlformats.org/presentationml/2006/main">
   <p:cSld>
     <p:spTree>
@@ -22018,7 +22618,7 @@
 </p:sld>
 </file>
 
-<file path=ppt/slides/slide43.xml><?xml version="1.0" encoding="utf-8"?>
+<file path=ppt/slides/slide44.xml><?xml version="1.0" encoding="utf-8"?>
 <p:sld xmlns:a="http://schemas.openxmlformats.org/drawingml/2006/main" xmlns:r="http://schemas.openxmlformats.org/officeDocument/2006/relationships" xmlns:p="http://schemas.openxmlformats.org/presentationml/2006/main">
   <p:cSld>
     <p:spTree>
@@ -22447,7 +23047,7 @@
 </p:sld>
 </file>
 
-<file path=ppt/slides/slide44.xml><?xml version="1.0" encoding="utf-8"?>
+<file path=ppt/slides/slide45.xml><?xml version="1.0" encoding="utf-8"?>
 <p:sld xmlns:a="http://schemas.openxmlformats.org/drawingml/2006/main" xmlns:r="http://schemas.openxmlformats.org/officeDocument/2006/relationships" xmlns:p="http://schemas.openxmlformats.org/presentationml/2006/main">
   <p:cSld>
     <p:spTree>
@@ -22596,7 +23196,7 @@
 </p:sld>
 </file>
 
-<file path=ppt/slides/slide45.xml><?xml version="1.0" encoding="utf-8"?>
+<file path=ppt/slides/slide46.xml><?xml version="1.0" encoding="utf-8"?>
 <p:sld xmlns:a="http://schemas.openxmlformats.org/drawingml/2006/main" xmlns:r="http://schemas.openxmlformats.org/officeDocument/2006/relationships" xmlns:p="http://schemas.openxmlformats.org/presentationml/2006/main">
   <p:cSld>
     <p:spTree>
@@ -23374,7 +23974,7 @@
 </p:sld>
 </file>
 
-<file path=ppt/slides/slide46.xml><?xml version="1.0" encoding="utf-8"?>
+<file path=ppt/slides/slide47.xml><?xml version="1.0" encoding="utf-8"?>
 <p:sld xmlns:a="http://schemas.openxmlformats.org/drawingml/2006/main" xmlns:r="http://schemas.openxmlformats.org/officeDocument/2006/relationships" xmlns:p="http://schemas.openxmlformats.org/presentationml/2006/main">
   <p:cSld>
     <p:spTree>

--- a/Cassandra Ver1.pptx
+++ b/Cassandra Ver1.pptx
@@ -5,7 +5,7 @@
     <p:sldMasterId id="2147483720" r:id="rId1"/>
   </p:sldMasterIdLst>
   <p:notesMasterIdLst>
-    <p:notesMasterId r:id="rId49"/>
+    <p:notesMasterId r:id="rId52"/>
   </p:notesMasterIdLst>
   <p:sldIdLst>
     <p:sldId id="256" r:id="rId2"/>
@@ -32,29 +32,32 @@
     <p:sldId id="1459" r:id="rId23"/>
     <p:sldId id="1436" r:id="rId24"/>
     <p:sldId id="1437" r:id="rId25"/>
-    <p:sldId id="1451" r:id="rId26"/>
-    <p:sldId id="1452" r:id="rId27"/>
-    <p:sldId id="1457" r:id="rId28"/>
-    <p:sldId id="1454" r:id="rId29"/>
-    <p:sldId id="1456" r:id="rId30"/>
-    <p:sldId id="1455" r:id="rId31"/>
-    <p:sldId id="1458" r:id="rId32"/>
-    <p:sldId id="947" r:id="rId33"/>
-    <p:sldId id="1446" r:id="rId34"/>
-    <p:sldId id="1444" r:id="rId35"/>
-    <p:sldId id="1445" r:id="rId36"/>
-    <p:sldId id="1450" r:id="rId37"/>
-    <p:sldId id="1430" r:id="rId38"/>
-    <p:sldId id="1431" r:id="rId39"/>
-    <p:sldId id="1432" r:id="rId40"/>
-    <p:sldId id="1433" r:id="rId41"/>
-    <p:sldId id="1442" r:id="rId42"/>
-    <p:sldId id="1447" r:id="rId43"/>
-    <p:sldId id="1448" r:id="rId44"/>
-    <p:sldId id="1449" r:id="rId45"/>
-    <p:sldId id="1424" r:id="rId46"/>
-    <p:sldId id="1421" r:id="rId47"/>
-    <p:sldId id="350" r:id="rId48"/>
+    <p:sldId id="1460" r:id="rId26"/>
+    <p:sldId id="1451" r:id="rId27"/>
+    <p:sldId id="1452" r:id="rId28"/>
+    <p:sldId id="1457" r:id="rId29"/>
+    <p:sldId id="1454" r:id="rId30"/>
+    <p:sldId id="1456" r:id="rId31"/>
+    <p:sldId id="1455" r:id="rId32"/>
+    <p:sldId id="1458" r:id="rId33"/>
+    <p:sldId id="1461" r:id="rId34"/>
+    <p:sldId id="1462" r:id="rId35"/>
+    <p:sldId id="947" r:id="rId36"/>
+    <p:sldId id="1446" r:id="rId37"/>
+    <p:sldId id="1444" r:id="rId38"/>
+    <p:sldId id="1445" r:id="rId39"/>
+    <p:sldId id="1450" r:id="rId40"/>
+    <p:sldId id="1430" r:id="rId41"/>
+    <p:sldId id="1431" r:id="rId42"/>
+    <p:sldId id="1432" r:id="rId43"/>
+    <p:sldId id="1433" r:id="rId44"/>
+    <p:sldId id="1442" r:id="rId45"/>
+    <p:sldId id="1447" r:id="rId46"/>
+    <p:sldId id="1448" r:id="rId47"/>
+    <p:sldId id="1449" r:id="rId48"/>
+    <p:sldId id="1424" r:id="rId49"/>
+    <p:sldId id="1421" r:id="rId50"/>
+    <p:sldId id="350" r:id="rId51"/>
   </p:sldIdLst>
   <p:sldSz cx="12192000" cy="6858000"/>
   <p:notesSz cx="6858000" cy="9144000"/>
@@ -267,7 +270,7 @@
             <a:fld id="{757F699C-254E-44B6-B18D-E7E82B2FC743}" type="datetimeFigureOut">
               <a:rPr lang="en-IN" smtClean="0"/>
               <a:pPr/>
-              <a:t>09-04-2022</a:t>
+              <a:t>11-04-2022</a:t>
             </a:fld>
             <a:endParaRPr lang="en-IN"/>
           </a:p>
@@ -1093,7 +1096,7 @@
             <a:fld id="{52F73076-280E-4994-B9AF-08CB19D7A53F}" type="datetimeFigureOut">
               <a:rPr lang="en-US" smtClean="0"/>
               <a:pPr/>
-              <a:t>4/9/2022</a:t>
+              <a:t>4/11/2022</a:t>
             </a:fld>
             <a:endParaRPr lang="en-US" dirty="0"/>
           </a:p>
@@ -1538,7 +1541,7 @@
             <a:fld id="{52F73076-280E-4994-B9AF-08CB19D7A53F}" type="datetimeFigureOut">
               <a:rPr lang="en-US" smtClean="0"/>
               <a:pPr/>
-              <a:t>4/9/2022</a:t>
+              <a:t>4/11/2022</a:t>
             </a:fld>
             <a:endParaRPr lang="en-US" dirty="0"/>
           </a:p>
@@ -2470,7 +2473,7 @@
             <a:fld id="{52F73076-280E-4994-B9AF-08CB19D7A53F}" type="datetimeFigureOut">
               <a:rPr lang="en-US" smtClean="0"/>
               <a:pPr/>
-              <a:t>4/9/2022</a:t>
+              <a:t>4/11/2022</a:t>
             </a:fld>
             <a:endParaRPr lang="en-US" dirty="0"/>
           </a:p>
@@ -2888,7 +2891,7 @@
             <a:fld id="{52F73076-280E-4994-B9AF-08CB19D7A53F}" type="datetimeFigureOut">
               <a:rPr lang="en-US" smtClean="0"/>
               <a:pPr/>
-              <a:t>4/9/2022</a:t>
+              <a:t>4/11/2022</a:t>
             </a:fld>
             <a:endParaRPr lang="en-US" dirty="0"/>
           </a:p>
@@ -12207,6 +12210,155 @@
       </p:grpSpPr>
       <p:sp>
         <p:nvSpPr>
+          <p:cNvPr id="109" name="CustomShape 1"/>
+          <p:cNvSpPr/>
+          <p:nvPr/>
+        </p:nvSpPr>
+        <p:spPr>
+          <a:xfrm>
+            <a:off x="1676520" y="2362320"/>
+            <a:ext cx="8815320" cy="921876"/>
+          </a:xfrm>
+          <a:prstGeom prst="rect">
+            <a:avLst/>
+          </a:prstGeom>
+          <a:noFill/>
+          <a:ln>
+            <a:noFill/>
+          </a:ln>
+        </p:spPr>
+        <p:style>
+          <a:lnRef idx="0">
+            <a:scrgbClr r="0" g="0" b="0"/>
+          </a:lnRef>
+          <a:fillRef idx="0">
+            <a:scrgbClr r="0" g="0" b="0"/>
+          </a:fillRef>
+          <a:effectRef idx="0">
+            <a:scrgbClr r="0" g="0" b="0"/>
+          </a:effectRef>
+          <a:fontRef idx="minor"/>
+        </p:style>
+        <p:txBody>
+          <a:bodyPr lIns="90000" tIns="45000" rIns="90000" bIns="45000">
+            <a:spAutoFit/>
+          </a:bodyPr>
+          <a:lstStyle/>
+          <a:p>
+            <a:pPr algn="ctr">
+              <a:lnSpc>
+                <a:spcPct val="100000"/>
+              </a:lnSpc>
+            </a:pPr>
+            <a:r>
+              <a:rPr lang="en-IN" sz="5400" i="1" spc="-1" dirty="0">
+                <a:solidFill>
+                  <a:srgbClr val="F7C120"/>
+                </a:solidFill>
+                <a:latin typeface="Century"/>
+                <a:ea typeface="DejaVu Sans"/>
+              </a:rPr>
+              <a:t>collection datatype</a:t>
+            </a:r>
+            <a:endParaRPr lang="en-IN" sz="5400" b="0" strike="noStrike" spc="-1" dirty="0">
+              <a:latin typeface="Arial"/>
+            </a:endParaRPr>
+          </a:p>
+        </p:txBody>
+      </p:sp>
+      <p:sp>
+        <p:nvSpPr>
+          <p:cNvPr id="110" name="CustomShape 2"/>
+          <p:cNvSpPr/>
+          <p:nvPr/>
+        </p:nvSpPr>
+        <p:spPr>
+          <a:xfrm>
+            <a:off x="522360" y="3531600"/>
+            <a:ext cx="11052360" cy="367878"/>
+          </a:xfrm>
+          <a:prstGeom prst="rect">
+            <a:avLst/>
+          </a:prstGeom>
+          <a:noFill/>
+          <a:ln>
+            <a:noFill/>
+          </a:ln>
+        </p:spPr>
+        <p:style>
+          <a:lnRef idx="0">
+            <a:scrgbClr r="0" g="0" b="0"/>
+          </a:lnRef>
+          <a:fillRef idx="0">
+            <a:scrgbClr r="0" g="0" b="0"/>
+          </a:fillRef>
+          <a:effectRef idx="0">
+            <a:scrgbClr r="0" g="0" b="0"/>
+          </a:effectRef>
+          <a:fontRef idx="minor"/>
+        </p:style>
+        <p:txBody>
+          <a:bodyPr lIns="90000" tIns="45000" rIns="90000" bIns="45000">
+            <a:spAutoFit/>
+          </a:bodyPr>
+          <a:lstStyle/>
+          <a:p>
+            <a:pPr algn="just">
+              <a:lnSpc>
+                <a:spcPct val="100000"/>
+              </a:lnSpc>
+            </a:pPr>
+            <a:r>
+              <a:rPr lang="en-US" sz="1800" b="0" strike="noStrike" spc="-1" dirty="0">
+                <a:solidFill>
+                  <a:srgbClr val="BB0643"/>
+                </a:solidFill>
+                <a:latin typeface="Segoe UI"/>
+                <a:ea typeface="DejaVu Sans"/>
+              </a:rPr>
+              <a:t>TODO</a:t>
+            </a:r>
+            <a:endParaRPr lang="en-IN" spc="-1" dirty="0">
+              <a:solidFill>
+                <a:srgbClr val="BB0643"/>
+              </a:solidFill>
+              <a:latin typeface="Segoe UI"/>
+            </a:endParaRPr>
+          </a:p>
+        </p:txBody>
+      </p:sp>
+    </p:spTree>
+    <p:extLst>
+      <p:ext uri="{BB962C8B-B14F-4D97-AF65-F5344CB8AC3E}">
+        <p14:creationId xmlns:p14="http://schemas.microsoft.com/office/powerpoint/2010/main" val="3843509445"/>
+      </p:ext>
+    </p:extLst>
+  </p:cSld>
+  <p:clrMapOvr>
+    <a:masterClrMapping/>
+  </p:clrMapOvr>
+</p:sld>
+</file>
+
+<file path=ppt/slides/slide26.xml><?xml version="1.0" encoding="utf-8"?>
+<p:sld xmlns:a="http://schemas.openxmlformats.org/drawingml/2006/main" xmlns:r="http://schemas.openxmlformats.org/officeDocument/2006/relationships" xmlns:p="http://schemas.openxmlformats.org/presentationml/2006/main">
+  <p:cSld>
+    <p:spTree>
+      <p:nvGrpSpPr>
+        <p:cNvPr id="1" name=""/>
+        <p:cNvGrpSpPr/>
+        <p:nvPr/>
+      </p:nvGrpSpPr>
+      <p:grpSpPr>
+        <a:xfrm>
+          <a:off x="0" y="0"/>
+          <a:ext cx="0" cy="0"/>
+          <a:chOff x="0" y="0"/>
+          <a:chExt cx="0" cy="0"/>
+        </a:xfrm>
+      </p:grpSpPr>
+      <p:sp>
+        <p:nvSpPr>
           <p:cNvPr id="7" name="CustomShape 4">
             <a:extLst>
               <a:ext uri="{FF2B5EF4-FFF2-40B4-BE49-F238E27FC236}">
@@ -12572,7 +12724,7 @@
 </p:sld>
 </file>
 
-<file path=ppt/slides/slide26.xml><?xml version="1.0" encoding="utf-8"?>
+<file path=ppt/slides/slide27.xml><?xml version="1.0" encoding="utf-8"?>
 <p:sld xmlns:a="http://schemas.openxmlformats.org/drawingml/2006/main" xmlns:r="http://schemas.openxmlformats.org/officeDocument/2006/relationships" xmlns:p="http://schemas.openxmlformats.org/presentationml/2006/main">
   <p:cSld>
     <p:spTree>
@@ -13468,7 +13620,7 @@
 </p:sld>
 </file>
 
-<file path=ppt/slides/slide27.xml><?xml version="1.0" encoding="utf-8"?>
+<file path=ppt/slides/slide28.xml><?xml version="1.0" encoding="utf-8"?>
 <p:sld xmlns:a="http://schemas.openxmlformats.org/drawingml/2006/main" xmlns:r="http://schemas.openxmlformats.org/officeDocument/2006/relationships" xmlns:p="http://schemas.openxmlformats.org/presentationml/2006/main">
   <p:cSld>
     <p:spTree>
@@ -14347,7 +14499,7 @@
 </p:sld>
 </file>
 
-<file path=ppt/slides/slide28.xml><?xml version="1.0" encoding="utf-8"?>
+<file path=ppt/slides/slide29.xml><?xml version="1.0" encoding="utf-8"?>
 <p:sld xmlns:a="http://schemas.openxmlformats.org/drawingml/2006/main" xmlns:r="http://schemas.openxmlformats.org/officeDocument/2006/relationships" xmlns:p="http://schemas.openxmlformats.org/presentationml/2006/main">
   <p:cSld>
     <p:spTree>
@@ -15221,7 +15373,152 @@
 </p:sld>
 </file>
 
-<file path=ppt/slides/slide29.xml><?xml version="1.0" encoding="utf-8"?>
+<file path=ppt/slides/slide3.xml><?xml version="1.0" encoding="utf-8"?>
+<p:sld xmlns:a="http://schemas.openxmlformats.org/drawingml/2006/main" xmlns:r="http://schemas.openxmlformats.org/officeDocument/2006/relationships" xmlns:p="http://schemas.openxmlformats.org/presentationml/2006/main">
+  <p:cSld>
+    <p:spTree>
+      <p:nvGrpSpPr>
+        <p:cNvPr id="1" name=""/>
+        <p:cNvGrpSpPr/>
+        <p:nvPr/>
+      </p:nvGrpSpPr>
+      <p:grpSpPr>
+        <a:xfrm>
+          <a:off x="0" y="0"/>
+          <a:ext cx="0" cy="0"/>
+          <a:chOff x="0" y="0"/>
+          <a:chExt cx="0" cy="0"/>
+        </a:xfrm>
+      </p:grpSpPr>
+      <p:sp>
+        <p:nvSpPr>
+          <p:cNvPr id="96" name="CustomShape 1"/>
+          <p:cNvSpPr/>
+          <p:nvPr/>
+        </p:nvSpPr>
+        <p:spPr>
+          <a:xfrm>
+            <a:off x="1676520" y="2362320"/>
+            <a:ext cx="8815320" cy="1752872"/>
+          </a:xfrm>
+          <a:prstGeom prst="rect">
+            <a:avLst/>
+          </a:prstGeom>
+          <a:noFill/>
+          <a:ln>
+            <a:noFill/>
+          </a:ln>
+        </p:spPr>
+        <p:style>
+          <a:lnRef idx="0">
+            <a:scrgbClr r="0" g="0" b="0"/>
+          </a:lnRef>
+          <a:fillRef idx="0">
+            <a:scrgbClr r="0" g="0" b="0"/>
+          </a:fillRef>
+          <a:effectRef idx="0">
+            <a:scrgbClr r="0" g="0" b="0"/>
+          </a:effectRef>
+          <a:fontRef idx="minor"/>
+        </p:style>
+        <p:txBody>
+          <a:bodyPr lIns="90000" tIns="45000" rIns="90000" bIns="45000">
+            <a:spAutoFit/>
+          </a:bodyPr>
+          <a:lstStyle/>
+          <a:p>
+            <a:pPr algn="ctr"/>
+            <a:r>
+              <a:rPr lang="en-IN" sz="5400" i="1" spc="-1" dirty="0">
+                <a:solidFill>
+                  <a:srgbClr val="F7C120"/>
+                </a:solidFill>
+                <a:latin typeface="Century"/>
+              </a:rPr>
+              <a:t>cqlsh</a:t>
+            </a:r>
+          </a:p>
+          <a:p>
+            <a:pPr algn="ctr">
+              <a:lnSpc>
+                <a:spcPct val="100000"/>
+              </a:lnSpc>
+            </a:pPr>
+            <a:endParaRPr lang="en-IN" sz="5400" b="0" strike="noStrike" spc="-1" dirty="0">
+              <a:latin typeface="Arial"/>
+            </a:endParaRPr>
+          </a:p>
+        </p:txBody>
+      </p:sp>
+      <p:sp>
+        <p:nvSpPr>
+          <p:cNvPr id="97" name="CustomShape 2"/>
+          <p:cNvSpPr/>
+          <p:nvPr/>
+        </p:nvSpPr>
+        <p:spPr>
+          <a:xfrm>
+            <a:off x="522360" y="3531600"/>
+            <a:ext cx="11124360" cy="644877"/>
+          </a:xfrm>
+          <a:prstGeom prst="rect">
+            <a:avLst/>
+          </a:prstGeom>
+          <a:noFill/>
+          <a:ln>
+            <a:noFill/>
+          </a:ln>
+        </p:spPr>
+        <p:style>
+          <a:lnRef idx="0">
+            <a:scrgbClr r="0" g="0" b="0"/>
+          </a:lnRef>
+          <a:fillRef idx="0">
+            <a:scrgbClr r="0" g="0" b="0"/>
+          </a:fillRef>
+          <a:effectRef idx="0">
+            <a:scrgbClr r="0" g="0" b="0"/>
+          </a:effectRef>
+          <a:fontRef idx="minor"/>
+        </p:style>
+        <p:txBody>
+          <a:bodyPr lIns="90000" tIns="45000" rIns="90000" bIns="45000">
+            <a:spAutoFit/>
+          </a:bodyPr>
+          <a:lstStyle/>
+          <a:p>
+            <a:pPr algn="just">
+              <a:lnSpc>
+                <a:spcPct val="100000"/>
+              </a:lnSpc>
+            </a:pPr>
+            <a:r>
+              <a:rPr lang="en-US" spc="-1" dirty="0">
+                <a:solidFill>
+                  <a:srgbClr val="BB0643"/>
+                </a:solidFill>
+                <a:latin typeface="Segoe UI"/>
+              </a:rPr>
+              <a:t>Cassandra Query Language Shell (CQLSH) is basically a communication medium between Cassandra and the user.</a:t>
+            </a:r>
+            <a:endParaRPr lang="en-IN" spc="-1" dirty="0">
+              <a:solidFill>
+                <a:srgbClr val="BB0643"/>
+              </a:solidFill>
+              <a:latin typeface="Segoe UI"/>
+            </a:endParaRPr>
+          </a:p>
+        </p:txBody>
+      </p:sp>
+    </p:spTree>
+  </p:cSld>
+  <p:clrMapOvr>
+    <a:masterClrMapping/>
+  </p:clrMapOvr>
+</p:sld>
+</file>
+
+<file path=ppt/slides/slide30.xml><?xml version="1.0" encoding="utf-8"?>
 <p:sld xmlns:a="http://schemas.openxmlformats.org/drawingml/2006/main" xmlns:r="http://schemas.openxmlformats.org/officeDocument/2006/relationships" xmlns:p="http://schemas.openxmlformats.org/presentationml/2006/main">
   <p:cSld>
     <p:spTree>
@@ -16223,152 +16520,7 @@
 </p:sld>
 </file>
 
-<file path=ppt/slides/slide3.xml><?xml version="1.0" encoding="utf-8"?>
-<p:sld xmlns:a="http://schemas.openxmlformats.org/drawingml/2006/main" xmlns:r="http://schemas.openxmlformats.org/officeDocument/2006/relationships" xmlns:p="http://schemas.openxmlformats.org/presentationml/2006/main">
-  <p:cSld>
-    <p:spTree>
-      <p:nvGrpSpPr>
-        <p:cNvPr id="1" name=""/>
-        <p:cNvGrpSpPr/>
-        <p:nvPr/>
-      </p:nvGrpSpPr>
-      <p:grpSpPr>
-        <a:xfrm>
-          <a:off x="0" y="0"/>
-          <a:ext cx="0" cy="0"/>
-          <a:chOff x="0" y="0"/>
-          <a:chExt cx="0" cy="0"/>
-        </a:xfrm>
-      </p:grpSpPr>
-      <p:sp>
-        <p:nvSpPr>
-          <p:cNvPr id="96" name="CustomShape 1"/>
-          <p:cNvSpPr/>
-          <p:nvPr/>
-        </p:nvSpPr>
-        <p:spPr>
-          <a:xfrm>
-            <a:off x="1676520" y="2362320"/>
-            <a:ext cx="8815320" cy="1752872"/>
-          </a:xfrm>
-          <a:prstGeom prst="rect">
-            <a:avLst/>
-          </a:prstGeom>
-          <a:noFill/>
-          <a:ln>
-            <a:noFill/>
-          </a:ln>
-        </p:spPr>
-        <p:style>
-          <a:lnRef idx="0">
-            <a:scrgbClr r="0" g="0" b="0"/>
-          </a:lnRef>
-          <a:fillRef idx="0">
-            <a:scrgbClr r="0" g="0" b="0"/>
-          </a:fillRef>
-          <a:effectRef idx="0">
-            <a:scrgbClr r="0" g="0" b="0"/>
-          </a:effectRef>
-          <a:fontRef idx="minor"/>
-        </p:style>
-        <p:txBody>
-          <a:bodyPr lIns="90000" tIns="45000" rIns="90000" bIns="45000">
-            <a:spAutoFit/>
-          </a:bodyPr>
-          <a:lstStyle/>
-          <a:p>
-            <a:pPr algn="ctr"/>
-            <a:r>
-              <a:rPr lang="en-IN" sz="5400" i="1" spc="-1" dirty="0">
-                <a:solidFill>
-                  <a:srgbClr val="F7C120"/>
-                </a:solidFill>
-                <a:latin typeface="Century"/>
-              </a:rPr>
-              <a:t>cqlsh</a:t>
-            </a:r>
-          </a:p>
-          <a:p>
-            <a:pPr algn="ctr">
-              <a:lnSpc>
-                <a:spcPct val="100000"/>
-              </a:lnSpc>
-            </a:pPr>
-            <a:endParaRPr lang="en-IN" sz="5400" b="0" strike="noStrike" spc="-1" dirty="0">
-              <a:latin typeface="Arial"/>
-            </a:endParaRPr>
-          </a:p>
-        </p:txBody>
-      </p:sp>
-      <p:sp>
-        <p:nvSpPr>
-          <p:cNvPr id="97" name="CustomShape 2"/>
-          <p:cNvSpPr/>
-          <p:nvPr/>
-        </p:nvSpPr>
-        <p:spPr>
-          <a:xfrm>
-            <a:off x="522360" y="3531600"/>
-            <a:ext cx="11124360" cy="644877"/>
-          </a:xfrm>
-          <a:prstGeom prst="rect">
-            <a:avLst/>
-          </a:prstGeom>
-          <a:noFill/>
-          <a:ln>
-            <a:noFill/>
-          </a:ln>
-        </p:spPr>
-        <p:style>
-          <a:lnRef idx="0">
-            <a:scrgbClr r="0" g="0" b="0"/>
-          </a:lnRef>
-          <a:fillRef idx="0">
-            <a:scrgbClr r="0" g="0" b="0"/>
-          </a:fillRef>
-          <a:effectRef idx="0">
-            <a:scrgbClr r="0" g="0" b="0"/>
-          </a:effectRef>
-          <a:fontRef idx="minor"/>
-        </p:style>
-        <p:txBody>
-          <a:bodyPr lIns="90000" tIns="45000" rIns="90000" bIns="45000">
-            <a:spAutoFit/>
-          </a:bodyPr>
-          <a:lstStyle/>
-          <a:p>
-            <a:pPr algn="just">
-              <a:lnSpc>
-                <a:spcPct val="100000"/>
-              </a:lnSpc>
-            </a:pPr>
-            <a:r>
-              <a:rPr lang="en-US" spc="-1" dirty="0">
-                <a:solidFill>
-                  <a:srgbClr val="BB0643"/>
-                </a:solidFill>
-                <a:latin typeface="Segoe UI"/>
-              </a:rPr>
-              <a:t>Cassandra Query Language Shell (CQLSH) is basically a communication medium between Cassandra and the user.</a:t>
-            </a:r>
-            <a:endParaRPr lang="en-IN" spc="-1" dirty="0">
-              <a:solidFill>
-                <a:srgbClr val="BB0643"/>
-              </a:solidFill>
-              <a:latin typeface="Segoe UI"/>
-            </a:endParaRPr>
-          </a:p>
-        </p:txBody>
-      </p:sp>
-    </p:spTree>
-  </p:cSld>
-  <p:clrMapOvr>
-    <a:masterClrMapping/>
-  </p:clrMapOvr>
-</p:sld>
-</file>
-
-<file path=ppt/slides/slide30.xml><?xml version="1.0" encoding="utf-8"?>
+<file path=ppt/slides/slide31.xml><?xml version="1.0" encoding="utf-8"?>
 <p:sld xmlns:a="http://schemas.openxmlformats.org/drawingml/2006/main" xmlns:r="http://schemas.openxmlformats.org/officeDocument/2006/relationships" xmlns:p="http://schemas.openxmlformats.org/presentationml/2006/main">
   <p:cSld>
     <p:spTree>
@@ -17327,7 +17479,7 @@
 </p:sld>
 </file>
 
-<file path=ppt/slides/slide31.xml><?xml version="1.0" encoding="utf-8"?>
+<file path=ppt/slides/slide32.xml><?xml version="1.0" encoding="utf-8"?>
 <p:sld xmlns:a="http://schemas.openxmlformats.org/drawingml/2006/main" xmlns:r="http://schemas.openxmlformats.org/officeDocument/2006/relationships" xmlns:p="http://schemas.openxmlformats.org/presentationml/2006/main">
   <p:cSld>
     <p:spTree>
@@ -18299,7 +18451,1059 @@
 </p:sld>
 </file>
 
-<file path=ppt/slides/slide32.xml><?xml version="1.0" encoding="utf-8"?>
+<file path=ppt/slides/slide33.xml><?xml version="1.0" encoding="utf-8"?>
+<p:sld xmlns:a="http://schemas.openxmlformats.org/drawingml/2006/main" xmlns:r="http://schemas.openxmlformats.org/officeDocument/2006/relationships" xmlns:p="http://schemas.openxmlformats.org/presentationml/2006/main">
+  <p:cSld>
+    <p:spTree>
+      <p:nvGrpSpPr>
+        <p:cNvPr id="1" name=""/>
+        <p:cNvGrpSpPr/>
+        <p:nvPr/>
+      </p:nvGrpSpPr>
+      <p:grpSpPr>
+        <a:xfrm>
+          <a:off x="0" y="0"/>
+          <a:ext cx="0" cy="0"/>
+          <a:chOff x="0" y="0"/>
+          <a:chExt cx="0" cy="0"/>
+        </a:xfrm>
+      </p:grpSpPr>
+      <p:sp>
+        <p:nvSpPr>
+          <p:cNvPr id="109" name="CustomShape 1"/>
+          <p:cNvSpPr/>
+          <p:nvPr/>
+        </p:nvSpPr>
+        <p:spPr>
+          <a:xfrm>
+            <a:off x="1676520" y="2362320"/>
+            <a:ext cx="8815320" cy="921876"/>
+          </a:xfrm>
+          <a:prstGeom prst="rect">
+            <a:avLst/>
+          </a:prstGeom>
+          <a:noFill/>
+          <a:ln>
+            <a:noFill/>
+          </a:ln>
+        </p:spPr>
+        <p:style>
+          <a:lnRef idx="0">
+            <a:scrgbClr r="0" g="0" b="0"/>
+          </a:lnRef>
+          <a:fillRef idx="0">
+            <a:scrgbClr r="0" g="0" b="0"/>
+          </a:fillRef>
+          <a:effectRef idx="0">
+            <a:scrgbClr r="0" g="0" b="0"/>
+          </a:effectRef>
+          <a:fontRef idx="minor"/>
+        </p:style>
+        <p:txBody>
+          <a:bodyPr lIns="90000" tIns="45000" rIns="90000" bIns="45000">
+            <a:spAutoFit/>
+          </a:bodyPr>
+          <a:lstStyle/>
+          <a:p>
+            <a:pPr algn="ctr">
+              <a:lnSpc>
+                <a:spcPct val="100000"/>
+              </a:lnSpc>
+            </a:pPr>
+            <a:r>
+              <a:rPr lang="en-IN" sz="5400" i="1" spc="-1" dirty="0">
+                <a:solidFill>
+                  <a:srgbClr val="F7C120"/>
+                </a:solidFill>
+                <a:latin typeface="Century"/>
+                <a:ea typeface="DejaVu Sans"/>
+              </a:rPr>
+              <a:t>user defined datatype</a:t>
+            </a:r>
+            <a:endParaRPr lang="en-IN" sz="5400" b="0" strike="noStrike" spc="-1" dirty="0">
+              <a:latin typeface="Arial"/>
+            </a:endParaRPr>
+          </a:p>
+        </p:txBody>
+      </p:sp>
+      <p:sp>
+        <p:nvSpPr>
+          <p:cNvPr id="110" name="CustomShape 2"/>
+          <p:cNvSpPr/>
+          <p:nvPr/>
+        </p:nvSpPr>
+        <p:spPr>
+          <a:xfrm>
+            <a:off x="522360" y="3531600"/>
+            <a:ext cx="11052360" cy="367878"/>
+          </a:xfrm>
+          <a:prstGeom prst="rect">
+            <a:avLst/>
+          </a:prstGeom>
+          <a:noFill/>
+          <a:ln>
+            <a:noFill/>
+          </a:ln>
+        </p:spPr>
+        <p:style>
+          <a:lnRef idx="0">
+            <a:scrgbClr r="0" g="0" b="0"/>
+          </a:lnRef>
+          <a:fillRef idx="0">
+            <a:scrgbClr r="0" g="0" b="0"/>
+          </a:fillRef>
+          <a:effectRef idx="0">
+            <a:scrgbClr r="0" g="0" b="0"/>
+          </a:effectRef>
+          <a:fontRef idx="minor"/>
+        </p:style>
+        <p:txBody>
+          <a:bodyPr lIns="90000" tIns="45000" rIns="90000" bIns="45000">
+            <a:spAutoFit/>
+          </a:bodyPr>
+          <a:lstStyle/>
+          <a:p>
+            <a:pPr algn="just">
+              <a:lnSpc>
+                <a:spcPct val="100000"/>
+              </a:lnSpc>
+            </a:pPr>
+            <a:r>
+              <a:rPr lang="en-US" sz="1800" b="0" strike="noStrike" spc="-1" dirty="0">
+                <a:solidFill>
+                  <a:srgbClr val="BB0643"/>
+                </a:solidFill>
+                <a:latin typeface="Segoe UI"/>
+                <a:ea typeface="DejaVu Sans"/>
+              </a:rPr>
+              <a:t>TODO</a:t>
+            </a:r>
+            <a:endParaRPr lang="en-IN" spc="-1" dirty="0">
+              <a:solidFill>
+                <a:srgbClr val="BB0643"/>
+              </a:solidFill>
+              <a:latin typeface="Segoe UI"/>
+            </a:endParaRPr>
+          </a:p>
+        </p:txBody>
+      </p:sp>
+    </p:spTree>
+    <p:extLst>
+      <p:ext uri="{BB962C8B-B14F-4D97-AF65-F5344CB8AC3E}">
+        <p14:creationId xmlns:p14="http://schemas.microsoft.com/office/powerpoint/2010/main" val="665258686"/>
+      </p:ext>
+    </p:extLst>
+  </p:cSld>
+  <p:clrMapOvr>
+    <a:masterClrMapping/>
+  </p:clrMapOvr>
+</p:sld>
+</file>
+
+<file path=ppt/slides/slide34.xml><?xml version="1.0" encoding="utf-8"?>
+<p:sld xmlns:a="http://schemas.openxmlformats.org/drawingml/2006/main" xmlns:r="http://schemas.openxmlformats.org/officeDocument/2006/relationships" xmlns:p="http://schemas.openxmlformats.org/presentationml/2006/main">
+  <p:cSld>
+    <p:spTree>
+      <p:nvGrpSpPr>
+        <p:cNvPr id="1" name=""/>
+        <p:cNvGrpSpPr/>
+        <p:nvPr/>
+      </p:nvGrpSpPr>
+      <p:grpSpPr>
+        <a:xfrm>
+          <a:off x="0" y="0"/>
+          <a:ext cx="0" cy="0"/>
+          <a:chOff x="0" y="0"/>
+          <a:chExt cx="0" cy="0"/>
+        </a:xfrm>
+      </p:grpSpPr>
+      <p:sp>
+        <p:nvSpPr>
+          <p:cNvPr id="9" name="CustomShape 1">
+            <a:extLst>
+              <a:ext uri="{FF2B5EF4-FFF2-40B4-BE49-F238E27FC236}">
+                <a16:creationId xmlns:a16="http://schemas.microsoft.com/office/drawing/2014/main" id="{BDFD7540-71E5-4580-B408-0238083AF10D}"/>
+              </a:ext>
+            </a:extLst>
+          </p:cNvPr>
+          <p:cNvSpPr/>
+          <p:nvPr/>
+        </p:nvSpPr>
+        <p:spPr>
+          <a:xfrm>
+            <a:off x="246600" y="762120"/>
+            <a:ext cx="11687400" cy="367878"/>
+          </a:xfrm>
+          <a:prstGeom prst="rect">
+            <a:avLst/>
+          </a:prstGeom>
+          <a:noFill/>
+          <a:ln>
+            <a:noFill/>
+          </a:ln>
+        </p:spPr>
+        <p:style>
+          <a:lnRef idx="0">
+            <a:scrgbClr r="0" g="0" b="0"/>
+          </a:lnRef>
+          <a:fillRef idx="0">
+            <a:scrgbClr r="0" g="0" b="0"/>
+          </a:fillRef>
+          <a:effectRef idx="0">
+            <a:scrgbClr r="0" g="0" b="0"/>
+          </a:effectRef>
+          <a:fontRef idx="minor"/>
+        </p:style>
+        <p:txBody>
+          <a:bodyPr lIns="90000" tIns="45000" rIns="90000" bIns="45000">
+            <a:spAutoFit/>
+          </a:bodyPr>
+          <a:lstStyle/>
+          <a:p>
+            <a:pPr algn="just"/>
+            <a:r>
+              <a:rPr lang="en-US" spc="-1" dirty="0">
+                <a:latin typeface="Arial"/>
+              </a:rPr>
+              <a:t>TODO.</a:t>
+            </a:r>
+          </a:p>
+        </p:txBody>
+      </p:sp>
+      <p:sp>
+        <p:nvSpPr>
+          <p:cNvPr id="10" name="Line 5">
+            <a:extLst>
+              <a:ext uri="{FF2B5EF4-FFF2-40B4-BE49-F238E27FC236}">
+                <a16:creationId xmlns:a16="http://schemas.microsoft.com/office/drawing/2014/main" id="{9195D559-2BA8-4321-B3CF-CB7E0100E287}"/>
+              </a:ext>
+            </a:extLst>
+          </p:cNvPr>
+          <p:cNvSpPr/>
+          <p:nvPr/>
+        </p:nvSpPr>
+        <p:spPr>
+          <a:xfrm>
+            <a:off x="0" y="1536120"/>
+            <a:ext cx="12191760" cy="0"/>
+          </a:xfrm>
+          <a:prstGeom prst="line">
+            <a:avLst/>
+          </a:prstGeom>
+          <a:ln w="12600">
+            <a:solidFill>
+              <a:srgbClr val="6E78A0"/>
+            </a:solidFill>
+            <a:prstDash val="dash"/>
+            <a:round/>
+          </a:ln>
+        </p:spPr>
+        <p:style>
+          <a:lnRef idx="1">
+            <a:schemeClr val="accent1"/>
+          </a:lnRef>
+          <a:fillRef idx="0">
+            <a:schemeClr val="accent1"/>
+          </a:fillRef>
+          <a:effectRef idx="0">
+            <a:schemeClr val="accent1"/>
+          </a:effectRef>
+          <a:fontRef idx="minor"/>
+        </p:style>
+      </p:sp>
+      <p:sp>
+        <p:nvSpPr>
+          <p:cNvPr id="11" name="CustomShape 6">
+            <a:extLst>
+              <a:ext uri="{FF2B5EF4-FFF2-40B4-BE49-F238E27FC236}">
+                <a16:creationId xmlns:a16="http://schemas.microsoft.com/office/drawing/2014/main" id="{A5FFE217-10E6-473C-B9AE-7DEDFA8E93C4}"/>
+              </a:ext>
+            </a:extLst>
+          </p:cNvPr>
+          <p:cNvSpPr/>
+          <p:nvPr/>
+        </p:nvSpPr>
+        <p:spPr>
+          <a:xfrm>
+            <a:off x="246600" y="2030040"/>
+            <a:ext cx="11687400" cy="1044986"/>
+          </a:xfrm>
+          <a:prstGeom prst="rect">
+            <a:avLst/>
+          </a:prstGeom>
+          <a:noFill/>
+          <a:ln>
+            <a:noFill/>
+          </a:ln>
+        </p:spPr>
+        <p:style>
+          <a:lnRef idx="0">
+            <a:scrgbClr r="0" g="0" b="0"/>
+          </a:lnRef>
+          <a:fillRef idx="0">
+            <a:scrgbClr r="0" g="0" b="0"/>
+          </a:fillRef>
+          <a:effectRef idx="0">
+            <a:scrgbClr r="0" g="0" b="0"/>
+          </a:effectRef>
+          <a:fontRef idx="minor"/>
+        </p:style>
+        <p:txBody>
+          <a:bodyPr lIns="90000" tIns="45000" rIns="90000" bIns="45000">
+            <a:spAutoFit/>
+          </a:bodyPr>
+          <a:lstStyle/>
+          <a:p>
+            <a:r>
+              <a:rPr lang="en-US" spc="-1" dirty="0">
+                <a:latin typeface="Source Code Pro" panose="020B0509030403020204" pitchFamily="49" charset="0"/>
+                <a:ea typeface="Source Code Pro" panose="020B0509030403020204" pitchFamily="49" charset="0"/>
+              </a:rPr>
+              <a:t>create_type_statement::= </a:t>
+            </a:r>
+            <a:r>
+              <a:rPr lang="en-US" spc="-1" dirty="0">
+                <a:solidFill>
+                  <a:srgbClr val="2B8208"/>
+                </a:solidFill>
+                <a:latin typeface="Source Code Pro" panose="020B0509030403020204" pitchFamily="49" charset="0"/>
+                <a:ea typeface="Source Code Pro" panose="020B0509030403020204" pitchFamily="49" charset="0"/>
+              </a:rPr>
+              <a:t>CREATE</a:t>
+            </a:r>
+            <a:r>
+              <a:rPr lang="en-US" spc="-1" dirty="0">
+                <a:latin typeface="Source Code Pro" panose="020B0509030403020204" pitchFamily="49" charset="0"/>
+                <a:ea typeface="Source Code Pro" panose="020B0509030403020204" pitchFamily="49" charset="0"/>
+              </a:rPr>
+              <a:t> </a:t>
+            </a:r>
+            <a:r>
+              <a:rPr lang="en-US" spc="-1" dirty="0">
+                <a:solidFill>
+                  <a:srgbClr val="2B8208"/>
+                </a:solidFill>
+                <a:latin typeface="Source Code Pro" panose="020B0509030403020204" pitchFamily="49" charset="0"/>
+                <a:ea typeface="Source Code Pro" panose="020B0509030403020204" pitchFamily="49" charset="0"/>
+              </a:rPr>
+              <a:t>TYPE</a:t>
+            </a:r>
+            <a:r>
+              <a:rPr lang="en-US" spc="-1" dirty="0">
+                <a:latin typeface="Source Code Pro" panose="020B0509030403020204" pitchFamily="49" charset="0"/>
+                <a:ea typeface="Source Code Pro" panose="020B0509030403020204" pitchFamily="49" charset="0"/>
+              </a:rPr>
+              <a:t> [ </a:t>
+            </a:r>
+            <a:r>
+              <a:rPr lang="en-US" spc="-1" dirty="0">
+                <a:solidFill>
+                  <a:srgbClr val="2B8208"/>
+                </a:solidFill>
+                <a:latin typeface="Source Code Pro" panose="020B0509030403020204" pitchFamily="49" charset="0"/>
+                <a:ea typeface="Source Code Pro" panose="020B0509030403020204" pitchFamily="49" charset="0"/>
+              </a:rPr>
+              <a:t>IF</a:t>
+            </a:r>
+            <a:r>
+              <a:rPr lang="en-US" spc="-1" dirty="0">
+                <a:latin typeface="Source Code Pro" panose="020B0509030403020204" pitchFamily="49" charset="0"/>
+                <a:ea typeface="Source Code Pro" panose="020B0509030403020204" pitchFamily="49" charset="0"/>
+              </a:rPr>
+              <a:t> </a:t>
+            </a:r>
+            <a:r>
+              <a:rPr lang="en-US" spc="-1" dirty="0">
+                <a:solidFill>
+                  <a:srgbClr val="2B8208"/>
+                </a:solidFill>
+                <a:latin typeface="Source Code Pro" panose="020B0509030403020204" pitchFamily="49" charset="0"/>
+                <a:ea typeface="Source Code Pro" panose="020B0509030403020204" pitchFamily="49" charset="0"/>
+              </a:rPr>
+              <a:t>NOT</a:t>
+            </a:r>
+            <a:r>
+              <a:rPr lang="en-US" spc="-1" dirty="0">
+                <a:latin typeface="Source Code Pro" panose="020B0509030403020204" pitchFamily="49" charset="0"/>
+                <a:ea typeface="Source Code Pro" panose="020B0509030403020204" pitchFamily="49" charset="0"/>
+              </a:rPr>
+              <a:t> </a:t>
+            </a:r>
+            <a:r>
+              <a:rPr lang="en-US" spc="-1" dirty="0">
+                <a:solidFill>
+                  <a:srgbClr val="2B8208"/>
+                </a:solidFill>
+                <a:latin typeface="Source Code Pro" panose="020B0509030403020204" pitchFamily="49" charset="0"/>
+                <a:ea typeface="Source Code Pro" panose="020B0509030403020204" pitchFamily="49" charset="0"/>
+              </a:rPr>
+              <a:t>EXISTS</a:t>
+            </a:r>
+            <a:r>
+              <a:rPr lang="en-US" spc="-1" dirty="0">
+                <a:latin typeface="Source Code Pro" panose="020B0509030403020204" pitchFamily="49" charset="0"/>
+                <a:ea typeface="Source Code Pro" panose="020B0509030403020204" pitchFamily="49" charset="0"/>
+              </a:rPr>
+              <a:t> ] udt_name</a:t>
+            </a:r>
+          </a:p>
+          <a:p>
+            <a:r>
+              <a:rPr lang="en-US" spc="-1" dirty="0">
+                <a:latin typeface="Source Code Pro" panose="020B0509030403020204" pitchFamily="49" charset="0"/>
+                <a:ea typeface="Source Code Pro" panose="020B0509030403020204" pitchFamily="49" charset="0"/>
+              </a:rPr>
+              <a:t>        '(' </a:t>
+            </a:r>
+            <a:r>
+              <a:rPr lang="en-US" spc="-1" dirty="0">
+                <a:solidFill>
+                  <a:srgbClr val="0070C0"/>
+                </a:solidFill>
+                <a:latin typeface="Source Code Pro" panose="020B0509030403020204" pitchFamily="49" charset="0"/>
+                <a:ea typeface="Source Code Pro" panose="020B0509030403020204" pitchFamily="49" charset="0"/>
+              </a:rPr>
+              <a:t>field_definition </a:t>
+            </a:r>
+            <a:r>
+              <a:rPr lang="en-US" spc="-1" dirty="0">
+                <a:latin typeface="Source Code Pro" panose="020B0509030403020204" pitchFamily="49" charset="0"/>
+                <a:ea typeface="Source Code Pro" panose="020B0509030403020204" pitchFamily="49" charset="0"/>
+              </a:rPr>
+              <a:t>( ',' </a:t>
+            </a:r>
+            <a:r>
+              <a:rPr lang="en-US" spc="-1" dirty="0">
+                <a:solidFill>
+                  <a:srgbClr val="0070C0"/>
+                </a:solidFill>
+                <a:latin typeface="Source Code Pro" panose="020B0509030403020204" pitchFamily="49" charset="0"/>
+                <a:ea typeface="Source Code Pro" panose="020B0509030403020204" pitchFamily="49" charset="0"/>
+              </a:rPr>
+              <a:t>field_definition</a:t>
+            </a:r>
+            <a:r>
+              <a:rPr lang="en-US" spc="-1" dirty="0">
+                <a:latin typeface="Source Code Pro" panose="020B0509030403020204" pitchFamily="49" charset="0"/>
+                <a:ea typeface="Source Code Pro" panose="020B0509030403020204" pitchFamily="49" charset="0"/>
+              </a:rPr>
+              <a:t>)* ')’</a:t>
+            </a:r>
+          </a:p>
+          <a:p>
+            <a:endParaRPr lang="en-US" sz="800" spc="-1" dirty="0">
+              <a:latin typeface="Source Code Pro" panose="020B0509030403020204" pitchFamily="49" charset="0"/>
+              <a:ea typeface="Source Code Pro" panose="020B0509030403020204" pitchFamily="49" charset="0"/>
+            </a:endParaRPr>
+          </a:p>
+          <a:p>
+            <a:r>
+              <a:rPr lang="en-US" spc="-1" dirty="0">
+                <a:solidFill>
+                  <a:srgbClr val="0070C0"/>
+                </a:solidFill>
+                <a:latin typeface="Source Code Pro" panose="020B0509030403020204" pitchFamily="49" charset="0"/>
+                <a:ea typeface="Source Code Pro" panose="020B0509030403020204" pitchFamily="49" charset="0"/>
+              </a:rPr>
+              <a:t>field_definition::= </a:t>
+            </a:r>
+            <a:r>
+              <a:rPr lang="en-US" spc="-1" dirty="0">
+                <a:latin typeface="Source Code Pro" panose="020B0509030403020204" pitchFamily="49" charset="0"/>
+                <a:ea typeface="Source Code Pro" panose="020B0509030403020204" pitchFamily="49" charset="0"/>
+              </a:rPr>
+              <a:t>identifier cql_type</a:t>
+            </a:r>
+            <a:endParaRPr lang="en-IN" sz="400" spc="-1" dirty="0">
+              <a:latin typeface="Source Code Pro" panose="020B0509030403020204" pitchFamily="49" charset="0"/>
+              <a:ea typeface="Source Code Pro" panose="020B0509030403020204" pitchFamily="49" charset="0"/>
+            </a:endParaRPr>
+          </a:p>
+        </p:txBody>
+      </p:sp>
+      <p:sp>
+        <p:nvSpPr>
+          <p:cNvPr id="8" name="CustomShape 4">
+            <a:extLst>
+              <a:ext uri="{FF2B5EF4-FFF2-40B4-BE49-F238E27FC236}">
+                <a16:creationId xmlns:a16="http://schemas.microsoft.com/office/drawing/2014/main" id="{91993118-1AF5-45AD-B680-FE100B853130}"/>
+              </a:ext>
+            </a:extLst>
+          </p:cNvPr>
+          <p:cNvSpPr/>
+          <p:nvPr/>
+        </p:nvSpPr>
+        <p:spPr>
+          <a:xfrm>
+            <a:off x="246600" y="0"/>
+            <a:ext cx="11687400" cy="706432"/>
+          </a:xfrm>
+          <a:prstGeom prst="rect">
+            <a:avLst/>
+          </a:prstGeom>
+          <a:solidFill>
+            <a:srgbClr val="C00000"/>
+          </a:solidFill>
+          <a:ln>
+            <a:noFill/>
+          </a:ln>
+        </p:spPr>
+        <p:style>
+          <a:lnRef idx="0">
+            <a:scrgbClr r="0" g="0" b="0"/>
+          </a:lnRef>
+          <a:fillRef idx="0">
+            <a:scrgbClr r="0" g="0" b="0"/>
+          </a:fillRef>
+          <a:effectRef idx="0">
+            <a:scrgbClr r="0" g="0" b="0"/>
+          </a:effectRef>
+          <a:fontRef idx="minor"/>
+        </p:style>
+        <p:txBody>
+          <a:bodyPr lIns="90000" tIns="45000" rIns="90000" bIns="45000">
+            <a:spAutoFit/>
+          </a:bodyPr>
+          <a:lstStyle/>
+          <a:p>
+            <a:pPr algn="ctr">
+              <a:lnSpc>
+                <a:spcPct val="100000"/>
+              </a:lnSpc>
+            </a:pPr>
+            <a:r>
+              <a:rPr lang="en-IN" sz="4000" b="0" strike="noStrike" spc="-1" dirty="0">
+                <a:solidFill>
+                  <a:srgbClr val="F7C120"/>
+                </a:solidFill>
+                <a:latin typeface="Open Sans"/>
+                <a:ea typeface="DejaVu Sans"/>
+              </a:rPr>
+              <a:t>user defined datatype</a:t>
+            </a:r>
+            <a:endParaRPr lang="en-IN" sz="4000" b="0" strike="noStrike" spc="-1" dirty="0">
+              <a:latin typeface="Arial"/>
+            </a:endParaRPr>
+          </a:p>
+        </p:txBody>
+      </p:sp>
+      <p:sp>
+        <p:nvSpPr>
+          <p:cNvPr id="6" name="CustomShape 2">
+            <a:extLst>
+              <a:ext uri="{FF2B5EF4-FFF2-40B4-BE49-F238E27FC236}">
+                <a16:creationId xmlns:a16="http://schemas.microsoft.com/office/drawing/2014/main" id="{DA8E5B24-1CBB-4EBC-979B-70A249BA88C3}"/>
+              </a:ext>
+            </a:extLst>
+          </p:cNvPr>
+          <p:cNvSpPr/>
+          <p:nvPr/>
+        </p:nvSpPr>
+        <p:spPr>
+          <a:xfrm>
+            <a:off x="246600" y="4296291"/>
+            <a:ext cx="11687400" cy="644877"/>
+          </a:xfrm>
+          <a:prstGeom prst="rect">
+            <a:avLst/>
+          </a:prstGeom>
+          <a:noFill/>
+          <a:ln>
+            <a:noFill/>
+          </a:ln>
+        </p:spPr>
+        <p:style>
+          <a:lnRef idx="0">
+            <a:scrgbClr r="0" g="0" b="0"/>
+          </a:lnRef>
+          <a:fillRef idx="0">
+            <a:scrgbClr r="0" g="0" b="0"/>
+          </a:fillRef>
+          <a:effectRef idx="0">
+            <a:scrgbClr r="0" g="0" b="0"/>
+          </a:effectRef>
+          <a:fontRef idx="minor"/>
+        </p:style>
+        <p:txBody>
+          <a:bodyPr wrap="square" lIns="90000" tIns="45000" rIns="90000" bIns="45000">
+            <a:spAutoFit/>
+          </a:bodyPr>
+          <a:lstStyle/>
+          <a:p>
+            <a:pPr marL="309510" indent="-285750">
+              <a:buClr>
+                <a:srgbClr val="808080"/>
+              </a:buClr>
+              <a:buFont typeface="Arial" panose="020B0604020202020204" pitchFamily="34" charset="0"/>
+              <a:buChar char="•"/>
+            </a:pPr>
+            <a:r>
+              <a:rPr lang="en-IN" sz="1800" b="0" strike="noStrike" spc="-1" dirty="0">
+                <a:solidFill>
+                  <a:schemeClr val="bg1">
+                    <a:lumMod val="50000"/>
+                  </a:schemeClr>
+                </a:solidFill>
+                <a:latin typeface="Consolas" panose="020B0609020204030204" pitchFamily="49" charset="0"/>
+                <a:ea typeface="SimSun"/>
+              </a:rPr>
+              <a:t>cqlsh:db1&gt; </a:t>
+            </a:r>
+            <a:r>
+              <a:rPr lang="en-US" sz="1800" b="0" strike="noStrike" spc="-1" dirty="0">
+                <a:latin typeface="Consolas" panose="020B0609020204030204" pitchFamily="49" charset="0"/>
+                <a:ea typeface="SimSun"/>
+              </a:rPr>
+              <a:t>CREATE COLUMNFAMILY books</a:t>
+            </a:r>
+            <a:r>
+              <a:rPr lang="en-US" sz="1800" b="0" strike="noStrike" spc="-1" dirty="0">
+                <a:solidFill>
+                  <a:schemeClr val="bg1">
+                    <a:lumMod val="50000"/>
+                  </a:schemeClr>
+                </a:solidFill>
+                <a:latin typeface="Consolas" panose="020B0609020204030204" pitchFamily="49" charset="0"/>
+                <a:ea typeface="SimSun"/>
+              </a:rPr>
+              <a:t>(</a:t>
+            </a:r>
+            <a:r>
+              <a:rPr lang="en-US" sz="1800" b="0" strike="noStrike" spc="-1" dirty="0">
+                <a:latin typeface="Consolas" panose="020B0609020204030204" pitchFamily="49" charset="0"/>
+                <a:ea typeface="SimSun"/>
+              </a:rPr>
+              <a:t> id </a:t>
+            </a:r>
+            <a:r>
+              <a:rPr lang="en-US" dirty="0">
+                <a:solidFill>
+                  <a:srgbClr val="834689"/>
+                </a:solidFill>
+                <a:latin typeface="Consolas" panose="020B0609020204030204" pitchFamily="49" charset="0"/>
+                <a:cs typeface="Arial" panose="020B0604020202020204" pitchFamily="34" charset="0"/>
+              </a:rPr>
+              <a:t>int</a:t>
+            </a:r>
+            <a:r>
+              <a:rPr lang="en-US" sz="1800" b="0" strike="noStrike" spc="-1" dirty="0">
+                <a:latin typeface="Consolas" panose="020B0609020204030204" pitchFamily="49" charset="0"/>
+                <a:ea typeface="SimSun"/>
+              </a:rPr>
+              <a:t>, title </a:t>
+            </a:r>
+            <a:r>
+              <a:rPr lang="en-US" dirty="0">
+                <a:solidFill>
+                  <a:srgbClr val="834689"/>
+                </a:solidFill>
+                <a:latin typeface="Consolas" panose="020B0609020204030204" pitchFamily="49" charset="0"/>
+                <a:cs typeface="Arial" panose="020B0604020202020204" pitchFamily="34" charset="0"/>
+              </a:rPr>
+              <a:t>varchar</a:t>
+            </a:r>
+            <a:r>
+              <a:rPr lang="en-US" sz="1800" b="0" strike="noStrike" spc="-1" dirty="0">
+                <a:latin typeface="Consolas" panose="020B0609020204030204" pitchFamily="49" charset="0"/>
+                <a:ea typeface="SimSun"/>
+              </a:rPr>
+              <a:t>, author </a:t>
+            </a:r>
+            <a:r>
+              <a:rPr lang="en-US" dirty="0">
+                <a:solidFill>
+                  <a:srgbClr val="834689"/>
+                </a:solidFill>
+                <a:latin typeface="Consolas" panose="020B0609020204030204" pitchFamily="49" charset="0"/>
+                <a:cs typeface="Arial" panose="020B0604020202020204" pitchFamily="34" charset="0"/>
+              </a:rPr>
+              <a:t>set </a:t>
+            </a:r>
+            <a:r>
+              <a:rPr lang="en-US" sz="1800" b="0" strike="noStrike" spc="-1" dirty="0">
+                <a:latin typeface="Consolas" panose="020B0609020204030204" pitchFamily="49" charset="0"/>
+                <a:ea typeface="SimSun"/>
+              </a:rPr>
+              <a:t>&lt;</a:t>
+            </a:r>
+            <a:r>
+              <a:rPr lang="en-US" dirty="0">
+                <a:solidFill>
+                  <a:srgbClr val="834689"/>
+                </a:solidFill>
+                <a:latin typeface="Consolas" panose="020B0609020204030204" pitchFamily="49" charset="0"/>
+                <a:cs typeface="Arial" panose="020B0604020202020204" pitchFamily="34" charset="0"/>
+              </a:rPr>
+              <a:t>text</a:t>
+            </a:r>
+            <a:r>
+              <a:rPr lang="en-US" sz="1800" b="0" strike="noStrike" spc="-1" dirty="0">
+                <a:latin typeface="Consolas" panose="020B0609020204030204" pitchFamily="49" charset="0"/>
+                <a:ea typeface="SimSun"/>
+              </a:rPr>
+              <a:t>&gt;</a:t>
+            </a:r>
+            <a:r>
+              <a:rPr lang="en-US" dirty="0">
+                <a:solidFill>
+                  <a:srgbClr val="834689"/>
+                </a:solidFill>
+                <a:latin typeface="Consolas" panose="020B0609020204030204" pitchFamily="49" charset="0"/>
+                <a:cs typeface="Arial" panose="020B0604020202020204" pitchFamily="34" charset="0"/>
+              </a:rPr>
+              <a:t>, </a:t>
+            </a:r>
+            <a:r>
+              <a:rPr lang="en-US" spc="-1" dirty="0">
+                <a:latin typeface="Consolas" panose="020B0609020204030204" pitchFamily="49" charset="0"/>
+                <a:ea typeface="SimSun"/>
+              </a:rPr>
+              <a:t>publisher</a:t>
+            </a:r>
+            <a:r>
+              <a:rPr lang="en-US" dirty="0">
+                <a:solidFill>
+                  <a:srgbClr val="834689"/>
+                </a:solidFill>
+                <a:latin typeface="Consolas" panose="020B0609020204030204" pitchFamily="49" charset="0"/>
+                <a:cs typeface="Arial" panose="020B0604020202020204" pitchFamily="34" charset="0"/>
+              </a:rPr>
+              <a:t> list </a:t>
+            </a:r>
+            <a:r>
+              <a:rPr lang="en-US" spc="-1" dirty="0">
+                <a:latin typeface="Consolas" panose="020B0609020204030204" pitchFamily="49" charset="0"/>
+                <a:ea typeface="SimSun"/>
+              </a:rPr>
+              <a:t>&lt;</a:t>
+            </a:r>
+            <a:r>
+              <a:rPr lang="en-US" dirty="0">
+                <a:solidFill>
+                  <a:srgbClr val="834689"/>
+                </a:solidFill>
+                <a:latin typeface="Consolas" panose="020B0609020204030204" pitchFamily="49" charset="0"/>
+                <a:cs typeface="Arial" panose="020B0604020202020204" pitchFamily="34" charset="0"/>
+              </a:rPr>
+              <a:t>text</a:t>
+            </a:r>
+            <a:r>
+              <a:rPr lang="en-US" spc="-1" dirty="0">
+                <a:latin typeface="Consolas" panose="020B0609020204030204" pitchFamily="49" charset="0"/>
+                <a:ea typeface="SimSun"/>
+              </a:rPr>
+              <a:t>&gt;, address </a:t>
+            </a:r>
+            <a:r>
+              <a:rPr lang="en-US" dirty="0">
+                <a:solidFill>
+                  <a:srgbClr val="834689"/>
+                </a:solidFill>
+                <a:latin typeface="Consolas" panose="020B0609020204030204" pitchFamily="49" charset="0"/>
+                <a:cs typeface="Arial" panose="020B0604020202020204" pitchFamily="34" charset="0"/>
+              </a:rPr>
+              <a:t>address </a:t>
+            </a:r>
+            <a:r>
+              <a:rPr lang="en-US" dirty="0">
+                <a:solidFill>
+                  <a:srgbClr val="C00000"/>
+                </a:solidFill>
+                <a:latin typeface="Consolas" panose="020B0609020204030204" pitchFamily="49" charset="0"/>
+                <a:cs typeface="Arial" panose="020B0604020202020204" pitchFamily="34" charset="0"/>
+              </a:rPr>
+              <a:t>primary</a:t>
+            </a:r>
+            <a:r>
+              <a:rPr lang="en-US" sz="1800" b="0" strike="noStrike" spc="-1" dirty="0">
+                <a:latin typeface="Consolas" panose="020B0609020204030204" pitchFamily="49" charset="0"/>
+                <a:ea typeface="SimSun"/>
+              </a:rPr>
+              <a:t> </a:t>
+            </a:r>
+            <a:r>
+              <a:rPr lang="en-US" dirty="0">
+                <a:solidFill>
+                  <a:srgbClr val="C00000"/>
+                </a:solidFill>
+                <a:latin typeface="Consolas" panose="020B0609020204030204" pitchFamily="49" charset="0"/>
+                <a:cs typeface="Arial" panose="020B0604020202020204" pitchFamily="34" charset="0"/>
+              </a:rPr>
+              <a:t>key</a:t>
+            </a:r>
+            <a:r>
+              <a:rPr lang="en-US" dirty="0">
+                <a:solidFill>
+                  <a:schemeClr val="bg1">
+                    <a:lumMod val="50000"/>
+                  </a:schemeClr>
+                </a:solidFill>
+                <a:latin typeface="Consolas" panose="020B0609020204030204" pitchFamily="49" charset="0"/>
+                <a:cs typeface="Arial" panose="020B0604020202020204" pitchFamily="34" charset="0"/>
+              </a:rPr>
+              <a:t>(</a:t>
+            </a:r>
+            <a:r>
+              <a:rPr lang="en-US" sz="1800" b="0" strike="noStrike" spc="-1" dirty="0">
+                <a:latin typeface="Consolas" panose="020B0609020204030204" pitchFamily="49" charset="0"/>
+                <a:ea typeface="SimSun"/>
+              </a:rPr>
+              <a:t>id</a:t>
+            </a:r>
+            <a:r>
+              <a:rPr lang="en-US" dirty="0">
+                <a:solidFill>
+                  <a:schemeClr val="bg1">
+                    <a:lumMod val="50000"/>
+                  </a:schemeClr>
+                </a:solidFill>
+                <a:latin typeface="Consolas" panose="020B0609020204030204" pitchFamily="49" charset="0"/>
+                <a:cs typeface="Arial" panose="020B0604020202020204" pitchFamily="34" charset="0"/>
+              </a:rPr>
+              <a:t>)</a:t>
+            </a:r>
+            <a:r>
+              <a:rPr lang="en-US" dirty="0">
+                <a:solidFill>
+                  <a:srgbClr val="834689"/>
+                </a:solidFill>
+                <a:latin typeface="Consolas" panose="020B0609020204030204" pitchFamily="49" charset="0"/>
+                <a:cs typeface="Arial" panose="020B0604020202020204" pitchFamily="34" charset="0"/>
+              </a:rPr>
+              <a:t> </a:t>
+            </a:r>
+            <a:r>
+              <a:rPr lang="en-US" sz="1800" b="0" strike="noStrike" spc="-1" dirty="0">
+                <a:solidFill>
+                  <a:schemeClr val="bg1">
+                    <a:lumMod val="50000"/>
+                  </a:schemeClr>
+                </a:solidFill>
+                <a:latin typeface="Consolas" panose="020B0609020204030204" pitchFamily="49" charset="0"/>
+                <a:ea typeface="SimSun"/>
+              </a:rPr>
+              <a:t>)</a:t>
+            </a:r>
+            <a:r>
+              <a:rPr lang="en-US" sz="1800" b="0" strike="noStrike" spc="-1" dirty="0">
+                <a:latin typeface="Consolas" panose="020B0609020204030204" pitchFamily="49" charset="0"/>
+                <a:ea typeface="SimSun"/>
+              </a:rPr>
+              <a:t>;</a:t>
+            </a:r>
+            <a:endParaRPr lang="en-IN" spc="-1" dirty="0">
+              <a:latin typeface="Consolas" panose="020B0609020204030204" pitchFamily="49" charset="0"/>
+              <a:ea typeface="SimSun"/>
+            </a:endParaRPr>
+          </a:p>
+        </p:txBody>
+      </p:sp>
+      <p:sp>
+        <p:nvSpPr>
+          <p:cNvPr id="7" name="CustomShape 2">
+            <a:extLst>
+              <a:ext uri="{FF2B5EF4-FFF2-40B4-BE49-F238E27FC236}">
+                <a16:creationId xmlns:a16="http://schemas.microsoft.com/office/drawing/2014/main" id="{BFDADF5F-75B5-4364-83C6-4FB86236AD1B}"/>
+              </a:ext>
+            </a:extLst>
+          </p:cNvPr>
+          <p:cNvSpPr/>
+          <p:nvPr/>
+        </p:nvSpPr>
+        <p:spPr>
+          <a:xfrm>
+            <a:off x="246600" y="3416031"/>
+            <a:ext cx="11687400" cy="367878"/>
+          </a:xfrm>
+          <a:prstGeom prst="rect">
+            <a:avLst/>
+          </a:prstGeom>
+          <a:noFill/>
+          <a:ln>
+            <a:noFill/>
+          </a:ln>
+        </p:spPr>
+        <p:style>
+          <a:lnRef idx="0">
+            <a:scrgbClr r="0" g="0" b="0"/>
+          </a:lnRef>
+          <a:fillRef idx="0">
+            <a:scrgbClr r="0" g="0" b="0"/>
+          </a:fillRef>
+          <a:effectRef idx="0">
+            <a:scrgbClr r="0" g="0" b="0"/>
+          </a:effectRef>
+          <a:fontRef idx="minor"/>
+        </p:style>
+        <p:txBody>
+          <a:bodyPr wrap="square" lIns="90000" tIns="45000" rIns="90000" bIns="45000">
+            <a:spAutoFit/>
+          </a:bodyPr>
+          <a:lstStyle/>
+          <a:p>
+            <a:pPr marL="309510" indent="-285750">
+              <a:buClr>
+                <a:srgbClr val="808080"/>
+              </a:buClr>
+              <a:buFont typeface="Arial" panose="020B0604020202020204" pitchFamily="34" charset="0"/>
+              <a:buChar char="•"/>
+            </a:pPr>
+            <a:r>
+              <a:rPr lang="en-IN" sz="1800" b="0" strike="noStrike" spc="-1" dirty="0">
+                <a:solidFill>
+                  <a:schemeClr val="bg1">
+                    <a:lumMod val="50000"/>
+                  </a:schemeClr>
+                </a:solidFill>
+                <a:latin typeface="Consolas" panose="020B0609020204030204" pitchFamily="49" charset="0"/>
+                <a:ea typeface="SimSun"/>
+              </a:rPr>
+              <a:t>cqlsh:db1&gt; </a:t>
+            </a:r>
+            <a:r>
+              <a:rPr lang="en-US" sz="1800" b="0" strike="noStrike" spc="-1" dirty="0">
+                <a:latin typeface="Consolas" panose="020B0609020204030204" pitchFamily="49" charset="0"/>
+                <a:ea typeface="SimSun"/>
+              </a:rPr>
+              <a:t>CREATE TYPE address</a:t>
+            </a:r>
+            <a:r>
+              <a:rPr lang="en-US" sz="1800" b="0" strike="noStrike" spc="-1" dirty="0">
+                <a:solidFill>
+                  <a:schemeClr val="bg1">
+                    <a:lumMod val="50000"/>
+                  </a:schemeClr>
+                </a:solidFill>
+                <a:latin typeface="Consolas" panose="020B0609020204030204" pitchFamily="49" charset="0"/>
+                <a:ea typeface="SimSun"/>
+              </a:rPr>
+              <a:t>(</a:t>
+            </a:r>
+            <a:r>
+              <a:rPr lang="en-US" sz="1800" b="0" strike="noStrike" spc="-1" dirty="0">
+                <a:latin typeface="Consolas" panose="020B0609020204030204" pitchFamily="49" charset="0"/>
+                <a:ea typeface="SimSun"/>
+              </a:rPr>
+              <a:t> line1 </a:t>
+            </a:r>
+            <a:r>
+              <a:rPr lang="en-US" dirty="0">
+                <a:solidFill>
+                  <a:srgbClr val="834689"/>
+                </a:solidFill>
+                <a:latin typeface="Consolas" panose="020B0609020204030204" pitchFamily="49" charset="0"/>
+                <a:cs typeface="Arial" panose="020B0604020202020204" pitchFamily="34" charset="0"/>
+              </a:rPr>
+              <a:t>varchar</a:t>
+            </a:r>
+            <a:r>
+              <a:rPr lang="en-US" sz="1800" b="0" strike="noStrike" spc="-1" dirty="0">
+                <a:latin typeface="Consolas" panose="020B0609020204030204" pitchFamily="49" charset="0"/>
+                <a:ea typeface="SimSun"/>
+              </a:rPr>
+              <a:t>, city </a:t>
+            </a:r>
+            <a:r>
+              <a:rPr lang="en-US" dirty="0">
+                <a:solidFill>
+                  <a:srgbClr val="834689"/>
+                </a:solidFill>
+                <a:latin typeface="Consolas" panose="020B0609020204030204" pitchFamily="49" charset="0"/>
+                <a:cs typeface="Arial" panose="020B0604020202020204" pitchFamily="34" charset="0"/>
+              </a:rPr>
+              <a:t>varchar</a:t>
+            </a:r>
+            <a:r>
+              <a:rPr lang="en-US" sz="1800" b="0" strike="noStrike" spc="-1" dirty="0">
+                <a:latin typeface="Consolas" panose="020B0609020204030204" pitchFamily="49" charset="0"/>
+                <a:ea typeface="SimSun"/>
+              </a:rPr>
+              <a:t>, state </a:t>
+            </a:r>
+            <a:r>
+              <a:rPr lang="en-US" dirty="0">
+                <a:solidFill>
+                  <a:srgbClr val="834689"/>
+                </a:solidFill>
+                <a:latin typeface="Consolas" panose="020B0609020204030204" pitchFamily="49" charset="0"/>
+                <a:cs typeface="Arial" panose="020B0604020202020204" pitchFamily="34" charset="0"/>
+              </a:rPr>
+              <a:t>text</a:t>
+            </a:r>
+            <a:r>
+              <a:rPr lang="en-US" spc="-1" dirty="0">
+                <a:latin typeface="Consolas" panose="020B0609020204030204" pitchFamily="49" charset="0"/>
+                <a:ea typeface="SimSun"/>
+              </a:rPr>
+              <a:t>,</a:t>
+            </a:r>
+            <a:r>
+              <a:rPr lang="en-US" dirty="0">
+                <a:solidFill>
+                  <a:srgbClr val="834689"/>
+                </a:solidFill>
+                <a:latin typeface="Consolas" panose="020B0609020204030204" pitchFamily="49" charset="0"/>
+                <a:cs typeface="Arial" panose="020B0604020202020204" pitchFamily="34" charset="0"/>
+              </a:rPr>
+              <a:t> </a:t>
+            </a:r>
+            <a:r>
+              <a:rPr lang="en-US" spc="-1" dirty="0">
+                <a:latin typeface="Consolas" panose="020B0609020204030204" pitchFamily="49" charset="0"/>
+                <a:ea typeface="SimSun"/>
+              </a:rPr>
+              <a:t>pin</a:t>
+            </a:r>
+            <a:r>
+              <a:rPr lang="en-US" dirty="0">
+                <a:solidFill>
+                  <a:srgbClr val="834689"/>
+                </a:solidFill>
+                <a:latin typeface="Consolas" panose="020B0609020204030204" pitchFamily="49" charset="0"/>
+                <a:cs typeface="Arial" panose="020B0604020202020204" pitchFamily="34" charset="0"/>
+              </a:rPr>
+              <a:t> int </a:t>
+            </a:r>
+            <a:r>
+              <a:rPr lang="en-US" sz="1800" b="0" strike="noStrike" spc="-1" dirty="0">
+                <a:solidFill>
+                  <a:schemeClr val="bg1">
+                    <a:lumMod val="50000"/>
+                  </a:schemeClr>
+                </a:solidFill>
+                <a:latin typeface="Consolas" panose="020B0609020204030204" pitchFamily="49" charset="0"/>
+                <a:ea typeface="SimSun"/>
+              </a:rPr>
+              <a:t>)</a:t>
+            </a:r>
+            <a:r>
+              <a:rPr lang="en-US" sz="1800" b="0" strike="noStrike" spc="-1" dirty="0">
+                <a:latin typeface="Consolas" panose="020B0609020204030204" pitchFamily="49" charset="0"/>
+                <a:ea typeface="SimSun"/>
+              </a:rPr>
+              <a:t>;</a:t>
+            </a:r>
+            <a:endParaRPr lang="en-IN" spc="-1" dirty="0">
+              <a:latin typeface="Consolas" panose="020B0609020204030204" pitchFamily="49" charset="0"/>
+              <a:ea typeface="SimSun"/>
+            </a:endParaRPr>
+          </a:p>
+        </p:txBody>
+      </p:sp>
+    </p:spTree>
+    <p:extLst>
+      <p:ext uri="{BB962C8B-B14F-4D97-AF65-F5344CB8AC3E}">
+        <p14:creationId xmlns:p14="http://schemas.microsoft.com/office/powerpoint/2010/main" val="3802447939"/>
+      </p:ext>
+    </p:extLst>
+  </p:cSld>
+  <p:clrMapOvr>
+    <a:masterClrMapping/>
+  </p:clrMapOvr>
+</p:sld>
+</file>
+
+<file path=ppt/slides/slide35.xml><?xml version="1.0" encoding="utf-8"?>
 <p:sld xmlns:a="http://schemas.openxmlformats.org/drawingml/2006/main" xmlns:r="http://schemas.openxmlformats.org/officeDocument/2006/relationships" xmlns:p="http://schemas.openxmlformats.org/presentationml/2006/main">
   <p:cSld>
     <p:spTree>
@@ -18432,7 +19636,7 @@
 </p:sld>
 </file>
 
-<file path=ppt/slides/slide33.xml><?xml version="1.0" encoding="utf-8"?>
+<file path=ppt/slides/slide36.xml><?xml version="1.0" encoding="utf-8"?>
 <p:sld xmlns:a="http://schemas.openxmlformats.org/drawingml/2006/main" xmlns:r="http://schemas.openxmlformats.org/officeDocument/2006/relationships" xmlns:p="http://schemas.openxmlformats.org/presentationml/2006/main">
   <p:cSld>
     <p:spTree>
@@ -18921,7 +20125,7 @@
 </p:sld>
 </file>
 
-<file path=ppt/slides/slide34.xml><?xml version="1.0" encoding="utf-8"?>
+<file path=ppt/slides/slide37.xml><?xml version="1.0" encoding="utf-8"?>
 <p:sld xmlns:a="http://schemas.openxmlformats.org/drawingml/2006/main" xmlns:r="http://schemas.openxmlformats.org/officeDocument/2006/relationships" xmlns:p="http://schemas.openxmlformats.org/presentationml/2006/main">
   <p:cSld>
     <p:spTree>
@@ -19070,7 +20274,7 @@
 </p:sld>
 </file>
 
-<file path=ppt/slides/slide35.xml><?xml version="1.0" encoding="utf-8"?>
+<file path=ppt/slides/slide38.xml><?xml version="1.0" encoding="utf-8"?>
 <p:sld xmlns:a="http://schemas.openxmlformats.org/drawingml/2006/main" xmlns:r="http://schemas.openxmlformats.org/officeDocument/2006/relationships" xmlns:p="http://schemas.openxmlformats.org/presentationml/2006/main">
   <p:cSld>
     <p:spTree>
@@ -19786,7 +20990,7 @@
 </p:sld>
 </file>
 
-<file path=ppt/slides/slide36.xml><?xml version="1.0" encoding="utf-8"?>
+<file path=ppt/slides/slide39.xml><?xml version="1.0" encoding="utf-8"?>
 <p:sld xmlns:a="http://schemas.openxmlformats.org/drawingml/2006/main" xmlns:r="http://schemas.openxmlformats.org/officeDocument/2006/relationships" xmlns:p="http://schemas.openxmlformats.org/presentationml/2006/main">
   <p:cSld>
     <p:spTree>
@@ -20076,820 +21280,6 @@
 </p:sld>
 </file>
 
-<file path=ppt/slides/slide37.xml><?xml version="1.0" encoding="utf-8"?>
-<p:sld xmlns:a="http://schemas.openxmlformats.org/drawingml/2006/main" xmlns:r="http://schemas.openxmlformats.org/officeDocument/2006/relationships" xmlns:p="http://schemas.openxmlformats.org/presentationml/2006/main">
-  <p:cSld>
-    <p:spTree>
-      <p:nvGrpSpPr>
-        <p:cNvPr id="1" name=""/>
-        <p:cNvGrpSpPr/>
-        <p:nvPr/>
-      </p:nvGrpSpPr>
-      <p:grpSpPr>
-        <a:xfrm>
-          <a:off x="0" y="0"/>
-          <a:ext cx="0" cy="0"/>
-          <a:chOff x="0" y="0"/>
-          <a:chExt cx="0" cy="0"/>
-        </a:xfrm>
-      </p:grpSpPr>
-      <p:sp>
-        <p:nvSpPr>
-          <p:cNvPr id="109" name="CustomShape 1"/>
-          <p:cNvSpPr/>
-          <p:nvPr/>
-        </p:nvSpPr>
-        <p:spPr>
-          <a:xfrm>
-            <a:off x="1676520" y="2362320"/>
-            <a:ext cx="8815320" cy="921876"/>
-          </a:xfrm>
-          <a:prstGeom prst="rect">
-            <a:avLst/>
-          </a:prstGeom>
-          <a:noFill/>
-          <a:ln>
-            <a:noFill/>
-          </a:ln>
-        </p:spPr>
-        <p:style>
-          <a:lnRef idx="0">
-            <a:scrgbClr r="0" g="0" b="0"/>
-          </a:lnRef>
-          <a:fillRef idx="0">
-            <a:scrgbClr r="0" g="0" b="0"/>
-          </a:fillRef>
-          <a:effectRef idx="0">
-            <a:scrgbClr r="0" g="0" b="0"/>
-          </a:effectRef>
-          <a:fontRef idx="minor"/>
-        </p:style>
-        <p:txBody>
-          <a:bodyPr lIns="90000" tIns="45000" rIns="90000" bIns="45000">
-            <a:spAutoFit/>
-          </a:bodyPr>
-          <a:lstStyle/>
-          <a:p>
-            <a:pPr algn="ctr">
-              <a:lnSpc>
-                <a:spcPct val="100000"/>
-              </a:lnSpc>
-            </a:pPr>
-            <a:r>
-              <a:rPr lang="en-IN" sz="5400" i="1" spc="-1" dirty="0">
-                <a:solidFill>
-                  <a:srgbClr val="F7C120"/>
-                </a:solidFill>
-                <a:latin typeface="Century"/>
-                <a:ea typeface="DejaVu Sans"/>
-              </a:rPr>
-              <a:t>drop</a:t>
-            </a:r>
-            <a:r>
-              <a:rPr lang="en-IN" sz="5400" b="0" i="1" strike="noStrike" spc="-1" dirty="0">
-                <a:solidFill>
-                  <a:srgbClr val="F7C120"/>
-                </a:solidFill>
-                <a:latin typeface="Century"/>
-                <a:ea typeface="DejaVu Sans"/>
-              </a:rPr>
-              <a:t> table</a:t>
-            </a:r>
-            <a:endParaRPr lang="en-IN" sz="5400" b="0" strike="noStrike" spc="-1" dirty="0">
-              <a:latin typeface="Arial"/>
-            </a:endParaRPr>
-          </a:p>
-        </p:txBody>
-      </p:sp>
-      <p:sp>
-        <p:nvSpPr>
-          <p:cNvPr id="110" name="CustomShape 2"/>
-          <p:cNvSpPr/>
-          <p:nvPr/>
-        </p:nvSpPr>
-        <p:spPr>
-          <a:xfrm>
-            <a:off x="522360" y="3531600"/>
-            <a:ext cx="11052360" cy="367878"/>
-          </a:xfrm>
-          <a:prstGeom prst="rect">
-            <a:avLst/>
-          </a:prstGeom>
-          <a:noFill/>
-          <a:ln>
-            <a:noFill/>
-          </a:ln>
-        </p:spPr>
-        <p:style>
-          <a:lnRef idx="0">
-            <a:scrgbClr r="0" g="0" b="0"/>
-          </a:lnRef>
-          <a:fillRef idx="0">
-            <a:scrgbClr r="0" g="0" b="0"/>
-          </a:fillRef>
-          <a:effectRef idx="0">
-            <a:scrgbClr r="0" g="0" b="0"/>
-          </a:effectRef>
-          <a:fontRef idx="minor"/>
-        </p:style>
-        <p:txBody>
-          <a:bodyPr lIns="90000" tIns="45000" rIns="90000" bIns="45000">
-            <a:spAutoFit/>
-          </a:bodyPr>
-          <a:lstStyle/>
-          <a:p>
-            <a:pPr algn="just">
-              <a:lnSpc>
-                <a:spcPct val="100000"/>
-              </a:lnSpc>
-            </a:pPr>
-            <a:r>
-              <a:rPr lang="en-US" sz="1800" b="0" strike="noStrike" spc="-1" dirty="0">
-                <a:solidFill>
-                  <a:srgbClr val="BB0643"/>
-                </a:solidFill>
-                <a:latin typeface="Segoe UI"/>
-                <a:ea typeface="DejaVu Sans"/>
-              </a:rPr>
-              <a:t>TODO</a:t>
-            </a:r>
-            <a:endParaRPr lang="en-IN" spc="-1" dirty="0">
-              <a:solidFill>
-                <a:srgbClr val="BB0643"/>
-              </a:solidFill>
-              <a:latin typeface="Segoe UI"/>
-            </a:endParaRPr>
-          </a:p>
-        </p:txBody>
-      </p:sp>
-    </p:spTree>
-    <p:extLst>
-      <p:ext uri="{BB962C8B-B14F-4D97-AF65-F5344CB8AC3E}">
-        <p14:creationId xmlns:p14="http://schemas.microsoft.com/office/powerpoint/2010/main" val="3621743096"/>
-      </p:ext>
-    </p:extLst>
-  </p:cSld>
-  <p:clrMapOvr>
-    <a:masterClrMapping/>
-  </p:clrMapOvr>
-</p:sld>
-</file>
-
-<file path=ppt/slides/slide38.xml><?xml version="1.0" encoding="utf-8"?>
-<p:sld xmlns:a="http://schemas.openxmlformats.org/drawingml/2006/main" xmlns:r="http://schemas.openxmlformats.org/officeDocument/2006/relationships" xmlns:p="http://schemas.openxmlformats.org/presentationml/2006/main">
-  <p:cSld>
-    <p:spTree>
-      <p:nvGrpSpPr>
-        <p:cNvPr id="1" name=""/>
-        <p:cNvGrpSpPr/>
-        <p:nvPr/>
-      </p:nvGrpSpPr>
-      <p:grpSpPr>
-        <a:xfrm>
-          <a:off x="0" y="0"/>
-          <a:ext cx="0" cy="0"/>
-          <a:chOff x="0" y="0"/>
-          <a:chExt cx="0" cy="0"/>
-        </a:xfrm>
-      </p:grpSpPr>
-      <p:sp>
-        <p:nvSpPr>
-          <p:cNvPr id="111" name="CustomShape 1"/>
-          <p:cNvSpPr/>
-          <p:nvPr/>
-        </p:nvSpPr>
-        <p:spPr>
-          <a:xfrm>
-            <a:off x="246600" y="762120"/>
-            <a:ext cx="11687400" cy="367878"/>
-          </a:xfrm>
-          <a:prstGeom prst="rect">
-            <a:avLst/>
-          </a:prstGeom>
-          <a:noFill/>
-          <a:ln>
-            <a:noFill/>
-          </a:ln>
-        </p:spPr>
-        <p:style>
-          <a:lnRef idx="0">
-            <a:scrgbClr r="0" g="0" b="0"/>
-          </a:lnRef>
-          <a:fillRef idx="0">
-            <a:scrgbClr r="0" g="0" b="0"/>
-          </a:fillRef>
-          <a:effectRef idx="0">
-            <a:scrgbClr r="0" g="0" b="0"/>
-          </a:effectRef>
-          <a:fontRef idx="minor"/>
-        </p:style>
-        <p:txBody>
-          <a:bodyPr lIns="90000" tIns="45000" rIns="90000" bIns="45000">
-            <a:spAutoFit/>
-          </a:bodyPr>
-          <a:lstStyle/>
-          <a:p>
-            <a:pPr algn="just"/>
-            <a:r>
-              <a:rPr lang="en-US" spc="-1" dirty="0">
-                <a:latin typeface="Arial"/>
-              </a:rPr>
-              <a:t>TODO</a:t>
-            </a:r>
-          </a:p>
-        </p:txBody>
-      </p:sp>
-      <p:sp>
-        <p:nvSpPr>
-          <p:cNvPr id="114" name="CustomShape 4"/>
-          <p:cNvSpPr/>
-          <p:nvPr/>
-        </p:nvSpPr>
-        <p:spPr>
-          <a:xfrm>
-            <a:off x="246600" y="0"/>
-            <a:ext cx="11687400" cy="706432"/>
-          </a:xfrm>
-          <a:prstGeom prst="rect">
-            <a:avLst/>
-          </a:prstGeom>
-          <a:solidFill>
-            <a:srgbClr val="C00000"/>
-          </a:solidFill>
-          <a:ln>
-            <a:noFill/>
-          </a:ln>
-        </p:spPr>
-        <p:style>
-          <a:lnRef idx="0">
-            <a:scrgbClr r="0" g="0" b="0"/>
-          </a:lnRef>
-          <a:fillRef idx="0">
-            <a:scrgbClr r="0" g="0" b="0"/>
-          </a:fillRef>
-          <a:effectRef idx="0">
-            <a:scrgbClr r="0" g="0" b="0"/>
-          </a:effectRef>
-          <a:fontRef idx="minor"/>
-        </p:style>
-        <p:txBody>
-          <a:bodyPr lIns="90000" tIns="45000" rIns="90000" bIns="45000">
-            <a:spAutoFit/>
-          </a:bodyPr>
-          <a:lstStyle/>
-          <a:p>
-            <a:pPr algn="ctr">
-              <a:lnSpc>
-                <a:spcPct val="100000"/>
-              </a:lnSpc>
-            </a:pPr>
-            <a:r>
-              <a:rPr lang="en-IN" sz="4000" spc="-1" dirty="0">
-                <a:solidFill>
-                  <a:srgbClr val="F7C120"/>
-                </a:solidFill>
-                <a:latin typeface="Open Sans"/>
-                <a:ea typeface="DejaVu Sans"/>
-              </a:rPr>
-              <a:t>drop</a:t>
-            </a:r>
-            <a:r>
-              <a:rPr lang="en-IN" sz="4000" b="0" strike="noStrike" spc="-1" dirty="0">
-                <a:solidFill>
-                  <a:srgbClr val="F7C120"/>
-                </a:solidFill>
-                <a:latin typeface="Open Sans"/>
-                <a:ea typeface="DejaVu Sans"/>
-              </a:rPr>
-              <a:t> table</a:t>
-            </a:r>
-            <a:endParaRPr lang="en-IN" sz="4000" b="0" strike="noStrike" spc="-1" dirty="0">
-              <a:latin typeface="Arial"/>
-            </a:endParaRPr>
-          </a:p>
-        </p:txBody>
-      </p:sp>
-      <p:sp>
-        <p:nvSpPr>
-          <p:cNvPr id="115" name="Line 5"/>
-          <p:cNvSpPr/>
-          <p:nvPr/>
-        </p:nvSpPr>
-        <p:spPr>
-          <a:xfrm>
-            <a:off x="0" y="1536120"/>
-            <a:ext cx="12191760" cy="0"/>
-          </a:xfrm>
-          <a:prstGeom prst="line">
-            <a:avLst/>
-          </a:prstGeom>
-          <a:ln w="12600">
-            <a:solidFill>
-              <a:srgbClr val="6E78A0"/>
-            </a:solidFill>
-            <a:prstDash val="dash"/>
-            <a:round/>
-          </a:ln>
-        </p:spPr>
-        <p:style>
-          <a:lnRef idx="1">
-            <a:schemeClr val="accent1"/>
-          </a:lnRef>
-          <a:fillRef idx="0">
-            <a:schemeClr val="accent1"/>
-          </a:fillRef>
-          <a:effectRef idx="0">
-            <a:schemeClr val="accent1"/>
-          </a:effectRef>
-          <a:fontRef idx="minor"/>
-        </p:style>
-      </p:sp>
-      <p:sp>
-        <p:nvSpPr>
-          <p:cNvPr id="116" name="CustomShape 6"/>
-          <p:cNvSpPr/>
-          <p:nvPr/>
-        </p:nvSpPr>
-        <p:spPr>
-          <a:xfrm>
-            <a:off x="246600" y="2030040"/>
-            <a:ext cx="11687400" cy="644877"/>
-          </a:xfrm>
-          <a:prstGeom prst="rect">
-            <a:avLst/>
-          </a:prstGeom>
-          <a:noFill/>
-          <a:ln>
-            <a:noFill/>
-          </a:ln>
-        </p:spPr>
-        <p:style>
-          <a:lnRef idx="0">
-            <a:scrgbClr r="0" g="0" b="0"/>
-          </a:lnRef>
-          <a:fillRef idx="0">
-            <a:scrgbClr r="0" g="0" b="0"/>
-          </a:fillRef>
-          <a:effectRef idx="0">
-            <a:scrgbClr r="0" g="0" b="0"/>
-          </a:effectRef>
-          <a:fontRef idx="minor"/>
-        </p:style>
-        <p:txBody>
-          <a:bodyPr lIns="90000" tIns="45000" rIns="90000" bIns="45000">
-            <a:spAutoFit/>
-          </a:bodyPr>
-          <a:lstStyle/>
-          <a:p>
-            <a:r>
-              <a:rPr lang="en-US" b="0" i="0" dirty="0">
-                <a:effectLst/>
-                <a:latin typeface="Source Code Pro" panose="020B0509030403020204" pitchFamily="49" charset="0"/>
-                <a:ea typeface="Source Code Pro" panose="020B0509030403020204" pitchFamily="49" charset="0"/>
-              </a:rPr>
-              <a:t>drop_table_statement::= </a:t>
-            </a:r>
-            <a:r>
-              <a:rPr lang="en-US" spc="-1" dirty="0">
-                <a:solidFill>
-                  <a:srgbClr val="2B8208"/>
-                </a:solidFill>
-                <a:latin typeface="Source Code Pro" panose="020B0509030403020204" pitchFamily="49" charset="0"/>
-                <a:ea typeface="Source Code Pro" panose="020B0509030403020204" pitchFamily="49" charset="0"/>
-              </a:rPr>
-              <a:t>DROP</a:t>
-            </a:r>
-            <a:r>
-              <a:rPr lang="en-US" b="0" i="0" dirty="0">
-                <a:effectLst/>
-                <a:latin typeface="Source Code Pro" panose="020B0509030403020204" pitchFamily="49" charset="0"/>
-                <a:ea typeface="Source Code Pro" panose="020B0509030403020204" pitchFamily="49" charset="0"/>
-              </a:rPr>
-              <a:t> </a:t>
-            </a:r>
-            <a:r>
-              <a:rPr lang="en-US" spc="-1" dirty="0">
-                <a:latin typeface="Source Code Pro" panose="020B0509030403020204" pitchFamily="49" charset="0"/>
-                <a:ea typeface="Source Code Pro" panose="020B0509030403020204" pitchFamily="49" charset="0"/>
-              </a:rPr>
-              <a:t>{</a:t>
-            </a:r>
-            <a:r>
-              <a:rPr lang="en-US" spc="-1" dirty="0">
-                <a:solidFill>
-                  <a:srgbClr val="2B8208"/>
-                </a:solidFill>
-                <a:latin typeface="Source Code Pro" panose="020B0509030403020204" pitchFamily="49" charset="0"/>
-                <a:ea typeface="Source Code Pro" panose="020B0509030403020204" pitchFamily="49" charset="0"/>
-              </a:rPr>
-              <a:t> TABLE </a:t>
-            </a:r>
-            <a:r>
-              <a:rPr lang="en-US" spc="-1" dirty="0">
-                <a:latin typeface="Source Code Pro" panose="020B0509030403020204" pitchFamily="49" charset="0"/>
-                <a:ea typeface="Source Code Pro" panose="020B0509030403020204" pitchFamily="49" charset="0"/>
-              </a:rPr>
-              <a:t>|</a:t>
-            </a:r>
-            <a:r>
-              <a:rPr lang="en-US" spc="-1" dirty="0">
-                <a:solidFill>
-                  <a:srgbClr val="2B8208"/>
-                </a:solidFill>
-                <a:latin typeface="Source Code Pro" panose="020B0509030403020204" pitchFamily="49" charset="0"/>
-                <a:ea typeface="Source Code Pro" panose="020B0509030403020204" pitchFamily="49" charset="0"/>
-              </a:rPr>
-              <a:t> COLUMNFAMILY </a:t>
-            </a:r>
-            <a:r>
-              <a:rPr lang="en-US" spc="-1" dirty="0">
-                <a:latin typeface="Source Code Pro" panose="020B0509030403020204" pitchFamily="49" charset="0"/>
-                <a:ea typeface="Source Code Pro" panose="020B0509030403020204" pitchFamily="49" charset="0"/>
-              </a:rPr>
-              <a:t>}</a:t>
-            </a:r>
-            <a:r>
-              <a:rPr lang="en-US" b="0" i="0" dirty="0">
-                <a:effectLst/>
-                <a:latin typeface="Source Code Pro" panose="020B0509030403020204" pitchFamily="49" charset="0"/>
-                <a:ea typeface="Source Code Pro" panose="020B0509030403020204" pitchFamily="49" charset="0"/>
-              </a:rPr>
-              <a:t> [ </a:t>
-            </a:r>
-            <a:r>
-              <a:rPr lang="en-US" spc="-1" dirty="0">
-                <a:solidFill>
-                  <a:srgbClr val="2B8208"/>
-                </a:solidFill>
-                <a:latin typeface="Source Code Pro" panose="020B0509030403020204" pitchFamily="49" charset="0"/>
-                <a:ea typeface="Source Code Pro" panose="020B0509030403020204" pitchFamily="49" charset="0"/>
-              </a:rPr>
-              <a:t>IF</a:t>
-            </a:r>
-            <a:r>
-              <a:rPr lang="en-US" b="0" i="0" dirty="0">
-                <a:effectLst/>
-                <a:latin typeface="Source Code Pro" panose="020B0509030403020204" pitchFamily="49" charset="0"/>
-                <a:ea typeface="Source Code Pro" panose="020B0509030403020204" pitchFamily="49" charset="0"/>
-              </a:rPr>
-              <a:t> </a:t>
-            </a:r>
-            <a:r>
-              <a:rPr lang="en-US" spc="-1" dirty="0">
-                <a:solidFill>
-                  <a:srgbClr val="2B8208"/>
-                </a:solidFill>
-                <a:latin typeface="Source Code Pro" panose="020B0509030403020204" pitchFamily="49" charset="0"/>
-                <a:ea typeface="Source Code Pro" panose="020B0509030403020204" pitchFamily="49" charset="0"/>
-              </a:rPr>
-              <a:t>EXISTS</a:t>
-            </a:r>
-            <a:r>
-              <a:rPr lang="en-US" b="0" i="0" dirty="0">
-                <a:effectLst/>
-                <a:latin typeface="Source Code Pro" panose="020B0509030403020204" pitchFamily="49" charset="0"/>
-                <a:ea typeface="Source Code Pro" panose="020B0509030403020204" pitchFamily="49" charset="0"/>
-              </a:rPr>
-              <a:t> ] </a:t>
-            </a:r>
-            <a:r>
-              <a:rPr lang="en-US" spc="-1" dirty="0">
-                <a:latin typeface="Source Code Pro" panose="020B0509030403020204" pitchFamily="49" charset="0"/>
-                <a:ea typeface="Source Code Pro" panose="020B0509030403020204" pitchFamily="49" charset="0"/>
-              </a:rPr>
-              <a:t>[</a:t>
-            </a:r>
-            <a:r>
-              <a:rPr lang="en-US" i="1" spc="-1" dirty="0">
-                <a:latin typeface="Source Code Pro" panose="020B0509030403020204" pitchFamily="49" charset="0"/>
-                <a:ea typeface="Source Code Pro" panose="020B0509030403020204" pitchFamily="49" charset="0"/>
-              </a:rPr>
-              <a:t>keyspace_name</a:t>
-            </a:r>
-            <a:r>
-              <a:rPr lang="en-US" spc="-1" dirty="0">
-                <a:latin typeface="Source Code Pro" panose="020B0509030403020204" pitchFamily="49" charset="0"/>
-                <a:ea typeface="Source Code Pro" panose="020B0509030403020204" pitchFamily="49" charset="0"/>
-              </a:rPr>
-              <a:t>.]</a:t>
-            </a:r>
-            <a:r>
-              <a:rPr lang="en-US" i="1" spc="-1" dirty="0">
-                <a:latin typeface="Source Code Pro" panose="020B0509030403020204" pitchFamily="49" charset="0"/>
-                <a:ea typeface="Source Code Pro" panose="020B0509030403020204" pitchFamily="49" charset="0"/>
-              </a:rPr>
-              <a:t>table_name</a:t>
-            </a:r>
-            <a:endParaRPr lang="en-IN" i="1" spc="-1" dirty="0">
-              <a:latin typeface="Source Code Pro" panose="020B0509030403020204" pitchFamily="49" charset="0"/>
-              <a:ea typeface="Source Code Pro" panose="020B0509030403020204" pitchFamily="49" charset="0"/>
-            </a:endParaRPr>
-          </a:p>
-        </p:txBody>
-      </p:sp>
-      <p:sp>
-        <p:nvSpPr>
-          <p:cNvPr id="7" name="CustomShape 2">
-            <a:extLst>
-              <a:ext uri="{FF2B5EF4-FFF2-40B4-BE49-F238E27FC236}">
-                <a16:creationId xmlns:a16="http://schemas.microsoft.com/office/drawing/2014/main" id="{ACCD4961-017A-4E61-85C4-2430DD7DDAA2}"/>
-              </a:ext>
-            </a:extLst>
-          </p:cNvPr>
-          <p:cNvSpPr/>
-          <p:nvPr/>
-        </p:nvSpPr>
-        <p:spPr>
-          <a:xfrm>
-            <a:off x="246600" y="3205138"/>
-            <a:ext cx="11687400" cy="767987"/>
-          </a:xfrm>
-          <a:prstGeom prst="rect">
-            <a:avLst/>
-          </a:prstGeom>
-          <a:noFill/>
-          <a:ln>
-            <a:noFill/>
-          </a:ln>
-        </p:spPr>
-        <p:style>
-          <a:lnRef idx="0">
-            <a:scrgbClr r="0" g="0" b="0"/>
-          </a:lnRef>
-          <a:fillRef idx="0">
-            <a:scrgbClr r="0" g="0" b="0"/>
-          </a:fillRef>
-          <a:effectRef idx="0">
-            <a:scrgbClr r="0" g="0" b="0"/>
-          </a:effectRef>
-          <a:fontRef idx="minor"/>
-        </p:style>
-        <p:txBody>
-          <a:bodyPr wrap="square" lIns="90000" tIns="45000" rIns="90000" bIns="45000">
-            <a:spAutoFit/>
-          </a:bodyPr>
-          <a:lstStyle/>
-          <a:p>
-            <a:pPr marL="309510" indent="-285750">
-              <a:buClr>
-                <a:srgbClr val="808080"/>
-              </a:buClr>
-              <a:buFont typeface="Arial" panose="020B0604020202020204" pitchFamily="34" charset="0"/>
-              <a:buChar char="•"/>
-            </a:pPr>
-            <a:r>
-              <a:rPr lang="en-IN" sz="1800" b="0" strike="noStrike" spc="-1" dirty="0">
-                <a:solidFill>
-                  <a:schemeClr val="bg1">
-                    <a:lumMod val="50000"/>
-                  </a:schemeClr>
-                </a:solidFill>
-                <a:latin typeface="Consolas"/>
-                <a:ea typeface="SimSun"/>
-              </a:rPr>
-              <a:t>cqlsh:db1&gt;</a:t>
-            </a:r>
-            <a:r>
-              <a:rPr lang="en-IN" sz="1800" b="0" strike="noStrike" spc="-1" dirty="0">
-                <a:latin typeface="Consolas"/>
-                <a:ea typeface="SimSun"/>
-              </a:rPr>
-              <a:t> drop table db1.emp;</a:t>
-            </a:r>
-          </a:p>
-          <a:p>
-            <a:pPr marL="309510" indent="-285750">
-              <a:buClr>
-                <a:srgbClr val="808080"/>
-              </a:buClr>
-              <a:buFont typeface="Arial" panose="020B0604020202020204" pitchFamily="34" charset="0"/>
-              <a:buChar char="•"/>
-            </a:pPr>
-            <a:endParaRPr lang="en-IN" sz="800" spc="-1" dirty="0">
-              <a:latin typeface="Consolas"/>
-              <a:ea typeface="SimSun"/>
-            </a:endParaRPr>
-          </a:p>
-          <a:p>
-            <a:pPr marL="309510" indent="-285750">
-              <a:buClr>
-                <a:srgbClr val="808080"/>
-              </a:buClr>
-              <a:buFont typeface="Arial" panose="020B0604020202020204" pitchFamily="34" charset="0"/>
-              <a:buChar char="•"/>
-            </a:pPr>
-            <a:r>
-              <a:rPr lang="en-IN" sz="1800" b="0" strike="noStrike" spc="-1" dirty="0">
-                <a:solidFill>
-                  <a:schemeClr val="bg1">
-                    <a:lumMod val="50000"/>
-                  </a:schemeClr>
-                </a:solidFill>
-                <a:latin typeface="Consolas"/>
-                <a:ea typeface="SimSun"/>
-              </a:rPr>
-              <a:t>cqlsh:db1&gt; </a:t>
-            </a:r>
-            <a:r>
-              <a:rPr lang="en-IN" sz="1800" b="0" strike="noStrike" spc="-1" dirty="0">
-                <a:latin typeface="Consolas"/>
-                <a:ea typeface="SimSun"/>
-              </a:rPr>
-              <a:t>drop </a:t>
-            </a:r>
-            <a:r>
-              <a:rPr lang="en-US" spc="-1" dirty="0">
-                <a:latin typeface="Source Code Pro" panose="020B0509030403020204" pitchFamily="49" charset="0"/>
-                <a:ea typeface="Source Code Pro" panose="020B0509030403020204" pitchFamily="49" charset="0"/>
-              </a:rPr>
-              <a:t>columnfamily</a:t>
-            </a:r>
-            <a:r>
-              <a:rPr lang="en-IN" sz="1800" b="0" strike="noStrike" spc="-1" dirty="0">
-                <a:latin typeface="Consolas"/>
-                <a:ea typeface="SimSun"/>
-              </a:rPr>
-              <a:t> db1.emp;</a:t>
-            </a:r>
-            <a:endParaRPr lang="en-IN" spc="-1" dirty="0">
-              <a:latin typeface="Consolas"/>
-              <a:ea typeface="SimSun"/>
-            </a:endParaRPr>
-          </a:p>
-        </p:txBody>
-      </p:sp>
-    </p:spTree>
-    <p:extLst>
-      <p:ext uri="{BB962C8B-B14F-4D97-AF65-F5344CB8AC3E}">
-        <p14:creationId xmlns:p14="http://schemas.microsoft.com/office/powerpoint/2010/main" val="3364275549"/>
-      </p:ext>
-    </p:extLst>
-  </p:cSld>
-  <p:clrMapOvr>
-    <a:masterClrMapping/>
-  </p:clrMapOvr>
-</p:sld>
-</file>
-
-<file path=ppt/slides/slide39.xml><?xml version="1.0" encoding="utf-8"?>
-<p:sld xmlns:a="http://schemas.openxmlformats.org/drawingml/2006/main" xmlns:r="http://schemas.openxmlformats.org/officeDocument/2006/relationships" xmlns:p="http://schemas.openxmlformats.org/presentationml/2006/main">
-  <p:cSld>
-    <p:spTree>
-      <p:nvGrpSpPr>
-        <p:cNvPr id="1" name=""/>
-        <p:cNvGrpSpPr/>
-        <p:nvPr/>
-      </p:nvGrpSpPr>
-      <p:grpSpPr>
-        <a:xfrm>
-          <a:off x="0" y="0"/>
-          <a:ext cx="0" cy="0"/>
-          <a:chOff x="0" y="0"/>
-          <a:chExt cx="0" cy="0"/>
-        </a:xfrm>
-      </p:grpSpPr>
-      <p:sp>
-        <p:nvSpPr>
-          <p:cNvPr id="109" name="CustomShape 1"/>
-          <p:cNvSpPr/>
-          <p:nvPr/>
-        </p:nvSpPr>
-        <p:spPr>
-          <a:xfrm>
-            <a:off x="1676520" y="2362320"/>
-            <a:ext cx="8815320" cy="921876"/>
-          </a:xfrm>
-          <a:prstGeom prst="rect">
-            <a:avLst/>
-          </a:prstGeom>
-          <a:noFill/>
-          <a:ln>
-            <a:noFill/>
-          </a:ln>
-        </p:spPr>
-        <p:style>
-          <a:lnRef idx="0">
-            <a:scrgbClr r="0" g="0" b="0"/>
-          </a:lnRef>
-          <a:fillRef idx="0">
-            <a:scrgbClr r="0" g="0" b="0"/>
-          </a:fillRef>
-          <a:effectRef idx="0">
-            <a:scrgbClr r="0" g="0" b="0"/>
-          </a:effectRef>
-          <a:fontRef idx="minor"/>
-        </p:style>
-        <p:txBody>
-          <a:bodyPr lIns="90000" tIns="45000" rIns="90000" bIns="45000">
-            <a:spAutoFit/>
-          </a:bodyPr>
-          <a:lstStyle/>
-          <a:p>
-            <a:pPr algn="ctr">
-              <a:lnSpc>
-                <a:spcPct val="100000"/>
-              </a:lnSpc>
-            </a:pPr>
-            <a:r>
-              <a:rPr lang="en-IN" sz="5400" i="1" spc="-1" dirty="0">
-                <a:solidFill>
-                  <a:srgbClr val="F7C120"/>
-                </a:solidFill>
-                <a:latin typeface="Century"/>
-                <a:ea typeface="DejaVu Sans"/>
-              </a:rPr>
-              <a:t>truncate</a:t>
-            </a:r>
-            <a:r>
-              <a:rPr lang="en-IN" sz="5400" b="0" i="1" strike="noStrike" spc="-1" dirty="0">
-                <a:solidFill>
-                  <a:srgbClr val="F7C120"/>
-                </a:solidFill>
-                <a:latin typeface="Century"/>
-                <a:ea typeface="DejaVu Sans"/>
-              </a:rPr>
-              <a:t> table</a:t>
-            </a:r>
-            <a:endParaRPr lang="en-IN" sz="5400" b="0" strike="noStrike" spc="-1" dirty="0">
-              <a:latin typeface="Arial"/>
-            </a:endParaRPr>
-          </a:p>
-        </p:txBody>
-      </p:sp>
-      <p:sp>
-        <p:nvSpPr>
-          <p:cNvPr id="110" name="CustomShape 2"/>
-          <p:cNvSpPr/>
-          <p:nvPr/>
-        </p:nvSpPr>
-        <p:spPr>
-          <a:xfrm>
-            <a:off x="522360" y="3531600"/>
-            <a:ext cx="11052360" cy="367878"/>
-          </a:xfrm>
-          <a:prstGeom prst="rect">
-            <a:avLst/>
-          </a:prstGeom>
-          <a:noFill/>
-          <a:ln>
-            <a:noFill/>
-          </a:ln>
-        </p:spPr>
-        <p:style>
-          <a:lnRef idx="0">
-            <a:scrgbClr r="0" g="0" b="0"/>
-          </a:lnRef>
-          <a:fillRef idx="0">
-            <a:scrgbClr r="0" g="0" b="0"/>
-          </a:fillRef>
-          <a:effectRef idx="0">
-            <a:scrgbClr r="0" g="0" b="0"/>
-          </a:effectRef>
-          <a:fontRef idx="minor"/>
-        </p:style>
-        <p:txBody>
-          <a:bodyPr lIns="90000" tIns="45000" rIns="90000" bIns="45000">
-            <a:spAutoFit/>
-          </a:bodyPr>
-          <a:lstStyle/>
-          <a:p>
-            <a:pPr algn="just">
-              <a:lnSpc>
-                <a:spcPct val="100000"/>
-              </a:lnSpc>
-            </a:pPr>
-            <a:r>
-              <a:rPr lang="en-US" sz="1800" b="0" strike="noStrike" spc="-1" dirty="0">
-                <a:solidFill>
-                  <a:srgbClr val="BB0643"/>
-                </a:solidFill>
-                <a:latin typeface="Segoe UI"/>
-                <a:ea typeface="DejaVu Sans"/>
-              </a:rPr>
-              <a:t>TODO</a:t>
-            </a:r>
-            <a:endParaRPr lang="en-IN" spc="-1" dirty="0">
-              <a:solidFill>
-                <a:srgbClr val="BB0643"/>
-              </a:solidFill>
-              <a:latin typeface="Segoe UI"/>
-            </a:endParaRPr>
-          </a:p>
-        </p:txBody>
-      </p:sp>
-    </p:spTree>
-    <p:extLst>
-      <p:ext uri="{BB962C8B-B14F-4D97-AF65-F5344CB8AC3E}">
-        <p14:creationId xmlns:p14="http://schemas.microsoft.com/office/powerpoint/2010/main" val="3553681802"/>
-      </p:ext>
-    </p:extLst>
-  </p:cSld>
-  <p:clrMapOvr>
-    <a:masterClrMapping/>
-  </p:clrMapOvr>
-</p:sld>
-</file>
-
 <file path=ppt/slides/slide4.xml><?xml version="1.0" encoding="utf-8"?>
 <p:sld xmlns:a="http://schemas.openxmlformats.org/drawingml/2006/main" xmlns:r="http://schemas.openxmlformats.org/officeDocument/2006/relationships" xmlns:p="http://schemas.openxmlformats.org/presentationml/2006/main">
   <p:cSld>
@@ -21463,6 +21853,820 @@
       </p:grpSpPr>
       <p:sp>
         <p:nvSpPr>
+          <p:cNvPr id="109" name="CustomShape 1"/>
+          <p:cNvSpPr/>
+          <p:nvPr/>
+        </p:nvSpPr>
+        <p:spPr>
+          <a:xfrm>
+            <a:off x="1676520" y="2362320"/>
+            <a:ext cx="8815320" cy="921876"/>
+          </a:xfrm>
+          <a:prstGeom prst="rect">
+            <a:avLst/>
+          </a:prstGeom>
+          <a:noFill/>
+          <a:ln>
+            <a:noFill/>
+          </a:ln>
+        </p:spPr>
+        <p:style>
+          <a:lnRef idx="0">
+            <a:scrgbClr r="0" g="0" b="0"/>
+          </a:lnRef>
+          <a:fillRef idx="0">
+            <a:scrgbClr r="0" g="0" b="0"/>
+          </a:fillRef>
+          <a:effectRef idx="0">
+            <a:scrgbClr r="0" g="0" b="0"/>
+          </a:effectRef>
+          <a:fontRef idx="minor"/>
+        </p:style>
+        <p:txBody>
+          <a:bodyPr lIns="90000" tIns="45000" rIns="90000" bIns="45000">
+            <a:spAutoFit/>
+          </a:bodyPr>
+          <a:lstStyle/>
+          <a:p>
+            <a:pPr algn="ctr">
+              <a:lnSpc>
+                <a:spcPct val="100000"/>
+              </a:lnSpc>
+            </a:pPr>
+            <a:r>
+              <a:rPr lang="en-IN" sz="5400" i="1" spc="-1" dirty="0">
+                <a:solidFill>
+                  <a:srgbClr val="F7C120"/>
+                </a:solidFill>
+                <a:latin typeface="Century"/>
+                <a:ea typeface="DejaVu Sans"/>
+              </a:rPr>
+              <a:t>drop</a:t>
+            </a:r>
+            <a:r>
+              <a:rPr lang="en-IN" sz="5400" b="0" i="1" strike="noStrike" spc="-1" dirty="0">
+                <a:solidFill>
+                  <a:srgbClr val="F7C120"/>
+                </a:solidFill>
+                <a:latin typeface="Century"/>
+                <a:ea typeface="DejaVu Sans"/>
+              </a:rPr>
+              <a:t> table</a:t>
+            </a:r>
+            <a:endParaRPr lang="en-IN" sz="5400" b="0" strike="noStrike" spc="-1" dirty="0">
+              <a:latin typeface="Arial"/>
+            </a:endParaRPr>
+          </a:p>
+        </p:txBody>
+      </p:sp>
+      <p:sp>
+        <p:nvSpPr>
+          <p:cNvPr id="110" name="CustomShape 2"/>
+          <p:cNvSpPr/>
+          <p:nvPr/>
+        </p:nvSpPr>
+        <p:spPr>
+          <a:xfrm>
+            <a:off x="522360" y="3531600"/>
+            <a:ext cx="11052360" cy="367878"/>
+          </a:xfrm>
+          <a:prstGeom prst="rect">
+            <a:avLst/>
+          </a:prstGeom>
+          <a:noFill/>
+          <a:ln>
+            <a:noFill/>
+          </a:ln>
+        </p:spPr>
+        <p:style>
+          <a:lnRef idx="0">
+            <a:scrgbClr r="0" g="0" b="0"/>
+          </a:lnRef>
+          <a:fillRef idx="0">
+            <a:scrgbClr r="0" g="0" b="0"/>
+          </a:fillRef>
+          <a:effectRef idx="0">
+            <a:scrgbClr r="0" g="0" b="0"/>
+          </a:effectRef>
+          <a:fontRef idx="minor"/>
+        </p:style>
+        <p:txBody>
+          <a:bodyPr lIns="90000" tIns="45000" rIns="90000" bIns="45000">
+            <a:spAutoFit/>
+          </a:bodyPr>
+          <a:lstStyle/>
+          <a:p>
+            <a:pPr algn="just">
+              <a:lnSpc>
+                <a:spcPct val="100000"/>
+              </a:lnSpc>
+            </a:pPr>
+            <a:r>
+              <a:rPr lang="en-US" sz="1800" b="0" strike="noStrike" spc="-1" dirty="0">
+                <a:solidFill>
+                  <a:srgbClr val="BB0643"/>
+                </a:solidFill>
+                <a:latin typeface="Segoe UI"/>
+                <a:ea typeface="DejaVu Sans"/>
+              </a:rPr>
+              <a:t>TODO</a:t>
+            </a:r>
+            <a:endParaRPr lang="en-IN" spc="-1" dirty="0">
+              <a:solidFill>
+                <a:srgbClr val="BB0643"/>
+              </a:solidFill>
+              <a:latin typeface="Segoe UI"/>
+            </a:endParaRPr>
+          </a:p>
+        </p:txBody>
+      </p:sp>
+    </p:spTree>
+    <p:extLst>
+      <p:ext uri="{BB962C8B-B14F-4D97-AF65-F5344CB8AC3E}">
+        <p14:creationId xmlns:p14="http://schemas.microsoft.com/office/powerpoint/2010/main" val="3621743096"/>
+      </p:ext>
+    </p:extLst>
+  </p:cSld>
+  <p:clrMapOvr>
+    <a:masterClrMapping/>
+  </p:clrMapOvr>
+</p:sld>
+</file>
+
+<file path=ppt/slides/slide41.xml><?xml version="1.0" encoding="utf-8"?>
+<p:sld xmlns:a="http://schemas.openxmlformats.org/drawingml/2006/main" xmlns:r="http://schemas.openxmlformats.org/officeDocument/2006/relationships" xmlns:p="http://schemas.openxmlformats.org/presentationml/2006/main">
+  <p:cSld>
+    <p:spTree>
+      <p:nvGrpSpPr>
+        <p:cNvPr id="1" name=""/>
+        <p:cNvGrpSpPr/>
+        <p:nvPr/>
+      </p:nvGrpSpPr>
+      <p:grpSpPr>
+        <a:xfrm>
+          <a:off x="0" y="0"/>
+          <a:ext cx="0" cy="0"/>
+          <a:chOff x="0" y="0"/>
+          <a:chExt cx="0" cy="0"/>
+        </a:xfrm>
+      </p:grpSpPr>
+      <p:sp>
+        <p:nvSpPr>
+          <p:cNvPr id="111" name="CustomShape 1"/>
+          <p:cNvSpPr/>
+          <p:nvPr/>
+        </p:nvSpPr>
+        <p:spPr>
+          <a:xfrm>
+            <a:off x="246600" y="762120"/>
+            <a:ext cx="11687400" cy="367878"/>
+          </a:xfrm>
+          <a:prstGeom prst="rect">
+            <a:avLst/>
+          </a:prstGeom>
+          <a:noFill/>
+          <a:ln>
+            <a:noFill/>
+          </a:ln>
+        </p:spPr>
+        <p:style>
+          <a:lnRef idx="0">
+            <a:scrgbClr r="0" g="0" b="0"/>
+          </a:lnRef>
+          <a:fillRef idx="0">
+            <a:scrgbClr r="0" g="0" b="0"/>
+          </a:fillRef>
+          <a:effectRef idx="0">
+            <a:scrgbClr r="0" g="0" b="0"/>
+          </a:effectRef>
+          <a:fontRef idx="minor"/>
+        </p:style>
+        <p:txBody>
+          <a:bodyPr lIns="90000" tIns="45000" rIns="90000" bIns="45000">
+            <a:spAutoFit/>
+          </a:bodyPr>
+          <a:lstStyle/>
+          <a:p>
+            <a:pPr algn="just"/>
+            <a:r>
+              <a:rPr lang="en-US" spc="-1" dirty="0">
+                <a:latin typeface="Arial"/>
+              </a:rPr>
+              <a:t>TODO</a:t>
+            </a:r>
+          </a:p>
+        </p:txBody>
+      </p:sp>
+      <p:sp>
+        <p:nvSpPr>
+          <p:cNvPr id="114" name="CustomShape 4"/>
+          <p:cNvSpPr/>
+          <p:nvPr/>
+        </p:nvSpPr>
+        <p:spPr>
+          <a:xfrm>
+            <a:off x="246600" y="0"/>
+            <a:ext cx="11687400" cy="706432"/>
+          </a:xfrm>
+          <a:prstGeom prst="rect">
+            <a:avLst/>
+          </a:prstGeom>
+          <a:solidFill>
+            <a:srgbClr val="C00000"/>
+          </a:solidFill>
+          <a:ln>
+            <a:noFill/>
+          </a:ln>
+        </p:spPr>
+        <p:style>
+          <a:lnRef idx="0">
+            <a:scrgbClr r="0" g="0" b="0"/>
+          </a:lnRef>
+          <a:fillRef idx="0">
+            <a:scrgbClr r="0" g="0" b="0"/>
+          </a:fillRef>
+          <a:effectRef idx="0">
+            <a:scrgbClr r="0" g="0" b="0"/>
+          </a:effectRef>
+          <a:fontRef idx="minor"/>
+        </p:style>
+        <p:txBody>
+          <a:bodyPr lIns="90000" tIns="45000" rIns="90000" bIns="45000">
+            <a:spAutoFit/>
+          </a:bodyPr>
+          <a:lstStyle/>
+          <a:p>
+            <a:pPr algn="ctr">
+              <a:lnSpc>
+                <a:spcPct val="100000"/>
+              </a:lnSpc>
+            </a:pPr>
+            <a:r>
+              <a:rPr lang="en-IN" sz="4000" spc="-1" dirty="0">
+                <a:solidFill>
+                  <a:srgbClr val="F7C120"/>
+                </a:solidFill>
+                <a:latin typeface="Open Sans"/>
+                <a:ea typeface="DejaVu Sans"/>
+              </a:rPr>
+              <a:t>drop</a:t>
+            </a:r>
+            <a:r>
+              <a:rPr lang="en-IN" sz="4000" b="0" strike="noStrike" spc="-1" dirty="0">
+                <a:solidFill>
+                  <a:srgbClr val="F7C120"/>
+                </a:solidFill>
+                <a:latin typeface="Open Sans"/>
+                <a:ea typeface="DejaVu Sans"/>
+              </a:rPr>
+              <a:t> table</a:t>
+            </a:r>
+            <a:endParaRPr lang="en-IN" sz="4000" b="0" strike="noStrike" spc="-1" dirty="0">
+              <a:latin typeface="Arial"/>
+            </a:endParaRPr>
+          </a:p>
+        </p:txBody>
+      </p:sp>
+      <p:sp>
+        <p:nvSpPr>
+          <p:cNvPr id="115" name="Line 5"/>
+          <p:cNvSpPr/>
+          <p:nvPr/>
+        </p:nvSpPr>
+        <p:spPr>
+          <a:xfrm>
+            <a:off x="0" y="1536120"/>
+            <a:ext cx="12191760" cy="0"/>
+          </a:xfrm>
+          <a:prstGeom prst="line">
+            <a:avLst/>
+          </a:prstGeom>
+          <a:ln w="12600">
+            <a:solidFill>
+              <a:srgbClr val="6E78A0"/>
+            </a:solidFill>
+            <a:prstDash val="dash"/>
+            <a:round/>
+          </a:ln>
+        </p:spPr>
+        <p:style>
+          <a:lnRef idx="1">
+            <a:schemeClr val="accent1"/>
+          </a:lnRef>
+          <a:fillRef idx="0">
+            <a:schemeClr val="accent1"/>
+          </a:fillRef>
+          <a:effectRef idx="0">
+            <a:schemeClr val="accent1"/>
+          </a:effectRef>
+          <a:fontRef idx="minor"/>
+        </p:style>
+      </p:sp>
+      <p:sp>
+        <p:nvSpPr>
+          <p:cNvPr id="116" name="CustomShape 6"/>
+          <p:cNvSpPr/>
+          <p:nvPr/>
+        </p:nvSpPr>
+        <p:spPr>
+          <a:xfrm>
+            <a:off x="246600" y="2030040"/>
+            <a:ext cx="11687400" cy="644877"/>
+          </a:xfrm>
+          <a:prstGeom prst="rect">
+            <a:avLst/>
+          </a:prstGeom>
+          <a:noFill/>
+          <a:ln>
+            <a:noFill/>
+          </a:ln>
+        </p:spPr>
+        <p:style>
+          <a:lnRef idx="0">
+            <a:scrgbClr r="0" g="0" b="0"/>
+          </a:lnRef>
+          <a:fillRef idx="0">
+            <a:scrgbClr r="0" g="0" b="0"/>
+          </a:fillRef>
+          <a:effectRef idx="0">
+            <a:scrgbClr r="0" g="0" b="0"/>
+          </a:effectRef>
+          <a:fontRef idx="minor"/>
+        </p:style>
+        <p:txBody>
+          <a:bodyPr lIns="90000" tIns="45000" rIns="90000" bIns="45000">
+            <a:spAutoFit/>
+          </a:bodyPr>
+          <a:lstStyle/>
+          <a:p>
+            <a:r>
+              <a:rPr lang="en-US" b="0" i="0" dirty="0">
+                <a:effectLst/>
+                <a:latin typeface="Source Code Pro" panose="020B0509030403020204" pitchFamily="49" charset="0"/>
+                <a:ea typeface="Source Code Pro" panose="020B0509030403020204" pitchFamily="49" charset="0"/>
+              </a:rPr>
+              <a:t>drop_table_statement::= </a:t>
+            </a:r>
+            <a:r>
+              <a:rPr lang="en-US" spc="-1" dirty="0">
+                <a:solidFill>
+                  <a:srgbClr val="2B8208"/>
+                </a:solidFill>
+                <a:latin typeface="Source Code Pro" panose="020B0509030403020204" pitchFamily="49" charset="0"/>
+                <a:ea typeface="Source Code Pro" panose="020B0509030403020204" pitchFamily="49" charset="0"/>
+              </a:rPr>
+              <a:t>DROP</a:t>
+            </a:r>
+            <a:r>
+              <a:rPr lang="en-US" b="0" i="0" dirty="0">
+                <a:effectLst/>
+                <a:latin typeface="Source Code Pro" panose="020B0509030403020204" pitchFamily="49" charset="0"/>
+                <a:ea typeface="Source Code Pro" panose="020B0509030403020204" pitchFamily="49" charset="0"/>
+              </a:rPr>
+              <a:t> </a:t>
+            </a:r>
+            <a:r>
+              <a:rPr lang="en-US" spc="-1" dirty="0">
+                <a:latin typeface="Source Code Pro" panose="020B0509030403020204" pitchFamily="49" charset="0"/>
+                <a:ea typeface="Source Code Pro" panose="020B0509030403020204" pitchFamily="49" charset="0"/>
+              </a:rPr>
+              <a:t>{</a:t>
+            </a:r>
+            <a:r>
+              <a:rPr lang="en-US" spc="-1" dirty="0">
+                <a:solidFill>
+                  <a:srgbClr val="2B8208"/>
+                </a:solidFill>
+                <a:latin typeface="Source Code Pro" panose="020B0509030403020204" pitchFamily="49" charset="0"/>
+                <a:ea typeface="Source Code Pro" panose="020B0509030403020204" pitchFamily="49" charset="0"/>
+              </a:rPr>
+              <a:t> TABLE </a:t>
+            </a:r>
+            <a:r>
+              <a:rPr lang="en-US" spc="-1" dirty="0">
+                <a:latin typeface="Source Code Pro" panose="020B0509030403020204" pitchFamily="49" charset="0"/>
+                <a:ea typeface="Source Code Pro" panose="020B0509030403020204" pitchFamily="49" charset="0"/>
+              </a:rPr>
+              <a:t>|</a:t>
+            </a:r>
+            <a:r>
+              <a:rPr lang="en-US" spc="-1" dirty="0">
+                <a:solidFill>
+                  <a:srgbClr val="2B8208"/>
+                </a:solidFill>
+                <a:latin typeface="Source Code Pro" panose="020B0509030403020204" pitchFamily="49" charset="0"/>
+                <a:ea typeface="Source Code Pro" panose="020B0509030403020204" pitchFamily="49" charset="0"/>
+              </a:rPr>
+              <a:t> COLUMNFAMILY </a:t>
+            </a:r>
+            <a:r>
+              <a:rPr lang="en-US" spc="-1" dirty="0">
+                <a:latin typeface="Source Code Pro" panose="020B0509030403020204" pitchFamily="49" charset="0"/>
+                <a:ea typeface="Source Code Pro" panose="020B0509030403020204" pitchFamily="49" charset="0"/>
+              </a:rPr>
+              <a:t>}</a:t>
+            </a:r>
+            <a:r>
+              <a:rPr lang="en-US" b="0" i="0" dirty="0">
+                <a:effectLst/>
+                <a:latin typeface="Source Code Pro" panose="020B0509030403020204" pitchFamily="49" charset="0"/>
+                <a:ea typeface="Source Code Pro" panose="020B0509030403020204" pitchFamily="49" charset="0"/>
+              </a:rPr>
+              <a:t> [ </a:t>
+            </a:r>
+            <a:r>
+              <a:rPr lang="en-US" spc="-1" dirty="0">
+                <a:solidFill>
+                  <a:srgbClr val="2B8208"/>
+                </a:solidFill>
+                <a:latin typeface="Source Code Pro" panose="020B0509030403020204" pitchFamily="49" charset="0"/>
+                <a:ea typeface="Source Code Pro" panose="020B0509030403020204" pitchFamily="49" charset="0"/>
+              </a:rPr>
+              <a:t>IF</a:t>
+            </a:r>
+            <a:r>
+              <a:rPr lang="en-US" b="0" i="0" dirty="0">
+                <a:effectLst/>
+                <a:latin typeface="Source Code Pro" panose="020B0509030403020204" pitchFamily="49" charset="0"/>
+                <a:ea typeface="Source Code Pro" panose="020B0509030403020204" pitchFamily="49" charset="0"/>
+              </a:rPr>
+              <a:t> </a:t>
+            </a:r>
+            <a:r>
+              <a:rPr lang="en-US" spc="-1" dirty="0">
+                <a:solidFill>
+                  <a:srgbClr val="2B8208"/>
+                </a:solidFill>
+                <a:latin typeface="Source Code Pro" panose="020B0509030403020204" pitchFamily="49" charset="0"/>
+                <a:ea typeface="Source Code Pro" panose="020B0509030403020204" pitchFamily="49" charset="0"/>
+              </a:rPr>
+              <a:t>EXISTS</a:t>
+            </a:r>
+            <a:r>
+              <a:rPr lang="en-US" b="0" i="0" dirty="0">
+                <a:effectLst/>
+                <a:latin typeface="Source Code Pro" panose="020B0509030403020204" pitchFamily="49" charset="0"/>
+                <a:ea typeface="Source Code Pro" panose="020B0509030403020204" pitchFamily="49" charset="0"/>
+              </a:rPr>
+              <a:t> ] </a:t>
+            </a:r>
+            <a:r>
+              <a:rPr lang="en-US" spc="-1" dirty="0">
+                <a:latin typeface="Source Code Pro" panose="020B0509030403020204" pitchFamily="49" charset="0"/>
+                <a:ea typeface="Source Code Pro" panose="020B0509030403020204" pitchFamily="49" charset="0"/>
+              </a:rPr>
+              <a:t>[</a:t>
+            </a:r>
+            <a:r>
+              <a:rPr lang="en-US" i="1" spc="-1" dirty="0">
+                <a:latin typeface="Source Code Pro" panose="020B0509030403020204" pitchFamily="49" charset="0"/>
+                <a:ea typeface="Source Code Pro" panose="020B0509030403020204" pitchFamily="49" charset="0"/>
+              </a:rPr>
+              <a:t>keyspace_name</a:t>
+            </a:r>
+            <a:r>
+              <a:rPr lang="en-US" spc="-1" dirty="0">
+                <a:latin typeface="Source Code Pro" panose="020B0509030403020204" pitchFamily="49" charset="0"/>
+                <a:ea typeface="Source Code Pro" panose="020B0509030403020204" pitchFamily="49" charset="0"/>
+              </a:rPr>
+              <a:t>.]</a:t>
+            </a:r>
+            <a:r>
+              <a:rPr lang="en-US" i="1" spc="-1" dirty="0">
+                <a:latin typeface="Source Code Pro" panose="020B0509030403020204" pitchFamily="49" charset="0"/>
+                <a:ea typeface="Source Code Pro" panose="020B0509030403020204" pitchFamily="49" charset="0"/>
+              </a:rPr>
+              <a:t>table_name</a:t>
+            </a:r>
+            <a:endParaRPr lang="en-IN" i="1" spc="-1" dirty="0">
+              <a:latin typeface="Source Code Pro" panose="020B0509030403020204" pitchFamily="49" charset="0"/>
+              <a:ea typeface="Source Code Pro" panose="020B0509030403020204" pitchFamily="49" charset="0"/>
+            </a:endParaRPr>
+          </a:p>
+        </p:txBody>
+      </p:sp>
+      <p:sp>
+        <p:nvSpPr>
+          <p:cNvPr id="7" name="CustomShape 2">
+            <a:extLst>
+              <a:ext uri="{FF2B5EF4-FFF2-40B4-BE49-F238E27FC236}">
+                <a16:creationId xmlns:a16="http://schemas.microsoft.com/office/drawing/2014/main" id="{ACCD4961-017A-4E61-85C4-2430DD7DDAA2}"/>
+              </a:ext>
+            </a:extLst>
+          </p:cNvPr>
+          <p:cNvSpPr/>
+          <p:nvPr/>
+        </p:nvSpPr>
+        <p:spPr>
+          <a:xfrm>
+            <a:off x="246600" y="3205138"/>
+            <a:ext cx="11687400" cy="767987"/>
+          </a:xfrm>
+          <a:prstGeom prst="rect">
+            <a:avLst/>
+          </a:prstGeom>
+          <a:noFill/>
+          <a:ln>
+            <a:noFill/>
+          </a:ln>
+        </p:spPr>
+        <p:style>
+          <a:lnRef idx="0">
+            <a:scrgbClr r="0" g="0" b="0"/>
+          </a:lnRef>
+          <a:fillRef idx="0">
+            <a:scrgbClr r="0" g="0" b="0"/>
+          </a:fillRef>
+          <a:effectRef idx="0">
+            <a:scrgbClr r="0" g="0" b="0"/>
+          </a:effectRef>
+          <a:fontRef idx="minor"/>
+        </p:style>
+        <p:txBody>
+          <a:bodyPr wrap="square" lIns="90000" tIns="45000" rIns="90000" bIns="45000">
+            <a:spAutoFit/>
+          </a:bodyPr>
+          <a:lstStyle/>
+          <a:p>
+            <a:pPr marL="309510" indent="-285750">
+              <a:buClr>
+                <a:srgbClr val="808080"/>
+              </a:buClr>
+              <a:buFont typeface="Arial" panose="020B0604020202020204" pitchFamily="34" charset="0"/>
+              <a:buChar char="•"/>
+            </a:pPr>
+            <a:r>
+              <a:rPr lang="en-IN" sz="1800" b="0" strike="noStrike" spc="-1" dirty="0">
+                <a:solidFill>
+                  <a:schemeClr val="bg1">
+                    <a:lumMod val="50000"/>
+                  </a:schemeClr>
+                </a:solidFill>
+                <a:latin typeface="Consolas"/>
+                <a:ea typeface="SimSun"/>
+              </a:rPr>
+              <a:t>cqlsh:db1&gt;</a:t>
+            </a:r>
+            <a:r>
+              <a:rPr lang="en-IN" sz="1800" b="0" strike="noStrike" spc="-1" dirty="0">
+                <a:latin typeface="Consolas"/>
+                <a:ea typeface="SimSun"/>
+              </a:rPr>
+              <a:t> drop table db1.emp;</a:t>
+            </a:r>
+          </a:p>
+          <a:p>
+            <a:pPr marL="309510" indent="-285750">
+              <a:buClr>
+                <a:srgbClr val="808080"/>
+              </a:buClr>
+              <a:buFont typeface="Arial" panose="020B0604020202020204" pitchFamily="34" charset="0"/>
+              <a:buChar char="•"/>
+            </a:pPr>
+            <a:endParaRPr lang="en-IN" sz="800" spc="-1" dirty="0">
+              <a:latin typeface="Consolas"/>
+              <a:ea typeface="SimSun"/>
+            </a:endParaRPr>
+          </a:p>
+          <a:p>
+            <a:pPr marL="309510" indent="-285750">
+              <a:buClr>
+                <a:srgbClr val="808080"/>
+              </a:buClr>
+              <a:buFont typeface="Arial" panose="020B0604020202020204" pitchFamily="34" charset="0"/>
+              <a:buChar char="•"/>
+            </a:pPr>
+            <a:r>
+              <a:rPr lang="en-IN" sz="1800" b="0" strike="noStrike" spc="-1" dirty="0">
+                <a:solidFill>
+                  <a:schemeClr val="bg1">
+                    <a:lumMod val="50000"/>
+                  </a:schemeClr>
+                </a:solidFill>
+                <a:latin typeface="Consolas"/>
+                <a:ea typeface="SimSun"/>
+              </a:rPr>
+              <a:t>cqlsh:db1&gt; </a:t>
+            </a:r>
+            <a:r>
+              <a:rPr lang="en-IN" sz="1800" b="0" strike="noStrike" spc="-1" dirty="0">
+                <a:latin typeface="Consolas"/>
+                <a:ea typeface="SimSun"/>
+              </a:rPr>
+              <a:t>drop </a:t>
+            </a:r>
+            <a:r>
+              <a:rPr lang="en-US" spc="-1" dirty="0">
+                <a:latin typeface="Source Code Pro" panose="020B0509030403020204" pitchFamily="49" charset="0"/>
+                <a:ea typeface="Source Code Pro" panose="020B0509030403020204" pitchFamily="49" charset="0"/>
+              </a:rPr>
+              <a:t>columnfamily</a:t>
+            </a:r>
+            <a:r>
+              <a:rPr lang="en-IN" sz="1800" b="0" strike="noStrike" spc="-1" dirty="0">
+                <a:latin typeface="Consolas"/>
+                <a:ea typeface="SimSun"/>
+              </a:rPr>
+              <a:t> db1.emp;</a:t>
+            </a:r>
+            <a:endParaRPr lang="en-IN" spc="-1" dirty="0">
+              <a:latin typeface="Consolas"/>
+              <a:ea typeface="SimSun"/>
+            </a:endParaRPr>
+          </a:p>
+        </p:txBody>
+      </p:sp>
+    </p:spTree>
+    <p:extLst>
+      <p:ext uri="{BB962C8B-B14F-4D97-AF65-F5344CB8AC3E}">
+        <p14:creationId xmlns:p14="http://schemas.microsoft.com/office/powerpoint/2010/main" val="3364275549"/>
+      </p:ext>
+    </p:extLst>
+  </p:cSld>
+  <p:clrMapOvr>
+    <a:masterClrMapping/>
+  </p:clrMapOvr>
+</p:sld>
+</file>
+
+<file path=ppt/slides/slide42.xml><?xml version="1.0" encoding="utf-8"?>
+<p:sld xmlns:a="http://schemas.openxmlformats.org/drawingml/2006/main" xmlns:r="http://schemas.openxmlformats.org/officeDocument/2006/relationships" xmlns:p="http://schemas.openxmlformats.org/presentationml/2006/main">
+  <p:cSld>
+    <p:spTree>
+      <p:nvGrpSpPr>
+        <p:cNvPr id="1" name=""/>
+        <p:cNvGrpSpPr/>
+        <p:nvPr/>
+      </p:nvGrpSpPr>
+      <p:grpSpPr>
+        <a:xfrm>
+          <a:off x="0" y="0"/>
+          <a:ext cx="0" cy="0"/>
+          <a:chOff x="0" y="0"/>
+          <a:chExt cx="0" cy="0"/>
+        </a:xfrm>
+      </p:grpSpPr>
+      <p:sp>
+        <p:nvSpPr>
+          <p:cNvPr id="109" name="CustomShape 1"/>
+          <p:cNvSpPr/>
+          <p:nvPr/>
+        </p:nvSpPr>
+        <p:spPr>
+          <a:xfrm>
+            <a:off x="1676520" y="2362320"/>
+            <a:ext cx="8815320" cy="921876"/>
+          </a:xfrm>
+          <a:prstGeom prst="rect">
+            <a:avLst/>
+          </a:prstGeom>
+          <a:noFill/>
+          <a:ln>
+            <a:noFill/>
+          </a:ln>
+        </p:spPr>
+        <p:style>
+          <a:lnRef idx="0">
+            <a:scrgbClr r="0" g="0" b="0"/>
+          </a:lnRef>
+          <a:fillRef idx="0">
+            <a:scrgbClr r="0" g="0" b="0"/>
+          </a:fillRef>
+          <a:effectRef idx="0">
+            <a:scrgbClr r="0" g="0" b="0"/>
+          </a:effectRef>
+          <a:fontRef idx="minor"/>
+        </p:style>
+        <p:txBody>
+          <a:bodyPr lIns="90000" tIns="45000" rIns="90000" bIns="45000">
+            <a:spAutoFit/>
+          </a:bodyPr>
+          <a:lstStyle/>
+          <a:p>
+            <a:pPr algn="ctr">
+              <a:lnSpc>
+                <a:spcPct val="100000"/>
+              </a:lnSpc>
+            </a:pPr>
+            <a:r>
+              <a:rPr lang="en-IN" sz="5400" i="1" spc="-1" dirty="0">
+                <a:solidFill>
+                  <a:srgbClr val="F7C120"/>
+                </a:solidFill>
+                <a:latin typeface="Century"/>
+                <a:ea typeface="DejaVu Sans"/>
+              </a:rPr>
+              <a:t>truncate</a:t>
+            </a:r>
+            <a:r>
+              <a:rPr lang="en-IN" sz="5400" b="0" i="1" strike="noStrike" spc="-1" dirty="0">
+                <a:solidFill>
+                  <a:srgbClr val="F7C120"/>
+                </a:solidFill>
+                <a:latin typeface="Century"/>
+                <a:ea typeface="DejaVu Sans"/>
+              </a:rPr>
+              <a:t> table</a:t>
+            </a:r>
+            <a:endParaRPr lang="en-IN" sz="5400" b="0" strike="noStrike" spc="-1" dirty="0">
+              <a:latin typeface="Arial"/>
+            </a:endParaRPr>
+          </a:p>
+        </p:txBody>
+      </p:sp>
+      <p:sp>
+        <p:nvSpPr>
+          <p:cNvPr id="110" name="CustomShape 2"/>
+          <p:cNvSpPr/>
+          <p:nvPr/>
+        </p:nvSpPr>
+        <p:spPr>
+          <a:xfrm>
+            <a:off x="522360" y="3531600"/>
+            <a:ext cx="11052360" cy="367878"/>
+          </a:xfrm>
+          <a:prstGeom prst="rect">
+            <a:avLst/>
+          </a:prstGeom>
+          <a:noFill/>
+          <a:ln>
+            <a:noFill/>
+          </a:ln>
+        </p:spPr>
+        <p:style>
+          <a:lnRef idx="0">
+            <a:scrgbClr r="0" g="0" b="0"/>
+          </a:lnRef>
+          <a:fillRef idx="0">
+            <a:scrgbClr r="0" g="0" b="0"/>
+          </a:fillRef>
+          <a:effectRef idx="0">
+            <a:scrgbClr r="0" g="0" b="0"/>
+          </a:effectRef>
+          <a:fontRef idx="minor"/>
+        </p:style>
+        <p:txBody>
+          <a:bodyPr lIns="90000" tIns="45000" rIns="90000" bIns="45000">
+            <a:spAutoFit/>
+          </a:bodyPr>
+          <a:lstStyle/>
+          <a:p>
+            <a:pPr algn="just">
+              <a:lnSpc>
+                <a:spcPct val="100000"/>
+              </a:lnSpc>
+            </a:pPr>
+            <a:r>
+              <a:rPr lang="en-US" sz="1800" b="0" strike="noStrike" spc="-1" dirty="0">
+                <a:solidFill>
+                  <a:srgbClr val="BB0643"/>
+                </a:solidFill>
+                <a:latin typeface="Segoe UI"/>
+                <a:ea typeface="DejaVu Sans"/>
+              </a:rPr>
+              <a:t>TODO</a:t>
+            </a:r>
+            <a:endParaRPr lang="en-IN" spc="-1" dirty="0">
+              <a:solidFill>
+                <a:srgbClr val="BB0643"/>
+              </a:solidFill>
+              <a:latin typeface="Segoe UI"/>
+            </a:endParaRPr>
+          </a:p>
+        </p:txBody>
+      </p:sp>
+    </p:spTree>
+    <p:extLst>
+      <p:ext uri="{BB962C8B-B14F-4D97-AF65-F5344CB8AC3E}">
+        <p14:creationId xmlns:p14="http://schemas.microsoft.com/office/powerpoint/2010/main" val="3553681802"/>
+      </p:ext>
+    </p:extLst>
+  </p:cSld>
+  <p:clrMapOvr>
+    <a:masterClrMapping/>
+  </p:clrMapOvr>
+</p:sld>
+</file>
+
+<file path=ppt/slides/slide43.xml><?xml version="1.0" encoding="utf-8"?>
+<p:sld xmlns:a="http://schemas.openxmlformats.org/drawingml/2006/main" xmlns:r="http://schemas.openxmlformats.org/officeDocument/2006/relationships" xmlns:p="http://schemas.openxmlformats.org/presentationml/2006/main">
+  <p:cSld>
+    <p:spTree>
+      <p:nvGrpSpPr>
+        <p:cNvPr id="1" name=""/>
+        <p:cNvGrpSpPr/>
+        <p:nvPr/>
+      </p:nvGrpSpPr>
+      <p:grpSpPr>
+        <a:xfrm>
+          <a:off x="0" y="0"/>
+          <a:ext cx="0" cy="0"/>
+          <a:chOff x="0" y="0"/>
+          <a:chExt cx="0" cy="0"/>
+        </a:xfrm>
+      </p:grpSpPr>
+      <p:sp>
+        <p:nvSpPr>
           <p:cNvPr id="111" name="CustomShape 1"/>
           <p:cNvSpPr/>
           <p:nvPr/>
@@ -21904,7 +23108,7 @@
 </p:sld>
 </file>
 
-<file path=ppt/slides/slide41.xml><?xml version="1.0" encoding="utf-8"?>
+<file path=ppt/slides/slide44.xml><?xml version="1.0" encoding="utf-8"?>
 <p:sld xmlns:a="http://schemas.openxmlformats.org/drawingml/2006/main" xmlns:r="http://schemas.openxmlformats.org/officeDocument/2006/relationships" xmlns:p="http://schemas.openxmlformats.org/presentationml/2006/main">
   <p:cSld>
     <p:spTree>
@@ -22053,7 +23257,7 @@
 </p:sld>
 </file>
 
-<file path=ppt/slides/slide42.xml><?xml version="1.0" encoding="utf-8"?>
+<file path=ppt/slides/slide45.xml><?xml version="1.0" encoding="utf-8"?>
 <p:sld xmlns:a="http://schemas.openxmlformats.org/drawingml/2006/main" xmlns:r="http://schemas.openxmlformats.org/officeDocument/2006/relationships" xmlns:p="http://schemas.openxmlformats.org/presentationml/2006/main">
   <p:cSld>
     <p:spTree>
@@ -22452,7 +23656,7 @@
 </p:sld>
 </file>
 
-<file path=ppt/slides/slide43.xml><?xml version="1.0" encoding="utf-8"?>
+<file path=ppt/slides/slide46.xml><?xml version="1.0" encoding="utf-8"?>
 <p:sld xmlns:a="http://schemas.openxmlformats.org/drawingml/2006/main" xmlns:r="http://schemas.openxmlformats.org/officeDocument/2006/relationships" xmlns:p="http://schemas.openxmlformats.org/presentationml/2006/main">
   <p:cSld>
     <p:spTree>
@@ -22618,7 +23822,7 @@
 </p:sld>
 </file>
 
-<file path=ppt/slides/slide44.xml><?xml version="1.0" encoding="utf-8"?>
+<file path=ppt/slides/slide47.xml><?xml version="1.0" encoding="utf-8"?>
 <p:sld xmlns:a="http://schemas.openxmlformats.org/drawingml/2006/main" xmlns:r="http://schemas.openxmlformats.org/officeDocument/2006/relationships" xmlns:p="http://schemas.openxmlformats.org/presentationml/2006/main">
   <p:cSld>
     <p:spTree>
@@ -23047,7 +24251,7 @@
 </p:sld>
 </file>
 
-<file path=ppt/slides/slide45.xml><?xml version="1.0" encoding="utf-8"?>
+<file path=ppt/slides/slide48.xml><?xml version="1.0" encoding="utf-8"?>
 <p:sld xmlns:a="http://schemas.openxmlformats.org/drawingml/2006/main" xmlns:r="http://schemas.openxmlformats.org/officeDocument/2006/relationships" xmlns:p="http://schemas.openxmlformats.org/presentationml/2006/main">
   <p:cSld>
     <p:spTree>
@@ -23196,7 +24400,7 @@
 </p:sld>
 </file>
 
-<file path=ppt/slides/slide46.xml><?xml version="1.0" encoding="utf-8"?>
+<file path=ppt/slides/slide49.xml><?xml version="1.0" encoding="utf-8"?>
 <p:sld xmlns:a="http://schemas.openxmlformats.org/drawingml/2006/main" xmlns:r="http://schemas.openxmlformats.org/officeDocument/2006/relationships" xmlns:p="http://schemas.openxmlformats.org/presentationml/2006/main">
   <p:cSld>
     <p:spTree>
@@ -23974,152 +25178,6 @@
 </p:sld>
 </file>
 
-<file path=ppt/slides/slide47.xml><?xml version="1.0" encoding="utf-8"?>
-<p:sld xmlns:a="http://schemas.openxmlformats.org/drawingml/2006/main" xmlns:r="http://schemas.openxmlformats.org/officeDocument/2006/relationships" xmlns:p="http://schemas.openxmlformats.org/presentationml/2006/main">
-  <p:cSld>
-    <p:spTree>
-      <p:nvGrpSpPr>
-        <p:cNvPr id="1" name=""/>
-        <p:cNvGrpSpPr/>
-        <p:nvPr/>
-      </p:nvGrpSpPr>
-      <p:grpSpPr>
-        <a:xfrm>
-          <a:off x="0" y="0"/>
-          <a:ext cx="0" cy="0"/>
-          <a:chOff x="0" y="0"/>
-          <a:chExt cx="0" cy="0"/>
-        </a:xfrm>
-      </p:grpSpPr>
-      <p:sp>
-        <p:nvSpPr>
-          <p:cNvPr id="462" name="CustomShape 1"/>
-          <p:cNvSpPr/>
-          <p:nvPr/>
-        </p:nvSpPr>
-        <p:spPr>
-          <a:xfrm>
-            <a:off x="1365840" y="188640"/>
-            <a:ext cx="9659160" cy="2192400"/>
-          </a:xfrm>
-          <a:prstGeom prst="rect">
-            <a:avLst/>
-          </a:prstGeom>
-          <a:noFill/>
-          <a:ln>
-            <a:noFill/>
-          </a:ln>
-        </p:spPr>
-        <p:style>
-          <a:lnRef idx="0">
-            <a:scrgbClr r="0" g="0" b="0"/>
-          </a:lnRef>
-          <a:fillRef idx="0">
-            <a:scrgbClr r="0" g="0" b="0"/>
-          </a:fillRef>
-          <a:effectRef idx="0">
-            <a:scrgbClr r="0" g="0" b="0"/>
-          </a:effectRef>
-          <a:fontRef idx="minor"/>
-        </p:style>
-        <p:txBody>
-          <a:bodyPr lIns="90000" tIns="45000" rIns="90000" bIns="45000">
-            <a:spAutoFit/>
-          </a:bodyPr>
-          <a:lstStyle/>
-          <a:p>
-            <a:pPr algn="ctr">
-              <a:lnSpc>
-                <a:spcPct val="100000"/>
-              </a:lnSpc>
-            </a:pPr>
-            <a:r>
-              <a:rPr lang="en-IN" sz="4000" b="0" strike="noStrike" spc="-1">
-                <a:solidFill>
-                  <a:srgbClr val="FF5733"/>
-                </a:solidFill>
-                <a:latin typeface="Segoe Print"/>
-                <a:ea typeface="DejaVu Sans"/>
-              </a:rPr>
-              <a:t>“</a:t>
-            </a:r>
-            <a:r>
-              <a:rPr lang="en-US" sz="4000" b="0" strike="noStrike" spc="-1">
-                <a:solidFill>
-                  <a:srgbClr val="FF5733"/>
-                </a:solidFill>
-                <a:latin typeface="Segoe Print"/>
-                <a:ea typeface="DejaVu Sans"/>
-              </a:rPr>
-              <a:t>Accept your past without regret, handle our present with confidence and face your future without fear.</a:t>
-            </a:r>
-            <a:r>
-              <a:rPr lang="en-IN" sz="4000" b="0" strike="noStrike" spc="-1">
-                <a:solidFill>
-                  <a:srgbClr val="FF5733"/>
-                </a:solidFill>
-                <a:latin typeface="Segoe Print"/>
-                <a:ea typeface="DejaVu Sans"/>
-              </a:rPr>
-              <a:t>”</a:t>
-            </a:r>
-            <a:endParaRPr lang="en-IN" sz="4000" b="0" strike="noStrike" spc="-1">
-              <a:latin typeface="Arial"/>
-            </a:endParaRPr>
-          </a:p>
-          <a:p>
-            <a:pPr algn="r">
-              <a:lnSpc>
-                <a:spcPct val="100000"/>
-              </a:lnSpc>
-            </a:pPr>
-            <a:r>
-              <a:rPr lang="en-IN" sz="1800" b="0" strike="noStrike" spc="-1">
-                <a:solidFill>
-                  <a:srgbClr val="111111"/>
-                </a:solidFill>
-                <a:latin typeface="-apple-system"/>
-                <a:ea typeface="DejaVu Sans"/>
-              </a:rPr>
-              <a:t>~ Dr. APJ. Abdul Kalam</a:t>
-            </a:r>
-            <a:endParaRPr lang="en-IN" sz="1800" b="0" strike="noStrike" spc="-1">
-              <a:latin typeface="Arial"/>
-            </a:endParaRPr>
-          </a:p>
-        </p:txBody>
-      </p:sp>
-      <p:pic>
-        <p:nvPicPr>
-          <p:cNvPr id="463" name="Picture 2" descr="http://www.bvctch.vn/vnt_upload/weblink/thks.jpg"/>
-          <p:cNvPicPr/>
-          <p:nvPr/>
-        </p:nvPicPr>
-        <p:blipFill>
-          <a:blip r:embed="rId2"/>
-          <a:stretch/>
-        </p:blipFill>
-        <p:spPr>
-          <a:xfrm>
-            <a:off x="4404600" y="2036160"/>
-            <a:ext cx="3102840" cy="4639680"/>
-          </a:xfrm>
-          <a:prstGeom prst="rect">
-            <a:avLst/>
-          </a:prstGeom>
-          <a:ln>
-            <a:noFill/>
-          </a:ln>
-        </p:spPr>
-      </p:pic>
-    </p:spTree>
-  </p:cSld>
-  <p:clrMapOvr>
-    <a:masterClrMapping/>
-  </p:clrMapOvr>
-</p:sld>
-</file>
-
 <file path=ppt/slides/slide5.xml><?xml version="1.0" encoding="utf-8"?>
 <p:sld xmlns:a="http://schemas.openxmlformats.org/drawingml/2006/main" xmlns:r="http://schemas.openxmlformats.org/officeDocument/2006/relationships" xmlns:p="http://schemas.openxmlformats.org/presentationml/2006/main">
   <p:cSld>
@@ -24509,6 +25567,152 @@
         <p14:creationId xmlns:p14="http://schemas.microsoft.com/office/powerpoint/2010/main" val="56203016"/>
       </p:ext>
     </p:extLst>
+  </p:cSld>
+  <p:clrMapOvr>
+    <a:masterClrMapping/>
+  </p:clrMapOvr>
+</p:sld>
+</file>
+
+<file path=ppt/slides/slide50.xml><?xml version="1.0" encoding="utf-8"?>
+<p:sld xmlns:a="http://schemas.openxmlformats.org/drawingml/2006/main" xmlns:r="http://schemas.openxmlformats.org/officeDocument/2006/relationships" xmlns:p="http://schemas.openxmlformats.org/presentationml/2006/main">
+  <p:cSld>
+    <p:spTree>
+      <p:nvGrpSpPr>
+        <p:cNvPr id="1" name=""/>
+        <p:cNvGrpSpPr/>
+        <p:nvPr/>
+      </p:nvGrpSpPr>
+      <p:grpSpPr>
+        <a:xfrm>
+          <a:off x="0" y="0"/>
+          <a:ext cx="0" cy="0"/>
+          <a:chOff x="0" y="0"/>
+          <a:chExt cx="0" cy="0"/>
+        </a:xfrm>
+      </p:grpSpPr>
+      <p:sp>
+        <p:nvSpPr>
+          <p:cNvPr id="462" name="CustomShape 1"/>
+          <p:cNvSpPr/>
+          <p:nvPr/>
+        </p:nvSpPr>
+        <p:spPr>
+          <a:xfrm>
+            <a:off x="1365840" y="188640"/>
+            <a:ext cx="9659160" cy="2192400"/>
+          </a:xfrm>
+          <a:prstGeom prst="rect">
+            <a:avLst/>
+          </a:prstGeom>
+          <a:noFill/>
+          <a:ln>
+            <a:noFill/>
+          </a:ln>
+        </p:spPr>
+        <p:style>
+          <a:lnRef idx="0">
+            <a:scrgbClr r="0" g="0" b="0"/>
+          </a:lnRef>
+          <a:fillRef idx="0">
+            <a:scrgbClr r="0" g="0" b="0"/>
+          </a:fillRef>
+          <a:effectRef idx="0">
+            <a:scrgbClr r="0" g="0" b="0"/>
+          </a:effectRef>
+          <a:fontRef idx="minor"/>
+        </p:style>
+        <p:txBody>
+          <a:bodyPr lIns="90000" tIns="45000" rIns="90000" bIns="45000">
+            <a:spAutoFit/>
+          </a:bodyPr>
+          <a:lstStyle/>
+          <a:p>
+            <a:pPr algn="ctr">
+              <a:lnSpc>
+                <a:spcPct val="100000"/>
+              </a:lnSpc>
+            </a:pPr>
+            <a:r>
+              <a:rPr lang="en-IN" sz="4000" b="0" strike="noStrike" spc="-1">
+                <a:solidFill>
+                  <a:srgbClr val="FF5733"/>
+                </a:solidFill>
+                <a:latin typeface="Segoe Print"/>
+                <a:ea typeface="DejaVu Sans"/>
+              </a:rPr>
+              <a:t>“</a:t>
+            </a:r>
+            <a:r>
+              <a:rPr lang="en-US" sz="4000" b="0" strike="noStrike" spc="-1">
+                <a:solidFill>
+                  <a:srgbClr val="FF5733"/>
+                </a:solidFill>
+                <a:latin typeface="Segoe Print"/>
+                <a:ea typeface="DejaVu Sans"/>
+              </a:rPr>
+              <a:t>Accept your past without regret, handle our present with confidence and face your future without fear.</a:t>
+            </a:r>
+            <a:r>
+              <a:rPr lang="en-IN" sz="4000" b="0" strike="noStrike" spc="-1">
+                <a:solidFill>
+                  <a:srgbClr val="FF5733"/>
+                </a:solidFill>
+                <a:latin typeface="Segoe Print"/>
+                <a:ea typeface="DejaVu Sans"/>
+              </a:rPr>
+              <a:t>”</a:t>
+            </a:r>
+            <a:endParaRPr lang="en-IN" sz="4000" b="0" strike="noStrike" spc="-1">
+              <a:latin typeface="Arial"/>
+            </a:endParaRPr>
+          </a:p>
+          <a:p>
+            <a:pPr algn="r">
+              <a:lnSpc>
+                <a:spcPct val="100000"/>
+              </a:lnSpc>
+            </a:pPr>
+            <a:r>
+              <a:rPr lang="en-IN" sz="1800" b="0" strike="noStrike" spc="-1">
+                <a:solidFill>
+                  <a:srgbClr val="111111"/>
+                </a:solidFill>
+                <a:latin typeface="-apple-system"/>
+                <a:ea typeface="DejaVu Sans"/>
+              </a:rPr>
+              <a:t>~ Dr. APJ. Abdul Kalam</a:t>
+            </a:r>
+            <a:endParaRPr lang="en-IN" sz="1800" b="0" strike="noStrike" spc="-1">
+              <a:latin typeface="Arial"/>
+            </a:endParaRPr>
+          </a:p>
+        </p:txBody>
+      </p:sp>
+      <p:pic>
+        <p:nvPicPr>
+          <p:cNvPr id="463" name="Picture 2" descr="http://www.bvctch.vn/vnt_upload/weblink/thks.jpg"/>
+          <p:cNvPicPr/>
+          <p:nvPr/>
+        </p:nvPicPr>
+        <p:blipFill>
+          <a:blip r:embed="rId2"/>
+          <a:stretch/>
+        </p:blipFill>
+        <p:spPr>
+          <a:xfrm>
+            <a:off x="4404600" y="2036160"/>
+            <a:ext cx="3102840" cy="4639680"/>
+          </a:xfrm>
+          <a:prstGeom prst="rect">
+            <a:avLst/>
+          </a:prstGeom>
+          <a:ln>
+            <a:noFill/>
+          </a:ln>
+        </p:spPr>
+      </p:pic>
+    </p:spTree>
   </p:cSld>
   <p:clrMapOvr>
     <a:masterClrMapping/>

--- a/Cassandra Ver1.pptx
+++ b/Cassandra Ver1.pptx
@@ -5,7 +5,7 @@
     <p:sldMasterId id="2147483720" r:id="rId1"/>
   </p:sldMasterIdLst>
   <p:notesMasterIdLst>
-    <p:notesMasterId r:id="rId52"/>
+    <p:notesMasterId r:id="rId53"/>
   </p:notesMasterIdLst>
   <p:sldIdLst>
     <p:sldId id="256" r:id="rId2"/>
@@ -42,22 +42,23 @@
     <p:sldId id="1458" r:id="rId33"/>
     <p:sldId id="1461" r:id="rId34"/>
     <p:sldId id="1462" r:id="rId35"/>
-    <p:sldId id="947" r:id="rId36"/>
-    <p:sldId id="1446" r:id="rId37"/>
-    <p:sldId id="1444" r:id="rId38"/>
-    <p:sldId id="1445" r:id="rId39"/>
-    <p:sldId id="1450" r:id="rId40"/>
-    <p:sldId id="1430" r:id="rId41"/>
-    <p:sldId id="1431" r:id="rId42"/>
-    <p:sldId id="1432" r:id="rId43"/>
-    <p:sldId id="1433" r:id="rId44"/>
-    <p:sldId id="1442" r:id="rId45"/>
-    <p:sldId id="1447" r:id="rId46"/>
-    <p:sldId id="1448" r:id="rId47"/>
-    <p:sldId id="1449" r:id="rId48"/>
-    <p:sldId id="1424" r:id="rId49"/>
-    <p:sldId id="1421" r:id="rId50"/>
-    <p:sldId id="350" r:id="rId51"/>
+    <p:sldId id="1463" r:id="rId36"/>
+    <p:sldId id="947" r:id="rId37"/>
+    <p:sldId id="1446" r:id="rId38"/>
+    <p:sldId id="1444" r:id="rId39"/>
+    <p:sldId id="1445" r:id="rId40"/>
+    <p:sldId id="1450" r:id="rId41"/>
+    <p:sldId id="1430" r:id="rId42"/>
+    <p:sldId id="1431" r:id="rId43"/>
+    <p:sldId id="1432" r:id="rId44"/>
+    <p:sldId id="1433" r:id="rId45"/>
+    <p:sldId id="1442" r:id="rId46"/>
+    <p:sldId id="1447" r:id="rId47"/>
+    <p:sldId id="1448" r:id="rId48"/>
+    <p:sldId id="1449" r:id="rId49"/>
+    <p:sldId id="1424" r:id="rId50"/>
+    <p:sldId id="1421" r:id="rId51"/>
+    <p:sldId id="350" r:id="rId52"/>
   </p:sldIdLst>
   <p:sldSz cx="12192000" cy="6858000"/>
   <p:notesSz cx="6858000" cy="9144000"/>
@@ -16136,7 +16137,7 @@
             <a:r>
               <a:rPr lang="en-US" dirty="0">
                 <a:solidFill>
-                  <a:srgbClr val="0070C0"/>
+                  <a:srgbClr val="F63122"/>
                 </a:solidFill>
                 <a:latin typeface="Consolas" panose="020B0609020204030204" pitchFamily="49" charset="0"/>
               </a:rPr>
@@ -16273,7 +16274,7 @@
             <a:r>
               <a:rPr lang="en-US" dirty="0">
                 <a:solidFill>
-                  <a:srgbClr val="0070C0"/>
+                  <a:srgbClr val="F63122"/>
                 </a:solidFill>
                 <a:latin typeface="Consolas" panose="020B0609020204030204" pitchFamily="49" charset="0"/>
               </a:rPr>
@@ -16410,7 +16411,7 @@
             <a:r>
               <a:rPr lang="en-US" dirty="0">
                 <a:solidFill>
-                  <a:srgbClr val="0070C0"/>
+                  <a:srgbClr val="F63122"/>
                 </a:solidFill>
                 <a:latin typeface="Consolas" panose="020B0609020204030204" pitchFamily="49" charset="0"/>
               </a:rPr>
@@ -17993,7 +17994,7 @@
             <a:r>
               <a:rPr lang="en-US" dirty="0">
                 <a:solidFill>
-                  <a:srgbClr val="0070C0"/>
+                  <a:srgbClr val="F63122"/>
                 </a:solidFill>
                 <a:latin typeface="Consolas" panose="020B0609020204030204" pitchFamily="49" charset="0"/>
               </a:rPr>
@@ -18144,7 +18145,7 @@
             <a:r>
               <a:rPr lang="en-US" dirty="0">
                 <a:solidFill>
-                  <a:srgbClr val="0070C0"/>
+                  <a:srgbClr val="F63122"/>
                 </a:solidFill>
                 <a:latin typeface="Consolas" panose="020B0609020204030204" pitchFamily="49" charset="0"/>
               </a:rPr>
@@ -18295,7 +18296,7 @@
             <a:r>
               <a:rPr lang="en-US" dirty="0">
                 <a:solidFill>
-                  <a:srgbClr val="0070C0"/>
+                  <a:srgbClr val="F63122"/>
                 </a:solidFill>
                 <a:latin typeface="Consolas" panose="020B0609020204030204" pitchFamily="49" charset="0"/>
               </a:rPr>
@@ -19001,7 +19002,7 @@
         </p:nvSpPr>
         <p:spPr>
           <a:xfrm>
-            <a:off x="246600" y="4296291"/>
+            <a:off x="246600" y="4584323"/>
             <a:ext cx="11687400" cy="644877"/>
           </a:xfrm>
           <a:prstGeom prst="rect">
@@ -19192,7 +19193,24 @@
                 <a:latin typeface="Consolas" panose="020B0609020204030204" pitchFamily="49" charset="0"/>
                 <a:ea typeface="SimSun"/>
               </a:rPr>
-              <a:t>&gt;, address </a:t>
+              <a:t>&gt;, </a:t>
+            </a:r>
+            <a:r>
+              <a:rPr lang="en-US" spc="-1" dirty="0">
+                <a:solidFill>
+                  <a:srgbClr val="FD8603"/>
+                </a:solidFill>
+                <a:latin typeface="Consolas" panose="020B0609020204030204" pitchFamily="49" charset="0"/>
+                <a:ea typeface="SimSun"/>
+              </a:rPr>
+              <a:t>address</a:t>
+            </a:r>
+            <a:r>
+              <a:rPr lang="en-US" spc="-1" dirty="0">
+                <a:latin typeface="Consolas" panose="020B0609020204030204" pitchFamily="49" charset="0"/>
+                <a:ea typeface="SimSun"/>
+              </a:rPr>
+              <a:t> </a:t>
             </a:r>
             <a:r>
               <a:rPr lang="en-US" dirty="0">
@@ -19202,7 +19220,24 @@
                 <a:latin typeface="Consolas" panose="020B0609020204030204" pitchFamily="49" charset="0"/>
                 <a:cs typeface="Arial" panose="020B0604020202020204" pitchFamily="34" charset="0"/>
               </a:rPr>
-              <a:t>address </a:t>
+              <a:t>address</a:t>
+            </a:r>
+            <a:r>
+              <a:rPr lang="en-US" spc="-1" dirty="0">
+                <a:latin typeface="Consolas" panose="020B0609020204030204" pitchFamily="49" charset="0"/>
+                <a:ea typeface="SimSun"/>
+              </a:rPr>
+              <a:t>,</a:t>
+            </a:r>
+            <a:r>
+              <a:rPr lang="en-US" dirty="0">
+                <a:solidFill>
+                  <a:srgbClr val="834689"/>
+                </a:solidFill>
+                <a:latin typeface="Consolas" panose="020B0609020204030204" pitchFamily="49" charset="0"/>
+                <a:cs typeface="Arial" panose="020B0604020202020204" pitchFamily="34" charset="0"/>
+              </a:rPr>
+              <a:t> </a:t>
             </a:r>
             <a:r>
               <a:rPr lang="en-US" dirty="0">
@@ -19312,7 +19347,7 @@
         </p:nvSpPr>
         <p:spPr>
           <a:xfrm>
-            <a:off x="246600" y="3416031"/>
+            <a:off x="246600" y="3637186"/>
             <a:ext cx="11687400" cy="367878"/>
           </a:xfrm>
           <a:prstGeom prst="rect">
@@ -19365,7 +19400,39 @@
                 <a:latin typeface="Consolas" panose="020B0609020204030204" pitchFamily="49" charset="0"/>
                 <a:ea typeface="SimSun"/>
               </a:rPr>
-              <a:t>CREATE TYPE address</a:t>
+              <a:t>CREATE </a:t>
+            </a:r>
+            <a:r>
+              <a:rPr lang="en-US" spc="-1" dirty="0">
+                <a:solidFill>
+                  <a:srgbClr val="FD8603"/>
+                </a:solidFill>
+                <a:latin typeface="Consolas" panose="020B0609020204030204" pitchFamily="49" charset="0"/>
+                <a:ea typeface="SimSun"/>
+              </a:rPr>
+              <a:t>TYPE</a:t>
+            </a:r>
+            <a:r>
+              <a:rPr lang="en-US" sz="1800" b="0" strike="noStrike" spc="-1" dirty="0">
+                <a:solidFill>
+                  <a:schemeClr val="accent5">
+                    <a:lumMod val="75000"/>
+                  </a:schemeClr>
+                </a:solidFill>
+                <a:latin typeface="Consolas" panose="020B0609020204030204" pitchFamily="49" charset="0"/>
+                <a:ea typeface="SimSun"/>
+              </a:rPr>
+              <a:t> </a:t>
+            </a:r>
+            <a:r>
+              <a:rPr lang="en-US" spc="-1" dirty="0">
+                <a:solidFill>
+                  <a:srgbClr val="FD8603"/>
+                </a:solidFill>
+                <a:latin typeface="Consolas" panose="020B0609020204030204" pitchFamily="49" charset="0"/>
+                <a:ea typeface="SimSun"/>
+              </a:rPr>
+              <a:t>address</a:t>
             </a:r>
             <a:r>
               <a:rPr lang="en-US" sz="1800" b="0" strike="noStrike" spc="-1" dirty="0">
@@ -19504,6 +19571,659 @@
 </file>
 
 <file path=ppt/slides/slide35.xml><?xml version="1.0" encoding="utf-8"?>
+<p:sld xmlns:a="http://schemas.openxmlformats.org/drawingml/2006/main" xmlns:r="http://schemas.openxmlformats.org/officeDocument/2006/relationships" xmlns:p="http://schemas.openxmlformats.org/presentationml/2006/main">
+  <p:cSld>
+    <p:spTree>
+      <p:nvGrpSpPr>
+        <p:cNvPr id="1" name=""/>
+        <p:cNvGrpSpPr/>
+        <p:nvPr/>
+      </p:nvGrpSpPr>
+      <p:grpSpPr>
+        <a:xfrm>
+          <a:off x="0" y="0"/>
+          <a:ext cx="0" cy="0"/>
+          <a:chOff x="0" y="0"/>
+          <a:chExt cx="0" cy="0"/>
+        </a:xfrm>
+      </p:grpSpPr>
+      <p:sp>
+        <p:nvSpPr>
+          <p:cNvPr id="9" name="CustomShape 1">
+            <a:extLst>
+              <a:ext uri="{FF2B5EF4-FFF2-40B4-BE49-F238E27FC236}">
+                <a16:creationId xmlns:a16="http://schemas.microsoft.com/office/drawing/2014/main" id="{BDFD7540-71E5-4580-B408-0238083AF10D}"/>
+              </a:ext>
+            </a:extLst>
+          </p:cNvPr>
+          <p:cNvSpPr/>
+          <p:nvPr/>
+        </p:nvSpPr>
+        <p:spPr>
+          <a:xfrm>
+            <a:off x="246600" y="762120"/>
+            <a:ext cx="11687400" cy="367878"/>
+          </a:xfrm>
+          <a:prstGeom prst="rect">
+            <a:avLst/>
+          </a:prstGeom>
+          <a:noFill/>
+          <a:ln>
+            <a:noFill/>
+          </a:ln>
+        </p:spPr>
+        <p:style>
+          <a:lnRef idx="0">
+            <a:scrgbClr r="0" g="0" b="0"/>
+          </a:lnRef>
+          <a:fillRef idx="0">
+            <a:scrgbClr r="0" g="0" b="0"/>
+          </a:fillRef>
+          <a:effectRef idx="0">
+            <a:scrgbClr r="0" g="0" b="0"/>
+          </a:effectRef>
+          <a:fontRef idx="minor"/>
+        </p:style>
+        <p:txBody>
+          <a:bodyPr lIns="90000" tIns="45000" rIns="90000" bIns="45000">
+            <a:spAutoFit/>
+          </a:bodyPr>
+          <a:lstStyle/>
+          <a:p>
+            <a:pPr algn="just"/>
+            <a:r>
+              <a:rPr lang="en-US" spc="-1" dirty="0">
+                <a:latin typeface="Arial"/>
+              </a:rPr>
+              <a:t>TODO.</a:t>
+            </a:r>
+          </a:p>
+        </p:txBody>
+      </p:sp>
+      <p:sp>
+        <p:nvSpPr>
+          <p:cNvPr id="10" name="Line 5">
+            <a:extLst>
+              <a:ext uri="{FF2B5EF4-FFF2-40B4-BE49-F238E27FC236}">
+                <a16:creationId xmlns:a16="http://schemas.microsoft.com/office/drawing/2014/main" id="{9195D559-2BA8-4321-B3CF-CB7E0100E287}"/>
+              </a:ext>
+            </a:extLst>
+          </p:cNvPr>
+          <p:cNvSpPr/>
+          <p:nvPr/>
+        </p:nvSpPr>
+        <p:spPr>
+          <a:xfrm>
+            <a:off x="0" y="1536120"/>
+            <a:ext cx="12191760" cy="0"/>
+          </a:xfrm>
+          <a:prstGeom prst="line">
+            <a:avLst/>
+          </a:prstGeom>
+          <a:ln w="12600">
+            <a:solidFill>
+              <a:srgbClr val="6E78A0"/>
+            </a:solidFill>
+            <a:prstDash val="dash"/>
+            <a:round/>
+          </a:ln>
+        </p:spPr>
+        <p:style>
+          <a:lnRef idx="1">
+            <a:schemeClr val="accent1"/>
+          </a:lnRef>
+          <a:fillRef idx="0">
+            <a:schemeClr val="accent1"/>
+          </a:fillRef>
+          <a:effectRef idx="0">
+            <a:schemeClr val="accent1"/>
+          </a:effectRef>
+          <a:fontRef idx="minor"/>
+        </p:style>
+      </p:sp>
+      <p:sp>
+        <p:nvSpPr>
+          <p:cNvPr id="8" name="CustomShape 4">
+            <a:extLst>
+              <a:ext uri="{FF2B5EF4-FFF2-40B4-BE49-F238E27FC236}">
+                <a16:creationId xmlns:a16="http://schemas.microsoft.com/office/drawing/2014/main" id="{91993118-1AF5-45AD-B680-FE100B853130}"/>
+              </a:ext>
+            </a:extLst>
+          </p:cNvPr>
+          <p:cNvSpPr/>
+          <p:nvPr/>
+        </p:nvSpPr>
+        <p:spPr>
+          <a:xfrm>
+            <a:off x="246600" y="0"/>
+            <a:ext cx="11687400" cy="706432"/>
+          </a:xfrm>
+          <a:prstGeom prst="rect">
+            <a:avLst/>
+          </a:prstGeom>
+          <a:solidFill>
+            <a:srgbClr val="C00000"/>
+          </a:solidFill>
+          <a:ln>
+            <a:noFill/>
+          </a:ln>
+        </p:spPr>
+        <p:style>
+          <a:lnRef idx="0">
+            <a:scrgbClr r="0" g="0" b="0"/>
+          </a:lnRef>
+          <a:fillRef idx="0">
+            <a:scrgbClr r="0" g="0" b="0"/>
+          </a:fillRef>
+          <a:effectRef idx="0">
+            <a:scrgbClr r="0" g="0" b="0"/>
+          </a:effectRef>
+          <a:fontRef idx="minor"/>
+        </p:style>
+        <p:txBody>
+          <a:bodyPr lIns="90000" tIns="45000" rIns="90000" bIns="45000">
+            <a:spAutoFit/>
+          </a:bodyPr>
+          <a:lstStyle/>
+          <a:p>
+            <a:pPr algn="ctr">
+              <a:lnSpc>
+                <a:spcPct val="100000"/>
+              </a:lnSpc>
+            </a:pPr>
+            <a:r>
+              <a:rPr lang="en-IN" sz="4000" b="0" strike="noStrike" spc="-1" dirty="0">
+                <a:solidFill>
+                  <a:srgbClr val="F7C120"/>
+                </a:solidFill>
+                <a:latin typeface="Open Sans"/>
+                <a:ea typeface="DejaVu Sans"/>
+              </a:rPr>
+              <a:t>user defined datatype - INSERT</a:t>
+            </a:r>
+            <a:endParaRPr lang="en-IN" sz="4000" b="0" strike="noStrike" spc="-1" dirty="0">
+              <a:latin typeface="Arial"/>
+            </a:endParaRPr>
+          </a:p>
+        </p:txBody>
+      </p:sp>
+      <p:sp>
+        <p:nvSpPr>
+          <p:cNvPr id="12" name="CustomShape 6">
+            <a:extLst>
+              <a:ext uri="{FF2B5EF4-FFF2-40B4-BE49-F238E27FC236}">
+                <a16:creationId xmlns:a16="http://schemas.microsoft.com/office/drawing/2014/main" id="{BF489D79-C5EA-43D4-AC7C-D553ACDF4857}"/>
+              </a:ext>
+            </a:extLst>
+          </p:cNvPr>
+          <p:cNvSpPr/>
+          <p:nvPr/>
+        </p:nvSpPr>
+        <p:spPr>
+          <a:xfrm>
+            <a:off x="246600" y="2030040"/>
+            <a:ext cx="11687400" cy="1044986"/>
+          </a:xfrm>
+          <a:prstGeom prst="rect">
+            <a:avLst/>
+          </a:prstGeom>
+          <a:noFill/>
+          <a:ln>
+            <a:noFill/>
+          </a:ln>
+        </p:spPr>
+        <p:style>
+          <a:lnRef idx="0">
+            <a:scrgbClr r="0" g="0" b="0"/>
+          </a:lnRef>
+          <a:fillRef idx="0">
+            <a:scrgbClr r="0" g="0" b="0"/>
+          </a:fillRef>
+          <a:effectRef idx="0">
+            <a:scrgbClr r="0" g="0" b="0"/>
+          </a:effectRef>
+          <a:fontRef idx="minor"/>
+        </p:style>
+        <p:txBody>
+          <a:bodyPr lIns="90000" tIns="45000" rIns="90000" bIns="45000">
+            <a:spAutoFit/>
+          </a:bodyPr>
+          <a:lstStyle/>
+          <a:p>
+            <a:r>
+              <a:rPr lang="en-US" spc="-1" dirty="0">
+                <a:latin typeface="Source Code Pro" panose="020B0509030403020204" pitchFamily="49" charset="0"/>
+                <a:ea typeface="Source Code Pro" panose="020B0509030403020204" pitchFamily="49" charset="0"/>
+              </a:rPr>
+              <a:t>create_type_statement::= </a:t>
+            </a:r>
+            <a:r>
+              <a:rPr lang="en-US" spc="-1" dirty="0">
+                <a:solidFill>
+                  <a:srgbClr val="2B8208"/>
+                </a:solidFill>
+                <a:latin typeface="Source Code Pro" panose="020B0509030403020204" pitchFamily="49" charset="0"/>
+                <a:ea typeface="Source Code Pro" panose="020B0509030403020204" pitchFamily="49" charset="0"/>
+              </a:rPr>
+              <a:t>CREATE</a:t>
+            </a:r>
+            <a:r>
+              <a:rPr lang="en-US" spc="-1" dirty="0">
+                <a:latin typeface="Source Code Pro" panose="020B0509030403020204" pitchFamily="49" charset="0"/>
+                <a:ea typeface="Source Code Pro" panose="020B0509030403020204" pitchFamily="49" charset="0"/>
+              </a:rPr>
+              <a:t> </a:t>
+            </a:r>
+            <a:r>
+              <a:rPr lang="en-US" spc="-1" dirty="0">
+                <a:solidFill>
+                  <a:srgbClr val="2B8208"/>
+                </a:solidFill>
+                <a:latin typeface="Source Code Pro" panose="020B0509030403020204" pitchFamily="49" charset="0"/>
+                <a:ea typeface="Source Code Pro" panose="020B0509030403020204" pitchFamily="49" charset="0"/>
+              </a:rPr>
+              <a:t>TYPE</a:t>
+            </a:r>
+            <a:r>
+              <a:rPr lang="en-US" spc="-1" dirty="0">
+                <a:latin typeface="Source Code Pro" panose="020B0509030403020204" pitchFamily="49" charset="0"/>
+                <a:ea typeface="Source Code Pro" panose="020B0509030403020204" pitchFamily="49" charset="0"/>
+              </a:rPr>
+              <a:t> [ </a:t>
+            </a:r>
+            <a:r>
+              <a:rPr lang="en-US" spc="-1" dirty="0">
+                <a:solidFill>
+                  <a:srgbClr val="2B8208"/>
+                </a:solidFill>
+                <a:latin typeface="Source Code Pro" panose="020B0509030403020204" pitchFamily="49" charset="0"/>
+                <a:ea typeface="Source Code Pro" panose="020B0509030403020204" pitchFamily="49" charset="0"/>
+              </a:rPr>
+              <a:t>IF</a:t>
+            </a:r>
+            <a:r>
+              <a:rPr lang="en-US" spc="-1" dirty="0">
+                <a:latin typeface="Source Code Pro" panose="020B0509030403020204" pitchFamily="49" charset="0"/>
+                <a:ea typeface="Source Code Pro" panose="020B0509030403020204" pitchFamily="49" charset="0"/>
+              </a:rPr>
+              <a:t> </a:t>
+            </a:r>
+            <a:r>
+              <a:rPr lang="en-US" spc="-1" dirty="0">
+                <a:solidFill>
+                  <a:srgbClr val="2B8208"/>
+                </a:solidFill>
+                <a:latin typeface="Source Code Pro" panose="020B0509030403020204" pitchFamily="49" charset="0"/>
+                <a:ea typeface="Source Code Pro" panose="020B0509030403020204" pitchFamily="49" charset="0"/>
+              </a:rPr>
+              <a:t>NOT</a:t>
+            </a:r>
+            <a:r>
+              <a:rPr lang="en-US" spc="-1" dirty="0">
+                <a:latin typeface="Source Code Pro" panose="020B0509030403020204" pitchFamily="49" charset="0"/>
+                <a:ea typeface="Source Code Pro" panose="020B0509030403020204" pitchFamily="49" charset="0"/>
+              </a:rPr>
+              <a:t> </a:t>
+            </a:r>
+            <a:r>
+              <a:rPr lang="en-US" spc="-1" dirty="0">
+                <a:solidFill>
+                  <a:srgbClr val="2B8208"/>
+                </a:solidFill>
+                <a:latin typeface="Source Code Pro" panose="020B0509030403020204" pitchFamily="49" charset="0"/>
+                <a:ea typeface="Source Code Pro" panose="020B0509030403020204" pitchFamily="49" charset="0"/>
+              </a:rPr>
+              <a:t>EXISTS</a:t>
+            </a:r>
+            <a:r>
+              <a:rPr lang="en-US" spc="-1" dirty="0">
+                <a:latin typeface="Source Code Pro" panose="020B0509030403020204" pitchFamily="49" charset="0"/>
+                <a:ea typeface="Source Code Pro" panose="020B0509030403020204" pitchFamily="49" charset="0"/>
+              </a:rPr>
+              <a:t> ] udt_name</a:t>
+            </a:r>
+          </a:p>
+          <a:p>
+            <a:r>
+              <a:rPr lang="en-US" spc="-1" dirty="0">
+                <a:latin typeface="Source Code Pro" panose="020B0509030403020204" pitchFamily="49" charset="0"/>
+                <a:ea typeface="Source Code Pro" panose="020B0509030403020204" pitchFamily="49" charset="0"/>
+              </a:rPr>
+              <a:t>        '(' </a:t>
+            </a:r>
+            <a:r>
+              <a:rPr lang="en-US" spc="-1" dirty="0">
+                <a:solidFill>
+                  <a:srgbClr val="0070C0"/>
+                </a:solidFill>
+                <a:latin typeface="Source Code Pro" panose="020B0509030403020204" pitchFamily="49" charset="0"/>
+                <a:ea typeface="Source Code Pro" panose="020B0509030403020204" pitchFamily="49" charset="0"/>
+              </a:rPr>
+              <a:t>field_definition </a:t>
+            </a:r>
+            <a:r>
+              <a:rPr lang="en-US" spc="-1" dirty="0">
+                <a:latin typeface="Source Code Pro" panose="020B0509030403020204" pitchFamily="49" charset="0"/>
+                <a:ea typeface="Source Code Pro" panose="020B0509030403020204" pitchFamily="49" charset="0"/>
+              </a:rPr>
+              <a:t>( ',' </a:t>
+            </a:r>
+            <a:r>
+              <a:rPr lang="en-US" spc="-1" dirty="0">
+                <a:solidFill>
+                  <a:srgbClr val="0070C0"/>
+                </a:solidFill>
+                <a:latin typeface="Source Code Pro" panose="020B0509030403020204" pitchFamily="49" charset="0"/>
+                <a:ea typeface="Source Code Pro" panose="020B0509030403020204" pitchFamily="49" charset="0"/>
+              </a:rPr>
+              <a:t>field_definition</a:t>
+            </a:r>
+            <a:r>
+              <a:rPr lang="en-US" spc="-1" dirty="0">
+                <a:latin typeface="Source Code Pro" panose="020B0509030403020204" pitchFamily="49" charset="0"/>
+                <a:ea typeface="Source Code Pro" panose="020B0509030403020204" pitchFamily="49" charset="0"/>
+              </a:rPr>
+              <a:t>)* ')’</a:t>
+            </a:r>
+          </a:p>
+          <a:p>
+            <a:endParaRPr lang="en-US" sz="800" spc="-1" dirty="0">
+              <a:latin typeface="Source Code Pro" panose="020B0509030403020204" pitchFamily="49" charset="0"/>
+              <a:ea typeface="Source Code Pro" panose="020B0509030403020204" pitchFamily="49" charset="0"/>
+            </a:endParaRPr>
+          </a:p>
+          <a:p>
+            <a:r>
+              <a:rPr lang="en-US" spc="-1" dirty="0">
+                <a:solidFill>
+                  <a:srgbClr val="0070C0"/>
+                </a:solidFill>
+                <a:latin typeface="Source Code Pro" panose="020B0509030403020204" pitchFamily="49" charset="0"/>
+                <a:ea typeface="Source Code Pro" panose="020B0509030403020204" pitchFamily="49" charset="0"/>
+              </a:rPr>
+              <a:t>field_definition::= </a:t>
+            </a:r>
+            <a:r>
+              <a:rPr lang="en-US" spc="-1" dirty="0">
+                <a:latin typeface="Source Code Pro" panose="020B0509030403020204" pitchFamily="49" charset="0"/>
+                <a:ea typeface="Source Code Pro" panose="020B0509030403020204" pitchFamily="49" charset="0"/>
+              </a:rPr>
+              <a:t>identifier cql_type</a:t>
+            </a:r>
+            <a:endParaRPr lang="en-IN" sz="400" spc="-1" dirty="0">
+              <a:latin typeface="Source Code Pro" panose="020B0509030403020204" pitchFamily="49" charset="0"/>
+              <a:ea typeface="Source Code Pro" panose="020B0509030403020204" pitchFamily="49" charset="0"/>
+            </a:endParaRPr>
+          </a:p>
+        </p:txBody>
+      </p:sp>
+      <p:sp>
+        <p:nvSpPr>
+          <p:cNvPr id="14" name="TextBox 13">
+            <a:extLst>
+              <a:ext uri="{FF2B5EF4-FFF2-40B4-BE49-F238E27FC236}">
+                <a16:creationId xmlns:a16="http://schemas.microsoft.com/office/drawing/2014/main" id="{3772013B-484F-4E25-8DCF-A11FA3D0F52E}"/>
+              </a:ext>
+            </a:extLst>
+          </p:cNvPr>
+          <p:cNvSpPr txBox="1"/>
+          <p:nvPr/>
+        </p:nvSpPr>
+        <p:spPr>
+          <a:xfrm>
+            <a:off x="246600" y="3430590"/>
+            <a:ext cx="11687400" cy="923330"/>
+          </a:xfrm>
+          <a:prstGeom prst="rect">
+            <a:avLst/>
+          </a:prstGeom>
+          <a:noFill/>
+        </p:spPr>
+        <p:txBody>
+          <a:bodyPr wrap="square">
+            <a:spAutoFit/>
+          </a:bodyPr>
+          <a:lstStyle/>
+          <a:p>
+            <a:r>
+              <a:rPr lang="en-IN" sz="1800" b="0" strike="noStrike" spc="-1" dirty="0">
+                <a:solidFill>
+                  <a:schemeClr val="bg1">
+                    <a:lumMod val="50000"/>
+                  </a:schemeClr>
+                </a:solidFill>
+                <a:latin typeface="Consolas" panose="020B0609020204030204" pitchFamily="49" charset="0"/>
+                <a:ea typeface="SimSun"/>
+              </a:rPr>
+              <a:t>cqlsh:db1&gt; </a:t>
+            </a:r>
+            <a:r>
+              <a:rPr lang="en-IN" dirty="0">
+                <a:solidFill>
+                  <a:srgbClr val="0070C0"/>
+                </a:solidFill>
+                <a:latin typeface="Consolas" panose="020B0609020204030204" pitchFamily="49" charset="0"/>
+              </a:rPr>
+              <a:t>INSERT</a:t>
+            </a:r>
+            <a:r>
+              <a:rPr lang="en-IN" dirty="0">
+                <a:latin typeface="Consolas" panose="020B0609020204030204" pitchFamily="49" charset="0"/>
+              </a:rPr>
+              <a:t> </a:t>
+            </a:r>
+            <a:r>
+              <a:rPr lang="en-IN" dirty="0">
+                <a:solidFill>
+                  <a:srgbClr val="0070C0"/>
+                </a:solidFill>
+                <a:latin typeface="Consolas" panose="020B0609020204030204" pitchFamily="49" charset="0"/>
+              </a:rPr>
+              <a:t>INTO</a:t>
+            </a:r>
+            <a:r>
+              <a:rPr lang="en-IN" dirty="0">
+                <a:latin typeface="Consolas" panose="020B0609020204030204" pitchFamily="49" charset="0"/>
+              </a:rPr>
+              <a:t> books</a:t>
+            </a:r>
+            <a:r>
+              <a:rPr lang="en-IN" dirty="0">
+                <a:solidFill>
+                  <a:schemeClr val="bg1">
+                    <a:lumMod val="50000"/>
+                  </a:schemeClr>
+                </a:solidFill>
+                <a:latin typeface="Consolas" panose="020B0609020204030204" pitchFamily="49" charset="0"/>
+              </a:rPr>
+              <a:t>(</a:t>
+            </a:r>
+            <a:r>
+              <a:rPr lang="en-IN" dirty="0">
+                <a:latin typeface="Consolas" panose="020B0609020204030204" pitchFamily="49" charset="0"/>
+              </a:rPr>
+              <a:t>id, title, author, publisher, address</a:t>
+            </a:r>
+            <a:r>
+              <a:rPr lang="en-IN" dirty="0">
+                <a:solidFill>
+                  <a:schemeClr val="bg1">
+                    <a:lumMod val="50000"/>
+                  </a:schemeClr>
+                </a:solidFill>
+                <a:latin typeface="Consolas" panose="020B0609020204030204" pitchFamily="49" charset="0"/>
+              </a:rPr>
+              <a:t>)</a:t>
+            </a:r>
+            <a:r>
+              <a:rPr lang="en-IN" dirty="0">
+                <a:latin typeface="Consolas" panose="020B0609020204030204" pitchFamily="49" charset="0"/>
+              </a:rPr>
+              <a:t> </a:t>
+            </a:r>
+            <a:r>
+              <a:rPr lang="en-IN" dirty="0">
+                <a:solidFill>
+                  <a:srgbClr val="F63122"/>
+                </a:solidFill>
+                <a:latin typeface="Consolas" panose="020B0609020204030204" pitchFamily="49" charset="0"/>
+              </a:rPr>
+              <a:t>VALUES</a:t>
+            </a:r>
+            <a:r>
+              <a:rPr lang="en-IN" dirty="0">
+                <a:solidFill>
+                  <a:schemeClr val="bg1">
+                    <a:lumMod val="50000"/>
+                  </a:schemeClr>
+                </a:solidFill>
+                <a:latin typeface="Consolas" panose="020B0609020204030204" pitchFamily="49" charset="0"/>
+              </a:rPr>
+              <a:t>(</a:t>
+            </a:r>
+            <a:r>
+              <a:rPr lang="en-IN" dirty="0">
+                <a:latin typeface="Consolas" panose="020B0609020204030204" pitchFamily="49" charset="0"/>
+              </a:rPr>
+              <a:t>2, 'redis', </a:t>
+            </a:r>
+            <a:r>
+              <a:rPr lang="en-IN" dirty="0">
+                <a:solidFill>
+                  <a:schemeClr val="bg1">
+                    <a:lumMod val="50000"/>
+                  </a:schemeClr>
+                </a:solidFill>
+                <a:latin typeface="Consolas" panose="020B0609020204030204" pitchFamily="49" charset="0"/>
+              </a:rPr>
+              <a:t>{</a:t>
+            </a:r>
+            <a:r>
+              <a:rPr lang="en-IN" dirty="0">
+                <a:latin typeface="Consolas" panose="020B0609020204030204" pitchFamily="49" charset="0"/>
+              </a:rPr>
+              <a:t>'saleel', 'sharmin'</a:t>
+            </a:r>
+            <a:r>
+              <a:rPr lang="en-IN" dirty="0">
+                <a:solidFill>
+                  <a:schemeClr val="bg1">
+                    <a:lumMod val="50000"/>
+                  </a:schemeClr>
+                </a:solidFill>
+                <a:latin typeface="Consolas" panose="020B0609020204030204" pitchFamily="49" charset="0"/>
+              </a:rPr>
+              <a:t>}</a:t>
+            </a:r>
+            <a:r>
+              <a:rPr lang="en-IN" dirty="0">
+                <a:latin typeface="Consolas" panose="020B0609020204030204" pitchFamily="49" charset="0"/>
+              </a:rPr>
+              <a:t>, </a:t>
+            </a:r>
+            <a:r>
+              <a:rPr lang="en-IN" dirty="0">
+                <a:solidFill>
+                  <a:schemeClr val="bg1">
+                    <a:lumMod val="50000"/>
+                  </a:schemeClr>
+                </a:solidFill>
+                <a:latin typeface="Consolas" panose="020B0609020204030204" pitchFamily="49" charset="0"/>
+              </a:rPr>
+              <a:t>[</a:t>
+            </a:r>
+            <a:r>
+              <a:rPr lang="en-IN" dirty="0">
+                <a:latin typeface="Consolas" panose="020B0609020204030204" pitchFamily="49" charset="0"/>
+              </a:rPr>
+              <a:t>'global', 'private'</a:t>
+            </a:r>
+            <a:r>
+              <a:rPr lang="en-IN" dirty="0">
+                <a:solidFill>
+                  <a:schemeClr val="bg1">
+                    <a:lumMod val="50000"/>
+                  </a:schemeClr>
+                </a:solidFill>
+                <a:latin typeface="Consolas" panose="020B0609020204030204" pitchFamily="49" charset="0"/>
+              </a:rPr>
+              <a:t>]</a:t>
+            </a:r>
+            <a:r>
+              <a:rPr lang="en-IN" dirty="0">
+                <a:latin typeface="Consolas" panose="020B0609020204030204" pitchFamily="49" charset="0"/>
+              </a:rPr>
+              <a:t>, </a:t>
+            </a:r>
+            <a:r>
+              <a:rPr lang="en-IN" dirty="0">
+                <a:solidFill>
+                  <a:schemeClr val="bg1">
+                    <a:lumMod val="50000"/>
+                  </a:schemeClr>
+                </a:solidFill>
+                <a:latin typeface="Consolas" panose="020B0609020204030204" pitchFamily="49" charset="0"/>
+              </a:rPr>
+              <a:t>{</a:t>
+            </a:r>
+            <a:r>
+              <a:rPr lang="en-IN" dirty="0">
+                <a:latin typeface="Consolas" panose="020B0609020204030204" pitchFamily="49" charset="0"/>
+              </a:rPr>
+              <a:t>"line1": 'paud road', "city": 'pune', "state": MH', "pin":420038</a:t>
+            </a:r>
+            <a:r>
+              <a:rPr lang="en-IN" dirty="0">
+                <a:solidFill>
+                  <a:schemeClr val="bg1">
+                    <a:lumMod val="50000"/>
+                  </a:schemeClr>
+                </a:solidFill>
+                <a:latin typeface="Consolas" panose="020B0609020204030204" pitchFamily="49" charset="0"/>
+              </a:rPr>
+              <a:t>} )</a:t>
+            </a:r>
+            <a:r>
+              <a:rPr lang="en-IN" dirty="0">
+                <a:latin typeface="Consolas" panose="020B0609020204030204" pitchFamily="49" charset="0"/>
+              </a:rPr>
+              <a:t> </a:t>
+            </a:r>
+            <a:r>
+              <a:rPr lang="en-US" dirty="0">
+                <a:solidFill>
+                  <a:srgbClr val="C00000"/>
+                </a:solidFill>
+                <a:latin typeface="Consolas" panose="020B0609020204030204" pitchFamily="49" charset="0"/>
+              </a:rPr>
+              <a:t>USING TTL 50</a:t>
+            </a:r>
+            <a:r>
+              <a:rPr lang="en-US" dirty="0">
+                <a:latin typeface="Consolas" panose="020B0609020204030204" pitchFamily="49" charset="0"/>
+              </a:rPr>
+              <a:t>;</a:t>
+            </a:r>
+            <a:endParaRPr lang="en-IN" dirty="0">
+              <a:latin typeface="Consolas" panose="020B0609020204030204" pitchFamily="49" charset="0"/>
+            </a:endParaRPr>
+          </a:p>
+        </p:txBody>
+      </p:sp>
+    </p:spTree>
+    <p:extLst>
+      <p:ext uri="{BB962C8B-B14F-4D97-AF65-F5344CB8AC3E}">
+        <p14:creationId xmlns:p14="http://schemas.microsoft.com/office/powerpoint/2010/main" val="2307705140"/>
+      </p:ext>
+    </p:extLst>
+  </p:cSld>
+  <p:clrMapOvr>
+    <a:masterClrMapping/>
+  </p:clrMapOvr>
+</p:sld>
+</file>
+
+<file path=ppt/slides/slide36.xml><?xml version="1.0" encoding="utf-8"?>
 <p:sld xmlns:a="http://schemas.openxmlformats.org/drawingml/2006/main" xmlns:r="http://schemas.openxmlformats.org/officeDocument/2006/relationships" xmlns:p="http://schemas.openxmlformats.org/presentationml/2006/main">
   <p:cSld>
     <p:spTree>
@@ -19636,7 +20356,7 @@
 </p:sld>
 </file>
 
-<file path=ppt/slides/slide36.xml><?xml version="1.0" encoding="utf-8"?>
+<file path=ppt/slides/slide37.xml><?xml version="1.0" encoding="utf-8"?>
 <p:sld xmlns:a="http://schemas.openxmlformats.org/drawingml/2006/main" xmlns:r="http://schemas.openxmlformats.org/officeDocument/2006/relationships" xmlns:p="http://schemas.openxmlformats.org/presentationml/2006/main">
   <p:cSld>
     <p:spTree>
@@ -20125,7 +20845,7 @@
 </p:sld>
 </file>
 
-<file path=ppt/slides/slide37.xml><?xml version="1.0" encoding="utf-8"?>
+<file path=ppt/slides/slide38.xml><?xml version="1.0" encoding="utf-8"?>
 <p:sld xmlns:a="http://schemas.openxmlformats.org/drawingml/2006/main" xmlns:r="http://schemas.openxmlformats.org/officeDocument/2006/relationships" xmlns:p="http://schemas.openxmlformats.org/presentationml/2006/main">
   <p:cSld>
     <p:spTree>
@@ -20274,7 +20994,7 @@
 </p:sld>
 </file>
 
-<file path=ppt/slides/slide38.xml><?xml version="1.0" encoding="utf-8"?>
+<file path=ppt/slides/slide39.xml><?xml version="1.0" encoding="utf-8"?>
 <p:sld xmlns:a="http://schemas.openxmlformats.org/drawingml/2006/main" xmlns:r="http://schemas.openxmlformats.org/officeDocument/2006/relationships" xmlns:p="http://schemas.openxmlformats.org/presentationml/2006/main">
   <p:cSld>
     <p:spTree>
@@ -20990,7 +21710,561 @@
 </p:sld>
 </file>
 
-<file path=ppt/slides/slide39.xml><?xml version="1.0" encoding="utf-8"?>
+<file path=ppt/slides/slide4.xml><?xml version="1.0" encoding="utf-8"?>
+<p:sld xmlns:a="http://schemas.openxmlformats.org/drawingml/2006/main" xmlns:r="http://schemas.openxmlformats.org/officeDocument/2006/relationships" xmlns:p="http://schemas.openxmlformats.org/presentationml/2006/main">
+  <p:cSld>
+    <p:spTree>
+      <p:nvGrpSpPr>
+        <p:cNvPr id="1" name=""/>
+        <p:cNvGrpSpPr/>
+        <p:nvPr/>
+      </p:nvGrpSpPr>
+      <p:grpSpPr>
+        <a:xfrm>
+          <a:off x="0" y="0"/>
+          <a:ext cx="0" cy="0"/>
+          <a:chOff x="0" y="0"/>
+          <a:chExt cx="0" cy="0"/>
+        </a:xfrm>
+      </p:grpSpPr>
+      <p:sp>
+        <p:nvSpPr>
+          <p:cNvPr id="102" name="CustomShape 3"/>
+          <p:cNvSpPr/>
+          <p:nvPr/>
+        </p:nvSpPr>
+        <p:spPr>
+          <a:xfrm>
+            <a:off x="246600" y="762120"/>
+            <a:ext cx="11693880" cy="363960"/>
+          </a:xfrm>
+          <a:prstGeom prst="rect">
+            <a:avLst/>
+          </a:prstGeom>
+          <a:noFill/>
+          <a:ln>
+            <a:noFill/>
+          </a:ln>
+        </p:spPr>
+        <p:style>
+          <a:lnRef idx="0">
+            <a:scrgbClr r="0" g="0" b="0"/>
+          </a:lnRef>
+          <a:fillRef idx="0">
+            <a:scrgbClr r="0" g="0" b="0"/>
+          </a:fillRef>
+          <a:effectRef idx="0">
+            <a:scrgbClr r="0" g="0" b="0"/>
+          </a:effectRef>
+          <a:fontRef idx="minor"/>
+        </p:style>
+        <p:txBody>
+          <a:bodyPr lIns="90000" tIns="45000" rIns="90000" bIns="45000">
+            <a:spAutoFit/>
+          </a:bodyPr>
+          <a:lstStyle/>
+          <a:p>
+            <a:pPr algn="just"/>
+            <a:r>
+              <a:rPr lang="en-US" spc="-1" dirty="0">
+                <a:latin typeface="Arial"/>
+              </a:rPr>
+              <a:t>To start cassandra server/client</a:t>
+            </a:r>
+            <a:endParaRPr lang="en-IN" spc="-1" dirty="0">
+              <a:latin typeface="Arial"/>
+            </a:endParaRPr>
+          </a:p>
+        </p:txBody>
+      </p:sp>
+      <p:sp>
+        <p:nvSpPr>
+          <p:cNvPr id="105" name="CustomShape 6"/>
+          <p:cNvSpPr/>
+          <p:nvPr/>
+        </p:nvSpPr>
+        <p:spPr>
+          <a:xfrm>
+            <a:off x="246600" y="0"/>
+            <a:ext cx="11693880" cy="706432"/>
+          </a:xfrm>
+          <a:prstGeom prst="rect">
+            <a:avLst/>
+          </a:prstGeom>
+          <a:solidFill>
+            <a:srgbClr val="C00000"/>
+          </a:solidFill>
+          <a:ln>
+            <a:noFill/>
+          </a:ln>
+        </p:spPr>
+        <p:style>
+          <a:lnRef idx="0">
+            <a:scrgbClr r="0" g="0" b="0"/>
+          </a:lnRef>
+          <a:fillRef idx="0">
+            <a:scrgbClr r="0" g="0" b="0"/>
+          </a:fillRef>
+          <a:effectRef idx="0">
+            <a:scrgbClr r="0" g="0" b="0"/>
+          </a:effectRef>
+          <a:fontRef idx="minor"/>
+        </p:style>
+        <p:txBody>
+          <a:bodyPr lIns="90000" tIns="45000" rIns="90000" bIns="45000">
+            <a:spAutoFit/>
+          </a:bodyPr>
+          <a:lstStyle/>
+          <a:p>
+            <a:pPr algn="ctr"/>
+            <a:r>
+              <a:rPr lang="en-IN" sz="4000" spc="-1">
+                <a:solidFill>
+                  <a:srgbClr val="F7C120"/>
+                </a:solidFill>
+                <a:latin typeface="Open Sans"/>
+              </a:rPr>
+              <a:t>getting </a:t>
+            </a:r>
+            <a:r>
+              <a:rPr lang="en-IN" sz="4000" spc="-1" dirty="0">
+                <a:solidFill>
+                  <a:srgbClr val="F7C120"/>
+                </a:solidFill>
+                <a:latin typeface="Open Sans"/>
+              </a:rPr>
+              <a:t>s</a:t>
+            </a:r>
+            <a:r>
+              <a:rPr lang="en-IN" sz="4000" spc="-1">
+                <a:solidFill>
+                  <a:srgbClr val="F7C120"/>
+                </a:solidFill>
+                <a:latin typeface="Open Sans"/>
+              </a:rPr>
+              <a:t>tarted</a:t>
+            </a:r>
+            <a:endParaRPr lang="en-IN" sz="4000" spc="-1" dirty="0">
+              <a:solidFill>
+                <a:srgbClr val="F7C120"/>
+              </a:solidFill>
+              <a:latin typeface="Open Sans"/>
+            </a:endParaRPr>
+          </a:p>
+        </p:txBody>
+      </p:sp>
+      <p:sp>
+        <p:nvSpPr>
+          <p:cNvPr id="108" name="Line 9"/>
+          <p:cNvSpPr/>
+          <p:nvPr/>
+        </p:nvSpPr>
+        <p:spPr>
+          <a:xfrm>
+            <a:off x="0" y="1536120"/>
+            <a:ext cx="12191760" cy="0"/>
+          </a:xfrm>
+          <a:prstGeom prst="line">
+            <a:avLst/>
+          </a:prstGeom>
+          <a:ln w="12600">
+            <a:solidFill>
+              <a:srgbClr val="6E78A0"/>
+            </a:solidFill>
+            <a:prstDash val="dash"/>
+            <a:round/>
+          </a:ln>
+        </p:spPr>
+        <p:style>
+          <a:lnRef idx="1">
+            <a:schemeClr val="accent1"/>
+          </a:lnRef>
+          <a:fillRef idx="0">
+            <a:schemeClr val="accent1"/>
+          </a:fillRef>
+          <a:effectRef idx="0">
+            <a:schemeClr val="accent1"/>
+          </a:effectRef>
+          <a:fontRef idx="minor"/>
+        </p:style>
+      </p:sp>
+      <p:sp>
+        <p:nvSpPr>
+          <p:cNvPr id="12" name="CustomShape 2">
+            <a:extLst>
+              <a:ext uri="{FF2B5EF4-FFF2-40B4-BE49-F238E27FC236}">
+                <a16:creationId xmlns:a16="http://schemas.microsoft.com/office/drawing/2014/main" id="{580DF52F-648F-47A9-8A01-C0749712A9B3}"/>
+              </a:ext>
+            </a:extLst>
+          </p:cNvPr>
+          <p:cNvSpPr/>
+          <p:nvPr/>
+        </p:nvSpPr>
+        <p:spPr>
+          <a:xfrm>
+            <a:off x="246600" y="2204864"/>
+            <a:ext cx="11687400" cy="767987"/>
+          </a:xfrm>
+          <a:prstGeom prst="rect">
+            <a:avLst/>
+          </a:prstGeom>
+          <a:noFill/>
+          <a:ln>
+            <a:noFill/>
+          </a:ln>
+        </p:spPr>
+        <p:style>
+          <a:lnRef idx="0">
+            <a:scrgbClr r="0" g="0" b="0"/>
+          </a:lnRef>
+          <a:fillRef idx="0">
+            <a:scrgbClr r="0" g="0" b="0"/>
+          </a:fillRef>
+          <a:effectRef idx="0">
+            <a:scrgbClr r="0" g="0" b="0"/>
+          </a:effectRef>
+          <a:fontRef idx="minor"/>
+        </p:style>
+        <p:txBody>
+          <a:bodyPr wrap="square" lIns="90000" tIns="45000" rIns="90000" bIns="45000">
+            <a:spAutoFit/>
+          </a:bodyPr>
+          <a:lstStyle/>
+          <a:p>
+            <a:pPr marL="23760">
+              <a:lnSpc>
+                <a:spcPct val="100000"/>
+              </a:lnSpc>
+              <a:buClr>
+                <a:srgbClr val="000000"/>
+              </a:buClr>
+            </a:pPr>
+            <a:r>
+              <a:rPr lang="en-IN" b="0" strike="noStrike" spc="-1" dirty="0">
+                <a:solidFill>
+                  <a:srgbClr val="000000"/>
+                </a:solidFill>
+                <a:latin typeface="Consolas"/>
+                <a:ea typeface="Tahoma"/>
+              </a:rPr>
+              <a:t>C:\&gt;</a:t>
+            </a:r>
+            <a:r>
+              <a:rPr lang="en-IN" b="0" strike="noStrike" spc="-1" dirty="0">
+                <a:solidFill>
+                  <a:srgbClr val="528693"/>
+                </a:solidFill>
+                <a:latin typeface="Consolas"/>
+                <a:ea typeface="Tahoma"/>
+              </a:rPr>
+              <a:t> </a:t>
+            </a:r>
+            <a:r>
+              <a:rPr lang="en-IN" b="0" strike="noStrike" spc="-1" dirty="0">
+                <a:latin typeface="Consolas"/>
+                <a:ea typeface="Tahoma"/>
+              </a:rPr>
+              <a:t>cassandra.bat // Starts cassandra server</a:t>
+            </a:r>
+            <a:endParaRPr lang="en-IN" b="0" strike="noStrike" spc="-1" dirty="0">
+              <a:latin typeface="Arial"/>
+            </a:endParaRPr>
+          </a:p>
+          <a:p>
+            <a:pPr>
+              <a:lnSpc>
+                <a:spcPct val="100000"/>
+              </a:lnSpc>
+            </a:pPr>
+            <a:endParaRPr lang="en-IN" sz="800" b="0" strike="noStrike" spc="-1" dirty="0">
+              <a:latin typeface="Arial"/>
+            </a:endParaRPr>
+          </a:p>
+          <a:p>
+            <a:pPr marL="23760">
+              <a:lnSpc>
+                <a:spcPct val="100000"/>
+              </a:lnSpc>
+              <a:buClr>
+                <a:srgbClr val="000000"/>
+              </a:buClr>
+            </a:pPr>
+            <a:r>
+              <a:rPr lang="en-IN" b="0" strike="noStrike" spc="-1" dirty="0">
+                <a:solidFill>
+                  <a:srgbClr val="000000"/>
+                </a:solidFill>
+                <a:latin typeface="Consolas"/>
+                <a:ea typeface="Tahoma"/>
+              </a:rPr>
+              <a:t>C:\&gt;</a:t>
+            </a:r>
+            <a:r>
+              <a:rPr lang="en-IN" b="0" strike="noStrike" spc="-1" dirty="0">
+                <a:solidFill>
+                  <a:srgbClr val="528693"/>
+                </a:solidFill>
+                <a:latin typeface="Consolas"/>
+                <a:ea typeface="Tahoma"/>
+              </a:rPr>
+              <a:t> </a:t>
+            </a:r>
+            <a:r>
+              <a:rPr lang="en-IN" b="0" strike="noStrike" spc="-1" dirty="0">
+                <a:latin typeface="Consolas"/>
+                <a:ea typeface="Tahoma"/>
+              </a:rPr>
+              <a:t>cqlsh.bat // Starts cassandra client</a:t>
+            </a:r>
+            <a:endParaRPr lang="en-IN" b="0" strike="noStrike" spc="-1" dirty="0">
+              <a:latin typeface="Arial"/>
+            </a:endParaRPr>
+          </a:p>
+        </p:txBody>
+      </p:sp>
+      <p:sp>
+        <p:nvSpPr>
+          <p:cNvPr id="14" name="TextBox 13">
+            <a:extLst>
+              <a:ext uri="{FF2B5EF4-FFF2-40B4-BE49-F238E27FC236}">
+                <a16:creationId xmlns:a16="http://schemas.microsoft.com/office/drawing/2014/main" id="{2EBDF05E-751C-4C72-BCA4-A32DF2379C59}"/>
+              </a:ext>
+            </a:extLst>
+          </p:cNvPr>
+          <p:cNvSpPr txBox="1"/>
+          <p:nvPr/>
+        </p:nvSpPr>
+        <p:spPr>
+          <a:xfrm>
+            <a:off x="229109" y="6011996"/>
+            <a:ext cx="11687400" cy="369332"/>
+          </a:xfrm>
+          <a:prstGeom prst="rect">
+            <a:avLst/>
+          </a:prstGeom>
+          <a:noFill/>
+        </p:spPr>
+        <p:txBody>
+          <a:bodyPr wrap="square">
+            <a:spAutoFit/>
+          </a:bodyPr>
+          <a:lstStyle/>
+          <a:p>
+            <a:pPr marL="285750" indent="-285750">
+              <a:buFont typeface="Arial" panose="020B0604020202020204" pitchFamily="34" charset="0"/>
+              <a:buChar char="•"/>
+            </a:pPr>
+            <a:r>
+              <a:rPr lang="en-IN" sz="1800" b="0" strike="noStrike" spc="-1" dirty="0">
+                <a:solidFill>
+                  <a:schemeClr val="bg1">
+                    <a:lumMod val="50000"/>
+                  </a:schemeClr>
+                </a:solidFill>
+                <a:latin typeface="Consolas"/>
+                <a:ea typeface="SimSun"/>
+              </a:rPr>
+              <a:t>cqlsh&gt; </a:t>
+            </a:r>
+            <a:r>
+              <a:rPr lang="en-IN" sz="1800" b="0" strike="noStrike" spc="-1" dirty="0">
+                <a:latin typeface="Consolas"/>
+                <a:ea typeface="SimSun"/>
+              </a:rPr>
+              <a:t>clear </a:t>
+            </a:r>
+            <a:r>
+              <a:rPr lang="en-IN" sz="1800" b="0" strike="noStrike" spc="-1" dirty="0">
+                <a:solidFill>
+                  <a:srgbClr val="39AE0A"/>
+                </a:solidFill>
+                <a:latin typeface="Consolas"/>
+                <a:ea typeface="SimSun"/>
+              </a:rPr>
+              <a:t>//Clear screen</a:t>
+            </a:r>
+            <a:r>
+              <a:rPr lang="en-IN" sz="1800" b="0" strike="noStrike" spc="-1" dirty="0">
+                <a:solidFill>
+                  <a:schemeClr val="bg1">
+                    <a:lumMod val="50000"/>
+                  </a:schemeClr>
+                </a:solidFill>
+                <a:latin typeface="Consolas"/>
+                <a:ea typeface="SimSun"/>
+              </a:rPr>
+              <a:t> </a:t>
+            </a:r>
+            <a:endParaRPr lang="en-IN" dirty="0"/>
+          </a:p>
+        </p:txBody>
+      </p:sp>
+      <p:sp>
+        <p:nvSpPr>
+          <p:cNvPr id="16" name="TextBox 15">
+            <a:extLst>
+              <a:ext uri="{FF2B5EF4-FFF2-40B4-BE49-F238E27FC236}">
+                <a16:creationId xmlns:a16="http://schemas.microsoft.com/office/drawing/2014/main" id="{5BF8C755-B338-4FB2-B663-69A653354049}"/>
+              </a:ext>
+            </a:extLst>
+          </p:cNvPr>
+          <p:cNvSpPr txBox="1"/>
+          <p:nvPr/>
+        </p:nvSpPr>
+        <p:spPr>
+          <a:xfrm>
+            <a:off x="261514" y="1704340"/>
+            <a:ext cx="11672485" cy="369332"/>
+          </a:xfrm>
+          <a:prstGeom prst="rect">
+            <a:avLst/>
+          </a:prstGeom>
+          <a:noFill/>
+        </p:spPr>
+        <p:txBody>
+          <a:bodyPr wrap="square">
+            <a:spAutoFit/>
+          </a:bodyPr>
+          <a:lstStyle/>
+          <a:p>
+            <a:r>
+              <a:rPr lang="en-US" spc="-1" dirty="0">
+                <a:solidFill>
+                  <a:srgbClr val="C00000"/>
+                </a:solidFill>
+                <a:latin typeface="Arial"/>
+              </a:rPr>
+              <a:t>on windows</a:t>
+            </a:r>
+            <a:endParaRPr lang="en-IN" dirty="0">
+              <a:solidFill>
+                <a:srgbClr val="C00000"/>
+              </a:solidFill>
+            </a:endParaRPr>
+          </a:p>
+        </p:txBody>
+      </p:sp>
+      <p:sp>
+        <p:nvSpPr>
+          <p:cNvPr id="17" name="TextBox 16">
+            <a:extLst>
+              <a:ext uri="{FF2B5EF4-FFF2-40B4-BE49-F238E27FC236}">
+                <a16:creationId xmlns:a16="http://schemas.microsoft.com/office/drawing/2014/main" id="{16910B4B-68DB-4090-A209-92C240BC4069}"/>
+              </a:ext>
+            </a:extLst>
+          </p:cNvPr>
+          <p:cNvSpPr txBox="1"/>
+          <p:nvPr/>
+        </p:nvSpPr>
+        <p:spPr>
+          <a:xfrm>
+            <a:off x="261514" y="3563724"/>
+            <a:ext cx="11672485" cy="369332"/>
+          </a:xfrm>
+          <a:prstGeom prst="rect">
+            <a:avLst/>
+          </a:prstGeom>
+          <a:noFill/>
+        </p:spPr>
+        <p:txBody>
+          <a:bodyPr wrap="square">
+            <a:spAutoFit/>
+          </a:bodyPr>
+          <a:lstStyle/>
+          <a:p>
+            <a:r>
+              <a:rPr lang="en-US" spc="-1" dirty="0">
+                <a:solidFill>
+                  <a:srgbClr val="C00000"/>
+                </a:solidFill>
+                <a:latin typeface="Arial"/>
+              </a:rPr>
+              <a:t>on ubuntu</a:t>
+            </a:r>
+            <a:endParaRPr lang="en-IN" dirty="0">
+              <a:solidFill>
+                <a:srgbClr val="C00000"/>
+              </a:solidFill>
+            </a:endParaRPr>
+          </a:p>
+        </p:txBody>
+      </p:sp>
+      <p:sp>
+        <p:nvSpPr>
+          <p:cNvPr id="18" name="CustomShape 2">
+            <a:extLst>
+              <a:ext uri="{FF2B5EF4-FFF2-40B4-BE49-F238E27FC236}">
+                <a16:creationId xmlns:a16="http://schemas.microsoft.com/office/drawing/2014/main" id="{995EF76E-0039-4C1E-82A6-25517E1DAE73}"/>
+              </a:ext>
+            </a:extLst>
+          </p:cNvPr>
+          <p:cNvSpPr/>
+          <p:nvPr/>
+        </p:nvSpPr>
+        <p:spPr>
+          <a:xfrm>
+            <a:off x="246600" y="4077072"/>
+            <a:ext cx="11687400" cy="367878"/>
+          </a:xfrm>
+          <a:prstGeom prst="rect">
+            <a:avLst/>
+          </a:prstGeom>
+          <a:noFill/>
+          <a:ln>
+            <a:noFill/>
+          </a:ln>
+        </p:spPr>
+        <p:style>
+          <a:lnRef idx="0">
+            <a:scrgbClr r="0" g="0" b="0"/>
+          </a:lnRef>
+          <a:fillRef idx="0">
+            <a:scrgbClr r="0" g="0" b="0"/>
+          </a:fillRef>
+          <a:effectRef idx="0">
+            <a:scrgbClr r="0" g="0" b="0"/>
+          </a:effectRef>
+          <a:fontRef idx="minor"/>
+        </p:style>
+        <p:txBody>
+          <a:bodyPr wrap="square" lIns="90000" tIns="45000" rIns="90000" bIns="45000">
+            <a:spAutoFit/>
+          </a:bodyPr>
+          <a:lstStyle/>
+          <a:p>
+            <a:pPr marL="23760">
+              <a:lnSpc>
+                <a:spcPct val="100000"/>
+              </a:lnSpc>
+              <a:buClr>
+                <a:srgbClr val="000000"/>
+              </a:buClr>
+            </a:pPr>
+            <a:r>
+              <a:rPr lang="en-IN" b="0" strike="noStrike" spc="-1" dirty="0">
+                <a:solidFill>
+                  <a:srgbClr val="000000"/>
+                </a:solidFill>
+                <a:latin typeface="Consolas"/>
+                <a:ea typeface="Tahoma"/>
+              </a:rPr>
+              <a:t>TODO</a:t>
+            </a:r>
+            <a:endParaRPr lang="en-IN" b="0" strike="noStrike" spc="-1" dirty="0">
+              <a:latin typeface="Arial"/>
+            </a:endParaRPr>
+          </a:p>
+        </p:txBody>
+      </p:sp>
+    </p:spTree>
+  </p:cSld>
+  <p:clrMapOvr>
+    <a:masterClrMapping/>
+  </p:clrMapOvr>
+</p:sld>
+</file>
+
+<file path=ppt/slides/slide40.xml><?xml version="1.0" encoding="utf-8"?>
 <p:sld xmlns:a="http://schemas.openxmlformats.org/drawingml/2006/main" xmlns:r="http://schemas.openxmlformats.org/officeDocument/2006/relationships" xmlns:p="http://schemas.openxmlformats.org/presentationml/2006/main">
   <p:cSld>
     <p:spTree>
@@ -21280,561 +22554,7 @@
 </p:sld>
 </file>
 
-<file path=ppt/slides/slide4.xml><?xml version="1.0" encoding="utf-8"?>
-<p:sld xmlns:a="http://schemas.openxmlformats.org/drawingml/2006/main" xmlns:r="http://schemas.openxmlformats.org/officeDocument/2006/relationships" xmlns:p="http://schemas.openxmlformats.org/presentationml/2006/main">
-  <p:cSld>
-    <p:spTree>
-      <p:nvGrpSpPr>
-        <p:cNvPr id="1" name=""/>
-        <p:cNvGrpSpPr/>
-        <p:nvPr/>
-      </p:nvGrpSpPr>
-      <p:grpSpPr>
-        <a:xfrm>
-          <a:off x="0" y="0"/>
-          <a:ext cx="0" cy="0"/>
-          <a:chOff x="0" y="0"/>
-          <a:chExt cx="0" cy="0"/>
-        </a:xfrm>
-      </p:grpSpPr>
-      <p:sp>
-        <p:nvSpPr>
-          <p:cNvPr id="102" name="CustomShape 3"/>
-          <p:cNvSpPr/>
-          <p:nvPr/>
-        </p:nvSpPr>
-        <p:spPr>
-          <a:xfrm>
-            <a:off x="246600" y="762120"/>
-            <a:ext cx="11693880" cy="363960"/>
-          </a:xfrm>
-          <a:prstGeom prst="rect">
-            <a:avLst/>
-          </a:prstGeom>
-          <a:noFill/>
-          <a:ln>
-            <a:noFill/>
-          </a:ln>
-        </p:spPr>
-        <p:style>
-          <a:lnRef idx="0">
-            <a:scrgbClr r="0" g="0" b="0"/>
-          </a:lnRef>
-          <a:fillRef idx="0">
-            <a:scrgbClr r="0" g="0" b="0"/>
-          </a:fillRef>
-          <a:effectRef idx="0">
-            <a:scrgbClr r="0" g="0" b="0"/>
-          </a:effectRef>
-          <a:fontRef idx="minor"/>
-        </p:style>
-        <p:txBody>
-          <a:bodyPr lIns="90000" tIns="45000" rIns="90000" bIns="45000">
-            <a:spAutoFit/>
-          </a:bodyPr>
-          <a:lstStyle/>
-          <a:p>
-            <a:pPr algn="just"/>
-            <a:r>
-              <a:rPr lang="en-US" spc="-1" dirty="0">
-                <a:latin typeface="Arial"/>
-              </a:rPr>
-              <a:t>To start cassandra server/client</a:t>
-            </a:r>
-            <a:endParaRPr lang="en-IN" spc="-1" dirty="0">
-              <a:latin typeface="Arial"/>
-            </a:endParaRPr>
-          </a:p>
-        </p:txBody>
-      </p:sp>
-      <p:sp>
-        <p:nvSpPr>
-          <p:cNvPr id="105" name="CustomShape 6"/>
-          <p:cNvSpPr/>
-          <p:nvPr/>
-        </p:nvSpPr>
-        <p:spPr>
-          <a:xfrm>
-            <a:off x="246600" y="0"/>
-            <a:ext cx="11693880" cy="706432"/>
-          </a:xfrm>
-          <a:prstGeom prst="rect">
-            <a:avLst/>
-          </a:prstGeom>
-          <a:solidFill>
-            <a:srgbClr val="C00000"/>
-          </a:solidFill>
-          <a:ln>
-            <a:noFill/>
-          </a:ln>
-        </p:spPr>
-        <p:style>
-          <a:lnRef idx="0">
-            <a:scrgbClr r="0" g="0" b="0"/>
-          </a:lnRef>
-          <a:fillRef idx="0">
-            <a:scrgbClr r="0" g="0" b="0"/>
-          </a:fillRef>
-          <a:effectRef idx="0">
-            <a:scrgbClr r="0" g="0" b="0"/>
-          </a:effectRef>
-          <a:fontRef idx="minor"/>
-        </p:style>
-        <p:txBody>
-          <a:bodyPr lIns="90000" tIns="45000" rIns="90000" bIns="45000">
-            <a:spAutoFit/>
-          </a:bodyPr>
-          <a:lstStyle/>
-          <a:p>
-            <a:pPr algn="ctr"/>
-            <a:r>
-              <a:rPr lang="en-IN" sz="4000" spc="-1">
-                <a:solidFill>
-                  <a:srgbClr val="F7C120"/>
-                </a:solidFill>
-                <a:latin typeface="Open Sans"/>
-              </a:rPr>
-              <a:t>getting </a:t>
-            </a:r>
-            <a:r>
-              <a:rPr lang="en-IN" sz="4000" spc="-1" dirty="0">
-                <a:solidFill>
-                  <a:srgbClr val="F7C120"/>
-                </a:solidFill>
-                <a:latin typeface="Open Sans"/>
-              </a:rPr>
-              <a:t>s</a:t>
-            </a:r>
-            <a:r>
-              <a:rPr lang="en-IN" sz="4000" spc="-1">
-                <a:solidFill>
-                  <a:srgbClr val="F7C120"/>
-                </a:solidFill>
-                <a:latin typeface="Open Sans"/>
-              </a:rPr>
-              <a:t>tarted</a:t>
-            </a:r>
-            <a:endParaRPr lang="en-IN" sz="4000" spc="-1" dirty="0">
-              <a:solidFill>
-                <a:srgbClr val="F7C120"/>
-              </a:solidFill>
-              <a:latin typeface="Open Sans"/>
-            </a:endParaRPr>
-          </a:p>
-        </p:txBody>
-      </p:sp>
-      <p:sp>
-        <p:nvSpPr>
-          <p:cNvPr id="108" name="Line 9"/>
-          <p:cNvSpPr/>
-          <p:nvPr/>
-        </p:nvSpPr>
-        <p:spPr>
-          <a:xfrm>
-            <a:off x="0" y="1536120"/>
-            <a:ext cx="12191760" cy="0"/>
-          </a:xfrm>
-          <a:prstGeom prst="line">
-            <a:avLst/>
-          </a:prstGeom>
-          <a:ln w="12600">
-            <a:solidFill>
-              <a:srgbClr val="6E78A0"/>
-            </a:solidFill>
-            <a:prstDash val="dash"/>
-            <a:round/>
-          </a:ln>
-        </p:spPr>
-        <p:style>
-          <a:lnRef idx="1">
-            <a:schemeClr val="accent1"/>
-          </a:lnRef>
-          <a:fillRef idx="0">
-            <a:schemeClr val="accent1"/>
-          </a:fillRef>
-          <a:effectRef idx="0">
-            <a:schemeClr val="accent1"/>
-          </a:effectRef>
-          <a:fontRef idx="minor"/>
-        </p:style>
-      </p:sp>
-      <p:sp>
-        <p:nvSpPr>
-          <p:cNvPr id="12" name="CustomShape 2">
-            <a:extLst>
-              <a:ext uri="{FF2B5EF4-FFF2-40B4-BE49-F238E27FC236}">
-                <a16:creationId xmlns:a16="http://schemas.microsoft.com/office/drawing/2014/main" id="{580DF52F-648F-47A9-8A01-C0749712A9B3}"/>
-              </a:ext>
-            </a:extLst>
-          </p:cNvPr>
-          <p:cNvSpPr/>
-          <p:nvPr/>
-        </p:nvSpPr>
-        <p:spPr>
-          <a:xfrm>
-            <a:off x="246600" y="2204864"/>
-            <a:ext cx="11687400" cy="767987"/>
-          </a:xfrm>
-          <a:prstGeom prst="rect">
-            <a:avLst/>
-          </a:prstGeom>
-          <a:noFill/>
-          <a:ln>
-            <a:noFill/>
-          </a:ln>
-        </p:spPr>
-        <p:style>
-          <a:lnRef idx="0">
-            <a:scrgbClr r="0" g="0" b="0"/>
-          </a:lnRef>
-          <a:fillRef idx="0">
-            <a:scrgbClr r="0" g="0" b="0"/>
-          </a:fillRef>
-          <a:effectRef idx="0">
-            <a:scrgbClr r="0" g="0" b="0"/>
-          </a:effectRef>
-          <a:fontRef idx="minor"/>
-        </p:style>
-        <p:txBody>
-          <a:bodyPr wrap="square" lIns="90000" tIns="45000" rIns="90000" bIns="45000">
-            <a:spAutoFit/>
-          </a:bodyPr>
-          <a:lstStyle/>
-          <a:p>
-            <a:pPr marL="23760">
-              <a:lnSpc>
-                <a:spcPct val="100000"/>
-              </a:lnSpc>
-              <a:buClr>
-                <a:srgbClr val="000000"/>
-              </a:buClr>
-            </a:pPr>
-            <a:r>
-              <a:rPr lang="en-IN" b="0" strike="noStrike" spc="-1" dirty="0">
-                <a:solidFill>
-                  <a:srgbClr val="000000"/>
-                </a:solidFill>
-                <a:latin typeface="Consolas"/>
-                <a:ea typeface="Tahoma"/>
-              </a:rPr>
-              <a:t>C:\&gt;</a:t>
-            </a:r>
-            <a:r>
-              <a:rPr lang="en-IN" b="0" strike="noStrike" spc="-1" dirty="0">
-                <a:solidFill>
-                  <a:srgbClr val="528693"/>
-                </a:solidFill>
-                <a:latin typeface="Consolas"/>
-                <a:ea typeface="Tahoma"/>
-              </a:rPr>
-              <a:t> </a:t>
-            </a:r>
-            <a:r>
-              <a:rPr lang="en-IN" b="0" strike="noStrike" spc="-1" dirty="0">
-                <a:latin typeface="Consolas"/>
-                <a:ea typeface="Tahoma"/>
-              </a:rPr>
-              <a:t>cassandra.bat // Starts cassandra server</a:t>
-            </a:r>
-            <a:endParaRPr lang="en-IN" b="0" strike="noStrike" spc="-1" dirty="0">
-              <a:latin typeface="Arial"/>
-            </a:endParaRPr>
-          </a:p>
-          <a:p>
-            <a:pPr>
-              <a:lnSpc>
-                <a:spcPct val="100000"/>
-              </a:lnSpc>
-            </a:pPr>
-            <a:endParaRPr lang="en-IN" sz="800" b="0" strike="noStrike" spc="-1" dirty="0">
-              <a:latin typeface="Arial"/>
-            </a:endParaRPr>
-          </a:p>
-          <a:p>
-            <a:pPr marL="23760">
-              <a:lnSpc>
-                <a:spcPct val="100000"/>
-              </a:lnSpc>
-              <a:buClr>
-                <a:srgbClr val="000000"/>
-              </a:buClr>
-            </a:pPr>
-            <a:r>
-              <a:rPr lang="en-IN" b="0" strike="noStrike" spc="-1" dirty="0">
-                <a:solidFill>
-                  <a:srgbClr val="000000"/>
-                </a:solidFill>
-                <a:latin typeface="Consolas"/>
-                <a:ea typeface="Tahoma"/>
-              </a:rPr>
-              <a:t>C:\&gt;</a:t>
-            </a:r>
-            <a:r>
-              <a:rPr lang="en-IN" b="0" strike="noStrike" spc="-1" dirty="0">
-                <a:solidFill>
-                  <a:srgbClr val="528693"/>
-                </a:solidFill>
-                <a:latin typeface="Consolas"/>
-                <a:ea typeface="Tahoma"/>
-              </a:rPr>
-              <a:t> </a:t>
-            </a:r>
-            <a:r>
-              <a:rPr lang="en-IN" b="0" strike="noStrike" spc="-1" dirty="0">
-                <a:latin typeface="Consolas"/>
-                <a:ea typeface="Tahoma"/>
-              </a:rPr>
-              <a:t>cqlsh.bat // Starts cassandra client</a:t>
-            </a:r>
-            <a:endParaRPr lang="en-IN" b="0" strike="noStrike" spc="-1" dirty="0">
-              <a:latin typeface="Arial"/>
-            </a:endParaRPr>
-          </a:p>
-        </p:txBody>
-      </p:sp>
-      <p:sp>
-        <p:nvSpPr>
-          <p:cNvPr id="14" name="TextBox 13">
-            <a:extLst>
-              <a:ext uri="{FF2B5EF4-FFF2-40B4-BE49-F238E27FC236}">
-                <a16:creationId xmlns:a16="http://schemas.microsoft.com/office/drawing/2014/main" id="{2EBDF05E-751C-4C72-BCA4-A32DF2379C59}"/>
-              </a:ext>
-            </a:extLst>
-          </p:cNvPr>
-          <p:cNvSpPr txBox="1"/>
-          <p:nvPr/>
-        </p:nvSpPr>
-        <p:spPr>
-          <a:xfrm>
-            <a:off x="229109" y="6011996"/>
-            <a:ext cx="11687400" cy="369332"/>
-          </a:xfrm>
-          <a:prstGeom prst="rect">
-            <a:avLst/>
-          </a:prstGeom>
-          <a:noFill/>
-        </p:spPr>
-        <p:txBody>
-          <a:bodyPr wrap="square">
-            <a:spAutoFit/>
-          </a:bodyPr>
-          <a:lstStyle/>
-          <a:p>
-            <a:pPr marL="285750" indent="-285750">
-              <a:buFont typeface="Arial" panose="020B0604020202020204" pitchFamily="34" charset="0"/>
-              <a:buChar char="•"/>
-            </a:pPr>
-            <a:r>
-              <a:rPr lang="en-IN" sz="1800" b="0" strike="noStrike" spc="-1" dirty="0">
-                <a:solidFill>
-                  <a:schemeClr val="bg1">
-                    <a:lumMod val="50000"/>
-                  </a:schemeClr>
-                </a:solidFill>
-                <a:latin typeface="Consolas"/>
-                <a:ea typeface="SimSun"/>
-              </a:rPr>
-              <a:t>cqlsh&gt; </a:t>
-            </a:r>
-            <a:r>
-              <a:rPr lang="en-IN" sz="1800" b="0" strike="noStrike" spc="-1" dirty="0">
-                <a:latin typeface="Consolas"/>
-                <a:ea typeface="SimSun"/>
-              </a:rPr>
-              <a:t>clear </a:t>
-            </a:r>
-            <a:r>
-              <a:rPr lang="en-IN" sz="1800" b="0" strike="noStrike" spc="-1" dirty="0">
-                <a:solidFill>
-                  <a:srgbClr val="39AE0A"/>
-                </a:solidFill>
-                <a:latin typeface="Consolas"/>
-                <a:ea typeface="SimSun"/>
-              </a:rPr>
-              <a:t>//Clear screen</a:t>
-            </a:r>
-            <a:r>
-              <a:rPr lang="en-IN" sz="1800" b="0" strike="noStrike" spc="-1" dirty="0">
-                <a:solidFill>
-                  <a:schemeClr val="bg1">
-                    <a:lumMod val="50000"/>
-                  </a:schemeClr>
-                </a:solidFill>
-                <a:latin typeface="Consolas"/>
-                <a:ea typeface="SimSun"/>
-              </a:rPr>
-              <a:t> </a:t>
-            </a:r>
-            <a:endParaRPr lang="en-IN" dirty="0"/>
-          </a:p>
-        </p:txBody>
-      </p:sp>
-      <p:sp>
-        <p:nvSpPr>
-          <p:cNvPr id="16" name="TextBox 15">
-            <a:extLst>
-              <a:ext uri="{FF2B5EF4-FFF2-40B4-BE49-F238E27FC236}">
-                <a16:creationId xmlns:a16="http://schemas.microsoft.com/office/drawing/2014/main" id="{5BF8C755-B338-4FB2-B663-69A653354049}"/>
-              </a:ext>
-            </a:extLst>
-          </p:cNvPr>
-          <p:cNvSpPr txBox="1"/>
-          <p:nvPr/>
-        </p:nvSpPr>
-        <p:spPr>
-          <a:xfrm>
-            <a:off x="261514" y="1704340"/>
-            <a:ext cx="11672485" cy="369332"/>
-          </a:xfrm>
-          <a:prstGeom prst="rect">
-            <a:avLst/>
-          </a:prstGeom>
-          <a:noFill/>
-        </p:spPr>
-        <p:txBody>
-          <a:bodyPr wrap="square">
-            <a:spAutoFit/>
-          </a:bodyPr>
-          <a:lstStyle/>
-          <a:p>
-            <a:r>
-              <a:rPr lang="en-US" spc="-1" dirty="0">
-                <a:solidFill>
-                  <a:srgbClr val="C00000"/>
-                </a:solidFill>
-                <a:latin typeface="Arial"/>
-              </a:rPr>
-              <a:t>on windows</a:t>
-            </a:r>
-            <a:endParaRPr lang="en-IN" dirty="0">
-              <a:solidFill>
-                <a:srgbClr val="C00000"/>
-              </a:solidFill>
-            </a:endParaRPr>
-          </a:p>
-        </p:txBody>
-      </p:sp>
-      <p:sp>
-        <p:nvSpPr>
-          <p:cNvPr id="17" name="TextBox 16">
-            <a:extLst>
-              <a:ext uri="{FF2B5EF4-FFF2-40B4-BE49-F238E27FC236}">
-                <a16:creationId xmlns:a16="http://schemas.microsoft.com/office/drawing/2014/main" id="{16910B4B-68DB-4090-A209-92C240BC4069}"/>
-              </a:ext>
-            </a:extLst>
-          </p:cNvPr>
-          <p:cNvSpPr txBox="1"/>
-          <p:nvPr/>
-        </p:nvSpPr>
-        <p:spPr>
-          <a:xfrm>
-            <a:off x="261514" y="3563724"/>
-            <a:ext cx="11672485" cy="369332"/>
-          </a:xfrm>
-          <a:prstGeom prst="rect">
-            <a:avLst/>
-          </a:prstGeom>
-          <a:noFill/>
-        </p:spPr>
-        <p:txBody>
-          <a:bodyPr wrap="square">
-            <a:spAutoFit/>
-          </a:bodyPr>
-          <a:lstStyle/>
-          <a:p>
-            <a:r>
-              <a:rPr lang="en-US" spc="-1" dirty="0">
-                <a:solidFill>
-                  <a:srgbClr val="C00000"/>
-                </a:solidFill>
-                <a:latin typeface="Arial"/>
-              </a:rPr>
-              <a:t>on ubuntu</a:t>
-            </a:r>
-            <a:endParaRPr lang="en-IN" dirty="0">
-              <a:solidFill>
-                <a:srgbClr val="C00000"/>
-              </a:solidFill>
-            </a:endParaRPr>
-          </a:p>
-        </p:txBody>
-      </p:sp>
-      <p:sp>
-        <p:nvSpPr>
-          <p:cNvPr id="18" name="CustomShape 2">
-            <a:extLst>
-              <a:ext uri="{FF2B5EF4-FFF2-40B4-BE49-F238E27FC236}">
-                <a16:creationId xmlns:a16="http://schemas.microsoft.com/office/drawing/2014/main" id="{995EF76E-0039-4C1E-82A6-25517E1DAE73}"/>
-              </a:ext>
-            </a:extLst>
-          </p:cNvPr>
-          <p:cNvSpPr/>
-          <p:nvPr/>
-        </p:nvSpPr>
-        <p:spPr>
-          <a:xfrm>
-            <a:off x="246600" y="4077072"/>
-            <a:ext cx="11687400" cy="367878"/>
-          </a:xfrm>
-          <a:prstGeom prst="rect">
-            <a:avLst/>
-          </a:prstGeom>
-          <a:noFill/>
-          <a:ln>
-            <a:noFill/>
-          </a:ln>
-        </p:spPr>
-        <p:style>
-          <a:lnRef idx="0">
-            <a:scrgbClr r="0" g="0" b="0"/>
-          </a:lnRef>
-          <a:fillRef idx="0">
-            <a:scrgbClr r="0" g="0" b="0"/>
-          </a:fillRef>
-          <a:effectRef idx="0">
-            <a:scrgbClr r="0" g="0" b="0"/>
-          </a:effectRef>
-          <a:fontRef idx="minor"/>
-        </p:style>
-        <p:txBody>
-          <a:bodyPr wrap="square" lIns="90000" tIns="45000" rIns="90000" bIns="45000">
-            <a:spAutoFit/>
-          </a:bodyPr>
-          <a:lstStyle/>
-          <a:p>
-            <a:pPr marL="23760">
-              <a:lnSpc>
-                <a:spcPct val="100000"/>
-              </a:lnSpc>
-              <a:buClr>
-                <a:srgbClr val="000000"/>
-              </a:buClr>
-            </a:pPr>
-            <a:r>
-              <a:rPr lang="en-IN" b="0" strike="noStrike" spc="-1" dirty="0">
-                <a:solidFill>
-                  <a:srgbClr val="000000"/>
-                </a:solidFill>
-                <a:latin typeface="Consolas"/>
-                <a:ea typeface="Tahoma"/>
-              </a:rPr>
-              <a:t>TODO</a:t>
-            </a:r>
-            <a:endParaRPr lang="en-IN" b="0" strike="noStrike" spc="-1" dirty="0">
-              <a:latin typeface="Arial"/>
-            </a:endParaRPr>
-          </a:p>
-        </p:txBody>
-      </p:sp>
-    </p:spTree>
-  </p:cSld>
-  <p:clrMapOvr>
-    <a:masterClrMapping/>
-  </p:clrMapOvr>
-</p:sld>
-</file>
-
-<file path=ppt/slides/slide40.xml><?xml version="1.0" encoding="utf-8"?>
+<file path=ppt/slides/slide41.xml><?xml version="1.0" encoding="utf-8"?>
 <p:sld xmlns:a="http://schemas.openxmlformats.org/drawingml/2006/main" xmlns:r="http://schemas.openxmlformats.org/officeDocument/2006/relationships" xmlns:p="http://schemas.openxmlformats.org/presentationml/2006/main">
   <p:cSld>
     <p:spTree>
@@ -21993,7 +22713,7 @@
 </p:sld>
 </file>
 
-<file path=ppt/slides/slide41.xml><?xml version="1.0" encoding="utf-8"?>
+<file path=ppt/slides/slide42.xml><?xml version="1.0" encoding="utf-8"?>
 <p:sld xmlns:a="http://schemas.openxmlformats.org/drawingml/2006/main" xmlns:r="http://schemas.openxmlformats.org/officeDocument/2006/relationships" xmlns:p="http://schemas.openxmlformats.org/presentationml/2006/main">
   <p:cSld>
     <p:spTree>
@@ -22489,7 +23209,7 @@
 </p:sld>
 </file>
 
-<file path=ppt/slides/slide42.xml><?xml version="1.0" encoding="utf-8"?>
+<file path=ppt/slides/slide43.xml><?xml version="1.0" encoding="utf-8"?>
 <p:sld xmlns:a="http://schemas.openxmlformats.org/drawingml/2006/main" xmlns:r="http://schemas.openxmlformats.org/officeDocument/2006/relationships" xmlns:p="http://schemas.openxmlformats.org/presentationml/2006/main">
   <p:cSld>
     <p:spTree>
@@ -22648,7 +23368,7 @@
 </p:sld>
 </file>
 
-<file path=ppt/slides/slide43.xml><?xml version="1.0" encoding="utf-8"?>
+<file path=ppt/slides/slide44.xml><?xml version="1.0" encoding="utf-8"?>
 <p:sld xmlns:a="http://schemas.openxmlformats.org/drawingml/2006/main" xmlns:r="http://schemas.openxmlformats.org/officeDocument/2006/relationships" xmlns:p="http://schemas.openxmlformats.org/presentationml/2006/main">
   <p:cSld>
     <p:spTree>
@@ -23108,7 +23828,7 @@
 </p:sld>
 </file>
 
-<file path=ppt/slides/slide44.xml><?xml version="1.0" encoding="utf-8"?>
+<file path=ppt/slides/slide45.xml><?xml version="1.0" encoding="utf-8"?>
 <p:sld xmlns:a="http://schemas.openxmlformats.org/drawingml/2006/main" xmlns:r="http://schemas.openxmlformats.org/officeDocument/2006/relationships" xmlns:p="http://schemas.openxmlformats.org/presentationml/2006/main">
   <p:cSld>
     <p:spTree>
@@ -23257,7 +23977,7 @@
 </p:sld>
 </file>
 
-<file path=ppt/slides/slide45.xml><?xml version="1.0" encoding="utf-8"?>
+<file path=ppt/slides/slide46.xml><?xml version="1.0" encoding="utf-8"?>
 <p:sld xmlns:a="http://schemas.openxmlformats.org/drawingml/2006/main" xmlns:r="http://schemas.openxmlformats.org/officeDocument/2006/relationships" xmlns:p="http://schemas.openxmlformats.org/presentationml/2006/main">
   <p:cSld>
     <p:spTree>
@@ -23656,7 +24376,7 @@
 </p:sld>
 </file>
 
-<file path=ppt/slides/slide46.xml><?xml version="1.0" encoding="utf-8"?>
+<file path=ppt/slides/slide47.xml><?xml version="1.0" encoding="utf-8"?>
 <p:sld xmlns:a="http://schemas.openxmlformats.org/drawingml/2006/main" xmlns:r="http://schemas.openxmlformats.org/officeDocument/2006/relationships" xmlns:p="http://schemas.openxmlformats.org/presentationml/2006/main">
   <p:cSld>
     <p:spTree>
@@ -23822,7 +24542,7 @@
 </p:sld>
 </file>
 
-<file path=ppt/slides/slide47.xml><?xml version="1.0" encoding="utf-8"?>
+<file path=ppt/slides/slide48.xml><?xml version="1.0" encoding="utf-8"?>
 <p:sld xmlns:a="http://schemas.openxmlformats.org/drawingml/2006/main" xmlns:r="http://schemas.openxmlformats.org/officeDocument/2006/relationships" xmlns:p="http://schemas.openxmlformats.org/presentationml/2006/main">
   <p:cSld>
     <p:spTree>
@@ -24251,7 +24971,7 @@
 </p:sld>
 </file>
 
-<file path=ppt/slides/slide48.xml><?xml version="1.0" encoding="utf-8"?>
+<file path=ppt/slides/slide49.xml><?xml version="1.0" encoding="utf-8"?>
 <p:sld xmlns:a="http://schemas.openxmlformats.org/drawingml/2006/main" xmlns:r="http://schemas.openxmlformats.org/officeDocument/2006/relationships" xmlns:p="http://schemas.openxmlformats.org/presentationml/2006/main">
   <p:cSld>
     <p:spTree>
@@ -24400,7 +25120,403 @@
 </p:sld>
 </file>
 
-<file path=ppt/slides/slide49.xml><?xml version="1.0" encoding="utf-8"?>
+<file path=ppt/slides/slide5.xml><?xml version="1.0" encoding="utf-8"?>
+<p:sld xmlns:a="http://schemas.openxmlformats.org/drawingml/2006/main" xmlns:r="http://schemas.openxmlformats.org/officeDocument/2006/relationships" xmlns:p="http://schemas.openxmlformats.org/presentationml/2006/main">
+  <p:cSld>
+    <p:spTree>
+      <p:nvGrpSpPr>
+        <p:cNvPr id="1" name=""/>
+        <p:cNvGrpSpPr/>
+        <p:nvPr/>
+      </p:nvGrpSpPr>
+      <p:grpSpPr>
+        <a:xfrm>
+          <a:off x="0" y="0"/>
+          <a:ext cx="0" cy="0"/>
+          <a:chOff x="0" y="0"/>
+          <a:chExt cx="0" cy="0"/>
+        </a:xfrm>
+      </p:grpSpPr>
+      <p:sp>
+        <p:nvSpPr>
+          <p:cNvPr id="58370" name="AutoShape 2" descr="One-to-one entity relationship diagram"/>
+          <p:cNvSpPr>
+            <a:spLocks noChangeAspect="1" noChangeArrowheads="1"/>
+          </p:cNvSpPr>
+          <p:nvPr/>
+        </p:nvSpPr>
+        <p:spPr bwMode="auto">
+          <a:xfrm>
+            <a:off x="1679575" y="-144463"/>
+            <a:ext cx="304800" cy="304801"/>
+          </a:xfrm>
+          <a:prstGeom prst="rect">
+            <a:avLst/>
+          </a:prstGeom>
+          <a:noFill/>
+        </p:spPr>
+        <p:txBody>
+          <a:bodyPr vert="horz" wrap="square" lIns="91440" tIns="45720" rIns="91440" bIns="45720" numCol="1" anchor="t" anchorCtr="0" compatLnSpc="1">
+            <a:prstTxWarp prst="textNoShape">
+              <a:avLst/>
+            </a:prstTxWarp>
+          </a:bodyPr>
+          <a:lstStyle/>
+          <a:p>
+            <a:endParaRPr lang="en-US" dirty="0">
+              <a:latin typeface="Arial" pitchFamily="34" charset="0"/>
+              <a:cs typeface="Arial" pitchFamily="34" charset="0"/>
+            </a:endParaRPr>
+          </a:p>
+        </p:txBody>
+      </p:sp>
+      <p:sp>
+        <p:nvSpPr>
+          <p:cNvPr id="58372" name="AutoShape 4" descr="One-to-one entity relationship diagram"/>
+          <p:cNvSpPr>
+            <a:spLocks noChangeAspect="1" noChangeArrowheads="1"/>
+          </p:cNvSpPr>
+          <p:nvPr/>
+        </p:nvSpPr>
+        <p:spPr bwMode="auto">
+          <a:xfrm>
+            <a:off x="1679575" y="-144463"/>
+            <a:ext cx="304800" cy="304801"/>
+          </a:xfrm>
+          <a:prstGeom prst="rect">
+            <a:avLst/>
+          </a:prstGeom>
+          <a:noFill/>
+        </p:spPr>
+        <p:txBody>
+          <a:bodyPr vert="horz" wrap="square" lIns="91440" tIns="45720" rIns="91440" bIns="45720" numCol="1" anchor="t" anchorCtr="0" compatLnSpc="1">
+            <a:prstTxWarp prst="textNoShape">
+              <a:avLst/>
+            </a:prstTxWarp>
+          </a:bodyPr>
+          <a:lstStyle/>
+          <a:p>
+            <a:endParaRPr lang="en-US" dirty="0">
+              <a:latin typeface="Arial" pitchFamily="34" charset="0"/>
+              <a:cs typeface="Arial" pitchFamily="34" charset="0"/>
+            </a:endParaRPr>
+          </a:p>
+        </p:txBody>
+      </p:sp>
+      <p:sp>
+        <p:nvSpPr>
+          <p:cNvPr id="8" name="CustomShape 6">
+            <a:extLst>
+              <a:ext uri="{FF2B5EF4-FFF2-40B4-BE49-F238E27FC236}">
+                <a16:creationId xmlns:a16="http://schemas.microsoft.com/office/drawing/2014/main" id="{D8952F57-BFAB-4656-8E7F-3105CA98AD8B}"/>
+              </a:ext>
+            </a:extLst>
+          </p:cNvPr>
+          <p:cNvSpPr/>
+          <p:nvPr/>
+        </p:nvSpPr>
+        <p:spPr>
+          <a:xfrm>
+            <a:off x="246600" y="0"/>
+            <a:ext cx="11693880" cy="706432"/>
+          </a:xfrm>
+          <a:prstGeom prst="rect">
+            <a:avLst/>
+          </a:prstGeom>
+          <a:solidFill>
+            <a:srgbClr val="C00000"/>
+          </a:solidFill>
+          <a:ln>
+            <a:noFill/>
+          </a:ln>
+        </p:spPr>
+        <p:style>
+          <a:lnRef idx="0">
+            <a:scrgbClr r="0" g="0" b="0"/>
+          </a:lnRef>
+          <a:fillRef idx="0">
+            <a:scrgbClr r="0" g="0" b="0"/>
+          </a:fillRef>
+          <a:effectRef idx="0">
+            <a:scrgbClr r="0" g="0" b="0"/>
+          </a:effectRef>
+          <a:fontRef idx="minor"/>
+        </p:style>
+        <p:txBody>
+          <a:bodyPr lIns="90000" tIns="45000" rIns="90000" bIns="45000">
+            <a:spAutoFit/>
+          </a:bodyPr>
+          <a:lstStyle/>
+          <a:p>
+            <a:pPr algn="ctr"/>
+            <a:r>
+              <a:rPr lang="en-IN" sz="4000" spc="-1" dirty="0">
+                <a:solidFill>
+                  <a:srgbClr val="F7C120"/>
+                </a:solidFill>
+                <a:latin typeface="Open Sans"/>
+              </a:rPr>
+              <a:t>comments in cassandra</a:t>
+            </a:r>
+          </a:p>
+        </p:txBody>
+      </p:sp>
+      <p:sp>
+        <p:nvSpPr>
+          <p:cNvPr id="9" name="TextBox 8">
+            <a:extLst>
+              <a:ext uri="{FF2B5EF4-FFF2-40B4-BE49-F238E27FC236}">
+                <a16:creationId xmlns:a16="http://schemas.microsoft.com/office/drawing/2014/main" id="{C72205C8-5D21-4BF1-A2BB-0A37EFBCB337}"/>
+              </a:ext>
+            </a:extLst>
+          </p:cNvPr>
+          <p:cNvSpPr txBox="1"/>
+          <p:nvPr/>
+        </p:nvSpPr>
+        <p:spPr>
+          <a:xfrm>
+            <a:off x="264540" y="1412776"/>
+            <a:ext cx="11675939" cy="2308324"/>
+          </a:xfrm>
+          <a:prstGeom prst="rect">
+            <a:avLst/>
+          </a:prstGeom>
+          <a:noFill/>
+        </p:spPr>
+        <p:txBody>
+          <a:bodyPr wrap="square">
+            <a:spAutoFit/>
+          </a:bodyPr>
+          <a:lstStyle/>
+          <a:p>
+            <a:pPr marL="285750" indent="-285750">
+              <a:buFont typeface="Arial" panose="020B0604020202020204" pitchFamily="34" charset="0"/>
+              <a:buChar char="•"/>
+            </a:pPr>
+            <a:r>
+              <a:rPr lang="en-IN" dirty="0">
+                <a:solidFill>
+                  <a:srgbClr val="0070C0"/>
+                </a:solidFill>
+                <a:latin typeface="Consolas" panose="020B0609020204030204" pitchFamily="49" charset="0"/>
+              </a:rPr>
+              <a:t>SELECT</a:t>
+            </a:r>
+            <a:r>
+              <a:rPr lang="en-IN" dirty="0">
+                <a:latin typeface="Consolas" panose="020B0609020204030204" pitchFamily="49" charset="0"/>
+              </a:rPr>
+              <a:t> * </a:t>
+            </a:r>
+            <a:r>
+              <a:rPr lang="en-IN" dirty="0">
+                <a:solidFill>
+                  <a:srgbClr val="0070C0"/>
+                </a:solidFill>
+                <a:latin typeface="Consolas" panose="020B0609020204030204" pitchFamily="49" charset="0"/>
+              </a:rPr>
+              <a:t>FROM</a:t>
+            </a:r>
+            <a:r>
+              <a:rPr lang="en-IN" dirty="0">
+                <a:latin typeface="Consolas" panose="020B0609020204030204" pitchFamily="49" charset="0"/>
+              </a:rPr>
+              <a:t> emp; </a:t>
+            </a:r>
+            <a:r>
+              <a:rPr lang="en-IN" b="1" dirty="0">
+                <a:solidFill>
+                  <a:srgbClr val="329909"/>
+                </a:solidFill>
+                <a:latin typeface="Consolas" panose="020B0609020204030204" pitchFamily="49" charset="0"/>
+              </a:rPr>
+              <a:t>--</a:t>
+            </a:r>
+            <a:r>
+              <a:rPr lang="en-IN" dirty="0">
+                <a:solidFill>
+                  <a:srgbClr val="329909"/>
+                </a:solidFill>
+                <a:latin typeface="Consolas" panose="020B0609020204030204" pitchFamily="49" charset="0"/>
+              </a:rPr>
+              <a:t> End of line comment</a:t>
+            </a:r>
+          </a:p>
+          <a:p>
+            <a:pPr marL="285750" indent="-285750">
+              <a:buFont typeface="Arial" panose="020B0604020202020204" pitchFamily="34" charset="0"/>
+              <a:buChar char="•"/>
+            </a:pPr>
+            <a:endParaRPr lang="en-IN" dirty="0">
+              <a:latin typeface="Consolas" panose="020B0609020204030204" pitchFamily="49" charset="0"/>
+            </a:endParaRPr>
+          </a:p>
+          <a:p>
+            <a:pPr marL="285750" indent="-285750">
+              <a:buFont typeface="Arial" panose="020B0604020202020204" pitchFamily="34" charset="0"/>
+              <a:buChar char="•"/>
+            </a:pPr>
+            <a:r>
+              <a:rPr lang="en-IN" dirty="0">
+                <a:solidFill>
+                  <a:srgbClr val="0070C0"/>
+                </a:solidFill>
+                <a:latin typeface="Consolas" panose="020B0609020204030204" pitchFamily="49" charset="0"/>
+              </a:rPr>
+              <a:t>SELECT</a:t>
+            </a:r>
+            <a:r>
+              <a:rPr lang="en-IN" dirty="0">
+                <a:latin typeface="Consolas" panose="020B0609020204030204" pitchFamily="49" charset="0"/>
+              </a:rPr>
+              <a:t> * </a:t>
+            </a:r>
+            <a:r>
+              <a:rPr lang="en-IN" dirty="0">
+                <a:solidFill>
+                  <a:srgbClr val="0070C0"/>
+                </a:solidFill>
+                <a:latin typeface="Consolas" panose="020B0609020204030204" pitchFamily="49" charset="0"/>
+              </a:rPr>
+              <a:t>FROM</a:t>
+            </a:r>
+            <a:r>
+              <a:rPr lang="en-IN" dirty="0">
+                <a:latin typeface="Consolas" panose="020B0609020204030204" pitchFamily="49" charset="0"/>
+              </a:rPr>
+              <a:t> emp; </a:t>
+            </a:r>
+            <a:r>
+              <a:rPr lang="en-IN" b="1" dirty="0">
+                <a:solidFill>
+                  <a:srgbClr val="329909"/>
+                </a:solidFill>
+                <a:latin typeface="Consolas" panose="020B0609020204030204" pitchFamily="49" charset="0"/>
+              </a:rPr>
+              <a:t>//</a:t>
+            </a:r>
+            <a:r>
+              <a:rPr lang="en-IN" dirty="0">
+                <a:solidFill>
+                  <a:srgbClr val="329909"/>
+                </a:solidFill>
+                <a:latin typeface="Consolas" panose="020B0609020204030204" pitchFamily="49" charset="0"/>
+              </a:rPr>
+              <a:t> End of line comment</a:t>
+            </a:r>
+          </a:p>
+          <a:p>
+            <a:pPr marL="285750" indent="-285750">
+              <a:buFont typeface="Arial" panose="020B0604020202020204" pitchFamily="34" charset="0"/>
+              <a:buChar char="•"/>
+            </a:pPr>
+            <a:endParaRPr lang="en-IN" dirty="0">
+              <a:latin typeface="Consolas" panose="020B0609020204030204" pitchFamily="49" charset="0"/>
+            </a:endParaRPr>
+          </a:p>
+          <a:p>
+            <a:r>
+              <a:rPr lang="en-IN" b="1" dirty="0">
+                <a:solidFill>
+                  <a:srgbClr val="329909"/>
+                </a:solidFill>
+                <a:latin typeface="Consolas" panose="020B0609020204030204" pitchFamily="49" charset="0"/>
+              </a:rPr>
+              <a:t>/*</a:t>
+            </a:r>
+            <a:r>
+              <a:rPr lang="en-IN" dirty="0">
+                <a:solidFill>
+                  <a:srgbClr val="329909"/>
+                </a:solidFill>
+                <a:latin typeface="Consolas" panose="020B0609020204030204" pitchFamily="49" charset="0"/>
+              </a:rPr>
+              <a:t> This is the first line of </a:t>
+            </a:r>
+          </a:p>
+          <a:p>
+            <a:r>
+              <a:rPr lang="en-IN" dirty="0">
+                <a:solidFill>
+                  <a:srgbClr val="329909"/>
+                </a:solidFill>
+                <a:latin typeface="Consolas" panose="020B0609020204030204" pitchFamily="49" charset="0"/>
+              </a:rPr>
+              <a:t>   of a comment that spans multiple</a:t>
+            </a:r>
+          </a:p>
+          <a:p>
+            <a:r>
+              <a:rPr lang="en-IN" dirty="0">
+                <a:solidFill>
+                  <a:srgbClr val="329909"/>
+                </a:solidFill>
+                <a:latin typeface="Consolas" panose="020B0609020204030204" pitchFamily="49" charset="0"/>
+              </a:rPr>
+              <a:t>   lines </a:t>
+            </a:r>
+            <a:r>
+              <a:rPr lang="en-IN" b="1" dirty="0">
+                <a:solidFill>
+                  <a:srgbClr val="329909"/>
+                </a:solidFill>
+                <a:latin typeface="Consolas" panose="020B0609020204030204" pitchFamily="49" charset="0"/>
+              </a:rPr>
+              <a:t>*/</a:t>
+            </a:r>
+          </a:p>
+          <a:p>
+            <a:pPr marL="285750" indent="-285750">
+              <a:buFont typeface="Arial" panose="020B0604020202020204" pitchFamily="34" charset="0"/>
+              <a:buChar char="•"/>
+            </a:pPr>
+            <a:r>
+              <a:rPr lang="en-IN" dirty="0">
+                <a:solidFill>
+                  <a:srgbClr val="0070C0"/>
+                </a:solidFill>
+                <a:latin typeface="Consolas" panose="020B0609020204030204" pitchFamily="49" charset="0"/>
+              </a:rPr>
+              <a:t>SELECT</a:t>
+            </a:r>
+            <a:r>
+              <a:rPr lang="en-IN" dirty="0">
+                <a:latin typeface="Consolas" panose="020B0609020204030204" pitchFamily="49" charset="0"/>
+              </a:rPr>
+              <a:t> * </a:t>
+            </a:r>
+            <a:r>
+              <a:rPr lang="en-IN" dirty="0">
+                <a:solidFill>
+                  <a:srgbClr val="0070C0"/>
+                </a:solidFill>
+                <a:latin typeface="Consolas" panose="020B0609020204030204" pitchFamily="49" charset="0"/>
+              </a:rPr>
+              <a:t>FROM</a:t>
+            </a:r>
+            <a:r>
+              <a:rPr lang="en-IN" dirty="0">
+                <a:latin typeface="Consolas" panose="020B0609020204030204" pitchFamily="49" charset="0"/>
+              </a:rPr>
+              <a:t> emp;</a:t>
+            </a:r>
+          </a:p>
+        </p:txBody>
+      </p:sp>
+    </p:spTree>
+    <p:extLst>
+      <p:ext uri="{BB962C8B-B14F-4D97-AF65-F5344CB8AC3E}">
+        <p14:creationId xmlns:p14="http://schemas.microsoft.com/office/powerpoint/2010/main" val="56203016"/>
+      </p:ext>
+    </p:extLst>
+  </p:cSld>
+  <p:clrMapOvr>
+    <a:masterClrMapping/>
+  </p:clrMapOvr>
+</p:sld>
+</file>
+
+<file path=ppt/slides/slide50.xml><?xml version="1.0" encoding="utf-8"?>
 <p:sld xmlns:a="http://schemas.openxmlformats.org/drawingml/2006/main" xmlns:r="http://schemas.openxmlformats.org/officeDocument/2006/relationships" xmlns:p="http://schemas.openxmlformats.org/presentationml/2006/main">
   <p:cSld>
     <p:spTree>
@@ -25178,403 +26294,7 @@
 </p:sld>
 </file>
 
-<file path=ppt/slides/slide5.xml><?xml version="1.0" encoding="utf-8"?>
-<p:sld xmlns:a="http://schemas.openxmlformats.org/drawingml/2006/main" xmlns:r="http://schemas.openxmlformats.org/officeDocument/2006/relationships" xmlns:p="http://schemas.openxmlformats.org/presentationml/2006/main">
-  <p:cSld>
-    <p:spTree>
-      <p:nvGrpSpPr>
-        <p:cNvPr id="1" name=""/>
-        <p:cNvGrpSpPr/>
-        <p:nvPr/>
-      </p:nvGrpSpPr>
-      <p:grpSpPr>
-        <a:xfrm>
-          <a:off x="0" y="0"/>
-          <a:ext cx="0" cy="0"/>
-          <a:chOff x="0" y="0"/>
-          <a:chExt cx="0" cy="0"/>
-        </a:xfrm>
-      </p:grpSpPr>
-      <p:sp>
-        <p:nvSpPr>
-          <p:cNvPr id="58370" name="AutoShape 2" descr="One-to-one entity relationship diagram"/>
-          <p:cNvSpPr>
-            <a:spLocks noChangeAspect="1" noChangeArrowheads="1"/>
-          </p:cNvSpPr>
-          <p:nvPr/>
-        </p:nvSpPr>
-        <p:spPr bwMode="auto">
-          <a:xfrm>
-            <a:off x="1679575" y="-144463"/>
-            <a:ext cx="304800" cy="304801"/>
-          </a:xfrm>
-          <a:prstGeom prst="rect">
-            <a:avLst/>
-          </a:prstGeom>
-          <a:noFill/>
-        </p:spPr>
-        <p:txBody>
-          <a:bodyPr vert="horz" wrap="square" lIns="91440" tIns="45720" rIns="91440" bIns="45720" numCol="1" anchor="t" anchorCtr="0" compatLnSpc="1">
-            <a:prstTxWarp prst="textNoShape">
-              <a:avLst/>
-            </a:prstTxWarp>
-          </a:bodyPr>
-          <a:lstStyle/>
-          <a:p>
-            <a:endParaRPr lang="en-US" dirty="0">
-              <a:latin typeface="Arial" pitchFamily="34" charset="0"/>
-              <a:cs typeface="Arial" pitchFamily="34" charset="0"/>
-            </a:endParaRPr>
-          </a:p>
-        </p:txBody>
-      </p:sp>
-      <p:sp>
-        <p:nvSpPr>
-          <p:cNvPr id="58372" name="AutoShape 4" descr="One-to-one entity relationship diagram"/>
-          <p:cNvSpPr>
-            <a:spLocks noChangeAspect="1" noChangeArrowheads="1"/>
-          </p:cNvSpPr>
-          <p:nvPr/>
-        </p:nvSpPr>
-        <p:spPr bwMode="auto">
-          <a:xfrm>
-            <a:off x="1679575" y="-144463"/>
-            <a:ext cx="304800" cy="304801"/>
-          </a:xfrm>
-          <a:prstGeom prst="rect">
-            <a:avLst/>
-          </a:prstGeom>
-          <a:noFill/>
-        </p:spPr>
-        <p:txBody>
-          <a:bodyPr vert="horz" wrap="square" lIns="91440" tIns="45720" rIns="91440" bIns="45720" numCol="1" anchor="t" anchorCtr="0" compatLnSpc="1">
-            <a:prstTxWarp prst="textNoShape">
-              <a:avLst/>
-            </a:prstTxWarp>
-          </a:bodyPr>
-          <a:lstStyle/>
-          <a:p>
-            <a:endParaRPr lang="en-US" dirty="0">
-              <a:latin typeface="Arial" pitchFamily="34" charset="0"/>
-              <a:cs typeface="Arial" pitchFamily="34" charset="0"/>
-            </a:endParaRPr>
-          </a:p>
-        </p:txBody>
-      </p:sp>
-      <p:sp>
-        <p:nvSpPr>
-          <p:cNvPr id="8" name="CustomShape 6">
-            <a:extLst>
-              <a:ext uri="{FF2B5EF4-FFF2-40B4-BE49-F238E27FC236}">
-                <a16:creationId xmlns:a16="http://schemas.microsoft.com/office/drawing/2014/main" id="{D8952F57-BFAB-4656-8E7F-3105CA98AD8B}"/>
-              </a:ext>
-            </a:extLst>
-          </p:cNvPr>
-          <p:cNvSpPr/>
-          <p:nvPr/>
-        </p:nvSpPr>
-        <p:spPr>
-          <a:xfrm>
-            <a:off x="246600" y="0"/>
-            <a:ext cx="11693880" cy="706432"/>
-          </a:xfrm>
-          <a:prstGeom prst="rect">
-            <a:avLst/>
-          </a:prstGeom>
-          <a:solidFill>
-            <a:srgbClr val="C00000"/>
-          </a:solidFill>
-          <a:ln>
-            <a:noFill/>
-          </a:ln>
-        </p:spPr>
-        <p:style>
-          <a:lnRef idx="0">
-            <a:scrgbClr r="0" g="0" b="0"/>
-          </a:lnRef>
-          <a:fillRef idx="0">
-            <a:scrgbClr r="0" g="0" b="0"/>
-          </a:fillRef>
-          <a:effectRef idx="0">
-            <a:scrgbClr r="0" g="0" b="0"/>
-          </a:effectRef>
-          <a:fontRef idx="minor"/>
-        </p:style>
-        <p:txBody>
-          <a:bodyPr lIns="90000" tIns="45000" rIns="90000" bIns="45000">
-            <a:spAutoFit/>
-          </a:bodyPr>
-          <a:lstStyle/>
-          <a:p>
-            <a:pPr algn="ctr"/>
-            <a:r>
-              <a:rPr lang="en-IN" sz="4000" spc="-1" dirty="0">
-                <a:solidFill>
-                  <a:srgbClr val="F7C120"/>
-                </a:solidFill>
-                <a:latin typeface="Open Sans"/>
-              </a:rPr>
-              <a:t>comments in cassandra</a:t>
-            </a:r>
-          </a:p>
-        </p:txBody>
-      </p:sp>
-      <p:sp>
-        <p:nvSpPr>
-          <p:cNvPr id="9" name="TextBox 8">
-            <a:extLst>
-              <a:ext uri="{FF2B5EF4-FFF2-40B4-BE49-F238E27FC236}">
-                <a16:creationId xmlns:a16="http://schemas.microsoft.com/office/drawing/2014/main" id="{C72205C8-5D21-4BF1-A2BB-0A37EFBCB337}"/>
-              </a:ext>
-            </a:extLst>
-          </p:cNvPr>
-          <p:cNvSpPr txBox="1"/>
-          <p:nvPr/>
-        </p:nvSpPr>
-        <p:spPr>
-          <a:xfrm>
-            <a:off x="264540" y="1412776"/>
-            <a:ext cx="11675939" cy="2308324"/>
-          </a:xfrm>
-          <a:prstGeom prst="rect">
-            <a:avLst/>
-          </a:prstGeom>
-          <a:noFill/>
-        </p:spPr>
-        <p:txBody>
-          <a:bodyPr wrap="square">
-            <a:spAutoFit/>
-          </a:bodyPr>
-          <a:lstStyle/>
-          <a:p>
-            <a:pPr marL="285750" indent="-285750">
-              <a:buFont typeface="Arial" panose="020B0604020202020204" pitchFamily="34" charset="0"/>
-              <a:buChar char="•"/>
-            </a:pPr>
-            <a:r>
-              <a:rPr lang="en-IN" dirty="0">
-                <a:solidFill>
-                  <a:srgbClr val="0070C0"/>
-                </a:solidFill>
-                <a:latin typeface="Consolas" panose="020B0609020204030204" pitchFamily="49" charset="0"/>
-              </a:rPr>
-              <a:t>SELECT</a:t>
-            </a:r>
-            <a:r>
-              <a:rPr lang="en-IN" dirty="0">
-                <a:latin typeface="Consolas" panose="020B0609020204030204" pitchFamily="49" charset="0"/>
-              </a:rPr>
-              <a:t> * </a:t>
-            </a:r>
-            <a:r>
-              <a:rPr lang="en-IN" dirty="0">
-                <a:solidFill>
-                  <a:srgbClr val="0070C0"/>
-                </a:solidFill>
-                <a:latin typeface="Consolas" panose="020B0609020204030204" pitchFamily="49" charset="0"/>
-              </a:rPr>
-              <a:t>FROM</a:t>
-            </a:r>
-            <a:r>
-              <a:rPr lang="en-IN" dirty="0">
-                <a:latin typeface="Consolas" panose="020B0609020204030204" pitchFamily="49" charset="0"/>
-              </a:rPr>
-              <a:t> emp; </a:t>
-            </a:r>
-            <a:r>
-              <a:rPr lang="en-IN" b="1" dirty="0">
-                <a:solidFill>
-                  <a:srgbClr val="329909"/>
-                </a:solidFill>
-                <a:latin typeface="Consolas" panose="020B0609020204030204" pitchFamily="49" charset="0"/>
-              </a:rPr>
-              <a:t>--</a:t>
-            </a:r>
-            <a:r>
-              <a:rPr lang="en-IN" dirty="0">
-                <a:solidFill>
-                  <a:srgbClr val="329909"/>
-                </a:solidFill>
-                <a:latin typeface="Consolas" panose="020B0609020204030204" pitchFamily="49" charset="0"/>
-              </a:rPr>
-              <a:t> End of line comment</a:t>
-            </a:r>
-          </a:p>
-          <a:p>
-            <a:pPr marL="285750" indent="-285750">
-              <a:buFont typeface="Arial" panose="020B0604020202020204" pitchFamily="34" charset="0"/>
-              <a:buChar char="•"/>
-            </a:pPr>
-            <a:endParaRPr lang="en-IN" dirty="0">
-              <a:latin typeface="Consolas" panose="020B0609020204030204" pitchFamily="49" charset="0"/>
-            </a:endParaRPr>
-          </a:p>
-          <a:p>
-            <a:pPr marL="285750" indent="-285750">
-              <a:buFont typeface="Arial" panose="020B0604020202020204" pitchFamily="34" charset="0"/>
-              <a:buChar char="•"/>
-            </a:pPr>
-            <a:r>
-              <a:rPr lang="en-IN" dirty="0">
-                <a:solidFill>
-                  <a:srgbClr val="0070C0"/>
-                </a:solidFill>
-                <a:latin typeface="Consolas" panose="020B0609020204030204" pitchFamily="49" charset="0"/>
-              </a:rPr>
-              <a:t>SELECT</a:t>
-            </a:r>
-            <a:r>
-              <a:rPr lang="en-IN" dirty="0">
-                <a:latin typeface="Consolas" panose="020B0609020204030204" pitchFamily="49" charset="0"/>
-              </a:rPr>
-              <a:t> * </a:t>
-            </a:r>
-            <a:r>
-              <a:rPr lang="en-IN" dirty="0">
-                <a:solidFill>
-                  <a:srgbClr val="0070C0"/>
-                </a:solidFill>
-                <a:latin typeface="Consolas" panose="020B0609020204030204" pitchFamily="49" charset="0"/>
-              </a:rPr>
-              <a:t>FROM</a:t>
-            </a:r>
-            <a:r>
-              <a:rPr lang="en-IN" dirty="0">
-                <a:latin typeface="Consolas" panose="020B0609020204030204" pitchFamily="49" charset="0"/>
-              </a:rPr>
-              <a:t> emp; </a:t>
-            </a:r>
-            <a:r>
-              <a:rPr lang="en-IN" b="1" dirty="0">
-                <a:solidFill>
-                  <a:srgbClr val="329909"/>
-                </a:solidFill>
-                <a:latin typeface="Consolas" panose="020B0609020204030204" pitchFamily="49" charset="0"/>
-              </a:rPr>
-              <a:t>//</a:t>
-            </a:r>
-            <a:r>
-              <a:rPr lang="en-IN" dirty="0">
-                <a:solidFill>
-                  <a:srgbClr val="329909"/>
-                </a:solidFill>
-                <a:latin typeface="Consolas" panose="020B0609020204030204" pitchFamily="49" charset="0"/>
-              </a:rPr>
-              <a:t> End of line comment</a:t>
-            </a:r>
-          </a:p>
-          <a:p>
-            <a:pPr marL="285750" indent="-285750">
-              <a:buFont typeface="Arial" panose="020B0604020202020204" pitchFamily="34" charset="0"/>
-              <a:buChar char="•"/>
-            </a:pPr>
-            <a:endParaRPr lang="en-IN" dirty="0">
-              <a:latin typeface="Consolas" panose="020B0609020204030204" pitchFamily="49" charset="0"/>
-            </a:endParaRPr>
-          </a:p>
-          <a:p>
-            <a:r>
-              <a:rPr lang="en-IN" b="1" dirty="0">
-                <a:solidFill>
-                  <a:srgbClr val="329909"/>
-                </a:solidFill>
-                <a:latin typeface="Consolas" panose="020B0609020204030204" pitchFamily="49" charset="0"/>
-              </a:rPr>
-              <a:t>/*</a:t>
-            </a:r>
-            <a:r>
-              <a:rPr lang="en-IN" dirty="0">
-                <a:solidFill>
-                  <a:srgbClr val="329909"/>
-                </a:solidFill>
-                <a:latin typeface="Consolas" panose="020B0609020204030204" pitchFamily="49" charset="0"/>
-              </a:rPr>
-              <a:t> This is the first line of </a:t>
-            </a:r>
-          </a:p>
-          <a:p>
-            <a:r>
-              <a:rPr lang="en-IN" dirty="0">
-                <a:solidFill>
-                  <a:srgbClr val="329909"/>
-                </a:solidFill>
-                <a:latin typeface="Consolas" panose="020B0609020204030204" pitchFamily="49" charset="0"/>
-              </a:rPr>
-              <a:t>   of a comment that spans multiple</a:t>
-            </a:r>
-          </a:p>
-          <a:p>
-            <a:r>
-              <a:rPr lang="en-IN" dirty="0">
-                <a:solidFill>
-                  <a:srgbClr val="329909"/>
-                </a:solidFill>
-                <a:latin typeface="Consolas" panose="020B0609020204030204" pitchFamily="49" charset="0"/>
-              </a:rPr>
-              <a:t>   lines </a:t>
-            </a:r>
-            <a:r>
-              <a:rPr lang="en-IN" b="1" dirty="0">
-                <a:solidFill>
-                  <a:srgbClr val="329909"/>
-                </a:solidFill>
-                <a:latin typeface="Consolas" panose="020B0609020204030204" pitchFamily="49" charset="0"/>
-              </a:rPr>
-              <a:t>*/</a:t>
-            </a:r>
-          </a:p>
-          <a:p>
-            <a:pPr marL="285750" indent="-285750">
-              <a:buFont typeface="Arial" panose="020B0604020202020204" pitchFamily="34" charset="0"/>
-              <a:buChar char="•"/>
-            </a:pPr>
-            <a:r>
-              <a:rPr lang="en-IN" dirty="0">
-                <a:solidFill>
-                  <a:srgbClr val="0070C0"/>
-                </a:solidFill>
-                <a:latin typeface="Consolas" panose="020B0609020204030204" pitchFamily="49" charset="0"/>
-              </a:rPr>
-              <a:t>SELECT</a:t>
-            </a:r>
-            <a:r>
-              <a:rPr lang="en-IN" dirty="0">
-                <a:latin typeface="Consolas" panose="020B0609020204030204" pitchFamily="49" charset="0"/>
-              </a:rPr>
-              <a:t> * </a:t>
-            </a:r>
-            <a:r>
-              <a:rPr lang="en-IN" dirty="0">
-                <a:solidFill>
-                  <a:srgbClr val="0070C0"/>
-                </a:solidFill>
-                <a:latin typeface="Consolas" panose="020B0609020204030204" pitchFamily="49" charset="0"/>
-              </a:rPr>
-              <a:t>FROM</a:t>
-            </a:r>
-            <a:r>
-              <a:rPr lang="en-IN" dirty="0">
-                <a:latin typeface="Consolas" panose="020B0609020204030204" pitchFamily="49" charset="0"/>
-              </a:rPr>
-              <a:t> emp;</a:t>
-            </a:r>
-          </a:p>
-        </p:txBody>
-      </p:sp>
-    </p:spTree>
-    <p:extLst>
-      <p:ext uri="{BB962C8B-B14F-4D97-AF65-F5344CB8AC3E}">
-        <p14:creationId xmlns:p14="http://schemas.microsoft.com/office/powerpoint/2010/main" val="56203016"/>
-      </p:ext>
-    </p:extLst>
-  </p:cSld>
-  <p:clrMapOvr>
-    <a:masterClrMapping/>
-  </p:clrMapOvr>
-</p:sld>
-</file>
-
-<file path=ppt/slides/slide50.xml><?xml version="1.0" encoding="utf-8"?>
+<file path=ppt/slides/slide51.xml><?xml version="1.0" encoding="utf-8"?>
 <p:sld xmlns:a="http://schemas.openxmlformats.org/drawingml/2006/main" xmlns:r="http://schemas.openxmlformats.org/officeDocument/2006/relationships" xmlns:p="http://schemas.openxmlformats.org/presentationml/2006/main">
   <p:cSld>
     <p:spTree>

--- a/Cassandra Ver1.pptx
+++ b/Cassandra Ver1.pptx
@@ -271,7 +271,7 @@
             <a:fld id="{757F699C-254E-44B6-B18D-E7E82B2FC743}" type="datetimeFigureOut">
               <a:rPr lang="en-IN" smtClean="0"/>
               <a:pPr/>
-              <a:t>11-04-2022</a:t>
+              <a:t>12-04-2022</a:t>
             </a:fld>
             <a:endParaRPr lang="en-IN"/>
           </a:p>
@@ -1097,7 +1097,7 @@
             <a:fld id="{52F73076-280E-4994-B9AF-08CB19D7A53F}" type="datetimeFigureOut">
               <a:rPr lang="en-US" smtClean="0"/>
               <a:pPr/>
-              <a:t>4/11/2022</a:t>
+              <a:t>4/12/2022</a:t>
             </a:fld>
             <a:endParaRPr lang="en-US" dirty="0"/>
           </a:p>
@@ -1542,7 +1542,7 @@
             <a:fld id="{52F73076-280E-4994-B9AF-08CB19D7A53F}" type="datetimeFigureOut">
               <a:rPr lang="en-US" smtClean="0"/>
               <a:pPr/>
-              <a:t>4/11/2022</a:t>
+              <a:t>4/12/2022</a:t>
             </a:fld>
             <a:endParaRPr lang="en-US" dirty="0"/>
           </a:p>
@@ -2474,7 +2474,7 @@
             <a:fld id="{52F73076-280E-4994-B9AF-08CB19D7A53F}" type="datetimeFigureOut">
               <a:rPr lang="en-US" smtClean="0"/>
               <a:pPr/>
-              <a:t>4/11/2022</a:t>
+              <a:t>4/12/2022</a:t>
             </a:fld>
             <a:endParaRPr lang="en-US" dirty="0"/>
           </a:p>
@@ -2892,7 +2892,7 @@
             <a:fld id="{52F73076-280E-4994-B9AF-08CB19D7A53F}" type="datetimeFigureOut">
               <a:rPr lang="en-US" smtClean="0"/>
               <a:pPr/>
-              <a:t>4/11/2022</a:t>
+              <a:t>4/12/2022</a:t>
             </a:fld>
             <a:endParaRPr lang="en-US" dirty="0"/>
           </a:p>
@@ -20207,6 +20207,136 @@
             <a:endParaRPr lang="en-IN" dirty="0">
               <a:latin typeface="Consolas" panose="020B0609020204030204" pitchFamily="49" charset="0"/>
             </a:endParaRPr>
+          </a:p>
+        </p:txBody>
+      </p:sp>
+      <p:sp>
+        <p:nvSpPr>
+          <p:cNvPr id="11" name="TextBox 10">
+            <a:extLst>
+              <a:ext uri="{FF2B5EF4-FFF2-40B4-BE49-F238E27FC236}">
+                <a16:creationId xmlns:a16="http://schemas.microsoft.com/office/drawing/2014/main" id="{49D09B12-F582-4473-A56C-7E3CEE4426DC}"/>
+              </a:ext>
+            </a:extLst>
+          </p:cNvPr>
+          <p:cNvSpPr txBox="1"/>
+          <p:nvPr/>
+        </p:nvSpPr>
+        <p:spPr>
+          <a:xfrm>
+            <a:off x="246600" y="4895551"/>
+            <a:ext cx="11687400" cy="923330"/>
+          </a:xfrm>
+          <a:prstGeom prst="rect">
+            <a:avLst/>
+          </a:prstGeom>
+          <a:noFill/>
+        </p:spPr>
+        <p:txBody>
+          <a:bodyPr wrap="square">
+            <a:spAutoFit/>
+          </a:bodyPr>
+          <a:lstStyle/>
+          <a:p>
+            <a:r>
+              <a:rPr lang="en-IN" sz="1800" b="0" strike="noStrike" spc="-1" dirty="0">
+                <a:solidFill>
+                  <a:schemeClr val="bg1">
+                    <a:lumMod val="50000"/>
+                  </a:schemeClr>
+                </a:solidFill>
+                <a:latin typeface="Consolas" panose="020B0609020204030204" pitchFamily="49" charset="0"/>
+                <a:ea typeface="SimSun"/>
+              </a:rPr>
+              <a:t>cqlsh:db1&gt; </a:t>
+            </a:r>
+            <a:r>
+              <a:rPr lang="en-IN" dirty="0">
+                <a:solidFill>
+                  <a:srgbClr val="0070C0"/>
+                </a:solidFill>
+                <a:latin typeface="Consolas" panose="020B0609020204030204" pitchFamily="49" charset="0"/>
+              </a:rPr>
+              <a:t>INSERT</a:t>
+            </a:r>
+            <a:r>
+              <a:rPr lang="en-IN" dirty="0">
+                <a:latin typeface="Consolas" panose="020B0609020204030204" pitchFamily="49" charset="0"/>
+              </a:rPr>
+              <a:t> </a:t>
+            </a:r>
+            <a:r>
+              <a:rPr lang="en-IN" dirty="0">
+                <a:solidFill>
+                  <a:srgbClr val="0070C0"/>
+                </a:solidFill>
+                <a:latin typeface="Consolas" panose="020B0609020204030204" pitchFamily="49" charset="0"/>
+              </a:rPr>
+              <a:t>INTO</a:t>
+            </a:r>
+            <a:r>
+              <a:rPr lang="en-IN" dirty="0">
+                <a:latin typeface="Consolas" panose="020B0609020204030204" pitchFamily="49" charset="0"/>
+              </a:rPr>
+              <a:t> books </a:t>
+            </a:r>
+            <a:r>
+              <a:rPr lang="en-IN" dirty="0">
+                <a:solidFill>
+                  <a:srgbClr val="F63122"/>
+                </a:solidFill>
+                <a:latin typeface="Consolas" panose="020B0609020204030204" pitchFamily="49" charset="0"/>
+              </a:rPr>
+              <a:t>JSON</a:t>
+            </a:r>
+            <a:r>
+              <a:rPr lang="en-IN" dirty="0">
+                <a:latin typeface="Consolas" panose="020B0609020204030204" pitchFamily="49" charset="0"/>
+              </a:rPr>
+              <a:t> '{"id":2,"title":"mongoDB", "author": ["Author1", "Author2", "Author3"], "publisher":["Publisher1", "Publisher2"],"address": {"line1":"paud Road",  "city":"pune", "</a:t>
+            </a:r>
+            <a:r>
+              <a:rPr lang="en-IN" dirty="0" err="1">
+                <a:latin typeface="Consolas" panose="020B0609020204030204" pitchFamily="49" charset="0"/>
+              </a:rPr>
+              <a:t>state":"MH</a:t>
+            </a:r>
+            <a:r>
+              <a:rPr lang="en-IN" dirty="0">
+                <a:latin typeface="Consolas" panose="020B0609020204030204" pitchFamily="49" charset="0"/>
+              </a:rPr>
+              <a:t>", "pin":100011} }' </a:t>
+            </a:r>
+            <a:r>
+              <a:rPr lang="en-IN" dirty="0">
+                <a:solidFill>
+                  <a:srgbClr val="F63122"/>
+                </a:solidFill>
+                <a:latin typeface="Consolas" panose="020B0609020204030204" pitchFamily="49" charset="0"/>
+              </a:rPr>
+              <a:t>USING</a:t>
+            </a:r>
+            <a:r>
+              <a:rPr lang="en-IN" dirty="0">
+                <a:latin typeface="Consolas" panose="020B0609020204030204" pitchFamily="49" charset="0"/>
+              </a:rPr>
+              <a:t> </a:t>
+            </a:r>
+            <a:r>
+              <a:rPr lang="en-IN" dirty="0">
+                <a:solidFill>
+                  <a:srgbClr val="F63122"/>
+                </a:solidFill>
+                <a:latin typeface="Consolas" panose="020B0609020204030204" pitchFamily="49" charset="0"/>
+              </a:rPr>
+              <a:t>TTL</a:t>
+            </a:r>
+            <a:r>
+              <a:rPr lang="en-IN" dirty="0">
+                <a:latin typeface="Consolas" panose="020B0609020204030204" pitchFamily="49" charset="0"/>
+              </a:rPr>
+              <a:t> 50;</a:t>
+            </a:r>
           </a:p>
         </p:txBody>
       </p:sp>

--- a/Cassandra Ver1.pptx
+++ b/Cassandra Ver1.pptx
@@ -5,7 +5,7 @@
     <p:sldMasterId id="2147483720" r:id="rId1"/>
   </p:sldMasterIdLst>
   <p:notesMasterIdLst>
-    <p:notesMasterId r:id="rId53"/>
+    <p:notesMasterId r:id="rId55"/>
   </p:notesMasterIdLst>
   <p:sldIdLst>
     <p:sldId id="256" r:id="rId2"/>
@@ -36,29 +36,31 @@
     <p:sldId id="1451" r:id="rId27"/>
     <p:sldId id="1452" r:id="rId28"/>
     <p:sldId id="1457" r:id="rId29"/>
-    <p:sldId id="1454" r:id="rId30"/>
-    <p:sldId id="1456" r:id="rId31"/>
-    <p:sldId id="1455" r:id="rId32"/>
-    <p:sldId id="1458" r:id="rId33"/>
-    <p:sldId id="1461" r:id="rId34"/>
-    <p:sldId id="1462" r:id="rId35"/>
-    <p:sldId id="1463" r:id="rId36"/>
-    <p:sldId id="947" r:id="rId37"/>
-    <p:sldId id="1446" r:id="rId38"/>
-    <p:sldId id="1444" r:id="rId39"/>
-    <p:sldId id="1445" r:id="rId40"/>
-    <p:sldId id="1450" r:id="rId41"/>
-    <p:sldId id="1430" r:id="rId42"/>
-    <p:sldId id="1431" r:id="rId43"/>
-    <p:sldId id="1432" r:id="rId44"/>
-    <p:sldId id="1433" r:id="rId45"/>
-    <p:sldId id="1442" r:id="rId46"/>
-    <p:sldId id="1447" r:id="rId47"/>
-    <p:sldId id="1448" r:id="rId48"/>
-    <p:sldId id="1449" r:id="rId49"/>
-    <p:sldId id="1424" r:id="rId50"/>
-    <p:sldId id="1421" r:id="rId51"/>
-    <p:sldId id="350" r:id="rId52"/>
+    <p:sldId id="1465" r:id="rId30"/>
+    <p:sldId id="1454" r:id="rId31"/>
+    <p:sldId id="1456" r:id="rId32"/>
+    <p:sldId id="1455" r:id="rId33"/>
+    <p:sldId id="1458" r:id="rId34"/>
+    <p:sldId id="1461" r:id="rId35"/>
+    <p:sldId id="1462" r:id="rId36"/>
+    <p:sldId id="1463" r:id="rId37"/>
+    <p:sldId id="1464" r:id="rId38"/>
+    <p:sldId id="947" r:id="rId39"/>
+    <p:sldId id="1446" r:id="rId40"/>
+    <p:sldId id="1444" r:id="rId41"/>
+    <p:sldId id="1445" r:id="rId42"/>
+    <p:sldId id="1450" r:id="rId43"/>
+    <p:sldId id="1430" r:id="rId44"/>
+    <p:sldId id="1431" r:id="rId45"/>
+    <p:sldId id="1432" r:id="rId46"/>
+    <p:sldId id="1433" r:id="rId47"/>
+    <p:sldId id="1442" r:id="rId48"/>
+    <p:sldId id="1447" r:id="rId49"/>
+    <p:sldId id="1448" r:id="rId50"/>
+    <p:sldId id="1449" r:id="rId51"/>
+    <p:sldId id="1424" r:id="rId52"/>
+    <p:sldId id="1421" r:id="rId53"/>
+    <p:sldId id="350" r:id="rId54"/>
   </p:sldIdLst>
   <p:sldSz cx="12192000" cy="6858000"/>
   <p:notesSz cx="6858000" cy="9144000"/>
@@ -13696,7 +13698,7 @@
                 <a:latin typeface="Open Sans"/>
                 <a:ea typeface="DejaVu Sans"/>
               </a:rPr>
-              <a:t>MAP – SELECT / UPDATE </a:t>
+              <a:t>MAP – SELECT</a:t>
             </a:r>
             <a:endParaRPr lang="en-IN" sz="4000" b="0" strike="noStrike" spc="-1" dirty="0">
               <a:latin typeface="Arial"/>
@@ -13813,7 +13815,7 @@
         <p:spPr>
           <a:xfrm>
             <a:off x="246600" y="2030400"/>
-            <a:ext cx="11687400" cy="367878"/>
+            <a:ext cx="11687400" cy="737210"/>
           </a:xfrm>
           <a:prstGeom prst="rect">
             <a:avLst/>
@@ -13846,69 +13848,86 @@
                 <a:latin typeface="Source Code Pro" panose="020B0509030403020204" pitchFamily="49" charset="0"/>
                 <a:ea typeface="Source Code Pro" panose="020B0509030403020204" pitchFamily="49" charset="0"/>
               </a:rPr>
-              <a:t>collection_type::= </a:t>
-            </a:r>
-            <a:r>
-              <a:rPr lang="en-US" spc="-1" dirty="0">
-                <a:solidFill>
-                  <a:srgbClr val="2B8208"/>
-                </a:solidFill>
-                <a:latin typeface="Source Code Pro" panose="020B0509030403020204" pitchFamily="49" charset="0"/>
-                <a:ea typeface="Source Code Pro" panose="020B0509030403020204" pitchFamily="49" charset="0"/>
-              </a:rPr>
-              <a:t>MAP</a:t>
-            </a:r>
-            <a:r>
-              <a:rPr lang="en-US" spc="-1" dirty="0">
-                <a:latin typeface="Source Code Pro" panose="020B0509030403020204" pitchFamily="49" charset="0"/>
-                <a:ea typeface="Source Code Pro" panose="020B0509030403020204" pitchFamily="49" charset="0"/>
-              </a:rPr>
-              <a:t> &lt; </a:t>
-            </a:r>
-            <a:r>
-              <a:rPr lang="en-US" spc="-1" dirty="0">
-                <a:solidFill>
-                  <a:srgbClr val="FD8603"/>
-                </a:solidFill>
-                <a:latin typeface="Source Code Pro" panose="020B0509030403020204" pitchFamily="49" charset="0"/>
-                <a:ea typeface="Source Code Pro" panose="020B0509030403020204" pitchFamily="49" charset="0"/>
-              </a:rPr>
-              <a:t>cql_type</a:t>
-            </a:r>
-            <a:r>
-              <a:rPr lang="en-US" spc="-1" dirty="0">
-                <a:latin typeface="Source Code Pro" panose="020B0509030403020204" pitchFamily="49" charset="0"/>
-                <a:ea typeface="Source Code Pro" panose="020B0509030403020204" pitchFamily="49" charset="0"/>
-              </a:rPr>
-              <a:t>, </a:t>
-            </a:r>
-            <a:r>
-              <a:rPr lang="en-US" spc="-1" dirty="0">
-                <a:solidFill>
-                  <a:srgbClr val="FD8603"/>
-                </a:solidFill>
-                <a:latin typeface="Source Code Pro" panose="020B0509030403020204" pitchFamily="49" charset="0"/>
-                <a:ea typeface="Source Code Pro" panose="020B0509030403020204" pitchFamily="49" charset="0"/>
-              </a:rPr>
-              <a:t>cql_type </a:t>
-            </a:r>
-            <a:r>
-              <a:rPr lang="en-US" spc="-1" dirty="0">
-                <a:latin typeface="Source Code Pro" panose="020B0509030403020204" pitchFamily="49" charset="0"/>
-                <a:ea typeface="Source Code Pro" panose="020B0509030403020204" pitchFamily="49" charset="0"/>
-              </a:rPr>
-              <a:t>&gt; </a:t>
-            </a:r>
-            <a:r>
-              <a:rPr lang="en-US" spc="-1" dirty="0">
-                <a:solidFill>
-                  <a:srgbClr val="39AE0A"/>
-                </a:solidFill>
-                <a:latin typeface="Source Code Pro" panose="020B0509030403020204" pitchFamily="49" charset="0"/>
-                <a:ea typeface="Source Code Pro" panose="020B0509030403020204" pitchFamily="49" charset="0"/>
-              </a:rPr>
-              <a:t>// key, value</a:t>
-            </a:r>
+              <a:t>map_name = map_name </a:t>
+            </a:r>
+            <a:r>
+              <a:rPr lang="en-US" sz="2400" spc="-1" dirty="0">
+                <a:solidFill>
+                  <a:srgbClr val="7E007E"/>
+                </a:solidFill>
+                <a:latin typeface="Source Code Pro" panose="020B0509030403020204" pitchFamily="49" charset="0"/>
+                <a:ea typeface="Source Code Pro" panose="020B0509030403020204" pitchFamily="49" charset="0"/>
+              </a:rPr>
+              <a:t>+</a:t>
+            </a:r>
+            <a:r>
+              <a:rPr lang="en-US" spc="-1" dirty="0">
+                <a:latin typeface="Source Code Pro" panose="020B0509030403020204" pitchFamily="49" charset="0"/>
+                <a:ea typeface="Source Code Pro" panose="020B0509030403020204" pitchFamily="49" charset="0"/>
+              </a:rPr>
+              <a:t> | </a:t>
+            </a:r>
+            <a:r>
+              <a:rPr lang="en-US" sz="2400" spc="-1" dirty="0">
+                <a:solidFill>
+                  <a:srgbClr val="7E007E"/>
+                </a:solidFill>
+                <a:latin typeface="Source Code Pro" panose="020B0509030403020204" pitchFamily="49" charset="0"/>
+                <a:ea typeface="Source Code Pro" panose="020B0509030403020204" pitchFamily="49" charset="0"/>
+              </a:rPr>
+              <a:t>-</a:t>
+            </a:r>
+            <a:r>
+              <a:rPr lang="en-US" spc="-1" dirty="0">
+                <a:latin typeface="Source Code Pro" panose="020B0509030403020204" pitchFamily="49" charset="0"/>
+                <a:ea typeface="Source Code Pro" panose="020B0509030403020204" pitchFamily="49" charset="0"/>
+              </a:rPr>
+              <a:t> { map_key : </a:t>
+            </a:r>
+            <a:r>
+              <a:rPr lang="en-US" spc="-1" dirty="0" err="1">
+                <a:latin typeface="Source Code Pro" panose="020B0509030403020204" pitchFamily="49" charset="0"/>
+                <a:ea typeface="Source Code Pro" panose="020B0509030403020204" pitchFamily="49" charset="0"/>
+              </a:rPr>
+              <a:t>map_value</a:t>
+            </a:r>
+            <a:r>
+              <a:rPr lang="en-US" spc="-1" dirty="0">
+                <a:latin typeface="Source Code Pro" panose="020B0509030403020204" pitchFamily="49" charset="0"/>
+                <a:ea typeface="Source Code Pro" panose="020B0509030403020204" pitchFamily="49" charset="0"/>
+              </a:rPr>
+              <a:t> [, map_key : </a:t>
+            </a:r>
+            <a:r>
+              <a:rPr lang="en-US" spc="-1" dirty="0" err="1">
+                <a:latin typeface="Source Code Pro" panose="020B0509030403020204" pitchFamily="49" charset="0"/>
+                <a:ea typeface="Source Code Pro" panose="020B0509030403020204" pitchFamily="49" charset="0"/>
+              </a:rPr>
+              <a:t>map_value</a:t>
+            </a:r>
+            <a:r>
+              <a:rPr lang="en-US" spc="-1" dirty="0">
+                <a:latin typeface="Source Code Pro" panose="020B0509030403020204" pitchFamily="49" charset="0"/>
+                <a:ea typeface="Source Code Pro" panose="020B0509030403020204" pitchFamily="49" charset="0"/>
+              </a:rPr>
+              <a:t> . . . }</a:t>
+            </a:r>
+          </a:p>
+          <a:p>
+            <a:r>
+              <a:rPr lang="en-US" spc="-1" dirty="0">
+                <a:latin typeface="Source Code Pro" panose="020B0509030403020204" pitchFamily="49" charset="0"/>
+                <a:ea typeface="Source Code Pro" panose="020B0509030403020204" pitchFamily="49" charset="0"/>
+              </a:rPr>
+              <a:t>           | map_name[ index ] = map_value </a:t>
+            </a:r>
+            <a:endParaRPr lang="en-US" spc="-1" dirty="0">
+              <a:solidFill>
+                <a:srgbClr val="39AE0A"/>
+              </a:solidFill>
+              <a:latin typeface="Source Code Pro" panose="020B0509030403020204" pitchFamily="49" charset="0"/>
+              <a:ea typeface="Source Code Pro" panose="020B0509030403020204" pitchFamily="49" charset="0"/>
+            </a:endParaRPr>
           </a:p>
         </p:txBody>
       </p:sp>
@@ -13926,7 +13945,7 @@
         </p:nvSpPr>
         <p:spPr>
           <a:xfrm>
-            <a:off x="246600" y="2700000"/>
+            <a:off x="246600" y="3222000"/>
             <a:ext cx="11687400" cy="646331"/>
           </a:xfrm>
           <a:prstGeom prst="rect">
@@ -14016,205 +14035,6 @@
               </a:rPr>
               <a:t> location;</a:t>
             </a:r>
-          </a:p>
-        </p:txBody>
-      </p:sp>
-      <p:sp>
-        <p:nvSpPr>
-          <p:cNvPr id="11" name="TextBox 10">
-            <a:extLst>
-              <a:ext uri="{FF2B5EF4-FFF2-40B4-BE49-F238E27FC236}">
-                <a16:creationId xmlns:a16="http://schemas.microsoft.com/office/drawing/2014/main" id="{B806E55C-ED9E-480D-9A61-FBB175B1D5B0}"/>
-              </a:ext>
-            </a:extLst>
-          </p:cNvPr>
-          <p:cNvSpPr txBox="1"/>
-          <p:nvPr/>
-        </p:nvSpPr>
-        <p:spPr>
-          <a:xfrm>
-            <a:off x="246600" y="3645024"/>
-            <a:ext cx="11687400" cy="1046440"/>
-          </a:xfrm>
-          <a:prstGeom prst="rect">
-            <a:avLst/>
-          </a:prstGeom>
-          <a:noFill/>
-        </p:spPr>
-        <p:txBody>
-          <a:bodyPr wrap="square">
-            <a:spAutoFit/>
-          </a:bodyPr>
-          <a:lstStyle/>
-          <a:p>
-            <a:pPr marL="285750" indent="-285750">
-              <a:buFont typeface="Arial" panose="020B0604020202020204" pitchFamily="34" charset="0"/>
-              <a:buChar char="•"/>
-            </a:pPr>
-            <a:r>
-              <a:rPr lang="en-IN" sz="1800" b="0" strike="noStrike" spc="-1" dirty="0">
-                <a:solidFill>
-                  <a:schemeClr val="bg1">
-                    <a:lumMod val="50000"/>
-                  </a:schemeClr>
-                </a:solidFill>
-                <a:latin typeface="Consolas" panose="020B0609020204030204" pitchFamily="49" charset="0"/>
-                <a:ea typeface="SimSun"/>
-              </a:rPr>
-              <a:t>cqlsh:db1&gt; </a:t>
-            </a:r>
-            <a:r>
-              <a:rPr lang="en-IN" dirty="0">
-                <a:solidFill>
-                  <a:srgbClr val="0070C0"/>
-                </a:solidFill>
-                <a:latin typeface="Consolas" panose="020B0609020204030204" pitchFamily="49" charset="0"/>
-              </a:rPr>
-              <a:t>UPDATE</a:t>
-            </a:r>
-            <a:r>
-              <a:rPr lang="en-IN" dirty="0">
-                <a:latin typeface="Consolas" panose="020B0609020204030204" pitchFamily="49" charset="0"/>
-              </a:rPr>
-              <a:t> location </a:t>
-            </a:r>
-            <a:r>
-              <a:rPr lang="en-IN" dirty="0">
-                <a:solidFill>
-                  <a:srgbClr val="0070C0"/>
-                </a:solidFill>
-                <a:latin typeface="Consolas" panose="020B0609020204030204" pitchFamily="49" charset="0"/>
-              </a:rPr>
-              <a:t>SET</a:t>
-            </a:r>
-            <a:r>
-              <a:rPr lang="en-IN" dirty="0">
-                <a:latin typeface="Consolas" panose="020B0609020204030204" pitchFamily="49" charset="0"/>
-              </a:rPr>
-              <a:t> location = location </a:t>
-            </a:r>
-            <a:r>
-              <a:rPr lang="en-IN" spc="-1" dirty="0">
-                <a:solidFill>
-                  <a:srgbClr val="7E007E"/>
-                </a:solidFill>
-                <a:latin typeface="Consolas" panose="020B0609020204030204" pitchFamily="49" charset="0"/>
-                <a:ea typeface="SimSun"/>
-              </a:rPr>
-              <a:t>+</a:t>
-            </a:r>
-            <a:r>
-              <a:rPr lang="en-IN" dirty="0">
-                <a:latin typeface="Consolas" panose="020B0609020204030204" pitchFamily="49" charset="0"/>
-              </a:rPr>
-              <a:t> { 'key1':1001, 'key2':1002 } </a:t>
-            </a:r>
-            <a:r>
-              <a:rPr lang="en-IN" dirty="0">
-                <a:solidFill>
-                  <a:srgbClr val="0070C0"/>
-                </a:solidFill>
-                <a:latin typeface="Consolas" panose="020B0609020204030204" pitchFamily="49" charset="0"/>
-              </a:rPr>
-              <a:t>WHERE</a:t>
-            </a:r>
-            <a:r>
-              <a:rPr lang="en-IN" dirty="0">
-                <a:latin typeface="Consolas" panose="020B0609020204030204" pitchFamily="49" charset="0"/>
-              </a:rPr>
-              <a:t> id=2;</a:t>
-            </a:r>
-          </a:p>
-          <a:p>
-            <a:pPr marL="285750" indent="-285750">
-              <a:buFont typeface="Arial" panose="020B0604020202020204" pitchFamily="34" charset="0"/>
-              <a:buChar char="•"/>
-            </a:pPr>
-            <a:endParaRPr lang="en-IN" sz="800" dirty="0">
-              <a:latin typeface="Consolas" panose="020B0609020204030204" pitchFamily="49" charset="0"/>
-            </a:endParaRPr>
-          </a:p>
-          <a:p>
-            <a:pPr marL="285750" indent="-285750">
-              <a:buFont typeface="Arial" panose="020B0604020202020204" pitchFamily="34" charset="0"/>
-              <a:buChar char="•"/>
-            </a:pPr>
-            <a:r>
-              <a:rPr lang="en-IN" sz="1800" b="0" strike="noStrike" spc="-1" dirty="0">
-                <a:solidFill>
-                  <a:schemeClr val="bg1">
-                    <a:lumMod val="50000"/>
-                  </a:schemeClr>
-                </a:solidFill>
-                <a:latin typeface="Consolas" panose="020B0609020204030204" pitchFamily="49" charset="0"/>
-                <a:ea typeface="SimSun"/>
-              </a:rPr>
-              <a:t>cqlsh:db1&gt; </a:t>
-            </a:r>
-            <a:r>
-              <a:rPr lang="en-US" dirty="0">
-                <a:solidFill>
-                  <a:srgbClr val="0070C0"/>
-                </a:solidFill>
-                <a:latin typeface="Consolas" panose="020B0609020204030204" pitchFamily="49" charset="0"/>
-              </a:rPr>
-              <a:t>UPDATE</a:t>
-            </a:r>
-            <a:r>
-              <a:rPr lang="en-US" dirty="0">
-                <a:latin typeface="Consolas" panose="020B0609020204030204" pitchFamily="49" charset="0"/>
-              </a:rPr>
-              <a:t> location </a:t>
-            </a:r>
-            <a:r>
-              <a:rPr lang="en-US" dirty="0">
-                <a:solidFill>
-                  <a:srgbClr val="0070C0"/>
-                </a:solidFill>
-                <a:latin typeface="Consolas" panose="020B0609020204030204" pitchFamily="49" charset="0"/>
-              </a:rPr>
-              <a:t>SET</a:t>
-            </a:r>
-            <a:r>
-              <a:rPr lang="en-US" dirty="0">
-                <a:latin typeface="Consolas" panose="020B0609020204030204" pitchFamily="49" charset="0"/>
-              </a:rPr>
-              <a:t> location = location </a:t>
-            </a:r>
-            <a:r>
-              <a:rPr lang="en-US" spc="-1" dirty="0">
-                <a:solidFill>
-                  <a:srgbClr val="7E007E"/>
-                </a:solidFill>
-                <a:latin typeface="Consolas" panose="020B0609020204030204" pitchFamily="49" charset="0"/>
-                <a:ea typeface="SimSun"/>
-              </a:rPr>
-              <a:t>-</a:t>
-            </a:r>
-            <a:r>
-              <a:rPr lang="en-US" dirty="0">
-                <a:latin typeface="Consolas" panose="020B0609020204030204" pitchFamily="49" charset="0"/>
-              </a:rPr>
-              <a:t> { 'key1', 'key2' } </a:t>
-            </a:r>
-            <a:r>
-              <a:rPr lang="en-US" dirty="0">
-                <a:solidFill>
-                  <a:srgbClr val="0070C0"/>
-                </a:solidFill>
-                <a:latin typeface="Consolas" panose="020B0609020204030204" pitchFamily="49" charset="0"/>
-              </a:rPr>
-              <a:t>WHERE</a:t>
-            </a:r>
-            <a:r>
-              <a:rPr lang="en-US" dirty="0">
-                <a:latin typeface="Consolas" panose="020B0609020204030204" pitchFamily="49" charset="0"/>
-              </a:rPr>
-              <a:t> id=2;</a:t>
-            </a:r>
-            <a:endParaRPr lang="en-IN" dirty="0">
-              <a:latin typeface="Consolas" panose="020B0609020204030204" pitchFamily="49" charset="0"/>
-            </a:endParaRPr>
           </a:p>
         </p:txBody>
       </p:sp>
@@ -14233,7 +14053,7 @@
         <p:spPr>
           <a:xfrm>
             <a:off x="246600" y="4869160"/>
-            <a:ext cx="11687400" cy="1908215"/>
+            <a:ext cx="11687400" cy="1785104"/>
           </a:xfrm>
           <a:prstGeom prst="rect">
             <a:avLst/>
@@ -14337,7 +14157,7 @@
               <a:buFont typeface="Arial" panose="020B0604020202020204" pitchFamily="34" charset="0"/>
               <a:buChar char="•"/>
             </a:pPr>
-            <a:endParaRPr lang="en-US" sz="800" dirty="0">
+            <a:endParaRPr lang="en-US" sz="400" dirty="0">
               <a:solidFill>
                 <a:schemeClr val="tx1">
                   <a:lumMod val="95000"/>
@@ -14409,7 +14229,7 @@
               <a:buFont typeface="Arial" panose="020B0604020202020204" pitchFamily="34" charset="0"/>
               <a:buChar char="•"/>
             </a:pPr>
-            <a:endParaRPr lang="en-US" sz="800" dirty="0">
+            <a:endParaRPr lang="en-US" sz="400" dirty="0">
               <a:solidFill>
                 <a:schemeClr val="tx1">
                   <a:lumMod val="95000"/>
@@ -14501,6 +14321,1041 @@
 </file>
 
 <file path=ppt/slides/slide29.xml><?xml version="1.0" encoding="utf-8"?>
+<p:sld xmlns:a="http://schemas.openxmlformats.org/drawingml/2006/main" xmlns:r="http://schemas.openxmlformats.org/officeDocument/2006/relationships" xmlns:p="http://schemas.openxmlformats.org/presentationml/2006/main">
+  <p:cSld>
+    <p:spTree>
+      <p:nvGrpSpPr>
+        <p:cNvPr id="1" name=""/>
+        <p:cNvGrpSpPr/>
+        <p:nvPr/>
+      </p:nvGrpSpPr>
+      <p:grpSpPr>
+        <a:xfrm>
+          <a:off x="0" y="0"/>
+          <a:ext cx="0" cy="0"/>
+          <a:chOff x="0" y="0"/>
+          <a:chExt cx="0" cy="0"/>
+        </a:xfrm>
+      </p:grpSpPr>
+      <p:sp>
+        <p:nvSpPr>
+          <p:cNvPr id="7" name="CustomShape 4">
+            <a:extLst>
+              <a:ext uri="{FF2B5EF4-FFF2-40B4-BE49-F238E27FC236}">
+                <a16:creationId xmlns:a16="http://schemas.microsoft.com/office/drawing/2014/main" id="{AC1F4ECD-A5A0-4EFE-8E62-53EF8AAE26B8}"/>
+              </a:ext>
+            </a:extLst>
+          </p:cNvPr>
+          <p:cNvSpPr/>
+          <p:nvPr/>
+        </p:nvSpPr>
+        <p:spPr>
+          <a:xfrm>
+            <a:off x="246600" y="0"/>
+            <a:ext cx="11687400" cy="706432"/>
+          </a:xfrm>
+          <a:prstGeom prst="rect">
+            <a:avLst/>
+          </a:prstGeom>
+          <a:solidFill>
+            <a:srgbClr val="C00000"/>
+          </a:solidFill>
+          <a:ln>
+            <a:noFill/>
+          </a:ln>
+        </p:spPr>
+        <p:style>
+          <a:lnRef idx="0">
+            <a:scrgbClr r="0" g="0" b="0"/>
+          </a:lnRef>
+          <a:fillRef idx="0">
+            <a:scrgbClr r="0" g="0" b="0"/>
+          </a:fillRef>
+          <a:effectRef idx="0">
+            <a:scrgbClr r="0" g="0" b="0"/>
+          </a:effectRef>
+          <a:fontRef idx="minor"/>
+        </p:style>
+        <p:txBody>
+          <a:bodyPr lIns="90000" tIns="45000" rIns="90000" bIns="45000">
+            <a:spAutoFit/>
+          </a:bodyPr>
+          <a:lstStyle/>
+          <a:p>
+            <a:pPr algn="ctr">
+              <a:lnSpc>
+                <a:spcPct val="100000"/>
+              </a:lnSpc>
+            </a:pPr>
+            <a:r>
+              <a:rPr lang="en-IN" sz="4000" b="0" strike="noStrike" spc="-1" dirty="0">
+                <a:solidFill>
+                  <a:srgbClr val="F7C120"/>
+                </a:solidFill>
+                <a:latin typeface="Open Sans"/>
+                <a:ea typeface="DejaVu Sans"/>
+              </a:rPr>
+              <a:t>MAP – UPDATE </a:t>
+            </a:r>
+            <a:endParaRPr lang="en-IN" sz="4000" b="0" strike="noStrike" spc="-1" dirty="0">
+              <a:latin typeface="Arial"/>
+            </a:endParaRPr>
+          </a:p>
+        </p:txBody>
+      </p:sp>
+      <p:sp>
+        <p:nvSpPr>
+          <p:cNvPr id="9" name="CustomShape 1">
+            <a:extLst>
+              <a:ext uri="{FF2B5EF4-FFF2-40B4-BE49-F238E27FC236}">
+                <a16:creationId xmlns:a16="http://schemas.microsoft.com/office/drawing/2014/main" id="{BDFD7540-71E5-4580-B408-0238083AF10D}"/>
+              </a:ext>
+            </a:extLst>
+          </p:cNvPr>
+          <p:cNvSpPr/>
+          <p:nvPr/>
+        </p:nvSpPr>
+        <p:spPr>
+          <a:xfrm>
+            <a:off x="246600" y="762120"/>
+            <a:ext cx="11687400" cy="367878"/>
+          </a:xfrm>
+          <a:prstGeom prst="rect">
+            <a:avLst/>
+          </a:prstGeom>
+          <a:noFill/>
+          <a:ln>
+            <a:noFill/>
+          </a:ln>
+        </p:spPr>
+        <p:style>
+          <a:lnRef idx="0">
+            <a:scrgbClr r="0" g="0" b="0"/>
+          </a:lnRef>
+          <a:fillRef idx="0">
+            <a:scrgbClr r="0" g="0" b="0"/>
+          </a:fillRef>
+          <a:effectRef idx="0">
+            <a:scrgbClr r="0" g="0" b="0"/>
+          </a:effectRef>
+          <a:fontRef idx="minor"/>
+        </p:style>
+        <p:txBody>
+          <a:bodyPr lIns="90000" tIns="45000" rIns="90000" bIns="45000">
+            <a:spAutoFit/>
+          </a:bodyPr>
+          <a:lstStyle/>
+          <a:p>
+            <a:pPr algn="just"/>
+            <a:r>
+              <a:rPr lang="en-US" spc="-1" dirty="0">
+                <a:latin typeface="Arial"/>
+              </a:rPr>
+              <a:t>TODO.</a:t>
+            </a:r>
+          </a:p>
+        </p:txBody>
+      </p:sp>
+      <p:sp>
+        <p:nvSpPr>
+          <p:cNvPr id="10" name="Line 5">
+            <a:extLst>
+              <a:ext uri="{FF2B5EF4-FFF2-40B4-BE49-F238E27FC236}">
+                <a16:creationId xmlns:a16="http://schemas.microsoft.com/office/drawing/2014/main" id="{9195D559-2BA8-4321-B3CF-CB7E0100E287}"/>
+              </a:ext>
+            </a:extLst>
+          </p:cNvPr>
+          <p:cNvSpPr/>
+          <p:nvPr/>
+        </p:nvSpPr>
+        <p:spPr>
+          <a:xfrm>
+            <a:off x="0" y="1536120"/>
+            <a:ext cx="12191760" cy="0"/>
+          </a:xfrm>
+          <a:prstGeom prst="line">
+            <a:avLst/>
+          </a:prstGeom>
+          <a:ln w="12600">
+            <a:solidFill>
+              <a:srgbClr val="6E78A0"/>
+            </a:solidFill>
+            <a:prstDash val="dash"/>
+            <a:round/>
+          </a:ln>
+        </p:spPr>
+        <p:style>
+          <a:lnRef idx="1">
+            <a:schemeClr val="accent1"/>
+          </a:lnRef>
+          <a:fillRef idx="0">
+            <a:schemeClr val="accent1"/>
+          </a:fillRef>
+          <a:effectRef idx="0">
+            <a:schemeClr val="accent1"/>
+          </a:effectRef>
+          <a:fontRef idx="minor"/>
+        </p:style>
+      </p:sp>
+      <p:sp>
+        <p:nvSpPr>
+          <p:cNvPr id="8" name="CustomShape 6">
+            <a:extLst>
+              <a:ext uri="{FF2B5EF4-FFF2-40B4-BE49-F238E27FC236}">
+                <a16:creationId xmlns:a16="http://schemas.microsoft.com/office/drawing/2014/main" id="{A3681485-4DDA-416A-9E81-54097E0120F3}"/>
+              </a:ext>
+            </a:extLst>
+          </p:cNvPr>
+          <p:cNvSpPr/>
+          <p:nvPr/>
+        </p:nvSpPr>
+        <p:spPr>
+          <a:xfrm>
+            <a:off x="246600" y="2030400"/>
+            <a:ext cx="11687400" cy="737210"/>
+          </a:xfrm>
+          <a:prstGeom prst="rect">
+            <a:avLst/>
+          </a:prstGeom>
+          <a:noFill/>
+          <a:ln>
+            <a:noFill/>
+          </a:ln>
+        </p:spPr>
+        <p:style>
+          <a:lnRef idx="0">
+            <a:scrgbClr r="0" g="0" b="0"/>
+          </a:lnRef>
+          <a:fillRef idx="0">
+            <a:scrgbClr r="0" g="0" b="0"/>
+          </a:fillRef>
+          <a:effectRef idx="0">
+            <a:scrgbClr r="0" g="0" b="0"/>
+          </a:effectRef>
+          <a:fontRef idx="minor"/>
+        </p:style>
+        <p:txBody>
+          <a:bodyPr lIns="90000" tIns="45000" rIns="90000" bIns="45000">
+            <a:spAutoFit/>
+          </a:bodyPr>
+          <a:lstStyle/>
+          <a:p>
+            <a:r>
+              <a:rPr lang="en-US" spc="-1" dirty="0">
+                <a:latin typeface="Source Code Pro" panose="020B0509030403020204" pitchFamily="49" charset="0"/>
+                <a:ea typeface="Source Code Pro" panose="020B0509030403020204" pitchFamily="49" charset="0"/>
+              </a:rPr>
+              <a:t>map_name = map_name </a:t>
+            </a:r>
+            <a:r>
+              <a:rPr lang="en-US" sz="2400" spc="-1" dirty="0">
+                <a:solidFill>
+                  <a:srgbClr val="7E007E"/>
+                </a:solidFill>
+                <a:latin typeface="Source Code Pro" panose="020B0509030403020204" pitchFamily="49" charset="0"/>
+                <a:ea typeface="Source Code Pro" panose="020B0509030403020204" pitchFamily="49" charset="0"/>
+              </a:rPr>
+              <a:t>+</a:t>
+            </a:r>
+            <a:r>
+              <a:rPr lang="en-US" spc="-1" dirty="0">
+                <a:latin typeface="Source Code Pro" panose="020B0509030403020204" pitchFamily="49" charset="0"/>
+                <a:ea typeface="Source Code Pro" panose="020B0509030403020204" pitchFamily="49" charset="0"/>
+              </a:rPr>
+              <a:t> | </a:t>
+            </a:r>
+            <a:r>
+              <a:rPr lang="en-US" sz="2400" spc="-1" dirty="0">
+                <a:solidFill>
+                  <a:srgbClr val="7E007E"/>
+                </a:solidFill>
+                <a:latin typeface="Source Code Pro" panose="020B0509030403020204" pitchFamily="49" charset="0"/>
+                <a:ea typeface="Source Code Pro" panose="020B0509030403020204" pitchFamily="49" charset="0"/>
+              </a:rPr>
+              <a:t>-</a:t>
+            </a:r>
+            <a:r>
+              <a:rPr lang="en-US" spc="-1" dirty="0">
+                <a:latin typeface="Source Code Pro" panose="020B0509030403020204" pitchFamily="49" charset="0"/>
+                <a:ea typeface="Source Code Pro" panose="020B0509030403020204" pitchFamily="49" charset="0"/>
+              </a:rPr>
+              <a:t> { map_key : </a:t>
+            </a:r>
+            <a:r>
+              <a:rPr lang="en-US" spc="-1" dirty="0" err="1">
+                <a:latin typeface="Source Code Pro" panose="020B0509030403020204" pitchFamily="49" charset="0"/>
+                <a:ea typeface="Source Code Pro" panose="020B0509030403020204" pitchFamily="49" charset="0"/>
+              </a:rPr>
+              <a:t>map_value</a:t>
+            </a:r>
+            <a:r>
+              <a:rPr lang="en-US" spc="-1" dirty="0">
+                <a:latin typeface="Source Code Pro" panose="020B0509030403020204" pitchFamily="49" charset="0"/>
+                <a:ea typeface="Source Code Pro" panose="020B0509030403020204" pitchFamily="49" charset="0"/>
+              </a:rPr>
+              <a:t> [, map_key : </a:t>
+            </a:r>
+            <a:r>
+              <a:rPr lang="en-US" spc="-1" dirty="0" err="1">
+                <a:latin typeface="Source Code Pro" panose="020B0509030403020204" pitchFamily="49" charset="0"/>
+                <a:ea typeface="Source Code Pro" panose="020B0509030403020204" pitchFamily="49" charset="0"/>
+              </a:rPr>
+              <a:t>map_value</a:t>
+            </a:r>
+            <a:r>
+              <a:rPr lang="en-US" spc="-1" dirty="0">
+                <a:latin typeface="Source Code Pro" panose="020B0509030403020204" pitchFamily="49" charset="0"/>
+                <a:ea typeface="Source Code Pro" panose="020B0509030403020204" pitchFamily="49" charset="0"/>
+              </a:rPr>
+              <a:t> . . . }</a:t>
+            </a:r>
+          </a:p>
+          <a:p>
+            <a:r>
+              <a:rPr lang="en-US" spc="-1" dirty="0">
+                <a:latin typeface="Source Code Pro" panose="020B0509030403020204" pitchFamily="49" charset="0"/>
+                <a:ea typeface="Source Code Pro" panose="020B0509030403020204" pitchFamily="49" charset="0"/>
+              </a:rPr>
+              <a:t>           | map_name[ index ] = </a:t>
+            </a:r>
+            <a:r>
+              <a:rPr lang="en-US" spc="-1" dirty="0" err="1">
+                <a:latin typeface="Source Code Pro" panose="020B0509030403020204" pitchFamily="49" charset="0"/>
+                <a:ea typeface="Source Code Pro" panose="020B0509030403020204" pitchFamily="49" charset="0"/>
+              </a:rPr>
+              <a:t>map_value</a:t>
+            </a:r>
+            <a:r>
+              <a:rPr lang="en-US" spc="-1" dirty="0">
+                <a:latin typeface="Source Code Pro" panose="020B0509030403020204" pitchFamily="49" charset="0"/>
+                <a:ea typeface="Source Code Pro" panose="020B0509030403020204" pitchFamily="49" charset="0"/>
+              </a:rPr>
+              <a:t> </a:t>
+            </a:r>
+            <a:endParaRPr lang="en-US" spc="-1" dirty="0">
+              <a:solidFill>
+                <a:srgbClr val="39AE0A"/>
+              </a:solidFill>
+              <a:latin typeface="Source Code Pro" panose="020B0509030403020204" pitchFamily="49" charset="0"/>
+              <a:ea typeface="Source Code Pro" panose="020B0509030403020204" pitchFamily="49" charset="0"/>
+            </a:endParaRPr>
+          </a:p>
+        </p:txBody>
+      </p:sp>
+      <p:sp>
+        <p:nvSpPr>
+          <p:cNvPr id="11" name="TextBox 10">
+            <a:extLst>
+              <a:ext uri="{FF2B5EF4-FFF2-40B4-BE49-F238E27FC236}">
+                <a16:creationId xmlns:a16="http://schemas.microsoft.com/office/drawing/2014/main" id="{B806E55C-ED9E-480D-9A61-FBB175B1D5B0}"/>
+              </a:ext>
+            </a:extLst>
+          </p:cNvPr>
+          <p:cNvSpPr txBox="1"/>
+          <p:nvPr/>
+        </p:nvSpPr>
+        <p:spPr>
+          <a:xfrm>
+            <a:off x="246600" y="3222000"/>
+            <a:ext cx="11687400" cy="1446550"/>
+          </a:xfrm>
+          <a:prstGeom prst="rect">
+            <a:avLst/>
+          </a:prstGeom>
+          <a:noFill/>
+        </p:spPr>
+        <p:txBody>
+          <a:bodyPr wrap="square">
+            <a:spAutoFit/>
+          </a:bodyPr>
+          <a:lstStyle/>
+          <a:p>
+            <a:pPr marL="285750" indent="-285750">
+              <a:buFont typeface="Arial" panose="020B0604020202020204" pitchFamily="34" charset="0"/>
+              <a:buChar char="•"/>
+            </a:pPr>
+            <a:r>
+              <a:rPr lang="en-IN" sz="1800" b="0" strike="noStrike" spc="-1" dirty="0">
+                <a:solidFill>
+                  <a:schemeClr val="bg1">
+                    <a:lumMod val="50000"/>
+                  </a:schemeClr>
+                </a:solidFill>
+                <a:latin typeface="Consolas" panose="020B0609020204030204" pitchFamily="49" charset="0"/>
+                <a:ea typeface="SimSun"/>
+              </a:rPr>
+              <a:t>cqlsh:db1&gt; </a:t>
+            </a:r>
+            <a:r>
+              <a:rPr lang="en-IN" dirty="0">
+                <a:solidFill>
+                  <a:srgbClr val="0070C0"/>
+                </a:solidFill>
+                <a:latin typeface="Consolas" panose="020B0609020204030204" pitchFamily="49" charset="0"/>
+              </a:rPr>
+              <a:t>UPDATE</a:t>
+            </a:r>
+            <a:r>
+              <a:rPr lang="en-IN" dirty="0">
+                <a:latin typeface="Consolas" panose="020B0609020204030204" pitchFamily="49" charset="0"/>
+              </a:rPr>
+              <a:t> location </a:t>
+            </a:r>
+            <a:r>
+              <a:rPr lang="en-IN" dirty="0">
+                <a:solidFill>
+                  <a:srgbClr val="0070C0"/>
+                </a:solidFill>
+                <a:latin typeface="Consolas" panose="020B0609020204030204" pitchFamily="49" charset="0"/>
+              </a:rPr>
+              <a:t>SET</a:t>
+            </a:r>
+            <a:r>
+              <a:rPr lang="en-IN" dirty="0">
+                <a:latin typeface="Consolas" panose="020B0609020204030204" pitchFamily="49" charset="0"/>
+              </a:rPr>
+              <a:t> location = location </a:t>
+            </a:r>
+            <a:r>
+              <a:rPr lang="en-IN" spc="-1" dirty="0">
+                <a:solidFill>
+                  <a:srgbClr val="7E007E"/>
+                </a:solidFill>
+                <a:latin typeface="Consolas" panose="020B0609020204030204" pitchFamily="49" charset="0"/>
+                <a:ea typeface="SimSun"/>
+              </a:rPr>
+              <a:t>+</a:t>
+            </a:r>
+            <a:r>
+              <a:rPr lang="en-IN" dirty="0">
+                <a:latin typeface="Consolas" panose="020B0609020204030204" pitchFamily="49" charset="0"/>
+              </a:rPr>
+              <a:t> { 'key1':1001, 'key2':1002 } </a:t>
+            </a:r>
+            <a:r>
+              <a:rPr lang="en-IN" dirty="0">
+                <a:solidFill>
+                  <a:srgbClr val="0070C0"/>
+                </a:solidFill>
+                <a:latin typeface="Consolas" panose="020B0609020204030204" pitchFamily="49" charset="0"/>
+              </a:rPr>
+              <a:t>WHERE</a:t>
+            </a:r>
+            <a:r>
+              <a:rPr lang="en-IN" dirty="0">
+                <a:latin typeface="Consolas" panose="020B0609020204030204" pitchFamily="49" charset="0"/>
+              </a:rPr>
+              <a:t> id = 2;</a:t>
+            </a:r>
+          </a:p>
+          <a:p>
+            <a:pPr marL="285750" indent="-285750">
+              <a:buFont typeface="Arial" panose="020B0604020202020204" pitchFamily="34" charset="0"/>
+              <a:buChar char="•"/>
+            </a:pPr>
+            <a:endParaRPr lang="en-IN" sz="800" dirty="0">
+              <a:latin typeface="Consolas" panose="020B0609020204030204" pitchFamily="49" charset="0"/>
+            </a:endParaRPr>
+          </a:p>
+          <a:p>
+            <a:pPr marL="285750" indent="-285750">
+              <a:buFont typeface="Arial" panose="020B0604020202020204" pitchFamily="34" charset="0"/>
+              <a:buChar char="•"/>
+            </a:pPr>
+            <a:r>
+              <a:rPr lang="en-IN" sz="1800" b="0" strike="noStrike" spc="-1" dirty="0">
+                <a:solidFill>
+                  <a:schemeClr val="bg1">
+                    <a:lumMod val="50000"/>
+                  </a:schemeClr>
+                </a:solidFill>
+                <a:latin typeface="Consolas" panose="020B0609020204030204" pitchFamily="49" charset="0"/>
+                <a:ea typeface="SimSun"/>
+              </a:rPr>
+              <a:t>cqlsh:db1&gt; </a:t>
+            </a:r>
+            <a:r>
+              <a:rPr lang="en-US" dirty="0">
+                <a:solidFill>
+                  <a:srgbClr val="0070C0"/>
+                </a:solidFill>
+                <a:latin typeface="Consolas" panose="020B0609020204030204" pitchFamily="49" charset="0"/>
+              </a:rPr>
+              <a:t>UPDATE</a:t>
+            </a:r>
+            <a:r>
+              <a:rPr lang="en-US" dirty="0">
+                <a:latin typeface="Consolas" panose="020B0609020204030204" pitchFamily="49" charset="0"/>
+              </a:rPr>
+              <a:t> location </a:t>
+            </a:r>
+            <a:r>
+              <a:rPr lang="en-US" dirty="0">
+                <a:solidFill>
+                  <a:srgbClr val="0070C0"/>
+                </a:solidFill>
+                <a:latin typeface="Consolas" panose="020B0609020204030204" pitchFamily="49" charset="0"/>
+              </a:rPr>
+              <a:t>SET</a:t>
+            </a:r>
+            <a:r>
+              <a:rPr lang="en-US" dirty="0">
+                <a:latin typeface="Consolas" panose="020B0609020204030204" pitchFamily="49" charset="0"/>
+              </a:rPr>
+              <a:t> location = location </a:t>
+            </a:r>
+            <a:r>
+              <a:rPr lang="en-US" spc="-1" dirty="0">
+                <a:solidFill>
+                  <a:srgbClr val="7E007E"/>
+                </a:solidFill>
+                <a:latin typeface="Consolas" panose="020B0609020204030204" pitchFamily="49" charset="0"/>
+                <a:ea typeface="SimSun"/>
+              </a:rPr>
+              <a:t>-</a:t>
+            </a:r>
+            <a:r>
+              <a:rPr lang="en-US" dirty="0">
+                <a:latin typeface="Consolas" panose="020B0609020204030204" pitchFamily="49" charset="0"/>
+              </a:rPr>
+              <a:t> { 'key1', 'key2' } </a:t>
+            </a:r>
+            <a:r>
+              <a:rPr lang="en-US" dirty="0">
+                <a:solidFill>
+                  <a:srgbClr val="0070C0"/>
+                </a:solidFill>
+                <a:latin typeface="Consolas" panose="020B0609020204030204" pitchFamily="49" charset="0"/>
+              </a:rPr>
+              <a:t>WHERE</a:t>
+            </a:r>
+            <a:r>
+              <a:rPr lang="en-US" dirty="0">
+                <a:latin typeface="Consolas" panose="020B0609020204030204" pitchFamily="49" charset="0"/>
+              </a:rPr>
+              <a:t> id = 2;</a:t>
+            </a:r>
+          </a:p>
+          <a:p>
+            <a:pPr marL="285750" indent="-285750">
+              <a:buFont typeface="Arial" panose="020B0604020202020204" pitchFamily="34" charset="0"/>
+              <a:buChar char="•"/>
+            </a:pPr>
+            <a:endParaRPr lang="en-US" sz="800" dirty="0">
+              <a:latin typeface="Consolas" panose="020B0609020204030204" pitchFamily="49" charset="0"/>
+            </a:endParaRPr>
+          </a:p>
+          <a:p>
+            <a:pPr marL="285750" indent="-285750">
+              <a:buFont typeface="Arial" panose="020B0604020202020204" pitchFamily="34" charset="0"/>
+              <a:buChar char="•"/>
+            </a:pPr>
+            <a:r>
+              <a:rPr lang="en-IN" sz="1800" b="0" strike="noStrike" spc="-1" dirty="0">
+                <a:solidFill>
+                  <a:schemeClr val="bg1">
+                    <a:lumMod val="50000"/>
+                  </a:schemeClr>
+                </a:solidFill>
+                <a:latin typeface="Consolas" panose="020B0609020204030204" pitchFamily="49" charset="0"/>
+                <a:ea typeface="SimSun"/>
+              </a:rPr>
+              <a:t>cqlsh:db1&gt; </a:t>
+            </a:r>
+            <a:r>
+              <a:rPr lang="en-US" dirty="0">
+                <a:solidFill>
+                  <a:srgbClr val="0070C0"/>
+                </a:solidFill>
+                <a:latin typeface="Consolas" panose="020B0609020204030204" pitchFamily="49" charset="0"/>
+              </a:rPr>
+              <a:t>UPDATE</a:t>
+            </a:r>
+            <a:r>
+              <a:rPr lang="en-US" dirty="0">
+                <a:latin typeface="Consolas" panose="020B0609020204030204" pitchFamily="49" charset="0"/>
+              </a:rPr>
+              <a:t> location </a:t>
+            </a:r>
+            <a:r>
+              <a:rPr lang="en-US" dirty="0">
+                <a:solidFill>
+                  <a:srgbClr val="0070C0"/>
+                </a:solidFill>
+                <a:latin typeface="Consolas" panose="020B0609020204030204" pitchFamily="49" charset="0"/>
+              </a:rPr>
+              <a:t>SET</a:t>
+            </a:r>
+            <a:r>
+              <a:rPr lang="en-US" dirty="0">
+                <a:latin typeface="Consolas" panose="020B0609020204030204" pitchFamily="49" charset="0"/>
+              </a:rPr>
+              <a:t> </a:t>
+            </a:r>
+            <a:r>
+              <a:rPr lang="en-US" dirty="0">
+                <a:solidFill>
+                  <a:srgbClr val="C00000"/>
+                </a:solidFill>
+                <a:latin typeface="Consolas" panose="020B0609020204030204" pitchFamily="49" charset="0"/>
+              </a:rPr>
+              <a:t>location['latitude'] </a:t>
+            </a:r>
+            <a:r>
+              <a:rPr lang="en-US" dirty="0">
+                <a:latin typeface="Consolas" panose="020B0609020204030204" pitchFamily="49" charset="0"/>
+              </a:rPr>
+              <a:t>= 22.3072 </a:t>
+            </a:r>
+            <a:r>
+              <a:rPr lang="en-US" dirty="0">
+                <a:solidFill>
+                  <a:srgbClr val="0070C0"/>
+                </a:solidFill>
+                <a:latin typeface="Consolas" panose="020B0609020204030204" pitchFamily="49" charset="0"/>
+              </a:rPr>
+              <a:t>WHERE</a:t>
+            </a:r>
+            <a:r>
+              <a:rPr lang="en-US" dirty="0">
+                <a:latin typeface="Consolas" panose="020B0609020204030204" pitchFamily="49" charset="0"/>
+              </a:rPr>
+              <a:t> id = 2;</a:t>
+            </a:r>
+            <a:endParaRPr lang="en-IN" dirty="0">
+              <a:latin typeface="Consolas" panose="020B0609020204030204" pitchFamily="49" charset="0"/>
+            </a:endParaRPr>
+          </a:p>
+        </p:txBody>
+      </p:sp>
+      <p:sp>
+        <p:nvSpPr>
+          <p:cNvPr id="13" name="Rectangle 12">
+            <a:extLst>
+              <a:ext uri="{FF2B5EF4-FFF2-40B4-BE49-F238E27FC236}">
+                <a16:creationId xmlns:a16="http://schemas.microsoft.com/office/drawing/2014/main" id="{C6A0B1FA-B2CF-4BF4-BE8B-EFD1F68E637B}"/>
+              </a:ext>
+            </a:extLst>
+          </p:cNvPr>
+          <p:cNvSpPr/>
+          <p:nvPr/>
+        </p:nvSpPr>
+        <p:spPr>
+          <a:xfrm>
+            <a:off x="246600" y="4869160"/>
+            <a:ext cx="11687400" cy="1785104"/>
+          </a:xfrm>
+          <a:prstGeom prst="rect">
+            <a:avLst/>
+          </a:prstGeom>
+        </p:spPr>
+        <p:txBody>
+          <a:bodyPr wrap="square">
+            <a:spAutoFit/>
+          </a:bodyPr>
+          <a:lstStyle/>
+          <a:p>
+            <a:r>
+              <a:rPr lang="en-IN" sz="2200" dirty="0">
+                <a:solidFill>
+                  <a:srgbClr val="FF0000"/>
+                </a:solidFill>
+                <a:latin typeface="Arial" panose="020B0604020202020204" pitchFamily="34" charset="0"/>
+                <a:cs typeface="Arial" panose="020B0604020202020204" pitchFamily="34" charset="0"/>
+              </a:rPr>
+              <a:t>Remember:</a:t>
+            </a:r>
+          </a:p>
+          <a:p>
+            <a:endParaRPr lang="en-IN" sz="800" dirty="0">
+              <a:solidFill>
+                <a:schemeClr val="tx1">
+                  <a:lumMod val="95000"/>
+                  <a:lumOff val="5000"/>
+                </a:schemeClr>
+              </a:solidFill>
+              <a:latin typeface="Palatino Linotype" panose="02040502050505030304" pitchFamily="18" charset="0"/>
+              <a:cs typeface="Arial" panose="020B0604020202020204" pitchFamily="34" charset="0"/>
+            </a:endParaRPr>
+          </a:p>
+          <a:p>
+            <a:pPr marL="285750" indent="-285750">
+              <a:buFont typeface="Arial" panose="020B0604020202020204" pitchFamily="34" charset="0"/>
+              <a:buChar char="•"/>
+            </a:pPr>
+            <a:r>
+              <a:rPr lang="en-US" dirty="0">
+                <a:solidFill>
+                  <a:schemeClr val="tx1">
+                    <a:lumMod val="95000"/>
+                    <a:lumOff val="5000"/>
+                  </a:schemeClr>
+                </a:solidFill>
+                <a:latin typeface="Palatino Linotype" panose="02040502050505030304" pitchFamily="18" charset="0"/>
+                <a:cs typeface="Arial" panose="020B0604020202020204" pitchFamily="34" charset="0"/>
+              </a:rPr>
+              <a:t>Insert data into the </a:t>
+            </a:r>
+            <a:r>
+              <a:rPr lang="en-US" dirty="0">
+                <a:solidFill>
+                  <a:srgbClr val="FD8603"/>
+                </a:solidFill>
+                <a:latin typeface="Palatino Linotype" panose="02040502050505030304" pitchFamily="18" charset="0"/>
+                <a:cs typeface="Arial" panose="020B0604020202020204" pitchFamily="34" charset="0"/>
+              </a:rPr>
+              <a:t>MAP</a:t>
+            </a:r>
+            <a:r>
+              <a:rPr lang="en-US" dirty="0">
+                <a:solidFill>
+                  <a:schemeClr val="tx1">
+                    <a:lumMod val="95000"/>
+                    <a:lumOff val="5000"/>
+                  </a:schemeClr>
+                </a:solidFill>
+                <a:latin typeface="Palatino Linotype" panose="02040502050505030304" pitchFamily="18" charset="0"/>
+                <a:cs typeface="Arial" panose="020B0604020202020204" pitchFamily="34" charset="0"/>
+              </a:rPr>
+              <a:t>, enclosing values in curly brackets</a:t>
+            </a:r>
+            <a:r>
+              <a:rPr lang="en-US" sz="2400" b="1" dirty="0">
+                <a:solidFill>
+                  <a:srgbClr val="7E007E"/>
+                </a:solidFill>
+                <a:latin typeface="Palatino Linotype" panose="02040502050505030304" pitchFamily="18" charset="0"/>
+              </a:rPr>
+              <a:t> { }</a:t>
+            </a:r>
+            <a:r>
+              <a:rPr lang="en-US" dirty="0">
+                <a:solidFill>
+                  <a:schemeClr val="tx1">
+                    <a:lumMod val="95000"/>
+                    <a:lumOff val="5000"/>
+                  </a:schemeClr>
+                </a:solidFill>
+                <a:latin typeface="Palatino Linotype" panose="02040502050505030304" pitchFamily="18" charset="0"/>
+                <a:cs typeface="Arial" panose="020B0604020202020204" pitchFamily="34" charset="0"/>
+              </a:rPr>
+              <a:t>.</a:t>
+            </a:r>
+          </a:p>
+          <a:p>
+            <a:pPr marL="285750" indent="-285750">
+              <a:buFont typeface="Arial" panose="020B0604020202020204" pitchFamily="34" charset="0"/>
+              <a:buChar char="•"/>
+            </a:pPr>
+            <a:endParaRPr lang="en-US" sz="400" dirty="0">
+              <a:solidFill>
+                <a:schemeClr val="tx1">
+                  <a:lumMod val="95000"/>
+                  <a:lumOff val="5000"/>
+                </a:schemeClr>
+              </a:solidFill>
+              <a:latin typeface="Palatino Linotype" panose="02040502050505030304" pitchFamily="18" charset="0"/>
+              <a:cs typeface="Arial" panose="020B0604020202020204" pitchFamily="34" charset="0"/>
+            </a:endParaRPr>
+          </a:p>
+          <a:p>
+            <a:pPr marL="285750" indent="-285750">
+              <a:buFont typeface="Arial" panose="020B0604020202020204" pitchFamily="34" charset="0"/>
+              <a:buChar char="•"/>
+            </a:pPr>
+            <a:r>
+              <a:rPr lang="en-US" b="0" i="0" dirty="0">
+                <a:solidFill>
+                  <a:srgbClr val="273239"/>
+                </a:solidFill>
+                <a:effectLst/>
+                <a:latin typeface="Palatino Linotype" panose="02040502050505030304" pitchFamily="18" charset="0"/>
+              </a:rPr>
+              <a:t>We can add an element in </a:t>
+            </a:r>
+            <a:r>
+              <a:rPr lang="en-US" b="0" i="0" dirty="0">
+                <a:solidFill>
+                  <a:srgbClr val="FD8603"/>
+                </a:solidFill>
+                <a:effectLst/>
+                <a:latin typeface="Palatino Linotype" panose="02040502050505030304" pitchFamily="18" charset="0"/>
+              </a:rPr>
+              <a:t>MAP</a:t>
+            </a:r>
+            <a:r>
+              <a:rPr lang="en-US" b="0" i="0" dirty="0">
+                <a:solidFill>
+                  <a:srgbClr val="273239"/>
+                </a:solidFill>
+                <a:effectLst/>
+                <a:latin typeface="Palatino Linotype" panose="02040502050505030304" pitchFamily="18" charset="0"/>
+              </a:rPr>
+              <a:t> collection data type by using </a:t>
+            </a:r>
+            <a:r>
+              <a:rPr lang="en-US" sz="2400" b="1" i="0" dirty="0">
+                <a:solidFill>
+                  <a:srgbClr val="7E007E"/>
+                </a:solidFill>
+                <a:effectLst/>
+                <a:latin typeface="Palatino Linotype" panose="02040502050505030304" pitchFamily="18" charset="0"/>
+              </a:rPr>
+              <a:t>(+)</a:t>
+            </a:r>
+            <a:r>
+              <a:rPr lang="en-US" b="0" i="0" dirty="0">
+                <a:solidFill>
+                  <a:srgbClr val="273239"/>
+                </a:solidFill>
+                <a:effectLst/>
+                <a:latin typeface="Palatino Linotype" panose="02040502050505030304" pitchFamily="18" charset="0"/>
+              </a:rPr>
+              <a:t> operator.</a:t>
+            </a:r>
+          </a:p>
+          <a:p>
+            <a:pPr marL="285750" indent="-285750">
+              <a:buFont typeface="Arial" panose="020B0604020202020204" pitchFamily="34" charset="0"/>
+              <a:buChar char="•"/>
+            </a:pPr>
+            <a:endParaRPr lang="en-US" sz="400" dirty="0">
+              <a:solidFill>
+                <a:schemeClr val="tx1">
+                  <a:lumMod val="95000"/>
+                  <a:lumOff val="5000"/>
+                </a:schemeClr>
+              </a:solidFill>
+              <a:latin typeface="Palatino Linotype" panose="02040502050505030304" pitchFamily="18" charset="0"/>
+              <a:cs typeface="Arial" panose="020B0604020202020204" pitchFamily="34" charset="0"/>
+            </a:endParaRPr>
+          </a:p>
+          <a:p>
+            <a:pPr marL="285750" indent="-285750">
+              <a:buFont typeface="Arial" panose="020B0604020202020204" pitchFamily="34" charset="0"/>
+              <a:buChar char="•"/>
+            </a:pPr>
+            <a:r>
+              <a:rPr lang="en-US" b="0" i="0" dirty="0">
+                <a:solidFill>
+                  <a:srgbClr val="1F2438"/>
+                </a:solidFill>
+                <a:effectLst/>
+                <a:latin typeface="Palatino Linotype" panose="02040502050505030304" pitchFamily="18" charset="0"/>
+              </a:rPr>
+              <a:t>Remove an element from a </a:t>
+            </a:r>
+            <a:r>
+              <a:rPr lang="en-US" b="0" i="0" dirty="0">
+                <a:solidFill>
+                  <a:srgbClr val="FD8603"/>
+                </a:solidFill>
+                <a:effectLst/>
+                <a:latin typeface="Palatino Linotype" panose="02040502050505030304" pitchFamily="18" charset="0"/>
+              </a:rPr>
+              <a:t>MAP</a:t>
+            </a:r>
+            <a:r>
+              <a:rPr lang="en-US" b="0" i="0" dirty="0">
+                <a:solidFill>
+                  <a:srgbClr val="1F2438"/>
+                </a:solidFill>
+                <a:effectLst/>
+                <a:latin typeface="Palatino Linotype" panose="02040502050505030304" pitchFamily="18" charset="0"/>
+              </a:rPr>
+              <a:t> using the subtraction </a:t>
+            </a:r>
+            <a:r>
+              <a:rPr lang="en-US" sz="2400" b="1" dirty="0">
+                <a:solidFill>
+                  <a:srgbClr val="7E007E"/>
+                </a:solidFill>
+                <a:latin typeface="Palatino Linotype" panose="02040502050505030304" pitchFamily="18" charset="0"/>
+              </a:rPr>
+              <a:t>(-)</a:t>
+            </a:r>
+            <a:r>
+              <a:rPr lang="en-US" b="0" i="0" dirty="0">
+                <a:solidFill>
+                  <a:srgbClr val="1F2438"/>
+                </a:solidFill>
+                <a:effectLst/>
+                <a:latin typeface="Palatino Linotype" panose="02040502050505030304" pitchFamily="18" charset="0"/>
+              </a:rPr>
+              <a:t> operator.</a:t>
+            </a:r>
+            <a:endParaRPr lang="en-US" dirty="0">
+              <a:solidFill>
+                <a:schemeClr val="tx1">
+                  <a:lumMod val="95000"/>
+                  <a:lumOff val="5000"/>
+                </a:schemeClr>
+              </a:solidFill>
+              <a:latin typeface="Palatino Linotype" panose="02040502050505030304" pitchFamily="18" charset="0"/>
+              <a:cs typeface="Arial" panose="020B0604020202020204" pitchFamily="34" charset="0"/>
+            </a:endParaRPr>
+          </a:p>
+        </p:txBody>
+      </p:sp>
+    </p:spTree>
+    <p:extLst>
+      <p:ext uri="{BB962C8B-B14F-4D97-AF65-F5344CB8AC3E}">
+        <p14:creationId xmlns:p14="http://schemas.microsoft.com/office/powerpoint/2010/main" val="279806068"/>
+      </p:ext>
+    </p:extLst>
+  </p:cSld>
+  <p:clrMapOvr>
+    <a:masterClrMapping/>
+  </p:clrMapOvr>
+</p:sld>
+</file>
+
+<file path=ppt/slides/slide3.xml><?xml version="1.0" encoding="utf-8"?>
+<p:sld xmlns:a="http://schemas.openxmlformats.org/drawingml/2006/main" xmlns:r="http://schemas.openxmlformats.org/officeDocument/2006/relationships" xmlns:p="http://schemas.openxmlformats.org/presentationml/2006/main">
+  <p:cSld>
+    <p:spTree>
+      <p:nvGrpSpPr>
+        <p:cNvPr id="1" name=""/>
+        <p:cNvGrpSpPr/>
+        <p:nvPr/>
+      </p:nvGrpSpPr>
+      <p:grpSpPr>
+        <a:xfrm>
+          <a:off x="0" y="0"/>
+          <a:ext cx="0" cy="0"/>
+          <a:chOff x="0" y="0"/>
+          <a:chExt cx="0" cy="0"/>
+        </a:xfrm>
+      </p:grpSpPr>
+      <p:sp>
+        <p:nvSpPr>
+          <p:cNvPr id="96" name="CustomShape 1"/>
+          <p:cNvSpPr/>
+          <p:nvPr/>
+        </p:nvSpPr>
+        <p:spPr>
+          <a:xfrm>
+            <a:off x="1676520" y="2362320"/>
+            <a:ext cx="8815320" cy="1752872"/>
+          </a:xfrm>
+          <a:prstGeom prst="rect">
+            <a:avLst/>
+          </a:prstGeom>
+          <a:noFill/>
+          <a:ln>
+            <a:noFill/>
+          </a:ln>
+        </p:spPr>
+        <p:style>
+          <a:lnRef idx="0">
+            <a:scrgbClr r="0" g="0" b="0"/>
+          </a:lnRef>
+          <a:fillRef idx="0">
+            <a:scrgbClr r="0" g="0" b="0"/>
+          </a:fillRef>
+          <a:effectRef idx="0">
+            <a:scrgbClr r="0" g="0" b="0"/>
+          </a:effectRef>
+          <a:fontRef idx="minor"/>
+        </p:style>
+        <p:txBody>
+          <a:bodyPr lIns="90000" tIns="45000" rIns="90000" bIns="45000">
+            <a:spAutoFit/>
+          </a:bodyPr>
+          <a:lstStyle/>
+          <a:p>
+            <a:pPr algn="ctr"/>
+            <a:r>
+              <a:rPr lang="en-IN" sz="5400" i="1" spc="-1" dirty="0">
+                <a:solidFill>
+                  <a:srgbClr val="F7C120"/>
+                </a:solidFill>
+                <a:latin typeface="Century"/>
+              </a:rPr>
+              <a:t>cqlsh</a:t>
+            </a:r>
+          </a:p>
+          <a:p>
+            <a:pPr algn="ctr">
+              <a:lnSpc>
+                <a:spcPct val="100000"/>
+              </a:lnSpc>
+            </a:pPr>
+            <a:endParaRPr lang="en-IN" sz="5400" b="0" strike="noStrike" spc="-1" dirty="0">
+              <a:latin typeface="Arial"/>
+            </a:endParaRPr>
+          </a:p>
+        </p:txBody>
+      </p:sp>
+      <p:sp>
+        <p:nvSpPr>
+          <p:cNvPr id="97" name="CustomShape 2"/>
+          <p:cNvSpPr/>
+          <p:nvPr/>
+        </p:nvSpPr>
+        <p:spPr>
+          <a:xfrm>
+            <a:off x="522360" y="3531600"/>
+            <a:ext cx="11124360" cy="644877"/>
+          </a:xfrm>
+          <a:prstGeom prst="rect">
+            <a:avLst/>
+          </a:prstGeom>
+          <a:noFill/>
+          <a:ln>
+            <a:noFill/>
+          </a:ln>
+        </p:spPr>
+        <p:style>
+          <a:lnRef idx="0">
+            <a:scrgbClr r="0" g="0" b="0"/>
+          </a:lnRef>
+          <a:fillRef idx="0">
+            <a:scrgbClr r="0" g="0" b="0"/>
+          </a:fillRef>
+          <a:effectRef idx="0">
+            <a:scrgbClr r="0" g="0" b="0"/>
+          </a:effectRef>
+          <a:fontRef idx="minor"/>
+        </p:style>
+        <p:txBody>
+          <a:bodyPr lIns="90000" tIns="45000" rIns="90000" bIns="45000">
+            <a:spAutoFit/>
+          </a:bodyPr>
+          <a:lstStyle/>
+          <a:p>
+            <a:pPr algn="just">
+              <a:lnSpc>
+                <a:spcPct val="100000"/>
+              </a:lnSpc>
+            </a:pPr>
+            <a:r>
+              <a:rPr lang="en-US" spc="-1" dirty="0">
+                <a:solidFill>
+                  <a:srgbClr val="BB0643"/>
+                </a:solidFill>
+                <a:latin typeface="Segoe UI"/>
+              </a:rPr>
+              <a:t>Cassandra Query Language Shell (CQLSH) is basically a communication medium between Cassandra and the user.</a:t>
+            </a:r>
+            <a:endParaRPr lang="en-IN" spc="-1" dirty="0">
+              <a:solidFill>
+                <a:srgbClr val="BB0643"/>
+              </a:solidFill>
+              <a:latin typeface="Segoe UI"/>
+            </a:endParaRPr>
+          </a:p>
+        </p:txBody>
+      </p:sp>
+    </p:spTree>
+  </p:cSld>
+  <p:clrMapOvr>
+    <a:masterClrMapping/>
+  </p:clrMapOvr>
+</p:sld>
+</file>
+
+<file path=ppt/slides/slide30.xml><?xml version="1.0" encoding="utf-8"?>
 <p:sld xmlns:a="http://schemas.openxmlformats.org/drawingml/2006/main" xmlns:r="http://schemas.openxmlformats.org/officeDocument/2006/relationships" xmlns:p="http://schemas.openxmlformats.org/presentationml/2006/main">
   <p:cSld>
     <p:spTree>
@@ -15374,152 +16229,7 @@
 </p:sld>
 </file>
 
-<file path=ppt/slides/slide3.xml><?xml version="1.0" encoding="utf-8"?>
-<p:sld xmlns:a="http://schemas.openxmlformats.org/drawingml/2006/main" xmlns:r="http://schemas.openxmlformats.org/officeDocument/2006/relationships" xmlns:p="http://schemas.openxmlformats.org/presentationml/2006/main">
-  <p:cSld>
-    <p:spTree>
-      <p:nvGrpSpPr>
-        <p:cNvPr id="1" name=""/>
-        <p:cNvGrpSpPr/>
-        <p:nvPr/>
-      </p:nvGrpSpPr>
-      <p:grpSpPr>
-        <a:xfrm>
-          <a:off x="0" y="0"/>
-          <a:ext cx="0" cy="0"/>
-          <a:chOff x="0" y="0"/>
-          <a:chExt cx="0" cy="0"/>
-        </a:xfrm>
-      </p:grpSpPr>
-      <p:sp>
-        <p:nvSpPr>
-          <p:cNvPr id="96" name="CustomShape 1"/>
-          <p:cNvSpPr/>
-          <p:nvPr/>
-        </p:nvSpPr>
-        <p:spPr>
-          <a:xfrm>
-            <a:off x="1676520" y="2362320"/>
-            <a:ext cx="8815320" cy="1752872"/>
-          </a:xfrm>
-          <a:prstGeom prst="rect">
-            <a:avLst/>
-          </a:prstGeom>
-          <a:noFill/>
-          <a:ln>
-            <a:noFill/>
-          </a:ln>
-        </p:spPr>
-        <p:style>
-          <a:lnRef idx="0">
-            <a:scrgbClr r="0" g="0" b="0"/>
-          </a:lnRef>
-          <a:fillRef idx="0">
-            <a:scrgbClr r="0" g="0" b="0"/>
-          </a:fillRef>
-          <a:effectRef idx="0">
-            <a:scrgbClr r="0" g="0" b="0"/>
-          </a:effectRef>
-          <a:fontRef idx="minor"/>
-        </p:style>
-        <p:txBody>
-          <a:bodyPr lIns="90000" tIns="45000" rIns="90000" bIns="45000">
-            <a:spAutoFit/>
-          </a:bodyPr>
-          <a:lstStyle/>
-          <a:p>
-            <a:pPr algn="ctr"/>
-            <a:r>
-              <a:rPr lang="en-IN" sz="5400" i="1" spc="-1" dirty="0">
-                <a:solidFill>
-                  <a:srgbClr val="F7C120"/>
-                </a:solidFill>
-                <a:latin typeface="Century"/>
-              </a:rPr>
-              <a:t>cqlsh</a:t>
-            </a:r>
-          </a:p>
-          <a:p>
-            <a:pPr algn="ctr">
-              <a:lnSpc>
-                <a:spcPct val="100000"/>
-              </a:lnSpc>
-            </a:pPr>
-            <a:endParaRPr lang="en-IN" sz="5400" b="0" strike="noStrike" spc="-1" dirty="0">
-              <a:latin typeface="Arial"/>
-            </a:endParaRPr>
-          </a:p>
-        </p:txBody>
-      </p:sp>
-      <p:sp>
-        <p:nvSpPr>
-          <p:cNvPr id="97" name="CustomShape 2"/>
-          <p:cNvSpPr/>
-          <p:nvPr/>
-        </p:nvSpPr>
-        <p:spPr>
-          <a:xfrm>
-            <a:off x="522360" y="3531600"/>
-            <a:ext cx="11124360" cy="644877"/>
-          </a:xfrm>
-          <a:prstGeom prst="rect">
-            <a:avLst/>
-          </a:prstGeom>
-          <a:noFill/>
-          <a:ln>
-            <a:noFill/>
-          </a:ln>
-        </p:spPr>
-        <p:style>
-          <a:lnRef idx="0">
-            <a:scrgbClr r="0" g="0" b="0"/>
-          </a:lnRef>
-          <a:fillRef idx="0">
-            <a:scrgbClr r="0" g="0" b="0"/>
-          </a:fillRef>
-          <a:effectRef idx="0">
-            <a:scrgbClr r="0" g="0" b="0"/>
-          </a:effectRef>
-          <a:fontRef idx="minor"/>
-        </p:style>
-        <p:txBody>
-          <a:bodyPr lIns="90000" tIns="45000" rIns="90000" bIns="45000">
-            <a:spAutoFit/>
-          </a:bodyPr>
-          <a:lstStyle/>
-          <a:p>
-            <a:pPr algn="just">
-              <a:lnSpc>
-                <a:spcPct val="100000"/>
-              </a:lnSpc>
-            </a:pPr>
-            <a:r>
-              <a:rPr lang="en-US" spc="-1" dirty="0">
-                <a:solidFill>
-                  <a:srgbClr val="BB0643"/>
-                </a:solidFill>
-                <a:latin typeface="Segoe UI"/>
-              </a:rPr>
-              <a:t>Cassandra Query Language Shell (CQLSH) is basically a communication medium between Cassandra and the user.</a:t>
-            </a:r>
-            <a:endParaRPr lang="en-IN" spc="-1" dirty="0">
-              <a:solidFill>
-                <a:srgbClr val="BB0643"/>
-              </a:solidFill>
-              <a:latin typeface="Segoe UI"/>
-            </a:endParaRPr>
-          </a:p>
-        </p:txBody>
-      </p:sp>
-    </p:spTree>
-  </p:cSld>
-  <p:clrMapOvr>
-    <a:masterClrMapping/>
-  </p:clrMapOvr>
-</p:sld>
-</file>
-
-<file path=ppt/slides/slide30.xml><?xml version="1.0" encoding="utf-8"?>
+<file path=ppt/slides/slide31.xml><?xml version="1.0" encoding="utf-8"?>
 <p:sld xmlns:a="http://schemas.openxmlformats.org/drawingml/2006/main" xmlns:r="http://schemas.openxmlformats.org/officeDocument/2006/relationships" xmlns:p="http://schemas.openxmlformats.org/presentationml/2006/main">
   <p:cSld>
     <p:spTree>
@@ -15711,7 +16421,7 @@
         <p:spPr>
           <a:xfrm>
             <a:off x="246600" y="2030040"/>
-            <a:ext cx="11687400" cy="367878"/>
+            <a:ext cx="11687400" cy="460211"/>
           </a:xfrm>
           <a:prstGeom prst="rect">
             <a:avLst/>
@@ -15744,41 +16454,41 @@
                 <a:latin typeface="Source Code Pro" panose="020B0509030403020204" pitchFamily="49" charset="0"/>
                 <a:ea typeface="Source Code Pro" panose="020B0509030403020204" pitchFamily="49" charset="0"/>
               </a:rPr>
-              <a:t>collection_type::= </a:t>
-            </a:r>
-            <a:r>
-              <a:rPr lang="en-US" spc="-1" dirty="0">
-                <a:solidFill>
-                  <a:srgbClr val="2B8208"/>
-                </a:solidFill>
-                <a:latin typeface="Source Code Pro" panose="020B0509030403020204" pitchFamily="49" charset="0"/>
-                <a:ea typeface="Source Code Pro" panose="020B0509030403020204" pitchFamily="49" charset="0"/>
-              </a:rPr>
-              <a:t>SET</a:t>
-            </a:r>
-            <a:r>
-              <a:rPr lang="en-US" spc="-1" dirty="0">
-                <a:latin typeface="Source Code Pro" panose="020B0509030403020204" pitchFamily="49" charset="0"/>
-                <a:ea typeface="Source Code Pro" panose="020B0509030403020204" pitchFamily="49" charset="0"/>
-              </a:rPr>
-              <a:t> &lt; </a:t>
-            </a:r>
-            <a:r>
-              <a:rPr lang="en-US" spc="-1" dirty="0">
-                <a:solidFill>
-                  <a:srgbClr val="FD8603"/>
-                </a:solidFill>
-                <a:latin typeface="Source Code Pro" panose="020B0509030403020204" pitchFamily="49" charset="0"/>
-                <a:ea typeface="Source Code Pro" panose="020B0509030403020204" pitchFamily="49" charset="0"/>
-              </a:rPr>
-              <a:t>cql_type</a:t>
-            </a:r>
-            <a:r>
-              <a:rPr lang="en-US" spc="-1" dirty="0">
-                <a:latin typeface="Source Code Pro" panose="020B0509030403020204" pitchFamily="49" charset="0"/>
-                <a:ea typeface="Source Code Pro" panose="020B0509030403020204" pitchFamily="49" charset="0"/>
-              </a:rPr>
-              <a:t> &gt;</a:t>
+              <a:t>set_name = set_name </a:t>
+            </a:r>
+            <a:r>
+              <a:rPr lang="en-US" sz="2400" spc="-1" dirty="0">
+                <a:solidFill>
+                  <a:srgbClr val="7E007E"/>
+                </a:solidFill>
+                <a:latin typeface="Source Code Pro" panose="020B0509030403020204" pitchFamily="49" charset="0"/>
+                <a:ea typeface="Source Code Pro" panose="020B0509030403020204" pitchFamily="49" charset="0"/>
+              </a:rPr>
+              <a:t>+</a:t>
+            </a:r>
+            <a:r>
+              <a:rPr lang="en-US" spc="-1" dirty="0">
+                <a:latin typeface="Source Code Pro" panose="020B0509030403020204" pitchFamily="49" charset="0"/>
+                <a:ea typeface="Source Code Pro" panose="020B0509030403020204" pitchFamily="49" charset="0"/>
+              </a:rPr>
+              <a:t> | </a:t>
+            </a:r>
+            <a:r>
+              <a:rPr lang="en-US" sz="2400" spc="-1" dirty="0">
+                <a:solidFill>
+                  <a:srgbClr val="7E007E"/>
+                </a:solidFill>
+                <a:latin typeface="Source Code Pro" panose="020B0509030403020204" pitchFamily="49" charset="0"/>
+                <a:ea typeface="Source Code Pro" panose="020B0509030403020204" pitchFamily="49" charset="0"/>
+              </a:rPr>
+              <a:t>-</a:t>
+            </a:r>
+            <a:r>
+              <a:rPr lang="en-US" spc="-1" dirty="0">
+                <a:latin typeface="Source Code Pro" panose="020B0509030403020204" pitchFamily="49" charset="0"/>
+                <a:ea typeface="Source Code Pro" panose="020B0509030403020204" pitchFamily="49" charset="0"/>
+              </a:rPr>
+              <a:t> { ['set_item'] }</a:t>
             </a:r>
             <a:endParaRPr lang="en-IN" sz="400" spc="-1" dirty="0">
               <a:latin typeface="Source Code Pro" panose="020B0509030403020204" pitchFamily="49" charset="0"/>
@@ -15802,7 +16512,7 @@
         <p:spPr>
           <a:xfrm>
             <a:off x="262558" y="4870800"/>
-            <a:ext cx="11594082" cy="1908215"/>
+            <a:ext cx="11594082" cy="1785104"/>
           </a:xfrm>
           <a:prstGeom prst="rect">
             <a:avLst/>
@@ -15906,7 +16616,7 @@
               <a:buFont typeface="Arial" panose="020B0604020202020204" pitchFamily="34" charset="0"/>
               <a:buChar char="•"/>
             </a:pPr>
-            <a:endParaRPr lang="en-US" sz="800" dirty="0">
+            <a:endParaRPr lang="en-US" sz="400" dirty="0">
               <a:solidFill>
                 <a:schemeClr val="tx1">
                   <a:lumMod val="95000"/>
@@ -15978,7 +16688,7 @@
               <a:buFont typeface="Arial" panose="020B0604020202020204" pitchFamily="34" charset="0"/>
               <a:buChar char="•"/>
             </a:pPr>
-            <a:endParaRPr lang="en-US" sz="800" dirty="0">
+            <a:endParaRPr lang="en-US" sz="400" dirty="0">
               <a:solidFill>
                 <a:schemeClr val="tx1">
                   <a:lumMod val="95000"/>
@@ -16070,7 +16780,7 @@
         </p:nvSpPr>
         <p:spPr>
           <a:xfrm>
-            <a:off x="246600" y="2700000"/>
+            <a:off x="246600" y="3150000"/>
             <a:ext cx="11687400" cy="1168097"/>
           </a:xfrm>
           <a:prstGeom prst="rect">
@@ -16521,7 +17231,7 @@
 </p:sld>
 </file>
 
-<file path=ppt/slides/slide31.xml><?xml version="1.0" encoding="utf-8"?>
+<file path=ppt/slides/slide32.xml><?xml version="1.0" encoding="utf-8"?>
 <p:sld xmlns:a="http://schemas.openxmlformats.org/drawingml/2006/main" xmlns:r="http://schemas.openxmlformats.org/officeDocument/2006/relationships" xmlns:p="http://schemas.openxmlformats.org/presentationml/2006/main">
   <p:cSld>
     <p:spTree>
@@ -17480,7 +18190,7 @@
 </p:sld>
 </file>
 
-<file path=ppt/slides/slide32.xml><?xml version="1.0" encoding="utf-8"?>
+<file path=ppt/slides/slide33.xml><?xml version="1.0" encoding="utf-8"?>
 <p:sld xmlns:a="http://schemas.openxmlformats.org/drawingml/2006/main" xmlns:r="http://schemas.openxmlformats.org/officeDocument/2006/relationships" xmlns:p="http://schemas.openxmlformats.org/presentationml/2006/main">
   <p:cSld>
     <p:spTree>
@@ -17672,7 +18382,7 @@
         <p:spPr>
           <a:xfrm>
             <a:off x="262558" y="4870800"/>
-            <a:ext cx="11594082" cy="1908215"/>
+            <a:ext cx="11594082" cy="1785104"/>
           </a:xfrm>
           <a:prstGeom prst="rect">
             <a:avLst/>
@@ -17763,7 +18473,7 @@
               <a:buFont typeface="Arial" panose="020B0604020202020204" pitchFamily="34" charset="0"/>
               <a:buChar char="•"/>
             </a:pPr>
-            <a:endParaRPr lang="en-US" sz="800" dirty="0">
+            <a:endParaRPr lang="en-US" sz="400" dirty="0">
               <a:solidFill>
                 <a:schemeClr val="tx1">
                   <a:lumMod val="95000"/>
@@ -17835,7 +18545,7 @@
               <a:buFont typeface="Arial" panose="020B0604020202020204" pitchFamily="34" charset="0"/>
               <a:buChar char="•"/>
             </a:pPr>
-            <a:endParaRPr lang="en-US" sz="800" dirty="0">
+            <a:endParaRPr lang="en-US" sz="400" dirty="0">
               <a:solidFill>
                 <a:schemeClr val="tx1">
                   <a:lumMod val="95000"/>
@@ -17927,7 +18637,7 @@
         </p:nvSpPr>
         <p:spPr>
           <a:xfrm>
-            <a:off x="246600" y="2700000"/>
+            <a:off x="246600" y="3150000"/>
             <a:ext cx="11687400" cy="1168097"/>
           </a:xfrm>
           <a:prstGeom prst="rect">
@@ -18041,21 +18751,7 @@
                 <a:latin typeface="Consolas" panose="020B0609020204030204" pitchFamily="49" charset="0"/>
                 <a:ea typeface="SimSun"/>
               </a:rPr>
-              <a:t> '</a:t>
-            </a:r>
-            <a:r>
-              <a:rPr lang="en-US" spc="-1" dirty="0" err="1">
-                <a:latin typeface="Consolas" panose="020B0609020204030204" pitchFamily="49" charset="0"/>
-                <a:ea typeface="SimSun"/>
-              </a:rPr>
-              <a:t>zzz</a:t>
-            </a:r>
-            <a:r>
-              <a:rPr lang="en-US" spc="-1" dirty="0">
-                <a:latin typeface="Consolas" panose="020B0609020204030204" pitchFamily="49" charset="0"/>
-                <a:ea typeface="SimSun"/>
-              </a:rPr>
-              <a:t>' </a:t>
+              <a:t> 'ABC publisher' </a:t>
             </a:r>
             <a:r>
               <a:rPr lang="en-US" spc="-1" dirty="0">
@@ -18185,28 +18881,14 @@
                 <a:latin typeface="Consolas" panose="020B0609020204030204" pitchFamily="49" charset="0"/>
                 <a:ea typeface="SimSun"/>
               </a:rPr>
-              <a:t>[</a:t>
+              <a:t>[ </a:t>
             </a:r>
             <a:r>
               <a:rPr lang="en-US" spc="-1" dirty="0">
                 <a:latin typeface="Consolas" panose="020B0609020204030204" pitchFamily="49" charset="0"/>
                 <a:ea typeface="SimSun"/>
               </a:rPr>
-              <a:t> '</a:t>
-            </a:r>
-            <a:r>
-              <a:rPr lang="en-US" spc="-1" dirty="0" err="1">
-                <a:latin typeface="Consolas" panose="020B0609020204030204" pitchFamily="49" charset="0"/>
-                <a:ea typeface="SimSun"/>
-              </a:rPr>
-              <a:t>zzz</a:t>
-            </a:r>
-            <a:r>
-              <a:rPr lang="en-US" spc="-1" dirty="0">
-                <a:latin typeface="Consolas" panose="020B0609020204030204" pitchFamily="49" charset="0"/>
-                <a:ea typeface="SimSun"/>
-              </a:rPr>
-              <a:t>' </a:t>
+              <a:t>'ABC publisher' </a:t>
             </a:r>
             <a:r>
               <a:rPr lang="en-US" spc="-1" dirty="0">
@@ -18241,7 +18923,7 @@
                 <a:latin typeface="Consolas" panose="020B0609020204030204" pitchFamily="49" charset="0"/>
                 <a:ea typeface="SimSun"/>
               </a:rPr>
-              <a:t> id=2;</a:t>
+              <a:t> id = 2;</a:t>
             </a:r>
           </a:p>
           <a:p>
@@ -18323,7 +19005,7 @@
                 <a:latin typeface="Consolas" panose="020B0609020204030204" pitchFamily="49" charset="0"/>
                 <a:ea typeface="SimSun"/>
               </a:rPr>
-              <a:t> = 'abc' </a:t>
+              <a:t> = 'ABC publisher' </a:t>
             </a:r>
             <a:r>
               <a:rPr lang="en-US" dirty="0">
@@ -18339,7 +19021,7 @@
                 <a:latin typeface="Consolas" panose="020B0609020204030204" pitchFamily="49" charset="0"/>
                 <a:ea typeface="SimSun"/>
               </a:rPr>
-              <a:t> id=2;</a:t>
+              <a:t> id = 2;</a:t>
             </a:r>
             <a:endParaRPr lang="en-IN" spc="-1" dirty="0">
               <a:latin typeface="Consolas" panose="020B0609020204030204" pitchFamily="49" charset="0"/>
@@ -18363,7 +19045,7 @@
         <p:spPr>
           <a:xfrm>
             <a:off x="246600" y="2030040"/>
-            <a:ext cx="11687400" cy="367878"/>
+            <a:ext cx="11687400" cy="737210"/>
           </a:xfrm>
           <a:prstGeom prst="rect">
             <a:avLst/>
@@ -18396,41 +19078,50 @@
                 <a:latin typeface="Source Code Pro" panose="020B0509030403020204" pitchFamily="49" charset="0"/>
                 <a:ea typeface="Source Code Pro" panose="020B0509030403020204" pitchFamily="49" charset="0"/>
               </a:rPr>
-              <a:t>collection_type::= </a:t>
-            </a:r>
-            <a:r>
-              <a:rPr lang="en-US" spc="-1" dirty="0">
-                <a:solidFill>
-                  <a:srgbClr val="2B8208"/>
-                </a:solidFill>
-                <a:latin typeface="Source Code Pro" panose="020B0509030403020204" pitchFamily="49" charset="0"/>
-                <a:ea typeface="Source Code Pro" panose="020B0509030403020204" pitchFamily="49" charset="0"/>
-              </a:rPr>
-              <a:t>LIST</a:t>
-            </a:r>
-            <a:r>
-              <a:rPr lang="en-US" spc="-1" dirty="0">
-                <a:latin typeface="Source Code Pro" panose="020B0509030403020204" pitchFamily="49" charset="0"/>
-                <a:ea typeface="Source Code Pro" panose="020B0509030403020204" pitchFamily="49" charset="0"/>
-              </a:rPr>
-              <a:t> &lt; </a:t>
-            </a:r>
-            <a:r>
-              <a:rPr lang="en-US" spc="-1" dirty="0">
-                <a:solidFill>
-                  <a:srgbClr val="FD8603"/>
-                </a:solidFill>
-                <a:latin typeface="Source Code Pro" panose="020B0509030403020204" pitchFamily="49" charset="0"/>
-                <a:ea typeface="Source Code Pro" panose="020B0509030403020204" pitchFamily="49" charset="0"/>
-              </a:rPr>
-              <a:t>cql_type </a:t>
-            </a:r>
-            <a:r>
-              <a:rPr lang="en-US" spc="-1" dirty="0">
-                <a:latin typeface="Source Code Pro" panose="020B0509030403020204" pitchFamily="49" charset="0"/>
-                <a:ea typeface="Source Code Pro" panose="020B0509030403020204" pitchFamily="49" charset="0"/>
-              </a:rPr>
-              <a:t>&gt;</a:t>
+              <a:t>list_name = ['list_item' [, 'list_item'] . . . ]</a:t>
+            </a:r>
+          </a:p>
+          <a:p>
+            <a:r>
+              <a:rPr lang="en-US" spc="-1" dirty="0">
+                <a:latin typeface="Source Code Pro" panose="020B0509030403020204" pitchFamily="49" charset="0"/>
+                <a:ea typeface="Source Code Pro" panose="020B0509030403020204" pitchFamily="49" charset="0"/>
+              </a:rPr>
+              <a:t>            | list_name = list_name </a:t>
+            </a:r>
+            <a:r>
+              <a:rPr lang="en-US" sz="2400" spc="-1" dirty="0">
+                <a:solidFill>
+                  <a:srgbClr val="7E007E"/>
+                </a:solidFill>
+                <a:latin typeface="Source Code Pro" panose="020B0509030403020204" pitchFamily="49" charset="0"/>
+                <a:ea typeface="Source Code Pro" panose="020B0509030403020204" pitchFamily="49" charset="0"/>
+              </a:rPr>
+              <a:t>+</a:t>
+            </a:r>
+            <a:r>
+              <a:rPr lang="en-US" spc="-1" dirty="0">
+                <a:latin typeface="Source Code Pro" panose="020B0509030403020204" pitchFamily="49" charset="0"/>
+                <a:ea typeface="Source Code Pro" panose="020B0509030403020204" pitchFamily="49" charset="0"/>
+              </a:rPr>
+              <a:t> | </a:t>
+            </a:r>
+            <a:r>
+              <a:rPr lang="en-US" sz="2400" spc="-1" dirty="0">
+                <a:solidFill>
+                  <a:srgbClr val="7E007E"/>
+                </a:solidFill>
+                <a:latin typeface="Source Code Pro" panose="020B0509030403020204" pitchFamily="49" charset="0"/>
+                <a:ea typeface="Source Code Pro" panose="020B0509030403020204" pitchFamily="49" charset="0"/>
+              </a:rPr>
+              <a:t>-</a:t>
+            </a:r>
+            <a:r>
+              <a:rPr lang="en-US" spc="-1" dirty="0">
+                <a:latin typeface="Source Code Pro" panose="020B0509030403020204" pitchFamily="49" charset="0"/>
+                <a:ea typeface="Source Code Pro" panose="020B0509030403020204" pitchFamily="49" charset="0"/>
+              </a:rPr>
+              <a:t> ['list_item' [, 'list_item'] . . . ]</a:t>
             </a:r>
             <a:endParaRPr lang="en-IN" sz="400" spc="-1" dirty="0">
               <a:latin typeface="Source Code Pro" panose="020B0509030403020204" pitchFamily="49" charset="0"/>
@@ -18452,7 +19143,7 @@
 </p:sld>
 </file>
 
-<file path=ppt/slides/slide33.xml><?xml version="1.0" encoding="utf-8"?>
+<file path=ppt/slides/slide34.xml><?xml version="1.0" encoding="utf-8"?>
 <p:sld xmlns:a="http://schemas.openxmlformats.org/drawingml/2006/main" xmlns:r="http://schemas.openxmlformats.org/officeDocument/2006/relationships" xmlns:p="http://schemas.openxmlformats.org/presentationml/2006/main">
   <p:cSld>
     <p:spTree>
@@ -18601,7 +19292,7 @@
 </p:sld>
 </file>
 
-<file path=ppt/slides/slide34.xml><?xml version="1.0" encoding="utf-8"?>
+<file path=ppt/slides/slide35.xml><?xml version="1.0" encoding="utf-8"?>
 <p:sld xmlns:a="http://schemas.openxmlformats.org/drawingml/2006/main" xmlns:r="http://schemas.openxmlformats.org/officeDocument/2006/relationships" xmlns:p="http://schemas.openxmlformats.org/presentationml/2006/main">
   <p:cSld>
     <p:spTree>
@@ -19570,7 +20261,7 @@
 </p:sld>
 </file>
 
-<file path=ppt/slides/slide35.xml><?xml version="1.0" encoding="utf-8"?>
+<file path=ppt/slides/slide36.xml><?xml version="1.0" encoding="utf-8"?>
 <p:sld xmlns:a="http://schemas.openxmlformats.org/drawingml/2006/main" xmlns:r="http://schemas.openxmlformats.org/officeDocument/2006/relationships" xmlns:p="http://schemas.openxmlformats.org/presentationml/2006/main">
   <p:cSld>
     <p:spTree>
@@ -20353,7 +21044,405 @@
 </p:sld>
 </file>
 
-<file path=ppt/slides/slide36.xml><?xml version="1.0" encoding="utf-8"?>
+<file path=ppt/slides/slide37.xml><?xml version="1.0" encoding="utf-8"?>
+<p:sld xmlns:a="http://schemas.openxmlformats.org/drawingml/2006/main" xmlns:r="http://schemas.openxmlformats.org/officeDocument/2006/relationships" xmlns:p="http://schemas.openxmlformats.org/presentationml/2006/main">
+  <p:cSld>
+    <p:spTree>
+      <p:nvGrpSpPr>
+        <p:cNvPr id="1" name=""/>
+        <p:cNvGrpSpPr/>
+        <p:nvPr/>
+      </p:nvGrpSpPr>
+      <p:grpSpPr>
+        <a:xfrm>
+          <a:off x="0" y="0"/>
+          <a:ext cx="0" cy="0"/>
+          <a:chOff x="0" y="0"/>
+          <a:chExt cx="0" cy="0"/>
+        </a:xfrm>
+      </p:grpSpPr>
+      <p:sp>
+        <p:nvSpPr>
+          <p:cNvPr id="7" name="CustomShape 4">
+            <a:extLst>
+              <a:ext uri="{FF2B5EF4-FFF2-40B4-BE49-F238E27FC236}">
+                <a16:creationId xmlns:a16="http://schemas.microsoft.com/office/drawing/2014/main" id="{AC1F4ECD-A5A0-4EFE-8E62-53EF8AAE26B8}"/>
+              </a:ext>
+            </a:extLst>
+          </p:cNvPr>
+          <p:cNvSpPr/>
+          <p:nvPr/>
+        </p:nvSpPr>
+        <p:spPr>
+          <a:xfrm>
+            <a:off x="246600" y="0"/>
+            <a:ext cx="11687400" cy="706432"/>
+          </a:xfrm>
+          <a:prstGeom prst="rect">
+            <a:avLst/>
+          </a:prstGeom>
+          <a:solidFill>
+            <a:srgbClr val="C00000"/>
+          </a:solidFill>
+          <a:ln>
+            <a:noFill/>
+          </a:ln>
+        </p:spPr>
+        <p:style>
+          <a:lnRef idx="0">
+            <a:scrgbClr r="0" g="0" b="0"/>
+          </a:lnRef>
+          <a:fillRef idx="0">
+            <a:scrgbClr r="0" g="0" b="0"/>
+          </a:fillRef>
+          <a:effectRef idx="0">
+            <a:scrgbClr r="0" g="0" b="0"/>
+          </a:effectRef>
+          <a:fontRef idx="minor"/>
+        </p:style>
+        <p:txBody>
+          <a:bodyPr lIns="90000" tIns="45000" rIns="90000" bIns="45000">
+            <a:spAutoFit/>
+          </a:bodyPr>
+          <a:lstStyle/>
+          <a:p>
+            <a:pPr algn="ctr">
+              <a:lnSpc>
+                <a:spcPct val="100000"/>
+              </a:lnSpc>
+            </a:pPr>
+            <a:r>
+              <a:rPr lang="en-IN" sz="4000" b="0" strike="noStrike" spc="-1" dirty="0">
+                <a:solidFill>
+                  <a:srgbClr val="F7C120"/>
+                </a:solidFill>
+                <a:latin typeface="Open Sans"/>
+                <a:ea typeface="DejaVu Sans"/>
+              </a:rPr>
+              <a:t>user defined datatype – UPDATE</a:t>
+            </a:r>
+            <a:endParaRPr lang="en-IN" sz="4000" b="0" strike="noStrike" spc="-1" dirty="0">
+              <a:latin typeface="Arial"/>
+            </a:endParaRPr>
+          </a:p>
+        </p:txBody>
+      </p:sp>
+      <p:sp>
+        <p:nvSpPr>
+          <p:cNvPr id="9" name="CustomShape 1">
+            <a:extLst>
+              <a:ext uri="{FF2B5EF4-FFF2-40B4-BE49-F238E27FC236}">
+                <a16:creationId xmlns:a16="http://schemas.microsoft.com/office/drawing/2014/main" id="{BDFD7540-71E5-4580-B408-0238083AF10D}"/>
+              </a:ext>
+            </a:extLst>
+          </p:cNvPr>
+          <p:cNvSpPr/>
+          <p:nvPr/>
+        </p:nvSpPr>
+        <p:spPr>
+          <a:xfrm>
+            <a:off x="246600" y="762120"/>
+            <a:ext cx="11687400" cy="367878"/>
+          </a:xfrm>
+          <a:prstGeom prst="rect">
+            <a:avLst/>
+          </a:prstGeom>
+          <a:noFill/>
+          <a:ln>
+            <a:noFill/>
+          </a:ln>
+        </p:spPr>
+        <p:style>
+          <a:lnRef idx="0">
+            <a:scrgbClr r="0" g="0" b="0"/>
+          </a:lnRef>
+          <a:fillRef idx="0">
+            <a:scrgbClr r="0" g="0" b="0"/>
+          </a:fillRef>
+          <a:effectRef idx="0">
+            <a:scrgbClr r="0" g="0" b="0"/>
+          </a:effectRef>
+          <a:fontRef idx="minor"/>
+        </p:style>
+        <p:txBody>
+          <a:bodyPr lIns="90000" tIns="45000" rIns="90000" bIns="45000">
+            <a:spAutoFit/>
+          </a:bodyPr>
+          <a:lstStyle/>
+          <a:p>
+            <a:pPr algn="just"/>
+            <a:r>
+              <a:rPr lang="en-US" spc="-1" dirty="0">
+                <a:latin typeface="Arial"/>
+              </a:rPr>
+              <a:t>TODO.</a:t>
+            </a:r>
+          </a:p>
+        </p:txBody>
+      </p:sp>
+      <p:sp>
+        <p:nvSpPr>
+          <p:cNvPr id="10" name="Line 5">
+            <a:extLst>
+              <a:ext uri="{FF2B5EF4-FFF2-40B4-BE49-F238E27FC236}">
+                <a16:creationId xmlns:a16="http://schemas.microsoft.com/office/drawing/2014/main" id="{9195D559-2BA8-4321-B3CF-CB7E0100E287}"/>
+              </a:ext>
+            </a:extLst>
+          </p:cNvPr>
+          <p:cNvSpPr/>
+          <p:nvPr/>
+        </p:nvSpPr>
+        <p:spPr>
+          <a:xfrm>
+            <a:off x="0" y="1536120"/>
+            <a:ext cx="12191760" cy="0"/>
+          </a:xfrm>
+          <a:prstGeom prst="line">
+            <a:avLst/>
+          </a:prstGeom>
+          <a:ln w="12600">
+            <a:solidFill>
+              <a:srgbClr val="6E78A0"/>
+            </a:solidFill>
+            <a:prstDash val="dash"/>
+            <a:round/>
+          </a:ln>
+        </p:spPr>
+        <p:style>
+          <a:lnRef idx="1">
+            <a:schemeClr val="accent1"/>
+          </a:lnRef>
+          <a:fillRef idx="0">
+            <a:schemeClr val="accent1"/>
+          </a:fillRef>
+          <a:effectRef idx="0">
+            <a:schemeClr val="accent1"/>
+          </a:effectRef>
+          <a:fontRef idx="minor"/>
+        </p:style>
+      </p:sp>
+      <p:sp>
+        <p:nvSpPr>
+          <p:cNvPr id="18" name="CustomShape 2">
+            <a:extLst>
+              <a:ext uri="{FF2B5EF4-FFF2-40B4-BE49-F238E27FC236}">
+                <a16:creationId xmlns:a16="http://schemas.microsoft.com/office/drawing/2014/main" id="{643BF468-D44A-4018-A859-FDBE2A875E73}"/>
+              </a:ext>
+            </a:extLst>
+          </p:cNvPr>
+          <p:cNvSpPr/>
+          <p:nvPr/>
+        </p:nvSpPr>
+        <p:spPr>
+          <a:xfrm>
+            <a:off x="246600" y="2700000"/>
+            <a:ext cx="11687400" cy="367878"/>
+          </a:xfrm>
+          <a:prstGeom prst="rect">
+            <a:avLst/>
+          </a:prstGeom>
+          <a:noFill/>
+          <a:ln>
+            <a:noFill/>
+          </a:ln>
+        </p:spPr>
+        <p:style>
+          <a:lnRef idx="0">
+            <a:scrgbClr r="0" g="0" b="0"/>
+          </a:lnRef>
+          <a:fillRef idx="0">
+            <a:scrgbClr r="0" g="0" b="0"/>
+          </a:fillRef>
+          <a:effectRef idx="0">
+            <a:scrgbClr r="0" g="0" b="0"/>
+          </a:effectRef>
+          <a:fontRef idx="minor"/>
+        </p:style>
+        <p:txBody>
+          <a:bodyPr wrap="square" lIns="90000" tIns="45000" rIns="90000" bIns="45000">
+            <a:spAutoFit/>
+          </a:bodyPr>
+          <a:lstStyle/>
+          <a:p>
+            <a:pPr marL="309510" indent="-285750">
+              <a:buClr>
+                <a:srgbClr val="808080"/>
+              </a:buClr>
+              <a:buFont typeface="Arial" panose="020B0604020202020204" pitchFamily="34" charset="0"/>
+              <a:buChar char="•"/>
+            </a:pPr>
+            <a:r>
+              <a:rPr lang="en-IN" sz="1800" b="0" strike="noStrike" spc="-1" dirty="0">
+                <a:solidFill>
+                  <a:schemeClr val="bg1">
+                    <a:lumMod val="50000"/>
+                  </a:schemeClr>
+                </a:solidFill>
+                <a:latin typeface="Consolas" panose="020B0609020204030204" pitchFamily="49" charset="0"/>
+                <a:ea typeface="SimSun"/>
+              </a:rPr>
+              <a:t>cqlsh:db1&gt; </a:t>
+            </a:r>
+            <a:r>
+              <a:rPr lang="en-US" dirty="0">
+                <a:solidFill>
+                  <a:srgbClr val="0070C0"/>
+                </a:solidFill>
+                <a:latin typeface="Consolas" panose="020B0609020204030204" pitchFamily="49" charset="0"/>
+              </a:rPr>
+              <a:t>UPDATE</a:t>
+            </a:r>
+            <a:r>
+              <a:rPr lang="en-US" spc="-1" dirty="0">
+                <a:latin typeface="Consolas" panose="020B0609020204030204" pitchFamily="49" charset="0"/>
+                <a:ea typeface="SimSun"/>
+              </a:rPr>
+              <a:t> books </a:t>
+            </a:r>
+            <a:r>
+              <a:rPr lang="en-US" dirty="0">
+                <a:solidFill>
+                  <a:srgbClr val="F63122"/>
+                </a:solidFill>
+                <a:latin typeface="Consolas" panose="020B0609020204030204" pitchFamily="49" charset="0"/>
+              </a:rPr>
+              <a:t>SET</a:t>
+            </a:r>
+            <a:r>
+              <a:rPr lang="en-US" spc="-1" dirty="0">
+                <a:latin typeface="Consolas" panose="020B0609020204030204" pitchFamily="49" charset="0"/>
+                <a:ea typeface="SimSun"/>
+              </a:rPr>
+              <a:t> addess.city = 'Baroda' </a:t>
+            </a:r>
+            <a:r>
+              <a:rPr lang="en-US" dirty="0">
+                <a:solidFill>
+                  <a:srgbClr val="0070C0"/>
+                </a:solidFill>
+                <a:latin typeface="Consolas" panose="020B0609020204030204" pitchFamily="49" charset="0"/>
+              </a:rPr>
+              <a:t>WHERE</a:t>
+            </a:r>
+            <a:r>
+              <a:rPr lang="en-US" spc="-1" dirty="0">
+                <a:latin typeface="Consolas" panose="020B0609020204030204" pitchFamily="49" charset="0"/>
+                <a:ea typeface="SimSun"/>
+              </a:rPr>
+              <a:t> id = 1;</a:t>
+            </a:r>
+            <a:endParaRPr lang="en-IN" spc="-1" dirty="0">
+              <a:latin typeface="Consolas" panose="020B0609020204030204" pitchFamily="49" charset="0"/>
+              <a:ea typeface="SimSun"/>
+            </a:endParaRPr>
+          </a:p>
+        </p:txBody>
+      </p:sp>
+      <p:sp>
+        <p:nvSpPr>
+          <p:cNvPr id="11" name="CustomShape 6">
+            <a:extLst>
+              <a:ext uri="{FF2B5EF4-FFF2-40B4-BE49-F238E27FC236}">
+                <a16:creationId xmlns:a16="http://schemas.microsoft.com/office/drawing/2014/main" id="{A9AB6D0E-B438-49CD-80E5-C98E8F47E644}"/>
+              </a:ext>
+            </a:extLst>
+          </p:cNvPr>
+          <p:cNvSpPr/>
+          <p:nvPr/>
+        </p:nvSpPr>
+        <p:spPr>
+          <a:xfrm>
+            <a:off x="246600" y="2030040"/>
+            <a:ext cx="11687400" cy="367878"/>
+          </a:xfrm>
+          <a:prstGeom prst="rect">
+            <a:avLst/>
+          </a:prstGeom>
+          <a:noFill/>
+          <a:ln>
+            <a:noFill/>
+          </a:ln>
+        </p:spPr>
+        <p:style>
+          <a:lnRef idx="0">
+            <a:scrgbClr r="0" g="0" b="0"/>
+          </a:lnRef>
+          <a:fillRef idx="0">
+            <a:scrgbClr r="0" g="0" b="0"/>
+          </a:fillRef>
+          <a:effectRef idx="0">
+            <a:scrgbClr r="0" g="0" b="0"/>
+          </a:effectRef>
+          <a:fontRef idx="minor"/>
+        </p:style>
+        <p:txBody>
+          <a:bodyPr lIns="90000" tIns="45000" rIns="90000" bIns="45000">
+            <a:spAutoFit/>
+          </a:bodyPr>
+          <a:lstStyle/>
+          <a:p>
+            <a:r>
+              <a:rPr lang="en-US" spc="-1" dirty="0">
+                <a:latin typeface="Source Code Pro" panose="020B0509030403020204" pitchFamily="49" charset="0"/>
+                <a:ea typeface="Source Code Pro" panose="020B0509030403020204" pitchFamily="49" charset="0"/>
+              </a:rPr>
+              <a:t>collection_type::= </a:t>
+            </a:r>
+            <a:r>
+              <a:rPr lang="en-US" spc="-1" dirty="0">
+                <a:solidFill>
+                  <a:srgbClr val="2B8208"/>
+                </a:solidFill>
+                <a:latin typeface="Source Code Pro" panose="020B0509030403020204" pitchFamily="49" charset="0"/>
+                <a:ea typeface="Source Code Pro" panose="020B0509030403020204" pitchFamily="49" charset="0"/>
+              </a:rPr>
+              <a:t>LIST</a:t>
+            </a:r>
+            <a:r>
+              <a:rPr lang="en-US" spc="-1" dirty="0">
+                <a:latin typeface="Source Code Pro" panose="020B0509030403020204" pitchFamily="49" charset="0"/>
+                <a:ea typeface="Source Code Pro" panose="020B0509030403020204" pitchFamily="49" charset="0"/>
+              </a:rPr>
+              <a:t> &lt; </a:t>
+            </a:r>
+            <a:r>
+              <a:rPr lang="en-US" spc="-1" dirty="0">
+                <a:solidFill>
+                  <a:srgbClr val="FD8603"/>
+                </a:solidFill>
+                <a:latin typeface="Source Code Pro" panose="020B0509030403020204" pitchFamily="49" charset="0"/>
+                <a:ea typeface="Source Code Pro" panose="020B0509030403020204" pitchFamily="49" charset="0"/>
+              </a:rPr>
+              <a:t>cql_type </a:t>
+            </a:r>
+            <a:r>
+              <a:rPr lang="en-US" spc="-1" dirty="0">
+                <a:latin typeface="Source Code Pro" panose="020B0509030403020204" pitchFamily="49" charset="0"/>
+                <a:ea typeface="Source Code Pro" panose="020B0509030403020204" pitchFamily="49" charset="0"/>
+              </a:rPr>
+              <a:t>&gt;</a:t>
+            </a:r>
+            <a:endParaRPr lang="en-IN" sz="400" spc="-1" dirty="0">
+              <a:latin typeface="Source Code Pro" panose="020B0509030403020204" pitchFamily="49" charset="0"/>
+              <a:ea typeface="Source Code Pro" panose="020B0509030403020204" pitchFamily="49" charset="0"/>
+            </a:endParaRPr>
+          </a:p>
+        </p:txBody>
+      </p:sp>
+    </p:spTree>
+    <p:extLst>
+      <p:ext uri="{BB962C8B-B14F-4D97-AF65-F5344CB8AC3E}">
+        <p14:creationId xmlns:p14="http://schemas.microsoft.com/office/powerpoint/2010/main" val="3941268458"/>
+      </p:ext>
+    </p:extLst>
+  </p:cSld>
+  <p:clrMapOvr>
+    <a:masterClrMapping/>
+  </p:clrMapOvr>
+</p:sld>
+</file>
+
+<file path=ppt/slides/slide38.xml><?xml version="1.0" encoding="utf-8"?>
 <p:sld xmlns:a="http://schemas.openxmlformats.org/drawingml/2006/main" xmlns:r="http://schemas.openxmlformats.org/officeDocument/2006/relationships" xmlns:p="http://schemas.openxmlformats.org/presentationml/2006/main">
   <p:cSld>
     <p:spTree>
@@ -20486,7 +21575,7 @@
 </p:sld>
 </file>
 
-<file path=ppt/slides/slide37.xml><?xml version="1.0" encoding="utf-8"?>
+<file path=ppt/slides/slide39.xml><?xml version="1.0" encoding="utf-8"?>
 <p:sld xmlns:a="http://schemas.openxmlformats.org/drawingml/2006/main" xmlns:r="http://schemas.openxmlformats.org/officeDocument/2006/relationships" xmlns:p="http://schemas.openxmlformats.org/presentationml/2006/main">
   <p:cSld>
     <p:spTree>
@@ -20966,871 +22055,6 @@
     <p:extLst>
       <p:ext uri="{BB962C8B-B14F-4D97-AF65-F5344CB8AC3E}">
         <p14:creationId xmlns:p14="http://schemas.microsoft.com/office/powerpoint/2010/main" val="3898858501"/>
-      </p:ext>
-    </p:extLst>
-  </p:cSld>
-  <p:clrMapOvr>
-    <a:masterClrMapping/>
-  </p:clrMapOvr>
-</p:sld>
-</file>
-
-<file path=ppt/slides/slide38.xml><?xml version="1.0" encoding="utf-8"?>
-<p:sld xmlns:a="http://schemas.openxmlformats.org/drawingml/2006/main" xmlns:r="http://schemas.openxmlformats.org/officeDocument/2006/relationships" xmlns:p="http://schemas.openxmlformats.org/presentationml/2006/main">
-  <p:cSld>
-    <p:spTree>
-      <p:nvGrpSpPr>
-        <p:cNvPr id="1" name=""/>
-        <p:cNvGrpSpPr/>
-        <p:nvPr/>
-      </p:nvGrpSpPr>
-      <p:grpSpPr>
-        <a:xfrm>
-          <a:off x="0" y="0"/>
-          <a:ext cx="0" cy="0"/>
-          <a:chOff x="0" y="0"/>
-          <a:chExt cx="0" cy="0"/>
-        </a:xfrm>
-      </p:grpSpPr>
-      <p:sp>
-        <p:nvSpPr>
-          <p:cNvPr id="109" name="CustomShape 1"/>
-          <p:cNvSpPr/>
-          <p:nvPr/>
-        </p:nvSpPr>
-        <p:spPr>
-          <a:xfrm>
-            <a:off x="1676520" y="2362320"/>
-            <a:ext cx="8815320" cy="921876"/>
-          </a:xfrm>
-          <a:prstGeom prst="rect">
-            <a:avLst/>
-          </a:prstGeom>
-          <a:noFill/>
-          <a:ln>
-            <a:noFill/>
-          </a:ln>
-        </p:spPr>
-        <p:style>
-          <a:lnRef idx="0">
-            <a:scrgbClr r="0" g="0" b="0"/>
-          </a:lnRef>
-          <a:fillRef idx="0">
-            <a:scrgbClr r="0" g="0" b="0"/>
-          </a:fillRef>
-          <a:effectRef idx="0">
-            <a:scrgbClr r="0" g="0" b="0"/>
-          </a:effectRef>
-          <a:fontRef idx="minor"/>
-        </p:style>
-        <p:txBody>
-          <a:bodyPr lIns="90000" tIns="45000" rIns="90000" bIns="45000">
-            <a:spAutoFit/>
-          </a:bodyPr>
-          <a:lstStyle/>
-          <a:p>
-            <a:pPr algn="ctr">
-              <a:lnSpc>
-                <a:spcPct val="100000"/>
-              </a:lnSpc>
-            </a:pPr>
-            <a:r>
-              <a:rPr lang="en-IN" sz="5400" i="1" spc="-1" dirty="0">
-                <a:solidFill>
-                  <a:srgbClr val="F7C120"/>
-                </a:solidFill>
-                <a:latin typeface="Century"/>
-                <a:ea typeface="DejaVu Sans"/>
-              </a:rPr>
-              <a:t>select</a:t>
-            </a:r>
-            <a:endParaRPr lang="en-IN" sz="5400" b="0" strike="noStrike" spc="-1" dirty="0">
-              <a:latin typeface="Arial"/>
-            </a:endParaRPr>
-          </a:p>
-        </p:txBody>
-      </p:sp>
-      <p:sp>
-        <p:nvSpPr>
-          <p:cNvPr id="110" name="CustomShape 2"/>
-          <p:cNvSpPr/>
-          <p:nvPr/>
-        </p:nvSpPr>
-        <p:spPr>
-          <a:xfrm>
-            <a:off x="522360" y="3531600"/>
-            <a:ext cx="11052360" cy="367878"/>
-          </a:xfrm>
-          <a:prstGeom prst="rect">
-            <a:avLst/>
-          </a:prstGeom>
-          <a:noFill/>
-          <a:ln>
-            <a:noFill/>
-          </a:ln>
-        </p:spPr>
-        <p:style>
-          <a:lnRef idx="0">
-            <a:scrgbClr r="0" g="0" b="0"/>
-          </a:lnRef>
-          <a:fillRef idx="0">
-            <a:scrgbClr r="0" g="0" b="0"/>
-          </a:fillRef>
-          <a:effectRef idx="0">
-            <a:scrgbClr r="0" g="0" b="0"/>
-          </a:effectRef>
-          <a:fontRef idx="minor"/>
-        </p:style>
-        <p:txBody>
-          <a:bodyPr lIns="90000" tIns="45000" rIns="90000" bIns="45000">
-            <a:spAutoFit/>
-          </a:bodyPr>
-          <a:lstStyle/>
-          <a:p>
-            <a:pPr algn="just">
-              <a:lnSpc>
-                <a:spcPct val="100000"/>
-              </a:lnSpc>
-            </a:pPr>
-            <a:r>
-              <a:rPr lang="en-US" sz="1800" b="0" strike="noStrike" spc="-1" dirty="0">
-                <a:solidFill>
-                  <a:srgbClr val="BB0643"/>
-                </a:solidFill>
-                <a:latin typeface="Segoe UI"/>
-                <a:ea typeface="DejaVu Sans"/>
-              </a:rPr>
-              <a:t>TODO</a:t>
-            </a:r>
-            <a:endParaRPr lang="en-IN" spc="-1" dirty="0">
-              <a:solidFill>
-                <a:srgbClr val="BB0643"/>
-              </a:solidFill>
-              <a:latin typeface="Segoe UI"/>
-            </a:endParaRPr>
-          </a:p>
-        </p:txBody>
-      </p:sp>
-    </p:spTree>
-    <p:extLst>
-      <p:ext uri="{BB962C8B-B14F-4D97-AF65-F5344CB8AC3E}">
-        <p14:creationId xmlns:p14="http://schemas.microsoft.com/office/powerpoint/2010/main" val="3720830618"/>
-      </p:ext>
-    </p:extLst>
-  </p:cSld>
-  <p:clrMapOvr>
-    <a:masterClrMapping/>
-  </p:clrMapOvr>
-</p:sld>
-</file>
-
-<file path=ppt/slides/slide39.xml><?xml version="1.0" encoding="utf-8"?>
-<p:sld xmlns:a="http://schemas.openxmlformats.org/drawingml/2006/main" xmlns:r="http://schemas.openxmlformats.org/officeDocument/2006/relationships" xmlns:p="http://schemas.openxmlformats.org/presentationml/2006/main">
-  <p:cSld>
-    <p:spTree>
-      <p:nvGrpSpPr>
-        <p:cNvPr id="1" name=""/>
-        <p:cNvGrpSpPr/>
-        <p:nvPr/>
-      </p:nvGrpSpPr>
-      <p:grpSpPr>
-        <a:xfrm>
-          <a:off x="0" y="0"/>
-          <a:ext cx="0" cy="0"/>
-          <a:chOff x="0" y="0"/>
-          <a:chExt cx="0" cy="0"/>
-        </a:xfrm>
-      </p:grpSpPr>
-      <p:sp>
-        <p:nvSpPr>
-          <p:cNvPr id="114" name="CustomShape 4"/>
-          <p:cNvSpPr/>
-          <p:nvPr/>
-        </p:nvSpPr>
-        <p:spPr>
-          <a:xfrm>
-            <a:off x="246600" y="0"/>
-            <a:ext cx="11687400" cy="706432"/>
-          </a:xfrm>
-          <a:prstGeom prst="rect">
-            <a:avLst/>
-          </a:prstGeom>
-          <a:solidFill>
-            <a:srgbClr val="C00000"/>
-          </a:solidFill>
-          <a:ln>
-            <a:noFill/>
-          </a:ln>
-        </p:spPr>
-        <p:style>
-          <a:lnRef idx="0">
-            <a:scrgbClr r="0" g="0" b="0"/>
-          </a:lnRef>
-          <a:fillRef idx="0">
-            <a:scrgbClr r="0" g="0" b="0"/>
-          </a:fillRef>
-          <a:effectRef idx="0">
-            <a:scrgbClr r="0" g="0" b="0"/>
-          </a:effectRef>
-          <a:fontRef idx="minor"/>
-        </p:style>
-        <p:txBody>
-          <a:bodyPr lIns="90000" tIns="45000" rIns="90000" bIns="45000">
-            <a:spAutoFit/>
-          </a:bodyPr>
-          <a:lstStyle/>
-          <a:p>
-            <a:pPr algn="ctr">
-              <a:lnSpc>
-                <a:spcPct val="100000"/>
-              </a:lnSpc>
-            </a:pPr>
-            <a:r>
-              <a:rPr lang="en-IN" sz="4000" spc="-1" dirty="0">
-                <a:solidFill>
-                  <a:srgbClr val="F7C120"/>
-                </a:solidFill>
-                <a:latin typeface="Open Sans"/>
-                <a:ea typeface="DejaVu Sans"/>
-              </a:rPr>
-              <a:t>select</a:t>
-            </a:r>
-            <a:endParaRPr lang="en-IN" sz="4000" b="0" strike="noStrike" spc="-1" dirty="0">
-              <a:latin typeface="Arial"/>
-            </a:endParaRPr>
-          </a:p>
-        </p:txBody>
-      </p:sp>
-      <p:sp>
-        <p:nvSpPr>
-          <p:cNvPr id="10" name="CustomShape 6">
-            <a:extLst>
-              <a:ext uri="{FF2B5EF4-FFF2-40B4-BE49-F238E27FC236}">
-                <a16:creationId xmlns:a16="http://schemas.microsoft.com/office/drawing/2014/main" id="{3F3ADA2F-5904-426C-A7AA-EF7218A0D350}"/>
-              </a:ext>
-            </a:extLst>
-          </p:cNvPr>
-          <p:cNvSpPr/>
-          <p:nvPr/>
-        </p:nvSpPr>
-        <p:spPr>
-          <a:xfrm>
-            <a:off x="246600" y="833512"/>
-            <a:ext cx="11687400" cy="5907856"/>
-          </a:xfrm>
-          <a:prstGeom prst="rect">
-            <a:avLst/>
-          </a:prstGeom>
-          <a:noFill/>
-          <a:ln>
-            <a:noFill/>
-          </a:ln>
-        </p:spPr>
-        <p:style>
-          <a:lnRef idx="0">
-            <a:scrgbClr r="0" g="0" b="0"/>
-          </a:lnRef>
-          <a:fillRef idx="0">
-            <a:scrgbClr r="0" g="0" b="0"/>
-          </a:fillRef>
-          <a:effectRef idx="0">
-            <a:scrgbClr r="0" g="0" b="0"/>
-          </a:effectRef>
-          <a:fontRef idx="minor"/>
-        </p:style>
-        <p:txBody>
-          <a:bodyPr lIns="90000" tIns="45000" rIns="90000" bIns="45000">
-            <a:spAutoFit/>
-          </a:bodyPr>
-          <a:lstStyle/>
-          <a:p>
-            <a:r>
-              <a:rPr lang="en-US" spc="-1" dirty="0">
-                <a:latin typeface="Source Code Pro" panose="020B0509030403020204" pitchFamily="49" charset="0"/>
-                <a:ea typeface="Source Code Pro" panose="020B0509030403020204" pitchFamily="49" charset="0"/>
-              </a:rPr>
-              <a:t>select_statement::= </a:t>
-            </a:r>
-            <a:r>
-              <a:rPr lang="en-US" spc="-1" dirty="0">
-                <a:solidFill>
-                  <a:srgbClr val="2B8208"/>
-                </a:solidFill>
-                <a:latin typeface="Source Code Pro" panose="020B0509030403020204" pitchFamily="49" charset="0"/>
-                <a:ea typeface="Source Code Pro" panose="020B0509030403020204" pitchFamily="49" charset="0"/>
-              </a:rPr>
-              <a:t>SELECT</a:t>
-            </a:r>
-            <a:r>
-              <a:rPr lang="en-US" spc="-1" dirty="0">
-                <a:latin typeface="Source Code Pro" panose="020B0509030403020204" pitchFamily="49" charset="0"/>
-                <a:ea typeface="Source Code Pro" panose="020B0509030403020204" pitchFamily="49" charset="0"/>
-              </a:rPr>
-              <a:t> [ </a:t>
-            </a:r>
-            <a:r>
-              <a:rPr lang="en-US" i="1" spc="-1" dirty="0">
-                <a:solidFill>
-                  <a:schemeClr val="accent5">
-                    <a:lumMod val="75000"/>
-                  </a:schemeClr>
-                </a:solidFill>
-                <a:latin typeface="Source Code Pro" panose="020B0509030403020204" pitchFamily="49" charset="0"/>
-                <a:ea typeface="Source Code Pro" panose="020B0509030403020204" pitchFamily="49" charset="0"/>
-              </a:rPr>
-              <a:t>JSON </a:t>
-            </a:r>
-            <a:r>
-              <a:rPr lang="en-US" spc="-1" dirty="0">
-                <a:solidFill>
-                  <a:schemeClr val="accent5">
-                    <a:lumMod val="75000"/>
-                  </a:schemeClr>
-                </a:solidFill>
-                <a:latin typeface="Source Code Pro" panose="020B0509030403020204" pitchFamily="49" charset="0"/>
-                <a:ea typeface="Source Code Pro" panose="020B0509030403020204" pitchFamily="49" charset="0"/>
-              </a:rPr>
-              <a:t>|</a:t>
-            </a:r>
-            <a:r>
-              <a:rPr lang="en-US" i="1" spc="-1" dirty="0">
-                <a:solidFill>
-                  <a:schemeClr val="accent5">
-                    <a:lumMod val="75000"/>
-                  </a:schemeClr>
-                </a:solidFill>
-                <a:latin typeface="Source Code Pro" panose="020B0509030403020204" pitchFamily="49" charset="0"/>
-                <a:ea typeface="Source Code Pro" panose="020B0509030403020204" pitchFamily="49" charset="0"/>
-              </a:rPr>
-              <a:t> DISTINCT</a:t>
-            </a:r>
-            <a:r>
-              <a:rPr lang="en-US" spc="-1" dirty="0">
-                <a:latin typeface="Source Code Pro" panose="020B0509030403020204" pitchFamily="49" charset="0"/>
-                <a:ea typeface="Source Code Pro" panose="020B0509030403020204" pitchFamily="49" charset="0"/>
-              </a:rPr>
-              <a:t> ] ( </a:t>
-            </a:r>
-            <a:r>
-              <a:rPr lang="en-US" spc="-1" dirty="0">
-                <a:solidFill>
-                  <a:srgbClr val="0070C0"/>
-                </a:solidFill>
-                <a:latin typeface="Source Code Pro" panose="020B0509030403020204" pitchFamily="49" charset="0"/>
-                <a:ea typeface="Source Code Pro" panose="020B0509030403020204" pitchFamily="49" charset="0"/>
-              </a:rPr>
-              <a:t>select_clause </a:t>
-            </a:r>
-            <a:r>
-              <a:rPr lang="en-US" spc="-1" dirty="0">
-                <a:latin typeface="Source Code Pro" panose="020B0509030403020204" pitchFamily="49" charset="0"/>
-                <a:ea typeface="Source Code Pro" panose="020B0509030403020204" pitchFamily="49" charset="0"/>
-              </a:rPr>
-              <a:t>| '*' )</a:t>
-            </a:r>
-          </a:p>
-          <a:p>
-            <a:r>
-              <a:rPr lang="en-US" spc="-1" dirty="0">
-                <a:latin typeface="Source Code Pro" panose="020B0509030403020204" pitchFamily="49" charset="0"/>
-                <a:ea typeface="Source Code Pro" panose="020B0509030403020204" pitchFamily="49" charset="0"/>
-              </a:rPr>
-              <a:t>	</a:t>
-            </a:r>
-            <a:r>
-              <a:rPr lang="en-US" spc="-1" dirty="0">
-                <a:solidFill>
-                  <a:srgbClr val="2B8208"/>
-                </a:solidFill>
-                <a:latin typeface="Source Code Pro" panose="020B0509030403020204" pitchFamily="49" charset="0"/>
-                <a:ea typeface="Source Code Pro" panose="020B0509030403020204" pitchFamily="49" charset="0"/>
-              </a:rPr>
-              <a:t>FROM</a:t>
-            </a:r>
-            <a:r>
-              <a:rPr lang="en-US" spc="-1" dirty="0">
-                <a:latin typeface="Source Code Pro" panose="020B0509030403020204" pitchFamily="49" charset="0"/>
-                <a:ea typeface="Source Code Pro" panose="020B0509030403020204" pitchFamily="49" charset="0"/>
-              </a:rPr>
-              <a:t> `table_name`</a:t>
-            </a:r>
-          </a:p>
-          <a:p>
-            <a:r>
-              <a:rPr lang="en-US" spc="-1" dirty="0">
-                <a:latin typeface="Source Code Pro" panose="020B0509030403020204" pitchFamily="49" charset="0"/>
-                <a:ea typeface="Source Code Pro" panose="020B0509030403020204" pitchFamily="49" charset="0"/>
-              </a:rPr>
-              <a:t>	[ </a:t>
-            </a:r>
-            <a:r>
-              <a:rPr lang="en-US" spc="-1" dirty="0">
-                <a:solidFill>
-                  <a:srgbClr val="2B8208"/>
-                </a:solidFill>
-                <a:latin typeface="Source Code Pro" panose="020B0509030403020204" pitchFamily="49" charset="0"/>
-                <a:ea typeface="Source Code Pro" panose="020B0509030403020204" pitchFamily="49" charset="0"/>
-              </a:rPr>
-              <a:t>WHERE</a:t>
-            </a:r>
-            <a:r>
-              <a:rPr lang="en-US" spc="-1" dirty="0">
-                <a:latin typeface="Source Code Pro" panose="020B0509030403020204" pitchFamily="49" charset="0"/>
-                <a:ea typeface="Source Code Pro" panose="020B0509030403020204" pitchFamily="49" charset="0"/>
-              </a:rPr>
-              <a:t> </a:t>
-            </a:r>
-            <a:r>
-              <a:rPr lang="en-US" spc="-1" dirty="0">
-                <a:solidFill>
-                  <a:srgbClr val="840FF9"/>
-                </a:solidFill>
-                <a:latin typeface="Source Code Pro" panose="020B0509030403020204" pitchFamily="49" charset="0"/>
-                <a:ea typeface="Source Code Pro" panose="020B0509030403020204" pitchFamily="49" charset="0"/>
-              </a:rPr>
-              <a:t>`where_clause`</a:t>
-            </a:r>
-            <a:r>
-              <a:rPr lang="en-US" spc="-1" dirty="0">
-                <a:solidFill>
-                  <a:srgbClr val="C00000"/>
-                </a:solidFill>
-                <a:latin typeface="Source Code Pro" panose="020B0509030403020204" pitchFamily="49" charset="0"/>
-                <a:ea typeface="Source Code Pro" panose="020B0509030403020204" pitchFamily="49" charset="0"/>
-              </a:rPr>
-              <a:t> </a:t>
-            </a:r>
-            <a:r>
-              <a:rPr lang="en-US" spc="-1" dirty="0">
-                <a:latin typeface="Source Code Pro" panose="020B0509030403020204" pitchFamily="49" charset="0"/>
-                <a:ea typeface="Source Code Pro" panose="020B0509030403020204" pitchFamily="49" charset="0"/>
-              </a:rPr>
-              <a:t>]</a:t>
-            </a:r>
-          </a:p>
-          <a:p>
-            <a:r>
-              <a:rPr lang="en-US" spc="-1" dirty="0">
-                <a:latin typeface="Source Code Pro" panose="020B0509030403020204" pitchFamily="49" charset="0"/>
-                <a:ea typeface="Source Code Pro" panose="020B0509030403020204" pitchFamily="49" charset="0"/>
-              </a:rPr>
-              <a:t>	[ </a:t>
-            </a:r>
-            <a:r>
-              <a:rPr lang="en-US" spc="-1" dirty="0">
-                <a:solidFill>
-                  <a:srgbClr val="2B8208"/>
-                </a:solidFill>
-                <a:latin typeface="Source Code Pro" panose="020B0509030403020204" pitchFamily="49" charset="0"/>
-                <a:ea typeface="Source Code Pro" panose="020B0509030403020204" pitchFamily="49" charset="0"/>
-              </a:rPr>
-              <a:t>GROUP</a:t>
-            </a:r>
-            <a:r>
-              <a:rPr lang="en-US" spc="-1" dirty="0">
-                <a:latin typeface="Source Code Pro" panose="020B0509030403020204" pitchFamily="49" charset="0"/>
-                <a:ea typeface="Source Code Pro" panose="020B0509030403020204" pitchFamily="49" charset="0"/>
-              </a:rPr>
-              <a:t> </a:t>
-            </a:r>
-            <a:r>
-              <a:rPr lang="en-US" spc="-1" dirty="0">
-                <a:solidFill>
-                  <a:srgbClr val="2B8208"/>
-                </a:solidFill>
-                <a:latin typeface="Source Code Pro" panose="020B0509030403020204" pitchFamily="49" charset="0"/>
-                <a:ea typeface="Source Code Pro" panose="020B0509030403020204" pitchFamily="49" charset="0"/>
-              </a:rPr>
-              <a:t>BY</a:t>
-            </a:r>
-            <a:r>
-              <a:rPr lang="en-US" spc="-1" dirty="0">
-                <a:latin typeface="Source Code Pro" panose="020B0509030403020204" pitchFamily="49" charset="0"/>
-                <a:ea typeface="Source Code Pro" panose="020B0509030403020204" pitchFamily="49" charset="0"/>
-              </a:rPr>
-              <a:t> </a:t>
-            </a:r>
-            <a:r>
-              <a:rPr lang="en-US" spc="-1" dirty="0">
-                <a:solidFill>
-                  <a:srgbClr val="840FF9"/>
-                </a:solidFill>
-                <a:latin typeface="Source Code Pro" panose="020B0509030403020204" pitchFamily="49" charset="0"/>
-                <a:ea typeface="Source Code Pro" panose="020B0509030403020204" pitchFamily="49" charset="0"/>
-              </a:rPr>
-              <a:t>`group_by_clause`</a:t>
-            </a:r>
-            <a:r>
-              <a:rPr lang="en-US" spc="-1" dirty="0">
-                <a:latin typeface="Source Code Pro" panose="020B0509030403020204" pitchFamily="49" charset="0"/>
-                <a:ea typeface="Source Code Pro" panose="020B0509030403020204" pitchFamily="49" charset="0"/>
-              </a:rPr>
-              <a:t> ]</a:t>
-            </a:r>
-          </a:p>
-          <a:p>
-            <a:r>
-              <a:rPr lang="en-US" spc="-1" dirty="0">
-                <a:latin typeface="Source Code Pro" panose="020B0509030403020204" pitchFamily="49" charset="0"/>
-                <a:ea typeface="Source Code Pro" panose="020B0509030403020204" pitchFamily="49" charset="0"/>
-              </a:rPr>
-              <a:t>	[ </a:t>
-            </a:r>
-            <a:r>
-              <a:rPr lang="en-US" spc="-1" dirty="0">
-                <a:solidFill>
-                  <a:srgbClr val="2B8208"/>
-                </a:solidFill>
-                <a:latin typeface="Source Code Pro" panose="020B0509030403020204" pitchFamily="49" charset="0"/>
-                <a:ea typeface="Source Code Pro" panose="020B0509030403020204" pitchFamily="49" charset="0"/>
-              </a:rPr>
-              <a:t>ORDER</a:t>
-            </a:r>
-            <a:r>
-              <a:rPr lang="en-US" spc="-1" dirty="0">
-                <a:latin typeface="Source Code Pro" panose="020B0509030403020204" pitchFamily="49" charset="0"/>
-                <a:ea typeface="Source Code Pro" panose="020B0509030403020204" pitchFamily="49" charset="0"/>
-              </a:rPr>
-              <a:t> </a:t>
-            </a:r>
-            <a:r>
-              <a:rPr lang="en-US" spc="-1" dirty="0">
-                <a:solidFill>
-                  <a:srgbClr val="2B8208"/>
-                </a:solidFill>
-                <a:latin typeface="Source Code Pro" panose="020B0509030403020204" pitchFamily="49" charset="0"/>
-                <a:ea typeface="Source Code Pro" panose="020B0509030403020204" pitchFamily="49" charset="0"/>
-              </a:rPr>
-              <a:t>BY</a:t>
-            </a:r>
-            <a:r>
-              <a:rPr lang="en-US" spc="-1" dirty="0">
-                <a:latin typeface="Source Code Pro" panose="020B0509030403020204" pitchFamily="49" charset="0"/>
-                <a:ea typeface="Source Code Pro" panose="020B0509030403020204" pitchFamily="49" charset="0"/>
-              </a:rPr>
-              <a:t> </a:t>
-            </a:r>
-            <a:r>
-              <a:rPr lang="en-US" spc="-1" dirty="0">
-                <a:solidFill>
-                  <a:srgbClr val="840FF9"/>
-                </a:solidFill>
-                <a:latin typeface="Source Code Pro" panose="020B0509030403020204" pitchFamily="49" charset="0"/>
-                <a:ea typeface="Source Code Pro" panose="020B0509030403020204" pitchFamily="49" charset="0"/>
-              </a:rPr>
-              <a:t>`ordering_clause`</a:t>
-            </a:r>
-            <a:r>
-              <a:rPr lang="en-US" spc="-1" dirty="0">
-                <a:latin typeface="Source Code Pro" panose="020B0509030403020204" pitchFamily="49" charset="0"/>
-                <a:ea typeface="Source Code Pro" panose="020B0509030403020204" pitchFamily="49" charset="0"/>
-              </a:rPr>
-              <a:t> ]</a:t>
-            </a:r>
-          </a:p>
-          <a:p>
-            <a:r>
-              <a:rPr lang="en-US" spc="-1" dirty="0">
-                <a:latin typeface="Source Code Pro" panose="020B0509030403020204" pitchFamily="49" charset="0"/>
-                <a:ea typeface="Source Code Pro" panose="020B0509030403020204" pitchFamily="49" charset="0"/>
-              </a:rPr>
-              <a:t>	[ </a:t>
-            </a:r>
-            <a:r>
-              <a:rPr lang="en-US" spc="-1" dirty="0">
-                <a:solidFill>
-                  <a:srgbClr val="2B8208"/>
-                </a:solidFill>
-                <a:latin typeface="Source Code Pro" panose="020B0509030403020204" pitchFamily="49" charset="0"/>
-                <a:ea typeface="Source Code Pro" panose="020B0509030403020204" pitchFamily="49" charset="0"/>
-              </a:rPr>
-              <a:t>LIMIT</a:t>
-            </a:r>
-            <a:r>
-              <a:rPr lang="en-US" spc="-1" dirty="0">
-                <a:latin typeface="Source Code Pro" panose="020B0509030403020204" pitchFamily="49" charset="0"/>
-                <a:ea typeface="Source Code Pro" panose="020B0509030403020204" pitchFamily="49" charset="0"/>
-              </a:rPr>
-              <a:t> (`integer` | `bind_marker`) ]</a:t>
-            </a:r>
-          </a:p>
-          <a:p>
-            <a:r>
-              <a:rPr lang="en-US" spc="-1" dirty="0">
-                <a:latin typeface="Source Code Pro" panose="020B0509030403020204" pitchFamily="49" charset="0"/>
-                <a:ea typeface="Source Code Pro" panose="020B0509030403020204" pitchFamily="49" charset="0"/>
-              </a:rPr>
-              <a:t>	[ </a:t>
-            </a:r>
-            <a:r>
-              <a:rPr lang="en-US" spc="-1" dirty="0">
-                <a:solidFill>
-                  <a:srgbClr val="2B8208"/>
-                </a:solidFill>
-                <a:latin typeface="Source Code Pro" panose="020B0509030403020204" pitchFamily="49" charset="0"/>
-                <a:ea typeface="Source Code Pro" panose="020B0509030403020204" pitchFamily="49" charset="0"/>
-              </a:rPr>
-              <a:t>ALLOW</a:t>
-            </a:r>
-            <a:r>
-              <a:rPr lang="en-US" spc="-1" dirty="0">
-                <a:latin typeface="Source Code Pro" panose="020B0509030403020204" pitchFamily="49" charset="0"/>
-                <a:ea typeface="Source Code Pro" panose="020B0509030403020204" pitchFamily="49" charset="0"/>
-              </a:rPr>
-              <a:t> </a:t>
-            </a:r>
-            <a:r>
-              <a:rPr lang="en-US" spc="-1" dirty="0">
-                <a:solidFill>
-                  <a:srgbClr val="2B8208"/>
-                </a:solidFill>
-                <a:latin typeface="Source Code Pro" panose="020B0509030403020204" pitchFamily="49" charset="0"/>
-                <a:ea typeface="Source Code Pro" panose="020B0509030403020204" pitchFamily="49" charset="0"/>
-              </a:rPr>
-              <a:t>FILTERING</a:t>
-            </a:r>
-            <a:r>
-              <a:rPr lang="en-US" spc="-1" dirty="0">
-                <a:latin typeface="Source Code Pro" panose="020B0509030403020204" pitchFamily="49" charset="0"/>
-                <a:ea typeface="Source Code Pro" panose="020B0509030403020204" pitchFamily="49" charset="0"/>
-              </a:rPr>
-              <a:t> ]</a:t>
-            </a:r>
-          </a:p>
-          <a:p>
-            <a:r>
-              <a:rPr lang="en-US" spc="-1" dirty="0">
-                <a:solidFill>
-                  <a:srgbClr val="0070C0"/>
-                </a:solidFill>
-                <a:latin typeface="Source Code Pro" panose="020B0509030403020204" pitchFamily="49" charset="0"/>
-                <a:ea typeface="Source Code Pro" panose="020B0509030403020204" pitchFamily="49" charset="0"/>
-              </a:rPr>
-              <a:t>select_clause::= </a:t>
-            </a:r>
-            <a:r>
-              <a:rPr lang="en-US" spc="-1" dirty="0">
-                <a:solidFill>
-                  <a:srgbClr val="C00000"/>
-                </a:solidFill>
-                <a:latin typeface="Source Code Pro" panose="020B0509030403020204" pitchFamily="49" charset="0"/>
-                <a:ea typeface="Source Code Pro" panose="020B0509030403020204" pitchFamily="49" charset="0"/>
-              </a:rPr>
-              <a:t>`selector`</a:t>
-            </a:r>
-            <a:r>
-              <a:rPr lang="en-US" spc="-1" dirty="0">
-                <a:latin typeface="Source Code Pro" panose="020B0509030403020204" pitchFamily="49" charset="0"/>
-                <a:ea typeface="Source Code Pro" panose="020B0509030403020204" pitchFamily="49" charset="0"/>
-              </a:rPr>
-              <a:t> [ AS `identifier` ] ( ',' `selector` [ AS `identifier` ] )</a:t>
-            </a:r>
-          </a:p>
-          <a:p>
-            <a:r>
-              <a:rPr lang="en-US" spc="-1" dirty="0">
-                <a:solidFill>
-                  <a:srgbClr val="C00000"/>
-                </a:solidFill>
-                <a:latin typeface="Source Code Pro" panose="020B0509030403020204" pitchFamily="49" charset="0"/>
-                <a:ea typeface="Source Code Pro" panose="020B0509030403020204" pitchFamily="49" charset="0"/>
-              </a:rPr>
-              <a:t>selector::==</a:t>
-            </a:r>
-            <a:r>
-              <a:rPr lang="en-US" spc="-1" dirty="0">
-                <a:latin typeface="Source Code Pro" panose="020B0509030403020204" pitchFamily="49" charset="0"/>
-                <a:ea typeface="Source Code Pro" panose="020B0509030403020204" pitchFamily="49" charset="0"/>
-              </a:rPr>
-              <a:t> `column_name`</a:t>
-            </a:r>
-          </a:p>
-          <a:p>
-            <a:r>
-              <a:rPr lang="en-US" spc="-1" dirty="0">
-                <a:latin typeface="Source Code Pro" panose="020B0509030403020204" pitchFamily="49" charset="0"/>
-                <a:ea typeface="Source Code Pro" panose="020B0509030403020204" pitchFamily="49" charset="0"/>
-              </a:rPr>
-              <a:t>	| `term`</a:t>
-            </a:r>
-          </a:p>
-          <a:p>
-            <a:r>
-              <a:rPr lang="en-US" spc="-1" dirty="0">
-                <a:latin typeface="Source Code Pro" panose="020B0509030403020204" pitchFamily="49" charset="0"/>
-                <a:ea typeface="Source Code Pro" panose="020B0509030403020204" pitchFamily="49" charset="0"/>
-              </a:rPr>
-              <a:t>	| CAST '(' `selector` AS `cql_type` ')'</a:t>
-            </a:r>
-          </a:p>
-          <a:p>
-            <a:r>
-              <a:rPr lang="en-US" spc="-1" dirty="0">
-                <a:latin typeface="Source Code Pro" panose="020B0509030403020204" pitchFamily="49" charset="0"/>
-                <a:ea typeface="Source Code Pro" panose="020B0509030403020204" pitchFamily="49" charset="0"/>
-              </a:rPr>
-              <a:t>	| `function_name` '(' [ `selector` ( ',' `selector` )_ ] ')'</a:t>
-            </a:r>
-          </a:p>
-          <a:p>
-            <a:r>
-              <a:rPr lang="en-US" spc="-1" dirty="0">
-                <a:latin typeface="Source Code Pro" panose="020B0509030403020204" pitchFamily="49" charset="0"/>
-                <a:ea typeface="Source Code Pro" panose="020B0509030403020204" pitchFamily="49" charset="0"/>
-              </a:rPr>
-              <a:t>	| COUNT '(' '_' ')'</a:t>
-            </a:r>
-          </a:p>
-          <a:p>
-            <a:r>
-              <a:rPr lang="en-US" spc="-1" dirty="0">
-                <a:solidFill>
-                  <a:srgbClr val="840FF9"/>
-                </a:solidFill>
-                <a:latin typeface="Source Code Pro" panose="020B0509030403020204" pitchFamily="49" charset="0"/>
-                <a:ea typeface="Source Code Pro" panose="020B0509030403020204" pitchFamily="49" charset="0"/>
-              </a:rPr>
-              <a:t>where_clause::=</a:t>
-            </a:r>
-            <a:r>
-              <a:rPr lang="en-US" spc="-1" dirty="0">
-                <a:solidFill>
-                  <a:srgbClr val="C00000"/>
-                </a:solidFill>
-                <a:latin typeface="Source Code Pro" panose="020B0509030403020204" pitchFamily="49" charset="0"/>
-                <a:ea typeface="Source Code Pro" panose="020B0509030403020204" pitchFamily="49" charset="0"/>
-              </a:rPr>
-              <a:t> `relation`</a:t>
-            </a:r>
-            <a:r>
-              <a:rPr lang="en-US" spc="-1" dirty="0">
-                <a:latin typeface="Source Code Pro" panose="020B0509030403020204" pitchFamily="49" charset="0"/>
-                <a:ea typeface="Source Code Pro" panose="020B0509030403020204" pitchFamily="49" charset="0"/>
-              </a:rPr>
-              <a:t> ( AND `relation` )*</a:t>
-            </a:r>
-          </a:p>
-          <a:p>
-            <a:r>
-              <a:rPr lang="en-US" spc="-1" dirty="0">
-                <a:solidFill>
-                  <a:srgbClr val="C00000"/>
-                </a:solidFill>
-                <a:latin typeface="Source Code Pro" panose="020B0509030403020204" pitchFamily="49" charset="0"/>
-                <a:ea typeface="Source Code Pro" panose="020B0509030403020204" pitchFamily="49" charset="0"/>
-              </a:rPr>
-              <a:t>relation::=</a:t>
-            </a:r>
-            <a:r>
-              <a:rPr lang="en-US" spc="-1" dirty="0">
-                <a:latin typeface="Source Code Pro" panose="020B0509030403020204" pitchFamily="49" charset="0"/>
-                <a:ea typeface="Source Code Pro" panose="020B0509030403020204" pitchFamily="49" charset="0"/>
-              </a:rPr>
-              <a:t> column_name </a:t>
-            </a:r>
-            <a:r>
-              <a:rPr lang="en-US" spc="-1" dirty="0">
-                <a:solidFill>
-                  <a:srgbClr val="C00000"/>
-                </a:solidFill>
-                <a:latin typeface="Source Code Pro" panose="020B0509030403020204" pitchFamily="49" charset="0"/>
-                <a:ea typeface="Source Code Pro" panose="020B0509030403020204" pitchFamily="49" charset="0"/>
-              </a:rPr>
-              <a:t>operator</a:t>
-            </a:r>
-            <a:r>
-              <a:rPr lang="en-US" spc="-1" dirty="0">
-                <a:latin typeface="Source Code Pro" panose="020B0509030403020204" pitchFamily="49" charset="0"/>
-                <a:ea typeface="Source Code Pro" panose="020B0509030403020204" pitchFamily="49" charset="0"/>
-              </a:rPr>
-              <a:t> term</a:t>
-            </a:r>
-          </a:p>
-          <a:p>
-            <a:r>
-              <a:rPr lang="en-US" spc="-1" dirty="0">
-                <a:latin typeface="Source Code Pro" panose="020B0509030403020204" pitchFamily="49" charset="0"/>
-                <a:ea typeface="Source Code Pro" panose="020B0509030403020204" pitchFamily="49" charset="0"/>
-              </a:rPr>
-              <a:t>	'(' column_name ( ',' column_name )* ')' operator tuple_literal</a:t>
-            </a:r>
-          </a:p>
-          <a:p>
-            <a:r>
-              <a:rPr lang="en-US" spc="-1" dirty="0">
-                <a:latin typeface="Source Code Pro" panose="020B0509030403020204" pitchFamily="49" charset="0"/>
-                <a:ea typeface="Source Code Pro" panose="020B0509030403020204" pitchFamily="49" charset="0"/>
-              </a:rPr>
-              <a:t>	TOKEN '(' column_name# ( ',' column_name )* ')' operator term</a:t>
-            </a:r>
-          </a:p>
-          <a:p>
-            <a:r>
-              <a:rPr lang="en-US" spc="-1" dirty="0">
-                <a:solidFill>
-                  <a:srgbClr val="C00000"/>
-                </a:solidFill>
-                <a:latin typeface="Source Code Pro" panose="020B0509030403020204" pitchFamily="49" charset="0"/>
-                <a:ea typeface="Source Code Pro" panose="020B0509030403020204" pitchFamily="49" charset="0"/>
-              </a:rPr>
-              <a:t>operator::=</a:t>
-            </a:r>
-            <a:r>
-              <a:rPr lang="en-US" spc="-1" dirty="0">
-                <a:latin typeface="Source Code Pro" panose="020B0509030403020204" pitchFamily="49" charset="0"/>
-                <a:ea typeface="Source Code Pro" panose="020B0509030403020204" pitchFamily="49" charset="0"/>
-              </a:rPr>
-              <a:t> '=' | '&lt;' | '&gt;' | '&lt;=' | '&gt;=' | '!=' | IN | CONTAINS | CONTAINS KEY</a:t>
-            </a:r>
-          </a:p>
-          <a:p>
-            <a:r>
-              <a:rPr lang="en-US" spc="-1" dirty="0">
-                <a:solidFill>
-                  <a:srgbClr val="840FF9"/>
-                </a:solidFill>
-                <a:latin typeface="Source Code Pro" panose="020B0509030403020204" pitchFamily="49" charset="0"/>
-                <a:ea typeface="Source Code Pro" panose="020B0509030403020204" pitchFamily="49" charset="0"/>
-              </a:rPr>
-              <a:t>group_by_clause::=</a:t>
-            </a:r>
-            <a:r>
-              <a:rPr lang="en-US" spc="-1" dirty="0">
-                <a:latin typeface="Source Code Pro" panose="020B0509030403020204" pitchFamily="49" charset="0"/>
-                <a:ea typeface="Source Code Pro" panose="020B0509030403020204" pitchFamily="49" charset="0"/>
-              </a:rPr>
-              <a:t> column_name ( ',' column_name )*</a:t>
-            </a:r>
-          </a:p>
-          <a:p>
-            <a:r>
-              <a:rPr lang="en-US" spc="-1" dirty="0">
-                <a:solidFill>
-                  <a:srgbClr val="840FF9"/>
-                </a:solidFill>
-                <a:latin typeface="Source Code Pro" panose="020B0509030403020204" pitchFamily="49" charset="0"/>
-                <a:ea typeface="Source Code Pro" panose="020B0509030403020204" pitchFamily="49" charset="0"/>
-              </a:rPr>
-              <a:t>ordering_clause::=</a:t>
-            </a:r>
-            <a:r>
-              <a:rPr lang="en-US" spc="-1" dirty="0">
-                <a:latin typeface="Source Code Pro" panose="020B0509030403020204" pitchFamily="49" charset="0"/>
-                <a:ea typeface="Source Code Pro" panose="020B0509030403020204" pitchFamily="49" charset="0"/>
-              </a:rPr>
-              <a:t> column_name [ ASC | DESC ] ( ',' column_name [ ASC | DESC ] )*</a:t>
-            </a:r>
-            <a:endParaRPr lang="en-IN" sz="400" spc="-1" dirty="0">
-              <a:latin typeface="Source Code Pro" panose="020B0509030403020204" pitchFamily="49" charset="0"/>
-              <a:ea typeface="Source Code Pro" panose="020B0509030403020204" pitchFamily="49" charset="0"/>
-            </a:endParaRPr>
-          </a:p>
-        </p:txBody>
-      </p:sp>
-    </p:spTree>
-    <p:extLst>
-      <p:ext uri="{BB962C8B-B14F-4D97-AF65-F5344CB8AC3E}">
-        <p14:creationId xmlns:p14="http://schemas.microsoft.com/office/powerpoint/2010/main" val="1398291685"/>
       </p:ext>
     </p:extLst>
   </p:cSld>
@@ -22413,6 +22637,871 @@
       </p:grpSpPr>
       <p:sp>
         <p:nvSpPr>
+          <p:cNvPr id="109" name="CustomShape 1"/>
+          <p:cNvSpPr/>
+          <p:nvPr/>
+        </p:nvSpPr>
+        <p:spPr>
+          <a:xfrm>
+            <a:off x="1676520" y="2362320"/>
+            <a:ext cx="8815320" cy="921876"/>
+          </a:xfrm>
+          <a:prstGeom prst="rect">
+            <a:avLst/>
+          </a:prstGeom>
+          <a:noFill/>
+          <a:ln>
+            <a:noFill/>
+          </a:ln>
+        </p:spPr>
+        <p:style>
+          <a:lnRef idx="0">
+            <a:scrgbClr r="0" g="0" b="0"/>
+          </a:lnRef>
+          <a:fillRef idx="0">
+            <a:scrgbClr r="0" g="0" b="0"/>
+          </a:fillRef>
+          <a:effectRef idx="0">
+            <a:scrgbClr r="0" g="0" b="0"/>
+          </a:effectRef>
+          <a:fontRef idx="minor"/>
+        </p:style>
+        <p:txBody>
+          <a:bodyPr lIns="90000" tIns="45000" rIns="90000" bIns="45000">
+            <a:spAutoFit/>
+          </a:bodyPr>
+          <a:lstStyle/>
+          <a:p>
+            <a:pPr algn="ctr">
+              <a:lnSpc>
+                <a:spcPct val="100000"/>
+              </a:lnSpc>
+            </a:pPr>
+            <a:r>
+              <a:rPr lang="en-IN" sz="5400" i="1" spc="-1" dirty="0">
+                <a:solidFill>
+                  <a:srgbClr val="F7C120"/>
+                </a:solidFill>
+                <a:latin typeface="Century"/>
+                <a:ea typeface="DejaVu Sans"/>
+              </a:rPr>
+              <a:t>select</a:t>
+            </a:r>
+            <a:endParaRPr lang="en-IN" sz="5400" b="0" strike="noStrike" spc="-1" dirty="0">
+              <a:latin typeface="Arial"/>
+            </a:endParaRPr>
+          </a:p>
+        </p:txBody>
+      </p:sp>
+      <p:sp>
+        <p:nvSpPr>
+          <p:cNvPr id="110" name="CustomShape 2"/>
+          <p:cNvSpPr/>
+          <p:nvPr/>
+        </p:nvSpPr>
+        <p:spPr>
+          <a:xfrm>
+            <a:off x="522360" y="3531600"/>
+            <a:ext cx="11052360" cy="367878"/>
+          </a:xfrm>
+          <a:prstGeom prst="rect">
+            <a:avLst/>
+          </a:prstGeom>
+          <a:noFill/>
+          <a:ln>
+            <a:noFill/>
+          </a:ln>
+        </p:spPr>
+        <p:style>
+          <a:lnRef idx="0">
+            <a:scrgbClr r="0" g="0" b="0"/>
+          </a:lnRef>
+          <a:fillRef idx="0">
+            <a:scrgbClr r="0" g="0" b="0"/>
+          </a:fillRef>
+          <a:effectRef idx="0">
+            <a:scrgbClr r="0" g="0" b="0"/>
+          </a:effectRef>
+          <a:fontRef idx="minor"/>
+        </p:style>
+        <p:txBody>
+          <a:bodyPr lIns="90000" tIns="45000" rIns="90000" bIns="45000">
+            <a:spAutoFit/>
+          </a:bodyPr>
+          <a:lstStyle/>
+          <a:p>
+            <a:pPr algn="just">
+              <a:lnSpc>
+                <a:spcPct val="100000"/>
+              </a:lnSpc>
+            </a:pPr>
+            <a:r>
+              <a:rPr lang="en-US" sz="1800" b="0" strike="noStrike" spc="-1" dirty="0">
+                <a:solidFill>
+                  <a:srgbClr val="BB0643"/>
+                </a:solidFill>
+                <a:latin typeface="Segoe UI"/>
+                <a:ea typeface="DejaVu Sans"/>
+              </a:rPr>
+              <a:t>TODO</a:t>
+            </a:r>
+            <a:endParaRPr lang="en-IN" spc="-1" dirty="0">
+              <a:solidFill>
+                <a:srgbClr val="BB0643"/>
+              </a:solidFill>
+              <a:latin typeface="Segoe UI"/>
+            </a:endParaRPr>
+          </a:p>
+        </p:txBody>
+      </p:sp>
+    </p:spTree>
+    <p:extLst>
+      <p:ext uri="{BB962C8B-B14F-4D97-AF65-F5344CB8AC3E}">
+        <p14:creationId xmlns:p14="http://schemas.microsoft.com/office/powerpoint/2010/main" val="3720830618"/>
+      </p:ext>
+    </p:extLst>
+  </p:cSld>
+  <p:clrMapOvr>
+    <a:masterClrMapping/>
+  </p:clrMapOvr>
+</p:sld>
+</file>
+
+<file path=ppt/slides/slide41.xml><?xml version="1.0" encoding="utf-8"?>
+<p:sld xmlns:a="http://schemas.openxmlformats.org/drawingml/2006/main" xmlns:r="http://schemas.openxmlformats.org/officeDocument/2006/relationships" xmlns:p="http://schemas.openxmlformats.org/presentationml/2006/main">
+  <p:cSld>
+    <p:spTree>
+      <p:nvGrpSpPr>
+        <p:cNvPr id="1" name=""/>
+        <p:cNvGrpSpPr/>
+        <p:nvPr/>
+      </p:nvGrpSpPr>
+      <p:grpSpPr>
+        <a:xfrm>
+          <a:off x="0" y="0"/>
+          <a:ext cx="0" cy="0"/>
+          <a:chOff x="0" y="0"/>
+          <a:chExt cx="0" cy="0"/>
+        </a:xfrm>
+      </p:grpSpPr>
+      <p:sp>
+        <p:nvSpPr>
+          <p:cNvPr id="114" name="CustomShape 4"/>
+          <p:cNvSpPr/>
+          <p:nvPr/>
+        </p:nvSpPr>
+        <p:spPr>
+          <a:xfrm>
+            <a:off x="246600" y="0"/>
+            <a:ext cx="11687400" cy="706432"/>
+          </a:xfrm>
+          <a:prstGeom prst="rect">
+            <a:avLst/>
+          </a:prstGeom>
+          <a:solidFill>
+            <a:srgbClr val="C00000"/>
+          </a:solidFill>
+          <a:ln>
+            <a:noFill/>
+          </a:ln>
+        </p:spPr>
+        <p:style>
+          <a:lnRef idx="0">
+            <a:scrgbClr r="0" g="0" b="0"/>
+          </a:lnRef>
+          <a:fillRef idx="0">
+            <a:scrgbClr r="0" g="0" b="0"/>
+          </a:fillRef>
+          <a:effectRef idx="0">
+            <a:scrgbClr r="0" g="0" b="0"/>
+          </a:effectRef>
+          <a:fontRef idx="minor"/>
+        </p:style>
+        <p:txBody>
+          <a:bodyPr lIns="90000" tIns="45000" rIns="90000" bIns="45000">
+            <a:spAutoFit/>
+          </a:bodyPr>
+          <a:lstStyle/>
+          <a:p>
+            <a:pPr algn="ctr">
+              <a:lnSpc>
+                <a:spcPct val="100000"/>
+              </a:lnSpc>
+            </a:pPr>
+            <a:r>
+              <a:rPr lang="en-IN" sz="4000" spc="-1" dirty="0">
+                <a:solidFill>
+                  <a:srgbClr val="F7C120"/>
+                </a:solidFill>
+                <a:latin typeface="Open Sans"/>
+                <a:ea typeface="DejaVu Sans"/>
+              </a:rPr>
+              <a:t>select</a:t>
+            </a:r>
+            <a:endParaRPr lang="en-IN" sz="4000" b="0" strike="noStrike" spc="-1" dirty="0">
+              <a:latin typeface="Arial"/>
+            </a:endParaRPr>
+          </a:p>
+        </p:txBody>
+      </p:sp>
+      <p:sp>
+        <p:nvSpPr>
+          <p:cNvPr id="10" name="CustomShape 6">
+            <a:extLst>
+              <a:ext uri="{FF2B5EF4-FFF2-40B4-BE49-F238E27FC236}">
+                <a16:creationId xmlns:a16="http://schemas.microsoft.com/office/drawing/2014/main" id="{3F3ADA2F-5904-426C-A7AA-EF7218A0D350}"/>
+              </a:ext>
+            </a:extLst>
+          </p:cNvPr>
+          <p:cNvSpPr/>
+          <p:nvPr/>
+        </p:nvSpPr>
+        <p:spPr>
+          <a:xfrm>
+            <a:off x="246600" y="833512"/>
+            <a:ext cx="11687400" cy="5907856"/>
+          </a:xfrm>
+          <a:prstGeom prst="rect">
+            <a:avLst/>
+          </a:prstGeom>
+          <a:noFill/>
+          <a:ln>
+            <a:noFill/>
+          </a:ln>
+        </p:spPr>
+        <p:style>
+          <a:lnRef idx="0">
+            <a:scrgbClr r="0" g="0" b="0"/>
+          </a:lnRef>
+          <a:fillRef idx="0">
+            <a:scrgbClr r="0" g="0" b="0"/>
+          </a:fillRef>
+          <a:effectRef idx="0">
+            <a:scrgbClr r="0" g="0" b="0"/>
+          </a:effectRef>
+          <a:fontRef idx="minor"/>
+        </p:style>
+        <p:txBody>
+          <a:bodyPr lIns="90000" tIns="45000" rIns="90000" bIns="45000">
+            <a:spAutoFit/>
+          </a:bodyPr>
+          <a:lstStyle/>
+          <a:p>
+            <a:r>
+              <a:rPr lang="en-US" spc="-1" dirty="0">
+                <a:latin typeface="Source Code Pro" panose="020B0509030403020204" pitchFamily="49" charset="0"/>
+                <a:ea typeface="Source Code Pro" panose="020B0509030403020204" pitchFamily="49" charset="0"/>
+              </a:rPr>
+              <a:t>select_statement::= </a:t>
+            </a:r>
+            <a:r>
+              <a:rPr lang="en-US" spc="-1" dirty="0">
+                <a:solidFill>
+                  <a:srgbClr val="2B8208"/>
+                </a:solidFill>
+                <a:latin typeface="Source Code Pro" panose="020B0509030403020204" pitchFamily="49" charset="0"/>
+                <a:ea typeface="Source Code Pro" panose="020B0509030403020204" pitchFamily="49" charset="0"/>
+              </a:rPr>
+              <a:t>SELECT</a:t>
+            </a:r>
+            <a:r>
+              <a:rPr lang="en-US" spc="-1" dirty="0">
+                <a:latin typeface="Source Code Pro" panose="020B0509030403020204" pitchFamily="49" charset="0"/>
+                <a:ea typeface="Source Code Pro" panose="020B0509030403020204" pitchFamily="49" charset="0"/>
+              </a:rPr>
+              <a:t> [ </a:t>
+            </a:r>
+            <a:r>
+              <a:rPr lang="en-US" i="1" spc="-1" dirty="0">
+                <a:solidFill>
+                  <a:schemeClr val="accent5">
+                    <a:lumMod val="75000"/>
+                  </a:schemeClr>
+                </a:solidFill>
+                <a:latin typeface="Source Code Pro" panose="020B0509030403020204" pitchFamily="49" charset="0"/>
+                <a:ea typeface="Source Code Pro" panose="020B0509030403020204" pitchFamily="49" charset="0"/>
+              </a:rPr>
+              <a:t>JSON </a:t>
+            </a:r>
+            <a:r>
+              <a:rPr lang="en-US" spc="-1" dirty="0">
+                <a:solidFill>
+                  <a:schemeClr val="accent5">
+                    <a:lumMod val="75000"/>
+                  </a:schemeClr>
+                </a:solidFill>
+                <a:latin typeface="Source Code Pro" panose="020B0509030403020204" pitchFamily="49" charset="0"/>
+                <a:ea typeface="Source Code Pro" panose="020B0509030403020204" pitchFamily="49" charset="0"/>
+              </a:rPr>
+              <a:t>|</a:t>
+            </a:r>
+            <a:r>
+              <a:rPr lang="en-US" i="1" spc="-1" dirty="0">
+                <a:solidFill>
+                  <a:schemeClr val="accent5">
+                    <a:lumMod val="75000"/>
+                  </a:schemeClr>
+                </a:solidFill>
+                <a:latin typeface="Source Code Pro" panose="020B0509030403020204" pitchFamily="49" charset="0"/>
+                <a:ea typeface="Source Code Pro" panose="020B0509030403020204" pitchFamily="49" charset="0"/>
+              </a:rPr>
+              <a:t> DISTINCT</a:t>
+            </a:r>
+            <a:r>
+              <a:rPr lang="en-US" spc="-1" dirty="0">
+                <a:latin typeface="Source Code Pro" panose="020B0509030403020204" pitchFamily="49" charset="0"/>
+                <a:ea typeface="Source Code Pro" panose="020B0509030403020204" pitchFamily="49" charset="0"/>
+              </a:rPr>
+              <a:t> ] ( </a:t>
+            </a:r>
+            <a:r>
+              <a:rPr lang="en-US" spc="-1" dirty="0">
+                <a:solidFill>
+                  <a:srgbClr val="0070C0"/>
+                </a:solidFill>
+                <a:latin typeface="Source Code Pro" panose="020B0509030403020204" pitchFamily="49" charset="0"/>
+                <a:ea typeface="Source Code Pro" panose="020B0509030403020204" pitchFamily="49" charset="0"/>
+              </a:rPr>
+              <a:t>select_clause </a:t>
+            </a:r>
+            <a:r>
+              <a:rPr lang="en-US" spc="-1" dirty="0">
+                <a:latin typeface="Source Code Pro" panose="020B0509030403020204" pitchFamily="49" charset="0"/>
+                <a:ea typeface="Source Code Pro" panose="020B0509030403020204" pitchFamily="49" charset="0"/>
+              </a:rPr>
+              <a:t>| '*' )</a:t>
+            </a:r>
+          </a:p>
+          <a:p>
+            <a:r>
+              <a:rPr lang="en-US" spc="-1" dirty="0">
+                <a:latin typeface="Source Code Pro" panose="020B0509030403020204" pitchFamily="49" charset="0"/>
+                <a:ea typeface="Source Code Pro" panose="020B0509030403020204" pitchFamily="49" charset="0"/>
+              </a:rPr>
+              <a:t>	</a:t>
+            </a:r>
+            <a:r>
+              <a:rPr lang="en-US" spc="-1" dirty="0">
+                <a:solidFill>
+                  <a:srgbClr val="2B8208"/>
+                </a:solidFill>
+                <a:latin typeface="Source Code Pro" panose="020B0509030403020204" pitchFamily="49" charset="0"/>
+                <a:ea typeface="Source Code Pro" panose="020B0509030403020204" pitchFamily="49" charset="0"/>
+              </a:rPr>
+              <a:t>FROM</a:t>
+            </a:r>
+            <a:r>
+              <a:rPr lang="en-US" spc="-1" dirty="0">
+                <a:latin typeface="Source Code Pro" panose="020B0509030403020204" pitchFamily="49" charset="0"/>
+                <a:ea typeface="Source Code Pro" panose="020B0509030403020204" pitchFamily="49" charset="0"/>
+              </a:rPr>
+              <a:t> `table_name`</a:t>
+            </a:r>
+          </a:p>
+          <a:p>
+            <a:r>
+              <a:rPr lang="en-US" spc="-1" dirty="0">
+                <a:latin typeface="Source Code Pro" panose="020B0509030403020204" pitchFamily="49" charset="0"/>
+                <a:ea typeface="Source Code Pro" panose="020B0509030403020204" pitchFamily="49" charset="0"/>
+              </a:rPr>
+              <a:t>	[ </a:t>
+            </a:r>
+            <a:r>
+              <a:rPr lang="en-US" spc="-1" dirty="0">
+                <a:solidFill>
+                  <a:srgbClr val="2B8208"/>
+                </a:solidFill>
+                <a:latin typeface="Source Code Pro" panose="020B0509030403020204" pitchFamily="49" charset="0"/>
+                <a:ea typeface="Source Code Pro" panose="020B0509030403020204" pitchFamily="49" charset="0"/>
+              </a:rPr>
+              <a:t>WHERE</a:t>
+            </a:r>
+            <a:r>
+              <a:rPr lang="en-US" spc="-1" dirty="0">
+                <a:latin typeface="Source Code Pro" panose="020B0509030403020204" pitchFamily="49" charset="0"/>
+                <a:ea typeface="Source Code Pro" panose="020B0509030403020204" pitchFamily="49" charset="0"/>
+              </a:rPr>
+              <a:t> </a:t>
+            </a:r>
+            <a:r>
+              <a:rPr lang="en-US" spc="-1" dirty="0">
+                <a:solidFill>
+                  <a:srgbClr val="840FF9"/>
+                </a:solidFill>
+                <a:latin typeface="Source Code Pro" panose="020B0509030403020204" pitchFamily="49" charset="0"/>
+                <a:ea typeface="Source Code Pro" panose="020B0509030403020204" pitchFamily="49" charset="0"/>
+              </a:rPr>
+              <a:t>`where_clause`</a:t>
+            </a:r>
+            <a:r>
+              <a:rPr lang="en-US" spc="-1" dirty="0">
+                <a:solidFill>
+                  <a:srgbClr val="C00000"/>
+                </a:solidFill>
+                <a:latin typeface="Source Code Pro" panose="020B0509030403020204" pitchFamily="49" charset="0"/>
+                <a:ea typeface="Source Code Pro" panose="020B0509030403020204" pitchFamily="49" charset="0"/>
+              </a:rPr>
+              <a:t> </a:t>
+            </a:r>
+            <a:r>
+              <a:rPr lang="en-US" spc="-1" dirty="0">
+                <a:latin typeface="Source Code Pro" panose="020B0509030403020204" pitchFamily="49" charset="0"/>
+                <a:ea typeface="Source Code Pro" panose="020B0509030403020204" pitchFamily="49" charset="0"/>
+              </a:rPr>
+              <a:t>]</a:t>
+            </a:r>
+          </a:p>
+          <a:p>
+            <a:r>
+              <a:rPr lang="en-US" spc="-1" dirty="0">
+                <a:latin typeface="Source Code Pro" panose="020B0509030403020204" pitchFamily="49" charset="0"/>
+                <a:ea typeface="Source Code Pro" panose="020B0509030403020204" pitchFamily="49" charset="0"/>
+              </a:rPr>
+              <a:t>	[ </a:t>
+            </a:r>
+            <a:r>
+              <a:rPr lang="en-US" spc="-1" dirty="0">
+                <a:solidFill>
+                  <a:srgbClr val="2B8208"/>
+                </a:solidFill>
+                <a:latin typeface="Source Code Pro" panose="020B0509030403020204" pitchFamily="49" charset="0"/>
+                <a:ea typeface="Source Code Pro" panose="020B0509030403020204" pitchFamily="49" charset="0"/>
+              </a:rPr>
+              <a:t>GROUP</a:t>
+            </a:r>
+            <a:r>
+              <a:rPr lang="en-US" spc="-1" dirty="0">
+                <a:latin typeface="Source Code Pro" panose="020B0509030403020204" pitchFamily="49" charset="0"/>
+                <a:ea typeface="Source Code Pro" panose="020B0509030403020204" pitchFamily="49" charset="0"/>
+              </a:rPr>
+              <a:t> </a:t>
+            </a:r>
+            <a:r>
+              <a:rPr lang="en-US" spc="-1" dirty="0">
+                <a:solidFill>
+                  <a:srgbClr val="2B8208"/>
+                </a:solidFill>
+                <a:latin typeface="Source Code Pro" panose="020B0509030403020204" pitchFamily="49" charset="0"/>
+                <a:ea typeface="Source Code Pro" panose="020B0509030403020204" pitchFamily="49" charset="0"/>
+              </a:rPr>
+              <a:t>BY</a:t>
+            </a:r>
+            <a:r>
+              <a:rPr lang="en-US" spc="-1" dirty="0">
+                <a:latin typeface="Source Code Pro" panose="020B0509030403020204" pitchFamily="49" charset="0"/>
+                <a:ea typeface="Source Code Pro" panose="020B0509030403020204" pitchFamily="49" charset="0"/>
+              </a:rPr>
+              <a:t> </a:t>
+            </a:r>
+            <a:r>
+              <a:rPr lang="en-US" spc="-1" dirty="0">
+                <a:solidFill>
+                  <a:srgbClr val="840FF9"/>
+                </a:solidFill>
+                <a:latin typeface="Source Code Pro" panose="020B0509030403020204" pitchFamily="49" charset="0"/>
+                <a:ea typeface="Source Code Pro" panose="020B0509030403020204" pitchFamily="49" charset="0"/>
+              </a:rPr>
+              <a:t>`group_by_clause`</a:t>
+            </a:r>
+            <a:r>
+              <a:rPr lang="en-US" spc="-1" dirty="0">
+                <a:latin typeface="Source Code Pro" panose="020B0509030403020204" pitchFamily="49" charset="0"/>
+                <a:ea typeface="Source Code Pro" panose="020B0509030403020204" pitchFamily="49" charset="0"/>
+              </a:rPr>
+              <a:t> ]</a:t>
+            </a:r>
+          </a:p>
+          <a:p>
+            <a:r>
+              <a:rPr lang="en-US" spc="-1" dirty="0">
+                <a:latin typeface="Source Code Pro" panose="020B0509030403020204" pitchFamily="49" charset="0"/>
+                <a:ea typeface="Source Code Pro" panose="020B0509030403020204" pitchFamily="49" charset="0"/>
+              </a:rPr>
+              <a:t>	[ </a:t>
+            </a:r>
+            <a:r>
+              <a:rPr lang="en-US" spc="-1" dirty="0">
+                <a:solidFill>
+                  <a:srgbClr val="2B8208"/>
+                </a:solidFill>
+                <a:latin typeface="Source Code Pro" panose="020B0509030403020204" pitchFamily="49" charset="0"/>
+                <a:ea typeface="Source Code Pro" panose="020B0509030403020204" pitchFamily="49" charset="0"/>
+              </a:rPr>
+              <a:t>ORDER</a:t>
+            </a:r>
+            <a:r>
+              <a:rPr lang="en-US" spc="-1" dirty="0">
+                <a:latin typeface="Source Code Pro" panose="020B0509030403020204" pitchFamily="49" charset="0"/>
+                <a:ea typeface="Source Code Pro" panose="020B0509030403020204" pitchFamily="49" charset="0"/>
+              </a:rPr>
+              <a:t> </a:t>
+            </a:r>
+            <a:r>
+              <a:rPr lang="en-US" spc="-1" dirty="0">
+                <a:solidFill>
+                  <a:srgbClr val="2B8208"/>
+                </a:solidFill>
+                <a:latin typeface="Source Code Pro" panose="020B0509030403020204" pitchFamily="49" charset="0"/>
+                <a:ea typeface="Source Code Pro" panose="020B0509030403020204" pitchFamily="49" charset="0"/>
+              </a:rPr>
+              <a:t>BY</a:t>
+            </a:r>
+            <a:r>
+              <a:rPr lang="en-US" spc="-1" dirty="0">
+                <a:latin typeface="Source Code Pro" panose="020B0509030403020204" pitchFamily="49" charset="0"/>
+                <a:ea typeface="Source Code Pro" panose="020B0509030403020204" pitchFamily="49" charset="0"/>
+              </a:rPr>
+              <a:t> </a:t>
+            </a:r>
+            <a:r>
+              <a:rPr lang="en-US" spc="-1" dirty="0">
+                <a:solidFill>
+                  <a:srgbClr val="840FF9"/>
+                </a:solidFill>
+                <a:latin typeface="Source Code Pro" panose="020B0509030403020204" pitchFamily="49" charset="0"/>
+                <a:ea typeface="Source Code Pro" panose="020B0509030403020204" pitchFamily="49" charset="0"/>
+              </a:rPr>
+              <a:t>`ordering_clause`</a:t>
+            </a:r>
+            <a:r>
+              <a:rPr lang="en-US" spc="-1" dirty="0">
+                <a:latin typeface="Source Code Pro" panose="020B0509030403020204" pitchFamily="49" charset="0"/>
+                <a:ea typeface="Source Code Pro" panose="020B0509030403020204" pitchFamily="49" charset="0"/>
+              </a:rPr>
+              <a:t> ]</a:t>
+            </a:r>
+          </a:p>
+          <a:p>
+            <a:r>
+              <a:rPr lang="en-US" spc="-1" dirty="0">
+                <a:latin typeface="Source Code Pro" panose="020B0509030403020204" pitchFamily="49" charset="0"/>
+                <a:ea typeface="Source Code Pro" panose="020B0509030403020204" pitchFamily="49" charset="0"/>
+              </a:rPr>
+              <a:t>	[ </a:t>
+            </a:r>
+            <a:r>
+              <a:rPr lang="en-US" spc="-1" dirty="0">
+                <a:solidFill>
+                  <a:srgbClr val="2B8208"/>
+                </a:solidFill>
+                <a:latin typeface="Source Code Pro" panose="020B0509030403020204" pitchFamily="49" charset="0"/>
+                <a:ea typeface="Source Code Pro" panose="020B0509030403020204" pitchFamily="49" charset="0"/>
+              </a:rPr>
+              <a:t>LIMIT</a:t>
+            </a:r>
+            <a:r>
+              <a:rPr lang="en-US" spc="-1" dirty="0">
+                <a:latin typeface="Source Code Pro" panose="020B0509030403020204" pitchFamily="49" charset="0"/>
+                <a:ea typeface="Source Code Pro" panose="020B0509030403020204" pitchFamily="49" charset="0"/>
+              </a:rPr>
+              <a:t> (`integer` | `bind_marker`) ]</a:t>
+            </a:r>
+          </a:p>
+          <a:p>
+            <a:r>
+              <a:rPr lang="en-US" spc="-1" dirty="0">
+                <a:latin typeface="Source Code Pro" panose="020B0509030403020204" pitchFamily="49" charset="0"/>
+                <a:ea typeface="Source Code Pro" panose="020B0509030403020204" pitchFamily="49" charset="0"/>
+              </a:rPr>
+              <a:t>	[ </a:t>
+            </a:r>
+            <a:r>
+              <a:rPr lang="en-US" spc="-1" dirty="0">
+                <a:solidFill>
+                  <a:srgbClr val="2B8208"/>
+                </a:solidFill>
+                <a:latin typeface="Source Code Pro" panose="020B0509030403020204" pitchFamily="49" charset="0"/>
+                <a:ea typeface="Source Code Pro" panose="020B0509030403020204" pitchFamily="49" charset="0"/>
+              </a:rPr>
+              <a:t>ALLOW</a:t>
+            </a:r>
+            <a:r>
+              <a:rPr lang="en-US" spc="-1" dirty="0">
+                <a:latin typeface="Source Code Pro" panose="020B0509030403020204" pitchFamily="49" charset="0"/>
+                <a:ea typeface="Source Code Pro" panose="020B0509030403020204" pitchFamily="49" charset="0"/>
+              </a:rPr>
+              <a:t> </a:t>
+            </a:r>
+            <a:r>
+              <a:rPr lang="en-US" spc="-1" dirty="0">
+                <a:solidFill>
+                  <a:srgbClr val="2B8208"/>
+                </a:solidFill>
+                <a:latin typeface="Source Code Pro" panose="020B0509030403020204" pitchFamily="49" charset="0"/>
+                <a:ea typeface="Source Code Pro" panose="020B0509030403020204" pitchFamily="49" charset="0"/>
+              </a:rPr>
+              <a:t>FILTERING</a:t>
+            </a:r>
+            <a:r>
+              <a:rPr lang="en-US" spc="-1" dirty="0">
+                <a:latin typeface="Source Code Pro" panose="020B0509030403020204" pitchFamily="49" charset="0"/>
+                <a:ea typeface="Source Code Pro" panose="020B0509030403020204" pitchFamily="49" charset="0"/>
+              </a:rPr>
+              <a:t> ]</a:t>
+            </a:r>
+          </a:p>
+          <a:p>
+            <a:r>
+              <a:rPr lang="en-US" spc="-1" dirty="0">
+                <a:solidFill>
+                  <a:srgbClr val="0070C0"/>
+                </a:solidFill>
+                <a:latin typeface="Source Code Pro" panose="020B0509030403020204" pitchFamily="49" charset="0"/>
+                <a:ea typeface="Source Code Pro" panose="020B0509030403020204" pitchFamily="49" charset="0"/>
+              </a:rPr>
+              <a:t>select_clause::= </a:t>
+            </a:r>
+            <a:r>
+              <a:rPr lang="en-US" spc="-1" dirty="0">
+                <a:solidFill>
+                  <a:srgbClr val="C00000"/>
+                </a:solidFill>
+                <a:latin typeface="Source Code Pro" panose="020B0509030403020204" pitchFamily="49" charset="0"/>
+                <a:ea typeface="Source Code Pro" panose="020B0509030403020204" pitchFamily="49" charset="0"/>
+              </a:rPr>
+              <a:t>`selector`</a:t>
+            </a:r>
+            <a:r>
+              <a:rPr lang="en-US" spc="-1" dirty="0">
+                <a:latin typeface="Source Code Pro" panose="020B0509030403020204" pitchFamily="49" charset="0"/>
+                <a:ea typeface="Source Code Pro" panose="020B0509030403020204" pitchFamily="49" charset="0"/>
+              </a:rPr>
+              <a:t> [ AS `identifier` ] ( ',' `selector` [ AS `identifier` ] )</a:t>
+            </a:r>
+          </a:p>
+          <a:p>
+            <a:r>
+              <a:rPr lang="en-US" spc="-1" dirty="0">
+                <a:solidFill>
+                  <a:srgbClr val="C00000"/>
+                </a:solidFill>
+                <a:latin typeface="Source Code Pro" panose="020B0509030403020204" pitchFamily="49" charset="0"/>
+                <a:ea typeface="Source Code Pro" panose="020B0509030403020204" pitchFamily="49" charset="0"/>
+              </a:rPr>
+              <a:t>selector::==</a:t>
+            </a:r>
+            <a:r>
+              <a:rPr lang="en-US" spc="-1" dirty="0">
+                <a:latin typeface="Source Code Pro" panose="020B0509030403020204" pitchFamily="49" charset="0"/>
+                <a:ea typeface="Source Code Pro" panose="020B0509030403020204" pitchFamily="49" charset="0"/>
+              </a:rPr>
+              <a:t> `column_name`</a:t>
+            </a:r>
+          </a:p>
+          <a:p>
+            <a:r>
+              <a:rPr lang="en-US" spc="-1" dirty="0">
+                <a:latin typeface="Source Code Pro" panose="020B0509030403020204" pitchFamily="49" charset="0"/>
+                <a:ea typeface="Source Code Pro" panose="020B0509030403020204" pitchFamily="49" charset="0"/>
+              </a:rPr>
+              <a:t>	| `term`</a:t>
+            </a:r>
+          </a:p>
+          <a:p>
+            <a:r>
+              <a:rPr lang="en-US" spc="-1" dirty="0">
+                <a:latin typeface="Source Code Pro" panose="020B0509030403020204" pitchFamily="49" charset="0"/>
+                <a:ea typeface="Source Code Pro" panose="020B0509030403020204" pitchFamily="49" charset="0"/>
+              </a:rPr>
+              <a:t>	| CAST '(' `selector` AS `cql_type` ')'</a:t>
+            </a:r>
+          </a:p>
+          <a:p>
+            <a:r>
+              <a:rPr lang="en-US" spc="-1" dirty="0">
+                <a:latin typeface="Source Code Pro" panose="020B0509030403020204" pitchFamily="49" charset="0"/>
+                <a:ea typeface="Source Code Pro" panose="020B0509030403020204" pitchFamily="49" charset="0"/>
+              </a:rPr>
+              <a:t>	| `function_name` '(' [ `selector` ( ',' `selector` )_ ] ')'</a:t>
+            </a:r>
+          </a:p>
+          <a:p>
+            <a:r>
+              <a:rPr lang="en-US" spc="-1" dirty="0">
+                <a:latin typeface="Source Code Pro" panose="020B0509030403020204" pitchFamily="49" charset="0"/>
+                <a:ea typeface="Source Code Pro" panose="020B0509030403020204" pitchFamily="49" charset="0"/>
+              </a:rPr>
+              <a:t>	| COUNT '(' '_' ')'</a:t>
+            </a:r>
+          </a:p>
+          <a:p>
+            <a:r>
+              <a:rPr lang="en-US" spc="-1" dirty="0">
+                <a:solidFill>
+                  <a:srgbClr val="840FF9"/>
+                </a:solidFill>
+                <a:latin typeface="Source Code Pro" panose="020B0509030403020204" pitchFamily="49" charset="0"/>
+                <a:ea typeface="Source Code Pro" panose="020B0509030403020204" pitchFamily="49" charset="0"/>
+              </a:rPr>
+              <a:t>where_clause::=</a:t>
+            </a:r>
+            <a:r>
+              <a:rPr lang="en-US" spc="-1" dirty="0">
+                <a:solidFill>
+                  <a:srgbClr val="C00000"/>
+                </a:solidFill>
+                <a:latin typeface="Source Code Pro" panose="020B0509030403020204" pitchFamily="49" charset="0"/>
+                <a:ea typeface="Source Code Pro" panose="020B0509030403020204" pitchFamily="49" charset="0"/>
+              </a:rPr>
+              <a:t> `relation`</a:t>
+            </a:r>
+            <a:r>
+              <a:rPr lang="en-US" spc="-1" dirty="0">
+                <a:latin typeface="Source Code Pro" panose="020B0509030403020204" pitchFamily="49" charset="0"/>
+                <a:ea typeface="Source Code Pro" panose="020B0509030403020204" pitchFamily="49" charset="0"/>
+              </a:rPr>
+              <a:t> ( AND `relation` )*</a:t>
+            </a:r>
+          </a:p>
+          <a:p>
+            <a:r>
+              <a:rPr lang="en-US" spc="-1" dirty="0">
+                <a:solidFill>
+                  <a:srgbClr val="C00000"/>
+                </a:solidFill>
+                <a:latin typeface="Source Code Pro" panose="020B0509030403020204" pitchFamily="49" charset="0"/>
+                <a:ea typeface="Source Code Pro" panose="020B0509030403020204" pitchFamily="49" charset="0"/>
+              </a:rPr>
+              <a:t>relation::=</a:t>
+            </a:r>
+            <a:r>
+              <a:rPr lang="en-US" spc="-1" dirty="0">
+                <a:latin typeface="Source Code Pro" panose="020B0509030403020204" pitchFamily="49" charset="0"/>
+                <a:ea typeface="Source Code Pro" panose="020B0509030403020204" pitchFamily="49" charset="0"/>
+              </a:rPr>
+              <a:t> column_name </a:t>
+            </a:r>
+            <a:r>
+              <a:rPr lang="en-US" spc="-1" dirty="0">
+                <a:solidFill>
+                  <a:srgbClr val="C00000"/>
+                </a:solidFill>
+                <a:latin typeface="Source Code Pro" panose="020B0509030403020204" pitchFamily="49" charset="0"/>
+                <a:ea typeface="Source Code Pro" panose="020B0509030403020204" pitchFamily="49" charset="0"/>
+              </a:rPr>
+              <a:t>operator</a:t>
+            </a:r>
+            <a:r>
+              <a:rPr lang="en-US" spc="-1" dirty="0">
+                <a:latin typeface="Source Code Pro" panose="020B0509030403020204" pitchFamily="49" charset="0"/>
+                <a:ea typeface="Source Code Pro" panose="020B0509030403020204" pitchFamily="49" charset="0"/>
+              </a:rPr>
+              <a:t> term</a:t>
+            </a:r>
+          </a:p>
+          <a:p>
+            <a:r>
+              <a:rPr lang="en-US" spc="-1" dirty="0">
+                <a:latin typeface="Source Code Pro" panose="020B0509030403020204" pitchFamily="49" charset="0"/>
+                <a:ea typeface="Source Code Pro" panose="020B0509030403020204" pitchFamily="49" charset="0"/>
+              </a:rPr>
+              <a:t>	'(' column_name ( ',' column_name )* ')' operator tuple_literal</a:t>
+            </a:r>
+          </a:p>
+          <a:p>
+            <a:r>
+              <a:rPr lang="en-US" spc="-1" dirty="0">
+                <a:latin typeface="Source Code Pro" panose="020B0509030403020204" pitchFamily="49" charset="0"/>
+                <a:ea typeface="Source Code Pro" panose="020B0509030403020204" pitchFamily="49" charset="0"/>
+              </a:rPr>
+              <a:t>	TOKEN '(' column_name# ( ',' column_name )* ')' operator term</a:t>
+            </a:r>
+          </a:p>
+          <a:p>
+            <a:r>
+              <a:rPr lang="en-US" spc="-1" dirty="0">
+                <a:solidFill>
+                  <a:srgbClr val="C00000"/>
+                </a:solidFill>
+                <a:latin typeface="Source Code Pro" panose="020B0509030403020204" pitchFamily="49" charset="0"/>
+                <a:ea typeface="Source Code Pro" panose="020B0509030403020204" pitchFamily="49" charset="0"/>
+              </a:rPr>
+              <a:t>operator::=</a:t>
+            </a:r>
+            <a:r>
+              <a:rPr lang="en-US" spc="-1" dirty="0">
+                <a:latin typeface="Source Code Pro" panose="020B0509030403020204" pitchFamily="49" charset="0"/>
+                <a:ea typeface="Source Code Pro" panose="020B0509030403020204" pitchFamily="49" charset="0"/>
+              </a:rPr>
+              <a:t> '=' | '&lt;' | '&gt;' | '&lt;=' | '&gt;=' | '!=' | IN | CONTAINS | CONTAINS KEY</a:t>
+            </a:r>
+          </a:p>
+          <a:p>
+            <a:r>
+              <a:rPr lang="en-US" spc="-1" dirty="0">
+                <a:solidFill>
+                  <a:srgbClr val="840FF9"/>
+                </a:solidFill>
+                <a:latin typeface="Source Code Pro" panose="020B0509030403020204" pitchFamily="49" charset="0"/>
+                <a:ea typeface="Source Code Pro" panose="020B0509030403020204" pitchFamily="49" charset="0"/>
+              </a:rPr>
+              <a:t>group_by_clause::=</a:t>
+            </a:r>
+            <a:r>
+              <a:rPr lang="en-US" spc="-1" dirty="0">
+                <a:latin typeface="Source Code Pro" panose="020B0509030403020204" pitchFamily="49" charset="0"/>
+                <a:ea typeface="Source Code Pro" panose="020B0509030403020204" pitchFamily="49" charset="0"/>
+              </a:rPr>
+              <a:t> column_name ( ',' column_name )*</a:t>
+            </a:r>
+          </a:p>
+          <a:p>
+            <a:r>
+              <a:rPr lang="en-US" spc="-1" dirty="0">
+                <a:solidFill>
+                  <a:srgbClr val="840FF9"/>
+                </a:solidFill>
+                <a:latin typeface="Source Code Pro" panose="020B0509030403020204" pitchFamily="49" charset="0"/>
+                <a:ea typeface="Source Code Pro" panose="020B0509030403020204" pitchFamily="49" charset="0"/>
+              </a:rPr>
+              <a:t>ordering_clause::=</a:t>
+            </a:r>
+            <a:r>
+              <a:rPr lang="en-US" spc="-1" dirty="0">
+                <a:latin typeface="Source Code Pro" panose="020B0509030403020204" pitchFamily="49" charset="0"/>
+                <a:ea typeface="Source Code Pro" panose="020B0509030403020204" pitchFamily="49" charset="0"/>
+              </a:rPr>
+              <a:t> column_name [ ASC | DESC ] ( ',' column_name [ ASC | DESC ] )*</a:t>
+            </a:r>
+            <a:endParaRPr lang="en-IN" sz="400" spc="-1" dirty="0">
+              <a:latin typeface="Source Code Pro" panose="020B0509030403020204" pitchFamily="49" charset="0"/>
+              <a:ea typeface="Source Code Pro" panose="020B0509030403020204" pitchFamily="49" charset="0"/>
+            </a:endParaRPr>
+          </a:p>
+        </p:txBody>
+      </p:sp>
+    </p:spTree>
+    <p:extLst>
+      <p:ext uri="{BB962C8B-B14F-4D97-AF65-F5344CB8AC3E}">
+        <p14:creationId xmlns:p14="http://schemas.microsoft.com/office/powerpoint/2010/main" val="1398291685"/>
+      </p:ext>
+    </p:extLst>
+  </p:cSld>
+  <p:clrMapOvr>
+    <a:masterClrMapping/>
+  </p:clrMapOvr>
+</p:sld>
+</file>
+
+<file path=ppt/slides/slide42.xml><?xml version="1.0" encoding="utf-8"?>
+<p:sld xmlns:a="http://schemas.openxmlformats.org/drawingml/2006/main" xmlns:r="http://schemas.openxmlformats.org/officeDocument/2006/relationships" xmlns:p="http://schemas.openxmlformats.org/presentationml/2006/main">
+  <p:cSld>
+    <p:spTree>
+      <p:nvGrpSpPr>
+        <p:cNvPr id="1" name=""/>
+        <p:cNvGrpSpPr/>
+        <p:nvPr/>
+      </p:nvGrpSpPr>
+      <p:grpSpPr>
+        <a:xfrm>
+          <a:off x="0" y="0"/>
+          <a:ext cx="0" cy="0"/>
+          <a:chOff x="0" y="0"/>
+          <a:chExt cx="0" cy="0"/>
+        </a:xfrm>
+      </p:grpSpPr>
+      <p:sp>
+        <p:nvSpPr>
           <p:cNvPr id="111" name="CustomShape 1"/>
           <p:cNvSpPr/>
           <p:nvPr/>
@@ -22684,7 +23773,7 @@
 </p:sld>
 </file>
 
-<file path=ppt/slides/slide41.xml><?xml version="1.0" encoding="utf-8"?>
+<file path=ppt/slides/slide43.xml><?xml version="1.0" encoding="utf-8"?>
 <p:sld xmlns:a="http://schemas.openxmlformats.org/drawingml/2006/main" xmlns:r="http://schemas.openxmlformats.org/officeDocument/2006/relationships" xmlns:p="http://schemas.openxmlformats.org/presentationml/2006/main">
   <p:cSld>
     <p:spTree>
@@ -22843,7 +23932,7 @@
 </p:sld>
 </file>
 
-<file path=ppt/slides/slide42.xml><?xml version="1.0" encoding="utf-8"?>
+<file path=ppt/slides/slide44.xml><?xml version="1.0" encoding="utf-8"?>
 <p:sld xmlns:a="http://schemas.openxmlformats.org/drawingml/2006/main" xmlns:r="http://schemas.openxmlformats.org/officeDocument/2006/relationships" xmlns:p="http://schemas.openxmlformats.org/presentationml/2006/main">
   <p:cSld>
     <p:spTree>
@@ -23339,7 +24428,7 @@
 </p:sld>
 </file>
 
-<file path=ppt/slides/slide43.xml><?xml version="1.0" encoding="utf-8"?>
+<file path=ppt/slides/slide45.xml><?xml version="1.0" encoding="utf-8"?>
 <p:sld xmlns:a="http://schemas.openxmlformats.org/drawingml/2006/main" xmlns:r="http://schemas.openxmlformats.org/officeDocument/2006/relationships" xmlns:p="http://schemas.openxmlformats.org/presentationml/2006/main">
   <p:cSld>
     <p:spTree>
@@ -23498,7 +24587,7 @@
 </p:sld>
 </file>
 
-<file path=ppt/slides/slide44.xml><?xml version="1.0" encoding="utf-8"?>
+<file path=ppt/slides/slide46.xml><?xml version="1.0" encoding="utf-8"?>
 <p:sld xmlns:a="http://schemas.openxmlformats.org/drawingml/2006/main" xmlns:r="http://schemas.openxmlformats.org/officeDocument/2006/relationships" xmlns:p="http://schemas.openxmlformats.org/presentationml/2006/main">
   <p:cSld>
     <p:spTree>
@@ -23958,7 +25047,7 @@
 </p:sld>
 </file>
 
-<file path=ppt/slides/slide45.xml><?xml version="1.0" encoding="utf-8"?>
+<file path=ppt/slides/slide47.xml><?xml version="1.0" encoding="utf-8"?>
 <p:sld xmlns:a="http://schemas.openxmlformats.org/drawingml/2006/main" xmlns:r="http://schemas.openxmlformats.org/officeDocument/2006/relationships" xmlns:p="http://schemas.openxmlformats.org/presentationml/2006/main">
   <p:cSld>
     <p:spTree>
@@ -24107,7 +25196,7 @@
 </p:sld>
 </file>
 
-<file path=ppt/slides/slide46.xml><?xml version="1.0" encoding="utf-8"?>
+<file path=ppt/slides/slide48.xml><?xml version="1.0" encoding="utf-8"?>
 <p:sld xmlns:a="http://schemas.openxmlformats.org/drawingml/2006/main" xmlns:r="http://schemas.openxmlformats.org/officeDocument/2006/relationships" xmlns:p="http://schemas.openxmlformats.org/presentationml/2006/main">
   <p:cSld>
     <p:spTree>
@@ -24506,7 +25595,7 @@
 </p:sld>
 </file>
 
-<file path=ppt/slides/slide47.xml><?xml version="1.0" encoding="utf-8"?>
+<file path=ppt/slides/slide49.xml><?xml version="1.0" encoding="utf-8"?>
 <p:sld xmlns:a="http://schemas.openxmlformats.org/drawingml/2006/main" xmlns:r="http://schemas.openxmlformats.org/officeDocument/2006/relationships" xmlns:p="http://schemas.openxmlformats.org/presentationml/2006/main">
   <p:cSld>
     <p:spTree>
@@ -24672,7 +25761,403 @@
 </p:sld>
 </file>
 
-<file path=ppt/slides/slide48.xml><?xml version="1.0" encoding="utf-8"?>
+<file path=ppt/slides/slide5.xml><?xml version="1.0" encoding="utf-8"?>
+<p:sld xmlns:a="http://schemas.openxmlformats.org/drawingml/2006/main" xmlns:r="http://schemas.openxmlformats.org/officeDocument/2006/relationships" xmlns:p="http://schemas.openxmlformats.org/presentationml/2006/main">
+  <p:cSld>
+    <p:spTree>
+      <p:nvGrpSpPr>
+        <p:cNvPr id="1" name=""/>
+        <p:cNvGrpSpPr/>
+        <p:nvPr/>
+      </p:nvGrpSpPr>
+      <p:grpSpPr>
+        <a:xfrm>
+          <a:off x="0" y="0"/>
+          <a:ext cx="0" cy="0"/>
+          <a:chOff x="0" y="0"/>
+          <a:chExt cx="0" cy="0"/>
+        </a:xfrm>
+      </p:grpSpPr>
+      <p:sp>
+        <p:nvSpPr>
+          <p:cNvPr id="58370" name="AutoShape 2" descr="One-to-one entity relationship diagram"/>
+          <p:cNvSpPr>
+            <a:spLocks noChangeAspect="1" noChangeArrowheads="1"/>
+          </p:cNvSpPr>
+          <p:nvPr/>
+        </p:nvSpPr>
+        <p:spPr bwMode="auto">
+          <a:xfrm>
+            <a:off x="1679575" y="-144463"/>
+            <a:ext cx="304800" cy="304801"/>
+          </a:xfrm>
+          <a:prstGeom prst="rect">
+            <a:avLst/>
+          </a:prstGeom>
+          <a:noFill/>
+        </p:spPr>
+        <p:txBody>
+          <a:bodyPr vert="horz" wrap="square" lIns="91440" tIns="45720" rIns="91440" bIns="45720" numCol="1" anchor="t" anchorCtr="0" compatLnSpc="1">
+            <a:prstTxWarp prst="textNoShape">
+              <a:avLst/>
+            </a:prstTxWarp>
+          </a:bodyPr>
+          <a:lstStyle/>
+          <a:p>
+            <a:endParaRPr lang="en-US" dirty="0">
+              <a:latin typeface="Arial" pitchFamily="34" charset="0"/>
+              <a:cs typeface="Arial" pitchFamily="34" charset="0"/>
+            </a:endParaRPr>
+          </a:p>
+        </p:txBody>
+      </p:sp>
+      <p:sp>
+        <p:nvSpPr>
+          <p:cNvPr id="58372" name="AutoShape 4" descr="One-to-one entity relationship diagram"/>
+          <p:cNvSpPr>
+            <a:spLocks noChangeAspect="1" noChangeArrowheads="1"/>
+          </p:cNvSpPr>
+          <p:nvPr/>
+        </p:nvSpPr>
+        <p:spPr bwMode="auto">
+          <a:xfrm>
+            <a:off x="1679575" y="-144463"/>
+            <a:ext cx="304800" cy="304801"/>
+          </a:xfrm>
+          <a:prstGeom prst="rect">
+            <a:avLst/>
+          </a:prstGeom>
+          <a:noFill/>
+        </p:spPr>
+        <p:txBody>
+          <a:bodyPr vert="horz" wrap="square" lIns="91440" tIns="45720" rIns="91440" bIns="45720" numCol="1" anchor="t" anchorCtr="0" compatLnSpc="1">
+            <a:prstTxWarp prst="textNoShape">
+              <a:avLst/>
+            </a:prstTxWarp>
+          </a:bodyPr>
+          <a:lstStyle/>
+          <a:p>
+            <a:endParaRPr lang="en-US" dirty="0">
+              <a:latin typeface="Arial" pitchFamily="34" charset="0"/>
+              <a:cs typeface="Arial" pitchFamily="34" charset="0"/>
+            </a:endParaRPr>
+          </a:p>
+        </p:txBody>
+      </p:sp>
+      <p:sp>
+        <p:nvSpPr>
+          <p:cNvPr id="8" name="CustomShape 6">
+            <a:extLst>
+              <a:ext uri="{FF2B5EF4-FFF2-40B4-BE49-F238E27FC236}">
+                <a16:creationId xmlns:a16="http://schemas.microsoft.com/office/drawing/2014/main" id="{D8952F57-BFAB-4656-8E7F-3105CA98AD8B}"/>
+              </a:ext>
+            </a:extLst>
+          </p:cNvPr>
+          <p:cNvSpPr/>
+          <p:nvPr/>
+        </p:nvSpPr>
+        <p:spPr>
+          <a:xfrm>
+            <a:off x="246600" y="0"/>
+            <a:ext cx="11693880" cy="706432"/>
+          </a:xfrm>
+          <a:prstGeom prst="rect">
+            <a:avLst/>
+          </a:prstGeom>
+          <a:solidFill>
+            <a:srgbClr val="C00000"/>
+          </a:solidFill>
+          <a:ln>
+            <a:noFill/>
+          </a:ln>
+        </p:spPr>
+        <p:style>
+          <a:lnRef idx="0">
+            <a:scrgbClr r="0" g="0" b="0"/>
+          </a:lnRef>
+          <a:fillRef idx="0">
+            <a:scrgbClr r="0" g="0" b="0"/>
+          </a:fillRef>
+          <a:effectRef idx="0">
+            <a:scrgbClr r="0" g="0" b="0"/>
+          </a:effectRef>
+          <a:fontRef idx="minor"/>
+        </p:style>
+        <p:txBody>
+          <a:bodyPr lIns="90000" tIns="45000" rIns="90000" bIns="45000">
+            <a:spAutoFit/>
+          </a:bodyPr>
+          <a:lstStyle/>
+          <a:p>
+            <a:pPr algn="ctr"/>
+            <a:r>
+              <a:rPr lang="en-IN" sz="4000" spc="-1" dirty="0">
+                <a:solidFill>
+                  <a:srgbClr val="F7C120"/>
+                </a:solidFill>
+                <a:latin typeface="Open Sans"/>
+              </a:rPr>
+              <a:t>comments in cassandra</a:t>
+            </a:r>
+          </a:p>
+        </p:txBody>
+      </p:sp>
+      <p:sp>
+        <p:nvSpPr>
+          <p:cNvPr id="9" name="TextBox 8">
+            <a:extLst>
+              <a:ext uri="{FF2B5EF4-FFF2-40B4-BE49-F238E27FC236}">
+                <a16:creationId xmlns:a16="http://schemas.microsoft.com/office/drawing/2014/main" id="{C72205C8-5D21-4BF1-A2BB-0A37EFBCB337}"/>
+              </a:ext>
+            </a:extLst>
+          </p:cNvPr>
+          <p:cNvSpPr txBox="1"/>
+          <p:nvPr/>
+        </p:nvSpPr>
+        <p:spPr>
+          <a:xfrm>
+            <a:off x="264540" y="1412776"/>
+            <a:ext cx="11675939" cy="2308324"/>
+          </a:xfrm>
+          <a:prstGeom prst="rect">
+            <a:avLst/>
+          </a:prstGeom>
+          <a:noFill/>
+        </p:spPr>
+        <p:txBody>
+          <a:bodyPr wrap="square">
+            <a:spAutoFit/>
+          </a:bodyPr>
+          <a:lstStyle/>
+          <a:p>
+            <a:pPr marL="285750" indent="-285750">
+              <a:buFont typeface="Arial" panose="020B0604020202020204" pitchFamily="34" charset="0"/>
+              <a:buChar char="•"/>
+            </a:pPr>
+            <a:r>
+              <a:rPr lang="en-IN" dirty="0">
+                <a:solidFill>
+                  <a:srgbClr val="0070C0"/>
+                </a:solidFill>
+                <a:latin typeface="Consolas" panose="020B0609020204030204" pitchFamily="49" charset="0"/>
+              </a:rPr>
+              <a:t>SELECT</a:t>
+            </a:r>
+            <a:r>
+              <a:rPr lang="en-IN" dirty="0">
+                <a:latin typeface="Consolas" panose="020B0609020204030204" pitchFamily="49" charset="0"/>
+              </a:rPr>
+              <a:t> * </a:t>
+            </a:r>
+            <a:r>
+              <a:rPr lang="en-IN" dirty="0">
+                <a:solidFill>
+                  <a:srgbClr val="0070C0"/>
+                </a:solidFill>
+                <a:latin typeface="Consolas" panose="020B0609020204030204" pitchFamily="49" charset="0"/>
+              </a:rPr>
+              <a:t>FROM</a:t>
+            </a:r>
+            <a:r>
+              <a:rPr lang="en-IN" dirty="0">
+                <a:latin typeface="Consolas" panose="020B0609020204030204" pitchFamily="49" charset="0"/>
+              </a:rPr>
+              <a:t> emp; </a:t>
+            </a:r>
+            <a:r>
+              <a:rPr lang="en-IN" b="1" dirty="0">
+                <a:solidFill>
+                  <a:srgbClr val="329909"/>
+                </a:solidFill>
+                <a:latin typeface="Consolas" panose="020B0609020204030204" pitchFamily="49" charset="0"/>
+              </a:rPr>
+              <a:t>--</a:t>
+            </a:r>
+            <a:r>
+              <a:rPr lang="en-IN" dirty="0">
+                <a:solidFill>
+                  <a:srgbClr val="329909"/>
+                </a:solidFill>
+                <a:latin typeface="Consolas" panose="020B0609020204030204" pitchFamily="49" charset="0"/>
+              </a:rPr>
+              <a:t> End of line comment</a:t>
+            </a:r>
+          </a:p>
+          <a:p>
+            <a:pPr marL="285750" indent="-285750">
+              <a:buFont typeface="Arial" panose="020B0604020202020204" pitchFamily="34" charset="0"/>
+              <a:buChar char="•"/>
+            </a:pPr>
+            <a:endParaRPr lang="en-IN" dirty="0">
+              <a:latin typeface="Consolas" panose="020B0609020204030204" pitchFamily="49" charset="0"/>
+            </a:endParaRPr>
+          </a:p>
+          <a:p>
+            <a:pPr marL="285750" indent="-285750">
+              <a:buFont typeface="Arial" panose="020B0604020202020204" pitchFamily="34" charset="0"/>
+              <a:buChar char="•"/>
+            </a:pPr>
+            <a:r>
+              <a:rPr lang="en-IN" dirty="0">
+                <a:solidFill>
+                  <a:srgbClr val="0070C0"/>
+                </a:solidFill>
+                <a:latin typeface="Consolas" panose="020B0609020204030204" pitchFamily="49" charset="0"/>
+              </a:rPr>
+              <a:t>SELECT</a:t>
+            </a:r>
+            <a:r>
+              <a:rPr lang="en-IN" dirty="0">
+                <a:latin typeface="Consolas" panose="020B0609020204030204" pitchFamily="49" charset="0"/>
+              </a:rPr>
+              <a:t> * </a:t>
+            </a:r>
+            <a:r>
+              <a:rPr lang="en-IN" dirty="0">
+                <a:solidFill>
+                  <a:srgbClr val="0070C0"/>
+                </a:solidFill>
+                <a:latin typeface="Consolas" panose="020B0609020204030204" pitchFamily="49" charset="0"/>
+              </a:rPr>
+              <a:t>FROM</a:t>
+            </a:r>
+            <a:r>
+              <a:rPr lang="en-IN" dirty="0">
+                <a:latin typeface="Consolas" panose="020B0609020204030204" pitchFamily="49" charset="0"/>
+              </a:rPr>
+              <a:t> emp; </a:t>
+            </a:r>
+            <a:r>
+              <a:rPr lang="en-IN" b="1" dirty="0">
+                <a:solidFill>
+                  <a:srgbClr val="329909"/>
+                </a:solidFill>
+                <a:latin typeface="Consolas" panose="020B0609020204030204" pitchFamily="49" charset="0"/>
+              </a:rPr>
+              <a:t>//</a:t>
+            </a:r>
+            <a:r>
+              <a:rPr lang="en-IN" dirty="0">
+                <a:solidFill>
+                  <a:srgbClr val="329909"/>
+                </a:solidFill>
+                <a:latin typeface="Consolas" panose="020B0609020204030204" pitchFamily="49" charset="0"/>
+              </a:rPr>
+              <a:t> End of line comment</a:t>
+            </a:r>
+          </a:p>
+          <a:p>
+            <a:pPr marL="285750" indent="-285750">
+              <a:buFont typeface="Arial" panose="020B0604020202020204" pitchFamily="34" charset="0"/>
+              <a:buChar char="•"/>
+            </a:pPr>
+            <a:endParaRPr lang="en-IN" dirty="0">
+              <a:latin typeface="Consolas" panose="020B0609020204030204" pitchFamily="49" charset="0"/>
+            </a:endParaRPr>
+          </a:p>
+          <a:p>
+            <a:r>
+              <a:rPr lang="en-IN" b="1" dirty="0">
+                <a:solidFill>
+                  <a:srgbClr val="329909"/>
+                </a:solidFill>
+                <a:latin typeface="Consolas" panose="020B0609020204030204" pitchFamily="49" charset="0"/>
+              </a:rPr>
+              <a:t>/*</a:t>
+            </a:r>
+            <a:r>
+              <a:rPr lang="en-IN" dirty="0">
+                <a:solidFill>
+                  <a:srgbClr val="329909"/>
+                </a:solidFill>
+                <a:latin typeface="Consolas" panose="020B0609020204030204" pitchFamily="49" charset="0"/>
+              </a:rPr>
+              <a:t> This is the first line of </a:t>
+            </a:r>
+          </a:p>
+          <a:p>
+            <a:r>
+              <a:rPr lang="en-IN" dirty="0">
+                <a:solidFill>
+                  <a:srgbClr val="329909"/>
+                </a:solidFill>
+                <a:latin typeface="Consolas" panose="020B0609020204030204" pitchFamily="49" charset="0"/>
+              </a:rPr>
+              <a:t>   of a comment that spans multiple</a:t>
+            </a:r>
+          </a:p>
+          <a:p>
+            <a:r>
+              <a:rPr lang="en-IN" dirty="0">
+                <a:solidFill>
+                  <a:srgbClr val="329909"/>
+                </a:solidFill>
+                <a:latin typeface="Consolas" panose="020B0609020204030204" pitchFamily="49" charset="0"/>
+              </a:rPr>
+              <a:t>   lines </a:t>
+            </a:r>
+            <a:r>
+              <a:rPr lang="en-IN" b="1" dirty="0">
+                <a:solidFill>
+                  <a:srgbClr val="329909"/>
+                </a:solidFill>
+                <a:latin typeface="Consolas" panose="020B0609020204030204" pitchFamily="49" charset="0"/>
+              </a:rPr>
+              <a:t>*/</a:t>
+            </a:r>
+          </a:p>
+          <a:p>
+            <a:pPr marL="285750" indent="-285750">
+              <a:buFont typeface="Arial" panose="020B0604020202020204" pitchFamily="34" charset="0"/>
+              <a:buChar char="•"/>
+            </a:pPr>
+            <a:r>
+              <a:rPr lang="en-IN" dirty="0">
+                <a:solidFill>
+                  <a:srgbClr val="0070C0"/>
+                </a:solidFill>
+                <a:latin typeface="Consolas" panose="020B0609020204030204" pitchFamily="49" charset="0"/>
+              </a:rPr>
+              <a:t>SELECT</a:t>
+            </a:r>
+            <a:r>
+              <a:rPr lang="en-IN" dirty="0">
+                <a:latin typeface="Consolas" panose="020B0609020204030204" pitchFamily="49" charset="0"/>
+              </a:rPr>
+              <a:t> * </a:t>
+            </a:r>
+            <a:r>
+              <a:rPr lang="en-IN" dirty="0">
+                <a:solidFill>
+                  <a:srgbClr val="0070C0"/>
+                </a:solidFill>
+                <a:latin typeface="Consolas" panose="020B0609020204030204" pitchFamily="49" charset="0"/>
+              </a:rPr>
+              <a:t>FROM</a:t>
+            </a:r>
+            <a:r>
+              <a:rPr lang="en-IN" dirty="0">
+                <a:latin typeface="Consolas" panose="020B0609020204030204" pitchFamily="49" charset="0"/>
+              </a:rPr>
+              <a:t> emp;</a:t>
+            </a:r>
+          </a:p>
+        </p:txBody>
+      </p:sp>
+    </p:spTree>
+    <p:extLst>
+      <p:ext uri="{BB962C8B-B14F-4D97-AF65-F5344CB8AC3E}">
+        <p14:creationId xmlns:p14="http://schemas.microsoft.com/office/powerpoint/2010/main" val="56203016"/>
+      </p:ext>
+    </p:extLst>
+  </p:cSld>
+  <p:clrMapOvr>
+    <a:masterClrMapping/>
+  </p:clrMapOvr>
+</p:sld>
+</file>
+
+<file path=ppt/slides/slide50.xml><?xml version="1.0" encoding="utf-8"?>
 <p:sld xmlns:a="http://schemas.openxmlformats.org/drawingml/2006/main" xmlns:r="http://schemas.openxmlformats.org/officeDocument/2006/relationships" xmlns:p="http://schemas.openxmlformats.org/presentationml/2006/main">
   <p:cSld>
     <p:spTree>
@@ -25101,7 +26586,7 @@
 </p:sld>
 </file>
 
-<file path=ppt/slides/slide49.xml><?xml version="1.0" encoding="utf-8"?>
+<file path=ppt/slides/slide51.xml><?xml version="1.0" encoding="utf-8"?>
 <p:sld xmlns:a="http://schemas.openxmlformats.org/drawingml/2006/main" xmlns:r="http://schemas.openxmlformats.org/officeDocument/2006/relationships" xmlns:p="http://schemas.openxmlformats.org/presentationml/2006/main">
   <p:cSld>
     <p:spTree>
@@ -25250,403 +26735,7 @@
 </p:sld>
 </file>
 
-<file path=ppt/slides/slide5.xml><?xml version="1.0" encoding="utf-8"?>
-<p:sld xmlns:a="http://schemas.openxmlformats.org/drawingml/2006/main" xmlns:r="http://schemas.openxmlformats.org/officeDocument/2006/relationships" xmlns:p="http://schemas.openxmlformats.org/presentationml/2006/main">
-  <p:cSld>
-    <p:spTree>
-      <p:nvGrpSpPr>
-        <p:cNvPr id="1" name=""/>
-        <p:cNvGrpSpPr/>
-        <p:nvPr/>
-      </p:nvGrpSpPr>
-      <p:grpSpPr>
-        <a:xfrm>
-          <a:off x="0" y="0"/>
-          <a:ext cx="0" cy="0"/>
-          <a:chOff x="0" y="0"/>
-          <a:chExt cx="0" cy="0"/>
-        </a:xfrm>
-      </p:grpSpPr>
-      <p:sp>
-        <p:nvSpPr>
-          <p:cNvPr id="58370" name="AutoShape 2" descr="One-to-one entity relationship diagram"/>
-          <p:cNvSpPr>
-            <a:spLocks noChangeAspect="1" noChangeArrowheads="1"/>
-          </p:cNvSpPr>
-          <p:nvPr/>
-        </p:nvSpPr>
-        <p:spPr bwMode="auto">
-          <a:xfrm>
-            <a:off x="1679575" y="-144463"/>
-            <a:ext cx="304800" cy="304801"/>
-          </a:xfrm>
-          <a:prstGeom prst="rect">
-            <a:avLst/>
-          </a:prstGeom>
-          <a:noFill/>
-        </p:spPr>
-        <p:txBody>
-          <a:bodyPr vert="horz" wrap="square" lIns="91440" tIns="45720" rIns="91440" bIns="45720" numCol="1" anchor="t" anchorCtr="0" compatLnSpc="1">
-            <a:prstTxWarp prst="textNoShape">
-              <a:avLst/>
-            </a:prstTxWarp>
-          </a:bodyPr>
-          <a:lstStyle/>
-          <a:p>
-            <a:endParaRPr lang="en-US" dirty="0">
-              <a:latin typeface="Arial" pitchFamily="34" charset="0"/>
-              <a:cs typeface="Arial" pitchFamily="34" charset="0"/>
-            </a:endParaRPr>
-          </a:p>
-        </p:txBody>
-      </p:sp>
-      <p:sp>
-        <p:nvSpPr>
-          <p:cNvPr id="58372" name="AutoShape 4" descr="One-to-one entity relationship diagram"/>
-          <p:cNvSpPr>
-            <a:spLocks noChangeAspect="1" noChangeArrowheads="1"/>
-          </p:cNvSpPr>
-          <p:nvPr/>
-        </p:nvSpPr>
-        <p:spPr bwMode="auto">
-          <a:xfrm>
-            <a:off x="1679575" y="-144463"/>
-            <a:ext cx="304800" cy="304801"/>
-          </a:xfrm>
-          <a:prstGeom prst="rect">
-            <a:avLst/>
-          </a:prstGeom>
-          <a:noFill/>
-        </p:spPr>
-        <p:txBody>
-          <a:bodyPr vert="horz" wrap="square" lIns="91440" tIns="45720" rIns="91440" bIns="45720" numCol="1" anchor="t" anchorCtr="0" compatLnSpc="1">
-            <a:prstTxWarp prst="textNoShape">
-              <a:avLst/>
-            </a:prstTxWarp>
-          </a:bodyPr>
-          <a:lstStyle/>
-          <a:p>
-            <a:endParaRPr lang="en-US" dirty="0">
-              <a:latin typeface="Arial" pitchFamily="34" charset="0"/>
-              <a:cs typeface="Arial" pitchFamily="34" charset="0"/>
-            </a:endParaRPr>
-          </a:p>
-        </p:txBody>
-      </p:sp>
-      <p:sp>
-        <p:nvSpPr>
-          <p:cNvPr id="8" name="CustomShape 6">
-            <a:extLst>
-              <a:ext uri="{FF2B5EF4-FFF2-40B4-BE49-F238E27FC236}">
-                <a16:creationId xmlns:a16="http://schemas.microsoft.com/office/drawing/2014/main" id="{D8952F57-BFAB-4656-8E7F-3105CA98AD8B}"/>
-              </a:ext>
-            </a:extLst>
-          </p:cNvPr>
-          <p:cNvSpPr/>
-          <p:nvPr/>
-        </p:nvSpPr>
-        <p:spPr>
-          <a:xfrm>
-            <a:off x="246600" y="0"/>
-            <a:ext cx="11693880" cy="706432"/>
-          </a:xfrm>
-          <a:prstGeom prst="rect">
-            <a:avLst/>
-          </a:prstGeom>
-          <a:solidFill>
-            <a:srgbClr val="C00000"/>
-          </a:solidFill>
-          <a:ln>
-            <a:noFill/>
-          </a:ln>
-        </p:spPr>
-        <p:style>
-          <a:lnRef idx="0">
-            <a:scrgbClr r="0" g="0" b="0"/>
-          </a:lnRef>
-          <a:fillRef idx="0">
-            <a:scrgbClr r="0" g="0" b="0"/>
-          </a:fillRef>
-          <a:effectRef idx="0">
-            <a:scrgbClr r="0" g="0" b="0"/>
-          </a:effectRef>
-          <a:fontRef idx="minor"/>
-        </p:style>
-        <p:txBody>
-          <a:bodyPr lIns="90000" tIns="45000" rIns="90000" bIns="45000">
-            <a:spAutoFit/>
-          </a:bodyPr>
-          <a:lstStyle/>
-          <a:p>
-            <a:pPr algn="ctr"/>
-            <a:r>
-              <a:rPr lang="en-IN" sz="4000" spc="-1" dirty="0">
-                <a:solidFill>
-                  <a:srgbClr val="F7C120"/>
-                </a:solidFill>
-                <a:latin typeface="Open Sans"/>
-              </a:rPr>
-              <a:t>comments in cassandra</a:t>
-            </a:r>
-          </a:p>
-        </p:txBody>
-      </p:sp>
-      <p:sp>
-        <p:nvSpPr>
-          <p:cNvPr id="9" name="TextBox 8">
-            <a:extLst>
-              <a:ext uri="{FF2B5EF4-FFF2-40B4-BE49-F238E27FC236}">
-                <a16:creationId xmlns:a16="http://schemas.microsoft.com/office/drawing/2014/main" id="{C72205C8-5D21-4BF1-A2BB-0A37EFBCB337}"/>
-              </a:ext>
-            </a:extLst>
-          </p:cNvPr>
-          <p:cNvSpPr txBox="1"/>
-          <p:nvPr/>
-        </p:nvSpPr>
-        <p:spPr>
-          <a:xfrm>
-            <a:off x="264540" y="1412776"/>
-            <a:ext cx="11675939" cy="2308324"/>
-          </a:xfrm>
-          <a:prstGeom prst="rect">
-            <a:avLst/>
-          </a:prstGeom>
-          <a:noFill/>
-        </p:spPr>
-        <p:txBody>
-          <a:bodyPr wrap="square">
-            <a:spAutoFit/>
-          </a:bodyPr>
-          <a:lstStyle/>
-          <a:p>
-            <a:pPr marL="285750" indent="-285750">
-              <a:buFont typeface="Arial" panose="020B0604020202020204" pitchFamily="34" charset="0"/>
-              <a:buChar char="•"/>
-            </a:pPr>
-            <a:r>
-              <a:rPr lang="en-IN" dirty="0">
-                <a:solidFill>
-                  <a:srgbClr val="0070C0"/>
-                </a:solidFill>
-                <a:latin typeface="Consolas" panose="020B0609020204030204" pitchFamily="49" charset="0"/>
-              </a:rPr>
-              <a:t>SELECT</a:t>
-            </a:r>
-            <a:r>
-              <a:rPr lang="en-IN" dirty="0">
-                <a:latin typeface="Consolas" panose="020B0609020204030204" pitchFamily="49" charset="0"/>
-              </a:rPr>
-              <a:t> * </a:t>
-            </a:r>
-            <a:r>
-              <a:rPr lang="en-IN" dirty="0">
-                <a:solidFill>
-                  <a:srgbClr val="0070C0"/>
-                </a:solidFill>
-                <a:latin typeface="Consolas" panose="020B0609020204030204" pitchFamily="49" charset="0"/>
-              </a:rPr>
-              <a:t>FROM</a:t>
-            </a:r>
-            <a:r>
-              <a:rPr lang="en-IN" dirty="0">
-                <a:latin typeface="Consolas" panose="020B0609020204030204" pitchFamily="49" charset="0"/>
-              </a:rPr>
-              <a:t> emp; </a:t>
-            </a:r>
-            <a:r>
-              <a:rPr lang="en-IN" b="1" dirty="0">
-                <a:solidFill>
-                  <a:srgbClr val="329909"/>
-                </a:solidFill>
-                <a:latin typeface="Consolas" panose="020B0609020204030204" pitchFamily="49" charset="0"/>
-              </a:rPr>
-              <a:t>--</a:t>
-            </a:r>
-            <a:r>
-              <a:rPr lang="en-IN" dirty="0">
-                <a:solidFill>
-                  <a:srgbClr val="329909"/>
-                </a:solidFill>
-                <a:latin typeface="Consolas" panose="020B0609020204030204" pitchFamily="49" charset="0"/>
-              </a:rPr>
-              <a:t> End of line comment</a:t>
-            </a:r>
-          </a:p>
-          <a:p>
-            <a:pPr marL="285750" indent="-285750">
-              <a:buFont typeface="Arial" panose="020B0604020202020204" pitchFamily="34" charset="0"/>
-              <a:buChar char="•"/>
-            </a:pPr>
-            <a:endParaRPr lang="en-IN" dirty="0">
-              <a:latin typeface="Consolas" panose="020B0609020204030204" pitchFamily="49" charset="0"/>
-            </a:endParaRPr>
-          </a:p>
-          <a:p>
-            <a:pPr marL="285750" indent="-285750">
-              <a:buFont typeface="Arial" panose="020B0604020202020204" pitchFamily="34" charset="0"/>
-              <a:buChar char="•"/>
-            </a:pPr>
-            <a:r>
-              <a:rPr lang="en-IN" dirty="0">
-                <a:solidFill>
-                  <a:srgbClr val="0070C0"/>
-                </a:solidFill>
-                <a:latin typeface="Consolas" panose="020B0609020204030204" pitchFamily="49" charset="0"/>
-              </a:rPr>
-              <a:t>SELECT</a:t>
-            </a:r>
-            <a:r>
-              <a:rPr lang="en-IN" dirty="0">
-                <a:latin typeface="Consolas" panose="020B0609020204030204" pitchFamily="49" charset="0"/>
-              </a:rPr>
-              <a:t> * </a:t>
-            </a:r>
-            <a:r>
-              <a:rPr lang="en-IN" dirty="0">
-                <a:solidFill>
-                  <a:srgbClr val="0070C0"/>
-                </a:solidFill>
-                <a:latin typeface="Consolas" panose="020B0609020204030204" pitchFamily="49" charset="0"/>
-              </a:rPr>
-              <a:t>FROM</a:t>
-            </a:r>
-            <a:r>
-              <a:rPr lang="en-IN" dirty="0">
-                <a:latin typeface="Consolas" panose="020B0609020204030204" pitchFamily="49" charset="0"/>
-              </a:rPr>
-              <a:t> emp; </a:t>
-            </a:r>
-            <a:r>
-              <a:rPr lang="en-IN" b="1" dirty="0">
-                <a:solidFill>
-                  <a:srgbClr val="329909"/>
-                </a:solidFill>
-                <a:latin typeface="Consolas" panose="020B0609020204030204" pitchFamily="49" charset="0"/>
-              </a:rPr>
-              <a:t>//</a:t>
-            </a:r>
-            <a:r>
-              <a:rPr lang="en-IN" dirty="0">
-                <a:solidFill>
-                  <a:srgbClr val="329909"/>
-                </a:solidFill>
-                <a:latin typeface="Consolas" panose="020B0609020204030204" pitchFamily="49" charset="0"/>
-              </a:rPr>
-              <a:t> End of line comment</a:t>
-            </a:r>
-          </a:p>
-          <a:p>
-            <a:pPr marL="285750" indent="-285750">
-              <a:buFont typeface="Arial" panose="020B0604020202020204" pitchFamily="34" charset="0"/>
-              <a:buChar char="•"/>
-            </a:pPr>
-            <a:endParaRPr lang="en-IN" dirty="0">
-              <a:latin typeface="Consolas" panose="020B0609020204030204" pitchFamily="49" charset="0"/>
-            </a:endParaRPr>
-          </a:p>
-          <a:p>
-            <a:r>
-              <a:rPr lang="en-IN" b="1" dirty="0">
-                <a:solidFill>
-                  <a:srgbClr val="329909"/>
-                </a:solidFill>
-                <a:latin typeface="Consolas" panose="020B0609020204030204" pitchFamily="49" charset="0"/>
-              </a:rPr>
-              <a:t>/*</a:t>
-            </a:r>
-            <a:r>
-              <a:rPr lang="en-IN" dirty="0">
-                <a:solidFill>
-                  <a:srgbClr val="329909"/>
-                </a:solidFill>
-                <a:latin typeface="Consolas" panose="020B0609020204030204" pitchFamily="49" charset="0"/>
-              </a:rPr>
-              <a:t> This is the first line of </a:t>
-            </a:r>
-          </a:p>
-          <a:p>
-            <a:r>
-              <a:rPr lang="en-IN" dirty="0">
-                <a:solidFill>
-                  <a:srgbClr val="329909"/>
-                </a:solidFill>
-                <a:latin typeface="Consolas" panose="020B0609020204030204" pitchFamily="49" charset="0"/>
-              </a:rPr>
-              <a:t>   of a comment that spans multiple</a:t>
-            </a:r>
-          </a:p>
-          <a:p>
-            <a:r>
-              <a:rPr lang="en-IN" dirty="0">
-                <a:solidFill>
-                  <a:srgbClr val="329909"/>
-                </a:solidFill>
-                <a:latin typeface="Consolas" panose="020B0609020204030204" pitchFamily="49" charset="0"/>
-              </a:rPr>
-              <a:t>   lines </a:t>
-            </a:r>
-            <a:r>
-              <a:rPr lang="en-IN" b="1" dirty="0">
-                <a:solidFill>
-                  <a:srgbClr val="329909"/>
-                </a:solidFill>
-                <a:latin typeface="Consolas" panose="020B0609020204030204" pitchFamily="49" charset="0"/>
-              </a:rPr>
-              <a:t>*/</a:t>
-            </a:r>
-          </a:p>
-          <a:p>
-            <a:pPr marL="285750" indent="-285750">
-              <a:buFont typeface="Arial" panose="020B0604020202020204" pitchFamily="34" charset="0"/>
-              <a:buChar char="•"/>
-            </a:pPr>
-            <a:r>
-              <a:rPr lang="en-IN" dirty="0">
-                <a:solidFill>
-                  <a:srgbClr val="0070C0"/>
-                </a:solidFill>
-                <a:latin typeface="Consolas" panose="020B0609020204030204" pitchFamily="49" charset="0"/>
-              </a:rPr>
-              <a:t>SELECT</a:t>
-            </a:r>
-            <a:r>
-              <a:rPr lang="en-IN" dirty="0">
-                <a:latin typeface="Consolas" panose="020B0609020204030204" pitchFamily="49" charset="0"/>
-              </a:rPr>
-              <a:t> * </a:t>
-            </a:r>
-            <a:r>
-              <a:rPr lang="en-IN" dirty="0">
-                <a:solidFill>
-                  <a:srgbClr val="0070C0"/>
-                </a:solidFill>
-                <a:latin typeface="Consolas" panose="020B0609020204030204" pitchFamily="49" charset="0"/>
-              </a:rPr>
-              <a:t>FROM</a:t>
-            </a:r>
-            <a:r>
-              <a:rPr lang="en-IN" dirty="0">
-                <a:latin typeface="Consolas" panose="020B0609020204030204" pitchFamily="49" charset="0"/>
-              </a:rPr>
-              <a:t> emp;</a:t>
-            </a:r>
-          </a:p>
-        </p:txBody>
-      </p:sp>
-    </p:spTree>
-    <p:extLst>
-      <p:ext uri="{BB962C8B-B14F-4D97-AF65-F5344CB8AC3E}">
-        <p14:creationId xmlns:p14="http://schemas.microsoft.com/office/powerpoint/2010/main" val="56203016"/>
-      </p:ext>
-    </p:extLst>
-  </p:cSld>
-  <p:clrMapOvr>
-    <a:masterClrMapping/>
-  </p:clrMapOvr>
-</p:sld>
-</file>
-
-<file path=ppt/slides/slide50.xml><?xml version="1.0" encoding="utf-8"?>
+<file path=ppt/slides/slide52.xml><?xml version="1.0" encoding="utf-8"?>
 <p:sld xmlns:a="http://schemas.openxmlformats.org/drawingml/2006/main" xmlns:r="http://schemas.openxmlformats.org/officeDocument/2006/relationships" xmlns:p="http://schemas.openxmlformats.org/presentationml/2006/main">
   <p:cSld>
     <p:spTree>
@@ -26424,7 +27513,7 @@
 </p:sld>
 </file>
 
-<file path=ppt/slides/slide51.xml><?xml version="1.0" encoding="utf-8"?>
+<file path=ppt/slides/slide53.xml><?xml version="1.0" encoding="utf-8"?>
 <p:sld xmlns:a="http://schemas.openxmlformats.org/drawingml/2006/main" xmlns:r="http://schemas.openxmlformats.org/officeDocument/2006/relationships" xmlns:p="http://schemas.openxmlformats.org/presentationml/2006/main">
   <p:cSld>
     <p:spTree>

--- a/Cassandra Ver1.pptx
+++ b/Cassandra Ver1.pptx
@@ -12078,7 +12078,7 @@
         <p:spPr>
           <a:xfrm>
             <a:off x="246600" y="2030040"/>
-            <a:ext cx="11687400" cy="367878"/>
+            <a:ext cx="11687400" cy="1875983"/>
           </a:xfrm>
           <a:prstGeom prst="rect">
             <a:avLst/>
@@ -12108,20 +12108,45 @@
           <a:p>
             <a:r>
               <a:rPr lang="en-US" spc="-1" dirty="0">
+                <a:latin typeface="Source Code Pro" panose="020B0509030403020204" pitchFamily="49" charset="0"/>
+                <a:ea typeface="Source Code Pro" panose="020B0509030403020204" pitchFamily="49" charset="0"/>
+              </a:rPr>
+              <a:t>delete_statement::= </a:t>
+            </a:r>
+            <a:r>
+              <a:rPr lang="en-US" spc="-1" dirty="0">
                 <a:solidFill>
                   <a:srgbClr val="2B8208"/>
                 </a:solidFill>
                 <a:latin typeface="Source Code Pro" panose="020B0509030403020204" pitchFamily="49" charset="0"/>
                 <a:ea typeface="Source Code Pro" panose="020B0509030403020204" pitchFamily="49" charset="0"/>
               </a:rPr>
-              <a:t>DESCRIBE KEYSPACES </a:t>
-            </a:r>
-            <a:r>
-              <a:rPr lang="en-US" spc="-1" dirty="0">
-                <a:latin typeface="Source Code Pro" panose="020B0509030403020204" pitchFamily="49" charset="0"/>
-                <a:ea typeface="Source Code Pro" panose="020B0509030403020204" pitchFamily="49" charset="0"/>
-              </a:rPr>
-              <a:t>|</a:t>
+              <a:t>DELETE</a:t>
+            </a:r>
+            <a:r>
+              <a:rPr lang="en-US" spc="-1" dirty="0">
+                <a:latin typeface="Source Code Pro" panose="020B0509030403020204" pitchFamily="49" charset="0"/>
+                <a:ea typeface="Source Code Pro" panose="020B0509030403020204" pitchFamily="49" charset="0"/>
+              </a:rPr>
+              <a:t> [ simple_selection ( ',' simple_selection ) ]</a:t>
+            </a:r>
+          </a:p>
+          <a:p>
+            <a:r>
+              <a:rPr lang="en-US" spc="-1" dirty="0">
+                <a:latin typeface="Source Code Pro" panose="020B0509030403020204" pitchFamily="49" charset="0"/>
+                <a:ea typeface="Source Code Pro" panose="020B0509030403020204" pitchFamily="49" charset="0"/>
+              </a:rPr>
+              <a:t>	FROM table_name</a:t>
+            </a:r>
+          </a:p>
+          <a:p>
+            <a:r>
+              <a:rPr lang="en-US" spc="-1" dirty="0">
+                <a:latin typeface="Source Code Pro" panose="020B0509030403020204" pitchFamily="49" charset="0"/>
+                <a:ea typeface="Source Code Pro" panose="020B0509030403020204" pitchFamily="49" charset="0"/>
+              </a:rPr>
+              <a:t>	[ </a:t>
             </a:r>
             <a:r>
               <a:rPr lang="en-US" spc="-1" dirty="0">
@@ -12131,14 +12156,40 @@
                 <a:latin typeface="Source Code Pro" panose="020B0509030403020204" pitchFamily="49" charset="0"/>
                 <a:ea typeface="Source Code Pro" panose="020B0509030403020204" pitchFamily="49" charset="0"/>
               </a:rPr>
-              <a:t> KEYSPACE </a:t>
-            </a:r>
-            <a:r>
-              <a:rPr lang="en-US" spc="-1" dirty="0">
-                <a:latin typeface="Source Code Pro" panose="020B0509030403020204" pitchFamily="49" charset="0"/>
-                <a:ea typeface="Source Code Pro" panose="020B0509030403020204" pitchFamily="49" charset="0"/>
-              </a:rPr>
-              <a:t>&lt;</a:t>
+              <a:t>USING</a:t>
+            </a:r>
+            <a:r>
+              <a:rPr lang="en-US" spc="-1" dirty="0">
+                <a:latin typeface="Source Code Pro" panose="020B0509030403020204" pitchFamily="49" charset="0"/>
+                <a:ea typeface="Source Code Pro" panose="020B0509030403020204" pitchFamily="49" charset="0"/>
+              </a:rPr>
+              <a:t> </a:t>
+            </a:r>
+            <a:r>
+              <a:rPr lang="en-US" spc="-1" dirty="0">
+                <a:solidFill>
+                  <a:srgbClr val="C00000"/>
+                </a:solidFill>
+                <a:latin typeface="Source Code Pro" panose="020B0509030403020204" pitchFamily="49" charset="0"/>
+                <a:ea typeface="Source Code Pro" panose="020B0509030403020204" pitchFamily="49" charset="0"/>
+              </a:rPr>
+              <a:t>update_parameter </a:t>
+            </a:r>
+            <a:r>
+              <a:rPr lang="en-US" spc="-1" dirty="0">
+                <a:latin typeface="Source Code Pro" panose="020B0509030403020204" pitchFamily="49" charset="0"/>
+                <a:ea typeface="Source Code Pro" panose="020B0509030403020204" pitchFamily="49" charset="0"/>
+              </a:rPr>
+              <a:t>( AND update_parameter# )* ]</a:t>
+            </a:r>
+          </a:p>
+          <a:p>
+            <a:r>
+              <a:rPr lang="en-US" spc="-1" dirty="0">
+                <a:latin typeface="Source Code Pro" panose="020B0509030403020204" pitchFamily="49" charset="0"/>
+                <a:ea typeface="Source Code Pro" panose="020B0509030403020204" pitchFamily="49" charset="0"/>
+              </a:rPr>
+              <a:t>	</a:t>
             </a:r>
             <a:r>
               <a:rPr lang="en-US" spc="-1" dirty="0">
@@ -12148,32 +12199,51 @@
                 <a:latin typeface="Source Code Pro" panose="020B0509030403020204" pitchFamily="49" charset="0"/>
                 <a:ea typeface="Source Code Pro" panose="020B0509030403020204" pitchFamily="49" charset="0"/>
               </a:rPr>
-              <a:t> </a:t>
-            </a:r>
-            <a:r>
-              <a:rPr lang="en-US" i="1" spc="-1" dirty="0">
-                <a:latin typeface="Source Code Pro" panose="020B0509030403020204" pitchFamily="49" charset="0"/>
-                <a:ea typeface="Source Code Pro" panose="020B0509030403020204" pitchFamily="49" charset="0"/>
-              </a:rPr>
-              <a:t>keyspace_name</a:t>
-            </a:r>
-            <a:r>
-              <a:rPr lang="en-US" spc="-1" dirty="0">
-                <a:solidFill>
-                  <a:srgbClr val="2B8208"/>
-                </a:solidFill>
-                <a:latin typeface="Source Code Pro" panose="020B0509030403020204" pitchFamily="49" charset="0"/>
-                <a:ea typeface="Source Code Pro" panose="020B0509030403020204" pitchFamily="49" charset="0"/>
-              </a:rPr>
-              <a:t> </a:t>
-            </a:r>
-            <a:r>
-              <a:rPr lang="en-US" spc="-1" dirty="0">
-                <a:latin typeface="Source Code Pro" panose="020B0509030403020204" pitchFamily="49" charset="0"/>
-                <a:ea typeface="Source Code Pro" panose="020B0509030403020204" pitchFamily="49" charset="0"/>
-              </a:rPr>
-              <a:t>&gt;</a:t>
-            </a:r>
+              <a:t>WHERE</a:t>
+            </a:r>
+            <a:r>
+              <a:rPr lang="en-US" spc="-1" dirty="0">
+                <a:latin typeface="Source Code Pro" panose="020B0509030403020204" pitchFamily="49" charset="0"/>
+                <a:ea typeface="Source Code Pro" panose="020B0509030403020204" pitchFamily="49" charset="0"/>
+              </a:rPr>
+              <a:t> where_clause</a:t>
+            </a:r>
+          </a:p>
+          <a:p>
+            <a:r>
+              <a:rPr lang="en-US" spc="-1" dirty="0">
+                <a:latin typeface="Source Code Pro" panose="020B0509030403020204" pitchFamily="49" charset="0"/>
+                <a:ea typeface="Source Code Pro" panose="020B0509030403020204" pitchFamily="49" charset="0"/>
+              </a:rPr>
+              <a:t>	[ IF ( EXISTS | condition ( AND condition)*) ]</a:t>
+            </a:r>
+          </a:p>
+          <a:p>
+            <a:endParaRPr lang="en-US" sz="400" spc="-1" dirty="0">
+              <a:latin typeface="Source Code Pro" panose="020B0509030403020204" pitchFamily="49" charset="0"/>
+              <a:ea typeface="Source Code Pro" panose="020B0509030403020204" pitchFamily="49" charset="0"/>
+            </a:endParaRPr>
+          </a:p>
+          <a:p>
+            <a:r>
+              <a:rPr lang="en-US" spc="-1" dirty="0">
+                <a:solidFill>
+                  <a:srgbClr val="C00000"/>
+                </a:solidFill>
+                <a:latin typeface="Source Code Pro" panose="020B0509030403020204" pitchFamily="49" charset="0"/>
+                <a:ea typeface="Source Code Pro" panose="020B0509030403020204" pitchFamily="49" charset="0"/>
+              </a:rPr>
+              <a:t>update_parameter ::= </a:t>
+            </a:r>
+            <a:r>
+              <a:rPr lang="en-US" spc="-1" dirty="0">
+                <a:latin typeface="Source Code Pro" panose="020B0509030403020204" pitchFamily="49" charset="0"/>
+                <a:ea typeface="Source Code Pro" panose="020B0509030403020204" pitchFamily="49" charset="0"/>
+              </a:rPr>
+              <a:t>( TIMESTAMP | TTL ) ( integer | bind_marker )</a:t>
+            </a:r>
+          </a:p>
+          <a:p>
             <a:endParaRPr lang="en-IN" sz="400" spc="-1" dirty="0">
               <a:latin typeface="Source Code Pro" panose="020B0509030403020204" pitchFamily="49" charset="0"/>
               <a:ea typeface="Source Code Pro" panose="020B0509030403020204" pitchFamily="49" charset="0"/>
@@ -13290,7 +13360,7 @@
                 <a:latin typeface="Source Code Pro" panose="020B0509030403020204" pitchFamily="49" charset="0"/>
                 <a:ea typeface="Source Code Pro" panose="020B0509030403020204" pitchFamily="49" charset="0"/>
               </a:rPr>
-              <a:t>// key, value</a:t>
+              <a:t>// map_key : map_value </a:t>
             </a:r>
           </a:p>
         </p:txBody>
@@ -13882,35 +13952,7 @@
                 <a:latin typeface="Source Code Pro" panose="020B0509030403020204" pitchFamily="49" charset="0"/>
                 <a:ea typeface="Source Code Pro" panose="020B0509030403020204" pitchFamily="49" charset="0"/>
               </a:rPr>
-              <a:t> { map_key : </a:t>
-            </a:r>
-            <a:r>
-              <a:rPr lang="en-US" spc="-1" dirty="0" err="1">
-                <a:latin typeface="Source Code Pro" panose="020B0509030403020204" pitchFamily="49" charset="0"/>
-                <a:ea typeface="Source Code Pro" panose="020B0509030403020204" pitchFamily="49" charset="0"/>
-              </a:rPr>
-              <a:t>map_value</a:t>
-            </a:r>
-            <a:r>
-              <a:rPr lang="en-US" spc="-1" dirty="0">
-                <a:latin typeface="Source Code Pro" panose="020B0509030403020204" pitchFamily="49" charset="0"/>
-                <a:ea typeface="Source Code Pro" panose="020B0509030403020204" pitchFamily="49" charset="0"/>
-              </a:rPr>
-              <a:t> [, map_key : </a:t>
-            </a:r>
-            <a:r>
-              <a:rPr lang="en-US" spc="-1" dirty="0" err="1">
-                <a:latin typeface="Source Code Pro" panose="020B0509030403020204" pitchFamily="49" charset="0"/>
-                <a:ea typeface="Source Code Pro" panose="020B0509030403020204" pitchFamily="49" charset="0"/>
-              </a:rPr>
-              <a:t>map_value</a:t>
-            </a:r>
-            <a:r>
-              <a:rPr lang="en-US" spc="-1" dirty="0">
-                <a:latin typeface="Source Code Pro" panose="020B0509030403020204" pitchFamily="49" charset="0"/>
-                <a:ea typeface="Source Code Pro" panose="020B0509030403020204" pitchFamily="49" charset="0"/>
-              </a:rPr>
-              <a:t> . . . }</a:t>
+              <a:t> { map_key : map_value [, map_key : map_value . . . }</a:t>
             </a:r>
           </a:p>
           <a:p>
@@ -14579,58 +14621,16 @@
                 <a:latin typeface="Source Code Pro" panose="020B0509030403020204" pitchFamily="49" charset="0"/>
                 <a:ea typeface="Source Code Pro" panose="020B0509030403020204" pitchFamily="49" charset="0"/>
               </a:rPr>
-              <a:t> { map_key : </a:t>
-            </a:r>
-            <a:r>
-              <a:rPr lang="en-US" spc="-1" dirty="0" err="1">
-                <a:latin typeface="Source Code Pro" panose="020B0509030403020204" pitchFamily="49" charset="0"/>
-                <a:ea typeface="Source Code Pro" panose="020B0509030403020204" pitchFamily="49" charset="0"/>
-              </a:rPr>
-              <a:t>map_value</a:t>
-            </a:r>
-            <a:r>
-              <a:rPr lang="en-US" spc="-1" dirty="0">
-                <a:latin typeface="Source Code Pro" panose="020B0509030403020204" pitchFamily="49" charset="0"/>
-                <a:ea typeface="Source Code Pro" panose="020B0509030403020204" pitchFamily="49" charset="0"/>
-              </a:rPr>
-              <a:t> [, map_key : </a:t>
-            </a:r>
-            <a:r>
-              <a:rPr lang="en-US" spc="-1" dirty="0" err="1">
-                <a:latin typeface="Source Code Pro" panose="020B0509030403020204" pitchFamily="49" charset="0"/>
-                <a:ea typeface="Source Code Pro" panose="020B0509030403020204" pitchFamily="49" charset="0"/>
-              </a:rPr>
-              <a:t>map_value</a:t>
-            </a:r>
-            <a:r>
-              <a:rPr lang="en-US" spc="-1" dirty="0">
-                <a:latin typeface="Source Code Pro" panose="020B0509030403020204" pitchFamily="49" charset="0"/>
-                <a:ea typeface="Source Code Pro" panose="020B0509030403020204" pitchFamily="49" charset="0"/>
-              </a:rPr>
-              <a:t> . . . }</a:t>
-            </a:r>
-          </a:p>
-          <a:p>
-            <a:r>
-              <a:rPr lang="en-US" spc="-1" dirty="0">
-                <a:latin typeface="Source Code Pro" panose="020B0509030403020204" pitchFamily="49" charset="0"/>
-                <a:ea typeface="Source Code Pro" panose="020B0509030403020204" pitchFamily="49" charset="0"/>
-              </a:rPr>
-              <a:t>           | map_name[ index ] = </a:t>
-            </a:r>
-            <a:r>
-              <a:rPr lang="en-US" spc="-1" dirty="0" err="1">
-                <a:latin typeface="Source Code Pro" panose="020B0509030403020204" pitchFamily="49" charset="0"/>
-                <a:ea typeface="Source Code Pro" panose="020B0509030403020204" pitchFamily="49" charset="0"/>
-              </a:rPr>
-              <a:t>map_value</a:t>
-            </a:r>
-            <a:r>
-              <a:rPr lang="en-US" spc="-1" dirty="0">
-                <a:latin typeface="Source Code Pro" panose="020B0509030403020204" pitchFamily="49" charset="0"/>
-                <a:ea typeface="Source Code Pro" panose="020B0509030403020204" pitchFamily="49" charset="0"/>
-              </a:rPr>
-              <a:t> </a:t>
+              <a:t> { map_key : map_value [, map_key : map_value . . . }</a:t>
+            </a:r>
+          </a:p>
+          <a:p>
+            <a:r>
+              <a:rPr lang="en-US" spc="-1" dirty="0">
+                <a:latin typeface="Source Code Pro" panose="020B0509030403020204" pitchFamily="49" charset="0"/>
+                <a:ea typeface="Source Code Pro" panose="020B0509030403020204" pitchFamily="49" charset="0"/>
+              </a:rPr>
+              <a:t>           | map_name[ index ] = map_value </a:t>
             </a:r>
             <a:endParaRPr lang="en-US" spc="-1" dirty="0">
               <a:solidFill>
@@ -14656,8 +14656,8 @@
         </p:nvSpPr>
         <p:spPr>
           <a:xfrm>
-            <a:off x="246600" y="3222000"/>
-            <a:ext cx="11687400" cy="1446550"/>
+            <a:off x="246600" y="3060000"/>
+            <a:ext cx="11687400" cy="1723549"/>
           </a:xfrm>
           <a:prstGeom prst="rect">
             <a:avLst/>
@@ -14702,6 +14702,21 @@
               <a:t> location </a:t>
             </a:r>
             <a:r>
+              <a:rPr lang="en-US" dirty="0">
+                <a:solidFill>
+                  <a:srgbClr val="C00000"/>
+                </a:solidFill>
+                <a:latin typeface="Consolas" panose="020B0609020204030204" pitchFamily="49" charset="0"/>
+              </a:rPr>
+              <a:t>USING TTL 50</a:t>
+            </a:r>
+            <a:r>
+              <a:rPr lang="en-IN" dirty="0">
+                <a:latin typeface="Consolas" panose="020B0609020204030204" pitchFamily="49" charset="0"/>
+              </a:rPr>
+              <a:t> </a:t>
+            </a:r>
+            <a:r>
               <a:rPr lang="en-IN" dirty="0">
                 <a:solidFill>
                   <a:srgbClr val="0070C0"/>
@@ -14792,6 +14807,15 @@
             <a:r>
               <a:rPr lang="en-US" dirty="0">
                 <a:solidFill>
+                  <a:srgbClr val="C00000"/>
+                </a:solidFill>
+                <a:latin typeface="Consolas" panose="020B0609020204030204" pitchFamily="49" charset="0"/>
+              </a:rPr>
+              <a:t>USING TTL 50 </a:t>
+            </a:r>
+            <a:r>
+              <a:rPr lang="en-US" dirty="0">
+                <a:solidFill>
                   <a:srgbClr val="0070C0"/>
                 </a:solidFill>
                 <a:latin typeface="Consolas" panose="020B0609020204030204" pitchFamily="49" charset="0"/>
@@ -14876,6 +14900,15 @@
                 <a:latin typeface="Consolas" panose="020B0609020204030204" pitchFamily="49" charset="0"/>
               </a:rPr>
               <a:t> location </a:t>
+            </a:r>
+            <a:r>
+              <a:rPr lang="en-US" dirty="0">
+                <a:solidFill>
+                  <a:srgbClr val="C00000"/>
+                </a:solidFill>
+                <a:latin typeface="Consolas" panose="020B0609020204030204" pitchFamily="49" charset="0"/>
+              </a:rPr>
+              <a:t>USING TTL 50 </a:t>
             </a:r>
             <a:r>
               <a:rPr lang="en-US" dirty="0">
@@ -16780,8 +16813,8 @@
         </p:nvSpPr>
         <p:spPr>
           <a:xfrm>
-            <a:off x="246600" y="3150000"/>
-            <a:ext cx="11687400" cy="1168097"/>
+            <a:off x="246600" y="2718000"/>
+            <a:ext cx="11687400" cy="1999094"/>
           </a:xfrm>
           <a:prstGeom prst="rect">
             <a:avLst/>
@@ -16847,6 +16880,15 @@
             <a:r>
               <a:rPr lang="en-US" dirty="0">
                 <a:solidFill>
+                  <a:srgbClr val="C00000"/>
+                </a:solidFill>
+                <a:latin typeface="Consolas" panose="020B0609020204030204" pitchFamily="49" charset="0"/>
+              </a:rPr>
+              <a:t>USING TTL 50 </a:t>
+            </a:r>
+            <a:r>
+              <a:rPr lang="en-US" dirty="0">
+                <a:solidFill>
                   <a:srgbClr val="F63122"/>
                 </a:solidFill>
                 <a:latin typeface="Consolas" panose="020B0609020204030204" pitchFamily="49" charset="0"/>
@@ -16984,6 +17026,15 @@
             <a:r>
               <a:rPr lang="en-US" dirty="0">
                 <a:solidFill>
+                  <a:srgbClr val="C00000"/>
+                </a:solidFill>
+                <a:latin typeface="Consolas" panose="020B0609020204030204" pitchFamily="49" charset="0"/>
+              </a:rPr>
+              <a:t>USING TTL 50 </a:t>
+            </a:r>
+            <a:r>
+              <a:rPr lang="en-US" dirty="0">
+                <a:solidFill>
                   <a:srgbClr val="F63122"/>
                 </a:solidFill>
                 <a:latin typeface="Consolas" panose="020B0609020204030204" pitchFamily="49" charset="0"/>
@@ -17117,6 +17168,15 @@
                 <a:ea typeface="SimSun"/>
               </a:rPr>
               <a:t> books </a:t>
+            </a:r>
+            <a:r>
+              <a:rPr lang="en-US" dirty="0">
+                <a:solidFill>
+                  <a:srgbClr val="C00000"/>
+                </a:solidFill>
+                <a:latin typeface="Consolas" panose="020B0609020204030204" pitchFamily="49" charset="0"/>
+              </a:rPr>
+              <a:t>USING TTL 50 </a:t>
             </a:r>
             <a:r>
               <a:rPr lang="en-US" dirty="0">
@@ -18638,7 +18698,7 @@
         <p:spPr>
           <a:xfrm>
             <a:off x="246600" y="3150000"/>
-            <a:ext cx="11687400" cy="1168097"/>
+            <a:ext cx="11687400" cy="1722095"/>
           </a:xfrm>
           <a:prstGeom prst="rect">
             <a:avLst/>
@@ -18704,6 +18764,15 @@
             <a:r>
               <a:rPr lang="en-US" dirty="0">
                 <a:solidFill>
+                  <a:srgbClr val="C00000"/>
+                </a:solidFill>
+                <a:latin typeface="Consolas" panose="020B0609020204030204" pitchFamily="49" charset="0"/>
+              </a:rPr>
+              <a:t>USING TTL 50 </a:t>
+            </a:r>
+            <a:r>
+              <a:rPr lang="en-US" dirty="0">
+                <a:solidFill>
                   <a:srgbClr val="F63122"/>
                 </a:solidFill>
                 <a:latin typeface="Consolas" panose="020B0609020204030204" pitchFamily="49" charset="0"/>
@@ -18841,6 +18910,15 @@
             <a:r>
               <a:rPr lang="en-US" dirty="0">
                 <a:solidFill>
+                  <a:srgbClr val="C00000"/>
+                </a:solidFill>
+                <a:latin typeface="Consolas" panose="020B0609020204030204" pitchFamily="49" charset="0"/>
+              </a:rPr>
+              <a:t>USING TTL 50 </a:t>
+            </a:r>
+            <a:r>
+              <a:rPr lang="en-US" dirty="0">
+                <a:solidFill>
                   <a:srgbClr val="F63122"/>
                 </a:solidFill>
                 <a:latin typeface="Consolas" panose="020B0609020204030204" pitchFamily="49" charset="0"/>
@@ -18974,6 +19052,15 @@
                 <a:ea typeface="SimSun"/>
               </a:rPr>
               <a:t> books </a:t>
+            </a:r>
+            <a:r>
+              <a:rPr lang="en-US" dirty="0">
+                <a:solidFill>
+                  <a:srgbClr val="C00000"/>
+                </a:solidFill>
+                <a:latin typeface="Consolas" panose="020B0609020204030204" pitchFamily="49" charset="0"/>
+              </a:rPr>
+              <a:t>USING TTL 50 </a:t>
             </a:r>
             <a:r>
               <a:rPr lang="en-US" dirty="0">
@@ -21298,6 +21385,15 @@
                 <a:ea typeface="SimSun"/>
               </a:rPr>
               <a:t> books </a:t>
+            </a:r>
+            <a:r>
+              <a:rPr lang="en-US" dirty="0">
+                <a:solidFill>
+                  <a:srgbClr val="C00000"/>
+                </a:solidFill>
+                <a:latin typeface="Consolas" panose="020B0609020204030204" pitchFamily="49" charset="0"/>
+              </a:rPr>
+              <a:t>USING TTL 50 </a:t>
             </a:r>
             <a:r>
               <a:rPr lang="en-US" dirty="0">

--- a/Cassandra Ver1.pptx
+++ b/Cassandra Ver1.pptx
@@ -5,7 +5,7 @@
     <p:sldMasterId id="2147483720" r:id="rId1"/>
   </p:sldMasterIdLst>
   <p:notesMasterIdLst>
-    <p:notesMasterId r:id="rId55"/>
+    <p:notesMasterId r:id="rId58"/>
   </p:notesMasterIdLst>
   <p:sldIdLst>
     <p:sldId id="256" r:id="rId2"/>
@@ -31,36 +31,39 @@
     <p:sldId id="1439" r:id="rId22"/>
     <p:sldId id="1459" r:id="rId23"/>
     <p:sldId id="1436" r:id="rId24"/>
-    <p:sldId id="1437" r:id="rId25"/>
-    <p:sldId id="1460" r:id="rId26"/>
-    <p:sldId id="1451" r:id="rId27"/>
-    <p:sldId id="1452" r:id="rId28"/>
-    <p:sldId id="1457" r:id="rId29"/>
-    <p:sldId id="1465" r:id="rId30"/>
-    <p:sldId id="1454" r:id="rId31"/>
-    <p:sldId id="1456" r:id="rId32"/>
-    <p:sldId id="1455" r:id="rId33"/>
-    <p:sldId id="1458" r:id="rId34"/>
-    <p:sldId id="1461" r:id="rId35"/>
-    <p:sldId id="1462" r:id="rId36"/>
-    <p:sldId id="1463" r:id="rId37"/>
-    <p:sldId id="1464" r:id="rId38"/>
-    <p:sldId id="947" r:id="rId39"/>
-    <p:sldId id="1446" r:id="rId40"/>
-    <p:sldId id="1444" r:id="rId41"/>
-    <p:sldId id="1445" r:id="rId42"/>
-    <p:sldId id="1450" r:id="rId43"/>
-    <p:sldId id="1430" r:id="rId44"/>
-    <p:sldId id="1431" r:id="rId45"/>
-    <p:sldId id="1432" r:id="rId46"/>
-    <p:sldId id="1433" r:id="rId47"/>
-    <p:sldId id="1442" r:id="rId48"/>
-    <p:sldId id="1447" r:id="rId49"/>
-    <p:sldId id="1448" r:id="rId50"/>
-    <p:sldId id="1449" r:id="rId51"/>
-    <p:sldId id="1424" r:id="rId52"/>
-    <p:sldId id="1421" r:id="rId53"/>
-    <p:sldId id="350" r:id="rId54"/>
+    <p:sldId id="1466" r:id="rId25"/>
+    <p:sldId id="1437" r:id="rId26"/>
+    <p:sldId id="1467" r:id="rId27"/>
+    <p:sldId id="1460" r:id="rId28"/>
+    <p:sldId id="1451" r:id="rId29"/>
+    <p:sldId id="1452" r:id="rId30"/>
+    <p:sldId id="1457" r:id="rId31"/>
+    <p:sldId id="1465" r:id="rId32"/>
+    <p:sldId id="1454" r:id="rId33"/>
+    <p:sldId id="1456" r:id="rId34"/>
+    <p:sldId id="1455" r:id="rId35"/>
+    <p:sldId id="1458" r:id="rId36"/>
+    <p:sldId id="1461" r:id="rId37"/>
+    <p:sldId id="1462" r:id="rId38"/>
+    <p:sldId id="1463" r:id="rId39"/>
+    <p:sldId id="1464" r:id="rId40"/>
+    <p:sldId id="947" r:id="rId41"/>
+    <p:sldId id="1446" r:id="rId42"/>
+    <p:sldId id="1444" r:id="rId43"/>
+    <p:sldId id="1445" r:id="rId44"/>
+    <p:sldId id="1450" r:id="rId45"/>
+    <p:sldId id="1468" r:id="rId46"/>
+    <p:sldId id="1430" r:id="rId47"/>
+    <p:sldId id="1431" r:id="rId48"/>
+    <p:sldId id="1432" r:id="rId49"/>
+    <p:sldId id="1433" r:id="rId50"/>
+    <p:sldId id="1442" r:id="rId51"/>
+    <p:sldId id="1447" r:id="rId52"/>
+    <p:sldId id="1448" r:id="rId53"/>
+    <p:sldId id="1449" r:id="rId54"/>
+    <p:sldId id="1424" r:id="rId55"/>
+    <p:sldId id="1421" r:id="rId56"/>
+    <p:sldId id="350" r:id="rId57"/>
   </p:sldIdLst>
   <p:sldSz cx="12192000" cy="6858000"/>
   <p:notesSz cx="6858000" cy="9144000"/>
@@ -12020,6 +12023,178 @@
                 <a:latin typeface="Open Sans"/>
                 <a:ea typeface="DejaVu Sans"/>
               </a:rPr>
+              <a:t>update data</a:t>
+            </a:r>
+            <a:endParaRPr lang="en-IN" sz="4000" b="0" strike="noStrike" spc="-1" dirty="0">
+              <a:latin typeface="Arial"/>
+            </a:endParaRPr>
+          </a:p>
+        </p:txBody>
+      </p:sp>
+      <p:sp>
+        <p:nvSpPr>
+          <p:cNvPr id="115" name="Line 5"/>
+          <p:cNvSpPr/>
+          <p:nvPr/>
+        </p:nvSpPr>
+        <p:spPr>
+          <a:xfrm>
+            <a:off x="0" y="1536120"/>
+            <a:ext cx="12191760" cy="0"/>
+          </a:xfrm>
+          <a:prstGeom prst="line">
+            <a:avLst/>
+          </a:prstGeom>
+          <a:ln w="12600">
+            <a:solidFill>
+              <a:srgbClr val="6E78A0"/>
+            </a:solidFill>
+            <a:prstDash val="dash"/>
+            <a:round/>
+          </a:ln>
+        </p:spPr>
+        <p:style>
+          <a:lnRef idx="1">
+            <a:schemeClr val="accent1"/>
+          </a:lnRef>
+          <a:fillRef idx="0">
+            <a:schemeClr val="accent1"/>
+          </a:fillRef>
+          <a:effectRef idx="0">
+            <a:schemeClr val="accent1"/>
+          </a:effectRef>
+          <a:fontRef idx="minor"/>
+        </p:style>
+      </p:sp>
+    </p:spTree>
+    <p:extLst>
+      <p:ext uri="{BB962C8B-B14F-4D97-AF65-F5344CB8AC3E}">
+        <p14:creationId xmlns:p14="http://schemas.microsoft.com/office/powerpoint/2010/main" val="1401579239"/>
+      </p:ext>
+    </p:extLst>
+  </p:cSld>
+  <p:clrMapOvr>
+    <a:masterClrMapping/>
+  </p:clrMapOvr>
+</p:sld>
+</file>
+
+<file path=ppt/slides/slide25.xml><?xml version="1.0" encoding="utf-8"?>
+<p:sld xmlns:a="http://schemas.openxmlformats.org/drawingml/2006/main" xmlns:r="http://schemas.openxmlformats.org/officeDocument/2006/relationships" xmlns:p="http://schemas.openxmlformats.org/presentationml/2006/main">
+  <p:cSld>
+    <p:spTree>
+      <p:nvGrpSpPr>
+        <p:cNvPr id="1" name=""/>
+        <p:cNvGrpSpPr/>
+        <p:nvPr/>
+      </p:nvGrpSpPr>
+      <p:grpSpPr>
+        <a:xfrm>
+          <a:off x="0" y="0"/>
+          <a:ext cx="0" cy="0"/>
+          <a:chOff x="0" y="0"/>
+          <a:chExt cx="0" cy="0"/>
+        </a:xfrm>
+      </p:grpSpPr>
+      <p:sp>
+        <p:nvSpPr>
+          <p:cNvPr id="111" name="CustomShape 1"/>
+          <p:cNvSpPr/>
+          <p:nvPr/>
+        </p:nvSpPr>
+        <p:spPr>
+          <a:xfrm>
+            <a:off x="246600" y="762120"/>
+            <a:ext cx="11687400" cy="367878"/>
+          </a:xfrm>
+          <a:prstGeom prst="rect">
+            <a:avLst/>
+          </a:prstGeom>
+          <a:noFill/>
+          <a:ln>
+            <a:noFill/>
+          </a:ln>
+        </p:spPr>
+        <p:style>
+          <a:lnRef idx="0">
+            <a:scrgbClr r="0" g="0" b="0"/>
+          </a:lnRef>
+          <a:fillRef idx="0">
+            <a:scrgbClr r="0" g="0" b="0"/>
+          </a:fillRef>
+          <a:effectRef idx="0">
+            <a:scrgbClr r="0" g="0" b="0"/>
+          </a:effectRef>
+          <a:fontRef idx="minor"/>
+        </p:style>
+        <p:txBody>
+          <a:bodyPr lIns="90000" tIns="45000" rIns="90000" bIns="45000">
+            <a:spAutoFit/>
+          </a:bodyPr>
+          <a:lstStyle/>
+          <a:p>
+            <a:pPr algn="just"/>
+            <a:r>
+              <a:rPr lang="en-US" spc="-1" dirty="0">
+                <a:latin typeface="Arial"/>
+              </a:rPr>
+              <a:t>TODO</a:t>
+            </a:r>
+          </a:p>
+        </p:txBody>
+      </p:sp>
+      <p:sp>
+        <p:nvSpPr>
+          <p:cNvPr id="114" name="CustomShape 4"/>
+          <p:cNvSpPr/>
+          <p:nvPr/>
+        </p:nvSpPr>
+        <p:spPr>
+          <a:xfrm>
+            <a:off x="246600" y="0"/>
+            <a:ext cx="11687400" cy="706432"/>
+          </a:xfrm>
+          <a:prstGeom prst="rect">
+            <a:avLst/>
+          </a:prstGeom>
+          <a:solidFill>
+            <a:srgbClr val="C00000"/>
+          </a:solidFill>
+          <a:ln>
+            <a:noFill/>
+          </a:ln>
+        </p:spPr>
+        <p:style>
+          <a:lnRef idx="0">
+            <a:scrgbClr r="0" g="0" b="0"/>
+          </a:lnRef>
+          <a:fillRef idx="0">
+            <a:scrgbClr r="0" g="0" b="0"/>
+          </a:fillRef>
+          <a:effectRef idx="0">
+            <a:scrgbClr r="0" g="0" b="0"/>
+          </a:effectRef>
+          <a:fontRef idx="minor"/>
+        </p:style>
+        <p:txBody>
+          <a:bodyPr lIns="90000" tIns="45000" rIns="90000" bIns="45000">
+            <a:spAutoFit/>
+          </a:bodyPr>
+          <a:lstStyle/>
+          <a:p>
+            <a:pPr algn="ctr">
+              <a:lnSpc>
+                <a:spcPct val="100000"/>
+              </a:lnSpc>
+            </a:pPr>
+            <a:r>
+              <a:rPr lang="en-IN" sz="4000" spc="-1" dirty="0">
+                <a:solidFill>
+                  <a:srgbClr val="F7C120"/>
+                </a:solidFill>
+                <a:latin typeface="Open Sans"/>
+                <a:ea typeface="DejaVu Sans"/>
+              </a:rPr>
               <a:t>delete data</a:t>
             </a:r>
             <a:endParaRPr lang="en-IN" sz="4000" b="0" strike="noStrike" spc="-1" dirty="0">
@@ -12264,7 +12439,179 @@
 </p:sld>
 </file>
 
-<file path=ppt/slides/slide25.xml><?xml version="1.0" encoding="utf-8"?>
+<file path=ppt/slides/slide26.xml><?xml version="1.0" encoding="utf-8"?>
+<p:sld xmlns:a="http://schemas.openxmlformats.org/drawingml/2006/main" xmlns:r="http://schemas.openxmlformats.org/officeDocument/2006/relationships" xmlns:p="http://schemas.openxmlformats.org/presentationml/2006/main">
+  <p:cSld>
+    <p:spTree>
+      <p:nvGrpSpPr>
+        <p:cNvPr id="1" name=""/>
+        <p:cNvGrpSpPr/>
+        <p:nvPr/>
+      </p:nvGrpSpPr>
+      <p:grpSpPr>
+        <a:xfrm>
+          <a:off x="0" y="0"/>
+          <a:ext cx="0" cy="0"/>
+          <a:chOff x="0" y="0"/>
+          <a:chExt cx="0" cy="0"/>
+        </a:xfrm>
+      </p:grpSpPr>
+      <p:sp>
+        <p:nvSpPr>
+          <p:cNvPr id="111" name="CustomShape 1"/>
+          <p:cNvSpPr/>
+          <p:nvPr/>
+        </p:nvSpPr>
+        <p:spPr>
+          <a:xfrm>
+            <a:off x="246600" y="762120"/>
+            <a:ext cx="11687400" cy="367878"/>
+          </a:xfrm>
+          <a:prstGeom prst="rect">
+            <a:avLst/>
+          </a:prstGeom>
+          <a:noFill/>
+          <a:ln>
+            <a:noFill/>
+          </a:ln>
+        </p:spPr>
+        <p:style>
+          <a:lnRef idx="0">
+            <a:scrgbClr r="0" g="0" b="0"/>
+          </a:lnRef>
+          <a:fillRef idx="0">
+            <a:scrgbClr r="0" g="0" b="0"/>
+          </a:fillRef>
+          <a:effectRef idx="0">
+            <a:scrgbClr r="0" g="0" b="0"/>
+          </a:effectRef>
+          <a:fontRef idx="minor"/>
+        </p:style>
+        <p:txBody>
+          <a:bodyPr lIns="90000" tIns="45000" rIns="90000" bIns="45000">
+            <a:spAutoFit/>
+          </a:bodyPr>
+          <a:lstStyle/>
+          <a:p>
+            <a:pPr algn="just"/>
+            <a:r>
+              <a:rPr lang="en-US" spc="-1" dirty="0">
+                <a:latin typeface="Arial"/>
+              </a:rPr>
+              <a:t>TODO</a:t>
+            </a:r>
+          </a:p>
+        </p:txBody>
+      </p:sp>
+      <p:sp>
+        <p:nvSpPr>
+          <p:cNvPr id="114" name="CustomShape 4"/>
+          <p:cNvSpPr/>
+          <p:nvPr/>
+        </p:nvSpPr>
+        <p:spPr>
+          <a:xfrm>
+            <a:off x="246600" y="0"/>
+            <a:ext cx="11687400" cy="706432"/>
+          </a:xfrm>
+          <a:prstGeom prst="rect">
+            <a:avLst/>
+          </a:prstGeom>
+          <a:solidFill>
+            <a:srgbClr val="C00000"/>
+          </a:solidFill>
+          <a:ln>
+            <a:noFill/>
+          </a:ln>
+        </p:spPr>
+        <p:style>
+          <a:lnRef idx="0">
+            <a:scrgbClr r="0" g="0" b="0"/>
+          </a:lnRef>
+          <a:fillRef idx="0">
+            <a:scrgbClr r="0" g="0" b="0"/>
+          </a:fillRef>
+          <a:effectRef idx="0">
+            <a:scrgbClr r="0" g="0" b="0"/>
+          </a:effectRef>
+          <a:fontRef idx="minor"/>
+        </p:style>
+        <p:txBody>
+          <a:bodyPr lIns="90000" tIns="45000" rIns="90000" bIns="45000">
+            <a:spAutoFit/>
+          </a:bodyPr>
+          <a:lstStyle/>
+          <a:p>
+            <a:pPr algn="ctr">
+              <a:lnSpc>
+                <a:spcPct val="100000"/>
+              </a:lnSpc>
+            </a:pPr>
+            <a:r>
+              <a:rPr lang="en-IN" sz="4000" spc="-1" dirty="0">
+                <a:solidFill>
+                  <a:srgbClr val="F7C120"/>
+                </a:solidFill>
+                <a:latin typeface="Open Sans"/>
+                <a:ea typeface="DejaVu Sans"/>
+              </a:rPr>
+              <a:t>delete data</a:t>
+            </a:r>
+            <a:endParaRPr lang="en-IN" sz="4000" b="0" strike="noStrike" spc="-1" dirty="0">
+              <a:latin typeface="Arial"/>
+            </a:endParaRPr>
+          </a:p>
+        </p:txBody>
+      </p:sp>
+      <p:sp>
+        <p:nvSpPr>
+          <p:cNvPr id="115" name="Line 5"/>
+          <p:cNvSpPr/>
+          <p:nvPr/>
+        </p:nvSpPr>
+        <p:spPr>
+          <a:xfrm>
+            <a:off x="0" y="1536120"/>
+            <a:ext cx="12191760" cy="0"/>
+          </a:xfrm>
+          <a:prstGeom prst="line">
+            <a:avLst/>
+          </a:prstGeom>
+          <a:ln w="12600">
+            <a:solidFill>
+              <a:srgbClr val="6E78A0"/>
+            </a:solidFill>
+            <a:prstDash val="dash"/>
+            <a:round/>
+          </a:ln>
+        </p:spPr>
+        <p:style>
+          <a:lnRef idx="1">
+            <a:schemeClr val="accent1"/>
+          </a:lnRef>
+          <a:fillRef idx="0">
+            <a:schemeClr val="accent1"/>
+          </a:fillRef>
+          <a:effectRef idx="0">
+            <a:schemeClr val="accent1"/>
+          </a:effectRef>
+          <a:fontRef idx="minor"/>
+        </p:style>
+      </p:sp>
+    </p:spTree>
+    <p:extLst>
+      <p:ext uri="{BB962C8B-B14F-4D97-AF65-F5344CB8AC3E}">
+        <p14:creationId xmlns:p14="http://schemas.microsoft.com/office/powerpoint/2010/main" val="42994419"/>
+      </p:ext>
+    </p:extLst>
+  </p:cSld>
+  <p:clrMapOvr>
+    <a:masterClrMapping/>
+  </p:clrMapOvr>
+</p:sld>
+</file>
+
+<file path=ppt/slides/slide27.xml><?xml version="1.0" encoding="utf-8"?>
 <p:sld xmlns:a="http://schemas.openxmlformats.org/drawingml/2006/main" xmlns:r="http://schemas.openxmlformats.org/officeDocument/2006/relationships" xmlns:p="http://schemas.openxmlformats.org/presentationml/2006/main">
   <p:cSld>
     <p:spTree>
@@ -12413,7 +12760,7 @@
 </p:sld>
 </file>
 
-<file path=ppt/slides/slide26.xml><?xml version="1.0" encoding="utf-8"?>
+<file path=ppt/slides/slide28.xml><?xml version="1.0" encoding="utf-8"?>
 <p:sld xmlns:a="http://schemas.openxmlformats.org/drawingml/2006/main" xmlns:r="http://schemas.openxmlformats.org/officeDocument/2006/relationships" xmlns:p="http://schemas.openxmlformats.org/presentationml/2006/main">
   <p:cSld>
     <p:spTree>
@@ -12797,7 +13144,7 @@
 </p:sld>
 </file>
 
-<file path=ppt/slides/slide27.xml><?xml version="1.0" encoding="utf-8"?>
+<file path=ppt/slides/slide29.xml><?xml version="1.0" encoding="utf-8"?>
 <p:sld xmlns:a="http://schemas.openxmlformats.org/drawingml/2006/main" xmlns:r="http://schemas.openxmlformats.org/officeDocument/2006/relationships" xmlns:p="http://schemas.openxmlformats.org/presentationml/2006/main">
   <p:cSld>
     <p:spTree>
@@ -13693,7 +14040,152 @@
 </p:sld>
 </file>
 
-<file path=ppt/slides/slide28.xml><?xml version="1.0" encoding="utf-8"?>
+<file path=ppt/slides/slide3.xml><?xml version="1.0" encoding="utf-8"?>
+<p:sld xmlns:a="http://schemas.openxmlformats.org/drawingml/2006/main" xmlns:r="http://schemas.openxmlformats.org/officeDocument/2006/relationships" xmlns:p="http://schemas.openxmlformats.org/presentationml/2006/main">
+  <p:cSld>
+    <p:spTree>
+      <p:nvGrpSpPr>
+        <p:cNvPr id="1" name=""/>
+        <p:cNvGrpSpPr/>
+        <p:nvPr/>
+      </p:nvGrpSpPr>
+      <p:grpSpPr>
+        <a:xfrm>
+          <a:off x="0" y="0"/>
+          <a:ext cx="0" cy="0"/>
+          <a:chOff x="0" y="0"/>
+          <a:chExt cx="0" cy="0"/>
+        </a:xfrm>
+      </p:grpSpPr>
+      <p:sp>
+        <p:nvSpPr>
+          <p:cNvPr id="96" name="CustomShape 1"/>
+          <p:cNvSpPr/>
+          <p:nvPr/>
+        </p:nvSpPr>
+        <p:spPr>
+          <a:xfrm>
+            <a:off x="1676520" y="2362320"/>
+            <a:ext cx="8815320" cy="1752872"/>
+          </a:xfrm>
+          <a:prstGeom prst="rect">
+            <a:avLst/>
+          </a:prstGeom>
+          <a:noFill/>
+          <a:ln>
+            <a:noFill/>
+          </a:ln>
+        </p:spPr>
+        <p:style>
+          <a:lnRef idx="0">
+            <a:scrgbClr r="0" g="0" b="0"/>
+          </a:lnRef>
+          <a:fillRef idx="0">
+            <a:scrgbClr r="0" g="0" b="0"/>
+          </a:fillRef>
+          <a:effectRef idx="0">
+            <a:scrgbClr r="0" g="0" b="0"/>
+          </a:effectRef>
+          <a:fontRef idx="minor"/>
+        </p:style>
+        <p:txBody>
+          <a:bodyPr lIns="90000" tIns="45000" rIns="90000" bIns="45000">
+            <a:spAutoFit/>
+          </a:bodyPr>
+          <a:lstStyle/>
+          <a:p>
+            <a:pPr algn="ctr"/>
+            <a:r>
+              <a:rPr lang="en-IN" sz="5400" i="1" spc="-1" dirty="0">
+                <a:solidFill>
+                  <a:srgbClr val="F7C120"/>
+                </a:solidFill>
+                <a:latin typeface="Century"/>
+              </a:rPr>
+              <a:t>cqlsh</a:t>
+            </a:r>
+          </a:p>
+          <a:p>
+            <a:pPr algn="ctr">
+              <a:lnSpc>
+                <a:spcPct val="100000"/>
+              </a:lnSpc>
+            </a:pPr>
+            <a:endParaRPr lang="en-IN" sz="5400" b="0" strike="noStrike" spc="-1" dirty="0">
+              <a:latin typeface="Arial"/>
+            </a:endParaRPr>
+          </a:p>
+        </p:txBody>
+      </p:sp>
+      <p:sp>
+        <p:nvSpPr>
+          <p:cNvPr id="97" name="CustomShape 2"/>
+          <p:cNvSpPr/>
+          <p:nvPr/>
+        </p:nvSpPr>
+        <p:spPr>
+          <a:xfrm>
+            <a:off x="522360" y="3531600"/>
+            <a:ext cx="11124360" cy="644877"/>
+          </a:xfrm>
+          <a:prstGeom prst="rect">
+            <a:avLst/>
+          </a:prstGeom>
+          <a:noFill/>
+          <a:ln>
+            <a:noFill/>
+          </a:ln>
+        </p:spPr>
+        <p:style>
+          <a:lnRef idx="0">
+            <a:scrgbClr r="0" g="0" b="0"/>
+          </a:lnRef>
+          <a:fillRef idx="0">
+            <a:scrgbClr r="0" g="0" b="0"/>
+          </a:fillRef>
+          <a:effectRef idx="0">
+            <a:scrgbClr r="0" g="0" b="0"/>
+          </a:effectRef>
+          <a:fontRef idx="minor"/>
+        </p:style>
+        <p:txBody>
+          <a:bodyPr lIns="90000" tIns="45000" rIns="90000" bIns="45000">
+            <a:spAutoFit/>
+          </a:bodyPr>
+          <a:lstStyle/>
+          <a:p>
+            <a:pPr algn="just">
+              <a:lnSpc>
+                <a:spcPct val="100000"/>
+              </a:lnSpc>
+            </a:pPr>
+            <a:r>
+              <a:rPr lang="en-US" spc="-1" dirty="0">
+                <a:solidFill>
+                  <a:srgbClr val="BB0643"/>
+                </a:solidFill>
+                <a:latin typeface="Segoe UI"/>
+              </a:rPr>
+              <a:t>Cassandra Query Language Shell (CQLSH) is basically a communication medium between Cassandra and the user.</a:t>
+            </a:r>
+            <a:endParaRPr lang="en-IN" spc="-1" dirty="0">
+              <a:solidFill>
+                <a:srgbClr val="BB0643"/>
+              </a:solidFill>
+              <a:latin typeface="Segoe UI"/>
+            </a:endParaRPr>
+          </a:p>
+        </p:txBody>
+      </p:sp>
+    </p:spTree>
+  </p:cSld>
+  <p:clrMapOvr>
+    <a:masterClrMapping/>
+  </p:clrMapOvr>
+</p:sld>
+</file>
+
+<file path=ppt/slides/slide30.xml><?xml version="1.0" encoding="utf-8"?>
 <p:sld xmlns:a="http://schemas.openxmlformats.org/drawingml/2006/main" xmlns:r="http://schemas.openxmlformats.org/officeDocument/2006/relationships" xmlns:p="http://schemas.openxmlformats.org/presentationml/2006/main">
   <p:cSld>
     <p:spTree>
@@ -14362,7 +14854,7 @@
 </p:sld>
 </file>
 
-<file path=ppt/slides/slide29.xml><?xml version="1.0" encoding="utf-8"?>
+<file path=ppt/slides/slide31.xml><?xml version="1.0" encoding="utf-8"?>
 <p:sld xmlns:a="http://schemas.openxmlformats.org/drawingml/2006/main" xmlns:r="http://schemas.openxmlformats.org/officeDocument/2006/relationships" xmlns:p="http://schemas.openxmlformats.org/presentationml/2006/main">
   <p:cSld>
     <p:spTree>
@@ -15243,152 +15735,7 @@
 </p:sld>
 </file>
 
-<file path=ppt/slides/slide3.xml><?xml version="1.0" encoding="utf-8"?>
-<p:sld xmlns:a="http://schemas.openxmlformats.org/drawingml/2006/main" xmlns:r="http://schemas.openxmlformats.org/officeDocument/2006/relationships" xmlns:p="http://schemas.openxmlformats.org/presentationml/2006/main">
-  <p:cSld>
-    <p:spTree>
-      <p:nvGrpSpPr>
-        <p:cNvPr id="1" name=""/>
-        <p:cNvGrpSpPr/>
-        <p:nvPr/>
-      </p:nvGrpSpPr>
-      <p:grpSpPr>
-        <a:xfrm>
-          <a:off x="0" y="0"/>
-          <a:ext cx="0" cy="0"/>
-          <a:chOff x="0" y="0"/>
-          <a:chExt cx="0" cy="0"/>
-        </a:xfrm>
-      </p:grpSpPr>
-      <p:sp>
-        <p:nvSpPr>
-          <p:cNvPr id="96" name="CustomShape 1"/>
-          <p:cNvSpPr/>
-          <p:nvPr/>
-        </p:nvSpPr>
-        <p:spPr>
-          <a:xfrm>
-            <a:off x="1676520" y="2362320"/>
-            <a:ext cx="8815320" cy="1752872"/>
-          </a:xfrm>
-          <a:prstGeom prst="rect">
-            <a:avLst/>
-          </a:prstGeom>
-          <a:noFill/>
-          <a:ln>
-            <a:noFill/>
-          </a:ln>
-        </p:spPr>
-        <p:style>
-          <a:lnRef idx="0">
-            <a:scrgbClr r="0" g="0" b="0"/>
-          </a:lnRef>
-          <a:fillRef idx="0">
-            <a:scrgbClr r="0" g="0" b="0"/>
-          </a:fillRef>
-          <a:effectRef idx="0">
-            <a:scrgbClr r="0" g="0" b="0"/>
-          </a:effectRef>
-          <a:fontRef idx="minor"/>
-        </p:style>
-        <p:txBody>
-          <a:bodyPr lIns="90000" tIns="45000" rIns="90000" bIns="45000">
-            <a:spAutoFit/>
-          </a:bodyPr>
-          <a:lstStyle/>
-          <a:p>
-            <a:pPr algn="ctr"/>
-            <a:r>
-              <a:rPr lang="en-IN" sz="5400" i="1" spc="-1" dirty="0">
-                <a:solidFill>
-                  <a:srgbClr val="F7C120"/>
-                </a:solidFill>
-                <a:latin typeface="Century"/>
-              </a:rPr>
-              <a:t>cqlsh</a:t>
-            </a:r>
-          </a:p>
-          <a:p>
-            <a:pPr algn="ctr">
-              <a:lnSpc>
-                <a:spcPct val="100000"/>
-              </a:lnSpc>
-            </a:pPr>
-            <a:endParaRPr lang="en-IN" sz="5400" b="0" strike="noStrike" spc="-1" dirty="0">
-              <a:latin typeface="Arial"/>
-            </a:endParaRPr>
-          </a:p>
-        </p:txBody>
-      </p:sp>
-      <p:sp>
-        <p:nvSpPr>
-          <p:cNvPr id="97" name="CustomShape 2"/>
-          <p:cNvSpPr/>
-          <p:nvPr/>
-        </p:nvSpPr>
-        <p:spPr>
-          <a:xfrm>
-            <a:off x="522360" y="3531600"/>
-            <a:ext cx="11124360" cy="644877"/>
-          </a:xfrm>
-          <a:prstGeom prst="rect">
-            <a:avLst/>
-          </a:prstGeom>
-          <a:noFill/>
-          <a:ln>
-            <a:noFill/>
-          </a:ln>
-        </p:spPr>
-        <p:style>
-          <a:lnRef idx="0">
-            <a:scrgbClr r="0" g="0" b="0"/>
-          </a:lnRef>
-          <a:fillRef idx="0">
-            <a:scrgbClr r="0" g="0" b="0"/>
-          </a:fillRef>
-          <a:effectRef idx="0">
-            <a:scrgbClr r="0" g="0" b="0"/>
-          </a:effectRef>
-          <a:fontRef idx="minor"/>
-        </p:style>
-        <p:txBody>
-          <a:bodyPr lIns="90000" tIns="45000" rIns="90000" bIns="45000">
-            <a:spAutoFit/>
-          </a:bodyPr>
-          <a:lstStyle/>
-          <a:p>
-            <a:pPr algn="just">
-              <a:lnSpc>
-                <a:spcPct val="100000"/>
-              </a:lnSpc>
-            </a:pPr>
-            <a:r>
-              <a:rPr lang="en-US" spc="-1" dirty="0">
-                <a:solidFill>
-                  <a:srgbClr val="BB0643"/>
-                </a:solidFill>
-                <a:latin typeface="Segoe UI"/>
-              </a:rPr>
-              <a:t>Cassandra Query Language Shell (CQLSH) is basically a communication medium between Cassandra and the user.</a:t>
-            </a:r>
-            <a:endParaRPr lang="en-IN" spc="-1" dirty="0">
-              <a:solidFill>
-                <a:srgbClr val="BB0643"/>
-              </a:solidFill>
-              <a:latin typeface="Segoe UI"/>
-            </a:endParaRPr>
-          </a:p>
-        </p:txBody>
-      </p:sp>
-    </p:spTree>
-  </p:cSld>
-  <p:clrMapOvr>
-    <a:masterClrMapping/>
-  </p:clrMapOvr>
-</p:sld>
-</file>
-
-<file path=ppt/slides/slide30.xml><?xml version="1.0" encoding="utf-8"?>
+<file path=ppt/slides/slide32.xml><?xml version="1.0" encoding="utf-8"?>
 <p:sld xmlns:a="http://schemas.openxmlformats.org/drawingml/2006/main" xmlns:r="http://schemas.openxmlformats.org/officeDocument/2006/relationships" xmlns:p="http://schemas.openxmlformats.org/presentationml/2006/main">
   <p:cSld>
     <p:spTree>
@@ -16262,7 +16609,7 @@
 </p:sld>
 </file>
 
-<file path=ppt/slides/slide31.xml><?xml version="1.0" encoding="utf-8"?>
+<file path=ppt/slides/slide33.xml><?xml version="1.0" encoding="utf-8"?>
 <p:sld xmlns:a="http://schemas.openxmlformats.org/drawingml/2006/main" xmlns:r="http://schemas.openxmlformats.org/officeDocument/2006/relationships" xmlns:p="http://schemas.openxmlformats.org/presentationml/2006/main">
   <p:cSld>
     <p:spTree>
@@ -17291,7 +17638,7 @@
 </p:sld>
 </file>
 
-<file path=ppt/slides/slide32.xml><?xml version="1.0" encoding="utf-8"?>
+<file path=ppt/slides/slide34.xml><?xml version="1.0" encoding="utf-8"?>
 <p:sld xmlns:a="http://schemas.openxmlformats.org/drawingml/2006/main" xmlns:r="http://schemas.openxmlformats.org/officeDocument/2006/relationships" xmlns:p="http://schemas.openxmlformats.org/presentationml/2006/main">
   <p:cSld>
     <p:spTree>
@@ -18250,7 +18597,7 @@
 </p:sld>
 </file>
 
-<file path=ppt/slides/slide33.xml><?xml version="1.0" encoding="utf-8"?>
+<file path=ppt/slides/slide35.xml><?xml version="1.0" encoding="utf-8"?>
 <p:sld xmlns:a="http://schemas.openxmlformats.org/drawingml/2006/main" xmlns:r="http://schemas.openxmlformats.org/officeDocument/2006/relationships" xmlns:p="http://schemas.openxmlformats.org/presentationml/2006/main">
   <p:cSld>
     <p:spTree>
@@ -19230,7 +19577,7 @@
 </p:sld>
 </file>
 
-<file path=ppt/slides/slide34.xml><?xml version="1.0" encoding="utf-8"?>
+<file path=ppt/slides/slide36.xml><?xml version="1.0" encoding="utf-8"?>
 <p:sld xmlns:a="http://schemas.openxmlformats.org/drawingml/2006/main" xmlns:r="http://schemas.openxmlformats.org/officeDocument/2006/relationships" xmlns:p="http://schemas.openxmlformats.org/presentationml/2006/main">
   <p:cSld>
     <p:spTree>
@@ -19379,7 +19726,7 @@
 </p:sld>
 </file>
 
-<file path=ppt/slides/slide35.xml><?xml version="1.0" encoding="utf-8"?>
+<file path=ppt/slides/slide37.xml><?xml version="1.0" encoding="utf-8"?>
 <p:sld xmlns:a="http://schemas.openxmlformats.org/drawingml/2006/main" xmlns:r="http://schemas.openxmlformats.org/officeDocument/2006/relationships" xmlns:p="http://schemas.openxmlformats.org/presentationml/2006/main">
   <p:cSld>
     <p:spTree>
@@ -20348,7 +20695,7 @@
 </p:sld>
 </file>
 
-<file path=ppt/slides/slide36.xml><?xml version="1.0" encoding="utf-8"?>
+<file path=ppt/slides/slide38.xml><?xml version="1.0" encoding="utf-8"?>
 <p:sld xmlns:a="http://schemas.openxmlformats.org/drawingml/2006/main" xmlns:r="http://schemas.openxmlformats.org/officeDocument/2006/relationships" xmlns:p="http://schemas.openxmlformats.org/presentationml/2006/main">
   <p:cSld>
     <p:spTree>
@@ -21131,7 +21478,7 @@
 </p:sld>
 </file>
 
-<file path=ppt/slides/slide37.xml><?xml version="1.0" encoding="utf-8"?>
+<file path=ppt/slides/slide39.xml><?xml version="1.0" encoding="utf-8"?>
 <p:sld xmlns:a="http://schemas.openxmlformats.org/drawingml/2006/main" xmlns:r="http://schemas.openxmlformats.org/officeDocument/2006/relationships" xmlns:p="http://schemas.openxmlformats.org/presentationml/2006/main">
   <p:cSld>
     <p:spTree>
@@ -21538,628 +21885,6 @@
 </p:sld>
 </file>
 
-<file path=ppt/slides/slide38.xml><?xml version="1.0" encoding="utf-8"?>
-<p:sld xmlns:a="http://schemas.openxmlformats.org/drawingml/2006/main" xmlns:r="http://schemas.openxmlformats.org/officeDocument/2006/relationships" xmlns:p="http://schemas.openxmlformats.org/presentationml/2006/main">
-  <p:cSld>
-    <p:spTree>
-      <p:nvGrpSpPr>
-        <p:cNvPr id="1" name=""/>
-        <p:cNvGrpSpPr/>
-        <p:nvPr/>
-      </p:nvGrpSpPr>
-      <p:grpSpPr>
-        <a:xfrm>
-          <a:off x="0" y="0"/>
-          <a:ext cx="0" cy="0"/>
-          <a:chOff x="0" y="0"/>
-          <a:chExt cx="0" cy="0"/>
-        </a:xfrm>
-      </p:grpSpPr>
-      <p:sp>
-        <p:nvSpPr>
-          <p:cNvPr id="2" name="Title 1"/>
-          <p:cNvSpPr txBox="1">
-            <a:spLocks/>
-          </p:cNvSpPr>
-          <p:nvPr/>
-        </p:nvSpPr>
-        <p:spPr>
-          <a:xfrm>
-            <a:off x="1676400" y="2362200"/>
-            <a:ext cx="8839200" cy="921876"/>
-          </a:xfrm>
-          <a:prstGeom prst="rect">
-            <a:avLst/>
-          </a:prstGeom>
-          <a:noFill/>
-          <a:ln>
-            <a:noFill/>
-          </a:ln>
-        </p:spPr>
-        <p:style>
-          <a:lnRef idx="0">
-            <a:scrgbClr r="0" g="0" b="0"/>
-          </a:lnRef>
-          <a:fillRef idx="0">
-            <a:scrgbClr r="0" g="0" b="0"/>
-          </a:fillRef>
-          <a:effectRef idx="0">
-            <a:scrgbClr r="0" g="0" b="0"/>
-          </a:effectRef>
-          <a:fontRef idx="minor"/>
-        </p:style>
-        <p:txBody>
-          <a:bodyPr lIns="90000" tIns="45000" rIns="90000" bIns="45000">
-            <a:spAutoFit/>
-          </a:bodyPr>
-          <a:lstStyle>
-            <a:defPPr>
-              <a:defRPr lang="en-US"/>
-            </a:defPPr>
-            <a:lvl1pPr algn="ctr">
-              <a:lnSpc>
-                <a:spcPct val="100000"/>
-              </a:lnSpc>
-              <a:defRPr sz="5400" i="1" spc="-1">
-                <a:solidFill>
-                  <a:srgbClr val="F7C120"/>
-                </a:solidFill>
-                <a:latin typeface="Century"/>
-                <a:ea typeface="DejaVu Sans"/>
-              </a:defRPr>
-            </a:lvl1pPr>
-          </a:lstStyle>
-          <a:p>
-            <a:r>
-              <a:rPr lang="en-IN" dirty="0"/>
-              <a:t>operator</a:t>
-            </a:r>
-          </a:p>
-        </p:txBody>
-      </p:sp>
-      <p:sp>
-        <p:nvSpPr>
-          <p:cNvPr id="6" name="TextBox 5">
-            <a:extLst>
-              <a:ext uri="{FF2B5EF4-FFF2-40B4-BE49-F238E27FC236}">
-                <a16:creationId xmlns:a16="http://schemas.microsoft.com/office/drawing/2014/main" id="{DE74D872-5D80-4AE7-9BD3-E60EBC947116}"/>
-              </a:ext>
-            </a:extLst>
-          </p:cNvPr>
-          <p:cNvSpPr txBox="1"/>
-          <p:nvPr/>
-        </p:nvSpPr>
-        <p:spPr>
-          <a:xfrm>
-            <a:off x="1676400" y="3253843"/>
-            <a:ext cx="8839200" cy="400110"/>
-          </a:xfrm>
-          <a:prstGeom prst="rect">
-            <a:avLst/>
-          </a:prstGeom>
-          <a:noFill/>
-        </p:spPr>
-        <p:txBody>
-          <a:bodyPr wrap="square">
-            <a:spAutoFit/>
-          </a:bodyPr>
-          <a:lstStyle>
-            <a:defPPr>
-              <a:defRPr lang="en-US"/>
-            </a:defPPr>
-          </a:lstStyle>
-          <a:p>
-            <a:r>
-              <a:rPr lang="en-IN" sz="2000" dirty="0">
-                <a:latin typeface="Palatino Linotype" panose="02040502050505030304" pitchFamily="18" charset="0"/>
-              </a:rPr>
-              <a:t>TODO</a:t>
-            </a:r>
-          </a:p>
-        </p:txBody>
-      </p:sp>
-    </p:spTree>
-    <p:extLst>
-      <p:ext uri="{BB962C8B-B14F-4D97-AF65-F5344CB8AC3E}">
-        <p14:creationId xmlns:p14="http://schemas.microsoft.com/office/powerpoint/2010/main" val="1754197338"/>
-      </p:ext>
-    </p:extLst>
-  </p:cSld>
-  <p:clrMapOvr>
-    <a:masterClrMapping/>
-  </p:clrMapOvr>
-</p:sld>
-</file>
-
-<file path=ppt/slides/slide39.xml><?xml version="1.0" encoding="utf-8"?>
-<p:sld xmlns:a="http://schemas.openxmlformats.org/drawingml/2006/main" xmlns:r="http://schemas.openxmlformats.org/officeDocument/2006/relationships" xmlns:p="http://schemas.openxmlformats.org/presentationml/2006/main">
-  <p:cSld>
-    <p:spTree>
-      <p:nvGrpSpPr>
-        <p:cNvPr id="1" name=""/>
-        <p:cNvGrpSpPr/>
-        <p:nvPr/>
-      </p:nvGrpSpPr>
-      <p:grpSpPr>
-        <a:xfrm>
-          <a:off x="0" y="0"/>
-          <a:ext cx="0" cy="0"/>
-          <a:chOff x="0" y="0"/>
-          <a:chExt cx="0" cy="0"/>
-        </a:xfrm>
-      </p:grpSpPr>
-      <p:sp>
-        <p:nvSpPr>
-          <p:cNvPr id="5" name="TextBox 4">
-            <a:extLst>
-              <a:ext uri="{FF2B5EF4-FFF2-40B4-BE49-F238E27FC236}">
-                <a16:creationId xmlns:a16="http://schemas.microsoft.com/office/drawing/2014/main" id="{B763D180-19B5-4CEB-8745-D08554B70567}"/>
-              </a:ext>
-            </a:extLst>
-          </p:cNvPr>
-          <p:cNvSpPr txBox="1"/>
-          <p:nvPr/>
-        </p:nvSpPr>
-        <p:spPr>
-          <a:xfrm>
-            <a:off x="263352" y="1196752"/>
-            <a:ext cx="6192688" cy="2277547"/>
-          </a:xfrm>
-          <a:prstGeom prst="rect">
-            <a:avLst/>
-          </a:prstGeom>
-          <a:noFill/>
-        </p:spPr>
-        <p:txBody>
-          <a:bodyPr wrap="square">
-            <a:spAutoFit/>
-          </a:bodyPr>
-          <a:lstStyle/>
-          <a:p>
-            <a:pPr marL="457200" indent="-457200">
-              <a:buFont typeface="+mj-lt"/>
-              <a:buAutoNum type="arabicPeriod"/>
-            </a:pPr>
-            <a:r>
-              <a:rPr lang="en-IN" sz="2200" b="1" i="1" dirty="0">
-                <a:solidFill>
-                  <a:schemeClr val="accent6">
-                    <a:lumMod val="75000"/>
-                  </a:schemeClr>
-                </a:solidFill>
-                <a:latin typeface="Liberation Mono"/>
-              </a:rPr>
-              <a:t>arithmetic_operators: </a:t>
-            </a:r>
-          </a:p>
-          <a:p>
-            <a:pPr marL="450850"/>
-            <a:r>
-              <a:rPr lang="en-IN" sz="2000" dirty="0">
-                <a:solidFill>
-                  <a:srgbClr val="A67F59"/>
-                </a:solidFill>
-                <a:latin typeface="Liberation Mono"/>
-              </a:rPr>
-              <a:t>* </a:t>
-            </a:r>
-            <a:r>
-              <a:rPr lang="en-IN" sz="2000" b="0" i="0" dirty="0">
-                <a:solidFill>
-                  <a:schemeClr val="bg1">
-                    <a:lumMod val="65000"/>
-                  </a:schemeClr>
-                </a:solidFill>
-                <a:effectLst/>
-                <a:latin typeface="Liberation Mono"/>
-              </a:rPr>
-              <a:t>|</a:t>
-            </a:r>
-            <a:r>
-              <a:rPr lang="en-IN" sz="2000" b="0" i="0" dirty="0">
-                <a:solidFill>
-                  <a:srgbClr val="000000"/>
-                </a:solidFill>
-                <a:effectLst/>
-                <a:latin typeface="Liberation Mono"/>
-              </a:rPr>
-              <a:t> </a:t>
-            </a:r>
-            <a:r>
-              <a:rPr lang="en-IN" sz="2000" dirty="0">
-                <a:solidFill>
-                  <a:srgbClr val="A67F59"/>
-                </a:solidFill>
-                <a:latin typeface="Liberation Mono"/>
-              </a:rPr>
-              <a:t>/ </a:t>
-            </a:r>
-            <a:r>
-              <a:rPr lang="en-IN" sz="2000" dirty="0">
-                <a:solidFill>
-                  <a:schemeClr val="bg1">
-                    <a:lumMod val="65000"/>
-                  </a:schemeClr>
-                </a:solidFill>
-                <a:latin typeface="Liberation Mono"/>
-              </a:rPr>
-              <a:t>| </a:t>
-            </a:r>
-            <a:r>
-              <a:rPr lang="en-IN" sz="2000" dirty="0">
-                <a:solidFill>
-                  <a:srgbClr val="A67F59"/>
-                </a:solidFill>
-                <a:latin typeface="Liberation Mono"/>
-              </a:rPr>
-              <a:t>%</a:t>
-            </a:r>
-            <a:r>
-              <a:rPr lang="en-IN" sz="2000" dirty="0">
-                <a:solidFill>
-                  <a:schemeClr val="bg1">
-                    <a:lumMod val="65000"/>
-                  </a:schemeClr>
-                </a:solidFill>
-                <a:latin typeface="Liberation Mono"/>
-              </a:rPr>
-              <a:t> | </a:t>
-            </a:r>
-            <a:r>
-              <a:rPr lang="en-IN" sz="2000" dirty="0">
-                <a:solidFill>
-                  <a:srgbClr val="A67F59"/>
-                </a:solidFill>
-                <a:latin typeface="Liberation Mono"/>
-              </a:rPr>
-              <a:t>- </a:t>
-            </a:r>
-            <a:r>
-              <a:rPr lang="en-IN" sz="2000" dirty="0">
-                <a:solidFill>
-                  <a:schemeClr val="bg1">
-                    <a:lumMod val="65000"/>
-                  </a:schemeClr>
-                </a:solidFill>
-                <a:latin typeface="Liberation Mono"/>
-              </a:rPr>
-              <a:t>|</a:t>
-            </a:r>
-            <a:r>
-              <a:rPr lang="en-IN" sz="2000" dirty="0">
-                <a:solidFill>
-                  <a:srgbClr val="A67F59"/>
-                </a:solidFill>
-                <a:latin typeface="Liberation Mono"/>
-              </a:rPr>
-              <a:t> +</a:t>
-            </a:r>
-          </a:p>
-          <a:p>
-            <a:endParaRPr lang="en-IN" sz="800" dirty="0">
-              <a:solidFill>
-                <a:schemeClr val="accent6">
-                  <a:lumMod val="75000"/>
-                </a:schemeClr>
-              </a:solidFill>
-              <a:latin typeface="Liberation Mono"/>
-            </a:endParaRPr>
-          </a:p>
-          <a:p>
-            <a:pPr marL="457200" indent="-457200">
-              <a:buFont typeface="+mj-lt"/>
-              <a:buAutoNum type="arabicPeriod" startAt="2"/>
-            </a:pPr>
-            <a:r>
-              <a:rPr lang="en-IN" sz="2200" b="1" i="1" dirty="0">
-                <a:solidFill>
-                  <a:schemeClr val="accent6">
-                    <a:lumMod val="75000"/>
-                  </a:schemeClr>
-                </a:solidFill>
-                <a:latin typeface="Liberation Mono"/>
-              </a:rPr>
-              <a:t>comparison_operator: </a:t>
-            </a:r>
-          </a:p>
-          <a:p>
-            <a:pPr marL="531813"/>
-            <a:r>
-              <a:rPr lang="en-IN" sz="2000" dirty="0">
-                <a:solidFill>
-                  <a:srgbClr val="A67F59"/>
-                </a:solidFill>
-                <a:latin typeface="Liberation Mono"/>
-              </a:rPr>
-              <a:t>= </a:t>
-            </a:r>
-            <a:r>
-              <a:rPr lang="en-IN" sz="2000" b="0" i="0" dirty="0">
-                <a:solidFill>
-                  <a:schemeClr val="bg1">
-                    <a:lumMod val="65000"/>
-                  </a:schemeClr>
-                </a:solidFill>
-                <a:effectLst/>
-                <a:latin typeface="Liberation Mono"/>
-              </a:rPr>
-              <a:t>| </a:t>
-            </a:r>
-            <a:r>
-              <a:rPr lang="en-IN" sz="2000" dirty="0">
-                <a:solidFill>
-                  <a:srgbClr val="A67F59"/>
-                </a:solidFill>
-                <a:latin typeface="Liberation Mono"/>
-              </a:rPr>
-              <a:t>&gt;= </a:t>
-            </a:r>
-            <a:r>
-              <a:rPr lang="en-IN" sz="2000" dirty="0">
-                <a:solidFill>
-                  <a:schemeClr val="bg1">
-                    <a:lumMod val="65000"/>
-                  </a:schemeClr>
-                </a:solidFill>
-                <a:latin typeface="Liberation Mono"/>
-              </a:rPr>
-              <a:t>| </a:t>
-            </a:r>
-            <a:r>
-              <a:rPr lang="en-IN" sz="2000" dirty="0">
-                <a:solidFill>
-                  <a:srgbClr val="A67F59"/>
-                </a:solidFill>
-                <a:latin typeface="Liberation Mono"/>
-              </a:rPr>
-              <a:t>&gt; </a:t>
-            </a:r>
-            <a:r>
-              <a:rPr lang="en-IN" sz="2000" dirty="0">
-                <a:solidFill>
-                  <a:schemeClr val="bg1">
-                    <a:lumMod val="65000"/>
-                  </a:schemeClr>
-                </a:solidFill>
-                <a:latin typeface="Liberation Mono"/>
-              </a:rPr>
-              <a:t>|</a:t>
-            </a:r>
-            <a:r>
-              <a:rPr lang="en-IN" sz="2000" dirty="0">
-                <a:solidFill>
-                  <a:srgbClr val="A67F59"/>
-                </a:solidFill>
-                <a:latin typeface="Liberation Mono"/>
-              </a:rPr>
-              <a:t> &lt;=</a:t>
-            </a:r>
-            <a:r>
-              <a:rPr lang="en-IN" sz="2000" b="0" i="0" dirty="0">
-                <a:solidFill>
-                  <a:srgbClr val="000000"/>
-                </a:solidFill>
-                <a:effectLst/>
-                <a:latin typeface="Liberation Mono"/>
-              </a:rPr>
-              <a:t> </a:t>
-            </a:r>
-            <a:r>
-              <a:rPr lang="en-IN" sz="2000" dirty="0">
-                <a:solidFill>
-                  <a:schemeClr val="bg1">
-                    <a:lumMod val="65000"/>
-                  </a:schemeClr>
-                </a:solidFill>
-                <a:latin typeface="Liberation Mono"/>
-              </a:rPr>
-              <a:t>|</a:t>
-            </a:r>
-            <a:r>
-              <a:rPr lang="en-IN" sz="2000" b="0" i="0" dirty="0">
-                <a:solidFill>
-                  <a:srgbClr val="000000"/>
-                </a:solidFill>
-                <a:effectLst/>
-                <a:latin typeface="Liberation Mono"/>
-              </a:rPr>
-              <a:t> </a:t>
-            </a:r>
-            <a:r>
-              <a:rPr lang="en-IN" sz="2000" dirty="0">
-                <a:solidFill>
-                  <a:srgbClr val="A67F59"/>
-                </a:solidFill>
-                <a:latin typeface="Liberation Mono"/>
-              </a:rPr>
-              <a:t>&lt; </a:t>
-            </a:r>
-            <a:r>
-              <a:rPr lang="en-IN" sz="2000" dirty="0">
-                <a:solidFill>
-                  <a:schemeClr val="bg1">
-                    <a:lumMod val="65000"/>
-                  </a:schemeClr>
-                </a:solidFill>
-                <a:latin typeface="Liberation Mono"/>
-              </a:rPr>
-              <a:t>|</a:t>
-            </a:r>
-            <a:r>
-              <a:rPr lang="en-IN" sz="2000" b="0" i="0" dirty="0">
-                <a:solidFill>
-                  <a:srgbClr val="000000"/>
-                </a:solidFill>
-                <a:effectLst/>
-                <a:latin typeface="Liberation Mono"/>
-              </a:rPr>
-              <a:t> </a:t>
-            </a:r>
-            <a:r>
-              <a:rPr lang="en-IN" sz="2000" dirty="0">
-                <a:solidFill>
-                  <a:srgbClr val="A67F59"/>
-                </a:solidFill>
-                <a:latin typeface="Liberation Mono"/>
-              </a:rPr>
-              <a:t>!=</a:t>
-            </a:r>
-          </a:p>
-          <a:p>
-            <a:endParaRPr lang="en-US" sz="800" dirty="0">
-              <a:solidFill>
-                <a:schemeClr val="accent6">
-                  <a:lumMod val="75000"/>
-                </a:schemeClr>
-              </a:solidFill>
-              <a:effectLst/>
-              <a:latin typeface="Liberation Mono"/>
-            </a:endParaRPr>
-          </a:p>
-          <a:p>
-            <a:pPr marL="457200" indent="-457200">
-              <a:buFont typeface="+mj-lt"/>
-              <a:buAutoNum type="arabicPeriod" startAt="3"/>
-            </a:pPr>
-            <a:r>
-              <a:rPr lang="en-IN" sz="2200" b="1" i="1" dirty="0">
-                <a:solidFill>
-                  <a:schemeClr val="accent6">
-                    <a:lumMod val="75000"/>
-                  </a:schemeClr>
-                </a:solidFill>
-                <a:latin typeface="Liberation Mono"/>
-              </a:rPr>
-              <a:t>logical_operators</a:t>
-            </a:r>
-          </a:p>
-          <a:p>
-            <a:pPr marL="536575"/>
-            <a:r>
-              <a:rPr lang="en-IN" sz="2000" dirty="0">
-                <a:solidFill>
-                  <a:srgbClr val="A67F59"/>
-                </a:solidFill>
-                <a:latin typeface="Liberation Mono"/>
-              </a:rPr>
-              <a:t>AND</a:t>
-            </a:r>
-            <a:r>
-              <a:rPr lang="en-IN" sz="2000" b="0" i="0" dirty="0">
-                <a:solidFill>
-                  <a:srgbClr val="000000"/>
-                </a:solidFill>
-                <a:effectLst/>
-                <a:latin typeface="Liberation Mono"/>
-              </a:rPr>
-              <a:t> </a:t>
-            </a:r>
-            <a:r>
-              <a:rPr lang="en-IN" sz="2000" b="0" i="0" dirty="0">
-                <a:solidFill>
-                  <a:schemeClr val="bg1">
-                    <a:lumMod val="65000"/>
-                  </a:schemeClr>
-                </a:solidFill>
-                <a:effectLst/>
-                <a:latin typeface="Liberation Mono"/>
-              </a:rPr>
-              <a:t>| </a:t>
-            </a:r>
-            <a:r>
-              <a:rPr lang="en-IN" sz="2000" dirty="0">
-                <a:solidFill>
-                  <a:srgbClr val="A67F59"/>
-                </a:solidFill>
-                <a:latin typeface="Liberation Mono"/>
-              </a:rPr>
-              <a:t>OR</a:t>
-            </a:r>
-            <a:endParaRPr lang="en-IN" sz="2000" dirty="0">
-              <a:latin typeface="Liberation Mono"/>
-            </a:endParaRPr>
-          </a:p>
-        </p:txBody>
-      </p:sp>
-      <p:sp>
-        <p:nvSpPr>
-          <p:cNvPr id="9" name="CustomShape 4">
-            <a:extLst>
-              <a:ext uri="{FF2B5EF4-FFF2-40B4-BE49-F238E27FC236}">
-                <a16:creationId xmlns:a16="http://schemas.microsoft.com/office/drawing/2014/main" id="{45F035A5-4FB9-4C6C-B771-F186093F3D54}"/>
-              </a:ext>
-            </a:extLst>
-          </p:cNvPr>
-          <p:cNvSpPr/>
-          <p:nvPr/>
-        </p:nvSpPr>
-        <p:spPr>
-          <a:xfrm>
-            <a:off x="246600" y="0"/>
-            <a:ext cx="11687400" cy="706432"/>
-          </a:xfrm>
-          <a:prstGeom prst="rect">
-            <a:avLst/>
-          </a:prstGeom>
-          <a:solidFill>
-            <a:srgbClr val="C00000"/>
-          </a:solidFill>
-          <a:ln>
-            <a:noFill/>
-          </a:ln>
-        </p:spPr>
-        <p:style>
-          <a:lnRef idx="0">
-            <a:scrgbClr r="0" g="0" b="0"/>
-          </a:lnRef>
-          <a:fillRef idx="0">
-            <a:scrgbClr r="0" g="0" b="0"/>
-          </a:fillRef>
-          <a:effectRef idx="0">
-            <a:scrgbClr r="0" g="0" b="0"/>
-          </a:effectRef>
-          <a:fontRef idx="minor"/>
-        </p:style>
-        <p:txBody>
-          <a:bodyPr lIns="90000" tIns="45000" rIns="90000" bIns="45000">
-            <a:spAutoFit/>
-          </a:bodyPr>
-          <a:lstStyle/>
-          <a:p>
-            <a:pPr algn="ctr">
-              <a:lnSpc>
-                <a:spcPct val="100000"/>
-              </a:lnSpc>
-            </a:pPr>
-            <a:r>
-              <a:rPr lang="en-IN" sz="4000" spc="-1" dirty="0">
-                <a:solidFill>
-                  <a:srgbClr val="F7C120"/>
-                </a:solidFill>
-                <a:latin typeface="Open Sans"/>
-                <a:ea typeface="DejaVu Sans"/>
-              </a:rPr>
-              <a:t>select data</a:t>
-            </a:r>
-            <a:endParaRPr lang="en-IN" sz="4000" b="0" strike="noStrike" spc="-1" dirty="0">
-              <a:latin typeface="Arial"/>
-            </a:endParaRPr>
-          </a:p>
-        </p:txBody>
-      </p:sp>
-    </p:spTree>
-    <p:extLst>
-      <p:ext uri="{BB962C8B-B14F-4D97-AF65-F5344CB8AC3E}">
-        <p14:creationId xmlns:p14="http://schemas.microsoft.com/office/powerpoint/2010/main" val="3898858501"/>
-      </p:ext>
-    </p:extLst>
-  </p:cSld>
-  <p:clrMapOvr>
-    <a:masterClrMapping/>
-  </p:clrMapOvr>
-</p:sld>
-</file>
-
 <file path=ppt/slides/slide4.xml><?xml version="1.0" encoding="utf-8"?>
 <p:sld xmlns:a="http://schemas.openxmlformats.org/drawingml/2006/main" xmlns:r="http://schemas.openxmlformats.org/officeDocument/2006/relationships" xmlns:p="http://schemas.openxmlformats.org/presentationml/2006/main">
   <p:cSld>
@@ -22733,6 +22458,628 @@
       </p:grpSpPr>
       <p:sp>
         <p:nvSpPr>
+          <p:cNvPr id="2" name="Title 1"/>
+          <p:cNvSpPr txBox="1">
+            <a:spLocks/>
+          </p:cNvSpPr>
+          <p:nvPr/>
+        </p:nvSpPr>
+        <p:spPr>
+          <a:xfrm>
+            <a:off x="1676400" y="2362200"/>
+            <a:ext cx="8839200" cy="921876"/>
+          </a:xfrm>
+          <a:prstGeom prst="rect">
+            <a:avLst/>
+          </a:prstGeom>
+          <a:noFill/>
+          <a:ln>
+            <a:noFill/>
+          </a:ln>
+        </p:spPr>
+        <p:style>
+          <a:lnRef idx="0">
+            <a:scrgbClr r="0" g="0" b="0"/>
+          </a:lnRef>
+          <a:fillRef idx="0">
+            <a:scrgbClr r="0" g="0" b="0"/>
+          </a:fillRef>
+          <a:effectRef idx="0">
+            <a:scrgbClr r="0" g="0" b="0"/>
+          </a:effectRef>
+          <a:fontRef idx="minor"/>
+        </p:style>
+        <p:txBody>
+          <a:bodyPr lIns="90000" tIns="45000" rIns="90000" bIns="45000">
+            <a:spAutoFit/>
+          </a:bodyPr>
+          <a:lstStyle>
+            <a:defPPr>
+              <a:defRPr lang="en-US"/>
+            </a:defPPr>
+            <a:lvl1pPr algn="ctr">
+              <a:lnSpc>
+                <a:spcPct val="100000"/>
+              </a:lnSpc>
+              <a:defRPr sz="5400" i="1" spc="-1">
+                <a:solidFill>
+                  <a:srgbClr val="F7C120"/>
+                </a:solidFill>
+                <a:latin typeface="Century"/>
+                <a:ea typeface="DejaVu Sans"/>
+              </a:defRPr>
+            </a:lvl1pPr>
+          </a:lstStyle>
+          <a:p>
+            <a:r>
+              <a:rPr lang="en-IN" dirty="0"/>
+              <a:t>operator</a:t>
+            </a:r>
+          </a:p>
+        </p:txBody>
+      </p:sp>
+      <p:sp>
+        <p:nvSpPr>
+          <p:cNvPr id="6" name="TextBox 5">
+            <a:extLst>
+              <a:ext uri="{FF2B5EF4-FFF2-40B4-BE49-F238E27FC236}">
+                <a16:creationId xmlns:a16="http://schemas.microsoft.com/office/drawing/2014/main" id="{DE74D872-5D80-4AE7-9BD3-E60EBC947116}"/>
+              </a:ext>
+            </a:extLst>
+          </p:cNvPr>
+          <p:cNvSpPr txBox="1"/>
+          <p:nvPr/>
+        </p:nvSpPr>
+        <p:spPr>
+          <a:xfrm>
+            <a:off x="1676400" y="3253843"/>
+            <a:ext cx="8839200" cy="400110"/>
+          </a:xfrm>
+          <a:prstGeom prst="rect">
+            <a:avLst/>
+          </a:prstGeom>
+          <a:noFill/>
+        </p:spPr>
+        <p:txBody>
+          <a:bodyPr wrap="square">
+            <a:spAutoFit/>
+          </a:bodyPr>
+          <a:lstStyle>
+            <a:defPPr>
+              <a:defRPr lang="en-US"/>
+            </a:defPPr>
+          </a:lstStyle>
+          <a:p>
+            <a:r>
+              <a:rPr lang="en-IN" sz="2000" dirty="0">
+                <a:latin typeface="Palatino Linotype" panose="02040502050505030304" pitchFamily="18" charset="0"/>
+              </a:rPr>
+              <a:t>TODO</a:t>
+            </a:r>
+          </a:p>
+        </p:txBody>
+      </p:sp>
+    </p:spTree>
+    <p:extLst>
+      <p:ext uri="{BB962C8B-B14F-4D97-AF65-F5344CB8AC3E}">
+        <p14:creationId xmlns:p14="http://schemas.microsoft.com/office/powerpoint/2010/main" val="1754197338"/>
+      </p:ext>
+    </p:extLst>
+  </p:cSld>
+  <p:clrMapOvr>
+    <a:masterClrMapping/>
+  </p:clrMapOvr>
+</p:sld>
+</file>
+
+<file path=ppt/slides/slide41.xml><?xml version="1.0" encoding="utf-8"?>
+<p:sld xmlns:a="http://schemas.openxmlformats.org/drawingml/2006/main" xmlns:r="http://schemas.openxmlformats.org/officeDocument/2006/relationships" xmlns:p="http://schemas.openxmlformats.org/presentationml/2006/main">
+  <p:cSld>
+    <p:spTree>
+      <p:nvGrpSpPr>
+        <p:cNvPr id="1" name=""/>
+        <p:cNvGrpSpPr/>
+        <p:nvPr/>
+      </p:nvGrpSpPr>
+      <p:grpSpPr>
+        <a:xfrm>
+          <a:off x="0" y="0"/>
+          <a:ext cx="0" cy="0"/>
+          <a:chOff x="0" y="0"/>
+          <a:chExt cx="0" cy="0"/>
+        </a:xfrm>
+      </p:grpSpPr>
+      <p:sp>
+        <p:nvSpPr>
+          <p:cNvPr id="5" name="TextBox 4">
+            <a:extLst>
+              <a:ext uri="{FF2B5EF4-FFF2-40B4-BE49-F238E27FC236}">
+                <a16:creationId xmlns:a16="http://schemas.microsoft.com/office/drawing/2014/main" id="{B763D180-19B5-4CEB-8745-D08554B70567}"/>
+              </a:ext>
+            </a:extLst>
+          </p:cNvPr>
+          <p:cNvSpPr txBox="1"/>
+          <p:nvPr/>
+        </p:nvSpPr>
+        <p:spPr>
+          <a:xfrm>
+            <a:off x="263352" y="1196752"/>
+            <a:ext cx="6192688" cy="2277547"/>
+          </a:xfrm>
+          <a:prstGeom prst="rect">
+            <a:avLst/>
+          </a:prstGeom>
+          <a:noFill/>
+        </p:spPr>
+        <p:txBody>
+          <a:bodyPr wrap="square">
+            <a:spAutoFit/>
+          </a:bodyPr>
+          <a:lstStyle/>
+          <a:p>
+            <a:pPr marL="457200" indent="-457200">
+              <a:buFont typeface="+mj-lt"/>
+              <a:buAutoNum type="arabicPeriod"/>
+            </a:pPr>
+            <a:r>
+              <a:rPr lang="en-IN" sz="2200" b="1" i="1" dirty="0">
+                <a:solidFill>
+                  <a:schemeClr val="accent6">
+                    <a:lumMod val="75000"/>
+                  </a:schemeClr>
+                </a:solidFill>
+                <a:latin typeface="Liberation Mono"/>
+              </a:rPr>
+              <a:t>arithmetic_operators: </a:t>
+            </a:r>
+          </a:p>
+          <a:p>
+            <a:pPr marL="450850"/>
+            <a:r>
+              <a:rPr lang="en-IN" sz="2000" dirty="0">
+                <a:solidFill>
+                  <a:srgbClr val="A67F59"/>
+                </a:solidFill>
+                <a:latin typeface="Liberation Mono"/>
+              </a:rPr>
+              <a:t>* </a:t>
+            </a:r>
+            <a:r>
+              <a:rPr lang="en-IN" sz="2000" b="0" i="0" dirty="0">
+                <a:solidFill>
+                  <a:schemeClr val="bg1">
+                    <a:lumMod val="65000"/>
+                  </a:schemeClr>
+                </a:solidFill>
+                <a:effectLst/>
+                <a:latin typeface="Liberation Mono"/>
+              </a:rPr>
+              <a:t>|</a:t>
+            </a:r>
+            <a:r>
+              <a:rPr lang="en-IN" sz="2000" b="0" i="0" dirty="0">
+                <a:solidFill>
+                  <a:srgbClr val="000000"/>
+                </a:solidFill>
+                <a:effectLst/>
+                <a:latin typeface="Liberation Mono"/>
+              </a:rPr>
+              <a:t> </a:t>
+            </a:r>
+            <a:r>
+              <a:rPr lang="en-IN" sz="2000" dirty="0">
+                <a:solidFill>
+                  <a:srgbClr val="A67F59"/>
+                </a:solidFill>
+                <a:latin typeface="Liberation Mono"/>
+              </a:rPr>
+              <a:t>/ </a:t>
+            </a:r>
+            <a:r>
+              <a:rPr lang="en-IN" sz="2000" dirty="0">
+                <a:solidFill>
+                  <a:schemeClr val="bg1">
+                    <a:lumMod val="65000"/>
+                  </a:schemeClr>
+                </a:solidFill>
+                <a:latin typeface="Liberation Mono"/>
+              </a:rPr>
+              <a:t>| </a:t>
+            </a:r>
+            <a:r>
+              <a:rPr lang="en-IN" sz="2000" dirty="0">
+                <a:solidFill>
+                  <a:srgbClr val="A67F59"/>
+                </a:solidFill>
+                <a:latin typeface="Liberation Mono"/>
+              </a:rPr>
+              <a:t>%</a:t>
+            </a:r>
+            <a:r>
+              <a:rPr lang="en-IN" sz="2000" dirty="0">
+                <a:solidFill>
+                  <a:schemeClr val="bg1">
+                    <a:lumMod val="65000"/>
+                  </a:schemeClr>
+                </a:solidFill>
+                <a:latin typeface="Liberation Mono"/>
+              </a:rPr>
+              <a:t> | </a:t>
+            </a:r>
+            <a:r>
+              <a:rPr lang="en-IN" sz="2000" dirty="0">
+                <a:solidFill>
+                  <a:srgbClr val="A67F59"/>
+                </a:solidFill>
+                <a:latin typeface="Liberation Mono"/>
+              </a:rPr>
+              <a:t>- </a:t>
+            </a:r>
+            <a:r>
+              <a:rPr lang="en-IN" sz="2000" dirty="0">
+                <a:solidFill>
+                  <a:schemeClr val="bg1">
+                    <a:lumMod val="65000"/>
+                  </a:schemeClr>
+                </a:solidFill>
+                <a:latin typeface="Liberation Mono"/>
+              </a:rPr>
+              <a:t>|</a:t>
+            </a:r>
+            <a:r>
+              <a:rPr lang="en-IN" sz="2000" dirty="0">
+                <a:solidFill>
+                  <a:srgbClr val="A67F59"/>
+                </a:solidFill>
+                <a:latin typeface="Liberation Mono"/>
+              </a:rPr>
+              <a:t> +</a:t>
+            </a:r>
+          </a:p>
+          <a:p>
+            <a:endParaRPr lang="en-IN" sz="800" dirty="0">
+              <a:solidFill>
+                <a:schemeClr val="accent6">
+                  <a:lumMod val="75000"/>
+                </a:schemeClr>
+              </a:solidFill>
+              <a:latin typeface="Liberation Mono"/>
+            </a:endParaRPr>
+          </a:p>
+          <a:p>
+            <a:pPr marL="457200" indent="-457200">
+              <a:buFont typeface="+mj-lt"/>
+              <a:buAutoNum type="arabicPeriod" startAt="2"/>
+            </a:pPr>
+            <a:r>
+              <a:rPr lang="en-IN" sz="2200" b="1" i="1" dirty="0">
+                <a:solidFill>
+                  <a:schemeClr val="accent6">
+                    <a:lumMod val="75000"/>
+                  </a:schemeClr>
+                </a:solidFill>
+                <a:latin typeface="Liberation Mono"/>
+              </a:rPr>
+              <a:t>comparison_operator: </a:t>
+            </a:r>
+          </a:p>
+          <a:p>
+            <a:pPr marL="531813"/>
+            <a:r>
+              <a:rPr lang="en-IN" sz="2000" dirty="0">
+                <a:solidFill>
+                  <a:srgbClr val="A67F59"/>
+                </a:solidFill>
+                <a:latin typeface="Liberation Mono"/>
+              </a:rPr>
+              <a:t>= </a:t>
+            </a:r>
+            <a:r>
+              <a:rPr lang="en-IN" sz="2000" b="0" i="0" dirty="0">
+                <a:solidFill>
+                  <a:schemeClr val="bg1">
+                    <a:lumMod val="65000"/>
+                  </a:schemeClr>
+                </a:solidFill>
+                <a:effectLst/>
+                <a:latin typeface="Liberation Mono"/>
+              </a:rPr>
+              <a:t>| </a:t>
+            </a:r>
+            <a:r>
+              <a:rPr lang="en-IN" sz="2000" dirty="0">
+                <a:solidFill>
+                  <a:srgbClr val="A67F59"/>
+                </a:solidFill>
+                <a:latin typeface="Liberation Mono"/>
+              </a:rPr>
+              <a:t>&gt;= </a:t>
+            </a:r>
+            <a:r>
+              <a:rPr lang="en-IN" sz="2000" dirty="0">
+                <a:solidFill>
+                  <a:schemeClr val="bg1">
+                    <a:lumMod val="65000"/>
+                  </a:schemeClr>
+                </a:solidFill>
+                <a:latin typeface="Liberation Mono"/>
+              </a:rPr>
+              <a:t>| </a:t>
+            </a:r>
+            <a:r>
+              <a:rPr lang="en-IN" sz="2000" dirty="0">
+                <a:solidFill>
+                  <a:srgbClr val="A67F59"/>
+                </a:solidFill>
+                <a:latin typeface="Liberation Mono"/>
+              </a:rPr>
+              <a:t>&gt; </a:t>
+            </a:r>
+            <a:r>
+              <a:rPr lang="en-IN" sz="2000" dirty="0">
+                <a:solidFill>
+                  <a:schemeClr val="bg1">
+                    <a:lumMod val="65000"/>
+                  </a:schemeClr>
+                </a:solidFill>
+                <a:latin typeface="Liberation Mono"/>
+              </a:rPr>
+              <a:t>|</a:t>
+            </a:r>
+            <a:r>
+              <a:rPr lang="en-IN" sz="2000" dirty="0">
+                <a:solidFill>
+                  <a:srgbClr val="A67F59"/>
+                </a:solidFill>
+                <a:latin typeface="Liberation Mono"/>
+              </a:rPr>
+              <a:t> &lt;=</a:t>
+            </a:r>
+            <a:r>
+              <a:rPr lang="en-IN" sz="2000" b="0" i="0" dirty="0">
+                <a:solidFill>
+                  <a:srgbClr val="000000"/>
+                </a:solidFill>
+                <a:effectLst/>
+                <a:latin typeface="Liberation Mono"/>
+              </a:rPr>
+              <a:t> </a:t>
+            </a:r>
+            <a:r>
+              <a:rPr lang="en-IN" sz="2000" dirty="0">
+                <a:solidFill>
+                  <a:schemeClr val="bg1">
+                    <a:lumMod val="65000"/>
+                  </a:schemeClr>
+                </a:solidFill>
+                <a:latin typeface="Liberation Mono"/>
+              </a:rPr>
+              <a:t>|</a:t>
+            </a:r>
+            <a:r>
+              <a:rPr lang="en-IN" sz="2000" b="0" i="0" dirty="0">
+                <a:solidFill>
+                  <a:srgbClr val="000000"/>
+                </a:solidFill>
+                <a:effectLst/>
+                <a:latin typeface="Liberation Mono"/>
+              </a:rPr>
+              <a:t> </a:t>
+            </a:r>
+            <a:r>
+              <a:rPr lang="en-IN" sz="2000" dirty="0">
+                <a:solidFill>
+                  <a:srgbClr val="A67F59"/>
+                </a:solidFill>
+                <a:latin typeface="Liberation Mono"/>
+              </a:rPr>
+              <a:t>&lt; </a:t>
+            </a:r>
+            <a:r>
+              <a:rPr lang="en-IN" sz="2000" dirty="0">
+                <a:solidFill>
+                  <a:schemeClr val="bg1">
+                    <a:lumMod val="65000"/>
+                  </a:schemeClr>
+                </a:solidFill>
+                <a:latin typeface="Liberation Mono"/>
+              </a:rPr>
+              <a:t>|</a:t>
+            </a:r>
+            <a:r>
+              <a:rPr lang="en-IN" sz="2000" b="0" i="0" dirty="0">
+                <a:solidFill>
+                  <a:srgbClr val="000000"/>
+                </a:solidFill>
+                <a:effectLst/>
+                <a:latin typeface="Liberation Mono"/>
+              </a:rPr>
+              <a:t> </a:t>
+            </a:r>
+            <a:r>
+              <a:rPr lang="en-IN" sz="2000" dirty="0">
+                <a:solidFill>
+                  <a:srgbClr val="A67F59"/>
+                </a:solidFill>
+                <a:latin typeface="Liberation Mono"/>
+              </a:rPr>
+              <a:t>!=</a:t>
+            </a:r>
+          </a:p>
+          <a:p>
+            <a:endParaRPr lang="en-US" sz="800" dirty="0">
+              <a:solidFill>
+                <a:schemeClr val="accent6">
+                  <a:lumMod val="75000"/>
+                </a:schemeClr>
+              </a:solidFill>
+              <a:effectLst/>
+              <a:latin typeface="Liberation Mono"/>
+            </a:endParaRPr>
+          </a:p>
+          <a:p>
+            <a:pPr marL="457200" indent="-457200">
+              <a:buFont typeface="+mj-lt"/>
+              <a:buAutoNum type="arabicPeriod" startAt="3"/>
+            </a:pPr>
+            <a:r>
+              <a:rPr lang="en-IN" sz="2200" b="1" i="1" dirty="0">
+                <a:solidFill>
+                  <a:schemeClr val="accent6">
+                    <a:lumMod val="75000"/>
+                  </a:schemeClr>
+                </a:solidFill>
+                <a:latin typeface="Liberation Mono"/>
+              </a:rPr>
+              <a:t>logical_operators</a:t>
+            </a:r>
+          </a:p>
+          <a:p>
+            <a:pPr marL="536575"/>
+            <a:r>
+              <a:rPr lang="en-IN" sz="2000" dirty="0">
+                <a:solidFill>
+                  <a:srgbClr val="A67F59"/>
+                </a:solidFill>
+                <a:latin typeface="Liberation Mono"/>
+              </a:rPr>
+              <a:t>AND</a:t>
+            </a:r>
+            <a:r>
+              <a:rPr lang="en-IN" sz="2000" b="0" i="0" dirty="0">
+                <a:solidFill>
+                  <a:srgbClr val="000000"/>
+                </a:solidFill>
+                <a:effectLst/>
+                <a:latin typeface="Liberation Mono"/>
+              </a:rPr>
+              <a:t> </a:t>
+            </a:r>
+            <a:r>
+              <a:rPr lang="en-IN" sz="2000" b="0" i="0" dirty="0">
+                <a:solidFill>
+                  <a:schemeClr val="bg1">
+                    <a:lumMod val="65000"/>
+                  </a:schemeClr>
+                </a:solidFill>
+                <a:effectLst/>
+                <a:latin typeface="Liberation Mono"/>
+              </a:rPr>
+              <a:t>| </a:t>
+            </a:r>
+            <a:r>
+              <a:rPr lang="en-IN" sz="2000" dirty="0">
+                <a:solidFill>
+                  <a:srgbClr val="A67F59"/>
+                </a:solidFill>
+                <a:latin typeface="Liberation Mono"/>
+              </a:rPr>
+              <a:t>OR</a:t>
+            </a:r>
+            <a:endParaRPr lang="en-IN" sz="2000" dirty="0">
+              <a:latin typeface="Liberation Mono"/>
+            </a:endParaRPr>
+          </a:p>
+        </p:txBody>
+      </p:sp>
+      <p:sp>
+        <p:nvSpPr>
+          <p:cNvPr id="9" name="CustomShape 4">
+            <a:extLst>
+              <a:ext uri="{FF2B5EF4-FFF2-40B4-BE49-F238E27FC236}">
+                <a16:creationId xmlns:a16="http://schemas.microsoft.com/office/drawing/2014/main" id="{45F035A5-4FB9-4C6C-B771-F186093F3D54}"/>
+              </a:ext>
+            </a:extLst>
+          </p:cNvPr>
+          <p:cNvSpPr/>
+          <p:nvPr/>
+        </p:nvSpPr>
+        <p:spPr>
+          <a:xfrm>
+            <a:off x="246600" y="0"/>
+            <a:ext cx="11687400" cy="706432"/>
+          </a:xfrm>
+          <a:prstGeom prst="rect">
+            <a:avLst/>
+          </a:prstGeom>
+          <a:solidFill>
+            <a:srgbClr val="C00000"/>
+          </a:solidFill>
+          <a:ln>
+            <a:noFill/>
+          </a:ln>
+        </p:spPr>
+        <p:style>
+          <a:lnRef idx="0">
+            <a:scrgbClr r="0" g="0" b="0"/>
+          </a:lnRef>
+          <a:fillRef idx="0">
+            <a:scrgbClr r="0" g="0" b="0"/>
+          </a:fillRef>
+          <a:effectRef idx="0">
+            <a:scrgbClr r="0" g="0" b="0"/>
+          </a:effectRef>
+          <a:fontRef idx="minor"/>
+        </p:style>
+        <p:txBody>
+          <a:bodyPr lIns="90000" tIns="45000" rIns="90000" bIns="45000">
+            <a:spAutoFit/>
+          </a:bodyPr>
+          <a:lstStyle/>
+          <a:p>
+            <a:pPr algn="ctr">
+              <a:lnSpc>
+                <a:spcPct val="100000"/>
+              </a:lnSpc>
+            </a:pPr>
+            <a:r>
+              <a:rPr lang="en-IN" sz="4000" spc="-1" dirty="0">
+                <a:solidFill>
+                  <a:srgbClr val="F7C120"/>
+                </a:solidFill>
+                <a:latin typeface="Open Sans"/>
+                <a:ea typeface="DejaVu Sans"/>
+              </a:rPr>
+              <a:t>select data</a:t>
+            </a:r>
+            <a:endParaRPr lang="en-IN" sz="4000" b="0" strike="noStrike" spc="-1" dirty="0">
+              <a:latin typeface="Arial"/>
+            </a:endParaRPr>
+          </a:p>
+        </p:txBody>
+      </p:sp>
+    </p:spTree>
+    <p:extLst>
+      <p:ext uri="{BB962C8B-B14F-4D97-AF65-F5344CB8AC3E}">
+        <p14:creationId xmlns:p14="http://schemas.microsoft.com/office/powerpoint/2010/main" val="3898858501"/>
+      </p:ext>
+    </p:extLst>
+  </p:cSld>
+  <p:clrMapOvr>
+    <a:masterClrMapping/>
+  </p:clrMapOvr>
+</p:sld>
+</file>
+
+<file path=ppt/slides/slide42.xml><?xml version="1.0" encoding="utf-8"?>
+<p:sld xmlns:a="http://schemas.openxmlformats.org/drawingml/2006/main" xmlns:r="http://schemas.openxmlformats.org/officeDocument/2006/relationships" xmlns:p="http://schemas.openxmlformats.org/presentationml/2006/main">
+  <p:cSld>
+    <p:spTree>
+      <p:nvGrpSpPr>
+        <p:cNvPr id="1" name=""/>
+        <p:cNvGrpSpPr/>
+        <p:nvPr/>
+      </p:nvGrpSpPr>
+      <p:grpSpPr>
+        <a:xfrm>
+          <a:off x="0" y="0"/>
+          <a:ext cx="0" cy="0"/>
+          <a:chOff x="0" y="0"/>
+          <a:chExt cx="0" cy="0"/>
+        </a:xfrm>
+      </p:grpSpPr>
+      <p:sp>
+        <p:nvSpPr>
           <p:cNvPr id="109" name="CustomShape 1"/>
           <p:cNvSpPr/>
           <p:nvPr/>
@@ -22863,7 +23210,7 @@
 </p:sld>
 </file>
 
-<file path=ppt/slides/slide41.xml><?xml version="1.0" encoding="utf-8"?>
+<file path=ppt/slides/slide43.xml><?xml version="1.0" encoding="utf-8"?>
 <p:sld xmlns:a="http://schemas.openxmlformats.org/drawingml/2006/main" xmlns:r="http://schemas.openxmlformats.org/officeDocument/2006/relationships" xmlns:p="http://schemas.openxmlformats.org/presentationml/2006/main">
   <p:cSld>
     <p:spTree>
@@ -23579,7 +23926,7 @@
 </p:sld>
 </file>
 
-<file path=ppt/slides/slide42.xml><?xml version="1.0" encoding="utf-8"?>
+<file path=ppt/slides/slide44.xml><?xml version="1.0" encoding="utf-8"?>
 <p:sld xmlns:a="http://schemas.openxmlformats.org/drawingml/2006/main" xmlns:r="http://schemas.openxmlformats.org/officeDocument/2006/relationships" xmlns:p="http://schemas.openxmlformats.org/presentationml/2006/main">
   <p:cSld>
     <p:spTree>
@@ -23695,7 +24042,7 @@
                 <a:latin typeface="Open Sans"/>
                 <a:ea typeface="DejaVu Sans"/>
               </a:rPr>
-              <a:t>delete data</a:t>
+              <a:t>select data – WHERE clause</a:t>
             </a:r>
             <a:endParaRPr lang="en-IN" sz="4000" b="0" strike="noStrike" spc="-1" dirty="0">
               <a:latin typeface="Arial"/>
@@ -23705,45 +24052,10 @@
       </p:sp>
       <p:sp>
         <p:nvSpPr>
-          <p:cNvPr id="115" name="Line 5"/>
-          <p:cNvSpPr/>
-          <p:nvPr/>
-        </p:nvSpPr>
-        <p:spPr>
-          <a:xfrm>
-            <a:off x="0" y="1536120"/>
-            <a:ext cx="12191760" cy="0"/>
-          </a:xfrm>
-          <a:prstGeom prst="line">
-            <a:avLst/>
-          </a:prstGeom>
-          <a:ln w="12600">
-            <a:solidFill>
-              <a:srgbClr val="6E78A0"/>
-            </a:solidFill>
-            <a:prstDash val="dash"/>
-            <a:round/>
-          </a:ln>
-        </p:spPr>
-        <p:style>
-          <a:lnRef idx="1">
-            <a:schemeClr val="accent1"/>
-          </a:lnRef>
-          <a:fillRef idx="0">
-            <a:schemeClr val="accent1"/>
-          </a:fillRef>
-          <a:effectRef idx="0">
-            <a:schemeClr val="accent1"/>
-          </a:effectRef>
-          <a:fontRef idx="minor"/>
-        </p:style>
-      </p:sp>
-      <p:sp>
-        <p:nvSpPr>
-          <p:cNvPr id="10" name="CustomShape 6">
+          <p:cNvPr id="6" name="CustomShape 6">
             <a:extLst>
               <a:ext uri="{FF2B5EF4-FFF2-40B4-BE49-F238E27FC236}">
-                <a16:creationId xmlns:a16="http://schemas.microsoft.com/office/drawing/2014/main" id="{3F3ADA2F-5904-426C-A7AA-EF7218A0D350}"/>
+                <a16:creationId xmlns:a16="http://schemas.microsoft.com/office/drawing/2014/main" id="{20ADB939-8AEC-47EC-8B01-ED6AB8A20258}"/>
               </a:ext>
             </a:extLst>
           </p:cNvPr>
@@ -23752,8 +24064,8 @@
         </p:nvSpPr>
         <p:spPr>
           <a:xfrm>
-            <a:off x="246600" y="2030040"/>
-            <a:ext cx="11687400" cy="367878"/>
+            <a:off x="246600" y="1426419"/>
+            <a:ext cx="11687400" cy="4522861"/>
           </a:xfrm>
           <a:prstGeom prst="rect">
             <a:avLst/>
@@ -23783,22 +24095,98 @@
           <a:p>
             <a:r>
               <a:rPr lang="en-US" spc="-1" dirty="0">
+                <a:latin typeface="Source Code Pro" panose="020B0509030403020204" pitchFamily="49" charset="0"/>
+                <a:ea typeface="Source Code Pro" panose="020B0509030403020204" pitchFamily="49" charset="0"/>
+              </a:rPr>
+              <a:t>select_statement::= </a:t>
+            </a:r>
+            <a:r>
+              <a:rPr lang="en-US" spc="-1" dirty="0">
                 <a:solidFill>
                   <a:srgbClr val="2B8208"/>
                 </a:solidFill>
                 <a:latin typeface="Source Code Pro" panose="020B0509030403020204" pitchFamily="49" charset="0"/>
                 <a:ea typeface="Source Code Pro" panose="020B0509030403020204" pitchFamily="49" charset="0"/>
               </a:rPr>
-              <a:t>DESCRIBE KEYSPACES </a:t>
-            </a:r>
-            <a:r>
-              <a:rPr lang="en-US" spc="-1" dirty="0">
+              <a:t>SELECT</a:t>
+            </a:r>
+            <a:r>
+              <a:rPr lang="en-US" spc="-1" dirty="0">
+                <a:latin typeface="Source Code Pro" panose="020B0509030403020204" pitchFamily="49" charset="0"/>
+                <a:ea typeface="Source Code Pro" panose="020B0509030403020204" pitchFamily="49" charset="0"/>
+              </a:rPr>
+              <a:t> [ </a:t>
+            </a:r>
+            <a:r>
+              <a:rPr lang="en-US" i="1" spc="-1" dirty="0">
+                <a:solidFill>
+                  <a:schemeClr val="accent5">
+                    <a:lumMod val="75000"/>
+                  </a:schemeClr>
+                </a:solidFill>
+                <a:latin typeface="Source Code Pro" panose="020B0509030403020204" pitchFamily="49" charset="0"/>
+                <a:ea typeface="Source Code Pro" panose="020B0509030403020204" pitchFamily="49" charset="0"/>
+              </a:rPr>
+              <a:t>JSON </a:t>
+            </a:r>
+            <a:r>
+              <a:rPr lang="en-US" spc="-1" dirty="0">
+                <a:solidFill>
+                  <a:schemeClr val="accent5">
+                    <a:lumMod val="75000"/>
+                  </a:schemeClr>
+                </a:solidFill>
                 <a:latin typeface="Source Code Pro" panose="020B0509030403020204" pitchFamily="49" charset="0"/>
                 <a:ea typeface="Source Code Pro" panose="020B0509030403020204" pitchFamily="49" charset="0"/>
               </a:rPr>
               <a:t>|</a:t>
             </a:r>
             <a:r>
+              <a:rPr lang="en-US" i="1" spc="-1" dirty="0">
+                <a:solidFill>
+                  <a:schemeClr val="accent5">
+                    <a:lumMod val="75000"/>
+                  </a:schemeClr>
+                </a:solidFill>
+                <a:latin typeface="Source Code Pro" panose="020B0509030403020204" pitchFamily="49" charset="0"/>
+                <a:ea typeface="Source Code Pro" panose="020B0509030403020204" pitchFamily="49" charset="0"/>
+              </a:rPr>
+              <a:t> DISTINCT</a:t>
+            </a:r>
+            <a:r>
+              <a:rPr lang="en-US" spc="-1" dirty="0">
+                <a:latin typeface="Source Code Pro" panose="020B0509030403020204" pitchFamily="49" charset="0"/>
+                <a:ea typeface="Source Code Pro" panose="020B0509030403020204" pitchFamily="49" charset="0"/>
+              </a:rPr>
+              <a:t> ] ( </a:t>
+            </a:r>
+            <a:r>
+              <a:rPr lang="en-US" spc="-1" dirty="0">
+                <a:solidFill>
+                  <a:srgbClr val="0070C0"/>
+                </a:solidFill>
+                <a:latin typeface="Source Code Pro" panose="020B0509030403020204" pitchFamily="49" charset="0"/>
+                <a:ea typeface="Source Code Pro" panose="020B0509030403020204" pitchFamily="49" charset="0"/>
+              </a:rPr>
+              <a:t>select_clause </a:t>
+            </a:r>
+            <a:r>
+              <a:rPr lang="en-US" spc="-1" dirty="0">
+                <a:latin typeface="Source Code Pro" panose="020B0509030403020204" pitchFamily="49" charset="0"/>
+                <a:ea typeface="Source Code Pro" panose="020B0509030403020204" pitchFamily="49" charset="0"/>
+              </a:rPr>
+              <a:t>| '*' )</a:t>
+            </a:r>
+          </a:p>
+          <a:p>
+            <a:r>
+              <a:rPr lang="en-US" spc="-1" dirty="0">
+                <a:latin typeface="Source Code Pro" panose="020B0509030403020204" pitchFamily="49" charset="0"/>
+                <a:ea typeface="Source Code Pro" panose="020B0509030403020204" pitchFamily="49" charset="0"/>
+              </a:rPr>
+              <a:t>	</a:t>
+            </a:r>
+            <a:r>
               <a:rPr lang="en-US" spc="-1" dirty="0">
                 <a:solidFill>
                   <a:srgbClr val="2B8208"/>
@@ -23806,14 +24194,23 @@
                 <a:latin typeface="Source Code Pro" panose="020B0509030403020204" pitchFamily="49" charset="0"/>
                 <a:ea typeface="Source Code Pro" panose="020B0509030403020204" pitchFamily="49" charset="0"/>
               </a:rPr>
-              <a:t> KEYSPACE </a:t>
-            </a:r>
-            <a:r>
-              <a:rPr lang="en-US" spc="-1" dirty="0">
-                <a:latin typeface="Source Code Pro" panose="020B0509030403020204" pitchFamily="49" charset="0"/>
-                <a:ea typeface="Source Code Pro" panose="020B0509030403020204" pitchFamily="49" charset="0"/>
-              </a:rPr>
-              <a:t>&lt;</a:t>
+              <a:t>FROM</a:t>
+            </a:r>
+            <a:r>
+              <a:rPr lang="en-US" spc="-1" dirty="0">
+                <a:latin typeface="Source Code Pro" panose="020B0509030403020204" pitchFamily="49" charset="0"/>
+                <a:ea typeface="Source Code Pro" panose="020B0509030403020204" pitchFamily="49" charset="0"/>
+              </a:rPr>
+              <a:t> `table_name`</a:t>
+            </a:r>
+          </a:p>
+          <a:p>
+            <a:r>
+              <a:rPr lang="en-US" spc="-1" dirty="0">
+                <a:latin typeface="Source Code Pro" panose="020B0509030403020204" pitchFamily="49" charset="0"/>
+                <a:ea typeface="Source Code Pro" panose="020B0509030403020204" pitchFamily="49" charset="0"/>
+              </a:rPr>
+              <a:t>	[ </a:t>
             </a:r>
             <a:r>
               <a:rPr lang="en-US" spc="-1" dirty="0">
@@ -23823,14 +24220,50 @@
                 <a:latin typeface="Source Code Pro" panose="020B0509030403020204" pitchFamily="49" charset="0"/>
                 <a:ea typeface="Source Code Pro" panose="020B0509030403020204" pitchFamily="49" charset="0"/>
               </a:rPr>
+              <a:t>WHERE</a:t>
+            </a:r>
+            <a:r>
+              <a:rPr lang="en-US" spc="-1" dirty="0">
+                <a:latin typeface="Source Code Pro" panose="020B0509030403020204" pitchFamily="49" charset="0"/>
+                <a:ea typeface="Source Code Pro" panose="020B0509030403020204" pitchFamily="49" charset="0"/>
+              </a:rPr>
               <a:t> </a:t>
             </a:r>
             <a:r>
-              <a:rPr lang="en-US" i="1" spc="-1" dirty="0">
-                <a:latin typeface="Source Code Pro" panose="020B0509030403020204" pitchFamily="49" charset="0"/>
-                <a:ea typeface="Source Code Pro" panose="020B0509030403020204" pitchFamily="49" charset="0"/>
-              </a:rPr>
-              <a:t>keyspace_name</a:t>
+              <a:rPr lang="en-US" spc="-1" dirty="0">
+                <a:solidFill>
+                  <a:srgbClr val="840FF9"/>
+                </a:solidFill>
+                <a:latin typeface="Source Code Pro" panose="020B0509030403020204" pitchFamily="49" charset="0"/>
+                <a:ea typeface="Source Code Pro" panose="020B0509030403020204" pitchFamily="49" charset="0"/>
+              </a:rPr>
+              <a:t>`where_clause`</a:t>
+            </a:r>
+            <a:r>
+              <a:rPr lang="en-US" spc="-1" dirty="0">
+                <a:solidFill>
+                  <a:srgbClr val="C00000"/>
+                </a:solidFill>
+                <a:latin typeface="Source Code Pro" panose="020B0509030403020204" pitchFamily="49" charset="0"/>
+                <a:ea typeface="Source Code Pro" panose="020B0509030403020204" pitchFamily="49" charset="0"/>
+              </a:rPr>
+              <a:t> </a:t>
+            </a:r>
+            <a:r>
+              <a:rPr lang="en-US" spc="-1" dirty="0">
+                <a:latin typeface="Source Code Pro" panose="020B0509030403020204" pitchFamily="49" charset="0"/>
+                <a:ea typeface="Source Code Pro" panose="020B0509030403020204" pitchFamily="49" charset="0"/>
+              </a:rPr>
+              <a:t>]</a:t>
+            </a:r>
+          </a:p>
+          <a:p>
+            <a:r>
+              <a:rPr lang="en-US" spc="-1" dirty="0">
+                <a:latin typeface="Source Code Pro" panose="020B0509030403020204" pitchFamily="49" charset="0"/>
+                <a:ea typeface="Source Code Pro" panose="020B0509030403020204" pitchFamily="49" charset="0"/>
+              </a:rPr>
+              <a:t>	[ </a:t>
             </a:r>
             <a:r>
               <a:rPr lang="en-US" spc="-1" dirty="0">
@@ -23840,14 +24273,217 @@
                 <a:latin typeface="Source Code Pro" panose="020B0509030403020204" pitchFamily="49" charset="0"/>
                 <a:ea typeface="Source Code Pro" panose="020B0509030403020204" pitchFamily="49" charset="0"/>
               </a:rPr>
+              <a:t>ALLOW</a:t>
+            </a:r>
+            <a:r>
+              <a:rPr lang="en-US" spc="-1" dirty="0">
+                <a:latin typeface="Source Code Pro" panose="020B0509030403020204" pitchFamily="49" charset="0"/>
+                <a:ea typeface="Source Code Pro" panose="020B0509030403020204" pitchFamily="49" charset="0"/>
+              </a:rPr>
               <a:t> </a:t>
             </a:r>
             <a:r>
               <a:rPr lang="en-US" spc="-1" dirty="0">
-                <a:latin typeface="Source Code Pro" panose="020B0509030403020204" pitchFamily="49" charset="0"/>
-                <a:ea typeface="Source Code Pro" panose="020B0509030403020204" pitchFamily="49" charset="0"/>
-              </a:rPr>
-              <a:t>&gt;</a:t>
+                <a:solidFill>
+                  <a:srgbClr val="2B8208"/>
+                </a:solidFill>
+                <a:latin typeface="Source Code Pro" panose="020B0509030403020204" pitchFamily="49" charset="0"/>
+                <a:ea typeface="Source Code Pro" panose="020B0509030403020204" pitchFamily="49" charset="0"/>
+              </a:rPr>
+              <a:t>FILTERING</a:t>
+            </a:r>
+            <a:r>
+              <a:rPr lang="en-US" spc="-1" dirty="0">
+                <a:latin typeface="Source Code Pro" panose="020B0509030403020204" pitchFamily="49" charset="0"/>
+                <a:ea typeface="Source Code Pro" panose="020B0509030403020204" pitchFamily="49" charset="0"/>
+              </a:rPr>
+              <a:t> ]</a:t>
+            </a:r>
+          </a:p>
+          <a:p>
+            <a:r>
+              <a:rPr lang="en-US" spc="-1" dirty="0">
+                <a:solidFill>
+                  <a:srgbClr val="0070C0"/>
+                </a:solidFill>
+                <a:latin typeface="Source Code Pro" panose="020B0509030403020204" pitchFamily="49" charset="0"/>
+                <a:ea typeface="Source Code Pro" panose="020B0509030403020204" pitchFamily="49" charset="0"/>
+              </a:rPr>
+              <a:t>select_clause::= </a:t>
+            </a:r>
+            <a:r>
+              <a:rPr lang="en-US" spc="-1" dirty="0">
+                <a:solidFill>
+                  <a:srgbClr val="C00000"/>
+                </a:solidFill>
+                <a:latin typeface="Source Code Pro" panose="020B0509030403020204" pitchFamily="49" charset="0"/>
+                <a:ea typeface="Source Code Pro" panose="020B0509030403020204" pitchFamily="49" charset="0"/>
+              </a:rPr>
+              <a:t>`selector`</a:t>
+            </a:r>
+            <a:r>
+              <a:rPr lang="en-US" spc="-1" dirty="0">
+                <a:latin typeface="Source Code Pro" panose="020B0509030403020204" pitchFamily="49" charset="0"/>
+                <a:ea typeface="Source Code Pro" panose="020B0509030403020204" pitchFamily="49" charset="0"/>
+              </a:rPr>
+              <a:t> [ AS `identifier` ] ( ',' `selector` [ AS `identifier` ] )</a:t>
+            </a:r>
+          </a:p>
+          <a:p>
+            <a:r>
+              <a:rPr lang="en-US" spc="-1" dirty="0">
+                <a:solidFill>
+                  <a:srgbClr val="C00000"/>
+                </a:solidFill>
+                <a:latin typeface="Source Code Pro" panose="020B0509030403020204" pitchFamily="49" charset="0"/>
+                <a:ea typeface="Source Code Pro" panose="020B0509030403020204" pitchFamily="49" charset="0"/>
+              </a:rPr>
+              <a:t>selector::==</a:t>
+            </a:r>
+            <a:r>
+              <a:rPr lang="en-US" spc="-1" dirty="0">
+                <a:latin typeface="Source Code Pro" panose="020B0509030403020204" pitchFamily="49" charset="0"/>
+                <a:ea typeface="Source Code Pro" panose="020B0509030403020204" pitchFamily="49" charset="0"/>
+              </a:rPr>
+              <a:t> `column_name`</a:t>
+            </a:r>
+          </a:p>
+          <a:p>
+            <a:r>
+              <a:rPr lang="en-US" spc="-1" dirty="0">
+                <a:latin typeface="Source Code Pro" panose="020B0509030403020204" pitchFamily="49" charset="0"/>
+                <a:ea typeface="Source Code Pro" panose="020B0509030403020204" pitchFamily="49" charset="0"/>
+              </a:rPr>
+              <a:t>	| `term`</a:t>
+            </a:r>
+          </a:p>
+          <a:p>
+            <a:r>
+              <a:rPr lang="en-US" spc="-1" dirty="0">
+                <a:latin typeface="Source Code Pro" panose="020B0509030403020204" pitchFamily="49" charset="0"/>
+                <a:ea typeface="Source Code Pro" panose="020B0509030403020204" pitchFamily="49" charset="0"/>
+              </a:rPr>
+              <a:t>	| CAST '(' `selector` AS `cql_type` ')'</a:t>
+            </a:r>
+          </a:p>
+          <a:p>
+            <a:r>
+              <a:rPr lang="en-US" spc="-1" dirty="0">
+                <a:latin typeface="Source Code Pro" panose="020B0509030403020204" pitchFamily="49" charset="0"/>
+                <a:ea typeface="Source Code Pro" panose="020B0509030403020204" pitchFamily="49" charset="0"/>
+              </a:rPr>
+              <a:t>	| `function_name` '(' [ `selector` ( ',' `selector` )_ ] ')'</a:t>
+            </a:r>
+          </a:p>
+          <a:p>
+            <a:r>
+              <a:rPr lang="en-US" spc="-1" dirty="0">
+                <a:latin typeface="Source Code Pro" panose="020B0509030403020204" pitchFamily="49" charset="0"/>
+                <a:ea typeface="Source Code Pro" panose="020B0509030403020204" pitchFamily="49" charset="0"/>
+              </a:rPr>
+              <a:t>	| COUNT '(' '_' ')'</a:t>
+            </a:r>
+          </a:p>
+          <a:p>
+            <a:r>
+              <a:rPr lang="en-US" spc="-1" dirty="0">
+                <a:solidFill>
+                  <a:srgbClr val="840FF9"/>
+                </a:solidFill>
+                <a:latin typeface="Source Code Pro" panose="020B0509030403020204" pitchFamily="49" charset="0"/>
+                <a:ea typeface="Source Code Pro" panose="020B0509030403020204" pitchFamily="49" charset="0"/>
+              </a:rPr>
+              <a:t>where_clause::=</a:t>
+            </a:r>
+            <a:r>
+              <a:rPr lang="en-US" spc="-1" dirty="0">
+                <a:solidFill>
+                  <a:srgbClr val="C00000"/>
+                </a:solidFill>
+                <a:latin typeface="Source Code Pro" panose="020B0509030403020204" pitchFamily="49" charset="0"/>
+                <a:ea typeface="Source Code Pro" panose="020B0509030403020204" pitchFamily="49" charset="0"/>
+              </a:rPr>
+              <a:t> `relation`</a:t>
+            </a:r>
+            <a:r>
+              <a:rPr lang="en-US" spc="-1" dirty="0">
+                <a:latin typeface="Source Code Pro" panose="020B0509030403020204" pitchFamily="49" charset="0"/>
+                <a:ea typeface="Source Code Pro" panose="020B0509030403020204" pitchFamily="49" charset="0"/>
+              </a:rPr>
+              <a:t> ( AND `relation` )*</a:t>
+            </a:r>
+          </a:p>
+          <a:p>
+            <a:r>
+              <a:rPr lang="en-US" spc="-1" dirty="0">
+                <a:solidFill>
+                  <a:srgbClr val="C00000"/>
+                </a:solidFill>
+                <a:latin typeface="Source Code Pro" panose="020B0509030403020204" pitchFamily="49" charset="0"/>
+                <a:ea typeface="Source Code Pro" panose="020B0509030403020204" pitchFamily="49" charset="0"/>
+              </a:rPr>
+              <a:t>relation::=</a:t>
+            </a:r>
+            <a:r>
+              <a:rPr lang="en-US" spc="-1" dirty="0">
+                <a:latin typeface="Source Code Pro" panose="020B0509030403020204" pitchFamily="49" charset="0"/>
+                <a:ea typeface="Source Code Pro" panose="020B0509030403020204" pitchFamily="49" charset="0"/>
+              </a:rPr>
+              <a:t> column_name </a:t>
+            </a:r>
+            <a:r>
+              <a:rPr lang="en-US" spc="-1" dirty="0">
+                <a:solidFill>
+                  <a:srgbClr val="C00000"/>
+                </a:solidFill>
+                <a:latin typeface="Source Code Pro" panose="020B0509030403020204" pitchFamily="49" charset="0"/>
+                <a:ea typeface="Source Code Pro" panose="020B0509030403020204" pitchFamily="49" charset="0"/>
+              </a:rPr>
+              <a:t>operator</a:t>
+            </a:r>
+            <a:r>
+              <a:rPr lang="en-US" spc="-1" dirty="0">
+                <a:latin typeface="Source Code Pro" panose="020B0509030403020204" pitchFamily="49" charset="0"/>
+                <a:ea typeface="Source Code Pro" panose="020B0509030403020204" pitchFamily="49" charset="0"/>
+              </a:rPr>
+              <a:t> term</a:t>
+            </a:r>
+          </a:p>
+          <a:p>
+            <a:r>
+              <a:rPr lang="en-US" spc="-1" dirty="0">
+                <a:latin typeface="Source Code Pro" panose="020B0509030403020204" pitchFamily="49" charset="0"/>
+                <a:ea typeface="Source Code Pro" panose="020B0509030403020204" pitchFamily="49" charset="0"/>
+              </a:rPr>
+              <a:t>	'(' column_name ( ',' column_name )* ')' operator tuple_literal</a:t>
+            </a:r>
+          </a:p>
+          <a:p>
+            <a:r>
+              <a:rPr lang="en-US" spc="-1" dirty="0">
+                <a:latin typeface="Source Code Pro" panose="020B0509030403020204" pitchFamily="49" charset="0"/>
+                <a:ea typeface="Source Code Pro" panose="020B0509030403020204" pitchFamily="49" charset="0"/>
+              </a:rPr>
+              <a:t>	TOKEN '(' column_name# ( ',' column_name )* ')' operator term</a:t>
+            </a:r>
+          </a:p>
+          <a:p>
+            <a:r>
+              <a:rPr lang="en-US" spc="-1" dirty="0">
+                <a:solidFill>
+                  <a:srgbClr val="C00000"/>
+                </a:solidFill>
+                <a:latin typeface="Source Code Pro" panose="020B0509030403020204" pitchFamily="49" charset="0"/>
+                <a:ea typeface="Source Code Pro" panose="020B0509030403020204" pitchFamily="49" charset="0"/>
+              </a:rPr>
+              <a:t>operator::=</a:t>
+            </a:r>
+            <a:r>
+              <a:rPr lang="en-US" spc="-1" dirty="0">
+                <a:latin typeface="Source Code Pro" panose="020B0509030403020204" pitchFamily="49" charset="0"/>
+                <a:ea typeface="Source Code Pro" panose="020B0509030403020204" pitchFamily="49" charset="0"/>
+              </a:rPr>
+              <a:t> '=' | '&lt;' | '&gt;' | '&lt;=' | '&gt;=' | '!=' | IN | CONTAINS | CONTAINS KEY</a:t>
             </a:r>
             <a:endParaRPr lang="en-IN" sz="400" spc="-1" dirty="0">
               <a:latin typeface="Source Code Pro" panose="020B0509030403020204" pitchFamily="49" charset="0"/>
@@ -23869,7 +24505,223 @@
 </p:sld>
 </file>
 
-<file path=ppt/slides/slide43.xml><?xml version="1.0" encoding="utf-8"?>
+<file path=ppt/slides/slide45.xml><?xml version="1.0" encoding="utf-8"?>
+<p:sld xmlns:a="http://schemas.openxmlformats.org/drawingml/2006/main" xmlns:r="http://schemas.openxmlformats.org/officeDocument/2006/relationships" xmlns:p="http://schemas.openxmlformats.org/presentationml/2006/main">
+  <p:cSld>
+    <p:spTree>
+      <p:nvGrpSpPr>
+        <p:cNvPr id="1" name=""/>
+        <p:cNvGrpSpPr/>
+        <p:nvPr/>
+      </p:nvGrpSpPr>
+      <p:grpSpPr>
+        <a:xfrm>
+          <a:off x="0" y="0"/>
+          <a:ext cx="0" cy="0"/>
+          <a:chOff x="0" y="0"/>
+          <a:chExt cx="0" cy="0"/>
+        </a:xfrm>
+      </p:grpSpPr>
+      <p:sp>
+        <p:nvSpPr>
+          <p:cNvPr id="114" name="CustomShape 4"/>
+          <p:cNvSpPr/>
+          <p:nvPr/>
+        </p:nvSpPr>
+        <p:spPr>
+          <a:xfrm>
+            <a:off x="246600" y="0"/>
+            <a:ext cx="11687400" cy="706432"/>
+          </a:xfrm>
+          <a:prstGeom prst="rect">
+            <a:avLst/>
+          </a:prstGeom>
+          <a:solidFill>
+            <a:srgbClr val="C00000"/>
+          </a:solidFill>
+          <a:ln>
+            <a:noFill/>
+          </a:ln>
+        </p:spPr>
+        <p:style>
+          <a:lnRef idx="0">
+            <a:scrgbClr r="0" g="0" b="0"/>
+          </a:lnRef>
+          <a:fillRef idx="0">
+            <a:scrgbClr r="0" g="0" b="0"/>
+          </a:fillRef>
+          <a:effectRef idx="0">
+            <a:scrgbClr r="0" g="0" b="0"/>
+          </a:effectRef>
+          <a:fontRef idx="minor"/>
+        </p:style>
+        <p:txBody>
+          <a:bodyPr lIns="90000" tIns="45000" rIns="90000" bIns="45000">
+            <a:spAutoFit/>
+          </a:bodyPr>
+          <a:lstStyle/>
+          <a:p>
+            <a:pPr algn="ctr">
+              <a:lnSpc>
+                <a:spcPct val="100000"/>
+              </a:lnSpc>
+            </a:pPr>
+            <a:r>
+              <a:rPr lang="en-IN" sz="4000" spc="-1" dirty="0">
+                <a:solidFill>
+                  <a:srgbClr val="F7C120"/>
+                </a:solidFill>
+                <a:latin typeface="Open Sans"/>
+                <a:ea typeface="DejaVu Sans"/>
+              </a:rPr>
+              <a:t>select data – WHERE clause</a:t>
+            </a:r>
+            <a:endParaRPr lang="en-IN" sz="4000" b="0" strike="noStrike" spc="-1" dirty="0">
+              <a:latin typeface="Arial"/>
+            </a:endParaRPr>
+          </a:p>
+        </p:txBody>
+      </p:sp>
+      <p:sp>
+        <p:nvSpPr>
+          <p:cNvPr id="5" name="CustomShape 2">
+            <a:extLst>
+              <a:ext uri="{FF2B5EF4-FFF2-40B4-BE49-F238E27FC236}">
+                <a16:creationId xmlns:a16="http://schemas.microsoft.com/office/drawing/2014/main" id="{1087AC0D-6E3E-4A3E-9702-FB105EEC390D}"/>
+              </a:ext>
+            </a:extLst>
+          </p:cNvPr>
+          <p:cNvSpPr/>
+          <p:nvPr/>
+        </p:nvSpPr>
+        <p:spPr>
+          <a:xfrm>
+            <a:off x="246600" y="1044898"/>
+            <a:ext cx="11687400" cy="367878"/>
+          </a:xfrm>
+          <a:prstGeom prst="rect">
+            <a:avLst/>
+          </a:prstGeom>
+          <a:noFill/>
+          <a:ln>
+            <a:noFill/>
+          </a:ln>
+        </p:spPr>
+        <p:style>
+          <a:lnRef idx="0">
+            <a:scrgbClr r="0" g="0" b="0"/>
+          </a:lnRef>
+          <a:fillRef idx="0">
+            <a:scrgbClr r="0" g="0" b="0"/>
+          </a:fillRef>
+          <a:effectRef idx="0">
+            <a:scrgbClr r="0" g="0" b="0"/>
+          </a:effectRef>
+          <a:fontRef idx="minor"/>
+        </p:style>
+        <p:txBody>
+          <a:bodyPr wrap="square" lIns="90000" tIns="45000" rIns="90000" bIns="45000">
+            <a:spAutoFit/>
+          </a:bodyPr>
+          <a:lstStyle/>
+          <a:p>
+            <a:pPr marL="309510" indent="-285750">
+              <a:buClr>
+                <a:srgbClr val="808080"/>
+              </a:buClr>
+              <a:buFont typeface="Arial" panose="020B0604020202020204" pitchFamily="34" charset="0"/>
+              <a:buChar char="•"/>
+            </a:pPr>
+            <a:r>
+              <a:rPr lang="en-IN" sz="1800" b="0" strike="noStrike" spc="-1" dirty="0">
+                <a:solidFill>
+                  <a:schemeClr val="bg1">
+                    <a:lumMod val="50000"/>
+                  </a:schemeClr>
+                </a:solidFill>
+                <a:latin typeface="Consolas" panose="020B0609020204030204" pitchFamily="49" charset="0"/>
+                <a:ea typeface="SimSun"/>
+              </a:rPr>
+              <a:t>cqlsh:db1&gt; </a:t>
+            </a:r>
+            <a:r>
+              <a:rPr lang="en-US" dirty="0">
+                <a:solidFill>
+                  <a:srgbClr val="0070C0"/>
+                </a:solidFill>
+                <a:latin typeface="Consolas" panose="020B0609020204030204" pitchFamily="49" charset="0"/>
+              </a:rPr>
+              <a:t>UPDATE</a:t>
+            </a:r>
+            <a:r>
+              <a:rPr lang="en-US" spc="-1" dirty="0">
+                <a:latin typeface="Consolas" panose="020B0609020204030204" pitchFamily="49" charset="0"/>
+                <a:ea typeface="SimSun"/>
+              </a:rPr>
+              <a:t> books </a:t>
+            </a:r>
+            <a:r>
+              <a:rPr lang="en-US" dirty="0">
+                <a:solidFill>
+                  <a:srgbClr val="C00000"/>
+                </a:solidFill>
+                <a:latin typeface="Consolas" panose="020B0609020204030204" pitchFamily="49" charset="0"/>
+              </a:rPr>
+              <a:t>USING TTL 50 </a:t>
+            </a:r>
+            <a:r>
+              <a:rPr lang="en-US" dirty="0">
+                <a:solidFill>
+                  <a:srgbClr val="F63122"/>
+                </a:solidFill>
+                <a:latin typeface="Consolas" panose="020B0609020204030204" pitchFamily="49" charset="0"/>
+              </a:rPr>
+              <a:t>SET</a:t>
+            </a:r>
+            <a:r>
+              <a:rPr lang="en-US" spc="-1" dirty="0">
+                <a:latin typeface="Consolas" panose="020B0609020204030204" pitchFamily="49" charset="0"/>
+                <a:ea typeface="SimSun"/>
+              </a:rPr>
+              <a:t> addess.city = 'Baroda' </a:t>
+            </a:r>
+            <a:r>
+              <a:rPr lang="en-US" dirty="0">
+                <a:solidFill>
+                  <a:srgbClr val="0070C0"/>
+                </a:solidFill>
+                <a:latin typeface="Consolas" panose="020B0609020204030204" pitchFamily="49" charset="0"/>
+              </a:rPr>
+              <a:t>WHERE</a:t>
+            </a:r>
+            <a:r>
+              <a:rPr lang="en-US" spc="-1" dirty="0">
+                <a:latin typeface="Consolas" panose="020B0609020204030204" pitchFamily="49" charset="0"/>
+                <a:ea typeface="SimSun"/>
+              </a:rPr>
+              <a:t> id = 1;</a:t>
+            </a:r>
+            <a:endParaRPr lang="en-IN" spc="-1" dirty="0">
+              <a:latin typeface="Consolas" panose="020B0609020204030204" pitchFamily="49" charset="0"/>
+              <a:ea typeface="SimSun"/>
+            </a:endParaRPr>
+          </a:p>
+        </p:txBody>
+      </p:sp>
+    </p:spTree>
+    <p:extLst>
+      <p:ext uri="{BB962C8B-B14F-4D97-AF65-F5344CB8AC3E}">
+        <p14:creationId xmlns:p14="http://schemas.microsoft.com/office/powerpoint/2010/main" val="2360864312"/>
+      </p:ext>
+    </p:extLst>
+  </p:cSld>
+  <p:clrMapOvr>
+    <a:masterClrMapping/>
+  </p:clrMapOvr>
+</p:sld>
+</file>
+
+<file path=ppt/slides/slide46.xml><?xml version="1.0" encoding="utf-8"?>
 <p:sld xmlns:a="http://schemas.openxmlformats.org/drawingml/2006/main" xmlns:r="http://schemas.openxmlformats.org/officeDocument/2006/relationships" xmlns:p="http://schemas.openxmlformats.org/presentationml/2006/main">
   <p:cSld>
     <p:spTree>
@@ -24028,7 +24880,7 @@
 </p:sld>
 </file>
 
-<file path=ppt/slides/slide44.xml><?xml version="1.0" encoding="utf-8"?>
+<file path=ppt/slides/slide47.xml><?xml version="1.0" encoding="utf-8"?>
 <p:sld xmlns:a="http://schemas.openxmlformats.org/drawingml/2006/main" xmlns:r="http://schemas.openxmlformats.org/officeDocument/2006/relationships" xmlns:p="http://schemas.openxmlformats.org/presentationml/2006/main">
   <p:cSld>
     <p:spTree>
@@ -24524,7 +25376,7 @@
 </p:sld>
 </file>
 
-<file path=ppt/slides/slide45.xml><?xml version="1.0" encoding="utf-8"?>
+<file path=ppt/slides/slide48.xml><?xml version="1.0" encoding="utf-8"?>
 <p:sld xmlns:a="http://schemas.openxmlformats.org/drawingml/2006/main" xmlns:r="http://schemas.openxmlformats.org/officeDocument/2006/relationships" xmlns:p="http://schemas.openxmlformats.org/presentationml/2006/main">
   <p:cSld>
     <p:spTree>
@@ -24683,7 +25535,7 @@
 </p:sld>
 </file>
 
-<file path=ppt/slides/slide46.xml><?xml version="1.0" encoding="utf-8"?>
+<file path=ppt/slides/slide49.xml><?xml version="1.0" encoding="utf-8"?>
 <p:sld xmlns:a="http://schemas.openxmlformats.org/drawingml/2006/main" xmlns:r="http://schemas.openxmlformats.org/officeDocument/2006/relationships" xmlns:p="http://schemas.openxmlformats.org/presentationml/2006/main">
   <p:cSld>
     <p:spTree>
@@ -25143,7 +25995,403 @@
 </p:sld>
 </file>
 
-<file path=ppt/slides/slide47.xml><?xml version="1.0" encoding="utf-8"?>
+<file path=ppt/slides/slide5.xml><?xml version="1.0" encoding="utf-8"?>
+<p:sld xmlns:a="http://schemas.openxmlformats.org/drawingml/2006/main" xmlns:r="http://schemas.openxmlformats.org/officeDocument/2006/relationships" xmlns:p="http://schemas.openxmlformats.org/presentationml/2006/main">
+  <p:cSld>
+    <p:spTree>
+      <p:nvGrpSpPr>
+        <p:cNvPr id="1" name=""/>
+        <p:cNvGrpSpPr/>
+        <p:nvPr/>
+      </p:nvGrpSpPr>
+      <p:grpSpPr>
+        <a:xfrm>
+          <a:off x="0" y="0"/>
+          <a:ext cx="0" cy="0"/>
+          <a:chOff x="0" y="0"/>
+          <a:chExt cx="0" cy="0"/>
+        </a:xfrm>
+      </p:grpSpPr>
+      <p:sp>
+        <p:nvSpPr>
+          <p:cNvPr id="58370" name="AutoShape 2" descr="One-to-one entity relationship diagram"/>
+          <p:cNvSpPr>
+            <a:spLocks noChangeAspect="1" noChangeArrowheads="1"/>
+          </p:cNvSpPr>
+          <p:nvPr/>
+        </p:nvSpPr>
+        <p:spPr bwMode="auto">
+          <a:xfrm>
+            <a:off x="1679575" y="-144463"/>
+            <a:ext cx="304800" cy="304801"/>
+          </a:xfrm>
+          <a:prstGeom prst="rect">
+            <a:avLst/>
+          </a:prstGeom>
+          <a:noFill/>
+        </p:spPr>
+        <p:txBody>
+          <a:bodyPr vert="horz" wrap="square" lIns="91440" tIns="45720" rIns="91440" bIns="45720" numCol="1" anchor="t" anchorCtr="0" compatLnSpc="1">
+            <a:prstTxWarp prst="textNoShape">
+              <a:avLst/>
+            </a:prstTxWarp>
+          </a:bodyPr>
+          <a:lstStyle/>
+          <a:p>
+            <a:endParaRPr lang="en-US" dirty="0">
+              <a:latin typeface="Arial" pitchFamily="34" charset="0"/>
+              <a:cs typeface="Arial" pitchFamily="34" charset="0"/>
+            </a:endParaRPr>
+          </a:p>
+        </p:txBody>
+      </p:sp>
+      <p:sp>
+        <p:nvSpPr>
+          <p:cNvPr id="58372" name="AutoShape 4" descr="One-to-one entity relationship diagram"/>
+          <p:cNvSpPr>
+            <a:spLocks noChangeAspect="1" noChangeArrowheads="1"/>
+          </p:cNvSpPr>
+          <p:nvPr/>
+        </p:nvSpPr>
+        <p:spPr bwMode="auto">
+          <a:xfrm>
+            <a:off x="1679575" y="-144463"/>
+            <a:ext cx="304800" cy="304801"/>
+          </a:xfrm>
+          <a:prstGeom prst="rect">
+            <a:avLst/>
+          </a:prstGeom>
+          <a:noFill/>
+        </p:spPr>
+        <p:txBody>
+          <a:bodyPr vert="horz" wrap="square" lIns="91440" tIns="45720" rIns="91440" bIns="45720" numCol="1" anchor="t" anchorCtr="0" compatLnSpc="1">
+            <a:prstTxWarp prst="textNoShape">
+              <a:avLst/>
+            </a:prstTxWarp>
+          </a:bodyPr>
+          <a:lstStyle/>
+          <a:p>
+            <a:endParaRPr lang="en-US" dirty="0">
+              <a:latin typeface="Arial" pitchFamily="34" charset="0"/>
+              <a:cs typeface="Arial" pitchFamily="34" charset="0"/>
+            </a:endParaRPr>
+          </a:p>
+        </p:txBody>
+      </p:sp>
+      <p:sp>
+        <p:nvSpPr>
+          <p:cNvPr id="8" name="CustomShape 6">
+            <a:extLst>
+              <a:ext uri="{FF2B5EF4-FFF2-40B4-BE49-F238E27FC236}">
+                <a16:creationId xmlns:a16="http://schemas.microsoft.com/office/drawing/2014/main" id="{D8952F57-BFAB-4656-8E7F-3105CA98AD8B}"/>
+              </a:ext>
+            </a:extLst>
+          </p:cNvPr>
+          <p:cNvSpPr/>
+          <p:nvPr/>
+        </p:nvSpPr>
+        <p:spPr>
+          <a:xfrm>
+            <a:off x="246600" y="0"/>
+            <a:ext cx="11693880" cy="706432"/>
+          </a:xfrm>
+          <a:prstGeom prst="rect">
+            <a:avLst/>
+          </a:prstGeom>
+          <a:solidFill>
+            <a:srgbClr val="C00000"/>
+          </a:solidFill>
+          <a:ln>
+            <a:noFill/>
+          </a:ln>
+        </p:spPr>
+        <p:style>
+          <a:lnRef idx="0">
+            <a:scrgbClr r="0" g="0" b="0"/>
+          </a:lnRef>
+          <a:fillRef idx="0">
+            <a:scrgbClr r="0" g="0" b="0"/>
+          </a:fillRef>
+          <a:effectRef idx="0">
+            <a:scrgbClr r="0" g="0" b="0"/>
+          </a:effectRef>
+          <a:fontRef idx="minor"/>
+        </p:style>
+        <p:txBody>
+          <a:bodyPr lIns="90000" tIns="45000" rIns="90000" bIns="45000">
+            <a:spAutoFit/>
+          </a:bodyPr>
+          <a:lstStyle/>
+          <a:p>
+            <a:pPr algn="ctr"/>
+            <a:r>
+              <a:rPr lang="en-IN" sz="4000" spc="-1" dirty="0">
+                <a:solidFill>
+                  <a:srgbClr val="F7C120"/>
+                </a:solidFill>
+                <a:latin typeface="Open Sans"/>
+              </a:rPr>
+              <a:t>comments in cassandra</a:t>
+            </a:r>
+          </a:p>
+        </p:txBody>
+      </p:sp>
+      <p:sp>
+        <p:nvSpPr>
+          <p:cNvPr id="9" name="TextBox 8">
+            <a:extLst>
+              <a:ext uri="{FF2B5EF4-FFF2-40B4-BE49-F238E27FC236}">
+                <a16:creationId xmlns:a16="http://schemas.microsoft.com/office/drawing/2014/main" id="{C72205C8-5D21-4BF1-A2BB-0A37EFBCB337}"/>
+              </a:ext>
+            </a:extLst>
+          </p:cNvPr>
+          <p:cNvSpPr txBox="1"/>
+          <p:nvPr/>
+        </p:nvSpPr>
+        <p:spPr>
+          <a:xfrm>
+            <a:off x="264540" y="1412776"/>
+            <a:ext cx="11675939" cy="2308324"/>
+          </a:xfrm>
+          <a:prstGeom prst="rect">
+            <a:avLst/>
+          </a:prstGeom>
+          <a:noFill/>
+        </p:spPr>
+        <p:txBody>
+          <a:bodyPr wrap="square">
+            <a:spAutoFit/>
+          </a:bodyPr>
+          <a:lstStyle/>
+          <a:p>
+            <a:pPr marL="285750" indent="-285750">
+              <a:buFont typeface="Arial" panose="020B0604020202020204" pitchFamily="34" charset="0"/>
+              <a:buChar char="•"/>
+            </a:pPr>
+            <a:r>
+              <a:rPr lang="en-IN" dirty="0">
+                <a:solidFill>
+                  <a:srgbClr val="0070C0"/>
+                </a:solidFill>
+                <a:latin typeface="Consolas" panose="020B0609020204030204" pitchFamily="49" charset="0"/>
+              </a:rPr>
+              <a:t>SELECT</a:t>
+            </a:r>
+            <a:r>
+              <a:rPr lang="en-IN" dirty="0">
+                <a:latin typeface="Consolas" panose="020B0609020204030204" pitchFamily="49" charset="0"/>
+              </a:rPr>
+              <a:t> * </a:t>
+            </a:r>
+            <a:r>
+              <a:rPr lang="en-IN" dirty="0">
+                <a:solidFill>
+                  <a:srgbClr val="0070C0"/>
+                </a:solidFill>
+                <a:latin typeface="Consolas" panose="020B0609020204030204" pitchFamily="49" charset="0"/>
+              </a:rPr>
+              <a:t>FROM</a:t>
+            </a:r>
+            <a:r>
+              <a:rPr lang="en-IN" dirty="0">
+                <a:latin typeface="Consolas" panose="020B0609020204030204" pitchFamily="49" charset="0"/>
+              </a:rPr>
+              <a:t> emp; </a:t>
+            </a:r>
+            <a:r>
+              <a:rPr lang="en-IN" b="1" dirty="0">
+                <a:solidFill>
+                  <a:srgbClr val="329909"/>
+                </a:solidFill>
+                <a:latin typeface="Consolas" panose="020B0609020204030204" pitchFamily="49" charset="0"/>
+              </a:rPr>
+              <a:t>--</a:t>
+            </a:r>
+            <a:r>
+              <a:rPr lang="en-IN" dirty="0">
+                <a:solidFill>
+                  <a:srgbClr val="329909"/>
+                </a:solidFill>
+                <a:latin typeface="Consolas" panose="020B0609020204030204" pitchFamily="49" charset="0"/>
+              </a:rPr>
+              <a:t> End of line comment</a:t>
+            </a:r>
+          </a:p>
+          <a:p>
+            <a:pPr marL="285750" indent="-285750">
+              <a:buFont typeface="Arial" panose="020B0604020202020204" pitchFamily="34" charset="0"/>
+              <a:buChar char="•"/>
+            </a:pPr>
+            <a:endParaRPr lang="en-IN" dirty="0">
+              <a:latin typeface="Consolas" panose="020B0609020204030204" pitchFamily="49" charset="0"/>
+            </a:endParaRPr>
+          </a:p>
+          <a:p>
+            <a:pPr marL="285750" indent="-285750">
+              <a:buFont typeface="Arial" panose="020B0604020202020204" pitchFamily="34" charset="0"/>
+              <a:buChar char="•"/>
+            </a:pPr>
+            <a:r>
+              <a:rPr lang="en-IN" dirty="0">
+                <a:solidFill>
+                  <a:srgbClr val="0070C0"/>
+                </a:solidFill>
+                <a:latin typeface="Consolas" panose="020B0609020204030204" pitchFamily="49" charset="0"/>
+              </a:rPr>
+              <a:t>SELECT</a:t>
+            </a:r>
+            <a:r>
+              <a:rPr lang="en-IN" dirty="0">
+                <a:latin typeface="Consolas" panose="020B0609020204030204" pitchFamily="49" charset="0"/>
+              </a:rPr>
+              <a:t> * </a:t>
+            </a:r>
+            <a:r>
+              <a:rPr lang="en-IN" dirty="0">
+                <a:solidFill>
+                  <a:srgbClr val="0070C0"/>
+                </a:solidFill>
+                <a:latin typeface="Consolas" panose="020B0609020204030204" pitchFamily="49" charset="0"/>
+              </a:rPr>
+              <a:t>FROM</a:t>
+            </a:r>
+            <a:r>
+              <a:rPr lang="en-IN" dirty="0">
+                <a:latin typeface="Consolas" panose="020B0609020204030204" pitchFamily="49" charset="0"/>
+              </a:rPr>
+              <a:t> emp; </a:t>
+            </a:r>
+            <a:r>
+              <a:rPr lang="en-IN" b="1" dirty="0">
+                <a:solidFill>
+                  <a:srgbClr val="329909"/>
+                </a:solidFill>
+                <a:latin typeface="Consolas" panose="020B0609020204030204" pitchFamily="49" charset="0"/>
+              </a:rPr>
+              <a:t>//</a:t>
+            </a:r>
+            <a:r>
+              <a:rPr lang="en-IN" dirty="0">
+                <a:solidFill>
+                  <a:srgbClr val="329909"/>
+                </a:solidFill>
+                <a:latin typeface="Consolas" panose="020B0609020204030204" pitchFamily="49" charset="0"/>
+              </a:rPr>
+              <a:t> End of line comment</a:t>
+            </a:r>
+          </a:p>
+          <a:p>
+            <a:pPr marL="285750" indent="-285750">
+              <a:buFont typeface="Arial" panose="020B0604020202020204" pitchFamily="34" charset="0"/>
+              <a:buChar char="•"/>
+            </a:pPr>
+            <a:endParaRPr lang="en-IN" dirty="0">
+              <a:latin typeface="Consolas" panose="020B0609020204030204" pitchFamily="49" charset="0"/>
+            </a:endParaRPr>
+          </a:p>
+          <a:p>
+            <a:r>
+              <a:rPr lang="en-IN" b="1" dirty="0">
+                <a:solidFill>
+                  <a:srgbClr val="329909"/>
+                </a:solidFill>
+                <a:latin typeface="Consolas" panose="020B0609020204030204" pitchFamily="49" charset="0"/>
+              </a:rPr>
+              <a:t>/*</a:t>
+            </a:r>
+            <a:r>
+              <a:rPr lang="en-IN" dirty="0">
+                <a:solidFill>
+                  <a:srgbClr val="329909"/>
+                </a:solidFill>
+                <a:latin typeface="Consolas" panose="020B0609020204030204" pitchFamily="49" charset="0"/>
+              </a:rPr>
+              <a:t> This is the first line of </a:t>
+            </a:r>
+          </a:p>
+          <a:p>
+            <a:r>
+              <a:rPr lang="en-IN" dirty="0">
+                <a:solidFill>
+                  <a:srgbClr val="329909"/>
+                </a:solidFill>
+                <a:latin typeface="Consolas" panose="020B0609020204030204" pitchFamily="49" charset="0"/>
+              </a:rPr>
+              <a:t>   of a comment that spans multiple</a:t>
+            </a:r>
+          </a:p>
+          <a:p>
+            <a:r>
+              <a:rPr lang="en-IN" dirty="0">
+                <a:solidFill>
+                  <a:srgbClr val="329909"/>
+                </a:solidFill>
+                <a:latin typeface="Consolas" panose="020B0609020204030204" pitchFamily="49" charset="0"/>
+              </a:rPr>
+              <a:t>   lines </a:t>
+            </a:r>
+            <a:r>
+              <a:rPr lang="en-IN" b="1" dirty="0">
+                <a:solidFill>
+                  <a:srgbClr val="329909"/>
+                </a:solidFill>
+                <a:latin typeface="Consolas" panose="020B0609020204030204" pitchFamily="49" charset="0"/>
+              </a:rPr>
+              <a:t>*/</a:t>
+            </a:r>
+          </a:p>
+          <a:p>
+            <a:pPr marL="285750" indent="-285750">
+              <a:buFont typeface="Arial" panose="020B0604020202020204" pitchFamily="34" charset="0"/>
+              <a:buChar char="•"/>
+            </a:pPr>
+            <a:r>
+              <a:rPr lang="en-IN" dirty="0">
+                <a:solidFill>
+                  <a:srgbClr val="0070C0"/>
+                </a:solidFill>
+                <a:latin typeface="Consolas" panose="020B0609020204030204" pitchFamily="49" charset="0"/>
+              </a:rPr>
+              <a:t>SELECT</a:t>
+            </a:r>
+            <a:r>
+              <a:rPr lang="en-IN" dirty="0">
+                <a:latin typeface="Consolas" panose="020B0609020204030204" pitchFamily="49" charset="0"/>
+              </a:rPr>
+              <a:t> * </a:t>
+            </a:r>
+            <a:r>
+              <a:rPr lang="en-IN" dirty="0">
+                <a:solidFill>
+                  <a:srgbClr val="0070C0"/>
+                </a:solidFill>
+                <a:latin typeface="Consolas" panose="020B0609020204030204" pitchFamily="49" charset="0"/>
+              </a:rPr>
+              <a:t>FROM</a:t>
+            </a:r>
+            <a:r>
+              <a:rPr lang="en-IN" dirty="0">
+                <a:latin typeface="Consolas" panose="020B0609020204030204" pitchFamily="49" charset="0"/>
+              </a:rPr>
+              <a:t> emp;</a:t>
+            </a:r>
+          </a:p>
+        </p:txBody>
+      </p:sp>
+    </p:spTree>
+    <p:extLst>
+      <p:ext uri="{BB962C8B-B14F-4D97-AF65-F5344CB8AC3E}">
+        <p14:creationId xmlns:p14="http://schemas.microsoft.com/office/powerpoint/2010/main" val="56203016"/>
+      </p:ext>
+    </p:extLst>
+  </p:cSld>
+  <p:clrMapOvr>
+    <a:masterClrMapping/>
+  </p:clrMapOvr>
+</p:sld>
+</file>
+
+<file path=ppt/slides/slide50.xml><?xml version="1.0" encoding="utf-8"?>
 <p:sld xmlns:a="http://schemas.openxmlformats.org/drawingml/2006/main" xmlns:r="http://schemas.openxmlformats.org/officeDocument/2006/relationships" xmlns:p="http://schemas.openxmlformats.org/presentationml/2006/main">
   <p:cSld>
     <p:spTree>
@@ -25292,7 +26540,7 @@
 </p:sld>
 </file>
 
-<file path=ppt/slides/slide48.xml><?xml version="1.0" encoding="utf-8"?>
+<file path=ppt/slides/slide51.xml><?xml version="1.0" encoding="utf-8"?>
 <p:sld xmlns:a="http://schemas.openxmlformats.org/drawingml/2006/main" xmlns:r="http://schemas.openxmlformats.org/officeDocument/2006/relationships" xmlns:p="http://schemas.openxmlformats.org/presentationml/2006/main">
   <p:cSld>
     <p:spTree>
@@ -25691,7 +26939,7 @@
 </p:sld>
 </file>
 
-<file path=ppt/slides/slide49.xml><?xml version="1.0" encoding="utf-8"?>
+<file path=ppt/slides/slide52.xml><?xml version="1.0" encoding="utf-8"?>
 <p:sld xmlns:a="http://schemas.openxmlformats.org/drawingml/2006/main" xmlns:r="http://schemas.openxmlformats.org/officeDocument/2006/relationships" xmlns:p="http://schemas.openxmlformats.org/presentationml/2006/main">
   <p:cSld>
     <p:spTree>
@@ -25857,403 +27105,7 @@
 </p:sld>
 </file>
 
-<file path=ppt/slides/slide5.xml><?xml version="1.0" encoding="utf-8"?>
-<p:sld xmlns:a="http://schemas.openxmlformats.org/drawingml/2006/main" xmlns:r="http://schemas.openxmlformats.org/officeDocument/2006/relationships" xmlns:p="http://schemas.openxmlformats.org/presentationml/2006/main">
-  <p:cSld>
-    <p:spTree>
-      <p:nvGrpSpPr>
-        <p:cNvPr id="1" name=""/>
-        <p:cNvGrpSpPr/>
-        <p:nvPr/>
-      </p:nvGrpSpPr>
-      <p:grpSpPr>
-        <a:xfrm>
-          <a:off x="0" y="0"/>
-          <a:ext cx="0" cy="0"/>
-          <a:chOff x="0" y="0"/>
-          <a:chExt cx="0" cy="0"/>
-        </a:xfrm>
-      </p:grpSpPr>
-      <p:sp>
-        <p:nvSpPr>
-          <p:cNvPr id="58370" name="AutoShape 2" descr="One-to-one entity relationship diagram"/>
-          <p:cNvSpPr>
-            <a:spLocks noChangeAspect="1" noChangeArrowheads="1"/>
-          </p:cNvSpPr>
-          <p:nvPr/>
-        </p:nvSpPr>
-        <p:spPr bwMode="auto">
-          <a:xfrm>
-            <a:off x="1679575" y="-144463"/>
-            <a:ext cx="304800" cy="304801"/>
-          </a:xfrm>
-          <a:prstGeom prst="rect">
-            <a:avLst/>
-          </a:prstGeom>
-          <a:noFill/>
-        </p:spPr>
-        <p:txBody>
-          <a:bodyPr vert="horz" wrap="square" lIns="91440" tIns="45720" rIns="91440" bIns="45720" numCol="1" anchor="t" anchorCtr="0" compatLnSpc="1">
-            <a:prstTxWarp prst="textNoShape">
-              <a:avLst/>
-            </a:prstTxWarp>
-          </a:bodyPr>
-          <a:lstStyle/>
-          <a:p>
-            <a:endParaRPr lang="en-US" dirty="0">
-              <a:latin typeface="Arial" pitchFamily="34" charset="0"/>
-              <a:cs typeface="Arial" pitchFamily="34" charset="0"/>
-            </a:endParaRPr>
-          </a:p>
-        </p:txBody>
-      </p:sp>
-      <p:sp>
-        <p:nvSpPr>
-          <p:cNvPr id="58372" name="AutoShape 4" descr="One-to-one entity relationship diagram"/>
-          <p:cNvSpPr>
-            <a:spLocks noChangeAspect="1" noChangeArrowheads="1"/>
-          </p:cNvSpPr>
-          <p:nvPr/>
-        </p:nvSpPr>
-        <p:spPr bwMode="auto">
-          <a:xfrm>
-            <a:off x="1679575" y="-144463"/>
-            <a:ext cx="304800" cy="304801"/>
-          </a:xfrm>
-          <a:prstGeom prst="rect">
-            <a:avLst/>
-          </a:prstGeom>
-          <a:noFill/>
-        </p:spPr>
-        <p:txBody>
-          <a:bodyPr vert="horz" wrap="square" lIns="91440" tIns="45720" rIns="91440" bIns="45720" numCol="1" anchor="t" anchorCtr="0" compatLnSpc="1">
-            <a:prstTxWarp prst="textNoShape">
-              <a:avLst/>
-            </a:prstTxWarp>
-          </a:bodyPr>
-          <a:lstStyle/>
-          <a:p>
-            <a:endParaRPr lang="en-US" dirty="0">
-              <a:latin typeface="Arial" pitchFamily="34" charset="0"/>
-              <a:cs typeface="Arial" pitchFamily="34" charset="0"/>
-            </a:endParaRPr>
-          </a:p>
-        </p:txBody>
-      </p:sp>
-      <p:sp>
-        <p:nvSpPr>
-          <p:cNvPr id="8" name="CustomShape 6">
-            <a:extLst>
-              <a:ext uri="{FF2B5EF4-FFF2-40B4-BE49-F238E27FC236}">
-                <a16:creationId xmlns:a16="http://schemas.microsoft.com/office/drawing/2014/main" id="{D8952F57-BFAB-4656-8E7F-3105CA98AD8B}"/>
-              </a:ext>
-            </a:extLst>
-          </p:cNvPr>
-          <p:cNvSpPr/>
-          <p:nvPr/>
-        </p:nvSpPr>
-        <p:spPr>
-          <a:xfrm>
-            <a:off x="246600" y="0"/>
-            <a:ext cx="11693880" cy="706432"/>
-          </a:xfrm>
-          <a:prstGeom prst="rect">
-            <a:avLst/>
-          </a:prstGeom>
-          <a:solidFill>
-            <a:srgbClr val="C00000"/>
-          </a:solidFill>
-          <a:ln>
-            <a:noFill/>
-          </a:ln>
-        </p:spPr>
-        <p:style>
-          <a:lnRef idx="0">
-            <a:scrgbClr r="0" g="0" b="0"/>
-          </a:lnRef>
-          <a:fillRef idx="0">
-            <a:scrgbClr r="0" g="0" b="0"/>
-          </a:fillRef>
-          <a:effectRef idx="0">
-            <a:scrgbClr r="0" g="0" b="0"/>
-          </a:effectRef>
-          <a:fontRef idx="minor"/>
-        </p:style>
-        <p:txBody>
-          <a:bodyPr lIns="90000" tIns="45000" rIns="90000" bIns="45000">
-            <a:spAutoFit/>
-          </a:bodyPr>
-          <a:lstStyle/>
-          <a:p>
-            <a:pPr algn="ctr"/>
-            <a:r>
-              <a:rPr lang="en-IN" sz="4000" spc="-1" dirty="0">
-                <a:solidFill>
-                  <a:srgbClr val="F7C120"/>
-                </a:solidFill>
-                <a:latin typeface="Open Sans"/>
-              </a:rPr>
-              <a:t>comments in cassandra</a:t>
-            </a:r>
-          </a:p>
-        </p:txBody>
-      </p:sp>
-      <p:sp>
-        <p:nvSpPr>
-          <p:cNvPr id="9" name="TextBox 8">
-            <a:extLst>
-              <a:ext uri="{FF2B5EF4-FFF2-40B4-BE49-F238E27FC236}">
-                <a16:creationId xmlns:a16="http://schemas.microsoft.com/office/drawing/2014/main" id="{C72205C8-5D21-4BF1-A2BB-0A37EFBCB337}"/>
-              </a:ext>
-            </a:extLst>
-          </p:cNvPr>
-          <p:cNvSpPr txBox="1"/>
-          <p:nvPr/>
-        </p:nvSpPr>
-        <p:spPr>
-          <a:xfrm>
-            <a:off x="264540" y="1412776"/>
-            <a:ext cx="11675939" cy="2308324"/>
-          </a:xfrm>
-          <a:prstGeom prst="rect">
-            <a:avLst/>
-          </a:prstGeom>
-          <a:noFill/>
-        </p:spPr>
-        <p:txBody>
-          <a:bodyPr wrap="square">
-            <a:spAutoFit/>
-          </a:bodyPr>
-          <a:lstStyle/>
-          <a:p>
-            <a:pPr marL="285750" indent="-285750">
-              <a:buFont typeface="Arial" panose="020B0604020202020204" pitchFamily="34" charset="0"/>
-              <a:buChar char="•"/>
-            </a:pPr>
-            <a:r>
-              <a:rPr lang="en-IN" dirty="0">
-                <a:solidFill>
-                  <a:srgbClr val="0070C0"/>
-                </a:solidFill>
-                <a:latin typeface="Consolas" panose="020B0609020204030204" pitchFamily="49" charset="0"/>
-              </a:rPr>
-              <a:t>SELECT</a:t>
-            </a:r>
-            <a:r>
-              <a:rPr lang="en-IN" dirty="0">
-                <a:latin typeface="Consolas" panose="020B0609020204030204" pitchFamily="49" charset="0"/>
-              </a:rPr>
-              <a:t> * </a:t>
-            </a:r>
-            <a:r>
-              <a:rPr lang="en-IN" dirty="0">
-                <a:solidFill>
-                  <a:srgbClr val="0070C0"/>
-                </a:solidFill>
-                <a:latin typeface="Consolas" panose="020B0609020204030204" pitchFamily="49" charset="0"/>
-              </a:rPr>
-              <a:t>FROM</a:t>
-            </a:r>
-            <a:r>
-              <a:rPr lang="en-IN" dirty="0">
-                <a:latin typeface="Consolas" panose="020B0609020204030204" pitchFamily="49" charset="0"/>
-              </a:rPr>
-              <a:t> emp; </a:t>
-            </a:r>
-            <a:r>
-              <a:rPr lang="en-IN" b="1" dirty="0">
-                <a:solidFill>
-                  <a:srgbClr val="329909"/>
-                </a:solidFill>
-                <a:latin typeface="Consolas" panose="020B0609020204030204" pitchFamily="49" charset="0"/>
-              </a:rPr>
-              <a:t>--</a:t>
-            </a:r>
-            <a:r>
-              <a:rPr lang="en-IN" dirty="0">
-                <a:solidFill>
-                  <a:srgbClr val="329909"/>
-                </a:solidFill>
-                <a:latin typeface="Consolas" panose="020B0609020204030204" pitchFamily="49" charset="0"/>
-              </a:rPr>
-              <a:t> End of line comment</a:t>
-            </a:r>
-          </a:p>
-          <a:p>
-            <a:pPr marL="285750" indent="-285750">
-              <a:buFont typeface="Arial" panose="020B0604020202020204" pitchFamily="34" charset="0"/>
-              <a:buChar char="•"/>
-            </a:pPr>
-            <a:endParaRPr lang="en-IN" dirty="0">
-              <a:latin typeface="Consolas" panose="020B0609020204030204" pitchFamily="49" charset="0"/>
-            </a:endParaRPr>
-          </a:p>
-          <a:p>
-            <a:pPr marL="285750" indent="-285750">
-              <a:buFont typeface="Arial" panose="020B0604020202020204" pitchFamily="34" charset="0"/>
-              <a:buChar char="•"/>
-            </a:pPr>
-            <a:r>
-              <a:rPr lang="en-IN" dirty="0">
-                <a:solidFill>
-                  <a:srgbClr val="0070C0"/>
-                </a:solidFill>
-                <a:latin typeface="Consolas" panose="020B0609020204030204" pitchFamily="49" charset="0"/>
-              </a:rPr>
-              <a:t>SELECT</a:t>
-            </a:r>
-            <a:r>
-              <a:rPr lang="en-IN" dirty="0">
-                <a:latin typeface="Consolas" panose="020B0609020204030204" pitchFamily="49" charset="0"/>
-              </a:rPr>
-              <a:t> * </a:t>
-            </a:r>
-            <a:r>
-              <a:rPr lang="en-IN" dirty="0">
-                <a:solidFill>
-                  <a:srgbClr val="0070C0"/>
-                </a:solidFill>
-                <a:latin typeface="Consolas" panose="020B0609020204030204" pitchFamily="49" charset="0"/>
-              </a:rPr>
-              <a:t>FROM</a:t>
-            </a:r>
-            <a:r>
-              <a:rPr lang="en-IN" dirty="0">
-                <a:latin typeface="Consolas" panose="020B0609020204030204" pitchFamily="49" charset="0"/>
-              </a:rPr>
-              <a:t> emp; </a:t>
-            </a:r>
-            <a:r>
-              <a:rPr lang="en-IN" b="1" dirty="0">
-                <a:solidFill>
-                  <a:srgbClr val="329909"/>
-                </a:solidFill>
-                <a:latin typeface="Consolas" panose="020B0609020204030204" pitchFamily="49" charset="0"/>
-              </a:rPr>
-              <a:t>//</a:t>
-            </a:r>
-            <a:r>
-              <a:rPr lang="en-IN" dirty="0">
-                <a:solidFill>
-                  <a:srgbClr val="329909"/>
-                </a:solidFill>
-                <a:latin typeface="Consolas" panose="020B0609020204030204" pitchFamily="49" charset="0"/>
-              </a:rPr>
-              <a:t> End of line comment</a:t>
-            </a:r>
-          </a:p>
-          <a:p>
-            <a:pPr marL="285750" indent="-285750">
-              <a:buFont typeface="Arial" panose="020B0604020202020204" pitchFamily="34" charset="0"/>
-              <a:buChar char="•"/>
-            </a:pPr>
-            <a:endParaRPr lang="en-IN" dirty="0">
-              <a:latin typeface="Consolas" panose="020B0609020204030204" pitchFamily="49" charset="0"/>
-            </a:endParaRPr>
-          </a:p>
-          <a:p>
-            <a:r>
-              <a:rPr lang="en-IN" b="1" dirty="0">
-                <a:solidFill>
-                  <a:srgbClr val="329909"/>
-                </a:solidFill>
-                <a:latin typeface="Consolas" panose="020B0609020204030204" pitchFamily="49" charset="0"/>
-              </a:rPr>
-              <a:t>/*</a:t>
-            </a:r>
-            <a:r>
-              <a:rPr lang="en-IN" dirty="0">
-                <a:solidFill>
-                  <a:srgbClr val="329909"/>
-                </a:solidFill>
-                <a:latin typeface="Consolas" panose="020B0609020204030204" pitchFamily="49" charset="0"/>
-              </a:rPr>
-              <a:t> This is the first line of </a:t>
-            </a:r>
-          </a:p>
-          <a:p>
-            <a:r>
-              <a:rPr lang="en-IN" dirty="0">
-                <a:solidFill>
-                  <a:srgbClr val="329909"/>
-                </a:solidFill>
-                <a:latin typeface="Consolas" panose="020B0609020204030204" pitchFamily="49" charset="0"/>
-              </a:rPr>
-              <a:t>   of a comment that spans multiple</a:t>
-            </a:r>
-          </a:p>
-          <a:p>
-            <a:r>
-              <a:rPr lang="en-IN" dirty="0">
-                <a:solidFill>
-                  <a:srgbClr val="329909"/>
-                </a:solidFill>
-                <a:latin typeface="Consolas" panose="020B0609020204030204" pitchFamily="49" charset="0"/>
-              </a:rPr>
-              <a:t>   lines </a:t>
-            </a:r>
-            <a:r>
-              <a:rPr lang="en-IN" b="1" dirty="0">
-                <a:solidFill>
-                  <a:srgbClr val="329909"/>
-                </a:solidFill>
-                <a:latin typeface="Consolas" panose="020B0609020204030204" pitchFamily="49" charset="0"/>
-              </a:rPr>
-              <a:t>*/</a:t>
-            </a:r>
-          </a:p>
-          <a:p>
-            <a:pPr marL="285750" indent="-285750">
-              <a:buFont typeface="Arial" panose="020B0604020202020204" pitchFamily="34" charset="0"/>
-              <a:buChar char="•"/>
-            </a:pPr>
-            <a:r>
-              <a:rPr lang="en-IN" dirty="0">
-                <a:solidFill>
-                  <a:srgbClr val="0070C0"/>
-                </a:solidFill>
-                <a:latin typeface="Consolas" panose="020B0609020204030204" pitchFamily="49" charset="0"/>
-              </a:rPr>
-              <a:t>SELECT</a:t>
-            </a:r>
-            <a:r>
-              <a:rPr lang="en-IN" dirty="0">
-                <a:latin typeface="Consolas" panose="020B0609020204030204" pitchFamily="49" charset="0"/>
-              </a:rPr>
-              <a:t> * </a:t>
-            </a:r>
-            <a:r>
-              <a:rPr lang="en-IN" dirty="0">
-                <a:solidFill>
-                  <a:srgbClr val="0070C0"/>
-                </a:solidFill>
-                <a:latin typeface="Consolas" panose="020B0609020204030204" pitchFamily="49" charset="0"/>
-              </a:rPr>
-              <a:t>FROM</a:t>
-            </a:r>
-            <a:r>
-              <a:rPr lang="en-IN" dirty="0">
-                <a:latin typeface="Consolas" panose="020B0609020204030204" pitchFamily="49" charset="0"/>
-              </a:rPr>
-              <a:t> emp;</a:t>
-            </a:r>
-          </a:p>
-        </p:txBody>
-      </p:sp>
-    </p:spTree>
-    <p:extLst>
-      <p:ext uri="{BB962C8B-B14F-4D97-AF65-F5344CB8AC3E}">
-        <p14:creationId xmlns:p14="http://schemas.microsoft.com/office/powerpoint/2010/main" val="56203016"/>
-      </p:ext>
-    </p:extLst>
-  </p:cSld>
-  <p:clrMapOvr>
-    <a:masterClrMapping/>
-  </p:clrMapOvr>
-</p:sld>
-</file>
-
-<file path=ppt/slides/slide50.xml><?xml version="1.0" encoding="utf-8"?>
+<file path=ppt/slides/slide53.xml><?xml version="1.0" encoding="utf-8"?>
 <p:sld xmlns:a="http://schemas.openxmlformats.org/drawingml/2006/main" xmlns:r="http://schemas.openxmlformats.org/officeDocument/2006/relationships" xmlns:p="http://schemas.openxmlformats.org/presentationml/2006/main">
   <p:cSld>
     <p:spTree>
@@ -26682,7 +27534,7 @@
 </p:sld>
 </file>
 
-<file path=ppt/slides/slide51.xml><?xml version="1.0" encoding="utf-8"?>
+<file path=ppt/slides/slide54.xml><?xml version="1.0" encoding="utf-8"?>
 <p:sld xmlns:a="http://schemas.openxmlformats.org/drawingml/2006/main" xmlns:r="http://schemas.openxmlformats.org/officeDocument/2006/relationships" xmlns:p="http://schemas.openxmlformats.org/presentationml/2006/main">
   <p:cSld>
     <p:spTree>
@@ -26831,7 +27683,7 @@
 </p:sld>
 </file>
 
-<file path=ppt/slides/slide52.xml><?xml version="1.0" encoding="utf-8"?>
+<file path=ppt/slides/slide55.xml><?xml version="1.0" encoding="utf-8"?>
 <p:sld xmlns:a="http://schemas.openxmlformats.org/drawingml/2006/main" xmlns:r="http://schemas.openxmlformats.org/officeDocument/2006/relationships" xmlns:p="http://schemas.openxmlformats.org/presentationml/2006/main">
   <p:cSld>
     <p:spTree>
@@ -27609,7 +28461,7 @@
 </p:sld>
 </file>
 
-<file path=ppt/slides/slide53.xml><?xml version="1.0" encoding="utf-8"?>
+<file path=ppt/slides/slide56.xml><?xml version="1.0" encoding="utf-8"?>
 <p:sld xmlns:a="http://schemas.openxmlformats.org/drawingml/2006/main" xmlns:r="http://schemas.openxmlformats.org/officeDocument/2006/relationships" xmlns:p="http://schemas.openxmlformats.org/presentationml/2006/main">
   <p:cSld>
     <p:spTree>

--- a/Cassandra Ver1.pptx
+++ b/Cassandra Ver1.pptx
@@ -5,7 +5,7 @@
     <p:sldMasterId id="2147483720" r:id="rId1"/>
   </p:sldMasterIdLst>
   <p:notesMasterIdLst>
-    <p:notesMasterId r:id="rId58"/>
+    <p:notesMasterId r:id="rId60"/>
   </p:notesMasterIdLst>
   <p:sldIdLst>
     <p:sldId id="256" r:id="rId2"/>
@@ -47,23 +47,25 @@
     <p:sldId id="1462" r:id="rId38"/>
     <p:sldId id="1463" r:id="rId39"/>
     <p:sldId id="1464" r:id="rId40"/>
-    <p:sldId id="947" r:id="rId41"/>
-    <p:sldId id="1446" r:id="rId42"/>
-    <p:sldId id="1444" r:id="rId43"/>
-    <p:sldId id="1445" r:id="rId44"/>
-    <p:sldId id="1450" r:id="rId45"/>
-    <p:sldId id="1468" r:id="rId46"/>
-    <p:sldId id="1430" r:id="rId47"/>
-    <p:sldId id="1431" r:id="rId48"/>
-    <p:sldId id="1432" r:id="rId49"/>
-    <p:sldId id="1433" r:id="rId50"/>
-    <p:sldId id="1442" r:id="rId51"/>
-    <p:sldId id="1447" r:id="rId52"/>
-    <p:sldId id="1448" r:id="rId53"/>
-    <p:sldId id="1449" r:id="rId54"/>
-    <p:sldId id="1424" r:id="rId55"/>
-    <p:sldId id="1421" r:id="rId56"/>
-    <p:sldId id="350" r:id="rId57"/>
+    <p:sldId id="1469" r:id="rId41"/>
+    <p:sldId id="1470" r:id="rId42"/>
+    <p:sldId id="947" r:id="rId43"/>
+    <p:sldId id="1446" r:id="rId44"/>
+    <p:sldId id="1444" r:id="rId45"/>
+    <p:sldId id="1445" r:id="rId46"/>
+    <p:sldId id="1450" r:id="rId47"/>
+    <p:sldId id="1468" r:id="rId48"/>
+    <p:sldId id="1430" r:id="rId49"/>
+    <p:sldId id="1431" r:id="rId50"/>
+    <p:sldId id="1432" r:id="rId51"/>
+    <p:sldId id="1433" r:id="rId52"/>
+    <p:sldId id="1442" r:id="rId53"/>
+    <p:sldId id="1447" r:id="rId54"/>
+    <p:sldId id="1448" r:id="rId55"/>
+    <p:sldId id="1449" r:id="rId56"/>
+    <p:sldId id="1424" r:id="rId57"/>
+    <p:sldId id="1421" r:id="rId58"/>
+    <p:sldId id="350" r:id="rId59"/>
   </p:sldIdLst>
   <p:sldSz cx="12192000" cy="6858000"/>
   <p:notesSz cx="6858000" cy="9144000"/>
@@ -276,7 +278,7 @@
             <a:fld id="{757F699C-254E-44B6-B18D-E7E82B2FC743}" type="datetimeFigureOut">
               <a:rPr lang="en-IN" smtClean="0"/>
               <a:pPr/>
-              <a:t>12-04-2022</a:t>
+              <a:t>15-04-2022</a:t>
             </a:fld>
             <a:endParaRPr lang="en-IN"/>
           </a:p>
@@ -1102,7 +1104,7 @@
             <a:fld id="{52F73076-280E-4994-B9AF-08CB19D7A53F}" type="datetimeFigureOut">
               <a:rPr lang="en-US" smtClean="0"/>
               <a:pPr/>
-              <a:t>4/12/2022</a:t>
+              <a:t>4/15/2022</a:t>
             </a:fld>
             <a:endParaRPr lang="en-US" dirty="0"/>
           </a:p>
@@ -1547,7 +1549,7 @@
             <a:fld id="{52F73076-280E-4994-B9AF-08CB19D7A53F}" type="datetimeFigureOut">
               <a:rPr lang="en-US" smtClean="0"/>
               <a:pPr/>
-              <a:t>4/12/2022</a:t>
+              <a:t>4/15/2022</a:t>
             </a:fld>
             <a:endParaRPr lang="en-US" dirty="0"/>
           </a:p>
@@ -2479,7 +2481,7 @@
             <a:fld id="{52F73076-280E-4994-B9AF-08CB19D7A53F}" type="datetimeFigureOut">
               <a:rPr lang="en-US" smtClean="0"/>
               <a:pPr/>
-              <a:t>4/12/2022</a:t>
+              <a:t>4/15/2022</a:t>
             </a:fld>
             <a:endParaRPr lang="en-US" dirty="0"/>
           </a:p>
@@ -2897,7 +2899,7 @@
             <a:fld id="{52F73076-280E-4994-B9AF-08CB19D7A53F}" type="datetimeFigureOut">
               <a:rPr lang="en-US" smtClean="0"/>
               <a:pPr/>
-              <a:t>4/12/2022</a:t>
+              <a:t>4/15/2022</a:t>
             </a:fld>
             <a:endParaRPr lang="en-US" dirty="0"/>
           </a:p>
@@ -11333,7 +11335,7 @@
               <a:rPr lang="en-IN" dirty="0">
                 <a:latin typeface="Consolas" panose="020B0609020204030204" pitchFamily="49" charset="0"/>
               </a:rPr>
-              <a:t> TTL</a:t>
+              <a:t> deptno, dname, loc TTL</a:t>
             </a:r>
             <a:r>
               <a:rPr lang="en-IN" dirty="0">
@@ -11351,6 +11353,40 @@
                 <a:latin typeface="Consolas" panose="020B0609020204030204" pitchFamily="49" charset="0"/>
               </a:rPr>
               <a:t>dname</a:t>
+            </a:r>
+            <a:r>
+              <a:rPr lang="en-IN" dirty="0">
+                <a:solidFill>
+                  <a:schemeClr val="bg1">
+                    <a:lumMod val="50000"/>
+                  </a:schemeClr>
+                </a:solidFill>
+                <a:latin typeface="Consolas" panose="020B0609020204030204" pitchFamily="49" charset="0"/>
+              </a:rPr>
+              <a:t>), </a:t>
+            </a:r>
+            <a:r>
+              <a:rPr lang="en-IN" dirty="0">
+                <a:latin typeface="Consolas" panose="020B0609020204030204" pitchFamily="49" charset="0"/>
+              </a:rPr>
+              <a:t>TTL</a:t>
+            </a:r>
+            <a:r>
+              <a:rPr lang="en-IN" dirty="0">
+                <a:solidFill>
+                  <a:schemeClr val="bg1">
+                    <a:lumMod val="50000"/>
+                  </a:schemeClr>
+                </a:solidFill>
+                <a:latin typeface="Consolas" panose="020B0609020204030204" pitchFamily="49" charset="0"/>
+              </a:rPr>
+              <a:t>(</a:t>
+            </a:r>
+            <a:r>
+              <a:rPr lang="en-IN" dirty="0">
+                <a:latin typeface="Consolas" panose="020B0609020204030204" pitchFamily="49" charset="0"/>
+              </a:rPr>
+              <a:t>loc</a:t>
             </a:r>
             <a:r>
               <a:rPr lang="en-IN" dirty="0">
@@ -21418,19 +21454,7 @@
               <a:rPr lang="en-IN" dirty="0">
                 <a:latin typeface="Consolas" panose="020B0609020204030204" pitchFamily="49" charset="0"/>
               </a:rPr>
-              <a:t> '{"id":2,"title":"mongoDB", "author": ["Author1", "Author2", "Author3"], "publisher":["Publisher1", "Publisher2"],"address": {"line1":"paud Road",  "city":"pune", "</a:t>
-            </a:r>
-            <a:r>
-              <a:rPr lang="en-IN" dirty="0" err="1">
-                <a:latin typeface="Consolas" panose="020B0609020204030204" pitchFamily="49" charset="0"/>
-              </a:rPr>
-              <a:t>state":"MH</a:t>
-            </a:r>
-            <a:r>
-              <a:rPr lang="en-IN" dirty="0">
-                <a:latin typeface="Consolas" panose="020B0609020204030204" pitchFamily="49" charset="0"/>
-              </a:rPr>
-              <a:t>", "pin":100011} }' </a:t>
+              <a:t> '{"id":2,"title":"mongoDB", "author": ["Author1", "Author2", "Author3"], "publisher":["Publisher1", "Publisher2"],"address": {"line1":"paud Road",  "city":"pune", "state":"MH", "pin":100011} }' </a:t>
             </a:r>
             <a:r>
               <a:rPr lang="en-IN" dirty="0">
@@ -22458,6 +22482,1460 @@
       </p:grpSpPr>
       <p:sp>
         <p:nvSpPr>
+          <p:cNvPr id="109" name="CustomShape 1"/>
+          <p:cNvSpPr/>
+          <p:nvPr/>
+        </p:nvSpPr>
+        <p:spPr>
+          <a:xfrm>
+            <a:off x="1676520" y="2362320"/>
+            <a:ext cx="8815320" cy="921876"/>
+          </a:xfrm>
+          <a:prstGeom prst="rect">
+            <a:avLst/>
+          </a:prstGeom>
+          <a:noFill/>
+          <a:ln>
+            <a:noFill/>
+          </a:ln>
+        </p:spPr>
+        <p:style>
+          <a:lnRef idx="0">
+            <a:scrgbClr r="0" g="0" b="0"/>
+          </a:lnRef>
+          <a:fillRef idx="0">
+            <a:scrgbClr r="0" g="0" b="0"/>
+          </a:fillRef>
+          <a:effectRef idx="0">
+            <a:scrgbClr r="0" g="0" b="0"/>
+          </a:effectRef>
+          <a:fontRef idx="minor"/>
+        </p:style>
+        <p:txBody>
+          <a:bodyPr lIns="90000" tIns="45000" rIns="90000" bIns="45000">
+            <a:spAutoFit/>
+          </a:bodyPr>
+          <a:lstStyle/>
+          <a:p>
+            <a:pPr algn="ctr">
+              <a:lnSpc>
+                <a:spcPct val="100000"/>
+              </a:lnSpc>
+            </a:pPr>
+            <a:r>
+              <a:rPr lang="en-IN" sz="5400" i="1" spc="-1" dirty="0">
+                <a:solidFill>
+                  <a:srgbClr val="F7C120"/>
+                </a:solidFill>
+                <a:latin typeface="Century"/>
+                <a:ea typeface="DejaVu Sans"/>
+              </a:rPr>
+              <a:t>frozen</a:t>
+            </a:r>
+            <a:endParaRPr lang="en-IN" sz="5400" b="0" strike="noStrike" spc="-1" dirty="0">
+              <a:latin typeface="Arial"/>
+            </a:endParaRPr>
+          </a:p>
+        </p:txBody>
+      </p:sp>
+      <p:sp>
+        <p:nvSpPr>
+          <p:cNvPr id="110" name="CustomShape 2"/>
+          <p:cNvSpPr/>
+          <p:nvPr/>
+        </p:nvSpPr>
+        <p:spPr>
+          <a:xfrm>
+            <a:off x="522360" y="3531600"/>
+            <a:ext cx="11052360" cy="367878"/>
+          </a:xfrm>
+          <a:prstGeom prst="rect">
+            <a:avLst/>
+          </a:prstGeom>
+          <a:noFill/>
+          <a:ln>
+            <a:noFill/>
+          </a:ln>
+        </p:spPr>
+        <p:style>
+          <a:lnRef idx="0">
+            <a:scrgbClr r="0" g="0" b="0"/>
+          </a:lnRef>
+          <a:fillRef idx="0">
+            <a:scrgbClr r="0" g="0" b="0"/>
+          </a:fillRef>
+          <a:effectRef idx="0">
+            <a:scrgbClr r="0" g="0" b="0"/>
+          </a:effectRef>
+          <a:fontRef idx="minor"/>
+        </p:style>
+        <p:txBody>
+          <a:bodyPr lIns="90000" tIns="45000" rIns="90000" bIns="45000">
+            <a:spAutoFit/>
+          </a:bodyPr>
+          <a:lstStyle/>
+          <a:p>
+            <a:pPr algn="just">
+              <a:lnSpc>
+                <a:spcPct val="100000"/>
+              </a:lnSpc>
+            </a:pPr>
+            <a:r>
+              <a:rPr lang="en-US" sz="1800" b="0" strike="noStrike" spc="-1" dirty="0">
+                <a:solidFill>
+                  <a:srgbClr val="BB0643"/>
+                </a:solidFill>
+                <a:latin typeface="Segoe UI"/>
+                <a:ea typeface="DejaVu Sans"/>
+              </a:rPr>
+              <a:t>TODO</a:t>
+            </a:r>
+            <a:endParaRPr lang="en-IN" spc="-1" dirty="0">
+              <a:solidFill>
+                <a:srgbClr val="BB0643"/>
+              </a:solidFill>
+              <a:latin typeface="Segoe UI"/>
+            </a:endParaRPr>
+          </a:p>
+        </p:txBody>
+      </p:sp>
+    </p:spTree>
+    <p:extLst>
+      <p:ext uri="{BB962C8B-B14F-4D97-AF65-F5344CB8AC3E}">
+        <p14:creationId xmlns:p14="http://schemas.microsoft.com/office/powerpoint/2010/main" val="3507700672"/>
+      </p:ext>
+    </p:extLst>
+  </p:cSld>
+  <p:clrMapOvr>
+    <a:masterClrMapping/>
+  </p:clrMapOvr>
+</p:sld>
+</file>
+
+<file path=ppt/slides/slide41.xml><?xml version="1.0" encoding="utf-8"?>
+<p:sld xmlns:a="http://schemas.openxmlformats.org/drawingml/2006/main" xmlns:r="http://schemas.openxmlformats.org/officeDocument/2006/relationships" xmlns:p="http://schemas.openxmlformats.org/presentationml/2006/main">
+  <p:cSld>
+    <p:spTree>
+      <p:nvGrpSpPr>
+        <p:cNvPr id="1" name=""/>
+        <p:cNvGrpSpPr/>
+        <p:nvPr/>
+      </p:nvGrpSpPr>
+      <p:grpSpPr>
+        <a:xfrm>
+          <a:off x="0" y="0"/>
+          <a:ext cx="0" cy="0"/>
+          <a:chOff x="0" y="0"/>
+          <a:chExt cx="0" cy="0"/>
+        </a:xfrm>
+      </p:grpSpPr>
+      <p:sp>
+        <p:nvSpPr>
+          <p:cNvPr id="9" name="CustomShape 1">
+            <a:extLst>
+              <a:ext uri="{FF2B5EF4-FFF2-40B4-BE49-F238E27FC236}">
+                <a16:creationId xmlns:a16="http://schemas.microsoft.com/office/drawing/2014/main" id="{BDFD7540-71E5-4580-B408-0238083AF10D}"/>
+              </a:ext>
+            </a:extLst>
+          </p:cNvPr>
+          <p:cNvSpPr/>
+          <p:nvPr/>
+        </p:nvSpPr>
+        <p:spPr>
+          <a:xfrm>
+            <a:off x="246600" y="762120"/>
+            <a:ext cx="11687400" cy="921876"/>
+          </a:xfrm>
+          <a:prstGeom prst="rect">
+            <a:avLst/>
+          </a:prstGeom>
+          <a:noFill/>
+          <a:ln>
+            <a:noFill/>
+          </a:ln>
+        </p:spPr>
+        <p:style>
+          <a:lnRef idx="0">
+            <a:scrgbClr r="0" g="0" b="0"/>
+          </a:lnRef>
+          <a:fillRef idx="0">
+            <a:scrgbClr r="0" g="0" b="0"/>
+          </a:fillRef>
+          <a:effectRef idx="0">
+            <a:scrgbClr r="0" g="0" b="0"/>
+          </a:effectRef>
+          <a:fontRef idx="minor"/>
+        </p:style>
+        <p:txBody>
+          <a:bodyPr lIns="90000" tIns="45000" rIns="90000" bIns="45000">
+            <a:spAutoFit/>
+          </a:bodyPr>
+          <a:lstStyle/>
+          <a:p>
+            <a:pPr algn="just"/>
+            <a:r>
+              <a:rPr lang="en-US" spc="-1" dirty="0">
+                <a:latin typeface="Arial"/>
+              </a:rPr>
+              <a:t>A column whose type is a frozen collection (set, map, or list) can only have its value replaced as a whole. In other words, </a:t>
+            </a:r>
+            <a:r>
+              <a:rPr lang="en-US" spc="-1" dirty="0">
+                <a:solidFill>
+                  <a:srgbClr val="F63122"/>
+                </a:solidFill>
+                <a:latin typeface="Arial"/>
+              </a:rPr>
+              <a:t>we can't add, update, or delete individual elements from the collection as we can in non-frozen collection types.</a:t>
+            </a:r>
+          </a:p>
+        </p:txBody>
+      </p:sp>
+      <p:sp>
+        <p:nvSpPr>
+          <p:cNvPr id="10" name="Line 5">
+            <a:extLst>
+              <a:ext uri="{FF2B5EF4-FFF2-40B4-BE49-F238E27FC236}">
+                <a16:creationId xmlns:a16="http://schemas.microsoft.com/office/drawing/2014/main" id="{9195D559-2BA8-4321-B3CF-CB7E0100E287}"/>
+              </a:ext>
+            </a:extLst>
+          </p:cNvPr>
+          <p:cNvSpPr/>
+          <p:nvPr/>
+        </p:nvSpPr>
+        <p:spPr>
+          <a:xfrm>
+            <a:off x="0" y="1772816"/>
+            <a:ext cx="12191760" cy="0"/>
+          </a:xfrm>
+          <a:prstGeom prst="line">
+            <a:avLst/>
+          </a:prstGeom>
+          <a:ln w="12600">
+            <a:solidFill>
+              <a:srgbClr val="6E78A0"/>
+            </a:solidFill>
+            <a:prstDash val="dash"/>
+            <a:round/>
+          </a:ln>
+        </p:spPr>
+        <p:style>
+          <a:lnRef idx="1">
+            <a:schemeClr val="accent1"/>
+          </a:lnRef>
+          <a:fillRef idx="0">
+            <a:schemeClr val="accent1"/>
+          </a:fillRef>
+          <a:effectRef idx="0">
+            <a:schemeClr val="accent1"/>
+          </a:effectRef>
+          <a:fontRef idx="minor"/>
+        </p:style>
+      </p:sp>
+      <p:sp>
+        <p:nvSpPr>
+          <p:cNvPr id="8" name="CustomShape 4">
+            <a:extLst>
+              <a:ext uri="{FF2B5EF4-FFF2-40B4-BE49-F238E27FC236}">
+                <a16:creationId xmlns:a16="http://schemas.microsoft.com/office/drawing/2014/main" id="{91993118-1AF5-45AD-B680-FE100B853130}"/>
+              </a:ext>
+            </a:extLst>
+          </p:cNvPr>
+          <p:cNvSpPr/>
+          <p:nvPr/>
+        </p:nvSpPr>
+        <p:spPr>
+          <a:xfrm>
+            <a:off x="246600" y="0"/>
+            <a:ext cx="11687400" cy="706432"/>
+          </a:xfrm>
+          <a:prstGeom prst="rect">
+            <a:avLst/>
+          </a:prstGeom>
+          <a:solidFill>
+            <a:srgbClr val="C00000"/>
+          </a:solidFill>
+          <a:ln>
+            <a:noFill/>
+          </a:ln>
+        </p:spPr>
+        <p:style>
+          <a:lnRef idx="0">
+            <a:scrgbClr r="0" g="0" b="0"/>
+          </a:lnRef>
+          <a:fillRef idx="0">
+            <a:scrgbClr r="0" g="0" b="0"/>
+          </a:fillRef>
+          <a:effectRef idx="0">
+            <a:scrgbClr r="0" g="0" b="0"/>
+          </a:effectRef>
+          <a:fontRef idx="minor"/>
+        </p:style>
+        <p:txBody>
+          <a:bodyPr lIns="90000" tIns="45000" rIns="90000" bIns="45000">
+            <a:spAutoFit/>
+          </a:bodyPr>
+          <a:lstStyle/>
+          <a:p>
+            <a:pPr algn="ctr">
+              <a:lnSpc>
+                <a:spcPct val="100000"/>
+              </a:lnSpc>
+            </a:pPr>
+            <a:r>
+              <a:rPr lang="en-IN" sz="4000" b="0" strike="noStrike" spc="-1" dirty="0">
+                <a:solidFill>
+                  <a:srgbClr val="F7C120"/>
+                </a:solidFill>
+                <a:latin typeface="Open Sans"/>
+                <a:ea typeface="DejaVu Sans"/>
+              </a:rPr>
+              <a:t>frozen collection</a:t>
+            </a:r>
+            <a:endParaRPr lang="en-IN" sz="4000" b="0" strike="noStrike" spc="-1" dirty="0">
+              <a:latin typeface="Arial"/>
+            </a:endParaRPr>
+          </a:p>
+        </p:txBody>
+      </p:sp>
+      <p:sp>
+        <p:nvSpPr>
+          <p:cNvPr id="12" name="CustomShape 2">
+            <a:extLst>
+              <a:ext uri="{FF2B5EF4-FFF2-40B4-BE49-F238E27FC236}">
+                <a16:creationId xmlns:a16="http://schemas.microsoft.com/office/drawing/2014/main" id="{4F0B3FD2-AB15-469E-8DBF-548155734C77}"/>
+              </a:ext>
+            </a:extLst>
+          </p:cNvPr>
+          <p:cNvSpPr/>
+          <p:nvPr/>
+        </p:nvSpPr>
+        <p:spPr>
+          <a:xfrm>
+            <a:off x="246600" y="3864243"/>
+            <a:ext cx="11687400" cy="644877"/>
+          </a:xfrm>
+          <a:prstGeom prst="rect">
+            <a:avLst/>
+          </a:prstGeom>
+          <a:noFill/>
+          <a:ln>
+            <a:noFill/>
+          </a:ln>
+        </p:spPr>
+        <p:style>
+          <a:lnRef idx="0">
+            <a:scrgbClr r="0" g="0" b="0"/>
+          </a:lnRef>
+          <a:fillRef idx="0">
+            <a:scrgbClr r="0" g="0" b="0"/>
+          </a:fillRef>
+          <a:effectRef idx="0">
+            <a:scrgbClr r="0" g="0" b="0"/>
+          </a:effectRef>
+          <a:fontRef idx="minor"/>
+        </p:style>
+        <p:txBody>
+          <a:bodyPr wrap="square" lIns="90000" tIns="45000" rIns="90000" bIns="45000">
+            <a:spAutoFit/>
+          </a:bodyPr>
+          <a:lstStyle/>
+          <a:p>
+            <a:pPr marL="309510" indent="-285750">
+              <a:buClr>
+                <a:srgbClr val="808080"/>
+              </a:buClr>
+              <a:buFont typeface="Arial" panose="020B0604020202020204" pitchFamily="34" charset="0"/>
+              <a:buChar char="•"/>
+            </a:pPr>
+            <a:r>
+              <a:rPr lang="en-IN" sz="1800" b="0" strike="noStrike" spc="-1" dirty="0">
+                <a:solidFill>
+                  <a:schemeClr val="bg1">
+                    <a:lumMod val="50000"/>
+                  </a:schemeClr>
+                </a:solidFill>
+                <a:latin typeface="Consolas" panose="020B0609020204030204" pitchFamily="49" charset="0"/>
+                <a:ea typeface="SimSun"/>
+              </a:rPr>
+              <a:t>cqlsh:db1&gt; </a:t>
+            </a:r>
+            <a:r>
+              <a:rPr lang="en-US" sz="1800" b="0" strike="noStrike" spc="-1" dirty="0">
+                <a:latin typeface="Consolas" panose="020B0609020204030204" pitchFamily="49" charset="0"/>
+                <a:ea typeface="SimSun"/>
+              </a:rPr>
+              <a:t>CREATE COLUMNFAMILY location</a:t>
+            </a:r>
+            <a:r>
+              <a:rPr lang="en-US" sz="1800" b="0" strike="noStrike" spc="-1" dirty="0">
+                <a:solidFill>
+                  <a:schemeClr val="bg1">
+                    <a:lumMod val="50000"/>
+                  </a:schemeClr>
+                </a:solidFill>
+                <a:latin typeface="Consolas" panose="020B0609020204030204" pitchFamily="49" charset="0"/>
+                <a:ea typeface="SimSun"/>
+              </a:rPr>
+              <a:t>(</a:t>
+            </a:r>
+            <a:r>
+              <a:rPr lang="en-US" sz="1800" b="0" strike="noStrike" spc="-1" dirty="0">
+                <a:latin typeface="Consolas" panose="020B0609020204030204" pitchFamily="49" charset="0"/>
+                <a:ea typeface="SimSun"/>
+              </a:rPr>
+              <a:t> id </a:t>
+            </a:r>
+            <a:r>
+              <a:rPr lang="en-US" dirty="0">
+                <a:solidFill>
+                  <a:srgbClr val="834689"/>
+                </a:solidFill>
+                <a:latin typeface="Consolas" panose="020B0609020204030204" pitchFamily="49" charset="0"/>
+                <a:cs typeface="Arial" panose="020B0604020202020204" pitchFamily="34" charset="0"/>
+              </a:rPr>
+              <a:t>int</a:t>
+            </a:r>
+            <a:r>
+              <a:rPr lang="en-US" sz="1800" b="0" strike="noStrike" spc="-1" dirty="0">
+                <a:latin typeface="Consolas" panose="020B0609020204030204" pitchFamily="49" charset="0"/>
+                <a:ea typeface="SimSun"/>
+              </a:rPr>
+              <a:t>, name </a:t>
+            </a:r>
+            <a:r>
+              <a:rPr lang="en-US" dirty="0">
+                <a:solidFill>
+                  <a:srgbClr val="834689"/>
+                </a:solidFill>
+                <a:latin typeface="Consolas" panose="020B0609020204030204" pitchFamily="49" charset="0"/>
+                <a:cs typeface="Arial" panose="020B0604020202020204" pitchFamily="34" charset="0"/>
+              </a:rPr>
+              <a:t>varchar</a:t>
+            </a:r>
+            <a:r>
+              <a:rPr lang="en-US" sz="1800" b="0" strike="noStrike" spc="-1" dirty="0">
+                <a:latin typeface="Consolas" panose="020B0609020204030204" pitchFamily="49" charset="0"/>
+                <a:ea typeface="SimSun"/>
+              </a:rPr>
+              <a:t>, location </a:t>
+            </a:r>
+            <a:r>
+              <a:rPr lang="en-US" dirty="0">
+                <a:solidFill>
+                  <a:schemeClr val="accent4">
+                    <a:lumMod val="50000"/>
+                  </a:schemeClr>
+                </a:solidFill>
+                <a:latin typeface="Consolas" panose="020B0609020204030204" pitchFamily="49" charset="0"/>
+                <a:cs typeface="Arial" panose="020B0604020202020204" pitchFamily="34" charset="0"/>
+              </a:rPr>
+              <a:t>frozen</a:t>
+            </a:r>
+            <a:r>
+              <a:rPr lang="en-US" sz="1800" b="0" strike="noStrike" spc="-1" dirty="0">
+                <a:latin typeface="Consolas" panose="020B0609020204030204" pitchFamily="49" charset="0"/>
+                <a:ea typeface="SimSun"/>
+              </a:rPr>
+              <a:t>&lt; </a:t>
+            </a:r>
+            <a:r>
+              <a:rPr lang="en-US" dirty="0">
+                <a:solidFill>
+                  <a:srgbClr val="834689"/>
+                </a:solidFill>
+                <a:latin typeface="Consolas" panose="020B0609020204030204" pitchFamily="49" charset="0"/>
+                <a:cs typeface="Arial" panose="020B0604020202020204" pitchFamily="34" charset="0"/>
+              </a:rPr>
+              <a:t>map </a:t>
+            </a:r>
+            <a:r>
+              <a:rPr lang="en-US" sz="1800" b="0" strike="noStrike" spc="-1" dirty="0">
+                <a:latin typeface="Consolas" panose="020B0609020204030204" pitchFamily="49" charset="0"/>
+                <a:ea typeface="SimSun"/>
+              </a:rPr>
+              <a:t>&lt;</a:t>
+            </a:r>
+            <a:r>
+              <a:rPr lang="en-US" dirty="0">
+                <a:solidFill>
+                  <a:srgbClr val="834689"/>
+                </a:solidFill>
+                <a:latin typeface="Consolas" panose="020B0609020204030204" pitchFamily="49" charset="0"/>
+                <a:cs typeface="Arial" panose="020B0604020202020204" pitchFamily="34" charset="0"/>
+              </a:rPr>
+              <a:t>text</a:t>
+            </a:r>
+            <a:r>
+              <a:rPr lang="en-US" sz="1800" b="0" strike="noStrike" spc="-1" dirty="0">
+                <a:latin typeface="Consolas" panose="020B0609020204030204" pitchFamily="49" charset="0"/>
+                <a:ea typeface="SimSun"/>
+              </a:rPr>
+              <a:t>, </a:t>
+            </a:r>
+            <a:r>
+              <a:rPr lang="en-US" dirty="0">
+                <a:solidFill>
+                  <a:srgbClr val="834689"/>
+                </a:solidFill>
+                <a:latin typeface="Consolas" panose="020B0609020204030204" pitchFamily="49" charset="0"/>
+                <a:cs typeface="Arial" panose="020B0604020202020204" pitchFamily="34" charset="0"/>
+              </a:rPr>
+              <a:t>float</a:t>
+            </a:r>
+            <a:r>
+              <a:rPr lang="en-US" sz="1800" b="0" strike="noStrike" spc="-1" dirty="0">
+                <a:latin typeface="Consolas" panose="020B0609020204030204" pitchFamily="49" charset="0"/>
+                <a:ea typeface="SimSun"/>
+              </a:rPr>
+              <a:t>&gt; &gt;,  isActive </a:t>
+            </a:r>
+            <a:r>
+              <a:rPr lang="en-US" dirty="0">
+                <a:solidFill>
+                  <a:srgbClr val="834689"/>
+                </a:solidFill>
+                <a:latin typeface="Consolas" panose="020B0609020204030204" pitchFamily="49" charset="0"/>
+                <a:cs typeface="Arial" panose="020B0604020202020204" pitchFamily="34" charset="0"/>
+              </a:rPr>
+              <a:t>boolean, </a:t>
+            </a:r>
+            <a:r>
+              <a:rPr lang="en-US" dirty="0">
+                <a:solidFill>
+                  <a:srgbClr val="C00000"/>
+                </a:solidFill>
+                <a:latin typeface="Consolas" panose="020B0609020204030204" pitchFamily="49" charset="0"/>
+                <a:cs typeface="Arial" panose="020B0604020202020204" pitchFamily="34" charset="0"/>
+              </a:rPr>
+              <a:t>primary</a:t>
+            </a:r>
+            <a:r>
+              <a:rPr lang="en-US" sz="1800" b="0" strike="noStrike" spc="-1" dirty="0">
+                <a:latin typeface="Consolas" panose="020B0609020204030204" pitchFamily="49" charset="0"/>
+                <a:ea typeface="SimSun"/>
+              </a:rPr>
+              <a:t> </a:t>
+            </a:r>
+            <a:r>
+              <a:rPr lang="en-US" dirty="0">
+                <a:solidFill>
+                  <a:srgbClr val="C00000"/>
+                </a:solidFill>
+                <a:latin typeface="Consolas" panose="020B0609020204030204" pitchFamily="49" charset="0"/>
+                <a:cs typeface="Arial" panose="020B0604020202020204" pitchFamily="34" charset="0"/>
+              </a:rPr>
+              <a:t>key</a:t>
+            </a:r>
+            <a:r>
+              <a:rPr lang="en-US" dirty="0">
+                <a:solidFill>
+                  <a:schemeClr val="bg1">
+                    <a:lumMod val="50000"/>
+                  </a:schemeClr>
+                </a:solidFill>
+                <a:latin typeface="Consolas" panose="020B0609020204030204" pitchFamily="49" charset="0"/>
+                <a:cs typeface="Arial" panose="020B0604020202020204" pitchFamily="34" charset="0"/>
+              </a:rPr>
+              <a:t>(</a:t>
+            </a:r>
+            <a:r>
+              <a:rPr lang="en-US" sz="1800" b="0" strike="noStrike" spc="-1" dirty="0">
+                <a:latin typeface="Consolas" panose="020B0609020204030204" pitchFamily="49" charset="0"/>
+                <a:ea typeface="SimSun"/>
+              </a:rPr>
+              <a:t>id</a:t>
+            </a:r>
+            <a:r>
+              <a:rPr lang="en-US" dirty="0">
+                <a:solidFill>
+                  <a:schemeClr val="bg1">
+                    <a:lumMod val="50000"/>
+                  </a:schemeClr>
+                </a:solidFill>
+                <a:latin typeface="Consolas" panose="020B0609020204030204" pitchFamily="49" charset="0"/>
+                <a:cs typeface="Arial" panose="020B0604020202020204" pitchFamily="34" charset="0"/>
+              </a:rPr>
+              <a:t>)</a:t>
+            </a:r>
+            <a:r>
+              <a:rPr lang="en-US" dirty="0">
+                <a:solidFill>
+                  <a:srgbClr val="834689"/>
+                </a:solidFill>
+                <a:latin typeface="Consolas" panose="020B0609020204030204" pitchFamily="49" charset="0"/>
+                <a:cs typeface="Arial" panose="020B0604020202020204" pitchFamily="34" charset="0"/>
+              </a:rPr>
+              <a:t> </a:t>
+            </a:r>
+            <a:r>
+              <a:rPr lang="en-US" sz="1800" b="0" strike="noStrike" spc="-1" dirty="0">
+                <a:solidFill>
+                  <a:schemeClr val="bg1">
+                    <a:lumMod val="50000"/>
+                  </a:schemeClr>
+                </a:solidFill>
+                <a:latin typeface="Consolas" panose="020B0609020204030204" pitchFamily="49" charset="0"/>
+                <a:ea typeface="SimSun"/>
+              </a:rPr>
+              <a:t>)</a:t>
+            </a:r>
+            <a:r>
+              <a:rPr lang="en-US" sz="1800" b="0" strike="noStrike" spc="-1" dirty="0">
+                <a:latin typeface="Consolas" panose="020B0609020204030204" pitchFamily="49" charset="0"/>
+                <a:ea typeface="SimSun"/>
+              </a:rPr>
+              <a:t>;</a:t>
+            </a:r>
+            <a:endParaRPr lang="en-IN" spc="-1" dirty="0">
+              <a:latin typeface="Consolas" panose="020B0609020204030204" pitchFamily="49" charset="0"/>
+              <a:ea typeface="SimSun"/>
+            </a:endParaRPr>
+          </a:p>
+        </p:txBody>
+      </p:sp>
+      <p:sp>
+        <p:nvSpPr>
+          <p:cNvPr id="13" name="CustomShape 2">
+            <a:extLst>
+              <a:ext uri="{FF2B5EF4-FFF2-40B4-BE49-F238E27FC236}">
+                <a16:creationId xmlns:a16="http://schemas.microsoft.com/office/drawing/2014/main" id="{79653DE4-47F1-4108-9B22-FE9F9FE828A8}"/>
+              </a:ext>
+            </a:extLst>
+          </p:cNvPr>
+          <p:cNvSpPr/>
+          <p:nvPr/>
+        </p:nvSpPr>
+        <p:spPr>
+          <a:xfrm>
+            <a:off x="246600" y="4800347"/>
+            <a:ext cx="11687400" cy="644877"/>
+          </a:xfrm>
+          <a:prstGeom prst="rect">
+            <a:avLst/>
+          </a:prstGeom>
+          <a:noFill/>
+          <a:ln>
+            <a:noFill/>
+          </a:ln>
+        </p:spPr>
+        <p:style>
+          <a:lnRef idx="0">
+            <a:scrgbClr r="0" g="0" b="0"/>
+          </a:lnRef>
+          <a:fillRef idx="0">
+            <a:scrgbClr r="0" g="0" b="0"/>
+          </a:fillRef>
+          <a:effectRef idx="0">
+            <a:scrgbClr r="0" g="0" b="0"/>
+          </a:effectRef>
+          <a:fontRef idx="minor"/>
+        </p:style>
+        <p:txBody>
+          <a:bodyPr wrap="square" lIns="90000" tIns="45000" rIns="90000" bIns="45000">
+            <a:spAutoFit/>
+          </a:bodyPr>
+          <a:lstStyle/>
+          <a:p>
+            <a:pPr marL="309510" indent="-285750">
+              <a:buClr>
+                <a:srgbClr val="808080"/>
+              </a:buClr>
+              <a:buFont typeface="Arial" panose="020B0604020202020204" pitchFamily="34" charset="0"/>
+              <a:buChar char="•"/>
+            </a:pPr>
+            <a:r>
+              <a:rPr lang="en-IN" sz="1800" b="0" strike="noStrike" spc="-1" dirty="0">
+                <a:solidFill>
+                  <a:schemeClr val="bg1">
+                    <a:lumMod val="50000"/>
+                  </a:schemeClr>
+                </a:solidFill>
+                <a:latin typeface="Consolas" panose="020B0609020204030204" pitchFamily="49" charset="0"/>
+                <a:ea typeface="SimSun"/>
+              </a:rPr>
+              <a:t>cqlsh:db1&gt; </a:t>
+            </a:r>
+            <a:r>
+              <a:rPr lang="en-US" sz="1800" b="0" strike="noStrike" spc="-1" dirty="0">
+                <a:latin typeface="Consolas" panose="020B0609020204030204" pitchFamily="49" charset="0"/>
+                <a:ea typeface="SimSun"/>
+              </a:rPr>
+              <a:t>CREATE COLUMNFAMILY books</a:t>
+            </a:r>
+            <a:r>
+              <a:rPr lang="en-US" sz="1800" b="0" strike="noStrike" spc="-1" dirty="0">
+                <a:solidFill>
+                  <a:schemeClr val="bg1">
+                    <a:lumMod val="50000"/>
+                  </a:schemeClr>
+                </a:solidFill>
+                <a:latin typeface="Consolas" panose="020B0609020204030204" pitchFamily="49" charset="0"/>
+                <a:ea typeface="SimSun"/>
+              </a:rPr>
+              <a:t>(</a:t>
+            </a:r>
+            <a:r>
+              <a:rPr lang="en-US" sz="1800" b="0" strike="noStrike" spc="-1" dirty="0">
+                <a:latin typeface="Consolas" panose="020B0609020204030204" pitchFamily="49" charset="0"/>
+                <a:ea typeface="SimSun"/>
+              </a:rPr>
+              <a:t> id </a:t>
+            </a:r>
+            <a:r>
+              <a:rPr lang="en-US" dirty="0">
+                <a:solidFill>
+                  <a:srgbClr val="834689"/>
+                </a:solidFill>
+                <a:latin typeface="Consolas" panose="020B0609020204030204" pitchFamily="49" charset="0"/>
+                <a:cs typeface="Arial" panose="020B0604020202020204" pitchFamily="34" charset="0"/>
+              </a:rPr>
+              <a:t>int</a:t>
+            </a:r>
+            <a:r>
+              <a:rPr lang="en-US" sz="1800" b="0" strike="noStrike" spc="-1" dirty="0">
+                <a:latin typeface="Consolas" panose="020B0609020204030204" pitchFamily="49" charset="0"/>
+                <a:ea typeface="SimSun"/>
+              </a:rPr>
+              <a:t>, title </a:t>
+            </a:r>
+            <a:r>
+              <a:rPr lang="en-US" dirty="0">
+                <a:solidFill>
+                  <a:srgbClr val="834689"/>
+                </a:solidFill>
+                <a:latin typeface="Consolas" panose="020B0609020204030204" pitchFamily="49" charset="0"/>
+                <a:cs typeface="Arial" panose="020B0604020202020204" pitchFamily="34" charset="0"/>
+              </a:rPr>
+              <a:t>varchar</a:t>
+            </a:r>
+            <a:r>
+              <a:rPr lang="en-US" sz="1800" b="0" strike="noStrike" spc="-1" dirty="0">
+                <a:latin typeface="Consolas" panose="020B0609020204030204" pitchFamily="49" charset="0"/>
+                <a:ea typeface="SimSun"/>
+              </a:rPr>
+              <a:t>, author </a:t>
+            </a:r>
+            <a:r>
+              <a:rPr lang="en-US" dirty="0">
+                <a:solidFill>
+                  <a:schemeClr val="accent4">
+                    <a:lumMod val="50000"/>
+                  </a:schemeClr>
+                </a:solidFill>
+                <a:latin typeface="Consolas" panose="020B0609020204030204" pitchFamily="49" charset="0"/>
+                <a:cs typeface="Arial" panose="020B0604020202020204" pitchFamily="34" charset="0"/>
+              </a:rPr>
+              <a:t>frozen</a:t>
+            </a:r>
+            <a:r>
+              <a:rPr lang="en-US" sz="1800" b="0" strike="noStrike" spc="-1" dirty="0">
+                <a:latin typeface="Consolas" panose="020B0609020204030204" pitchFamily="49" charset="0"/>
+                <a:ea typeface="SimSun"/>
+              </a:rPr>
+              <a:t>&lt; </a:t>
+            </a:r>
+            <a:r>
+              <a:rPr lang="en-US" dirty="0">
+                <a:solidFill>
+                  <a:srgbClr val="834689"/>
+                </a:solidFill>
+                <a:latin typeface="Consolas" panose="020B0609020204030204" pitchFamily="49" charset="0"/>
+                <a:cs typeface="Arial" panose="020B0604020202020204" pitchFamily="34" charset="0"/>
+              </a:rPr>
+              <a:t>set </a:t>
+            </a:r>
+            <a:r>
+              <a:rPr lang="en-US" sz="1800" b="0" strike="noStrike" spc="-1" dirty="0">
+                <a:latin typeface="Consolas" panose="020B0609020204030204" pitchFamily="49" charset="0"/>
+                <a:ea typeface="SimSun"/>
+              </a:rPr>
+              <a:t>&lt;</a:t>
+            </a:r>
+            <a:r>
+              <a:rPr lang="en-US" dirty="0">
+                <a:solidFill>
+                  <a:srgbClr val="834689"/>
+                </a:solidFill>
+                <a:latin typeface="Consolas" panose="020B0609020204030204" pitchFamily="49" charset="0"/>
+                <a:cs typeface="Arial" panose="020B0604020202020204" pitchFamily="34" charset="0"/>
+              </a:rPr>
+              <a:t>text</a:t>
+            </a:r>
+            <a:r>
+              <a:rPr lang="en-US" sz="1800" b="0" strike="noStrike" spc="-1" dirty="0">
+                <a:latin typeface="Consolas" panose="020B0609020204030204" pitchFamily="49" charset="0"/>
+                <a:ea typeface="SimSun"/>
+              </a:rPr>
+              <a:t>&gt; &gt;</a:t>
+            </a:r>
+            <a:r>
+              <a:rPr lang="en-US" dirty="0">
+                <a:solidFill>
+                  <a:srgbClr val="834689"/>
+                </a:solidFill>
+                <a:latin typeface="Consolas" panose="020B0609020204030204" pitchFamily="49" charset="0"/>
+                <a:cs typeface="Arial" panose="020B0604020202020204" pitchFamily="34" charset="0"/>
+              </a:rPr>
+              <a:t>, </a:t>
+            </a:r>
+            <a:r>
+              <a:rPr lang="en-US" dirty="0">
+                <a:solidFill>
+                  <a:srgbClr val="C00000"/>
+                </a:solidFill>
+                <a:latin typeface="Consolas" panose="020B0609020204030204" pitchFamily="49" charset="0"/>
+                <a:cs typeface="Arial" panose="020B0604020202020204" pitchFamily="34" charset="0"/>
+              </a:rPr>
+              <a:t>primary</a:t>
+            </a:r>
+            <a:r>
+              <a:rPr lang="en-US" sz="1800" b="0" strike="noStrike" spc="-1" dirty="0">
+                <a:latin typeface="Consolas" panose="020B0609020204030204" pitchFamily="49" charset="0"/>
+                <a:ea typeface="SimSun"/>
+              </a:rPr>
+              <a:t> </a:t>
+            </a:r>
+            <a:r>
+              <a:rPr lang="en-US" dirty="0">
+                <a:solidFill>
+                  <a:srgbClr val="C00000"/>
+                </a:solidFill>
+                <a:latin typeface="Consolas" panose="020B0609020204030204" pitchFamily="49" charset="0"/>
+                <a:cs typeface="Arial" panose="020B0604020202020204" pitchFamily="34" charset="0"/>
+              </a:rPr>
+              <a:t>key</a:t>
+            </a:r>
+            <a:r>
+              <a:rPr lang="en-US" dirty="0">
+                <a:solidFill>
+                  <a:schemeClr val="bg1">
+                    <a:lumMod val="50000"/>
+                  </a:schemeClr>
+                </a:solidFill>
+                <a:latin typeface="Consolas" panose="020B0609020204030204" pitchFamily="49" charset="0"/>
+                <a:cs typeface="Arial" panose="020B0604020202020204" pitchFamily="34" charset="0"/>
+              </a:rPr>
+              <a:t>(</a:t>
+            </a:r>
+            <a:r>
+              <a:rPr lang="en-US" sz="1800" b="0" strike="noStrike" spc="-1" dirty="0">
+                <a:latin typeface="Consolas" panose="020B0609020204030204" pitchFamily="49" charset="0"/>
+                <a:ea typeface="SimSun"/>
+              </a:rPr>
+              <a:t>id</a:t>
+            </a:r>
+            <a:r>
+              <a:rPr lang="en-US" dirty="0">
+                <a:solidFill>
+                  <a:schemeClr val="bg1">
+                    <a:lumMod val="50000"/>
+                  </a:schemeClr>
+                </a:solidFill>
+                <a:latin typeface="Consolas" panose="020B0609020204030204" pitchFamily="49" charset="0"/>
+                <a:cs typeface="Arial" panose="020B0604020202020204" pitchFamily="34" charset="0"/>
+              </a:rPr>
+              <a:t>)</a:t>
+            </a:r>
+            <a:r>
+              <a:rPr lang="en-US" dirty="0">
+                <a:solidFill>
+                  <a:srgbClr val="834689"/>
+                </a:solidFill>
+                <a:latin typeface="Consolas" panose="020B0609020204030204" pitchFamily="49" charset="0"/>
+                <a:cs typeface="Arial" panose="020B0604020202020204" pitchFamily="34" charset="0"/>
+              </a:rPr>
+              <a:t> </a:t>
+            </a:r>
+            <a:r>
+              <a:rPr lang="en-US" sz="1800" b="0" strike="noStrike" spc="-1" dirty="0">
+                <a:solidFill>
+                  <a:schemeClr val="bg1">
+                    <a:lumMod val="50000"/>
+                  </a:schemeClr>
+                </a:solidFill>
+                <a:latin typeface="Consolas" panose="020B0609020204030204" pitchFamily="49" charset="0"/>
+                <a:ea typeface="SimSun"/>
+              </a:rPr>
+              <a:t>)</a:t>
+            </a:r>
+            <a:r>
+              <a:rPr lang="en-US" sz="1800" b="0" strike="noStrike" spc="-1" dirty="0">
+                <a:latin typeface="Consolas" panose="020B0609020204030204" pitchFamily="49" charset="0"/>
+                <a:ea typeface="SimSun"/>
+              </a:rPr>
+              <a:t>;</a:t>
+            </a:r>
+            <a:endParaRPr lang="en-IN" spc="-1" dirty="0">
+              <a:latin typeface="Consolas" panose="020B0609020204030204" pitchFamily="49" charset="0"/>
+              <a:ea typeface="SimSun"/>
+            </a:endParaRPr>
+          </a:p>
+        </p:txBody>
+      </p:sp>
+      <p:sp>
+        <p:nvSpPr>
+          <p:cNvPr id="14" name="CustomShape 2">
+            <a:extLst>
+              <a:ext uri="{FF2B5EF4-FFF2-40B4-BE49-F238E27FC236}">
+                <a16:creationId xmlns:a16="http://schemas.microsoft.com/office/drawing/2014/main" id="{396348A5-44D0-45C8-8C26-2F4DCB037F3E}"/>
+              </a:ext>
+            </a:extLst>
+          </p:cNvPr>
+          <p:cNvSpPr/>
+          <p:nvPr/>
+        </p:nvSpPr>
+        <p:spPr>
+          <a:xfrm>
+            <a:off x="246600" y="5736451"/>
+            <a:ext cx="11687400" cy="644877"/>
+          </a:xfrm>
+          <a:prstGeom prst="rect">
+            <a:avLst/>
+          </a:prstGeom>
+          <a:noFill/>
+          <a:ln>
+            <a:noFill/>
+          </a:ln>
+        </p:spPr>
+        <p:style>
+          <a:lnRef idx="0">
+            <a:scrgbClr r="0" g="0" b="0"/>
+          </a:lnRef>
+          <a:fillRef idx="0">
+            <a:scrgbClr r="0" g="0" b="0"/>
+          </a:fillRef>
+          <a:effectRef idx="0">
+            <a:scrgbClr r="0" g="0" b="0"/>
+          </a:effectRef>
+          <a:fontRef idx="minor"/>
+        </p:style>
+        <p:txBody>
+          <a:bodyPr wrap="square" lIns="90000" tIns="45000" rIns="90000" bIns="45000">
+            <a:spAutoFit/>
+          </a:bodyPr>
+          <a:lstStyle/>
+          <a:p>
+            <a:pPr marL="309510" indent="-285750">
+              <a:buClr>
+                <a:srgbClr val="808080"/>
+              </a:buClr>
+              <a:buFont typeface="Arial" panose="020B0604020202020204" pitchFamily="34" charset="0"/>
+              <a:buChar char="•"/>
+            </a:pPr>
+            <a:r>
+              <a:rPr lang="en-IN" sz="1800" b="0" strike="noStrike" spc="-1" dirty="0">
+                <a:solidFill>
+                  <a:schemeClr val="bg1">
+                    <a:lumMod val="50000"/>
+                  </a:schemeClr>
+                </a:solidFill>
+                <a:latin typeface="Consolas" panose="020B0609020204030204" pitchFamily="49" charset="0"/>
+                <a:ea typeface="SimSun"/>
+              </a:rPr>
+              <a:t>cqlsh:db1&gt; </a:t>
+            </a:r>
+            <a:r>
+              <a:rPr lang="en-US" sz="1800" b="0" strike="noStrike" spc="-1" dirty="0">
+                <a:latin typeface="Consolas" panose="020B0609020204030204" pitchFamily="49" charset="0"/>
+                <a:ea typeface="SimSun"/>
+              </a:rPr>
+              <a:t>CREATE COLUMNFAMILY books</a:t>
+            </a:r>
+            <a:r>
+              <a:rPr lang="en-US" sz="1800" b="0" strike="noStrike" spc="-1" dirty="0">
+                <a:solidFill>
+                  <a:schemeClr val="bg1">
+                    <a:lumMod val="50000"/>
+                  </a:schemeClr>
+                </a:solidFill>
+                <a:latin typeface="Consolas" panose="020B0609020204030204" pitchFamily="49" charset="0"/>
+                <a:ea typeface="SimSun"/>
+              </a:rPr>
+              <a:t>(</a:t>
+            </a:r>
+            <a:r>
+              <a:rPr lang="en-US" sz="1800" b="0" strike="noStrike" spc="-1" dirty="0">
+                <a:latin typeface="Consolas" panose="020B0609020204030204" pitchFamily="49" charset="0"/>
+                <a:ea typeface="SimSun"/>
+              </a:rPr>
+              <a:t> id </a:t>
+            </a:r>
+            <a:r>
+              <a:rPr lang="en-US" dirty="0">
+                <a:solidFill>
+                  <a:srgbClr val="834689"/>
+                </a:solidFill>
+                <a:latin typeface="Consolas" panose="020B0609020204030204" pitchFamily="49" charset="0"/>
+                <a:cs typeface="Arial" panose="020B0604020202020204" pitchFamily="34" charset="0"/>
+              </a:rPr>
+              <a:t>int</a:t>
+            </a:r>
+            <a:r>
+              <a:rPr lang="en-US" sz="1800" b="0" strike="noStrike" spc="-1" dirty="0">
+                <a:latin typeface="Consolas" panose="020B0609020204030204" pitchFamily="49" charset="0"/>
+                <a:ea typeface="SimSun"/>
+              </a:rPr>
+              <a:t>, title </a:t>
+            </a:r>
+            <a:r>
+              <a:rPr lang="en-US" dirty="0">
+                <a:solidFill>
+                  <a:srgbClr val="834689"/>
+                </a:solidFill>
+                <a:latin typeface="Consolas" panose="020B0609020204030204" pitchFamily="49" charset="0"/>
+                <a:cs typeface="Arial" panose="020B0604020202020204" pitchFamily="34" charset="0"/>
+              </a:rPr>
+              <a:t>varchar</a:t>
+            </a:r>
+            <a:r>
+              <a:rPr lang="en-US" sz="1800" b="0" strike="noStrike" spc="-1" dirty="0">
+                <a:latin typeface="Consolas" panose="020B0609020204030204" pitchFamily="49" charset="0"/>
+                <a:ea typeface="SimSun"/>
+              </a:rPr>
+              <a:t>, </a:t>
+            </a:r>
+            <a:r>
+              <a:rPr lang="en-US" spc="-1" dirty="0">
+                <a:latin typeface="Consolas" panose="020B0609020204030204" pitchFamily="49" charset="0"/>
+                <a:ea typeface="SimSun"/>
+              </a:rPr>
+              <a:t>publisher </a:t>
+            </a:r>
+            <a:r>
+              <a:rPr lang="en-US" dirty="0">
+                <a:solidFill>
+                  <a:schemeClr val="accent4">
+                    <a:lumMod val="50000"/>
+                  </a:schemeClr>
+                </a:solidFill>
+                <a:latin typeface="Consolas" panose="020B0609020204030204" pitchFamily="49" charset="0"/>
+                <a:cs typeface="Arial" panose="020B0604020202020204" pitchFamily="34" charset="0"/>
+              </a:rPr>
+              <a:t>frozen</a:t>
+            </a:r>
+            <a:r>
+              <a:rPr lang="en-US" sz="1800" b="0" strike="noStrike" spc="-1" dirty="0">
+                <a:latin typeface="Consolas" panose="020B0609020204030204" pitchFamily="49" charset="0"/>
+                <a:ea typeface="SimSun"/>
+              </a:rPr>
+              <a:t>&lt; </a:t>
+            </a:r>
+            <a:r>
+              <a:rPr lang="en-US" dirty="0">
+                <a:solidFill>
+                  <a:srgbClr val="834689"/>
+                </a:solidFill>
+                <a:latin typeface="Consolas" panose="020B0609020204030204" pitchFamily="49" charset="0"/>
+                <a:cs typeface="Arial" panose="020B0604020202020204" pitchFamily="34" charset="0"/>
+              </a:rPr>
+              <a:t>list </a:t>
+            </a:r>
+            <a:r>
+              <a:rPr lang="en-US" spc="-1" dirty="0">
+                <a:latin typeface="Consolas" panose="020B0609020204030204" pitchFamily="49" charset="0"/>
+                <a:ea typeface="SimSun"/>
+              </a:rPr>
+              <a:t>&lt;</a:t>
+            </a:r>
+            <a:r>
+              <a:rPr lang="en-US" dirty="0">
+                <a:solidFill>
+                  <a:srgbClr val="834689"/>
+                </a:solidFill>
+                <a:latin typeface="Consolas" panose="020B0609020204030204" pitchFamily="49" charset="0"/>
+                <a:cs typeface="Arial" panose="020B0604020202020204" pitchFamily="34" charset="0"/>
+              </a:rPr>
+              <a:t>text</a:t>
+            </a:r>
+            <a:r>
+              <a:rPr lang="en-US" spc="-1" dirty="0">
+                <a:latin typeface="Consolas" panose="020B0609020204030204" pitchFamily="49" charset="0"/>
+                <a:ea typeface="SimSun"/>
+              </a:rPr>
+              <a:t>&gt; &gt;,</a:t>
+            </a:r>
+            <a:r>
+              <a:rPr lang="en-US" dirty="0">
+                <a:solidFill>
+                  <a:srgbClr val="834689"/>
+                </a:solidFill>
+                <a:latin typeface="Consolas" panose="020B0609020204030204" pitchFamily="49" charset="0"/>
+                <a:cs typeface="Arial" panose="020B0604020202020204" pitchFamily="34" charset="0"/>
+              </a:rPr>
+              <a:t> </a:t>
+            </a:r>
+            <a:r>
+              <a:rPr lang="en-US" dirty="0">
+                <a:solidFill>
+                  <a:srgbClr val="C00000"/>
+                </a:solidFill>
+                <a:latin typeface="Consolas" panose="020B0609020204030204" pitchFamily="49" charset="0"/>
+                <a:cs typeface="Arial" panose="020B0604020202020204" pitchFamily="34" charset="0"/>
+              </a:rPr>
+              <a:t>primary</a:t>
+            </a:r>
+            <a:r>
+              <a:rPr lang="en-US" sz="1800" b="0" strike="noStrike" spc="-1" dirty="0">
+                <a:latin typeface="Consolas" panose="020B0609020204030204" pitchFamily="49" charset="0"/>
+                <a:ea typeface="SimSun"/>
+              </a:rPr>
+              <a:t> </a:t>
+            </a:r>
+            <a:r>
+              <a:rPr lang="en-US" dirty="0">
+                <a:solidFill>
+                  <a:srgbClr val="C00000"/>
+                </a:solidFill>
+                <a:latin typeface="Consolas" panose="020B0609020204030204" pitchFamily="49" charset="0"/>
+                <a:cs typeface="Arial" panose="020B0604020202020204" pitchFamily="34" charset="0"/>
+              </a:rPr>
+              <a:t>key</a:t>
+            </a:r>
+            <a:r>
+              <a:rPr lang="en-US" dirty="0">
+                <a:solidFill>
+                  <a:schemeClr val="bg1">
+                    <a:lumMod val="50000"/>
+                  </a:schemeClr>
+                </a:solidFill>
+                <a:latin typeface="Consolas" panose="020B0609020204030204" pitchFamily="49" charset="0"/>
+                <a:cs typeface="Arial" panose="020B0604020202020204" pitchFamily="34" charset="0"/>
+              </a:rPr>
+              <a:t>(</a:t>
+            </a:r>
+            <a:r>
+              <a:rPr lang="en-US" sz="1800" b="0" strike="noStrike" spc="-1" dirty="0">
+                <a:latin typeface="Consolas" panose="020B0609020204030204" pitchFamily="49" charset="0"/>
+                <a:ea typeface="SimSun"/>
+              </a:rPr>
+              <a:t>id</a:t>
+            </a:r>
+            <a:r>
+              <a:rPr lang="en-US" dirty="0">
+                <a:solidFill>
+                  <a:schemeClr val="bg1">
+                    <a:lumMod val="50000"/>
+                  </a:schemeClr>
+                </a:solidFill>
+                <a:latin typeface="Consolas" panose="020B0609020204030204" pitchFamily="49" charset="0"/>
+                <a:cs typeface="Arial" panose="020B0604020202020204" pitchFamily="34" charset="0"/>
+              </a:rPr>
+              <a:t>)</a:t>
+            </a:r>
+            <a:r>
+              <a:rPr lang="en-US" dirty="0">
+                <a:solidFill>
+                  <a:srgbClr val="834689"/>
+                </a:solidFill>
+                <a:latin typeface="Consolas" panose="020B0609020204030204" pitchFamily="49" charset="0"/>
+                <a:cs typeface="Arial" panose="020B0604020202020204" pitchFamily="34" charset="0"/>
+              </a:rPr>
+              <a:t> </a:t>
+            </a:r>
+            <a:r>
+              <a:rPr lang="en-US" sz="1800" b="0" strike="noStrike" spc="-1" dirty="0">
+                <a:solidFill>
+                  <a:schemeClr val="bg1">
+                    <a:lumMod val="50000"/>
+                  </a:schemeClr>
+                </a:solidFill>
+                <a:latin typeface="Consolas" panose="020B0609020204030204" pitchFamily="49" charset="0"/>
+                <a:ea typeface="SimSun"/>
+              </a:rPr>
+              <a:t>)</a:t>
+            </a:r>
+            <a:r>
+              <a:rPr lang="en-US" sz="1800" b="0" strike="noStrike" spc="-1" dirty="0">
+                <a:latin typeface="Consolas" panose="020B0609020204030204" pitchFamily="49" charset="0"/>
+                <a:ea typeface="SimSun"/>
+              </a:rPr>
+              <a:t>;</a:t>
+            </a:r>
+            <a:endParaRPr lang="en-IN" spc="-1" dirty="0">
+              <a:latin typeface="Consolas" panose="020B0609020204030204" pitchFamily="49" charset="0"/>
+              <a:ea typeface="SimSun"/>
+            </a:endParaRPr>
+          </a:p>
+        </p:txBody>
+      </p:sp>
+      <p:sp>
+        <p:nvSpPr>
+          <p:cNvPr id="16" name="CustomShape 6">
+            <a:extLst>
+              <a:ext uri="{FF2B5EF4-FFF2-40B4-BE49-F238E27FC236}">
+                <a16:creationId xmlns:a16="http://schemas.microsoft.com/office/drawing/2014/main" id="{09347743-1D85-4D54-9202-1BA9908AA32D}"/>
+              </a:ext>
+            </a:extLst>
+          </p:cNvPr>
+          <p:cNvSpPr/>
+          <p:nvPr/>
+        </p:nvSpPr>
+        <p:spPr>
+          <a:xfrm>
+            <a:off x="246600" y="2030040"/>
+            <a:ext cx="11687400" cy="921876"/>
+          </a:xfrm>
+          <a:prstGeom prst="rect">
+            <a:avLst/>
+          </a:prstGeom>
+          <a:noFill/>
+          <a:ln>
+            <a:noFill/>
+          </a:ln>
+        </p:spPr>
+        <p:style>
+          <a:lnRef idx="0">
+            <a:scrgbClr r="0" g="0" b="0"/>
+          </a:lnRef>
+          <a:fillRef idx="0">
+            <a:scrgbClr r="0" g="0" b="0"/>
+          </a:fillRef>
+          <a:effectRef idx="0">
+            <a:scrgbClr r="0" g="0" b="0"/>
+          </a:effectRef>
+          <a:fontRef idx="minor"/>
+        </p:style>
+        <p:txBody>
+          <a:bodyPr lIns="90000" tIns="45000" rIns="90000" bIns="45000">
+            <a:spAutoFit/>
+          </a:bodyPr>
+          <a:lstStyle/>
+          <a:p>
+            <a:r>
+              <a:rPr lang="en-US" spc="-1" dirty="0">
+                <a:latin typeface="Source Code Pro" panose="020B0509030403020204" pitchFamily="49" charset="0"/>
+                <a:ea typeface="Source Code Pro" panose="020B0509030403020204" pitchFamily="49" charset="0"/>
+              </a:rPr>
+              <a:t>collection_type::= </a:t>
+            </a:r>
+            <a:r>
+              <a:rPr lang="en-US" spc="-1" dirty="0">
+                <a:solidFill>
+                  <a:srgbClr val="2B8208"/>
+                </a:solidFill>
+                <a:latin typeface="Source Code Pro" panose="020B0509030403020204" pitchFamily="49" charset="0"/>
+                <a:ea typeface="Source Code Pro" panose="020B0509030403020204" pitchFamily="49" charset="0"/>
+              </a:rPr>
+              <a:t>FROZEN</a:t>
+            </a:r>
+            <a:r>
+              <a:rPr lang="en-US" spc="-1" dirty="0">
+                <a:latin typeface="Source Code Pro" panose="020B0509030403020204" pitchFamily="49" charset="0"/>
+                <a:ea typeface="Source Code Pro" panose="020B0509030403020204" pitchFamily="49" charset="0"/>
+              </a:rPr>
+              <a:t>&lt; </a:t>
+            </a:r>
+            <a:r>
+              <a:rPr lang="en-US" spc="-1" dirty="0">
+                <a:solidFill>
+                  <a:srgbClr val="2B8208"/>
+                </a:solidFill>
+                <a:latin typeface="Source Code Pro" panose="020B0509030403020204" pitchFamily="49" charset="0"/>
+                <a:ea typeface="Source Code Pro" panose="020B0509030403020204" pitchFamily="49" charset="0"/>
+              </a:rPr>
+              <a:t>MAP</a:t>
+            </a:r>
+            <a:r>
+              <a:rPr lang="en-US" spc="-1" dirty="0">
+                <a:latin typeface="Source Code Pro" panose="020B0509030403020204" pitchFamily="49" charset="0"/>
+                <a:ea typeface="Source Code Pro" panose="020B0509030403020204" pitchFamily="49" charset="0"/>
+              </a:rPr>
+              <a:t> &lt; </a:t>
+            </a:r>
+            <a:r>
+              <a:rPr lang="en-US" spc="-1" dirty="0">
+                <a:solidFill>
+                  <a:srgbClr val="FD8603"/>
+                </a:solidFill>
+                <a:latin typeface="Source Code Pro" panose="020B0509030403020204" pitchFamily="49" charset="0"/>
+                <a:ea typeface="Source Code Pro" panose="020B0509030403020204" pitchFamily="49" charset="0"/>
+              </a:rPr>
+              <a:t>cql_type</a:t>
+            </a:r>
+            <a:r>
+              <a:rPr lang="en-US" spc="-1" dirty="0">
+                <a:latin typeface="Source Code Pro" panose="020B0509030403020204" pitchFamily="49" charset="0"/>
+                <a:ea typeface="Source Code Pro" panose="020B0509030403020204" pitchFamily="49" charset="0"/>
+              </a:rPr>
+              <a:t>, </a:t>
+            </a:r>
+            <a:r>
+              <a:rPr lang="en-US" spc="-1" dirty="0">
+                <a:solidFill>
+                  <a:srgbClr val="FD8603"/>
+                </a:solidFill>
+                <a:latin typeface="Source Code Pro" panose="020B0509030403020204" pitchFamily="49" charset="0"/>
+                <a:ea typeface="Source Code Pro" panose="020B0509030403020204" pitchFamily="49" charset="0"/>
+              </a:rPr>
+              <a:t>cql_type </a:t>
+            </a:r>
+            <a:r>
+              <a:rPr lang="en-US" spc="-1" dirty="0">
+                <a:latin typeface="Source Code Pro" panose="020B0509030403020204" pitchFamily="49" charset="0"/>
+                <a:ea typeface="Source Code Pro" panose="020B0509030403020204" pitchFamily="49" charset="0"/>
+              </a:rPr>
+              <a:t>&gt; &gt;</a:t>
+            </a:r>
+          </a:p>
+          <a:p>
+            <a:r>
+              <a:rPr lang="en-US" spc="-1" dirty="0">
+                <a:latin typeface="Source Code Pro" panose="020B0509030403020204" pitchFamily="49" charset="0"/>
+                <a:ea typeface="Source Code Pro" panose="020B0509030403020204" pitchFamily="49" charset="0"/>
+              </a:rPr>
+              <a:t>	| </a:t>
+            </a:r>
+            <a:r>
+              <a:rPr lang="en-US" spc="-1" dirty="0">
+                <a:solidFill>
+                  <a:srgbClr val="2B8208"/>
+                </a:solidFill>
+                <a:latin typeface="Source Code Pro" panose="020B0509030403020204" pitchFamily="49" charset="0"/>
+                <a:ea typeface="Source Code Pro" panose="020B0509030403020204" pitchFamily="49" charset="0"/>
+              </a:rPr>
+              <a:t>FROZEN</a:t>
+            </a:r>
+            <a:r>
+              <a:rPr lang="en-US" spc="-1" dirty="0">
+                <a:latin typeface="Source Code Pro" panose="020B0509030403020204" pitchFamily="49" charset="0"/>
+                <a:ea typeface="Source Code Pro" panose="020B0509030403020204" pitchFamily="49" charset="0"/>
+              </a:rPr>
+              <a:t>&lt; </a:t>
+            </a:r>
+            <a:r>
+              <a:rPr lang="en-US" spc="-1" dirty="0">
+                <a:solidFill>
+                  <a:srgbClr val="2B8208"/>
+                </a:solidFill>
+                <a:latin typeface="Source Code Pro" panose="020B0509030403020204" pitchFamily="49" charset="0"/>
+                <a:ea typeface="Source Code Pro" panose="020B0509030403020204" pitchFamily="49" charset="0"/>
+              </a:rPr>
+              <a:t>SET</a:t>
+            </a:r>
+            <a:r>
+              <a:rPr lang="en-US" spc="-1" dirty="0">
+                <a:latin typeface="Source Code Pro" panose="020B0509030403020204" pitchFamily="49" charset="0"/>
+                <a:ea typeface="Source Code Pro" panose="020B0509030403020204" pitchFamily="49" charset="0"/>
+              </a:rPr>
+              <a:t> &lt; </a:t>
+            </a:r>
+            <a:r>
+              <a:rPr lang="en-US" spc="-1" dirty="0">
+                <a:solidFill>
+                  <a:srgbClr val="FD8603"/>
+                </a:solidFill>
+                <a:latin typeface="Source Code Pro" panose="020B0509030403020204" pitchFamily="49" charset="0"/>
+                <a:ea typeface="Source Code Pro" panose="020B0509030403020204" pitchFamily="49" charset="0"/>
+              </a:rPr>
+              <a:t>cql_type</a:t>
+            </a:r>
+            <a:r>
+              <a:rPr lang="en-US" spc="-1" dirty="0">
+                <a:latin typeface="Source Code Pro" panose="020B0509030403020204" pitchFamily="49" charset="0"/>
+                <a:ea typeface="Source Code Pro" panose="020B0509030403020204" pitchFamily="49" charset="0"/>
+              </a:rPr>
+              <a:t> &gt; &gt;</a:t>
+            </a:r>
+          </a:p>
+          <a:p>
+            <a:r>
+              <a:rPr lang="en-US" spc="-1" dirty="0">
+                <a:latin typeface="Source Code Pro" panose="020B0509030403020204" pitchFamily="49" charset="0"/>
+                <a:ea typeface="Source Code Pro" panose="020B0509030403020204" pitchFamily="49" charset="0"/>
+              </a:rPr>
+              <a:t>	| </a:t>
+            </a:r>
+            <a:r>
+              <a:rPr lang="en-US" spc="-1" dirty="0">
+                <a:solidFill>
+                  <a:srgbClr val="2B8208"/>
+                </a:solidFill>
+                <a:latin typeface="Source Code Pro" panose="020B0509030403020204" pitchFamily="49" charset="0"/>
+                <a:ea typeface="Source Code Pro" panose="020B0509030403020204" pitchFamily="49" charset="0"/>
+              </a:rPr>
+              <a:t>FROZEN</a:t>
+            </a:r>
+            <a:r>
+              <a:rPr lang="en-US" spc="-1" dirty="0">
+                <a:latin typeface="Source Code Pro" panose="020B0509030403020204" pitchFamily="49" charset="0"/>
+                <a:ea typeface="Source Code Pro" panose="020B0509030403020204" pitchFamily="49" charset="0"/>
+              </a:rPr>
+              <a:t>&lt; </a:t>
+            </a:r>
+            <a:r>
+              <a:rPr lang="en-US" spc="-1" dirty="0">
+                <a:solidFill>
+                  <a:srgbClr val="2B8208"/>
+                </a:solidFill>
+                <a:latin typeface="Source Code Pro" panose="020B0509030403020204" pitchFamily="49" charset="0"/>
+                <a:ea typeface="Source Code Pro" panose="020B0509030403020204" pitchFamily="49" charset="0"/>
+              </a:rPr>
+              <a:t>LIST</a:t>
+            </a:r>
+            <a:r>
+              <a:rPr lang="en-US" spc="-1" dirty="0">
+                <a:latin typeface="Source Code Pro" panose="020B0509030403020204" pitchFamily="49" charset="0"/>
+                <a:ea typeface="Source Code Pro" panose="020B0509030403020204" pitchFamily="49" charset="0"/>
+              </a:rPr>
+              <a:t> &lt; </a:t>
+            </a:r>
+            <a:r>
+              <a:rPr lang="en-US" spc="-1" dirty="0">
+                <a:solidFill>
+                  <a:srgbClr val="FD8603"/>
+                </a:solidFill>
+                <a:latin typeface="Source Code Pro" panose="020B0509030403020204" pitchFamily="49" charset="0"/>
+                <a:ea typeface="Source Code Pro" panose="020B0509030403020204" pitchFamily="49" charset="0"/>
+              </a:rPr>
+              <a:t>cql_type </a:t>
+            </a:r>
+            <a:r>
+              <a:rPr lang="en-US" spc="-1" dirty="0">
+                <a:latin typeface="Source Code Pro" panose="020B0509030403020204" pitchFamily="49" charset="0"/>
+                <a:ea typeface="Source Code Pro" panose="020B0509030403020204" pitchFamily="49" charset="0"/>
+              </a:rPr>
+              <a:t>&gt; &gt;</a:t>
+            </a:r>
+            <a:endParaRPr lang="en-IN" spc="-1" dirty="0">
+              <a:latin typeface="Source Code Pro" panose="020B0509030403020204" pitchFamily="49" charset="0"/>
+              <a:ea typeface="Source Code Pro" panose="020B0509030403020204" pitchFamily="49" charset="0"/>
+            </a:endParaRPr>
+          </a:p>
+        </p:txBody>
+      </p:sp>
+    </p:spTree>
+    <p:extLst>
+      <p:ext uri="{BB962C8B-B14F-4D97-AF65-F5344CB8AC3E}">
+        <p14:creationId xmlns:p14="http://schemas.microsoft.com/office/powerpoint/2010/main" val="3863240714"/>
+      </p:ext>
+    </p:extLst>
+  </p:cSld>
+  <p:clrMapOvr>
+    <a:masterClrMapping/>
+  </p:clrMapOvr>
+</p:sld>
+</file>
+
+<file path=ppt/slides/slide42.xml><?xml version="1.0" encoding="utf-8"?>
+<p:sld xmlns:a="http://schemas.openxmlformats.org/drawingml/2006/main" xmlns:r="http://schemas.openxmlformats.org/officeDocument/2006/relationships" xmlns:p="http://schemas.openxmlformats.org/presentationml/2006/main">
+  <p:cSld>
+    <p:spTree>
+      <p:nvGrpSpPr>
+        <p:cNvPr id="1" name=""/>
+        <p:cNvGrpSpPr/>
+        <p:nvPr/>
+      </p:nvGrpSpPr>
+      <p:grpSpPr>
+        <a:xfrm>
+          <a:off x="0" y="0"/>
+          <a:ext cx="0" cy="0"/>
+          <a:chOff x="0" y="0"/>
+          <a:chExt cx="0" cy="0"/>
+        </a:xfrm>
+      </p:grpSpPr>
+      <p:sp>
+        <p:nvSpPr>
           <p:cNvPr id="2" name="Title 1"/>
           <p:cNvSpPr txBox="1">
             <a:spLocks/>
@@ -22572,7 +24050,7 @@
 </p:sld>
 </file>
 
-<file path=ppt/slides/slide41.xml><?xml version="1.0" encoding="utf-8"?>
+<file path=ppt/slides/slide43.xml><?xml version="1.0" encoding="utf-8"?>
 <p:sld xmlns:a="http://schemas.openxmlformats.org/drawingml/2006/main" xmlns:r="http://schemas.openxmlformats.org/officeDocument/2006/relationships" xmlns:p="http://schemas.openxmlformats.org/presentationml/2006/main">
   <p:cSld>
     <p:spTree>
@@ -23061,7 +24539,7 @@
 </p:sld>
 </file>
 
-<file path=ppt/slides/slide42.xml><?xml version="1.0" encoding="utf-8"?>
+<file path=ppt/slides/slide44.xml><?xml version="1.0" encoding="utf-8"?>
 <p:sld xmlns:a="http://schemas.openxmlformats.org/drawingml/2006/main" xmlns:r="http://schemas.openxmlformats.org/officeDocument/2006/relationships" xmlns:p="http://schemas.openxmlformats.org/presentationml/2006/main">
   <p:cSld>
     <p:spTree>
@@ -23201,1301 +24679,6 @@
     <p:extLst>
       <p:ext uri="{BB962C8B-B14F-4D97-AF65-F5344CB8AC3E}">
         <p14:creationId xmlns:p14="http://schemas.microsoft.com/office/powerpoint/2010/main" val="3720830618"/>
-      </p:ext>
-    </p:extLst>
-  </p:cSld>
-  <p:clrMapOvr>
-    <a:masterClrMapping/>
-  </p:clrMapOvr>
-</p:sld>
-</file>
-
-<file path=ppt/slides/slide43.xml><?xml version="1.0" encoding="utf-8"?>
-<p:sld xmlns:a="http://schemas.openxmlformats.org/drawingml/2006/main" xmlns:r="http://schemas.openxmlformats.org/officeDocument/2006/relationships" xmlns:p="http://schemas.openxmlformats.org/presentationml/2006/main">
-  <p:cSld>
-    <p:spTree>
-      <p:nvGrpSpPr>
-        <p:cNvPr id="1" name=""/>
-        <p:cNvGrpSpPr/>
-        <p:nvPr/>
-      </p:nvGrpSpPr>
-      <p:grpSpPr>
-        <a:xfrm>
-          <a:off x="0" y="0"/>
-          <a:ext cx="0" cy="0"/>
-          <a:chOff x="0" y="0"/>
-          <a:chExt cx="0" cy="0"/>
-        </a:xfrm>
-      </p:grpSpPr>
-      <p:sp>
-        <p:nvSpPr>
-          <p:cNvPr id="114" name="CustomShape 4"/>
-          <p:cNvSpPr/>
-          <p:nvPr/>
-        </p:nvSpPr>
-        <p:spPr>
-          <a:xfrm>
-            <a:off x="246600" y="0"/>
-            <a:ext cx="11687400" cy="706432"/>
-          </a:xfrm>
-          <a:prstGeom prst="rect">
-            <a:avLst/>
-          </a:prstGeom>
-          <a:solidFill>
-            <a:srgbClr val="C00000"/>
-          </a:solidFill>
-          <a:ln>
-            <a:noFill/>
-          </a:ln>
-        </p:spPr>
-        <p:style>
-          <a:lnRef idx="0">
-            <a:scrgbClr r="0" g="0" b="0"/>
-          </a:lnRef>
-          <a:fillRef idx="0">
-            <a:scrgbClr r="0" g="0" b="0"/>
-          </a:fillRef>
-          <a:effectRef idx="0">
-            <a:scrgbClr r="0" g="0" b="0"/>
-          </a:effectRef>
-          <a:fontRef idx="minor"/>
-        </p:style>
-        <p:txBody>
-          <a:bodyPr lIns="90000" tIns="45000" rIns="90000" bIns="45000">
-            <a:spAutoFit/>
-          </a:bodyPr>
-          <a:lstStyle/>
-          <a:p>
-            <a:pPr algn="ctr">
-              <a:lnSpc>
-                <a:spcPct val="100000"/>
-              </a:lnSpc>
-            </a:pPr>
-            <a:r>
-              <a:rPr lang="en-IN" sz="4000" spc="-1" dirty="0">
-                <a:solidFill>
-                  <a:srgbClr val="F7C120"/>
-                </a:solidFill>
-                <a:latin typeface="Open Sans"/>
-                <a:ea typeface="DejaVu Sans"/>
-              </a:rPr>
-              <a:t>select</a:t>
-            </a:r>
-            <a:endParaRPr lang="en-IN" sz="4000" b="0" strike="noStrike" spc="-1" dirty="0">
-              <a:latin typeface="Arial"/>
-            </a:endParaRPr>
-          </a:p>
-        </p:txBody>
-      </p:sp>
-      <p:sp>
-        <p:nvSpPr>
-          <p:cNvPr id="10" name="CustomShape 6">
-            <a:extLst>
-              <a:ext uri="{FF2B5EF4-FFF2-40B4-BE49-F238E27FC236}">
-                <a16:creationId xmlns:a16="http://schemas.microsoft.com/office/drawing/2014/main" id="{3F3ADA2F-5904-426C-A7AA-EF7218A0D350}"/>
-              </a:ext>
-            </a:extLst>
-          </p:cNvPr>
-          <p:cNvSpPr/>
-          <p:nvPr/>
-        </p:nvSpPr>
-        <p:spPr>
-          <a:xfrm>
-            <a:off x="246600" y="833512"/>
-            <a:ext cx="11687400" cy="5907856"/>
-          </a:xfrm>
-          <a:prstGeom prst="rect">
-            <a:avLst/>
-          </a:prstGeom>
-          <a:noFill/>
-          <a:ln>
-            <a:noFill/>
-          </a:ln>
-        </p:spPr>
-        <p:style>
-          <a:lnRef idx="0">
-            <a:scrgbClr r="0" g="0" b="0"/>
-          </a:lnRef>
-          <a:fillRef idx="0">
-            <a:scrgbClr r="0" g="0" b="0"/>
-          </a:fillRef>
-          <a:effectRef idx="0">
-            <a:scrgbClr r="0" g="0" b="0"/>
-          </a:effectRef>
-          <a:fontRef idx="minor"/>
-        </p:style>
-        <p:txBody>
-          <a:bodyPr lIns="90000" tIns="45000" rIns="90000" bIns="45000">
-            <a:spAutoFit/>
-          </a:bodyPr>
-          <a:lstStyle/>
-          <a:p>
-            <a:r>
-              <a:rPr lang="en-US" spc="-1" dirty="0">
-                <a:latin typeface="Source Code Pro" panose="020B0509030403020204" pitchFamily="49" charset="0"/>
-                <a:ea typeface="Source Code Pro" panose="020B0509030403020204" pitchFamily="49" charset="0"/>
-              </a:rPr>
-              <a:t>select_statement::= </a:t>
-            </a:r>
-            <a:r>
-              <a:rPr lang="en-US" spc="-1" dirty="0">
-                <a:solidFill>
-                  <a:srgbClr val="2B8208"/>
-                </a:solidFill>
-                <a:latin typeface="Source Code Pro" panose="020B0509030403020204" pitchFamily="49" charset="0"/>
-                <a:ea typeface="Source Code Pro" panose="020B0509030403020204" pitchFamily="49" charset="0"/>
-              </a:rPr>
-              <a:t>SELECT</a:t>
-            </a:r>
-            <a:r>
-              <a:rPr lang="en-US" spc="-1" dirty="0">
-                <a:latin typeface="Source Code Pro" panose="020B0509030403020204" pitchFamily="49" charset="0"/>
-                <a:ea typeface="Source Code Pro" panose="020B0509030403020204" pitchFamily="49" charset="0"/>
-              </a:rPr>
-              <a:t> [ </a:t>
-            </a:r>
-            <a:r>
-              <a:rPr lang="en-US" i="1" spc="-1" dirty="0">
-                <a:solidFill>
-                  <a:schemeClr val="accent5">
-                    <a:lumMod val="75000"/>
-                  </a:schemeClr>
-                </a:solidFill>
-                <a:latin typeface="Source Code Pro" panose="020B0509030403020204" pitchFamily="49" charset="0"/>
-                <a:ea typeface="Source Code Pro" panose="020B0509030403020204" pitchFamily="49" charset="0"/>
-              </a:rPr>
-              <a:t>JSON </a:t>
-            </a:r>
-            <a:r>
-              <a:rPr lang="en-US" spc="-1" dirty="0">
-                <a:solidFill>
-                  <a:schemeClr val="accent5">
-                    <a:lumMod val="75000"/>
-                  </a:schemeClr>
-                </a:solidFill>
-                <a:latin typeface="Source Code Pro" panose="020B0509030403020204" pitchFamily="49" charset="0"/>
-                <a:ea typeface="Source Code Pro" panose="020B0509030403020204" pitchFamily="49" charset="0"/>
-              </a:rPr>
-              <a:t>|</a:t>
-            </a:r>
-            <a:r>
-              <a:rPr lang="en-US" i="1" spc="-1" dirty="0">
-                <a:solidFill>
-                  <a:schemeClr val="accent5">
-                    <a:lumMod val="75000"/>
-                  </a:schemeClr>
-                </a:solidFill>
-                <a:latin typeface="Source Code Pro" panose="020B0509030403020204" pitchFamily="49" charset="0"/>
-                <a:ea typeface="Source Code Pro" panose="020B0509030403020204" pitchFamily="49" charset="0"/>
-              </a:rPr>
-              <a:t> DISTINCT</a:t>
-            </a:r>
-            <a:r>
-              <a:rPr lang="en-US" spc="-1" dirty="0">
-                <a:latin typeface="Source Code Pro" panose="020B0509030403020204" pitchFamily="49" charset="0"/>
-                <a:ea typeface="Source Code Pro" panose="020B0509030403020204" pitchFamily="49" charset="0"/>
-              </a:rPr>
-              <a:t> ] ( </a:t>
-            </a:r>
-            <a:r>
-              <a:rPr lang="en-US" spc="-1" dirty="0">
-                <a:solidFill>
-                  <a:srgbClr val="0070C0"/>
-                </a:solidFill>
-                <a:latin typeface="Source Code Pro" panose="020B0509030403020204" pitchFamily="49" charset="0"/>
-                <a:ea typeface="Source Code Pro" panose="020B0509030403020204" pitchFamily="49" charset="0"/>
-              </a:rPr>
-              <a:t>select_clause </a:t>
-            </a:r>
-            <a:r>
-              <a:rPr lang="en-US" spc="-1" dirty="0">
-                <a:latin typeface="Source Code Pro" panose="020B0509030403020204" pitchFamily="49" charset="0"/>
-                <a:ea typeface="Source Code Pro" panose="020B0509030403020204" pitchFamily="49" charset="0"/>
-              </a:rPr>
-              <a:t>| '*' )</a:t>
-            </a:r>
-          </a:p>
-          <a:p>
-            <a:r>
-              <a:rPr lang="en-US" spc="-1" dirty="0">
-                <a:latin typeface="Source Code Pro" panose="020B0509030403020204" pitchFamily="49" charset="0"/>
-                <a:ea typeface="Source Code Pro" panose="020B0509030403020204" pitchFamily="49" charset="0"/>
-              </a:rPr>
-              <a:t>	</a:t>
-            </a:r>
-            <a:r>
-              <a:rPr lang="en-US" spc="-1" dirty="0">
-                <a:solidFill>
-                  <a:srgbClr val="2B8208"/>
-                </a:solidFill>
-                <a:latin typeface="Source Code Pro" panose="020B0509030403020204" pitchFamily="49" charset="0"/>
-                <a:ea typeface="Source Code Pro" panose="020B0509030403020204" pitchFamily="49" charset="0"/>
-              </a:rPr>
-              <a:t>FROM</a:t>
-            </a:r>
-            <a:r>
-              <a:rPr lang="en-US" spc="-1" dirty="0">
-                <a:latin typeface="Source Code Pro" panose="020B0509030403020204" pitchFamily="49" charset="0"/>
-                <a:ea typeface="Source Code Pro" panose="020B0509030403020204" pitchFamily="49" charset="0"/>
-              </a:rPr>
-              <a:t> `table_name`</a:t>
-            </a:r>
-          </a:p>
-          <a:p>
-            <a:r>
-              <a:rPr lang="en-US" spc="-1" dirty="0">
-                <a:latin typeface="Source Code Pro" panose="020B0509030403020204" pitchFamily="49" charset="0"/>
-                <a:ea typeface="Source Code Pro" panose="020B0509030403020204" pitchFamily="49" charset="0"/>
-              </a:rPr>
-              <a:t>	[ </a:t>
-            </a:r>
-            <a:r>
-              <a:rPr lang="en-US" spc="-1" dirty="0">
-                <a:solidFill>
-                  <a:srgbClr val="2B8208"/>
-                </a:solidFill>
-                <a:latin typeface="Source Code Pro" panose="020B0509030403020204" pitchFamily="49" charset="0"/>
-                <a:ea typeface="Source Code Pro" panose="020B0509030403020204" pitchFamily="49" charset="0"/>
-              </a:rPr>
-              <a:t>WHERE</a:t>
-            </a:r>
-            <a:r>
-              <a:rPr lang="en-US" spc="-1" dirty="0">
-                <a:latin typeface="Source Code Pro" panose="020B0509030403020204" pitchFamily="49" charset="0"/>
-                <a:ea typeface="Source Code Pro" panose="020B0509030403020204" pitchFamily="49" charset="0"/>
-              </a:rPr>
-              <a:t> </a:t>
-            </a:r>
-            <a:r>
-              <a:rPr lang="en-US" spc="-1" dirty="0">
-                <a:solidFill>
-                  <a:srgbClr val="840FF9"/>
-                </a:solidFill>
-                <a:latin typeface="Source Code Pro" panose="020B0509030403020204" pitchFamily="49" charset="0"/>
-                <a:ea typeface="Source Code Pro" panose="020B0509030403020204" pitchFamily="49" charset="0"/>
-              </a:rPr>
-              <a:t>`where_clause`</a:t>
-            </a:r>
-            <a:r>
-              <a:rPr lang="en-US" spc="-1" dirty="0">
-                <a:solidFill>
-                  <a:srgbClr val="C00000"/>
-                </a:solidFill>
-                <a:latin typeface="Source Code Pro" panose="020B0509030403020204" pitchFamily="49" charset="0"/>
-                <a:ea typeface="Source Code Pro" panose="020B0509030403020204" pitchFamily="49" charset="0"/>
-              </a:rPr>
-              <a:t> </a:t>
-            </a:r>
-            <a:r>
-              <a:rPr lang="en-US" spc="-1" dirty="0">
-                <a:latin typeface="Source Code Pro" panose="020B0509030403020204" pitchFamily="49" charset="0"/>
-                <a:ea typeface="Source Code Pro" panose="020B0509030403020204" pitchFamily="49" charset="0"/>
-              </a:rPr>
-              <a:t>]</a:t>
-            </a:r>
-          </a:p>
-          <a:p>
-            <a:r>
-              <a:rPr lang="en-US" spc="-1" dirty="0">
-                <a:latin typeface="Source Code Pro" panose="020B0509030403020204" pitchFamily="49" charset="0"/>
-                <a:ea typeface="Source Code Pro" panose="020B0509030403020204" pitchFamily="49" charset="0"/>
-              </a:rPr>
-              <a:t>	[ </a:t>
-            </a:r>
-            <a:r>
-              <a:rPr lang="en-US" spc="-1" dirty="0">
-                <a:solidFill>
-                  <a:srgbClr val="2B8208"/>
-                </a:solidFill>
-                <a:latin typeface="Source Code Pro" panose="020B0509030403020204" pitchFamily="49" charset="0"/>
-                <a:ea typeface="Source Code Pro" panose="020B0509030403020204" pitchFamily="49" charset="0"/>
-              </a:rPr>
-              <a:t>GROUP</a:t>
-            </a:r>
-            <a:r>
-              <a:rPr lang="en-US" spc="-1" dirty="0">
-                <a:latin typeface="Source Code Pro" panose="020B0509030403020204" pitchFamily="49" charset="0"/>
-                <a:ea typeface="Source Code Pro" panose="020B0509030403020204" pitchFamily="49" charset="0"/>
-              </a:rPr>
-              <a:t> </a:t>
-            </a:r>
-            <a:r>
-              <a:rPr lang="en-US" spc="-1" dirty="0">
-                <a:solidFill>
-                  <a:srgbClr val="2B8208"/>
-                </a:solidFill>
-                <a:latin typeface="Source Code Pro" panose="020B0509030403020204" pitchFamily="49" charset="0"/>
-                <a:ea typeface="Source Code Pro" panose="020B0509030403020204" pitchFamily="49" charset="0"/>
-              </a:rPr>
-              <a:t>BY</a:t>
-            </a:r>
-            <a:r>
-              <a:rPr lang="en-US" spc="-1" dirty="0">
-                <a:latin typeface="Source Code Pro" panose="020B0509030403020204" pitchFamily="49" charset="0"/>
-                <a:ea typeface="Source Code Pro" panose="020B0509030403020204" pitchFamily="49" charset="0"/>
-              </a:rPr>
-              <a:t> </a:t>
-            </a:r>
-            <a:r>
-              <a:rPr lang="en-US" spc="-1" dirty="0">
-                <a:solidFill>
-                  <a:srgbClr val="840FF9"/>
-                </a:solidFill>
-                <a:latin typeface="Source Code Pro" panose="020B0509030403020204" pitchFamily="49" charset="0"/>
-                <a:ea typeface="Source Code Pro" panose="020B0509030403020204" pitchFamily="49" charset="0"/>
-              </a:rPr>
-              <a:t>`group_by_clause`</a:t>
-            </a:r>
-            <a:r>
-              <a:rPr lang="en-US" spc="-1" dirty="0">
-                <a:latin typeface="Source Code Pro" panose="020B0509030403020204" pitchFamily="49" charset="0"/>
-                <a:ea typeface="Source Code Pro" panose="020B0509030403020204" pitchFamily="49" charset="0"/>
-              </a:rPr>
-              <a:t> ]</a:t>
-            </a:r>
-          </a:p>
-          <a:p>
-            <a:r>
-              <a:rPr lang="en-US" spc="-1" dirty="0">
-                <a:latin typeface="Source Code Pro" panose="020B0509030403020204" pitchFamily="49" charset="0"/>
-                <a:ea typeface="Source Code Pro" panose="020B0509030403020204" pitchFamily="49" charset="0"/>
-              </a:rPr>
-              <a:t>	[ </a:t>
-            </a:r>
-            <a:r>
-              <a:rPr lang="en-US" spc="-1" dirty="0">
-                <a:solidFill>
-                  <a:srgbClr val="2B8208"/>
-                </a:solidFill>
-                <a:latin typeface="Source Code Pro" panose="020B0509030403020204" pitchFamily="49" charset="0"/>
-                <a:ea typeface="Source Code Pro" panose="020B0509030403020204" pitchFamily="49" charset="0"/>
-              </a:rPr>
-              <a:t>ORDER</a:t>
-            </a:r>
-            <a:r>
-              <a:rPr lang="en-US" spc="-1" dirty="0">
-                <a:latin typeface="Source Code Pro" panose="020B0509030403020204" pitchFamily="49" charset="0"/>
-                <a:ea typeface="Source Code Pro" panose="020B0509030403020204" pitchFamily="49" charset="0"/>
-              </a:rPr>
-              <a:t> </a:t>
-            </a:r>
-            <a:r>
-              <a:rPr lang="en-US" spc="-1" dirty="0">
-                <a:solidFill>
-                  <a:srgbClr val="2B8208"/>
-                </a:solidFill>
-                <a:latin typeface="Source Code Pro" panose="020B0509030403020204" pitchFamily="49" charset="0"/>
-                <a:ea typeface="Source Code Pro" panose="020B0509030403020204" pitchFamily="49" charset="0"/>
-              </a:rPr>
-              <a:t>BY</a:t>
-            </a:r>
-            <a:r>
-              <a:rPr lang="en-US" spc="-1" dirty="0">
-                <a:latin typeface="Source Code Pro" panose="020B0509030403020204" pitchFamily="49" charset="0"/>
-                <a:ea typeface="Source Code Pro" panose="020B0509030403020204" pitchFamily="49" charset="0"/>
-              </a:rPr>
-              <a:t> </a:t>
-            </a:r>
-            <a:r>
-              <a:rPr lang="en-US" spc="-1" dirty="0">
-                <a:solidFill>
-                  <a:srgbClr val="840FF9"/>
-                </a:solidFill>
-                <a:latin typeface="Source Code Pro" panose="020B0509030403020204" pitchFamily="49" charset="0"/>
-                <a:ea typeface="Source Code Pro" panose="020B0509030403020204" pitchFamily="49" charset="0"/>
-              </a:rPr>
-              <a:t>`ordering_clause`</a:t>
-            </a:r>
-            <a:r>
-              <a:rPr lang="en-US" spc="-1" dirty="0">
-                <a:latin typeface="Source Code Pro" panose="020B0509030403020204" pitchFamily="49" charset="0"/>
-                <a:ea typeface="Source Code Pro" panose="020B0509030403020204" pitchFamily="49" charset="0"/>
-              </a:rPr>
-              <a:t> ]</a:t>
-            </a:r>
-          </a:p>
-          <a:p>
-            <a:r>
-              <a:rPr lang="en-US" spc="-1" dirty="0">
-                <a:latin typeface="Source Code Pro" panose="020B0509030403020204" pitchFamily="49" charset="0"/>
-                <a:ea typeface="Source Code Pro" panose="020B0509030403020204" pitchFamily="49" charset="0"/>
-              </a:rPr>
-              <a:t>	[ </a:t>
-            </a:r>
-            <a:r>
-              <a:rPr lang="en-US" spc="-1" dirty="0">
-                <a:solidFill>
-                  <a:srgbClr val="2B8208"/>
-                </a:solidFill>
-                <a:latin typeface="Source Code Pro" panose="020B0509030403020204" pitchFamily="49" charset="0"/>
-                <a:ea typeface="Source Code Pro" panose="020B0509030403020204" pitchFamily="49" charset="0"/>
-              </a:rPr>
-              <a:t>LIMIT</a:t>
-            </a:r>
-            <a:r>
-              <a:rPr lang="en-US" spc="-1" dirty="0">
-                <a:latin typeface="Source Code Pro" panose="020B0509030403020204" pitchFamily="49" charset="0"/>
-                <a:ea typeface="Source Code Pro" panose="020B0509030403020204" pitchFamily="49" charset="0"/>
-              </a:rPr>
-              <a:t> (`integer` | `bind_marker`) ]</a:t>
-            </a:r>
-          </a:p>
-          <a:p>
-            <a:r>
-              <a:rPr lang="en-US" spc="-1" dirty="0">
-                <a:latin typeface="Source Code Pro" panose="020B0509030403020204" pitchFamily="49" charset="0"/>
-                <a:ea typeface="Source Code Pro" panose="020B0509030403020204" pitchFamily="49" charset="0"/>
-              </a:rPr>
-              <a:t>	[ </a:t>
-            </a:r>
-            <a:r>
-              <a:rPr lang="en-US" spc="-1" dirty="0">
-                <a:solidFill>
-                  <a:srgbClr val="2B8208"/>
-                </a:solidFill>
-                <a:latin typeface="Source Code Pro" panose="020B0509030403020204" pitchFamily="49" charset="0"/>
-                <a:ea typeface="Source Code Pro" panose="020B0509030403020204" pitchFamily="49" charset="0"/>
-              </a:rPr>
-              <a:t>ALLOW</a:t>
-            </a:r>
-            <a:r>
-              <a:rPr lang="en-US" spc="-1" dirty="0">
-                <a:latin typeface="Source Code Pro" panose="020B0509030403020204" pitchFamily="49" charset="0"/>
-                <a:ea typeface="Source Code Pro" panose="020B0509030403020204" pitchFamily="49" charset="0"/>
-              </a:rPr>
-              <a:t> </a:t>
-            </a:r>
-            <a:r>
-              <a:rPr lang="en-US" spc="-1" dirty="0">
-                <a:solidFill>
-                  <a:srgbClr val="2B8208"/>
-                </a:solidFill>
-                <a:latin typeface="Source Code Pro" panose="020B0509030403020204" pitchFamily="49" charset="0"/>
-                <a:ea typeface="Source Code Pro" panose="020B0509030403020204" pitchFamily="49" charset="0"/>
-              </a:rPr>
-              <a:t>FILTERING</a:t>
-            </a:r>
-            <a:r>
-              <a:rPr lang="en-US" spc="-1" dirty="0">
-                <a:latin typeface="Source Code Pro" panose="020B0509030403020204" pitchFamily="49" charset="0"/>
-                <a:ea typeface="Source Code Pro" panose="020B0509030403020204" pitchFamily="49" charset="0"/>
-              </a:rPr>
-              <a:t> ]</a:t>
-            </a:r>
-          </a:p>
-          <a:p>
-            <a:r>
-              <a:rPr lang="en-US" spc="-1" dirty="0">
-                <a:solidFill>
-                  <a:srgbClr val="0070C0"/>
-                </a:solidFill>
-                <a:latin typeface="Source Code Pro" panose="020B0509030403020204" pitchFamily="49" charset="0"/>
-                <a:ea typeface="Source Code Pro" panose="020B0509030403020204" pitchFamily="49" charset="0"/>
-              </a:rPr>
-              <a:t>select_clause::= </a:t>
-            </a:r>
-            <a:r>
-              <a:rPr lang="en-US" spc="-1" dirty="0">
-                <a:solidFill>
-                  <a:srgbClr val="C00000"/>
-                </a:solidFill>
-                <a:latin typeface="Source Code Pro" panose="020B0509030403020204" pitchFamily="49" charset="0"/>
-                <a:ea typeface="Source Code Pro" panose="020B0509030403020204" pitchFamily="49" charset="0"/>
-              </a:rPr>
-              <a:t>`selector`</a:t>
-            </a:r>
-            <a:r>
-              <a:rPr lang="en-US" spc="-1" dirty="0">
-                <a:latin typeface="Source Code Pro" panose="020B0509030403020204" pitchFamily="49" charset="0"/>
-                <a:ea typeface="Source Code Pro" panose="020B0509030403020204" pitchFamily="49" charset="0"/>
-              </a:rPr>
-              <a:t> [ AS `identifier` ] ( ',' `selector` [ AS `identifier` ] )</a:t>
-            </a:r>
-          </a:p>
-          <a:p>
-            <a:r>
-              <a:rPr lang="en-US" spc="-1" dirty="0">
-                <a:solidFill>
-                  <a:srgbClr val="C00000"/>
-                </a:solidFill>
-                <a:latin typeface="Source Code Pro" panose="020B0509030403020204" pitchFamily="49" charset="0"/>
-                <a:ea typeface="Source Code Pro" panose="020B0509030403020204" pitchFamily="49" charset="0"/>
-              </a:rPr>
-              <a:t>selector::==</a:t>
-            </a:r>
-            <a:r>
-              <a:rPr lang="en-US" spc="-1" dirty="0">
-                <a:latin typeface="Source Code Pro" panose="020B0509030403020204" pitchFamily="49" charset="0"/>
-                <a:ea typeface="Source Code Pro" panose="020B0509030403020204" pitchFamily="49" charset="0"/>
-              </a:rPr>
-              <a:t> `column_name`</a:t>
-            </a:r>
-          </a:p>
-          <a:p>
-            <a:r>
-              <a:rPr lang="en-US" spc="-1" dirty="0">
-                <a:latin typeface="Source Code Pro" panose="020B0509030403020204" pitchFamily="49" charset="0"/>
-                <a:ea typeface="Source Code Pro" panose="020B0509030403020204" pitchFamily="49" charset="0"/>
-              </a:rPr>
-              <a:t>	| `term`</a:t>
-            </a:r>
-          </a:p>
-          <a:p>
-            <a:r>
-              <a:rPr lang="en-US" spc="-1" dirty="0">
-                <a:latin typeface="Source Code Pro" panose="020B0509030403020204" pitchFamily="49" charset="0"/>
-                <a:ea typeface="Source Code Pro" panose="020B0509030403020204" pitchFamily="49" charset="0"/>
-              </a:rPr>
-              <a:t>	| CAST '(' `selector` AS `cql_type` ')'</a:t>
-            </a:r>
-          </a:p>
-          <a:p>
-            <a:r>
-              <a:rPr lang="en-US" spc="-1" dirty="0">
-                <a:latin typeface="Source Code Pro" panose="020B0509030403020204" pitchFamily="49" charset="0"/>
-                <a:ea typeface="Source Code Pro" panose="020B0509030403020204" pitchFamily="49" charset="0"/>
-              </a:rPr>
-              <a:t>	| `function_name` '(' [ `selector` ( ',' `selector` )_ ] ')'</a:t>
-            </a:r>
-          </a:p>
-          <a:p>
-            <a:r>
-              <a:rPr lang="en-US" spc="-1" dirty="0">
-                <a:latin typeface="Source Code Pro" panose="020B0509030403020204" pitchFamily="49" charset="0"/>
-                <a:ea typeface="Source Code Pro" panose="020B0509030403020204" pitchFamily="49" charset="0"/>
-              </a:rPr>
-              <a:t>	| COUNT '(' '_' ')'</a:t>
-            </a:r>
-          </a:p>
-          <a:p>
-            <a:r>
-              <a:rPr lang="en-US" spc="-1" dirty="0">
-                <a:solidFill>
-                  <a:srgbClr val="840FF9"/>
-                </a:solidFill>
-                <a:latin typeface="Source Code Pro" panose="020B0509030403020204" pitchFamily="49" charset="0"/>
-                <a:ea typeface="Source Code Pro" panose="020B0509030403020204" pitchFamily="49" charset="0"/>
-              </a:rPr>
-              <a:t>where_clause::=</a:t>
-            </a:r>
-            <a:r>
-              <a:rPr lang="en-US" spc="-1" dirty="0">
-                <a:solidFill>
-                  <a:srgbClr val="C00000"/>
-                </a:solidFill>
-                <a:latin typeface="Source Code Pro" panose="020B0509030403020204" pitchFamily="49" charset="0"/>
-                <a:ea typeface="Source Code Pro" panose="020B0509030403020204" pitchFamily="49" charset="0"/>
-              </a:rPr>
-              <a:t> `relation`</a:t>
-            </a:r>
-            <a:r>
-              <a:rPr lang="en-US" spc="-1" dirty="0">
-                <a:latin typeface="Source Code Pro" panose="020B0509030403020204" pitchFamily="49" charset="0"/>
-                <a:ea typeface="Source Code Pro" panose="020B0509030403020204" pitchFamily="49" charset="0"/>
-              </a:rPr>
-              <a:t> ( AND `relation` )*</a:t>
-            </a:r>
-          </a:p>
-          <a:p>
-            <a:r>
-              <a:rPr lang="en-US" spc="-1" dirty="0">
-                <a:solidFill>
-                  <a:srgbClr val="C00000"/>
-                </a:solidFill>
-                <a:latin typeface="Source Code Pro" panose="020B0509030403020204" pitchFamily="49" charset="0"/>
-                <a:ea typeface="Source Code Pro" panose="020B0509030403020204" pitchFamily="49" charset="0"/>
-              </a:rPr>
-              <a:t>relation::=</a:t>
-            </a:r>
-            <a:r>
-              <a:rPr lang="en-US" spc="-1" dirty="0">
-                <a:latin typeface="Source Code Pro" panose="020B0509030403020204" pitchFamily="49" charset="0"/>
-                <a:ea typeface="Source Code Pro" panose="020B0509030403020204" pitchFamily="49" charset="0"/>
-              </a:rPr>
-              <a:t> column_name </a:t>
-            </a:r>
-            <a:r>
-              <a:rPr lang="en-US" spc="-1" dirty="0">
-                <a:solidFill>
-                  <a:srgbClr val="C00000"/>
-                </a:solidFill>
-                <a:latin typeface="Source Code Pro" panose="020B0509030403020204" pitchFamily="49" charset="0"/>
-                <a:ea typeface="Source Code Pro" panose="020B0509030403020204" pitchFamily="49" charset="0"/>
-              </a:rPr>
-              <a:t>operator</a:t>
-            </a:r>
-            <a:r>
-              <a:rPr lang="en-US" spc="-1" dirty="0">
-                <a:latin typeface="Source Code Pro" panose="020B0509030403020204" pitchFamily="49" charset="0"/>
-                <a:ea typeface="Source Code Pro" panose="020B0509030403020204" pitchFamily="49" charset="0"/>
-              </a:rPr>
-              <a:t> term</a:t>
-            </a:r>
-          </a:p>
-          <a:p>
-            <a:r>
-              <a:rPr lang="en-US" spc="-1" dirty="0">
-                <a:latin typeface="Source Code Pro" panose="020B0509030403020204" pitchFamily="49" charset="0"/>
-                <a:ea typeface="Source Code Pro" panose="020B0509030403020204" pitchFamily="49" charset="0"/>
-              </a:rPr>
-              <a:t>	'(' column_name ( ',' column_name )* ')' operator tuple_literal</a:t>
-            </a:r>
-          </a:p>
-          <a:p>
-            <a:r>
-              <a:rPr lang="en-US" spc="-1" dirty="0">
-                <a:latin typeface="Source Code Pro" panose="020B0509030403020204" pitchFamily="49" charset="0"/>
-                <a:ea typeface="Source Code Pro" panose="020B0509030403020204" pitchFamily="49" charset="0"/>
-              </a:rPr>
-              <a:t>	TOKEN '(' column_name# ( ',' column_name )* ')' operator term</a:t>
-            </a:r>
-          </a:p>
-          <a:p>
-            <a:r>
-              <a:rPr lang="en-US" spc="-1" dirty="0">
-                <a:solidFill>
-                  <a:srgbClr val="C00000"/>
-                </a:solidFill>
-                <a:latin typeface="Source Code Pro" panose="020B0509030403020204" pitchFamily="49" charset="0"/>
-                <a:ea typeface="Source Code Pro" panose="020B0509030403020204" pitchFamily="49" charset="0"/>
-              </a:rPr>
-              <a:t>operator::=</a:t>
-            </a:r>
-            <a:r>
-              <a:rPr lang="en-US" spc="-1" dirty="0">
-                <a:latin typeface="Source Code Pro" panose="020B0509030403020204" pitchFamily="49" charset="0"/>
-                <a:ea typeface="Source Code Pro" panose="020B0509030403020204" pitchFamily="49" charset="0"/>
-              </a:rPr>
-              <a:t> '=' | '&lt;' | '&gt;' | '&lt;=' | '&gt;=' | '!=' | IN | CONTAINS | CONTAINS KEY</a:t>
-            </a:r>
-          </a:p>
-          <a:p>
-            <a:r>
-              <a:rPr lang="en-US" spc="-1" dirty="0">
-                <a:solidFill>
-                  <a:srgbClr val="840FF9"/>
-                </a:solidFill>
-                <a:latin typeface="Source Code Pro" panose="020B0509030403020204" pitchFamily="49" charset="0"/>
-                <a:ea typeface="Source Code Pro" panose="020B0509030403020204" pitchFamily="49" charset="0"/>
-              </a:rPr>
-              <a:t>group_by_clause::=</a:t>
-            </a:r>
-            <a:r>
-              <a:rPr lang="en-US" spc="-1" dirty="0">
-                <a:latin typeface="Source Code Pro" panose="020B0509030403020204" pitchFamily="49" charset="0"/>
-                <a:ea typeface="Source Code Pro" panose="020B0509030403020204" pitchFamily="49" charset="0"/>
-              </a:rPr>
-              <a:t> column_name ( ',' column_name )*</a:t>
-            </a:r>
-          </a:p>
-          <a:p>
-            <a:r>
-              <a:rPr lang="en-US" spc="-1" dirty="0">
-                <a:solidFill>
-                  <a:srgbClr val="840FF9"/>
-                </a:solidFill>
-                <a:latin typeface="Source Code Pro" panose="020B0509030403020204" pitchFamily="49" charset="0"/>
-                <a:ea typeface="Source Code Pro" panose="020B0509030403020204" pitchFamily="49" charset="0"/>
-              </a:rPr>
-              <a:t>ordering_clause::=</a:t>
-            </a:r>
-            <a:r>
-              <a:rPr lang="en-US" spc="-1" dirty="0">
-                <a:latin typeface="Source Code Pro" panose="020B0509030403020204" pitchFamily="49" charset="0"/>
-                <a:ea typeface="Source Code Pro" panose="020B0509030403020204" pitchFamily="49" charset="0"/>
-              </a:rPr>
-              <a:t> column_name [ ASC | DESC ] ( ',' column_name [ ASC | DESC ] )*</a:t>
-            </a:r>
-            <a:endParaRPr lang="en-IN" sz="400" spc="-1" dirty="0">
-              <a:latin typeface="Source Code Pro" panose="020B0509030403020204" pitchFamily="49" charset="0"/>
-              <a:ea typeface="Source Code Pro" panose="020B0509030403020204" pitchFamily="49" charset="0"/>
-            </a:endParaRPr>
-          </a:p>
-        </p:txBody>
-      </p:sp>
-    </p:spTree>
-    <p:extLst>
-      <p:ext uri="{BB962C8B-B14F-4D97-AF65-F5344CB8AC3E}">
-        <p14:creationId xmlns:p14="http://schemas.microsoft.com/office/powerpoint/2010/main" val="1398291685"/>
-      </p:ext>
-    </p:extLst>
-  </p:cSld>
-  <p:clrMapOvr>
-    <a:masterClrMapping/>
-  </p:clrMapOvr>
-</p:sld>
-</file>
-
-<file path=ppt/slides/slide44.xml><?xml version="1.0" encoding="utf-8"?>
-<p:sld xmlns:a="http://schemas.openxmlformats.org/drawingml/2006/main" xmlns:r="http://schemas.openxmlformats.org/officeDocument/2006/relationships" xmlns:p="http://schemas.openxmlformats.org/presentationml/2006/main">
-  <p:cSld>
-    <p:spTree>
-      <p:nvGrpSpPr>
-        <p:cNvPr id="1" name=""/>
-        <p:cNvGrpSpPr/>
-        <p:nvPr/>
-      </p:nvGrpSpPr>
-      <p:grpSpPr>
-        <a:xfrm>
-          <a:off x="0" y="0"/>
-          <a:ext cx="0" cy="0"/>
-          <a:chOff x="0" y="0"/>
-          <a:chExt cx="0" cy="0"/>
-        </a:xfrm>
-      </p:grpSpPr>
-      <p:sp>
-        <p:nvSpPr>
-          <p:cNvPr id="111" name="CustomShape 1"/>
-          <p:cNvSpPr/>
-          <p:nvPr/>
-        </p:nvSpPr>
-        <p:spPr>
-          <a:xfrm>
-            <a:off x="246600" y="762120"/>
-            <a:ext cx="11687400" cy="367878"/>
-          </a:xfrm>
-          <a:prstGeom prst="rect">
-            <a:avLst/>
-          </a:prstGeom>
-          <a:noFill/>
-          <a:ln>
-            <a:noFill/>
-          </a:ln>
-        </p:spPr>
-        <p:style>
-          <a:lnRef idx="0">
-            <a:scrgbClr r="0" g="0" b="0"/>
-          </a:lnRef>
-          <a:fillRef idx="0">
-            <a:scrgbClr r="0" g="0" b="0"/>
-          </a:fillRef>
-          <a:effectRef idx="0">
-            <a:scrgbClr r="0" g="0" b="0"/>
-          </a:effectRef>
-          <a:fontRef idx="minor"/>
-        </p:style>
-        <p:txBody>
-          <a:bodyPr lIns="90000" tIns="45000" rIns="90000" bIns="45000">
-            <a:spAutoFit/>
-          </a:bodyPr>
-          <a:lstStyle/>
-          <a:p>
-            <a:pPr algn="just"/>
-            <a:r>
-              <a:rPr lang="en-US" spc="-1" dirty="0">
-                <a:latin typeface="Arial"/>
-              </a:rPr>
-              <a:t>TODO</a:t>
-            </a:r>
-          </a:p>
-        </p:txBody>
-      </p:sp>
-      <p:sp>
-        <p:nvSpPr>
-          <p:cNvPr id="114" name="CustomShape 4"/>
-          <p:cNvSpPr/>
-          <p:nvPr/>
-        </p:nvSpPr>
-        <p:spPr>
-          <a:xfrm>
-            <a:off x="246600" y="0"/>
-            <a:ext cx="11687400" cy="706432"/>
-          </a:xfrm>
-          <a:prstGeom prst="rect">
-            <a:avLst/>
-          </a:prstGeom>
-          <a:solidFill>
-            <a:srgbClr val="C00000"/>
-          </a:solidFill>
-          <a:ln>
-            <a:noFill/>
-          </a:ln>
-        </p:spPr>
-        <p:style>
-          <a:lnRef idx="0">
-            <a:scrgbClr r="0" g="0" b="0"/>
-          </a:lnRef>
-          <a:fillRef idx="0">
-            <a:scrgbClr r="0" g="0" b="0"/>
-          </a:fillRef>
-          <a:effectRef idx="0">
-            <a:scrgbClr r="0" g="0" b="0"/>
-          </a:effectRef>
-          <a:fontRef idx="minor"/>
-        </p:style>
-        <p:txBody>
-          <a:bodyPr lIns="90000" tIns="45000" rIns="90000" bIns="45000">
-            <a:spAutoFit/>
-          </a:bodyPr>
-          <a:lstStyle/>
-          <a:p>
-            <a:pPr algn="ctr">
-              <a:lnSpc>
-                <a:spcPct val="100000"/>
-              </a:lnSpc>
-            </a:pPr>
-            <a:r>
-              <a:rPr lang="en-IN" sz="4000" spc="-1" dirty="0">
-                <a:solidFill>
-                  <a:srgbClr val="F7C120"/>
-                </a:solidFill>
-                <a:latin typeface="Open Sans"/>
-                <a:ea typeface="DejaVu Sans"/>
-              </a:rPr>
-              <a:t>select data – WHERE clause</a:t>
-            </a:r>
-            <a:endParaRPr lang="en-IN" sz="4000" b="0" strike="noStrike" spc="-1" dirty="0">
-              <a:latin typeface="Arial"/>
-            </a:endParaRPr>
-          </a:p>
-        </p:txBody>
-      </p:sp>
-      <p:sp>
-        <p:nvSpPr>
-          <p:cNvPr id="6" name="CustomShape 6">
-            <a:extLst>
-              <a:ext uri="{FF2B5EF4-FFF2-40B4-BE49-F238E27FC236}">
-                <a16:creationId xmlns:a16="http://schemas.microsoft.com/office/drawing/2014/main" id="{20ADB939-8AEC-47EC-8B01-ED6AB8A20258}"/>
-              </a:ext>
-            </a:extLst>
-          </p:cNvPr>
-          <p:cNvSpPr/>
-          <p:nvPr/>
-        </p:nvSpPr>
-        <p:spPr>
-          <a:xfrm>
-            <a:off x="246600" y="1426419"/>
-            <a:ext cx="11687400" cy="4522861"/>
-          </a:xfrm>
-          <a:prstGeom prst="rect">
-            <a:avLst/>
-          </a:prstGeom>
-          <a:noFill/>
-          <a:ln>
-            <a:noFill/>
-          </a:ln>
-        </p:spPr>
-        <p:style>
-          <a:lnRef idx="0">
-            <a:scrgbClr r="0" g="0" b="0"/>
-          </a:lnRef>
-          <a:fillRef idx="0">
-            <a:scrgbClr r="0" g="0" b="0"/>
-          </a:fillRef>
-          <a:effectRef idx="0">
-            <a:scrgbClr r="0" g="0" b="0"/>
-          </a:effectRef>
-          <a:fontRef idx="minor"/>
-        </p:style>
-        <p:txBody>
-          <a:bodyPr lIns="90000" tIns="45000" rIns="90000" bIns="45000">
-            <a:spAutoFit/>
-          </a:bodyPr>
-          <a:lstStyle/>
-          <a:p>
-            <a:r>
-              <a:rPr lang="en-US" spc="-1" dirty="0">
-                <a:latin typeface="Source Code Pro" panose="020B0509030403020204" pitchFamily="49" charset="0"/>
-                <a:ea typeface="Source Code Pro" panose="020B0509030403020204" pitchFamily="49" charset="0"/>
-              </a:rPr>
-              <a:t>select_statement::= </a:t>
-            </a:r>
-            <a:r>
-              <a:rPr lang="en-US" spc="-1" dirty="0">
-                <a:solidFill>
-                  <a:srgbClr val="2B8208"/>
-                </a:solidFill>
-                <a:latin typeface="Source Code Pro" panose="020B0509030403020204" pitchFamily="49" charset="0"/>
-                <a:ea typeface="Source Code Pro" panose="020B0509030403020204" pitchFamily="49" charset="0"/>
-              </a:rPr>
-              <a:t>SELECT</a:t>
-            </a:r>
-            <a:r>
-              <a:rPr lang="en-US" spc="-1" dirty="0">
-                <a:latin typeface="Source Code Pro" panose="020B0509030403020204" pitchFamily="49" charset="0"/>
-                <a:ea typeface="Source Code Pro" panose="020B0509030403020204" pitchFamily="49" charset="0"/>
-              </a:rPr>
-              <a:t> [ </a:t>
-            </a:r>
-            <a:r>
-              <a:rPr lang="en-US" i="1" spc="-1" dirty="0">
-                <a:solidFill>
-                  <a:schemeClr val="accent5">
-                    <a:lumMod val="75000"/>
-                  </a:schemeClr>
-                </a:solidFill>
-                <a:latin typeface="Source Code Pro" panose="020B0509030403020204" pitchFamily="49" charset="0"/>
-                <a:ea typeface="Source Code Pro" panose="020B0509030403020204" pitchFamily="49" charset="0"/>
-              </a:rPr>
-              <a:t>JSON </a:t>
-            </a:r>
-            <a:r>
-              <a:rPr lang="en-US" spc="-1" dirty="0">
-                <a:solidFill>
-                  <a:schemeClr val="accent5">
-                    <a:lumMod val="75000"/>
-                  </a:schemeClr>
-                </a:solidFill>
-                <a:latin typeface="Source Code Pro" panose="020B0509030403020204" pitchFamily="49" charset="0"/>
-                <a:ea typeface="Source Code Pro" panose="020B0509030403020204" pitchFamily="49" charset="0"/>
-              </a:rPr>
-              <a:t>|</a:t>
-            </a:r>
-            <a:r>
-              <a:rPr lang="en-US" i="1" spc="-1" dirty="0">
-                <a:solidFill>
-                  <a:schemeClr val="accent5">
-                    <a:lumMod val="75000"/>
-                  </a:schemeClr>
-                </a:solidFill>
-                <a:latin typeface="Source Code Pro" panose="020B0509030403020204" pitchFamily="49" charset="0"/>
-                <a:ea typeface="Source Code Pro" panose="020B0509030403020204" pitchFamily="49" charset="0"/>
-              </a:rPr>
-              <a:t> DISTINCT</a:t>
-            </a:r>
-            <a:r>
-              <a:rPr lang="en-US" spc="-1" dirty="0">
-                <a:latin typeface="Source Code Pro" panose="020B0509030403020204" pitchFamily="49" charset="0"/>
-                <a:ea typeface="Source Code Pro" panose="020B0509030403020204" pitchFamily="49" charset="0"/>
-              </a:rPr>
-              <a:t> ] ( </a:t>
-            </a:r>
-            <a:r>
-              <a:rPr lang="en-US" spc="-1" dirty="0">
-                <a:solidFill>
-                  <a:srgbClr val="0070C0"/>
-                </a:solidFill>
-                <a:latin typeface="Source Code Pro" panose="020B0509030403020204" pitchFamily="49" charset="0"/>
-                <a:ea typeface="Source Code Pro" panose="020B0509030403020204" pitchFamily="49" charset="0"/>
-              </a:rPr>
-              <a:t>select_clause </a:t>
-            </a:r>
-            <a:r>
-              <a:rPr lang="en-US" spc="-1" dirty="0">
-                <a:latin typeface="Source Code Pro" panose="020B0509030403020204" pitchFamily="49" charset="0"/>
-                <a:ea typeface="Source Code Pro" panose="020B0509030403020204" pitchFamily="49" charset="0"/>
-              </a:rPr>
-              <a:t>| '*' )</a:t>
-            </a:r>
-          </a:p>
-          <a:p>
-            <a:r>
-              <a:rPr lang="en-US" spc="-1" dirty="0">
-                <a:latin typeface="Source Code Pro" panose="020B0509030403020204" pitchFamily="49" charset="0"/>
-                <a:ea typeface="Source Code Pro" panose="020B0509030403020204" pitchFamily="49" charset="0"/>
-              </a:rPr>
-              <a:t>	</a:t>
-            </a:r>
-            <a:r>
-              <a:rPr lang="en-US" spc="-1" dirty="0">
-                <a:solidFill>
-                  <a:srgbClr val="2B8208"/>
-                </a:solidFill>
-                <a:latin typeface="Source Code Pro" panose="020B0509030403020204" pitchFamily="49" charset="0"/>
-                <a:ea typeface="Source Code Pro" panose="020B0509030403020204" pitchFamily="49" charset="0"/>
-              </a:rPr>
-              <a:t>FROM</a:t>
-            </a:r>
-            <a:r>
-              <a:rPr lang="en-US" spc="-1" dirty="0">
-                <a:latin typeface="Source Code Pro" panose="020B0509030403020204" pitchFamily="49" charset="0"/>
-                <a:ea typeface="Source Code Pro" panose="020B0509030403020204" pitchFamily="49" charset="0"/>
-              </a:rPr>
-              <a:t> `table_name`</a:t>
-            </a:r>
-          </a:p>
-          <a:p>
-            <a:r>
-              <a:rPr lang="en-US" spc="-1" dirty="0">
-                <a:latin typeface="Source Code Pro" panose="020B0509030403020204" pitchFamily="49" charset="0"/>
-                <a:ea typeface="Source Code Pro" panose="020B0509030403020204" pitchFamily="49" charset="0"/>
-              </a:rPr>
-              <a:t>	[ </a:t>
-            </a:r>
-            <a:r>
-              <a:rPr lang="en-US" spc="-1" dirty="0">
-                <a:solidFill>
-                  <a:srgbClr val="2B8208"/>
-                </a:solidFill>
-                <a:latin typeface="Source Code Pro" panose="020B0509030403020204" pitchFamily="49" charset="0"/>
-                <a:ea typeface="Source Code Pro" panose="020B0509030403020204" pitchFamily="49" charset="0"/>
-              </a:rPr>
-              <a:t>WHERE</a:t>
-            </a:r>
-            <a:r>
-              <a:rPr lang="en-US" spc="-1" dirty="0">
-                <a:latin typeface="Source Code Pro" panose="020B0509030403020204" pitchFamily="49" charset="0"/>
-                <a:ea typeface="Source Code Pro" panose="020B0509030403020204" pitchFamily="49" charset="0"/>
-              </a:rPr>
-              <a:t> </a:t>
-            </a:r>
-            <a:r>
-              <a:rPr lang="en-US" spc="-1" dirty="0">
-                <a:solidFill>
-                  <a:srgbClr val="840FF9"/>
-                </a:solidFill>
-                <a:latin typeface="Source Code Pro" panose="020B0509030403020204" pitchFamily="49" charset="0"/>
-                <a:ea typeface="Source Code Pro" panose="020B0509030403020204" pitchFamily="49" charset="0"/>
-              </a:rPr>
-              <a:t>`where_clause`</a:t>
-            </a:r>
-            <a:r>
-              <a:rPr lang="en-US" spc="-1" dirty="0">
-                <a:solidFill>
-                  <a:srgbClr val="C00000"/>
-                </a:solidFill>
-                <a:latin typeface="Source Code Pro" panose="020B0509030403020204" pitchFamily="49" charset="0"/>
-                <a:ea typeface="Source Code Pro" panose="020B0509030403020204" pitchFamily="49" charset="0"/>
-              </a:rPr>
-              <a:t> </a:t>
-            </a:r>
-            <a:r>
-              <a:rPr lang="en-US" spc="-1" dirty="0">
-                <a:latin typeface="Source Code Pro" panose="020B0509030403020204" pitchFamily="49" charset="0"/>
-                <a:ea typeface="Source Code Pro" panose="020B0509030403020204" pitchFamily="49" charset="0"/>
-              </a:rPr>
-              <a:t>]</a:t>
-            </a:r>
-          </a:p>
-          <a:p>
-            <a:r>
-              <a:rPr lang="en-US" spc="-1" dirty="0">
-                <a:latin typeface="Source Code Pro" panose="020B0509030403020204" pitchFamily="49" charset="0"/>
-                <a:ea typeface="Source Code Pro" panose="020B0509030403020204" pitchFamily="49" charset="0"/>
-              </a:rPr>
-              <a:t>	[ </a:t>
-            </a:r>
-            <a:r>
-              <a:rPr lang="en-US" spc="-1" dirty="0">
-                <a:solidFill>
-                  <a:srgbClr val="2B8208"/>
-                </a:solidFill>
-                <a:latin typeface="Source Code Pro" panose="020B0509030403020204" pitchFamily="49" charset="0"/>
-                <a:ea typeface="Source Code Pro" panose="020B0509030403020204" pitchFamily="49" charset="0"/>
-              </a:rPr>
-              <a:t>ALLOW</a:t>
-            </a:r>
-            <a:r>
-              <a:rPr lang="en-US" spc="-1" dirty="0">
-                <a:latin typeface="Source Code Pro" panose="020B0509030403020204" pitchFamily="49" charset="0"/>
-                <a:ea typeface="Source Code Pro" panose="020B0509030403020204" pitchFamily="49" charset="0"/>
-              </a:rPr>
-              <a:t> </a:t>
-            </a:r>
-            <a:r>
-              <a:rPr lang="en-US" spc="-1" dirty="0">
-                <a:solidFill>
-                  <a:srgbClr val="2B8208"/>
-                </a:solidFill>
-                <a:latin typeface="Source Code Pro" panose="020B0509030403020204" pitchFamily="49" charset="0"/>
-                <a:ea typeface="Source Code Pro" panose="020B0509030403020204" pitchFamily="49" charset="0"/>
-              </a:rPr>
-              <a:t>FILTERING</a:t>
-            </a:r>
-            <a:r>
-              <a:rPr lang="en-US" spc="-1" dirty="0">
-                <a:latin typeface="Source Code Pro" panose="020B0509030403020204" pitchFamily="49" charset="0"/>
-                <a:ea typeface="Source Code Pro" panose="020B0509030403020204" pitchFamily="49" charset="0"/>
-              </a:rPr>
-              <a:t> ]</a:t>
-            </a:r>
-          </a:p>
-          <a:p>
-            <a:r>
-              <a:rPr lang="en-US" spc="-1" dirty="0">
-                <a:solidFill>
-                  <a:srgbClr val="0070C0"/>
-                </a:solidFill>
-                <a:latin typeface="Source Code Pro" panose="020B0509030403020204" pitchFamily="49" charset="0"/>
-                <a:ea typeface="Source Code Pro" panose="020B0509030403020204" pitchFamily="49" charset="0"/>
-              </a:rPr>
-              <a:t>select_clause::= </a:t>
-            </a:r>
-            <a:r>
-              <a:rPr lang="en-US" spc="-1" dirty="0">
-                <a:solidFill>
-                  <a:srgbClr val="C00000"/>
-                </a:solidFill>
-                <a:latin typeface="Source Code Pro" panose="020B0509030403020204" pitchFamily="49" charset="0"/>
-                <a:ea typeface="Source Code Pro" panose="020B0509030403020204" pitchFamily="49" charset="0"/>
-              </a:rPr>
-              <a:t>`selector`</a:t>
-            </a:r>
-            <a:r>
-              <a:rPr lang="en-US" spc="-1" dirty="0">
-                <a:latin typeface="Source Code Pro" panose="020B0509030403020204" pitchFamily="49" charset="0"/>
-                <a:ea typeface="Source Code Pro" panose="020B0509030403020204" pitchFamily="49" charset="0"/>
-              </a:rPr>
-              <a:t> [ AS `identifier` ] ( ',' `selector` [ AS `identifier` ] )</a:t>
-            </a:r>
-          </a:p>
-          <a:p>
-            <a:r>
-              <a:rPr lang="en-US" spc="-1" dirty="0">
-                <a:solidFill>
-                  <a:srgbClr val="C00000"/>
-                </a:solidFill>
-                <a:latin typeface="Source Code Pro" panose="020B0509030403020204" pitchFamily="49" charset="0"/>
-                <a:ea typeface="Source Code Pro" panose="020B0509030403020204" pitchFamily="49" charset="0"/>
-              </a:rPr>
-              <a:t>selector::==</a:t>
-            </a:r>
-            <a:r>
-              <a:rPr lang="en-US" spc="-1" dirty="0">
-                <a:latin typeface="Source Code Pro" panose="020B0509030403020204" pitchFamily="49" charset="0"/>
-                <a:ea typeface="Source Code Pro" panose="020B0509030403020204" pitchFamily="49" charset="0"/>
-              </a:rPr>
-              <a:t> `column_name`</a:t>
-            </a:r>
-          </a:p>
-          <a:p>
-            <a:r>
-              <a:rPr lang="en-US" spc="-1" dirty="0">
-                <a:latin typeface="Source Code Pro" panose="020B0509030403020204" pitchFamily="49" charset="0"/>
-                <a:ea typeface="Source Code Pro" panose="020B0509030403020204" pitchFamily="49" charset="0"/>
-              </a:rPr>
-              <a:t>	| `term`</a:t>
-            </a:r>
-          </a:p>
-          <a:p>
-            <a:r>
-              <a:rPr lang="en-US" spc="-1" dirty="0">
-                <a:latin typeface="Source Code Pro" panose="020B0509030403020204" pitchFamily="49" charset="0"/>
-                <a:ea typeface="Source Code Pro" panose="020B0509030403020204" pitchFamily="49" charset="0"/>
-              </a:rPr>
-              <a:t>	| CAST '(' `selector` AS `cql_type` ')'</a:t>
-            </a:r>
-          </a:p>
-          <a:p>
-            <a:r>
-              <a:rPr lang="en-US" spc="-1" dirty="0">
-                <a:latin typeface="Source Code Pro" panose="020B0509030403020204" pitchFamily="49" charset="0"/>
-                <a:ea typeface="Source Code Pro" panose="020B0509030403020204" pitchFamily="49" charset="0"/>
-              </a:rPr>
-              <a:t>	| `function_name` '(' [ `selector` ( ',' `selector` )_ ] ')'</a:t>
-            </a:r>
-          </a:p>
-          <a:p>
-            <a:r>
-              <a:rPr lang="en-US" spc="-1" dirty="0">
-                <a:latin typeface="Source Code Pro" panose="020B0509030403020204" pitchFamily="49" charset="0"/>
-                <a:ea typeface="Source Code Pro" panose="020B0509030403020204" pitchFamily="49" charset="0"/>
-              </a:rPr>
-              <a:t>	| COUNT '(' '_' ')'</a:t>
-            </a:r>
-          </a:p>
-          <a:p>
-            <a:r>
-              <a:rPr lang="en-US" spc="-1" dirty="0">
-                <a:solidFill>
-                  <a:srgbClr val="840FF9"/>
-                </a:solidFill>
-                <a:latin typeface="Source Code Pro" panose="020B0509030403020204" pitchFamily="49" charset="0"/>
-                <a:ea typeface="Source Code Pro" panose="020B0509030403020204" pitchFamily="49" charset="0"/>
-              </a:rPr>
-              <a:t>where_clause::=</a:t>
-            </a:r>
-            <a:r>
-              <a:rPr lang="en-US" spc="-1" dirty="0">
-                <a:solidFill>
-                  <a:srgbClr val="C00000"/>
-                </a:solidFill>
-                <a:latin typeface="Source Code Pro" panose="020B0509030403020204" pitchFamily="49" charset="0"/>
-                <a:ea typeface="Source Code Pro" panose="020B0509030403020204" pitchFamily="49" charset="0"/>
-              </a:rPr>
-              <a:t> `relation`</a:t>
-            </a:r>
-            <a:r>
-              <a:rPr lang="en-US" spc="-1" dirty="0">
-                <a:latin typeface="Source Code Pro" panose="020B0509030403020204" pitchFamily="49" charset="0"/>
-                <a:ea typeface="Source Code Pro" panose="020B0509030403020204" pitchFamily="49" charset="0"/>
-              </a:rPr>
-              <a:t> ( AND `relation` )*</a:t>
-            </a:r>
-          </a:p>
-          <a:p>
-            <a:r>
-              <a:rPr lang="en-US" spc="-1" dirty="0">
-                <a:solidFill>
-                  <a:srgbClr val="C00000"/>
-                </a:solidFill>
-                <a:latin typeface="Source Code Pro" panose="020B0509030403020204" pitchFamily="49" charset="0"/>
-                <a:ea typeface="Source Code Pro" panose="020B0509030403020204" pitchFamily="49" charset="0"/>
-              </a:rPr>
-              <a:t>relation::=</a:t>
-            </a:r>
-            <a:r>
-              <a:rPr lang="en-US" spc="-1" dirty="0">
-                <a:latin typeface="Source Code Pro" panose="020B0509030403020204" pitchFamily="49" charset="0"/>
-                <a:ea typeface="Source Code Pro" panose="020B0509030403020204" pitchFamily="49" charset="0"/>
-              </a:rPr>
-              <a:t> column_name </a:t>
-            </a:r>
-            <a:r>
-              <a:rPr lang="en-US" spc="-1" dirty="0">
-                <a:solidFill>
-                  <a:srgbClr val="C00000"/>
-                </a:solidFill>
-                <a:latin typeface="Source Code Pro" panose="020B0509030403020204" pitchFamily="49" charset="0"/>
-                <a:ea typeface="Source Code Pro" panose="020B0509030403020204" pitchFamily="49" charset="0"/>
-              </a:rPr>
-              <a:t>operator</a:t>
-            </a:r>
-            <a:r>
-              <a:rPr lang="en-US" spc="-1" dirty="0">
-                <a:latin typeface="Source Code Pro" panose="020B0509030403020204" pitchFamily="49" charset="0"/>
-                <a:ea typeface="Source Code Pro" panose="020B0509030403020204" pitchFamily="49" charset="0"/>
-              </a:rPr>
-              <a:t> term</a:t>
-            </a:r>
-          </a:p>
-          <a:p>
-            <a:r>
-              <a:rPr lang="en-US" spc="-1" dirty="0">
-                <a:latin typeface="Source Code Pro" panose="020B0509030403020204" pitchFamily="49" charset="0"/>
-                <a:ea typeface="Source Code Pro" panose="020B0509030403020204" pitchFamily="49" charset="0"/>
-              </a:rPr>
-              <a:t>	'(' column_name ( ',' column_name )* ')' operator tuple_literal</a:t>
-            </a:r>
-          </a:p>
-          <a:p>
-            <a:r>
-              <a:rPr lang="en-US" spc="-1" dirty="0">
-                <a:latin typeface="Source Code Pro" panose="020B0509030403020204" pitchFamily="49" charset="0"/>
-                <a:ea typeface="Source Code Pro" panose="020B0509030403020204" pitchFamily="49" charset="0"/>
-              </a:rPr>
-              <a:t>	TOKEN '(' column_name# ( ',' column_name )* ')' operator term</a:t>
-            </a:r>
-          </a:p>
-          <a:p>
-            <a:r>
-              <a:rPr lang="en-US" spc="-1" dirty="0">
-                <a:solidFill>
-                  <a:srgbClr val="C00000"/>
-                </a:solidFill>
-                <a:latin typeface="Source Code Pro" panose="020B0509030403020204" pitchFamily="49" charset="0"/>
-                <a:ea typeface="Source Code Pro" panose="020B0509030403020204" pitchFamily="49" charset="0"/>
-              </a:rPr>
-              <a:t>operator::=</a:t>
-            </a:r>
-            <a:r>
-              <a:rPr lang="en-US" spc="-1" dirty="0">
-                <a:latin typeface="Source Code Pro" panose="020B0509030403020204" pitchFamily="49" charset="0"/>
-                <a:ea typeface="Source Code Pro" panose="020B0509030403020204" pitchFamily="49" charset="0"/>
-              </a:rPr>
-              <a:t> '=' | '&lt;' | '&gt;' | '&lt;=' | '&gt;=' | '!=' | IN | CONTAINS | CONTAINS KEY</a:t>
-            </a:r>
-            <a:endParaRPr lang="en-IN" sz="400" spc="-1" dirty="0">
-              <a:latin typeface="Source Code Pro" panose="020B0509030403020204" pitchFamily="49" charset="0"/>
-              <a:ea typeface="Source Code Pro" panose="020B0509030403020204" pitchFamily="49" charset="0"/>
-            </a:endParaRPr>
-          </a:p>
-        </p:txBody>
-      </p:sp>
-    </p:spTree>
-    <p:extLst>
-      <p:ext uri="{BB962C8B-B14F-4D97-AF65-F5344CB8AC3E}">
-        <p14:creationId xmlns:p14="http://schemas.microsoft.com/office/powerpoint/2010/main" val="732455922"/>
       </p:ext>
     </p:extLst>
   </p:cSld>
@@ -24574,6 +24757,1301 @@
                 <a:latin typeface="Open Sans"/>
                 <a:ea typeface="DejaVu Sans"/>
               </a:rPr>
+              <a:t>select</a:t>
+            </a:r>
+            <a:endParaRPr lang="en-IN" sz="4000" b="0" strike="noStrike" spc="-1" dirty="0">
+              <a:latin typeface="Arial"/>
+            </a:endParaRPr>
+          </a:p>
+        </p:txBody>
+      </p:sp>
+      <p:sp>
+        <p:nvSpPr>
+          <p:cNvPr id="10" name="CustomShape 6">
+            <a:extLst>
+              <a:ext uri="{FF2B5EF4-FFF2-40B4-BE49-F238E27FC236}">
+                <a16:creationId xmlns:a16="http://schemas.microsoft.com/office/drawing/2014/main" id="{3F3ADA2F-5904-426C-A7AA-EF7218A0D350}"/>
+              </a:ext>
+            </a:extLst>
+          </p:cNvPr>
+          <p:cNvSpPr/>
+          <p:nvPr/>
+        </p:nvSpPr>
+        <p:spPr>
+          <a:xfrm>
+            <a:off x="246600" y="833512"/>
+            <a:ext cx="11687400" cy="5907856"/>
+          </a:xfrm>
+          <a:prstGeom prst="rect">
+            <a:avLst/>
+          </a:prstGeom>
+          <a:noFill/>
+          <a:ln>
+            <a:noFill/>
+          </a:ln>
+        </p:spPr>
+        <p:style>
+          <a:lnRef idx="0">
+            <a:scrgbClr r="0" g="0" b="0"/>
+          </a:lnRef>
+          <a:fillRef idx="0">
+            <a:scrgbClr r="0" g="0" b="0"/>
+          </a:fillRef>
+          <a:effectRef idx="0">
+            <a:scrgbClr r="0" g="0" b="0"/>
+          </a:effectRef>
+          <a:fontRef idx="minor"/>
+        </p:style>
+        <p:txBody>
+          <a:bodyPr lIns="90000" tIns="45000" rIns="90000" bIns="45000">
+            <a:spAutoFit/>
+          </a:bodyPr>
+          <a:lstStyle/>
+          <a:p>
+            <a:r>
+              <a:rPr lang="en-US" spc="-1" dirty="0">
+                <a:latin typeface="Source Code Pro" panose="020B0509030403020204" pitchFamily="49" charset="0"/>
+                <a:ea typeface="Source Code Pro" panose="020B0509030403020204" pitchFamily="49" charset="0"/>
+              </a:rPr>
+              <a:t>select_statement::= </a:t>
+            </a:r>
+            <a:r>
+              <a:rPr lang="en-US" spc="-1" dirty="0">
+                <a:solidFill>
+                  <a:srgbClr val="2B8208"/>
+                </a:solidFill>
+                <a:latin typeface="Source Code Pro" panose="020B0509030403020204" pitchFamily="49" charset="0"/>
+                <a:ea typeface="Source Code Pro" panose="020B0509030403020204" pitchFamily="49" charset="0"/>
+              </a:rPr>
+              <a:t>SELECT</a:t>
+            </a:r>
+            <a:r>
+              <a:rPr lang="en-US" spc="-1" dirty="0">
+                <a:latin typeface="Source Code Pro" panose="020B0509030403020204" pitchFamily="49" charset="0"/>
+                <a:ea typeface="Source Code Pro" panose="020B0509030403020204" pitchFamily="49" charset="0"/>
+              </a:rPr>
+              <a:t> [ </a:t>
+            </a:r>
+            <a:r>
+              <a:rPr lang="en-US" i="1" spc="-1" dirty="0">
+                <a:solidFill>
+                  <a:schemeClr val="accent5">
+                    <a:lumMod val="75000"/>
+                  </a:schemeClr>
+                </a:solidFill>
+                <a:latin typeface="Source Code Pro" panose="020B0509030403020204" pitchFamily="49" charset="0"/>
+                <a:ea typeface="Source Code Pro" panose="020B0509030403020204" pitchFamily="49" charset="0"/>
+              </a:rPr>
+              <a:t>JSON </a:t>
+            </a:r>
+            <a:r>
+              <a:rPr lang="en-US" spc="-1" dirty="0">
+                <a:solidFill>
+                  <a:schemeClr val="accent5">
+                    <a:lumMod val="75000"/>
+                  </a:schemeClr>
+                </a:solidFill>
+                <a:latin typeface="Source Code Pro" panose="020B0509030403020204" pitchFamily="49" charset="0"/>
+                <a:ea typeface="Source Code Pro" panose="020B0509030403020204" pitchFamily="49" charset="0"/>
+              </a:rPr>
+              <a:t>|</a:t>
+            </a:r>
+            <a:r>
+              <a:rPr lang="en-US" i="1" spc="-1" dirty="0">
+                <a:solidFill>
+                  <a:schemeClr val="accent5">
+                    <a:lumMod val="75000"/>
+                  </a:schemeClr>
+                </a:solidFill>
+                <a:latin typeface="Source Code Pro" panose="020B0509030403020204" pitchFamily="49" charset="0"/>
+                <a:ea typeface="Source Code Pro" panose="020B0509030403020204" pitchFamily="49" charset="0"/>
+              </a:rPr>
+              <a:t> DISTINCT</a:t>
+            </a:r>
+            <a:r>
+              <a:rPr lang="en-US" spc="-1" dirty="0">
+                <a:latin typeface="Source Code Pro" panose="020B0509030403020204" pitchFamily="49" charset="0"/>
+                <a:ea typeface="Source Code Pro" panose="020B0509030403020204" pitchFamily="49" charset="0"/>
+              </a:rPr>
+              <a:t> ] ( </a:t>
+            </a:r>
+            <a:r>
+              <a:rPr lang="en-US" spc="-1" dirty="0">
+                <a:solidFill>
+                  <a:srgbClr val="0070C0"/>
+                </a:solidFill>
+                <a:latin typeface="Source Code Pro" panose="020B0509030403020204" pitchFamily="49" charset="0"/>
+                <a:ea typeface="Source Code Pro" panose="020B0509030403020204" pitchFamily="49" charset="0"/>
+              </a:rPr>
+              <a:t>select_clause </a:t>
+            </a:r>
+            <a:r>
+              <a:rPr lang="en-US" spc="-1" dirty="0">
+                <a:latin typeface="Source Code Pro" panose="020B0509030403020204" pitchFamily="49" charset="0"/>
+                <a:ea typeface="Source Code Pro" panose="020B0509030403020204" pitchFamily="49" charset="0"/>
+              </a:rPr>
+              <a:t>| '*' )</a:t>
+            </a:r>
+          </a:p>
+          <a:p>
+            <a:r>
+              <a:rPr lang="en-US" spc="-1" dirty="0">
+                <a:latin typeface="Source Code Pro" panose="020B0509030403020204" pitchFamily="49" charset="0"/>
+                <a:ea typeface="Source Code Pro" panose="020B0509030403020204" pitchFamily="49" charset="0"/>
+              </a:rPr>
+              <a:t>	</a:t>
+            </a:r>
+            <a:r>
+              <a:rPr lang="en-US" spc="-1" dirty="0">
+                <a:solidFill>
+                  <a:srgbClr val="2B8208"/>
+                </a:solidFill>
+                <a:latin typeface="Source Code Pro" panose="020B0509030403020204" pitchFamily="49" charset="0"/>
+                <a:ea typeface="Source Code Pro" panose="020B0509030403020204" pitchFamily="49" charset="0"/>
+              </a:rPr>
+              <a:t>FROM</a:t>
+            </a:r>
+            <a:r>
+              <a:rPr lang="en-US" spc="-1" dirty="0">
+                <a:latin typeface="Source Code Pro" panose="020B0509030403020204" pitchFamily="49" charset="0"/>
+                <a:ea typeface="Source Code Pro" panose="020B0509030403020204" pitchFamily="49" charset="0"/>
+              </a:rPr>
+              <a:t> `table_name`</a:t>
+            </a:r>
+          </a:p>
+          <a:p>
+            <a:r>
+              <a:rPr lang="en-US" spc="-1" dirty="0">
+                <a:latin typeface="Source Code Pro" panose="020B0509030403020204" pitchFamily="49" charset="0"/>
+                <a:ea typeface="Source Code Pro" panose="020B0509030403020204" pitchFamily="49" charset="0"/>
+              </a:rPr>
+              <a:t>	[ </a:t>
+            </a:r>
+            <a:r>
+              <a:rPr lang="en-US" spc="-1" dirty="0">
+                <a:solidFill>
+                  <a:srgbClr val="2B8208"/>
+                </a:solidFill>
+                <a:latin typeface="Source Code Pro" panose="020B0509030403020204" pitchFamily="49" charset="0"/>
+                <a:ea typeface="Source Code Pro" panose="020B0509030403020204" pitchFamily="49" charset="0"/>
+              </a:rPr>
+              <a:t>WHERE</a:t>
+            </a:r>
+            <a:r>
+              <a:rPr lang="en-US" spc="-1" dirty="0">
+                <a:latin typeface="Source Code Pro" panose="020B0509030403020204" pitchFamily="49" charset="0"/>
+                <a:ea typeface="Source Code Pro" panose="020B0509030403020204" pitchFamily="49" charset="0"/>
+              </a:rPr>
+              <a:t> </a:t>
+            </a:r>
+            <a:r>
+              <a:rPr lang="en-US" spc="-1" dirty="0">
+                <a:solidFill>
+                  <a:srgbClr val="840FF9"/>
+                </a:solidFill>
+                <a:latin typeface="Source Code Pro" panose="020B0509030403020204" pitchFamily="49" charset="0"/>
+                <a:ea typeface="Source Code Pro" panose="020B0509030403020204" pitchFamily="49" charset="0"/>
+              </a:rPr>
+              <a:t>`where_clause`</a:t>
+            </a:r>
+            <a:r>
+              <a:rPr lang="en-US" spc="-1" dirty="0">
+                <a:solidFill>
+                  <a:srgbClr val="C00000"/>
+                </a:solidFill>
+                <a:latin typeface="Source Code Pro" panose="020B0509030403020204" pitchFamily="49" charset="0"/>
+                <a:ea typeface="Source Code Pro" panose="020B0509030403020204" pitchFamily="49" charset="0"/>
+              </a:rPr>
+              <a:t> </a:t>
+            </a:r>
+            <a:r>
+              <a:rPr lang="en-US" spc="-1" dirty="0">
+                <a:latin typeface="Source Code Pro" panose="020B0509030403020204" pitchFamily="49" charset="0"/>
+                <a:ea typeface="Source Code Pro" panose="020B0509030403020204" pitchFamily="49" charset="0"/>
+              </a:rPr>
+              <a:t>]</a:t>
+            </a:r>
+          </a:p>
+          <a:p>
+            <a:r>
+              <a:rPr lang="en-US" spc="-1" dirty="0">
+                <a:latin typeface="Source Code Pro" panose="020B0509030403020204" pitchFamily="49" charset="0"/>
+                <a:ea typeface="Source Code Pro" panose="020B0509030403020204" pitchFamily="49" charset="0"/>
+              </a:rPr>
+              <a:t>	[ </a:t>
+            </a:r>
+            <a:r>
+              <a:rPr lang="en-US" spc="-1" dirty="0">
+                <a:solidFill>
+                  <a:srgbClr val="2B8208"/>
+                </a:solidFill>
+                <a:latin typeface="Source Code Pro" panose="020B0509030403020204" pitchFamily="49" charset="0"/>
+                <a:ea typeface="Source Code Pro" panose="020B0509030403020204" pitchFamily="49" charset="0"/>
+              </a:rPr>
+              <a:t>GROUP</a:t>
+            </a:r>
+            <a:r>
+              <a:rPr lang="en-US" spc="-1" dirty="0">
+                <a:latin typeface="Source Code Pro" panose="020B0509030403020204" pitchFamily="49" charset="0"/>
+                <a:ea typeface="Source Code Pro" panose="020B0509030403020204" pitchFamily="49" charset="0"/>
+              </a:rPr>
+              <a:t> </a:t>
+            </a:r>
+            <a:r>
+              <a:rPr lang="en-US" spc="-1" dirty="0">
+                <a:solidFill>
+                  <a:srgbClr val="2B8208"/>
+                </a:solidFill>
+                <a:latin typeface="Source Code Pro" panose="020B0509030403020204" pitchFamily="49" charset="0"/>
+                <a:ea typeface="Source Code Pro" panose="020B0509030403020204" pitchFamily="49" charset="0"/>
+              </a:rPr>
+              <a:t>BY</a:t>
+            </a:r>
+            <a:r>
+              <a:rPr lang="en-US" spc="-1" dirty="0">
+                <a:latin typeface="Source Code Pro" panose="020B0509030403020204" pitchFamily="49" charset="0"/>
+                <a:ea typeface="Source Code Pro" panose="020B0509030403020204" pitchFamily="49" charset="0"/>
+              </a:rPr>
+              <a:t> </a:t>
+            </a:r>
+            <a:r>
+              <a:rPr lang="en-US" spc="-1" dirty="0">
+                <a:solidFill>
+                  <a:srgbClr val="840FF9"/>
+                </a:solidFill>
+                <a:latin typeface="Source Code Pro" panose="020B0509030403020204" pitchFamily="49" charset="0"/>
+                <a:ea typeface="Source Code Pro" panose="020B0509030403020204" pitchFamily="49" charset="0"/>
+              </a:rPr>
+              <a:t>`group_by_clause`</a:t>
+            </a:r>
+            <a:r>
+              <a:rPr lang="en-US" spc="-1" dirty="0">
+                <a:latin typeface="Source Code Pro" panose="020B0509030403020204" pitchFamily="49" charset="0"/>
+                <a:ea typeface="Source Code Pro" panose="020B0509030403020204" pitchFamily="49" charset="0"/>
+              </a:rPr>
+              <a:t> ]</a:t>
+            </a:r>
+          </a:p>
+          <a:p>
+            <a:r>
+              <a:rPr lang="en-US" spc="-1" dirty="0">
+                <a:latin typeface="Source Code Pro" panose="020B0509030403020204" pitchFamily="49" charset="0"/>
+                <a:ea typeface="Source Code Pro" panose="020B0509030403020204" pitchFamily="49" charset="0"/>
+              </a:rPr>
+              <a:t>	[ </a:t>
+            </a:r>
+            <a:r>
+              <a:rPr lang="en-US" spc="-1" dirty="0">
+                <a:solidFill>
+                  <a:srgbClr val="2B8208"/>
+                </a:solidFill>
+                <a:latin typeface="Source Code Pro" panose="020B0509030403020204" pitchFamily="49" charset="0"/>
+                <a:ea typeface="Source Code Pro" panose="020B0509030403020204" pitchFamily="49" charset="0"/>
+              </a:rPr>
+              <a:t>ORDER</a:t>
+            </a:r>
+            <a:r>
+              <a:rPr lang="en-US" spc="-1" dirty="0">
+                <a:latin typeface="Source Code Pro" panose="020B0509030403020204" pitchFamily="49" charset="0"/>
+                <a:ea typeface="Source Code Pro" panose="020B0509030403020204" pitchFamily="49" charset="0"/>
+              </a:rPr>
+              <a:t> </a:t>
+            </a:r>
+            <a:r>
+              <a:rPr lang="en-US" spc="-1" dirty="0">
+                <a:solidFill>
+                  <a:srgbClr val="2B8208"/>
+                </a:solidFill>
+                <a:latin typeface="Source Code Pro" panose="020B0509030403020204" pitchFamily="49" charset="0"/>
+                <a:ea typeface="Source Code Pro" panose="020B0509030403020204" pitchFamily="49" charset="0"/>
+              </a:rPr>
+              <a:t>BY</a:t>
+            </a:r>
+            <a:r>
+              <a:rPr lang="en-US" spc="-1" dirty="0">
+                <a:latin typeface="Source Code Pro" panose="020B0509030403020204" pitchFamily="49" charset="0"/>
+                <a:ea typeface="Source Code Pro" panose="020B0509030403020204" pitchFamily="49" charset="0"/>
+              </a:rPr>
+              <a:t> </a:t>
+            </a:r>
+            <a:r>
+              <a:rPr lang="en-US" spc="-1" dirty="0">
+                <a:solidFill>
+                  <a:srgbClr val="840FF9"/>
+                </a:solidFill>
+                <a:latin typeface="Source Code Pro" panose="020B0509030403020204" pitchFamily="49" charset="0"/>
+                <a:ea typeface="Source Code Pro" panose="020B0509030403020204" pitchFamily="49" charset="0"/>
+              </a:rPr>
+              <a:t>`ordering_clause`</a:t>
+            </a:r>
+            <a:r>
+              <a:rPr lang="en-US" spc="-1" dirty="0">
+                <a:latin typeface="Source Code Pro" panose="020B0509030403020204" pitchFamily="49" charset="0"/>
+                <a:ea typeface="Source Code Pro" panose="020B0509030403020204" pitchFamily="49" charset="0"/>
+              </a:rPr>
+              <a:t> ]</a:t>
+            </a:r>
+          </a:p>
+          <a:p>
+            <a:r>
+              <a:rPr lang="en-US" spc="-1" dirty="0">
+                <a:latin typeface="Source Code Pro" panose="020B0509030403020204" pitchFamily="49" charset="0"/>
+                <a:ea typeface="Source Code Pro" panose="020B0509030403020204" pitchFamily="49" charset="0"/>
+              </a:rPr>
+              <a:t>	[ </a:t>
+            </a:r>
+            <a:r>
+              <a:rPr lang="en-US" spc="-1" dirty="0">
+                <a:solidFill>
+                  <a:srgbClr val="2B8208"/>
+                </a:solidFill>
+                <a:latin typeface="Source Code Pro" panose="020B0509030403020204" pitchFamily="49" charset="0"/>
+                <a:ea typeface="Source Code Pro" panose="020B0509030403020204" pitchFamily="49" charset="0"/>
+              </a:rPr>
+              <a:t>LIMIT</a:t>
+            </a:r>
+            <a:r>
+              <a:rPr lang="en-US" spc="-1" dirty="0">
+                <a:latin typeface="Source Code Pro" panose="020B0509030403020204" pitchFamily="49" charset="0"/>
+                <a:ea typeface="Source Code Pro" panose="020B0509030403020204" pitchFamily="49" charset="0"/>
+              </a:rPr>
+              <a:t> (`integer` | `bind_marker`) ]</a:t>
+            </a:r>
+          </a:p>
+          <a:p>
+            <a:r>
+              <a:rPr lang="en-US" spc="-1" dirty="0">
+                <a:latin typeface="Source Code Pro" panose="020B0509030403020204" pitchFamily="49" charset="0"/>
+                <a:ea typeface="Source Code Pro" panose="020B0509030403020204" pitchFamily="49" charset="0"/>
+              </a:rPr>
+              <a:t>	[ </a:t>
+            </a:r>
+            <a:r>
+              <a:rPr lang="en-US" spc="-1" dirty="0">
+                <a:solidFill>
+                  <a:srgbClr val="2B8208"/>
+                </a:solidFill>
+                <a:latin typeface="Source Code Pro" panose="020B0509030403020204" pitchFamily="49" charset="0"/>
+                <a:ea typeface="Source Code Pro" panose="020B0509030403020204" pitchFamily="49" charset="0"/>
+              </a:rPr>
+              <a:t>ALLOW</a:t>
+            </a:r>
+            <a:r>
+              <a:rPr lang="en-US" spc="-1" dirty="0">
+                <a:latin typeface="Source Code Pro" panose="020B0509030403020204" pitchFamily="49" charset="0"/>
+                <a:ea typeface="Source Code Pro" panose="020B0509030403020204" pitchFamily="49" charset="0"/>
+              </a:rPr>
+              <a:t> </a:t>
+            </a:r>
+            <a:r>
+              <a:rPr lang="en-US" spc="-1" dirty="0">
+                <a:solidFill>
+                  <a:srgbClr val="2B8208"/>
+                </a:solidFill>
+                <a:latin typeface="Source Code Pro" panose="020B0509030403020204" pitchFamily="49" charset="0"/>
+                <a:ea typeface="Source Code Pro" panose="020B0509030403020204" pitchFamily="49" charset="0"/>
+              </a:rPr>
+              <a:t>FILTERING</a:t>
+            </a:r>
+            <a:r>
+              <a:rPr lang="en-US" spc="-1" dirty="0">
+                <a:latin typeface="Source Code Pro" panose="020B0509030403020204" pitchFamily="49" charset="0"/>
+                <a:ea typeface="Source Code Pro" panose="020B0509030403020204" pitchFamily="49" charset="0"/>
+              </a:rPr>
+              <a:t> ]</a:t>
+            </a:r>
+          </a:p>
+          <a:p>
+            <a:r>
+              <a:rPr lang="en-US" spc="-1" dirty="0">
+                <a:solidFill>
+                  <a:srgbClr val="0070C0"/>
+                </a:solidFill>
+                <a:latin typeface="Source Code Pro" panose="020B0509030403020204" pitchFamily="49" charset="0"/>
+                <a:ea typeface="Source Code Pro" panose="020B0509030403020204" pitchFamily="49" charset="0"/>
+              </a:rPr>
+              <a:t>select_clause::= </a:t>
+            </a:r>
+            <a:r>
+              <a:rPr lang="en-US" spc="-1" dirty="0">
+                <a:solidFill>
+                  <a:srgbClr val="C00000"/>
+                </a:solidFill>
+                <a:latin typeface="Source Code Pro" panose="020B0509030403020204" pitchFamily="49" charset="0"/>
+                <a:ea typeface="Source Code Pro" panose="020B0509030403020204" pitchFamily="49" charset="0"/>
+              </a:rPr>
+              <a:t>`selector`</a:t>
+            </a:r>
+            <a:r>
+              <a:rPr lang="en-US" spc="-1" dirty="0">
+                <a:latin typeface="Source Code Pro" panose="020B0509030403020204" pitchFamily="49" charset="0"/>
+                <a:ea typeface="Source Code Pro" panose="020B0509030403020204" pitchFamily="49" charset="0"/>
+              </a:rPr>
+              <a:t> [ AS `identifier` ] ( ',' `selector` [ AS `identifier` ] )</a:t>
+            </a:r>
+          </a:p>
+          <a:p>
+            <a:r>
+              <a:rPr lang="en-US" spc="-1" dirty="0">
+                <a:solidFill>
+                  <a:srgbClr val="C00000"/>
+                </a:solidFill>
+                <a:latin typeface="Source Code Pro" panose="020B0509030403020204" pitchFamily="49" charset="0"/>
+                <a:ea typeface="Source Code Pro" panose="020B0509030403020204" pitchFamily="49" charset="0"/>
+              </a:rPr>
+              <a:t>selector::==</a:t>
+            </a:r>
+            <a:r>
+              <a:rPr lang="en-US" spc="-1" dirty="0">
+                <a:latin typeface="Source Code Pro" panose="020B0509030403020204" pitchFamily="49" charset="0"/>
+                <a:ea typeface="Source Code Pro" panose="020B0509030403020204" pitchFamily="49" charset="0"/>
+              </a:rPr>
+              <a:t> `column_name`</a:t>
+            </a:r>
+          </a:p>
+          <a:p>
+            <a:r>
+              <a:rPr lang="en-US" spc="-1" dirty="0">
+                <a:latin typeface="Source Code Pro" panose="020B0509030403020204" pitchFamily="49" charset="0"/>
+                <a:ea typeface="Source Code Pro" panose="020B0509030403020204" pitchFamily="49" charset="0"/>
+              </a:rPr>
+              <a:t>	| `term`</a:t>
+            </a:r>
+          </a:p>
+          <a:p>
+            <a:r>
+              <a:rPr lang="en-US" spc="-1" dirty="0">
+                <a:latin typeface="Source Code Pro" panose="020B0509030403020204" pitchFamily="49" charset="0"/>
+                <a:ea typeface="Source Code Pro" panose="020B0509030403020204" pitchFamily="49" charset="0"/>
+              </a:rPr>
+              <a:t>	| CAST '(' `selector` AS `cql_type` ')'</a:t>
+            </a:r>
+          </a:p>
+          <a:p>
+            <a:r>
+              <a:rPr lang="en-US" spc="-1" dirty="0">
+                <a:latin typeface="Source Code Pro" panose="020B0509030403020204" pitchFamily="49" charset="0"/>
+                <a:ea typeface="Source Code Pro" panose="020B0509030403020204" pitchFamily="49" charset="0"/>
+              </a:rPr>
+              <a:t>	| `function_name` '(' [ `selector` ( ',' `selector` )_ ] ')'</a:t>
+            </a:r>
+          </a:p>
+          <a:p>
+            <a:r>
+              <a:rPr lang="en-US" spc="-1" dirty="0">
+                <a:latin typeface="Source Code Pro" panose="020B0509030403020204" pitchFamily="49" charset="0"/>
+                <a:ea typeface="Source Code Pro" panose="020B0509030403020204" pitchFamily="49" charset="0"/>
+              </a:rPr>
+              <a:t>	| COUNT '(' '_' ')'</a:t>
+            </a:r>
+          </a:p>
+          <a:p>
+            <a:r>
+              <a:rPr lang="en-US" spc="-1" dirty="0">
+                <a:solidFill>
+                  <a:srgbClr val="840FF9"/>
+                </a:solidFill>
+                <a:latin typeface="Source Code Pro" panose="020B0509030403020204" pitchFamily="49" charset="0"/>
+                <a:ea typeface="Source Code Pro" panose="020B0509030403020204" pitchFamily="49" charset="0"/>
+              </a:rPr>
+              <a:t>where_clause::=</a:t>
+            </a:r>
+            <a:r>
+              <a:rPr lang="en-US" spc="-1" dirty="0">
+                <a:solidFill>
+                  <a:srgbClr val="C00000"/>
+                </a:solidFill>
+                <a:latin typeface="Source Code Pro" panose="020B0509030403020204" pitchFamily="49" charset="0"/>
+                <a:ea typeface="Source Code Pro" panose="020B0509030403020204" pitchFamily="49" charset="0"/>
+              </a:rPr>
+              <a:t> `relation`</a:t>
+            </a:r>
+            <a:r>
+              <a:rPr lang="en-US" spc="-1" dirty="0">
+                <a:latin typeface="Source Code Pro" panose="020B0509030403020204" pitchFamily="49" charset="0"/>
+                <a:ea typeface="Source Code Pro" panose="020B0509030403020204" pitchFamily="49" charset="0"/>
+              </a:rPr>
+              <a:t> ( AND `relation` )*</a:t>
+            </a:r>
+          </a:p>
+          <a:p>
+            <a:r>
+              <a:rPr lang="en-US" spc="-1" dirty="0">
+                <a:solidFill>
+                  <a:srgbClr val="C00000"/>
+                </a:solidFill>
+                <a:latin typeface="Source Code Pro" panose="020B0509030403020204" pitchFamily="49" charset="0"/>
+                <a:ea typeface="Source Code Pro" panose="020B0509030403020204" pitchFamily="49" charset="0"/>
+              </a:rPr>
+              <a:t>relation::=</a:t>
+            </a:r>
+            <a:r>
+              <a:rPr lang="en-US" spc="-1" dirty="0">
+                <a:latin typeface="Source Code Pro" panose="020B0509030403020204" pitchFamily="49" charset="0"/>
+                <a:ea typeface="Source Code Pro" panose="020B0509030403020204" pitchFamily="49" charset="0"/>
+              </a:rPr>
+              <a:t> column_name </a:t>
+            </a:r>
+            <a:r>
+              <a:rPr lang="en-US" spc="-1" dirty="0">
+                <a:solidFill>
+                  <a:srgbClr val="C00000"/>
+                </a:solidFill>
+                <a:latin typeface="Source Code Pro" panose="020B0509030403020204" pitchFamily="49" charset="0"/>
+                <a:ea typeface="Source Code Pro" panose="020B0509030403020204" pitchFamily="49" charset="0"/>
+              </a:rPr>
+              <a:t>operator</a:t>
+            </a:r>
+            <a:r>
+              <a:rPr lang="en-US" spc="-1" dirty="0">
+                <a:latin typeface="Source Code Pro" panose="020B0509030403020204" pitchFamily="49" charset="0"/>
+                <a:ea typeface="Source Code Pro" panose="020B0509030403020204" pitchFamily="49" charset="0"/>
+              </a:rPr>
+              <a:t> term</a:t>
+            </a:r>
+          </a:p>
+          <a:p>
+            <a:r>
+              <a:rPr lang="en-US" spc="-1" dirty="0">
+                <a:latin typeface="Source Code Pro" panose="020B0509030403020204" pitchFamily="49" charset="0"/>
+                <a:ea typeface="Source Code Pro" panose="020B0509030403020204" pitchFamily="49" charset="0"/>
+              </a:rPr>
+              <a:t>	'(' column_name ( ',' column_name )* ')' operator tuple_literal</a:t>
+            </a:r>
+          </a:p>
+          <a:p>
+            <a:r>
+              <a:rPr lang="en-US" spc="-1" dirty="0">
+                <a:latin typeface="Source Code Pro" panose="020B0509030403020204" pitchFamily="49" charset="0"/>
+                <a:ea typeface="Source Code Pro" panose="020B0509030403020204" pitchFamily="49" charset="0"/>
+              </a:rPr>
+              <a:t>	TOKEN '(' column_name# ( ',' column_name )* ')' operator term</a:t>
+            </a:r>
+          </a:p>
+          <a:p>
+            <a:r>
+              <a:rPr lang="en-US" spc="-1" dirty="0">
+                <a:solidFill>
+                  <a:srgbClr val="C00000"/>
+                </a:solidFill>
+                <a:latin typeface="Source Code Pro" panose="020B0509030403020204" pitchFamily="49" charset="0"/>
+                <a:ea typeface="Source Code Pro" panose="020B0509030403020204" pitchFamily="49" charset="0"/>
+              </a:rPr>
+              <a:t>operator::=</a:t>
+            </a:r>
+            <a:r>
+              <a:rPr lang="en-US" spc="-1" dirty="0">
+                <a:latin typeface="Source Code Pro" panose="020B0509030403020204" pitchFamily="49" charset="0"/>
+                <a:ea typeface="Source Code Pro" panose="020B0509030403020204" pitchFamily="49" charset="0"/>
+              </a:rPr>
+              <a:t> '=' | '&lt;' | '&gt;' | '&lt;=' | '&gt;=' | '!=' | IN | CONTAINS | CONTAINS KEY</a:t>
+            </a:r>
+          </a:p>
+          <a:p>
+            <a:r>
+              <a:rPr lang="en-US" spc="-1" dirty="0">
+                <a:solidFill>
+                  <a:srgbClr val="840FF9"/>
+                </a:solidFill>
+                <a:latin typeface="Source Code Pro" panose="020B0509030403020204" pitchFamily="49" charset="0"/>
+                <a:ea typeface="Source Code Pro" panose="020B0509030403020204" pitchFamily="49" charset="0"/>
+              </a:rPr>
+              <a:t>group_by_clause::=</a:t>
+            </a:r>
+            <a:r>
+              <a:rPr lang="en-US" spc="-1" dirty="0">
+                <a:latin typeface="Source Code Pro" panose="020B0509030403020204" pitchFamily="49" charset="0"/>
+                <a:ea typeface="Source Code Pro" panose="020B0509030403020204" pitchFamily="49" charset="0"/>
+              </a:rPr>
+              <a:t> column_name ( ',' column_name )*</a:t>
+            </a:r>
+          </a:p>
+          <a:p>
+            <a:r>
+              <a:rPr lang="en-US" spc="-1" dirty="0">
+                <a:solidFill>
+                  <a:srgbClr val="840FF9"/>
+                </a:solidFill>
+                <a:latin typeface="Source Code Pro" panose="020B0509030403020204" pitchFamily="49" charset="0"/>
+                <a:ea typeface="Source Code Pro" panose="020B0509030403020204" pitchFamily="49" charset="0"/>
+              </a:rPr>
+              <a:t>ordering_clause::=</a:t>
+            </a:r>
+            <a:r>
+              <a:rPr lang="en-US" spc="-1" dirty="0">
+                <a:latin typeface="Source Code Pro" panose="020B0509030403020204" pitchFamily="49" charset="0"/>
+                <a:ea typeface="Source Code Pro" panose="020B0509030403020204" pitchFamily="49" charset="0"/>
+              </a:rPr>
+              <a:t> column_name [ ASC | DESC ] ( ',' column_name [ ASC | DESC ] )*</a:t>
+            </a:r>
+            <a:endParaRPr lang="en-IN" sz="400" spc="-1" dirty="0">
+              <a:latin typeface="Source Code Pro" panose="020B0509030403020204" pitchFamily="49" charset="0"/>
+              <a:ea typeface="Source Code Pro" panose="020B0509030403020204" pitchFamily="49" charset="0"/>
+            </a:endParaRPr>
+          </a:p>
+        </p:txBody>
+      </p:sp>
+    </p:spTree>
+    <p:extLst>
+      <p:ext uri="{BB962C8B-B14F-4D97-AF65-F5344CB8AC3E}">
+        <p14:creationId xmlns:p14="http://schemas.microsoft.com/office/powerpoint/2010/main" val="1398291685"/>
+      </p:ext>
+    </p:extLst>
+  </p:cSld>
+  <p:clrMapOvr>
+    <a:masterClrMapping/>
+  </p:clrMapOvr>
+</p:sld>
+</file>
+
+<file path=ppt/slides/slide46.xml><?xml version="1.0" encoding="utf-8"?>
+<p:sld xmlns:a="http://schemas.openxmlformats.org/drawingml/2006/main" xmlns:r="http://schemas.openxmlformats.org/officeDocument/2006/relationships" xmlns:p="http://schemas.openxmlformats.org/presentationml/2006/main">
+  <p:cSld>
+    <p:spTree>
+      <p:nvGrpSpPr>
+        <p:cNvPr id="1" name=""/>
+        <p:cNvGrpSpPr/>
+        <p:nvPr/>
+      </p:nvGrpSpPr>
+      <p:grpSpPr>
+        <a:xfrm>
+          <a:off x="0" y="0"/>
+          <a:ext cx="0" cy="0"/>
+          <a:chOff x="0" y="0"/>
+          <a:chExt cx="0" cy="0"/>
+        </a:xfrm>
+      </p:grpSpPr>
+      <p:sp>
+        <p:nvSpPr>
+          <p:cNvPr id="111" name="CustomShape 1"/>
+          <p:cNvSpPr/>
+          <p:nvPr/>
+        </p:nvSpPr>
+        <p:spPr>
+          <a:xfrm>
+            <a:off x="246600" y="762120"/>
+            <a:ext cx="11687400" cy="367878"/>
+          </a:xfrm>
+          <a:prstGeom prst="rect">
+            <a:avLst/>
+          </a:prstGeom>
+          <a:noFill/>
+          <a:ln>
+            <a:noFill/>
+          </a:ln>
+        </p:spPr>
+        <p:style>
+          <a:lnRef idx="0">
+            <a:scrgbClr r="0" g="0" b="0"/>
+          </a:lnRef>
+          <a:fillRef idx="0">
+            <a:scrgbClr r="0" g="0" b="0"/>
+          </a:fillRef>
+          <a:effectRef idx="0">
+            <a:scrgbClr r="0" g="0" b="0"/>
+          </a:effectRef>
+          <a:fontRef idx="minor"/>
+        </p:style>
+        <p:txBody>
+          <a:bodyPr lIns="90000" tIns="45000" rIns="90000" bIns="45000">
+            <a:spAutoFit/>
+          </a:bodyPr>
+          <a:lstStyle/>
+          <a:p>
+            <a:pPr algn="just"/>
+            <a:r>
+              <a:rPr lang="en-US" spc="-1" dirty="0">
+                <a:latin typeface="Arial"/>
+              </a:rPr>
+              <a:t>TODO</a:t>
+            </a:r>
+          </a:p>
+        </p:txBody>
+      </p:sp>
+      <p:sp>
+        <p:nvSpPr>
+          <p:cNvPr id="114" name="CustomShape 4"/>
+          <p:cNvSpPr/>
+          <p:nvPr/>
+        </p:nvSpPr>
+        <p:spPr>
+          <a:xfrm>
+            <a:off x="246600" y="0"/>
+            <a:ext cx="11687400" cy="706432"/>
+          </a:xfrm>
+          <a:prstGeom prst="rect">
+            <a:avLst/>
+          </a:prstGeom>
+          <a:solidFill>
+            <a:srgbClr val="C00000"/>
+          </a:solidFill>
+          <a:ln>
+            <a:noFill/>
+          </a:ln>
+        </p:spPr>
+        <p:style>
+          <a:lnRef idx="0">
+            <a:scrgbClr r="0" g="0" b="0"/>
+          </a:lnRef>
+          <a:fillRef idx="0">
+            <a:scrgbClr r="0" g="0" b="0"/>
+          </a:fillRef>
+          <a:effectRef idx="0">
+            <a:scrgbClr r="0" g="0" b="0"/>
+          </a:effectRef>
+          <a:fontRef idx="minor"/>
+        </p:style>
+        <p:txBody>
+          <a:bodyPr lIns="90000" tIns="45000" rIns="90000" bIns="45000">
+            <a:spAutoFit/>
+          </a:bodyPr>
+          <a:lstStyle/>
+          <a:p>
+            <a:pPr algn="ctr">
+              <a:lnSpc>
+                <a:spcPct val="100000"/>
+              </a:lnSpc>
+            </a:pPr>
+            <a:r>
+              <a:rPr lang="en-IN" sz="4000" spc="-1" dirty="0">
+                <a:solidFill>
+                  <a:srgbClr val="F7C120"/>
+                </a:solidFill>
+                <a:latin typeface="Open Sans"/>
+                <a:ea typeface="DejaVu Sans"/>
+              </a:rPr>
+              <a:t>select data – WHERE clause</a:t>
+            </a:r>
+            <a:endParaRPr lang="en-IN" sz="4000" b="0" strike="noStrike" spc="-1" dirty="0">
+              <a:latin typeface="Arial"/>
+            </a:endParaRPr>
+          </a:p>
+        </p:txBody>
+      </p:sp>
+      <p:sp>
+        <p:nvSpPr>
+          <p:cNvPr id="6" name="CustomShape 6">
+            <a:extLst>
+              <a:ext uri="{FF2B5EF4-FFF2-40B4-BE49-F238E27FC236}">
+                <a16:creationId xmlns:a16="http://schemas.microsoft.com/office/drawing/2014/main" id="{20ADB939-8AEC-47EC-8B01-ED6AB8A20258}"/>
+              </a:ext>
+            </a:extLst>
+          </p:cNvPr>
+          <p:cNvSpPr/>
+          <p:nvPr/>
+        </p:nvSpPr>
+        <p:spPr>
+          <a:xfrm>
+            <a:off x="246600" y="1426419"/>
+            <a:ext cx="11687400" cy="4522861"/>
+          </a:xfrm>
+          <a:prstGeom prst="rect">
+            <a:avLst/>
+          </a:prstGeom>
+          <a:noFill/>
+          <a:ln>
+            <a:noFill/>
+          </a:ln>
+        </p:spPr>
+        <p:style>
+          <a:lnRef idx="0">
+            <a:scrgbClr r="0" g="0" b="0"/>
+          </a:lnRef>
+          <a:fillRef idx="0">
+            <a:scrgbClr r="0" g="0" b="0"/>
+          </a:fillRef>
+          <a:effectRef idx="0">
+            <a:scrgbClr r="0" g="0" b="0"/>
+          </a:effectRef>
+          <a:fontRef idx="minor"/>
+        </p:style>
+        <p:txBody>
+          <a:bodyPr lIns="90000" tIns="45000" rIns="90000" bIns="45000">
+            <a:spAutoFit/>
+          </a:bodyPr>
+          <a:lstStyle/>
+          <a:p>
+            <a:r>
+              <a:rPr lang="en-US" spc="-1" dirty="0">
+                <a:latin typeface="Source Code Pro" panose="020B0509030403020204" pitchFamily="49" charset="0"/>
+                <a:ea typeface="Source Code Pro" panose="020B0509030403020204" pitchFamily="49" charset="0"/>
+              </a:rPr>
+              <a:t>select_statement::= </a:t>
+            </a:r>
+            <a:r>
+              <a:rPr lang="en-US" spc="-1" dirty="0">
+                <a:solidFill>
+                  <a:srgbClr val="2B8208"/>
+                </a:solidFill>
+                <a:latin typeface="Source Code Pro" panose="020B0509030403020204" pitchFamily="49" charset="0"/>
+                <a:ea typeface="Source Code Pro" panose="020B0509030403020204" pitchFamily="49" charset="0"/>
+              </a:rPr>
+              <a:t>SELECT</a:t>
+            </a:r>
+            <a:r>
+              <a:rPr lang="en-US" spc="-1" dirty="0">
+                <a:latin typeface="Source Code Pro" panose="020B0509030403020204" pitchFamily="49" charset="0"/>
+                <a:ea typeface="Source Code Pro" panose="020B0509030403020204" pitchFamily="49" charset="0"/>
+              </a:rPr>
+              <a:t> [ </a:t>
+            </a:r>
+            <a:r>
+              <a:rPr lang="en-US" i="1" spc="-1" dirty="0">
+                <a:solidFill>
+                  <a:schemeClr val="accent5">
+                    <a:lumMod val="75000"/>
+                  </a:schemeClr>
+                </a:solidFill>
+                <a:latin typeface="Source Code Pro" panose="020B0509030403020204" pitchFamily="49" charset="0"/>
+                <a:ea typeface="Source Code Pro" panose="020B0509030403020204" pitchFamily="49" charset="0"/>
+              </a:rPr>
+              <a:t>JSON </a:t>
+            </a:r>
+            <a:r>
+              <a:rPr lang="en-US" spc="-1" dirty="0">
+                <a:solidFill>
+                  <a:schemeClr val="accent5">
+                    <a:lumMod val="75000"/>
+                  </a:schemeClr>
+                </a:solidFill>
+                <a:latin typeface="Source Code Pro" panose="020B0509030403020204" pitchFamily="49" charset="0"/>
+                <a:ea typeface="Source Code Pro" panose="020B0509030403020204" pitchFamily="49" charset="0"/>
+              </a:rPr>
+              <a:t>|</a:t>
+            </a:r>
+            <a:r>
+              <a:rPr lang="en-US" i="1" spc="-1" dirty="0">
+                <a:solidFill>
+                  <a:schemeClr val="accent5">
+                    <a:lumMod val="75000"/>
+                  </a:schemeClr>
+                </a:solidFill>
+                <a:latin typeface="Source Code Pro" panose="020B0509030403020204" pitchFamily="49" charset="0"/>
+                <a:ea typeface="Source Code Pro" panose="020B0509030403020204" pitchFamily="49" charset="0"/>
+              </a:rPr>
+              <a:t> DISTINCT</a:t>
+            </a:r>
+            <a:r>
+              <a:rPr lang="en-US" spc="-1" dirty="0">
+                <a:latin typeface="Source Code Pro" panose="020B0509030403020204" pitchFamily="49" charset="0"/>
+                <a:ea typeface="Source Code Pro" panose="020B0509030403020204" pitchFamily="49" charset="0"/>
+              </a:rPr>
+              <a:t> ] ( </a:t>
+            </a:r>
+            <a:r>
+              <a:rPr lang="en-US" spc="-1" dirty="0">
+                <a:solidFill>
+                  <a:srgbClr val="0070C0"/>
+                </a:solidFill>
+                <a:latin typeface="Source Code Pro" panose="020B0509030403020204" pitchFamily="49" charset="0"/>
+                <a:ea typeface="Source Code Pro" panose="020B0509030403020204" pitchFamily="49" charset="0"/>
+              </a:rPr>
+              <a:t>select_clause </a:t>
+            </a:r>
+            <a:r>
+              <a:rPr lang="en-US" spc="-1" dirty="0">
+                <a:latin typeface="Source Code Pro" panose="020B0509030403020204" pitchFamily="49" charset="0"/>
+                <a:ea typeface="Source Code Pro" panose="020B0509030403020204" pitchFamily="49" charset="0"/>
+              </a:rPr>
+              <a:t>| '*' )</a:t>
+            </a:r>
+          </a:p>
+          <a:p>
+            <a:r>
+              <a:rPr lang="en-US" spc="-1" dirty="0">
+                <a:latin typeface="Source Code Pro" panose="020B0509030403020204" pitchFamily="49" charset="0"/>
+                <a:ea typeface="Source Code Pro" panose="020B0509030403020204" pitchFamily="49" charset="0"/>
+              </a:rPr>
+              <a:t>	</a:t>
+            </a:r>
+            <a:r>
+              <a:rPr lang="en-US" spc="-1" dirty="0">
+                <a:solidFill>
+                  <a:srgbClr val="2B8208"/>
+                </a:solidFill>
+                <a:latin typeface="Source Code Pro" panose="020B0509030403020204" pitchFamily="49" charset="0"/>
+                <a:ea typeface="Source Code Pro" panose="020B0509030403020204" pitchFamily="49" charset="0"/>
+              </a:rPr>
+              <a:t>FROM</a:t>
+            </a:r>
+            <a:r>
+              <a:rPr lang="en-US" spc="-1" dirty="0">
+                <a:latin typeface="Source Code Pro" panose="020B0509030403020204" pitchFamily="49" charset="0"/>
+                <a:ea typeface="Source Code Pro" panose="020B0509030403020204" pitchFamily="49" charset="0"/>
+              </a:rPr>
+              <a:t> `table_name`</a:t>
+            </a:r>
+          </a:p>
+          <a:p>
+            <a:r>
+              <a:rPr lang="en-US" spc="-1" dirty="0">
+                <a:latin typeface="Source Code Pro" panose="020B0509030403020204" pitchFamily="49" charset="0"/>
+                <a:ea typeface="Source Code Pro" panose="020B0509030403020204" pitchFamily="49" charset="0"/>
+              </a:rPr>
+              <a:t>	[ </a:t>
+            </a:r>
+            <a:r>
+              <a:rPr lang="en-US" spc="-1" dirty="0">
+                <a:solidFill>
+                  <a:srgbClr val="2B8208"/>
+                </a:solidFill>
+                <a:latin typeface="Source Code Pro" panose="020B0509030403020204" pitchFamily="49" charset="0"/>
+                <a:ea typeface="Source Code Pro" panose="020B0509030403020204" pitchFamily="49" charset="0"/>
+              </a:rPr>
+              <a:t>WHERE</a:t>
+            </a:r>
+            <a:r>
+              <a:rPr lang="en-US" spc="-1" dirty="0">
+                <a:latin typeface="Source Code Pro" panose="020B0509030403020204" pitchFamily="49" charset="0"/>
+                <a:ea typeface="Source Code Pro" panose="020B0509030403020204" pitchFamily="49" charset="0"/>
+              </a:rPr>
+              <a:t> </a:t>
+            </a:r>
+            <a:r>
+              <a:rPr lang="en-US" spc="-1" dirty="0">
+                <a:solidFill>
+                  <a:srgbClr val="840FF9"/>
+                </a:solidFill>
+                <a:latin typeface="Source Code Pro" panose="020B0509030403020204" pitchFamily="49" charset="0"/>
+                <a:ea typeface="Source Code Pro" panose="020B0509030403020204" pitchFamily="49" charset="0"/>
+              </a:rPr>
+              <a:t>`where_clause`</a:t>
+            </a:r>
+            <a:r>
+              <a:rPr lang="en-US" spc="-1" dirty="0">
+                <a:solidFill>
+                  <a:srgbClr val="C00000"/>
+                </a:solidFill>
+                <a:latin typeface="Source Code Pro" panose="020B0509030403020204" pitchFamily="49" charset="0"/>
+                <a:ea typeface="Source Code Pro" panose="020B0509030403020204" pitchFamily="49" charset="0"/>
+              </a:rPr>
+              <a:t> </a:t>
+            </a:r>
+            <a:r>
+              <a:rPr lang="en-US" spc="-1" dirty="0">
+                <a:latin typeface="Source Code Pro" panose="020B0509030403020204" pitchFamily="49" charset="0"/>
+                <a:ea typeface="Source Code Pro" panose="020B0509030403020204" pitchFamily="49" charset="0"/>
+              </a:rPr>
+              <a:t>]</a:t>
+            </a:r>
+          </a:p>
+          <a:p>
+            <a:r>
+              <a:rPr lang="en-US" spc="-1" dirty="0">
+                <a:latin typeface="Source Code Pro" panose="020B0509030403020204" pitchFamily="49" charset="0"/>
+                <a:ea typeface="Source Code Pro" panose="020B0509030403020204" pitchFamily="49" charset="0"/>
+              </a:rPr>
+              <a:t>	[ </a:t>
+            </a:r>
+            <a:r>
+              <a:rPr lang="en-US" spc="-1" dirty="0">
+                <a:solidFill>
+                  <a:srgbClr val="2B8208"/>
+                </a:solidFill>
+                <a:latin typeface="Source Code Pro" panose="020B0509030403020204" pitchFamily="49" charset="0"/>
+                <a:ea typeface="Source Code Pro" panose="020B0509030403020204" pitchFamily="49" charset="0"/>
+              </a:rPr>
+              <a:t>ALLOW</a:t>
+            </a:r>
+            <a:r>
+              <a:rPr lang="en-US" spc="-1" dirty="0">
+                <a:latin typeface="Source Code Pro" panose="020B0509030403020204" pitchFamily="49" charset="0"/>
+                <a:ea typeface="Source Code Pro" panose="020B0509030403020204" pitchFamily="49" charset="0"/>
+              </a:rPr>
+              <a:t> </a:t>
+            </a:r>
+            <a:r>
+              <a:rPr lang="en-US" spc="-1" dirty="0">
+                <a:solidFill>
+                  <a:srgbClr val="2B8208"/>
+                </a:solidFill>
+                <a:latin typeface="Source Code Pro" panose="020B0509030403020204" pitchFamily="49" charset="0"/>
+                <a:ea typeface="Source Code Pro" panose="020B0509030403020204" pitchFamily="49" charset="0"/>
+              </a:rPr>
+              <a:t>FILTERING</a:t>
+            </a:r>
+            <a:r>
+              <a:rPr lang="en-US" spc="-1" dirty="0">
+                <a:latin typeface="Source Code Pro" panose="020B0509030403020204" pitchFamily="49" charset="0"/>
+                <a:ea typeface="Source Code Pro" panose="020B0509030403020204" pitchFamily="49" charset="0"/>
+              </a:rPr>
+              <a:t> ]</a:t>
+            </a:r>
+          </a:p>
+          <a:p>
+            <a:r>
+              <a:rPr lang="en-US" spc="-1" dirty="0">
+                <a:solidFill>
+                  <a:srgbClr val="0070C0"/>
+                </a:solidFill>
+                <a:latin typeface="Source Code Pro" panose="020B0509030403020204" pitchFamily="49" charset="0"/>
+                <a:ea typeface="Source Code Pro" panose="020B0509030403020204" pitchFamily="49" charset="0"/>
+              </a:rPr>
+              <a:t>select_clause::= </a:t>
+            </a:r>
+            <a:r>
+              <a:rPr lang="en-US" spc="-1" dirty="0">
+                <a:solidFill>
+                  <a:srgbClr val="C00000"/>
+                </a:solidFill>
+                <a:latin typeface="Source Code Pro" panose="020B0509030403020204" pitchFamily="49" charset="0"/>
+                <a:ea typeface="Source Code Pro" panose="020B0509030403020204" pitchFamily="49" charset="0"/>
+              </a:rPr>
+              <a:t>`selector`</a:t>
+            </a:r>
+            <a:r>
+              <a:rPr lang="en-US" spc="-1" dirty="0">
+                <a:latin typeface="Source Code Pro" panose="020B0509030403020204" pitchFamily="49" charset="0"/>
+                <a:ea typeface="Source Code Pro" panose="020B0509030403020204" pitchFamily="49" charset="0"/>
+              </a:rPr>
+              <a:t> [ AS `identifier` ] ( ',' `selector` [ AS `identifier` ] )</a:t>
+            </a:r>
+          </a:p>
+          <a:p>
+            <a:r>
+              <a:rPr lang="en-US" spc="-1" dirty="0">
+                <a:solidFill>
+                  <a:srgbClr val="C00000"/>
+                </a:solidFill>
+                <a:latin typeface="Source Code Pro" panose="020B0509030403020204" pitchFamily="49" charset="0"/>
+                <a:ea typeface="Source Code Pro" panose="020B0509030403020204" pitchFamily="49" charset="0"/>
+              </a:rPr>
+              <a:t>selector::==</a:t>
+            </a:r>
+            <a:r>
+              <a:rPr lang="en-US" spc="-1" dirty="0">
+                <a:latin typeface="Source Code Pro" panose="020B0509030403020204" pitchFamily="49" charset="0"/>
+                <a:ea typeface="Source Code Pro" panose="020B0509030403020204" pitchFamily="49" charset="0"/>
+              </a:rPr>
+              <a:t> `column_name`</a:t>
+            </a:r>
+          </a:p>
+          <a:p>
+            <a:r>
+              <a:rPr lang="en-US" spc="-1" dirty="0">
+                <a:latin typeface="Source Code Pro" panose="020B0509030403020204" pitchFamily="49" charset="0"/>
+                <a:ea typeface="Source Code Pro" panose="020B0509030403020204" pitchFamily="49" charset="0"/>
+              </a:rPr>
+              <a:t>	| `term`</a:t>
+            </a:r>
+          </a:p>
+          <a:p>
+            <a:r>
+              <a:rPr lang="en-US" spc="-1" dirty="0">
+                <a:latin typeface="Source Code Pro" panose="020B0509030403020204" pitchFamily="49" charset="0"/>
+                <a:ea typeface="Source Code Pro" panose="020B0509030403020204" pitchFamily="49" charset="0"/>
+              </a:rPr>
+              <a:t>	| CAST '(' `selector` AS `cql_type` ')'</a:t>
+            </a:r>
+          </a:p>
+          <a:p>
+            <a:r>
+              <a:rPr lang="en-US" spc="-1" dirty="0">
+                <a:latin typeface="Source Code Pro" panose="020B0509030403020204" pitchFamily="49" charset="0"/>
+                <a:ea typeface="Source Code Pro" panose="020B0509030403020204" pitchFamily="49" charset="0"/>
+              </a:rPr>
+              <a:t>	| `function_name` '(' [ `selector` ( ',' `selector` )_ ] ')'</a:t>
+            </a:r>
+          </a:p>
+          <a:p>
+            <a:r>
+              <a:rPr lang="en-US" spc="-1" dirty="0">
+                <a:latin typeface="Source Code Pro" panose="020B0509030403020204" pitchFamily="49" charset="0"/>
+                <a:ea typeface="Source Code Pro" panose="020B0509030403020204" pitchFamily="49" charset="0"/>
+              </a:rPr>
+              <a:t>	| COUNT '(' '_' ')'</a:t>
+            </a:r>
+          </a:p>
+          <a:p>
+            <a:r>
+              <a:rPr lang="en-US" spc="-1" dirty="0">
+                <a:solidFill>
+                  <a:srgbClr val="840FF9"/>
+                </a:solidFill>
+                <a:latin typeface="Source Code Pro" panose="020B0509030403020204" pitchFamily="49" charset="0"/>
+                <a:ea typeface="Source Code Pro" panose="020B0509030403020204" pitchFamily="49" charset="0"/>
+              </a:rPr>
+              <a:t>where_clause::=</a:t>
+            </a:r>
+            <a:r>
+              <a:rPr lang="en-US" spc="-1" dirty="0">
+                <a:solidFill>
+                  <a:srgbClr val="C00000"/>
+                </a:solidFill>
+                <a:latin typeface="Source Code Pro" panose="020B0509030403020204" pitchFamily="49" charset="0"/>
+                <a:ea typeface="Source Code Pro" panose="020B0509030403020204" pitchFamily="49" charset="0"/>
+              </a:rPr>
+              <a:t> `relation`</a:t>
+            </a:r>
+            <a:r>
+              <a:rPr lang="en-US" spc="-1" dirty="0">
+                <a:latin typeface="Source Code Pro" panose="020B0509030403020204" pitchFamily="49" charset="0"/>
+                <a:ea typeface="Source Code Pro" panose="020B0509030403020204" pitchFamily="49" charset="0"/>
+              </a:rPr>
+              <a:t> ( AND `relation` )*</a:t>
+            </a:r>
+          </a:p>
+          <a:p>
+            <a:r>
+              <a:rPr lang="en-US" spc="-1" dirty="0">
+                <a:solidFill>
+                  <a:srgbClr val="C00000"/>
+                </a:solidFill>
+                <a:latin typeface="Source Code Pro" panose="020B0509030403020204" pitchFamily="49" charset="0"/>
+                <a:ea typeface="Source Code Pro" panose="020B0509030403020204" pitchFamily="49" charset="0"/>
+              </a:rPr>
+              <a:t>relation::=</a:t>
+            </a:r>
+            <a:r>
+              <a:rPr lang="en-US" spc="-1" dirty="0">
+                <a:latin typeface="Source Code Pro" panose="020B0509030403020204" pitchFamily="49" charset="0"/>
+                <a:ea typeface="Source Code Pro" panose="020B0509030403020204" pitchFamily="49" charset="0"/>
+              </a:rPr>
+              <a:t> column_name </a:t>
+            </a:r>
+            <a:r>
+              <a:rPr lang="en-US" spc="-1" dirty="0">
+                <a:solidFill>
+                  <a:srgbClr val="C00000"/>
+                </a:solidFill>
+                <a:latin typeface="Source Code Pro" panose="020B0509030403020204" pitchFamily="49" charset="0"/>
+                <a:ea typeface="Source Code Pro" panose="020B0509030403020204" pitchFamily="49" charset="0"/>
+              </a:rPr>
+              <a:t>operator</a:t>
+            </a:r>
+            <a:r>
+              <a:rPr lang="en-US" spc="-1" dirty="0">
+                <a:latin typeface="Source Code Pro" panose="020B0509030403020204" pitchFamily="49" charset="0"/>
+                <a:ea typeface="Source Code Pro" panose="020B0509030403020204" pitchFamily="49" charset="0"/>
+              </a:rPr>
+              <a:t> term</a:t>
+            </a:r>
+          </a:p>
+          <a:p>
+            <a:r>
+              <a:rPr lang="en-US" spc="-1" dirty="0">
+                <a:latin typeface="Source Code Pro" panose="020B0509030403020204" pitchFamily="49" charset="0"/>
+                <a:ea typeface="Source Code Pro" panose="020B0509030403020204" pitchFamily="49" charset="0"/>
+              </a:rPr>
+              <a:t>	'(' column_name ( ',' column_name )* ')' operator tuple_literal</a:t>
+            </a:r>
+          </a:p>
+          <a:p>
+            <a:r>
+              <a:rPr lang="en-US" spc="-1" dirty="0">
+                <a:latin typeface="Source Code Pro" panose="020B0509030403020204" pitchFamily="49" charset="0"/>
+                <a:ea typeface="Source Code Pro" panose="020B0509030403020204" pitchFamily="49" charset="0"/>
+              </a:rPr>
+              <a:t>	TOKEN '(' column_name# ( ',' column_name )* ')' operator term</a:t>
+            </a:r>
+          </a:p>
+          <a:p>
+            <a:r>
+              <a:rPr lang="en-US" spc="-1" dirty="0">
+                <a:solidFill>
+                  <a:srgbClr val="C00000"/>
+                </a:solidFill>
+                <a:latin typeface="Source Code Pro" panose="020B0509030403020204" pitchFamily="49" charset="0"/>
+                <a:ea typeface="Source Code Pro" panose="020B0509030403020204" pitchFamily="49" charset="0"/>
+              </a:rPr>
+              <a:t>operator::=</a:t>
+            </a:r>
+            <a:r>
+              <a:rPr lang="en-US" spc="-1" dirty="0">
+                <a:latin typeface="Source Code Pro" panose="020B0509030403020204" pitchFamily="49" charset="0"/>
+                <a:ea typeface="Source Code Pro" panose="020B0509030403020204" pitchFamily="49" charset="0"/>
+              </a:rPr>
+              <a:t> '=' | '&lt;' | '&gt;' | '&lt;=' | '&gt;=' | '!=' | IN | CONTAINS | CONTAINS KEY</a:t>
+            </a:r>
+            <a:endParaRPr lang="en-IN" sz="400" spc="-1" dirty="0">
+              <a:latin typeface="Source Code Pro" panose="020B0509030403020204" pitchFamily="49" charset="0"/>
+              <a:ea typeface="Source Code Pro" panose="020B0509030403020204" pitchFamily="49" charset="0"/>
+            </a:endParaRPr>
+          </a:p>
+        </p:txBody>
+      </p:sp>
+    </p:spTree>
+    <p:extLst>
+      <p:ext uri="{BB962C8B-B14F-4D97-AF65-F5344CB8AC3E}">
+        <p14:creationId xmlns:p14="http://schemas.microsoft.com/office/powerpoint/2010/main" val="732455922"/>
+      </p:ext>
+    </p:extLst>
+  </p:cSld>
+  <p:clrMapOvr>
+    <a:masterClrMapping/>
+  </p:clrMapOvr>
+</p:sld>
+</file>
+
+<file path=ppt/slides/slide47.xml><?xml version="1.0" encoding="utf-8"?>
+<p:sld xmlns:a="http://schemas.openxmlformats.org/drawingml/2006/main" xmlns:r="http://schemas.openxmlformats.org/officeDocument/2006/relationships" xmlns:p="http://schemas.openxmlformats.org/presentationml/2006/main">
+  <p:cSld>
+    <p:spTree>
+      <p:nvGrpSpPr>
+        <p:cNvPr id="1" name=""/>
+        <p:cNvGrpSpPr/>
+        <p:nvPr/>
+      </p:nvGrpSpPr>
+      <p:grpSpPr>
+        <a:xfrm>
+          <a:off x="0" y="0"/>
+          <a:ext cx="0" cy="0"/>
+          <a:chOff x="0" y="0"/>
+          <a:chExt cx="0" cy="0"/>
+        </a:xfrm>
+      </p:grpSpPr>
+      <p:sp>
+        <p:nvSpPr>
+          <p:cNvPr id="114" name="CustomShape 4"/>
+          <p:cNvSpPr/>
+          <p:nvPr/>
+        </p:nvSpPr>
+        <p:spPr>
+          <a:xfrm>
+            <a:off x="246600" y="0"/>
+            <a:ext cx="11687400" cy="706432"/>
+          </a:xfrm>
+          <a:prstGeom prst="rect">
+            <a:avLst/>
+          </a:prstGeom>
+          <a:solidFill>
+            <a:srgbClr val="C00000"/>
+          </a:solidFill>
+          <a:ln>
+            <a:noFill/>
+          </a:ln>
+        </p:spPr>
+        <p:style>
+          <a:lnRef idx="0">
+            <a:scrgbClr r="0" g="0" b="0"/>
+          </a:lnRef>
+          <a:fillRef idx="0">
+            <a:scrgbClr r="0" g="0" b="0"/>
+          </a:fillRef>
+          <a:effectRef idx="0">
+            <a:scrgbClr r="0" g="0" b="0"/>
+          </a:effectRef>
+          <a:fontRef idx="minor"/>
+        </p:style>
+        <p:txBody>
+          <a:bodyPr lIns="90000" tIns="45000" rIns="90000" bIns="45000">
+            <a:spAutoFit/>
+          </a:bodyPr>
+          <a:lstStyle/>
+          <a:p>
+            <a:pPr algn="ctr">
+              <a:lnSpc>
+                <a:spcPct val="100000"/>
+              </a:lnSpc>
+            </a:pPr>
+            <a:r>
+              <a:rPr lang="en-IN" sz="4000" spc="-1" dirty="0">
+                <a:solidFill>
+                  <a:srgbClr val="F7C120"/>
+                </a:solidFill>
+                <a:latin typeface="Open Sans"/>
+                <a:ea typeface="DejaVu Sans"/>
+              </a:rPr>
               <a:t>select data – WHERE clause</a:t>
             </a:r>
             <a:endParaRPr lang="en-IN" sz="4000" b="0" strike="noStrike" spc="-1" dirty="0">
@@ -24721,7 +26199,7 @@
 </p:sld>
 </file>
 
-<file path=ppt/slides/slide46.xml><?xml version="1.0" encoding="utf-8"?>
+<file path=ppt/slides/slide48.xml><?xml version="1.0" encoding="utf-8"?>
 <p:sld xmlns:a="http://schemas.openxmlformats.org/drawingml/2006/main" xmlns:r="http://schemas.openxmlformats.org/officeDocument/2006/relationships" xmlns:p="http://schemas.openxmlformats.org/presentationml/2006/main">
   <p:cSld>
     <p:spTree>
@@ -24880,7 +26358,7 @@
 </p:sld>
 </file>
 
-<file path=ppt/slides/slide47.xml><?xml version="1.0" encoding="utf-8"?>
+<file path=ppt/slides/slide49.xml><?xml version="1.0" encoding="utf-8"?>
 <p:sld xmlns:a="http://schemas.openxmlformats.org/drawingml/2006/main" xmlns:r="http://schemas.openxmlformats.org/officeDocument/2006/relationships" xmlns:p="http://schemas.openxmlformats.org/presentationml/2006/main">
   <p:cSld>
     <p:spTree>
@@ -25376,7 +26854,403 @@
 </p:sld>
 </file>
 
-<file path=ppt/slides/slide48.xml><?xml version="1.0" encoding="utf-8"?>
+<file path=ppt/slides/slide5.xml><?xml version="1.0" encoding="utf-8"?>
+<p:sld xmlns:a="http://schemas.openxmlformats.org/drawingml/2006/main" xmlns:r="http://schemas.openxmlformats.org/officeDocument/2006/relationships" xmlns:p="http://schemas.openxmlformats.org/presentationml/2006/main">
+  <p:cSld>
+    <p:spTree>
+      <p:nvGrpSpPr>
+        <p:cNvPr id="1" name=""/>
+        <p:cNvGrpSpPr/>
+        <p:nvPr/>
+      </p:nvGrpSpPr>
+      <p:grpSpPr>
+        <a:xfrm>
+          <a:off x="0" y="0"/>
+          <a:ext cx="0" cy="0"/>
+          <a:chOff x="0" y="0"/>
+          <a:chExt cx="0" cy="0"/>
+        </a:xfrm>
+      </p:grpSpPr>
+      <p:sp>
+        <p:nvSpPr>
+          <p:cNvPr id="58370" name="AutoShape 2" descr="One-to-one entity relationship diagram"/>
+          <p:cNvSpPr>
+            <a:spLocks noChangeAspect="1" noChangeArrowheads="1"/>
+          </p:cNvSpPr>
+          <p:nvPr/>
+        </p:nvSpPr>
+        <p:spPr bwMode="auto">
+          <a:xfrm>
+            <a:off x="1679575" y="-144463"/>
+            <a:ext cx="304800" cy="304801"/>
+          </a:xfrm>
+          <a:prstGeom prst="rect">
+            <a:avLst/>
+          </a:prstGeom>
+          <a:noFill/>
+        </p:spPr>
+        <p:txBody>
+          <a:bodyPr vert="horz" wrap="square" lIns="91440" tIns="45720" rIns="91440" bIns="45720" numCol="1" anchor="t" anchorCtr="0" compatLnSpc="1">
+            <a:prstTxWarp prst="textNoShape">
+              <a:avLst/>
+            </a:prstTxWarp>
+          </a:bodyPr>
+          <a:lstStyle/>
+          <a:p>
+            <a:endParaRPr lang="en-US" dirty="0">
+              <a:latin typeface="Arial" pitchFamily="34" charset="0"/>
+              <a:cs typeface="Arial" pitchFamily="34" charset="0"/>
+            </a:endParaRPr>
+          </a:p>
+        </p:txBody>
+      </p:sp>
+      <p:sp>
+        <p:nvSpPr>
+          <p:cNvPr id="58372" name="AutoShape 4" descr="One-to-one entity relationship diagram"/>
+          <p:cNvSpPr>
+            <a:spLocks noChangeAspect="1" noChangeArrowheads="1"/>
+          </p:cNvSpPr>
+          <p:nvPr/>
+        </p:nvSpPr>
+        <p:spPr bwMode="auto">
+          <a:xfrm>
+            <a:off x="1679575" y="-144463"/>
+            <a:ext cx="304800" cy="304801"/>
+          </a:xfrm>
+          <a:prstGeom prst="rect">
+            <a:avLst/>
+          </a:prstGeom>
+          <a:noFill/>
+        </p:spPr>
+        <p:txBody>
+          <a:bodyPr vert="horz" wrap="square" lIns="91440" tIns="45720" rIns="91440" bIns="45720" numCol="1" anchor="t" anchorCtr="0" compatLnSpc="1">
+            <a:prstTxWarp prst="textNoShape">
+              <a:avLst/>
+            </a:prstTxWarp>
+          </a:bodyPr>
+          <a:lstStyle/>
+          <a:p>
+            <a:endParaRPr lang="en-US" dirty="0">
+              <a:latin typeface="Arial" pitchFamily="34" charset="0"/>
+              <a:cs typeface="Arial" pitchFamily="34" charset="0"/>
+            </a:endParaRPr>
+          </a:p>
+        </p:txBody>
+      </p:sp>
+      <p:sp>
+        <p:nvSpPr>
+          <p:cNvPr id="8" name="CustomShape 6">
+            <a:extLst>
+              <a:ext uri="{FF2B5EF4-FFF2-40B4-BE49-F238E27FC236}">
+                <a16:creationId xmlns:a16="http://schemas.microsoft.com/office/drawing/2014/main" id="{D8952F57-BFAB-4656-8E7F-3105CA98AD8B}"/>
+              </a:ext>
+            </a:extLst>
+          </p:cNvPr>
+          <p:cNvSpPr/>
+          <p:nvPr/>
+        </p:nvSpPr>
+        <p:spPr>
+          <a:xfrm>
+            <a:off x="246600" y="0"/>
+            <a:ext cx="11693880" cy="706432"/>
+          </a:xfrm>
+          <a:prstGeom prst="rect">
+            <a:avLst/>
+          </a:prstGeom>
+          <a:solidFill>
+            <a:srgbClr val="C00000"/>
+          </a:solidFill>
+          <a:ln>
+            <a:noFill/>
+          </a:ln>
+        </p:spPr>
+        <p:style>
+          <a:lnRef idx="0">
+            <a:scrgbClr r="0" g="0" b="0"/>
+          </a:lnRef>
+          <a:fillRef idx="0">
+            <a:scrgbClr r="0" g="0" b="0"/>
+          </a:fillRef>
+          <a:effectRef idx="0">
+            <a:scrgbClr r="0" g="0" b="0"/>
+          </a:effectRef>
+          <a:fontRef idx="minor"/>
+        </p:style>
+        <p:txBody>
+          <a:bodyPr lIns="90000" tIns="45000" rIns="90000" bIns="45000">
+            <a:spAutoFit/>
+          </a:bodyPr>
+          <a:lstStyle/>
+          <a:p>
+            <a:pPr algn="ctr"/>
+            <a:r>
+              <a:rPr lang="en-IN" sz="4000" spc="-1" dirty="0">
+                <a:solidFill>
+                  <a:srgbClr val="F7C120"/>
+                </a:solidFill>
+                <a:latin typeface="Open Sans"/>
+              </a:rPr>
+              <a:t>comments in cassandra</a:t>
+            </a:r>
+          </a:p>
+        </p:txBody>
+      </p:sp>
+      <p:sp>
+        <p:nvSpPr>
+          <p:cNvPr id="9" name="TextBox 8">
+            <a:extLst>
+              <a:ext uri="{FF2B5EF4-FFF2-40B4-BE49-F238E27FC236}">
+                <a16:creationId xmlns:a16="http://schemas.microsoft.com/office/drawing/2014/main" id="{C72205C8-5D21-4BF1-A2BB-0A37EFBCB337}"/>
+              </a:ext>
+            </a:extLst>
+          </p:cNvPr>
+          <p:cNvSpPr txBox="1"/>
+          <p:nvPr/>
+        </p:nvSpPr>
+        <p:spPr>
+          <a:xfrm>
+            <a:off x="264540" y="1412776"/>
+            <a:ext cx="11675939" cy="2308324"/>
+          </a:xfrm>
+          <a:prstGeom prst="rect">
+            <a:avLst/>
+          </a:prstGeom>
+          <a:noFill/>
+        </p:spPr>
+        <p:txBody>
+          <a:bodyPr wrap="square">
+            <a:spAutoFit/>
+          </a:bodyPr>
+          <a:lstStyle/>
+          <a:p>
+            <a:pPr marL="285750" indent="-285750">
+              <a:buFont typeface="Arial" panose="020B0604020202020204" pitchFamily="34" charset="0"/>
+              <a:buChar char="•"/>
+            </a:pPr>
+            <a:r>
+              <a:rPr lang="en-IN" dirty="0">
+                <a:solidFill>
+                  <a:srgbClr val="0070C0"/>
+                </a:solidFill>
+                <a:latin typeface="Consolas" panose="020B0609020204030204" pitchFamily="49" charset="0"/>
+              </a:rPr>
+              <a:t>SELECT</a:t>
+            </a:r>
+            <a:r>
+              <a:rPr lang="en-IN" dirty="0">
+                <a:latin typeface="Consolas" panose="020B0609020204030204" pitchFamily="49" charset="0"/>
+              </a:rPr>
+              <a:t> * </a:t>
+            </a:r>
+            <a:r>
+              <a:rPr lang="en-IN" dirty="0">
+                <a:solidFill>
+                  <a:srgbClr val="0070C0"/>
+                </a:solidFill>
+                <a:latin typeface="Consolas" panose="020B0609020204030204" pitchFamily="49" charset="0"/>
+              </a:rPr>
+              <a:t>FROM</a:t>
+            </a:r>
+            <a:r>
+              <a:rPr lang="en-IN" dirty="0">
+                <a:latin typeface="Consolas" panose="020B0609020204030204" pitchFamily="49" charset="0"/>
+              </a:rPr>
+              <a:t> emp; </a:t>
+            </a:r>
+            <a:r>
+              <a:rPr lang="en-IN" b="1" dirty="0">
+                <a:solidFill>
+                  <a:srgbClr val="329909"/>
+                </a:solidFill>
+                <a:latin typeface="Consolas" panose="020B0609020204030204" pitchFamily="49" charset="0"/>
+              </a:rPr>
+              <a:t>--</a:t>
+            </a:r>
+            <a:r>
+              <a:rPr lang="en-IN" dirty="0">
+                <a:solidFill>
+                  <a:srgbClr val="329909"/>
+                </a:solidFill>
+                <a:latin typeface="Consolas" panose="020B0609020204030204" pitchFamily="49" charset="0"/>
+              </a:rPr>
+              <a:t> End of line comment</a:t>
+            </a:r>
+          </a:p>
+          <a:p>
+            <a:pPr marL="285750" indent="-285750">
+              <a:buFont typeface="Arial" panose="020B0604020202020204" pitchFamily="34" charset="0"/>
+              <a:buChar char="•"/>
+            </a:pPr>
+            <a:endParaRPr lang="en-IN" dirty="0">
+              <a:latin typeface="Consolas" panose="020B0609020204030204" pitchFamily="49" charset="0"/>
+            </a:endParaRPr>
+          </a:p>
+          <a:p>
+            <a:pPr marL="285750" indent="-285750">
+              <a:buFont typeface="Arial" panose="020B0604020202020204" pitchFamily="34" charset="0"/>
+              <a:buChar char="•"/>
+            </a:pPr>
+            <a:r>
+              <a:rPr lang="en-IN" dirty="0">
+                <a:solidFill>
+                  <a:srgbClr val="0070C0"/>
+                </a:solidFill>
+                <a:latin typeface="Consolas" panose="020B0609020204030204" pitchFamily="49" charset="0"/>
+              </a:rPr>
+              <a:t>SELECT</a:t>
+            </a:r>
+            <a:r>
+              <a:rPr lang="en-IN" dirty="0">
+                <a:latin typeface="Consolas" panose="020B0609020204030204" pitchFamily="49" charset="0"/>
+              </a:rPr>
+              <a:t> * </a:t>
+            </a:r>
+            <a:r>
+              <a:rPr lang="en-IN" dirty="0">
+                <a:solidFill>
+                  <a:srgbClr val="0070C0"/>
+                </a:solidFill>
+                <a:latin typeface="Consolas" panose="020B0609020204030204" pitchFamily="49" charset="0"/>
+              </a:rPr>
+              <a:t>FROM</a:t>
+            </a:r>
+            <a:r>
+              <a:rPr lang="en-IN" dirty="0">
+                <a:latin typeface="Consolas" panose="020B0609020204030204" pitchFamily="49" charset="0"/>
+              </a:rPr>
+              <a:t> emp; </a:t>
+            </a:r>
+            <a:r>
+              <a:rPr lang="en-IN" b="1" dirty="0">
+                <a:solidFill>
+                  <a:srgbClr val="329909"/>
+                </a:solidFill>
+                <a:latin typeface="Consolas" panose="020B0609020204030204" pitchFamily="49" charset="0"/>
+              </a:rPr>
+              <a:t>//</a:t>
+            </a:r>
+            <a:r>
+              <a:rPr lang="en-IN" dirty="0">
+                <a:solidFill>
+                  <a:srgbClr val="329909"/>
+                </a:solidFill>
+                <a:latin typeface="Consolas" panose="020B0609020204030204" pitchFamily="49" charset="0"/>
+              </a:rPr>
+              <a:t> End of line comment</a:t>
+            </a:r>
+          </a:p>
+          <a:p>
+            <a:pPr marL="285750" indent="-285750">
+              <a:buFont typeface="Arial" panose="020B0604020202020204" pitchFamily="34" charset="0"/>
+              <a:buChar char="•"/>
+            </a:pPr>
+            <a:endParaRPr lang="en-IN" dirty="0">
+              <a:latin typeface="Consolas" panose="020B0609020204030204" pitchFamily="49" charset="0"/>
+            </a:endParaRPr>
+          </a:p>
+          <a:p>
+            <a:r>
+              <a:rPr lang="en-IN" b="1" dirty="0">
+                <a:solidFill>
+                  <a:srgbClr val="329909"/>
+                </a:solidFill>
+                <a:latin typeface="Consolas" panose="020B0609020204030204" pitchFamily="49" charset="0"/>
+              </a:rPr>
+              <a:t>/*</a:t>
+            </a:r>
+            <a:r>
+              <a:rPr lang="en-IN" dirty="0">
+                <a:solidFill>
+                  <a:srgbClr val="329909"/>
+                </a:solidFill>
+                <a:latin typeface="Consolas" panose="020B0609020204030204" pitchFamily="49" charset="0"/>
+              </a:rPr>
+              <a:t> This is the first line of </a:t>
+            </a:r>
+          </a:p>
+          <a:p>
+            <a:r>
+              <a:rPr lang="en-IN" dirty="0">
+                <a:solidFill>
+                  <a:srgbClr val="329909"/>
+                </a:solidFill>
+                <a:latin typeface="Consolas" panose="020B0609020204030204" pitchFamily="49" charset="0"/>
+              </a:rPr>
+              <a:t>   of a comment that spans multiple</a:t>
+            </a:r>
+          </a:p>
+          <a:p>
+            <a:r>
+              <a:rPr lang="en-IN" dirty="0">
+                <a:solidFill>
+                  <a:srgbClr val="329909"/>
+                </a:solidFill>
+                <a:latin typeface="Consolas" panose="020B0609020204030204" pitchFamily="49" charset="0"/>
+              </a:rPr>
+              <a:t>   lines </a:t>
+            </a:r>
+            <a:r>
+              <a:rPr lang="en-IN" b="1" dirty="0">
+                <a:solidFill>
+                  <a:srgbClr val="329909"/>
+                </a:solidFill>
+                <a:latin typeface="Consolas" panose="020B0609020204030204" pitchFamily="49" charset="0"/>
+              </a:rPr>
+              <a:t>*/</a:t>
+            </a:r>
+          </a:p>
+          <a:p>
+            <a:pPr marL="285750" indent="-285750">
+              <a:buFont typeface="Arial" panose="020B0604020202020204" pitchFamily="34" charset="0"/>
+              <a:buChar char="•"/>
+            </a:pPr>
+            <a:r>
+              <a:rPr lang="en-IN" dirty="0">
+                <a:solidFill>
+                  <a:srgbClr val="0070C0"/>
+                </a:solidFill>
+                <a:latin typeface="Consolas" panose="020B0609020204030204" pitchFamily="49" charset="0"/>
+              </a:rPr>
+              <a:t>SELECT</a:t>
+            </a:r>
+            <a:r>
+              <a:rPr lang="en-IN" dirty="0">
+                <a:latin typeface="Consolas" panose="020B0609020204030204" pitchFamily="49" charset="0"/>
+              </a:rPr>
+              <a:t> * </a:t>
+            </a:r>
+            <a:r>
+              <a:rPr lang="en-IN" dirty="0">
+                <a:solidFill>
+                  <a:srgbClr val="0070C0"/>
+                </a:solidFill>
+                <a:latin typeface="Consolas" panose="020B0609020204030204" pitchFamily="49" charset="0"/>
+              </a:rPr>
+              <a:t>FROM</a:t>
+            </a:r>
+            <a:r>
+              <a:rPr lang="en-IN" dirty="0">
+                <a:latin typeface="Consolas" panose="020B0609020204030204" pitchFamily="49" charset="0"/>
+              </a:rPr>
+              <a:t> emp;</a:t>
+            </a:r>
+          </a:p>
+        </p:txBody>
+      </p:sp>
+    </p:spTree>
+    <p:extLst>
+      <p:ext uri="{BB962C8B-B14F-4D97-AF65-F5344CB8AC3E}">
+        <p14:creationId xmlns:p14="http://schemas.microsoft.com/office/powerpoint/2010/main" val="56203016"/>
+      </p:ext>
+    </p:extLst>
+  </p:cSld>
+  <p:clrMapOvr>
+    <a:masterClrMapping/>
+  </p:clrMapOvr>
+</p:sld>
+</file>
+
+<file path=ppt/slides/slide50.xml><?xml version="1.0" encoding="utf-8"?>
 <p:sld xmlns:a="http://schemas.openxmlformats.org/drawingml/2006/main" xmlns:r="http://schemas.openxmlformats.org/officeDocument/2006/relationships" xmlns:p="http://schemas.openxmlformats.org/presentationml/2006/main">
   <p:cSld>
     <p:spTree>
@@ -25535,7 +27409,7 @@
 </p:sld>
 </file>
 
-<file path=ppt/slides/slide49.xml><?xml version="1.0" encoding="utf-8"?>
+<file path=ppt/slides/slide51.xml><?xml version="1.0" encoding="utf-8"?>
 <p:sld xmlns:a="http://schemas.openxmlformats.org/drawingml/2006/main" xmlns:r="http://schemas.openxmlformats.org/officeDocument/2006/relationships" xmlns:p="http://schemas.openxmlformats.org/presentationml/2006/main">
   <p:cSld>
     <p:spTree>
@@ -25995,403 +27869,7 @@
 </p:sld>
 </file>
 
-<file path=ppt/slides/slide5.xml><?xml version="1.0" encoding="utf-8"?>
-<p:sld xmlns:a="http://schemas.openxmlformats.org/drawingml/2006/main" xmlns:r="http://schemas.openxmlformats.org/officeDocument/2006/relationships" xmlns:p="http://schemas.openxmlformats.org/presentationml/2006/main">
-  <p:cSld>
-    <p:spTree>
-      <p:nvGrpSpPr>
-        <p:cNvPr id="1" name=""/>
-        <p:cNvGrpSpPr/>
-        <p:nvPr/>
-      </p:nvGrpSpPr>
-      <p:grpSpPr>
-        <a:xfrm>
-          <a:off x="0" y="0"/>
-          <a:ext cx="0" cy="0"/>
-          <a:chOff x="0" y="0"/>
-          <a:chExt cx="0" cy="0"/>
-        </a:xfrm>
-      </p:grpSpPr>
-      <p:sp>
-        <p:nvSpPr>
-          <p:cNvPr id="58370" name="AutoShape 2" descr="One-to-one entity relationship diagram"/>
-          <p:cNvSpPr>
-            <a:spLocks noChangeAspect="1" noChangeArrowheads="1"/>
-          </p:cNvSpPr>
-          <p:nvPr/>
-        </p:nvSpPr>
-        <p:spPr bwMode="auto">
-          <a:xfrm>
-            <a:off x="1679575" y="-144463"/>
-            <a:ext cx="304800" cy="304801"/>
-          </a:xfrm>
-          <a:prstGeom prst="rect">
-            <a:avLst/>
-          </a:prstGeom>
-          <a:noFill/>
-        </p:spPr>
-        <p:txBody>
-          <a:bodyPr vert="horz" wrap="square" lIns="91440" tIns="45720" rIns="91440" bIns="45720" numCol="1" anchor="t" anchorCtr="0" compatLnSpc="1">
-            <a:prstTxWarp prst="textNoShape">
-              <a:avLst/>
-            </a:prstTxWarp>
-          </a:bodyPr>
-          <a:lstStyle/>
-          <a:p>
-            <a:endParaRPr lang="en-US" dirty="0">
-              <a:latin typeface="Arial" pitchFamily="34" charset="0"/>
-              <a:cs typeface="Arial" pitchFamily="34" charset="0"/>
-            </a:endParaRPr>
-          </a:p>
-        </p:txBody>
-      </p:sp>
-      <p:sp>
-        <p:nvSpPr>
-          <p:cNvPr id="58372" name="AutoShape 4" descr="One-to-one entity relationship diagram"/>
-          <p:cNvSpPr>
-            <a:spLocks noChangeAspect="1" noChangeArrowheads="1"/>
-          </p:cNvSpPr>
-          <p:nvPr/>
-        </p:nvSpPr>
-        <p:spPr bwMode="auto">
-          <a:xfrm>
-            <a:off x="1679575" y="-144463"/>
-            <a:ext cx="304800" cy="304801"/>
-          </a:xfrm>
-          <a:prstGeom prst="rect">
-            <a:avLst/>
-          </a:prstGeom>
-          <a:noFill/>
-        </p:spPr>
-        <p:txBody>
-          <a:bodyPr vert="horz" wrap="square" lIns="91440" tIns="45720" rIns="91440" bIns="45720" numCol="1" anchor="t" anchorCtr="0" compatLnSpc="1">
-            <a:prstTxWarp prst="textNoShape">
-              <a:avLst/>
-            </a:prstTxWarp>
-          </a:bodyPr>
-          <a:lstStyle/>
-          <a:p>
-            <a:endParaRPr lang="en-US" dirty="0">
-              <a:latin typeface="Arial" pitchFamily="34" charset="0"/>
-              <a:cs typeface="Arial" pitchFamily="34" charset="0"/>
-            </a:endParaRPr>
-          </a:p>
-        </p:txBody>
-      </p:sp>
-      <p:sp>
-        <p:nvSpPr>
-          <p:cNvPr id="8" name="CustomShape 6">
-            <a:extLst>
-              <a:ext uri="{FF2B5EF4-FFF2-40B4-BE49-F238E27FC236}">
-                <a16:creationId xmlns:a16="http://schemas.microsoft.com/office/drawing/2014/main" id="{D8952F57-BFAB-4656-8E7F-3105CA98AD8B}"/>
-              </a:ext>
-            </a:extLst>
-          </p:cNvPr>
-          <p:cNvSpPr/>
-          <p:nvPr/>
-        </p:nvSpPr>
-        <p:spPr>
-          <a:xfrm>
-            <a:off x="246600" y="0"/>
-            <a:ext cx="11693880" cy="706432"/>
-          </a:xfrm>
-          <a:prstGeom prst="rect">
-            <a:avLst/>
-          </a:prstGeom>
-          <a:solidFill>
-            <a:srgbClr val="C00000"/>
-          </a:solidFill>
-          <a:ln>
-            <a:noFill/>
-          </a:ln>
-        </p:spPr>
-        <p:style>
-          <a:lnRef idx="0">
-            <a:scrgbClr r="0" g="0" b="0"/>
-          </a:lnRef>
-          <a:fillRef idx="0">
-            <a:scrgbClr r="0" g="0" b="0"/>
-          </a:fillRef>
-          <a:effectRef idx="0">
-            <a:scrgbClr r="0" g="0" b="0"/>
-          </a:effectRef>
-          <a:fontRef idx="minor"/>
-        </p:style>
-        <p:txBody>
-          <a:bodyPr lIns="90000" tIns="45000" rIns="90000" bIns="45000">
-            <a:spAutoFit/>
-          </a:bodyPr>
-          <a:lstStyle/>
-          <a:p>
-            <a:pPr algn="ctr"/>
-            <a:r>
-              <a:rPr lang="en-IN" sz="4000" spc="-1" dirty="0">
-                <a:solidFill>
-                  <a:srgbClr val="F7C120"/>
-                </a:solidFill>
-                <a:latin typeface="Open Sans"/>
-              </a:rPr>
-              <a:t>comments in cassandra</a:t>
-            </a:r>
-          </a:p>
-        </p:txBody>
-      </p:sp>
-      <p:sp>
-        <p:nvSpPr>
-          <p:cNvPr id="9" name="TextBox 8">
-            <a:extLst>
-              <a:ext uri="{FF2B5EF4-FFF2-40B4-BE49-F238E27FC236}">
-                <a16:creationId xmlns:a16="http://schemas.microsoft.com/office/drawing/2014/main" id="{C72205C8-5D21-4BF1-A2BB-0A37EFBCB337}"/>
-              </a:ext>
-            </a:extLst>
-          </p:cNvPr>
-          <p:cNvSpPr txBox="1"/>
-          <p:nvPr/>
-        </p:nvSpPr>
-        <p:spPr>
-          <a:xfrm>
-            <a:off x="264540" y="1412776"/>
-            <a:ext cx="11675939" cy="2308324"/>
-          </a:xfrm>
-          <a:prstGeom prst="rect">
-            <a:avLst/>
-          </a:prstGeom>
-          <a:noFill/>
-        </p:spPr>
-        <p:txBody>
-          <a:bodyPr wrap="square">
-            <a:spAutoFit/>
-          </a:bodyPr>
-          <a:lstStyle/>
-          <a:p>
-            <a:pPr marL="285750" indent="-285750">
-              <a:buFont typeface="Arial" panose="020B0604020202020204" pitchFamily="34" charset="0"/>
-              <a:buChar char="•"/>
-            </a:pPr>
-            <a:r>
-              <a:rPr lang="en-IN" dirty="0">
-                <a:solidFill>
-                  <a:srgbClr val="0070C0"/>
-                </a:solidFill>
-                <a:latin typeface="Consolas" panose="020B0609020204030204" pitchFamily="49" charset="0"/>
-              </a:rPr>
-              <a:t>SELECT</a:t>
-            </a:r>
-            <a:r>
-              <a:rPr lang="en-IN" dirty="0">
-                <a:latin typeface="Consolas" panose="020B0609020204030204" pitchFamily="49" charset="0"/>
-              </a:rPr>
-              <a:t> * </a:t>
-            </a:r>
-            <a:r>
-              <a:rPr lang="en-IN" dirty="0">
-                <a:solidFill>
-                  <a:srgbClr val="0070C0"/>
-                </a:solidFill>
-                <a:latin typeface="Consolas" panose="020B0609020204030204" pitchFamily="49" charset="0"/>
-              </a:rPr>
-              <a:t>FROM</a:t>
-            </a:r>
-            <a:r>
-              <a:rPr lang="en-IN" dirty="0">
-                <a:latin typeface="Consolas" panose="020B0609020204030204" pitchFamily="49" charset="0"/>
-              </a:rPr>
-              <a:t> emp; </a:t>
-            </a:r>
-            <a:r>
-              <a:rPr lang="en-IN" b="1" dirty="0">
-                <a:solidFill>
-                  <a:srgbClr val="329909"/>
-                </a:solidFill>
-                <a:latin typeface="Consolas" panose="020B0609020204030204" pitchFamily="49" charset="0"/>
-              </a:rPr>
-              <a:t>--</a:t>
-            </a:r>
-            <a:r>
-              <a:rPr lang="en-IN" dirty="0">
-                <a:solidFill>
-                  <a:srgbClr val="329909"/>
-                </a:solidFill>
-                <a:latin typeface="Consolas" panose="020B0609020204030204" pitchFamily="49" charset="0"/>
-              </a:rPr>
-              <a:t> End of line comment</a:t>
-            </a:r>
-          </a:p>
-          <a:p>
-            <a:pPr marL="285750" indent="-285750">
-              <a:buFont typeface="Arial" panose="020B0604020202020204" pitchFamily="34" charset="0"/>
-              <a:buChar char="•"/>
-            </a:pPr>
-            <a:endParaRPr lang="en-IN" dirty="0">
-              <a:latin typeface="Consolas" panose="020B0609020204030204" pitchFamily="49" charset="0"/>
-            </a:endParaRPr>
-          </a:p>
-          <a:p>
-            <a:pPr marL="285750" indent="-285750">
-              <a:buFont typeface="Arial" panose="020B0604020202020204" pitchFamily="34" charset="0"/>
-              <a:buChar char="•"/>
-            </a:pPr>
-            <a:r>
-              <a:rPr lang="en-IN" dirty="0">
-                <a:solidFill>
-                  <a:srgbClr val="0070C0"/>
-                </a:solidFill>
-                <a:latin typeface="Consolas" panose="020B0609020204030204" pitchFamily="49" charset="0"/>
-              </a:rPr>
-              <a:t>SELECT</a:t>
-            </a:r>
-            <a:r>
-              <a:rPr lang="en-IN" dirty="0">
-                <a:latin typeface="Consolas" panose="020B0609020204030204" pitchFamily="49" charset="0"/>
-              </a:rPr>
-              <a:t> * </a:t>
-            </a:r>
-            <a:r>
-              <a:rPr lang="en-IN" dirty="0">
-                <a:solidFill>
-                  <a:srgbClr val="0070C0"/>
-                </a:solidFill>
-                <a:latin typeface="Consolas" panose="020B0609020204030204" pitchFamily="49" charset="0"/>
-              </a:rPr>
-              <a:t>FROM</a:t>
-            </a:r>
-            <a:r>
-              <a:rPr lang="en-IN" dirty="0">
-                <a:latin typeface="Consolas" panose="020B0609020204030204" pitchFamily="49" charset="0"/>
-              </a:rPr>
-              <a:t> emp; </a:t>
-            </a:r>
-            <a:r>
-              <a:rPr lang="en-IN" b="1" dirty="0">
-                <a:solidFill>
-                  <a:srgbClr val="329909"/>
-                </a:solidFill>
-                <a:latin typeface="Consolas" panose="020B0609020204030204" pitchFamily="49" charset="0"/>
-              </a:rPr>
-              <a:t>//</a:t>
-            </a:r>
-            <a:r>
-              <a:rPr lang="en-IN" dirty="0">
-                <a:solidFill>
-                  <a:srgbClr val="329909"/>
-                </a:solidFill>
-                <a:latin typeface="Consolas" panose="020B0609020204030204" pitchFamily="49" charset="0"/>
-              </a:rPr>
-              <a:t> End of line comment</a:t>
-            </a:r>
-          </a:p>
-          <a:p>
-            <a:pPr marL="285750" indent="-285750">
-              <a:buFont typeface="Arial" panose="020B0604020202020204" pitchFamily="34" charset="0"/>
-              <a:buChar char="•"/>
-            </a:pPr>
-            <a:endParaRPr lang="en-IN" dirty="0">
-              <a:latin typeface="Consolas" panose="020B0609020204030204" pitchFamily="49" charset="0"/>
-            </a:endParaRPr>
-          </a:p>
-          <a:p>
-            <a:r>
-              <a:rPr lang="en-IN" b="1" dirty="0">
-                <a:solidFill>
-                  <a:srgbClr val="329909"/>
-                </a:solidFill>
-                <a:latin typeface="Consolas" panose="020B0609020204030204" pitchFamily="49" charset="0"/>
-              </a:rPr>
-              <a:t>/*</a:t>
-            </a:r>
-            <a:r>
-              <a:rPr lang="en-IN" dirty="0">
-                <a:solidFill>
-                  <a:srgbClr val="329909"/>
-                </a:solidFill>
-                <a:latin typeface="Consolas" panose="020B0609020204030204" pitchFamily="49" charset="0"/>
-              </a:rPr>
-              <a:t> This is the first line of </a:t>
-            </a:r>
-          </a:p>
-          <a:p>
-            <a:r>
-              <a:rPr lang="en-IN" dirty="0">
-                <a:solidFill>
-                  <a:srgbClr val="329909"/>
-                </a:solidFill>
-                <a:latin typeface="Consolas" panose="020B0609020204030204" pitchFamily="49" charset="0"/>
-              </a:rPr>
-              <a:t>   of a comment that spans multiple</a:t>
-            </a:r>
-          </a:p>
-          <a:p>
-            <a:r>
-              <a:rPr lang="en-IN" dirty="0">
-                <a:solidFill>
-                  <a:srgbClr val="329909"/>
-                </a:solidFill>
-                <a:latin typeface="Consolas" panose="020B0609020204030204" pitchFamily="49" charset="0"/>
-              </a:rPr>
-              <a:t>   lines </a:t>
-            </a:r>
-            <a:r>
-              <a:rPr lang="en-IN" b="1" dirty="0">
-                <a:solidFill>
-                  <a:srgbClr val="329909"/>
-                </a:solidFill>
-                <a:latin typeface="Consolas" panose="020B0609020204030204" pitchFamily="49" charset="0"/>
-              </a:rPr>
-              <a:t>*/</a:t>
-            </a:r>
-          </a:p>
-          <a:p>
-            <a:pPr marL="285750" indent="-285750">
-              <a:buFont typeface="Arial" panose="020B0604020202020204" pitchFamily="34" charset="0"/>
-              <a:buChar char="•"/>
-            </a:pPr>
-            <a:r>
-              <a:rPr lang="en-IN" dirty="0">
-                <a:solidFill>
-                  <a:srgbClr val="0070C0"/>
-                </a:solidFill>
-                <a:latin typeface="Consolas" panose="020B0609020204030204" pitchFamily="49" charset="0"/>
-              </a:rPr>
-              <a:t>SELECT</a:t>
-            </a:r>
-            <a:r>
-              <a:rPr lang="en-IN" dirty="0">
-                <a:latin typeface="Consolas" panose="020B0609020204030204" pitchFamily="49" charset="0"/>
-              </a:rPr>
-              <a:t> * </a:t>
-            </a:r>
-            <a:r>
-              <a:rPr lang="en-IN" dirty="0">
-                <a:solidFill>
-                  <a:srgbClr val="0070C0"/>
-                </a:solidFill>
-                <a:latin typeface="Consolas" panose="020B0609020204030204" pitchFamily="49" charset="0"/>
-              </a:rPr>
-              <a:t>FROM</a:t>
-            </a:r>
-            <a:r>
-              <a:rPr lang="en-IN" dirty="0">
-                <a:latin typeface="Consolas" panose="020B0609020204030204" pitchFamily="49" charset="0"/>
-              </a:rPr>
-              <a:t> emp;</a:t>
-            </a:r>
-          </a:p>
-        </p:txBody>
-      </p:sp>
-    </p:spTree>
-    <p:extLst>
-      <p:ext uri="{BB962C8B-B14F-4D97-AF65-F5344CB8AC3E}">
-        <p14:creationId xmlns:p14="http://schemas.microsoft.com/office/powerpoint/2010/main" val="56203016"/>
-      </p:ext>
-    </p:extLst>
-  </p:cSld>
-  <p:clrMapOvr>
-    <a:masterClrMapping/>
-  </p:clrMapOvr>
-</p:sld>
-</file>
-
-<file path=ppt/slides/slide50.xml><?xml version="1.0" encoding="utf-8"?>
+<file path=ppt/slides/slide52.xml><?xml version="1.0" encoding="utf-8"?>
 <p:sld xmlns:a="http://schemas.openxmlformats.org/drawingml/2006/main" xmlns:r="http://schemas.openxmlformats.org/officeDocument/2006/relationships" xmlns:p="http://schemas.openxmlformats.org/presentationml/2006/main">
   <p:cSld>
     <p:spTree>
@@ -26540,7 +28018,7 @@
 </p:sld>
 </file>
 
-<file path=ppt/slides/slide51.xml><?xml version="1.0" encoding="utf-8"?>
+<file path=ppt/slides/slide53.xml><?xml version="1.0" encoding="utf-8"?>
 <p:sld xmlns:a="http://schemas.openxmlformats.org/drawingml/2006/main" xmlns:r="http://schemas.openxmlformats.org/officeDocument/2006/relationships" xmlns:p="http://schemas.openxmlformats.org/presentationml/2006/main">
   <p:cSld>
     <p:spTree>
@@ -26939,7 +28417,7 @@
 </p:sld>
 </file>
 
-<file path=ppt/slides/slide52.xml><?xml version="1.0" encoding="utf-8"?>
+<file path=ppt/slides/slide54.xml><?xml version="1.0" encoding="utf-8"?>
 <p:sld xmlns:a="http://schemas.openxmlformats.org/drawingml/2006/main" xmlns:r="http://schemas.openxmlformats.org/officeDocument/2006/relationships" xmlns:p="http://schemas.openxmlformats.org/presentationml/2006/main">
   <p:cSld>
     <p:spTree>
@@ -27105,7 +28583,7 @@
 </p:sld>
 </file>
 
-<file path=ppt/slides/slide53.xml><?xml version="1.0" encoding="utf-8"?>
+<file path=ppt/slides/slide55.xml><?xml version="1.0" encoding="utf-8"?>
 <p:sld xmlns:a="http://schemas.openxmlformats.org/drawingml/2006/main" xmlns:r="http://schemas.openxmlformats.org/officeDocument/2006/relationships" xmlns:p="http://schemas.openxmlformats.org/presentationml/2006/main">
   <p:cSld>
     <p:spTree>
@@ -27534,7 +29012,7 @@
 </p:sld>
 </file>
 
-<file path=ppt/slides/slide54.xml><?xml version="1.0" encoding="utf-8"?>
+<file path=ppt/slides/slide56.xml><?xml version="1.0" encoding="utf-8"?>
 <p:sld xmlns:a="http://schemas.openxmlformats.org/drawingml/2006/main" xmlns:r="http://schemas.openxmlformats.org/officeDocument/2006/relationships" xmlns:p="http://schemas.openxmlformats.org/presentationml/2006/main">
   <p:cSld>
     <p:spTree>
@@ -27683,7 +29161,7 @@
 </p:sld>
 </file>
 
-<file path=ppt/slides/slide55.xml><?xml version="1.0" encoding="utf-8"?>
+<file path=ppt/slides/slide57.xml><?xml version="1.0" encoding="utf-8"?>
 <p:sld xmlns:a="http://schemas.openxmlformats.org/drawingml/2006/main" xmlns:r="http://schemas.openxmlformats.org/officeDocument/2006/relationships" xmlns:p="http://schemas.openxmlformats.org/presentationml/2006/main">
   <p:cSld>
     <p:spTree>
@@ -28461,7 +29939,7 @@
 </p:sld>
 </file>
 
-<file path=ppt/slides/slide56.xml><?xml version="1.0" encoding="utf-8"?>
+<file path=ppt/slides/slide58.xml><?xml version="1.0" encoding="utf-8"?>
 <p:sld xmlns:a="http://schemas.openxmlformats.org/drawingml/2006/main" xmlns:r="http://schemas.openxmlformats.org/officeDocument/2006/relationships" xmlns:p="http://schemas.openxmlformats.org/presentationml/2006/main">
   <p:cSld>
     <p:spTree>

--- a/Cassandra Ver1.pptx
+++ b/Cassandra Ver1.pptx
@@ -5,7 +5,7 @@
     <p:sldMasterId id="2147483720" r:id="rId1"/>
   </p:sldMasterIdLst>
   <p:notesMasterIdLst>
-    <p:notesMasterId r:id="rId60"/>
+    <p:notesMasterId r:id="rId61"/>
   </p:notesMasterIdLst>
   <p:sldIdLst>
     <p:sldId id="256" r:id="rId2"/>
@@ -59,13 +59,14 @@
     <p:sldId id="1431" r:id="rId50"/>
     <p:sldId id="1432" r:id="rId51"/>
     <p:sldId id="1433" r:id="rId52"/>
-    <p:sldId id="1442" r:id="rId53"/>
-    <p:sldId id="1447" r:id="rId54"/>
-    <p:sldId id="1448" r:id="rId55"/>
-    <p:sldId id="1449" r:id="rId56"/>
-    <p:sldId id="1424" r:id="rId57"/>
-    <p:sldId id="1421" r:id="rId58"/>
-    <p:sldId id="350" r:id="rId59"/>
+    <p:sldId id="1471" r:id="rId53"/>
+    <p:sldId id="1442" r:id="rId54"/>
+    <p:sldId id="1447" r:id="rId55"/>
+    <p:sldId id="1448" r:id="rId56"/>
+    <p:sldId id="1449" r:id="rId57"/>
+    <p:sldId id="1424" r:id="rId58"/>
+    <p:sldId id="1421" r:id="rId59"/>
+    <p:sldId id="350" r:id="rId60"/>
   </p:sldIdLst>
   <p:sldSz cx="12192000" cy="6858000"/>
   <p:notesSz cx="6858000" cy="9144000"/>
@@ -278,7 +279,7 @@
             <a:fld id="{757F699C-254E-44B6-B18D-E7E82B2FC743}" type="datetimeFigureOut">
               <a:rPr lang="en-IN" smtClean="0"/>
               <a:pPr/>
-              <a:t>15-04-2022</a:t>
+              <a:t>16-04-2022</a:t>
             </a:fld>
             <a:endParaRPr lang="en-IN"/>
           </a:p>
@@ -1104,7 +1105,7 @@
             <a:fld id="{52F73076-280E-4994-B9AF-08CB19D7A53F}" type="datetimeFigureOut">
               <a:rPr lang="en-US" smtClean="0"/>
               <a:pPr/>
-              <a:t>4/15/2022</a:t>
+              <a:t>4/16/2022</a:t>
             </a:fld>
             <a:endParaRPr lang="en-US" dirty="0"/>
           </a:p>
@@ -1549,7 +1550,7 @@
             <a:fld id="{52F73076-280E-4994-B9AF-08CB19D7A53F}" type="datetimeFigureOut">
               <a:rPr lang="en-US" smtClean="0"/>
               <a:pPr/>
-              <a:t>4/15/2022</a:t>
+              <a:t>4/16/2022</a:t>
             </a:fld>
             <a:endParaRPr lang="en-US" dirty="0"/>
           </a:p>
@@ -2481,7 +2482,7 @@
             <a:fld id="{52F73076-280E-4994-B9AF-08CB19D7A53F}" type="datetimeFigureOut">
               <a:rPr lang="en-US" smtClean="0"/>
               <a:pPr/>
-              <a:t>4/15/2022</a:t>
+              <a:t>4/16/2022</a:t>
             </a:fld>
             <a:endParaRPr lang="en-US" dirty="0"/>
           </a:p>
@@ -2899,7 +2900,7 @@
             <a:fld id="{52F73076-280E-4994-B9AF-08CB19D7A53F}" type="datetimeFigureOut">
               <a:rPr lang="en-US" smtClean="0"/>
               <a:pPr/>
-              <a:t>4/15/2022</a:t>
+              <a:t>4/16/2022</a:t>
             </a:fld>
             <a:endParaRPr lang="en-US" dirty="0"/>
           </a:p>
@@ -22798,867 +22799,888 @@
           </a:p>
         </p:txBody>
       </p:sp>
-      <p:sp>
-        <p:nvSpPr>
-          <p:cNvPr id="12" name="CustomShape 2">
+      <p:grpSp>
+        <p:nvGrpSpPr>
+          <p:cNvPr id="2" name="Group 1">
             <a:extLst>
               <a:ext uri="{FF2B5EF4-FFF2-40B4-BE49-F238E27FC236}">
-                <a16:creationId xmlns:a16="http://schemas.microsoft.com/office/drawing/2014/main" id="{4F0B3FD2-AB15-469E-8DBF-548155734C77}"/>
+                <a16:creationId xmlns:a16="http://schemas.microsoft.com/office/drawing/2014/main" id="{37076D27-6BA0-44DB-A7E7-228B41F43FB8}"/>
               </a:ext>
             </a:extLst>
           </p:cNvPr>
-          <p:cNvSpPr/>
+          <p:cNvGrpSpPr/>
           <p:nvPr/>
-        </p:nvSpPr>
-        <p:spPr>
+        </p:nvGrpSpPr>
+        <p:grpSpPr>
           <a:xfrm>
-            <a:off x="246600" y="3864243"/>
-            <a:ext cx="11687400" cy="644877"/>
+            <a:off x="246600" y="3717032"/>
+            <a:ext cx="11687400" cy="2517085"/>
+            <a:chOff x="246600" y="3717032"/>
+            <a:chExt cx="11687400" cy="2517085"/>
           </a:xfrm>
-          <a:prstGeom prst="rect">
-            <a:avLst/>
-          </a:prstGeom>
-          <a:noFill/>
-          <a:ln>
+        </p:grpSpPr>
+        <p:sp>
+          <p:nvSpPr>
+            <p:cNvPr id="12" name="CustomShape 2">
+              <a:extLst>
+                <a:ext uri="{FF2B5EF4-FFF2-40B4-BE49-F238E27FC236}">
+                  <a16:creationId xmlns:a16="http://schemas.microsoft.com/office/drawing/2014/main" id="{4F0B3FD2-AB15-469E-8DBF-548155734C77}"/>
+                </a:ext>
+              </a:extLst>
+            </p:cNvPr>
+            <p:cNvSpPr/>
+            <p:nvPr/>
+          </p:nvSpPr>
+          <p:spPr>
+            <a:xfrm>
+              <a:off x="246600" y="3717032"/>
+              <a:ext cx="11687400" cy="644877"/>
+            </a:xfrm>
+            <a:prstGeom prst="rect">
+              <a:avLst/>
+            </a:prstGeom>
             <a:noFill/>
-          </a:ln>
-        </p:spPr>
-        <p:style>
-          <a:lnRef idx="0">
-            <a:scrgbClr r="0" g="0" b="0"/>
-          </a:lnRef>
-          <a:fillRef idx="0">
-            <a:scrgbClr r="0" g="0" b="0"/>
-          </a:fillRef>
-          <a:effectRef idx="0">
-            <a:scrgbClr r="0" g="0" b="0"/>
-          </a:effectRef>
-          <a:fontRef idx="minor"/>
-        </p:style>
-        <p:txBody>
-          <a:bodyPr wrap="square" lIns="90000" tIns="45000" rIns="90000" bIns="45000">
-            <a:spAutoFit/>
-          </a:bodyPr>
-          <a:lstStyle/>
-          <a:p>
-            <a:pPr marL="309510" indent="-285750">
-              <a:buClr>
-                <a:srgbClr val="808080"/>
-              </a:buClr>
-              <a:buFont typeface="Arial" panose="020B0604020202020204" pitchFamily="34" charset="0"/>
-              <a:buChar char="•"/>
-            </a:pPr>
-            <a:r>
-              <a:rPr lang="en-IN" sz="1800" b="0" strike="noStrike" spc="-1" dirty="0">
-                <a:solidFill>
-                  <a:schemeClr val="bg1">
-                    <a:lumMod val="50000"/>
-                  </a:schemeClr>
-                </a:solidFill>
+            <a:ln>
+              <a:noFill/>
+            </a:ln>
+          </p:spPr>
+          <p:style>
+            <a:lnRef idx="0">
+              <a:scrgbClr r="0" g="0" b="0"/>
+            </a:lnRef>
+            <a:fillRef idx="0">
+              <a:scrgbClr r="0" g="0" b="0"/>
+            </a:fillRef>
+            <a:effectRef idx="0">
+              <a:scrgbClr r="0" g="0" b="0"/>
+            </a:effectRef>
+            <a:fontRef idx="minor"/>
+          </p:style>
+          <p:txBody>
+            <a:bodyPr wrap="square" lIns="90000" tIns="45000" rIns="90000" bIns="45000">
+              <a:spAutoFit/>
+            </a:bodyPr>
+            <a:lstStyle/>
+            <a:p>
+              <a:pPr marL="309510" indent="-285750">
+                <a:buClr>
+                  <a:srgbClr val="808080"/>
+                </a:buClr>
+                <a:buFont typeface="Arial" panose="020B0604020202020204" pitchFamily="34" charset="0"/>
+                <a:buChar char="•"/>
+              </a:pPr>
+              <a:r>
+                <a:rPr lang="en-IN" sz="1800" b="0" strike="noStrike" spc="-1" dirty="0">
+                  <a:solidFill>
+                    <a:schemeClr val="bg1">
+                      <a:lumMod val="50000"/>
+                    </a:schemeClr>
+                  </a:solidFill>
+                  <a:latin typeface="Consolas" panose="020B0609020204030204" pitchFamily="49" charset="0"/>
+                  <a:ea typeface="SimSun"/>
+                </a:rPr>
+                <a:t>cqlsh:db1&gt; </a:t>
+              </a:r>
+              <a:r>
+                <a:rPr lang="en-US" sz="1800" b="0" strike="noStrike" spc="-1" dirty="0">
+                  <a:latin typeface="Consolas" panose="020B0609020204030204" pitchFamily="49" charset="0"/>
+                  <a:ea typeface="SimSun"/>
+                </a:rPr>
+                <a:t>CREATE COLUMNFAMILY location</a:t>
+              </a:r>
+              <a:r>
+                <a:rPr lang="en-US" sz="1800" b="0" strike="noStrike" spc="-1" dirty="0">
+                  <a:solidFill>
+                    <a:schemeClr val="bg1">
+                      <a:lumMod val="50000"/>
+                    </a:schemeClr>
+                  </a:solidFill>
+                  <a:latin typeface="Consolas" panose="020B0609020204030204" pitchFamily="49" charset="0"/>
+                  <a:ea typeface="SimSun"/>
+                </a:rPr>
+                <a:t>(</a:t>
+              </a:r>
+              <a:r>
+                <a:rPr lang="en-US" sz="1800" b="0" strike="noStrike" spc="-1" dirty="0">
+                  <a:latin typeface="Consolas" panose="020B0609020204030204" pitchFamily="49" charset="0"/>
+                  <a:ea typeface="SimSun"/>
+                </a:rPr>
+                <a:t> id </a:t>
+              </a:r>
+              <a:r>
+                <a:rPr lang="en-US" dirty="0">
+                  <a:solidFill>
+                    <a:srgbClr val="834689"/>
+                  </a:solidFill>
+                  <a:latin typeface="Consolas" panose="020B0609020204030204" pitchFamily="49" charset="0"/>
+                  <a:cs typeface="Arial" panose="020B0604020202020204" pitchFamily="34" charset="0"/>
+                </a:rPr>
+                <a:t>int</a:t>
+              </a:r>
+              <a:r>
+                <a:rPr lang="en-US" sz="1800" b="0" strike="noStrike" spc="-1" dirty="0">
+                  <a:latin typeface="Consolas" panose="020B0609020204030204" pitchFamily="49" charset="0"/>
+                  <a:ea typeface="SimSun"/>
+                </a:rPr>
+                <a:t>, name </a:t>
+              </a:r>
+              <a:r>
+                <a:rPr lang="en-US" dirty="0">
+                  <a:solidFill>
+                    <a:srgbClr val="834689"/>
+                  </a:solidFill>
+                  <a:latin typeface="Consolas" panose="020B0609020204030204" pitchFamily="49" charset="0"/>
+                  <a:cs typeface="Arial" panose="020B0604020202020204" pitchFamily="34" charset="0"/>
+                </a:rPr>
+                <a:t>varchar</a:t>
+              </a:r>
+              <a:r>
+                <a:rPr lang="en-US" sz="1800" b="0" strike="noStrike" spc="-1" dirty="0">
+                  <a:latin typeface="Consolas" panose="020B0609020204030204" pitchFamily="49" charset="0"/>
+                  <a:ea typeface="SimSun"/>
+                </a:rPr>
+                <a:t>, location </a:t>
+              </a:r>
+              <a:r>
+                <a:rPr lang="en-US" dirty="0">
+                  <a:solidFill>
+                    <a:schemeClr val="accent4">
+                      <a:lumMod val="50000"/>
+                    </a:schemeClr>
+                  </a:solidFill>
+                  <a:latin typeface="Consolas" panose="020B0609020204030204" pitchFamily="49" charset="0"/>
+                  <a:cs typeface="Arial" panose="020B0604020202020204" pitchFamily="34" charset="0"/>
+                </a:rPr>
+                <a:t>frozen</a:t>
+              </a:r>
+              <a:r>
+                <a:rPr lang="en-US" sz="1800" b="0" strike="noStrike" spc="-1" dirty="0">
+                  <a:latin typeface="Consolas" panose="020B0609020204030204" pitchFamily="49" charset="0"/>
+                  <a:ea typeface="SimSun"/>
+                </a:rPr>
+                <a:t>&lt; </a:t>
+              </a:r>
+              <a:r>
+                <a:rPr lang="en-US" dirty="0">
+                  <a:solidFill>
+                    <a:srgbClr val="834689"/>
+                  </a:solidFill>
+                  <a:latin typeface="Consolas" panose="020B0609020204030204" pitchFamily="49" charset="0"/>
+                  <a:cs typeface="Arial" panose="020B0604020202020204" pitchFamily="34" charset="0"/>
+                </a:rPr>
+                <a:t>map </a:t>
+              </a:r>
+              <a:r>
+                <a:rPr lang="en-US" sz="1800" b="0" strike="noStrike" spc="-1" dirty="0">
+                  <a:latin typeface="Consolas" panose="020B0609020204030204" pitchFamily="49" charset="0"/>
+                  <a:ea typeface="SimSun"/>
+                </a:rPr>
+                <a:t>&lt;</a:t>
+              </a:r>
+              <a:r>
+                <a:rPr lang="en-US" dirty="0">
+                  <a:solidFill>
+                    <a:srgbClr val="834689"/>
+                  </a:solidFill>
+                  <a:latin typeface="Consolas" panose="020B0609020204030204" pitchFamily="49" charset="0"/>
+                  <a:cs typeface="Arial" panose="020B0604020202020204" pitchFamily="34" charset="0"/>
+                </a:rPr>
+                <a:t>text</a:t>
+              </a:r>
+              <a:r>
+                <a:rPr lang="en-US" sz="1800" b="0" strike="noStrike" spc="-1" dirty="0">
+                  <a:latin typeface="Consolas" panose="020B0609020204030204" pitchFamily="49" charset="0"/>
+                  <a:ea typeface="SimSun"/>
+                </a:rPr>
+                <a:t>, </a:t>
+              </a:r>
+              <a:r>
+                <a:rPr lang="en-US" dirty="0">
+                  <a:solidFill>
+                    <a:srgbClr val="834689"/>
+                  </a:solidFill>
+                  <a:latin typeface="Consolas" panose="020B0609020204030204" pitchFamily="49" charset="0"/>
+                  <a:cs typeface="Arial" panose="020B0604020202020204" pitchFamily="34" charset="0"/>
+                </a:rPr>
+                <a:t>float</a:t>
+              </a:r>
+              <a:r>
+                <a:rPr lang="en-US" sz="1800" b="0" strike="noStrike" spc="-1" dirty="0">
+                  <a:latin typeface="Consolas" panose="020B0609020204030204" pitchFamily="49" charset="0"/>
+                  <a:ea typeface="SimSun"/>
+                </a:rPr>
+                <a:t>&gt; &gt;,  isActive </a:t>
+              </a:r>
+              <a:r>
+                <a:rPr lang="en-US" dirty="0">
+                  <a:solidFill>
+                    <a:srgbClr val="834689"/>
+                  </a:solidFill>
+                  <a:latin typeface="Consolas" panose="020B0609020204030204" pitchFamily="49" charset="0"/>
+                  <a:cs typeface="Arial" panose="020B0604020202020204" pitchFamily="34" charset="0"/>
+                </a:rPr>
+                <a:t>boolean, </a:t>
+              </a:r>
+              <a:r>
+                <a:rPr lang="en-US" dirty="0">
+                  <a:solidFill>
+                    <a:srgbClr val="C00000"/>
+                  </a:solidFill>
+                  <a:latin typeface="Consolas" panose="020B0609020204030204" pitchFamily="49" charset="0"/>
+                  <a:cs typeface="Arial" panose="020B0604020202020204" pitchFamily="34" charset="0"/>
+                </a:rPr>
+                <a:t>primary</a:t>
+              </a:r>
+              <a:r>
+                <a:rPr lang="en-US" sz="1800" b="0" strike="noStrike" spc="-1" dirty="0">
+                  <a:latin typeface="Consolas" panose="020B0609020204030204" pitchFamily="49" charset="0"/>
+                  <a:ea typeface="SimSun"/>
+                </a:rPr>
+                <a:t> </a:t>
+              </a:r>
+              <a:r>
+                <a:rPr lang="en-US" dirty="0">
+                  <a:solidFill>
+                    <a:srgbClr val="C00000"/>
+                  </a:solidFill>
+                  <a:latin typeface="Consolas" panose="020B0609020204030204" pitchFamily="49" charset="0"/>
+                  <a:cs typeface="Arial" panose="020B0604020202020204" pitchFamily="34" charset="0"/>
+                </a:rPr>
+                <a:t>key</a:t>
+              </a:r>
+              <a:r>
+                <a:rPr lang="en-US" dirty="0">
+                  <a:solidFill>
+                    <a:schemeClr val="bg1">
+                      <a:lumMod val="50000"/>
+                    </a:schemeClr>
+                  </a:solidFill>
+                  <a:latin typeface="Consolas" panose="020B0609020204030204" pitchFamily="49" charset="0"/>
+                  <a:cs typeface="Arial" panose="020B0604020202020204" pitchFamily="34" charset="0"/>
+                </a:rPr>
+                <a:t>(</a:t>
+              </a:r>
+              <a:r>
+                <a:rPr lang="en-US" sz="1800" b="0" strike="noStrike" spc="-1" dirty="0">
+                  <a:latin typeface="Consolas" panose="020B0609020204030204" pitchFamily="49" charset="0"/>
+                  <a:ea typeface="SimSun"/>
+                </a:rPr>
+                <a:t>id</a:t>
+              </a:r>
+              <a:r>
+                <a:rPr lang="en-US" dirty="0">
+                  <a:solidFill>
+                    <a:schemeClr val="bg1">
+                      <a:lumMod val="50000"/>
+                    </a:schemeClr>
+                  </a:solidFill>
+                  <a:latin typeface="Consolas" panose="020B0609020204030204" pitchFamily="49" charset="0"/>
+                  <a:cs typeface="Arial" panose="020B0604020202020204" pitchFamily="34" charset="0"/>
+                </a:rPr>
+                <a:t>)</a:t>
+              </a:r>
+              <a:r>
+                <a:rPr lang="en-US" dirty="0">
+                  <a:solidFill>
+                    <a:srgbClr val="834689"/>
+                  </a:solidFill>
+                  <a:latin typeface="Consolas" panose="020B0609020204030204" pitchFamily="49" charset="0"/>
+                  <a:cs typeface="Arial" panose="020B0604020202020204" pitchFamily="34" charset="0"/>
+                </a:rPr>
+                <a:t> </a:t>
+              </a:r>
+              <a:r>
+                <a:rPr lang="en-US" sz="1800" b="0" strike="noStrike" spc="-1" dirty="0">
+                  <a:solidFill>
+                    <a:schemeClr val="bg1">
+                      <a:lumMod val="50000"/>
+                    </a:schemeClr>
+                  </a:solidFill>
+                  <a:latin typeface="Consolas" panose="020B0609020204030204" pitchFamily="49" charset="0"/>
+                  <a:ea typeface="SimSun"/>
+                </a:rPr>
+                <a:t>)</a:t>
+              </a:r>
+              <a:r>
+                <a:rPr lang="en-US" sz="1800" b="0" strike="noStrike" spc="-1" dirty="0">
+                  <a:latin typeface="Consolas" panose="020B0609020204030204" pitchFamily="49" charset="0"/>
+                  <a:ea typeface="SimSun"/>
+                </a:rPr>
+                <a:t>;</a:t>
+              </a:r>
+              <a:endParaRPr lang="en-IN" spc="-1" dirty="0">
                 <a:latin typeface="Consolas" panose="020B0609020204030204" pitchFamily="49" charset="0"/>
                 <a:ea typeface="SimSun"/>
-              </a:rPr>
-              <a:t>cqlsh:db1&gt; </a:t>
-            </a:r>
-            <a:r>
-              <a:rPr lang="en-US" sz="1800" b="0" strike="noStrike" spc="-1" dirty="0">
+              </a:endParaRPr>
+            </a:p>
+          </p:txBody>
+        </p:sp>
+        <p:sp>
+          <p:nvSpPr>
+            <p:cNvPr id="13" name="CustomShape 2">
+              <a:extLst>
+                <a:ext uri="{FF2B5EF4-FFF2-40B4-BE49-F238E27FC236}">
+                  <a16:creationId xmlns:a16="http://schemas.microsoft.com/office/drawing/2014/main" id="{79653DE4-47F1-4108-9B22-FE9F9FE828A8}"/>
+                </a:ext>
+              </a:extLst>
+            </p:cNvPr>
+            <p:cNvSpPr/>
+            <p:nvPr/>
+          </p:nvSpPr>
+          <p:spPr>
+            <a:xfrm>
+              <a:off x="246600" y="4653136"/>
+              <a:ext cx="11687400" cy="644877"/>
+            </a:xfrm>
+            <a:prstGeom prst="rect">
+              <a:avLst/>
+            </a:prstGeom>
+            <a:noFill/>
+            <a:ln>
+              <a:noFill/>
+            </a:ln>
+          </p:spPr>
+          <p:style>
+            <a:lnRef idx="0">
+              <a:scrgbClr r="0" g="0" b="0"/>
+            </a:lnRef>
+            <a:fillRef idx="0">
+              <a:scrgbClr r="0" g="0" b="0"/>
+            </a:fillRef>
+            <a:effectRef idx="0">
+              <a:scrgbClr r="0" g="0" b="0"/>
+            </a:effectRef>
+            <a:fontRef idx="minor"/>
+          </p:style>
+          <p:txBody>
+            <a:bodyPr wrap="square" lIns="90000" tIns="45000" rIns="90000" bIns="45000">
+              <a:spAutoFit/>
+            </a:bodyPr>
+            <a:lstStyle/>
+            <a:p>
+              <a:pPr marL="309510" indent="-285750">
+                <a:buClr>
+                  <a:srgbClr val="808080"/>
+                </a:buClr>
+                <a:buFont typeface="Arial" panose="020B0604020202020204" pitchFamily="34" charset="0"/>
+                <a:buChar char="•"/>
+              </a:pPr>
+              <a:r>
+                <a:rPr lang="en-IN" sz="1800" b="0" strike="noStrike" spc="-1" dirty="0">
+                  <a:solidFill>
+                    <a:schemeClr val="bg1">
+                      <a:lumMod val="50000"/>
+                    </a:schemeClr>
+                  </a:solidFill>
+                  <a:latin typeface="Consolas" panose="020B0609020204030204" pitchFamily="49" charset="0"/>
+                  <a:ea typeface="SimSun"/>
+                </a:rPr>
+                <a:t>cqlsh:db1&gt; </a:t>
+              </a:r>
+              <a:r>
+                <a:rPr lang="en-US" sz="1800" b="0" strike="noStrike" spc="-1" dirty="0">
+                  <a:latin typeface="Consolas" panose="020B0609020204030204" pitchFamily="49" charset="0"/>
+                  <a:ea typeface="SimSun"/>
+                </a:rPr>
+                <a:t>CREATE COLUMNFAMILY books</a:t>
+              </a:r>
+              <a:r>
+                <a:rPr lang="en-US" sz="1800" b="0" strike="noStrike" spc="-1" dirty="0">
+                  <a:solidFill>
+                    <a:schemeClr val="bg1">
+                      <a:lumMod val="50000"/>
+                    </a:schemeClr>
+                  </a:solidFill>
+                  <a:latin typeface="Consolas" panose="020B0609020204030204" pitchFamily="49" charset="0"/>
+                  <a:ea typeface="SimSun"/>
+                </a:rPr>
+                <a:t>(</a:t>
+              </a:r>
+              <a:r>
+                <a:rPr lang="en-US" sz="1800" b="0" strike="noStrike" spc="-1" dirty="0">
+                  <a:latin typeface="Consolas" panose="020B0609020204030204" pitchFamily="49" charset="0"/>
+                  <a:ea typeface="SimSun"/>
+                </a:rPr>
+                <a:t> id </a:t>
+              </a:r>
+              <a:r>
+                <a:rPr lang="en-US" dirty="0">
+                  <a:solidFill>
+                    <a:srgbClr val="834689"/>
+                  </a:solidFill>
+                  <a:latin typeface="Consolas" panose="020B0609020204030204" pitchFamily="49" charset="0"/>
+                  <a:cs typeface="Arial" panose="020B0604020202020204" pitchFamily="34" charset="0"/>
+                </a:rPr>
+                <a:t>int</a:t>
+              </a:r>
+              <a:r>
+                <a:rPr lang="en-US" sz="1800" b="0" strike="noStrike" spc="-1" dirty="0">
+                  <a:latin typeface="Consolas" panose="020B0609020204030204" pitchFamily="49" charset="0"/>
+                  <a:ea typeface="SimSun"/>
+                </a:rPr>
+                <a:t>, title </a:t>
+              </a:r>
+              <a:r>
+                <a:rPr lang="en-US" dirty="0">
+                  <a:solidFill>
+                    <a:srgbClr val="834689"/>
+                  </a:solidFill>
+                  <a:latin typeface="Consolas" panose="020B0609020204030204" pitchFamily="49" charset="0"/>
+                  <a:cs typeface="Arial" panose="020B0604020202020204" pitchFamily="34" charset="0"/>
+                </a:rPr>
+                <a:t>varchar</a:t>
+              </a:r>
+              <a:r>
+                <a:rPr lang="en-US" sz="1800" b="0" strike="noStrike" spc="-1" dirty="0">
+                  <a:latin typeface="Consolas" panose="020B0609020204030204" pitchFamily="49" charset="0"/>
+                  <a:ea typeface="SimSun"/>
+                </a:rPr>
+                <a:t>, author </a:t>
+              </a:r>
+              <a:r>
+                <a:rPr lang="en-US" dirty="0">
+                  <a:solidFill>
+                    <a:schemeClr val="accent4">
+                      <a:lumMod val="50000"/>
+                    </a:schemeClr>
+                  </a:solidFill>
+                  <a:latin typeface="Consolas" panose="020B0609020204030204" pitchFamily="49" charset="0"/>
+                  <a:cs typeface="Arial" panose="020B0604020202020204" pitchFamily="34" charset="0"/>
+                </a:rPr>
+                <a:t>frozen</a:t>
+              </a:r>
+              <a:r>
+                <a:rPr lang="en-US" sz="1800" b="0" strike="noStrike" spc="-1" dirty="0">
+                  <a:latin typeface="Consolas" panose="020B0609020204030204" pitchFamily="49" charset="0"/>
+                  <a:ea typeface="SimSun"/>
+                </a:rPr>
+                <a:t>&lt; </a:t>
+              </a:r>
+              <a:r>
+                <a:rPr lang="en-US" dirty="0">
+                  <a:solidFill>
+                    <a:srgbClr val="834689"/>
+                  </a:solidFill>
+                  <a:latin typeface="Consolas" panose="020B0609020204030204" pitchFamily="49" charset="0"/>
+                  <a:cs typeface="Arial" panose="020B0604020202020204" pitchFamily="34" charset="0"/>
+                </a:rPr>
+                <a:t>set </a:t>
+              </a:r>
+              <a:r>
+                <a:rPr lang="en-US" sz="1800" b="0" strike="noStrike" spc="-1" dirty="0">
+                  <a:latin typeface="Consolas" panose="020B0609020204030204" pitchFamily="49" charset="0"/>
+                  <a:ea typeface="SimSun"/>
+                </a:rPr>
+                <a:t>&lt;</a:t>
+              </a:r>
+              <a:r>
+                <a:rPr lang="en-US" dirty="0">
+                  <a:solidFill>
+                    <a:srgbClr val="834689"/>
+                  </a:solidFill>
+                  <a:latin typeface="Consolas" panose="020B0609020204030204" pitchFamily="49" charset="0"/>
+                  <a:cs typeface="Arial" panose="020B0604020202020204" pitchFamily="34" charset="0"/>
+                </a:rPr>
+                <a:t>text</a:t>
+              </a:r>
+              <a:r>
+                <a:rPr lang="en-US" sz="1800" b="0" strike="noStrike" spc="-1" dirty="0">
+                  <a:latin typeface="Consolas" panose="020B0609020204030204" pitchFamily="49" charset="0"/>
+                  <a:ea typeface="SimSun"/>
+                </a:rPr>
+                <a:t>&gt; &gt;</a:t>
+              </a:r>
+              <a:r>
+                <a:rPr lang="en-US" dirty="0">
+                  <a:solidFill>
+                    <a:srgbClr val="834689"/>
+                  </a:solidFill>
+                  <a:latin typeface="Consolas" panose="020B0609020204030204" pitchFamily="49" charset="0"/>
+                  <a:cs typeface="Arial" panose="020B0604020202020204" pitchFamily="34" charset="0"/>
+                </a:rPr>
+                <a:t>, </a:t>
+              </a:r>
+              <a:r>
+                <a:rPr lang="en-US" dirty="0">
+                  <a:solidFill>
+                    <a:srgbClr val="C00000"/>
+                  </a:solidFill>
+                  <a:latin typeface="Consolas" panose="020B0609020204030204" pitchFamily="49" charset="0"/>
+                  <a:cs typeface="Arial" panose="020B0604020202020204" pitchFamily="34" charset="0"/>
+                </a:rPr>
+                <a:t>primary</a:t>
+              </a:r>
+              <a:r>
+                <a:rPr lang="en-US" sz="1800" b="0" strike="noStrike" spc="-1" dirty="0">
+                  <a:latin typeface="Consolas" panose="020B0609020204030204" pitchFamily="49" charset="0"/>
+                  <a:ea typeface="SimSun"/>
+                </a:rPr>
+                <a:t> </a:t>
+              </a:r>
+              <a:r>
+                <a:rPr lang="en-US" dirty="0">
+                  <a:solidFill>
+                    <a:srgbClr val="C00000"/>
+                  </a:solidFill>
+                  <a:latin typeface="Consolas" panose="020B0609020204030204" pitchFamily="49" charset="0"/>
+                  <a:cs typeface="Arial" panose="020B0604020202020204" pitchFamily="34" charset="0"/>
+                </a:rPr>
+                <a:t>key</a:t>
+              </a:r>
+              <a:r>
+                <a:rPr lang="en-US" dirty="0">
+                  <a:solidFill>
+                    <a:schemeClr val="bg1">
+                      <a:lumMod val="50000"/>
+                    </a:schemeClr>
+                  </a:solidFill>
+                  <a:latin typeface="Consolas" panose="020B0609020204030204" pitchFamily="49" charset="0"/>
+                  <a:cs typeface="Arial" panose="020B0604020202020204" pitchFamily="34" charset="0"/>
+                </a:rPr>
+                <a:t>(</a:t>
+              </a:r>
+              <a:r>
+                <a:rPr lang="en-US" sz="1800" b="0" strike="noStrike" spc="-1" dirty="0">
+                  <a:latin typeface="Consolas" panose="020B0609020204030204" pitchFamily="49" charset="0"/>
+                  <a:ea typeface="SimSun"/>
+                </a:rPr>
+                <a:t>id</a:t>
+              </a:r>
+              <a:r>
+                <a:rPr lang="en-US" dirty="0">
+                  <a:solidFill>
+                    <a:schemeClr val="bg1">
+                      <a:lumMod val="50000"/>
+                    </a:schemeClr>
+                  </a:solidFill>
+                  <a:latin typeface="Consolas" panose="020B0609020204030204" pitchFamily="49" charset="0"/>
+                  <a:cs typeface="Arial" panose="020B0604020202020204" pitchFamily="34" charset="0"/>
+                </a:rPr>
+                <a:t>)</a:t>
+              </a:r>
+              <a:r>
+                <a:rPr lang="en-US" dirty="0">
+                  <a:solidFill>
+                    <a:srgbClr val="834689"/>
+                  </a:solidFill>
+                  <a:latin typeface="Consolas" panose="020B0609020204030204" pitchFamily="49" charset="0"/>
+                  <a:cs typeface="Arial" panose="020B0604020202020204" pitchFamily="34" charset="0"/>
+                </a:rPr>
+                <a:t> </a:t>
+              </a:r>
+              <a:r>
+                <a:rPr lang="en-US" sz="1800" b="0" strike="noStrike" spc="-1" dirty="0">
+                  <a:solidFill>
+                    <a:schemeClr val="bg1">
+                      <a:lumMod val="50000"/>
+                    </a:schemeClr>
+                  </a:solidFill>
+                  <a:latin typeface="Consolas" panose="020B0609020204030204" pitchFamily="49" charset="0"/>
+                  <a:ea typeface="SimSun"/>
+                </a:rPr>
+                <a:t>)</a:t>
+              </a:r>
+              <a:r>
+                <a:rPr lang="en-US" sz="1800" b="0" strike="noStrike" spc="-1" dirty="0">
+                  <a:latin typeface="Consolas" panose="020B0609020204030204" pitchFamily="49" charset="0"/>
+                  <a:ea typeface="SimSun"/>
+                </a:rPr>
+                <a:t>;</a:t>
+              </a:r>
+              <a:endParaRPr lang="en-IN" spc="-1" dirty="0">
                 <a:latin typeface="Consolas" panose="020B0609020204030204" pitchFamily="49" charset="0"/>
                 <a:ea typeface="SimSun"/>
-              </a:rPr>
-              <a:t>CREATE COLUMNFAMILY location</a:t>
-            </a:r>
-            <a:r>
-              <a:rPr lang="en-US" sz="1800" b="0" strike="noStrike" spc="-1" dirty="0">
-                <a:solidFill>
-                  <a:schemeClr val="bg1">
-                    <a:lumMod val="50000"/>
-                  </a:schemeClr>
-                </a:solidFill>
+              </a:endParaRPr>
+            </a:p>
+          </p:txBody>
+        </p:sp>
+        <p:sp>
+          <p:nvSpPr>
+            <p:cNvPr id="14" name="CustomShape 2">
+              <a:extLst>
+                <a:ext uri="{FF2B5EF4-FFF2-40B4-BE49-F238E27FC236}">
+                  <a16:creationId xmlns:a16="http://schemas.microsoft.com/office/drawing/2014/main" id="{396348A5-44D0-45C8-8C26-2F4DCB037F3E}"/>
+                </a:ext>
+              </a:extLst>
+            </p:cNvPr>
+            <p:cNvSpPr/>
+            <p:nvPr/>
+          </p:nvSpPr>
+          <p:spPr>
+            <a:xfrm>
+              <a:off x="246600" y="5589240"/>
+              <a:ext cx="11687400" cy="644877"/>
+            </a:xfrm>
+            <a:prstGeom prst="rect">
+              <a:avLst/>
+            </a:prstGeom>
+            <a:noFill/>
+            <a:ln>
+              <a:noFill/>
+            </a:ln>
+          </p:spPr>
+          <p:style>
+            <a:lnRef idx="0">
+              <a:scrgbClr r="0" g="0" b="0"/>
+            </a:lnRef>
+            <a:fillRef idx="0">
+              <a:scrgbClr r="0" g="0" b="0"/>
+            </a:fillRef>
+            <a:effectRef idx="0">
+              <a:scrgbClr r="0" g="0" b="0"/>
+            </a:effectRef>
+            <a:fontRef idx="minor"/>
+          </p:style>
+          <p:txBody>
+            <a:bodyPr wrap="square" lIns="90000" tIns="45000" rIns="90000" bIns="45000">
+              <a:spAutoFit/>
+            </a:bodyPr>
+            <a:lstStyle/>
+            <a:p>
+              <a:pPr marL="309510" indent="-285750">
+                <a:buClr>
+                  <a:srgbClr val="808080"/>
+                </a:buClr>
+                <a:buFont typeface="Arial" panose="020B0604020202020204" pitchFamily="34" charset="0"/>
+                <a:buChar char="•"/>
+              </a:pPr>
+              <a:r>
+                <a:rPr lang="en-IN" sz="1800" b="0" strike="noStrike" spc="-1" dirty="0">
+                  <a:solidFill>
+                    <a:schemeClr val="bg1">
+                      <a:lumMod val="50000"/>
+                    </a:schemeClr>
+                  </a:solidFill>
+                  <a:latin typeface="Consolas" panose="020B0609020204030204" pitchFamily="49" charset="0"/>
+                  <a:ea typeface="SimSun"/>
+                </a:rPr>
+                <a:t>cqlsh:db1&gt; </a:t>
+              </a:r>
+              <a:r>
+                <a:rPr lang="en-US" sz="1800" b="0" strike="noStrike" spc="-1" dirty="0">
+                  <a:latin typeface="Consolas" panose="020B0609020204030204" pitchFamily="49" charset="0"/>
+                  <a:ea typeface="SimSun"/>
+                </a:rPr>
+                <a:t>CREATE COLUMNFAMILY books</a:t>
+              </a:r>
+              <a:r>
+                <a:rPr lang="en-US" sz="1800" b="0" strike="noStrike" spc="-1" dirty="0">
+                  <a:solidFill>
+                    <a:schemeClr val="bg1">
+                      <a:lumMod val="50000"/>
+                    </a:schemeClr>
+                  </a:solidFill>
+                  <a:latin typeface="Consolas" panose="020B0609020204030204" pitchFamily="49" charset="0"/>
+                  <a:ea typeface="SimSun"/>
+                </a:rPr>
+                <a:t>(</a:t>
+              </a:r>
+              <a:r>
+                <a:rPr lang="en-US" sz="1800" b="0" strike="noStrike" spc="-1" dirty="0">
+                  <a:latin typeface="Consolas" panose="020B0609020204030204" pitchFamily="49" charset="0"/>
+                  <a:ea typeface="SimSun"/>
+                </a:rPr>
+                <a:t> id </a:t>
+              </a:r>
+              <a:r>
+                <a:rPr lang="en-US" dirty="0">
+                  <a:solidFill>
+                    <a:srgbClr val="834689"/>
+                  </a:solidFill>
+                  <a:latin typeface="Consolas" panose="020B0609020204030204" pitchFamily="49" charset="0"/>
+                  <a:cs typeface="Arial" panose="020B0604020202020204" pitchFamily="34" charset="0"/>
+                </a:rPr>
+                <a:t>int</a:t>
+              </a:r>
+              <a:r>
+                <a:rPr lang="en-US" sz="1800" b="0" strike="noStrike" spc="-1" dirty="0">
+                  <a:latin typeface="Consolas" panose="020B0609020204030204" pitchFamily="49" charset="0"/>
+                  <a:ea typeface="SimSun"/>
+                </a:rPr>
+                <a:t>, title </a:t>
+              </a:r>
+              <a:r>
+                <a:rPr lang="en-US" dirty="0">
+                  <a:solidFill>
+                    <a:srgbClr val="834689"/>
+                  </a:solidFill>
+                  <a:latin typeface="Consolas" panose="020B0609020204030204" pitchFamily="49" charset="0"/>
+                  <a:cs typeface="Arial" panose="020B0604020202020204" pitchFamily="34" charset="0"/>
+                </a:rPr>
+                <a:t>varchar</a:t>
+              </a:r>
+              <a:r>
+                <a:rPr lang="en-US" sz="1800" b="0" strike="noStrike" spc="-1" dirty="0">
+                  <a:latin typeface="Consolas" panose="020B0609020204030204" pitchFamily="49" charset="0"/>
+                  <a:ea typeface="SimSun"/>
+                </a:rPr>
+                <a:t>, </a:t>
+              </a:r>
+              <a:r>
+                <a:rPr lang="en-US" spc="-1" dirty="0">
+                  <a:latin typeface="Consolas" panose="020B0609020204030204" pitchFamily="49" charset="0"/>
+                  <a:ea typeface="SimSun"/>
+                </a:rPr>
+                <a:t>publisher </a:t>
+              </a:r>
+              <a:r>
+                <a:rPr lang="en-US" dirty="0">
+                  <a:solidFill>
+                    <a:schemeClr val="accent4">
+                      <a:lumMod val="50000"/>
+                    </a:schemeClr>
+                  </a:solidFill>
+                  <a:latin typeface="Consolas" panose="020B0609020204030204" pitchFamily="49" charset="0"/>
+                  <a:cs typeface="Arial" panose="020B0604020202020204" pitchFamily="34" charset="0"/>
+                </a:rPr>
+                <a:t>frozen</a:t>
+              </a:r>
+              <a:r>
+                <a:rPr lang="en-US" sz="1800" b="0" strike="noStrike" spc="-1" dirty="0">
+                  <a:latin typeface="Consolas" panose="020B0609020204030204" pitchFamily="49" charset="0"/>
+                  <a:ea typeface="SimSun"/>
+                </a:rPr>
+                <a:t>&lt; </a:t>
+              </a:r>
+              <a:r>
+                <a:rPr lang="en-US" dirty="0">
+                  <a:solidFill>
+                    <a:srgbClr val="834689"/>
+                  </a:solidFill>
+                  <a:latin typeface="Consolas" panose="020B0609020204030204" pitchFamily="49" charset="0"/>
+                  <a:cs typeface="Arial" panose="020B0604020202020204" pitchFamily="34" charset="0"/>
+                </a:rPr>
+                <a:t>list </a:t>
+              </a:r>
+              <a:r>
+                <a:rPr lang="en-US" spc="-1" dirty="0">
+                  <a:latin typeface="Consolas" panose="020B0609020204030204" pitchFamily="49" charset="0"/>
+                  <a:ea typeface="SimSun"/>
+                </a:rPr>
+                <a:t>&lt;</a:t>
+              </a:r>
+              <a:r>
+                <a:rPr lang="en-US" dirty="0">
+                  <a:solidFill>
+                    <a:srgbClr val="834689"/>
+                  </a:solidFill>
+                  <a:latin typeface="Consolas" panose="020B0609020204030204" pitchFamily="49" charset="0"/>
+                  <a:cs typeface="Arial" panose="020B0604020202020204" pitchFamily="34" charset="0"/>
+                </a:rPr>
+                <a:t>text</a:t>
+              </a:r>
+              <a:r>
+                <a:rPr lang="en-US" spc="-1" dirty="0">
+                  <a:latin typeface="Consolas" panose="020B0609020204030204" pitchFamily="49" charset="0"/>
+                  <a:ea typeface="SimSun"/>
+                </a:rPr>
+                <a:t>&gt; &gt;,</a:t>
+              </a:r>
+              <a:r>
+                <a:rPr lang="en-US" dirty="0">
+                  <a:solidFill>
+                    <a:srgbClr val="834689"/>
+                  </a:solidFill>
+                  <a:latin typeface="Consolas" panose="020B0609020204030204" pitchFamily="49" charset="0"/>
+                  <a:cs typeface="Arial" panose="020B0604020202020204" pitchFamily="34" charset="0"/>
+                </a:rPr>
+                <a:t> </a:t>
+              </a:r>
+              <a:r>
+                <a:rPr lang="en-US" dirty="0">
+                  <a:solidFill>
+                    <a:srgbClr val="C00000"/>
+                  </a:solidFill>
+                  <a:latin typeface="Consolas" panose="020B0609020204030204" pitchFamily="49" charset="0"/>
+                  <a:cs typeface="Arial" panose="020B0604020202020204" pitchFamily="34" charset="0"/>
+                </a:rPr>
+                <a:t>primary</a:t>
+              </a:r>
+              <a:r>
+                <a:rPr lang="en-US" sz="1800" b="0" strike="noStrike" spc="-1" dirty="0">
+                  <a:latin typeface="Consolas" panose="020B0609020204030204" pitchFamily="49" charset="0"/>
+                  <a:ea typeface="SimSun"/>
+                </a:rPr>
+                <a:t> </a:t>
+              </a:r>
+              <a:r>
+                <a:rPr lang="en-US" dirty="0">
+                  <a:solidFill>
+                    <a:srgbClr val="C00000"/>
+                  </a:solidFill>
+                  <a:latin typeface="Consolas" panose="020B0609020204030204" pitchFamily="49" charset="0"/>
+                  <a:cs typeface="Arial" panose="020B0604020202020204" pitchFamily="34" charset="0"/>
+                </a:rPr>
+                <a:t>key</a:t>
+              </a:r>
+              <a:r>
+                <a:rPr lang="en-US" dirty="0">
+                  <a:solidFill>
+                    <a:schemeClr val="bg1">
+                      <a:lumMod val="50000"/>
+                    </a:schemeClr>
+                  </a:solidFill>
+                  <a:latin typeface="Consolas" panose="020B0609020204030204" pitchFamily="49" charset="0"/>
+                  <a:cs typeface="Arial" panose="020B0604020202020204" pitchFamily="34" charset="0"/>
+                </a:rPr>
+                <a:t>(</a:t>
+              </a:r>
+              <a:r>
+                <a:rPr lang="en-US" sz="1800" b="0" strike="noStrike" spc="-1" dirty="0">
+                  <a:latin typeface="Consolas" panose="020B0609020204030204" pitchFamily="49" charset="0"/>
+                  <a:ea typeface="SimSun"/>
+                </a:rPr>
+                <a:t>id</a:t>
+              </a:r>
+              <a:r>
+                <a:rPr lang="en-US" dirty="0">
+                  <a:solidFill>
+                    <a:schemeClr val="bg1">
+                      <a:lumMod val="50000"/>
+                    </a:schemeClr>
+                  </a:solidFill>
+                  <a:latin typeface="Consolas" panose="020B0609020204030204" pitchFamily="49" charset="0"/>
+                  <a:cs typeface="Arial" panose="020B0604020202020204" pitchFamily="34" charset="0"/>
+                </a:rPr>
+                <a:t>)</a:t>
+              </a:r>
+              <a:r>
+                <a:rPr lang="en-US" dirty="0">
+                  <a:solidFill>
+                    <a:srgbClr val="834689"/>
+                  </a:solidFill>
+                  <a:latin typeface="Consolas" panose="020B0609020204030204" pitchFamily="49" charset="0"/>
+                  <a:cs typeface="Arial" panose="020B0604020202020204" pitchFamily="34" charset="0"/>
+                </a:rPr>
+                <a:t> </a:t>
+              </a:r>
+              <a:r>
+                <a:rPr lang="en-US" sz="1800" b="0" strike="noStrike" spc="-1" dirty="0">
+                  <a:solidFill>
+                    <a:schemeClr val="bg1">
+                      <a:lumMod val="50000"/>
+                    </a:schemeClr>
+                  </a:solidFill>
+                  <a:latin typeface="Consolas" panose="020B0609020204030204" pitchFamily="49" charset="0"/>
+                  <a:ea typeface="SimSun"/>
+                </a:rPr>
+                <a:t>)</a:t>
+              </a:r>
+              <a:r>
+                <a:rPr lang="en-US" sz="1800" b="0" strike="noStrike" spc="-1" dirty="0">
+                  <a:latin typeface="Consolas" panose="020B0609020204030204" pitchFamily="49" charset="0"/>
+                  <a:ea typeface="SimSun"/>
+                </a:rPr>
+                <a:t>;</a:t>
+              </a:r>
+              <a:endParaRPr lang="en-IN" spc="-1" dirty="0">
                 <a:latin typeface="Consolas" panose="020B0609020204030204" pitchFamily="49" charset="0"/>
                 <a:ea typeface="SimSun"/>
-              </a:rPr>
-              <a:t>(</a:t>
-            </a:r>
-            <a:r>
-              <a:rPr lang="en-US" sz="1800" b="0" strike="noStrike" spc="-1" dirty="0">
-                <a:latin typeface="Consolas" panose="020B0609020204030204" pitchFamily="49" charset="0"/>
-                <a:ea typeface="SimSun"/>
-              </a:rPr>
-              <a:t> id </a:t>
-            </a:r>
-            <a:r>
-              <a:rPr lang="en-US" dirty="0">
-                <a:solidFill>
-                  <a:srgbClr val="834689"/>
-                </a:solidFill>
-                <a:latin typeface="Consolas" panose="020B0609020204030204" pitchFamily="49" charset="0"/>
-                <a:cs typeface="Arial" panose="020B0604020202020204" pitchFamily="34" charset="0"/>
-              </a:rPr>
-              <a:t>int</a:t>
-            </a:r>
-            <a:r>
-              <a:rPr lang="en-US" sz="1800" b="0" strike="noStrike" spc="-1" dirty="0">
-                <a:latin typeface="Consolas" panose="020B0609020204030204" pitchFamily="49" charset="0"/>
-                <a:ea typeface="SimSun"/>
-              </a:rPr>
-              <a:t>, name </a:t>
-            </a:r>
-            <a:r>
-              <a:rPr lang="en-US" dirty="0">
-                <a:solidFill>
-                  <a:srgbClr val="834689"/>
-                </a:solidFill>
-                <a:latin typeface="Consolas" panose="020B0609020204030204" pitchFamily="49" charset="0"/>
-                <a:cs typeface="Arial" panose="020B0604020202020204" pitchFamily="34" charset="0"/>
-              </a:rPr>
-              <a:t>varchar</a:t>
-            </a:r>
-            <a:r>
-              <a:rPr lang="en-US" sz="1800" b="0" strike="noStrike" spc="-1" dirty="0">
-                <a:latin typeface="Consolas" panose="020B0609020204030204" pitchFamily="49" charset="0"/>
-                <a:ea typeface="SimSun"/>
-              </a:rPr>
-              <a:t>, location </a:t>
-            </a:r>
-            <a:r>
-              <a:rPr lang="en-US" dirty="0">
-                <a:solidFill>
-                  <a:schemeClr val="accent4">
-                    <a:lumMod val="50000"/>
-                  </a:schemeClr>
-                </a:solidFill>
-                <a:latin typeface="Consolas" panose="020B0609020204030204" pitchFamily="49" charset="0"/>
-                <a:cs typeface="Arial" panose="020B0604020202020204" pitchFamily="34" charset="0"/>
-              </a:rPr>
-              <a:t>frozen</a:t>
-            </a:r>
-            <a:r>
-              <a:rPr lang="en-US" sz="1800" b="0" strike="noStrike" spc="-1" dirty="0">
-                <a:latin typeface="Consolas" panose="020B0609020204030204" pitchFamily="49" charset="0"/>
-                <a:ea typeface="SimSun"/>
-              </a:rPr>
-              <a:t>&lt; </a:t>
-            </a:r>
-            <a:r>
-              <a:rPr lang="en-US" dirty="0">
-                <a:solidFill>
-                  <a:srgbClr val="834689"/>
-                </a:solidFill>
-                <a:latin typeface="Consolas" panose="020B0609020204030204" pitchFamily="49" charset="0"/>
-                <a:cs typeface="Arial" panose="020B0604020202020204" pitchFamily="34" charset="0"/>
-              </a:rPr>
-              <a:t>map </a:t>
-            </a:r>
-            <a:r>
-              <a:rPr lang="en-US" sz="1800" b="0" strike="noStrike" spc="-1" dirty="0">
-                <a:latin typeface="Consolas" panose="020B0609020204030204" pitchFamily="49" charset="0"/>
-                <a:ea typeface="SimSun"/>
-              </a:rPr>
-              <a:t>&lt;</a:t>
-            </a:r>
-            <a:r>
-              <a:rPr lang="en-US" dirty="0">
-                <a:solidFill>
-                  <a:srgbClr val="834689"/>
-                </a:solidFill>
-                <a:latin typeface="Consolas" panose="020B0609020204030204" pitchFamily="49" charset="0"/>
-                <a:cs typeface="Arial" panose="020B0604020202020204" pitchFamily="34" charset="0"/>
-              </a:rPr>
-              <a:t>text</a:t>
-            </a:r>
-            <a:r>
-              <a:rPr lang="en-US" sz="1800" b="0" strike="noStrike" spc="-1" dirty="0">
-                <a:latin typeface="Consolas" panose="020B0609020204030204" pitchFamily="49" charset="0"/>
-                <a:ea typeface="SimSun"/>
-              </a:rPr>
-              <a:t>, </a:t>
-            </a:r>
-            <a:r>
-              <a:rPr lang="en-US" dirty="0">
-                <a:solidFill>
-                  <a:srgbClr val="834689"/>
-                </a:solidFill>
-                <a:latin typeface="Consolas" panose="020B0609020204030204" pitchFamily="49" charset="0"/>
-                <a:cs typeface="Arial" panose="020B0604020202020204" pitchFamily="34" charset="0"/>
-              </a:rPr>
-              <a:t>float</a:t>
-            </a:r>
-            <a:r>
-              <a:rPr lang="en-US" sz="1800" b="0" strike="noStrike" spc="-1" dirty="0">
-                <a:latin typeface="Consolas" panose="020B0609020204030204" pitchFamily="49" charset="0"/>
-                <a:ea typeface="SimSun"/>
-              </a:rPr>
-              <a:t>&gt; &gt;,  isActive </a:t>
-            </a:r>
-            <a:r>
-              <a:rPr lang="en-US" dirty="0">
-                <a:solidFill>
-                  <a:srgbClr val="834689"/>
-                </a:solidFill>
-                <a:latin typeface="Consolas" panose="020B0609020204030204" pitchFamily="49" charset="0"/>
-                <a:cs typeface="Arial" panose="020B0604020202020204" pitchFamily="34" charset="0"/>
-              </a:rPr>
-              <a:t>boolean, </a:t>
-            </a:r>
-            <a:r>
-              <a:rPr lang="en-US" dirty="0">
-                <a:solidFill>
-                  <a:srgbClr val="C00000"/>
-                </a:solidFill>
-                <a:latin typeface="Consolas" panose="020B0609020204030204" pitchFamily="49" charset="0"/>
-                <a:cs typeface="Arial" panose="020B0604020202020204" pitchFamily="34" charset="0"/>
-              </a:rPr>
-              <a:t>primary</a:t>
-            </a:r>
-            <a:r>
-              <a:rPr lang="en-US" sz="1800" b="0" strike="noStrike" spc="-1" dirty="0">
-                <a:latin typeface="Consolas" panose="020B0609020204030204" pitchFamily="49" charset="0"/>
-                <a:ea typeface="SimSun"/>
-              </a:rPr>
-              <a:t> </a:t>
-            </a:r>
-            <a:r>
-              <a:rPr lang="en-US" dirty="0">
-                <a:solidFill>
-                  <a:srgbClr val="C00000"/>
-                </a:solidFill>
-                <a:latin typeface="Consolas" panose="020B0609020204030204" pitchFamily="49" charset="0"/>
-                <a:cs typeface="Arial" panose="020B0604020202020204" pitchFamily="34" charset="0"/>
-              </a:rPr>
-              <a:t>key</a:t>
-            </a:r>
-            <a:r>
-              <a:rPr lang="en-US" dirty="0">
-                <a:solidFill>
-                  <a:schemeClr val="bg1">
-                    <a:lumMod val="50000"/>
-                  </a:schemeClr>
-                </a:solidFill>
-                <a:latin typeface="Consolas" panose="020B0609020204030204" pitchFamily="49" charset="0"/>
-                <a:cs typeface="Arial" panose="020B0604020202020204" pitchFamily="34" charset="0"/>
-              </a:rPr>
-              <a:t>(</a:t>
-            </a:r>
-            <a:r>
-              <a:rPr lang="en-US" sz="1800" b="0" strike="noStrike" spc="-1" dirty="0">
-                <a:latin typeface="Consolas" panose="020B0609020204030204" pitchFamily="49" charset="0"/>
-                <a:ea typeface="SimSun"/>
-              </a:rPr>
-              <a:t>id</a:t>
-            </a:r>
-            <a:r>
-              <a:rPr lang="en-US" dirty="0">
-                <a:solidFill>
-                  <a:schemeClr val="bg1">
-                    <a:lumMod val="50000"/>
-                  </a:schemeClr>
-                </a:solidFill>
-                <a:latin typeface="Consolas" panose="020B0609020204030204" pitchFamily="49" charset="0"/>
-                <a:cs typeface="Arial" panose="020B0604020202020204" pitchFamily="34" charset="0"/>
-              </a:rPr>
-              <a:t>)</a:t>
-            </a:r>
-            <a:r>
-              <a:rPr lang="en-US" dirty="0">
-                <a:solidFill>
-                  <a:srgbClr val="834689"/>
-                </a:solidFill>
-                <a:latin typeface="Consolas" panose="020B0609020204030204" pitchFamily="49" charset="0"/>
-                <a:cs typeface="Arial" panose="020B0604020202020204" pitchFamily="34" charset="0"/>
-              </a:rPr>
-              <a:t> </a:t>
-            </a:r>
-            <a:r>
-              <a:rPr lang="en-US" sz="1800" b="0" strike="noStrike" spc="-1" dirty="0">
-                <a:solidFill>
-                  <a:schemeClr val="bg1">
-                    <a:lumMod val="50000"/>
-                  </a:schemeClr>
-                </a:solidFill>
-                <a:latin typeface="Consolas" panose="020B0609020204030204" pitchFamily="49" charset="0"/>
-                <a:ea typeface="SimSun"/>
-              </a:rPr>
-              <a:t>)</a:t>
-            </a:r>
-            <a:r>
-              <a:rPr lang="en-US" sz="1800" b="0" strike="noStrike" spc="-1" dirty="0">
-                <a:latin typeface="Consolas" panose="020B0609020204030204" pitchFamily="49" charset="0"/>
-                <a:ea typeface="SimSun"/>
-              </a:rPr>
-              <a:t>;</a:t>
-            </a:r>
-            <a:endParaRPr lang="en-IN" spc="-1" dirty="0">
-              <a:latin typeface="Consolas" panose="020B0609020204030204" pitchFamily="49" charset="0"/>
-              <a:ea typeface="SimSun"/>
-            </a:endParaRPr>
-          </a:p>
-        </p:txBody>
-      </p:sp>
-      <p:sp>
-        <p:nvSpPr>
-          <p:cNvPr id="13" name="CustomShape 2">
-            <a:extLst>
-              <a:ext uri="{FF2B5EF4-FFF2-40B4-BE49-F238E27FC236}">
-                <a16:creationId xmlns:a16="http://schemas.microsoft.com/office/drawing/2014/main" id="{79653DE4-47F1-4108-9B22-FE9F9FE828A8}"/>
-              </a:ext>
-            </a:extLst>
-          </p:cNvPr>
-          <p:cNvSpPr/>
-          <p:nvPr/>
-        </p:nvSpPr>
-        <p:spPr>
-          <a:xfrm>
-            <a:off x="246600" y="4800347"/>
-            <a:ext cx="11687400" cy="644877"/>
-          </a:xfrm>
-          <a:prstGeom prst="rect">
-            <a:avLst/>
-          </a:prstGeom>
-          <a:noFill/>
-          <a:ln>
-            <a:noFill/>
-          </a:ln>
-        </p:spPr>
-        <p:style>
-          <a:lnRef idx="0">
-            <a:scrgbClr r="0" g="0" b="0"/>
-          </a:lnRef>
-          <a:fillRef idx="0">
-            <a:scrgbClr r="0" g="0" b="0"/>
-          </a:fillRef>
-          <a:effectRef idx="0">
-            <a:scrgbClr r="0" g="0" b="0"/>
-          </a:effectRef>
-          <a:fontRef idx="minor"/>
-        </p:style>
-        <p:txBody>
-          <a:bodyPr wrap="square" lIns="90000" tIns="45000" rIns="90000" bIns="45000">
-            <a:spAutoFit/>
-          </a:bodyPr>
-          <a:lstStyle/>
-          <a:p>
-            <a:pPr marL="309510" indent="-285750">
-              <a:buClr>
-                <a:srgbClr val="808080"/>
-              </a:buClr>
-              <a:buFont typeface="Arial" panose="020B0604020202020204" pitchFamily="34" charset="0"/>
-              <a:buChar char="•"/>
-            </a:pPr>
-            <a:r>
-              <a:rPr lang="en-IN" sz="1800" b="0" strike="noStrike" spc="-1" dirty="0">
-                <a:solidFill>
-                  <a:schemeClr val="bg1">
-                    <a:lumMod val="50000"/>
-                  </a:schemeClr>
-                </a:solidFill>
-                <a:latin typeface="Consolas" panose="020B0609020204030204" pitchFamily="49" charset="0"/>
-                <a:ea typeface="SimSun"/>
-              </a:rPr>
-              <a:t>cqlsh:db1&gt; </a:t>
-            </a:r>
-            <a:r>
-              <a:rPr lang="en-US" sz="1800" b="0" strike="noStrike" spc="-1" dirty="0">
-                <a:latin typeface="Consolas" panose="020B0609020204030204" pitchFamily="49" charset="0"/>
-                <a:ea typeface="SimSun"/>
-              </a:rPr>
-              <a:t>CREATE COLUMNFAMILY books</a:t>
-            </a:r>
-            <a:r>
-              <a:rPr lang="en-US" sz="1800" b="0" strike="noStrike" spc="-1" dirty="0">
-                <a:solidFill>
-                  <a:schemeClr val="bg1">
-                    <a:lumMod val="50000"/>
-                  </a:schemeClr>
-                </a:solidFill>
-                <a:latin typeface="Consolas" panose="020B0609020204030204" pitchFamily="49" charset="0"/>
-                <a:ea typeface="SimSun"/>
-              </a:rPr>
-              <a:t>(</a:t>
-            </a:r>
-            <a:r>
-              <a:rPr lang="en-US" sz="1800" b="0" strike="noStrike" spc="-1" dirty="0">
-                <a:latin typeface="Consolas" panose="020B0609020204030204" pitchFamily="49" charset="0"/>
-                <a:ea typeface="SimSun"/>
-              </a:rPr>
-              <a:t> id </a:t>
-            </a:r>
-            <a:r>
-              <a:rPr lang="en-US" dirty="0">
-                <a:solidFill>
-                  <a:srgbClr val="834689"/>
-                </a:solidFill>
-                <a:latin typeface="Consolas" panose="020B0609020204030204" pitchFamily="49" charset="0"/>
-                <a:cs typeface="Arial" panose="020B0604020202020204" pitchFamily="34" charset="0"/>
-              </a:rPr>
-              <a:t>int</a:t>
-            </a:r>
-            <a:r>
-              <a:rPr lang="en-US" sz="1800" b="0" strike="noStrike" spc="-1" dirty="0">
-                <a:latin typeface="Consolas" panose="020B0609020204030204" pitchFamily="49" charset="0"/>
-                <a:ea typeface="SimSun"/>
-              </a:rPr>
-              <a:t>, title </a:t>
-            </a:r>
-            <a:r>
-              <a:rPr lang="en-US" dirty="0">
-                <a:solidFill>
-                  <a:srgbClr val="834689"/>
-                </a:solidFill>
-                <a:latin typeface="Consolas" panose="020B0609020204030204" pitchFamily="49" charset="0"/>
-                <a:cs typeface="Arial" panose="020B0604020202020204" pitchFamily="34" charset="0"/>
-              </a:rPr>
-              <a:t>varchar</a:t>
-            </a:r>
-            <a:r>
-              <a:rPr lang="en-US" sz="1800" b="0" strike="noStrike" spc="-1" dirty="0">
-                <a:latin typeface="Consolas" panose="020B0609020204030204" pitchFamily="49" charset="0"/>
-                <a:ea typeface="SimSun"/>
-              </a:rPr>
-              <a:t>, author </a:t>
-            </a:r>
-            <a:r>
-              <a:rPr lang="en-US" dirty="0">
-                <a:solidFill>
-                  <a:schemeClr val="accent4">
-                    <a:lumMod val="50000"/>
-                  </a:schemeClr>
-                </a:solidFill>
-                <a:latin typeface="Consolas" panose="020B0609020204030204" pitchFamily="49" charset="0"/>
-                <a:cs typeface="Arial" panose="020B0604020202020204" pitchFamily="34" charset="0"/>
-              </a:rPr>
-              <a:t>frozen</a:t>
-            </a:r>
-            <a:r>
-              <a:rPr lang="en-US" sz="1800" b="0" strike="noStrike" spc="-1" dirty="0">
-                <a:latin typeface="Consolas" panose="020B0609020204030204" pitchFamily="49" charset="0"/>
-                <a:ea typeface="SimSun"/>
-              </a:rPr>
-              <a:t>&lt; </a:t>
-            </a:r>
-            <a:r>
-              <a:rPr lang="en-US" dirty="0">
-                <a:solidFill>
-                  <a:srgbClr val="834689"/>
-                </a:solidFill>
-                <a:latin typeface="Consolas" panose="020B0609020204030204" pitchFamily="49" charset="0"/>
-                <a:cs typeface="Arial" panose="020B0604020202020204" pitchFamily="34" charset="0"/>
-              </a:rPr>
-              <a:t>set </a:t>
-            </a:r>
-            <a:r>
-              <a:rPr lang="en-US" sz="1800" b="0" strike="noStrike" spc="-1" dirty="0">
-                <a:latin typeface="Consolas" panose="020B0609020204030204" pitchFamily="49" charset="0"/>
-                <a:ea typeface="SimSun"/>
-              </a:rPr>
-              <a:t>&lt;</a:t>
-            </a:r>
-            <a:r>
-              <a:rPr lang="en-US" dirty="0">
-                <a:solidFill>
-                  <a:srgbClr val="834689"/>
-                </a:solidFill>
-                <a:latin typeface="Consolas" panose="020B0609020204030204" pitchFamily="49" charset="0"/>
-                <a:cs typeface="Arial" panose="020B0604020202020204" pitchFamily="34" charset="0"/>
-              </a:rPr>
-              <a:t>text</a:t>
-            </a:r>
-            <a:r>
-              <a:rPr lang="en-US" sz="1800" b="0" strike="noStrike" spc="-1" dirty="0">
-                <a:latin typeface="Consolas" panose="020B0609020204030204" pitchFamily="49" charset="0"/>
-                <a:ea typeface="SimSun"/>
-              </a:rPr>
-              <a:t>&gt; &gt;</a:t>
-            </a:r>
-            <a:r>
-              <a:rPr lang="en-US" dirty="0">
-                <a:solidFill>
-                  <a:srgbClr val="834689"/>
-                </a:solidFill>
-                <a:latin typeface="Consolas" panose="020B0609020204030204" pitchFamily="49" charset="0"/>
-                <a:cs typeface="Arial" panose="020B0604020202020204" pitchFamily="34" charset="0"/>
-              </a:rPr>
-              <a:t>, </a:t>
-            </a:r>
-            <a:r>
-              <a:rPr lang="en-US" dirty="0">
-                <a:solidFill>
-                  <a:srgbClr val="C00000"/>
-                </a:solidFill>
-                <a:latin typeface="Consolas" panose="020B0609020204030204" pitchFamily="49" charset="0"/>
-                <a:cs typeface="Arial" panose="020B0604020202020204" pitchFamily="34" charset="0"/>
-              </a:rPr>
-              <a:t>primary</a:t>
-            </a:r>
-            <a:r>
-              <a:rPr lang="en-US" sz="1800" b="0" strike="noStrike" spc="-1" dirty="0">
-                <a:latin typeface="Consolas" panose="020B0609020204030204" pitchFamily="49" charset="0"/>
-                <a:ea typeface="SimSun"/>
-              </a:rPr>
-              <a:t> </a:t>
-            </a:r>
-            <a:r>
-              <a:rPr lang="en-US" dirty="0">
-                <a:solidFill>
-                  <a:srgbClr val="C00000"/>
-                </a:solidFill>
-                <a:latin typeface="Consolas" panose="020B0609020204030204" pitchFamily="49" charset="0"/>
-                <a:cs typeface="Arial" panose="020B0604020202020204" pitchFamily="34" charset="0"/>
-              </a:rPr>
-              <a:t>key</a:t>
-            </a:r>
-            <a:r>
-              <a:rPr lang="en-US" dirty="0">
-                <a:solidFill>
-                  <a:schemeClr val="bg1">
-                    <a:lumMod val="50000"/>
-                  </a:schemeClr>
-                </a:solidFill>
-                <a:latin typeface="Consolas" panose="020B0609020204030204" pitchFamily="49" charset="0"/>
-                <a:cs typeface="Arial" panose="020B0604020202020204" pitchFamily="34" charset="0"/>
-              </a:rPr>
-              <a:t>(</a:t>
-            </a:r>
-            <a:r>
-              <a:rPr lang="en-US" sz="1800" b="0" strike="noStrike" spc="-1" dirty="0">
-                <a:latin typeface="Consolas" panose="020B0609020204030204" pitchFamily="49" charset="0"/>
-                <a:ea typeface="SimSun"/>
-              </a:rPr>
-              <a:t>id</a:t>
-            </a:r>
-            <a:r>
-              <a:rPr lang="en-US" dirty="0">
-                <a:solidFill>
-                  <a:schemeClr val="bg1">
-                    <a:lumMod val="50000"/>
-                  </a:schemeClr>
-                </a:solidFill>
-                <a:latin typeface="Consolas" panose="020B0609020204030204" pitchFamily="49" charset="0"/>
-                <a:cs typeface="Arial" panose="020B0604020202020204" pitchFamily="34" charset="0"/>
-              </a:rPr>
-              <a:t>)</a:t>
-            </a:r>
-            <a:r>
-              <a:rPr lang="en-US" dirty="0">
-                <a:solidFill>
-                  <a:srgbClr val="834689"/>
-                </a:solidFill>
-                <a:latin typeface="Consolas" panose="020B0609020204030204" pitchFamily="49" charset="0"/>
-                <a:cs typeface="Arial" panose="020B0604020202020204" pitchFamily="34" charset="0"/>
-              </a:rPr>
-              <a:t> </a:t>
-            </a:r>
-            <a:r>
-              <a:rPr lang="en-US" sz="1800" b="0" strike="noStrike" spc="-1" dirty="0">
-                <a:solidFill>
-                  <a:schemeClr val="bg1">
-                    <a:lumMod val="50000"/>
-                  </a:schemeClr>
-                </a:solidFill>
-                <a:latin typeface="Consolas" panose="020B0609020204030204" pitchFamily="49" charset="0"/>
-                <a:ea typeface="SimSun"/>
-              </a:rPr>
-              <a:t>)</a:t>
-            </a:r>
-            <a:r>
-              <a:rPr lang="en-US" sz="1800" b="0" strike="noStrike" spc="-1" dirty="0">
-                <a:latin typeface="Consolas" panose="020B0609020204030204" pitchFamily="49" charset="0"/>
-                <a:ea typeface="SimSun"/>
-              </a:rPr>
-              <a:t>;</a:t>
-            </a:r>
-            <a:endParaRPr lang="en-IN" spc="-1" dirty="0">
-              <a:latin typeface="Consolas" panose="020B0609020204030204" pitchFamily="49" charset="0"/>
-              <a:ea typeface="SimSun"/>
-            </a:endParaRPr>
-          </a:p>
-        </p:txBody>
-      </p:sp>
-      <p:sp>
-        <p:nvSpPr>
-          <p:cNvPr id="14" name="CustomShape 2">
-            <a:extLst>
-              <a:ext uri="{FF2B5EF4-FFF2-40B4-BE49-F238E27FC236}">
-                <a16:creationId xmlns:a16="http://schemas.microsoft.com/office/drawing/2014/main" id="{396348A5-44D0-45C8-8C26-2F4DCB037F3E}"/>
-              </a:ext>
-            </a:extLst>
-          </p:cNvPr>
-          <p:cNvSpPr/>
-          <p:nvPr/>
-        </p:nvSpPr>
-        <p:spPr>
-          <a:xfrm>
-            <a:off x="246600" y="5736451"/>
-            <a:ext cx="11687400" cy="644877"/>
-          </a:xfrm>
-          <a:prstGeom prst="rect">
-            <a:avLst/>
-          </a:prstGeom>
-          <a:noFill/>
-          <a:ln>
-            <a:noFill/>
-          </a:ln>
-        </p:spPr>
-        <p:style>
-          <a:lnRef idx="0">
-            <a:scrgbClr r="0" g="0" b="0"/>
-          </a:lnRef>
-          <a:fillRef idx="0">
-            <a:scrgbClr r="0" g="0" b="0"/>
-          </a:fillRef>
-          <a:effectRef idx="0">
-            <a:scrgbClr r="0" g="0" b="0"/>
-          </a:effectRef>
-          <a:fontRef idx="minor"/>
-        </p:style>
-        <p:txBody>
-          <a:bodyPr wrap="square" lIns="90000" tIns="45000" rIns="90000" bIns="45000">
-            <a:spAutoFit/>
-          </a:bodyPr>
-          <a:lstStyle/>
-          <a:p>
-            <a:pPr marL="309510" indent="-285750">
-              <a:buClr>
-                <a:srgbClr val="808080"/>
-              </a:buClr>
-              <a:buFont typeface="Arial" panose="020B0604020202020204" pitchFamily="34" charset="0"/>
-              <a:buChar char="•"/>
-            </a:pPr>
-            <a:r>
-              <a:rPr lang="en-IN" sz="1800" b="0" strike="noStrike" spc="-1" dirty="0">
-                <a:solidFill>
-                  <a:schemeClr val="bg1">
-                    <a:lumMod val="50000"/>
-                  </a:schemeClr>
-                </a:solidFill>
-                <a:latin typeface="Consolas" panose="020B0609020204030204" pitchFamily="49" charset="0"/>
-                <a:ea typeface="SimSun"/>
-              </a:rPr>
-              <a:t>cqlsh:db1&gt; </a:t>
-            </a:r>
-            <a:r>
-              <a:rPr lang="en-US" sz="1800" b="0" strike="noStrike" spc="-1" dirty="0">
-                <a:latin typeface="Consolas" panose="020B0609020204030204" pitchFamily="49" charset="0"/>
-                <a:ea typeface="SimSun"/>
-              </a:rPr>
-              <a:t>CREATE COLUMNFAMILY books</a:t>
-            </a:r>
-            <a:r>
-              <a:rPr lang="en-US" sz="1800" b="0" strike="noStrike" spc="-1" dirty="0">
-                <a:solidFill>
-                  <a:schemeClr val="bg1">
-                    <a:lumMod val="50000"/>
-                  </a:schemeClr>
-                </a:solidFill>
-                <a:latin typeface="Consolas" panose="020B0609020204030204" pitchFamily="49" charset="0"/>
-                <a:ea typeface="SimSun"/>
-              </a:rPr>
-              <a:t>(</a:t>
-            </a:r>
-            <a:r>
-              <a:rPr lang="en-US" sz="1800" b="0" strike="noStrike" spc="-1" dirty="0">
-                <a:latin typeface="Consolas" panose="020B0609020204030204" pitchFamily="49" charset="0"/>
-                <a:ea typeface="SimSun"/>
-              </a:rPr>
-              <a:t> id </a:t>
-            </a:r>
-            <a:r>
-              <a:rPr lang="en-US" dirty="0">
-                <a:solidFill>
-                  <a:srgbClr val="834689"/>
-                </a:solidFill>
-                <a:latin typeface="Consolas" panose="020B0609020204030204" pitchFamily="49" charset="0"/>
-                <a:cs typeface="Arial" panose="020B0604020202020204" pitchFamily="34" charset="0"/>
-              </a:rPr>
-              <a:t>int</a:t>
-            </a:r>
-            <a:r>
-              <a:rPr lang="en-US" sz="1800" b="0" strike="noStrike" spc="-1" dirty="0">
-                <a:latin typeface="Consolas" panose="020B0609020204030204" pitchFamily="49" charset="0"/>
-                <a:ea typeface="SimSun"/>
-              </a:rPr>
-              <a:t>, title </a:t>
-            </a:r>
-            <a:r>
-              <a:rPr lang="en-US" dirty="0">
-                <a:solidFill>
-                  <a:srgbClr val="834689"/>
-                </a:solidFill>
-                <a:latin typeface="Consolas" panose="020B0609020204030204" pitchFamily="49" charset="0"/>
-                <a:cs typeface="Arial" panose="020B0604020202020204" pitchFamily="34" charset="0"/>
-              </a:rPr>
-              <a:t>varchar</a:t>
-            </a:r>
-            <a:r>
-              <a:rPr lang="en-US" sz="1800" b="0" strike="noStrike" spc="-1" dirty="0">
-                <a:latin typeface="Consolas" panose="020B0609020204030204" pitchFamily="49" charset="0"/>
-                <a:ea typeface="SimSun"/>
-              </a:rPr>
-              <a:t>, </a:t>
-            </a:r>
-            <a:r>
-              <a:rPr lang="en-US" spc="-1" dirty="0">
-                <a:latin typeface="Consolas" panose="020B0609020204030204" pitchFamily="49" charset="0"/>
-                <a:ea typeface="SimSun"/>
-              </a:rPr>
-              <a:t>publisher </a:t>
-            </a:r>
-            <a:r>
-              <a:rPr lang="en-US" dirty="0">
-                <a:solidFill>
-                  <a:schemeClr val="accent4">
-                    <a:lumMod val="50000"/>
-                  </a:schemeClr>
-                </a:solidFill>
-                <a:latin typeface="Consolas" panose="020B0609020204030204" pitchFamily="49" charset="0"/>
-                <a:cs typeface="Arial" panose="020B0604020202020204" pitchFamily="34" charset="0"/>
-              </a:rPr>
-              <a:t>frozen</a:t>
-            </a:r>
-            <a:r>
-              <a:rPr lang="en-US" sz="1800" b="0" strike="noStrike" spc="-1" dirty="0">
-                <a:latin typeface="Consolas" panose="020B0609020204030204" pitchFamily="49" charset="0"/>
-                <a:ea typeface="SimSun"/>
-              </a:rPr>
-              <a:t>&lt; </a:t>
-            </a:r>
-            <a:r>
-              <a:rPr lang="en-US" dirty="0">
-                <a:solidFill>
-                  <a:srgbClr val="834689"/>
-                </a:solidFill>
-                <a:latin typeface="Consolas" panose="020B0609020204030204" pitchFamily="49" charset="0"/>
-                <a:cs typeface="Arial" panose="020B0604020202020204" pitchFamily="34" charset="0"/>
-              </a:rPr>
-              <a:t>list </a:t>
-            </a:r>
-            <a:r>
-              <a:rPr lang="en-US" spc="-1" dirty="0">
-                <a:latin typeface="Consolas" panose="020B0609020204030204" pitchFamily="49" charset="0"/>
-                <a:ea typeface="SimSun"/>
-              </a:rPr>
-              <a:t>&lt;</a:t>
-            </a:r>
-            <a:r>
-              <a:rPr lang="en-US" dirty="0">
-                <a:solidFill>
-                  <a:srgbClr val="834689"/>
-                </a:solidFill>
-                <a:latin typeface="Consolas" panose="020B0609020204030204" pitchFamily="49" charset="0"/>
-                <a:cs typeface="Arial" panose="020B0604020202020204" pitchFamily="34" charset="0"/>
-              </a:rPr>
-              <a:t>text</a:t>
-            </a:r>
-            <a:r>
-              <a:rPr lang="en-US" spc="-1" dirty="0">
-                <a:latin typeface="Consolas" panose="020B0609020204030204" pitchFamily="49" charset="0"/>
-                <a:ea typeface="SimSun"/>
-              </a:rPr>
-              <a:t>&gt; &gt;,</a:t>
-            </a:r>
-            <a:r>
-              <a:rPr lang="en-US" dirty="0">
-                <a:solidFill>
-                  <a:srgbClr val="834689"/>
-                </a:solidFill>
-                <a:latin typeface="Consolas" panose="020B0609020204030204" pitchFamily="49" charset="0"/>
-                <a:cs typeface="Arial" panose="020B0604020202020204" pitchFamily="34" charset="0"/>
-              </a:rPr>
-              <a:t> </a:t>
-            </a:r>
-            <a:r>
-              <a:rPr lang="en-US" dirty="0">
-                <a:solidFill>
-                  <a:srgbClr val="C00000"/>
-                </a:solidFill>
-                <a:latin typeface="Consolas" panose="020B0609020204030204" pitchFamily="49" charset="0"/>
-                <a:cs typeface="Arial" panose="020B0604020202020204" pitchFamily="34" charset="0"/>
-              </a:rPr>
-              <a:t>primary</a:t>
-            </a:r>
-            <a:r>
-              <a:rPr lang="en-US" sz="1800" b="0" strike="noStrike" spc="-1" dirty="0">
-                <a:latin typeface="Consolas" panose="020B0609020204030204" pitchFamily="49" charset="0"/>
-                <a:ea typeface="SimSun"/>
-              </a:rPr>
-              <a:t> </a:t>
-            </a:r>
-            <a:r>
-              <a:rPr lang="en-US" dirty="0">
-                <a:solidFill>
-                  <a:srgbClr val="C00000"/>
-                </a:solidFill>
-                <a:latin typeface="Consolas" panose="020B0609020204030204" pitchFamily="49" charset="0"/>
-                <a:cs typeface="Arial" panose="020B0604020202020204" pitchFamily="34" charset="0"/>
-              </a:rPr>
-              <a:t>key</a:t>
-            </a:r>
-            <a:r>
-              <a:rPr lang="en-US" dirty="0">
-                <a:solidFill>
-                  <a:schemeClr val="bg1">
-                    <a:lumMod val="50000"/>
-                  </a:schemeClr>
-                </a:solidFill>
-                <a:latin typeface="Consolas" panose="020B0609020204030204" pitchFamily="49" charset="0"/>
-                <a:cs typeface="Arial" panose="020B0604020202020204" pitchFamily="34" charset="0"/>
-              </a:rPr>
-              <a:t>(</a:t>
-            </a:r>
-            <a:r>
-              <a:rPr lang="en-US" sz="1800" b="0" strike="noStrike" spc="-1" dirty="0">
-                <a:latin typeface="Consolas" panose="020B0609020204030204" pitchFamily="49" charset="0"/>
-                <a:ea typeface="SimSun"/>
-              </a:rPr>
-              <a:t>id</a:t>
-            </a:r>
-            <a:r>
-              <a:rPr lang="en-US" dirty="0">
-                <a:solidFill>
-                  <a:schemeClr val="bg1">
-                    <a:lumMod val="50000"/>
-                  </a:schemeClr>
-                </a:solidFill>
-                <a:latin typeface="Consolas" panose="020B0609020204030204" pitchFamily="49" charset="0"/>
-                <a:cs typeface="Arial" panose="020B0604020202020204" pitchFamily="34" charset="0"/>
-              </a:rPr>
-              <a:t>)</a:t>
-            </a:r>
-            <a:r>
-              <a:rPr lang="en-US" dirty="0">
-                <a:solidFill>
-                  <a:srgbClr val="834689"/>
-                </a:solidFill>
-                <a:latin typeface="Consolas" panose="020B0609020204030204" pitchFamily="49" charset="0"/>
-                <a:cs typeface="Arial" panose="020B0604020202020204" pitchFamily="34" charset="0"/>
-              </a:rPr>
-              <a:t> </a:t>
-            </a:r>
-            <a:r>
-              <a:rPr lang="en-US" sz="1800" b="0" strike="noStrike" spc="-1" dirty="0">
-                <a:solidFill>
-                  <a:schemeClr val="bg1">
-                    <a:lumMod val="50000"/>
-                  </a:schemeClr>
-                </a:solidFill>
-                <a:latin typeface="Consolas" panose="020B0609020204030204" pitchFamily="49" charset="0"/>
-                <a:ea typeface="SimSun"/>
-              </a:rPr>
-              <a:t>)</a:t>
-            </a:r>
-            <a:r>
-              <a:rPr lang="en-US" sz="1800" b="0" strike="noStrike" spc="-1" dirty="0">
-                <a:latin typeface="Consolas" panose="020B0609020204030204" pitchFamily="49" charset="0"/>
-                <a:ea typeface="SimSun"/>
-              </a:rPr>
-              <a:t>;</a:t>
-            </a:r>
-            <a:endParaRPr lang="en-IN" spc="-1" dirty="0">
-              <a:latin typeface="Consolas" panose="020B0609020204030204" pitchFamily="49" charset="0"/>
-              <a:ea typeface="SimSun"/>
-            </a:endParaRPr>
-          </a:p>
-        </p:txBody>
-      </p:sp>
+              </a:endParaRPr>
+            </a:p>
+          </p:txBody>
+        </p:sp>
+      </p:grpSp>
       <p:sp>
         <p:nvSpPr>
           <p:cNvPr id="16" name="CustomShape 6">
@@ -27929,14 +27951,24 @@
               </a:lnSpc>
             </a:pPr>
             <a:r>
-              <a:rPr lang="en-IN" sz="5400" i="1" spc="-1" dirty="0">
+              <a:rPr lang="en-IN" sz="5400" i="1" spc="-1">
                 <a:solidFill>
                   <a:srgbClr val="F7C120"/>
                 </a:solidFill>
                 <a:latin typeface="Century"/>
                 <a:ea typeface="DejaVu Sans"/>
               </a:rPr>
-              <a:t>capture</a:t>
+              <a:t>shell </a:t>
+            </a:r>
+            <a:r>
+              <a:rPr lang="en-IN" sz="5400" i="1" spc="-1" dirty="0">
+                <a:solidFill>
+                  <a:srgbClr val="F7C120"/>
+                </a:solidFill>
+                <a:latin typeface="Century"/>
+                <a:ea typeface="DejaVu Sans"/>
+              </a:rPr>
+              <a:t>commands</a:t>
             </a:r>
             <a:endParaRPr lang="en-IN" sz="5400" b="0" strike="noStrike" spc="-1" dirty="0">
               <a:latin typeface="Arial"/>
@@ -28005,6 +28037,394 @@
           </a:p>
         </p:txBody>
       </p:sp>
+      <p:graphicFrame>
+        <p:nvGraphicFramePr>
+          <p:cNvPr id="2" name="Table 2">
+            <a:extLst>
+              <a:ext uri="{FF2B5EF4-FFF2-40B4-BE49-F238E27FC236}">
+                <a16:creationId xmlns:a16="http://schemas.microsoft.com/office/drawing/2014/main" id="{85D341BC-A511-4D56-86EF-6BA95B88C629}"/>
+              </a:ext>
+            </a:extLst>
+          </p:cNvPr>
+          <p:cNvGraphicFramePr>
+            <a:graphicFrameLocks noGrp="1"/>
+          </p:cNvGraphicFramePr>
+          <p:nvPr>
+            <p:extLst>
+              <p:ext uri="{D42A27DB-BD31-4B8C-83A1-F6EECF244321}">
+                <p14:modId xmlns:p14="http://schemas.microsoft.com/office/powerpoint/2010/main" val="2830639419"/>
+              </p:ext>
+            </p:extLst>
+          </p:nvPr>
+        </p:nvGraphicFramePr>
+        <p:xfrm>
+          <a:off x="335360" y="4786352"/>
+          <a:ext cx="11521279" cy="396240"/>
+        </p:xfrm>
+        <a:graphic>
+          <a:graphicData uri="http://schemas.openxmlformats.org/drawingml/2006/table">
+            <a:tbl>
+              <a:tblPr firstRow="1" bandRow="1">
+                <a:tableStyleId>{5940675A-B579-460E-94D1-54222C63F5DA}</a:tableStyleId>
+              </a:tblPr>
+              <a:tblGrid>
+                <a:gridCol w="1645897">
+                  <a:extLst>
+                    <a:ext uri="{9D8B030D-6E8A-4147-A177-3AD203B41FA5}">
+                      <a16:colId xmlns:a16="http://schemas.microsoft.com/office/drawing/2014/main" val="1301194089"/>
+                    </a:ext>
+                  </a:extLst>
+                </a:gridCol>
+                <a:gridCol w="1645897">
+                  <a:extLst>
+                    <a:ext uri="{9D8B030D-6E8A-4147-A177-3AD203B41FA5}">
+                      <a16:colId xmlns:a16="http://schemas.microsoft.com/office/drawing/2014/main" val="1346015845"/>
+                    </a:ext>
+                  </a:extLst>
+                </a:gridCol>
+                <a:gridCol w="1645897">
+                  <a:extLst>
+                    <a:ext uri="{9D8B030D-6E8A-4147-A177-3AD203B41FA5}">
+                      <a16:colId xmlns:a16="http://schemas.microsoft.com/office/drawing/2014/main" val="2437134316"/>
+                    </a:ext>
+                  </a:extLst>
+                </a:gridCol>
+                <a:gridCol w="1645897">
+                  <a:extLst>
+                    <a:ext uri="{9D8B030D-6E8A-4147-A177-3AD203B41FA5}">
+                      <a16:colId xmlns:a16="http://schemas.microsoft.com/office/drawing/2014/main" val="2712285339"/>
+                    </a:ext>
+                  </a:extLst>
+                </a:gridCol>
+                <a:gridCol w="1645897">
+                  <a:extLst>
+                    <a:ext uri="{9D8B030D-6E8A-4147-A177-3AD203B41FA5}">
+                      <a16:colId xmlns:a16="http://schemas.microsoft.com/office/drawing/2014/main" val="1060448548"/>
+                    </a:ext>
+                  </a:extLst>
+                </a:gridCol>
+                <a:gridCol w="1645897">
+                  <a:extLst>
+                    <a:ext uri="{9D8B030D-6E8A-4147-A177-3AD203B41FA5}">
+                      <a16:colId xmlns:a16="http://schemas.microsoft.com/office/drawing/2014/main" val="807206548"/>
+                    </a:ext>
+                  </a:extLst>
+                </a:gridCol>
+                <a:gridCol w="1645897">
+                  <a:extLst>
+                    <a:ext uri="{9D8B030D-6E8A-4147-A177-3AD203B41FA5}">
+                      <a16:colId xmlns:a16="http://schemas.microsoft.com/office/drawing/2014/main" val="1142269946"/>
+                    </a:ext>
+                  </a:extLst>
+                </a:gridCol>
+              </a:tblGrid>
+              <a:tr h="370840">
+                <a:tc>
+                  <a:txBody>
+                    <a:bodyPr/>
+                    <a:lstStyle/>
+                    <a:p>
+                      <a:pPr algn="ctr"/>
+                      <a:r>
+                        <a:rPr lang="en-US" sz="2000" dirty="0">
+                          <a:latin typeface="Segoe UI" panose="020B0502040204020203" pitchFamily="34" charset="0"/>
+                          <a:cs typeface="Segoe UI" panose="020B0502040204020203" pitchFamily="34" charset="0"/>
+                        </a:rPr>
+                        <a:t>HELP</a:t>
+                      </a:r>
+                      <a:endParaRPr lang="en-IN" sz="2000" dirty="0">
+                        <a:latin typeface="Segoe UI" panose="020B0502040204020203" pitchFamily="34" charset="0"/>
+                        <a:cs typeface="Segoe UI" panose="020B0502040204020203" pitchFamily="34" charset="0"/>
+                      </a:endParaRPr>
+                    </a:p>
+                  </a:txBody>
+                  <a:tcPr anchor="ctr"/>
+                </a:tc>
+                <a:tc>
+                  <a:txBody>
+                    <a:bodyPr/>
+                    <a:lstStyle/>
+                    <a:p>
+                      <a:pPr algn="ctr"/>
+                      <a:r>
+                        <a:rPr lang="en-US" sz="2000" dirty="0">
+                          <a:latin typeface="Segoe UI" panose="020B0502040204020203" pitchFamily="34" charset="0"/>
+                          <a:cs typeface="Segoe UI" panose="020B0502040204020203" pitchFamily="34" charset="0"/>
+                        </a:rPr>
+                        <a:t>CAPTURE</a:t>
+                      </a:r>
+                      <a:endParaRPr lang="en-IN" sz="2000" dirty="0">
+                        <a:latin typeface="Segoe UI" panose="020B0502040204020203" pitchFamily="34" charset="0"/>
+                        <a:cs typeface="Segoe UI" panose="020B0502040204020203" pitchFamily="34" charset="0"/>
+                      </a:endParaRPr>
+                    </a:p>
+                  </a:txBody>
+                  <a:tcPr anchor="ctr"/>
+                </a:tc>
+                <a:tc>
+                  <a:txBody>
+                    <a:bodyPr/>
+                    <a:lstStyle/>
+                    <a:p>
+                      <a:pPr algn="ctr"/>
+                      <a:r>
+                        <a:rPr lang="en-US" sz="2000" dirty="0">
+                          <a:latin typeface="Segoe UI" panose="020B0502040204020203" pitchFamily="34" charset="0"/>
+                          <a:cs typeface="Segoe UI" panose="020B0502040204020203" pitchFamily="34" charset="0"/>
+                        </a:rPr>
+                        <a:t>COPY</a:t>
+                      </a:r>
+                      <a:endParaRPr lang="en-IN" sz="2000" dirty="0">
+                        <a:latin typeface="Segoe UI" panose="020B0502040204020203" pitchFamily="34" charset="0"/>
+                        <a:cs typeface="Segoe UI" panose="020B0502040204020203" pitchFamily="34" charset="0"/>
+                      </a:endParaRPr>
+                    </a:p>
+                  </a:txBody>
+                  <a:tcPr anchor="ctr"/>
+                </a:tc>
+                <a:tc>
+                  <a:txBody>
+                    <a:bodyPr/>
+                    <a:lstStyle/>
+                    <a:p>
+                      <a:pPr algn="ctr"/>
+                      <a:r>
+                        <a:rPr lang="en-US" sz="2000" dirty="0">
+                          <a:latin typeface="Segoe UI" panose="020B0502040204020203" pitchFamily="34" charset="0"/>
+                          <a:cs typeface="Segoe UI" panose="020B0502040204020203" pitchFamily="34" charset="0"/>
+                        </a:rPr>
+                        <a:t>DESCRIBE</a:t>
+                      </a:r>
+                      <a:endParaRPr lang="en-IN" sz="2000" dirty="0">
+                        <a:latin typeface="Segoe UI" panose="020B0502040204020203" pitchFamily="34" charset="0"/>
+                        <a:cs typeface="Segoe UI" panose="020B0502040204020203" pitchFamily="34" charset="0"/>
+                      </a:endParaRPr>
+                    </a:p>
+                  </a:txBody>
+                  <a:tcPr anchor="ctr"/>
+                </a:tc>
+                <a:tc>
+                  <a:txBody>
+                    <a:bodyPr/>
+                    <a:lstStyle/>
+                    <a:p>
+                      <a:pPr algn="ctr"/>
+                      <a:r>
+                        <a:rPr lang="en-US" sz="2000" dirty="0">
+                          <a:latin typeface="Segoe UI" panose="020B0502040204020203" pitchFamily="34" charset="0"/>
+                          <a:cs typeface="Segoe UI" panose="020B0502040204020203" pitchFamily="34" charset="0"/>
+                        </a:rPr>
+                        <a:t>EXIT</a:t>
+                      </a:r>
+                      <a:endParaRPr lang="en-IN" sz="2000" dirty="0">
+                        <a:latin typeface="Segoe UI" panose="020B0502040204020203" pitchFamily="34" charset="0"/>
+                        <a:cs typeface="Segoe UI" panose="020B0502040204020203" pitchFamily="34" charset="0"/>
+                      </a:endParaRPr>
+                    </a:p>
+                  </a:txBody>
+                  <a:tcPr anchor="ctr"/>
+                </a:tc>
+                <a:tc>
+                  <a:txBody>
+                    <a:bodyPr/>
+                    <a:lstStyle/>
+                    <a:p>
+                      <a:pPr algn="ctr"/>
+                      <a:r>
+                        <a:rPr lang="en-US" sz="2000" dirty="0">
+                          <a:latin typeface="Segoe UI" panose="020B0502040204020203" pitchFamily="34" charset="0"/>
+                          <a:cs typeface="Segoe UI" panose="020B0502040204020203" pitchFamily="34" charset="0"/>
+                        </a:rPr>
+                        <a:t>SOURCE</a:t>
+                      </a:r>
+                      <a:endParaRPr lang="en-IN" sz="2000" dirty="0">
+                        <a:latin typeface="Segoe UI" panose="020B0502040204020203" pitchFamily="34" charset="0"/>
+                        <a:cs typeface="Segoe UI" panose="020B0502040204020203" pitchFamily="34" charset="0"/>
+                      </a:endParaRPr>
+                    </a:p>
+                  </a:txBody>
+                  <a:tcPr anchor="ctr"/>
+                </a:tc>
+                <a:tc>
+                  <a:txBody>
+                    <a:bodyPr/>
+                    <a:lstStyle/>
+                    <a:p>
+                      <a:pPr algn="ctr"/>
+                      <a:r>
+                        <a:rPr lang="en-US" sz="2000" dirty="0">
+                          <a:latin typeface="Segoe UI" panose="020B0502040204020203" pitchFamily="34" charset="0"/>
+                          <a:cs typeface="Segoe UI" panose="020B0502040204020203" pitchFamily="34" charset="0"/>
+                        </a:rPr>
+                        <a:t>SHOW</a:t>
+                      </a:r>
+                      <a:endParaRPr lang="en-IN" sz="2000" dirty="0">
+                        <a:latin typeface="Segoe UI" panose="020B0502040204020203" pitchFamily="34" charset="0"/>
+                        <a:cs typeface="Segoe UI" panose="020B0502040204020203" pitchFamily="34" charset="0"/>
+                      </a:endParaRPr>
+                    </a:p>
+                  </a:txBody>
+                  <a:tcPr anchor="ctr"/>
+                </a:tc>
+                <a:extLst>
+                  <a:ext uri="{0D108BD9-81ED-4DB2-BD59-A6C34878D82A}">
+                    <a16:rowId xmlns:a16="http://schemas.microsoft.com/office/drawing/2014/main" val="2596548464"/>
+                  </a:ext>
+                </a:extLst>
+              </a:tr>
+            </a:tbl>
+          </a:graphicData>
+        </a:graphic>
+      </p:graphicFrame>
+    </p:spTree>
+    <p:extLst>
+      <p:ext uri="{BB962C8B-B14F-4D97-AF65-F5344CB8AC3E}">
+        <p14:creationId xmlns:p14="http://schemas.microsoft.com/office/powerpoint/2010/main" val="3797111633"/>
+      </p:ext>
+    </p:extLst>
+  </p:cSld>
+  <p:clrMapOvr>
+    <a:masterClrMapping/>
+  </p:clrMapOvr>
+</p:sld>
+</file>
+
+<file path=ppt/slides/slide53.xml><?xml version="1.0" encoding="utf-8"?>
+<p:sld xmlns:a="http://schemas.openxmlformats.org/drawingml/2006/main" xmlns:r="http://schemas.openxmlformats.org/officeDocument/2006/relationships" xmlns:p="http://schemas.openxmlformats.org/presentationml/2006/main">
+  <p:cSld>
+    <p:spTree>
+      <p:nvGrpSpPr>
+        <p:cNvPr id="1" name=""/>
+        <p:cNvGrpSpPr/>
+        <p:nvPr/>
+      </p:nvGrpSpPr>
+      <p:grpSpPr>
+        <a:xfrm>
+          <a:off x="0" y="0"/>
+          <a:ext cx="0" cy="0"/>
+          <a:chOff x="0" y="0"/>
+          <a:chExt cx="0" cy="0"/>
+        </a:xfrm>
+      </p:grpSpPr>
+      <p:sp>
+        <p:nvSpPr>
+          <p:cNvPr id="109" name="CustomShape 1"/>
+          <p:cNvSpPr/>
+          <p:nvPr/>
+        </p:nvSpPr>
+        <p:spPr>
+          <a:xfrm>
+            <a:off x="1676520" y="2362320"/>
+            <a:ext cx="8815320" cy="921876"/>
+          </a:xfrm>
+          <a:prstGeom prst="rect">
+            <a:avLst/>
+          </a:prstGeom>
+          <a:noFill/>
+          <a:ln>
+            <a:noFill/>
+          </a:ln>
+        </p:spPr>
+        <p:style>
+          <a:lnRef idx="0">
+            <a:scrgbClr r="0" g="0" b="0"/>
+          </a:lnRef>
+          <a:fillRef idx="0">
+            <a:scrgbClr r="0" g="0" b="0"/>
+          </a:fillRef>
+          <a:effectRef idx="0">
+            <a:scrgbClr r="0" g="0" b="0"/>
+          </a:effectRef>
+          <a:fontRef idx="minor"/>
+        </p:style>
+        <p:txBody>
+          <a:bodyPr lIns="90000" tIns="45000" rIns="90000" bIns="45000">
+            <a:spAutoFit/>
+          </a:bodyPr>
+          <a:lstStyle/>
+          <a:p>
+            <a:pPr algn="ctr">
+              <a:lnSpc>
+                <a:spcPct val="100000"/>
+              </a:lnSpc>
+            </a:pPr>
+            <a:r>
+              <a:rPr lang="en-IN" sz="5400" i="1" spc="-1" dirty="0">
+                <a:solidFill>
+                  <a:srgbClr val="F7C120"/>
+                </a:solidFill>
+                <a:latin typeface="Century"/>
+                <a:ea typeface="DejaVu Sans"/>
+              </a:rPr>
+              <a:t>capture</a:t>
+            </a:r>
+            <a:endParaRPr lang="en-IN" sz="5400" b="0" strike="noStrike" spc="-1" dirty="0">
+              <a:latin typeface="Arial"/>
+            </a:endParaRPr>
+          </a:p>
+        </p:txBody>
+      </p:sp>
+      <p:sp>
+        <p:nvSpPr>
+          <p:cNvPr id="110" name="CustomShape 2"/>
+          <p:cNvSpPr/>
+          <p:nvPr/>
+        </p:nvSpPr>
+        <p:spPr>
+          <a:xfrm>
+            <a:off x="522360" y="3531600"/>
+            <a:ext cx="11052360" cy="367878"/>
+          </a:xfrm>
+          <a:prstGeom prst="rect">
+            <a:avLst/>
+          </a:prstGeom>
+          <a:noFill/>
+          <a:ln>
+            <a:noFill/>
+          </a:ln>
+        </p:spPr>
+        <p:style>
+          <a:lnRef idx="0">
+            <a:scrgbClr r="0" g="0" b="0"/>
+          </a:lnRef>
+          <a:fillRef idx="0">
+            <a:scrgbClr r="0" g="0" b="0"/>
+          </a:fillRef>
+          <a:effectRef idx="0">
+            <a:scrgbClr r="0" g="0" b="0"/>
+          </a:effectRef>
+          <a:fontRef idx="minor"/>
+        </p:style>
+        <p:txBody>
+          <a:bodyPr lIns="90000" tIns="45000" rIns="90000" bIns="45000">
+            <a:spAutoFit/>
+          </a:bodyPr>
+          <a:lstStyle/>
+          <a:p>
+            <a:pPr algn="just">
+              <a:lnSpc>
+                <a:spcPct val="100000"/>
+              </a:lnSpc>
+            </a:pPr>
+            <a:r>
+              <a:rPr lang="en-US" sz="1800" b="0" strike="noStrike" spc="-1" dirty="0">
+                <a:solidFill>
+                  <a:srgbClr val="BB0643"/>
+                </a:solidFill>
+                <a:latin typeface="Segoe UI"/>
+                <a:ea typeface="DejaVu Sans"/>
+              </a:rPr>
+              <a:t>TODO</a:t>
+            </a:r>
+            <a:endParaRPr lang="en-IN" spc="-1" dirty="0">
+              <a:solidFill>
+                <a:srgbClr val="BB0643"/>
+              </a:solidFill>
+              <a:latin typeface="Segoe UI"/>
+            </a:endParaRPr>
+          </a:p>
+        </p:txBody>
+      </p:sp>
     </p:spTree>
     <p:extLst>
       <p:ext uri="{BB962C8B-B14F-4D97-AF65-F5344CB8AC3E}">
@@ -28018,7 +28438,7 @@
 </p:sld>
 </file>
 
-<file path=ppt/slides/slide53.xml><?xml version="1.0" encoding="utf-8"?>
+<file path=ppt/slides/slide54.xml><?xml version="1.0" encoding="utf-8"?>
 <p:sld xmlns:a="http://schemas.openxmlformats.org/drawingml/2006/main" xmlns:r="http://schemas.openxmlformats.org/officeDocument/2006/relationships" xmlns:p="http://schemas.openxmlformats.org/presentationml/2006/main">
   <p:cSld>
     <p:spTree>
@@ -28417,7 +28837,7 @@
 </p:sld>
 </file>
 
-<file path=ppt/slides/slide54.xml><?xml version="1.0" encoding="utf-8"?>
+<file path=ppt/slides/slide55.xml><?xml version="1.0" encoding="utf-8"?>
 <p:sld xmlns:a="http://schemas.openxmlformats.org/drawingml/2006/main" xmlns:r="http://schemas.openxmlformats.org/officeDocument/2006/relationships" xmlns:p="http://schemas.openxmlformats.org/presentationml/2006/main">
   <p:cSld>
     <p:spTree>
@@ -28583,7 +29003,7 @@
 </p:sld>
 </file>
 
-<file path=ppt/slides/slide55.xml><?xml version="1.0" encoding="utf-8"?>
+<file path=ppt/slides/slide56.xml><?xml version="1.0" encoding="utf-8"?>
 <p:sld xmlns:a="http://schemas.openxmlformats.org/drawingml/2006/main" xmlns:r="http://schemas.openxmlformats.org/officeDocument/2006/relationships" xmlns:p="http://schemas.openxmlformats.org/presentationml/2006/main">
   <p:cSld>
     <p:spTree>
@@ -29012,7 +29432,7 @@
 </p:sld>
 </file>
 
-<file path=ppt/slides/slide56.xml><?xml version="1.0" encoding="utf-8"?>
+<file path=ppt/slides/slide57.xml><?xml version="1.0" encoding="utf-8"?>
 <p:sld xmlns:a="http://schemas.openxmlformats.org/drawingml/2006/main" xmlns:r="http://schemas.openxmlformats.org/officeDocument/2006/relationships" xmlns:p="http://schemas.openxmlformats.org/presentationml/2006/main">
   <p:cSld>
     <p:spTree>
@@ -29161,7 +29581,7 @@
 </p:sld>
 </file>
 
-<file path=ppt/slides/slide57.xml><?xml version="1.0" encoding="utf-8"?>
+<file path=ppt/slides/slide58.xml><?xml version="1.0" encoding="utf-8"?>
 <p:sld xmlns:a="http://schemas.openxmlformats.org/drawingml/2006/main" xmlns:r="http://schemas.openxmlformats.org/officeDocument/2006/relationships" xmlns:p="http://schemas.openxmlformats.org/presentationml/2006/main">
   <p:cSld>
     <p:spTree>
@@ -29939,7 +30359,7 @@
 </p:sld>
 </file>
 
-<file path=ppt/slides/slide58.xml><?xml version="1.0" encoding="utf-8"?>
+<file path=ppt/slides/slide59.xml><?xml version="1.0" encoding="utf-8"?>
 <p:sld xmlns:a="http://schemas.openxmlformats.org/drawingml/2006/main" xmlns:r="http://schemas.openxmlformats.org/officeDocument/2006/relationships" xmlns:p="http://schemas.openxmlformats.org/presentationml/2006/main">
   <p:cSld>
     <p:spTree>

--- a/Cassandra Ver1.pptx
+++ b/Cassandra Ver1.pptx
@@ -5,7 +5,7 @@
     <p:sldMasterId id="2147483720" r:id="rId1"/>
   </p:sldMasterIdLst>
   <p:notesMasterIdLst>
-    <p:notesMasterId r:id="rId61"/>
+    <p:notesMasterId r:id="rId62"/>
   </p:notesMasterIdLst>
   <p:sldIdLst>
     <p:sldId id="256" r:id="rId2"/>
@@ -49,24 +49,25 @@
     <p:sldId id="1464" r:id="rId40"/>
     <p:sldId id="1469" r:id="rId41"/>
     <p:sldId id="1470" r:id="rId42"/>
-    <p:sldId id="947" r:id="rId43"/>
-    <p:sldId id="1446" r:id="rId44"/>
-    <p:sldId id="1444" r:id="rId45"/>
-    <p:sldId id="1445" r:id="rId46"/>
-    <p:sldId id="1450" r:id="rId47"/>
-    <p:sldId id="1468" r:id="rId48"/>
-    <p:sldId id="1430" r:id="rId49"/>
-    <p:sldId id="1431" r:id="rId50"/>
-    <p:sldId id="1432" r:id="rId51"/>
-    <p:sldId id="1433" r:id="rId52"/>
-    <p:sldId id="1471" r:id="rId53"/>
-    <p:sldId id="1442" r:id="rId54"/>
-    <p:sldId id="1447" r:id="rId55"/>
-    <p:sldId id="1448" r:id="rId56"/>
-    <p:sldId id="1449" r:id="rId57"/>
-    <p:sldId id="1424" r:id="rId58"/>
-    <p:sldId id="1421" r:id="rId59"/>
-    <p:sldId id="350" r:id="rId60"/>
+    <p:sldId id="1472" r:id="rId43"/>
+    <p:sldId id="947" r:id="rId44"/>
+    <p:sldId id="1446" r:id="rId45"/>
+    <p:sldId id="1444" r:id="rId46"/>
+    <p:sldId id="1445" r:id="rId47"/>
+    <p:sldId id="1450" r:id="rId48"/>
+    <p:sldId id="1468" r:id="rId49"/>
+    <p:sldId id="1430" r:id="rId50"/>
+    <p:sldId id="1431" r:id="rId51"/>
+    <p:sldId id="1432" r:id="rId52"/>
+    <p:sldId id="1433" r:id="rId53"/>
+    <p:sldId id="1471" r:id="rId54"/>
+    <p:sldId id="1442" r:id="rId55"/>
+    <p:sldId id="1447" r:id="rId56"/>
+    <p:sldId id="1448" r:id="rId57"/>
+    <p:sldId id="1449" r:id="rId58"/>
+    <p:sldId id="1424" r:id="rId59"/>
+    <p:sldId id="1421" r:id="rId60"/>
+    <p:sldId id="350" r:id="rId61"/>
   </p:sldIdLst>
   <p:sldSz cx="12192000" cy="6858000"/>
   <p:notesSz cx="6858000" cy="9144000"/>
@@ -15289,7 +15290,7 @@
               <a:rPr lang="en-IN" dirty="0">
                 <a:latin typeface="Consolas" panose="020B0609020204030204" pitchFamily="49" charset="0"/>
               </a:rPr>
-              <a:t> id = 2;</a:t>
+              <a:t> id=2;</a:t>
             </a:r>
           </a:p>
           <a:p>
@@ -15386,7 +15387,7 @@
               <a:rPr lang="en-US" dirty="0">
                 <a:latin typeface="Consolas" panose="020B0609020204030204" pitchFamily="49" charset="0"/>
               </a:rPr>
-              <a:t> id = 2;</a:t>
+              <a:t> id=2;</a:t>
             </a:r>
           </a:p>
           <a:p>
@@ -15482,7 +15483,7 @@
               <a:rPr lang="en-US" dirty="0">
                 <a:latin typeface="Consolas" panose="020B0609020204030204" pitchFamily="49" charset="0"/>
               </a:rPr>
-              <a:t> id = 2;</a:t>
+              <a:t> id=2;</a:t>
             </a:r>
             <a:endParaRPr lang="en-IN" dirty="0">
               <a:latin typeface="Consolas" panose="020B0609020204030204" pitchFamily="49" charset="0"/>
@@ -17198,7 +17199,7 @@
         <p:spPr>
           <a:xfrm>
             <a:off x="246600" y="2718000"/>
-            <a:ext cx="11687400" cy="1999094"/>
+            <a:ext cx="11687400" cy="1722095"/>
           </a:xfrm>
           <a:prstGeom prst="rect">
             <a:avLst/>
@@ -17355,7 +17356,7 @@
                 <a:latin typeface="Consolas" panose="020B0609020204030204" pitchFamily="49" charset="0"/>
                 <a:ea typeface="SimSun"/>
               </a:rPr>
-              <a:t> id = 1;</a:t>
+              <a:t> id=1;</a:t>
             </a:r>
           </a:p>
           <a:p>
@@ -17501,7 +17502,7 @@
                 <a:latin typeface="Consolas" panose="020B0609020204030204" pitchFamily="49" charset="0"/>
                 <a:ea typeface="SimSun"/>
               </a:rPr>
-              <a:t> id = 1;</a:t>
+              <a:t> id=1;</a:t>
             </a:r>
           </a:p>
           <a:p>
@@ -17630,7 +17631,7 @@
                 <a:latin typeface="Consolas" panose="020B0609020204030204" pitchFamily="49" charset="0"/>
                 <a:ea typeface="SimSun"/>
               </a:rPr>
-              <a:t> id = 1; </a:t>
+              <a:t> id=1; </a:t>
             </a:r>
             <a:r>
               <a:rPr lang="en-US" sz="1800" b="0" strike="noStrike" spc="-1" dirty="0">
@@ -19239,7 +19240,7 @@
                 <a:latin typeface="Consolas" panose="020B0609020204030204" pitchFamily="49" charset="0"/>
                 <a:ea typeface="SimSun"/>
               </a:rPr>
-              <a:t> id = 2;</a:t>
+              <a:t> id=2;</a:t>
             </a:r>
           </a:p>
           <a:p>
@@ -19385,7 +19386,7 @@
                 <a:latin typeface="Consolas" panose="020B0609020204030204" pitchFamily="49" charset="0"/>
                 <a:ea typeface="SimSun"/>
               </a:rPr>
-              <a:t> id = 2;</a:t>
+              <a:t> id=2;</a:t>
             </a:r>
           </a:p>
           <a:p>
@@ -19492,7 +19493,7 @@
                 <a:latin typeface="Consolas" panose="020B0609020204030204" pitchFamily="49" charset="0"/>
                 <a:ea typeface="SimSun"/>
               </a:rPr>
-              <a:t> id = 2;</a:t>
+              <a:t> id=2;</a:t>
             </a:r>
             <a:endParaRPr lang="en-IN" spc="-1" dirty="0">
               <a:latin typeface="Consolas" panose="020B0609020204030204" pitchFamily="49" charset="0"/>
@@ -21781,7 +21782,7 @@
                 <a:latin typeface="Consolas" panose="020B0609020204030204" pitchFamily="49" charset="0"/>
                 <a:ea typeface="SimSun"/>
               </a:rPr>
-              <a:t> addess.city = 'Baroda' </a:t>
+              <a:t> addess.city='Baroda' </a:t>
             </a:r>
             <a:r>
               <a:rPr lang="en-US" dirty="0">
@@ -21797,7 +21798,7 @@
                 <a:latin typeface="Consolas" panose="020B0609020204030204" pitchFamily="49" charset="0"/>
                 <a:ea typeface="SimSun"/>
               </a:rPr>
-              <a:t> id = 1;</a:t>
+              <a:t> id=1;</a:t>
             </a:r>
             <a:endParaRPr lang="en-IN" spc="-1" dirty="0">
               <a:latin typeface="Consolas" panose="020B0609020204030204" pitchFamily="49" charset="0"/>
@@ -23958,6 +23959,839 @@
       </p:grpSpPr>
       <p:sp>
         <p:nvSpPr>
+          <p:cNvPr id="9" name="CustomShape 1">
+            <a:extLst>
+              <a:ext uri="{FF2B5EF4-FFF2-40B4-BE49-F238E27FC236}">
+                <a16:creationId xmlns:a16="http://schemas.microsoft.com/office/drawing/2014/main" id="{BDFD7540-71E5-4580-B408-0238083AF10D}"/>
+              </a:ext>
+            </a:extLst>
+          </p:cNvPr>
+          <p:cNvSpPr/>
+          <p:nvPr/>
+        </p:nvSpPr>
+        <p:spPr>
+          <a:xfrm>
+            <a:off x="246600" y="762120"/>
+            <a:ext cx="11687400" cy="921876"/>
+          </a:xfrm>
+          <a:prstGeom prst="rect">
+            <a:avLst/>
+          </a:prstGeom>
+          <a:noFill/>
+          <a:ln>
+            <a:noFill/>
+          </a:ln>
+        </p:spPr>
+        <p:style>
+          <a:lnRef idx="0">
+            <a:scrgbClr r="0" g="0" b="0"/>
+          </a:lnRef>
+          <a:fillRef idx="0">
+            <a:scrgbClr r="0" g="0" b="0"/>
+          </a:fillRef>
+          <a:effectRef idx="0">
+            <a:scrgbClr r="0" g="0" b="0"/>
+          </a:effectRef>
+          <a:fontRef idx="minor"/>
+        </p:style>
+        <p:txBody>
+          <a:bodyPr lIns="90000" tIns="45000" rIns="90000" bIns="45000">
+            <a:spAutoFit/>
+          </a:bodyPr>
+          <a:lstStyle/>
+          <a:p>
+            <a:pPr algn="just"/>
+            <a:r>
+              <a:rPr lang="en-US" spc="-1" dirty="0">
+                <a:latin typeface="Arial"/>
+              </a:rPr>
+              <a:t>A column whose type is a frozen collection (set, map, or list) can only have its value replaced as a whole. In other words, </a:t>
+            </a:r>
+            <a:r>
+              <a:rPr lang="en-US" spc="-1" dirty="0">
+                <a:solidFill>
+                  <a:srgbClr val="F63122"/>
+                </a:solidFill>
+                <a:latin typeface="Arial"/>
+              </a:rPr>
+              <a:t>we can't add, update, or delete individual elements from the collection as we can in non-frozen collection types.</a:t>
+            </a:r>
+          </a:p>
+        </p:txBody>
+      </p:sp>
+      <p:sp>
+        <p:nvSpPr>
+          <p:cNvPr id="10" name="Line 5">
+            <a:extLst>
+              <a:ext uri="{FF2B5EF4-FFF2-40B4-BE49-F238E27FC236}">
+                <a16:creationId xmlns:a16="http://schemas.microsoft.com/office/drawing/2014/main" id="{9195D559-2BA8-4321-B3CF-CB7E0100E287}"/>
+              </a:ext>
+            </a:extLst>
+          </p:cNvPr>
+          <p:cNvSpPr/>
+          <p:nvPr/>
+        </p:nvSpPr>
+        <p:spPr>
+          <a:xfrm>
+            <a:off x="0" y="1772816"/>
+            <a:ext cx="12191760" cy="0"/>
+          </a:xfrm>
+          <a:prstGeom prst="line">
+            <a:avLst/>
+          </a:prstGeom>
+          <a:ln w="12600">
+            <a:solidFill>
+              <a:srgbClr val="6E78A0"/>
+            </a:solidFill>
+            <a:prstDash val="dash"/>
+            <a:round/>
+          </a:ln>
+        </p:spPr>
+        <p:style>
+          <a:lnRef idx="1">
+            <a:schemeClr val="accent1"/>
+          </a:lnRef>
+          <a:fillRef idx="0">
+            <a:schemeClr val="accent1"/>
+          </a:fillRef>
+          <a:effectRef idx="0">
+            <a:schemeClr val="accent1"/>
+          </a:effectRef>
+          <a:fontRef idx="minor"/>
+        </p:style>
+      </p:sp>
+      <p:sp>
+        <p:nvSpPr>
+          <p:cNvPr id="8" name="CustomShape 4">
+            <a:extLst>
+              <a:ext uri="{FF2B5EF4-FFF2-40B4-BE49-F238E27FC236}">
+                <a16:creationId xmlns:a16="http://schemas.microsoft.com/office/drawing/2014/main" id="{91993118-1AF5-45AD-B680-FE100B853130}"/>
+              </a:ext>
+            </a:extLst>
+          </p:cNvPr>
+          <p:cNvSpPr/>
+          <p:nvPr/>
+        </p:nvSpPr>
+        <p:spPr>
+          <a:xfrm>
+            <a:off x="246600" y="0"/>
+            <a:ext cx="11687400" cy="706432"/>
+          </a:xfrm>
+          <a:prstGeom prst="rect">
+            <a:avLst/>
+          </a:prstGeom>
+          <a:solidFill>
+            <a:srgbClr val="C00000"/>
+          </a:solidFill>
+          <a:ln>
+            <a:noFill/>
+          </a:ln>
+        </p:spPr>
+        <p:style>
+          <a:lnRef idx="0">
+            <a:scrgbClr r="0" g="0" b="0"/>
+          </a:lnRef>
+          <a:fillRef idx="0">
+            <a:scrgbClr r="0" g="0" b="0"/>
+          </a:fillRef>
+          <a:effectRef idx="0">
+            <a:scrgbClr r="0" g="0" b="0"/>
+          </a:effectRef>
+          <a:fontRef idx="minor"/>
+        </p:style>
+        <p:txBody>
+          <a:bodyPr lIns="90000" tIns="45000" rIns="90000" bIns="45000">
+            <a:spAutoFit/>
+          </a:bodyPr>
+          <a:lstStyle/>
+          <a:p>
+            <a:pPr algn="ctr">
+              <a:lnSpc>
+                <a:spcPct val="100000"/>
+              </a:lnSpc>
+            </a:pPr>
+            <a:r>
+              <a:rPr lang="en-IN" sz="4000" b="0" strike="noStrike" spc="-1" dirty="0">
+                <a:solidFill>
+                  <a:srgbClr val="F7C120"/>
+                </a:solidFill>
+                <a:latin typeface="Open Sans"/>
+                <a:ea typeface="DejaVu Sans"/>
+              </a:rPr>
+              <a:t>frozen collection - UPDATE</a:t>
+            </a:r>
+            <a:endParaRPr lang="en-IN" sz="4000" b="0" strike="noStrike" spc="-1" dirty="0">
+              <a:latin typeface="Arial"/>
+            </a:endParaRPr>
+          </a:p>
+        </p:txBody>
+      </p:sp>
+      <p:grpSp>
+        <p:nvGrpSpPr>
+          <p:cNvPr id="22" name="Group 21">
+            <a:extLst>
+              <a:ext uri="{FF2B5EF4-FFF2-40B4-BE49-F238E27FC236}">
+                <a16:creationId xmlns:a16="http://schemas.microsoft.com/office/drawing/2014/main" id="{9C47194A-0ED6-4188-BD00-BAF8F9CEF334}"/>
+              </a:ext>
+            </a:extLst>
+          </p:cNvPr>
+          <p:cNvGrpSpPr/>
+          <p:nvPr/>
+        </p:nvGrpSpPr>
+        <p:grpSpPr>
+          <a:xfrm>
+            <a:off x="246600" y="1939516"/>
+            <a:ext cx="11687400" cy="1055695"/>
+            <a:chOff x="246600" y="1939516"/>
+            <a:chExt cx="11687400" cy="1055695"/>
+          </a:xfrm>
+        </p:grpSpPr>
+        <p:sp>
+          <p:nvSpPr>
+            <p:cNvPr id="11" name="TextBox 10">
+              <a:extLst>
+                <a:ext uri="{FF2B5EF4-FFF2-40B4-BE49-F238E27FC236}">
+                  <a16:creationId xmlns:a16="http://schemas.microsoft.com/office/drawing/2014/main" id="{3983E49B-89F0-46CB-AC01-1DE358DBDA87}"/>
+                </a:ext>
+              </a:extLst>
+            </p:cNvPr>
+            <p:cNvSpPr txBox="1"/>
+            <p:nvPr/>
+          </p:nvSpPr>
+          <p:spPr>
+            <a:xfrm>
+              <a:off x="246600" y="2348880"/>
+              <a:ext cx="11687400" cy="646331"/>
+            </a:xfrm>
+            <a:prstGeom prst="rect">
+              <a:avLst/>
+            </a:prstGeom>
+            <a:noFill/>
+          </p:spPr>
+          <p:txBody>
+            <a:bodyPr wrap="square">
+              <a:spAutoFit/>
+            </a:bodyPr>
+            <a:lstStyle/>
+            <a:p>
+              <a:pPr marL="285750" indent="-285750">
+                <a:buFont typeface="Arial" panose="020B0604020202020204" pitchFamily="34" charset="0"/>
+                <a:buChar char="•"/>
+              </a:pPr>
+              <a:r>
+                <a:rPr lang="en-IN" sz="1800" b="0" strike="noStrike" spc="-1" dirty="0">
+                  <a:solidFill>
+                    <a:schemeClr val="bg1">
+                      <a:lumMod val="50000"/>
+                    </a:schemeClr>
+                  </a:solidFill>
+                  <a:latin typeface="Consolas" panose="020B0609020204030204" pitchFamily="49" charset="0"/>
+                  <a:ea typeface="SimSun"/>
+                </a:rPr>
+                <a:t>cqlsh:db1&gt; </a:t>
+              </a:r>
+              <a:r>
+                <a:rPr lang="en-IN" dirty="0">
+                  <a:solidFill>
+                    <a:srgbClr val="0070C0"/>
+                  </a:solidFill>
+                  <a:latin typeface="Consolas" panose="020B0609020204030204" pitchFamily="49" charset="0"/>
+                </a:rPr>
+                <a:t>UPDATE</a:t>
+              </a:r>
+              <a:r>
+                <a:rPr lang="en-IN" dirty="0">
+                  <a:latin typeface="Consolas" panose="020B0609020204030204" pitchFamily="49" charset="0"/>
+                </a:rPr>
+                <a:t> location </a:t>
+              </a:r>
+              <a:r>
+                <a:rPr lang="en-US" dirty="0">
+                  <a:solidFill>
+                    <a:srgbClr val="C00000"/>
+                  </a:solidFill>
+                  <a:latin typeface="Consolas" panose="020B0609020204030204" pitchFamily="49" charset="0"/>
+                </a:rPr>
+                <a:t>USING TTL 50 </a:t>
+              </a:r>
+              <a:r>
+                <a:rPr lang="en-US" dirty="0">
+                  <a:solidFill>
+                    <a:srgbClr val="F63122"/>
+                  </a:solidFill>
+                  <a:latin typeface="Consolas" panose="020B0609020204030204" pitchFamily="49" charset="0"/>
+                </a:rPr>
+                <a:t>SET</a:t>
+              </a:r>
+              <a:r>
+                <a:rPr lang="en-IN" dirty="0">
+                  <a:latin typeface="Consolas" panose="020B0609020204030204" pitchFamily="49" charset="0"/>
+                </a:rPr>
+                <a:t> location = { 'latitude': 18.5204, 'longitude': 73.8567 } </a:t>
+              </a:r>
+              <a:r>
+                <a:rPr lang="en-IN" dirty="0">
+                  <a:solidFill>
+                    <a:srgbClr val="0070C0"/>
+                  </a:solidFill>
+                  <a:latin typeface="Consolas" panose="020B0609020204030204" pitchFamily="49" charset="0"/>
+                </a:rPr>
+                <a:t>WHERE</a:t>
+              </a:r>
+              <a:r>
+                <a:rPr lang="en-IN" dirty="0">
+                  <a:latin typeface="Consolas" panose="020B0609020204030204" pitchFamily="49" charset="0"/>
+                </a:rPr>
+                <a:t> id=1;</a:t>
+              </a:r>
+            </a:p>
+          </p:txBody>
+        </p:sp>
+        <p:sp>
+          <p:nvSpPr>
+            <p:cNvPr id="17" name="TextBox 16">
+              <a:extLst>
+                <a:ext uri="{FF2B5EF4-FFF2-40B4-BE49-F238E27FC236}">
+                  <a16:creationId xmlns:a16="http://schemas.microsoft.com/office/drawing/2014/main" id="{CB196D51-1AEC-41B2-86E1-569423CB2715}"/>
+                </a:ext>
+              </a:extLst>
+            </p:cNvPr>
+            <p:cNvSpPr txBox="1"/>
+            <p:nvPr/>
+          </p:nvSpPr>
+          <p:spPr>
+            <a:xfrm>
+              <a:off x="246600" y="1939516"/>
+              <a:ext cx="11687400" cy="369332"/>
+            </a:xfrm>
+            <a:prstGeom prst="rect">
+              <a:avLst/>
+            </a:prstGeom>
+            <a:noFill/>
+          </p:spPr>
+          <p:txBody>
+            <a:bodyPr wrap="square">
+              <a:spAutoFit/>
+            </a:bodyPr>
+            <a:lstStyle/>
+            <a:p>
+              <a:r>
+                <a:rPr lang="en-US" spc="-1" dirty="0">
+                  <a:solidFill>
+                    <a:srgbClr val="2B8208"/>
+                  </a:solidFill>
+                  <a:latin typeface="Source Code Pro" panose="020B0509030403020204" pitchFamily="49" charset="0"/>
+                  <a:ea typeface="Source Code Pro" panose="020B0509030403020204" pitchFamily="49" charset="0"/>
+                </a:rPr>
+                <a:t>FROZEN</a:t>
+              </a:r>
+              <a:r>
+                <a:rPr lang="en-US" spc="-1" dirty="0">
+                  <a:latin typeface="Source Code Pro" panose="020B0509030403020204" pitchFamily="49" charset="0"/>
+                  <a:ea typeface="Source Code Pro" panose="020B0509030403020204" pitchFamily="49" charset="0"/>
+                </a:rPr>
+                <a:t>&lt; </a:t>
+              </a:r>
+              <a:r>
+                <a:rPr lang="en-US" spc="-1" dirty="0">
+                  <a:solidFill>
+                    <a:srgbClr val="2B8208"/>
+                  </a:solidFill>
+                  <a:latin typeface="Source Code Pro" panose="020B0509030403020204" pitchFamily="49" charset="0"/>
+                  <a:ea typeface="Source Code Pro" panose="020B0509030403020204" pitchFamily="49" charset="0"/>
+                </a:rPr>
+                <a:t>MAP</a:t>
+              </a:r>
+              <a:r>
+                <a:rPr lang="en-US" spc="-1" dirty="0">
+                  <a:latin typeface="Source Code Pro" panose="020B0509030403020204" pitchFamily="49" charset="0"/>
+                  <a:ea typeface="Source Code Pro" panose="020B0509030403020204" pitchFamily="49" charset="0"/>
+                </a:rPr>
+                <a:t> &lt; </a:t>
+              </a:r>
+              <a:r>
+                <a:rPr lang="en-US" spc="-1" dirty="0">
+                  <a:solidFill>
+                    <a:srgbClr val="FD8603"/>
+                  </a:solidFill>
+                  <a:latin typeface="Source Code Pro" panose="020B0509030403020204" pitchFamily="49" charset="0"/>
+                  <a:ea typeface="Source Code Pro" panose="020B0509030403020204" pitchFamily="49" charset="0"/>
+                </a:rPr>
+                <a:t>cql_type</a:t>
+              </a:r>
+              <a:r>
+                <a:rPr lang="en-US" spc="-1" dirty="0">
+                  <a:latin typeface="Source Code Pro" panose="020B0509030403020204" pitchFamily="49" charset="0"/>
+                  <a:ea typeface="Source Code Pro" panose="020B0509030403020204" pitchFamily="49" charset="0"/>
+                </a:rPr>
+                <a:t>, </a:t>
+              </a:r>
+              <a:r>
+                <a:rPr lang="en-US" spc="-1" dirty="0">
+                  <a:solidFill>
+                    <a:srgbClr val="FD8603"/>
+                  </a:solidFill>
+                  <a:latin typeface="Source Code Pro" panose="020B0509030403020204" pitchFamily="49" charset="0"/>
+                  <a:ea typeface="Source Code Pro" panose="020B0509030403020204" pitchFamily="49" charset="0"/>
+                </a:rPr>
+                <a:t>cql_type </a:t>
+              </a:r>
+              <a:r>
+                <a:rPr lang="en-US" spc="-1" dirty="0">
+                  <a:latin typeface="Source Code Pro" panose="020B0509030403020204" pitchFamily="49" charset="0"/>
+                  <a:ea typeface="Source Code Pro" panose="020B0509030403020204" pitchFamily="49" charset="0"/>
+                </a:rPr>
+                <a:t>&gt; &gt;</a:t>
+              </a:r>
+              <a:endParaRPr lang="en-IN" dirty="0"/>
+            </a:p>
+          </p:txBody>
+        </p:sp>
+      </p:grpSp>
+      <p:grpSp>
+        <p:nvGrpSpPr>
+          <p:cNvPr id="23" name="Group 22">
+            <a:extLst>
+              <a:ext uri="{FF2B5EF4-FFF2-40B4-BE49-F238E27FC236}">
+                <a16:creationId xmlns:a16="http://schemas.microsoft.com/office/drawing/2014/main" id="{136FFD05-4373-4D71-8BD3-E39E9DB0C22D}"/>
+              </a:ext>
+            </a:extLst>
+          </p:cNvPr>
+          <p:cNvGrpSpPr/>
+          <p:nvPr/>
+        </p:nvGrpSpPr>
+        <p:grpSpPr>
+          <a:xfrm>
+            <a:off x="246600" y="3639942"/>
+            <a:ext cx="11695626" cy="806462"/>
+            <a:chOff x="246600" y="3639942"/>
+            <a:chExt cx="11695626" cy="806462"/>
+          </a:xfrm>
+        </p:grpSpPr>
+        <p:sp>
+          <p:nvSpPr>
+            <p:cNvPr id="18" name="TextBox 17">
+              <a:extLst>
+                <a:ext uri="{FF2B5EF4-FFF2-40B4-BE49-F238E27FC236}">
+                  <a16:creationId xmlns:a16="http://schemas.microsoft.com/office/drawing/2014/main" id="{8D0A1764-7EC2-4889-A1EC-B8B4CFBCBED1}"/>
+                </a:ext>
+              </a:extLst>
+            </p:cNvPr>
+            <p:cNvSpPr txBox="1"/>
+            <p:nvPr/>
+          </p:nvSpPr>
+          <p:spPr>
+            <a:xfrm>
+              <a:off x="246600" y="3639942"/>
+              <a:ext cx="11695626" cy="369332"/>
+            </a:xfrm>
+            <a:prstGeom prst="rect">
+              <a:avLst/>
+            </a:prstGeom>
+            <a:noFill/>
+          </p:spPr>
+          <p:txBody>
+            <a:bodyPr wrap="square">
+              <a:spAutoFit/>
+            </a:bodyPr>
+            <a:lstStyle/>
+            <a:p>
+              <a:r>
+                <a:rPr lang="en-US" spc="-1" dirty="0">
+                  <a:solidFill>
+                    <a:srgbClr val="2B8208"/>
+                  </a:solidFill>
+                  <a:latin typeface="Source Code Pro" panose="020B0509030403020204" pitchFamily="49" charset="0"/>
+                  <a:ea typeface="Source Code Pro" panose="020B0509030403020204" pitchFamily="49" charset="0"/>
+                </a:rPr>
+                <a:t>FROZEN</a:t>
+              </a:r>
+              <a:r>
+                <a:rPr lang="en-US" spc="-1" dirty="0">
+                  <a:latin typeface="Source Code Pro" panose="020B0509030403020204" pitchFamily="49" charset="0"/>
+                  <a:ea typeface="Source Code Pro" panose="020B0509030403020204" pitchFamily="49" charset="0"/>
+                </a:rPr>
+                <a:t>&lt; </a:t>
+              </a:r>
+              <a:r>
+                <a:rPr lang="en-US" spc="-1" dirty="0">
+                  <a:solidFill>
+                    <a:srgbClr val="2B8208"/>
+                  </a:solidFill>
+                  <a:latin typeface="Source Code Pro" panose="020B0509030403020204" pitchFamily="49" charset="0"/>
+                  <a:ea typeface="Source Code Pro" panose="020B0509030403020204" pitchFamily="49" charset="0"/>
+                </a:rPr>
+                <a:t>SET</a:t>
+              </a:r>
+              <a:r>
+                <a:rPr lang="en-US" spc="-1" dirty="0">
+                  <a:latin typeface="Source Code Pro" panose="020B0509030403020204" pitchFamily="49" charset="0"/>
+                  <a:ea typeface="Source Code Pro" panose="020B0509030403020204" pitchFamily="49" charset="0"/>
+                </a:rPr>
+                <a:t> &lt; </a:t>
+              </a:r>
+              <a:r>
+                <a:rPr lang="en-US" spc="-1" dirty="0">
+                  <a:solidFill>
+                    <a:srgbClr val="FD8603"/>
+                  </a:solidFill>
+                  <a:latin typeface="Source Code Pro" panose="020B0509030403020204" pitchFamily="49" charset="0"/>
+                  <a:ea typeface="Source Code Pro" panose="020B0509030403020204" pitchFamily="49" charset="0"/>
+                </a:rPr>
+                <a:t>cql_type</a:t>
+              </a:r>
+              <a:r>
+                <a:rPr lang="en-US" spc="-1" dirty="0">
+                  <a:latin typeface="Source Code Pro" panose="020B0509030403020204" pitchFamily="49" charset="0"/>
+                  <a:ea typeface="Source Code Pro" panose="020B0509030403020204" pitchFamily="49" charset="0"/>
+                </a:rPr>
+                <a:t> &gt; &gt;</a:t>
+              </a:r>
+            </a:p>
+          </p:txBody>
+        </p:sp>
+        <p:sp>
+          <p:nvSpPr>
+            <p:cNvPr id="20" name="TextBox 19">
+              <a:extLst>
+                <a:ext uri="{FF2B5EF4-FFF2-40B4-BE49-F238E27FC236}">
+                  <a16:creationId xmlns:a16="http://schemas.microsoft.com/office/drawing/2014/main" id="{C1E22BE1-93CF-43DC-917D-8F63C3395893}"/>
+                </a:ext>
+              </a:extLst>
+            </p:cNvPr>
+            <p:cNvSpPr txBox="1"/>
+            <p:nvPr/>
+          </p:nvSpPr>
+          <p:spPr>
+            <a:xfrm>
+              <a:off x="246600" y="4077072"/>
+              <a:ext cx="11687400" cy="369332"/>
+            </a:xfrm>
+            <a:prstGeom prst="rect">
+              <a:avLst/>
+            </a:prstGeom>
+            <a:noFill/>
+          </p:spPr>
+          <p:txBody>
+            <a:bodyPr wrap="square">
+              <a:spAutoFit/>
+            </a:bodyPr>
+            <a:lstStyle/>
+            <a:p>
+              <a:pPr marL="285750" indent="-285750">
+                <a:buFont typeface="Arial" panose="020B0604020202020204" pitchFamily="34" charset="0"/>
+                <a:buChar char="•"/>
+              </a:pPr>
+              <a:r>
+                <a:rPr lang="en-IN" sz="1800" b="0" strike="noStrike" spc="-1" dirty="0">
+                  <a:solidFill>
+                    <a:schemeClr val="bg1">
+                      <a:lumMod val="50000"/>
+                    </a:schemeClr>
+                  </a:solidFill>
+                  <a:latin typeface="Consolas" panose="020B0609020204030204" pitchFamily="49" charset="0"/>
+                  <a:ea typeface="SimSun"/>
+                </a:rPr>
+                <a:t>cqlsh:db1&gt; </a:t>
+              </a:r>
+              <a:r>
+                <a:rPr lang="en-US" dirty="0">
+                  <a:solidFill>
+                    <a:srgbClr val="0070C0"/>
+                  </a:solidFill>
+                  <a:latin typeface="Consolas" panose="020B0609020204030204" pitchFamily="49" charset="0"/>
+                </a:rPr>
+                <a:t>UPDATE</a:t>
+              </a:r>
+              <a:r>
+                <a:rPr lang="en-US" dirty="0">
+                  <a:latin typeface="Consolas" panose="020B0609020204030204" pitchFamily="49" charset="0"/>
+                </a:rPr>
+                <a:t> books</a:t>
+              </a:r>
+              <a:r>
+                <a:rPr lang="en-US" dirty="0">
+                  <a:solidFill>
+                    <a:srgbClr val="C00000"/>
+                  </a:solidFill>
+                  <a:latin typeface="Consolas" panose="020B0609020204030204" pitchFamily="49" charset="0"/>
+                </a:rPr>
+                <a:t> USING TTL 50 </a:t>
+              </a:r>
+              <a:r>
+                <a:rPr lang="en-US" dirty="0">
+                  <a:solidFill>
+                    <a:srgbClr val="F63122"/>
+                  </a:solidFill>
+                  <a:latin typeface="Consolas" panose="020B0609020204030204" pitchFamily="49" charset="0"/>
+                </a:rPr>
+                <a:t>SET</a:t>
+              </a:r>
+              <a:r>
+                <a:rPr lang="en-US" dirty="0">
+                  <a:latin typeface="Consolas" panose="020B0609020204030204" pitchFamily="49" charset="0"/>
+                </a:rPr>
+                <a:t> author = {'ruhan'} </a:t>
+              </a:r>
+              <a:r>
+                <a:rPr lang="en-US" dirty="0">
+                  <a:solidFill>
+                    <a:srgbClr val="0070C0"/>
+                  </a:solidFill>
+                  <a:latin typeface="Consolas" panose="020B0609020204030204" pitchFamily="49" charset="0"/>
+                </a:rPr>
+                <a:t>WHERE</a:t>
+              </a:r>
+              <a:r>
+                <a:rPr lang="en-US" dirty="0">
+                  <a:latin typeface="Consolas" panose="020B0609020204030204" pitchFamily="49" charset="0"/>
+                </a:rPr>
+                <a:t> id=1;</a:t>
+              </a:r>
+              <a:endParaRPr lang="en-IN" dirty="0">
+                <a:latin typeface="Consolas" panose="020B0609020204030204" pitchFamily="49" charset="0"/>
+              </a:endParaRPr>
+            </a:p>
+          </p:txBody>
+        </p:sp>
+      </p:grpSp>
+      <p:grpSp>
+        <p:nvGrpSpPr>
+          <p:cNvPr id="24" name="Group 23">
+            <a:extLst>
+              <a:ext uri="{FF2B5EF4-FFF2-40B4-BE49-F238E27FC236}">
+                <a16:creationId xmlns:a16="http://schemas.microsoft.com/office/drawing/2014/main" id="{8CD3063F-90B6-48D4-8D7F-26880C98E37E}"/>
+              </a:ext>
+            </a:extLst>
+          </p:cNvPr>
+          <p:cNvGrpSpPr/>
+          <p:nvPr/>
+        </p:nvGrpSpPr>
+        <p:grpSpPr>
+          <a:xfrm>
+            <a:off x="246600" y="5229200"/>
+            <a:ext cx="11687400" cy="1006371"/>
+            <a:chOff x="246600" y="5373216"/>
+            <a:chExt cx="11687400" cy="1006371"/>
+          </a:xfrm>
+        </p:grpSpPr>
+        <p:sp>
+          <p:nvSpPr>
+            <p:cNvPr id="19" name="TextBox 18">
+              <a:extLst>
+                <a:ext uri="{FF2B5EF4-FFF2-40B4-BE49-F238E27FC236}">
+                  <a16:creationId xmlns:a16="http://schemas.microsoft.com/office/drawing/2014/main" id="{68F502F3-C6C4-46E9-A5EB-68FF9EC78464}"/>
+                </a:ext>
+              </a:extLst>
+            </p:cNvPr>
+            <p:cNvSpPr txBox="1"/>
+            <p:nvPr/>
+          </p:nvSpPr>
+          <p:spPr>
+            <a:xfrm>
+              <a:off x="246600" y="5373216"/>
+              <a:ext cx="11687400" cy="369332"/>
+            </a:xfrm>
+            <a:prstGeom prst="rect">
+              <a:avLst/>
+            </a:prstGeom>
+            <a:noFill/>
+          </p:spPr>
+          <p:txBody>
+            <a:bodyPr wrap="square">
+              <a:spAutoFit/>
+            </a:bodyPr>
+            <a:lstStyle/>
+            <a:p>
+              <a:r>
+                <a:rPr lang="en-US" spc="-1" dirty="0">
+                  <a:solidFill>
+                    <a:srgbClr val="2B8208"/>
+                  </a:solidFill>
+                  <a:latin typeface="Source Code Pro" panose="020B0509030403020204" pitchFamily="49" charset="0"/>
+                  <a:ea typeface="Source Code Pro" panose="020B0509030403020204" pitchFamily="49" charset="0"/>
+                </a:rPr>
+                <a:t>FROZEN</a:t>
+              </a:r>
+              <a:r>
+                <a:rPr lang="en-US" spc="-1" dirty="0">
+                  <a:latin typeface="Source Code Pro" panose="020B0509030403020204" pitchFamily="49" charset="0"/>
+                  <a:ea typeface="Source Code Pro" panose="020B0509030403020204" pitchFamily="49" charset="0"/>
+                </a:rPr>
+                <a:t>&lt; </a:t>
+              </a:r>
+              <a:r>
+                <a:rPr lang="en-US" spc="-1" dirty="0">
+                  <a:solidFill>
+                    <a:srgbClr val="2B8208"/>
+                  </a:solidFill>
+                  <a:latin typeface="Source Code Pro" panose="020B0509030403020204" pitchFamily="49" charset="0"/>
+                  <a:ea typeface="Source Code Pro" panose="020B0509030403020204" pitchFamily="49" charset="0"/>
+                </a:rPr>
+                <a:t>LIST</a:t>
+              </a:r>
+              <a:r>
+                <a:rPr lang="en-US" spc="-1" dirty="0">
+                  <a:latin typeface="Source Code Pro" panose="020B0509030403020204" pitchFamily="49" charset="0"/>
+                  <a:ea typeface="Source Code Pro" panose="020B0509030403020204" pitchFamily="49" charset="0"/>
+                </a:rPr>
+                <a:t> &lt; </a:t>
+              </a:r>
+              <a:r>
+                <a:rPr lang="en-US" spc="-1" dirty="0">
+                  <a:solidFill>
+                    <a:srgbClr val="FD8603"/>
+                  </a:solidFill>
+                  <a:latin typeface="Source Code Pro" panose="020B0509030403020204" pitchFamily="49" charset="0"/>
+                  <a:ea typeface="Source Code Pro" panose="020B0509030403020204" pitchFamily="49" charset="0"/>
+                </a:rPr>
+                <a:t>cql_type </a:t>
+              </a:r>
+              <a:r>
+                <a:rPr lang="en-US" spc="-1" dirty="0">
+                  <a:latin typeface="Source Code Pro" panose="020B0509030403020204" pitchFamily="49" charset="0"/>
+                  <a:ea typeface="Source Code Pro" panose="020B0509030403020204" pitchFamily="49" charset="0"/>
+                </a:rPr>
+                <a:t>&gt; &gt;</a:t>
+              </a:r>
+              <a:endParaRPr lang="en-IN" dirty="0"/>
+            </a:p>
+          </p:txBody>
+        </p:sp>
+        <p:sp>
+          <p:nvSpPr>
+            <p:cNvPr id="21" name="TextBox 20">
+              <a:extLst>
+                <a:ext uri="{FF2B5EF4-FFF2-40B4-BE49-F238E27FC236}">
+                  <a16:creationId xmlns:a16="http://schemas.microsoft.com/office/drawing/2014/main" id="{C4485CAB-8E89-4502-B181-98D935B5F22F}"/>
+                </a:ext>
+              </a:extLst>
+            </p:cNvPr>
+            <p:cNvSpPr txBox="1"/>
+            <p:nvPr/>
+          </p:nvSpPr>
+          <p:spPr>
+            <a:xfrm>
+              <a:off x="246600" y="5733256"/>
+              <a:ext cx="11687400" cy="646331"/>
+            </a:xfrm>
+            <a:prstGeom prst="rect">
+              <a:avLst/>
+            </a:prstGeom>
+            <a:noFill/>
+          </p:spPr>
+          <p:txBody>
+            <a:bodyPr wrap="square">
+              <a:spAutoFit/>
+            </a:bodyPr>
+            <a:lstStyle/>
+            <a:p>
+              <a:pPr marL="285750" indent="-285750">
+                <a:buFont typeface="Arial" panose="020B0604020202020204" pitchFamily="34" charset="0"/>
+                <a:buChar char="•"/>
+              </a:pPr>
+              <a:r>
+                <a:rPr lang="en-IN" sz="1800" b="0" strike="noStrike" spc="-1" dirty="0">
+                  <a:solidFill>
+                    <a:schemeClr val="bg1">
+                      <a:lumMod val="50000"/>
+                    </a:schemeClr>
+                  </a:solidFill>
+                  <a:latin typeface="Consolas" panose="020B0609020204030204" pitchFamily="49" charset="0"/>
+                  <a:ea typeface="SimSun"/>
+                </a:rPr>
+                <a:t>cqlsh:db1&gt; </a:t>
+              </a:r>
+              <a:r>
+                <a:rPr lang="en-IN" dirty="0">
+                  <a:solidFill>
+                    <a:srgbClr val="0070C0"/>
+                  </a:solidFill>
+                  <a:latin typeface="Consolas" panose="020B0609020204030204" pitchFamily="49" charset="0"/>
+                </a:rPr>
+                <a:t>UPDATE</a:t>
+              </a:r>
+              <a:r>
+                <a:rPr lang="en-IN" dirty="0">
+                  <a:latin typeface="Consolas" panose="020B0609020204030204" pitchFamily="49" charset="0"/>
+                </a:rPr>
+                <a:t> location </a:t>
+              </a:r>
+              <a:r>
+                <a:rPr lang="en-US" dirty="0">
+                  <a:solidFill>
+                    <a:srgbClr val="C00000"/>
+                  </a:solidFill>
+                  <a:latin typeface="Consolas" panose="020B0609020204030204" pitchFamily="49" charset="0"/>
+                </a:rPr>
+                <a:t>USING TTL 50 </a:t>
+              </a:r>
+              <a:r>
+                <a:rPr lang="en-US" dirty="0">
+                  <a:solidFill>
+                    <a:srgbClr val="F63122"/>
+                  </a:solidFill>
+                  <a:latin typeface="Consolas" panose="020B0609020204030204" pitchFamily="49" charset="0"/>
+                </a:rPr>
+                <a:t>SET</a:t>
+              </a:r>
+              <a:r>
+                <a:rPr lang="en-IN" dirty="0">
+                  <a:latin typeface="Consolas" panose="020B0609020204030204" pitchFamily="49" charset="0"/>
+                </a:rPr>
+                <a:t> location = { 'latitude': 18.5204, 'longitude': 73.8567 } </a:t>
+              </a:r>
+              <a:r>
+                <a:rPr lang="en-IN" dirty="0">
+                  <a:solidFill>
+                    <a:srgbClr val="0070C0"/>
+                  </a:solidFill>
+                  <a:latin typeface="Consolas" panose="020B0609020204030204" pitchFamily="49" charset="0"/>
+                </a:rPr>
+                <a:t>WHERE</a:t>
+              </a:r>
+              <a:r>
+                <a:rPr lang="en-IN" dirty="0">
+                  <a:latin typeface="Consolas" panose="020B0609020204030204" pitchFamily="49" charset="0"/>
+                </a:rPr>
+                <a:t> id=1;</a:t>
+              </a:r>
+            </a:p>
+          </p:txBody>
+        </p:sp>
+      </p:grpSp>
+    </p:spTree>
+    <p:extLst>
+      <p:ext uri="{BB962C8B-B14F-4D97-AF65-F5344CB8AC3E}">
+        <p14:creationId xmlns:p14="http://schemas.microsoft.com/office/powerpoint/2010/main" val="2858759095"/>
+      </p:ext>
+    </p:extLst>
+  </p:cSld>
+  <p:clrMapOvr>
+    <a:masterClrMapping/>
+  </p:clrMapOvr>
+</p:sld>
+</file>
+
+<file path=ppt/slides/slide43.xml><?xml version="1.0" encoding="utf-8"?>
+<p:sld xmlns:a="http://schemas.openxmlformats.org/drawingml/2006/main" xmlns:r="http://schemas.openxmlformats.org/officeDocument/2006/relationships" xmlns:p="http://schemas.openxmlformats.org/presentationml/2006/main">
+  <p:cSld>
+    <p:spTree>
+      <p:nvGrpSpPr>
+        <p:cNvPr id="1" name=""/>
+        <p:cNvGrpSpPr/>
+        <p:nvPr/>
+      </p:nvGrpSpPr>
+      <p:grpSpPr>
+        <a:xfrm>
+          <a:off x="0" y="0"/>
+          <a:ext cx="0" cy="0"/>
+          <a:chOff x="0" y="0"/>
+          <a:chExt cx="0" cy="0"/>
+        </a:xfrm>
+      </p:grpSpPr>
+      <p:sp>
+        <p:nvSpPr>
           <p:cNvPr id="2" name="Title 1"/>
           <p:cNvSpPr txBox="1">
             <a:spLocks/>
@@ -24072,7 +24906,7 @@
 </p:sld>
 </file>
 
-<file path=ppt/slides/slide43.xml><?xml version="1.0" encoding="utf-8"?>
+<file path=ppt/slides/slide44.xml><?xml version="1.0" encoding="utf-8"?>
 <p:sld xmlns:a="http://schemas.openxmlformats.org/drawingml/2006/main" xmlns:r="http://schemas.openxmlformats.org/officeDocument/2006/relationships" xmlns:p="http://schemas.openxmlformats.org/presentationml/2006/main">
   <p:cSld>
     <p:spTree>
@@ -24561,7 +25395,7 @@
 </p:sld>
 </file>
 
-<file path=ppt/slides/slide44.xml><?xml version="1.0" encoding="utf-8"?>
+<file path=ppt/slides/slide45.xml><?xml version="1.0" encoding="utf-8"?>
 <p:sld xmlns:a="http://schemas.openxmlformats.org/drawingml/2006/main" xmlns:r="http://schemas.openxmlformats.org/officeDocument/2006/relationships" xmlns:p="http://schemas.openxmlformats.org/presentationml/2006/main">
   <p:cSld>
     <p:spTree>
@@ -24710,7 +25544,7 @@
 </p:sld>
 </file>
 
-<file path=ppt/slides/slide45.xml><?xml version="1.0" encoding="utf-8"?>
+<file path=ppt/slides/slide46.xml><?xml version="1.0" encoding="utf-8"?>
 <p:sld xmlns:a="http://schemas.openxmlformats.org/drawingml/2006/main" xmlns:r="http://schemas.openxmlformats.org/officeDocument/2006/relationships" xmlns:p="http://schemas.openxmlformats.org/presentationml/2006/main">
   <p:cSld>
     <p:spTree>
@@ -25426,7 +26260,7 @@
 </p:sld>
 </file>
 
-<file path=ppt/slides/slide46.xml><?xml version="1.0" encoding="utf-8"?>
+<file path=ppt/slides/slide47.xml><?xml version="1.0" encoding="utf-8"?>
 <p:sld xmlns:a="http://schemas.openxmlformats.org/drawingml/2006/main" xmlns:r="http://schemas.openxmlformats.org/officeDocument/2006/relationships" xmlns:p="http://schemas.openxmlformats.org/presentationml/2006/main">
   <p:cSld>
     <p:spTree>
@@ -26005,7 +26839,7 @@
 </p:sld>
 </file>
 
-<file path=ppt/slides/slide47.xml><?xml version="1.0" encoding="utf-8"?>
+<file path=ppt/slides/slide48.xml><?xml version="1.0" encoding="utf-8"?>
 <p:sld xmlns:a="http://schemas.openxmlformats.org/drawingml/2006/main" xmlns:r="http://schemas.openxmlformats.org/officeDocument/2006/relationships" xmlns:p="http://schemas.openxmlformats.org/presentationml/2006/main">
   <p:cSld>
     <p:spTree>
@@ -26221,7 +27055,7 @@
 </p:sld>
 </file>
 
-<file path=ppt/slides/slide48.xml><?xml version="1.0" encoding="utf-8"?>
+<file path=ppt/slides/slide49.xml><?xml version="1.0" encoding="utf-8"?>
 <p:sld xmlns:a="http://schemas.openxmlformats.org/drawingml/2006/main" xmlns:r="http://schemas.openxmlformats.org/officeDocument/2006/relationships" xmlns:p="http://schemas.openxmlformats.org/presentationml/2006/main">
   <p:cSld>
     <p:spTree>
@@ -26380,7 +27214,403 @@
 </p:sld>
 </file>
 
-<file path=ppt/slides/slide49.xml><?xml version="1.0" encoding="utf-8"?>
+<file path=ppt/slides/slide5.xml><?xml version="1.0" encoding="utf-8"?>
+<p:sld xmlns:a="http://schemas.openxmlformats.org/drawingml/2006/main" xmlns:r="http://schemas.openxmlformats.org/officeDocument/2006/relationships" xmlns:p="http://schemas.openxmlformats.org/presentationml/2006/main">
+  <p:cSld>
+    <p:spTree>
+      <p:nvGrpSpPr>
+        <p:cNvPr id="1" name=""/>
+        <p:cNvGrpSpPr/>
+        <p:nvPr/>
+      </p:nvGrpSpPr>
+      <p:grpSpPr>
+        <a:xfrm>
+          <a:off x="0" y="0"/>
+          <a:ext cx="0" cy="0"/>
+          <a:chOff x="0" y="0"/>
+          <a:chExt cx="0" cy="0"/>
+        </a:xfrm>
+      </p:grpSpPr>
+      <p:sp>
+        <p:nvSpPr>
+          <p:cNvPr id="58370" name="AutoShape 2" descr="One-to-one entity relationship diagram"/>
+          <p:cNvSpPr>
+            <a:spLocks noChangeAspect="1" noChangeArrowheads="1"/>
+          </p:cNvSpPr>
+          <p:nvPr/>
+        </p:nvSpPr>
+        <p:spPr bwMode="auto">
+          <a:xfrm>
+            <a:off x="1679575" y="-144463"/>
+            <a:ext cx="304800" cy="304801"/>
+          </a:xfrm>
+          <a:prstGeom prst="rect">
+            <a:avLst/>
+          </a:prstGeom>
+          <a:noFill/>
+        </p:spPr>
+        <p:txBody>
+          <a:bodyPr vert="horz" wrap="square" lIns="91440" tIns="45720" rIns="91440" bIns="45720" numCol="1" anchor="t" anchorCtr="0" compatLnSpc="1">
+            <a:prstTxWarp prst="textNoShape">
+              <a:avLst/>
+            </a:prstTxWarp>
+          </a:bodyPr>
+          <a:lstStyle/>
+          <a:p>
+            <a:endParaRPr lang="en-US" dirty="0">
+              <a:latin typeface="Arial" pitchFamily="34" charset="0"/>
+              <a:cs typeface="Arial" pitchFamily="34" charset="0"/>
+            </a:endParaRPr>
+          </a:p>
+        </p:txBody>
+      </p:sp>
+      <p:sp>
+        <p:nvSpPr>
+          <p:cNvPr id="58372" name="AutoShape 4" descr="One-to-one entity relationship diagram"/>
+          <p:cNvSpPr>
+            <a:spLocks noChangeAspect="1" noChangeArrowheads="1"/>
+          </p:cNvSpPr>
+          <p:nvPr/>
+        </p:nvSpPr>
+        <p:spPr bwMode="auto">
+          <a:xfrm>
+            <a:off x="1679575" y="-144463"/>
+            <a:ext cx="304800" cy="304801"/>
+          </a:xfrm>
+          <a:prstGeom prst="rect">
+            <a:avLst/>
+          </a:prstGeom>
+          <a:noFill/>
+        </p:spPr>
+        <p:txBody>
+          <a:bodyPr vert="horz" wrap="square" lIns="91440" tIns="45720" rIns="91440" bIns="45720" numCol="1" anchor="t" anchorCtr="0" compatLnSpc="1">
+            <a:prstTxWarp prst="textNoShape">
+              <a:avLst/>
+            </a:prstTxWarp>
+          </a:bodyPr>
+          <a:lstStyle/>
+          <a:p>
+            <a:endParaRPr lang="en-US" dirty="0">
+              <a:latin typeface="Arial" pitchFamily="34" charset="0"/>
+              <a:cs typeface="Arial" pitchFamily="34" charset="0"/>
+            </a:endParaRPr>
+          </a:p>
+        </p:txBody>
+      </p:sp>
+      <p:sp>
+        <p:nvSpPr>
+          <p:cNvPr id="8" name="CustomShape 6">
+            <a:extLst>
+              <a:ext uri="{FF2B5EF4-FFF2-40B4-BE49-F238E27FC236}">
+                <a16:creationId xmlns:a16="http://schemas.microsoft.com/office/drawing/2014/main" id="{D8952F57-BFAB-4656-8E7F-3105CA98AD8B}"/>
+              </a:ext>
+            </a:extLst>
+          </p:cNvPr>
+          <p:cNvSpPr/>
+          <p:nvPr/>
+        </p:nvSpPr>
+        <p:spPr>
+          <a:xfrm>
+            <a:off x="246600" y="0"/>
+            <a:ext cx="11693880" cy="706432"/>
+          </a:xfrm>
+          <a:prstGeom prst="rect">
+            <a:avLst/>
+          </a:prstGeom>
+          <a:solidFill>
+            <a:srgbClr val="C00000"/>
+          </a:solidFill>
+          <a:ln>
+            <a:noFill/>
+          </a:ln>
+        </p:spPr>
+        <p:style>
+          <a:lnRef idx="0">
+            <a:scrgbClr r="0" g="0" b="0"/>
+          </a:lnRef>
+          <a:fillRef idx="0">
+            <a:scrgbClr r="0" g="0" b="0"/>
+          </a:fillRef>
+          <a:effectRef idx="0">
+            <a:scrgbClr r="0" g="0" b="0"/>
+          </a:effectRef>
+          <a:fontRef idx="minor"/>
+        </p:style>
+        <p:txBody>
+          <a:bodyPr lIns="90000" tIns="45000" rIns="90000" bIns="45000">
+            <a:spAutoFit/>
+          </a:bodyPr>
+          <a:lstStyle/>
+          <a:p>
+            <a:pPr algn="ctr"/>
+            <a:r>
+              <a:rPr lang="en-IN" sz="4000" spc="-1" dirty="0">
+                <a:solidFill>
+                  <a:srgbClr val="F7C120"/>
+                </a:solidFill>
+                <a:latin typeface="Open Sans"/>
+              </a:rPr>
+              <a:t>comments in cassandra</a:t>
+            </a:r>
+          </a:p>
+        </p:txBody>
+      </p:sp>
+      <p:sp>
+        <p:nvSpPr>
+          <p:cNvPr id="9" name="TextBox 8">
+            <a:extLst>
+              <a:ext uri="{FF2B5EF4-FFF2-40B4-BE49-F238E27FC236}">
+                <a16:creationId xmlns:a16="http://schemas.microsoft.com/office/drawing/2014/main" id="{C72205C8-5D21-4BF1-A2BB-0A37EFBCB337}"/>
+              </a:ext>
+            </a:extLst>
+          </p:cNvPr>
+          <p:cNvSpPr txBox="1"/>
+          <p:nvPr/>
+        </p:nvSpPr>
+        <p:spPr>
+          <a:xfrm>
+            <a:off x="264540" y="1412776"/>
+            <a:ext cx="11675939" cy="2308324"/>
+          </a:xfrm>
+          <a:prstGeom prst="rect">
+            <a:avLst/>
+          </a:prstGeom>
+          <a:noFill/>
+        </p:spPr>
+        <p:txBody>
+          <a:bodyPr wrap="square">
+            <a:spAutoFit/>
+          </a:bodyPr>
+          <a:lstStyle/>
+          <a:p>
+            <a:pPr marL="285750" indent="-285750">
+              <a:buFont typeface="Arial" panose="020B0604020202020204" pitchFamily="34" charset="0"/>
+              <a:buChar char="•"/>
+            </a:pPr>
+            <a:r>
+              <a:rPr lang="en-IN" dirty="0">
+                <a:solidFill>
+                  <a:srgbClr val="0070C0"/>
+                </a:solidFill>
+                <a:latin typeface="Consolas" panose="020B0609020204030204" pitchFamily="49" charset="0"/>
+              </a:rPr>
+              <a:t>SELECT</a:t>
+            </a:r>
+            <a:r>
+              <a:rPr lang="en-IN" dirty="0">
+                <a:latin typeface="Consolas" panose="020B0609020204030204" pitchFamily="49" charset="0"/>
+              </a:rPr>
+              <a:t> * </a:t>
+            </a:r>
+            <a:r>
+              <a:rPr lang="en-IN" dirty="0">
+                <a:solidFill>
+                  <a:srgbClr val="0070C0"/>
+                </a:solidFill>
+                <a:latin typeface="Consolas" panose="020B0609020204030204" pitchFamily="49" charset="0"/>
+              </a:rPr>
+              <a:t>FROM</a:t>
+            </a:r>
+            <a:r>
+              <a:rPr lang="en-IN" dirty="0">
+                <a:latin typeface="Consolas" panose="020B0609020204030204" pitchFamily="49" charset="0"/>
+              </a:rPr>
+              <a:t> emp; </a:t>
+            </a:r>
+            <a:r>
+              <a:rPr lang="en-IN" b="1" dirty="0">
+                <a:solidFill>
+                  <a:srgbClr val="329909"/>
+                </a:solidFill>
+                <a:latin typeface="Consolas" panose="020B0609020204030204" pitchFamily="49" charset="0"/>
+              </a:rPr>
+              <a:t>--</a:t>
+            </a:r>
+            <a:r>
+              <a:rPr lang="en-IN" dirty="0">
+                <a:solidFill>
+                  <a:srgbClr val="329909"/>
+                </a:solidFill>
+                <a:latin typeface="Consolas" panose="020B0609020204030204" pitchFamily="49" charset="0"/>
+              </a:rPr>
+              <a:t> End of line comment</a:t>
+            </a:r>
+          </a:p>
+          <a:p>
+            <a:pPr marL="285750" indent="-285750">
+              <a:buFont typeface="Arial" panose="020B0604020202020204" pitchFamily="34" charset="0"/>
+              <a:buChar char="•"/>
+            </a:pPr>
+            <a:endParaRPr lang="en-IN" dirty="0">
+              <a:latin typeface="Consolas" panose="020B0609020204030204" pitchFamily="49" charset="0"/>
+            </a:endParaRPr>
+          </a:p>
+          <a:p>
+            <a:pPr marL="285750" indent="-285750">
+              <a:buFont typeface="Arial" panose="020B0604020202020204" pitchFamily="34" charset="0"/>
+              <a:buChar char="•"/>
+            </a:pPr>
+            <a:r>
+              <a:rPr lang="en-IN" dirty="0">
+                <a:solidFill>
+                  <a:srgbClr val="0070C0"/>
+                </a:solidFill>
+                <a:latin typeface="Consolas" panose="020B0609020204030204" pitchFamily="49" charset="0"/>
+              </a:rPr>
+              <a:t>SELECT</a:t>
+            </a:r>
+            <a:r>
+              <a:rPr lang="en-IN" dirty="0">
+                <a:latin typeface="Consolas" panose="020B0609020204030204" pitchFamily="49" charset="0"/>
+              </a:rPr>
+              <a:t> * </a:t>
+            </a:r>
+            <a:r>
+              <a:rPr lang="en-IN" dirty="0">
+                <a:solidFill>
+                  <a:srgbClr val="0070C0"/>
+                </a:solidFill>
+                <a:latin typeface="Consolas" panose="020B0609020204030204" pitchFamily="49" charset="0"/>
+              </a:rPr>
+              <a:t>FROM</a:t>
+            </a:r>
+            <a:r>
+              <a:rPr lang="en-IN" dirty="0">
+                <a:latin typeface="Consolas" panose="020B0609020204030204" pitchFamily="49" charset="0"/>
+              </a:rPr>
+              <a:t> emp; </a:t>
+            </a:r>
+            <a:r>
+              <a:rPr lang="en-IN" b="1" dirty="0">
+                <a:solidFill>
+                  <a:srgbClr val="329909"/>
+                </a:solidFill>
+                <a:latin typeface="Consolas" panose="020B0609020204030204" pitchFamily="49" charset="0"/>
+              </a:rPr>
+              <a:t>//</a:t>
+            </a:r>
+            <a:r>
+              <a:rPr lang="en-IN" dirty="0">
+                <a:solidFill>
+                  <a:srgbClr val="329909"/>
+                </a:solidFill>
+                <a:latin typeface="Consolas" panose="020B0609020204030204" pitchFamily="49" charset="0"/>
+              </a:rPr>
+              <a:t> End of line comment</a:t>
+            </a:r>
+          </a:p>
+          <a:p>
+            <a:pPr marL="285750" indent="-285750">
+              <a:buFont typeface="Arial" panose="020B0604020202020204" pitchFamily="34" charset="0"/>
+              <a:buChar char="•"/>
+            </a:pPr>
+            <a:endParaRPr lang="en-IN" dirty="0">
+              <a:latin typeface="Consolas" panose="020B0609020204030204" pitchFamily="49" charset="0"/>
+            </a:endParaRPr>
+          </a:p>
+          <a:p>
+            <a:r>
+              <a:rPr lang="en-IN" b="1" dirty="0">
+                <a:solidFill>
+                  <a:srgbClr val="329909"/>
+                </a:solidFill>
+                <a:latin typeface="Consolas" panose="020B0609020204030204" pitchFamily="49" charset="0"/>
+              </a:rPr>
+              <a:t>/*</a:t>
+            </a:r>
+            <a:r>
+              <a:rPr lang="en-IN" dirty="0">
+                <a:solidFill>
+                  <a:srgbClr val="329909"/>
+                </a:solidFill>
+                <a:latin typeface="Consolas" panose="020B0609020204030204" pitchFamily="49" charset="0"/>
+              </a:rPr>
+              <a:t> This is the first line of </a:t>
+            </a:r>
+          </a:p>
+          <a:p>
+            <a:r>
+              <a:rPr lang="en-IN" dirty="0">
+                <a:solidFill>
+                  <a:srgbClr val="329909"/>
+                </a:solidFill>
+                <a:latin typeface="Consolas" panose="020B0609020204030204" pitchFamily="49" charset="0"/>
+              </a:rPr>
+              <a:t>   of a comment that spans multiple</a:t>
+            </a:r>
+          </a:p>
+          <a:p>
+            <a:r>
+              <a:rPr lang="en-IN" dirty="0">
+                <a:solidFill>
+                  <a:srgbClr val="329909"/>
+                </a:solidFill>
+                <a:latin typeface="Consolas" panose="020B0609020204030204" pitchFamily="49" charset="0"/>
+              </a:rPr>
+              <a:t>   lines </a:t>
+            </a:r>
+            <a:r>
+              <a:rPr lang="en-IN" b="1" dirty="0">
+                <a:solidFill>
+                  <a:srgbClr val="329909"/>
+                </a:solidFill>
+                <a:latin typeface="Consolas" panose="020B0609020204030204" pitchFamily="49" charset="0"/>
+              </a:rPr>
+              <a:t>*/</a:t>
+            </a:r>
+          </a:p>
+          <a:p>
+            <a:pPr marL="285750" indent="-285750">
+              <a:buFont typeface="Arial" panose="020B0604020202020204" pitchFamily="34" charset="0"/>
+              <a:buChar char="•"/>
+            </a:pPr>
+            <a:r>
+              <a:rPr lang="en-IN" dirty="0">
+                <a:solidFill>
+                  <a:srgbClr val="0070C0"/>
+                </a:solidFill>
+                <a:latin typeface="Consolas" panose="020B0609020204030204" pitchFamily="49" charset="0"/>
+              </a:rPr>
+              <a:t>SELECT</a:t>
+            </a:r>
+            <a:r>
+              <a:rPr lang="en-IN" dirty="0">
+                <a:latin typeface="Consolas" panose="020B0609020204030204" pitchFamily="49" charset="0"/>
+              </a:rPr>
+              <a:t> * </a:t>
+            </a:r>
+            <a:r>
+              <a:rPr lang="en-IN" dirty="0">
+                <a:solidFill>
+                  <a:srgbClr val="0070C0"/>
+                </a:solidFill>
+                <a:latin typeface="Consolas" panose="020B0609020204030204" pitchFamily="49" charset="0"/>
+              </a:rPr>
+              <a:t>FROM</a:t>
+            </a:r>
+            <a:r>
+              <a:rPr lang="en-IN" dirty="0">
+                <a:latin typeface="Consolas" panose="020B0609020204030204" pitchFamily="49" charset="0"/>
+              </a:rPr>
+              <a:t> emp;</a:t>
+            </a:r>
+          </a:p>
+        </p:txBody>
+      </p:sp>
+    </p:spTree>
+    <p:extLst>
+      <p:ext uri="{BB962C8B-B14F-4D97-AF65-F5344CB8AC3E}">
+        <p14:creationId xmlns:p14="http://schemas.microsoft.com/office/powerpoint/2010/main" val="56203016"/>
+      </p:ext>
+    </p:extLst>
+  </p:cSld>
+  <p:clrMapOvr>
+    <a:masterClrMapping/>
+  </p:clrMapOvr>
+</p:sld>
+</file>
+
+<file path=ppt/slides/slide50.xml><?xml version="1.0" encoding="utf-8"?>
 <p:sld xmlns:a="http://schemas.openxmlformats.org/drawingml/2006/main" xmlns:r="http://schemas.openxmlformats.org/officeDocument/2006/relationships" xmlns:p="http://schemas.openxmlformats.org/presentationml/2006/main">
   <p:cSld>
     <p:spTree>
@@ -26876,403 +28106,7 @@
 </p:sld>
 </file>
 
-<file path=ppt/slides/slide5.xml><?xml version="1.0" encoding="utf-8"?>
-<p:sld xmlns:a="http://schemas.openxmlformats.org/drawingml/2006/main" xmlns:r="http://schemas.openxmlformats.org/officeDocument/2006/relationships" xmlns:p="http://schemas.openxmlformats.org/presentationml/2006/main">
-  <p:cSld>
-    <p:spTree>
-      <p:nvGrpSpPr>
-        <p:cNvPr id="1" name=""/>
-        <p:cNvGrpSpPr/>
-        <p:nvPr/>
-      </p:nvGrpSpPr>
-      <p:grpSpPr>
-        <a:xfrm>
-          <a:off x="0" y="0"/>
-          <a:ext cx="0" cy="0"/>
-          <a:chOff x="0" y="0"/>
-          <a:chExt cx="0" cy="0"/>
-        </a:xfrm>
-      </p:grpSpPr>
-      <p:sp>
-        <p:nvSpPr>
-          <p:cNvPr id="58370" name="AutoShape 2" descr="One-to-one entity relationship diagram"/>
-          <p:cNvSpPr>
-            <a:spLocks noChangeAspect="1" noChangeArrowheads="1"/>
-          </p:cNvSpPr>
-          <p:nvPr/>
-        </p:nvSpPr>
-        <p:spPr bwMode="auto">
-          <a:xfrm>
-            <a:off x="1679575" y="-144463"/>
-            <a:ext cx="304800" cy="304801"/>
-          </a:xfrm>
-          <a:prstGeom prst="rect">
-            <a:avLst/>
-          </a:prstGeom>
-          <a:noFill/>
-        </p:spPr>
-        <p:txBody>
-          <a:bodyPr vert="horz" wrap="square" lIns="91440" tIns="45720" rIns="91440" bIns="45720" numCol="1" anchor="t" anchorCtr="0" compatLnSpc="1">
-            <a:prstTxWarp prst="textNoShape">
-              <a:avLst/>
-            </a:prstTxWarp>
-          </a:bodyPr>
-          <a:lstStyle/>
-          <a:p>
-            <a:endParaRPr lang="en-US" dirty="0">
-              <a:latin typeface="Arial" pitchFamily="34" charset="0"/>
-              <a:cs typeface="Arial" pitchFamily="34" charset="0"/>
-            </a:endParaRPr>
-          </a:p>
-        </p:txBody>
-      </p:sp>
-      <p:sp>
-        <p:nvSpPr>
-          <p:cNvPr id="58372" name="AutoShape 4" descr="One-to-one entity relationship diagram"/>
-          <p:cNvSpPr>
-            <a:spLocks noChangeAspect="1" noChangeArrowheads="1"/>
-          </p:cNvSpPr>
-          <p:nvPr/>
-        </p:nvSpPr>
-        <p:spPr bwMode="auto">
-          <a:xfrm>
-            <a:off x="1679575" y="-144463"/>
-            <a:ext cx="304800" cy="304801"/>
-          </a:xfrm>
-          <a:prstGeom prst="rect">
-            <a:avLst/>
-          </a:prstGeom>
-          <a:noFill/>
-        </p:spPr>
-        <p:txBody>
-          <a:bodyPr vert="horz" wrap="square" lIns="91440" tIns="45720" rIns="91440" bIns="45720" numCol="1" anchor="t" anchorCtr="0" compatLnSpc="1">
-            <a:prstTxWarp prst="textNoShape">
-              <a:avLst/>
-            </a:prstTxWarp>
-          </a:bodyPr>
-          <a:lstStyle/>
-          <a:p>
-            <a:endParaRPr lang="en-US" dirty="0">
-              <a:latin typeface="Arial" pitchFamily="34" charset="0"/>
-              <a:cs typeface="Arial" pitchFamily="34" charset="0"/>
-            </a:endParaRPr>
-          </a:p>
-        </p:txBody>
-      </p:sp>
-      <p:sp>
-        <p:nvSpPr>
-          <p:cNvPr id="8" name="CustomShape 6">
-            <a:extLst>
-              <a:ext uri="{FF2B5EF4-FFF2-40B4-BE49-F238E27FC236}">
-                <a16:creationId xmlns:a16="http://schemas.microsoft.com/office/drawing/2014/main" id="{D8952F57-BFAB-4656-8E7F-3105CA98AD8B}"/>
-              </a:ext>
-            </a:extLst>
-          </p:cNvPr>
-          <p:cNvSpPr/>
-          <p:nvPr/>
-        </p:nvSpPr>
-        <p:spPr>
-          <a:xfrm>
-            <a:off x="246600" y="0"/>
-            <a:ext cx="11693880" cy="706432"/>
-          </a:xfrm>
-          <a:prstGeom prst="rect">
-            <a:avLst/>
-          </a:prstGeom>
-          <a:solidFill>
-            <a:srgbClr val="C00000"/>
-          </a:solidFill>
-          <a:ln>
-            <a:noFill/>
-          </a:ln>
-        </p:spPr>
-        <p:style>
-          <a:lnRef idx="0">
-            <a:scrgbClr r="0" g="0" b="0"/>
-          </a:lnRef>
-          <a:fillRef idx="0">
-            <a:scrgbClr r="0" g="0" b="0"/>
-          </a:fillRef>
-          <a:effectRef idx="0">
-            <a:scrgbClr r="0" g="0" b="0"/>
-          </a:effectRef>
-          <a:fontRef idx="minor"/>
-        </p:style>
-        <p:txBody>
-          <a:bodyPr lIns="90000" tIns="45000" rIns="90000" bIns="45000">
-            <a:spAutoFit/>
-          </a:bodyPr>
-          <a:lstStyle/>
-          <a:p>
-            <a:pPr algn="ctr"/>
-            <a:r>
-              <a:rPr lang="en-IN" sz="4000" spc="-1" dirty="0">
-                <a:solidFill>
-                  <a:srgbClr val="F7C120"/>
-                </a:solidFill>
-                <a:latin typeface="Open Sans"/>
-              </a:rPr>
-              <a:t>comments in cassandra</a:t>
-            </a:r>
-          </a:p>
-        </p:txBody>
-      </p:sp>
-      <p:sp>
-        <p:nvSpPr>
-          <p:cNvPr id="9" name="TextBox 8">
-            <a:extLst>
-              <a:ext uri="{FF2B5EF4-FFF2-40B4-BE49-F238E27FC236}">
-                <a16:creationId xmlns:a16="http://schemas.microsoft.com/office/drawing/2014/main" id="{C72205C8-5D21-4BF1-A2BB-0A37EFBCB337}"/>
-              </a:ext>
-            </a:extLst>
-          </p:cNvPr>
-          <p:cNvSpPr txBox="1"/>
-          <p:nvPr/>
-        </p:nvSpPr>
-        <p:spPr>
-          <a:xfrm>
-            <a:off x="264540" y="1412776"/>
-            <a:ext cx="11675939" cy="2308324"/>
-          </a:xfrm>
-          <a:prstGeom prst="rect">
-            <a:avLst/>
-          </a:prstGeom>
-          <a:noFill/>
-        </p:spPr>
-        <p:txBody>
-          <a:bodyPr wrap="square">
-            <a:spAutoFit/>
-          </a:bodyPr>
-          <a:lstStyle/>
-          <a:p>
-            <a:pPr marL="285750" indent="-285750">
-              <a:buFont typeface="Arial" panose="020B0604020202020204" pitchFamily="34" charset="0"/>
-              <a:buChar char="•"/>
-            </a:pPr>
-            <a:r>
-              <a:rPr lang="en-IN" dirty="0">
-                <a:solidFill>
-                  <a:srgbClr val="0070C0"/>
-                </a:solidFill>
-                <a:latin typeface="Consolas" panose="020B0609020204030204" pitchFamily="49" charset="0"/>
-              </a:rPr>
-              <a:t>SELECT</a:t>
-            </a:r>
-            <a:r>
-              <a:rPr lang="en-IN" dirty="0">
-                <a:latin typeface="Consolas" panose="020B0609020204030204" pitchFamily="49" charset="0"/>
-              </a:rPr>
-              <a:t> * </a:t>
-            </a:r>
-            <a:r>
-              <a:rPr lang="en-IN" dirty="0">
-                <a:solidFill>
-                  <a:srgbClr val="0070C0"/>
-                </a:solidFill>
-                <a:latin typeface="Consolas" panose="020B0609020204030204" pitchFamily="49" charset="0"/>
-              </a:rPr>
-              <a:t>FROM</a:t>
-            </a:r>
-            <a:r>
-              <a:rPr lang="en-IN" dirty="0">
-                <a:latin typeface="Consolas" panose="020B0609020204030204" pitchFamily="49" charset="0"/>
-              </a:rPr>
-              <a:t> emp; </a:t>
-            </a:r>
-            <a:r>
-              <a:rPr lang="en-IN" b="1" dirty="0">
-                <a:solidFill>
-                  <a:srgbClr val="329909"/>
-                </a:solidFill>
-                <a:latin typeface="Consolas" panose="020B0609020204030204" pitchFamily="49" charset="0"/>
-              </a:rPr>
-              <a:t>--</a:t>
-            </a:r>
-            <a:r>
-              <a:rPr lang="en-IN" dirty="0">
-                <a:solidFill>
-                  <a:srgbClr val="329909"/>
-                </a:solidFill>
-                <a:latin typeface="Consolas" panose="020B0609020204030204" pitchFamily="49" charset="0"/>
-              </a:rPr>
-              <a:t> End of line comment</a:t>
-            </a:r>
-          </a:p>
-          <a:p>
-            <a:pPr marL="285750" indent="-285750">
-              <a:buFont typeface="Arial" panose="020B0604020202020204" pitchFamily="34" charset="0"/>
-              <a:buChar char="•"/>
-            </a:pPr>
-            <a:endParaRPr lang="en-IN" dirty="0">
-              <a:latin typeface="Consolas" panose="020B0609020204030204" pitchFamily="49" charset="0"/>
-            </a:endParaRPr>
-          </a:p>
-          <a:p>
-            <a:pPr marL="285750" indent="-285750">
-              <a:buFont typeface="Arial" panose="020B0604020202020204" pitchFamily="34" charset="0"/>
-              <a:buChar char="•"/>
-            </a:pPr>
-            <a:r>
-              <a:rPr lang="en-IN" dirty="0">
-                <a:solidFill>
-                  <a:srgbClr val="0070C0"/>
-                </a:solidFill>
-                <a:latin typeface="Consolas" panose="020B0609020204030204" pitchFamily="49" charset="0"/>
-              </a:rPr>
-              <a:t>SELECT</a:t>
-            </a:r>
-            <a:r>
-              <a:rPr lang="en-IN" dirty="0">
-                <a:latin typeface="Consolas" panose="020B0609020204030204" pitchFamily="49" charset="0"/>
-              </a:rPr>
-              <a:t> * </a:t>
-            </a:r>
-            <a:r>
-              <a:rPr lang="en-IN" dirty="0">
-                <a:solidFill>
-                  <a:srgbClr val="0070C0"/>
-                </a:solidFill>
-                <a:latin typeface="Consolas" panose="020B0609020204030204" pitchFamily="49" charset="0"/>
-              </a:rPr>
-              <a:t>FROM</a:t>
-            </a:r>
-            <a:r>
-              <a:rPr lang="en-IN" dirty="0">
-                <a:latin typeface="Consolas" panose="020B0609020204030204" pitchFamily="49" charset="0"/>
-              </a:rPr>
-              <a:t> emp; </a:t>
-            </a:r>
-            <a:r>
-              <a:rPr lang="en-IN" b="1" dirty="0">
-                <a:solidFill>
-                  <a:srgbClr val="329909"/>
-                </a:solidFill>
-                <a:latin typeface="Consolas" panose="020B0609020204030204" pitchFamily="49" charset="0"/>
-              </a:rPr>
-              <a:t>//</a:t>
-            </a:r>
-            <a:r>
-              <a:rPr lang="en-IN" dirty="0">
-                <a:solidFill>
-                  <a:srgbClr val="329909"/>
-                </a:solidFill>
-                <a:latin typeface="Consolas" panose="020B0609020204030204" pitchFamily="49" charset="0"/>
-              </a:rPr>
-              <a:t> End of line comment</a:t>
-            </a:r>
-          </a:p>
-          <a:p>
-            <a:pPr marL="285750" indent="-285750">
-              <a:buFont typeface="Arial" panose="020B0604020202020204" pitchFamily="34" charset="0"/>
-              <a:buChar char="•"/>
-            </a:pPr>
-            <a:endParaRPr lang="en-IN" dirty="0">
-              <a:latin typeface="Consolas" panose="020B0609020204030204" pitchFamily="49" charset="0"/>
-            </a:endParaRPr>
-          </a:p>
-          <a:p>
-            <a:r>
-              <a:rPr lang="en-IN" b="1" dirty="0">
-                <a:solidFill>
-                  <a:srgbClr val="329909"/>
-                </a:solidFill>
-                <a:latin typeface="Consolas" panose="020B0609020204030204" pitchFamily="49" charset="0"/>
-              </a:rPr>
-              <a:t>/*</a:t>
-            </a:r>
-            <a:r>
-              <a:rPr lang="en-IN" dirty="0">
-                <a:solidFill>
-                  <a:srgbClr val="329909"/>
-                </a:solidFill>
-                <a:latin typeface="Consolas" panose="020B0609020204030204" pitchFamily="49" charset="0"/>
-              </a:rPr>
-              <a:t> This is the first line of </a:t>
-            </a:r>
-          </a:p>
-          <a:p>
-            <a:r>
-              <a:rPr lang="en-IN" dirty="0">
-                <a:solidFill>
-                  <a:srgbClr val="329909"/>
-                </a:solidFill>
-                <a:latin typeface="Consolas" panose="020B0609020204030204" pitchFamily="49" charset="0"/>
-              </a:rPr>
-              <a:t>   of a comment that spans multiple</a:t>
-            </a:r>
-          </a:p>
-          <a:p>
-            <a:r>
-              <a:rPr lang="en-IN" dirty="0">
-                <a:solidFill>
-                  <a:srgbClr val="329909"/>
-                </a:solidFill>
-                <a:latin typeface="Consolas" panose="020B0609020204030204" pitchFamily="49" charset="0"/>
-              </a:rPr>
-              <a:t>   lines </a:t>
-            </a:r>
-            <a:r>
-              <a:rPr lang="en-IN" b="1" dirty="0">
-                <a:solidFill>
-                  <a:srgbClr val="329909"/>
-                </a:solidFill>
-                <a:latin typeface="Consolas" panose="020B0609020204030204" pitchFamily="49" charset="0"/>
-              </a:rPr>
-              <a:t>*/</a:t>
-            </a:r>
-          </a:p>
-          <a:p>
-            <a:pPr marL="285750" indent="-285750">
-              <a:buFont typeface="Arial" panose="020B0604020202020204" pitchFamily="34" charset="0"/>
-              <a:buChar char="•"/>
-            </a:pPr>
-            <a:r>
-              <a:rPr lang="en-IN" dirty="0">
-                <a:solidFill>
-                  <a:srgbClr val="0070C0"/>
-                </a:solidFill>
-                <a:latin typeface="Consolas" panose="020B0609020204030204" pitchFamily="49" charset="0"/>
-              </a:rPr>
-              <a:t>SELECT</a:t>
-            </a:r>
-            <a:r>
-              <a:rPr lang="en-IN" dirty="0">
-                <a:latin typeface="Consolas" panose="020B0609020204030204" pitchFamily="49" charset="0"/>
-              </a:rPr>
-              <a:t> * </a:t>
-            </a:r>
-            <a:r>
-              <a:rPr lang="en-IN" dirty="0">
-                <a:solidFill>
-                  <a:srgbClr val="0070C0"/>
-                </a:solidFill>
-                <a:latin typeface="Consolas" panose="020B0609020204030204" pitchFamily="49" charset="0"/>
-              </a:rPr>
-              <a:t>FROM</a:t>
-            </a:r>
-            <a:r>
-              <a:rPr lang="en-IN" dirty="0">
-                <a:latin typeface="Consolas" panose="020B0609020204030204" pitchFamily="49" charset="0"/>
-              </a:rPr>
-              <a:t> emp;</a:t>
-            </a:r>
-          </a:p>
-        </p:txBody>
-      </p:sp>
-    </p:spTree>
-    <p:extLst>
-      <p:ext uri="{BB962C8B-B14F-4D97-AF65-F5344CB8AC3E}">
-        <p14:creationId xmlns:p14="http://schemas.microsoft.com/office/powerpoint/2010/main" val="56203016"/>
-      </p:ext>
-    </p:extLst>
-  </p:cSld>
-  <p:clrMapOvr>
-    <a:masterClrMapping/>
-  </p:clrMapOvr>
-</p:sld>
-</file>
-
-<file path=ppt/slides/slide50.xml><?xml version="1.0" encoding="utf-8"?>
+<file path=ppt/slides/slide51.xml><?xml version="1.0" encoding="utf-8"?>
 <p:sld xmlns:a="http://schemas.openxmlformats.org/drawingml/2006/main" xmlns:r="http://schemas.openxmlformats.org/officeDocument/2006/relationships" xmlns:p="http://schemas.openxmlformats.org/presentationml/2006/main">
   <p:cSld>
     <p:spTree>
@@ -27431,7 +28265,7 @@
 </p:sld>
 </file>
 
-<file path=ppt/slides/slide51.xml><?xml version="1.0" encoding="utf-8"?>
+<file path=ppt/slides/slide52.xml><?xml version="1.0" encoding="utf-8"?>
 <p:sld xmlns:a="http://schemas.openxmlformats.org/drawingml/2006/main" xmlns:r="http://schemas.openxmlformats.org/officeDocument/2006/relationships" xmlns:p="http://schemas.openxmlformats.org/presentationml/2006/main">
   <p:cSld>
     <p:spTree>
@@ -27891,7 +28725,7 @@
 </p:sld>
 </file>
 
-<file path=ppt/slides/slide52.xml><?xml version="1.0" encoding="utf-8"?>
+<file path=ppt/slides/slide53.xml><?xml version="1.0" encoding="utf-8"?>
 <p:sld xmlns:a="http://schemas.openxmlformats.org/drawingml/2006/main" xmlns:r="http://schemas.openxmlformats.org/officeDocument/2006/relationships" xmlns:p="http://schemas.openxmlformats.org/presentationml/2006/main">
   <p:cSld>
     <p:spTree>
@@ -28289,7 +29123,7 @@
 </p:sld>
 </file>
 
-<file path=ppt/slides/slide53.xml><?xml version="1.0" encoding="utf-8"?>
+<file path=ppt/slides/slide54.xml><?xml version="1.0" encoding="utf-8"?>
 <p:sld xmlns:a="http://schemas.openxmlformats.org/drawingml/2006/main" xmlns:r="http://schemas.openxmlformats.org/officeDocument/2006/relationships" xmlns:p="http://schemas.openxmlformats.org/presentationml/2006/main">
   <p:cSld>
     <p:spTree>
@@ -28438,7 +29272,7 @@
 </p:sld>
 </file>
 
-<file path=ppt/slides/slide54.xml><?xml version="1.0" encoding="utf-8"?>
+<file path=ppt/slides/slide55.xml><?xml version="1.0" encoding="utf-8"?>
 <p:sld xmlns:a="http://schemas.openxmlformats.org/drawingml/2006/main" xmlns:r="http://schemas.openxmlformats.org/officeDocument/2006/relationships" xmlns:p="http://schemas.openxmlformats.org/presentationml/2006/main">
   <p:cSld>
     <p:spTree>
@@ -28837,7 +29671,7 @@
 </p:sld>
 </file>
 
-<file path=ppt/slides/slide55.xml><?xml version="1.0" encoding="utf-8"?>
+<file path=ppt/slides/slide56.xml><?xml version="1.0" encoding="utf-8"?>
 <p:sld xmlns:a="http://schemas.openxmlformats.org/drawingml/2006/main" xmlns:r="http://schemas.openxmlformats.org/officeDocument/2006/relationships" xmlns:p="http://schemas.openxmlformats.org/presentationml/2006/main">
   <p:cSld>
     <p:spTree>
@@ -29003,7 +29837,7 @@
 </p:sld>
 </file>
 
-<file path=ppt/slides/slide56.xml><?xml version="1.0" encoding="utf-8"?>
+<file path=ppt/slides/slide57.xml><?xml version="1.0" encoding="utf-8"?>
 <p:sld xmlns:a="http://schemas.openxmlformats.org/drawingml/2006/main" xmlns:r="http://schemas.openxmlformats.org/officeDocument/2006/relationships" xmlns:p="http://schemas.openxmlformats.org/presentationml/2006/main">
   <p:cSld>
     <p:spTree>
@@ -29432,7 +30266,7 @@
 </p:sld>
 </file>
 
-<file path=ppt/slides/slide57.xml><?xml version="1.0" encoding="utf-8"?>
+<file path=ppt/slides/slide58.xml><?xml version="1.0" encoding="utf-8"?>
 <p:sld xmlns:a="http://schemas.openxmlformats.org/drawingml/2006/main" xmlns:r="http://schemas.openxmlformats.org/officeDocument/2006/relationships" xmlns:p="http://schemas.openxmlformats.org/presentationml/2006/main">
   <p:cSld>
     <p:spTree>
@@ -29581,7 +30415,7 @@
 </p:sld>
 </file>
 
-<file path=ppt/slides/slide58.xml><?xml version="1.0" encoding="utf-8"?>
+<file path=ppt/slides/slide59.xml><?xml version="1.0" encoding="utf-8"?>
 <p:sld xmlns:a="http://schemas.openxmlformats.org/drawingml/2006/main" xmlns:r="http://schemas.openxmlformats.org/officeDocument/2006/relationships" xmlns:p="http://schemas.openxmlformats.org/presentationml/2006/main">
   <p:cSld>
     <p:spTree>
@@ -30359,152 +31193,6 @@
 </p:sld>
 </file>
 
-<file path=ppt/slides/slide59.xml><?xml version="1.0" encoding="utf-8"?>
-<p:sld xmlns:a="http://schemas.openxmlformats.org/drawingml/2006/main" xmlns:r="http://schemas.openxmlformats.org/officeDocument/2006/relationships" xmlns:p="http://schemas.openxmlformats.org/presentationml/2006/main">
-  <p:cSld>
-    <p:spTree>
-      <p:nvGrpSpPr>
-        <p:cNvPr id="1" name=""/>
-        <p:cNvGrpSpPr/>
-        <p:nvPr/>
-      </p:nvGrpSpPr>
-      <p:grpSpPr>
-        <a:xfrm>
-          <a:off x="0" y="0"/>
-          <a:ext cx="0" cy="0"/>
-          <a:chOff x="0" y="0"/>
-          <a:chExt cx="0" cy="0"/>
-        </a:xfrm>
-      </p:grpSpPr>
-      <p:sp>
-        <p:nvSpPr>
-          <p:cNvPr id="462" name="CustomShape 1"/>
-          <p:cNvSpPr/>
-          <p:nvPr/>
-        </p:nvSpPr>
-        <p:spPr>
-          <a:xfrm>
-            <a:off x="1365840" y="188640"/>
-            <a:ext cx="9659160" cy="2192400"/>
-          </a:xfrm>
-          <a:prstGeom prst="rect">
-            <a:avLst/>
-          </a:prstGeom>
-          <a:noFill/>
-          <a:ln>
-            <a:noFill/>
-          </a:ln>
-        </p:spPr>
-        <p:style>
-          <a:lnRef idx="0">
-            <a:scrgbClr r="0" g="0" b="0"/>
-          </a:lnRef>
-          <a:fillRef idx="0">
-            <a:scrgbClr r="0" g="0" b="0"/>
-          </a:fillRef>
-          <a:effectRef idx="0">
-            <a:scrgbClr r="0" g="0" b="0"/>
-          </a:effectRef>
-          <a:fontRef idx="minor"/>
-        </p:style>
-        <p:txBody>
-          <a:bodyPr lIns="90000" tIns="45000" rIns="90000" bIns="45000">
-            <a:spAutoFit/>
-          </a:bodyPr>
-          <a:lstStyle/>
-          <a:p>
-            <a:pPr algn="ctr">
-              <a:lnSpc>
-                <a:spcPct val="100000"/>
-              </a:lnSpc>
-            </a:pPr>
-            <a:r>
-              <a:rPr lang="en-IN" sz="4000" b="0" strike="noStrike" spc="-1">
-                <a:solidFill>
-                  <a:srgbClr val="FF5733"/>
-                </a:solidFill>
-                <a:latin typeface="Segoe Print"/>
-                <a:ea typeface="DejaVu Sans"/>
-              </a:rPr>
-              <a:t>“</a:t>
-            </a:r>
-            <a:r>
-              <a:rPr lang="en-US" sz="4000" b="0" strike="noStrike" spc="-1">
-                <a:solidFill>
-                  <a:srgbClr val="FF5733"/>
-                </a:solidFill>
-                <a:latin typeface="Segoe Print"/>
-                <a:ea typeface="DejaVu Sans"/>
-              </a:rPr>
-              <a:t>Accept your past without regret, handle our present with confidence and face your future without fear.</a:t>
-            </a:r>
-            <a:r>
-              <a:rPr lang="en-IN" sz="4000" b="0" strike="noStrike" spc="-1">
-                <a:solidFill>
-                  <a:srgbClr val="FF5733"/>
-                </a:solidFill>
-                <a:latin typeface="Segoe Print"/>
-                <a:ea typeface="DejaVu Sans"/>
-              </a:rPr>
-              <a:t>”</a:t>
-            </a:r>
-            <a:endParaRPr lang="en-IN" sz="4000" b="0" strike="noStrike" spc="-1">
-              <a:latin typeface="Arial"/>
-            </a:endParaRPr>
-          </a:p>
-          <a:p>
-            <a:pPr algn="r">
-              <a:lnSpc>
-                <a:spcPct val="100000"/>
-              </a:lnSpc>
-            </a:pPr>
-            <a:r>
-              <a:rPr lang="en-IN" sz="1800" b="0" strike="noStrike" spc="-1">
-                <a:solidFill>
-                  <a:srgbClr val="111111"/>
-                </a:solidFill>
-                <a:latin typeface="-apple-system"/>
-                <a:ea typeface="DejaVu Sans"/>
-              </a:rPr>
-              <a:t>~ Dr. APJ. Abdul Kalam</a:t>
-            </a:r>
-            <a:endParaRPr lang="en-IN" sz="1800" b="0" strike="noStrike" spc="-1">
-              <a:latin typeface="Arial"/>
-            </a:endParaRPr>
-          </a:p>
-        </p:txBody>
-      </p:sp>
-      <p:pic>
-        <p:nvPicPr>
-          <p:cNvPr id="463" name="Picture 2" descr="http://www.bvctch.vn/vnt_upload/weblink/thks.jpg"/>
-          <p:cNvPicPr/>
-          <p:nvPr/>
-        </p:nvPicPr>
-        <p:blipFill>
-          <a:blip r:embed="rId2"/>
-          <a:stretch/>
-        </p:blipFill>
-        <p:spPr>
-          <a:xfrm>
-            <a:off x="4404600" y="2036160"/>
-            <a:ext cx="3102840" cy="4639680"/>
-          </a:xfrm>
-          <a:prstGeom prst="rect">
-            <a:avLst/>
-          </a:prstGeom>
-          <a:ln>
-            <a:noFill/>
-          </a:ln>
-        </p:spPr>
-      </p:pic>
-    </p:spTree>
-  </p:cSld>
-  <p:clrMapOvr>
-    <a:masterClrMapping/>
-  </p:clrMapOvr>
-</p:sld>
-</file>
-
 <file path=ppt/slides/slide6.xml><?xml version="1.0" encoding="utf-8"?>
 <p:sld xmlns:a="http://schemas.openxmlformats.org/drawingml/2006/main" xmlns:r="http://schemas.openxmlformats.org/officeDocument/2006/relationships" xmlns:p="http://schemas.openxmlformats.org/presentationml/2006/main">
   <p:cSld>
@@ -30650,6 +31338,152 @@
           </a:p>
         </p:txBody>
       </p:sp>
+    </p:spTree>
+  </p:cSld>
+  <p:clrMapOvr>
+    <a:masterClrMapping/>
+  </p:clrMapOvr>
+</p:sld>
+</file>
+
+<file path=ppt/slides/slide60.xml><?xml version="1.0" encoding="utf-8"?>
+<p:sld xmlns:a="http://schemas.openxmlformats.org/drawingml/2006/main" xmlns:r="http://schemas.openxmlformats.org/officeDocument/2006/relationships" xmlns:p="http://schemas.openxmlformats.org/presentationml/2006/main">
+  <p:cSld>
+    <p:spTree>
+      <p:nvGrpSpPr>
+        <p:cNvPr id="1" name=""/>
+        <p:cNvGrpSpPr/>
+        <p:nvPr/>
+      </p:nvGrpSpPr>
+      <p:grpSpPr>
+        <a:xfrm>
+          <a:off x="0" y="0"/>
+          <a:ext cx="0" cy="0"/>
+          <a:chOff x="0" y="0"/>
+          <a:chExt cx="0" cy="0"/>
+        </a:xfrm>
+      </p:grpSpPr>
+      <p:sp>
+        <p:nvSpPr>
+          <p:cNvPr id="462" name="CustomShape 1"/>
+          <p:cNvSpPr/>
+          <p:nvPr/>
+        </p:nvSpPr>
+        <p:spPr>
+          <a:xfrm>
+            <a:off x="1365840" y="188640"/>
+            <a:ext cx="9659160" cy="2192400"/>
+          </a:xfrm>
+          <a:prstGeom prst="rect">
+            <a:avLst/>
+          </a:prstGeom>
+          <a:noFill/>
+          <a:ln>
+            <a:noFill/>
+          </a:ln>
+        </p:spPr>
+        <p:style>
+          <a:lnRef idx="0">
+            <a:scrgbClr r="0" g="0" b="0"/>
+          </a:lnRef>
+          <a:fillRef idx="0">
+            <a:scrgbClr r="0" g="0" b="0"/>
+          </a:fillRef>
+          <a:effectRef idx="0">
+            <a:scrgbClr r="0" g="0" b="0"/>
+          </a:effectRef>
+          <a:fontRef idx="minor"/>
+        </p:style>
+        <p:txBody>
+          <a:bodyPr lIns="90000" tIns="45000" rIns="90000" bIns="45000">
+            <a:spAutoFit/>
+          </a:bodyPr>
+          <a:lstStyle/>
+          <a:p>
+            <a:pPr algn="ctr">
+              <a:lnSpc>
+                <a:spcPct val="100000"/>
+              </a:lnSpc>
+            </a:pPr>
+            <a:r>
+              <a:rPr lang="en-IN" sz="4000" b="0" strike="noStrike" spc="-1">
+                <a:solidFill>
+                  <a:srgbClr val="FF5733"/>
+                </a:solidFill>
+                <a:latin typeface="Segoe Print"/>
+                <a:ea typeface="DejaVu Sans"/>
+              </a:rPr>
+              <a:t>“</a:t>
+            </a:r>
+            <a:r>
+              <a:rPr lang="en-US" sz="4000" b="0" strike="noStrike" spc="-1">
+                <a:solidFill>
+                  <a:srgbClr val="FF5733"/>
+                </a:solidFill>
+                <a:latin typeface="Segoe Print"/>
+                <a:ea typeface="DejaVu Sans"/>
+              </a:rPr>
+              <a:t>Accept your past without regret, handle our present with confidence and face your future without fear.</a:t>
+            </a:r>
+            <a:r>
+              <a:rPr lang="en-IN" sz="4000" b="0" strike="noStrike" spc="-1">
+                <a:solidFill>
+                  <a:srgbClr val="FF5733"/>
+                </a:solidFill>
+                <a:latin typeface="Segoe Print"/>
+                <a:ea typeface="DejaVu Sans"/>
+              </a:rPr>
+              <a:t>”</a:t>
+            </a:r>
+            <a:endParaRPr lang="en-IN" sz="4000" b="0" strike="noStrike" spc="-1">
+              <a:latin typeface="Arial"/>
+            </a:endParaRPr>
+          </a:p>
+          <a:p>
+            <a:pPr algn="r">
+              <a:lnSpc>
+                <a:spcPct val="100000"/>
+              </a:lnSpc>
+            </a:pPr>
+            <a:r>
+              <a:rPr lang="en-IN" sz="1800" b="0" strike="noStrike" spc="-1">
+                <a:solidFill>
+                  <a:srgbClr val="111111"/>
+                </a:solidFill>
+                <a:latin typeface="-apple-system"/>
+                <a:ea typeface="DejaVu Sans"/>
+              </a:rPr>
+              <a:t>~ Dr. APJ. Abdul Kalam</a:t>
+            </a:r>
+            <a:endParaRPr lang="en-IN" sz="1800" b="0" strike="noStrike" spc="-1">
+              <a:latin typeface="Arial"/>
+            </a:endParaRPr>
+          </a:p>
+        </p:txBody>
+      </p:sp>
+      <p:pic>
+        <p:nvPicPr>
+          <p:cNvPr id="463" name="Picture 2" descr="http://www.bvctch.vn/vnt_upload/weblink/thks.jpg"/>
+          <p:cNvPicPr/>
+          <p:nvPr/>
+        </p:nvPicPr>
+        <p:blipFill>
+          <a:blip r:embed="rId2"/>
+          <a:stretch/>
+        </p:blipFill>
+        <p:spPr>
+          <a:xfrm>
+            <a:off x="4404600" y="2036160"/>
+            <a:ext cx="3102840" cy="4639680"/>
+          </a:xfrm>
+          <a:prstGeom prst="rect">
+            <a:avLst/>
+          </a:prstGeom>
+          <a:ln>
+            <a:noFill/>
+          </a:ln>
+        </p:spPr>
+      </p:pic>
     </p:spTree>
   </p:cSld>
   <p:clrMapOvr>

--- a/Cassandra Ver1.pptx
+++ b/Cassandra Ver1.pptx
@@ -5,7 +5,7 @@
     <p:sldMasterId id="2147483720" r:id="rId1"/>
   </p:sldMasterIdLst>
   <p:notesMasterIdLst>
-    <p:notesMasterId r:id="rId62"/>
+    <p:notesMasterId r:id="rId64"/>
   </p:notesMasterIdLst>
   <p:sldIdLst>
     <p:sldId id="256" r:id="rId2"/>
@@ -34,40 +34,42 @@
     <p:sldId id="1466" r:id="rId25"/>
     <p:sldId id="1437" r:id="rId26"/>
     <p:sldId id="1467" r:id="rId27"/>
-    <p:sldId id="1460" r:id="rId28"/>
-    <p:sldId id="1451" r:id="rId29"/>
-    <p:sldId id="1452" r:id="rId30"/>
-    <p:sldId id="1457" r:id="rId31"/>
-    <p:sldId id="1465" r:id="rId32"/>
-    <p:sldId id="1454" r:id="rId33"/>
-    <p:sldId id="1456" r:id="rId34"/>
-    <p:sldId id="1455" r:id="rId35"/>
-    <p:sldId id="1458" r:id="rId36"/>
-    <p:sldId id="1461" r:id="rId37"/>
-    <p:sldId id="1462" r:id="rId38"/>
-    <p:sldId id="1463" r:id="rId39"/>
-    <p:sldId id="1464" r:id="rId40"/>
-    <p:sldId id="1469" r:id="rId41"/>
-    <p:sldId id="1470" r:id="rId42"/>
-    <p:sldId id="1472" r:id="rId43"/>
-    <p:sldId id="947" r:id="rId44"/>
-    <p:sldId id="1446" r:id="rId45"/>
-    <p:sldId id="1444" r:id="rId46"/>
-    <p:sldId id="1445" r:id="rId47"/>
-    <p:sldId id="1450" r:id="rId48"/>
-    <p:sldId id="1468" r:id="rId49"/>
-    <p:sldId id="1430" r:id="rId50"/>
-    <p:sldId id="1431" r:id="rId51"/>
-    <p:sldId id="1432" r:id="rId52"/>
-    <p:sldId id="1433" r:id="rId53"/>
-    <p:sldId id="1471" r:id="rId54"/>
-    <p:sldId id="1442" r:id="rId55"/>
-    <p:sldId id="1447" r:id="rId56"/>
-    <p:sldId id="1448" r:id="rId57"/>
-    <p:sldId id="1449" r:id="rId58"/>
-    <p:sldId id="1424" r:id="rId59"/>
-    <p:sldId id="1421" r:id="rId60"/>
-    <p:sldId id="350" r:id="rId61"/>
+    <p:sldId id="1473" r:id="rId28"/>
+    <p:sldId id="1474" r:id="rId29"/>
+    <p:sldId id="1460" r:id="rId30"/>
+    <p:sldId id="1451" r:id="rId31"/>
+    <p:sldId id="1452" r:id="rId32"/>
+    <p:sldId id="1457" r:id="rId33"/>
+    <p:sldId id="1465" r:id="rId34"/>
+    <p:sldId id="1454" r:id="rId35"/>
+    <p:sldId id="1456" r:id="rId36"/>
+    <p:sldId id="1455" r:id="rId37"/>
+    <p:sldId id="1458" r:id="rId38"/>
+    <p:sldId id="1461" r:id="rId39"/>
+    <p:sldId id="1462" r:id="rId40"/>
+    <p:sldId id="1463" r:id="rId41"/>
+    <p:sldId id="1464" r:id="rId42"/>
+    <p:sldId id="1469" r:id="rId43"/>
+    <p:sldId id="1470" r:id="rId44"/>
+    <p:sldId id="1472" r:id="rId45"/>
+    <p:sldId id="947" r:id="rId46"/>
+    <p:sldId id="1446" r:id="rId47"/>
+    <p:sldId id="1444" r:id="rId48"/>
+    <p:sldId id="1445" r:id="rId49"/>
+    <p:sldId id="1450" r:id="rId50"/>
+    <p:sldId id="1468" r:id="rId51"/>
+    <p:sldId id="1430" r:id="rId52"/>
+    <p:sldId id="1431" r:id="rId53"/>
+    <p:sldId id="1432" r:id="rId54"/>
+    <p:sldId id="1433" r:id="rId55"/>
+    <p:sldId id="1471" r:id="rId56"/>
+    <p:sldId id="1442" r:id="rId57"/>
+    <p:sldId id="1447" r:id="rId58"/>
+    <p:sldId id="1448" r:id="rId59"/>
+    <p:sldId id="1449" r:id="rId60"/>
+    <p:sldId id="1424" r:id="rId61"/>
+    <p:sldId id="1421" r:id="rId62"/>
+    <p:sldId id="350" r:id="rId63"/>
   </p:sldIdLst>
   <p:sldSz cx="12192000" cy="6858000"/>
   <p:notesSz cx="6858000" cy="9144000"/>
@@ -7632,7 +7634,7 @@
         </p:nvSpPr>
         <p:spPr>
           <a:xfrm>
-            <a:off x="246600" y="1776011"/>
+            <a:off x="246600" y="2030400"/>
             <a:ext cx="11687400" cy="644877"/>
           </a:xfrm>
           <a:prstGeom prst="rect">
@@ -12716,6 +12718,1194 @@
                 <a:latin typeface="Century"/>
                 <a:ea typeface="DejaVu Sans"/>
               </a:rPr>
+              <a:t>counter</a:t>
+            </a:r>
+            <a:endParaRPr lang="en-IN" sz="5400" b="0" strike="noStrike" spc="-1" dirty="0">
+              <a:latin typeface="Arial"/>
+            </a:endParaRPr>
+          </a:p>
+        </p:txBody>
+      </p:sp>
+      <p:sp>
+        <p:nvSpPr>
+          <p:cNvPr id="110" name="CustomShape 2"/>
+          <p:cNvSpPr/>
+          <p:nvPr/>
+        </p:nvSpPr>
+        <p:spPr>
+          <a:xfrm>
+            <a:off x="522360" y="3531600"/>
+            <a:ext cx="11052360" cy="737210"/>
+          </a:xfrm>
+          <a:prstGeom prst="rect">
+            <a:avLst/>
+          </a:prstGeom>
+          <a:noFill/>
+          <a:ln>
+            <a:noFill/>
+          </a:ln>
+        </p:spPr>
+        <p:style>
+          <a:lnRef idx="0">
+            <a:scrgbClr r="0" g="0" b="0"/>
+          </a:lnRef>
+          <a:fillRef idx="0">
+            <a:scrgbClr r="0" g="0" b="0"/>
+          </a:fillRef>
+          <a:effectRef idx="0">
+            <a:scrgbClr r="0" g="0" b="0"/>
+          </a:effectRef>
+          <a:fontRef idx="minor"/>
+        </p:style>
+        <p:txBody>
+          <a:bodyPr lIns="90000" tIns="45000" rIns="90000" bIns="45000">
+            <a:spAutoFit/>
+          </a:bodyPr>
+          <a:lstStyle/>
+          <a:p>
+            <a:pPr algn="just">
+              <a:lnSpc>
+                <a:spcPct val="100000"/>
+              </a:lnSpc>
+            </a:pPr>
+            <a:r>
+              <a:rPr lang="en-US" sz="1800" b="0" strike="noStrike" spc="-1" dirty="0">
+                <a:solidFill>
+                  <a:srgbClr val="BB0643"/>
+                </a:solidFill>
+                <a:latin typeface="Segoe UI"/>
+                <a:ea typeface="DejaVu Sans"/>
+              </a:rPr>
+              <a:t>The counter type is used to define counter columns. A counter column is a column whose value is a 64-bit signed integer and on which 2 operations are supported: </a:t>
+            </a:r>
+            <a:r>
+              <a:rPr lang="en-US" sz="2400" b="0" i="1" strike="noStrike" spc="-1" dirty="0">
+                <a:solidFill>
+                  <a:srgbClr val="BB0643"/>
+                </a:solidFill>
+                <a:latin typeface="Segoe UI"/>
+                <a:ea typeface="DejaVu Sans"/>
+              </a:rPr>
+              <a:t>incrementing</a:t>
+            </a:r>
+            <a:r>
+              <a:rPr lang="en-US" sz="1800" b="0" strike="noStrike" spc="-1" dirty="0">
+                <a:solidFill>
+                  <a:srgbClr val="BB0643"/>
+                </a:solidFill>
+                <a:latin typeface="Segoe UI"/>
+                <a:ea typeface="DejaVu Sans"/>
+              </a:rPr>
+              <a:t> and </a:t>
+            </a:r>
+            <a:r>
+              <a:rPr lang="en-US" sz="2400" b="0" i="1" strike="noStrike" spc="-1" dirty="0">
+                <a:solidFill>
+                  <a:srgbClr val="BB0643"/>
+                </a:solidFill>
+                <a:latin typeface="Segoe UI"/>
+                <a:ea typeface="DejaVu Sans"/>
+              </a:rPr>
+              <a:t>decrementing</a:t>
+            </a:r>
+            <a:r>
+              <a:rPr lang="en-US" sz="1800" b="0" strike="noStrike" spc="-1" dirty="0">
+                <a:solidFill>
+                  <a:srgbClr val="BB0643"/>
+                </a:solidFill>
+                <a:latin typeface="Segoe UI"/>
+                <a:ea typeface="DejaVu Sans"/>
+              </a:rPr>
+              <a:t>.</a:t>
+            </a:r>
+            <a:endParaRPr lang="en-IN" spc="-1" dirty="0">
+              <a:solidFill>
+                <a:srgbClr val="BB0643"/>
+              </a:solidFill>
+              <a:latin typeface="Segoe UI"/>
+            </a:endParaRPr>
+          </a:p>
+        </p:txBody>
+      </p:sp>
+      <p:sp>
+        <p:nvSpPr>
+          <p:cNvPr id="4" name="Rectangle 3">
+            <a:extLst>
+              <a:ext uri="{FF2B5EF4-FFF2-40B4-BE49-F238E27FC236}">
+                <a16:creationId xmlns:a16="http://schemas.microsoft.com/office/drawing/2014/main" id="{C8636A38-213A-443D-AA29-B5AD25294C0F}"/>
+              </a:ext>
+            </a:extLst>
+          </p:cNvPr>
+          <p:cNvSpPr/>
+          <p:nvPr/>
+        </p:nvSpPr>
+        <p:spPr>
+          <a:xfrm>
+            <a:off x="246600" y="4509120"/>
+            <a:ext cx="11687400" cy="2215991"/>
+          </a:xfrm>
+          <a:prstGeom prst="rect">
+            <a:avLst/>
+          </a:prstGeom>
+        </p:spPr>
+        <p:txBody>
+          <a:bodyPr wrap="square">
+            <a:spAutoFit/>
+          </a:bodyPr>
+          <a:lstStyle/>
+          <a:p>
+            <a:r>
+              <a:rPr lang="en-IN" sz="2200" dirty="0">
+                <a:solidFill>
+                  <a:srgbClr val="FF0000"/>
+                </a:solidFill>
+                <a:latin typeface="Arial" panose="020B0604020202020204" pitchFamily="34" charset="0"/>
+                <a:cs typeface="Arial" panose="020B0604020202020204" pitchFamily="34" charset="0"/>
+              </a:rPr>
+              <a:t>Remember:</a:t>
+            </a:r>
+          </a:p>
+          <a:p>
+            <a:endParaRPr lang="en-IN" sz="800" dirty="0">
+              <a:solidFill>
+                <a:schemeClr val="tx1">
+                  <a:lumMod val="95000"/>
+                  <a:lumOff val="5000"/>
+                </a:schemeClr>
+              </a:solidFill>
+              <a:latin typeface="Palatino Linotype" panose="02040502050505030304" pitchFamily="18" charset="0"/>
+              <a:cs typeface="Arial" panose="020B0604020202020204" pitchFamily="34" charset="0"/>
+            </a:endParaRPr>
+          </a:p>
+          <a:p>
+            <a:pPr marL="285750" indent="-285750">
+              <a:buFont typeface="Arial" panose="020B0604020202020204" pitchFamily="34" charset="0"/>
+              <a:buChar char="•"/>
+            </a:pPr>
+            <a:r>
+              <a:rPr lang="en-US" dirty="0">
+                <a:solidFill>
+                  <a:schemeClr val="tx1">
+                    <a:lumMod val="95000"/>
+                    <a:lumOff val="5000"/>
+                  </a:schemeClr>
+                </a:solidFill>
+                <a:latin typeface="Palatino Linotype" panose="02040502050505030304" pitchFamily="18" charset="0"/>
+                <a:cs typeface="Arial" panose="020B0604020202020204" pitchFamily="34" charset="0"/>
+              </a:rPr>
+              <a:t>They cannot be used for columns part of the PRIMARY KEY of a table.</a:t>
+            </a:r>
+          </a:p>
+          <a:p>
+            <a:pPr marL="285750" indent="-285750">
+              <a:buFont typeface="Arial" panose="020B0604020202020204" pitchFamily="34" charset="0"/>
+              <a:buChar char="•"/>
+            </a:pPr>
+            <a:endParaRPr lang="en-US" sz="600" dirty="0">
+              <a:solidFill>
+                <a:schemeClr val="tx1">
+                  <a:lumMod val="95000"/>
+                  <a:lumOff val="5000"/>
+                </a:schemeClr>
+              </a:solidFill>
+              <a:latin typeface="Palatino Linotype" panose="02040502050505030304" pitchFamily="18" charset="0"/>
+              <a:cs typeface="Arial" panose="020B0604020202020204" pitchFamily="34" charset="0"/>
+            </a:endParaRPr>
+          </a:p>
+          <a:p>
+            <a:pPr marL="285750" indent="-285750">
+              <a:buFont typeface="Arial" panose="020B0604020202020204" pitchFamily="34" charset="0"/>
+              <a:buChar char="•"/>
+            </a:pPr>
+            <a:r>
+              <a:rPr lang="en-US" dirty="0">
+                <a:solidFill>
+                  <a:schemeClr val="tx1">
+                    <a:lumMod val="95000"/>
+                    <a:lumOff val="5000"/>
+                  </a:schemeClr>
+                </a:solidFill>
+                <a:latin typeface="Palatino Linotype" panose="02040502050505030304" pitchFamily="18" charset="0"/>
+                <a:cs typeface="Arial" panose="020B0604020202020204" pitchFamily="34" charset="0"/>
+              </a:rPr>
+              <a:t>Counters do not support expiration.</a:t>
+            </a:r>
+          </a:p>
+          <a:p>
+            <a:pPr marL="285750" indent="-285750">
+              <a:buFont typeface="Arial" panose="020B0604020202020204" pitchFamily="34" charset="0"/>
+              <a:buChar char="•"/>
+            </a:pPr>
+            <a:endParaRPr lang="en-US" sz="600" dirty="0">
+              <a:solidFill>
+                <a:schemeClr val="tx1">
+                  <a:lumMod val="95000"/>
+                  <a:lumOff val="5000"/>
+                </a:schemeClr>
+              </a:solidFill>
+              <a:latin typeface="Palatino Linotype" panose="02040502050505030304" pitchFamily="18" charset="0"/>
+              <a:cs typeface="Arial" panose="020B0604020202020204" pitchFamily="34" charset="0"/>
+            </a:endParaRPr>
+          </a:p>
+          <a:p>
+            <a:pPr marL="285750" indent="-285750">
+              <a:buFont typeface="Arial" panose="020B0604020202020204" pitchFamily="34" charset="0"/>
+              <a:buChar char="•"/>
+            </a:pPr>
+            <a:r>
+              <a:rPr lang="en-US" dirty="0">
+                <a:solidFill>
+                  <a:schemeClr val="tx1">
+                    <a:lumMod val="95000"/>
+                    <a:lumOff val="5000"/>
+                  </a:schemeClr>
+                </a:solidFill>
+                <a:latin typeface="Palatino Linotype" panose="02040502050505030304" pitchFamily="18" charset="0"/>
+                <a:cs typeface="Arial" panose="020B0604020202020204" pitchFamily="34" charset="0"/>
+              </a:rPr>
+              <a:t>All non-counter columns in the table must be defined as a part of the primary key.</a:t>
+            </a:r>
+          </a:p>
+          <a:p>
+            <a:pPr marL="285750" indent="-285750">
+              <a:buFont typeface="Arial" panose="020B0604020202020204" pitchFamily="34" charset="0"/>
+              <a:buChar char="•"/>
+            </a:pPr>
+            <a:endParaRPr lang="en-US" sz="600" dirty="0">
+              <a:solidFill>
+                <a:schemeClr val="tx1">
+                  <a:lumMod val="95000"/>
+                  <a:lumOff val="5000"/>
+                </a:schemeClr>
+              </a:solidFill>
+              <a:latin typeface="Palatino Linotype" panose="02040502050505030304" pitchFamily="18" charset="0"/>
+              <a:cs typeface="Arial" panose="020B0604020202020204" pitchFamily="34" charset="0"/>
+            </a:endParaRPr>
+          </a:p>
+          <a:p>
+            <a:pPr marL="285750" indent="-285750">
+              <a:buFont typeface="Arial" panose="020B0604020202020204" pitchFamily="34" charset="0"/>
+              <a:buChar char="•"/>
+            </a:pPr>
+            <a:r>
+              <a:rPr lang="en-US" dirty="0">
+                <a:solidFill>
+                  <a:schemeClr val="tx1">
+                    <a:lumMod val="95000"/>
+                    <a:lumOff val="5000"/>
+                  </a:schemeClr>
+                </a:solidFill>
+                <a:latin typeface="Palatino Linotype" panose="02040502050505030304" pitchFamily="18" charset="0"/>
+                <a:cs typeface="Arial" panose="020B0604020202020204" pitchFamily="34" charset="0"/>
+              </a:rPr>
+              <a:t>To insert data in a counter column or to increase or decrease the value of the counter, use the UPDATE command.</a:t>
+            </a:r>
+            <a:endParaRPr lang="en-IN" dirty="0">
+              <a:solidFill>
+                <a:schemeClr val="tx1">
+                  <a:lumMod val="95000"/>
+                  <a:lumOff val="5000"/>
+                </a:schemeClr>
+              </a:solidFill>
+              <a:latin typeface="Liberation Mono"/>
+              <a:cs typeface="Arial" panose="020B0604020202020204" pitchFamily="34" charset="0"/>
+            </a:endParaRPr>
+          </a:p>
+        </p:txBody>
+      </p:sp>
+    </p:spTree>
+    <p:extLst>
+      <p:ext uri="{BB962C8B-B14F-4D97-AF65-F5344CB8AC3E}">
+        <p14:creationId xmlns:p14="http://schemas.microsoft.com/office/powerpoint/2010/main" val="1345630236"/>
+      </p:ext>
+    </p:extLst>
+  </p:cSld>
+  <p:clrMapOvr>
+    <a:masterClrMapping/>
+  </p:clrMapOvr>
+</p:sld>
+</file>
+
+<file path=ppt/slides/slide28.xml><?xml version="1.0" encoding="utf-8"?>
+<p:sld xmlns:a="http://schemas.openxmlformats.org/drawingml/2006/main" xmlns:r="http://schemas.openxmlformats.org/officeDocument/2006/relationships" xmlns:p="http://schemas.openxmlformats.org/presentationml/2006/main">
+  <p:cSld>
+    <p:spTree>
+      <p:nvGrpSpPr>
+        <p:cNvPr id="1" name=""/>
+        <p:cNvGrpSpPr/>
+        <p:nvPr/>
+      </p:nvGrpSpPr>
+      <p:grpSpPr>
+        <a:xfrm>
+          <a:off x="0" y="0"/>
+          <a:ext cx="0" cy="0"/>
+          <a:chOff x="0" y="0"/>
+          <a:chExt cx="0" cy="0"/>
+        </a:xfrm>
+      </p:grpSpPr>
+      <p:sp>
+        <p:nvSpPr>
+          <p:cNvPr id="111" name="CustomShape 1"/>
+          <p:cNvSpPr/>
+          <p:nvPr/>
+        </p:nvSpPr>
+        <p:spPr>
+          <a:xfrm>
+            <a:off x="246600" y="762120"/>
+            <a:ext cx="11687400" cy="367878"/>
+          </a:xfrm>
+          <a:prstGeom prst="rect">
+            <a:avLst/>
+          </a:prstGeom>
+          <a:noFill/>
+          <a:ln>
+            <a:noFill/>
+          </a:ln>
+        </p:spPr>
+        <p:style>
+          <a:lnRef idx="0">
+            <a:scrgbClr r="0" g="0" b="0"/>
+          </a:lnRef>
+          <a:fillRef idx="0">
+            <a:scrgbClr r="0" g="0" b="0"/>
+          </a:fillRef>
+          <a:effectRef idx="0">
+            <a:scrgbClr r="0" g="0" b="0"/>
+          </a:effectRef>
+          <a:fontRef idx="minor"/>
+        </p:style>
+        <p:txBody>
+          <a:bodyPr lIns="90000" tIns="45000" rIns="90000" bIns="45000">
+            <a:spAutoFit/>
+          </a:bodyPr>
+          <a:lstStyle/>
+          <a:p>
+            <a:pPr algn="just"/>
+            <a:r>
+              <a:rPr lang="en-US" spc="-1" dirty="0">
+                <a:latin typeface="Arial"/>
+              </a:rPr>
+              <a:t>TODO</a:t>
+            </a:r>
+          </a:p>
+        </p:txBody>
+      </p:sp>
+      <p:sp>
+        <p:nvSpPr>
+          <p:cNvPr id="114" name="CustomShape 4"/>
+          <p:cNvSpPr/>
+          <p:nvPr/>
+        </p:nvSpPr>
+        <p:spPr>
+          <a:xfrm>
+            <a:off x="246600" y="0"/>
+            <a:ext cx="11687400" cy="706432"/>
+          </a:xfrm>
+          <a:prstGeom prst="rect">
+            <a:avLst/>
+          </a:prstGeom>
+          <a:solidFill>
+            <a:srgbClr val="C00000"/>
+          </a:solidFill>
+          <a:ln>
+            <a:noFill/>
+          </a:ln>
+        </p:spPr>
+        <p:style>
+          <a:lnRef idx="0">
+            <a:scrgbClr r="0" g="0" b="0"/>
+          </a:lnRef>
+          <a:fillRef idx="0">
+            <a:scrgbClr r="0" g="0" b="0"/>
+          </a:fillRef>
+          <a:effectRef idx="0">
+            <a:scrgbClr r="0" g="0" b="0"/>
+          </a:effectRef>
+          <a:fontRef idx="minor"/>
+        </p:style>
+        <p:txBody>
+          <a:bodyPr lIns="90000" tIns="45000" rIns="90000" bIns="45000">
+            <a:spAutoFit/>
+          </a:bodyPr>
+          <a:lstStyle/>
+          <a:p>
+            <a:pPr algn="ctr">
+              <a:lnSpc>
+                <a:spcPct val="100000"/>
+              </a:lnSpc>
+            </a:pPr>
+            <a:r>
+              <a:rPr lang="en-IN" sz="4000" spc="-1" dirty="0">
+                <a:solidFill>
+                  <a:srgbClr val="F7C120"/>
+                </a:solidFill>
+                <a:latin typeface="Open Sans"/>
+                <a:ea typeface="DejaVu Sans"/>
+              </a:rPr>
+              <a:t>counter datatype</a:t>
+            </a:r>
+            <a:endParaRPr lang="en-IN" sz="4000" b="0" strike="noStrike" spc="-1" dirty="0">
+              <a:latin typeface="Arial"/>
+            </a:endParaRPr>
+          </a:p>
+        </p:txBody>
+      </p:sp>
+      <p:sp>
+        <p:nvSpPr>
+          <p:cNvPr id="115" name="Line 5"/>
+          <p:cNvSpPr/>
+          <p:nvPr/>
+        </p:nvSpPr>
+        <p:spPr>
+          <a:xfrm>
+            <a:off x="0" y="1536120"/>
+            <a:ext cx="12191760" cy="0"/>
+          </a:xfrm>
+          <a:prstGeom prst="line">
+            <a:avLst/>
+          </a:prstGeom>
+          <a:ln w="12600">
+            <a:solidFill>
+              <a:srgbClr val="6E78A0"/>
+            </a:solidFill>
+            <a:prstDash val="dash"/>
+            <a:round/>
+          </a:ln>
+        </p:spPr>
+        <p:style>
+          <a:lnRef idx="1">
+            <a:schemeClr val="accent1"/>
+          </a:lnRef>
+          <a:fillRef idx="0">
+            <a:schemeClr val="accent1"/>
+          </a:fillRef>
+          <a:effectRef idx="0">
+            <a:schemeClr val="accent1"/>
+          </a:effectRef>
+          <a:fontRef idx="minor"/>
+        </p:style>
+      </p:sp>
+      <p:sp>
+        <p:nvSpPr>
+          <p:cNvPr id="6" name="CustomShape 6">
+            <a:extLst>
+              <a:ext uri="{FF2B5EF4-FFF2-40B4-BE49-F238E27FC236}">
+                <a16:creationId xmlns:a16="http://schemas.microsoft.com/office/drawing/2014/main" id="{2BBEB6AA-E2D8-48B4-BF4E-69F8218443AC}"/>
+              </a:ext>
+            </a:extLst>
+          </p:cNvPr>
+          <p:cNvSpPr/>
+          <p:nvPr/>
+        </p:nvSpPr>
+        <p:spPr>
+          <a:xfrm>
+            <a:off x="246600" y="2030040"/>
+            <a:ext cx="11687400" cy="1629762"/>
+          </a:xfrm>
+          <a:prstGeom prst="rect">
+            <a:avLst/>
+          </a:prstGeom>
+          <a:noFill/>
+          <a:ln>
+            <a:noFill/>
+          </a:ln>
+        </p:spPr>
+        <p:style>
+          <a:lnRef idx="0">
+            <a:scrgbClr r="0" g="0" b="0"/>
+          </a:lnRef>
+          <a:fillRef idx="0">
+            <a:scrgbClr r="0" g="0" b="0"/>
+          </a:fillRef>
+          <a:effectRef idx="0">
+            <a:scrgbClr r="0" g="0" b="0"/>
+          </a:effectRef>
+          <a:fontRef idx="minor"/>
+        </p:style>
+        <p:txBody>
+          <a:bodyPr lIns="90000" tIns="45000" rIns="90000" bIns="45000">
+            <a:spAutoFit/>
+          </a:bodyPr>
+          <a:lstStyle/>
+          <a:p>
+            <a:r>
+              <a:rPr lang="en-US" spc="-1" dirty="0">
+                <a:solidFill>
+                  <a:srgbClr val="2B8208"/>
+                </a:solidFill>
+                <a:latin typeface="Source Code Pro" panose="020B0509030403020204" pitchFamily="49" charset="0"/>
+                <a:ea typeface="Source Code Pro" panose="020B0509030403020204" pitchFamily="49" charset="0"/>
+              </a:rPr>
+              <a:t>CREATE </a:t>
+            </a:r>
+            <a:r>
+              <a:rPr lang="en-US" spc="-1" dirty="0">
+                <a:latin typeface="Source Code Pro" panose="020B0509030403020204" pitchFamily="49" charset="0"/>
+                <a:ea typeface="Source Code Pro" panose="020B0509030403020204" pitchFamily="49" charset="0"/>
+              </a:rPr>
+              <a:t>{</a:t>
+            </a:r>
+            <a:r>
+              <a:rPr lang="en-US" spc="-1" dirty="0">
+                <a:solidFill>
+                  <a:srgbClr val="2B8208"/>
+                </a:solidFill>
+                <a:latin typeface="Source Code Pro" panose="020B0509030403020204" pitchFamily="49" charset="0"/>
+                <a:ea typeface="Source Code Pro" panose="020B0509030403020204" pitchFamily="49" charset="0"/>
+              </a:rPr>
+              <a:t> TABLE </a:t>
+            </a:r>
+            <a:r>
+              <a:rPr lang="en-US" spc="-1" dirty="0">
+                <a:latin typeface="Source Code Pro" panose="020B0509030403020204" pitchFamily="49" charset="0"/>
+                <a:ea typeface="Source Code Pro" panose="020B0509030403020204" pitchFamily="49" charset="0"/>
+              </a:rPr>
+              <a:t>|</a:t>
+            </a:r>
+            <a:r>
+              <a:rPr lang="en-US" spc="-1" dirty="0">
+                <a:solidFill>
+                  <a:srgbClr val="2B8208"/>
+                </a:solidFill>
+                <a:latin typeface="Source Code Pro" panose="020B0509030403020204" pitchFamily="49" charset="0"/>
+                <a:ea typeface="Source Code Pro" panose="020B0509030403020204" pitchFamily="49" charset="0"/>
+              </a:rPr>
+              <a:t> COLUMNFAMILY </a:t>
+            </a:r>
+            <a:r>
+              <a:rPr lang="en-US" spc="-1" dirty="0">
+                <a:latin typeface="Source Code Pro" panose="020B0509030403020204" pitchFamily="49" charset="0"/>
+                <a:ea typeface="Source Code Pro" panose="020B0509030403020204" pitchFamily="49" charset="0"/>
+              </a:rPr>
+              <a:t>}</a:t>
+            </a:r>
+            <a:r>
+              <a:rPr lang="en-US" spc="-1" dirty="0">
+                <a:solidFill>
+                  <a:srgbClr val="2B8208"/>
+                </a:solidFill>
+                <a:latin typeface="Source Code Pro" panose="020B0509030403020204" pitchFamily="49" charset="0"/>
+                <a:ea typeface="Source Code Pro" panose="020B0509030403020204" pitchFamily="49" charset="0"/>
+              </a:rPr>
+              <a:t> </a:t>
+            </a:r>
+            <a:r>
+              <a:rPr lang="en-US" spc="-1" dirty="0">
+                <a:latin typeface="Source Code Pro" panose="020B0509030403020204" pitchFamily="49" charset="0"/>
+                <a:ea typeface="Source Code Pro" panose="020B0509030403020204" pitchFamily="49" charset="0"/>
+              </a:rPr>
+              <a:t>[</a:t>
+            </a:r>
+            <a:r>
+              <a:rPr lang="en-US" spc="-1" dirty="0">
+                <a:solidFill>
+                  <a:srgbClr val="2B8208"/>
+                </a:solidFill>
+                <a:latin typeface="Source Code Pro" panose="020B0509030403020204" pitchFamily="49" charset="0"/>
+                <a:ea typeface="Source Code Pro" panose="020B0509030403020204" pitchFamily="49" charset="0"/>
+              </a:rPr>
+              <a:t>IF NOT EXISTS</a:t>
+            </a:r>
+            <a:r>
+              <a:rPr lang="en-US" spc="-1" dirty="0">
+                <a:latin typeface="Source Code Pro" panose="020B0509030403020204" pitchFamily="49" charset="0"/>
+                <a:ea typeface="Source Code Pro" panose="020B0509030403020204" pitchFamily="49" charset="0"/>
+              </a:rPr>
+              <a:t>]</a:t>
+            </a:r>
+            <a:r>
+              <a:rPr lang="en-US" spc="-1" dirty="0">
+                <a:solidFill>
+                  <a:srgbClr val="2B8208"/>
+                </a:solidFill>
+                <a:latin typeface="Source Code Pro" panose="020B0509030403020204" pitchFamily="49" charset="0"/>
+                <a:ea typeface="Source Code Pro" panose="020B0509030403020204" pitchFamily="49" charset="0"/>
+              </a:rPr>
+              <a:t> </a:t>
+            </a:r>
+            <a:r>
+              <a:rPr lang="en-US" spc="-1" dirty="0">
+                <a:latin typeface="Source Code Pro" panose="020B0509030403020204" pitchFamily="49" charset="0"/>
+                <a:ea typeface="Source Code Pro" panose="020B0509030403020204" pitchFamily="49" charset="0"/>
+              </a:rPr>
+              <a:t>[</a:t>
+            </a:r>
+            <a:r>
+              <a:rPr lang="en-US" i="1" spc="-1" dirty="0">
+                <a:latin typeface="Source Code Pro" panose="020B0509030403020204" pitchFamily="49" charset="0"/>
+                <a:ea typeface="Source Code Pro" panose="020B0509030403020204" pitchFamily="49" charset="0"/>
+              </a:rPr>
+              <a:t>keyspace_name</a:t>
+            </a:r>
+            <a:r>
+              <a:rPr lang="en-US" spc="-1" dirty="0">
+                <a:latin typeface="Source Code Pro" panose="020B0509030403020204" pitchFamily="49" charset="0"/>
+                <a:ea typeface="Source Code Pro" panose="020B0509030403020204" pitchFamily="49" charset="0"/>
+              </a:rPr>
+              <a:t>.]</a:t>
+            </a:r>
+            <a:r>
+              <a:rPr lang="en-US" i="1" spc="-1" dirty="0">
+                <a:latin typeface="Source Code Pro" panose="020B0509030403020204" pitchFamily="49" charset="0"/>
+                <a:ea typeface="Source Code Pro" panose="020B0509030403020204" pitchFamily="49" charset="0"/>
+              </a:rPr>
+              <a:t>table_name</a:t>
+            </a:r>
+            <a:r>
+              <a:rPr lang="en-US" spc="-1" dirty="0">
+                <a:solidFill>
+                  <a:srgbClr val="2B8208"/>
+                </a:solidFill>
+                <a:latin typeface="Source Code Pro" panose="020B0509030403020204" pitchFamily="49" charset="0"/>
+                <a:ea typeface="Source Code Pro" panose="020B0509030403020204" pitchFamily="49" charset="0"/>
+              </a:rPr>
+              <a:t> </a:t>
+            </a:r>
+            <a:r>
+              <a:rPr lang="en-US" spc="-1" dirty="0">
+                <a:latin typeface="Source Code Pro" panose="020B0509030403020204" pitchFamily="49" charset="0"/>
+                <a:ea typeface="Source Code Pro" panose="020B0509030403020204" pitchFamily="49" charset="0"/>
+              </a:rPr>
+              <a:t>(</a:t>
+            </a:r>
+            <a:r>
+              <a:rPr lang="en-US" spc="-1" dirty="0">
+                <a:solidFill>
+                  <a:srgbClr val="2B8208"/>
+                </a:solidFill>
+                <a:latin typeface="Source Code Pro" panose="020B0509030403020204" pitchFamily="49" charset="0"/>
+                <a:ea typeface="Source Code Pro" panose="020B0509030403020204" pitchFamily="49" charset="0"/>
+              </a:rPr>
+              <a:t> </a:t>
+            </a:r>
+          </a:p>
+          <a:p>
+            <a:r>
+              <a:rPr lang="en-US" spc="-1" dirty="0">
+                <a:latin typeface="Source Code Pro" panose="020B0509030403020204" pitchFamily="49" charset="0"/>
+                <a:ea typeface="Source Code Pro" panose="020B0509030403020204" pitchFamily="49" charset="0"/>
+              </a:rPr>
+              <a:t> </a:t>
+            </a:r>
+            <a:r>
+              <a:rPr lang="en-US" spc="-1" dirty="0">
+                <a:solidFill>
+                  <a:srgbClr val="0070C0"/>
+                </a:solidFill>
+                <a:latin typeface="Source Code Pro" panose="020B0509030403020204" pitchFamily="49" charset="0"/>
+                <a:ea typeface="Source Code Pro" panose="020B0509030403020204" pitchFamily="49" charset="0"/>
+              </a:rPr>
+              <a:t>column_definition</a:t>
+            </a:r>
+            <a:r>
+              <a:rPr lang="en-US" spc="-1" dirty="0">
+                <a:latin typeface="Source Code Pro" panose="020B0509030403020204" pitchFamily="49" charset="0"/>
+                <a:ea typeface="Source Code Pro" panose="020B0509030403020204" pitchFamily="49" charset="0"/>
+              </a:rPr>
+              <a:t>  ( ',' column_definition )*</a:t>
+            </a:r>
+          </a:p>
+          <a:p>
+            <a:r>
+              <a:rPr lang="en-US" spc="-1" dirty="0">
+                <a:latin typeface="Source Code Pro" panose="020B0509030403020204" pitchFamily="49" charset="0"/>
+                <a:ea typeface="Source Code Pro" panose="020B0509030403020204" pitchFamily="49" charset="0"/>
+              </a:rPr>
+              <a:t>	[ ',' </a:t>
+            </a:r>
+            <a:r>
+              <a:rPr lang="en-US" spc="-1" dirty="0">
+                <a:solidFill>
+                  <a:srgbClr val="2B8208"/>
+                </a:solidFill>
+                <a:latin typeface="Source Code Pro" panose="020B0509030403020204" pitchFamily="49" charset="0"/>
+                <a:ea typeface="Source Code Pro" panose="020B0509030403020204" pitchFamily="49" charset="0"/>
+              </a:rPr>
+              <a:t>PRIMARY</a:t>
+            </a:r>
+            <a:r>
+              <a:rPr lang="en-US" spc="-1" dirty="0">
+                <a:latin typeface="Source Code Pro" panose="020B0509030403020204" pitchFamily="49" charset="0"/>
+                <a:ea typeface="Source Code Pro" panose="020B0509030403020204" pitchFamily="49" charset="0"/>
+              </a:rPr>
+              <a:t> </a:t>
+            </a:r>
+            <a:r>
+              <a:rPr lang="en-US" spc="-1" dirty="0">
+                <a:solidFill>
+                  <a:srgbClr val="2B8208"/>
+                </a:solidFill>
+                <a:latin typeface="Source Code Pro" panose="020B0509030403020204" pitchFamily="49" charset="0"/>
+                <a:ea typeface="Source Code Pro" panose="020B0509030403020204" pitchFamily="49" charset="0"/>
+              </a:rPr>
+              <a:t>KEY</a:t>
+            </a:r>
+            <a:r>
+              <a:rPr lang="en-US" spc="-1" dirty="0">
+                <a:latin typeface="Source Code Pro" panose="020B0509030403020204" pitchFamily="49" charset="0"/>
+                <a:ea typeface="Source Code Pro" panose="020B0509030403020204" pitchFamily="49" charset="0"/>
+              </a:rPr>
+              <a:t> '(' primary_key ')' ]</a:t>
+            </a:r>
+          </a:p>
+          <a:p>
+            <a:r>
+              <a:rPr lang="en-US" spc="-1" dirty="0">
+                <a:latin typeface="Source Code Pro" panose="020B0509030403020204" pitchFamily="49" charset="0"/>
+                <a:ea typeface="Source Code Pro" panose="020B0509030403020204" pitchFamily="49" charset="0"/>
+              </a:rPr>
+              <a:t>	 ')' [ </a:t>
+            </a:r>
+            <a:r>
+              <a:rPr lang="en-US" spc="-1" dirty="0">
+                <a:solidFill>
+                  <a:srgbClr val="2B8208"/>
+                </a:solidFill>
+                <a:latin typeface="Source Code Pro" panose="020B0509030403020204" pitchFamily="49" charset="0"/>
+                <a:ea typeface="Source Code Pro" panose="020B0509030403020204" pitchFamily="49" charset="0"/>
+              </a:rPr>
+              <a:t>WITH</a:t>
+            </a:r>
+            <a:r>
+              <a:rPr lang="en-US" spc="-1" dirty="0">
+                <a:latin typeface="Source Code Pro" panose="020B0509030403020204" pitchFamily="49" charset="0"/>
+                <a:ea typeface="Source Code Pro" panose="020B0509030403020204" pitchFamily="49" charset="0"/>
+              </a:rPr>
+              <a:t> </a:t>
+            </a:r>
+            <a:r>
+              <a:rPr lang="en-US" spc="-1" dirty="0">
+                <a:solidFill>
+                  <a:srgbClr val="0070C0"/>
+                </a:solidFill>
+                <a:latin typeface="Source Code Pro" panose="020B0509030403020204" pitchFamily="49" charset="0"/>
+                <a:ea typeface="Source Code Pro" panose="020B0509030403020204" pitchFamily="49" charset="0"/>
+              </a:rPr>
+              <a:t>table_options </a:t>
+            </a:r>
+            <a:r>
+              <a:rPr lang="en-US" spc="-1" dirty="0">
+                <a:latin typeface="Source Code Pro" panose="020B0509030403020204" pitchFamily="49" charset="0"/>
+                <a:ea typeface="Source Code Pro" panose="020B0509030403020204" pitchFamily="49" charset="0"/>
+              </a:rPr>
+              <a:t>]</a:t>
+            </a:r>
+          </a:p>
+          <a:p>
+            <a:endParaRPr lang="en-US" sz="1000" spc="-1" dirty="0">
+              <a:latin typeface="Source Code Pro" panose="020B0509030403020204" pitchFamily="49" charset="0"/>
+              <a:ea typeface="Source Code Pro" panose="020B0509030403020204" pitchFamily="49" charset="0"/>
+            </a:endParaRPr>
+          </a:p>
+          <a:p>
+            <a:r>
+              <a:rPr lang="en-US" spc="-1" dirty="0">
+                <a:latin typeface="Source Code Pro" panose="020B0509030403020204" pitchFamily="49" charset="0"/>
+                <a:ea typeface="Source Code Pro" panose="020B0509030403020204" pitchFamily="49" charset="0"/>
+              </a:rPr>
+              <a:t>  </a:t>
+            </a:r>
+            <a:r>
+              <a:rPr lang="en-US" spc="-1" dirty="0">
+                <a:solidFill>
+                  <a:srgbClr val="0070C0"/>
+                </a:solidFill>
+                <a:latin typeface="Source Code Pro" panose="020B0509030403020204" pitchFamily="49" charset="0"/>
+                <a:ea typeface="Source Code Pro" panose="020B0509030403020204" pitchFamily="49" charset="0"/>
+              </a:rPr>
+              <a:t>column_definition::=</a:t>
+            </a:r>
+            <a:r>
+              <a:rPr lang="en-US" spc="-1" dirty="0">
+                <a:latin typeface="Source Code Pro" panose="020B0509030403020204" pitchFamily="49" charset="0"/>
+                <a:ea typeface="Source Code Pro" panose="020B0509030403020204" pitchFamily="49" charset="0"/>
+              </a:rPr>
+              <a:t> column_name cql_type [ </a:t>
+            </a:r>
+            <a:r>
+              <a:rPr lang="en-US" spc="-1" dirty="0">
+                <a:solidFill>
+                  <a:srgbClr val="2B8208"/>
+                </a:solidFill>
+                <a:latin typeface="Source Code Pro" panose="020B0509030403020204" pitchFamily="49" charset="0"/>
+                <a:ea typeface="Source Code Pro" panose="020B0509030403020204" pitchFamily="49" charset="0"/>
+              </a:rPr>
+              <a:t>STATIC</a:t>
+            </a:r>
+            <a:r>
+              <a:rPr lang="en-US" spc="-1" dirty="0">
+                <a:latin typeface="Source Code Pro" panose="020B0509030403020204" pitchFamily="49" charset="0"/>
+                <a:ea typeface="Source Code Pro" panose="020B0509030403020204" pitchFamily="49" charset="0"/>
+              </a:rPr>
+              <a:t> ] [ </a:t>
+            </a:r>
+            <a:r>
+              <a:rPr lang="en-US" spc="-1" dirty="0">
+                <a:solidFill>
+                  <a:srgbClr val="2B8208"/>
+                </a:solidFill>
+                <a:latin typeface="Source Code Pro" panose="020B0509030403020204" pitchFamily="49" charset="0"/>
+                <a:ea typeface="Source Code Pro" panose="020B0509030403020204" pitchFamily="49" charset="0"/>
+              </a:rPr>
+              <a:t>PRIMARY</a:t>
+            </a:r>
+            <a:r>
+              <a:rPr lang="en-US" spc="-1" dirty="0">
+                <a:latin typeface="Source Code Pro" panose="020B0509030403020204" pitchFamily="49" charset="0"/>
+                <a:ea typeface="Source Code Pro" panose="020B0509030403020204" pitchFamily="49" charset="0"/>
+              </a:rPr>
+              <a:t> </a:t>
+            </a:r>
+            <a:r>
+              <a:rPr lang="en-US" spc="-1" dirty="0">
+                <a:solidFill>
+                  <a:srgbClr val="2B8208"/>
+                </a:solidFill>
+                <a:latin typeface="Source Code Pro" panose="020B0509030403020204" pitchFamily="49" charset="0"/>
+                <a:ea typeface="Source Code Pro" panose="020B0509030403020204" pitchFamily="49" charset="0"/>
+              </a:rPr>
+              <a:t>KEY</a:t>
+            </a:r>
+            <a:r>
+              <a:rPr lang="en-US" spc="-1" dirty="0">
+                <a:latin typeface="Source Code Pro" panose="020B0509030403020204" pitchFamily="49" charset="0"/>
+                <a:ea typeface="Source Code Pro" panose="020B0509030403020204" pitchFamily="49" charset="0"/>
+              </a:rPr>
+              <a:t>]</a:t>
+            </a:r>
+          </a:p>
+        </p:txBody>
+      </p:sp>
+      <p:sp>
+        <p:nvSpPr>
+          <p:cNvPr id="7" name="CustomShape 2">
+            <a:extLst>
+              <a:ext uri="{FF2B5EF4-FFF2-40B4-BE49-F238E27FC236}">
+                <a16:creationId xmlns:a16="http://schemas.microsoft.com/office/drawing/2014/main" id="{A448E69D-33F0-41C1-97A1-DEF3C4BE9678}"/>
+              </a:ext>
+            </a:extLst>
+          </p:cNvPr>
+          <p:cNvSpPr/>
+          <p:nvPr/>
+        </p:nvSpPr>
+        <p:spPr>
+          <a:xfrm>
+            <a:off x="246600" y="4152275"/>
+            <a:ext cx="11687400" cy="644877"/>
+          </a:xfrm>
+          <a:prstGeom prst="rect">
+            <a:avLst/>
+          </a:prstGeom>
+          <a:noFill/>
+          <a:ln>
+            <a:noFill/>
+          </a:ln>
+        </p:spPr>
+        <p:style>
+          <a:lnRef idx="0">
+            <a:scrgbClr r="0" g="0" b="0"/>
+          </a:lnRef>
+          <a:fillRef idx="0">
+            <a:scrgbClr r="0" g="0" b="0"/>
+          </a:fillRef>
+          <a:effectRef idx="0">
+            <a:scrgbClr r="0" g="0" b="0"/>
+          </a:effectRef>
+          <a:fontRef idx="minor"/>
+        </p:style>
+        <p:txBody>
+          <a:bodyPr wrap="square" lIns="90000" tIns="45000" rIns="90000" bIns="45000">
+            <a:spAutoFit/>
+          </a:bodyPr>
+          <a:lstStyle/>
+          <a:p>
+            <a:pPr marL="309510" indent="-285750">
+              <a:buClr>
+                <a:srgbClr val="808080"/>
+              </a:buClr>
+              <a:buFont typeface="Arial" panose="020B0604020202020204" pitchFamily="34" charset="0"/>
+              <a:buChar char="•"/>
+            </a:pPr>
+            <a:r>
+              <a:rPr lang="en-IN" sz="1800" b="0" strike="noStrike" spc="-1" dirty="0">
+                <a:solidFill>
+                  <a:schemeClr val="bg1">
+                    <a:lumMod val="50000"/>
+                  </a:schemeClr>
+                </a:solidFill>
+                <a:latin typeface="Consolas" panose="020B0609020204030204" pitchFamily="49" charset="0"/>
+                <a:ea typeface="SimSun"/>
+              </a:rPr>
+              <a:t>cqlsh:db1&gt; </a:t>
+            </a:r>
+            <a:r>
+              <a:rPr lang="en-US" sz="1800" b="0" strike="noStrike" spc="-1" dirty="0">
+                <a:latin typeface="Consolas" panose="020B0609020204030204" pitchFamily="49" charset="0"/>
+                <a:ea typeface="SimSun"/>
+              </a:rPr>
+              <a:t>CREATE COLUMNFAMILY examAttempt</a:t>
+            </a:r>
+            <a:r>
+              <a:rPr lang="en-US" sz="1800" b="0" strike="noStrike" spc="-1" dirty="0">
+                <a:solidFill>
+                  <a:schemeClr val="bg1">
+                    <a:lumMod val="50000"/>
+                  </a:schemeClr>
+                </a:solidFill>
+                <a:latin typeface="Consolas" panose="020B0609020204030204" pitchFamily="49" charset="0"/>
+                <a:ea typeface="SimSun"/>
+              </a:rPr>
+              <a:t>(</a:t>
+            </a:r>
+            <a:r>
+              <a:rPr lang="en-US" sz="1800" b="0" strike="noStrike" spc="-1" dirty="0">
+                <a:latin typeface="Consolas" panose="020B0609020204030204" pitchFamily="49" charset="0"/>
+                <a:ea typeface="SimSun"/>
+              </a:rPr>
+              <a:t> studentID </a:t>
+            </a:r>
+            <a:r>
+              <a:rPr lang="en-US" dirty="0">
+                <a:solidFill>
+                  <a:srgbClr val="834689"/>
+                </a:solidFill>
+                <a:latin typeface="Consolas" panose="020B0609020204030204" pitchFamily="49" charset="0"/>
+                <a:cs typeface="Arial" panose="020B0604020202020204" pitchFamily="34" charset="0"/>
+              </a:rPr>
+              <a:t>int</a:t>
+            </a:r>
+            <a:r>
+              <a:rPr lang="en-US" sz="1800" b="0" strike="noStrike" spc="-1" dirty="0">
+                <a:latin typeface="Consolas" panose="020B0609020204030204" pitchFamily="49" charset="0"/>
+                <a:ea typeface="SimSun"/>
+              </a:rPr>
+              <a:t>, subject </a:t>
+            </a:r>
+            <a:r>
+              <a:rPr lang="en-US" dirty="0">
+                <a:solidFill>
+                  <a:srgbClr val="834689"/>
+                </a:solidFill>
+                <a:latin typeface="Consolas" panose="020B0609020204030204" pitchFamily="49" charset="0"/>
+                <a:cs typeface="Arial" panose="020B0604020202020204" pitchFamily="34" charset="0"/>
+              </a:rPr>
+              <a:t>text</a:t>
+            </a:r>
+            <a:r>
+              <a:rPr lang="en-US" sz="1800" b="0" strike="noStrike" spc="-1" dirty="0">
+                <a:latin typeface="Consolas" panose="020B0609020204030204" pitchFamily="49" charset="0"/>
+                <a:ea typeface="SimSun"/>
+              </a:rPr>
+              <a:t>, a  </a:t>
+            </a:r>
+            <a:r>
+              <a:rPr lang="en-US" dirty="0">
+                <a:solidFill>
+                  <a:srgbClr val="834689"/>
+                </a:solidFill>
+                <a:latin typeface="Consolas" panose="020B0609020204030204" pitchFamily="49" charset="0"/>
+                <a:cs typeface="Arial" panose="020B0604020202020204" pitchFamily="34" charset="0"/>
+              </a:rPr>
+              <a:t>counter</a:t>
+            </a:r>
+            <a:r>
+              <a:rPr lang="en-US" sz="1800" b="0" strike="noStrike" spc="-1" dirty="0">
+                <a:latin typeface="Consolas" panose="020B0609020204030204" pitchFamily="49" charset="0"/>
+                <a:ea typeface="SimSun"/>
+              </a:rPr>
+              <a:t>,</a:t>
+            </a:r>
+            <a:r>
+              <a:rPr lang="en-US" dirty="0">
+                <a:solidFill>
+                  <a:srgbClr val="834689"/>
+                </a:solidFill>
+                <a:latin typeface="Consolas" panose="020B0609020204030204" pitchFamily="49" charset="0"/>
+                <a:cs typeface="Arial" panose="020B0604020202020204" pitchFamily="34" charset="0"/>
+              </a:rPr>
+              <a:t> </a:t>
+            </a:r>
+            <a:r>
+              <a:rPr lang="en-US" dirty="0">
+                <a:solidFill>
+                  <a:srgbClr val="C00000"/>
+                </a:solidFill>
+                <a:latin typeface="Consolas" panose="020B0609020204030204" pitchFamily="49" charset="0"/>
+                <a:cs typeface="Arial" panose="020B0604020202020204" pitchFamily="34" charset="0"/>
+              </a:rPr>
+              <a:t>primary</a:t>
+            </a:r>
+            <a:r>
+              <a:rPr lang="en-US" sz="1800" b="0" strike="noStrike" spc="-1" dirty="0">
+                <a:latin typeface="Consolas" panose="020B0609020204030204" pitchFamily="49" charset="0"/>
+                <a:ea typeface="SimSun"/>
+              </a:rPr>
+              <a:t> </a:t>
+            </a:r>
+            <a:r>
+              <a:rPr lang="en-US" dirty="0">
+                <a:solidFill>
+                  <a:srgbClr val="C00000"/>
+                </a:solidFill>
+                <a:latin typeface="Consolas" panose="020B0609020204030204" pitchFamily="49" charset="0"/>
+                <a:cs typeface="Arial" panose="020B0604020202020204" pitchFamily="34" charset="0"/>
+              </a:rPr>
+              <a:t>key</a:t>
+            </a:r>
+            <a:r>
+              <a:rPr lang="en-US" dirty="0">
+                <a:solidFill>
+                  <a:schemeClr val="bg1">
+                    <a:lumMod val="50000"/>
+                  </a:schemeClr>
+                </a:solidFill>
+                <a:latin typeface="Consolas" panose="020B0609020204030204" pitchFamily="49" charset="0"/>
+                <a:cs typeface="Arial" panose="020B0604020202020204" pitchFamily="34" charset="0"/>
+              </a:rPr>
+              <a:t>(</a:t>
+            </a:r>
+            <a:r>
+              <a:rPr lang="en-US" sz="1800" b="0" strike="noStrike" spc="-1" dirty="0">
+                <a:latin typeface="Consolas" panose="020B0609020204030204" pitchFamily="49" charset="0"/>
+                <a:ea typeface="SimSun"/>
+              </a:rPr>
+              <a:t>studentID</a:t>
+            </a:r>
+            <a:r>
+              <a:rPr lang="en-US" spc="-1" dirty="0">
+                <a:latin typeface="Consolas" panose="020B0609020204030204" pitchFamily="49" charset="0"/>
+                <a:ea typeface="SimSun"/>
+              </a:rPr>
+              <a:t>, subject</a:t>
+            </a:r>
+            <a:r>
+              <a:rPr lang="en-US" dirty="0">
+                <a:solidFill>
+                  <a:schemeClr val="bg1">
+                    <a:lumMod val="50000"/>
+                  </a:schemeClr>
+                </a:solidFill>
+                <a:latin typeface="Consolas" panose="020B0609020204030204" pitchFamily="49" charset="0"/>
+                <a:cs typeface="Arial" panose="020B0604020202020204" pitchFamily="34" charset="0"/>
+              </a:rPr>
+              <a:t>)</a:t>
+            </a:r>
+            <a:r>
+              <a:rPr lang="en-US" dirty="0">
+                <a:solidFill>
+                  <a:srgbClr val="834689"/>
+                </a:solidFill>
+                <a:latin typeface="Consolas" panose="020B0609020204030204" pitchFamily="49" charset="0"/>
+                <a:cs typeface="Arial" panose="020B0604020202020204" pitchFamily="34" charset="0"/>
+              </a:rPr>
+              <a:t> </a:t>
+            </a:r>
+            <a:r>
+              <a:rPr lang="en-US" sz="1800" b="0" strike="noStrike" spc="-1" dirty="0">
+                <a:solidFill>
+                  <a:schemeClr val="bg1">
+                    <a:lumMod val="50000"/>
+                  </a:schemeClr>
+                </a:solidFill>
+                <a:latin typeface="Consolas" panose="020B0609020204030204" pitchFamily="49" charset="0"/>
+                <a:ea typeface="SimSun"/>
+              </a:rPr>
+              <a:t>)</a:t>
+            </a:r>
+            <a:r>
+              <a:rPr lang="en-US" sz="1800" b="0" strike="noStrike" spc="-1" dirty="0">
+                <a:latin typeface="Consolas" panose="020B0609020204030204" pitchFamily="49" charset="0"/>
+                <a:ea typeface="SimSun"/>
+              </a:rPr>
+              <a:t>;</a:t>
+            </a:r>
+            <a:endParaRPr lang="en-IN" spc="-1" dirty="0">
+              <a:latin typeface="Consolas" panose="020B0609020204030204" pitchFamily="49" charset="0"/>
+              <a:ea typeface="SimSun"/>
+            </a:endParaRPr>
+          </a:p>
+        </p:txBody>
+      </p:sp>
+    </p:spTree>
+    <p:extLst>
+      <p:ext uri="{BB962C8B-B14F-4D97-AF65-F5344CB8AC3E}">
+        <p14:creationId xmlns:p14="http://schemas.microsoft.com/office/powerpoint/2010/main" val="1272804237"/>
+      </p:ext>
+    </p:extLst>
+  </p:cSld>
+  <p:clrMapOvr>
+    <a:masterClrMapping/>
+  </p:clrMapOvr>
+</p:sld>
+</file>
+
+<file path=ppt/slides/slide29.xml><?xml version="1.0" encoding="utf-8"?>
+<p:sld xmlns:a="http://schemas.openxmlformats.org/drawingml/2006/main" xmlns:r="http://schemas.openxmlformats.org/officeDocument/2006/relationships" xmlns:p="http://schemas.openxmlformats.org/presentationml/2006/main">
+  <p:cSld>
+    <p:spTree>
+      <p:nvGrpSpPr>
+        <p:cNvPr id="1" name=""/>
+        <p:cNvGrpSpPr/>
+        <p:nvPr/>
+      </p:nvGrpSpPr>
+      <p:grpSpPr>
+        <a:xfrm>
+          <a:off x="0" y="0"/>
+          <a:ext cx="0" cy="0"/>
+          <a:chOff x="0" y="0"/>
+          <a:chExt cx="0" cy="0"/>
+        </a:xfrm>
+      </p:grpSpPr>
+      <p:sp>
+        <p:nvSpPr>
+          <p:cNvPr id="109" name="CustomShape 1"/>
+          <p:cNvSpPr/>
+          <p:nvPr/>
+        </p:nvSpPr>
+        <p:spPr>
+          <a:xfrm>
+            <a:off x="1676520" y="2362320"/>
+            <a:ext cx="8815320" cy="921876"/>
+          </a:xfrm>
+          <a:prstGeom prst="rect">
+            <a:avLst/>
+          </a:prstGeom>
+          <a:noFill/>
+          <a:ln>
+            <a:noFill/>
+          </a:ln>
+        </p:spPr>
+        <p:style>
+          <a:lnRef idx="0">
+            <a:scrgbClr r="0" g="0" b="0"/>
+          </a:lnRef>
+          <a:fillRef idx="0">
+            <a:scrgbClr r="0" g="0" b="0"/>
+          </a:fillRef>
+          <a:effectRef idx="0">
+            <a:scrgbClr r="0" g="0" b="0"/>
+          </a:effectRef>
+          <a:fontRef idx="minor"/>
+        </p:style>
+        <p:txBody>
+          <a:bodyPr lIns="90000" tIns="45000" rIns="90000" bIns="45000">
+            <a:spAutoFit/>
+          </a:bodyPr>
+          <a:lstStyle/>
+          <a:p>
+            <a:pPr algn="ctr">
+              <a:lnSpc>
+                <a:spcPct val="100000"/>
+              </a:lnSpc>
+            </a:pPr>
+            <a:r>
+              <a:rPr lang="en-IN" sz="5400" i="1" spc="-1" dirty="0">
+                <a:solidFill>
+                  <a:srgbClr val="F7C120"/>
+                </a:solidFill>
+                <a:latin typeface="Century"/>
+                <a:ea typeface="DejaVu Sans"/>
+              </a:rPr>
               <a:t>collection datatype</a:t>
             </a:r>
             <a:endParaRPr lang="en-IN" sz="5400" b="0" strike="noStrike" spc="-1" dirty="0">
@@ -12798,7 +13988,152 @@
 </p:sld>
 </file>
 
-<file path=ppt/slides/slide28.xml><?xml version="1.0" encoding="utf-8"?>
+<file path=ppt/slides/slide3.xml><?xml version="1.0" encoding="utf-8"?>
+<p:sld xmlns:a="http://schemas.openxmlformats.org/drawingml/2006/main" xmlns:r="http://schemas.openxmlformats.org/officeDocument/2006/relationships" xmlns:p="http://schemas.openxmlformats.org/presentationml/2006/main">
+  <p:cSld>
+    <p:spTree>
+      <p:nvGrpSpPr>
+        <p:cNvPr id="1" name=""/>
+        <p:cNvGrpSpPr/>
+        <p:nvPr/>
+      </p:nvGrpSpPr>
+      <p:grpSpPr>
+        <a:xfrm>
+          <a:off x="0" y="0"/>
+          <a:ext cx="0" cy="0"/>
+          <a:chOff x="0" y="0"/>
+          <a:chExt cx="0" cy="0"/>
+        </a:xfrm>
+      </p:grpSpPr>
+      <p:sp>
+        <p:nvSpPr>
+          <p:cNvPr id="96" name="CustomShape 1"/>
+          <p:cNvSpPr/>
+          <p:nvPr/>
+        </p:nvSpPr>
+        <p:spPr>
+          <a:xfrm>
+            <a:off x="1676520" y="2362320"/>
+            <a:ext cx="8815320" cy="1752872"/>
+          </a:xfrm>
+          <a:prstGeom prst="rect">
+            <a:avLst/>
+          </a:prstGeom>
+          <a:noFill/>
+          <a:ln>
+            <a:noFill/>
+          </a:ln>
+        </p:spPr>
+        <p:style>
+          <a:lnRef idx="0">
+            <a:scrgbClr r="0" g="0" b="0"/>
+          </a:lnRef>
+          <a:fillRef idx="0">
+            <a:scrgbClr r="0" g="0" b="0"/>
+          </a:fillRef>
+          <a:effectRef idx="0">
+            <a:scrgbClr r="0" g="0" b="0"/>
+          </a:effectRef>
+          <a:fontRef idx="minor"/>
+        </p:style>
+        <p:txBody>
+          <a:bodyPr lIns="90000" tIns="45000" rIns="90000" bIns="45000">
+            <a:spAutoFit/>
+          </a:bodyPr>
+          <a:lstStyle/>
+          <a:p>
+            <a:pPr algn="ctr"/>
+            <a:r>
+              <a:rPr lang="en-IN" sz="5400" i="1" spc="-1" dirty="0">
+                <a:solidFill>
+                  <a:srgbClr val="F7C120"/>
+                </a:solidFill>
+                <a:latin typeface="Century"/>
+              </a:rPr>
+              <a:t>cqlsh</a:t>
+            </a:r>
+          </a:p>
+          <a:p>
+            <a:pPr algn="ctr">
+              <a:lnSpc>
+                <a:spcPct val="100000"/>
+              </a:lnSpc>
+            </a:pPr>
+            <a:endParaRPr lang="en-IN" sz="5400" b="0" strike="noStrike" spc="-1" dirty="0">
+              <a:latin typeface="Arial"/>
+            </a:endParaRPr>
+          </a:p>
+        </p:txBody>
+      </p:sp>
+      <p:sp>
+        <p:nvSpPr>
+          <p:cNvPr id="97" name="CustomShape 2"/>
+          <p:cNvSpPr/>
+          <p:nvPr/>
+        </p:nvSpPr>
+        <p:spPr>
+          <a:xfrm>
+            <a:off x="522360" y="3531600"/>
+            <a:ext cx="11124360" cy="644877"/>
+          </a:xfrm>
+          <a:prstGeom prst="rect">
+            <a:avLst/>
+          </a:prstGeom>
+          <a:noFill/>
+          <a:ln>
+            <a:noFill/>
+          </a:ln>
+        </p:spPr>
+        <p:style>
+          <a:lnRef idx="0">
+            <a:scrgbClr r="0" g="0" b="0"/>
+          </a:lnRef>
+          <a:fillRef idx="0">
+            <a:scrgbClr r="0" g="0" b="0"/>
+          </a:fillRef>
+          <a:effectRef idx="0">
+            <a:scrgbClr r="0" g="0" b="0"/>
+          </a:effectRef>
+          <a:fontRef idx="minor"/>
+        </p:style>
+        <p:txBody>
+          <a:bodyPr lIns="90000" tIns="45000" rIns="90000" bIns="45000">
+            <a:spAutoFit/>
+          </a:bodyPr>
+          <a:lstStyle/>
+          <a:p>
+            <a:pPr algn="just">
+              <a:lnSpc>
+                <a:spcPct val="100000"/>
+              </a:lnSpc>
+            </a:pPr>
+            <a:r>
+              <a:rPr lang="en-US" spc="-1" dirty="0">
+                <a:solidFill>
+                  <a:srgbClr val="BB0643"/>
+                </a:solidFill>
+                <a:latin typeface="Segoe UI"/>
+              </a:rPr>
+              <a:t>Cassandra Query Language Shell (CQLSH) is basically a communication medium between Cassandra and the user.</a:t>
+            </a:r>
+            <a:endParaRPr lang="en-IN" spc="-1" dirty="0">
+              <a:solidFill>
+                <a:srgbClr val="BB0643"/>
+              </a:solidFill>
+              <a:latin typeface="Segoe UI"/>
+            </a:endParaRPr>
+          </a:p>
+        </p:txBody>
+      </p:sp>
+    </p:spTree>
+  </p:cSld>
+  <p:clrMapOvr>
+    <a:masterClrMapping/>
+  </p:clrMapOvr>
+</p:sld>
+</file>
+
+<file path=ppt/slides/slide30.xml><?xml version="1.0" encoding="utf-8"?>
 <p:sld xmlns:a="http://schemas.openxmlformats.org/drawingml/2006/main" xmlns:r="http://schemas.openxmlformats.org/officeDocument/2006/relationships" xmlns:p="http://schemas.openxmlformats.org/presentationml/2006/main">
   <p:cSld>
     <p:spTree>
@@ -13182,7 +14517,7 @@
 </p:sld>
 </file>
 
-<file path=ppt/slides/slide29.xml><?xml version="1.0" encoding="utf-8"?>
+<file path=ppt/slides/slide31.xml><?xml version="1.0" encoding="utf-8"?>
 <p:sld xmlns:a="http://schemas.openxmlformats.org/drawingml/2006/main" xmlns:r="http://schemas.openxmlformats.org/officeDocument/2006/relationships" xmlns:p="http://schemas.openxmlformats.org/presentationml/2006/main">
   <p:cSld>
     <p:spTree>
@@ -14078,152 +15413,7 @@
 </p:sld>
 </file>
 
-<file path=ppt/slides/slide3.xml><?xml version="1.0" encoding="utf-8"?>
-<p:sld xmlns:a="http://schemas.openxmlformats.org/drawingml/2006/main" xmlns:r="http://schemas.openxmlformats.org/officeDocument/2006/relationships" xmlns:p="http://schemas.openxmlformats.org/presentationml/2006/main">
-  <p:cSld>
-    <p:spTree>
-      <p:nvGrpSpPr>
-        <p:cNvPr id="1" name=""/>
-        <p:cNvGrpSpPr/>
-        <p:nvPr/>
-      </p:nvGrpSpPr>
-      <p:grpSpPr>
-        <a:xfrm>
-          <a:off x="0" y="0"/>
-          <a:ext cx="0" cy="0"/>
-          <a:chOff x="0" y="0"/>
-          <a:chExt cx="0" cy="0"/>
-        </a:xfrm>
-      </p:grpSpPr>
-      <p:sp>
-        <p:nvSpPr>
-          <p:cNvPr id="96" name="CustomShape 1"/>
-          <p:cNvSpPr/>
-          <p:nvPr/>
-        </p:nvSpPr>
-        <p:spPr>
-          <a:xfrm>
-            <a:off x="1676520" y="2362320"/>
-            <a:ext cx="8815320" cy="1752872"/>
-          </a:xfrm>
-          <a:prstGeom prst="rect">
-            <a:avLst/>
-          </a:prstGeom>
-          <a:noFill/>
-          <a:ln>
-            <a:noFill/>
-          </a:ln>
-        </p:spPr>
-        <p:style>
-          <a:lnRef idx="0">
-            <a:scrgbClr r="0" g="0" b="0"/>
-          </a:lnRef>
-          <a:fillRef idx="0">
-            <a:scrgbClr r="0" g="0" b="0"/>
-          </a:fillRef>
-          <a:effectRef idx="0">
-            <a:scrgbClr r="0" g="0" b="0"/>
-          </a:effectRef>
-          <a:fontRef idx="minor"/>
-        </p:style>
-        <p:txBody>
-          <a:bodyPr lIns="90000" tIns="45000" rIns="90000" bIns="45000">
-            <a:spAutoFit/>
-          </a:bodyPr>
-          <a:lstStyle/>
-          <a:p>
-            <a:pPr algn="ctr"/>
-            <a:r>
-              <a:rPr lang="en-IN" sz="5400" i="1" spc="-1" dirty="0">
-                <a:solidFill>
-                  <a:srgbClr val="F7C120"/>
-                </a:solidFill>
-                <a:latin typeface="Century"/>
-              </a:rPr>
-              <a:t>cqlsh</a:t>
-            </a:r>
-          </a:p>
-          <a:p>
-            <a:pPr algn="ctr">
-              <a:lnSpc>
-                <a:spcPct val="100000"/>
-              </a:lnSpc>
-            </a:pPr>
-            <a:endParaRPr lang="en-IN" sz="5400" b="0" strike="noStrike" spc="-1" dirty="0">
-              <a:latin typeface="Arial"/>
-            </a:endParaRPr>
-          </a:p>
-        </p:txBody>
-      </p:sp>
-      <p:sp>
-        <p:nvSpPr>
-          <p:cNvPr id="97" name="CustomShape 2"/>
-          <p:cNvSpPr/>
-          <p:nvPr/>
-        </p:nvSpPr>
-        <p:spPr>
-          <a:xfrm>
-            <a:off x="522360" y="3531600"/>
-            <a:ext cx="11124360" cy="644877"/>
-          </a:xfrm>
-          <a:prstGeom prst="rect">
-            <a:avLst/>
-          </a:prstGeom>
-          <a:noFill/>
-          <a:ln>
-            <a:noFill/>
-          </a:ln>
-        </p:spPr>
-        <p:style>
-          <a:lnRef idx="0">
-            <a:scrgbClr r="0" g="0" b="0"/>
-          </a:lnRef>
-          <a:fillRef idx="0">
-            <a:scrgbClr r="0" g="0" b="0"/>
-          </a:fillRef>
-          <a:effectRef idx="0">
-            <a:scrgbClr r="0" g="0" b="0"/>
-          </a:effectRef>
-          <a:fontRef idx="minor"/>
-        </p:style>
-        <p:txBody>
-          <a:bodyPr lIns="90000" tIns="45000" rIns="90000" bIns="45000">
-            <a:spAutoFit/>
-          </a:bodyPr>
-          <a:lstStyle/>
-          <a:p>
-            <a:pPr algn="just">
-              <a:lnSpc>
-                <a:spcPct val="100000"/>
-              </a:lnSpc>
-            </a:pPr>
-            <a:r>
-              <a:rPr lang="en-US" spc="-1" dirty="0">
-                <a:solidFill>
-                  <a:srgbClr val="BB0643"/>
-                </a:solidFill>
-                <a:latin typeface="Segoe UI"/>
-              </a:rPr>
-              <a:t>Cassandra Query Language Shell (CQLSH) is basically a communication medium between Cassandra and the user.</a:t>
-            </a:r>
-            <a:endParaRPr lang="en-IN" spc="-1" dirty="0">
-              <a:solidFill>
-                <a:srgbClr val="BB0643"/>
-              </a:solidFill>
-              <a:latin typeface="Segoe UI"/>
-            </a:endParaRPr>
-          </a:p>
-        </p:txBody>
-      </p:sp>
-    </p:spTree>
-  </p:cSld>
-  <p:clrMapOvr>
-    <a:masterClrMapping/>
-  </p:clrMapOvr>
-</p:sld>
-</file>
-
-<file path=ppt/slides/slide30.xml><?xml version="1.0" encoding="utf-8"?>
+<file path=ppt/slides/slide32.xml><?xml version="1.0" encoding="utf-8"?>
 <p:sld xmlns:a="http://schemas.openxmlformats.org/drawingml/2006/main" xmlns:r="http://schemas.openxmlformats.org/officeDocument/2006/relationships" xmlns:p="http://schemas.openxmlformats.org/presentationml/2006/main">
   <p:cSld>
     <p:spTree>
@@ -14491,7 +15681,24 @@
                 <a:latin typeface="Source Code Pro" panose="020B0509030403020204" pitchFamily="49" charset="0"/>
                 <a:ea typeface="Source Code Pro" panose="020B0509030403020204" pitchFamily="49" charset="0"/>
               </a:rPr>
-              <a:t>           | map_name[ index ] = map_value </a:t>
+              <a:t>           | map_name[ </a:t>
+            </a:r>
+            <a:r>
+              <a:rPr lang="en-US" i="1" spc="-1" dirty="0">
+                <a:solidFill>
+                  <a:srgbClr val="C00000"/>
+                </a:solidFill>
+                <a:latin typeface="Source Code Pro" panose="020B0509030403020204" pitchFamily="49" charset="0"/>
+                <a:ea typeface="Source Code Pro" panose="020B0509030403020204" pitchFamily="49" charset="0"/>
+              </a:rPr>
+              <a:t>index</a:t>
+            </a:r>
+            <a:r>
+              <a:rPr lang="en-US" spc="-1" dirty="0">
+                <a:latin typeface="Source Code Pro" panose="020B0509030403020204" pitchFamily="49" charset="0"/>
+                <a:ea typeface="Source Code Pro" panose="020B0509030403020204" pitchFamily="49" charset="0"/>
+              </a:rPr>
+              <a:t> ] = map_value </a:t>
             </a:r>
             <a:endParaRPr lang="en-US" spc="-1" dirty="0">
               <a:solidFill>
@@ -14892,7 +16099,7 @@
 </p:sld>
 </file>
 
-<file path=ppt/slides/slide31.xml><?xml version="1.0" encoding="utf-8"?>
+<file path=ppt/slides/slide33.xml><?xml version="1.0" encoding="utf-8"?>
 <p:sld xmlns:a="http://schemas.openxmlformats.org/drawingml/2006/main" xmlns:r="http://schemas.openxmlformats.org/officeDocument/2006/relationships" xmlns:p="http://schemas.openxmlformats.org/presentationml/2006/main">
   <p:cSld>
     <p:spTree>
@@ -15160,7 +16367,24 @@
                 <a:latin typeface="Source Code Pro" panose="020B0509030403020204" pitchFamily="49" charset="0"/>
                 <a:ea typeface="Source Code Pro" panose="020B0509030403020204" pitchFamily="49" charset="0"/>
               </a:rPr>
-              <a:t>           | map_name[ index ] = map_value </a:t>
+              <a:t>           | map_name[ </a:t>
+            </a:r>
+            <a:r>
+              <a:rPr lang="en-US" i="1" spc="-1" dirty="0">
+                <a:solidFill>
+                  <a:srgbClr val="C00000"/>
+                </a:solidFill>
+                <a:latin typeface="Source Code Pro" panose="020B0509030403020204" pitchFamily="49" charset="0"/>
+                <a:ea typeface="Source Code Pro" panose="020B0509030403020204" pitchFamily="49" charset="0"/>
+              </a:rPr>
+              <a:t>index</a:t>
+            </a:r>
+            <a:r>
+              <a:rPr lang="en-US" spc="-1" dirty="0">
+                <a:latin typeface="Source Code Pro" panose="020B0509030403020204" pitchFamily="49" charset="0"/>
+                <a:ea typeface="Source Code Pro" panose="020B0509030403020204" pitchFamily="49" charset="0"/>
+              </a:rPr>
+              <a:t> ] = map_value </a:t>
             </a:r>
             <a:endParaRPr lang="en-US" spc="-1" dirty="0">
               <a:solidFill>
@@ -15773,7 +16997,7 @@
 </p:sld>
 </file>
 
-<file path=ppt/slides/slide32.xml><?xml version="1.0" encoding="utf-8"?>
+<file path=ppt/slides/slide34.xml><?xml version="1.0" encoding="utf-8"?>
 <p:sld xmlns:a="http://schemas.openxmlformats.org/drawingml/2006/main" xmlns:r="http://schemas.openxmlformats.org/officeDocument/2006/relationships" xmlns:p="http://schemas.openxmlformats.org/presentationml/2006/main">
   <p:cSld>
     <p:spTree>
@@ -16647,7 +17871,7 @@
 </p:sld>
 </file>
 
-<file path=ppt/slides/slide33.xml><?xml version="1.0" encoding="utf-8"?>
+<file path=ppt/slides/slide35.xml><?xml version="1.0" encoding="utf-8"?>
 <p:sld xmlns:a="http://schemas.openxmlformats.org/drawingml/2006/main" xmlns:r="http://schemas.openxmlformats.org/officeDocument/2006/relationships" xmlns:p="http://schemas.openxmlformats.org/presentationml/2006/main">
   <p:cSld>
     <p:spTree>
@@ -16906,7 +18130,21 @@
                 <a:latin typeface="Source Code Pro" panose="020B0509030403020204" pitchFamily="49" charset="0"/>
                 <a:ea typeface="Source Code Pro" panose="020B0509030403020204" pitchFamily="49" charset="0"/>
               </a:rPr>
-              <a:t> { ['set_item'] }</a:t>
+              <a:t> { ['</a:t>
+            </a:r>
+            <a:r>
+              <a:rPr lang="en-US" spc="-1" dirty="0" err="1">
+                <a:latin typeface="Source Code Pro" panose="020B0509030403020204" pitchFamily="49" charset="0"/>
+                <a:ea typeface="Source Code Pro" panose="020B0509030403020204" pitchFamily="49" charset="0"/>
+              </a:rPr>
+              <a:t>set_items</a:t>
+            </a:r>
+            <a:r>
+              <a:rPr lang="en-US" spc="-1" dirty="0">
+                <a:latin typeface="Source Code Pro" panose="020B0509030403020204" pitchFamily="49" charset="0"/>
+                <a:ea typeface="Source Code Pro" panose="020B0509030403020204" pitchFamily="49" charset="0"/>
+              </a:rPr>
+              <a:t>'] }</a:t>
             </a:r>
             <a:endParaRPr lang="en-IN" sz="400" spc="-1" dirty="0">
               <a:latin typeface="Source Code Pro" panose="020B0509030403020204" pitchFamily="49" charset="0"/>
@@ -17676,7 +18914,7 @@
 </p:sld>
 </file>
 
-<file path=ppt/slides/slide34.xml><?xml version="1.0" encoding="utf-8"?>
+<file path=ppt/slides/slide36.xml><?xml version="1.0" encoding="utf-8"?>
 <p:sld xmlns:a="http://schemas.openxmlformats.org/drawingml/2006/main" xmlns:r="http://schemas.openxmlformats.org/officeDocument/2006/relationships" xmlns:p="http://schemas.openxmlformats.org/presentationml/2006/main">
   <p:cSld>
     <p:spTree>
@@ -18635,7 +19873,7 @@
 </p:sld>
 </file>
 
-<file path=ppt/slides/slide35.xml><?xml version="1.0" encoding="utf-8"?>
+<file path=ppt/slides/slide37.xml><?xml version="1.0" encoding="utf-8"?>
 <p:sld xmlns:a="http://schemas.openxmlformats.org/drawingml/2006/main" xmlns:r="http://schemas.openxmlformats.org/officeDocument/2006/relationships" xmlns:p="http://schemas.openxmlformats.org/presentationml/2006/main">
   <p:cSld>
     <p:spTree>
@@ -19615,7 +20853,7 @@
 </p:sld>
 </file>
 
-<file path=ppt/slides/slide36.xml><?xml version="1.0" encoding="utf-8"?>
+<file path=ppt/slides/slide38.xml><?xml version="1.0" encoding="utf-8"?>
 <p:sld xmlns:a="http://schemas.openxmlformats.org/drawingml/2006/main" xmlns:r="http://schemas.openxmlformats.org/officeDocument/2006/relationships" xmlns:p="http://schemas.openxmlformats.org/presentationml/2006/main">
   <p:cSld>
     <p:spTree>
@@ -19764,7 +21002,7 @@
 </p:sld>
 </file>
 
-<file path=ppt/slides/slide37.xml><?xml version="1.0" encoding="utf-8"?>
+<file path=ppt/slides/slide39.xml><?xml version="1.0" encoding="utf-8"?>
 <p:sld xmlns:a="http://schemas.openxmlformats.org/drawingml/2006/main" xmlns:r="http://schemas.openxmlformats.org/officeDocument/2006/relationships" xmlns:p="http://schemas.openxmlformats.org/presentationml/2006/main">
   <p:cSld>
     <p:spTree>
@@ -20733,7 +21971,561 @@
 </p:sld>
 </file>
 
-<file path=ppt/slides/slide38.xml><?xml version="1.0" encoding="utf-8"?>
+<file path=ppt/slides/slide4.xml><?xml version="1.0" encoding="utf-8"?>
+<p:sld xmlns:a="http://schemas.openxmlformats.org/drawingml/2006/main" xmlns:r="http://schemas.openxmlformats.org/officeDocument/2006/relationships" xmlns:p="http://schemas.openxmlformats.org/presentationml/2006/main">
+  <p:cSld>
+    <p:spTree>
+      <p:nvGrpSpPr>
+        <p:cNvPr id="1" name=""/>
+        <p:cNvGrpSpPr/>
+        <p:nvPr/>
+      </p:nvGrpSpPr>
+      <p:grpSpPr>
+        <a:xfrm>
+          <a:off x="0" y="0"/>
+          <a:ext cx="0" cy="0"/>
+          <a:chOff x="0" y="0"/>
+          <a:chExt cx="0" cy="0"/>
+        </a:xfrm>
+      </p:grpSpPr>
+      <p:sp>
+        <p:nvSpPr>
+          <p:cNvPr id="102" name="CustomShape 3"/>
+          <p:cNvSpPr/>
+          <p:nvPr/>
+        </p:nvSpPr>
+        <p:spPr>
+          <a:xfrm>
+            <a:off x="246600" y="762120"/>
+            <a:ext cx="11693880" cy="363960"/>
+          </a:xfrm>
+          <a:prstGeom prst="rect">
+            <a:avLst/>
+          </a:prstGeom>
+          <a:noFill/>
+          <a:ln>
+            <a:noFill/>
+          </a:ln>
+        </p:spPr>
+        <p:style>
+          <a:lnRef idx="0">
+            <a:scrgbClr r="0" g="0" b="0"/>
+          </a:lnRef>
+          <a:fillRef idx="0">
+            <a:scrgbClr r="0" g="0" b="0"/>
+          </a:fillRef>
+          <a:effectRef idx="0">
+            <a:scrgbClr r="0" g="0" b="0"/>
+          </a:effectRef>
+          <a:fontRef idx="minor"/>
+        </p:style>
+        <p:txBody>
+          <a:bodyPr lIns="90000" tIns="45000" rIns="90000" bIns="45000">
+            <a:spAutoFit/>
+          </a:bodyPr>
+          <a:lstStyle/>
+          <a:p>
+            <a:pPr algn="just"/>
+            <a:r>
+              <a:rPr lang="en-US" spc="-1" dirty="0">
+                <a:latin typeface="Arial"/>
+              </a:rPr>
+              <a:t>To start cassandra server/client</a:t>
+            </a:r>
+            <a:endParaRPr lang="en-IN" spc="-1" dirty="0">
+              <a:latin typeface="Arial"/>
+            </a:endParaRPr>
+          </a:p>
+        </p:txBody>
+      </p:sp>
+      <p:sp>
+        <p:nvSpPr>
+          <p:cNvPr id="105" name="CustomShape 6"/>
+          <p:cNvSpPr/>
+          <p:nvPr/>
+        </p:nvSpPr>
+        <p:spPr>
+          <a:xfrm>
+            <a:off x="246600" y="0"/>
+            <a:ext cx="11693880" cy="706432"/>
+          </a:xfrm>
+          <a:prstGeom prst="rect">
+            <a:avLst/>
+          </a:prstGeom>
+          <a:solidFill>
+            <a:srgbClr val="C00000"/>
+          </a:solidFill>
+          <a:ln>
+            <a:noFill/>
+          </a:ln>
+        </p:spPr>
+        <p:style>
+          <a:lnRef idx="0">
+            <a:scrgbClr r="0" g="0" b="0"/>
+          </a:lnRef>
+          <a:fillRef idx="0">
+            <a:scrgbClr r="0" g="0" b="0"/>
+          </a:fillRef>
+          <a:effectRef idx="0">
+            <a:scrgbClr r="0" g="0" b="0"/>
+          </a:effectRef>
+          <a:fontRef idx="minor"/>
+        </p:style>
+        <p:txBody>
+          <a:bodyPr lIns="90000" tIns="45000" rIns="90000" bIns="45000">
+            <a:spAutoFit/>
+          </a:bodyPr>
+          <a:lstStyle/>
+          <a:p>
+            <a:pPr algn="ctr"/>
+            <a:r>
+              <a:rPr lang="en-IN" sz="4000" spc="-1">
+                <a:solidFill>
+                  <a:srgbClr val="F7C120"/>
+                </a:solidFill>
+                <a:latin typeface="Open Sans"/>
+              </a:rPr>
+              <a:t>getting </a:t>
+            </a:r>
+            <a:r>
+              <a:rPr lang="en-IN" sz="4000" spc="-1" dirty="0">
+                <a:solidFill>
+                  <a:srgbClr val="F7C120"/>
+                </a:solidFill>
+                <a:latin typeface="Open Sans"/>
+              </a:rPr>
+              <a:t>s</a:t>
+            </a:r>
+            <a:r>
+              <a:rPr lang="en-IN" sz="4000" spc="-1">
+                <a:solidFill>
+                  <a:srgbClr val="F7C120"/>
+                </a:solidFill>
+                <a:latin typeface="Open Sans"/>
+              </a:rPr>
+              <a:t>tarted</a:t>
+            </a:r>
+            <a:endParaRPr lang="en-IN" sz="4000" spc="-1" dirty="0">
+              <a:solidFill>
+                <a:srgbClr val="F7C120"/>
+              </a:solidFill>
+              <a:latin typeface="Open Sans"/>
+            </a:endParaRPr>
+          </a:p>
+        </p:txBody>
+      </p:sp>
+      <p:sp>
+        <p:nvSpPr>
+          <p:cNvPr id="108" name="Line 9"/>
+          <p:cNvSpPr/>
+          <p:nvPr/>
+        </p:nvSpPr>
+        <p:spPr>
+          <a:xfrm>
+            <a:off x="0" y="1536120"/>
+            <a:ext cx="12191760" cy="0"/>
+          </a:xfrm>
+          <a:prstGeom prst="line">
+            <a:avLst/>
+          </a:prstGeom>
+          <a:ln w="12600">
+            <a:solidFill>
+              <a:srgbClr val="6E78A0"/>
+            </a:solidFill>
+            <a:prstDash val="dash"/>
+            <a:round/>
+          </a:ln>
+        </p:spPr>
+        <p:style>
+          <a:lnRef idx="1">
+            <a:schemeClr val="accent1"/>
+          </a:lnRef>
+          <a:fillRef idx="0">
+            <a:schemeClr val="accent1"/>
+          </a:fillRef>
+          <a:effectRef idx="0">
+            <a:schemeClr val="accent1"/>
+          </a:effectRef>
+          <a:fontRef idx="minor"/>
+        </p:style>
+      </p:sp>
+      <p:sp>
+        <p:nvSpPr>
+          <p:cNvPr id="12" name="CustomShape 2">
+            <a:extLst>
+              <a:ext uri="{FF2B5EF4-FFF2-40B4-BE49-F238E27FC236}">
+                <a16:creationId xmlns:a16="http://schemas.microsoft.com/office/drawing/2014/main" id="{580DF52F-648F-47A9-8A01-C0749712A9B3}"/>
+              </a:ext>
+            </a:extLst>
+          </p:cNvPr>
+          <p:cNvSpPr/>
+          <p:nvPr/>
+        </p:nvSpPr>
+        <p:spPr>
+          <a:xfrm>
+            <a:off x="246600" y="2204864"/>
+            <a:ext cx="11687400" cy="767987"/>
+          </a:xfrm>
+          <a:prstGeom prst="rect">
+            <a:avLst/>
+          </a:prstGeom>
+          <a:noFill/>
+          <a:ln>
+            <a:noFill/>
+          </a:ln>
+        </p:spPr>
+        <p:style>
+          <a:lnRef idx="0">
+            <a:scrgbClr r="0" g="0" b="0"/>
+          </a:lnRef>
+          <a:fillRef idx="0">
+            <a:scrgbClr r="0" g="0" b="0"/>
+          </a:fillRef>
+          <a:effectRef idx="0">
+            <a:scrgbClr r="0" g="0" b="0"/>
+          </a:effectRef>
+          <a:fontRef idx="minor"/>
+        </p:style>
+        <p:txBody>
+          <a:bodyPr wrap="square" lIns="90000" tIns="45000" rIns="90000" bIns="45000">
+            <a:spAutoFit/>
+          </a:bodyPr>
+          <a:lstStyle/>
+          <a:p>
+            <a:pPr marL="23760">
+              <a:lnSpc>
+                <a:spcPct val="100000"/>
+              </a:lnSpc>
+              <a:buClr>
+                <a:srgbClr val="000000"/>
+              </a:buClr>
+            </a:pPr>
+            <a:r>
+              <a:rPr lang="en-IN" b="0" strike="noStrike" spc="-1" dirty="0">
+                <a:solidFill>
+                  <a:srgbClr val="000000"/>
+                </a:solidFill>
+                <a:latin typeface="Consolas"/>
+                <a:ea typeface="Tahoma"/>
+              </a:rPr>
+              <a:t>C:\&gt;</a:t>
+            </a:r>
+            <a:r>
+              <a:rPr lang="en-IN" b="0" strike="noStrike" spc="-1" dirty="0">
+                <a:solidFill>
+                  <a:srgbClr val="528693"/>
+                </a:solidFill>
+                <a:latin typeface="Consolas"/>
+                <a:ea typeface="Tahoma"/>
+              </a:rPr>
+              <a:t> </a:t>
+            </a:r>
+            <a:r>
+              <a:rPr lang="en-IN" b="0" strike="noStrike" spc="-1" dirty="0">
+                <a:latin typeface="Consolas"/>
+                <a:ea typeface="Tahoma"/>
+              </a:rPr>
+              <a:t>cassandra.bat // Starts cassandra server</a:t>
+            </a:r>
+            <a:endParaRPr lang="en-IN" b="0" strike="noStrike" spc="-1" dirty="0">
+              <a:latin typeface="Arial"/>
+            </a:endParaRPr>
+          </a:p>
+          <a:p>
+            <a:pPr>
+              <a:lnSpc>
+                <a:spcPct val="100000"/>
+              </a:lnSpc>
+            </a:pPr>
+            <a:endParaRPr lang="en-IN" sz="800" b="0" strike="noStrike" spc="-1" dirty="0">
+              <a:latin typeface="Arial"/>
+            </a:endParaRPr>
+          </a:p>
+          <a:p>
+            <a:pPr marL="23760">
+              <a:lnSpc>
+                <a:spcPct val="100000"/>
+              </a:lnSpc>
+              <a:buClr>
+                <a:srgbClr val="000000"/>
+              </a:buClr>
+            </a:pPr>
+            <a:r>
+              <a:rPr lang="en-IN" b="0" strike="noStrike" spc="-1" dirty="0">
+                <a:solidFill>
+                  <a:srgbClr val="000000"/>
+                </a:solidFill>
+                <a:latin typeface="Consolas"/>
+                <a:ea typeface="Tahoma"/>
+              </a:rPr>
+              <a:t>C:\&gt;</a:t>
+            </a:r>
+            <a:r>
+              <a:rPr lang="en-IN" b="0" strike="noStrike" spc="-1" dirty="0">
+                <a:solidFill>
+                  <a:srgbClr val="528693"/>
+                </a:solidFill>
+                <a:latin typeface="Consolas"/>
+                <a:ea typeface="Tahoma"/>
+              </a:rPr>
+              <a:t> </a:t>
+            </a:r>
+            <a:r>
+              <a:rPr lang="en-IN" b="0" strike="noStrike" spc="-1" dirty="0">
+                <a:latin typeface="Consolas"/>
+                <a:ea typeface="Tahoma"/>
+              </a:rPr>
+              <a:t>cqlsh.bat // Starts cassandra client</a:t>
+            </a:r>
+            <a:endParaRPr lang="en-IN" b="0" strike="noStrike" spc="-1" dirty="0">
+              <a:latin typeface="Arial"/>
+            </a:endParaRPr>
+          </a:p>
+        </p:txBody>
+      </p:sp>
+      <p:sp>
+        <p:nvSpPr>
+          <p:cNvPr id="14" name="TextBox 13">
+            <a:extLst>
+              <a:ext uri="{FF2B5EF4-FFF2-40B4-BE49-F238E27FC236}">
+                <a16:creationId xmlns:a16="http://schemas.microsoft.com/office/drawing/2014/main" id="{2EBDF05E-751C-4C72-BCA4-A32DF2379C59}"/>
+              </a:ext>
+            </a:extLst>
+          </p:cNvPr>
+          <p:cNvSpPr txBox="1"/>
+          <p:nvPr/>
+        </p:nvSpPr>
+        <p:spPr>
+          <a:xfrm>
+            <a:off x="229109" y="6011996"/>
+            <a:ext cx="11687400" cy="369332"/>
+          </a:xfrm>
+          <a:prstGeom prst="rect">
+            <a:avLst/>
+          </a:prstGeom>
+          <a:noFill/>
+        </p:spPr>
+        <p:txBody>
+          <a:bodyPr wrap="square">
+            <a:spAutoFit/>
+          </a:bodyPr>
+          <a:lstStyle/>
+          <a:p>
+            <a:pPr marL="285750" indent="-285750">
+              <a:buFont typeface="Arial" panose="020B0604020202020204" pitchFamily="34" charset="0"/>
+              <a:buChar char="•"/>
+            </a:pPr>
+            <a:r>
+              <a:rPr lang="en-IN" sz="1800" b="0" strike="noStrike" spc="-1" dirty="0">
+                <a:solidFill>
+                  <a:schemeClr val="bg1">
+                    <a:lumMod val="50000"/>
+                  </a:schemeClr>
+                </a:solidFill>
+                <a:latin typeface="Consolas"/>
+                <a:ea typeface="SimSun"/>
+              </a:rPr>
+              <a:t>cqlsh&gt; </a:t>
+            </a:r>
+            <a:r>
+              <a:rPr lang="en-IN" sz="1800" b="0" strike="noStrike" spc="-1" dirty="0">
+                <a:latin typeface="Consolas"/>
+                <a:ea typeface="SimSun"/>
+              </a:rPr>
+              <a:t>clear </a:t>
+            </a:r>
+            <a:r>
+              <a:rPr lang="en-IN" sz="1800" b="0" strike="noStrike" spc="-1" dirty="0">
+                <a:solidFill>
+                  <a:srgbClr val="39AE0A"/>
+                </a:solidFill>
+                <a:latin typeface="Consolas"/>
+                <a:ea typeface="SimSun"/>
+              </a:rPr>
+              <a:t>//Clear screen</a:t>
+            </a:r>
+            <a:r>
+              <a:rPr lang="en-IN" sz="1800" b="0" strike="noStrike" spc="-1" dirty="0">
+                <a:solidFill>
+                  <a:schemeClr val="bg1">
+                    <a:lumMod val="50000"/>
+                  </a:schemeClr>
+                </a:solidFill>
+                <a:latin typeface="Consolas"/>
+                <a:ea typeface="SimSun"/>
+              </a:rPr>
+              <a:t> </a:t>
+            </a:r>
+            <a:endParaRPr lang="en-IN" dirty="0"/>
+          </a:p>
+        </p:txBody>
+      </p:sp>
+      <p:sp>
+        <p:nvSpPr>
+          <p:cNvPr id="16" name="TextBox 15">
+            <a:extLst>
+              <a:ext uri="{FF2B5EF4-FFF2-40B4-BE49-F238E27FC236}">
+                <a16:creationId xmlns:a16="http://schemas.microsoft.com/office/drawing/2014/main" id="{5BF8C755-B338-4FB2-B663-69A653354049}"/>
+              </a:ext>
+            </a:extLst>
+          </p:cNvPr>
+          <p:cNvSpPr txBox="1"/>
+          <p:nvPr/>
+        </p:nvSpPr>
+        <p:spPr>
+          <a:xfrm>
+            <a:off x="261514" y="1704340"/>
+            <a:ext cx="11672485" cy="369332"/>
+          </a:xfrm>
+          <a:prstGeom prst="rect">
+            <a:avLst/>
+          </a:prstGeom>
+          <a:noFill/>
+        </p:spPr>
+        <p:txBody>
+          <a:bodyPr wrap="square">
+            <a:spAutoFit/>
+          </a:bodyPr>
+          <a:lstStyle/>
+          <a:p>
+            <a:r>
+              <a:rPr lang="en-US" spc="-1" dirty="0">
+                <a:solidFill>
+                  <a:srgbClr val="C00000"/>
+                </a:solidFill>
+                <a:latin typeface="Arial"/>
+              </a:rPr>
+              <a:t>on windows</a:t>
+            </a:r>
+            <a:endParaRPr lang="en-IN" dirty="0">
+              <a:solidFill>
+                <a:srgbClr val="C00000"/>
+              </a:solidFill>
+            </a:endParaRPr>
+          </a:p>
+        </p:txBody>
+      </p:sp>
+      <p:sp>
+        <p:nvSpPr>
+          <p:cNvPr id="17" name="TextBox 16">
+            <a:extLst>
+              <a:ext uri="{FF2B5EF4-FFF2-40B4-BE49-F238E27FC236}">
+                <a16:creationId xmlns:a16="http://schemas.microsoft.com/office/drawing/2014/main" id="{16910B4B-68DB-4090-A209-92C240BC4069}"/>
+              </a:ext>
+            </a:extLst>
+          </p:cNvPr>
+          <p:cNvSpPr txBox="1"/>
+          <p:nvPr/>
+        </p:nvSpPr>
+        <p:spPr>
+          <a:xfrm>
+            <a:off x="261514" y="3563724"/>
+            <a:ext cx="11672485" cy="369332"/>
+          </a:xfrm>
+          <a:prstGeom prst="rect">
+            <a:avLst/>
+          </a:prstGeom>
+          <a:noFill/>
+        </p:spPr>
+        <p:txBody>
+          <a:bodyPr wrap="square">
+            <a:spAutoFit/>
+          </a:bodyPr>
+          <a:lstStyle/>
+          <a:p>
+            <a:r>
+              <a:rPr lang="en-US" spc="-1" dirty="0">
+                <a:solidFill>
+                  <a:srgbClr val="C00000"/>
+                </a:solidFill>
+                <a:latin typeface="Arial"/>
+              </a:rPr>
+              <a:t>on ubuntu</a:t>
+            </a:r>
+            <a:endParaRPr lang="en-IN" dirty="0">
+              <a:solidFill>
+                <a:srgbClr val="C00000"/>
+              </a:solidFill>
+            </a:endParaRPr>
+          </a:p>
+        </p:txBody>
+      </p:sp>
+      <p:sp>
+        <p:nvSpPr>
+          <p:cNvPr id="18" name="CustomShape 2">
+            <a:extLst>
+              <a:ext uri="{FF2B5EF4-FFF2-40B4-BE49-F238E27FC236}">
+                <a16:creationId xmlns:a16="http://schemas.microsoft.com/office/drawing/2014/main" id="{995EF76E-0039-4C1E-82A6-25517E1DAE73}"/>
+              </a:ext>
+            </a:extLst>
+          </p:cNvPr>
+          <p:cNvSpPr/>
+          <p:nvPr/>
+        </p:nvSpPr>
+        <p:spPr>
+          <a:xfrm>
+            <a:off x="246600" y="4077072"/>
+            <a:ext cx="11687400" cy="367878"/>
+          </a:xfrm>
+          <a:prstGeom prst="rect">
+            <a:avLst/>
+          </a:prstGeom>
+          <a:noFill/>
+          <a:ln>
+            <a:noFill/>
+          </a:ln>
+        </p:spPr>
+        <p:style>
+          <a:lnRef idx="0">
+            <a:scrgbClr r="0" g="0" b="0"/>
+          </a:lnRef>
+          <a:fillRef idx="0">
+            <a:scrgbClr r="0" g="0" b="0"/>
+          </a:fillRef>
+          <a:effectRef idx="0">
+            <a:scrgbClr r="0" g="0" b="0"/>
+          </a:effectRef>
+          <a:fontRef idx="minor"/>
+        </p:style>
+        <p:txBody>
+          <a:bodyPr wrap="square" lIns="90000" tIns="45000" rIns="90000" bIns="45000">
+            <a:spAutoFit/>
+          </a:bodyPr>
+          <a:lstStyle/>
+          <a:p>
+            <a:pPr marL="23760">
+              <a:lnSpc>
+                <a:spcPct val="100000"/>
+              </a:lnSpc>
+              <a:buClr>
+                <a:srgbClr val="000000"/>
+              </a:buClr>
+            </a:pPr>
+            <a:r>
+              <a:rPr lang="en-IN" b="0" strike="noStrike" spc="-1" dirty="0">
+                <a:solidFill>
+                  <a:srgbClr val="000000"/>
+                </a:solidFill>
+                <a:latin typeface="Consolas"/>
+                <a:ea typeface="Tahoma"/>
+              </a:rPr>
+              <a:t>TODO</a:t>
+            </a:r>
+            <a:endParaRPr lang="en-IN" b="0" strike="noStrike" spc="-1" dirty="0">
+              <a:latin typeface="Arial"/>
+            </a:endParaRPr>
+          </a:p>
+        </p:txBody>
+      </p:sp>
+    </p:spTree>
+  </p:cSld>
+  <p:clrMapOvr>
+    <a:masterClrMapping/>
+  </p:clrMapOvr>
+</p:sld>
+</file>
+
+<file path=ppt/slides/slide40.xml><?xml version="1.0" encoding="utf-8"?>
 <p:sld xmlns:a="http://schemas.openxmlformats.org/drawingml/2006/main" xmlns:r="http://schemas.openxmlformats.org/officeDocument/2006/relationships" xmlns:p="http://schemas.openxmlformats.org/presentationml/2006/main">
   <p:cSld>
     <p:spTree>
@@ -21504,7 +23296,7 @@
 </p:sld>
 </file>
 
-<file path=ppt/slides/slide39.xml><?xml version="1.0" encoding="utf-8"?>
+<file path=ppt/slides/slide41.xml><?xml version="1.0" encoding="utf-8"?>
 <p:sld xmlns:a="http://schemas.openxmlformats.org/drawingml/2006/main" xmlns:r="http://schemas.openxmlformats.org/officeDocument/2006/relationships" xmlns:p="http://schemas.openxmlformats.org/presentationml/2006/main">
   <p:cSld>
     <p:spTree>
@@ -21911,561 +23703,7 @@
 </p:sld>
 </file>
 
-<file path=ppt/slides/slide4.xml><?xml version="1.0" encoding="utf-8"?>
-<p:sld xmlns:a="http://schemas.openxmlformats.org/drawingml/2006/main" xmlns:r="http://schemas.openxmlformats.org/officeDocument/2006/relationships" xmlns:p="http://schemas.openxmlformats.org/presentationml/2006/main">
-  <p:cSld>
-    <p:spTree>
-      <p:nvGrpSpPr>
-        <p:cNvPr id="1" name=""/>
-        <p:cNvGrpSpPr/>
-        <p:nvPr/>
-      </p:nvGrpSpPr>
-      <p:grpSpPr>
-        <a:xfrm>
-          <a:off x="0" y="0"/>
-          <a:ext cx="0" cy="0"/>
-          <a:chOff x="0" y="0"/>
-          <a:chExt cx="0" cy="0"/>
-        </a:xfrm>
-      </p:grpSpPr>
-      <p:sp>
-        <p:nvSpPr>
-          <p:cNvPr id="102" name="CustomShape 3"/>
-          <p:cNvSpPr/>
-          <p:nvPr/>
-        </p:nvSpPr>
-        <p:spPr>
-          <a:xfrm>
-            <a:off x="246600" y="762120"/>
-            <a:ext cx="11693880" cy="363960"/>
-          </a:xfrm>
-          <a:prstGeom prst="rect">
-            <a:avLst/>
-          </a:prstGeom>
-          <a:noFill/>
-          <a:ln>
-            <a:noFill/>
-          </a:ln>
-        </p:spPr>
-        <p:style>
-          <a:lnRef idx="0">
-            <a:scrgbClr r="0" g="0" b="0"/>
-          </a:lnRef>
-          <a:fillRef idx="0">
-            <a:scrgbClr r="0" g="0" b="0"/>
-          </a:fillRef>
-          <a:effectRef idx="0">
-            <a:scrgbClr r="0" g="0" b="0"/>
-          </a:effectRef>
-          <a:fontRef idx="minor"/>
-        </p:style>
-        <p:txBody>
-          <a:bodyPr lIns="90000" tIns="45000" rIns="90000" bIns="45000">
-            <a:spAutoFit/>
-          </a:bodyPr>
-          <a:lstStyle/>
-          <a:p>
-            <a:pPr algn="just"/>
-            <a:r>
-              <a:rPr lang="en-US" spc="-1" dirty="0">
-                <a:latin typeface="Arial"/>
-              </a:rPr>
-              <a:t>To start cassandra server/client</a:t>
-            </a:r>
-            <a:endParaRPr lang="en-IN" spc="-1" dirty="0">
-              <a:latin typeface="Arial"/>
-            </a:endParaRPr>
-          </a:p>
-        </p:txBody>
-      </p:sp>
-      <p:sp>
-        <p:nvSpPr>
-          <p:cNvPr id="105" name="CustomShape 6"/>
-          <p:cNvSpPr/>
-          <p:nvPr/>
-        </p:nvSpPr>
-        <p:spPr>
-          <a:xfrm>
-            <a:off x="246600" y="0"/>
-            <a:ext cx="11693880" cy="706432"/>
-          </a:xfrm>
-          <a:prstGeom prst="rect">
-            <a:avLst/>
-          </a:prstGeom>
-          <a:solidFill>
-            <a:srgbClr val="C00000"/>
-          </a:solidFill>
-          <a:ln>
-            <a:noFill/>
-          </a:ln>
-        </p:spPr>
-        <p:style>
-          <a:lnRef idx="0">
-            <a:scrgbClr r="0" g="0" b="0"/>
-          </a:lnRef>
-          <a:fillRef idx="0">
-            <a:scrgbClr r="0" g="0" b="0"/>
-          </a:fillRef>
-          <a:effectRef idx="0">
-            <a:scrgbClr r="0" g="0" b="0"/>
-          </a:effectRef>
-          <a:fontRef idx="minor"/>
-        </p:style>
-        <p:txBody>
-          <a:bodyPr lIns="90000" tIns="45000" rIns="90000" bIns="45000">
-            <a:spAutoFit/>
-          </a:bodyPr>
-          <a:lstStyle/>
-          <a:p>
-            <a:pPr algn="ctr"/>
-            <a:r>
-              <a:rPr lang="en-IN" sz="4000" spc="-1">
-                <a:solidFill>
-                  <a:srgbClr val="F7C120"/>
-                </a:solidFill>
-                <a:latin typeface="Open Sans"/>
-              </a:rPr>
-              <a:t>getting </a:t>
-            </a:r>
-            <a:r>
-              <a:rPr lang="en-IN" sz="4000" spc="-1" dirty="0">
-                <a:solidFill>
-                  <a:srgbClr val="F7C120"/>
-                </a:solidFill>
-                <a:latin typeface="Open Sans"/>
-              </a:rPr>
-              <a:t>s</a:t>
-            </a:r>
-            <a:r>
-              <a:rPr lang="en-IN" sz="4000" spc="-1">
-                <a:solidFill>
-                  <a:srgbClr val="F7C120"/>
-                </a:solidFill>
-                <a:latin typeface="Open Sans"/>
-              </a:rPr>
-              <a:t>tarted</a:t>
-            </a:r>
-            <a:endParaRPr lang="en-IN" sz="4000" spc="-1" dirty="0">
-              <a:solidFill>
-                <a:srgbClr val="F7C120"/>
-              </a:solidFill>
-              <a:latin typeface="Open Sans"/>
-            </a:endParaRPr>
-          </a:p>
-        </p:txBody>
-      </p:sp>
-      <p:sp>
-        <p:nvSpPr>
-          <p:cNvPr id="108" name="Line 9"/>
-          <p:cNvSpPr/>
-          <p:nvPr/>
-        </p:nvSpPr>
-        <p:spPr>
-          <a:xfrm>
-            <a:off x="0" y="1536120"/>
-            <a:ext cx="12191760" cy="0"/>
-          </a:xfrm>
-          <a:prstGeom prst="line">
-            <a:avLst/>
-          </a:prstGeom>
-          <a:ln w="12600">
-            <a:solidFill>
-              <a:srgbClr val="6E78A0"/>
-            </a:solidFill>
-            <a:prstDash val="dash"/>
-            <a:round/>
-          </a:ln>
-        </p:spPr>
-        <p:style>
-          <a:lnRef idx="1">
-            <a:schemeClr val="accent1"/>
-          </a:lnRef>
-          <a:fillRef idx="0">
-            <a:schemeClr val="accent1"/>
-          </a:fillRef>
-          <a:effectRef idx="0">
-            <a:schemeClr val="accent1"/>
-          </a:effectRef>
-          <a:fontRef idx="minor"/>
-        </p:style>
-      </p:sp>
-      <p:sp>
-        <p:nvSpPr>
-          <p:cNvPr id="12" name="CustomShape 2">
-            <a:extLst>
-              <a:ext uri="{FF2B5EF4-FFF2-40B4-BE49-F238E27FC236}">
-                <a16:creationId xmlns:a16="http://schemas.microsoft.com/office/drawing/2014/main" id="{580DF52F-648F-47A9-8A01-C0749712A9B3}"/>
-              </a:ext>
-            </a:extLst>
-          </p:cNvPr>
-          <p:cNvSpPr/>
-          <p:nvPr/>
-        </p:nvSpPr>
-        <p:spPr>
-          <a:xfrm>
-            <a:off x="246600" y="2204864"/>
-            <a:ext cx="11687400" cy="767987"/>
-          </a:xfrm>
-          <a:prstGeom prst="rect">
-            <a:avLst/>
-          </a:prstGeom>
-          <a:noFill/>
-          <a:ln>
-            <a:noFill/>
-          </a:ln>
-        </p:spPr>
-        <p:style>
-          <a:lnRef idx="0">
-            <a:scrgbClr r="0" g="0" b="0"/>
-          </a:lnRef>
-          <a:fillRef idx="0">
-            <a:scrgbClr r="0" g="0" b="0"/>
-          </a:fillRef>
-          <a:effectRef idx="0">
-            <a:scrgbClr r="0" g="0" b="0"/>
-          </a:effectRef>
-          <a:fontRef idx="minor"/>
-        </p:style>
-        <p:txBody>
-          <a:bodyPr wrap="square" lIns="90000" tIns="45000" rIns="90000" bIns="45000">
-            <a:spAutoFit/>
-          </a:bodyPr>
-          <a:lstStyle/>
-          <a:p>
-            <a:pPr marL="23760">
-              <a:lnSpc>
-                <a:spcPct val="100000"/>
-              </a:lnSpc>
-              <a:buClr>
-                <a:srgbClr val="000000"/>
-              </a:buClr>
-            </a:pPr>
-            <a:r>
-              <a:rPr lang="en-IN" b="0" strike="noStrike" spc="-1" dirty="0">
-                <a:solidFill>
-                  <a:srgbClr val="000000"/>
-                </a:solidFill>
-                <a:latin typeface="Consolas"/>
-                <a:ea typeface="Tahoma"/>
-              </a:rPr>
-              <a:t>C:\&gt;</a:t>
-            </a:r>
-            <a:r>
-              <a:rPr lang="en-IN" b="0" strike="noStrike" spc="-1" dirty="0">
-                <a:solidFill>
-                  <a:srgbClr val="528693"/>
-                </a:solidFill>
-                <a:latin typeface="Consolas"/>
-                <a:ea typeface="Tahoma"/>
-              </a:rPr>
-              <a:t> </a:t>
-            </a:r>
-            <a:r>
-              <a:rPr lang="en-IN" b="0" strike="noStrike" spc="-1" dirty="0">
-                <a:latin typeface="Consolas"/>
-                <a:ea typeface="Tahoma"/>
-              </a:rPr>
-              <a:t>cassandra.bat // Starts cassandra server</a:t>
-            </a:r>
-            <a:endParaRPr lang="en-IN" b="0" strike="noStrike" spc="-1" dirty="0">
-              <a:latin typeface="Arial"/>
-            </a:endParaRPr>
-          </a:p>
-          <a:p>
-            <a:pPr>
-              <a:lnSpc>
-                <a:spcPct val="100000"/>
-              </a:lnSpc>
-            </a:pPr>
-            <a:endParaRPr lang="en-IN" sz="800" b="0" strike="noStrike" spc="-1" dirty="0">
-              <a:latin typeface="Arial"/>
-            </a:endParaRPr>
-          </a:p>
-          <a:p>
-            <a:pPr marL="23760">
-              <a:lnSpc>
-                <a:spcPct val="100000"/>
-              </a:lnSpc>
-              <a:buClr>
-                <a:srgbClr val="000000"/>
-              </a:buClr>
-            </a:pPr>
-            <a:r>
-              <a:rPr lang="en-IN" b="0" strike="noStrike" spc="-1" dirty="0">
-                <a:solidFill>
-                  <a:srgbClr val="000000"/>
-                </a:solidFill>
-                <a:latin typeface="Consolas"/>
-                <a:ea typeface="Tahoma"/>
-              </a:rPr>
-              <a:t>C:\&gt;</a:t>
-            </a:r>
-            <a:r>
-              <a:rPr lang="en-IN" b="0" strike="noStrike" spc="-1" dirty="0">
-                <a:solidFill>
-                  <a:srgbClr val="528693"/>
-                </a:solidFill>
-                <a:latin typeface="Consolas"/>
-                <a:ea typeface="Tahoma"/>
-              </a:rPr>
-              <a:t> </a:t>
-            </a:r>
-            <a:r>
-              <a:rPr lang="en-IN" b="0" strike="noStrike" spc="-1" dirty="0">
-                <a:latin typeface="Consolas"/>
-                <a:ea typeface="Tahoma"/>
-              </a:rPr>
-              <a:t>cqlsh.bat // Starts cassandra client</a:t>
-            </a:r>
-            <a:endParaRPr lang="en-IN" b="0" strike="noStrike" spc="-1" dirty="0">
-              <a:latin typeface="Arial"/>
-            </a:endParaRPr>
-          </a:p>
-        </p:txBody>
-      </p:sp>
-      <p:sp>
-        <p:nvSpPr>
-          <p:cNvPr id="14" name="TextBox 13">
-            <a:extLst>
-              <a:ext uri="{FF2B5EF4-FFF2-40B4-BE49-F238E27FC236}">
-                <a16:creationId xmlns:a16="http://schemas.microsoft.com/office/drawing/2014/main" id="{2EBDF05E-751C-4C72-BCA4-A32DF2379C59}"/>
-              </a:ext>
-            </a:extLst>
-          </p:cNvPr>
-          <p:cNvSpPr txBox="1"/>
-          <p:nvPr/>
-        </p:nvSpPr>
-        <p:spPr>
-          <a:xfrm>
-            <a:off x="229109" y="6011996"/>
-            <a:ext cx="11687400" cy="369332"/>
-          </a:xfrm>
-          <a:prstGeom prst="rect">
-            <a:avLst/>
-          </a:prstGeom>
-          <a:noFill/>
-        </p:spPr>
-        <p:txBody>
-          <a:bodyPr wrap="square">
-            <a:spAutoFit/>
-          </a:bodyPr>
-          <a:lstStyle/>
-          <a:p>
-            <a:pPr marL="285750" indent="-285750">
-              <a:buFont typeface="Arial" panose="020B0604020202020204" pitchFamily="34" charset="0"/>
-              <a:buChar char="•"/>
-            </a:pPr>
-            <a:r>
-              <a:rPr lang="en-IN" sz="1800" b="0" strike="noStrike" spc="-1" dirty="0">
-                <a:solidFill>
-                  <a:schemeClr val="bg1">
-                    <a:lumMod val="50000"/>
-                  </a:schemeClr>
-                </a:solidFill>
-                <a:latin typeface="Consolas"/>
-                <a:ea typeface="SimSun"/>
-              </a:rPr>
-              <a:t>cqlsh&gt; </a:t>
-            </a:r>
-            <a:r>
-              <a:rPr lang="en-IN" sz="1800" b="0" strike="noStrike" spc="-1" dirty="0">
-                <a:latin typeface="Consolas"/>
-                <a:ea typeface="SimSun"/>
-              </a:rPr>
-              <a:t>clear </a:t>
-            </a:r>
-            <a:r>
-              <a:rPr lang="en-IN" sz="1800" b="0" strike="noStrike" spc="-1" dirty="0">
-                <a:solidFill>
-                  <a:srgbClr val="39AE0A"/>
-                </a:solidFill>
-                <a:latin typeface="Consolas"/>
-                <a:ea typeface="SimSun"/>
-              </a:rPr>
-              <a:t>//Clear screen</a:t>
-            </a:r>
-            <a:r>
-              <a:rPr lang="en-IN" sz="1800" b="0" strike="noStrike" spc="-1" dirty="0">
-                <a:solidFill>
-                  <a:schemeClr val="bg1">
-                    <a:lumMod val="50000"/>
-                  </a:schemeClr>
-                </a:solidFill>
-                <a:latin typeface="Consolas"/>
-                <a:ea typeface="SimSun"/>
-              </a:rPr>
-              <a:t> </a:t>
-            </a:r>
-            <a:endParaRPr lang="en-IN" dirty="0"/>
-          </a:p>
-        </p:txBody>
-      </p:sp>
-      <p:sp>
-        <p:nvSpPr>
-          <p:cNvPr id="16" name="TextBox 15">
-            <a:extLst>
-              <a:ext uri="{FF2B5EF4-FFF2-40B4-BE49-F238E27FC236}">
-                <a16:creationId xmlns:a16="http://schemas.microsoft.com/office/drawing/2014/main" id="{5BF8C755-B338-4FB2-B663-69A653354049}"/>
-              </a:ext>
-            </a:extLst>
-          </p:cNvPr>
-          <p:cNvSpPr txBox="1"/>
-          <p:nvPr/>
-        </p:nvSpPr>
-        <p:spPr>
-          <a:xfrm>
-            <a:off x="261514" y="1704340"/>
-            <a:ext cx="11672485" cy="369332"/>
-          </a:xfrm>
-          <a:prstGeom prst="rect">
-            <a:avLst/>
-          </a:prstGeom>
-          <a:noFill/>
-        </p:spPr>
-        <p:txBody>
-          <a:bodyPr wrap="square">
-            <a:spAutoFit/>
-          </a:bodyPr>
-          <a:lstStyle/>
-          <a:p>
-            <a:r>
-              <a:rPr lang="en-US" spc="-1" dirty="0">
-                <a:solidFill>
-                  <a:srgbClr val="C00000"/>
-                </a:solidFill>
-                <a:latin typeface="Arial"/>
-              </a:rPr>
-              <a:t>on windows</a:t>
-            </a:r>
-            <a:endParaRPr lang="en-IN" dirty="0">
-              <a:solidFill>
-                <a:srgbClr val="C00000"/>
-              </a:solidFill>
-            </a:endParaRPr>
-          </a:p>
-        </p:txBody>
-      </p:sp>
-      <p:sp>
-        <p:nvSpPr>
-          <p:cNvPr id="17" name="TextBox 16">
-            <a:extLst>
-              <a:ext uri="{FF2B5EF4-FFF2-40B4-BE49-F238E27FC236}">
-                <a16:creationId xmlns:a16="http://schemas.microsoft.com/office/drawing/2014/main" id="{16910B4B-68DB-4090-A209-92C240BC4069}"/>
-              </a:ext>
-            </a:extLst>
-          </p:cNvPr>
-          <p:cNvSpPr txBox="1"/>
-          <p:nvPr/>
-        </p:nvSpPr>
-        <p:spPr>
-          <a:xfrm>
-            <a:off x="261514" y="3563724"/>
-            <a:ext cx="11672485" cy="369332"/>
-          </a:xfrm>
-          <a:prstGeom prst="rect">
-            <a:avLst/>
-          </a:prstGeom>
-          <a:noFill/>
-        </p:spPr>
-        <p:txBody>
-          <a:bodyPr wrap="square">
-            <a:spAutoFit/>
-          </a:bodyPr>
-          <a:lstStyle/>
-          <a:p>
-            <a:r>
-              <a:rPr lang="en-US" spc="-1" dirty="0">
-                <a:solidFill>
-                  <a:srgbClr val="C00000"/>
-                </a:solidFill>
-                <a:latin typeface="Arial"/>
-              </a:rPr>
-              <a:t>on ubuntu</a:t>
-            </a:r>
-            <a:endParaRPr lang="en-IN" dirty="0">
-              <a:solidFill>
-                <a:srgbClr val="C00000"/>
-              </a:solidFill>
-            </a:endParaRPr>
-          </a:p>
-        </p:txBody>
-      </p:sp>
-      <p:sp>
-        <p:nvSpPr>
-          <p:cNvPr id="18" name="CustomShape 2">
-            <a:extLst>
-              <a:ext uri="{FF2B5EF4-FFF2-40B4-BE49-F238E27FC236}">
-                <a16:creationId xmlns:a16="http://schemas.microsoft.com/office/drawing/2014/main" id="{995EF76E-0039-4C1E-82A6-25517E1DAE73}"/>
-              </a:ext>
-            </a:extLst>
-          </p:cNvPr>
-          <p:cNvSpPr/>
-          <p:nvPr/>
-        </p:nvSpPr>
-        <p:spPr>
-          <a:xfrm>
-            <a:off x="246600" y="4077072"/>
-            <a:ext cx="11687400" cy="367878"/>
-          </a:xfrm>
-          <a:prstGeom prst="rect">
-            <a:avLst/>
-          </a:prstGeom>
-          <a:noFill/>
-          <a:ln>
-            <a:noFill/>
-          </a:ln>
-        </p:spPr>
-        <p:style>
-          <a:lnRef idx="0">
-            <a:scrgbClr r="0" g="0" b="0"/>
-          </a:lnRef>
-          <a:fillRef idx="0">
-            <a:scrgbClr r="0" g="0" b="0"/>
-          </a:fillRef>
-          <a:effectRef idx="0">
-            <a:scrgbClr r="0" g="0" b="0"/>
-          </a:effectRef>
-          <a:fontRef idx="minor"/>
-        </p:style>
-        <p:txBody>
-          <a:bodyPr wrap="square" lIns="90000" tIns="45000" rIns="90000" bIns="45000">
-            <a:spAutoFit/>
-          </a:bodyPr>
-          <a:lstStyle/>
-          <a:p>
-            <a:pPr marL="23760">
-              <a:lnSpc>
-                <a:spcPct val="100000"/>
-              </a:lnSpc>
-              <a:buClr>
-                <a:srgbClr val="000000"/>
-              </a:buClr>
-            </a:pPr>
-            <a:r>
-              <a:rPr lang="en-IN" b="0" strike="noStrike" spc="-1" dirty="0">
-                <a:solidFill>
-                  <a:srgbClr val="000000"/>
-                </a:solidFill>
-                <a:latin typeface="Consolas"/>
-                <a:ea typeface="Tahoma"/>
-              </a:rPr>
-              <a:t>TODO</a:t>
-            </a:r>
-            <a:endParaRPr lang="en-IN" b="0" strike="noStrike" spc="-1" dirty="0">
-              <a:latin typeface="Arial"/>
-            </a:endParaRPr>
-          </a:p>
-        </p:txBody>
-      </p:sp>
-    </p:spTree>
-  </p:cSld>
-  <p:clrMapOvr>
-    <a:masterClrMapping/>
-  </p:clrMapOvr>
-</p:sld>
-</file>
-
-<file path=ppt/slides/slide40.xml><?xml version="1.0" encoding="utf-8"?>
+<file path=ppt/slides/slide42.xml><?xml version="1.0" encoding="utf-8"?>
 <p:sld xmlns:a="http://schemas.openxmlformats.org/drawingml/2006/main" xmlns:r="http://schemas.openxmlformats.org/officeDocument/2006/relationships" xmlns:p="http://schemas.openxmlformats.org/presentationml/2006/main">
   <p:cSld>
     <p:spTree>
@@ -22614,7 +23852,7 @@
 </p:sld>
 </file>
 
-<file path=ppt/slides/slide41.xml><?xml version="1.0" encoding="utf-8"?>
+<file path=ppt/slides/slide43.xml><?xml version="1.0" encoding="utf-8"?>
 <p:sld xmlns:a="http://schemas.openxmlformats.org/drawingml/2006/main" xmlns:r="http://schemas.openxmlformats.org/officeDocument/2006/relationships" xmlns:p="http://schemas.openxmlformats.org/presentationml/2006/main">
   <p:cSld>
     <p:spTree>
@@ -23940,7 +25178,7 @@
 </p:sld>
 </file>
 
-<file path=ppt/slides/slide42.xml><?xml version="1.0" encoding="utf-8"?>
+<file path=ppt/slides/slide44.xml><?xml version="1.0" encoding="utf-8"?>
 <p:sld xmlns:a="http://schemas.openxmlformats.org/drawingml/2006/main" xmlns:r="http://schemas.openxmlformats.org/officeDocument/2006/relationships" xmlns:p="http://schemas.openxmlformats.org/presentationml/2006/main">
   <p:cSld>
     <p:spTree>
@@ -24140,7 +25378,7 @@
         </p:nvGrpSpPr>
         <p:grpSpPr>
           <a:xfrm>
-            <a:off x="246600" y="1939516"/>
+            <a:off x="246600" y="2157281"/>
             <a:ext cx="11687400" cy="1055695"/>
             <a:chOff x="246600" y="1939516"/>
             <a:chExt cx="11687400" cy="1055695"/>
@@ -24362,7 +25600,7 @@
         </p:nvGrpSpPr>
         <p:grpSpPr>
           <a:xfrm>
-            <a:off x="246600" y="3639942"/>
+            <a:off x="246600" y="3846674"/>
             <a:ext cx="11695626" cy="806462"/>
             <a:chOff x="246600" y="3639942"/>
             <a:chExt cx="11695626" cy="806462"/>
@@ -24569,7 +25807,7 @@
         </p:nvGrpSpPr>
         <p:grpSpPr>
           <a:xfrm>
-            <a:off x="246600" y="5229200"/>
+            <a:off x="246600" y="5302949"/>
             <a:ext cx="11687400" cy="1006371"/>
             <a:chOff x="246600" y="5373216"/>
             <a:chExt cx="11687400" cy="1006371"/>
@@ -24773,7 +26011,7 @@
 </p:sld>
 </file>
 
-<file path=ppt/slides/slide43.xml><?xml version="1.0" encoding="utf-8"?>
+<file path=ppt/slides/slide45.xml><?xml version="1.0" encoding="utf-8"?>
 <p:sld xmlns:a="http://schemas.openxmlformats.org/drawingml/2006/main" xmlns:r="http://schemas.openxmlformats.org/officeDocument/2006/relationships" xmlns:p="http://schemas.openxmlformats.org/presentationml/2006/main">
   <p:cSld>
     <p:spTree>
@@ -24906,7 +26144,7 @@
 </p:sld>
 </file>
 
-<file path=ppt/slides/slide44.xml><?xml version="1.0" encoding="utf-8"?>
+<file path=ppt/slides/slide46.xml><?xml version="1.0" encoding="utf-8"?>
 <p:sld xmlns:a="http://schemas.openxmlformats.org/drawingml/2006/main" xmlns:r="http://schemas.openxmlformats.org/officeDocument/2006/relationships" xmlns:p="http://schemas.openxmlformats.org/presentationml/2006/main">
   <p:cSld>
     <p:spTree>
@@ -25395,7 +26633,7 @@
 </p:sld>
 </file>
 
-<file path=ppt/slides/slide45.xml><?xml version="1.0" encoding="utf-8"?>
+<file path=ppt/slides/slide47.xml><?xml version="1.0" encoding="utf-8"?>
 <p:sld xmlns:a="http://schemas.openxmlformats.org/drawingml/2006/main" xmlns:r="http://schemas.openxmlformats.org/officeDocument/2006/relationships" xmlns:p="http://schemas.openxmlformats.org/presentationml/2006/main">
   <p:cSld>
     <p:spTree>
@@ -25535,1301 +26773,6 @@
     <p:extLst>
       <p:ext uri="{BB962C8B-B14F-4D97-AF65-F5344CB8AC3E}">
         <p14:creationId xmlns:p14="http://schemas.microsoft.com/office/powerpoint/2010/main" val="3720830618"/>
-      </p:ext>
-    </p:extLst>
-  </p:cSld>
-  <p:clrMapOvr>
-    <a:masterClrMapping/>
-  </p:clrMapOvr>
-</p:sld>
-</file>
-
-<file path=ppt/slides/slide46.xml><?xml version="1.0" encoding="utf-8"?>
-<p:sld xmlns:a="http://schemas.openxmlformats.org/drawingml/2006/main" xmlns:r="http://schemas.openxmlformats.org/officeDocument/2006/relationships" xmlns:p="http://schemas.openxmlformats.org/presentationml/2006/main">
-  <p:cSld>
-    <p:spTree>
-      <p:nvGrpSpPr>
-        <p:cNvPr id="1" name=""/>
-        <p:cNvGrpSpPr/>
-        <p:nvPr/>
-      </p:nvGrpSpPr>
-      <p:grpSpPr>
-        <a:xfrm>
-          <a:off x="0" y="0"/>
-          <a:ext cx="0" cy="0"/>
-          <a:chOff x="0" y="0"/>
-          <a:chExt cx="0" cy="0"/>
-        </a:xfrm>
-      </p:grpSpPr>
-      <p:sp>
-        <p:nvSpPr>
-          <p:cNvPr id="114" name="CustomShape 4"/>
-          <p:cNvSpPr/>
-          <p:nvPr/>
-        </p:nvSpPr>
-        <p:spPr>
-          <a:xfrm>
-            <a:off x="246600" y="0"/>
-            <a:ext cx="11687400" cy="706432"/>
-          </a:xfrm>
-          <a:prstGeom prst="rect">
-            <a:avLst/>
-          </a:prstGeom>
-          <a:solidFill>
-            <a:srgbClr val="C00000"/>
-          </a:solidFill>
-          <a:ln>
-            <a:noFill/>
-          </a:ln>
-        </p:spPr>
-        <p:style>
-          <a:lnRef idx="0">
-            <a:scrgbClr r="0" g="0" b="0"/>
-          </a:lnRef>
-          <a:fillRef idx="0">
-            <a:scrgbClr r="0" g="0" b="0"/>
-          </a:fillRef>
-          <a:effectRef idx="0">
-            <a:scrgbClr r="0" g="0" b="0"/>
-          </a:effectRef>
-          <a:fontRef idx="minor"/>
-        </p:style>
-        <p:txBody>
-          <a:bodyPr lIns="90000" tIns="45000" rIns="90000" bIns="45000">
-            <a:spAutoFit/>
-          </a:bodyPr>
-          <a:lstStyle/>
-          <a:p>
-            <a:pPr algn="ctr">
-              <a:lnSpc>
-                <a:spcPct val="100000"/>
-              </a:lnSpc>
-            </a:pPr>
-            <a:r>
-              <a:rPr lang="en-IN" sz="4000" spc="-1" dirty="0">
-                <a:solidFill>
-                  <a:srgbClr val="F7C120"/>
-                </a:solidFill>
-                <a:latin typeface="Open Sans"/>
-                <a:ea typeface="DejaVu Sans"/>
-              </a:rPr>
-              <a:t>select</a:t>
-            </a:r>
-            <a:endParaRPr lang="en-IN" sz="4000" b="0" strike="noStrike" spc="-1" dirty="0">
-              <a:latin typeface="Arial"/>
-            </a:endParaRPr>
-          </a:p>
-        </p:txBody>
-      </p:sp>
-      <p:sp>
-        <p:nvSpPr>
-          <p:cNvPr id="10" name="CustomShape 6">
-            <a:extLst>
-              <a:ext uri="{FF2B5EF4-FFF2-40B4-BE49-F238E27FC236}">
-                <a16:creationId xmlns:a16="http://schemas.microsoft.com/office/drawing/2014/main" id="{3F3ADA2F-5904-426C-A7AA-EF7218A0D350}"/>
-              </a:ext>
-            </a:extLst>
-          </p:cNvPr>
-          <p:cNvSpPr/>
-          <p:nvPr/>
-        </p:nvSpPr>
-        <p:spPr>
-          <a:xfrm>
-            <a:off x="246600" y="833512"/>
-            <a:ext cx="11687400" cy="5907856"/>
-          </a:xfrm>
-          <a:prstGeom prst="rect">
-            <a:avLst/>
-          </a:prstGeom>
-          <a:noFill/>
-          <a:ln>
-            <a:noFill/>
-          </a:ln>
-        </p:spPr>
-        <p:style>
-          <a:lnRef idx="0">
-            <a:scrgbClr r="0" g="0" b="0"/>
-          </a:lnRef>
-          <a:fillRef idx="0">
-            <a:scrgbClr r="0" g="0" b="0"/>
-          </a:fillRef>
-          <a:effectRef idx="0">
-            <a:scrgbClr r="0" g="0" b="0"/>
-          </a:effectRef>
-          <a:fontRef idx="minor"/>
-        </p:style>
-        <p:txBody>
-          <a:bodyPr lIns="90000" tIns="45000" rIns="90000" bIns="45000">
-            <a:spAutoFit/>
-          </a:bodyPr>
-          <a:lstStyle/>
-          <a:p>
-            <a:r>
-              <a:rPr lang="en-US" spc="-1" dirty="0">
-                <a:latin typeface="Source Code Pro" panose="020B0509030403020204" pitchFamily="49" charset="0"/>
-                <a:ea typeface="Source Code Pro" panose="020B0509030403020204" pitchFamily="49" charset="0"/>
-              </a:rPr>
-              <a:t>select_statement::= </a:t>
-            </a:r>
-            <a:r>
-              <a:rPr lang="en-US" spc="-1" dirty="0">
-                <a:solidFill>
-                  <a:srgbClr val="2B8208"/>
-                </a:solidFill>
-                <a:latin typeface="Source Code Pro" panose="020B0509030403020204" pitchFamily="49" charset="0"/>
-                <a:ea typeface="Source Code Pro" panose="020B0509030403020204" pitchFamily="49" charset="0"/>
-              </a:rPr>
-              <a:t>SELECT</a:t>
-            </a:r>
-            <a:r>
-              <a:rPr lang="en-US" spc="-1" dirty="0">
-                <a:latin typeface="Source Code Pro" panose="020B0509030403020204" pitchFamily="49" charset="0"/>
-                <a:ea typeface="Source Code Pro" panose="020B0509030403020204" pitchFamily="49" charset="0"/>
-              </a:rPr>
-              <a:t> [ </a:t>
-            </a:r>
-            <a:r>
-              <a:rPr lang="en-US" i="1" spc="-1" dirty="0">
-                <a:solidFill>
-                  <a:schemeClr val="accent5">
-                    <a:lumMod val="75000"/>
-                  </a:schemeClr>
-                </a:solidFill>
-                <a:latin typeface="Source Code Pro" panose="020B0509030403020204" pitchFamily="49" charset="0"/>
-                <a:ea typeface="Source Code Pro" panose="020B0509030403020204" pitchFamily="49" charset="0"/>
-              </a:rPr>
-              <a:t>JSON </a:t>
-            </a:r>
-            <a:r>
-              <a:rPr lang="en-US" spc="-1" dirty="0">
-                <a:solidFill>
-                  <a:schemeClr val="accent5">
-                    <a:lumMod val="75000"/>
-                  </a:schemeClr>
-                </a:solidFill>
-                <a:latin typeface="Source Code Pro" panose="020B0509030403020204" pitchFamily="49" charset="0"/>
-                <a:ea typeface="Source Code Pro" panose="020B0509030403020204" pitchFamily="49" charset="0"/>
-              </a:rPr>
-              <a:t>|</a:t>
-            </a:r>
-            <a:r>
-              <a:rPr lang="en-US" i="1" spc="-1" dirty="0">
-                <a:solidFill>
-                  <a:schemeClr val="accent5">
-                    <a:lumMod val="75000"/>
-                  </a:schemeClr>
-                </a:solidFill>
-                <a:latin typeface="Source Code Pro" panose="020B0509030403020204" pitchFamily="49" charset="0"/>
-                <a:ea typeface="Source Code Pro" panose="020B0509030403020204" pitchFamily="49" charset="0"/>
-              </a:rPr>
-              <a:t> DISTINCT</a:t>
-            </a:r>
-            <a:r>
-              <a:rPr lang="en-US" spc="-1" dirty="0">
-                <a:latin typeface="Source Code Pro" panose="020B0509030403020204" pitchFamily="49" charset="0"/>
-                <a:ea typeface="Source Code Pro" panose="020B0509030403020204" pitchFamily="49" charset="0"/>
-              </a:rPr>
-              <a:t> ] ( </a:t>
-            </a:r>
-            <a:r>
-              <a:rPr lang="en-US" spc="-1" dirty="0">
-                <a:solidFill>
-                  <a:srgbClr val="0070C0"/>
-                </a:solidFill>
-                <a:latin typeface="Source Code Pro" panose="020B0509030403020204" pitchFamily="49" charset="0"/>
-                <a:ea typeface="Source Code Pro" panose="020B0509030403020204" pitchFamily="49" charset="0"/>
-              </a:rPr>
-              <a:t>select_clause </a:t>
-            </a:r>
-            <a:r>
-              <a:rPr lang="en-US" spc="-1" dirty="0">
-                <a:latin typeface="Source Code Pro" panose="020B0509030403020204" pitchFamily="49" charset="0"/>
-                <a:ea typeface="Source Code Pro" panose="020B0509030403020204" pitchFamily="49" charset="0"/>
-              </a:rPr>
-              <a:t>| '*' )</a:t>
-            </a:r>
-          </a:p>
-          <a:p>
-            <a:r>
-              <a:rPr lang="en-US" spc="-1" dirty="0">
-                <a:latin typeface="Source Code Pro" panose="020B0509030403020204" pitchFamily="49" charset="0"/>
-                <a:ea typeface="Source Code Pro" panose="020B0509030403020204" pitchFamily="49" charset="0"/>
-              </a:rPr>
-              <a:t>	</a:t>
-            </a:r>
-            <a:r>
-              <a:rPr lang="en-US" spc="-1" dirty="0">
-                <a:solidFill>
-                  <a:srgbClr val="2B8208"/>
-                </a:solidFill>
-                <a:latin typeface="Source Code Pro" panose="020B0509030403020204" pitchFamily="49" charset="0"/>
-                <a:ea typeface="Source Code Pro" panose="020B0509030403020204" pitchFamily="49" charset="0"/>
-              </a:rPr>
-              <a:t>FROM</a:t>
-            </a:r>
-            <a:r>
-              <a:rPr lang="en-US" spc="-1" dirty="0">
-                <a:latin typeface="Source Code Pro" panose="020B0509030403020204" pitchFamily="49" charset="0"/>
-                <a:ea typeface="Source Code Pro" panose="020B0509030403020204" pitchFamily="49" charset="0"/>
-              </a:rPr>
-              <a:t> `table_name`</a:t>
-            </a:r>
-          </a:p>
-          <a:p>
-            <a:r>
-              <a:rPr lang="en-US" spc="-1" dirty="0">
-                <a:latin typeface="Source Code Pro" panose="020B0509030403020204" pitchFamily="49" charset="0"/>
-                <a:ea typeface="Source Code Pro" panose="020B0509030403020204" pitchFamily="49" charset="0"/>
-              </a:rPr>
-              <a:t>	[ </a:t>
-            </a:r>
-            <a:r>
-              <a:rPr lang="en-US" spc="-1" dirty="0">
-                <a:solidFill>
-                  <a:srgbClr val="2B8208"/>
-                </a:solidFill>
-                <a:latin typeface="Source Code Pro" panose="020B0509030403020204" pitchFamily="49" charset="0"/>
-                <a:ea typeface="Source Code Pro" panose="020B0509030403020204" pitchFamily="49" charset="0"/>
-              </a:rPr>
-              <a:t>WHERE</a:t>
-            </a:r>
-            <a:r>
-              <a:rPr lang="en-US" spc="-1" dirty="0">
-                <a:latin typeface="Source Code Pro" panose="020B0509030403020204" pitchFamily="49" charset="0"/>
-                <a:ea typeface="Source Code Pro" panose="020B0509030403020204" pitchFamily="49" charset="0"/>
-              </a:rPr>
-              <a:t> </a:t>
-            </a:r>
-            <a:r>
-              <a:rPr lang="en-US" spc="-1" dirty="0">
-                <a:solidFill>
-                  <a:srgbClr val="840FF9"/>
-                </a:solidFill>
-                <a:latin typeface="Source Code Pro" panose="020B0509030403020204" pitchFamily="49" charset="0"/>
-                <a:ea typeface="Source Code Pro" panose="020B0509030403020204" pitchFamily="49" charset="0"/>
-              </a:rPr>
-              <a:t>`where_clause`</a:t>
-            </a:r>
-            <a:r>
-              <a:rPr lang="en-US" spc="-1" dirty="0">
-                <a:solidFill>
-                  <a:srgbClr val="C00000"/>
-                </a:solidFill>
-                <a:latin typeface="Source Code Pro" panose="020B0509030403020204" pitchFamily="49" charset="0"/>
-                <a:ea typeface="Source Code Pro" panose="020B0509030403020204" pitchFamily="49" charset="0"/>
-              </a:rPr>
-              <a:t> </a:t>
-            </a:r>
-            <a:r>
-              <a:rPr lang="en-US" spc="-1" dirty="0">
-                <a:latin typeface="Source Code Pro" panose="020B0509030403020204" pitchFamily="49" charset="0"/>
-                <a:ea typeface="Source Code Pro" panose="020B0509030403020204" pitchFamily="49" charset="0"/>
-              </a:rPr>
-              <a:t>]</a:t>
-            </a:r>
-          </a:p>
-          <a:p>
-            <a:r>
-              <a:rPr lang="en-US" spc="-1" dirty="0">
-                <a:latin typeface="Source Code Pro" panose="020B0509030403020204" pitchFamily="49" charset="0"/>
-                <a:ea typeface="Source Code Pro" panose="020B0509030403020204" pitchFamily="49" charset="0"/>
-              </a:rPr>
-              <a:t>	[ </a:t>
-            </a:r>
-            <a:r>
-              <a:rPr lang="en-US" spc="-1" dirty="0">
-                <a:solidFill>
-                  <a:srgbClr val="2B8208"/>
-                </a:solidFill>
-                <a:latin typeface="Source Code Pro" panose="020B0509030403020204" pitchFamily="49" charset="0"/>
-                <a:ea typeface="Source Code Pro" panose="020B0509030403020204" pitchFamily="49" charset="0"/>
-              </a:rPr>
-              <a:t>GROUP</a:t>
-            </a:r>
-            <a:r>
-              <a:rPr lang="en-US" spc="-1" dirty="0">
-                <a:latin typeface="Source Code Pro" panose="020B0509030403020204" pitchFamily="49" charset="0"/>
-                <a:ea typeface="Source Code Pro" panose="020B0509030403020204" pitchFamily="49" charset="0"/>
-              </a:rPr>
-              <a:t> </a:t>
-            </a:r>
-            <a:r>
-              <a:rPr lang="en-US" spc="-1" dirty="0">
-                <a:solidFill>
-                  <a:srgbClr val="2B8208"/>
-                </a:solidFill>
-                <a:latin typeface="Source Code Pro" panose="020B0509030403020204" pitchFamily="49" charset="0"/>
-                <a:ea typeface="Source Code Pro" panose="020B0509030403020204" pitchFamily="49" charset="0"/>
-              </a:rPr>
-              <a:t>BY</a:t>
-            </a:r>
-            <a:r>
-              <a:rPr lang="en-US" spc="-1" dirty="0">
-                <a:latin typeface="Source Code Pro" panose="020B0509030403020204" pitchFamily="49" charset="0"/>
-                <a:ea typeface="Source Code Pro" panose="020B0509030403020204" pitchFamily="49" charset="0"/>
-              </a:rPr>
-              <a:t> </a:t>
-            </a:r>
-            <a:r>
-              <a:rPr lang="en-US" spc="-1" dirty="0">
-                <a:solidFill>
-                  <a:srgbClr val="840FF9"/>
-                </a:solidFill>
-                <a:latin typeface="Source Code Pro" panose="020B0509030403020204" pitchFamily="49" charset="0"/>
-                <a:ea typeface="Source Code Pro" panose="020B0509030403020204" pitchFamily="49" charset="0"/>
-              </a:rPr>
-              <a:t>`group_by_clause`</a:t>
-            </a:r>
-            <a:r>
-              <a:rPr lang="en-US" spc="-1" dirty="0">
-                <a:latin typeface="Source Code Pro" panose="020B0509030403020204" pitchFamily="49" charset="0"/>
-                <a:ea typeface="Source Code Pro" panose="020B0509030403020204" pitchFamily="49" charset="0"/>
-              </a:rPr>
-              <a:t> ]</a:t>
-            </a:r>
-          </a:p>
-          <a:p>
-            <a:r>
-              <a:rPr lang="en-US" spc="-1" dirty="0">
-                <a:latin typeface="Source Code Pro" panose="020B0509030403020204" pitchFamily="49" charset="0"/>
-                <a:ea typeface="Source Code Pro" panose="020B0509030403020204" pitchFamily="49" charset="0"/>
-              </a:rPr>
-              <a:t>	[ </a:t>
-            </a:r>
-            <a:r>
-              <a:rPr lang="en-US" spc="-1" dirty="0">
-                <a:solidFill>
-                  <a:srgbClr val="2B8208"/>
-                </a:solidFill>
-                <a:latin typeface="Source Code Pro" panose="020B0509030403020204" pitchFamily="49" charset="0"/>
-                <a:ea typeface="Source Code Pro" panose="020B0509030403020204" pitchFamily="49" charset="0"/>
-              </a:rPr>
-              <a:t>ORDER</a:t>
-            </a:r>
-            <a:r>
-              <a:rPr lang="en-US" spc="-1" dirty="0">
-                <a:latin typeface="Source Code Pro" panose="020B0509030403020204" pitchFamily="49" charset="0"/>
-                <a:ea typeface="Source Code Pro" panose="020B0509030403020204" pitchFamily="49" charset="0"/>
-              </a:rPr>
-              <a:t> </a:t>
-            </a:r>
-            <a:r>
-              <a:rPr lang="en-US" spc="-1" dirty="0">
-                <a:solidFill>
-                  <a:srgbClr val="2B8208"/>
-                </a:solidFill>
-                <a:latin typeface="Source Code Pro" panose="020B0509030403020204" pitchFamily="49" charset="0"/>
-                <a:ea typeface="Source Code Pro" panose="020B0509030403020204" pitchFamily="49" charset="0"/>
-              </a:rPr>
-              <a:t>BY</a:t>
-            </a:r>
-            <a:r>
-              <a:rPr lang="en-US" spc="-1" dirty="0">
-                <a:latin typeface="Source Code Pro" panose="020B0509030403020204" pitchFamily="49" charset="0"/>
-                <a:ea typeface="Source Code Pro" panose="020B0509030403020204" pitchFamily="49" charset="0"/>
-              </a:rPr>
-              <a:t> </a:t>
-            </a:r>
-            <a:r>
-              <a:rPr lang="en-US" spc="-1" dirty="0">
-                <a:solidFill>
-                  <a:srgbClr val="840FF9"/>
-                </a:solidFill>
-                <a:latin typeface="Source Code Pro" panose="020B0509030403020204" pitchFamily="49" charset="0"/>
-                <a:ea typeface="Source Code Pro" panose="020B0509030403020204" pitchFamily="49" charset="0"/>
-              </a:rPr>
-              <a:t>`ordering_clause`</a:t>
-            </a:r>
-            <a:r>
-              <a:rPr lang="en-US" spc="-1" dirty="0">
-                <a:latin typeface="Source Code Pro" panose="020B0509030403020204" pitchFamily="49" charset="0"/>
-                <a:ea typeface="Source Code Pro" panose="020B0509030403020204" pitchFamily="49" charset="0"/>
-              </a:rPr>
-              <a:t> ]</a:t>
-            </a:r>
-          </a:p>
-          <a:p>
-            <a:r>
-              <a:rPr lang="en-US" spc="-1" dirty="0">
-                <a:latin typeface="Source Code Pro" panose="020B0509030403020204" pitchFamily="49" charset="0"/>
-                <a:ea typeface="Source Code Pro" panose="020B0509030403020204" pitchFamily="49" charset="0"/>
-              </a:rPr>
-              <a:t>	[ </a:t>
-            </a:r>
-            <a:r>
-              <a:rPr lang="en-US" spc="-1" dirty="0">
-                <a:solidFill>
-                  <a:srgbClr val="2B8208"/>
-                </a:solidFill>
-                <a:latin typeface="Source Code Pro" panose="020B0509030403020204" pitchFamily="49" charset="0"/>
-                <a:ea typeface="Source Code Pro" panose="020B0509030403020204" pitchFamily="49" charset="0"/>
-              </a:rPr>
-              <a:t>LIMIT</a:t>
-            </a:r>
-            <a:r>
-              <a:rPr lang="en-US" spc="-1" dirty="0">
-                <a:latin typeface="Source Code Pro" panose="020B0509030403020204" pitchFamily="49" charset="0"/>
-                <a:ea typeface="Source Code Pro" panose="020B0509030403020204" pitchFamily="49" charset="0"/>
-              </a:rPr>
-              <a:t> (`integer` | `bind_marker`) ]</a:t>
-            </a:r>
-          </a:p>
-          <a:p>
-            <a:r>
-              <a:rPr lang="en-US" spc="-1" dirty="0">
-                <a:latin typeface="Source Code Pro" panose="020B0509030403020204" pitchFamily="49" charset="0"/>
-                <a:ea typeface="Source Code Pro" panose="020B0509030403020204" pitchFamily="49" charset="0"/>
-              </a:rPr>
-              <a:t>	[ </a:t>
-            </a:r>
-            <a:r>
-              <a:rPr lang="en-US" spc="-1" dirty="0">
-                <a:solidFill>
-                  <a:srgbClr val="2B8208"/>
-                </a:solidFill>
-                <a:latin typeface="Source Code Pro" panose="020B0509030403020204" pitchFamily="49" charset="0"/>
-                <a:ea typeface="Source Code Pro" panose="020B0509030403020204" pitchFamily="49" charset="0"/>
-              </a:rPr>
-              <a:t>ALLOW</a:t>
-            </a:r>
-            <a:r>
-              <a:rPr lang="en-US" spc="-1" dirty="0">
-                <a:latin typeface="Source Code Pro" panose="020B0509030403020204" pitchFamily="49" charset="0"/>
-                <a:ea typeface="Source Code Pro" panose="020B0509030403020204" pitchFamily="49" charset="0"/>
-              </a:rPr>
-              <a:t> </a:t>
-            </a:r>
-            <a:r>
-              <a:rPr lang="en-US" spc="-1" dirty="0">
-                <a:solidFill>
-                  <a:srgbClr val="2B8208"/>
-                </a:solidFill>
-                <a:latin typeface="Source Code Pro" panose="020B0509030403020204" pitchFamily="49" charset="0"/>
-                <a:ea typeface="Source Code Pro" panose="020B0509030403020204" pitchFamily="49" charset="0"/>
-              </a:rPr>
-              <a:t>FILTERING</a:t>
-            </a:r>
-            <a:r>
-              <a:rPr lang="en-US" spc="-1" dirty="0">
-                <a:latin typeface="Source Code Pro" panose="020B0509030403020204" pitchFamily="49" charset="0"/>
-                <a:ea typeface="Source Code Pro" panose="020B0509030403020204" pitchFamily="49" charset="0"/>
-              </a:rPr>
-              <a:t> ]</a:t>
-            </a:r>
-          </a:p>
-          <a:p>
-            <a:r>
-              <a:rPr lang="en-US" spc="-1" dirty="0">
-                <a:solidFill>
-                  <a:srgbClr val="0070C0"/>
-                </a:solidFill>
-                <a:latin typeface="Source Code Pro" panose="020B0509030403020204" pitchFamily="49" charset="0"/>
-                <a:ea typeface="Source Code Pro" panose="020B0509030403020204" pitchFamily="49" charset="0"/>
-              </a:rPr>
-              <a:t>select_clause::= </a:t>
-            </a:r>
-            <a:r>
-              <a:rPr lang="en-US" spc="-1" dirty="0">
-                <a:solidFill>
-                  <a:srgbClr val="C00000"/>
-                </a:solidFill>
-                <a:latin typeface="Source Code Pro" panose="020B0509030403020204" pitchFamily="49" charset="0"/>
-                <a:ea typeface="Source Code Pro" panose="020B0509030403020204" pitchFamily="49" charset="0"/>
-              </a:rPr>
-              <a:t>`selector`</a:t>
-            </a:r>
-            <a:r>
-              <a:rPr lang="en-US" spc="-1" dirty="0">
-                <a:latin typeface="Source Code Pro" panose="020B0509030403020204" pitchFamily="49" charset="0"/>
-                <a:ea typeface="Source Code Pro" panose="020B0509030403020204" pitchFamily="49" charset="0"/>
-              </a:rPr>
-              <a:t> [ AS `identifier` ] ( ',' `selector` [ AS `identifier` ] )</a:t>
-            </a:r>
-          </a:p>
-          <a:p>
-            <a:r>
-              <a:rPr lang="en-US" spc="-1" dirty="0">
-                <a:solidFill>
-                  <a:srgbClr val="C00000"/>
-                </a:solidFill>
-                <a:latin typeface="Source Code Pro" panose="020B0509030403020204" pitchFamily="49" charset="0"/>
-                <a:ea typeface="Source Code Pro" panose="020B0509030403020204" pitchFamily="49" charset="0"/>
-              </a:rPr>
-              <a:t>selector::==</a:t>
-            </a:r>
-            <a:r>
-              <a:rPr lang="en-US" spc="-1" dirty="0">
-                <a:latin typeface="Source Code Pro" panose="020B0509030403020204" pitchFamily="49" charset="0"/>
-                <a:ea typeface="Source Code Pro" panose="020B0509030403020204" pitchFamily="49" charset="0"/>
-              </a:rPr>
-              <a:t> `column_name`</a:t>
-            </a:r>
-          </a:p>
-          <a:p>
-            <a:r>
-              <a:rPr lang="en-US" spc="-1" dirty="0">
-                <a:latin typeface="Source Code Pro" panose="020B0509030403020204" pitchFamily="49" charset="0"/>
-                <a:ea typeface="Source Code Pro" panose="020B0509030403020204" pitchFamily="49" charset="0"/>
-              </a:rPr>
-              <a:t>	| `term`</a:t>
-            </a:r>
-          </a:p>
-          <a:p>
-            <a:r>
-              <a:rPr lang="en-US" spc="-1" dirty="0">
-                <a:latin typeface="Source Code Pro" panose="020B0509030403020204" pitchFamily="49" charset="0"/>
-                <a:ea typeface="Source Code Pro" panose="020B0509030403020204" pitchFamily="49" charset="0"/>
-              </a:rPr>
-              <a:t>	| CAST '(' `selector` AS `cql_type` ')'</a:t>
-            </a:r>
-          </a:p>
-          <a:p>
-            <a:r>
-              <a:rPr lang="en-US" spc="-1" dirty="0">
-                <a:latin typeface="Source Code Pro" panose="020B0509030403020204" pitchFamily="49" charset="0"/>
-                <a:ea typeface="Source Code Pro" panose="020B0509030403020204" pitchFamily="49" charset="0"/>
-              </a:rPr>
-              <a:t>	| `function_name` '(' [ `selector` ( ',' `selector` )_ ] ')'</a:t>
-            </a:r>
-          </a:p>
-          <a:p>
-            <a:r>
-              <a:rPr lang="en-US" spc="-1" dirty="0">
-                <a:latin typeface="Source Code Pro" panose="020B0509030403020204" pitchFamily="49" charset="0"/>
-                <a:ea typeface="Source Code Pro" panose="020B0509030403020204" pitchFamily="49" charset="0"/>
-              </a:rPr>
-              <a:t>	| COUNT '(' '_' ')'</a:t>
-            </a:r>
-          </a:p>
-          <a:p>
-            <a:r>
-              <a:rPr lang="en-US" spc="-1" dirty="0">
-                <a:solidFill>
-                  <a:srgbClr val="840FF9"/>
-                </a:solidFill>
-                <a:latin typeface="Source Code Pro" panose="020B0509030403020204" pitchFamily="49" charset="0"/>
-                <a:ea typeface="Source Code Pro" panose="020B0509030403020204" pitchFamily="49" charset="0"/>
-              </a:rPr>
-              <a:t>where_clause::=</a:t>
-            </a:r>
-            <a:r>
-              <a:rPr lang="en-US" spc="-1" dirty="0">
-                <a:solidFill>
-                  <a:srgbClr val="C00000"/>
-                </a:solidFill>
-                <a:latin typeface="Source Code Pro" panose="020B0509030403020204" pitchFamily="49" charset="0"/>
-                <a:ea typeface="Source Code Pro" panose="020B0509030403020204" pitchFamily="49" charset="0"/>
-              </a:rPr>
-              <a:t> `relation`</a:t>
-            </a:r>
-            <a:r>
-              <a:rPr lang="en-US" spc="-1" dirty="0">
-                <a:latin typeface="Source Code Pro" panose="020B0509030403020204" pitchFamily="49" charset="0"/>
-                <a:ea typeface="Source Code Pro" panose="020B0509030403020204" pitchFamily="49" charset="0"/>
-              </a:rPr>
-              <a:t> ( AND `relation` )*</a:t>
-            </a:r>
-          </a:p>
-          <a:p>
-            <a:r>
-              <a:rPr lang="en-US" spc="-1" dirty="0">
-                <a:solidFill>
-                  <a:srgbClr val="C00000"/>
-                </a:solidFill>
-                <a:latin typeface="Source Code Pro" panose="020B0509030403020204" pitchFamily="49" charset="0"/>
-                <a:ea typeface="Source Code Pro" panose="020B0509030403020204" pitchFamily="49" charset="0"/>
-              </a:rPr>
-              <a:t>relation::=</a:t>
-            </a:r>
-            <a:r>
-              <a:rPr lang="en-US" spc="-1" dirty="0">
-                <a:latin typeface="Source Code Pro" panose="020B0509030403020204" pitchFamily="49" charset="0"/>
-                <a:ea typeface="Source Code Pro" panose="020B0509030403020204" pitchFamily="49" charset="0"/>
-              </a:rPr>
-              <a:t> column_name </a:t>
-            </a:r>
-            <a:r>
-              <a:rPr lang="en-US" spc="-1" dirty="0">
-                <a:solidFill>
-                  <a:srgbClr val="C00000"/>
-                </a:solidFill>
-                <a:latin typeface="Source Code Pro" panose="020B0509030403020204" pitchFamily="49" charset="0"/>
-                <a:ea typeface="Source Code Pro" panose="020B0509030403020204" pitchFamily="49" charset="0"/>
-              </a:rPr>
-              <a:t>operator</a:t>
-            </a:r>
-            <a:r>
-              <a:rPr lang="en-US" spc="-1" dirty="0">
-                <a:latin typeface="Source Code Pro" panose="020B0509030403020204" pitchFamily="49" charset="0"/>
-                <a:ea typeface="Source Code Pro" panose="020B0509030403020204" pitchFamily="49" charset="0"/>
-              </a:rPr>
-              <a:t> term</a:t>
-            </a:r>
-          </a:p>
-          <a:p>
-            <a:r>
-              <a:rPr lang="en-US" spc="-1" dirty="0">
-                <a:latin typeface="Source Code Pro" panose="020B0509030403020204" pitchFamily="49" charset="0"/>
-                <a:ea typeface="Source Code Pro" panose="020B0509030403020204" pitchFamily="49" charset="0"/>
-              </a:rPr>
-              <a:t>	'(' column_name ( ',' column_name )* ')' operator tuple_literal</a:t>
-            </a:r>
-          </a:p>
-          <a:p>
-            <a:r>
-              <a:rPr lang="en-US" spc="-1" dirty="0">
-                <a:latin typeface="Source Code Pro" panose="020B0509030403020204" pitchFamily="49" charset="0"/>
-                <a:ea typeface="Source Code Pro" panose="020B0509030403020204" pitchFamily="49" charset="0"/>
-              </a:rPr>
-              <a:t>	TOKEN '(' column_name# ( ',' column_name )* ')' operator term</a:t>
-            </a:r>
-          </a:p>
-          <a:p>
-            <a:r>
-              <a:rPr lang="en-US" spc="-1" dirty="0">
-                <a:solidFill>
-                  <a:srgbClr val="C00000"/>
-                </a:solidFill>
-                <a:latin typeface="Source Code Pro" panose="020B0509030403020204" pitchFamily="49" charset="0"/>
-                <a:ea typeface="Source Code Pro" panose="020B0509030403020204" pitchFamily="49" charset="0"/>
-              </a:rPr>
-              <a:t>operator::=</a:t>
-            </a:r>
-            <a:r>
-              <a:rPr lang="en-US" spc="-1" dirty="0">
-                <a:latin typeface="Source Code Pro" panose="020B0509030403020204" pitchFamily="49" charset="0"/>
-                <a:ea typeface="Source Code Pro" panose="020B0509030403020204" pitchFamily="49" charset="0"/>
-              </a:rPr>
-              <a:t> '=' | '&lt;' | '&gt;' | '&lt;=' | '&gt;=' | '!=' | IN | CONTAINS | CONTAINS KEY</a:t>
-            </a:r>
-          </a:p>
-          <a:p>
-            <a:r>
-              <a:rPr lang="en-US" spc="-1" dirty="0">
-                <a:solidFill>
-                  <a:srgbClr val="840FF9"/>
-                </a:solidFill>
-                <a:latin typeface="Source Code Pro" panose="020B0509030403020204" pitchFamily="49" charset="0"/>
-                <a:ea typeface="Source Code Pro" panose="020B0509030403020204" pitchFamily="49" charset="0"/>
-              </a:rPr>
-              <a:t>group_by_clause::=</a:t>
-            </a:r>
-            <a:r>
-              <a:rPr lang="en-US" spc="-1" dirty="0">
-                <a:latin typeface="Source Code Pro" panose="020B0509030403020204" pitchFamily="49" charset="0"/>
-                <a:ea typeface="Source Code Pro" panose="020B0509030403020204" pitchFamily="49" charset="0"/>
-              </a:rPr>
-              <a:t> column_name ( ',' column_name )*</a:t>
-            </a:r>
-          </a:p>
-          <a:p>
-            <a:r>
-              <a:rPr lang="en-US" spc="-1" dirty="0">
-                <a:solidFill>
-                  <a:srgbClr val="840FF9"/>
-                </a:solidFill>
-                <a:latin typeface="Source Code Pro" panose="020B0509030403020204" pitchFamily="49" charset="0"/>
-                <a:ea typeface="Source Code Pro" panose="020B0509030403020204" pitchFamily="49" charset="0"/>
-              </a:rPr>
-              <a:t>ordering_clause::=</a:t>
-            </a:r>
-            <a:r>
-              <a:rPr lang="en-US" spc="-1" dirty="0">
-                <a:latin typeface="Source Code Pro" panose="020B0509030403020204" pitchFamily="49" charset="0"/>
-                <a:ea typeface="Source Code Pro" panose="020B0509030403020204" pitchFamily="49" charset="0"/>
-              </a:rPr>
-              <a:t> column_name [ ASC | DESC ] ( ',' column_name [ ASC | DESC ] )*</a:t>
-            </a:r>
-            <a:endParaRPr lang="en-IN" sz="400" spc="-1" dirty="0">
-              <a:latin typeface="Source Code Pro" panose="020B0509030403020204" pitchFamily="49" charset="0"/>
-              <a:ea typeface="Source Code Pro" panose="020B0509030403020204" pitchFamily="49" charset="0"/>
-            </a:endParaRPr>
-          </a:p>
-        </p:txBody>
-      </p:sp>
-    </p:spTree>
-    <p:extLst>
-      <p:ext uri="{BB962C8B-B14F-4D97-AF65-F5344CB8AC3E}">
-        <p14:creationId xmlns:p14="http://schemas.microsoft.com/office/powerpoint/2010/main" val="1398291685"/>
-      </p:ext>
-    </p:extLst>
-  </p:cSld>
-  <p:clrMapOvr>
-    <a:masterClrMapping/>
-  </p:clrMapOvr>
-</p:sld>
-</file>
-
-<file path=ppt/slides/slide47.xml><?xml version="1.0" encoding="utf-8"?>
-<p:sld xmlns:a="http://schemas.openxmlformats.org/drawingml/2006/main" xmlns:r="http://schemas.openxmlformats.org/officeDocument/2006/relationships" xmlns:p="http://schemas.openxmlformats.org/presentationml/2006/main">
-  <p:cSld>
-    <p:spTree>
-      <p:nvGrpSpPr>
-        <p:cNvPr id="1" name=""/>
-        <p:cNvGrpSpPr/>
-        <p:nvPr/>
-      </p:nvGrpSpPr>
-      <p:grpSpPr>
-        <a:xfrm>
-          <a:off x="0" y="0"/>
-          <a:ext cx="0" cy="0"/>
-          <a:chOff x="0" y="0"/>
-          <a:chExt cx="0" cy="0"/>
-        </a:xfrm>
-      </p:grpSpPr>
-      <p:sp>
-        <p:nvSpPr>
-          <p:cNvPr id="111" name="CustomShape 1"/>
-          <p:cNvSpPr/>
-          <p:nvPr/>
-        </p:nvSpPr>
-        <p:spPr>
-          <a:xfrm>
-            <a:off x="246600" y="762120"/>
-            <a:ext cx="11687400" cy="367878"/>
-          </a:xfrm>
-          <a:prstGeom prst="rect">
-            <a:avLst/>
-          </a:prstGeom>
-          <a:noFill/>
-          <a:ln>
-            <a:noFill/>
-          </a:ln>
-        </p:spPr>
-        <p:style>
-          <a:lnRef idx="0">
-            <a:scrgbClr r="0" g="0" b="0"/>
-          </a:lnRef>
-          <a:fillRef idx="0">
-            <a:scrgbClr r="0" g="0" b="0"/>
-          </a:fillRef>
-          <a:effectRef idx="0">
-            <a:scrgbClr r="0" g="0" b="0"/>
-          </a:effectRef>
-          <a:fontRef idx="minor"/>
-        </p:style>
-        <p:txBody>
-          <a:bodyPr lIns="90000" tIns="45000" rIns="90000" bIns="45000">
-            <a:spAutoFit/>
-          </a:bodyPr>
-          <a:lstStyle/>
-          <a:p>
-            <a:pPr algn="just"/>
-            <a:r>
-              <a:rPr lang="en-US" spc="-1" dirty="0">
-                <a:latin typeface="Arial"/>
-              </a:rPr>
-              <a:t>TODO</a:t>
-            </a:r>
-          </a:p>
-        </p:txBody>
-      </p:sp>
-      <p:sp>
-        <p:nvSpPr>
-          <p:cNvPr id="114" name="CustomShape 4"/>
-          <p:cNvSpPr/>
-          <p:nvPr/>
-        </p:nvSpPr>
-        <p:spPr>
-          <a:xfrm>
-            <a:off x="246600" y="0"/>
-            <a:ext cx="11687400" cy="706432"/>
-          </a:xfrm>
-          <a:prstGeom prst="rect">
-            <a:avLst/>
-          </a:prstGeom>
-          <a:solidFill>
-            <a:srgbClr val="C00000"/>
-          </a:solidFill>
-          <a:ln>
-            <a:noFill/>
-          </a:ln>
-        </p:spPr>
-        <p:style>
-          <a:lnRef idx="0">
-            <a:scrgbClr r="0" g="0" b="0"/>
-          </a:lnRef>
-          <a:fillRef idx="0">
-            <a:scrgbClr r="0" g="0" b="0"/>
-          </a:fillRef>
-          <a:effectRef idx="0">
-            <a:scrgbClr r="0" g="0" b="0"/>
-          </a:effectRef>
-          <a:fontRef idx="minor"/>
-        </p:style>
-        <p:txBody>
-          <a:bodyPr lIns="90000" tIns="45000" rIns="90000" bIns="45000">
-            <a:spAutoFit/>
-          </a:bodyPr>
-          <a:lstStyle/>
-          <a:p>
-            <a:pPr algn="ctr">
-              <a:lnSpc>
-                <a:spcPct val="100000"/>
-              </a:lnSpc>
-            </a:pPr>
-            <a:r>
-              <a:rPr lang="en-IN" sz="4000" spc="-1" dirty="0">
-                <a:solidFill>
-                  <a:srgbClr val="F7C120"/>
-                </a:solidFill>
-                <a:latin typeface="Open Sans"/>
-                <a:ea typeface="DejaVu Sans"/>
-              </a:rPr>
-              <a:t>select data – WHERE clause</a:t>
-            </a:r>
-            <a:endParaRPr lang="en-IN" sz="4000" b="0" strike="noStrike" spc="-1" dirty="0">
-              <a:latin typeface="Arial"/>
-            </a:endParaRPr>
-          </a:p>
-        </p:txBody>
-      </p:sp>
-      <p:sp>
-        <p:nvSpPr>
-          <p:cNvPr id="6" name="CustomShape 6">
-            <a:extLst>
-              <a:ext uri="{FF2B5EF4-FFF2-40B4-BE49-F238E27FC236}">
-                <a16:creationId xmlns:a16="http://schemas.microsoft.com/office/drawing/2014/main" id="{20ADB939-8AEC-47EC-8B01-ED6AB8A20258}"/>
-              </a:ext>
-            </a:extLst>
-          </p:cNvPr>
-          <p:cNvSpPr/>
-          <p:nvPr/>
-        </p:nvSpPr>
-        <p:spPr>
-          <a:xfrm>
-            <a:off x="246600" y="1426419"/>
-            <a:ext cx="11687400" cy="4522861"/>
-          </a:xfrm>
-          <a:prstGeom prst="rect">
-            <a:avLst/>
-          </a:prstGeom>
-          <a:noFill/>
-          <a:ln>
-            <a:noFill/>
-          </a:ln>
-        </p:spPr>
-        <p:style>
-          <a:lnRef idx="0">
-            <a:scrgbClr r="0" g="0" b="0"/>
-          </a:lnRef>
-          <a:fillRef idx="0">
-            <a:scrgbClr r="0" g="0" b="0"/>
-          </a:fillRef>
-          <a:effectRef idx="0">
-            <a:scrgbClr r="0" g="0" b="0"/>
-          </a:effectRef>
-          <a:fontRef idx="minor"/>
-        </p:style>
-        <p:txBody>
-          <a:bodyPr lIns="90000" tIns="45000" rIns="90000" bIns="45000">
-            <a:spAutoFit/>
-          </a:bodyPr>
-          <a:lstStyle/>
-          <a:p>
-            <a:r>
-              <a:rPr lang="en-US" spc="-1" dirty="0">
-                <a:latin typeface="Source Code Pro" panose="020B0509030403020204" pitchFamily="49" charset="0"/>
-                <a:ea typeface="Source Code Pro" panose="020B0509030403020204" pitchFamily="49" charset="0"/>
-              </a:rPr>
-              <a:t>select_statement::= </a:t>
-            </a:r>
-            <a:r>
-              <a:rPr lang="en-US" spc="-1" dirty="0">
-                <a:solidFill>
-                  <a:srgbClr val="2B8208"/>
-                </a:solidFill>
-                <a:latin typeface="Source Code Pro" panose="020B0509030403020204" pitchFamily="49" charset="0"/>
-                <a:ea typeface="Source Code Pro" panose="020B0509030403020204" pitchFamily="49" charset="0"/>
-              </a:rPr>
-              <a:t>SELECT</a:t>
-            </a:r>
-            <a:r>
-              <a:rPr lang="en-US" spc="-1" dirty="0">
-                <a:latin typeface="Source Code Pro" panose="020B0509030403020204" pitchFamily="49" charset="0"/>
-                <a:ea typeface="Source Code Pro" panose="020B0509030403020204" pitchFamily="49" charset="0"/>
-              </a:rPr>
-              <a:t> [ </a:t>
-            </a:r>
-            <a:r>
-              <a:rPr lang="en-US" i="1" spc="-1" dirty="0">
-                <a:solidFill>
-                  <a:schemeClr val="accent5">
-                    <a:lumMod val="75000"/>
-                  </a:schemeClr>
-                </a:solidFill>
-                <a:latin typeface="Source Code Pro" panose="020B0509030403020204" pitchFamily="49" charset="0"/>
-                <a:ea typeface="Source Code Pro" panose="020B0509030403020204" pitchFamily="49" charset="0"/>
-              </a:rPr>
-              <a:t>JSON </a:t>
-            </a:r>
-            <a:r>
-              <a:rPr lang="en-US" spc="-1" dirty="0">
-                <a:solidFill>
-                  <a:schemeClr val="accent5">
-                    <a:lumMod val="75000"/>
-                  </a:schemeClr>
-                </a:solidFill>
-                <a:latin typeface="Source Code Pro" panose="020B0509030403020204" pitchFamily="49" charset="0"/>
-                <a:ea typeface="Source Code Pro" panose="020B0509030403020204" pitchFamily="49" charset="0"/>
-              </a:rPr>
-              <a:t>|</a:t>
-            </a:r>
-            <a:r>
-              <a:rPr lang="en-US" i="1" spc="-1" dirty="0">
-                <a:solidFill>
-                  <a:schemeClr val="accent5">
-                    <a:lumMod val="75000"/>
-                  </a:schemeClr>
-                </a:solidFill>
-                <a:latin typeface="Source Code Pro" panose="020B0509030403020204" pitchFamily="49" charset="0"/>
-                <a:ea typeface="Source Code Pro" panose="020B0509030403020204" pitchFamily="49" charset="0"/>
-              </a:rPr>
-              <a:t> DISTINCT</a:t>
-            </a:r>
-            <a:r>
-              <a:rPr lang="en-US" spc="-1" dirty="0">
-                <a:latin typeface="Source Code Pro" panose="020B0509030403020204" pitchFamily="49" charset="0"/>
-                <a:ea typeface="Source Code Pro" panose="020B0509030403020204" pitchFamily="49" charset="0"/>
-              </a:rPr>
-              <a:t> ] ( </a:t>
-            </a:r>
-            <a:r>
-              <a:rPr lang="en-US" spc="-1" dirty="0">
-                <a:solidFill>
-                  <a:srgbClr val="0070C0"/>
-                </a:solidFill>
-                <a:latin typeface="Source Code Pro" panose="020B0509030403020204" pitchFamily="49" charset="0"/>
-                <a:ea typeface="Source Code Pro" panose="020B0509030403020204" pitchFamily="49" charset="0"/>
-              </a:rPr>
-              <a:t>select_clause </a:t>
-            </a:r>
-            <a:r>
-              <a:rPr lang="en-US" spc="-1" dirty="0">
-                <a:latin typeface="Source Code Pro" panose="020B0509030403020204" pitchFamily="49" charset="0"/>
-                <a:ea typeface="Source Code Pro" panose="020B0509030403020204" pitchFamily="49" charset="0"/>
-              </a:rPr>
-              <a:t>| '*' )</a:t>
-            </a:r>
-          </a:p>
-          <a:p>
-            <a:r>
-              <a:rPr lang="en-US" spc="-1" dirty="0">
-                <a:latin typeface="Source Code Pro" panose="020B0509030403020204" pitchFamily="49" charset="0"/>
-                <a:ea typeface="Source Code Pro" panose="020B0509030403020204" pitchFamily="49" charset="0"/>
-              </a:rPr>
-              <a:t>	</a:t>
-            </a:r>
-            <a:r>
-              <a:rPr lang="en-US" spc="-1" dirty="0">
-                <a:solidFill>
-                  <a:srgbClr val="2B8208"/>
-                </a:solidFill>
-                <a:latin typeface="Source Code Pro" panose="020B0509030403020204" pitchFamily="49" charset="0"/>
-                <a:ea typeface="Source Code Pro" panose="020B0509030403020204" pitchFamily="49" charset="0"/>
-              </a:rPr>
-              <a:t>FROM</a:t>
-            </a:r>
-            <a:r>
-              <a:rPr lang="en-US" spc="-1" dirty="0">
-                <a:latin typeface="Source Code Pro" panose="020B0509030403020204" pitchFamily="49" charset="0"/>
-                <a:ea typeface="Source Code Pro" panose="020B0509030403020204" pitchFamily="49" charset="0"/>
-              </a:rPr>
-              <a:t> `table_name`</a:t>
-            </a:r>
-          </a:p>
-          <a:p>
-            <a:r>
-              <a:rPr lang="en-US" spc="-1" dirty="0">
-                <a:latin typeface="Source Code Pro" panose="020B0509030403020204" pitchFamily="49" charset="0"/>
-                <a:ea typeface="Source Code Pro" panose="020B0509030403020204" pitchFamily="49" charset="0"/>
-              </a:rPr>
-              <a:t>	[ </a:t>
-            </a:r>
-            <a:r>
-              <a:rPr lang="en-US" spc="-1" dirty="0">
-                <a:solidFill>
-                  <a:srgbClr val="2B8208"/>
-                </a:solidFill>
-                <a:latin typeface="Source Code Pro" panose="020B0509030403020204" pitchFamily="49" charset="0"/>
-                <a:ea typeface="Source Code Pro" panose="020B0509030403020204" pitchFamily="49" charset="0"/>
-              </a:rPr>
-              <a:t>WHERE</a:t>
-            </a:r>
-            <a:r>
-              <a:rPr lang="en-US" spc="-1" dirty="0">
-                <a:latin typeface="Source Code Pro" panose="020B0509030403020204" pitchFamily="49" charset="0"/>
-                <a:ea typeface="Source Code Pro" panose="020B0509030403020204" pitchFamily="49" charset="0"/>
-              </a:rPr>
-              <a:t> </a:t>
-            </a:r>
-            <a:r>
-              <a:rPr lang="en-US" spc="-1" dirty="0">
-                <a:solidFill>
-                  <a:srgbClr val="840FF9"/>
-                </a:solidFill>
-                <a:latin typeface="Source Code Pro" panose="020B0509030403020204" pitchFamily="49" charset="0"/>
-                <a:ea typeface="Source Code Pro" panose="020B0509030403020204" pitchFamily="49" charset="0"/>
-              </a:rPr>
-              <a:t>`where_clause`</a:t>
-            </a:r>
-            <a:r>
-              <a:rPr lang="en-US" spc="-1" dirty="0">
-                <a:solidFill>
-                  <a:srgbClr val="C00000"/>
-                </a:solidFill>
-                <a:latin typeface="Source Code Pro" panose="020B0509030403020204" pitchFamily="49" charset="0"/>
-                <a:ea typeface="Source Code Pro" panose="020B0509030403020204" pitchFamily="49" charset="0"/>
-              </a:rPr>
-              <a:t> </a:t>
-            </a:r>
-            <a:r>
-              <a:rPr lang="en-US" spc="-1" dirty="0">
-                <a:latin typeface="Source Code Pro" panose="020B0509030403020204" pitchFamily="49" charset="0"/>
-                <a:ea typeface="Source Code Pro" panose="020B0509030403020204" pitchFamily="49" charset="0"/>
-              </a:rPr>
-              <a:t>]</a:t>
-            </a:r>
-          </a:p>
-          <a:p>
-            <a:r>
-              <a:rPr lang="en-US" spc="-1" dirty="0">
-                <a:latin typeface="Source Code Pro" panose="020B0509030403020204" pitchFamily="49" charset="0"/>
-                <a:ea typeface="Source Code Pro" panose="020B0509030403020204" pitchFamily="49" charset="0"/>
-              </a:rPr>
-              <a:t>	[ </a:t>
-            </a:r>
-            <a:r>
-              <a:rPr lang="en-US" spc="-1" dirty="0">
-                <a:solidFill>
-                  <a:srgbClr val="2B8208"/>
-                </a:solidFill>
-                <a:latin typeface="Source Code Pro" panose="020B0509030403020204" pitchFamily="49" charset="0"/>
-                <a:ea typeface="Source Code Pro" panose="020B0509030403020204" pitchFamily="49" charset="0"/>
-              </a:rPr>
-              <a:t>ALLOW</a:t>
-            </a:r>
-            <a:r>
-              <a:rPr lang="en-US" spc="-1" dirty="0">
-                <a:latin typeface="Source Code Pro" panose="020B0509030403020204" pitchFamily="49" charset="0"/>
-                <a:ea typeface="Source Code Pro" panose="020B0509030403020204" pitchFamily="49" charset="0"/>
-              </a:rPr>
-              <a:t> </a:t>
-            </a:r>
-            <a:r>
-              <a:rPr lang="en-US" spc="-1" dirty="0">
-                <a:solidFill>
-                  <a:srgbClr val="2B8208"/>
-                </a:solidFill>
-                <a:latin typeface="Source Code Pro" panose="020B0509030403020204" pitchFamily="49" charset="0"/>
-                <a:ea typeface="Source Code Pro" panose="020B0509030403020204" pitchFamily="49" charset="0"/>
-              </a:rPr>
-              <a:t>FILTERING</a:t>
-            </a:r>
-            <a:r>
-              <a:rPr lang="en-US" spc="-1" dirty="0">
-                <a:latin typeface="Source Code Pro" panose="020B0509030403020204" pitchFamily="49" charset="0"/>
-                <a:ea typeface="Source Code Pro" panose="020B0509030403020204" pitchFamily="49" charset="0"/>
-              </a:rPr>
-              <a:t> ]</a:t>
-            </a:r>
-          </a:p>
-          <a:p>
-            <a:r>
-              <a:rPr lang="en-US" spc="-1" dirty="0">
-                <a:solidFill>
-                  <a:srgbClr val="0070C0"/>
-                </a:solidFill>
-                <a:latin typeface="Source Code Pro" panose="020B0509030403020204" pitchFamily="49" charset="0"/>
-                <a:ea typeface="Source Code Pro" panose="020B0509030403020204" pitchFamily="49" charset="0"/>
-              </a:rPr>
-              <a:t>select_clause::= </a:t>
-            </a:r>
-            <a:r>
-              <a:rPr lang="en-US" spc="-1" dirty="0">
-                <a:solidFill>
-                  <a:srgbClr val="C00000"/>
-                </a:solidFill>
-                <a:latin typeface="Source Code Pro" panose="020B0509030403020204" pitchFamily="49" charset="0"/>
-                <a:ea typeface="Source Code Pro" panose="020B0509030403020204" pitchFamily="49" charset="0"/>
-              </a:rPr>
-              <a:t>`selector`</a:t>
-            </a:r>
-            <a:r>
-              <a:rPr lang="en-US" spc="-1" dirty="0">
-                <a:latin typeface="Source Code Pro" panose="020B0509030403020204" pitchFamily="49" charset="0"/>
-                <a:ea typeface="Source Code Pro" panose="020B0509030403020204" pitchFamily="49" charset="0"/>
-              </a:rPr>
-              <a:t> [ AS `identifier` ] ( ',' `selector` [ AS `identifier` ] )</a:t>
-            </a:r>
-          </a:p>
-          <a:p>
-            <a:r>
-              <a:rPr lang="en-US" spc="-1" dirty="0">
-                <a:solidFill>
-                  <a:srgbClr val="C00000"/>
-                </a:solidFill>
-                <a:latin typeface="Source Code Pro" panose="020B0509030403020204" pitchFamily="49" charset="0"/>
-                <a:ea typeface="Source Code Pro" panose="020B0509030403020204" pitchFamily="49" charset="0"/>
-              </a:rPr>
-              <a:t>selector::==</a:t>
-            </a:r>
-            <a:r>
-              <a:rPr lang="en-US" spc="-1" dirty="0">
-                <a:latin typeface="Source Code Pro" panose="020B0509030403020204" pitchFamily="49" charset="0"/>
-                <a:ea typeface="Source Code Pro" panose="020B0509030403020204" pitchFamily="49" charset="0"/>
-              </a:rPr>
-              <a:t> `column_name`</a:t>
-            </a:r>
-          </a:p>
-          <a:p>
-            <a:r>
-              <a:rPr lang="en-US" spc="-1" dirty="0">
-                <a:latin typeface="Source Code Pro" panose="020B0509030403020204" pitchFamily="49" charset="0"/>
-                <a:ea typeface="Source Code Pro" panose="020B0509030403020204" pitchFamily="49" charset="0"/>
-              </a:rPr>
-              <a:t>	| `term`</a:t>
-            </a:r>
-          </a:p>
-          <a:p>
-            <a:r>
-              <a:rPr lang="en-US" spc="-1" dirty="0">
-                <a:latin typeface="Source Code Pro" panose="020B0509030403020204" pitchFamily="49" charset="0"/>
-                <a:ea typeface="Source Code Pro" panose="020B0509030403020204" pitchFamily="49" charset="0"/>
-              </a:rPr>
-              <a:t>	| CAST '(' `selector` AS `cql_type` ')'</a:t>
-            </a:r>
-          </a:p>
-          <a:p>
-            <a:r>
-              <a:rPr lang="en-US" spc="-1" dirty="0">
-                <a:latin typeface="Source Code Pro" panose="020B0509030403020204" pitchFamily="49" charset="0"/>
-                <a:ea typeface="Source Code Pro" panose="020B0509030403020204" pitchFamily="49" charset="0"/>
-              </a:rPr>
-              <a:t>	| `function_name` '(' [ `selector` ( ',' `selector` )_ ] ')'</a:t>
-            </a:r>
-          </a:p>
-          <a:p>
-            <a:r>
-              <a:rPr lang="en-US" spc="-1" dirty="0">
-                <a:latin typeface="Source Code Pro" panose="020B0509030403020204" pitchFamily="49" charset="0"/>
-                <a:ea typeface="Source Code Pro" panose="020B0509030403020204" pitchFamily="49" charset="0"/>
-              </a:rPr>
-              <a:t>	| COUNT '(' '_' ')'</a:t>
-            </a:r>
-          </a:p>
-          <a:p>
-            <a:r>
-              <a:rPr lang="en-US" spc="-1" dirty="0">
-                <a:solidFill>
-                  <a:srgbClr val="840FF9"/>
-                </a:solidFill>
-                <a:latin typeface="Source Code Pro" panose="020B0509030403020204" pitchFamily="49" charset="0"/>
-                <a:ea typeface="Source Code Pro" panose="020B0509030403020204" pitchFamily="49" charset="0"/>
-              </a:rPr>
-              <a:t>where_clause::=</a:t>
-            </a:r>
-            <a:r>
-              <a:rPr lang="en-US" spc="-1" dirty="0">
-                <a:solidFill>
-                  <a:srgbClr val="C00000"/>
-                </a:solidFill>
-                <a:latin typeface="Source Code Pro" panose="020B0509030403020204" pitchFamily="49" charset="0"/>
-                <a:ea typeface="Source Code Pro" panose="020B0509030403020204" pitchFamily="49" charset="0"/>
-              </a:rPr>
-              <a:t> `relation`</a:t>
-            </a:r>
-            <a:r>
-              <a:rPr lang="en-US" spc="-1" dirty="0">
-                <a:latin typeface="Source Code Pro" panose="020B0509030403020204" pitchFamily="49" charset="0"/>
-                <a:ea typeface="Source Code Pro" panose="020B0509030403020204" pitchFamily="49" charset="0"/>
-              </a:rPr>
-              <a:t> ( AND `relation` )*</a:t>
-            </a:r>
-          </a:p>
-          <a:p>
-            <a:r>
-              <a:rPr lang="en-US" spc="-1" dirty="0">
-                <a:solidFill>
-                  <a:srgbClr val="C00000"/>
-                </a:solidFill>
-                <a:latin typeface="Source Code Pro" panose="020B0509030403020204" pitchFamily="49" charset="0"/>
-                <a:ea typeface="Source Code Pro" panose="020B0509030403020204" pitchFamily="49" charset="0"/>
-              </a:rPr>
-              <a:t>relation::=</a:t>
-            </a:r>
-            <a:r>
-              <a:rPr lang="en-US" spc="-1" dirty="0">
-                <a:latin typeface="Source Code Pro" panose="020B0509030403020204" pitchFamily="49" charset="0"/>
-                <a:ea typeface="Source Code Pro" panose="020B0509030403020204" pitchFamily="49" charset="0"/>
-              </a:rPr>
-              <a:t> column_name </a:t>
-            </a:r>
-            <a:r>
-              <a:rPr lang="en-US" spc="-1" dirty="0">
-                <a:solidFill>
-                  <a:srgbClr val="C00000"/>
-                </a:solidFill>
-                <a:latin typeface="Source Code Pro" panose="020B0509030403020204" pitchFamily="49" charset="0"/>
-                <a:ea typeface="Source Code Pro" panose="020B0509030403020204" pitchFamily="49" charset="0"/>
-              </a:rPr>
-              <a:t>operator</a:t>
-            </a:r>
-            <a:r>
-              <a:rPr lang="en-US" spc="-1" dirty="0">
-                <a:latin typeface="Source Code Pro" panose="020B0509030403020204" pitchFamily="49" charset="0"/>
-                <a:ea typeface="Source Code Pro" panose="020B0509030403020204" pitchFamily="49" charset="0"/>
-              </a:rPr>
-              <a:t> term</a:t>
-            </a:r>
-          </a:p>
-          <a:p>
-            <a:r>
-              <a:rPr lang="en-US" spc="-1" dirty="0">
-                <a:latin typeface="Source Code Pro" panose="020B0509030403020204" pitchFamily="49" charset="0"/>
-                <a:ea typeface="Source Code Pro" panose="020B0509030403020204" pitchFamily="49" charset="0"/>
-              </a:rPr>
-              <a:t>	'(' column_name ( ',' column_name )* ')' operator tuple_literal</a:t>
-            </a:r>
-          </a:p>
-          <a:p>
-            <a:r>
-              <a:rPr lang="en-US" spc="-1" dirty="0">
-                <a:latin typeface="Source Code Pro" panose="020B0509030403020204" pitchFamily="49" charset="0"/>
-                <a:ea typeface="Source Code Pro" panose="020B0509030403020204" pitchFamily="49" charset="0"/>
-              </a:rPr>
-              <a:t>	TOKEN '(' column_name# ( ',' column_name )* ')' operator term</a:t>
-            </a:r>
-          </a:p>
-          <a:p>
-            <a:r>
-              <a:rPr lang="en-US" spc="-1" dirty="0">
-                <a:solidFill>
-                  <a:srgbClr val="C00000"/>
-                </a:solidFill>
-                <a:latin typeface="Source Code Pro" panose="020B0509030403020204" pitchFamily="49" charset="0"/>
-                <a:ea typeface="Source Code Pro" panose="020B0509030403020204" pitchFamily="49" charset="0"/>
-              </a:rPr>
-              <a:t>operator::=</a:t>
-            </a:r>
-            <a:r>
-              <a:rPr lang="en-US" spc="-1" dirty="0">
-                <a:latin typeface="Source Code Pro" panose="020B0509030403020204" pitchFamily="49" charset="0"/>
-                <a:ea typeface="Source Code Pro" panose="020B0509030403020204" pitchFamily="49" charset="0"/>
-              </a:rPr>
-              <a:t> '=' | '&lt;' | '&gt;' | '&lt;=' | '&gt;=' | '!=' | IN | CONTAINS | CONTAINS KEY</a:t>
-            </a:r>
-            <a:endParaRPr lang="en-IN" sz="400" spc="-1" dirty="0">
-              <a:latin typeface="Source Code Pro" panose="020B0509030403020204" pitchFamily="49" charset="0"/>
-              <a:ea typeface="Source Code Pro" panose="020B0509030403020204" pitchFamily="49" charset="0"/>
-            </a:endParaRPr>
-          </a:p>
-        </p:txBody>
-      </p:sp>
-    </p:spTree>
-    <p:extLst>
-      <p:ext uri="{BB962C8B-B14F-4D97-AF65-F5344CB8AC3E}">
-        <p14:creationId xmlns:p14="http://schemas.microsoft.com/office/powerpoint/2010/main" val="732455922"/>
       </p:ext>
     </p:extLst>
   </p:cSld>
@@ -26908,7 +26851,7 @@
                 <a:latin typeface="Open Sans"/>
                 <a:ea typeface="DejaVu Sans"/>
               </a:rPr>
-              <a:t>select data – WHERE clause</a:t>
+              <a:t>select</a:t>
             </a:r>
             <a:endParaRPr lang="en-IN" sz="4000" b="0" strike="noStrike" spc="-1" dirty="0">
               <a:latin typeface="Arial"/>
@@ -26918,10 +26861,10 @@
       </p:sp>
       <p:sp>
         <p:nvSpPr>
-          <p:cNvPr id="5" name="CustomShape 2">
+          <p:cNvPr id="10" name="CustomShape 6">
             <a:extLst>
               <a:ext uri="{FF2B5EF4-FFF2-40B4-BE49-F238E27FC236}">
-                <a16:creationId xmlns:a16="http://schemas.microsoft.com/office/drawing/2014/main" id="{1087AC0D-6E3E-4A3E-9702-FB105EEC390D}"/>
+                <a16:creationId xmlns:a16="http://schemas.microsoft.com/office/drawing/2014/main" id="{3F3ADA2F-5904-426C-A7AA-EF7218A0D350}"/>
               </a:ext>
             </a:extLst>
           </p:cNvPr>
@@ -26930,8 +26873,8 @@
         </p:nvSpPr>
         <p:spPr>
           <a:xfrm>
-            <a:off x="246600" y="1044898"/>
-            <a:ext cx="11687400" cy="367878"/>
+            <a:off x="246600" y="833512"/>
+            <a:ext cx="11687400" cy="5907856"/>
           </a:xfrm>
           <a:prstGeom prst="rect">
             <a:avLst/>
@@ -26954,90 +26897,590 @@
           <a:fontRef idx="minor"/>
         </p:style>
         <p:txBody>
-          <a:bodyPr wrap="square" lIns="90000" tIns="45000" rIns="90000" bIns="45000">
+          <a:bodyPr lIns="90000" tIns="45000" rIns="90000" bIns="45000">
             <a:spAutoFit/>
           </a:bodyPr>
           <a:lstStyle/>
           <a:p>
-            <a:pPr marL="309510" indent="-285750">
-              <a:buClr>
-                <a:srgbClr val="808080"/>
-              </a:buClr>
-              <a:buFont typeface="Arial" panose="020B0604020202020204" pitchFamily="34" charset="0"/>
-              <a:buChar char="•"/>
-            </a:pPr>
-            <a:r>
-              <a:rPr lang="en-IN" sz="1800" b="0" strike="noStrike" spc="-1" dirty="0">
-                <a:solidFill>
-                  <a:schemeClr val="bg1">
-                    <a:lumMod val="50000"/>
+            <a:r>
+              <a:rPr lang="en-US" spc="-1" dirty="0">
+                <a:latin typeface="Source Code Pro" panose="020B0509030403020204" pitchFamily="49" charset="0"/>
+                <a:ea typeface="Source Code Pro" panose="020B0509030403020204" pitchFamily="49" charset="0"/>
+              </a:rPr>
+              <a:t>select_statement::= </a:t>
+            </a:r>
+            <a:r>
+              <a:rPr lang="en-US" spc="-1" dirty="0">
+                <a:solidFill>
+                  <a:srgbClr val="2B8208"/>
+                </a:solidFill>
+                <a:latin typeface="Source Code Pro" panose="020B0509030403020204" pitchFamily="49" charset="0"/>
+                <a:ea typeface="Source Code Pro" panose="020B0509030403020204" pitchFamily="49" charset="0"/>
+              </a:rPr>
+              <a:t>SELECT</a:t>
+            </a:r>
+            <a:r>
+              <a:rPr lang="en-US" spc="-1" dirty="0">
+                <a:latin typeface="Source Code Pro" panose="020B0509030403020204" pitchFamily="49" charset="0"/>
+                <a:ea typeface="Source Code Pro" panose="020B0509030403020204" pitchFamily="49" charset="0"/>
+              </a:rPr>
+              <a:t> [ </a:t>
+            </a:r>
+            <a:r>
+              <a:rPr lang="en-US" i="1" spc="-1" dirty="0">
+                <a:solidFill>
+                  <a:schemeClr val="accent5">
+                    <a:lumMod val="75000"/>
                   </a:schemeClr>
                 </a:solidFill>
-                <a:latin typeface="Consolas" panose="020B0609020204030204" pitchFamily="49" charset="0"/>
-                <a:ea typeface="SimSun"/>
-              </a:rPr>
-              <a:t>cqlsh:db1&gt; </a:t>
-            </a:r>
-            <a:r>
-              <a:rPr lang="en-US" dirty="0">
+                <a:latin typeface="Source Code Pro" panose="020B0509030403020204" pitchFamily="49" charset="0"/>
+                <a:ea typeface="Source Code Pro" panose="020B0509030403020204" pitchFamily="49" charset="0"/>
+              </a:rPr>
+              <a:t>JSON </a:t>
+            </a:r>
+            <a:r>
+              <a:rPr lang="en-US" spc="-1" dirty="0">
+                <a:solidFill>
+                  <a:schemeClr val="accent5">
+                    <a:lumMod val="75000"/>
+                  </a:schemeClr>
+                </a:solidFill>
+                <a:latin typeface="Source Code Pro" panose="020B0509030403020204" pitchFamily="49" charset="0"/>
+                <a:ea typeface="Source Code Pro" panose="020B0509030403020204" pitchFamily="49" charset="0"/>
+              </a:rPr>
+              <a:t>|</a:t>
+            </a:r>
+            <a:r>
+              <a:rPr lang="en-US" i="1" spc="-1" dirty="0">
+                <a:solidFill>
+                  <a:schemeClr val="accent5">
+                    <a:lumMod val="75000"/>
+                  </a:schemeClr>
+                </a:solidFill>
+                <a:latin typeface="Source Code Pro" panose="020B0509030403020204" pitchFamily="49" charset="0"/>
+                <a:ea typeface="Source Code Pro" panose="020B0509030403020204" pitchFamily="49" charset="0"/>
+              </a:rPr>
+              <a:t> DISTINCT</a:t>
+            </a:r>
+            <a:r>
+              <a:rPr lang="en-US" spc="-1" dirty="0">
+                <a:latin typeface="Source Code Pro" panose="020B0509030403020204" pitchFamily="49" charset="0"/>
+                <a:ea typeface="Source Code Pro" panose="020B0509030403020204" pitchFamily="49" charset="0"/>
+              </a:rPr>
+              <a:t> ] ( </a:t>
+            </a:r>
+            <a:r>
+              <a:rPr lang="en-US" spc="-1" dirty="0">
                 <a:solidFill>
                   <a:srgbClr val="0070C0"/>
                 </a:solidFill>
-                <a:latin typeface="Consolas" panose="020B0609020204030204" pitchFamily="49" charset="0"/>
-              </a:rPr>
-              <a:t>UPDATE</a:t>
-            </a:r>
-            <a:r>
-              <a:rPr lang="en-US" spc="-1" dirty="0">
-                <a:latin typeface="Consolas" panose="020B0609020204030204" pitchFamily="49" charset="0"/>
-                <a:ea typeface="SimSun"/>
-              </a:rPr>
-              <a:t> books </a:t>
-            </a:r>
-            <a:r>
-              <a:rPr lang="en-US" dirty="0">
+                <a:latin typeface="Source Code Pro" panose="020B0509030403020204" pitchFamily="49" charset="0"/>
+                <a:ea typeface="Source Code Pro" panose="020B0509030403020204" pitchFamily="49" charset="0"/>
+              </a:rPr>
+              <a:t>select_clause </a:t>
+            </a:r>
+            <a:r>
+              <a:rPr lang="en-US" spc="-1" dirty="0">
+                <a:latin typeface="Source Code Pro" panose="020B0509030403020204" pitchFamily="49" charset="0"/>
+                <a:ea typeface="Source Code Pro" panose="020B0509030403020204" pitchFamily="49" charset="0"/>
+              </a:rPr>
+              <a:t>| '*' )</a:t>
+            </a:r>
+          </a:p>
+          <a:p>
+            <a:r>
+              <a:rPr lang="en-US" spc="-1" dirty="0">
+                <a:latin typeface="Source Code Pro" panose="020B0509030403020204" pitchFamily="49" charset="0"/>
+                <a:ea typeface="Source Code Pro" panose="020B0509030403020204" pitchFamily="49" charset="0"/>
+              </a:rPr>
+              <a:t>	</a:t>
+            </a:r>
+            <a:r>
+              <a:rPr lang="en-US" spc="-1" dirty="0">
+                <a:solidFill>
+                  <a:srgbClr val="2B8208"/>
+                </a:solidFill>
+                <a:latin typeface="Source Code Pro" panose="020B0509030403020204" pitchFamily="49" charset="0"/>
+                <a:ea typeface="Source Code Pro" panose="020B0509030403020204" pitchFamily="49" charset="0"/>
+              </a:rPr>
+              <a:t>FROM</a:t>
+            </a:r>
+            <a:r>
+              <a:rPr lang="en-US" spc="-1" dirty="0">
+                <a:latin typeface="Source Code Pro" panose="020B0509030403020204" pitchFamily="49" charset="0"/>
+                <a:ea typeface="Source Code Pro" panose="020B0509030403020204" pitchFamily="49" charset="0"/>
+              </a:rPr>
+              <a:t> `table_name`</a:t>
+            </a:r>
+          </a:p>
+          <a:p>
+            <a:r>
+              <a:rPr lang="en-US" spc="-1" dirty="0">
+                <a:latin typeface="Source Code Pro" panose="020B0509030403020204" pitchFamily="49" charset="0"/>
+                <a:ea typeface="Source Code Pro" panose="020B0509030403020204" pitchFamily="49" charset="0"/>
+              </a:rPr>
+              <a:t>	[ </a:t>
+            </a:r>
+            <a:r>
+              <a:rPr lang="en-US" spc="-1" dirty="0">
+                <a:solidFill>
+                  <a:srgbClr val="2B8208"/>
+                </a:solidFill>
+                <a:latin typeface="Source Code Pro" panose="020B0509030403020204" pitchFamily="49" charset="0"/>
+                <a:ea typeface="Source Code Pro" panose="020B0509030403020204" pitchFamily="49" charset="0"/>
+              </a:rPr>
+              <a:t>WHERE</a:t>
+            </a:r>
+            <a:r>
+              <a:rPr lang="en-US" spc="-1" dirty="0">
+                <a:latin typeface="Source Code Pro" panose="020B0509030403020204" pitchFamily="49" charset="0"/>
+                <a:ea typeface="Source Code Pro" panose="020B0509030403020204" pitchFamily="49" charset="0"/>
+              </a:rPr>
+              <a:t> </a:t>
+            </a:r>
+            <a:r>
+              <a:rPr lang="en-US" spc="-1" dirty="0">
+                <a:solidFill>
+                  <a:srgbClr val="840FF9"/>
+                </a:solidFill>
+                <a:latin typeface="Source Code Pro" panose="020B0509030403020204" pitchFamily="49" charset="0"/>
+                <a:ea typeface="Source Code Pro" panose="020B0509030403020204" pitchFamily="49" charset="0"/>
+              </a:rPr>
+              <a:t>`where_clause`</a:t>
+            </a:r>
+            <a:r>
+              <a:rPr lang="en-US" spc="-1" dirty="0">
                 <a:solidFill>
                   <a:srgbClr val="C00000"/>
                 </a:solidFill>
-                <a:latin typeface="Consolas" panose="020B0609020204030204" pitchFamily="49" charset="0"/>
-              </a:rPr>
-              <a:t>USING TTL 50 </a:t>
-            </a:r>
-            <a:r>
-              <a:rPr lang="en-US" dirty="0">
-                <a:solidFill>
-                  <a:srgbClr val="F63122"/>
-                </a:solidFill>
-                <a:latin typeface="Consolas" panose="020B0609020204030204" pitchFamily="49" charset="0"/>
-              </a:rPr>
-              <a:t>SET</a:t>
-            </a:r>
-            <a:r>
-              <a:rPr lang="en-US" spc="-1" dirty="0">
-                <a:latin typeface="Consolas" panose="020B0609020204030204" pitchFamily="49" charset="0"/>
-                <a:ea typeface="SimSun"/>
-              </a:rPr>
-              <a:t> addess.city = 'Baroda' </a:t>
-            </a:r>
-            <a:r>
-              <a:rPr lang="en-US" dirty="0">
+                <a:latin typeface="Source Code Pro" panose="020B0509030403020204" pitchFamily="49" charset="0"/>
+                <a:ea typeface="Source Code Pro" panose="020B0509030403020204" pitchFamily="49" charset="0"/>
+              </a:rPr>
+              <a:t> </a:t>
+            </a:r>
+            <a:r>
+              <a:rPr lang="en-US" spc="-1" dirty="0">
+                <a:latin typeface="Source Code Pro" panose="020B0509030403020204" pitchFamily="49" charset="0"/>
+                <a:ea typeface="Source Code Pro" panose="020B0509030403020204" pitchFamily="49" charset="0"/>
+              </a:rPr>
+              <a:t>]</a:t>
+            </a:r>
+          </a:p>
+          <a:p>
+            <a:r>
+              <a:rPr lang="en-US" spc="-1" dirty="0">
+                <a:latin typeface="Source Code Pro" panose="020B0509030403020204" pitchFamily="49" charset="0"/>
+                <a:ea typeface="Source Code Pro" panose="020B0509030403020204" pitchFamily="49" charset="0"/>
+              </a:rPr>
+              <a:t>	[ </a:t>
+            </a:r>
+            <a:r>
+              <a:rPr lang="en-US" spc="-1" dirty="0">
+                <a:solidFill>
+                  <a:srgbClr val="2B8208"/>
+                </a:solidFill>
+                <a:latin typeface="Source Code Pro" panose="020B0509030403020204" pitchFamily="49" charset="0"/>
+                <a:ea typeface="Source Code Pro" panose="020B0509030403020204" pitchFamily="49" charset="0"/>
+              </a:rPr>
+              <a:t>GROUP</a:t>
+            </a:r>
+            <a:r>
+              <a:rPr lang="en-US" spc="-1" dirty="0">
+                <a:latin typeface="Source Code Pro" panose="020B0509030403020204" pitchFamily="49" charset="0"/>
+                <a:ea typeface="Source Code Pro" panose="020B0509030403020204" pitchFamily="49" charset="0"/>
+              </a:rPr>
+              <a:t> </a:t>
+            </a:r>
+            <a:r>
+              <a:rPr lang="en-US" spc="-1" dirty="0">
+                <a:solidFill>
+                  <a:srgbClr val="2B8208"/>
+                </a:solidFill>
+                <a:latin typeface="Source Code Pro" panose="020B0509030403020204" pitchFamily="49" charset="0"/>
+                <a:ea typeface="Source Code Pro" panose="020B0509030403020204" pitchFamily="49" charset="0"/>
+              </a:rPr>
+              <a:t>BY</a:t>
+            </a:r>
+            <a:r>
+              <a:rPr lang="en-US" spc="-1" dirty="0">
+                <a:latin typeface="Source Code Pro" panose="020B0509030403020204" pitchFamily="49" charset="0"/>
+                <a:ea typeface="Source Code Pro" panose="020B0509030403020204" pitchFamily="49" charset="0"/>
+              </a:rPr>
+              <a:t> </a:t>
+            </a:r>
+            <a:r>
+              <a:rPr lang="en-US" spc="-1" dirty="0">
+                <a:solidFill>
+                  <a:srgbClr val="840FF9"/>
+                </a:solidFill>
+                <a:latin typeface="Source Code Pro" panose="020B0509030403020204" pitchFamily="49" charset="0"/>
+                <a:ea typeface="Source Code Pro" panose="020B0509030403020204" pitchFamily="49" charset="0"/>
+              </a:rPr>
+              <a:t>`group_by_clause`</a:t>
+            </a:r>
+            <a:r>
+              <a:rPr lang="en-US" spc="-1" dirty="0">
+                <a:latin typeface="Source Code Pro" panose="020B0509030403020204" pitchFamily="49" charset="0"/>
+                <a:ea typeface="Source Code Pro" panose="020B0509030403020204" pitchFamily="49" charset="0"/>
+              </a:rPr>
+              <a:t> ]</a:t>
+            </a:r>
+          </a:p>
+          <a:p>
+            <a:r>
+              <a:rPr lang="en-US" spc="-1" dirty="0">
+                <a:latin typeface="Source Code Pro" panose="020B0509030403020204" pitchFamily="49" charset="0"/>
+                <a:ea typeface="Source Code Pro" panose="020B0509030403020204" pitchFamily="49" charset="0"/>
+              </a:rPr>
+              <a:t>	[ </a:t>
+            </a:r>
+            <a:r>
+              <a:rPr lang="en-US" spc="-1" dirty="0">
+                <a:solidFill>
+                  <a:srgbClr val="2B8208"/>
+                </a:solidFill>
+                <a:latin typeface="Source Code Pro" panose="020B0509030403020204" pitchFamily="49" charset="0"/>
+                <a:ea typeface="Source Code Pro" panose="020B0509030403020204" pitchFamily="49" charset="0"/>
+              </a:rPr>
+              <a:t>ORDER</a:t>
+            </a:r>
+            <a:r>
+              <a:rPr lang="en-US" spc="-1" dirty="0">
+                <a:latin typeface="Source Code Pro" panose="020B0509030403020204" pitchFamily="49" charset="0"/>
+                <a:ea typeface="Source Code Pro" panose="020B0509030403020204" pitchFamily="49" charset="0"/>
+              </a:rPr>
+              <a:t> </a:t>
+            </a:r>
+            <a:r>
+              <a:rPr lang="en-US" spc="-1" dirty="0">
+                <a:solidFill>
+                  <a:srgbClr val="2B8208"/>
+                </a:solidFill>
+                <a:latin typeface="Source Code Pro" panose="020B0509030403020204" pitchFamily="49" charset="0"/>
+                <a:ea typeface="Source Code Pro" panose="020B0509030403020204" pitchFamily="49" charset="0"/>
+              </a:rPr>
+              <a:t>BY</a:t>
+            </a:r>
+            <a:r>
+              <a:rPr lang="en-US" spc="-1" dirty="0">
+                <a:latin typeface="Source Code Pro" panose="020B0509030403020204" pitchFamily="49" charset="0"/>
+                <a:ea typeface="Source Code Pro" panose="020B0509030403020204" pitchFamily="49" charset="0"/>
+              </a:rPr>
+              <a:t> </a:t>
+            </a:r>
+            <a:r>
+              <a:rPr lang="en-US" spc="-1" dirty="0">
+                <a:solidFill>
+                  <a:srgbClr val="840FF9"/>
+                </a:solidFill>
+                <a:latin typeface="Source Code Pro" panose="020B0509030403020204" pitchFamily="49" charset="0"/>
+                <a:ea typeface="Source Code Pro" panose="020B0509030403020204" pitchFamily="49" charset="0"/>
+              </a:rPr>
+              <a:t>`ordering_clause`</a:t>
+            </a:r>
+            <a:r>
+              <a:rPr lang="en-US" spc="-1" dirty="0">
+                <a:latin typeface="Source Code Pro" panose="020B0509030403020204" pitchFamily="49" charset="0"/>
+                <a:ea typeface="Source Code Pro" panose="020B0509030403020204" pitchFamily="49" charset="0"/>
+              </a:rPr>
+              <a:t> ]</a:t>
+            </a:r>
+          </a:p>
+          <a:p>
+            <a:r>
+              <a:rPr lang="en-US" spc="-1" dirty="0">
+                <a:latin typeface="Source Code Pro" panose="020B0509030403020204" pitchFamily="49" charset="0"/>
+                <a:ea typeface="Source Code Pro" panose="020B0509030403020204" pitchFamily="49" charset="0"/>
+              </a:rPr>
+              <a:t>	[ </a:t>
+            </a:r>
+            <a:r>
+              <a:rPr lang="en-US" spc="-1" dirty="0">
+                <a:solidFill>
+                  <a:srgbClr val="2B8208"/>
+                </a:solidFill>
+                <a:latin typeface="Source Code Pro" panose="020B0509030403020204" pitchFamily="49" charset="0"/>
+                <a:ea typeface="Source Code Pro" panose="020B0509030403020204" pitchFamily="49" charset="0"/>
+              </a:rPr>
+              <a:t>LIMIT</a:t>
+            </a:r>
+            <a:r>
+              <a:rPr lang="en-US" spc="-1" dirty="0">
+                <a:latin typeface="Source Code Pro" panose="020B0509030403020204" pitchFamily="49" charset="0"/>
+                <a:ea typeface="Source Code Pro" panose="020B0509030403020204" pitchFamily="49" charset="0"/>
+              </a:rPr>
+              <a:t> (`integer` | `bind_marker`) ]</a:t>
+            </a:r>
+          </a:p>
+          <a:p>
+            <a:r>
+              <a:rPr lang="en-US" spc="-1" dirty="0">
+                <a:latin typeface="Source Code Pro" panose="020B0509030403020204" pitchFamily="49" charset="0"/>
+                <a:ea typeface="Source Code Pro" panose="020B0509030403020204" pitchFamily="49" charset="0"/>
+              </a:rPr>
+              <a:t>	[ </a:t>
+            </a:r>
+            <a:r>
+              <a:rPr lang="en-US" spc="-1" dirty="0">
+                <a:solidFill>
+                  <a:srgbClr val="2B8208"/>
+                </a:solidFill>
+                <a:latin typeface="Source Code Pro" panose="020B0509030403020204" pitchFamily="49" charset="0"/>
+                <a:ea typeface="Source Code Pro" panose="020B0509030403020204" pitchFamily="49" charset="0"/>
+              </a:rPr>
+              <a:t>ALLOW</a:t>
+            </a:r>
+            <a:r>
+              <a:rPr lang="en-US" spc="-1" dirty="0">
+                <a:latin typeface="Source Code Pro" panose="020B0509030403020204" pitchFamily="49" charset="0"/>
+                <a:ea typeface="Source Code Pro" panose="020B0509030403020204" pitchFamily="49" charset="0"/>
+              </a:rPr>
+              <a:t> </a:t>
+            </a:r>
+            <a:r>
+              <a:rPr lang="en-US" spc="-1" dirty="0">
+                <a:solidFill>
+                  <a:srgbClr val="2B8208"/>
+                </a:solidFill>
+                <a:latin typeface="Source Code Pro" panose="020B0509030403020204" pitchFamily="49" charset="0"/>
+                <a:ea typeface="Source Code Pro" panose="020B0509030403020204" pitchFamily="49" charset="0"/>
+              </a:rPr>
+              <a:t>FILTERING</a:t>
+            </a:r>
+            <a:r>
+              <a:rPr lang="en-US" spc="-1" dirty="0">
+                <a:latin typeface="Source Code Pro" panose="020B0509030403020204" pitchFamily="49" charset="0"/>
+                <a:ea typeface="Source Code Pro" panose="020B0509030403020204" pitchFamily="49" charset="0"/>
+              </a:rPr>
+              <a:t> ]</a:t>
+            </a:r>
+          </a:p>
+          <a:p>
+            <a:r>
+              <a:rPr lang="en-US" spc="-1" dirty="0">
                 <a:solidFill>
                   <a:srgbClr val="0070C0"/>
                 </a:solidFill>
-                <a:latin typeface="Consolas" panose="020B0609020204030204" pitchFamily="49" charset="0"/>
-              </a:rPr>
-              <a:t>WHERE</a:t>
-            </a:r>
-            <a:r>
-              <a:rPr lang="en-US" spc="-1" dirty="0">
-                <a:latin typeface="Consolas" panose="020B0609020204030204" pitchFamily="49" charset="0"/>
-                <a:ea typeface="SimSun"/>
-              </a:rPr>
-              <a:t> id = 1;</a:t>
-            </a:r>
-            <a:endParaRPr lang="en-IN" spc="-1" dirty="0">
-              <a:latin typeface="Consolas" panose="020B0609020204030204" pitchFamily="49" charset="0"/>
-              <a:ea typeface="SimSun"/>
+                <a:latin typeface="Source Code Pro" panose="020B0509030403020204" pitchFamily="49" charset="0"/>
+                <a:ea typeface="Source Code Pro" panose="020B0509030403020204" pitchFamily="49" charset="0"/>
+              </a:rPr>
+              <a:t>select_clause::= </a:t>
+            </a:r>
+            <a:r>
+              <a:rPr lang="en-US" spc="-1" dirty="0">
+                <a:solidFill>
+                  <a:srgbClr val="C00000"/>
+                </a:solidFill>
+                <a:latin typeface="Source Code Pro" panose="020B0509030403020204" pitchFamily="49" charset="0"/>
+                <a:ea typeface="Source Code Pro" panose="020B0509030403020204" pitchFamily="49" charset="0"/>
+              </a:rPr>
+              <a:t>`selector`</a:t>
+            </a:r>
+            <a:r>
+              <a:rPr lang="en-US" spc="-1" dirty="0">
+                <a:latin typeface="Source Code Pro" panose="020B0509030403020204" pitchFamily="49" charset="0"/>
+                <a:ea typeface="Source Code Pro" panose="020B0509030403020204" pitchFamily="49" charset="0"/>
+              </a:rPr>
+              <a:t> [ AS `identifier` ] ( ',' `selector` [ AS `identifier` ] )</a:t>
+            </a:r>
+          </a:p>
+          <a:p>
+            <a:r>
+              <a:rPr lang="en-US" spc="-1" dirty="0">
+                <a:solidFill>
+                  <a:srgbClr val="C00000"/>
+                </a:solidFill>
+                <a:latin typeface="Source Code Pro" panose="020B0509030403020204" pitchFamily="49" charset="0"/>
+                <a:ea typeface="Source Code Pro" panose="020B0509030403020204" pitchFamily="49" charset="0"/>
+              </a:rPr>
+              <a:t>selector::==</a:t>
+            </a:r>
+            <a:r>
+              <a:rPr lang="en-US" spc="-1" dirty="0">
+                <a:latin typeface="Source Code Pro" panose="020B0509030403020204" pitchFamily="49" charset="0"/>
+                <a:ea typeface="Source Code Pro" panose="020B0509030403020204" pitchFamily="49" charset="0"/>
+              </a:rPr>
+              <a:t> `column_name`</a:t>
+            </a:r>
+          </a:p>
+          <a:p>
+            <a:r>
+              <a:rPr lang="en-US" spc="-1" dirty="0">
+                <a:latin typeface="Source Code Pro" panose="020B0509030403020204" pitchFamily="49" charset="0"/>
+                <a:ea typeface="Source Code Pro" panose="020B0509030403020204" pitchFamily="49" charset="0"/>
+              </a:rPr>
+              <a:t>	| `term`</a:t>
+            </a:r>
+          </a:p>
+          <a:p>
+            <a:r>
+              <a:rPr lang="en-US" spc="-1" dirty="0">
+                <a:latin typeface="Source Code Pro" panose="020B0509030403020204" pitchFamily="49" charset="0"/>
+                <a:ea typeface="Source Code Pro" panose="020B0509030403020204" pitchFamily="49" charset="0"/>
+              </a:rPr>
+              <a:t>	| CAST '(' `selector` AS `cql_type` ')'</a:t>
+            </a:r>
+          </a:p>
+          <a:p>
+            <a:r>
+              <a:rPr lang="en-US" spc="-1" dirty="0">
+                <a:latin typeface="Source Code Pro" panose="020B0509030403020204" pitchFamily="49" charset="0"/>
+                <a:ea typeface="Source Code Pro" panose="020B0509030403020204" pitchFamily="49" charset="0"/>
+              </a:rPr>
+              <a:t>	| `function_name` '(' [ `selector` ( ',' `selector` )_ ] ')'</a:t>
+            </a:r>
+          </a:p>
+          <a:p>
+            <a:r>
+              <a:rPr lang="en-US" spc="-1" dirty="0">
+                <a:latin typeface="Source Code Pro" panose="020B0509030403020204" pitchFamily="49" charset="0"/>
+                <a:ea typeface="Source Code Pro" panose="020B0509030403020204" pitchFamily="49" charset="0"/>
+              </a:rPr>
+              <a:t>	| COUNT '(' '_' ')'</a:t>
+            </a:r>
+          </a:p>
+          <a:p>
+            <a:r>
+              <a:rPr lang="en-US" spc="-1" dirty="0">
+                <a:solidFill>
+                  <a:srgbClr val="840FF9"/>
+                </a:solidFill>
+                <a:latin typeface="Source Code Pro" panose="020B0509030403020204" pitchFamily="49" charset="0"/>
+                <a:ea typeface="Source Code Pro" panose="020B0509030403020204" pitchFamily="49" charset="0"/>
+              </a:rPr>
+              <a:t>where_clause::=</a:t>
+            </a:r>
+            <a:r>
+              <a:rPr lang="en-US" spc="-1" dirty="0">
+                <a:solidFill>
+                  <a:srgbClr val="C00000"/>
+                </a:solidFill>
+                <a:latin typeface="Source Code Pro" panose="020B0509030403020204" pitchFamily="49" charset="0"/>
+                <a:ea typeface="Source Code Pro" panose="020B0509030403020204" pitchFamily="49" charset="0"/>
+              </a:rPr>
+              <a:t> `relation`</a:t>
+            </a:r>
+            <a:r>
+              <a:rPr lang="en-US" spc="-1" dirty="0">
+                <a:latin typeface="Source Code Pro" panose="020B0509030403020204" pitchFamily="49" charset="0"/>
+                <a:ea typeface="Source Code Pro" panose="020B0509030403020204" pitchFamily="49" charset="0"/>
+              </a:rPr>
+              <a:t> ( AND `relation` )*</a:t>
+            </a:r>
+          </a:p>
+          <a:p>
+            <a:r>
+              <a:rPr lang="en-US" spc="-1" dirty="0">
+                <a:solidFill>
+                  <a:srgbClr val="C00000"/>
+                </a:solidFill>
+                <a:latin typeface="Source Code Pro" panose="020B0509030403020204" pitchFamily="49" charset="0"/>
+                <a:ea typeface="Source Code Pro" panose="020B0509030403020204" pitchFamily="49" charset="0"/>
+              </a:rPr>
+              <a:t>relation::=</a:t>
+            </a:r>
+            <a:r>
+              <a:rPr lang="en-US" spc="-1" dirty="0">
+                <a:latin typeface="Source Code Pro" panose="020B0509030403020204" pitchFamily="49" charset="0"/>
+                <a:ea typeface="Source Code Pro" panose="020B0509030403020204" pitchFamily="49" charset="0"/>
+              </a:rPr>
+              <a:t> column_name </a:t>
+            </a:r>
+            <a:r>
+              <a:rPr lang="en-US" spc="-1" dirty="0">
+                <a:solidFill>
+                  <a:srgbClr val="C00000"/>
+                </a:solidFill>
+                <a:latin typeface="Source Code Pro" panose="020B0509030403020204" pitchFamily="49" charset="0"/>
+                <a:ea typeface="Source Code Pro" panose="020B0509030403020204" pitchFamily="49" charset="0"/>
+              </a:rPr>
+              <a:t>operator</a:t>
+            </a:r>
+            <a:r>
+              <a:rPr lang="en-US" spc="-1" dirty="0">
+                <a:latin typeface="Source Code Pro" panose="020B0509030403020204" pitchFamily="49" charset="0"/>
+                <a:ea typeface="Source Code Pro" panose="020B0509030403020204" pitchFamily="49" charset="0"/>
+              </a:rPr>
+              <a:t> term</a:t>
+            </a:r>
+          </a:p>
+          <a:p>
+            <a:r>
+              <a:rPr lang="en-US" spc="-1" dirty="0">
+                <a:latin typeface="Source Code Pro" panose="020B0509030403020204" pitchFamily="49" charset="0"/>
+                <a:ea typeface="Source Code Pro" panose="020B0509030403020204" pitchFamily="49" charset="0"/>
+              </a:rPr>
+              <a:t>	'(' column_name ( ',' column_name )* ')' operator tuple_literal</a:t>
+            </a:r>
+          </a:p>
+          <a:p>
+            <a:r>
+              <a:rPr lang="en-US" spc="-1" dirty="0">
+                <a:latin typeface="Source Code Pro" panose="020B0509030403020204" pitchFamily="49" charset="0"/>
+                <a:ea typeface="Source Code Pro" panose="020B0509030403020204" pitchFamily="49" charset="0"/>
+              </a:rPr>
+              <a:t>	TOKEN '(' column_name# ( ',' column_name )* ')' operator term</a:t>
+            </a:r>
+          </a:p>
+          <a:p>
+            <a:r>
+              <a:rPr lang="en-US" spc="-1" dirty="0">
+                <a:solidFill>
+                  <a:srgbClr val="C00000"/>
+                </a:solidFill>
+                <a:latin typeface="Source Code Pro" panose="020B0509030403020204" pitchFamily="49" charset="0"/>
+                <a:ea typeface="Source Code Pro" panose="020B0509030403020204" pitchFamily="49" charset="0"/>
+              </a:rPr>
+              <a:t>operator::=</a:t>
+            </a:r>
+            <a:r>
+              <a:rPr lang="en-US" spc="-1" dirty="0">
+                <a:latin typeface="Source Code Pro" panose="020B0509030403020204" pitchFamily="49" charset="0"/>
+                <a:ea typeface="Source Code Pro" panose="020B0509030403020204" pitchFamily="49" charset="0"/>
+              </a:rPr>
+              <a:t> '=' | '&lt;' | '&gt;' | '&lt;=' | '&gt;=' | '!=' | IN | CONTAINS | CONTAINS KEY</a:t>
+            </a:r>
+          </a:p>
+          <a:p>
+            <a:r>
+              <a:rPr lang="en-US" spc="-1" dirty="0">
+                <a:solidFill>
+                  <a:srgbClr val="840FF9"/>
+                </a:solidFill>
+                <a:latin typeface="Source Code Pro" panose="020B0509030403020204" pitchFamily="49" charset="0"/>
+                <a:ea typeface="Source Code Pro" panose="020B0509030403020204" pitchFamily="49" charset="0"/>
+              </a:rPr>
+              <a:t>group_by_clause::=</a:t>
+            </a:r>
+            <a:r>
+              <a:rPr lang="en-US" spc="-1" dirty="0">
+                <a:latin typeface="Source Code Pro" panose="020B0509030403020204" pitchFamily="49" charset="0"/>
+                <a:ea typeface="Source Code Pro" panose="020B0509030403020204" pitchFamily="49" charset="0"/>
+              </a:rPr>
+              <a:t> column_name ( ',' column_name )*</a:t>
+            </a:r>
+          </a:p>
+          <a:p>
+            <a:r>
+              <a:rPr lang="en-US" spc="-1" dirty="0">
+                <a:solidFill>
+                  <a:srgbClr val="840FF9"/>
+                </a:solidFill>
+                <a:latin typeface="Source Code Pro" panose="020B0509030403020204" pitchFamily="49" charset="0"/>
+                <a:ea typeface="Source Code Pro" panose="020B0509030403020204" pitchFamily="49" charset="0"/>
+              </a:rPr>
+              <a:t>ordering_clause::=</a:t>
+            </a:r>
+            <a:r>
+              <a:rPr lang="en-US" spc="-1" dirty="0">
+                <a:latin typeface="Source Code Pro" panose="020B0509030403020204" pitchFamily="49" charset="0"/>
+                <a:ea typeface="Source Code Pro" panose="020B0509030403020204" pitchFamily="49" charset="0"/>
+              </a:rPr>
+              <a:t> column_name [ ASC | DESC ] ( ',' column_name [ ASC | DESC ] )*</a:t>
+            </a:r>
+            <a:endParaRPr lang="en-IN" sz="400" spc="-1" dirty="0">
+              <a:latin typeface="Source Code Pro" panose="020B0509030403020204" pitchFamily="49" charset="0"/>
+              <a:ea typeface="Source Code Pro" panose="020B0509030403020204" pitchFamily="49" charset="0"/>
             </a:endParaRPr>
           </a:p>
         </p:txBody>
@@ -27045,7 +27488,7 @@
     </p:spTree>
     <p:extLst>
       <p:ext uri="{BB962C8B-B14F-4D97-AF65-F5344CB8AC3E}">
-        <p14:creationId xmlns:p14="http://schemas.microsoft.com/office/powerpoint/2010/main" val="2360864312"/>
+        <p14:creationId xmlns:p14="http://schemas.microsoft.com/office/powerpoint/2010/main" val="1398291685"/>
       </p:ext>
     </p:extLst>
   </p:cSld>
@@ -27074,14 +27517,14 @@
       </p:grpSpPr>
       <p:sp>
         <p:nvSpPr>
-          <p:cNvPr id="109" name="CustomShape 1"/>
+          <p:cNvPr id="111" name="CustomShape 1"/>
           <p:cNvSpPr/>
           <p:nvPr/>
         </p:nvSpPr>
         <p:spPr>
           <a:xfrm>
-            <a:off x="1676520" y="2362320"/>
-            <a:ext cx="8815320" cy="921876"/>
+            <a:off x="246600" y="762120"/>
+            <a:ext cx="11687400" cy="367878"/>
           </a:xfrm>
           <a:prstGeom prst="rect">
             <a:avLst/>
@@ -27109,32 +27552,71 @@
           </a:bodyPr>
           <a:lstStyle/>
           <a:p>
+            <a:pPr algn="just"/>
+            <a:r>
+              <a:rPr lang="en-US" spc="-1" dirty="0">
+                <a:latin typeface="Arial"/>
+              </a:rPr>
+              <a:t>TODO</a:t>
+            </a:r>
+          </a:p>
+        </p:txBody>
+      </p:sp>
+      <p:sp>
+        <p:nvSpPr>
+          <p:cNvPr id="114" name="CustomShape 4"/>
+          <p:cNvSpPr/>
+          <p:nvPr/>
+        </p:nvSpPr>
+        <p:spPr>
+          <a:xfrm>
+            <a:off x="246600" y="0"/>
+            <a:ext cx="11687400" cy="706432"/>
+          </a:xfrm>
+          <a:prstGeom prst="rect">
+            <a:avLst/>
+          </a:prstGeom>
+          <a:solidFill>
+            <a:srgbClr val="C00000"/>
+          </a:solidFill>
+          <a:ln>
+            <a:noFill/>
+          </a:ln>
+        </p:spPr>
+        <p:style>
+          <a:lnRef idx="0">
+            <a:scrgbClr r="0" g="0" b="0"/>
+          </a:lnRef>
+          <a:fillRef idx="0">
+            <a:scrgbClr r="0" g="0" b="0"/>
+          </a:fillRef>
+          <a:effectRef idx="0">
+            <a:scrgbClr r="0" g="0" b="0"/>
+          </a:effectRef>
+          <a:fontRef idx="minor"/>
+        </p:style>
+        <p:txBody>
+          <a:bodyPr lIns="90000" tIns="45000" rIns="90000" bIns="45000">
+            <a:spAutoFit/>
+          </a:bodyPr>
+          <a:lstStyle/>
+          <a:p>
             <a:pPr algn="ctr">
               <a:lnSpc>
                 <a:spcPct val="100000"/>
               </a:lnSpc>
             </a:pPr>
             <a:r>
-              <a:rPr lang="en-IN" sz="5400" i="1" spc="-1" dirty="0">
+              <a:rPr lang="en-IN" sz="4000" spc="-1" dirty="0">
                 <a:solidFill>
                   <a:srgbClr val="F7C120"/>
                 </a:solidFill>
-                <a:latin typeface="Century"/>
+                <a:latin typeface="Open Sans"/>
                 <a:ea typeface="DejaVu Sans"/>
               </a:rPr>
-              <a:t>drop</a:t>
-            </a:r>
-            <a:r>
-              <a:rPr lang="en-IN" sz="5400" b="0" i="1" strike="noStrike" spc="-1" dirty="0">
-                <a:solidFill>
-                  <a:srgbClr val="F7C120"/>
-                </a:solidFill>
-                <a:latin typeface="Century"/>
-                <a:ea typeface="DejaVu Sans"/>
-              </a:rPr>
-              <a:t> table</a:t>
-            </a:r>
-            <a:endParaRPr lang="en-IN" sz="5400" b="0" strike="noStrike" spc="-1" dirty="0">
+              <a:t>select data – WHERE clause</a:t>
+            </a:r>
+            <a:endParaRPr lang="en-IN" sz="4000" b="0" strike="noStrike" spc="-1" dirty="0">
               <a:latin typeface="Arial"/>
             </a:endParaRPr>
           </a:p>
@@ -27142,14 +27624,20 @@
       </p:sp>
       <p:sp>
         <p:nvSpPr>
-          <p:cNvPr id="110" name="CustomShape 2"/>
+          <p:cNvPr id="6" name="CustomShape 6">
+            <a:extLst>
+              <a:ext uri="{FF2B5EF4-FFF2-40B4-BE49-F238E27FC236}">
+                <a16:creationId xmlns:a16="http://schemas.microsoft.com/office/drawing/2014/main" id="{20ADB939-8AEC-47EC-8B01-ED6AB8A20258}"/>
+              </a:ext>
+            </a:extLst>
+          </p:cNvPr>
           <p:cNvSpPr/>
           <p:nvPr/>
         </p:nvSpPr>
         <p:spPr>
           <a:xfrm>
-            <a:off x="522360" y="3531600"/>
-            <a:ext cx="11052360" cy="367878"/>
+            <a:off x="246600" y="1426419"/>
+            <a:ext cx="11687400" cy="4522861"/>
           </a:xfrm>
           <a:prstGeom prst="rect">
             <a:avLst/>
@@ -27177,26 +27665,401 @@
           </a:bodyPr>
           <a:lstStyle/>
           <a:p>
-            <a:pPr algn="just">
-              <a:lnSpc>
-                <a:spcPct val="100000"/>
-              </a:lnSpc>
-            </a:pPr>
-            <a:r>
-              <a:rPr lang="en-US" sz="1800" b="0" strike="noStrike" spc="-1" dirty="0">
-                <a:solidFill>
-                  <a:srgbClr val="BB0643"/>
-                </a:solidFill>
-                <a:latin typeface="Segoe UI"/>
-                <a:ea typeface="DejaVu Sans"/>
-              </a:rPr>
-              <a:t>TODO</a:t>
-            </a:r>
-            <a:endParaRPr lang="en-IN" spc="-1" dirty="0">
-              <a:solidFill>
-                <a:srgbClr val="BB0643"/>
-              </a:solidFill>
-              <a:latin typeface="Segoe UI"/>
+            <a:r>
+              <a:rPr lang="en-US" spc="-1" dirty="0">
+                <a:latin typeface="Source Code Pro" panose="020B0509030403020204" pitchFamily="49" charset="0"/>
+                <a:ea typeface="Source Code Pro" panose="020B0509030403020204" pitchFamily="49" charset="0"/>
+              </a:rPr>
+              <a:t>select_statement::= </a:t>
+            </a:r>
+            <a:r>
+              <a:rPr lang="en-US" spc="-1" dirty="0">
+                <a:solidFill>
+                  <a:srgbClr val="2B8208"/>
+                </a:solidFill>
+                <a:latin typeface="Source Code Pro" panose="020B0509030403020204" pitchFamily="49" charset="0"/>
+                <a:ea typeface="Source Code Pro" panose="020B0509030403020204" pitchFamily="49" charset="0"/>
+              </a:rPr>
+              <a:t>SELECT</a:t>
+            </a:r>
+            <a:r>
+              <a:rPr lang="en-US" spc="-1" dirty="0">
+                <a:latin typeface="Source Code Pro" panose="020B0509030403020204" pitchFamily="49" charset="0"/>
+                <a:ea typeface="Source Code Pro" panose="020B0509030403020204" pitchFamily="49" charset="0"/>
+              </a:rPr>
+              <a:t> [ </a:t>
+            </a:r>
+            <a:r>
+              <a:rPr lang="en-US" i="1" spc="-1" dirty="0">
+                <a:solidFill>
+                  <a:schemeClr val="accent5">
+                    <a:lumMod val="75000"/>
+                  </a:schemeClr>
+                </a:solidFill>
+                <a:latin typeface="Source Code Pro" panose="020B0509030403020204" pitchFamily="49" charset="0"/>
+                <a:ea typeface="Source Code Pro" panose="020B0509030403020204" pitchFamily="49" charset="0"/>
+              </a:rPr>
+              <a:t>JSON </a:t>
+            </a:r>
+            <a:r>
+              <a:rPr lang="en-US" spc="-1" dirty="0">
+                <a:solidFill>
+                  <a:schemeClr val="accent5">
+                    <a:lumMod val="75000"/>
+                  </a:schemeClr>
+                </a:solidFill>
+                <a:latin typeface="Source Code Pro" panose="020B0509030403020204" pitchFamily="49" charset="0"/>
+                <a:ea typeface="Source Code Pro" panose="020B0509030403020204" pitchFamily="49" charset="0"/>
+              </a:rPr>
+              <a:t>|</a:t>
+            </a:r>
+            <a:r>
+              <a:rPr lang="en-US" i="1" spc="-1" dirty="0">
+                <a:solidFill>
+                  <a:schemeClr val="accent5">
+                    <a:lumMod val="75000"/>
+                  </a:schemeClr>
+                </a:solidFill>
+                <a:latin typeface="Source Code Pro" panose="020B0509030403020204" pitchFamily="49" charset="0"/>
+                <a:ea typeface="Source Code Pro" panose="020B0509030403020204" pitchFamily="49" charset="0"/>
+              </a:rPr>
+              <a:t> DISTINCT</a:t>
+            </a:r>
+            <a:r>
+              <a:rPr lang="en-US" spc="-1" dirty="0">
+                <a:latin typeface="Source Code Pro" panose="020B0509030403020204" pitchFamily="49" charset="0"/>
+                <a:ea typeface="Source Code Pro" panose="020B0509030403020204" pitchFamily="49" charset="0"/>
+              </a:rPr>
+              <a:t> ] ( </a:t>
+            </a:r>
+            <a:r>
+              <a:rPr lang="en-US" spc="-1" dirty="0">
+                <a:solidFill>
+                  <a:srgbClr val="0070C0"/>
+                </a:solidFill>
+                <a:latin typeface="Source Code Pro" panose="020B0509030403020204" pitchFamily="49" charset="0"/>
+                <a:ea typeface="Source Code Pro" panose="020B0509030403020204" pitchFamily="49" charset="0"/>
+              </a:rPr>
+              <a:t>select_clause </a:t>
+            </a:r>
+            <a:r>
+              <a:rPr lang="en-US" spc="-1" dirty="0">
+                <a:latin typeface="Source Code Pro" panose="020B0509030403020204" pitchFamily="49" charset="0"/>
+                <a:ea typeface="Source Code Pro" panose="020B0509030403020204" pitchFamily="49" charset="0"/>
+              </a:rPr>
+              <a:t>| '*' )</a:t>
+            </a:r>
+          </a:p>
+          <a:p>
+            <a:r>
+              <a:rPr lang="en-US" spc="-1" dirty="0">
+                <a:latin typeface="Source Code Pro" panose="020B0509030403020204" pitchFamily="49" charset="0"/>
+                <a:ea typeface="Source Code Pro" panose="020B0509030403020204" pitchFamily="49" charset="0"/>
+              </a:rPr>
+              <a:t>	</a:t>
+            </a:r>
+            <a:r>
+              <a:rPr lang="en-US" spc="-1" dirty="0">
+                <a:solidFill>
+                  <a:srgbClr val="2B8208"/>
+                </a:solidFill>
+                <a:latin typeface="Source Code Pro" panose="020B0509030403020204" pitchFamily="49" charset="0"/>
+                <a:ea typeface="Source Code Pro" panose="020B0509030403020204" pitchFamily="49" charset="0"/>
+              </a:rPr>
+              <a:t>FROM</a:t>
+            </a:r>
+            <a:r>
+              <a:rPr lang="en-US" spc="-1" dirty="0">
+                <a:latin typeface="Source Code Pro" panose="020B0509030403020204" pitchFamily="49" charset="0"/>
+                <a:ea typeface="Source Code Pro" panose="020B0509030403020204" pitchFamily="49" charset="0"/>
+              </a:rPr>
+              <a:t> `table_name`</a:t>
+            </a:r>
+          </a:p>
+          <a:p>
+            <a:r>
+              <a:rPr lang="en-US" spc="-1" dirty="0">
+                <a:latin typeface="Source Code Pro" panose="020B0509030403020204" pitchFamily="49" charset="0"/>
+                <a:ea typeface="Source Code Pro" panose="020B0509030403020204" pitchFamily="49" charset="0"/>
+              </a:rPr>
+              <a:t>	[ </a:t>
+            </a:r>
+            <a:r>
+              <a:rPr lang="en-US" spc="-1" dirty="0">
+                <a:solidFill>
+                  <a:srgbClr val="2B8208"/>
+                </a:solidFill>
+                <a:latin typeface="Source Code Pro" panose="020B0509030403020204" pitchFamily="49" charset="0"/>
+                <a:ea typeface="Source Code Pro" panose="020B0509030403020204" pitchFamily="49" charset="0"/>
+              </a:rPr>
+              <a:t>WHERE</a:t>
+            </a:r>
+            <a:r>
+              <a:rPr lang="en-US" spc="-1" dirty="0">
+                <a:latin typeface="Source Code Pro" panose="020B0509030403020204" pitchFamily="49" charset="0"/>
+                <a:ea typeface="Source Code Pro" panose="020B0509030403020204" pitchFamily="49" charset="0"/>
+              </a:rPr>
+              <a:t> </a:t>
+            </a:r>
+            <a:r>
+              <a:rPr lang="en-US" spc="-1" dirty="0">
+                <a:solidFill>
+                  <a:srgbClr val="840FF9"/>
+                </a:solidFill>
+                <a:latin typeface="Source Code Pro" panose="020B0509030403020204" pitchFamily="49" charset="0"/>
+                <a:ea typeface="Source Code Pro" panose="020B0509030403020204" pitchFamily="49" charset="0"/>
+              </a:rPr>
+              <a:t>`where_clause`</a:t>
+            </a:r>
+            <a:r>
+              <a:rPr lang="en-US" spc="-1" dirty="0">
+                <a:solidFill>
+                  <a:srgbClr val="C00000"/>
+                </a:solidFill>
+                <a:latin typeface="Source Code Pro" panose="020B0509030403020204" pitchFamily="49" charset="0"/>
+                <a:ea typeface="Source Code Pro" panose="020B0509030403020204" pitchFamily="49" charset="0"/>
+              </a:rPr>
+              <a:t> </a:t>
+            </a:r>
+            <a:r>
+              <a:rPr lang="en-US" spc="-1" dirty="0">
+                <a:latin typeface="Source Code Pro" panose="020B0509030403020204" pitchFamily="49" charset="0"/>
+                <a:ea typeface="Source Code Pro" panose="020B0509030403020204" pitchFamily="49" charset="0"/>
+              </a:rPr>
+              <a:t>]</a:t>
+            </a:r>
+          </a:p>
+          <a:p>
+            <a:r>
+              <a:rPr lang="en-US" spc="-1" dirty="0">
+                <a:latin typeface="Source Code Pro" panose="020B0509030403020204" pitchFamily="49" charset="0"/>
+                <a:ea typeface="Source Code Pro" panose="020B0509030403020204" pitchFamily="49" charset="0"/>
+              </a:rPr>
+              <a:t>	[ </a:t>
+            </a:r>
+            <a:r>
+              <a:rPr lang="en-US" spc="-1" dirty="0">
+                <a:solidFill>
+                  <a:srgbClr val="2B8208"/>
+                </a:solidFill>
+                <a:latin typeface="Source Code Pro" panose="020B0509030403020204" pitchFamily="49" charset="0"/>
+                <a:ea typeface="Source Code Pro" panose="020B0509030403020204" pitchFamily="49" charset="0"/>
+              </a:rPr>
+              <a:t>ALLOW</a:t>
+            </a:r>
+            <a:r>
+              <a:rPr lang="en-US" spc="-1" dirty="0">
+                <a:latin typeface="Source Code Pro" panose="020B0509030403020204" pitchFamily="49" charset="0"/>
+                <a:ea typeface="Source Code Pro" panose="020B0509030403020204" pitchFamily="49" charset="0"/>
+              </a:rPr>
+              <a:t> </a:t>
+            </a:r>
+            <a:r>
+              <a:rPr lang="en-US" spc="-1" dirty="0">
+                <a:solidFill>
+                  <a:srgbClr val="2B8208"/>
+                </a:solidFill>
+                <a:latin typeface="Source Code Pro" panose="020B0509030403020204" pitchFamily="49" charset="0"/>
+                <a:ea typeface="Source Code Pro" panose="020B0509030403020204" pitchFamily="49" charset="0"/>
+              </a:rPr>
+              <a:t>FILTERING</a:t>
+            </a:r>
+            <a:r>
+              <a:rPr lang="en-US" spc="-1" dirty="0">
+                <a:latin typeface="Source Code Pro" panose="020B0509030403020204" pitchFamily="49" charset="0"/>
+                <a:ea typeface="Source Code Pro" panose="020B0509030403020204" pitchFamily="49" charset="0"/>
+              </a:rPr>
+              <a:t> ]</a:t>
+            </a:r>
+          </a:p>
+          <a:p>
+            <a:r>
+              <a:rPr lang="en-US" spc="-1" dirty="0">
+                <a:solidFill>
+                  <a:srgbClr val="0070C0"/>
+                </a:solidFill>
+                <a:latin typeface="Source Code Pro" panose="020B0509030403020204" pitchFamily="49" charset="0"/>
+                <a:ea typeface="Source Code Pro" panose="020B0509030403020204" pitchFamily="49" charset="0"/>
+              </a:rPr>
+              <a:t>select_clause::= </a:t>
+            </a:r>
+            <a:r>
+              <a:rPr lang="en-US" spc="-1" dirty="0">
+                <a:solidFill>
+                  <a:srgbClr val="C00000"/>
+                </a:solidFill>
+                <a:latin typeface="Source Code Pro" panose="020B0509030403020204" pitchFamily="49" charset="0"/>
+                <a:ea typeface="Source Code Pro" panose="020B0509030403020204" pitchFamily="49" charset="0"/>
+              </a:rPr>
+              <a:t>`selector`</a:t>
+            </a:r>
+            <a:r>
+              <a:rPr lang="en-US" spc="-1" dirty="0">
+                <a:latin typeface="Source Code Pro" panose="020B0509030403020204" pitchFamily="49" charset="0"/>
+                <a:ea typeface="Source Code Pro" panose="020B0509030403020204" pitchFamily="49" charset="0"/>
+              </a:rPr>
+              <a:t> [ AS `identifier` ] ( ',' `selector` [ AS `identifier` ] )</a:t>
+            </a:r>
+          </a:p>
+          <a:p>
+            <a:r>
+              <a:rPr lang="en-US" spc="-1" dirty="0">
+                <a:solidFill>
+                  <a:srgbClr val="C00000"/>
+                </a:solidFill>
+                <a:latin typeface="Source Code Pro" panose="020B0509030403020204" pitchFamily="49" charset="0"/>
+                <a:ea typeface="Source Code Pro" panose="020B0509030403020204" pitchFamily="49" charset="0"/>
+              </a:rPr>
+              <a:t>selector::==</a:t>
+            </a:r>
+            <a:r>
+              <a:rPr lang="en-US" spc="-1" dirty="0">
+                <a:latin typeface="Source Code Pro" panose="020B0509030403020204" pitchFamily="49" charset="0"/>
+                <a:ea typeface="Source Code Pro" panose="020B0509030403020204" pitchFamily="49" charset="0"/>
+              </a:rPr>
+              <a:t> `column_name`</a:t>
+            </a:r>
+          </a:p>
+          <a:p>
+            <a:r>
+              <a:rPr lang="en-US" spc="-1" dirty="0">
+                <a:latin typeface="Source Code Pro" panose="020B0509030403020204" pitchFamily="49" charset="0"/>
+                <a:ea typeface="Source Code Pro" panose="020B0509030403020204" pitchFamily="49" charset="0"/>
+              </a:rPr>
+              <a:t>	| `term`</a:t>
+            </a:r>
+          </a:p>
+          <a:p>
+            <a:r>
+              <a:rPr lang="en-US" spc="-1" dirty="0">
+                <a:latin typeface="Source Code Pro" panose="020B0509030403020204" pitchFamily="49" charset="0"/>
+                <a:ea typeface="Source Code Pro" panose="020B0509030403020204" pitchFamily="49" charset="0"/>
+              </a:rPr>
+              <a:t>	| CAST '(' `selector` AS `cql_type` ')'</a:t>
+            </a:r>
+          </a:p>
+          <a:p>
+            <a:r>
+              <a:rPr lang="en-US" spc="-1" dirty="0">
+                <a:latin typeface="Source Code Pro" panose="020B0509030403020204" pitchFamily="49" charset="0"/>
+                <a:ea typeface="Source Code Pro" panose="020B0509030403020204" pitchFamily="49" charset="0"/>
+              </a:rPr>
+              <a:t>	| `function_name` '(' [ `selector` ( ',' `selector` )_ ] ')'</a:t>
+            </a:r>
+          </a:p>
+          <a:p>
+            <a:r>
+              <a:rPr lang="en-US" spc="-1" dirty="0">
+                <a:latin typeface="Source Code Pro" panose="020B0509030403020204" pitchFamily="49" charset="0"/>
+                <a:ea typeface="Source Code Pro" panose="020B0509030403020204" pitchFamily="49" charset="0"/>
+              </a:rPr>
+              <a:t>	| COUNT '(' '_' ')'</a:t>
+            </a:r>
+          </a:p>
+          <a:p>
+            <a:r>
+              <a:rPr lang="en-US" spc="-1" dirty="0">
+                <a:solidFill>
+                  <a:srgbClr val="840FF9"/>
+                </a:solidFill>
+                <a:latin typeface="Source Code Pro" panose="020B0509030403020204" pitchFamily="49" charset="0"/>
+                <a:ea typeface="Source Code Pro" panose="020B0509030403020204" pitchFamily="49" charset="0"/>
+              </a:rPr>
+              <a:t>where_clause::=</a:t>
+            </a:r>
+            <a:r>
+              <a:rPr lang="en-US" spc="-1" dirty="0">
+                <a:solidFill>
+                  <a:srgbClr val="C00000"/>
+                </a:solidFill>
+                <a:latin typeface="Source Code Pro" panose="020B0509030403020204" pitchFamily="49" charset="0"/>
+                <a:ea typeface="Source Code Pro" panose="020B0509030403020204" pitchFamily="49" charset="0"/>
+              </a:rPr>
+              <a:t> `relation`</a:t>
+            </a:r>
+            <a:r>
+              <a:rPr lang="en-US" spc="-1" dirty="0">
+                <a:latin typeface="Source Code Pro" panose="020B0509030403020204" pitchFamily="49" charset="0"/>
+                <a:ea typeface="Source Code Pro" panose="020B0509030403020204" pitchFamily="49" charset="0"/>
+              </a:rPr>
+              <a:t> ( AND `relation` )*</a:t>
+            </a:r>
+          </a:p>
+          <a:p>
+            <a:r>
+              <a:rPr lang="en-US" spc="-1" dirty="0">
+                <a:solidFill>
+                  <a:srgbClr val="C00000"/>
+                </a:solidFill>
+                <a:latin typeface="Source Code Pro" panose="020B0509030403020204" pitchFamily="49" charset="0"/>
+                <a:ea typeface="Source Code Pro" panose="020B0509030403020204" pitchFamily="49" charset="0"/>
+              </a:rPr>
+              <a:t>relation::=</a:t>
+            </a:r>
+            <a:r>
+              <a:rPr lang="en-US" spc="-1" dirty="0">
+                <a:latin typeface="Source Code Pro" panose="020B0509030403020204" pitchFamily="49" charset="0"/>
+                <a:ea typeface="Source Code Pro" panose="020B0509030403020204" pitchFamily="49" charset="0"/>
+              </a:rPr>
+              <a:t> column_name </a:t>
+            </a:r>
+            <a:r>
+              <a:rPr lang="en-US" spc="-1" dirty="0">
+                <a:solidFill>
+                  <a:srgbClr val="C00000"/>
+                </a:solidFill>
+                <a:latin typeface="Source Code Pro" panose="020B0509030403020204" pitchFamily="49" charset="0"/>
+                <a:ea typeface="Source Code Pro" panose="020B0509030403020204" pitchFamily="49" charset="0"/>
+              </a:rPr>
+              <a:t>operator</a:t>
+            </a:r>
+            <a:r>
+              <a:rPr lang="en-US" spc="-1" dirty="0">
+                <a:latin typeface="Source Code Pro" panose="020B0509030403020204" pitchFamily="49" charset="0"/>
+                <a:ea typeface="Source Code Pro" panose="020B0509030403020204" pitchFamily="49" charset="0"/>
+              </a:rPr>
+              <a:t> term</a:t>
+            </a:r>
+          </a:p>
+          <a:p>
+            <a:r>
+              <a:rPr lang="en-US" spc="-1" dirty="0">
+                <a:latin typeface="Source Code Pro" panose="020B0509030403020204" pitchFamily="49" charset="0"/>
+                <a:ea typeface="Source Code Pro" panose="020B0509030403020204" pitchFamily="49" charset="0"/>
+              </a:rPr>
+              <a:t>	'(' column_name ( ',' column_name )* ')' operator tuple_literal</a:t>
+            </a:r>
+          </a:p>
+          <a:p>
+            <a:r>
+              <a:rPr lang="en-US" spc="-1" dirty="0">
+                <a:latin typeface="Source Code Pro" panose="020B0509030403020204" pitchFamily="49" charset="0"/>
+                <a:ea typeface="Source Code Pro" panose="020B0509030403020204" pitchFamily="49" charset="0"/>
+              </a:rPr>
+              <a:t>	TOKEN '(' column_name# ( ',' column_name )* ')' operator term</a:t>
+            </a:r>
+          </a:p>
+          <a:p>
+            <a:r>
+              <a:rPr lang="en-US" spc="-1" dirty="0">
+                <a:solidFill>
+                  <a:srgbClr val="C00000"/>
+                </a:solidFill>
+                <a:latin typeface="Source Code Pro" panose="020B0509030403020204" pitchFamily="49" charset="0"/>
+                <a:ea typeface="Source Code Pro" panose="020B0509030403020204" pitchFamily="49" charset="0"/>
+              </a:rPr>
+              <a:t>operator::=</a:t>
+            </a:r>
+            <a:r>
+              <a:rPr lang="en-US" spc="-1" dirty="0">
+                <a:latin typeface="Source Code Pro" panose="020B0509030403020204" pitchFamily="49" charset="0"/>
+                <a:ea typeface="Source Code Pro" panose="020B0509030403020204" pitchFamily="49" charset="0"/>
+              </a:rPr>
+              <a:t> '=' | '&lt;' | '&gt;' | '&lt;=' | '&gt;=' | '!=' | IN | CONTAINS | CONTAINS KEY</a:t>
+            </a:r>
+            <a:endParaRPr lang="en-IN" sz="400" spc="-1" dirty="0">
+              <a:latin typeface="Source Code Pro" panose="020B0509030403020204" pitchFamily="49" charset="0"/>
+              <a:ea typeface="Source Code Pro" panose="020B0509030403020204" pitchFamily="49" charset="0"/>
             </a:endParaRPr>
           </a:p>
         </p:txBody>
@@ -27204,7 +28067,7 @@
     </p:spTree>
     <p:extLst>
       <p:ext uri="{BB962C8B-B14F-4D97-AF65-F5344CB8AC3E}">
-        <p14:creationId xmlns:p14="http://schemas.microsoft.com/office/powerpoint/2010/main" val="3621743096"/>
+        <p14:creationId xmlns:p14="http://schemas.microsoft.com/office/powerpoint/2010/main" val="732455922"/>
       </p:ext>
     </p:extLst>
   </p:cSld>
@@ -27611,6 +28474,381 @@
 </file>
 
 <file path=ppt/slides/slide50.xml><?xml version="1.0" encoding="utf-8"?>
+<p:sld xmlns:a="http://schemas.openxmlformats.org/drawingml/2006/main" xmlns:r="http://schemas.openxmlformats.org/officeDocument/2006/relationships" xmlns:p="http://schemas.openxmlformats.org/presentationml/2006/main">
+  <p:cSld>
+    <p:spTree>
+      <p:nvGrpSpPr>
+        <p:cNvPr id="1" name=""/>
+        <p:cNvGrpSpPr/>
+        <p:nvPr/>
+      </p:nvGrpSpPr>
+      <p:grpSpPr>
+        <a:xfrm>
+          <a:off x="0" y="0"/>
+          <a:ext cx="0" cy="0"/>
+          <a:chOff x="0" y="0"/>
+          <a:chExt cx="0" cy="0"/>
+        </a:xfrm>
+      </p:grpSpPr>
+      <p:sp>
+        <p:nvSpPr>
+          <p:cNvPr id="114" name="CustomShape 4"/>
+          <p:cNvSpPr/>
+          <p:nvPr/>
+        </p:nvSpPr>
+        <p:spPr>
+          <a:xfrm>
+            <a:off x="246600" y="0"/>
+            <a:ext cx="11687400" cy="706432"/>
+          </a:xfrm>
+          <a:prstGeom prst="rect">
+            <a:avLst/>
+          </a:prstGeom>
+          <a:solidFill>
+            <a:srgbClr val="C00000"/>
+          </a:solidFill>
+          <a:ln>
+            <a:noFill/>
+          </a:ln>
+        </p:spPr>
+        <p:style>
+          <a:lnRef idx="0">
+            <a:scrgbClr r="0" g="0" b="0"/>
+          </a:lnRef>
+          <a:fillRef idx="0">
+            <a:scrgbClr r="0" g="0" b="0"/>
+          </a:fillRef>
+          <a:effectRef idx="0">
+            <a:scrgbClr r="0" g="0" b="0"/>
+          </a:effectRef>
+          <a:fontRef idx="minor"/>
+        </p:style>
+        <p:txBody>
+          <a:bodyPr lIns="90000" tIns="45000" rIns="90000" bIns="45000">
+            <a:spAutoFit/>
+          </a:bodyPr>
+          <a:lstStyle/>
+          <a:p>
+            <a:pPr algn="ctr">
+              <a:lnSpc>
+                <a:spcPct val="100000"/>
+              </a:lnSpc>
+            </a:pPr>
+            <a:r>
+              <a:rPr lang="en-IN" sz="4000" spc="-1" dirty="0">
+                <a:solidFill>
+                  <a:srgbClr val="F7C120"/>
+                </a:solidFill>
+                <a:latin typeface="Open Sans"/>
+                <a:ea typeface="DejaVu Sans"/>
+              </a:rPr>
+              <a:t>select data – WHERE clause</a:t>
+            </a:r>
+            <a:endParaRPr lang="en-IN" sz="4000" b="0" strike="noStrike" spc="-1" dirty="0">
+              <a:latin typeface="Arial"/>
+            </a:endParaRPr>
+          </a:p>
+        </p:txBody>
+      </p:sp>
+      <p:sp>
+        <p:nvSpPr>
+          <p:cNvPr id="5" name="CustomShape 2">
+            <a:extLst>
+              <a:ext uri="{FF2B5EF4-FFF2-40B4-BE49-F238E27FC236}">
+                <a16:creationId xmlns:a16="http://schemas.microsoft.com/office/drawing/2014/main" id="{1087AC0D-6E3E-4A3E-9702-FB105EEC390D}"/>
+              </a:ext>
+            </a:extLst>
+          </p:cNvPr>
+          <p:cNvSpPr/>
+          <p:nvPr/>
+        </p:nvSpPr>
+        <p:spPr>
+          <a:xfrm>
+            <a:off x="246600" y="1044898"/>
+            <a:ext cx="11687400" cy="367878"/>
+          </a:xfrm>
+          <a:prstGeom prst="rect">
+            <a:avLst/>
+          </a:prstGeom>
+          <a:noFill/>
+          <a:ln>
+            <a:noFill/>
+          </a:ln>
+        </p:spPr>
+        <p:style>
+          <a:lnRef idx="0">
+            <a:scrgbClr r="0" g="0" b="0"/>
+          </a:lnRef>
+          <a:fillRef idx="0">
+            <a:scrgbClr r="0" g="0" b="0"/>
+          </a:fillRef>
+          <a:effectRef idx="0">
+            <a:scrgbClr r="0" g="0" b="0"/>
+          </a:effectRef>
+          <a:fontRef idx="minor"/>
+        </p:style>
+        <p:txBody>
+          <a:bodyPr wrap="square" lIns="90000" tIns="45000" rIns="90000" bIns="45000">
+            <a:spAutoFit/>
+          </a:bodyPr>
+          <a:lstStyle/>
+          <a:p>
+            <a:pPr marL="309510" indent="-285750">
+              <a:buClr>
+                <a:srgbClr val="808080"/>
+              </a:buClr>
+              <a:buFont typeface="Arial" panose="020B0604020202020204" pitchFamily="34" charset="0"/>
+              <a:buChar char="•"/>
+            </a:pPr>
+            <a:r>
+              <a:rPr lang="en-IN" sz="1800" b="0" strike="noStrike" spc="-1" dirty="0">
+                <a:solidFill>
+                  <a:schemeClr val="bg1">
+                    <a:lumMod val="50000"/>
+                  </a:schemeClr>
+                </a:solidFill>
+                <a:latin typeface="Consolas" panose="020B0609020204030204" pitchFamily="49" charset="0"/>
+                <a:ea typeface="SimSun"/>
+              </a:rPr>
+              <a:t>cqlsh:db1&gt; </a:t>
+            </a:r>
+            <a:r>
+              <a:rPr lang="en-US" dirty="0">
+                <a:solidFill>
+                  <a:srgbClr val="0070C0"/>
+                </a:solidFill>
+                <a:latin typeface="Consolas" panose="020B0609020204030204" pitchFamily="49" charset="0"/>
+              </a:rPr>
+              <a:t>UPDATE</a:t>
+            </a:r>
+            <a:r>
+              <a:rPr lang="en-US" spc="-1" dirty="0">
+                <a:latin typeface="Consolas" panose="020B0609020204030204" pitchFamily="49" charset="0"/>
+                <a:ea typeface="SimSun"/>
+              </a:rPr>
+              <a:t> books </a:t>
+            </a:r>
+            <a:r>
+              <a:rPr lang="en-US" dirty="0">
+                <a:solidFill>
+                  <a:srgbClr val="C00000"/>
+                </a:solidFill>
+                <a:latin typeface="Consolas" panose="020B0609020204030204" pitchFamily="49" charset="0"/>
+              </a:rPr>
+              <a:t>USING TTL 50 </a:t>
+            </a:r>
+            <a:r>
+              <a:rPr lang="en-US" dirty="0">
+                <a:solidFill>
+                  <a:srgbClr val="F63122"/>
+                </a:solidFill>
+                <a:latin typeface="Consolas" panose="020B0609020204030204" pitchFamily="49" charset="0"/>
+              </a:rPr>
+              <a:t>SET</a:t>
+            </a:r>
+            <a:r>
+              <a:rPr lang="en-US" spc="-1" dirty="0">
+                <a:latin typeface="Consolas" panose="020B0609020204030204" pitchFamily="49" charset="0"/>
+                <a:ea typeface="SimSun"/>
+              </a:rPr>
+              <a:t> addess.city = 'Baroda' </a:t>
+            </a:r>
+            <a:r>
+              <a:rPr lang="en-US" dirty="0">
+                <a:solidFill>
+                  <a:srgbClr val="0070C0"/>
+                </a:solidFill>
+                <a:latin typeface="Consolas" panose="020B0609020204030204" pitchFamily="49" charset="0"/>
+              </a:rPr>
+              <a:t>WHERE</a:t>
+            </a:r>
+            <a:r>
+              <a:rPr lang="en-US" spc="-1" dirty="0">
+                <a:latin typeface="Consolas" panose="020B0609020204030204" pitchFamily="49" charset="0"/>
+                <a:ea typeface="SimSun"/>
+              </a:rPr>
+              <a:t> id = 1;</a:t>
+            </a:r>
+            <a:endParaRPr lang="en-IN" spc="-1" dirty="0">
+              <a:latin typeface="Consolas" panose="020B0609020204030204" pitchFamily="49" charset="0"/>
+              <a:ea typeface="SimSun"/>
+            </a:endParaRPr>
+          </a:p>
+        </p:txBody>
+      </p:sp>
+    </p:spTree>
+    <p:extLst>
+      <p:ext uri="{BB962C8B-B14F-4D97-AF65-F5344CB8AC3E}">
+        <p14:creationId xmlns:p14="http://schemas.microsoft.com/office/powerpoint/2010/main" val="2360864312"/>
+      </p:ext>
+    </p:extLst>
+  </p:cSld>
+  <p:clrMapOvr>
+    <a:masterClrMapping/>
+  </p:clrMapOvr>
+</p:sld>
+</file>
+
+<file path=ppt/slides/slide51.xml><?xml version="1.0" encoding="utf-8"?>
+<p:sld xmlns:a="http://schemas.openxmlformats.org/drawingml/2006/main" xmlns:r="http://schemas.openxmlformats.org/officeDocument/2006/relationships" xmlns:p="http://schemas.openxmlformats.org/presentationml/2006/main">
+  <p:cSld>
+    <p:spTree>
+      <p:nvGrpSpPr>
+        <p:cNvPr id="1" name=""/>
+        <p:cNvGrpSpPr/>
+        <p:nvPr/>
+      </p:nvGrpSpPr>
+      <p:grpSpPr>
+        <a:xfrm>
+          <a:off x="0" y="0"/>
+          <a:ext cx="0" cy="0"/>
+          <a:chOff x="0" y="0"/>
+          <a:chExt cx="0" cy="0"/>
+        </a:xfrm>
+      </p:grpSpPr>
+      <p:sp>
+        <p:nvSpPr>
+          <p:cNvPr id="109" name="CustomShape 1"/>
+          <p:cNvSpPr/>
+          <p:nvPr/>
+        </p:nvSpPr>
+        <p:spPr>
+          <a:xfrm>
+            <a:off x="1676520" y="2362320"/>
+            <a:ext cx="8815320" cy="921876"/>
+          </a:xfrm>
+          <a:prstGeom prst="rect">
+            <a:avLst/>
+          </a:prstGeom>
+          <a:noFill/>
+          <a:ln>
+            <a:noFill/>
+          </a:ln>
+        </p:spPr>
+        <p:style>
+          <a:lnRef idx="0">
+            <a:scrgbClr r="0" g="0" b="0"/>
+          </a:lnRef>
+          <a:fillRef idx="0">
+            <a:scrgbClr r="0" g="0" b="0"/>
+          </a:fillRef>
+          <a:effectRef idx="0">
+            <a:scrgbClr r="0" g="0" b="0"/>
+          </a:effectRef>
+          <a:fontRef idx="minor"/>
+        </p:style>
+        <p:txBody>
+          <a:bodyPr lIns="90000" tIns="45000" rIns="90000" bIns="45000">
+            <a:spAutoFit/>
+          </a:bodyPr>
+          <a:lstStyle/>
+          <a:p>
+            <a:pPr algn="ctr">
+              <a:lnSpc>
+                <a:spcPct val="100000"/>
+              </a:lnSpc>
+            </a:pPr>
+            <a:r>
+              <a:rPr lang="en-IN" sz="5400" i="1" spc="-1" dirty="0">
+                <a:solidFill>
+                  <a:srgbClr val="F7C120"/>
+                </a:solidFill>
+                <a:latin typeface="Century"/>
+                <a:ea typeface="DejaVu Sans"/>
+              </a:rPr>
+              <a:t>drop</a:t>
+            </a:r>
+            <a:r>
+              <a:rPr lang="en-IN" sz="5400" b="0" i="1" strike="noStrike" spc="-1" dirty="0">
+                <a:solidFill>
+                  <a:srgbClr val="F7C120"/>
+                </a:solidFill>
+                <a:latin typeface="Century"/>
+                <a:ea typeface="DejaVu Sans"/>
+              </a:rPr>
+              <a:t> table</a:t>
+            </a:r>
+            <a:endParaRPr lang="en-IN" sz="5400" b="0" strike="noStrike" spc="-1" dirty="0">
+              <a:latin typeface="Arial"/>
+            </a:endParaRPr>
+          </a:p>
+        </p:txBody>
+      </p:sp>
+      <p:sp>
+        <p:nvSpPr>
+          <p:cNvPr id="110" name="CustomShape 2"/>
+          <p:cNvSpPr/>
+          <p:nvPr/>
+        </p:nvSpPr>
+        <p:spPr>
+          <a:xfrm>
+            <a:off x="522360" y="3531600"/>
+            <a:ext cx="11052360" cy="367878"/>
+          </a:xfrm>
+          <a:prstGeom prst="rect">
+            <a:avLst/>
+          </a:prstGeom>
+          <a:noFill/>
+          <a:ln>
+            <a:noFill/>
+          </a:ln>
+        </p:spPr>
+        <p:style>
+          <a:lnRef idx="0">
+            <a:scrgbClr r="0" g="0" b="0"/>
+          </a:lnRef>
+          <a:fillRef idx="0">
+            <a:scrgbClr r="0" g="0" b="0"/>
+          </a:fillRef>
+          <a:effectRef idx="0">
+            <a:scrgbClr r="0" g="0" b="0"/>
+          </a:effectRef>
+          <a:fontRef idx="minor"/>
+        </p:style>
+        <p:txBody>
+          <a:bodyPr lIns="90000" tIns="45000" rIns="90000" bIns="45000">
+            <a:spAutoFit/>
+          </a:bodyPr>
+          <a:lstStyle/>
+          <a:p>
+            <a:pPr algn="just">
+              <a:lnSpc>
+                <a:spcPct val="100000"/>
+              </a:lnSpc>
+            </a:pPr>
+            <a:r>
+              <a:rPr lang="en-US" sz="1800" b="0" strike="noStrike" spc="-1" dirty="0">
+                <a:solidFill>
+                  <a:srgbClr val="BB0643"/>
+                </a:solidFill>
+                <a:latin typeface="Segoe UI"/>
+                <a:ea typeface="DejaVu Sans"/>
+              </a:rPr>
+              <a:t>TODO</a:t>
+            </a:r>
+            <a:endParaRPr lang="en-IN" spc="-1" dirty="0">
+              <a:solidFill>
+                <a:srgbClr val="BB0643"/>
+              </a:solidFill>
+              <a:latin typeface="Segoe UI"/>
+            </a:endParaRPr>
+          </a:p>
+        </p:txBody>
+      </p:sp>
+    </p:spTree>
+    <p:extLst>
+      <p:ext uri="{BB962C8B-B14F-4D97-AF65-F5344CB8AC3E}">
+        <p14:creationId xmlns:p14="http://schemas.microsoft.com/office/powerpoint/2010/main" val="3621743096"/>
+      </p:ext>
+    </p:extLst>
+  </p:cSld>
+  <p:clrMapOvr>
+    <a:masterClrMapping/>
+  </p:clrMapOvr>
+</p:sld>
+</file>
+
+<file path=ppt/slides/slide52.xml><?xml version="1.0" encoding="utf-8"?>
 <p:sld xmlns:a="http://schemas.openxmlformats.org/drawingml/2006/main" xmlns:r="http://schemas.openxmlformats.org/officeDocument/2006/relationships" xmlns:p="http://schemas.openxmlformats.org/presentationml/2006/main">
   <p:cSld>
     <p:spTree>
@@ -28106,7 +29344,7 @@
 </p:sld>
 </file>
 
-<file path=ppt/slides/slide51.xml><?xml version="1.0" encoding="utf-8"?>
+<file path=ppt/slides/slide53.xml><?xml version="1.0" encoding="utf-8"?>
 <p:sld xmlns:a="http://schemas.openxmlformats.org/drawingml/2006/main" xmlns:r="http://schemas.openxmlformats.org/officeDocument/2006/relationships" xmlns:p="http://schemas.openxmlformats.org/presentationml/2006/main">
   <p:cSld>
     <p:spTree>
@@ -28265,7 +29503,7 @@
 </p:sld>
 </file>
 
-<file path=ppt/slides/slide52.xml><?xml version="1.0" encoding="utf-8"?>
+<file path=ppt/slides/slide54.xml><?xml version="1.0" encoding="utf-8"?>
 <p:sld xmlns:a="http://schemas.openxmlformats.org/drawingml/2006/main" xmlns:r="http://schemas.openxmlformats.org/officeDocument/2006/relationships" xmlns:p="http://schemas.openxmlformats.org/presentationml/2006/main">
   <p:cSld>
     <p:spTree>
@@ -28725,7 +29963,7 @@
 </p:sld>
 </file>
 
-<file path=ppt/slides/slide53.xml><?xml version="1.0" encoding="utf-8"?>
+<file path=ppt/slides/slide55.xml><?xml version="1.0" encoding="utf-8"?>
 <p:sld xmlns:a="http://schemas.openxmlformats.org/drawingml/2006/main" xmlns:r="http://schemas.openxmlformats.org/officeDocument/2006/relationships" xmlns:p="http://schemas.openxmlformats.org/presentationml/2006/main">
   <p:cSld>
     <p:spTree>
@@ -29123,7 +30361,7 @@
 </p:sld>
 </file>
 
-<file path=ppt/slides/slide54.xml><?xml version="1.0" encoding="utf-8"?>
+<file path=ppt/slides/slide56.xml><?xml version="1.0" encoding="utf-8"?>
 <p:sld xmlns:a="http://schemas.openxmlformats.org/drawingml/2006/main" xmlns:r="http://schemas.openxmlformats.org/officeDocument/2006/relationships" xmlns:p="http://schemas.openxmlformats.org/presentationml/2006/main">
   <p:cSld>
     <p:spTree>
@@ -29272,7 +30510,7 @@
 </p:sld>
 </file>
 
-<file path=ppt/slides/slide55.xml><?xml version="1.0" encoding="utf-8"?>
+<file path=ppt/slides/slide57.xml><?xml version="1.0" encoding="utf-8"?>
 <p:sld xmlns:a="http://schemas.openxmlformats.org/drawingml/2006/main" xmlns:r="http://schemas.openxmlformats.org/officeDocument/2006/relationships" xmlns:p="http://schemas.openxmlformats.org/presentationml/2006/main">
   <p:cSld>
     <p:spTree>
@@ -29671,7 +30909,7 @@
 </p:sld>
 </file>
 
-<file path=ppt/slides/slide56.xml><?xml version="1.0" encoding="utf-8"?>
+<file path=ppt/slides/slide58.xml><?xml version="1.0" encoding="utf-8"?>
 <p:sld xmlns:a="http://schemas.openxmlformats.org/drawingml/2006/main" xmlns:r="http://schemas.openxmlformats.org/officeDocument/2006/relationships" xmlns:p="http://schemas.openxmlformats.org/presentationml/2006/main">
   <p:cSld>
     <p:spTree>
@@ -29837,7 +31075,7 @@
 </p:sld>
 </file>
 
-<file path=ppt/slides/slide57.xml><?xml version="1.0" encoding="utf-8"?>
+<file path=ppt/slides/slide59.xml><?xml version="1.0" encoding="utf-8"?>
 <p:sld xmlns:a="http://schemas.openxmlformats.org/drawingml/2006/main" xmlns:r="http://schemas.openxmlformats.org/officeDocument/2006/relationships" xmlns:p="http://schemas.openxmlformats.org/presentationml/2006/main">
   <p:cSld>
     <p:spTree>
@@ -30266,7 +31504,7 @@
 </p:sld>
 </file>
 
-<file path=ppt/slides/slide58.xml><?xml version="1.0" encoding="utf-8"?>
+<file path=ppt/slides/slide6.xml><?xml version="1.0" encoding="utf-8"?>
 <p:sld xmlns:a="http://schemas.openxmlformats.org/drawingml/2006/main" xmlns:r="http://schemas.openxmlformats.org/officeDocument/2006/relationships" xmlns:p="http://schemas.openxmlformats.org/presentationml/2006/main">
   <p:cSld>
     <p:spTree>
@@ -30333,6 +31571,159 @@
                 <a:latin typeface="Century"/>
                 <a:ea typeface="DejaVu Sans"/>
               </a:rPr>
+              <a:t>keyspace</a:t>
+            </a:r>
+            <a:endParaRPr lang="en-IN" sz="5400" b="0" strike="noStrike" spc="-1" dirty="0">
+              <a:latin typeface="Arial"/>
+            </a:endParaRPr>
+          </a:p>
+        </p:txBody>
+      </p:sp>
+      <p:sp>
+        <p:nvSpPr>
+          <p:cNvPr id="110" name="CustomShape 2"/>
+          <p:cNvSpPr/>
+          <p:nvPr/>
+        </p:nvSpPr>
+        <p:spPr>
+          <a:xfrm>
+            <a:off x="522360" y="3531600"/>
+            <a:ext cx="11052360" cy="644877"/>
+          </a:xfrm>
+          <a:prstGeom prst="rect">
+            <a:avLst/>
+          </a:prstGeom>
+          <a:noFill/>
+          <a:ln>
+            <a:noFill/>
+          </a:ln>
+        </p:spPr>
+        <p:style>
+          <a:lnRef idx="0">
+            <a:scrgbClr r="0" g="0" b="0"/>
+          </a:lnRef>
+          <a:fillRef idx="0">
+            <a:scrgbClr r="0" g="0" b="0"/>
+          </a:fillRef>
+          <a:effectRef idx="0">
+            <a:scrgbClr r="0" g="0" b="0"/>
+          </a:effectRef>
+          <a:fontRef idx="minor"/>
+        </p:style>
+        <p:txBody>
+          <a:bodyPr lIns="90000" tIns="45000" rIns="90000" bIns="45000">
+            <a:spAutoFit/>
+          </a:bodyPr>
+          <a:lstStyle/>
+          <a:p>
+            <a:pPr algn="just">
+              <a:lnSpc>
+                <a:spcPct val="100000"/>
+              </a:lnSpc>
+            </a:pPr>
+            <a:r>
+              <a:rPr lang="en-US" sz="1800" b="0" strike="noStrike" spc="-1" dirty="0">
+                <a:solidFill>
+                  <a:srgbClr val="BB0643"/>
+                </a:solidFill>
+                <a:latin typeface="Segoe UI"/>
+                <a:ea typeface="DejaVu Sans"/>
+              </a:rPr>
+              <a:t>A</a:t>
+            </a:r>
+            <a:r>
+              <a:rPr lang="en-US" spc="-1" dirty="0">
+                <a:solidFill>
+                  <a:srgbClr val="BB0643"/>
+                </a:solidFill>
+                <a:latin typeface="Segoe UI"/>
+              </a:rPr>
+              <a:t> keyspace is an outermost object that determines how data replicates on nodes. Keyspaces consist of core objects called column families (which are like tables in RDBMS)</a:t>
+            </a:r>
+            <a:endParaRPr lang="en-IN" spc="-1" dirty="0">
+              <a:solidFill>
+                <a:srgbClr val="BB0643"/>
+              </a:solidFill>
+              <a:latin typeface="Segoe UI"/>
+            </a:endParaRPr>
+          </a:p>
+        </p:txBody>
+      </p:sp>
+    </p:spTree>
+  </p:cSld>
+  <p:clrMapOvr>
+    <a:masterClrMapping/>
+  </p:clrMapOvr>
+</p:sld>
+</file>
+
+<file path=ppt/slides/slide60.xml><?xml version="1.0" encoding="utf-8"?>
+<p:sld xmlns:a="http://schemas.openxmlformats.org/drawingml/2006/main" xmlns:r="http://schemas.openxmlformats.org/officeDocument/2006/relationships" xmlns:p="http://schemas.openxmlformats.org/presentationml/2006/main">
+  <p:cSld>
+    <p:spTree>
+      <p:nvGrpSpPr>
+        <p:cNvPr id="1" name=""/>
+        <p:cNvGrpSpPr/>
+        <p:nvPr/>
+      </p:nvGrpSpPr>
+      <p:grpSpPr>
+        <a:xfrm>
+          <a:off x="0" y="0"/>
+          <a:ext cx="0" cy="0"/>
+          <a:chOff x="0" y="0"/>
+          <a:chExt cx="0" cy="0"/>
+        </a:xfrm>
+      </p:grpSpPr>
+      <p:sp>
+        <p:nvSpPr>
+          <p:cNvPr id="109" name="CustomShape 1"/>
+          <p:cNvSpPr/>
+          <p:nvPr/>
+        </p:nvSpPr>
+        <p:spPr>
+          <a:xfrm>
+            <a:off x="1676520" y="2362320"/>
+            <a:ext cx="8815320" cy="921876"/>
+          </a:xfrm>
+          <a:prstGeom prst="rect">
+            <a:avLst/>
+          </a:prstGeom>
+          <a:noFill/>
+          <a:ln>
+            <a:noFill/>
+          </a:ln>
+        </p:spPr>
+        <p:style>
+          <a:lnRef idx="0">
+            <a:scrgbClr r="0" g="0" b="0"/>
+          </a:lnRef>
+          <a:fillRef idx="0">
+            <a:scrgbClr r="0" g="0" b="0"/>
+          </a:fillRef>
+          <a:effectRef idx="0">
+            <a:scrgbClr r="0" g="0" b="0"/>
+          </a:effectRef>
+          <a:fontRef idx="minor"/>
+        </p:style>
+        <p:txBody>
+          <a:bodyPr lIns="90000" tIns="45000" rIns="90000" bIns="45000">
+            <a:spAutoFit/>
+          </a:bodyPr>
+          <a:lstStyle/>
+          <a:p>
+            <a:pPr algn="ctr">
+              <a:lnSpc>
+                <a:spcPct val="100000"/>
+              </a:lnSpc>
+            </a:pPr>
+            <a:r>
+              <a:rPr lang="en-IN" sz="5400" b="0" i="1" strike="noStrike" spc="-1" dirty="0">
+                <a:solidFill>
+                  <a:srgbClr val="F7C120"/>
+                </a:solidFill>
+                <a:latin typeface="Century"/>
+                <a:ea typeface="DejaVu Sans"/>
+              </a:rPr>
               <a:t>data dictionary</a:t>
             </a:r>
             <a:endParaRPr lang="en-IN" sz="5400" b="0" strike="noStrike" spc="-1" dirty="0">
@@ -30415,7 +31806,7 @@
 </p:sld>
 </file>
 
-<file path=ppt/slides/slide59.xml><?xml version="1.0" encoding="utf-8"?>
+<file path=ppt/slides/slide61.xml><?xml version="1.0" encoding="utf-8"?>
 <p:sld xmlns:a="http://schemas.openxmlformats.org/drawingml/2006/main" xmlns:r="http://schemas.openxmlformats.org/officeDocument/2006/relationships" xmlns:p="http://schemas.openxmlformats.org/presentationml/2006/main">
   <p:cSld>
     <p:spTree>
@@ -31193,160 +32584,7 @@
 </p:sld>
 </file>
 
-<file path=ppt/slides/slide6.xml><?xml version="1.0" encoding="utf-8"?>
-<p:sld xmlns:a="http://schemas.openxmlformats.org/drawingml/2006/main" xmlns:r="http://schemas.openxmlformats.org/officeDocument/2006/relationships" xmlns:p="http://schemas.openxmlformats.org/presentationml/2006/main">
-  <p:cSld>
-    <p:spTree>
-      <p:nvGrpSpPr>
-        <p:cNvPr id="1" name=""/>
-        <p:cNvGrpSpPr/>
-        <p:nvPr/>
-      </p:nvGrpSpPr>
-      <p:grpSpPr>
-        <a:xfrm>
-          <a:off x="0" y="0"/>
-          <a:ext cx="0" cy="0"/>
-          <a:chOff x="0" y="0"/>
-          <a:chExt cx="0" cy="0"/>
-        </a:xfrm>
-      </p:grpSpPr>
-      <p:sp>
-        <p:nvSpPr>
-          <p:cNvPr id="109" name="CustomShape 1"/>
-          <p:cNvSpPr/>
-          <p:nvPr/>
-        </p:nvSpPr>
-        <p:spPr>
-          <a:xfrm>
-            <a:off x="1676520" y="2362320"/>
-            <a:ext cx="8815320" cy="921876"/>
-          </a:xfrm>
-          <a:prstGeom prst="rect">
-            <a:avLst/>
-          </a:prstGeom>
-          <a:noFill/>
-          <a:ln>
-            <a:noFill/>
-          </a:ln>
-        </p:spPr>
-        <p:style>
-          <a:lnRef idx="0">
-            <a:scrgbClr r="0" g="0" b="0"/>
-          </a:lnRef>
-          <a:fillRef idx="0">
-            <a:scrgbClr r="0" g="0" b="0"/>
-          </a:fillRef>
-          <a:effectRef idx="0">
-            <a:scrgbClr r="0" g="0" b="0"/>
-          </a:effectRef>
-          <a:fontRef idx="minor"/>
-        </p:style>
-        <p:txBody>
-          <a:bodyPr lIns="90000" tIns="45000" rIns="90000" bIns="45000">
-            <a:spAutoFit/>
-          </a:bodyPr>
-          <a:lstStyle/>
-          <a:p>
-            <a:pPr algn="ctr">
-              <a:lnSpc>
-                <a:spcPct val="100000"/>
-              </a:lnSpc>
-            </a:pPr>
-            <a:r>
-              <a:rPr lang="en-IN" sz="5400" b="0" i="1" strike="noStrike" spc="-1" dirty="0">
-                <a:solidFill>
-                  <a:srgbClr val="F7C120"/>
-                </a:solidFill>
-                <a:latin typeface="Century"/>
-                <a:ea typeface="DejaVu Sans"/>
-              </a:rPr>
-              <a:t>keyspace</a:t>
-            </a:r>
-            <a:endParaRPr lang="en-IN" sz="5400" b="0" strike="noStrike" spc="-1" dirty="0">
-              <a:latin typeface="Arial"/>
-            </a:endParaRPr>
-          </a:p>
-        </p:txBody>
-      </p:sp>
-      <p:sp>
-        <p:nvSpPr>
-          <p:cNvPr id="110" name="CustomShape 2"/>
-          <p:cNvSpPr/>
-          <p:nvPr/>
-        </p:nvSpPr>
-        <p:spPr>
-          <a:xfrm>
-            <a:off x="522360" y="3531600"/>
-            <a:ext cx="11052360" cy="644877"/>
-          </a:xfrm>
-          <a:prstGeom prst="rect">
-            <a:avLst/>
-          </a:prstGeom>
-          <a:noFill/>
-          <a:ln>
-            <a:noFill/>
-          </a:ln>
-        </p:spPr>
-        <p:style>
-          <a:lnRef idx="0">
-            <a:scrgbClr r="0" g="0" b="0"/>
-          </a:lnRef>
-          <a:fillRef idx="0">
-            <a:scrgbClr r="0" g="0" b="0"/>
-          </a:fillRef>
-          <a:effectRef idx="0">
-            <a:scrgbClr r="0" g="0" b="0"/>
-          </a:effectRef>
-          <a:fontRef idx="minor"/>
-        </p:style>
-        <p:txBody>
-          <a:bodyPr lIns="90000" tIns="45000" rIns="90000" bIns="45000">
-            <a:spAutoFit/>
-          </a:bodyPr>
-          <a:lstStyle/>
-          <a:p>
-            <a:pPr algn="just">
-              <a:lnSpc>
-                <a:spcPct val="100000"/>
-              </a:lnSpc>
-            </a:pPr>
-            <a:r>
-              <a:rPr lang="en-US" sz="1800" b="0" strike="noStrike" spc="-1" dirty="0">
-                <a:solidFill>
-                  <a:srgbClr val="BB0643"/>
-                </a:solidFill>
-                <a:latin typeface="Segoe UI"/>
-                <a:ea typeface="DejaVu Sans"/>
-              </a:rPr>
-              <a:t>A</a:t>
-            </a:r>
-            <a:r>
-              <a:rPr lang="en-US" spc="-1" dirty="0">
-                <a:solidFill>
-                  <a:srgbClr val="BB0643"/>
-                </a:solidFill>
-                <a:latin typeface="Segoe UI"/>
-              </a:rPr>
-              <a:t> keyspace is an outermost object that determines how data replicates on nodes. Keyspaces consist of core objects called column families (which are like tables in RDBMS)</a:t>
-            </a:r>
-            <a:endParaRPr lang="en-IN" spc="-1" dirty="0">
-              <a:solidFill>
-                <a:srgbClr val="BB0643"/>
-              </a:solidFill>
-              <a:latin typeface="Segoe UI"/>
-            </a:endParaRPr>
-          </a:p>
-        </p:txBody>
-      </p:sp>
-    </p:spTree>
-  </p:cSld>
-  <p:clrMapOvr>
-    <a:masterClrMapping/>
-  </p:clrMapOvr>
-</p:sld>
-</file>
-
-<file path=ppt/slides/slide60.xml><?xml version="1.0" encoding="utf-8"?>
+<file path=ppt/slides/slide62.xml><?xml version="1.0" encoding="utf-8"?>
 <p:sld xmlns:a="http://schemas.openxmlformats.org/drawingml/2006/main" xmlns:r="http://schemas.openxmlformats.org/officeDocument/2006/relationships" xmlns:p="http://schemas.openxmlformats.org/presentationml/2006/main">
   <p:cSld>
     <p:spTree>

--- a/Cassandra Ver1.pptx
+++ b/Cassandra Ver1.pptx
@@ -12841,8 +12841,8 @@
         </p:nvSpPr>
         <p:spPr>
           <a:xfrm>
-            <a:off x="246600" y="4509120"/>
-            <a:ext cx="11687400" cy="2215991"/>
+            <a:off x="252300" y="4437112"/>
+            <a:ext cx="11687400" cy="2308324"/>
           </a:xfrm>
           <a:prstGeom prst="rect">
             <a:avLst/>
@@ -12998,7 +12998,53 @@
                 <a:latin typeface="Palatino Linotype" panose="02040502050505030304" pitchFamily="18" charset="0"/>
                 <a:cs typeface="Arial" panose="020B0604020202020204" pitchFamily="34" charset="0"/>
               </a:rPr>
-              <a:t>To insert data in a counter column or to increase or decrease the value of the counter, use the UPDATE command.</a:t>
+              <a:t>To insert data in a counter column or to </a:t>
+            </a:r>
+            <a:r>
+              <a:rPr lang="en-US" sz="2400" b="1" dirty="0">
+                <a:solidFill>
+                  <a:srgbClr val="7E007E"/>
+                </a:solidFill>
+                <a:latin typeface="Palatino Linotype" panose="02040502050505030304" pitchFamily="18" charset="0"/>
+                <a:cs typeface="Arial" panose="020B0604020202020204" pitchFamily="34" charset="0"/>
+              </a:rPr>
+              <a:t>(+)</a:t>
+            </a:r>
+            <a:r>
+              <a:rPr lang="en-US" dirty="0">
+                <a:solidFill>
+                  <a:schemeClr val="tx1">
+                    <a:lumMod val="95000"/>
+                    <a:lumOff val="5000"/>
+                  </a:schemeClr>
+                </a:solidFill>
+                <a:latin typeface="Palatino Linotype" panose="02040502050505030304" pitchFamily="18" charset="0"/>
+                <a:cs typeface="Arial" panose="020B0604020202020204" pitchFamily="34" charset="0"/>
+              </a:rPr>
+              <a:t> increase or </a:t>
+            </a:r>
+            <a:r>
+              <a:rPr lang="en-US" sz="2400" b="1" dirty="0">
+                <a:solidFill>
+                  <a:srgbClr val="7E007E"/>
+                </a:solidFill>
+                <a:latin typeface="Palatino Linotype" panose="02040502050505030304" pitchFamily="18" charset="0"/>
+                <a:cs typeface="Arial" panose="020B0604020202020204" pitchFamily="34" charset="0"/>
+              </a:rPr>
+              <a:t>(-)</a:t>
+            </a:r>
+            <a:r>
+              <a:rPr lang="en-US" dirty="0">
+                <a:solidFill>
+                  <a:schemeClr val="tx1">
+                    <a:lumMod val="95000"/>
+                    <a:lumOff val="5000"/>
+                  </a:schemeClr>
+                </a:solidFill>
+                <a:latin typeface="Palatino Linotype" panose="02040502050505030304" pitchFamily="18" charset="0"/>
+                <a:cs typeface="Arial" panose="020B0604020202020204" pitchFamily="34" charset="0"/>
+              </a:rPr>
+              <a:t> decrease the value of the counter, use the UPDATE command.</a:t>
             </a:r>
             <a:endParaRPr lang="en-IN" dirty="0">
               <a:solidFill>
@@ -13696,7 +13742,7 @@
                 <a:latin typeface="Consolas" panose="020B0609020204030204" pitchFamily="49" charset="0"/>
                 <a:ea typeface="SimSun"/>
               </a:rPr>
-              <a:t>, a  </a:t>
+              <a:t>, attempt  </a:t>
             </a:r>
             <a:r>
               <a:rPr lang="en-US" dirty="0">
@@ -13823,6 +13869,140 @@
               <a:latin typeface="Consolas" panose="020B0609020204030204" pitchFamily="49" charset="0"/>
               <a:ea typeface="SimSun"/>
             </a:endParaRPr>
+          </a:p>
+        </p:txBody>
+      </p:sp>
+      <p:sp>
+        <p:nvSpPr>
+          <p:cNvPr id="8" name="TextBox 7">
+            <a:extLst>
+              <a:ext uri="{FF2B5EF4-FFF2-40B4-BE49-F238E27FC236}">
+                <a16:creationId xmlns:a16="http://schemas.microsoft.com/office/drawing/2014/main" id="{17DA9246-A769-489D-A429-D8C63F909BAB}"/>
+              </a:ext>
+            </a:extLst>
+          </p:cNvPr>
+          <p:cNvSpPr txBox="1"/>
+          <p:nvPr/>
+        </p:nvSpPr>
+        <p:spPr>
+          <a:xfrm>
+            <a:off x="252054" y="5085184"/>
+            <a:ext cx="11681946" cy="1323439"/>
+          </a:xfrm>
+          <a:prstGeom prst="rect">
+            <a:avLst/>
+          </a:prstGeom>
+          <a:noFill/>
+        </p:spPr>
+        <p:txBody>
+          <a:bodyPr wrap="square">
+            <a:spAutoFit/>
+          </a:bodyPr>
+          <a:lstStyle/>
+          <a:p>
+            <a:pPr marL="285750" indent="-285750">
+              <a:buFont typeface="Arial" panose="020B0604020202020204" pitchFamily="34" charset="0"/>
+              <a:buChar char="•"/>
+            </a:pPr>
+            <a:r>
+              <a:rPr lang="en-IN" sz="1800" b="0" strike="noStrike" spc="-1" dirty="0">
+                <a:solidFill>
+                  <a:schemeClr val="bg1">
+                    <a:lumMod val="50000"/>
+                  </a:schemeClr>
+                </a:solidFill>
+                <a:latin typeface="Consolas" panose="020B0609020204030204" pitchFamily="49" charset="0"/>
+                <a:ea typeface="SimSun"/>
+              </a:rPr>
+              <a:t>cqlsh:db1&gt; </a:t>
+            </a:r>
+            <a:r>
+              <a:rPr lang="en-IN" dirty="0">
+                <a:solidFill>
+                  <a:srgbClr val="0070C0"/>
+                </a:solidFill>
+                <a:latin typeface="Consolas" panose="020B0609020204030204" pitchFamily="49" charset="0"/>
+              </a:rPr>
+              <a:t>update</a:t>
+            </a:r>
+            <a:r>
+              <a:rPr lang="en-IN" dirty="0">
+                <a:latin typeface="Consolas" panose="020B0609020204030204" pitchFamily="49" charset="0"/>
+              </a:rPr>
+              <a:t> examAttempt set attempt = attempt + 1 </a:t>
+            </a:r>
+            <a:r>
+              <a:rPr lang="en-IN" dirty="0">
+                <a:solidFill>
+                  <a:srgbClr val="0070C0"/>
+                </a:solidFill>
+                <a:latin typeface="Consolas" panose="020B0609020204030204" pitchFamily="49" charset="0"/>
+              </a:rPr>
+              <a:t>WHERE</a:t>
+            </a:r>
+            <a:r>
+              <a:rPr lang="en-IN" dirty="0">
+                <a:latin typeface="Consolas" panose="020B0609020204030204" pitchFamily="49" charset="0"/>
+              </a:rPr>
+              <a:t> studentId=1 and subject='science';</a:t>
+            </a:r>
+          </a:p>
+          <a:p>
+            <a:pPr marL="285750" indent="-285750">
+              <a:buFont typeface="Arial" panose="020B0604020202020204" pitchFamily="34" charset="0"/>
+              <a:buChar char="•"/>
+            </a:pPr>
+            <a:endParaRPr lang="en-IN" sz="800" dirty="0">
+              <a:latin typeface="Consolas" panose="020B0609020204030204" pitchFamily="49" charset="0"/>
+            </a:endParaRPr>
+          </a:p>
+          <a:p>
+            <a:pPr marL="285750" indent="-285750">
+              <a:buFont typeface="Arial" panose="020B0604020202020204" pitchFamily="34" charset="0"/>
+              <a:buChar char="•"/>
+            </a:pPr>
+            <a:r>
+              <a:rPr lang="en-IN" sz="1800" b="0" strike="noStrike" spc="-1" dirty="0">
+                <a:solidFill>
+                  <a:schemeClr val="bg1">
+                    <a:lumMod val="50000"/>
+                  </a:schemeClr>
+                </a:solidFill>
+                <a:latin typeface="Consolas" panose="020B0609020204030204" pitchFamily="49" charset="0"/>
+                <a:ea typeface="SimSun"/>
+              </a:rPr>
+              <a:t>cqlsh:db1&gt; </a:t>
+            </a:r>
+            <a:r>
+              <a:rPr lang="en-IN" dirty="0">
+                <a:solidFill>
+                  <a:srgbClr val="0070C0"/>
+                </a:solidFill>
+                <a:latin typeface="Consolas" panose="020B0609020204030204" pitchFamily="49" charset="0"/>
+              </a:rPr>
+              <a:t>update</a:t>
+            </a:r>
+            <a:r>
+              <a:rPr lang="en-IN" dirty="0">
+                <a:latin typeface="Consolas" panose="020B0609020204030204" pitchFamily="49" charset="0"/>
+              </a:rPr>
+              <a:t> examAttempt set attempt = attempt - 1 </a:t>
+            </a:r>
+            <a:r>
+              <a:rPr lang="en-IN" dirty="0">
+                <a:solidFill>
+                  <a:srgbClr val="0070C0"/>
+                </a:solidFill>
+                <a:latin typeface="Consolas" panose="020B0609020204030204" pitchFamily="49" charset="0"/>
+              </a:rPr>
+              <a:t>WHERE</a:t>
+            </a:r>
+            <a:r>
+              <a:rPr lang="en-IN" dirty="0">
+                <a:latin typeface="Consolas" panose="020B0609020204030204" pitchFamily="49" charset="0"/>
+              </a:rPr>
+              <a:t> studentId=1 and subject='science';</a:t>
+            </a:r>
           </a:p>
         </p:txBody>
       </p:sp>

--- a/Cassandra Ver1.pptx
+++ b/Cassandra Ver1.pptx
@@ -5,7 +5,7 @@
     <p:sldMasterId id="2147483720" r:id="rId1"/>
   </p:sldMasterIdLst>
   <p:notesMasterIdLst>
-    <p:notesMasterId r:id="rId64"/>
+    <p:notesMasterId r:id="rId66"/>
   </p:notesMasterIdLst>
   <p:sldIdLst>
     <p:sldId id="256" r:id="rId2"/>
@@ -49,27 +49,29 @@
     <p:sldId id="1462" r:id="rId40"/>
     <p:sldId id="1463" r:id="rId41"/>
     <p:sldId id="1464" r:id="rId42"/>
-    <p:sldId id="1469" r:id="rId43"/>
-    <p:sldId id="1470" r:id="rId44"/>
-    <p:sldId id="1472" r:id="rId45"/>
-    <p:sldId id="947" r:id="rId46"/>
-    <p:sldId id="1446" r:id="rId47"/>
-    <p:sldId id="1444" r:id="rId48"/>
-    <p:sldId id="1445" r:id="rId49"/>
-    <p:sldId id="1450" r:id="rId50"/>
-    <p:sldId id="1468" r:id="rId51"/>
-    <p:sldId id="1430" r:id="rId52"/>
-    <p:sldId id="1431" r:id="rId53"/>
-    <p:sldId id="1432" r:id="rId54"/>
-    <p:sldId id="1433" r:id="rId55"/>
-    <p:sldId id="1471" r:id="rId56"/>
-    <p:sldId id="1442" r:id="rId57"/>
-    <p:sldId id="1447" r:id="rId58"/>
-    <p:sldId id="1448" r:id="rId59"/>
-    <p:sldId id="1449" r:id="rId60"/>
-    <p:sldId id="1424" r:id="rId61"/>
-    <p:sldId id="1421" r:id="rId62"/>
-    <p:sldId id="350" r:id="rId63"/>
+    <p:sldId id="1475" r:id="rId43"/>
+    <p:sldId id="1476" r:id="rId44"/>
+    <p:sldId id="1469" r:id="rId45"/>
+    <p:sldId id="1470" r:id="rId46"/>
+    <p:sldId id="1472" r:id="rId47"/>
+    <p:sldId id="947" r:id="rId48"/>
+    <p:sldId id="1446" r:id="rId49"/>
+    <p:sldId id="1444" r:id="rId50"/>
+    <p:sldId id="1445" r:id="rId51"/>
+    <p:sldId id="1450" r:id="rId52"/>
+    <p:sldId id="1468" r:id="rId53"/>
+    <p:sldId id="1430" r:id="rId54"/>
+    <p:sldId id="1431" r:id="rId55"/>
+    <p:sldId id="1432" r:id="rId56"/>
+    <p:sldId id="1433" r:id="rId57"/>
+    <p:sldId id="1471" r:id="rId58"/>
+    <p:sldId id="1442" r:id="rId59"/>
+    <p:sldId id="1447" r:id="rId60"/>
+    <p:sldId id="1448" r:id="rId61"/>
+    <p:sldId id="1449" r:id="rId62"/>
+    <p:sldId id="1424" r:id="rId63"/>
+    <p:sldId id="1421" r:id="rId64"/>
+    <p:sldId id="350" r:id="rId65"/>
   </p:sldIdLst>
   <p:sldSz cx="12192000" cy="6858000"/>
   <p:notesSz cx="6858000" cy="9144000"/>
@@ -282,7 +284,7 @@
             <a:fld id="{757F699C-254E-44B6-B18D-E7E82B2FC743}" type="datetimeFigureOut">
               <a:rPr lang="en-IN" smtClean="0"/>
               <a:pPr/>
-              <a:t>16-04-2022</a:t>
+              <a:t>18-04-2022</a:t>
             </a:fld>
             <a:endParaRPr lang="en-IN"/>
           </a:p>
@@ -1108,7 +1110,7 @@
             <a:fld id="{52F73076-280E-4994-B9AF-08CB19D7A53F}" type="datetimeFigureOut">
               <a:rPr lang="en-US" smtClean="0"/>
               <a:pPr/>
-              <a:t>4/16/2022</a:t>
+              <a:t>4/18/2022</a:t>
             </a:fld>
             <a:endParaRPr lang="en-US" dirty="0"/>
           </a:p>
@@ -1553,7 +1555,7 @@
             <a:fld id="{52F73076-280E-4994-B9AF-08CB19D7A53F}" type="datetimeFigureOut">
               <a:rPr lang="en-US" smtClean="0"/>
               <a:pPr/>
-              <a:t>4/16/2022</a:t>
+              <a:t>4/18/2022</a:t>
             </a:fld>
             <a:endParaRPr lang="en-US" dirty="0"/>
           </a:p>
@@ -2485,7 +2487,7 @@
             <a:fld id="{52F73076-280E-4994-B9AF-08CB19D7A53F}" type="datetimeFigureOut">
               <a:rPr lang="en-US" smtClean="0"/>
               <a:pPr/>
-              <a:t>4/16/2022</a:t>
+              <a:t>4/18/2022</a:t>
             </a:fld>
             <a:endParaRPr lang="en-US" dirty="0"/>
           </a:p>
@@ -2903,7 +2905,7 @@
             <a:fld id="{52F73076-280E-4994-B9AF-08CB19D7A53F}" type="datetimeFigureOut">
               <a:rPr lang="en-US" smtClean="0"/>
               <a:pPr/>
-              <a:t>4/16/2022</a:t>
+              <a:t>4/18/2022</a:t>
             </a:fld>
             <a:endParaRPr lang="en-US" dirty="0"/>
           </a:p>
@@ -7635,7 +7637,7 @@
         <p:spPr>
           <a:xfrm>
             <a:off x="246600" y="2030400"/>
-            <a:ext cx="11687400" cy="644877"/>
+            <a:ext cx="11687400" cy="1445096"/>
           </a:xfrm>
           <a:prstGeom prst="rect">
             <a:avLst/>
@@ -7853,6 +7855,295 @@
                 <a:cs typeface="Arial" panose="020B0604020202020204" pitchFamily="34" charset="0"/>
               </a:rPr>
               <a:t>boolean </a:t>
+            </a:r>
+            <a:r>
+              <a:rPr lang="en-US" sz="1800" b="0" strike="noStrike" spc="-1" dirty="0">
+                <a:solidFill>
+                  <a:schemeClr val="bg1">
+                    <a:lumMod val="50000"/>
+                  </a:schemeClr>
+                </a:solidFill>
+                <a:latin typeface="Consolas" panose="020B0609020204030204" pitchFamily="49" charset="0"/>
+                <a:ea typeface="SimSun"/>
+              </a:rPr>
+              <a:t>)</a:t>
+            </a:r>
+            <a:r>
+              <a:rPr lang="en-US" sz="1800" b="0" strike="noStrike" spc="-1" dirty="0">
+                <a:latin typeface="Consolas" panose="020B0609020204030204" pitchFamily="49" charset="0"/>
+                <a:ea typeface="SimSun"/>
+ 